--- a/Session 7 - Python/Instructional Material/Session 7 - Python Brief Intro to Machine Learning with Scikit Learn.pptx
+++ b/Session 7 - Python/Instructional Material/Session 7 - Python Brief Intro to Machine Learning with Scikit Learn.pptx
@@ -8,7 +8,37 @@
   <p:sldIdLst>
     <p:sldId id="256" r:id="rId3"/>
     <p:sldId id="283" r:id="rId4"/>
-    <p:sldId id="375" r:id="rId5"/>
+    <p:sldId id="379" r:id="rId5"/>
+    <p:sldId id="408" r:id="rId6"/>
+    <p:sldId id="381" r:id="rId7"/>
+    <p:sldId id="409" r:id="rId8"/>
+    <p:sldId id="380" r:id="rId9"/>
+    <p:sldId id="383" r:id="rId10"/>
+    <p:sldId id="382" r:id="rId11"/>
+    <p:sldId id="407" r:id="rId12"/>
+    <p:sldId id="378" r:id="rId13"/>
+    <p:sldId id="388" r:id="rId14"/>
+    <p:sldId id="387" r:id="rId15"/>
+    <p:sldId id="389" r:id="rId16"/>
+    <p:sldId id="401" r:id="rId17"/>
+    <p:sldId id="403" r:id="rId18"/>
+    <p:sldId id="402" r:id="rId19"/>
+    <p:sldId id="406" r:id="rId20"/>
+    <p:sldId id="404" r:id="rId21"/>
+    <p:sldId id="377" r:id="rId22"/>
+    <p:sldId id="390" r:id="rId23"/>
+    <p:sldId id="391" r:id="rId24"/>
+    <p:sldId id="396" r:id="rId25"/>
+    <p:sldId id="397" r:id="rId26"/>
+    <p:sldId id="398" r:id="rId27"/>
+    <p:sldId id="399" r:id="rId28"/>
+    <p:sldId id="376" r:id="rId29"/>
+    <p:sldId id="405" r:id="rId30"/>
+    <p:sldId id="385" r:id="rId31"/>
+    <p:sldId id="386" r:id="rId32"/>
+    <p:sldId id="400" r:id="rId33"/>
+    <p:sldId id="384" r:id="rId34"/>
+    <p:sldId id="375" r:id="rId35"/>
   </p:sldIdLst>
   <p:sldSz cx="9144000" cy="6858000" type="screen4x3"/>
   <p:notesSz cx="6858000" cy="9144000"/>
@@ -305,7 +335,7 @@
           <a:p>
             <a:fld id="{547641E8-73DF-4AD2-848E-3103064331B1}" type="datetimeFigureOut">
               <a:rPr lang="en-US" smtClean="0"/>
-              <a:t>2/13/2020</a:t>
+              <a:t>11/22/2021</a:t>
             </a:fld>
             <a:endParaRPr lang="en-US"/>
           </a:p>
@@ -473,7 +503,7 @@
           <a:p>
             <a:fld id="{547641E8-73DF-4AD2-848E-3103064331B1}" type="datetimeFigureOut">
               <a:rPr lang="en-US" smtClean="0"/>
-              <a:t>2/13/2020</a:t>
+              <a:t>11/22/2021</a:t>
             </a:fld>
             <a:endParaRPr lang="en-US"/>
           </a:p>
@@ -651,7 +681,7 @@
           <a:p>
             <a:fld id="{547641E8-73DF-4AD2-848E-3103064331B1}" type="datetimeFigureOut">
               <a:rPr lang="en-US" smtClean="0"/>
-              <a:t>2/13/2020</a:t>
+              <a:t>11/22/2021</a:t>
             </a:fld>
             <a:endParaRPr lang="en-US"/>
           </a:p>
@@ -898,7 +928,7 @@
                 </a:solidFill>
               </a:rPr>
               <a:pPr/>
-              <a:t>2/13/2020</a:t>
+              <a:t>11/22/2021</a:t>
             </a:fld>
             <a:endParaRPr lang="en-US">
               <a:solidFill>
@@ -1098,7 +1128,7 @@
                 </a:solidFill>
               </a:rPr>
               <a:pPr/>
-              <a:t>2/13/2020</a:t>
+              <a:t>11/22/2021</a:t>
             </a:fld>
             <a:endParaRPr lang="en-US">
               <a:solidFill>
@@ -1375,7 +1405,7 @@
                 </a:solidFill>
               </a:rPr>
               <a:pPr/>
-              <a:t>2/13/2020</a:t>
+              <a:t>11/22/2021</a:t>
             </a:fld>
             <a:endParaRPr lang="en-US">
               <a:solidFill>
@@ -1692,7 +1722,7 @@
                 </a:solidFill>
               </a:rPr>
               <a:pPr/>
-              <a:t>2/13/2020</a:t>
+              <a:t>11/22/2021</a:t>
             </a:fld>
             <a:endParaRPr lang="en-US">
               <a:solidFill>
@@ -2143,7 +2173,7 @@
                 </a:solidFill>
               </a:rPr>
               <a:pPr/>
-              <a:t>2/13/2020</a:t>
+              <a:t>11/22/2021</a:t>
             </a:fld>
             <a:endParaRPr lang="en-US">
               <a:solidFill>
@@ -2292,7 +2322,7 @@
                 </a:solidFill>
               </a:rPr>
               <a:pPr/>
-              <a:t>2/13/2020</a:t>
+              <a:t>11/22/2021</a:t>
             </a:fld>
             <a:endParaRPr lang="en-US">
               <a:solidFill>
@@ -2419,7 +2449,7 @@
                 </a:solidFill>
               </a:rPr>
               <a:pPr/>
-              <a:t>2/13/2020</a:t>
+              <a:t>11/22/2021</a:t>
             </a:fld>
             <a:endParaRPr lang="en-US">
               <a:solidFill>
@@ -2726,7 +2756,7 @@
                 </a:solidFill>
               </a:rPr>
               <a:pPr/>
-              <a:t>2/13/2020</a:t>
+              <a:t>11/22/2021</a:t>
             </a:fld>
             <a:endParaRPr lang="en-US">
               <a:solidFill>
@@ -2919,7 +2949,7 @@
           <a:p>
             <a:fld id="{547641E8-73DF-4AD2-848E-3103064331B1}" type="datetimeFigureOut">
               <a:rPr lang="en-US" smtClean="0"/>
-              <a:t>2/13/2020</a:t>
+              <a:t>11/22/2021</a:t>
             </a:fld>
             <a:endParaRPr lang="en-US"/>
           </a:p>
@@ -3178,7 +3208,7 @@
                 </a:solidFill>
               </a:rPr>
               <a:pPr/>
-              <a:t>2/13/2020</a:t>
+              <a:t>11/22/2021</a:t>
             </a:fld>
             <a:endParaRPr lang="en-US">
               <a:solidFill>
@@ -3378,7 +3408,7 @@
                 </a:solidFill>
               </a:rPr>
               <a:pPr/>
-              <a:t>2/13/2020</a:t>
+              <a:t>11/22/2021</a:t>
             </a:fld>
             <a:endParaRPr lang="en-US">
               <a:solidFill>
@@ -3588,7 +3618,7 @@
                 </a:solidFill>
               </a:rPr>
               <a:pPr/>
-              <a:t>2/13/2020</a:t>
+              <a:t>11/22/2021</a:t>
             </a:fld>
             <a:endParaRPr lang="en-US">
               <a:solidFill>
@@ -3858,7 +3888,7 @@
           <a:p>
             <a:fld id="{547641E8-73DF-4AD2-848E-3103064331B1}" type="datetimeFigureOut">
               <a:rPr lang="en-US" smtClean="0"/>
-              <a:t>2/13/2020</a:t>
+              <a:t>11/22/2021</a:t>
             </a:fld>
             <a:endParaRPr lang="en-US"/>
           </a:p>
@@ -4143,7 +4173,7 @@
           <a:p>
             <a:fld id="{547641E8-73DF-4AD2-848E-3103064331B1}" type="datetimeFigureOut">
               <a:rPr lang="en-US" smtClean="0"/>
-              <a:t>2/13/2020</a:t>
+              <a:t>11/22/2021</a:t>
             </a:fld>
             <a:endParaRPr lang="en-US"/>
           </a:p>
@@ -4562,7 +4592,7 @@
           <a:p>
             <a:fld id="{547641E8-73DF-4AD2-848E-3103064331B1}" type="datetimeFigureOut">
               <a:rPr lang="en-US" smtClean="0"/>
-              <a:t>2/13/2020</a:t>
+              <a:t>11/22/2021</a:t>
             </a:fld>
             <a:endParaRPr lang="en-US"/>
           </a:p>
@@ -4679,7 +4709,7 @@
           <a:p>
             <a:fld id="{547641E8-73DF-4AD2-848E-3103064331B1}" type="datetimeFigureOut">
               <a:rPr lang="en-US" smtClean="0"/>
-              <a:t>2/13/2020</a:t>
+              <a:t>11/22/2021</a:t>
             </a:fld>
             <a:endParaRPr lang="en-US"/>
           </a:p>
@@ -4774,7 +4804,7 @@
           <a:p>
             <a:fld id="{547641E8-73DF-4AD2-848E-3103064331B1}" type="datetimeFigureOut">
               <a:rPr lang="en-US" smtClean="0"/>
-              <a:t>2/13/2020</a:t>
+              <a:t>11/22/2021</a:t>
             </a:fld>
             <a:endParaRPr lang="en-US"/>
           </a:p>
@@ -5049,7 +5079,7 @@
           <a:p>
             <a:fld id="{547641E8-73DF-4AD2-848E-3103064331B1}" type="datetimeFigureOut">
               <a:rPr lang="en-US" smtClean="0"/>
-              <a:t>2/13/2020</a:t>
+              <a:t>11/22/2021</a:t>
             </a:fld>
             <a:endParaRPr lang="en-US"/>
           </a:p>
@@ -5301,7 +5331,7 @@
           <a:p>
             <a:fld id="{547641E8-73DF-4AD2-848E-3103064331B1}" type="datetimeFigureOut">
               <a:rPr lang="en-US" smtClean="0"/>
-              <a:t>2/13/2020</a:t>
+              <a:t>11/22/2021</a:t>
             </a:fld>
             <a:endParaRPr lang="en-US"/>
           </a:p>
@@ -5515,7 +5545,7 @@
           <a:p>
             <a:fld id="{547641E8-73DF-4AD2-848E-3103064331B1}" type="datetimeFigureOut">
               <a:rPr lang="en-US" smtClean="0"/>
-              <a:t>2/13/2020</a:t>
+              <a:t>11/22/2021</a:t>
             </a:fld>
             <a:endParaRPr lang="en-US"/>
           </a:p>
@@ -6030,7 +6060,7 @@
                 </a:solidFill>
               </a:rPr>
               <a:pPr/>
-              <a:t>2/13/2020</a:t>
+              <a:t>11/22/2021</a:t>
             </a:fld>
             <a:endParaRPr lang="en-US">
               <a:solidFill>
@@ -6509,6 +6539,1173 @@
 </p:sld>
 </file>
 
+<file path=ppt/slides/slide10.xml><?xml version="1.0" encoding="utf-8"?>
+<p:sld xmlns:a="http://schemas.openxmlformats.org/drawingml/2006/main" xmlns:r="http://schemas.openxmlformats.org/officeDocument/2006/relationships" xmlns:p="http://schemas.openxmlformats.org/presentationml/2006/main">
+  <p:cSld>
+    <p:bg>
+      <p:bgPr>
+        <a:blipFill dpi="0" rotWithShape="1">
+          <a:blip r:embed="rId2">
+            <a:lum/>
+          </a:blip>
+          <a:srcRect/>
+          <a:stretch>
+            <a:fillRect l="-10000" r="-10000"/>
+          </a:stretch>
+        </a:blipFill>
+        <a:effectLst/>
+      </p:bgPr>
+    </p:bg>
+    <p:spTree>
+      <p:nvGrpSpPr>
+        <p:cNvPr id="1" name=""/>
+        <p:cNvGrpSpPr/>
+        <p:nvPr/>
+      </p:nvGrpSpPr>
+      <p:grpSpPr>
+        <a:xfrm>
+          <a:off x="0" y="0"/>
+          <a:ext cx="0" cy="0"/>
+          <a:chOff x="0" y="0"/>
+          <a:chExt cx="0" cy="0"/>
+        </a:xfrm>
+      </p:grpSpPr>
+      <p:sp>
+        <p:nvSpPr>
+          <p:cNvPr id="2" name="Title 1"/>
+          <p:cNvSpPr>
+            <a:spLocks noGrp="1"/>
+          </p:cNvSpPr>
+          <p:nvPr>
+            <p:ph type="title"/>
+          </p:nvPr>
+        </p:nvSpPr>
+        <p:spPr/>
+        <p:txBody>
+          <a:bodyPr/>
+          <a:lstStyle/>
+          <a:p>
+            <a:r>
+              <a:rPr lang="en-US" dirty="0"/>
+              <a:t>Definition</a:t>
+            </a:r>
+          </a:p>
+        </p:txBody>
+      </p:sp>
+      <p:sp>
+        <p:nvSpPr>
+          <p:cNvPr id="3" name="Content Placeholder 2"/>
+          <p:cNvSpPr>
+            <a:spLocks noGrp="1"/>
+          </p:cNvSpPr>
+          <p:nvPr>
+            <p:ph idx="1"/>
+          </p:nvPr>
+        </p:nvSpPr>
+        <p:spPr/>
+        <p:txBody>
+          <a:bodyPr/>
+          <a:lstStyle/>
+          <a:p>
+            <a:r>
+              <a:rPr lang="en-US" dirty="0"/>
+              <a:t>Label (Classification Problems)</a:t>
+            </a:r>
+          </a:p>
+          <a:p>
+            <a:pPr lvl="1"/>
+            <a:r>
+              <a:rPr lang="en-US" dirty="0"/>
+              <a:t>The name associated with data point (row) for classification problems.  </a:t>
+            </a:r>
+          </a:p>
+          <a:p>
+            <a:pPr lvl="1"/>
+            <a:r>
+              <a:rPr lang="en-US" dirty="0"/>
+              <a:t>This is generally the thing we are trying to predict.</a:t>
+            </a:r>
+          </a:p>
+          <a:p>
+            <a:endParaRPr lang="en-US" dirty="0"/>
+          </a:p>
+          <a:p>
+            <a:pPr lvl="2"/>
+            <a:endParaRPr lang="en-US" dirty="0"/>
+          </a:p>
+          <a:p>
+            <a:endParaRPr lang="en-US" dirty="0"/>
+          </a:p>
+        </p:txBody>
+      </p:sp>
+    </p:spTree>
+    <p:extLst>
+      <p:ext uri="{BB962C8B-B14F-4D97-AF65-F5344CB8AC3E}">
+        <p14:creationId xmlns:p14="http://schemas.microsoft.com/office/powerpoint/2010/main" val="3114704726"/>
+      </p:ext>
+    </p:extLst>
+  </p:cSld>
+  <p:clrMapOvr>
+    <a:masterClrMapping/>
+  </p:clrMapOvr>
+</p:sld>
+</file>
+
+<file path=ppt/slides/slide11.xml><?xml version="1.0" encoding="utf-8"?>
+<p:sld xmlns:a="http://schemas.openxmlformats.org/drawingml/2006/main" xmlns:r="http://schemas.openxmlformats.org/officeDocument/2006/relationships" xmlns:p="http://schemas.openxmlformats.org/presentationml/2006/main">
+  <p:cSld>
+    <p:bg>
+      <p:bgPr>
+        <a:blipFill dpi="0" rotWithShape="1">
+          <a:blip r:embed="rId2">
+            <a:lum/>
+          </a:blip>
+          <a:srcRect/>
+          <a:stretch>
+            <a:fillRect l="-10000" r="-10000"/>
+          </a:stretch>
+        </a:blipFill>
+        <a:effectLst/>
+      </p:bgPr>
+    </p:bg>
+    <p:spTree>
+      <p:nvGrpSpPr>
+        <p:cNvPr id="1" name=""/>
+        <p:cNvGrpSpPr/>
+        <p:nvPr/>
+      </p:nvGrpSpPr>
+      <p:grpSpPr>
+        <a:xfrm>
+          <a:off x="0" y="0"/>
+          <a:ext cx="0" cy="0"/>
+          <a:chOff x="0" y="0"/>
+          <a:chExt cx="0" cy="0"/>
+        </a:xfrm>
+      </p:grpSpPr>
+      <p:sp>
+        <p:nvSpPr>
+          <p:cNvPr id="2" name="Title 1"/>
+          <p:cNvSpPr>
+            <a:spLocks noGrp="1"/>
+          </p:cNvSpPr>
+          <p:nvPr>
+            <p:ph type="title"/>
+          </p:nvPr>
+        </p:nvSpPr>
+        <p:spPr/>
+        <p:txBody>
+          <a:bodyPr>
+            <a:normAutofit/>
+          </a:bodyPr>
+          <a:lstStyle/>
+          <a:p>
+            <a:r>
+              <a:rPr lang="en-US" dirty="0"/>
+              <a:t>General Model Types</a:t>
+            </a:r>
+          </a:p>
+        </p:txBody>
+      </p:sp>
+      <p:sp>
+        <p:nvSpPr>
+          <p:cNvPr id="3" name="Content Placeholder 2"/>
+          <p:cNvSpPr>
+            <a:spLocks noGrp="1"/>
+          </p:cNvSpPr>
+          <p:nvPr>
+            <p:ph idx="1"/>
+          </p:nvPr>
+        </p:nvSpPr>
+        <p:spPr/>
+        <p:txBody>
+          <a:bodyPr>
+            <a:normAutofit/>
+          </a:bodyPr>
+          <a:lstStyle/>
+          <a:p>
+            <a:r>
+              <a:rPr lang="en-US" dirty="0"/>
+              <a:t>Supervised</a:t>
+            </a:r>
+          </a:p>
+          <a:p>
+            <a:pPr lvl="1"/>
+            <a:r>
+              <a:rPr lang="en-US" dirty="0"/>
+              <a:t>Machine learning model is given a set of data to build experience with.</a:t>
+            </a:r>
+          </a:p>
+          <a:p>
+            <a:pPr lvl="1"/>
+            <a:r>
+              <a:rPr lang="en-US" dirty="0"/>
+              <a:t>Data is given with features, and an algorithm is given to the model on how to best categorize and group the data.</a:t>
+            </a:r>
+          </a:p>
+          <a:p>
+            <a:pPr lvl="1"/>
+            <a:endParaRPr lang="en-US" dirty="0"/>
+          </a:p>
+          <a:p>
+            <a:pPr lvl="2"/>
+            <a:endParaRPr lang="en-US" dirty="0"/>
+          </a:p>
+          <a:p>
+            <a:endParaRPr lang="en-US" dirty="0"/>
+          </a:p>
+        </p:txBody>
+      </p:sp>
+    </p:spTree>
+    <p:extLst>
+      <p:ext uri="{BB962C8B-B14F-4D97-AF65-F5344CB8AC3E}">
+        <p14:creationId xmlns:p14="http://schemas.microsoft.com/office/powerpoint/2010/main" val="3051561418"/>
+      </p:ext>
+    </p:extLst>
+  </p:cSld>
+  <p:clrMapOvr>
+    <a:masterClrMapping/>
+  </p:clrMapOvr>
+</p:sld>
+</file>
+
+<file path=ppt/slides/slide12.xml><?xml version="1.0" encoding="utf-8"?>
+<p:sld xmlns:a="http://schemas.openxmlformats.org/drawingml/2006/main" xmlns:r="http://schemas.openxmlformats.org/officeDocument/2006/relationships" xmlns:p="http://schemas.openxmlformats.org/presentationml/2006/main">
+  <p:cSld>
+    <p:bg>
+      <p:bgPr>
+        <a:blipFill dpi="0" rotWithShape="1">
+          <a:blip r:embed="rId2">
+            <a:lum/>
+          </a:blip>
+          <a:srcRect/>
+          <a:stretch>
+            <a:fillRect l="-10000" r="-10000"/>
+          </a:stretch>
+        </a:blipFill>
+        <a:effectLst/>
+      </p:bgPr>
+    </p:bg>
+    <p:spTree>
+      <p:nvGrpSpPr>
+        <p:cNvPr id="1" name=""/>
+        <p:cNvGrpSpPr/>
+        <p:nvPr/>
+      </p:nvGrpSpPr>
+      <p:grpSpPr>
+        <a:xfrm>
+          <a:off x="0" y="0"/>
+          <a:ext cx="0" cy="0"/>
+          <a:chOff x="0" y="0"/>
+          <a:chExt cx="0" cy="0"/>
+        </a:xfrm>
+      </p:grpSpPr>
+      <p:sp>
+        <p:nvSpPr>
+          <p:cNvPr id="2" name="Title 1"/>
+          <p:cNvSpPr>
+            <a:spLocks noGrp="1"/>
+          </p:cNvSpPr>
+          <p:nvPr>
+            <p:ph type="title"/>
+          </p:nvPr>
+        </p:nvSpPr>
+        <p:spPr/>
+        <p:txBody>
+          <a:bodyPr>
+            <a:normAutofit/>
+          </a:bodyPr>
+          <a:lstStyle/>
+          <a:p>
+            <a:r>
+              <a:rPr lang="en-US" dirty="0"/>
+              <a:t>General Model Types</a:t>
+            </a:r>
+          </a:p>
+        </p:txBody>
+      </p:sp>
+      <p:sp>
+        <p:nvSpPr>
+          <p:cNvPr id="3" name="Content Placeholder 2"/>
+          <p:cNvSpPr>
+            <a:spLocks noGrp="1"/>
+          </p:cNvSpPr>
+          <p:nvPr>
+            <p:ph idx="1"/>
+          </p:nvPr>
+        </p:nvSpPr>
+        <p:spPr/>
+        <p:txBody>
+          <a:bodyPr>
+            <a:normAutofit/>
+          </a:bodyPr>
+          <a:lstStyle/>
+          <a:p>
+            <a:r>
+              <a:rPr lang="en-US" dirty="0"/>
+              <a:t>Unsupervised</a:t>
+            </a:r>
+          </a:p>
+          <a:p>
+            <a:pPr lvl="1"/>
+            <a:r>
+              <a:rPr lang="en-US" dirty="0"/>
+              <a:t>The model determines the data for itself, and builds the model accordingly.</a:t>
+            </a:r>
+          </a:p>
+          <a:p>
+            <a:pPr lvl="1"/>
+            <a:r>
+              <a:rPr lang="en-US" dirty="0"/>
+              <a:t>Features and grouping data is done by the algorithm.</a:t>
+            </a:r>
+          </a:p>
+          <a:p>
+            <a:pPr lvl="1"/>
+            <a:endParaRPr lang="en-US" dirty="0"/>
+          </a:p>
+          <a:p>
+            <a:pPr lvl="2"/>
+            <a:endParaRPr lang="en-US" dirty="0"/>
+          </a:p>
+          <a:p>
+            <a:endParaRPr lang="en-US" dirty="0"/>
+          </a:p>
+        </p:txBody>
+      </p:sp>
+    </p:spTree>
+    <p:extLst>
+      <p:ext uri="{BB962C8B-B14F-4D97-AF65-F5344CB8AC3E}">
+        <p14:creationId xmlns:p14="http://schemas.microsoft.com/office/powerpoint/2010/main" val="843243868"/>
+      </p:ext>
+    </p:extLst>
+  </p:cSld>
+  <p:clrMapOvr>
+    <a:masterClrMapping/>
+  </p:clrMapOvr>
+</p:sld>
+</file>
+
+<file path=ppt/slides/slide13.xml><?xml version="1.0" encoding="utf-8"?>
+<p:sld xmlns:a="http://schemas.openxmlformats.org/drawingml/2006/main" xmlns:r="http://schemas.openxmlformats.org/officeDocument/2006/relationships" xmlns:p="http://schemas.openxmlformats.org/presentationml/2006/main">
+  <p:cSld>
+    <p:bg>
+      <p:bgPr>
+        <a:blipFill dpi="0" rotWithShape="1">
+          <a:blip r:embed="rId2">
+            <a:lum/>
+          </a:blip>
+          <a:srcRect/>
+          <a:stretch>
+            <a:fillRect l="-10000" r="-10000"/>
+          </a:stretch>
+        </a:blipFill>
+        <a:effectLst/>
+      </p:bgPr>
+    </p:bg>
+    <p:spTree>
+      <p:nvGrpSpPr>
+        <p:cNvPr id="1" name=""/>
+        <p:cNvGrpSpPr/>
+        <p:nvPr/>
+      </p:nvGrpSpPr>
+      <p:grpSpPr>
+        <a:xfrm>
+          <a:off x="0" y="0"/>
+          <a:ext cx="0" cy="0"/>
+          <a:chOff x="0" y="0"/>
+          <a:chExt cx="0" cy="0"/>
+        </a:xfrm>
+      </p:grpSpPr>
+      <p:sp>
+        <p:nvSpPr>
+          <p:cNvPr id="2" name="Title 1"/>
+          <p:cNvSpPr>
+            <a:spLocks noGrp="1"/>
+          </p:cNvSpPr>
+          <p:nvPr>
+            <p:ph type="title"/>
+          </p:nvPr>
+        </p:nvSpPr>
+        <p:spPr/>
+        <p:txBody>
+          <a:bodyPr>
+            <a:normAutofit/>
+          </a:bodyPr>
+          <a:lstStyle/>
+          <a:p>
+            <a:r>
+              <a:rPr lang="en-US" dirty="0"/>
+              <a:t>General Model Types</a:t>
+            </a:r>
+          </a:p>
+        </p:txBody>
+      </p:sp>
+      <p:sp>
+        <p:nvSpPr>
+          <p:cNvPr id="3" name="Content Placeholder 2"/>
+          <p:cNvSpPr>
+            <a:spLocks noGrp="1"/>
+          </p:cNvSpPr>
+          <p:nvPr>
+            <p:ph idx="1"/>
+          </p:nvPr>
+        </p:nvSpPr>
+        <p:spPr/>
+        <p:txBody>
+          <a:bodyPr>
+            <a:normAutofit/>
+          </a:bodyPr>
+          <a:lstStyle/>
+          <a:p>
+            <a:r>
+              <a:rPr lang="en-US" dirty="0"/>
+              <a:t>Reinforcement</a:t>
+            </a:r>
+          </a:p>
+          <a:p>
+            <a:pPr lvl="1"/>
+            <a:r>
+              <a:rPr lang="en-US" dirty="0"/>
+              <a:t>The algorithm “learns” from making mistakes.</a:t>
+            </a:r>
+          </a:p>
+          <a:p>
+            <a:pPr lvl="1"/>
+            <a:r>
+              <a:rPr lang="en-US" dirty="0"/>
+              <a:t>There must be some sort of way to tell the algorithm when it makes a correction in the right direction, and a way to tell the algorithm a correction was made in the wrong direction.</a:t>
+            </a:r>
+          </a:p>
+          <a:p>
+            <a:pPr lvl="1"/>
+            <a:r>
+              <a:rPr lang="en-US" dirty="0"/>
+              <a:t>Initially, the model built is very inaccurate, but gets better with time.</a:t>
+            </a:r>
+          </a:p>
+          <a:p>
+            <a:pPr lvl="1"/>
+            <a:endParaRPr lang="en-US" dirty="0"/>
+          </a:p>
+          <a:p>
+            <a:pPr lvl="2"/>
+            <a:endParaRPr lang="en-US" dirty="0"/>
+          </a:p>
+          <a:p>
+            <a:endParaRPr lang="en-US" dirty="0"/>
+          </a:p>
+        </p:txBody>
+      </p:sp>
+    </p:spTree>
+    <p:extLst>
+      <p:ext uri="{BB962C8B-B14F-4D97-AF65-F5344CB8AC3E}">
+        <p14:creationId xmlns:p14="http://schemas.microsoft.com/office/powerpoint/2010/main" val="3389942429"/>
+      </p:ext>
+    </p:extLst>
+  </p:cSld>
+  <p:clrMapOvr>
+    <a:masterClrMapping/>
+  </p:clrMapOvr>
+</p:sld>
+</file>
+
+<file path=ppt/slides/slide14.xml><?xml version="1.0" encoding="utf-8"?>
+<p:sld xmlns:a="http://schemas.openxmlformats.org/drawingml/2006/main" xmlns:r="http://schemas.openxmlformats.org/officeDocument/2006/relationships" xmlns:p="http://schemas.openxmlformats.org/presentationml/2006/main">
+  <p:cSld>
+    <p:bg>
+      <p:bgPr>
+        <a:blipFill dpi="0" rotWithShape="1">
+          <a:blip r:embed="rId2">
+            <a:lum/>
+          </a:blip>
+          <a:srcRect/>
+          <a:stretch>
+            <a:fillRect l="-10000" r="-10000"/>
+          </a:stretch>
+        </a:blipFill>
+        <a:effectLst/>
+      </p:bgPr>
+    </p:bg>
+    <p:spTree>
+      <p:nvGrpSpPr>
+        <p:cNvPr id="1" name=""/>
+        <p:cNvGrpSpPr/>
+        <p:nvPr/>
+      </p:nvGrpSpPr>
+      <p:grpSpPr>
+        <a:xfrm>
+          <a:off x="0" y="0"/>
+          <a:ext cx="0" cy="0"/>
+          <a:chOff x="0" y="0"/>
+          <a:chExt cx="0" cy="0"/>
+        </a:xfrm>
+      </p:grpSpPr>
+      <p:sp>
+        <p:nvSpPr>
+          <p:cNvPr id="2" name="Title 1"/>
+          <p:cNvSpPr>
+            <a:spLocks noGrp="1"/>
+          </p:cNvSpPr>
+          <p:nvPr>
+            <p:ph type="title"/>
+          </p:nvPr>
+        </p:nvSpPr>
+        <p:spPr/>
+        <p:txBody>
+          <a:bodyPr>
+            <a:normAutofit/>
+          </a:bodyPr>
+          <a:lstStyle/>
+          <a:p>
+            <a:r>
+              <a:rPr lang="en-US" dirty="0"/>
+              <a:t>General Model Types</a:t>
+            </a:r>
+          </a:p>
+        </p:txBody>
+      </p:sp>
+      <p:sp>
+        <p:nvSpPr>
+          <p:cNvPr id="3" name="Content Placeholder 2"/>
+          <p:cNvSpPr>
+            <a:spLocks noGrp="1"/>
+          </p:cNvSpPr>
+          <p:nvPr>
+            <p:ph idx="1"/>
+          </p:nvPr>
+        </p:nvSpPr>
+        <p:spPr/>
+        <p:txBody>
+          <a:bodyPr>
+            <a:normAutofit/>
+          </a:bodyPr>
+          <a:lstStyle/>
+          <a:p>
+            <a:r>
+              <a:rPr lang="en-US" dirty="0"/>
+              <a:t>This part of the Python course will focus on supervised learning, as this is all I know.</a:t>
+            </a:r>
+          </a:p>
+          <a:p>
+            <a:pPr lvl="1"/>
+            <a:endParaRPr lang="en-US" dirty="0"/>
+          </a:p>
+          <a:p>
+            <a:pPr lvl="2"/>
+            <a:endParaRPr lang="en-US" dirty="0"/>
+          </a:p>
+          <a:p>
+            <a:endParaRPr lang="en-US" dirty="0"/>
+          </a:p>
+        </p:txBody>
+      </p:sp>
+    </p:spTree>
+    <p:extLst>
+      <p:ext uri="{BB962C8B-B14F-4D97-AF65-F5344CB8AC3E}">
+        <p14:creationId xmlns:p14="http://schemas.microsoft.com/office/powerpoint/2010/main" val="2610853396"/>
+      </p:ext>
+    </p:extLst>
+  </p:cSld>
+  <p:clrMapOvr>
+    <a:masterClrMapping/>
+  </p:clrMapOvr>
+</p:sld>
+</file>
+
+<file path=ppt/slides/slide15.xml><?xml version="1.0" encoding="utf-8"?>
+<p:sld xmlns:a="http://schemas.openxmlformats.org/drawingml/2006/main" xmlns:r="http://schemas.openxmlformats.org/officeDocument/2006/relationships" xmlns:p="http://schemas.openxmlformats.org/presentationml/2006/main">
+  <p:cSld>
+    <p:bg>
+      <p:bgPr>
+        <a:blipFill dpi="0" rotWithShape="1">
+          <a:blip r:embed="rId2">
+            <a:lum/>
+          </a:blip>
+          <a:srcRect/>
+          <a:stretch>
+            <a:fillRect l="-10000" r="-10000"/>
+          </a:stretch>
+        </a:blipFill>
+        <a:effectLst/>
+      </p:bgPr>
+    </p:bg>
+    <p:spTree>
+      <p:nvGrpSpPr>
+        <p:cNvPr id="1" name=""/>
+        <p:cNvGrpSpPr/>
+        <p:nvPr/>
+      </p:nvGrpSpPr>
+      <p:grpSpPr>
+        <a:xfrm>
+          <a:off x="0" y="0"/>
+          <a:ext cx="0" cy="0"/>
+          <a:chOff x="0" y="0"/>
+          <a:chExt cx="0" cy="0"/>
+        </a:xfrm>
+      </p:grpSpPr>
+      <p:sp>
+        <p:nvSpPr>
+          <p:cNvPr id="2" name="Title 1"/>
+          <p:cNvSpPr>
+            <a:spLocks noGrp="1"/>
+          </p:cNvSpPr>
+          <p:nvPr>
+            <p:ph type="title"/>
+          </p:nvPr>
+        </p:nvSpPr>
+        <p:spPr/>
+        <p:txBody>
+          <a:bodyPr>
+            <a:normAutofit/>
+          </a:bodyPr>
+          <a:lstStyle/>
+          <a:p>
+            <a:r>
+              <a:rPr lang="en-US" dirty="0"/>
+              <a:t>General Workflow</a:t>
+            </a:r>
+          </a:p>
+        </p:txBody>
+      </p:sp>
+      <p:sp>
+        <p:nvSpPr>
+          <p:cNvPr id="3" name="Content Placeholder 2"/>
+          <p:cNvSpPr>
+            <a:spLocks noGrp="1"/>
+          </p:cNvSpPr>
+          <p:nvPr>
+            <p:ph idx="1"/>
+          </p:nvPr>
+        </p:nvSpPr>
+        <p:spPr/>
+        <p:txBody>
+          <a:bodyPr>
+            <a:normAutofit/>
+          </a:bodyPr>
+          <a:lstStyle/>
+          <a:p>
+            <a:r>
+              <a:rPr lang="en-US" dirty="0"/>
+              <a:t>Get data</a:t>
+            </a:r>
+          </a:p>
+          <a:p>
+            <a:pPr lvl="1"/>
+            <a:r>
+              <a:rPr lang="en-US" dirty="0"/>
+              <a:t>Get set of data about what we wish to predict.</a:t>
+            </a:r>
+          </a:p>
+          <a:p>
+            <a:pPr lvl="1"/>
+            <a:r>
+              <a:rPr lang="en-US" dirty="0"/>
+              <a:t>Include the labels.</a:t>
+            </a:r>
+          </a:p>
+          <a:p>
+            <a:pPr lvl="2"/>
+            <a:endParaRPr lang="en-US" dirty="0"/>
+          </a:p>
+          <a:p>
+            <a:endParaRPr lang="en-US" dirty="0"/>
+          </a:p>
+        </p:txBody>
+      </p:sp>
+    </p:spTree>
+    <p:extLst>
+      <p:ext uri="{BB962C8B-B14F-4D97-AF65-F5344CB8AC3E}">
+        <p14:creationId xmlns:p14="http://schemas.microsoft.com/office/powerpoint/2010/main" val="504396564"/>
+      </p:ext>
+    </p:extLst>
+  </p:cSld>
+  <p:clrMapOvr>
+    <a:masterClrMapping/>
+  </p:clrMapOvr>
+</p:sld>
+</file>
+
+<file path=ppt/slides/slide16.xml><?xml version="1.0" encoding="utf-8"?>
+<p:sld xmlns:a="http://schemas.openxmlformats.org/drawingml/2006/main" xmlns:r="http://schemas.openxmlformats.org/officeDocument/2006/relationships" xmlns:p="http://schemas.openxmlformats.org/presentationml/2006/main">
+  <p:cSld>
+    <p:bg>
+      <p:bgPr>
+        <a:blipFill dpi="0" rotWithShape="1">
+          <a:blip r:embed="rId2">
+            <a:lum/>
+          </a:blip>
+          <a:srcRect/>
+          <a:stretch>
+            <a:fillRect l="-10000" r="-10000"/>
+          </a:stretch>
+        </a:blipFill>
+        <a:effectLst/>
+      </p:bgPr>
+    </p:bg>
+    <p:spTree>
+      <p:nvGrpSpPr>
+        <p:cNvPr id="1" name=""/>
+        <p:cNvGrpSpPr/>
+        <p:nvPr/>
+      </p:nvGrpSpPr>
+      <p:grpSpPr>
+        <a:xfrm>
+          <a:off x="0" y="0"/>
+          <a:ext cx="0" cy="0"/>
+          <a:chOff x="0" y="0"/>
+          <a:chExt cx="0" cy="0"/>
+        </a:xfrm>
+      </p:grpSpPr>
+      <p:sp>
+        <p:nvSpPr>
+          <p:cNvPr id="2" name="Title 1"/>
+          <p:cNvSpPr>
+            <a:spLocks noGrp="1"/>
+          </p:cNvSpPr>
+          <p:nvPr>
+            <p:ph type="title"/>
+          </p:nvPr>
+        </p:nvSpPr>
+        <p:spPr/>
+        <p:txBody>
+          <a:bodyPr>
+            <a:normAutofit/>
+          </a:bodyPr>
+          <a:lstStyle/>
+          <a:p>
+            <a:r>
+              <a:rPr lang="en-US" dirty="0"/>
+              <a:t>General Workflow</a:t>
+            </a:r>
+          </a:p>
+        </p:txBody>
+      </p:sp>
+      <p:sp>
+        <p:nvSpPr>
+          <p:cNvPr id="3" name="Content Placeholder 2"/>
+          <p:cNvSpPr>
+            <a:spLocks noGrp="1"/>
+          </p:cNvSpPr>
+          <p:nvPr>
+            <p:ph idx="1"/>
+          </p:nvPr>
+        </p:nvSpPr>
+        <p:spPr/>
+        <p:txBody>
+          <a:bodyPr>
+            <a:normAutofit/>
+          </a:bodyPr>
+          <a:lstStyle/>
+          <a:p>
+            <a:r>
+              <a:rPr lang="en-US" dirty="0"/>
+              <a:t>Build model</a:t>
+            </a:r>
+          </a:p>
+          <a:p>
+            <a:pPr lvl="1"/>
+            <a:r>
+              <a:rPr lang="en-US" dirty="0"/>
+              <a:t>Select an appropriate classifier.</a:t>
+            </a:r>
+          </a:p>
+          <a:p>
+            <a:pPr lvl="1"/>
+            <a:r>
+              <a:rPr lang="en-US" dirty="0"/>
+              <a:t>The model should be trained with a majority of the data we gathered, say with 75% of the data.</a:t>
+            </a:r>
+          </a:p>
+          <a:p>
+            <a:pPr lvl="1"/>
+            <a:r>
+              <a:rPr lang="en-US" dirty="0"/>
+              <a:t>The other 25% can be used to test how good our model can predict.</a:t>
+            </a:r>
+          </a:p>
+          <a:p>
+            <a:pPr lvl="1"/>
+            <a:endParaRPr lang="en-US" dirty="0"/>
+          </a:p>
+          <a:p>
+            <a:pPr lvl="2"/>
+            <a:endParaRPr lang="en-US" dirty="0"/>
+          </a:p>
+          <a:p>
+            <a:endParaRPr lang="en-US" dirty="0"/>
+          </a:p>
+        </p:txBody>
+      </p:sp>
+    </p:spTree>
+    <p:extLst>
+      <p:ext uri="{BB962C8B-B14F-4D97-AF65-F5344CB8AC3E}">
+        <p14:creationId xmlns:p14="http://schemas.microsoft.com/office/powerpoint/2010/main" val="823098654"/>
+      </p:ext>
+    </p:extLst>
+  </p:cSld>
+  <p:clrMapOvr>
+    <a:masterClrMapping/>
+  </p:clrMapOvr>
+</p:sld>
+</file>
+
+<file path=ppt/slides/slide17.xml><?xml version="1.0" encoding="utf-8"?>
+<p:sld xmlns:a="http://schemas.openxmlformats.org/drawingml/2006/main" xmlns:r="http://schemas.openxmlformats.org/officeDocument/2006/relationships" xmlns:p="http://schemas.openxmlformats.org/presentationml/2006/main">
+  <p:cSld>
+    <p:bg>
+      <p:bgPr>
+        <a:blipFill dpi="0" rotWithShape="1">
+          <a:blip r:embed="rId2">
+            <a:lum/>
+          </a:blip>
+          <a:srcRect/>
+          <a:stretch>
+            <a:fillRect l="-10000" r="-10000"/>
+          </a:stretch>
+        </a:blipFill>
+        <a:effectLst/>
+      </p:bgPr>
+    </p:bg>
+    <p:spTree>
+      <p:nvGrpSpPr>
+        <p:cNvPr id="1" name=""/>
+        <p:cNvGrpSpPr/>
+        <p:nvPr/>
+      </p:nvGrpSpPr>
+      <p:grpSpPr>
+        <a:xfrm>
+          <a:off x="0" y="0"/>
+          <a:ext cx="0" cy="0"/>
+          <a:chOff x="0" y="0"/>
+          <a:chExt cx="0" cy="0"/>
+        </a:xfrm>
+      </p:grpSpPr>
+      <p:sp>
+        <p:nvSpPr>
+          <p:cNvPr id="2" name="Title 1"/>
+          <p:cNvSpPr>
+            <a:spLocks noGrp="1"/>
+          </p:cNvSpPr>
+          <p:nvPr>
+            <p:ph type="title"/>
+          </p:nvPr>
+        </p:nvSpPr>
+        <p:spPr/>
+        <p:txBody>
+          <a:bodyPr>
+            <a:normAutofit/>
+          </a:bodyPr>
+          <a:lstStyle/>
+          <a:p>
+            <a:r>
+              <a:rPr lang="en-US" dirty="0"/>
+              <a:t>General Workflow</a:t>
+            </a:r>
+          </a:p>
+        </p:txBody>
+      </p:sp>
+      <p:sp>
+        <p:nvSpPr>
+          <p:cNvPr id="3" name="Content Placeholder 2"/>
+          <p:cNvSpPr>
+            <a:spLocks noGrp="1"/>
+          </p:cNvSpPr>
+          <p:nvPr>
+            <p:ph idx="1"/>
+          </p:nvPr>
+        </p:nvSpPr>
+        <p:spPr/>
+        <p:txBody>
+          <a:bodyPr>
+            <a:normAutofit/>
+          </a:bodyPr>
+          <a:lstStyle/>
+          <a:p>
+            <a:r>
+              <a:rPr lang="en-US" dirty="0"/>
+              <a:t>Evaluate accuracy</a:t>
+            </a:r>
+          </a:p>
+          <a:p>
+            <a:pPr lvl="1"/>
+            <a:r>
+              <a:rPr lang="en-US" dirty="0"/>
+              <a:t>The model needs to be evaluated for accuracy to ensure our predictions will have a high degree of correctness.</a:t>
+            </a:r>
+          </a:p>
+          <a:p>
+            <a:pPr lvl="1"/>
+            <a:r>
+              <a:rPr lang="en-US" dirty="0"/>
+              <a:t>This is usually done using the 25% of data that we did not use for training.</a:t>
+            </a:r>
+          </a:p>
+          <a:p>
+            <a:pPr lvl="1"/>
+            <a:endParaRPr lang="en-US" dirty="0"/>
+          </a:p>
+          <a:p>
+            <a:pPr lvl="2"/>
+            <a:endParaRPr lang="en-US" dirty="0"/>
+          </a:p>
+          <a:p>
+            <a:endParaRPr lang="en-US" dirty="0"/>
+          </a:p>
+        </p:txBody>
+      </p:sp>
+    </p:spTree>
+    <p:extLst>
+      <p:ext uri="{BB962C8B-B14F-4D97-AF65-F5344CB8AC3E}">
+        <p14:creationId xmlns:p14="http://schemas.microsoft.com/office/powerpoint/2010/main" val="3005493130"/>
+      </p:ext>
+    </p:extLst>
+  </p:cSld>
+  <p:clrMapOvr>
+    <a:masterClrMapping/>
+  </p:clrMapOvr>
+</p:sld>
+</file>
+
+<file path=ppt/slides/slide18.xml><?xml version="1.0" encoding="utf-8"?>
+<p:sld xmlns:a="http://schemas.openxmlformats.org/drawingml/2006/main" xmlns:r="http://schemas.openxmlformats.org/officeDocument/2006/relationships" xmlns:p="http://schemas.openxmlformats.org/presentationml/2006/main">
+  <p:cSld>
+    <p:bg>
+      <p:bgPr>
+        <a:blipFill dpi="0" rotWithShape="1">
+          <a:blip r:embed="rId2">
+            <a:lum/>
+          </a:blip>
+          <a:srcRect/>
+          <a:stretch>
+            <a:fillRect l="-10000" r="-10000"/>
+          </a:stretch>
+        </a:blipFill>
+        <a:effectLst/>
+      </p:bgPr>
+    </p:bg>
+    <p:spTree>
+      <p:nvGrpSpPr>
+        <p:cNvPr id="1" name=""/>
+        <p:cNvGrpSpPr/>
+        <p:nvPr/>
+      </p:nvGrpSpPr>
+      <p:grpSpPr>
+        <a:xfrm>
+          <a:off x="0" y="0"/>
+          <a:ext cx="0" cy="0"/>
+          <a:chOff x="0" y="0"/>
+          <a:chExt cx="0" cy="0"/>
+        </a:xfrm>
+      </p:grpSpPr>
+      <p:sp>
+        <p:nvSpPr>
+          <p:cNvPr id="2" name="Title 1"/>
+          <p:cNvSpPr>
+            <a:spLocks noGrp="1"/>
+          </p:cNvSpPr>
+          <p:nvPr>
+            <p:ph type="title"/>
+          </p:nvPr>
+        </p:nvSpPr>
+        <p:spPr/>
+        <p:txBody>
+          <a:bodyPr>
+            <a:normAutofit/>
+          </a:bodyPr>
+          <a:lstStyle/>
+          <a:p>
+            <a:r>
+              <a:rPr lang="en-US" dirty="0"/>
+              <a:t>General Workflow</a:t>
+            </a:r>
+          </a:p>
+        </p:txBody>
+      </p:sp>
+      <p:sp>
+        <p:nvSpPr>
+          <p:cNvPr id="3" name="Content Placeholder 2"/>
+          <p:cNvSpPr>
+            <a:spLocks noGrp="1"/>
+          </p:cNvSpPr>
+          <p:nvPr>
+            <p:ph idx="1"/>
+          </p:nvPr>
+        </p:nvSpPr>
+        <p:spPr/>
+        <p:txBody>
+          <a:bodyPr>
+            <a:normAutofit/>
+          </a:bodyPr>
+          <a:lstStyle/>
+          <a:p>
+            <a:r>
+              <a:rPr lang="en-US" dirty="0"/>
+              <a:t>Evaluate accuracy</a:t>
+            </a:r>
+          </a:p>
+          <a:p>
+            <a:pPr lvl="1"/>
+            <a:r>
+              <a:rPr lang="en-US" dirty="0"/>
+              <a:t>There is no such thing as 100% accuracy unless you have toy data, or a completely defined system that does not need machine learning.</a:t>
+            </a:r>
+          </a:p>
+          <a:p>
+            <a:pPr lvl="1"/>
+            <a:r>
+              <a:rPr lang="en-US" dirty="0"/>
+              <a:t>If we get 100% accuracy, and the above are not true, we have most likely over-fitted our model, possibly by using training data as test data.</a:t>
+            </a:r>
+          </a:p>
+          <a:p>
+            <a:pPr lvl="2"/>
+            <a:r>
+              <a:rPr lang="en-US" dirty="0"/>
+              <a:t>Leads to inaccurate predictions on new data without known labels</a:t>
+            </a:r>
+          </a:p>
+          <a:p>
+            <a:pPr marL="457200" lvl="1" indent="0">
+              <a:buNone/>
+            </a:pPr>
+            <a:endParaRPr lang="en-US" dirty="0"/>
+          </a:p>
+          <a:p>
+            <a:pPr lvl="1"/>
+            <a:endParaRPr lang="en-US" dirty="0"/>
+          </a:p>
+          <a:p>
+            <a:pPr lvl="2"/>
+            <a:endParaRPr lang="en-US" dirty="0"/>
+          </a:p>
+          <a:p>
+            <a:endParaRPr lang="en-US" dirty="0"/>
+          </a:p>
+        </p:txBody>
+      </p:sp>
+    </p:spTree>
+    <p:extLst>
+      <p:ext uri="{BB962C8B-B14F-4D97-AF65-F5344CB8AC3E}">
+        <p14:creationId xmlns:p14="http://schemas.microsoft.com/office/powerpoint/2010/main" val="140326188"/>
+      </p:ext>
+    </p:extLst>
+  </p:cSld>
+  <p:clrMapOvr>
+    <a:masterClrMapping/>
+  </p:clrMapOvr>
+</p:sld>
+</file>
+
+<file path=ppt/slides/slide19.xml><?xml version="1.0" encoding="utf-8"?>
+<p:sld xmlns:a="http://schemas.openxmlformats.org/drawingml/2006/main" xmlns:r="http://schemas.openxmlformats.org/officeDocument/2006/relationships" xmlns:p="http://schemas.openxmlformats.org/presentationml/2006/main">
+  <p:cSld>
+    <p:bg>
+      <p:bgPr>
+        <a:blipFill dpi="0" rotWithShape="1">
+          <a:blip r:embed="rId2">
+            <a:lum/>
+          </a:blip>
+          <a:srcRect/>
+          <a:stretch>
+            <a:fillRect l="-10000" r="-10000"/>
+          </a:stretch>
+        </a:blipFill>
+        <a:effectLst/>
+      </p:bgPr>
+    </p:bg>
+    <p:spTree>
+      <p:nvGrpSpPr>
+        <p:cNvPr id="1" name=""/>
+        <p:cNvGrpSpPr/>
+        <p:nvPr/>
+      </p:nvGrpSpPr>
+      <p:grpSpPr>
+        <a:xfrm>
+          <a:off x="0" y="0"/>
+          <a:ext cx="0" cy="0"/>
+          <a:chOff x="0" y="0"/>
+          <a:chExt cx="0" cy="0"/>
+        </a:xfrm>
+      </p:grpSpPr>
+      <p:sp>
+        <p:nvSpPr>
+          <p:cNvPr id="2" name="Title 1"/>
+          <p:cNvSpPr>
+            <a:spLocks noGrp="1"/>
+          </p:cNvSpPr>
+          <p:nvPr>
+            <p:ph type="title"/>
+          </p:nvPr>
+        </p:nvSpPr>
+        <p:spPr/>
+        <p:txBody>
+          <a:bodyPr>
+            <a:normAutofit/>
+          </a:bodyPr>
+          <a:lstStyle/>
+          <a:p>
+            <a:r>
+              <a:rPr lang="en-US" dirty="0"/>
+              <a:t>General Workflow</a:t>
+            </a:r>
+          </a:p>
+        </p:txBody>
+      </p:sp>
+      <p:sp>
+        <p:nvSpPr>
+          <p:cNvPr id="3" name="Content Placeholder 2"/>
+          <p:cNvSpPr>
+            <a:spLocks noGrp="1"/>
+          </p:cNvSpPr>
+          <p:nvPr>
+            <p:ph idx="1"/>
+          </p:nvPr>
+        </p:nvSpPr>
+        <p:spPr/>
+        <p:txBody>
+          <a:bodyPr>
+            <a:normAutofit/>
+          </a:bodyPr>
+          <a:lstStyle/>
+          <a:p>
+            <a:r>
+              <a:rPr lang="en-US" dirty="0"/>
+              <a:t>Predict real-world outcomes</a:t>
+            </a:r>
+          </a:p>
+          <a:p>
+            <a:pPr lvl="1"/>
+            <a:r>
+              <a:rPr lang="en-US" dirty="0"/>
+              <a:t>Once the model is as accurate as we want, the model can be used to predict real-world outcomes that are unknown.</a:t>
+            </a:r>
+          </a:p>
+          <a:p>
+            <a:pPr lvl="1"/>
+            <a:endParaRPr lang="en-US" dirty="0"/>
+          </a:p>
+          <a:p>
+            <a:pPr lvl="2"/>
+            <a:endParaRPr lang="en-US" dirty="0"/>
+          </a:p>
+          <a:p>
+            <a:endParaRPr lang="en-US" dirty="0"/>
+          </a:p>
+        </p:txBody>
+      </p:sp>
+    </p:spTree>
+    <p:extLst>
+      <p:ext uri="{BB962C8B-B14F-4D97-AF65-F5344CB8AC3E}">
+        <p14:creationId xmlns:p14="http://schemas.microsoft.com/office/powerpoint/2010/main" val="293541596"/>
+      </p:ext>
+    </p:extLst>
+  </p:cSld>
+  <p:clrMapOvr>
+    <a:masterClrMapping/>
+  </p:clrMapOvr>
+</p:sld>
+</file>
+
 <file path=ppt/slides/slide2.xml><?xml version="1.0" encoding="utf-8"?>
 <p:sld xmlns:a="http://schemas.openxmlformats.org/drawingml/2006/main" xmlns:r="http://schemas.openxmlformats.org/officeDocument/2006/relationships" xmlns:p="http://schemas.openxmlformats.org/presentationml/2006/main">
   <p:cSld>
@@ -6556,12 +7753,8 @@
           <a:lstStyle/>
           <a:p>
             <a:r>
-              <a:rPr lang="en-US" dirty="0" err="1"/>
-              <a:t>Scikit</a:t>
-            </a:r>
-            <a:r>
-              <a:rPr lang="en-US" dirty="0"/>
-              <a:t>-Learn Machine Learning</a:t>
+              <a:rPr lang="en-US" dirty="0"/>
+              <a:t>Overview</a:t>
             </a:r>
           </a:p>
         </p:txBody>
@@ -6590,14 +7783,28 @@
             <a:pPr lvl="1"/>
             <a:r>
               <a:rPr lang="en-US" dirty="0"/>
-              <a:t>Basic Linear Model</a:t>
+              <a:t>Definitions</a:t>
             </a:r>
           </a:p>
           <a:p>
             <a:pPr lvl="1"/>
             <a:r>
               <a:rPr lang="en-US" dirty="0"/>
-              <a:t>Algorithm Types</a:t>
+              <a:t>General Model Types</a:t>
+            </a:r>
+          </a:p>
+          <a:p>
+            <a:pPr lvl="1"/>
+            <a:r>
+              <a:rPr lang="en-US" dirty="0"/>
+              <a:t>Linear Models</a:t>
+            </a:r>
+          </a:p>
+          <a:p>
+            <a:pPr lvl="1"/>
+            <a:r>
+              <a:rPr lang="en-US" dirty="0"/>
+              <a:t>Evaluating Accuracy</a:t>
             </a:r>
           </a:p>
           <a:p>
@@ -6620,6 +7827,1068 @@
     <p:extLst>
       <p:ext uri="{BB962C8B-B14F-4D97-AF65-F5344CB8AC3E}">
         <p14:creationId xmlns:p14="http://schemas.microsoft.com/office/powerpoint/2010/main" val="3913015809"/>
+      </p:ext>
+    </p:extLst>
+  </p:cSld>
+  <p:clrMapOvr>
+    <a:masterClrMapping/>
+  </p:clrMapOvr>
+</p:sld>
+</file>
+
+<file path=ppt/slides/slide20.xml><?xml version="1.0" encoding="utf-8"?>
+<p:sld xmlns:a="http://schemas.openxmlformats.org/drawingml/2006/main" xmlns:r="http://schemas.openxmlformats.org/officeDocument/2006/relationships" xmlns:p="http://schemas.openxmlformats.org/presentationml/2006/main">
+  <p:cSld>
+    <p:bg>
+      <p:bgPr>
+        <a:blipFill dpi="0" rotWithShape="1">
+          <a:blip r:embed="rId2">
+            <a:lum/>
+          </a:blip>
+          <a:srcRect/>
+          <a:stretch>
+            <a:fillRect l="-10000" r="-10000"/>
+          </a:stretch>
+        </a:blipFill>
+        <a:effectLst/>
+      </p:bgPr>
+    </p:bg>
+    <p:spTree>
+      <p:nvGrpSpPr>
+        <p:cNvPr id="1" name=""/>
+        <p:cNvGrpSpPr/>
+        <p:nvPr/>
+      </p:nvGrpSpPr>
+      <p:grpSpPr>
+        <a:xfrm>
+          <a:off x="0" y="0"/>
+          <a:ext cx="0" cy="0"/>
+          <a:chOff x="0" y="0"/>
+          <a:chExt cx="0" cy="0"/>
+        </a:xfrm>
+      </p:grpSpPr>
+      <p:sp>
+        <p:nvSpPr>
+          <p:cNvPr id="2" name="Title 1"/>
+          <p:cNvSpPr>
+            <a:spLocks noGrp="1"/>
+          </p:cNvSpPr>
+          <p:nvPr>
+            <p:ph type="title"/>
+          </p:nvPr>
+        </p:nvSpPr>
+        <p:spPr/>
+        <p:txBody>
+          <a:bodyPr/>
+          <a:lstStyle/>
+          <a:p>
+            <a:r>
+              <a:rPr lang="en-US" dirty="0"/>
+              <a:t>Linear Classifiers</a:t>
+            </a:r>
+          </a:p>
+        </p:txBody>
+      </p:sp>
+      <p:sp>
+        <p:nvSpPr>
+          <p:cNvPr id="3" name="Content Placeholder 2"/>
+          <p:cNvSpPr>
+            <a:spLocks noGrp="1"/>
+          </p:cNvSpPr>
+          <p:nvPr>
+            <p:ph idx="1"/>
+          </p:nvPr>
+        </p:nvSpPr>
+        <p:spPr/>
+        <p:txBody>
+          <a:bodyPr/>
+          <a:lstStyle/>
+          <a:p>
+            <a:r>
+              <a:rPr lang="en-US" dirty="0"/>
+              <a:t>List of some Types we will Cover</a:t>
+            </a:r>
+          </a:p>
+          <a:p>
+            <a:pPr lvl="1"/>
+            <a:r>
+              <a:rPr lang="en-US" dirty="0"/>
+              <a:t>K-Nearest Neighbors</a:t>
+            </a:r>
+          </a:p>
+          <a:p>
+            <a:pPr lvl="1"/>
+            <a:r>
+              <a:rPr lang="en-US" dirty="0"/>
+              <a:t>Lasso</a:t>
+            </a:r>
+          </a:p>
+          <a:p>
+            <a:pPr lvl="1"/>
+            <a:r>
+              <a:rPr lang="en-US" dirty="0"/>
+              <a:t>Regression</a:t>
+            </a:r>
+          </a:p>
+          <a:p>
+            <a:pPr lvl="1"/>
+            <a:r>
+              <a:rPr lang="en-US" dirty="0"/>
+              <a:t>Tree</a:t>
+            </a:r>
+          </a:p>
+          <a:p>
+            <a:pPr lvl="1"/>
+            <a:r>
+              <a:rPr lang="en-US" dirty="0"/>
+              <a:t>Forest</a:t>
+            </a:r>
+          </a:p>
+          <a:p>
+            <a:pPr lvl="1"/>
+            <a:r>
+              <a:rPr lang="en-US" dirty="0"/>
+              <a:t>Gradient-Boosted Forest</a:t>
+            </a:r>
+          </a:p>
+          <a:p>
+            <a:pPr lvl="2"/>
+            <a:endParaRPr lang="en-US" dirty="0"/>
+          </a:p>
+          <a:p>
+            <a:endParaRPr lang="en-US" dirty="0"/>
+          </a:p>
+        </p:txBody>
+      </p:sp>
+    </p:spTree>
+    <p:extLst>
+      <p:ext uri="{BB962C8B-B14F-4D97-AF65-F5344CB8AC3E}">
+        <p14:creationId xmlns:p14="http://schemas.microsoft.com/office/powerpoint/2010/main" val="3895443771"/>
+      </p:ext>
+    </p:extLst>
+  </p:cSld>
+  <p:clrMapOvr>
+    <a:masterClrMapping/>
+  </p:clrMapOvr>
+</p:sld>
+</file>
+
+<file path=ppt/slides/slide21.xml><?xml version="1.0" encoding="utf-8"?>
+<p:sld xmlns:a="http://schemas.openxmlformats.org/drawingml/2006/main" xmlns:r="http://schemas.openxmlformats.org/officeDocument/2006/relationships" xmlns:p="http://schemas.openxmlformats.org/presentationml/2006/main">
+  <p:cSld>
+    <p:bg>
+      <p:bgPr>
+        <a:blipFill dpi="0" rotWithShape="1">
+          <a:blip r:embed="rId3">
+            <a:lum/>
+          </a:blip>
+          <a:srcRect/>
+          <a:stretch>
+            <a:fillRect l="-10000" r="-10000"/>
+          </a:stretch>
+        </a:blipFill>
+        <a:effectLst/>
+      </p:bgPr>
+    </p:bg>
+    <p:spTree>
+      <p:nvGrpSpPr>
+        <p:cNvPr id="1" name=""/>
+        <p:cNvGrpSpPr/>
+        <p:nvPr/>
+      </p:nvGrpSpPr>
+      <p:grpSpPr>
+        <a:xfrm>
+          <a:off x="0" y="0"/>
+          <a:ext cx="0" cy="0"/>
+          <a:chOff x="0" y="0"/>
+          <a:chExt cx="0" cy="0"/>
+        </a:xfrm>
+      </p:grpSpPr>
+      <p:sp>
+        <p:nvSpPr>
+          <p:cNvPr id="2" name="Title 1"/>
+          <p:cNvSpPr>
+            <a:spLocks noGrp="1"/>
+          </p:cNvSpPr>
+          <p:nvPr>
+            <p:ph type="title"/>
+          </p:nvPr>
+        </p:nvSpPr>
+        <p:spPr/>
+        <p:txBody>
+          <a:bodyPr/>
+          <a:lstStyle/>
+          <a:p>
+            <a:r>
+              <a:rPr lang="en-US" dirty="0"/>
+              <a:t>Linear Models</a:t>
+            </a:r>
+          </a:p>
+        </p:txBody>
+      </p:sp>
+      <p:sp>
+        <p:nvSpPr>
+          <p:cNvPr id="3" name="Content Placeholder 2"/>
+          <p:cNvSpPr>
+            <a:spLocks noGrp="1"/>
+          </p:cNvSpPr>
+          <p:nvPr>
+            <p:ph idx="1"/>
+          </p:nvPr>
+        </p:nvSpPr>
+        <p:spPr/>
+        <p:txBody>
+          <a:bodyPr/>
+          <a:lstStyle/>
+          <a:p>
+            <a:r>
+              <a:rPr lang="en-US" dirty="0"/>
+              <a:t>K-Nearest Neighbors</a:t>
+            </a:r>
+          </a:p>
+          <a:p>
+            <a:pPr lvl="1"/>
+            <a:r>
+              <a:rPr lang="en-US" dirty="0"/>
+              <a:t>Predicts outcome by finding the closest matching data point.</a:t>
+            </a:r>
+          </a:p>
+          <a:p>
+            <a:pPr lvl="2"/>
+            <a:endParaRPr lang="en-US" dirty="0"/>
+          </a:p>
+          <a:p>
+            <a:endParaRPr lang="en-US" dirty="0"/>
+          </a:p>
+        </p:txBody>
+      </p:sp>
+    </p:spTree>
+    <p:extLst>
+      <p:ext uri="{BB962C8B-B14F-4D97-AF65-F5344CB8AC3E}">
+        <p14:creationId xmlns:p14="http://schemas.microsoft.com/office/powerpoint/2010/main" val="76902119"/>
+      </p:ext>
+    </p:extLst>
+  </p:cSld>
+  <p:clrMapOvr>
+    <a:overrideClrMapping bg1="lt1" tx1="dk1" bg2="lt2" tx2="dk2" accent1="accent1" accent2="accent2" accent3="accent3" accent4="accent4" accent5="accent5" accent6="accent6" hlink="hlink" folHlink="folHlink"/>
+  </p:clrMapOvr>
+</p:sld>
+</file>
+
+<file path=ppt/slides/slide22.xml><?xml version="1.0" encoding="utf-8"?>
+<p:sld xmlns:a="http://schemas.openxmlformats.org/drawingml/2006/main" xmlns:r="http://schemas.openxmlformats.org/officeDocument/2006/relationships" xmlns:p="http://schemas.openxmlformats.org/presentationml/2006/main">
+  <p:cSld>
+    <p:bg>
+      <p:bgPr>
+        <a:blipFill dpi="0" rotWithShape="1">
+          <a:blip r:embed="rId3">
+            <a:lum/>
+          </a:blip>
+          <a:srcRect/>
+          <a:stretch>
+            <a:fillRect l="-10000" r="-10000"/>
+          </a:stretch>
+        </a:blipFill>
+        <a:effectLst/>
+      </p:bgPr>
+    </p:bg>
+    <p:spTree>
+      <p:nvGrpSpPr>
+        <p:cNvPr id="1" name=""/>
+        <p:cNvGrpSpPr/>
+        <p:nvPr/>
+      </p:nvGrpSpPr>
+      <p:grpSpPr>
+        <a:xfrm>
+          <a:off x="0" y="0"/>
+          <a:ext cx="0" cy="0"/>
+          <a:chOff x="0" y="0"/>
+          <a:chExt cx="0" cy="0"/>
+        </a:xfrm>
+      </p:grpSpPr>
+      <p:sp>
+        <p:nvSpPr>
+          <p:cNvPr id="2" name="Title 1"/>
+          <p:cNvSpPr>
+            <a:spLocks noGrp="1"/>
+          </p:cNvSpPr>
+          <p:nvPr>
+            <p:ph type="title"/>
+          </p:nvPr>
+        </p:nvSpPr>
+        <p:spPr/>
+        <p:txBody>
+          <a:bodyPr/>
+          <a:lstStyle/>
+          <a:p>
+            <a:r>
+              <a:rPr lang="en-US" dirty="0"/>
+              <a:t>Linear Models</a:t>
+            </a:r>
+          </a:p>
+        </p:txBody>
+      </p:sp>
+      <p:sp>
+        <p:nvSpPr>
+          <p:cNvPr id="3" name="Content Placeholder 2"/>
+          <p:cNvSpPr>
+            <a:spLocks noGrp="1"/>
+          </p:cNvSpPr>
+          <p:nvPr>
+            <p:ph idx="1"/>
+          </p:nvPr>
+        </p:nvSpPr>
+        <p:spPr/>
+        <p:txBody>
+          <a:bodyPr/>
+          <a:lstStyle/>
+          <a:p>
+            <a:r>
+              <a:rPr lang="en-US" dirty="0"/>
+              <a:t>Lasso</a:t>
+            </a:r>
+          </a:p>
+          <a:p>
+            <a:pPr lvl="2"/>
+            <a:endParaRPr lang="en-US" dirty="0"/>
+          </a:p>
+          <a:p>
+            <a:endParaRPr lang="en-US" dirty="0"/>
+          </a:p>
+        </p:txBody>
+      </p:sp>
+    </p:spTree>
+    <p:extLst>
+      <p:ext uri="{BB962C8B-B14F-4D97-AF65-F5344CB8AC3E}">
+        <p14:creationId xmlns:p14="http://schemas.microsoft.com/office/powerpoint/2010/main" val="1469044682"/>
+      </p:ext>
+    </p:extLst>
+  </p:cSld>
+  <p:clrMapOvr>
+    <a:overrideClrMapping bg1="lt1" tx1="dk1" bg2="lt2" tx2="dk2" accent1="accent1" accent2="accent2" accent3="accent3" accent4="accent4" accent5="accent5" accent6="accent6" hlink="hlink" folHlink="folHlink"/>
+  </p:clrMapOvr>
+</p:sld>
+</file>
+
+<file path=ppt/slides/slide23.xml><?xml version="1.0" encoding="utf-8"?>
+<p:sld xmlns:a="http://schemas.openxmlformats.org/drawingml/2006/main" xmlns:r="http://schemas.openxmlformats.org/officeDocument/2006/relationships" xmlns:p="http://schemas.openxmlformats.org/presentationml/2006/main">
+  <p:cSld>
+    <p:bg>
+      <p:bgPr>
+        <a:blipFill dpi="0" rotWithShape="1">
+          <a:blip r:embed="rId3">
+            <a:lum/>
+          </a:blip>
+          <a:srcRect/>
+          <a:stretch>
+            <a:fillRect l="-10000" r="-10000"/>
+          </a:stretch>
+        </a:blipFill>
+        <a:effectLst/>
+      </p:bgPr>
+    </p:bg>
+    <p:spTree>
+      <p:nvGrpSpPr>
+        <p:cNvPr id="1" name=""/>
+        <p:cNvGrpSpPr/>
+        <p:nvPr/>
+      </p:nvGrpSpPr>
+      <p:grpSpPr>
+        <a:xfrm>
+          <a:off x="0" y="0"/>
+          <a:ext cx="0" cy="0"/>
+          <a:chOff x="0" y="0"/>
+          <a:chExt cx="0" cy="0"/>
+        </a:xfrm>
+      </p:grpSpPr>
+      <p:sp>
+        <p:nvSpPr>
+          <p:cNvPr id="2" name="Title 1"/>
+          <p:cNvSpPr>
+            <a:spLocks noGrp="1"/>
+          </p:cNvSpPr>
+          <p:nvPr>
+            <p:ph type="title"/>
+          </p:nvPr>
+        </p:nvSpPr>
+        <p:spPr/>
+        <p:txBody>
+          <a:bodyPr/>
+          <a:lstStyle/>
+          <a:p>
+            <a:r>
+              <a:rPr lang="en-US" dirty="0"/>
+              <a:t>Linear Models</a:t>
+            </a:r>
+          </a:p>
+        </p:txBody>
+      </p:sp>
+      <p:sp>
+        <p:nvSpPr>
+          <p:cNvPr id="3" name="Content Placeholder 2"/>
+          <p:cNvSpPr>
+            <a:spLocks noGrp="1"/>
+          </p:cNvSpPr>
+          <p:nvPr>
+            <p:ph idx="1"/>
+          </p:nvPr>
+        </p:nvSpPr>
+        <p:spPr/>
+        <p:txBody>
+          <a:bodyPr/>
+          <a:lstStyle/>
+          <a:p>
+            <a:r>
+              <a:rPr lang="en-US" dirty="0"/>
+              <a:t>Regression</a:t>
+            </a:r>
+          </a:p>
+          <a:p>
+            <a:pPr lvl="2"/>
+            <a:endParaRPr lang="en-US" dirty="0"/>
+          </a:p>
+          <a:p>
+            <a:endParaRPr lang="en-US" dirty="0"/>
+          </a:p>
+        </p:txBody>
+      </p:sp>
+    </p:spTree>
+    <p:extLst>
+      <p:ext uri="{BB962C8B-B14F-4D97-AF65-F5344CB8AC3E}">
+        <p14:creationId xmlns:p14="http://schemas.microsoft.com/office/powerpoint/2010/main" val="474133971"/>
+      </p:ext>
+    </p:extLst>
+  </p:cSld>
+  <p:clrMapOvr>
+    <a:overrideClrMapping bg1="lt1" tx1="dk1" bg2="lt2" tx2="dk2" accent1="accent1" accent2="accent2" accent3="accent3" accent4="accent4" accent5="accent5" accent6="accent6" hlink="hlink" folHlink="folHlink"/>
+  </p:clrMapOvr>
+</p:sld>
+</file>
+
+<file path=ppt/slides/slide24.xml><?xml version="1.0" encoding="utf-8"?>
+<p:sld xmlns:a="http://schemas.openxmlformats.org/drawingml/2006/main" xmlns:r="http://schemas.openxmlformats.org/officeDocument/2006/relationships" xmlns:p="http://schemas.openxmlformats.org/presentationml/2006/main">
+  <p:cSld>
+    <p:bg>
+      <p:bgPr>
+        <a:blipFill dpi="0" rotWithShape="1">
+          <a:blip r:embed="rId3">
+            <a:lum/>
+          </a:blip>
+          <a:srcRect/>
+          <a:stretch>
+            <a:fillRect l="-10000" r="-10000"/>
+          </a:stretch>
+        </a:blipFill>
+        <a:effectLst/>
+      </p:bgPr>
+    </p:bg>
+    <p:spTree>
+      <p:nvGrpSpPr>
+        <p:cNvPr id="1" name=""/>
+        <p:cNvGrpSpPr/>
+        <p:nvPr/>
+      </p:nvGrpSpPr>
+      <p:grpSpPr>
+        <a:xfrm>
+          <a:off x="0" y="0"/>
+          <a:ext cx="0" cy="0"/>
+          <a:chOff x="0" y="0"/>
+          <a:chExt cx="0" cy="0"/>
+        </a:xfrm>
+      </p:grpSpPr>
+      <p:sp>
+        <p:nvSpPr>
+          <p:cNvPr id="2" name="Title 1"/>
+          <p:cNvSpPr>
+            <a:spLocks noGrp="1"/>
+          </p:cNvSpPr>
+          <p:nvPr>
+            <p:ph type="title"/>
+          </p:nvPr>
+        </p:nvSpPr>
+        <p:spPr/>
+        <p:txBody>
+          <a:bodyPr/>
+          <a:lstStyle/>
+          <a:p>
+            <a:r>
+              <a:rPr lang="en-US" dirty="0"/>
+              <a:t>Linear Models</a:t>
+            </a:r>
+          </a:p>
+        </p:txBody>
+      </p:sp>
+      <p:sp>
+        <p:nvSpPr>
+          <p:cNvPr id="3" name="Content Placeholder 2"/>
+          <p:cNvSpPr>
+            <a:spLocks noGrp="1"/>
+          </p:cNvSpPr>
+          <p:nvPr>
+            <p:ph idx="1"/>
+          </p:nvPr>
+        </p:nvSpPr>
+        <p:spPr/>
+        <p:txBody>
+          <a:bodyPr/>
+          <a:lstStyle/>
+          <a:p>
+            <a:r>
+              <a:rPr lang="en-US" dirty="0"/>
+              <a:t>Tree</a:t>
+            </a:r>
+          </a:p>
+          <a:p>
+            <a:pPr lvl="2"/>
+            <a:endParaRPr lang="en-US" dirty="0"/>
+          </a:p>
+          <a:p>
+            <a:endParaRPr lang="en-US" dirty="0"/>
+          </a:p>
+        </p:txBody>
+      </p:sp>
+    </p:spTree>
+    <p:extLst>
+      <p:ext uri="{BB962C8B-B14F-4D97-AF65-F5344CB8AC3E}">
+        <p14:creationId xmlns:p14="http://schemas.microsoft.com/office/powerpoint/2010/main" val="1924952010"/>
+      </p:ext>
+    </p:extLst>
+  </p:cSld>
+  <p:clrMapOvr>
+    <a:overrideClrMapping bg1="lt1" tx1="dk1" bg2="lt2" tx2="dk2" accent1="accent1" accent2="accent2" accent3="accent3" accent4="accent4" accent5="accent5" accent6="accent6" hlink="hlink" folHlink="folHlink"/>
+  </p:clrMapOvr>
+</p:sld>
+</file>
+
+<file path=ppt/slides/slide25.xml><?xml version="1.0" encoding="utf-8"?>
+<p:sld xmlns:a="http://schemas.openxmlformats.org/drawingml/2006/main" xmlns:r="http://schemas.openxmlformats.org/officeDocument/2006/relationships" xmlns:p="http://schemas.openxmlformats.org/presentationml/2006/main">
+  <p:cSld>
+    <p:bg>
+      <p:bgPr>
+        <a:blipFill dpi="0" rotWithShape="1">
+          <a:blip r:embed="rId3">
+            <a:lum/>
+          </a:blip>
+          <a:srcRect/>
+          <a:stretch>
+            <a:fillRect l="-10000" r="-10000"/>
+          </a:stretch>
+        </a:blipFill>
+        <a:effectLst/>
+      </p:bgPr>
+    </p:bg>
+    <p:spTree>
+      <p:nvGrpSpPr>
+        <p:cNvPr id="1" name=""/>
+        <p:cNvGrpSpPr/>
+        <p:nvPr/>
+      </p:nvGrpSpPr>
+      <p:grpSpPr>
+        <a:xfrm>
+          <a:off x="0" y="0"/>
+          <a:ext cx="0" cy="0"/>
+          <a:chOff x="0" y="0"/>
+          <a:chExt cx="0" cy="0"/>
+        </a:xfrm>
+      </p:grpSpPr>
+      <p:sp>
+        <p:nvSpPr>
+          <p:cNvPr id="2" name="Title 1"/>
+          <p:cNvSpPr>
+            <a:spLocks noGrp="1"/>
+          </p:cNvSpPr>
+          <p:nvPr>
+            <p:ph type="title"/>
+          </p:nvPr>
+        </p:nvSpPr>
+        <p:spPr/>
+        <p:txBody>
+          <a:bodyPr/>
+          <a:lstStyle/>
+          <a:p>
+            <a:r>
+              <a:rPr lang="en-US" dirty="0"/>
+              <a:t>Linear Models</a:t>
+            </a:r>
+          </a:p>
+        </p:txBody>
+      </p:sp>
+      <p:sp>
+        <p:nvSpPr>
+          <p:cNvPr id="3" name="Content Placeholder 2"/>
+          <p:cNvSpPr>
+            <a:spLocks noGrp="1"/>
+          </p:cNvSpPr>
+          <p:nvPr>
+            <p:ph idx="1"/>
+          </p:nvPr>
+        </p:nvSpPr>
+        <p:spPr/>
+        <p:txBody>
+          <a:bodyPr/>
+          <a:lstStyle/>
+          <a:p>
+            <a:r>
+              <a:rPr lang="en-US" dirty="0"/>
+              <a:t>Forest</a:t>
+            </a:r>
+          </a:p>
+          <a:p>
+            <a:pPr lvl="2"/>
+            <a:endParaRPr lang="en-US" dirty="0"/>
+          </a:p>
+          <a:p>
+            <a:endParaRPr lang="en-US" dirty="0"/>
+          </a:p>
+        </p:txBody>
+      </p:sp>
+    </p:spTree>
+    <p:extLst>
+      <p:ext uri="{BB962C8B-B14F-4D97-AF65-F5344CB8AC3E}">
+        <p14:creationId xmlns:p14="http://schemas.microsoft.com/office/powerpoint/2010/main" val="358457677"/>
+      </p:ext>
+    </p:extLst>
+  </p:cSld>
+  <p:clrMapOvr>
+    <a:overrideClrMapping bg1="lt1" tx1="dk1" bg2="lt2" tx2="dk2" accent1="accent1" accent2="accent2" accent3="accent3" accent4="accent4" accent5="accent5" accent6="accent6" hlink="hlink" folHlink="folHlink"/>
+  </p:clrMapOvr>
+</p:sld>
+</file>
+
+<file path=ppt/slides/slide26.xml><?xml version="1.0" encoding="utf-8"?>
+<p:sld xmlns:a="http://schemas.openxmlformats.org/drawingml/2006/main" xmlns:r="http://schemas.openxmlformats.org/officeDocument/2006/relationships" xmlns:p="http://schemas.openxmlformats.org/presentationml/2006/main">
+  <p:cSld>
+    <p:bg>
+      <p:bgPr>
+        <a:blipFill dpi="0" rotWithShape="1">
+          <a:blip r:embed="rId3">
+            <a:lum/>
+          </a:blip>
+          <a:srcRect/>
+          <a:stretch>
+            <a:fillRect l="-10000" r="-10000"/>
+          </a:stretch>
+        </a:blipFill>
+        <a:effectLst/>
+      </p:bgPr>
+    </p:bg>
+    <p:spTree>
+      <p:nvGrpSpPr>
+        <p:cNvPr id="1" name=""/>
+        <p:cNvGrpSpPr/>
+        <p:nvPr/>
+      </p:nvGrpSpPr>
+      <p:grpSpPr>
+        <a:xfrm>
+          <a:off x="0" y="0"/>
+          <a:ext cx="0" cy="0"/>
+          <a:chOff x="0" y="0"/>
+          <a:chExt cx="0" cy="0"/>
+        </a:xfrm>
+      </p:grpSpPr>
+      <p:sp>
+        <p:nvSpPr>
+          <p:cNvPr id="2" name="Title 1"/>
+          <p:cNvSpPr>
+            <a:spLocks noGrp="1"/>
+          </p:cNvSpPr>
+          <p:nvPr>
+            <p:ph type="title"/>
+          </p:nvPr>
+        </p:nvSpPr>
+        <p:spPr/>
+        <p:txBody>
+          <a:bodyPr/>
+          <a:lstStyle/>
+          <a:p>
+            <a:r>
+              <a:rPr lang="en-US" dirty="0"/>
+              <a:t>Linear Models</a:t>
+            </a:r>
+          </a:p>
+        </p:txBody>
+      </p:sp>
+      <p:sp>
+        <p:nvSpPr>
+          <p:cNvPr id="3" name="Content Placeholder 2"/>
+          <p:cNvSpPr>
+            <a:spLocks noGrp="1"/>
+          </p:cNvSpPr>
+          <p:nvPr>
+            <p:ph idx="1"/>
+          </p:nvPr>
+        </p:nvSpPr>
+        <p:spPr/>
+        <p:txBody>
+          <a:bodyPr/>
+          <a:lstStyle/>
+          <a:p>
+            <a:r>
+              <a:rPr lang="en-US" dirty="0"/>
+              <a:t>Gradient-Boosted Forest</a:t>
+            </a:r>
+          </a:p>
+          <a:p>
+            <a:pPr lvl="2"/>
+            <a:endParaRPr lang="en-US" dirty="0"/>
+          </a:p>
+          <a:p>
+            <a:endParaRPr lang="en-US" dirty="0"/>
+          </a:p>
+        </p:txBody>
+      </p:sp>
+    </p:spTree>
+    <p:extLst>
+      <p:ext uri="{BB962C8B-B14F-4D97-AF65-F5344CB8AC3E}">
+        <p14:creationId xmlns:p14="http://schemas.microsoft.com/office/powerpoint/2010/main" val="1436682753"/>
+      </p:ext>
+    </p:extLst>
+  </p:cSld>
+  <p:clrMapOvr>
+    <a:overrideClrMapping bg1="lt1" tx1="dk1" bg2="lt2" tx2="dk2" accent1="accent1" accent2="accent2" accent3="accent3" accent4="accent4" accent5="accent5" accent6="accent6" hlink="hlink" folHlink="folHlink"/>
+  </p:clrMapOvr>
+</p:sld>
+</file>
+
+<file path=ppt/slides/slide27.xml><?xml version="1.0" encoding="utf-8"?>
+<p:sld xmlns:a="http://schemas.openxmlformats.org/drawingml/2006/main" xmlns:r="http://schemas.openxmlformats.org/officeDocument/2006/relationships" xmlns:p="http://schemas.openxmlformats.org/presentationml/2006/main">
+  <p:cSld>
+    <p:bg>
+      <p:bgPr>
+        <a:blipFill dpi="0" rotWithShape="1">
+          <a:blip r:embed="rId2">
+            <a:lum/>
+          </a:blip>
+          <a:srcRect/>
+          <a:stretch>
+            <a:fillRect l="-10000" r="-10000"/>
+          </a:stretch>
+        </a:blipFill>
+        <a:effectLst/>
+      </p:bgPr>
+    </p:bg>
+    <p:spTree>
+      <p:nvGrpSpPr>
+        <p:cNvPr id="1" name=""/>
+        <p:cNvGrpSpPr/>
+        <p:nvPr/>
+      </p:nvGrpSpPr>
+      <p:grpSpPr>
+        <a:xfrm>
+          <a:off x="0" y="0"/>
+          <a:ext cx="0" cy="0"/>
+          <a:chOff x="0" y="0"/>
+          <a:chExt cx="0" cy="0"/>
+        </a:xfrm>
+      </p:grpSpPr>
+      <p:sp>
+        <p:nvSpPr>
+          <p:cNvPr id="2" name="Title 1"/>
+          <p:cNvSpPr>
+            <a:spLocks noGrp="1"/>
+          </p:cNvSpPr>
+          <p:nvPr>
+            <p:ph type="title"/>
+          </p:nvPr>
+        </p:nvSpPr>
+        <p:spPr/>
+        <p:txBody>
+          <a:bodyPr/>
+          <a:lstStyle/>
+          <a:p>
+            <a:r>
+              <a:rPr lang="en-US" dirty="0"/>
+              <a:t>Evaluating Accuracy</a:t>
+            </a:r>
+          </a:p>
+        </p:txBody>
+      </p:sp>
+      <p:sp>
+        <p:nvSpPr>
+          <p:cNvPr id="3" name="Content Placeholder 2"/>
+          <p:cNvSpPr>
+            <a:spLocks noGrp="1"/>
+          </p:cNvSpPr>
+          <p:nvPr>
+            <p:ph idx="1"/>
+          </p:nvPr>
+        </p:nvSpPr>
+        <p:spPr/>
+        <p:txBody>
+          <a:bodyPr/>
+          <a:lstStyle/>
+          <a:p>
+            <a:r>
+              <a:rPr lang="en-US" dirty="0"/>
+              <a:t>Overview</a:t>
+            </a:r>
+          </a:p>
+          <a:p>
+            <a:pPr lvl="1"/>
+            <a:r>
+              <a:rPr lang="en-US" dirty="0"/>
+              <a:t>&lt;model&gt;.score(</a:t>
+            </a:r>
+            <a:r>
+              <a:rPr lang="en-US" dirty="0" err="1"/>
+              <a:t>test_data</a:t>
+            </a:r>
+            <a:r>
+              <a:rPr lang="en-US" dirty="0"/>
+              <a:t>, </a:t>
+            </a:r>
+            <a:r>
+              <a:rPr lang="en-US" dirty="0" err="1"/>
+              <a:t>test_labels</a:t>
+            </a:r>
+            <a:r>
+              <a:rPr lang="en-US"/>
+              <a:t>)</a:t>
+            </a:r>
+            <a:endParaRPr lang="en-US" dirty="0"/>
+          </a:p>
+          <a:p>
+            <a:pPr lvl="2"/>
+            <a:endParaRPr lang="en-US" dirty="0"/>
+          </a:p>
+          <a:p>
+            <a:endParaRPr lang="en-US" dirty="0"/>
+          </a:p>
+        </p:txBody>
+      </p:sp>
+    </p:spTree>
+    <p:extLst>
+      <p:ext uri="{BB962C8B-B14F-4D97-AF65-F5344CB8AC3E}">
+        <p14:creationId xmlns:p14="http://schemas.microsoft.com/office/powerpoint/2010/main" val="4053921630"/>
+      </p:ext>
+    </p:extLst>
+  </p:cSld>
+  <p:clrMapOvr>
+    <a:masterClrMapping/>
+  </p:clrMapOvr>
+</p:sld>
+</file>
+
+<file path=ppt/slides/slide28.xml><?xml version="1.0" encoding="utf-8"?>
+<p:sld xmlns:a="http://schemas.openxmlformats.org/drawingml/2006/main" xmlns:r="http://schemas.openxmlformats.org/officeDocument/2006/relationships" xmlns:p="http://schemas.openxmlformats.org/presentationml/2006/main">
+  <p:cSld>
+    <p:bg>
+      <p:bgPr>
+        <a:blipFill dpi="0" rotWithShape="1">
+          <a:blip r:embed="rId2">
+            <a:lum/>
+          </a:blip>
+          <a:srcRect/>
+          <a:stretch>
+            <a:fillRect l="-10000" r="-10000"/>
+          </a:stretch>
+        </a:blipFill>
+        <a:effectLst/>
+      </p:bgPr>
+    </p:bg>
+    <p:spTree>
+      <p:nvGrpSpPr>
+        <p:cNvPr id="1" name=""/>
+        <p:cNvGrpSpPr/>
+        <p:nvPr/>
+      </p:nvGrpSpPr>
+      <p:grpSpPr>
+        <a:xfrm>
+          <a:off x="0" y="0"/>
+          <a:ext cx="0" cy="0"/>
+          <a:chOff x="0" y="0"/>
+          <a:chExt cx="0" cy="0"/>
+        </a:xfrm>
+      </p:grpSpPr>
+      <p:sp>
+        <p:nvSpPr>
+          <p:cNvPr id="2" name="Title 1"/>
+          <p:cNvSpPr>
+            <a:spLocks noGrp="1"/>
+          </p:cNvSpPr>
+          <p:nvPr>
+            <p:ph type="title"/>
+          </p:nvPr>
+        </p:nvSpPr>
+        <p:spPr/>
+        <p:txBody>
+          <a:bodyPr/>
+          <a:lstStyle/>
+          <a:p>
+            <a:r>
+              <a:rPr lang="en-US" dirty="0" err="1"/>
+              <a:t>Scikit</a:t>
+            </a:r>
+            <a:r>
+              <a:rPr lang="en-US" dirty="0"/>
+              <a:t>-Learn Machine Learning</a:t>
+            </a:r>
+          </a:p>
+        </p:txBody>
+      </p:sp>
+      <p:sp>
+        <p:nvSpPr>
+          <p:cNvPr id="3" name="Content Placeholder 2"/>
+          <p:cNvSpPr>
+            <a:spLocks noGrp="1"/>
+          </p:cNvSpPr>
+          <p:nvPr>
+            <p:ph idx="1"/>
+          </p:nvPr>
+        </p:nvSpPr>
+        <p:spPr/>
+        <p:txBody>
+          <a:bodyPr/>
+          <a:lstStyle/>
+          <a:p>
+            <a:r>
+              <a:rPr lang="en-US" dirty="0"/>
+              <a:t>Overview</a:t>
+            </a:r>
+          </a:p>
+          <a:p>
+            <a:pPr lvl="1"/>
+            <a:r>
+              <a:rPr lang="en-US" dirty="0"/>
+              <a:t>Definition</a:t>
+            </a:r>
+          </a:p>
+          <a:p>
+            <a:pPr lvl="1"/>
+            <a:r>
+              <a:rPr lang="en-US" dirty="0"/>
+              <a:t>General Types</a:t>
+            </a:r>
+          </a:p>
+          <a:p>
+            <a:pPr lvl="1"/>
+            <a:r>
+              <a:rPr lang="en-US" dirty="0"/>
+              <a:t>Basic Linear Models</a:t>
+            </a:r>
+          </a:p>
+          <a:p>
+            <a:pPr lvl="1"/>
+            <a:r>
+              <a:rPr lang="en-US" dirty="0"/>
+              <a:t>Algorithm Types</a:t>
+            </a:r>
+          </a:p>
+          <a:p>
+            <a:pPr lvl="1"/>
+            <a:r>
+              <a:rPr lang="en-US" dirty="0"/>
+              <a:t>Tuning</a:t>
+            </a:r>
+          </a:p>
+          <a:p>
+            <a:pPr lvl="2"/>
+            <a:endParaRPr lang="en-US" dirty="0"/>
+          </a:p>
+          <a:p>
+            <a:endParaRPr lang="en-US" dirty="0"/>
+          </a:p>
+        </p:txBody>
+      </p:sp>
+    </p:spTree>
+    <p:extLst>
+      <p:ext uri="{BB962C8B-B14F-4D97-AF65-F5344CB8AC3E}">
+        <p14:creationId xmlns:p14="http://schemas.microsoft.com/office/powerpoint/2010/main" val="754999196"/>
+      </p:ext>
+    </p:extLst>
+  </p:cSld>
+  <p:clrMapOvr>
+    <a:masterClrMapping/>
+  </p:clrMapOvr>
+</p:sld>
+</file>
+
+<file path=ppt/slides/slide29.xml><?xml version="1.0" encoding="utf-8"?>
+<p:sld xmlns:a="http://schemas.openxmlformats.org/drawingml/2006/main" xmlns:r="http://schemas.openxmlformats.org/officeDocument/2006/relationships" xmlns:p="http://schemas.openxmlformats.org/presentationml/2006/main">
+  <p:cSld>
+    <p:bg>
+      <p:bgPr>
+        <a:blipFill dpi="0" rotWithShape="1">
+          <a:blip r:embed="rId2">
+            <a:lum/>
+          </a:blip>
+          <a:srcRect/>
+          <a:stretch>
+            <a:fillRect l="-10000" r="-10000"/>
+          </a:stretch>
+        </a:blipFill>
+        <a:effectLst/>
+      </p:bgPr>
+    </p:bg>
+    <p:spTree>
+      <p:nvGrpSpPr>
+        <p:cNvPr id="1" name=""/>
+        <p:cNvGrpSpPr/>
+        <p:nvPr/>
+      </p:nvGrpSpPr>
+      <p:grpSpPr>
+        <a:xfrm>
+          <a:off x="0" y="0"/>
+          <a:ext cx="0" cy="0"/>
+          <a:chOff x="0" y="0"/>
+          <a:chExt cx="0" cy="0"/>
+        </a:xfrm>
+      </p:grpSpPr>
+      <p:sp>
+        <p:nvSpPr>
+          <p:cNvPr id="2" name="Title 1"/>
+          <p:cNvSpPr>
+            <a:spLocks noGrp="1"/>
+          </p:cNvSpPr>
+          <p:nvPr>
+            <p:ph type="title"/>
+          </p:nvPr>
+        </p:nvSpPr>
+        <p:spPr/>
+        <p:txBody>
+          <a:bodyPr/>
+          <a:lstStyle/>
+          <a:p>
+            <a:r>
+              <a:rPr lang="en-US" dirty="0"/>
+              <a:t>Tuning</a:t>
+            </a:r>
+          </a:p>
+        </p:txBody>
+      </p:sp>
+      <p:sp>
+        <p:nvSpPr>
+          <p:cNvPr id="3" name="Content Placeholder 2"/>
+          <p:cNvSpPr>
+            <a:spLocks noGrp="1"/>
+          </p:cNvSpPr>
+          <p:nvPr>
+            <p:ph idx="1"/>
+          </p:nvPr>
+        </p:nvSpPr>
+        <p:spPr/>
+        <p:txBody>
+          <a:bodyPr/>
+          <a:lstStyle/>
+          <a:p>
+            <a:r>
+              <a:rPr lang="en-US" dirty="0"/>
+              <a:t>Determining what features matter</a:t>
+            </a:r>
+          </a:p>
+          <a:p>
+            <a:pPr lvl="2"/>
+            <a:endParaRPr lang="en-US" dirty="0"/>
+          </a:p>
+          <a:p>
+            <a:endParaRPr lang="en-US" dirty="0"/>
+          </a:p>
+        </p:txBody>
+      </p:sp>
+    </p:spTree>
+    <p:extLst>
+      <p:ext uri="{BB962C8B-B14F-4D97-AF65-F5344CB8AC3E}">
+        <p14:creationId xmlns:p14="http://schemas.microsoft.com/office/powerpoint/2010/main" val="3393037686"/>
       </p:ext>
     </p:extLst>
   </p:cSld>
@@ -6677,6 +8946,442 @@
           <a:p>
             <a:r>
               <a:rPr lang="en-US" dirty="0"/>
+              <a:t>Definition</a:t>
+            </a:r>
+          </a:p>
+        </p:txBody>
+      </p:sp>
+      <p:sp>
+        <p:nvSpPr>
+          <p:cNvPr id="3" name="Content Placeholder 2"/>
+          <p:cNvSpPr>
+            <a:spLocks noGrp="1"/>
+          </p:cNvSpPr>
+          <p:nvPr>
+            <p:ph idx="1"/>
+          </p:nvPr>
+        </p:nvSpPr>
+        <p:spPr/>
+        <p:txBody>
+          <a:bodyPr/>
+          <a:lstStyle/>
+          <a:p>
+            <a:r>
+              <a:rPr lang="en-US" dirty="0"/>
+              <a:t>Machine Learning</a:t>
+            </a:r>
+          </a:p>
+          <a:p>
+            <a:pPr lvl="1"/>
+            <a:r>
+              <a:rPr lang="en-US" dirty="0"/>
+              <a:t>The use of a model built off of data to increase the predictive ability of a computer.</a:t>
+            </a:r>
+          </a:p>
+          <a:p>
+            <a:pPr lvl="1"/>
+            <a:r>
+              <a:rPr lang="en-US" dirty="0"/>
+              <a:t>Data by itself is not machine learning if the predictive capabilities do not increase—no learning occurs in this situation.</a:t>
+            </a:r>
+          </a:p>
+          <a:p>
+            <a:endParaRPr lang="en-US" dirty="0"/>
+          </a:p>
+          <a:p>
+            <a:pPr lvl="2"/>
+            <a:endParaRPr lang="en-US" dirty="0"/>
+          </a:p>
+          <a:p>
+            <a:endParaRPr lang="en-US" dirty="0"/>
+          </a:p>
+        </p:txBody>
+      </p:sp>
+    </p:spTree>
+    <p:extLst>
+      <p:ext uri="{BB962C8B-B14F-4D97-AF65-F5344CB8AC3E}">
+        <p14:creationId xmlns:p14="http://schemas.microsoft.com/office/powerpoint/2010/main" val="3227970962"/>
+      </p:ext>
+    </p:extLst>
+  </p:cSld>
+  <p:clrMapOvr>
+    <a:masterClrMapping/>
+  </p:clrMapOvr>
+</p:sld>
+</file>
+
+<file path=ppt/slides/slide30.xml><?xml version="1.0" encoding="utf-8"?>
+<p:sld xmlns:a="http://schemas.openxmlformats.org/drawingml/2006/main" xmlns:r="http://schemas.openxmlformats.org/officeDocument/2006/relationships" xmlns:p="http://schemas.openxmlformats.org/presentationml/2006/main">
+  <p:cSld>
+    <p:bg>
+      <p:bgPr>
+        <a:blipFill dpi="0" rotWithShape="1">
+          <a:blip r:embed="rId2">
+            <a:lum/>
+          </a:blip>
+          <a:srcRect/>
+          <a:stretch>
+            <a:fillRect l="-10000" r="-10000"/>
+          </a:stretch>
+        </a:blipFill>
+        <a:effectLst/>
+      </p:bgPr>
+    </p:bg>
+    <p:spTree>
+      <p:nvGrpSpPr>
+        <p:cNvPr id="1" name=""/>
+        <p:cNvGrpSpPr/>
+        <p:nvPr/>
+      </p:nvGrpSpPr>
+      <p:grpSpPr>
+        <a:xfrm>
+          <a:off x="0" y="0"/>
+          <a:ext cx="0" cy="0"/>
+          <a:chOff x="0" y="0"/>
+          <a:chExt cx="0" cy="0"/>
+        </a:xfrm>
+      </p:grpSpPr>
+      <p:sp>
+        <p:nvSpPr>
+          <p:cNvPr id="2" name="Title 1"/>
+          <p:cNvSpPr>
+            <a:spLocks noGrp="1"/>
+          </p:cNvSpPr>
+          <p:nvPr>
+            <p:ph type="title"/>
+          </p:nvPr>
+        </p:nvSpPr>
+        <p:spPr/>
+        <p:txBody>
+          <a:bodyPr/>
+          <a:lstStyle/>
+          <a:p>
+            <a:r>
+              <a:rPr lang="en-US" dirty="0"/>
+              <a:t>Tuning</a:t>
+            </a:r>
+          </a:p>
+        </p:txBody>
+      </p:sp>
+      <p:sp>
+        <p:nvSpPr>
+          <p:cNvPr id="3" name="Content Placeholder 2"/>
+          <p:cNvSpPr>
+            <a:spLocks noGrp="1"/>
+          </p:cNvSpPr>
+          <p:nvPr>
+            <p:ph idx="1"/>
+          </p:nvPr>
+        </p:nvSpPr>
+        <p:spPr/>
+        <p:txBody>
+          <a:bodyPr/>
+          <a:lstStyle/>
+          <a:p>
+            <a:r>
+              <a:rPr lang="en-US" dirty="0"/>
+              <a:t>Parameters to Play with</a:t>
+            </a:r>
+          </a:p>
+          <a:p>
+            <a:pPr lvl="2"/>
+            <a:endParaRPr lang="en-US" dirty="0"/>
+          </a:p>
+          <a:p>
+            <a:endParaRPr lang="en-US" dirty="0"/>
+          </a:p>
+        </p:txBody>
+      </p:sp>
+    </p:spTree>
+    <p:extLst>
+      <p:ext uri="{BB962C8B-B14F-4D97-AF65-F5344CB8AC3E}">
+        <p14:creationId xmlns:p14="http://schemas.microsoft.com/office/powerpoint/2010/main" val="274238177"/>
+      </p:ext>
+    </p:extLst>
+  </p:cSld>
+  <p:clrMapOvr>
+    <a:masterClrMapping/>
+  </p:clrMapOvr>
+</p:sld>
+</file>
+
+<file path=ppt/slides/slide31.xml><?xml version="1.0" encoding="utf-8"?>
+<p:sld xmlns:a="http://schemas.openxmlformats.org/drawingml/2006/main" xmlns:r="http://schemas.openxmlformats.org/officeDocument/2006/relationships" xmlns:p="http://schemas.openxmlformats.org/presentationml/2006/main">
+  <p:cSld>
+    <p:bg>
+      <p:bgPr>
+        <a:blipFill dpi="0" rotWithShape="1">
+          <a:blip r:embed="rId2">
+            <a:lum/>
+          </a:blip>
+          <a:srcRect/>
+          <a:stretch>
+            <a:fillRect l="-10000" r="-10000"/>
+          </a:stretch>
+        </a:blipFill>
+        <a:effectLst/>
+      </p:bgPr>
+    </p:bg>
+    <p:spTree>
+      <p:nvGrpSpPr>
+        <p:cNvPr id="1" name=""/>
+        <p:cNvGrpSpPr/>
+        <p:nvPr/>
+      </p:nvGrpSpPr>
+      <p:grpSpPr>
+        <a:xfrm>
+          <a:off x="0" y="0"/>
+          <a:ext cx="0" cy="0"/>
+          <a:chOff x="0" y="0"/>
+          <a:chExt cx="0" cy="0"/>
+        </a:xfrm>
+      </p:grpSpPr>
+      <p:sp>
+        <p:nvSpPr>
+          <p:cNvPr id="2" name="Title 1"/>
+          <p:cNvSpPr>
+            <a:spLocks noGrp="1"/>
+          </p:cNvSpPr>
+          <p:nvPr>
+            <p:ph type="title"/>
+          </p:nvPr>
+        </p:nvSpPr>
+        <p:spPr/>
+        <p:txBody>
+          <a:bodyPr/>
+          <a:lstStyle/>
+          <a:p>
+            <a:r>
+              <a:rPr lang="en-US" dirty="0"/>
+              <a:t>Tuning</a:t>
+            </a:r>
+          </a:p>
+        </p:txBody>
+      </p:sp>
+      <p:sp>
+        <p:nvSpPr>
+          <p:cNvPr id="3" name="Content Placeholder 2"/>
+          <p:cNvSpPr>
+            <a:spLocks noGrp="1"/>
+          </p:cNvSpPr>
+          <p:nvPr>
+            <p:ph idx="1"/>
+          </p:nvPr>
+        </p:nvSpPr>
+        <p:spPr/>
+        <p:txBody>
+          <a:bodyPr/>
+          <a:lstStyle/>
+          <a:p>
+            <a:r>
+              <a:rPr lang="en-US" dirty="0"/>
+              <a:t>Grid Search</a:t>
+            </a:r>
+          </a:p>
+          <a:p>
+            <a:pPr lvl="2"/>
+            <a:endParaRPr lang="en-US" dirty="0"/>
+          </a:p>
+          <a:p>
+            <a:endParaRPr lang="en-US" dirty="0"/>
+          </a:p>
+        </p:txBody>
+      </p:sp>
+    </p:spTree>
+    <p:extLst>
+      <p:ext uri="{BB962C8B-B14F-4D97-AF65-F5344CB8AC3E}">
+        <p14:creationId xmlns:p14="http://schemas.microsoft.com/office/powerpoint/2010/main" val="2622179278"/>
+      </p:ext>
+    </p:extLst>
+  </p:cSld>
+  <p:clrMapOvr>
+    <a:masterClrMapping/>
+  </p:clrMapOvr>
+</p:sld>
+</file>
+
+<file path=ppt/slides/slide32.xml><?xml version="1.0" encoding="utf-8"?>
+<p:sld xmlns:a="http://schemas.openxmlformats.org/drawingml/2006/main" xmlns:r="http://schemas.openxmlformats.org/officeDocument/2006/relationships" xmlns:p="http://schemas.openxmlformats.org/presentationml/2006/main">
+  <p:cSld>
+    <p:bg>
+      <p:bgPr>
+        <a:blipFill dpi="0" rotWithShape="1">
+          <a:blip r:embed="rId2">
+            <a:lum/>
+          </a:blip>
+          <a:srcRect/>
+          <a:stretch>
+            <a:fillRect l="-10000" r="-10000"/>
+          </a:stretch>
+        </a:blipFill>
+        <a:effectLst/>
+      </p:bgPr>
+    </p:bg>
+    <p:spTree>
+      <p:nvGrpSpPr>
+        <p:cNvPr id="1" name=""/>
+        <p:cNvGrpSpPr/>
+        <p:nvPr/>
+      </p:nvGrpSpPr>
+      <p:grpSpPr>
+        <a:xfrm>
+          <a:off x="0" y="0"/>
+          <a:ext cx="0" cy="0"/>
+          <a:chOff x="0" y="0"/>
+          <a:chExt cx="0" cy="0"/>
+        </a:xfrm>
+      </p:grpSpPr>
+      <p:sp>
+        <p:nvSpPr>
+          <p:cNvPr id="2" name="Title 1"/>
+          <p:cNvSpPr>
+            <a:spLocks noGrp="1"/>
+          </p:cNvSpPr>
+          <p:nvPr>
+            <p:ph type="title"/>
+          </p:nvPr>
+        </p:nvSpPr>
+        <p:spPr/>
+        <p:txBody>
+          <a:bodyPr/>
+          <a:lstStyle/>
+          <a:p>
+            <a:r>
+              <a:rPr lang="en-US" dirty="0" err="1"/>
+              <a:t>Scikit</a:t>
+            </a:r>
+            <a:r>
+              <a:rPr lang="en-US" dirty="0"/>
+              <a:t>-Learn Machine Learning</a:t>
+            </a:r>
+          </a:p>
+        </p:txBody>
+      </p:sp>
+      <p:sp>
+        <p:nvSpPr>
+          <p:cNvPr id="3" name="Content Placeholder 2"/>
+          <p:cNvSpPr>
+            <a:spLocks noGrp="1"/>
+          </p:cNvSpPr>
+          <p:nvPr>
+            <p:ph idx="1"/>
+          </p:nvPr>
+        </p:nvSpPr>
+        <p:spPr/>
+        <p:txBody>
+          <a:bodyPr/>
+          <a:lstStyle/>
+          <a:p>
+            <a:r>
+              <a:rPr lang="en-US" dirty="0"/>
+              <a:t>Overview</a:t>
+            </a:r>
+          </a:p>
+          <a:p>
+            <a:pPr lvl="1"/>
+            <a:r>
+              <a:rPr lang="en-US" dirty="0"/>
+              <a:t>Definition</a:t>
+            </a:r>
+          </a:p>
+          <a:p>
+            <a:pPr lvl="1"/>
+            <a:r>
+              <a:rPr lang="en-US" dirty="0"/>
+              <a:t>General Types</a:t>
+            </a:r>
+          </a:p>
+          <a:p>
+            <a:pPr lvl="1"/>
+            <a:r>
+              <a:rPr lang="en-US" dirty="0"/>
+              <a:t>Basic Linear Models</a:t>
+            </a:r>
+          </a:p>
+          <a:p>
+            <a:pPr lvl="1"/>
+            <a:r>
+              <a:rPr lang="en-US" dirty="0"/>
+              <a:t>Algorithm Types</a:t>
+            </a:r>
+          </a:p>
+          <a:p>
+            <a:pPr lvl="1"/>
+            <a:r>
+              <a:rPr lang="en-US" dirty="0"/>
+              <a:t>Tuning</a:t>
+            </a:r>
+          </a:p>
+          <a:p>
+            <a:pPr lvl="2"/>
+            <a:endParaRPr lang="en-US" dirty="0"/>
+          </a:p>
+          <a:p>
+            <a:endParaRPr lang="en-US" dirty="0"/>
+          </a:p>
+        </p:txBody>
+      </p:sp>
+    </p:spTree>
+    <p:extLst>
+      <p:ext uri="{BB962C8B-B14F-4D97-AF65-F5344CB8AC3E}">
+        <p14:creationId xmlns:p14="http://schemas.microsoft.com/office/powerpoint/2010/main" val="2946119377"/>
+      </p:ext>
+    </p:extLst>
+  </p:cSld>
+  <p:clrMapOvr>
+    <a:masterClrMapping/>
+  </p:clrMapOvr>
+</p:sld>
+</file>
+
+<file path=ppt/slides/slide33.xml><?xml version="1.0" encoding="utf-8"?>
+<p:sld xmlns:a="http://schemas.openxmlformats.org/drawingml/2006/main" xmlns:r="http://schemas.openxmlformats.org/officeDocument/2006/relationships" xmlns:p="http://schemas.openxmlformats.org/presentationml/2006/main">
+  <p:cSld>
+    <p:bg>
+      <p:bgPr>
+        <a:blipFill dpi="0" rotWithShape="1">
+          <a:blip r:embed="rId2">
+            <a:lum/>
+          </a:blip>
+          <a:srcRect/>
+          <a:stretch>
+            <a:fillRect l="-10000" r="-10000"/>
+          </a:stretch>
+        </a:blipFill>
+        <a:effectLst/>
+      </p:bgPr>
+    </p:bg>
+    <p:spTree>
+      <p:nvGrpSpPr>
+        <p:cNvPr id="1" name=""/>
+        <p:cNvGrpSpPr/>
+        <p:nvPr/>
+      </p:nvGrpSpPr>
+      <p:grpSpPr>
+        <a:xfrm>
+          <a:off x="0" y="0"/>
+          <a:ext cx="0" cy="0"/>
+          <a:chOff x="0" y="0"/>
+          <a:chExt cx="0" cy="0"/>
+        </a:xfrm>
+      </p:grpSpPr>
+      <p:sp>
+        <p:nvSpPr>
+          <p:cNvPr id="2" name="Title 1"/>
+          <p:cNvSpPr>
+            <a:spLocks noGrp="1"/>
+          </p:cNvSpPr>
+          <p:nvPr>
+            <p:ph type="title"/>
+          </p:nvPr>
+        </p:nvSpPr>
+        <p:spPr/>
+        <p:txBody>
+          <a:bodyPr/>
+          <a:lstStyle/>
+          <a:p>
+            <a:r>
+              <a:rPr lang="en-US" dirty="0"/>
               <a:t>LICENSE</a:t>
             </a:r>
           </a:p>
@@ -6728,6 +9433,664 @@
     <p:extLst>
       <p:ext uri="{BB962C8B-B14F-4D97-AF65-F5344CB8AC3E}">
         <p14:creationId xmlns:p14="http://schemas.microsoft.com/office/powerpoint/2010/main" val="3645036191"/>
+      </p:ext>
+    </p:extLst>
+  </p:cSld>
+  <p:clrMapOvr>
+    <a:masterClrMapping/>
+  </p:clrMapOvr>
+</p:sld>
+</file>
+
+<file path=ppt/slides/slide4.xml><?xml version="1.0" encoding="utf-8"?>
+<p:sld xmlns:a="http://schemas.openxmlformats.org/drawingml/2006/main" xmlns:r="http://schemas.openxmlformats.org/officeDocument/2006/relationships" xmlns:p="http://schemas.openxmlformats.org/presentationml/2006/main">
+  <p:cSld>
+    <p:bg>
+      <p:bgPr>
+        <a:blipFill dpi="0" rotWithShape="1">
+          <a:blip r:embed="rId2">
+            <a:lum/>
+          </a:blip>
+          <a:srcRect/>
+          <a:stretch>
+            <a:fillRect l="-10000" r="-10000"/>
+          </a:stretch>
+        </a:blipFill>
+        <a:effectLst/>
+      </p:bgPr>
+    </p:bg>
+    <p:spTree>
+      <p:nvGrpSpPr>
+        <p:cNvPr id="1" name=""/>
+        <p:cNvGrpSpPr/>
+        <p:nvPr/>
+      </p:nvGrpSpPr>
+      <p:grpSpPr>
+        <a:xfrm>
+          <a:off x="0" y="0"/>
+          <a:ext cx="0" cy="0"/>
+          <a:chOff x="0" y="0"/>
+          <a:chExt cx="0" cy="0"/>
+        </a:xfrm>
+      </p:grpSpPr>
+      <p:sp>
+        <p:nvSpPr>
+          <p:cNvPr id="2" name="Title 1"/>
+          <p:cNvSpPr>
+            <a:spLocks noGrp="1"/>
+          </p:cNvSpPr>
+          <p:nvPr>
+            <p:ph type="title"/>
+          </p:nvPr>
+        </p:nvSpPr>
+        <p:spPr/>
+        <p:txBody>
+          <a:bodyPr/>
+          <a:lstStyle/>
+          <a:p>
+            <a:r>
+              <a:rPr lang="en-US" dirty="0"/>
+              <a:t>Definitions</a:t>
+            </a:r>
+          </a:p>
+        </p:txBody>
+      </p:sp>
+      <p:sp>
+        <p:nvSpPr>
+          <p:cNvPr id="3" name="Content Placeholder 2"/>
+          <p:cNvSpPr>
+            <a:spLocks noGrp="1"/>
+          </p:cNvSpPr>
+          <p:nvPr>
+            <p:ph idx="1"/>
+          </p:nvPr>
+        </p:nvSpPr>
+        <p:spPr/>
+        <p:txBody>
+          <a:bodyPr/>
+          <a:lstStyle/>
+          <a:p>
+            <a:r>
+              <a:rPr lang="en-US" dirty="0"/>
+              <a:t>Classifier</a:t>
+            </a:r>
+          </a:p>
+          <a:p>
+            <a:pPr lvl="1"/>
+            <a:r>
+              <a:rPr lang="en-US" dirty="0"/>
+              <a:t>The mathematical equation, set of equations, and/or algorithm that a computer uses to predict outcomes.</a:t>
+            </a:r>
+          </a:p>
+          <a:p>
+            <a:pPr lvl="1"/>
+            <a:r>
+              <a:rPr lang="en-US" dirty="0"/>
+              <a:t>This is the scaffolding for our model.</a:t>
+            </a:r>
+          </a:p>
+          <a:p>
+            <a:endParaRPr lang="en-US" dirty="0"/>
+          </a:p>
+          <a:p>
+            <a:pPr lvl="2"/>
+            <a:endParaRPr lang="en-US" dirty="0"/>
+          </a:p>
+          <a:p>
+            <a:endParaRPr lang="en-US" dirty="0"/>
+          </a:p>
+        </p:txBody>
+      </p:sp>
+    </p:spTree>
+    <p:extLst>
+      <p:ext uri="{BB962C8B-B14F-4D97-AF65-F5344CB8AC3E}">
+        <p14:creationId xmlns:p14="http://schemas.microsoft.com/office/powerpoint/2010/main" val="789975062"/>
+      </p:ext>
+    </p:extLst>
+  </p:cSld>
+  <p:clrMapOvr>
+    <a:masterClrMapping/>
+  </p:clrMapOvr>
+</p:sld>
+</file>
+
+<file path=ppt/slides/slide5.xml><?xml version="1.0" encoding="utf-8"?>
+<p:sld xmlns:a="http://schemas.openxmlformats.org/drawingml/2006/main" xmlns:r="http://schemas.openxmlformats.org/officeDocument/2006/relationships" xmlns:p="http://schemas.openxmlformats.org/presentationml/2006/main">
+  <p:cSld>
+    <p:bg>
+      <p:bgPr>
+        <a:blipFill dpi="0" rotWithShape="1">
+          <a:blip r:embed="rId2">
+            <a:lum/>
+          </a:blip>
+          <a:srcRect/>
+          <a:stretch>
+            <a:fillRect l="-10000" r="-10000"/>
+          </a:stretch>
+        </a:blipFill>
+        <a:effectLst/>
+      </p:bgPr>
+    </p:bg>
+    <p:spTree>
+      <p:nvGrpSpPr>
+        <p:cNvPr id="1" name=""/>
+        <p:cNvGrpSpPr/>
+        <p:nvPr/>
+      </p:nvGrpSpPr>
+      <p:grpSpPr>
+        <a:xfrm>
+          <a:off x="0" y="0"/>
+          <a:ext cx="0" cy="0"/>
+          <a:chOff x="0" y="0"/>
+          <a:chExt cx="0" cy="0"/>
+        </a:xfrm>
+      </p:grpSpPr>
+      <p:sp>
+        <p:nvSpPr>
+          <p:cNvPr id="2" name="Title 1"/>
+          <p:cNvSpPr>
+            <a:spLocks noGrp="1"/>
+          </p:cNvSpPr>
+          <p:nvPr>
+            <p:ph type="title"/>
+          </p:nvPr>
+        </p:nvSpPr>
+        <p:spPr/>
+        <p:txBody>
+          <a:bodyPr/>
+          <a:lstStyle/>
+          <a:p>
+            <a:r>
+              <a:rPr lang="en-US" dirty="0"/>
+              <a:t>Definitions</a:t>
+            </a:r>
+          </a:p>
+        </p:txBody>
+      </p:sp>
+      <p:sp>
+        <p:nvSpPr>
+          <p:cNvPr id="3" name="Content Placeholder 2"/>
+          <p:cNvSpPr>
+            <a:spLocks noGrp="1"/>
+          </p:cNvSpPr>
+          <p:nvPr>
+            <p:ph idx="1"/>
+          </p:nvPr>
+        </p:nvSpPr>
+        <p:spPr/>
+        <p:txBody>
+          <a:bodyPr/>
+          <a:lstStyle/>
+          <a:p>
+            <a:r>
+              <a:rPr lang="en-US" dirty="0"/>
+              <a:t>Model</a:t>
+            </a:r>
+          </a:p>
+          <a:p>
+            <a:pPr lvl="1"/>
+            <a:r>
+              <a:rPr lang="en-US" dirty="0"/>
+              <a:t>The classifier that is trained and filled with data.</a:t>
+            </a:r>
+          </a:p>
+          <a:p>
+            <a:pPr lvl="1"/>
+            <a:r>
+              <a:rPr lang="en-US" dirty="0"/>
+              <a:t>This is what will tell us what the “answer” is.</a:t>
+            </a:r>
+          </a:p>
+          <a:p>
+            <a:endParaRPr lang="en-US" dirty="0"/>
+          </a:p>
+          <a:p>
+            <a:pPr lvl="2"/>
+            <a:endParaRPr lang="en-US" dirty="0"/>
+          </a:p>
+          <a:p>
+            <a:endParaRPr lang="en-US" dirty="0"/>
+          </a:p>
+        </p:txBody>
+      </p:sp>
+    </p:spTree>
+    <p:extLst>
+      <p:ext uri="{BB962C8B-B14F-4D97-AF65-F5344CB8AC3E}">
+        <p14:creationId xmlns:p14="http://schemas.microsoft.com/office/powerpoint/2010/main" val="4212275978"/>
+      </p:ext>
+    </p:extLst>
+  </p:cSld>
+  <p:clrMapOvr>
+    <a:masterClrMapping/>
+  </p:clrMapOvr>
+</p:sld>
+</file>
+
+<file path=ppt/slides/slide6.xml><?xml version="1.0" encoding="utf-8"?>
+<p:sld xmlns:a="http://schemas.openxmlformats.org/drawingml/2006/main" xmlns:r="http://schemas.openxmlformats.org/officeDocument/2006/relationships" xmlns:p="http://schemas.openxmlformats.org/presentationml/2006/main">
+  <p:cSld>
+    <p:bg>
+      <p:bgPr>
+        <a:blipFill dpi="0" rotWithShape="1">
+          <a:blip r:embed="rId2">
+            <a:lum/>
+          </a:blip>
+          <a:srcRect/>
+          <a:stretch>
+            <a:fillRect l="-10000" r="-10000"/>
+          </a:stretch>
+        </a:blipFill>
+        <a:effectLst/>
+      </p:bgPr>
+    </p:bg>
+    <p:spTree>
+      <p:nvGrpSpPr>
+        <p:cNvPr id="1" name=""/>
+        <p:cNvGrpSpPr/>
+        <p:nvPr/>
+      </p:nvGrpSpPr>
+      <p:grpSpPr>
+        <a:xfrm>
+          <a:off x="0" y="0"/>
+          <a:ext cx="0" cy="0"/>
+          <a:chOff x="0" y="0"/>
+          <a:chExt cx="0" cy="0"/>
+        </a:xfrm>
+      </p:grpSpPr>
+      <p:sp>
+        <p:nvSpPr>
+          <p:cNvPr id="2" name="Title 1"/>
+          <p:cNvSpPr>
+            <a:spLocks noGrp="1"/>
+          </p:cNvSpPr>
+          <p:nvPr>
+            <p:ph type="title"/>
+          </p:nvPr>
+        </p:nvSpPr>
+        <p:spPr/>
+        <p:txBody>
+          <a:bodyPr/>
+          <a:lstStyle/>
+          <a:p>
+            <a:r>
+              <a:rPr lang="en-US" dirty="0"/>
+              <a:t>Definitions</a:t>
+            </a:r>
+          </a:p>
+        </p:txBody>
+      </p:sp>
+      <p:sp>
+        <p:nvSpPr>
+          <p:cNvPr id="3" name="Content Placeholder 2"/>
+          <p:cNvSpPr>
+            <a:spLocks noGrp="1"/>
+          </p:cNvSpPr>
+          <p:nvPr>
+            <p:ph idx="1"/>
+          </p:nvPr>
+        </p:nvSpPr>
+        <p:spPr/>
+        <p:txBody>
+          <a:bodyPr/>
+          <a:lstStyle/>
+          <a:p>
+            <a:r>
+              <a:rPr lang="en-US" dirty="0"/>
+              <a:t>Classifier vs Model</a:t>
+            </a:r>
+          </a:p>
+          <a:p>
+            <a:pPr lvl="1"/>
+            <a:r>
+              <a:rPr lang="en-US" dirty="0"/>
+              <a:t>The classifier is like a class, where the model is like an object.</a:t>
+            </a:r>
+          </a:p>
+          <a:p>
+            <a:endParaRPr lang="en-US" dirty="0"/>
+          </a:p>
+          <a:p>
+            <a:pPr lvl="2"/>
+            <a:endParaRPr lang="en-US" dirty="0"/>
+          </a:p>
+          <a:p>
+            <a:endParaRPr lang="en-US" dirty="0"/>
+          </a:p>
+        </p:txBody>
+      </p:sp>
+    </p:spTree>
+    <p:extLst>
+      <p:ext uri="{BB962C8B-B14F-4D97-AF65-F5344CB8AC3E}">
+        <p14:creationId xmlns:p14="http://schemas.microsoft.com/office/powerpoint/2010/main" val="3444231323"/>
+      </p:ext>
+    </p:extLst>
+  </p:cSld>
+  <p:clrMapOvr>
+    <a:masterClrMapping/>
+  </p:clrMapOvr>
+</p:sld>
+</file>
+
+<file path=ppt/slides/slide7.xml><?xml version="1.0" encoding="utf-8"?>
+<p:sld xmlns:a="http://schemas.openxmlformats.org/drawingml/2006/main" xmlns:r="http://schemas.openxmlformats.org/officeDocument/2006/relationships" xmlns:p="http://schemas.openxmlformats.org/presentationml/2006/main">
+  <p:cSld>
+    <p:bg>
+      <p:bgPr>
+        <a:blipFill dpi="0" rotWithShape="1">
+          <a:blip r:embed="rId2">
+            <a:lum/>
+          </a:blip>
+          <a:srcRect/>
+          <a:stretch>
+            <a:fillRect l="-10000" r="-10000"/>
+          </a:stretch>
+        </a:blipFill>
+        <a:effectLst/>
+      </p:bgPr>
+    </p:bg>
+    <p:spTree>
+      <p:nvGrpSpPr>
+        <p:cNvPr id="1" name=""/>
+        <p:cNvGrpSpPr/>
+        <p:nvPr/>
+      </p:nvGrpSpPr>
+      <p:grpSpPr>
+        <a:xfrm>
+          <a:off x="0" y="0"/>
+          <a:ext cx="0" cy="0"/>
+          <a:chOff x="0" y="0"/>
+          <a:chExt cx="0" cy="0"/>
+        </a:xfrm>
+      </p:grpSpPr>
+      <p:sp>
+        <p:nvSpPr>
+          <p:cNvPr id="2" name="Title 1"/>
+          <p:cNvSpPr>
+            <a:spLocks noGrp="1"/>
+          </p:cNvSpPr>
+          <p:nvPr>
+            <p:ph type="title"/>
+          </p:nvPr>
+        </p:nvSpPr>
+        <p:spPr/>
+        <p:txBody>
+          <a:bodyPr/>
+          <a:lstStyle/>
+          <a:p>
+            <a:r>
+              <a:rPr lang="en-US" dirty="0"/>
+              <a:t>Definition</a:t>
+            </a:r>
+          </a:p>
+        </p:txBody>
+      </p:sp>
+      <p:sp>
+        <p:nvSpPr>
+          <p:cNvPr id="3" name="Content Placeholder 2"/>
+          <p:cNvSpPr>
+            <a:spLocks noGrp="1"/>
+          </p:cNvSpPr>
+          <p:nvPr>
+            <p:ph idx="1"/>
+          </p:nvPr>
+        </p:nvSpPr>
+        <p:spPr/>
+        <p:txBody>
+          <a:bodyPr/>
+          <a:lstStyle/>
+          <a:p>
+            <a:r>
+              <a:rPr lang="en-US" dirty="0"/>
+              <a:t>Experience</a:t>
+            </a:r>
+          </a:p>
+          <a:p>
+            <a:pPr lvl="1"/>
+            <a:r>
+              <a:rPr lang="en-US" dirty="0"/>
+              <a:t>The data used to increase the effectiveness of the model’s predictions</a:t>
+            </a:r>
+          </a:p>
+          <a:p>
+            <a:endParaRPr lang="en-US" dirty="0"/>
+          </a:p>
+          <a:p>
+            <a:pPr lvl="2"/>
+            <a:endParaRPr lang="en-US" dirty="0"/>
+          </a:p>
+          <a:p>
+            <a:endParaRPr lang="en-US" dirty="0"/>
+          </a:p>
+        </p:txBody>
+      </p:sp>
+    </p:spTree>
+    <p:extLst>
+      <p:ext uri="{BB962C8B-B14F-4D97-AF65-F5344CB8AC3E}">
+        <p14:creationId xmlns:p14="http://schemas.microsoft.com/office/powerpoint/2010/main" val="2979209538"/>
+      </p:ext>
+    </p:extLst>
+  </p:cSld>
+  <p:clrMapOvr>
+    <a:masterClrMapping/>
+  </p:clrMapOvr>
+</p:sld>
+</file>
+
+<file path=ppt/slides/slide8.xml><?xml version="1.0" encoding="utf-8"?>
+<p:sld xmlns:a="http://schemas.openxmlformats.org/drawingml/2006/main" xmlns:r="http://schemas.openxmlformats.org/officeDocument/2006/relationships" xmlns:p="http://schemas.openxmlformats.org/presentationml/2006/main">
+  <p:cSld>
+    <p:bg>
+      <p:bgPr>
+        <a:blipFill dpi="0" rotWithShape="1">
+          <a:blip r:embed="rId2">
+            <a:lum/>
+          </a:blip>
+          <a:srcRect/>
+          <a:stretch>
+            <a:fillRect l="-10000" r="-10000"/>
+          </a:stretch>
+        </a:blipFill>
+        <a:effectLst/>
+      </p:bgPr>
+    </p:bg>
+    <p:spTree>
+      <p:nvGrpSpPr>
+        <p:cNvPr id="1" name=""/>
+        <p:cNvGrpSpPr/>
+        <p:nvPr/>
+      </p:nvGrpSpPr>
+      <p:grpSpPr>
+        <a:xfrm>
+          <a:off x="0" y="0"/>
+          <a:ext cx="0" cy="0"/>
+          <a:chOff x="0" y="0"/>
+          <a:chExt cx="0" cy="0"/>
+        </a:xfrm>
+      </p:grpSpPr>
+      <p:sp>
+        <p:nvSpPr>
+          <p:cNvPr id="2" name="Title 1"/>
+          <p:cNvSpPr>
+            <a:spLocks noGrp="1"/>
+          </p:cNvSpPr>
+          <p:nvPr>
+            <p:ph type="title"/>
+          </p:nvPr>
+        </p:nvSpPr>
+        <p:spPr/>
+        <p:txBody>
+          <a:bodyPr/>
+          <a:lstStyle/>
+          <a:p>
+            <a:r>
+              <a:rPr lang="en-US" dirty="0"/>
+              <a:t>Definition</a:t>
+            </a:r>
+          </a:p>
+        </p:txBody>
+      </p:sp>
+      <p:sp>
+        <p:nvSpPr>
+          <p:cNvPr id="3" name="Content Placeholder 2"/>
+          <p:cNvSpPr>
+            <a:spLocks noGrp="1"/>
+          </p:cNvSpPr>
+          <p:nvPr>
+            <p:ph idx="1"/>
+          </p:nvPr>
+        </p:nvSpPr>
+        <p:spPr/>
+        <p:txBody>
+          <a:bodyPr/>
+          <a:lstStyle/>
+          <a:p>
+            <a:r>
+              <a:rPr lang="en-US" dirty="0"/>
+              <a:t>Feature</a:t>
+            </a:r>
+          </a:p>
+          <a:p>
+            <a:pPr lvl="1"/>
+            <a:r>
+              <a:rPr lang="en-US" dirty="0"/>
+              <a:t>A description of a set of like-data.</a:t>
+            </a:r>
+          </a:p>
+          <a:p>
+            <a:pPr lvl="1"/>
+            <a:r>
+              <a:rPr lang="en-US" dirty="0"/>
+              <a:t>This is usually represented as a column in a data table.</a:t>
+            </a:r>
+          </a:p>
+          <a:p>
+            <a:endParaRPr lang="en-US" dirty="0"/>
+          </a:p>
+          <a:p>
+            <a:pPr lvl="2"/>
+            <a:endParaRPr lang="en-US" dirty="0"/>
+          </a:p>
+          <a:p>
+            <a:endParaRPr lang="en-US" dirty="0"/>
+          </a:p>
+        </p:txBody>
+      </p:sp>
+    </p:spTree>
+    <p:extLst>
+      <p:ext uri="{BB962C8B-B14F-4D97-AF65-F5344CB8AC3E}">
+        <p14:creationId xmlns:p14="http://schemas.microsoft.com/office/powerpoint/2010/main" val="2289988101"/>
+      </p:ext>
+    </p:extLst>
+  </p:cSld>
+  <p:clrMapOvr>
+    <a:masterClrMapping/>
+  </p:clrMapOvr>
+</p:sld>
+</file>
+
+<file path=ppt/slides/slide9.xml><?xml version="1.0" encoding="utf-8"?>
+<p:sld xmlns:a="http://schemas.openxmlformats.org/drawingml/2006/main" xmlns:r="http://schemas.openxmlformats.org/officeDocument/2006/relationships" xmlns:p="http://schemas.openxmlformats.org/presentationml/2006/main">
+  <p:cSld>
+    <p:bg>
+      <p:bgPr>
+        <a:blipFill dpi="0" rotWithShape="1">
+          <a:blip r:embed="rId2">
+            <a:lum/>
+          </a:blip>
+          <a:srcRect/>
+          <a:stretch>
+            <a:fillRect l="-10000" r="-10000"/>
+          </a:stretch>
+        </a:blipFill>
+        <a:effectLst/>
+      </p:bgPr>
+    </p:bg>
+    <p:spTree>
+      <p:nvGrpSpPr>
+        <p:cNvPr id="1" name=""/>
+        <p:cNvGrpSpPr/>
+        <p:nvPr/>
+      </p:nvGrpSpPr>
+      <p:grpSpPr>
+        <a:xfrm>
+          <a:off x="0" y="0"/>
+          <a:ext cx="0" cy="0"/>
+          <a:chOff x="0" y="0"/>
+          <a:chExt cx="0" cy="0"/>
+        </a:xfrm>
+      </p:grpSpPr>
+      <p:sp>
+        <p:nvSpPr>
+          <p:cNvPr id="2" name="Title 1"/>
+          <p:cNvSpPr>
+            <a:spLocks noGrp="1"/>
+          </p:cNvSpPr>
+          <p:nvPr>
+            <p:ph type="title"/>
+          </p:nvPr>
+        </p:nvSpPr>
+        <p:spPr/>
+        <p:txBody>
+          <a:bodyPr/>
+          <a:lstStyle/>
+          <a:p>
+            <a:r>
+              <a:rPr lang="en-US" dirty="0"/>
+              <a:t>Definition</a:t>
+            </a:r>
+          </a:p>
+        </p:txBody>
+      </p:sp>
+      <p:sp>
+        <p:nvSpPr>
+          <p:cNvPr id="3" name="Content Placeholder 2"/>
+          <p:cNvSpPr>
+            <a:spLocks noGrp="1"/>
+          </p:cNvSpPr>
+          <p:nvPr>
+            <p:ph idx="1"/>
+          </p:nvPr>
+        </p:nvSpPr>
+        <p:spPr/>
+        <p:txBody>
+          <a:bodyPr/>
+          <a:lstStyle/>
+          <a:p>
+            <a:r>
+              <a:rPr lang="en-US" dirty="0"/>
+              <a:t>Sample</a:t>
+            </a:r>
+          </a:p>
+          <a:p>
+            <a:pPr lvl="1"/>
+            <a:r>
+              <a:rPr lang="en-US" dirty="0"/>
+              <a:t>A single set of data, or a data point.</a:t>
+            </a:r>
+          </a:p>
+          <a:p>
+            <a:pPr lvl="1"/>
+            <a:r>
+              <a:rPr lang="en-US" dirty="0"/>
+              <a:t>This is usually a row in a data table.</a:t>
+            </a:r>
+          </a:p>
+          <a:p>
+            <a:endParaRPr lang="en-US" dirty="0"/>
+          </a:p>
+          <a:p>
+            <a:pPr lvl="2"/>
+            <a:endParaRPr lang="en-US" dirty="0"/>
+          </a:p>
+          <a:p>
+            <a:endParaRPr lang="en-US" dirty="0"/>
+          </a:p>
+        </p:txBody>
+      </p:sp>
+    </p:spTree>
+    <p:extLst>
+      <p:ext uri="{BB962C8B-B14F-4D97-AF65-F5344CB8AC3E}">
+        <p14:creationId xmlns:p14="http://schemas.microsoft.com/office/powerpoint/2010/main" val="1110144452"/>
       </p:ext>
     </p:extLst>
   </p:cSld>
@@ -7305,4 +10668,262 @@
   <a:objectDefaults/>
   <a:extraClrSchemeLst/>
 </a:theme>
+</file>
+
+<file path=ppt/theme/themeOverride1.xml><?xml version="1.0" encoding="utf-8"?>
+<a:themeOverride xmlns:a="http://schemas.openxmlformats.org/drawingml/2006/main">
+  <a:clrScheme name="Custom 2">
+    <a:dk1>
+      <a:srgbClr val="EFEFEF"/>
+    </a:dk1>
+    <a:lt1>
+      <a:srgbClr val="EFEFEF"/>
+    </a:lt1>
+    <a:dk2>
+      <a:srgbClr val="053E7D"/>
+    </a:dk2>
+    <a:lt2>
+      <a:srgbClr val="FFFFFF"/>
+    </a:lt2>
+    <a:accent1>
+      <a:srgbClr val="EFEFEF"/>
+    </a:accent1>
+    <a:accent2>
+      <a:srgbClr val="EFEFEF"/>
+    </a:accent2>
+    <a:accent3>
+      <a:srgbClr val="EFEFEF"/>
+    </a:accent3>
+    <a:accent4>
+      <a:srgbClr val="808080"/>
+    </a:accent4>
+    <a:accent5>
+      <a:srgbClr val="5F5F5F"/>
+    </a:accent5>
+    <a:accent6>
+      <a:srgbClr val="4D4D4D"/>
+    </a:accent6>
+    <a:hlink>
+      <a:srgbClr val="B5D7FC"/>
+    </a:hlink>
+    <a:folHlink>
+      <a:srgbClr val="919191"/>
+    </a:folHlink>
+  </a:clrScheme>
+</a:themeOverride>
+</file>
+
+<file path=ppt/theme/themeOverride2.xml><?xml version="1.0" encoding="utf-8"?>
+<a:themeOverride xmlns:a="http://schemas.openxmlformats.org/drawingml/2006/main">
+  <a:clrScheme name="Custom 2">
+    <a:dk1>
+      <a:srgbClr val="EFEFEF"/>
+    </a:dk1>
+    <a:lt1>
+      <a:srgbClr val="EFEFEF"/>
+    </a:lt1>
+    <a:dk2>
+      <a:srgbClr val="053E7D"/>
+    </a:dk2>
+    <a:lt2>
+      <a:srgbClr val="FFFFFF"/>
+    </a:lt2>
+    <a:accent1>
+      <a:srgbClr val="EFEFEF"/>
+    </a:accent1>
+    <a:accent2>
+      <a:srgbClr val="EFEFEF"/>
+    </a:accent2>
+    <a:accent3>
+      <a:srgbClr val="EFEFEF"/>
+    </a:accent3>
+    <a:accent4>
+      <a:srgbClr val="808080"/>
+    </a:accent4>
+    <a:accent5>
+      <a:srgbClr val="5F5F5F"/>
+    </a:accent5>
+    <a:accent6>
+      <a:srgbClr val="4D4D4D"/>
+    </a:accent6>
+    <a:hlink>
+      <a:srgbClr val="B5D7FC"/>
+    </a:hlink>
+    <a:folHlink>
+      <a:srgbClr val="919191"/>
+    </a:folHlink>
+  </a:clrScheme>
+</a:themeOverride>
+</file>
+
+<file path=ppt/theme/themeOverride3.xml><?xml version="1.0" encoding="utf-8"?>
+<a:themeOverride xmlns:a="http://schemas.openxmlformats.org/drawingml/2006/main">
+  <a:clrScheme name="Custom 2">
+    <a:dk1>
+      <a:srgbClr val="EFEFEF"/>
+    </a:dk1>
+    <a:lt1>
+      <a:srgbClr val="EFEFEF"/>
+    </a:lt1>
+    <a:dk2>
+      <a:srgbClr val="053E7D"/>
+    </a:dk2>
+    <a:lt2>
+      <a:srgbClr val="FFFFFF"/>
+    </a:lt2>
+    <a:accent1>
+      <a:srgbClr val="EFEFEF"/>
+    </a:accent1>
+    <a:accent2>
+      <a:srgbClr val="EFEFEF"/>
+    </a:accent2>
+    <a:accent3>
+      <a:srgbClr val="EFEFEF"/>
+    </a:accent3>
+    <a:accent4>
+      <a:srgbClr val="808080"/>
+    </a:accent4>
+    <a:accent5>
+      <a:srgbClr val="5F5F5F"/>
+    </a:accent5>
+    <a:accent6>
+      <a:srgbClr val="4D4D4D"/>
+    </a:accent6>
+    <a:hlink>
+      <a:srgbClr val="B5D7FC"/>
+    </a:hlink>
+    <a:folHlink>
+      <a:srgbClr val="919191"/>
+    </a:folHlink>
+  </a:clrScheme>
+</a:themeOverride>
+</file>
+
+<file path=ppt/theme/themeOverride4.xml><?xml version="1.0" encoding="utf-8"?>
+<a:themeOverride xmlns:a="http://schemas.openxmlformats.org/drawingml/2006/main">
+  <a:clrScheme name="Custom 2">
+    <a:dk1>
+      <a:srgbClr val="EFEFEF"/>
+    </a:dk1>
+    <a:lt1>
+      <a:srgbClr val="EFEFEF"/>
+    </a:lt1>
+    <a:dk2>
+      <a:srgbClr val="053E7D"/>
+    </a:dk2>
+    <a:lt2>
+      <a:srgbClr val="FFFFFF"/>
+    </a:lt2>
+    <a:accent1>
+      <a:srgbClr val="EFEFEF"/>
+    </a:accent1>
+    <a:accent2>
+      <a:srgbClr val="EFEFEF"/>
+    </a:accent2>
+    <a:accent3>
+      <a:srgbClr val="EFEFEF"/>
+    </a:accent3>
+    <a:accent4>
+      <a:srgbClr val="808080"/>
+    </a:accent4>
+    <a:accent5>
+      <a:srgbClr val="5F5F5F"/>
+    </a:accent5>
+    <a:accent6>
+      <a:srgbClr val="4D4D4D"/>
+    </a:accent6>
+    <a:hlink>
+      <a:srgbClr val="B5D7FC"/>
+    </a:hlink>
+    <a:folHlink>
+      <a:srgbClr val="919191"/>
+    </a:folHlink>
+  </a:clrScheme>
+</a:themeOverride>
+</file>
+
+<file path=ppt/theme/themeOverride5.xml><?xml version="1.0" encoding="utf-8"?>
+<a:themeOverride xmlns:a="http://schemas.openxmlformats.org/drawingml/2006/main">
+  <a:clrScheme name="Custom 2">
+    <a:dk1>
+      <a:srgbClr val="EFEFEF"/>
+    </a:dk1>
+    <a:lt1>
+      <a:srgbClr val="EFEFEF"/>
+    </a:lt1>
+    <a:dk2>
+      <a:srgbClr val="053E7D"/>
+    </a:dk2>
+    <a:lt2>
+      <a:srgbClr val="FFFFFF"/>
+    </a:lt2>
+    <a:accent1>
+      <a:srgbClr val="EFEFEF"/>
+    </a:accent1>
+    <a:accent2>
+      <a:srgbClr val="EFEFEF"/>
+    </a:accent2>
+    <a:accent3>
+      <a:srgbClr val="EFEFEF"/>
+    </a:accent3>
+    <a:accent4>
+      <a:srgbClr val="808080"/>
+    </a:accent4>
+    <a:accent5>
+      <a:srgbClr val="5F5F5F"/>
+    </a:accent5>
+    <a:accent6>
+      <a:srgbClr val="4D4D4D"/>
+    </a:accent6>
+    <a:hlink>
+      <a:srgbClr val="B5D7FC"/>
+    </a:hlink>
+    <a:folHlink>
+      <a:srgbClr val="919191"/>
+    </a:folHlink>
+  </a:clrScheme>
+</a:themeOverride>
+</file>
+
+<file path=ppt/theme/themeOverride6.xml><?xml version="1.0" encoding="utf-8"?>
+<a:themeOverride xmlns:a="http://schemas.openxmlformats.org/drawingml/2006/main">
+  <a:clrScheme name="Custom 2">
+    <a:dk1>
+      <a:srgbClr val="EFEFEF"/>
+    </a:dk1>
+    <a:lt1>
+      <a:srgbClr val="EFEFEF"/>
+    </a:lt1>
+    <a:dk2>
+      <a:srgbClr val="053E7D"/>
+    </a:dk2>
+    <a:lt2>
+      <a:srgbClr val="FFFFFF"/>
+    </a:lt2>
+    <a:accent1>
+      <a:srgbClr val="EFEFEF"/>
+    </a:accent1>
+    <a:accent2>
+      <a:srgbClr val="EFEFEF"/>
+    </a:accent2>
+    <a:accent3>
+      <a:srgbClr val="EFEFEF"/>
+    </a:accent3>
+    <a:accent4>
+      <a:srgbClr val="808080"/>
+    </a:accent4>
+    <a:accent5>
+      <a:srgbClr val="5F5F5F"/>
+    </a:accent5>
+    <a:accent6>
+      <a:srgbClr val="4D4D4D"/>
+    </a:accent6>
+    <a:hlink>
+      <a:srgbClr val="B5D7FC"/>
+    </a:hlink>
+    <a:folHlink>
+      <a:srgbClr val="919191"/>
+    </a:folHlink>
+  </a:clrScheme>
+</a:themeOverride>
 </file>
--- a/Session 7 - Python/Instructional Material/Session 7 - Python Brief Intro to Machine Learning with Scikit Learn.pptx
+++ b/Session 7 - Python/Instructional Material/Session 7 - Python Brief Intro to Machine Learning with Scikit Learn.pptx
@@ -10,35 +10,36 @@
     <p:sldId id="283" r:id="rId4"/>
     <p:sldId id="379" r:id="rId5"/>
     <p:sldId id="408" r:id="rId6"/>
-    <p:sldId id="381" r:id="rId7"/>
-    <p:sldId id="409" r:id="rId8"/>
-    <p:sldId id="380" r:id="rId9"/>
-    <p:sldId id="383" r:id="rId10"/>
-    <p:sldId id="382" r:id="rId11"/>
-    <p:sldId id="407" r:id="rId12"/>
-    <p:sldId id="378" r:id="rId13"/>
-    <p:sldId id="388" r:id="rId14"/>
-    <p:sldId id="387" r:id="rId15"/>
-    <p:sldId id="389" r:id="rId16"/>
-    <p:sldId id="401" r:id="rId17"/>
-    <p:sldId id="403" r:id="rId18"/>
-    <p:sldId id="402" r:id="rId19"/>
-    <p:sldId id="406" r:id="rId20"/>
-    <p:sldId id="404" r:id="rId21"/>
-    <p:sldId id="377" r:id="rId22"/>
-    <p:sldId id="390" r:id="rId23"/>
-    <p:sldId id="391" r:id="rId24"/>
-    <p:sldId id="396" r:id="rId25"/>
-    <p:sldId id="397" r:id="rId26"/>
-    <p:sldId id="398" r:id="rId27"/>
-    <p:sldId id="399" r:id="rId28"/>
-    <p:sldId id="376" r:id="rId29"/>
-    <p:sldId id="405" r:id="rId30"/>
-    <p:sldId id="385" r:id="rId31"/>
-    <p:sldId id="386" r:id="rId32"/>
-    <p:sldId id="400" r:id="rId33"/>
-    <p:sldId id="384" r:id="rId34"/>
-    <p:sldId id="375" r:id="rId35"/>
+    <p:sldId id="410" r:id="rId7"/>
+    <p:sldId id="381" r:id="rId8"/>
+    <p:sldId id="409" r:id="rId9"/>
+    <p:sldId id="380" r:id="rId10"/>
+    <p:sldId id="383" r:id="rId11"/>
+    <p:sldId id="382" r:id="rId12"/>
+    <p:sldId id="407" r:id="rId13"/>
+    <p:sldId id="378" r:id="rId14"/>
+    <p:sldId id="388" r:id="rId15"/>
+    <p:sldId id="387" r:id="rId16"/>
+    <p:sldId id="389" r:id="rId17"/>
+    <p:sldId id="401" r:id="rId18"/>
+    <p:sldId id="403" r:id="rId19"/>
+    <p:sldId id="402" r:id="rId20"/>
+    <p:sldId id="406" r:id="rId21"/>
+    <p:sldId id="404" r:id="rId22"/>
+    <p:sldId id="377" r:id="rId23"/>
+    <p:sldId id="390" r:id="rId24"/>
+    <p:sldId id="391" r:id="rId25"/>
+    <p:sldId id="396" r:id="rId26"/>
+    <p:sldId id="397" r:id="rId27"/>
+    <p:sldId id="398" r:id="rId28"/>
+    <p:sldId id="399" r:id="rId29"/>
+    <p:sldId id="376" r:id="rId30"/>
+    <p:sldId id="405" r:id="rId31"/>
+    <p:sldId id="385" r:id="rId32"/>
+    <p:sldId id="386" r:id="rId33"/>
+    <p:sldId id="400" r:id="rId34"/>
+    <p:sldId id="384" r:id="rId35"/>
+    <p:sldId id="375" r:id="rId36"/>
   </p:sldIdLst>
   <p:sldSz cx="9144000" cy="6858000" type="screen4x3"/>
   <p:notesSz cx="6858000" cy="9144000"/>
@@ -335,7 +336,7 @@
           <a:p>
             <a:fld id="{547641E8-73DF-4AD2-848E-3103064331B1}" type="datetimeFigureOut">
               <a:rPr lang="en-US" smtClean="0"/>
-              <a:t>11/22/2021</a:t>
+              <a:t>11/24/2021</a:t>
             </a:fld>
             <a:endParaRPr lang="en-US"/>
           </a:p>
@@ -503,7 +504,7 @@
           <a:p>
             <a:fld id="{547641E8-73DF-4AD2-848E-3103064331B1}" type="datetimeFigureOut">
               <a:rPr lang="en-US" smtClean="0"/>
-              <a:t>11/22/2021</a:t>
+              <a:t>11/24/2021</a:t>
             </a:fld>
             <a:endParaRPr lang="en-US"/>
           </a:p>
@@ -681,7 +682,7 @@
           <a:p>
             <a:fld id="{547641E8-73DF-4AD2-848E-3103064331B1}" type="datetimeFigureOut">
               <a:rPr lang="en-US" smtClean="0"/>
-              <a:t>11/22/2021</a:t>
+              <a:t>11/24/2021</a:t>
             </a:fld>
             <a:endParaRPr lang="en-US"/>
           </a:p>
@@ -928,7 +929,7 @@
                 </a:solidFill>
               </a:rPr>
               <a:pPr/>
-              <a:t>11/22/2021</a:t>
+              <a:t>11/24/2021</a:t>
             </a:fld>
             <a:endParaRPr lang="en-US">
               <a:solidFill>
@@ -1128,7 +1129,7 @@
                 </a:solidFill>
               </a:rPr>
               <a:pPr/>
-              <a:t>11/22/2021</a:t>
+              <a:t>11/24/2021</a:t>
             </a:fld>
             <a:endParaRPr lang="en-US">
               <a:solidFill>
@@ -1405,7 +1406,7 @@
                 </a:solidFill>
               </a:rPr>
               <a:pPr/>
-              <a:t>11/22/2021</a:t>
+              <a:t>11/24/2021</a:t>
             </a:fld>
             <a:endParaRPr lang="en-US">
               <a:solidFill>
@@ -1722,7 +1723,7 @@
                 </a:solidFill>
               </a:rPr>
               <a:pPr/>
-              <a:t>11/22/2021</a:t>
+              <a:t>11/24/2021</a:t>
             </a:fld>
             <a:endParaRPr lang="en-US">
               <a:solidFill>
@@ -2173,7 +2174,7 @@
                 </a:solidFill>
               </a:rPr>
               <a:pPr/>
-              <a:t>11/22/2021</a:t>
+              <a:t>11/24/2021</a:t>
             </a:fld>
             <a:endParaRPr lang="en-US">
               <a:solidFill>
@@ -2322,7 +2323,7 @@
                 </a:solidFill>
               </a:rPr>
               <a:pPr/>
-              <a:t>11/22/2021</a:t>
+              <a:t>11/24/2021</a:t>
             </a:fld>
             <a:endParaRPr lang="en-US">
               <a:solidFill>
@@ -2449,7 +2450,7 @@
                 </a:solidFill>
               </a:rPr>
               <a:pPr/>
-              <a:t>11/22/2021</a:t>
+              <a:t>11/24/2021</a:t>
             </a:fld>
             <a:endParaRPr lang="en-US">
               <a:solidFill>
@@ -2756,7 +2757,7 @@
                 </a:solidFill>
               </a:rPr>
               <a:pPr/>
-              <a:t>11/22/2021</a:t>
+              <a:t>11/24/2021</a:t>
             </a:fld>
             <a:endParaRPr lang="en-US">
               <a:solidFill>
@@ -2949,7 +2950,7 @@
           <a:p>
             <a:fld id="{547641E8-73DF-4AD2-848E-3103064331B1}" type="datetimeFigureOut">
               <a:rPr lang="en-US" smtClean="0"/>
-              <a:t>11/22/2021</a:t>
+              <a:t>11/24/2021</a:t>
             </a:fld>
             <a:endParaRPr lang="en-US"/>
           </a:p>
@@ -3208,7 +3209,7 @@
                 </a:solidFill>
               </a:rPr>
               <a:pPr/>
-              <a:t>11/22/2021</a:t>
+              <a:t>11/24/2021</a:t>
             </a:fld>
             <a:endParaRPr lang="en-US">
               <a:solidFill>
@@ -3408,7 +3409,7 @@
                 </a:solidFill>
               </a:rPr>
               <a:pPr/>
-              <a:t>11/22/2021</a:t>
+              <a:t>11/24/2021</a:t>
             </a:fld>
             <a:endParaRPr lang="en-US">
               <a:solidFill>
@@ -3618,7 +3619,7 @@
                 </a:solidFill>
               </a:rPr>
               <a:pPr/>
-              <a:t>11/22/2021</a:t>
+              <a:t>11/24/2021</a:t>
             </a:fld>
             <a:endParaRPr lang="en-US">
               <a:solidFill>
@@ -3888,7 +3889,7 @@
           <a:p>
             <a:fld id="{547641E8-73DF-4AD2-848E-3103064331B1}" type="datetimeFigureOut">
               <a:rPr lang="en-US" smtClean="0"/>
-              <a:t>11/22/2021</a:t>
+              <a:t>11/24/2021</a:t>
             </a:fld>
             <a:endParaRPr lang="en-US"/>
           </a:p>
@@ -4173,7 +4174,7 @@
           <a:p>
             <a:fld id="{547641E8-73DF-4AD2-848E-3103064331B1}" type="datetimeFigureOut">
               <a:rPr lang="en-US" smtClean="0"/>
-              <a:t>11/22/2021</a:t>
+              <a:t>11/24/2021</a:t>
             </a:fld>
             <a:endParaRPr lang="en-US"/>
           </a:p>
@@ -4592,7 +4593,7 @@
           <a:p>
             <a:fld id="{547641E8-73DF-4AD2-848E-3103064331B1}" type="datetimeFigureOut">
               <a:rPr lang="en-US" smtClean="0"/>
-              <a:t>11/22/2021</a:t>
+              <a:t>11/24/2021</a:t>
             </a:fld>
             <a:endParaRPr lang="en-US"/>
           </a:p>
@@ -4709,7 +4710,7 @@
           <a:p>
             <a:fld id="{547641E8-73DF-4AD2-848E-3103064331B1}" type="datetimeFigureOut">
               <a:rPr lang="en-US" smtClean="0"/>
-              <a:t>11/22/2021</a:t>
+              <a:t>11/24/2021</a:t>
             </a:fld>
             <a:endParaRPr lang="en-US"/>
           </a:p>
@@ -4804,7 +4805,7 @@
           <a:p>
             <a:fld id="{547641E8-73DF-4AD2-848E-3103064331B1}" type="datetimeFigureOut">
               <a:rPr lang="en-US" smtClean="0"/>
-              <a:t>11/22/2021</a:t>
+              <a:t>11/24/2021</a:t>
             </a:fld>
             <a:endParaRPr lang="en-US"/>
           </a:p>
@@ -5079,7 +5080,7 @@
           <a:p>
             <a:fld id="{547641E8-73DF-4AD2-848E-3103064331B1}" type="datetimeFigureOut">
               <a:rPr lang="en-US" smtClean="0"/>
-              <a:t>11/22/2021</a:t>
+              <a:t>11/24/2021</a:t>
             </a:fld>
             <a:endParaRPr lang="en-US"/>
           </a:p>
@@ -5331,7 +5332,7 @@
           <a:p>
             <a:fld id="{547641E8-73DF-4AD2-848E-3103064331B1}" type="datetimeFigureOut">
               <a:rPr lang="en-US" smtClean="0"/>
-              <a:t>11/22/2021</a:t>
+              <a:t>11/24/2021</a:t>
             </a:fld>
             <a:endParaRPr lang="en-US"/>
           </a:p>
@@ -5545,7 +5546,7 @@
           <a:p>
             <a:fld id="{547641E8-73DF-4AD2-848E-3103064331B1}" type="datetimeFigureOut">
               <a:rPr lang="en-US" smtClean="0"/>
-              <a:t>11/22/2021</a:t>
+              <a:t>11/24/2021</a:t>
             </a:fld>
             <a:endParaRPr lang="en-US"/>
           </a:p>
@@ -6060,7 +6061,7 @@
                 </a:solidFill>
               </a:rPr>
               <a:pPr/>
-              <a:t>11/22/2021</a:t>
+              <a:t>11/24/2021</a:t>
             </a:fld>
             <a:endParaRPr lang="en-US">
               <a:solidFill>
@@ -6484,7 +6485,12 @@
             <p:ph type="ctrTitle"/>
           </p:nvPr>
         </p:nvSpPr>
-        <p:spPr/>
+        <p:spPr>
+          <a:xfrm>
+            <a:off x="685800" y="914400"/>
+            <a:ext cx="7772400" cy="1470025"/>
+          </a:xfrm>
+        </p:spPr>
         <p:txBody>
           <a:bodyPr>
             <a:normAutofit fontScale="90000"/>
@@ -6493,17 +6499,8 @@
           <a:p>
             <a:r>
               <a:rPr lang="en-US" dirty="0"/>
-              <a:t>Session 7 – Python Brief Intro to Machine Learning with </a:t>
-            </a:r>
-            <a:r>
-              <a:rPr lang="en-US" dirty="0" err="1"/>
-              <a:t>Scikit</a:t>
-            </a:r>
-            <a:r>
-              <a:rPr lang="en-US"/>
-              <a:t> Learn</a:t>
-            </a:r>
-            <a:endParaRPr lang="en-US" dirty="0"/>
+              <a:t>Session 7 – Python Brief Intro to Machine Learning with Scikit Learn</a:t>
+            </a:r>
           </a:p>
         </p:txBody>
       </p:sp>
@@ -6517,12 +6514,20 @@
             <p:ph type="subTitle" idx="1"/>
           </p:nvPr>
         </p:nvSpPr>
-        <p:spPr/>
-        <p:txBody>
-          <a:bodyPr/>
-          <a:lstStyle/>
-          <a:p>
-            <a:endParaRPr lang="en-US"/>
+        <p:spPr>
+          <a:xfrm>
+            <a:off x="1371600" y="4506967"/>
+            <a:ext cx="6400800" cy="1752600"/>
+          </a:xfrm>
+        </p:spPr>
+        <p:txBody>
+          <a:bodyPr/>
+          <a:lstStyle/>
+          <a:p>
+            <a:r>
+              <a:rPr lang="en-US" dirty="0"/>
+              <a:t>Douglas Bowman</a:t>
+            </a:r>
           </a:p>
         </p:txBody>
       </p:sp>
@@ -6609,21 +6614,21 @@
           <a:p>
             <a:r>
               <a:rPr lang="en-US" dirty="0"/>
-              <a:t>Label (Classification Problems)</a:t>
+              <a:t>Sample</a:t>
             </a:r>
           </a:p>
           <a:p>
             <a:pPr lvl="1"/>
             <a:r>
               <a:rPr lang="en-US" dirty="0"/>
-              <a:t>The name associated with data point (row) for classification problems.  </a:t>
+              <a:t>A single set of data, or a data point.</a:t>
             </a:r>
           </a:p>
           <a:p>
             <a:pPr lvl="1"/>
             <a:r>
               <a:rPr lang="en-US" dirty="0"/>
-              <a:t>This is generally the thing we are trying to predict.</a:t>
+              <a:t>This is usually a row in a data table.</a:t>
             </a:r>
           </a:p>
           <a:p>
@@ -6641,7 +6646,7 @@
     </p:spTree>
     <p:extLst>
       <p:ext uri="{BB962C8B-B14F-4D97-AF65-F5344CB8AC3E}">
-        <p14:creationId xmlns:p14="http://schemas.microsoft.com/office/powerpoint/2010/main" val="3114704726"/>
+        <p14:creationId xmlns:p14="http://schemas.microsoft.com/office/powerpoint/2010/main" val="1110144452"/>
       </p:ext>
     </p:extLst>
   </p:cSld>
@@ -6694,14 +6699,12 @@
         </p:nvSpPr>
         <p:spPr/>
         <p:txBody>
-          <a:bodyPr>
-            <a:normAutofit/>
-          </a:bodyPr>
-          <a:lstStyle/>
-          <a:p>
-            <a:r>
-              <a:rPr lang="en-US" dirty="0"/>
-              <a:t>General Model Types</a:t>
+          <a:bodyPr/>
+          <a:lstStyle/>
+          <a:p>
+            <a:r>
+              <a:rPr lang="en-US" dirty="0"/>
+              <a:t>Definition</a:t>
             </a:r>
           </a:p>
         </p:txBody>
@@ -6718,32 +6721,29 @@
         </p:nvSpPr>
         <p:spPr/>
         <p:txBody>
-          <a:bodyPr>
-            <a:normAutofit/>
-          </a:bodyPr>
-          <a:lstStyle/>
-          <a:p>
-            <a:r>
-              <a:rPr lang="en-US" dirty="0"/>
-              <a:t>Supervised</a:t>
+          <a:bodyPr/>
+          <a:lstStyle/>
+          <a:p>
+            <a:r>
+              <a:rPr lang="en-US" dirty="0"/>
+              <a:t>Label (Classification Problems)</a:t>
             </a:r>
           </a:p>
           <a:p>
             <a:pPr lvl="1"/>
             <a:r>
               <a:rPr lang="en-US" dirty="0"/>
-              <a:t>Machine learning model is given a set of data to build experience with.</a:t>
+              <a:t>The name associated with data point (row) for classification problems.  </a:t>
             </a:r>
           </a:p>
           <a:p>
             <a:pPr lvl="1"/>
             <a:r>
               <a:rPr lang="en-US" dirty="0"/>
-              <a:t>Data is given with features, and an algorithm is given to the model on how to best categorize and group the data.</a:t>
-            </a:r>
-          </a:p>
-          <a:p>
-            <a:pPr lvl="1"/>
+              <a:t>This is generally the thing we are trying to predict.</a:t>
+            </a:r>
+          </a:p>
+          <a:p>
             <a:endParaRPr lang="en-US" dirty="0"/>
           </a:p>
           <a:p>
@@ -6758,7 +6758,7 @@
     </p:spTree>
     <p:extLst>
       <p:ext uri="{BB962C8B-B14F-4D97-AF65-F5344CB8AC3E}">
-        <p14:creationId xmlns:p14="http://schemas.microsoft.com/office/powerpoint/2010/main" val="3051561418"/>
+        <p14:creationId xmlns:p14="http://schemas.microsoft.com/office/powerpoint/2010/main" val="3114704726"/>
       </p:ext>
     </p:extLst>
   </p:cSld>
@@ -6842,21 +6842,21 @@
           <a:p>
             <a:r>
               <a:rPr lang="en-US" dirty="0"/>
-              <a:t>Unsupervised</a:t>
+              <a:t>Supervised</a:t>
             </a:r>
           </a:p>
           <a:p>
             <a:pPr lvl="1"/>
             <a:r>
               <a:rPr lang="en-US" dirty="0"/>
-              <a:t>The model determines the data for itself, and builds the model accordingly.</a:t>
+              <a:t>Machine learning model is given a set of data to build experience with.</a:t>
             </a:r>
           </a:p>
           <a:p>
             <a:pPr lvl="1"/>
             <a:r>
               <a:rPr lang="en-US" dirty="0"/>
-              <a:t>Features and grouping data is done by the algorithm.</a:t>
+              <a:t>Data is given with features, and an algorithm is given to the model on how to best categorize and group the data.</a:t>
             </a:r>
           </a:p>
           <a:p>
@@ -6875,7 +6875,7 @@
     </p:spTree>
     <p:extLst>
       <p:ext uri="{BB962C8B-B14F-4D97-AF65-F5344CB8AC3E}">
-        <p14:creationId xmlns:p14="http://schemas.microsoft.com/office/powerpoint/2010/main" val="843243868"/>
+        <p14:creationId xmlns:p14="http://schemas.microsoft.com/office/powerpoint/2010/main" val="3051561418"/>
       </p:ext>
     </p:extLst>
   </p:cSld>
@@ -6959,28 +6959,21 @@
           <a:p>
             <a:r>
               <a:rPr lang="en-US" dirty="0"/>
-              <a:t>Reinforcement</a:t>
+              <a:t>Unsupervised</a:t>
             </a:r>
           </a:p>
           <a:p>
             <a:pPr lvl="1"/>
             <a:r>
               <a:rPr lang="en-US" dirty="0"/>
-              <a:t>The algorithm “learns” from making mistakes.</a:t>
+              <a:t>The model determines the data for itself, and builds the model accordingly.</a:t>
             </a:r>
           </a:p>
           <a:p>
             <a:pPr lvl="1"/>
             <a:r>
               <a:rPr lang="en-US" dirty="0"/>
-              <a:t>There must be some sort of way to tell the algorithm when it makes a correction in the right direction, and a way to tell the algorithm a correction was made in the wrong direction.</a:t>
-            </a:r>
-          </a:p>
-          <a:p>
-            <a:pPr lvl="1"/>
-            <a:r>
-              <a:rPr lang="en-US" dirty="0"/>
-              <a:t>Initially, the model built is very inaccurate, but gets better with time.</a:t>
+              <a:t>Features and grouping data is done by the algorithm.</a:t>
             </a:r>
           </a:p>
           <a:p>
@@ -6999,7 +6992,7 @@
     </p:spTree>
     <p:extLst>
       <p:ext uri="{BB962C8B-B14F-4D97-AF65-F5344CB8AC3E}">
-        <p14:creationId xmlns:p14="http://schemas.microsoft.com/office/powerpoint/2010/main" val="3389942429"/>
+        <p14:creationId xmlns:p14="http://schemas.microsoft.com/office/powerpoint/2010/main" val="843243868"/>
       </p:ext>
     </p:extLst>
   </p:cSld>
@@ -7083,7 +7076,28 @@
           <a:p>
             <a:r>
               <a:rPr lang="en-US" dirty="0"/>
-              <a:t>This part of the Python course will focus on supervised learning, as this is all I know.</a:t>
+              <a:t>Reinforcement</a:t>
+            </a:r>
+          </a:p>
+          <a:p>
+            <a:pPr lvl="1"/>
+            <a:r>
+              <a:rPr lang="en-US" dirty="0"/>
+              <a:t>The algorithm “learns” from making mistakes.</a:t>
+            </a:r>
+          </a:p>
+          <a:p>
+            <a:pPr lvl="1"/>
+            <a:r>
+              <a:rPr lang="en-US" dirty="0"/>
+              <a:t>There must be some sort of way to tell the algorithm when it makes a correction in the right direction, and a way to tell the algorithm a correction was made in the wrong direction.</a:t>
+            </a:r>
+          </a:p>
+          <a:p>
+            <a:pPr lvl="1"/>
+            <a:r>
+              <a:rPr lang="en-US" dirty="0"/>
+              <a:t>Initially, the model built is very inaccurate, but gets better with time.</a:t>
             </a:r>
           </a:p>
           <a:p>
@@ -7102,7 +7116,7 @@
     </p:spTree>
     <p:extLst>
       <p:ext uri="{BB962C8B-B14F-4D97-AF65-F5344CB8AC3E}">
-        <p14:creationId xmlns:p14="http://schemas.microsoft.com/office/powerpoint/2010/main" val="2610853396"/>
+        <p14:creationId xmlns:p14="http://schemas.microsoft.com/office/powerpoint/2010/main" val="3389942429"/>
       </p:ext>
     </p:extLst>
   </p:cSld>
@@ -7162,7 +7176,7 @@
           <a:p>
             <a:r>
               <a:rPr lang="en-US" dirty="0"/>
-              <a:t>General Workflow</a:t>
+              <a:t>General Model Types</a:t>
             </a:r>
           </a:p>
         </p:txBody>
@@ -7186,22 +7200,12 @@
           <a:p>
             <a:r>
               <a:rPr lang="en-US" dirty="0"/>
-              <a:t>Get data</a:t>
+              <a:t>This part of the Python course will focus on supervised learning, as this is all I know.</a:t>
             </a:r>
           </a:p>
           <a:p>
             <a:pPr lvl="1"/>
-            <a:r>
-              <a:rPr lang="en-US" dirty="0"/>
-              <a:t>Get set of data about what we wish to predict.</a:t>
-            </a:r>
-          </a:p>
-          <a:p>
-            <a:pPr lvl="1"/>
-            <a:r>
-              <a:rPr lang="en-US" dirty="0"/>
-              <a:t>Include the labels.</a:t>
-            </a:r>
+            <a:endParaRPr lang="en-US" dirty="0"/>
           </a:p>
           <a:p>
             <a:pPr lvl="2"/>
@@ -7215,7 +7219,7 @@
     </p:spTree>
     <p:extLst>
       <p:ext uri="{BB962C8B-B14F-4D97-AF65-F5344CB8AC3E}">
-        <p14:creationId xmlns:p14="http://schemas.microsoft.com/office/powerpoint/2010/main" val="504396564"/>
+        <p14:creationId xmlns:p14="http://schemas.microsoft.com/office/powerpoint/2010/main" val="2610853396"/>
       </p:ext>
     </p:extLst>
   </p:cSld>
@@ -7299,33 +7303,22 @@
           <a:p>
             <a:r>
               <a:rPr lang="en-US" dirty="0"/>
-              <a:t>Build model</a:t>
+              <a:t>Get data</a:t>
             </a:r>
           </a:p>
           <a:p>
             <a:pPr lvl="1"/>
             <a:r>
               <a:rPr lang="en-US" dirty="0"/>
-              <a:t>Select an appropriate classifier.</a:t>
+              <a:t>Get set of data about what we wish to predict.</a:t>
             </a:r>
           </a:p>
           <a:p>
             <a:pPr lvl="1"/>
             <a:r>
               <a:rPr lang="en-US" dirty="0"/>
-              <a:t>The model should be trained with a majority of the data we gathered, say with 75% of the data.</a:t>
-            </a:r>
-          </a:p>
-          <a:p>
-            <a:pPr lvl="1"/>
-            <a:r>
-              <a:rPr lang="en-US" dirty="0"/>
-              <a:t>The other 25% can be used to test how good our model can predict.</a:t>
-            </a:r>
-          </a:p>
-          <a:p>
-            <a:pPr lvl="1"/>
-            <a:endParaRPr lang="en-US" dirty="0"/>
+              <a:t>Include the labels.</a:t>
+            </a:r>
           </a:p>
           <a:p>
             <a:pPr lvl="2"/>
@@ -7339,7 +7332,7 @@
     </p:spTree>
     <p:extLst>
       <p:ext uri="{BB962C8B-B14F-4D97-AF65-F5344CB8AC3E}">
-        <p14:creationId xmlns:p14="http://schemas.microsoft.com/office/powerpoint/2010/main" val="823098654"/>
+        <p14:creationId xmlns:p14="http://schemas.microsoft.com/office/powerpoint/2010/main" val="504396564"/>
       </p:ext>
     </p:extLst>
   </p:cSld>
@@ -7423,21 +7416,28 @@
           <a:p>
             <a:r>
               <a:rPr lang="en-US" dirty="0"/>
-              <a:t>Evaluate accuracy</a:t>
+              <a:t>Build model</a:t>
             </a:r>
           </a:p>
           <a:p>
             <a:pPr lvl="1"/>
             <a:r>
               <a:rPr lang="en-US" dirty="0"/>
-              <a:t>The model needs to be evaluated for accuracy to ensure our predictions will have a high degree of correctness.</a:t>
+              <a:t>Select an appropriate classifier.</a:t>
             </a:r>
           </a:p>
           <a:p>
             <a:pPr lvl="1"/>
             <a:r>
               <a:rPr lang="en-US" dirty="0"/>
-              <a:t>This is usually done using the 25% of data that we did not use for training.</a:t>
+              <a:t>The model should be trained with a majority of the data we gathered, say with 75% of the data.</a:t>
+            </a:r>
+          </a:p>
+          <a:p>
+            <a:pPr lvl="1"/>
+            <a:r>
+              <a:rPr lang="en-US" dirty="0"/>
+              <a:t>The other 25% can be used to test how good our model can predict.</a:t>
             </a:r>
           </a:p>
           <a:p>
@@ -7456,7 +7456,7 @@
     </p:spTree>
     <p:extLst>
       <p:ext uri="{BB962C8B-B14F-4D97-AF65-F5344CB8AC3E}">
-        <p14:creationId xmlns:p14="http://schemas.microsoft.com/office/powerpoint/2010/main" val="3005493130"/>
+        <p14:creationId xmlns:p14="http://schemas.microsoft.com/office/powerpoint/2010/main" val="823098654"/>
       </p:ext>
     </p:extLst>
   </p:cSld>
@@ -7547,28 +7547,15 @@
             <a:pPr lvl="1"/>
             <a:r>
               <a:rPr lang="en-US" dirty="0"/>
-              <a:t>There is no such thing as 100% accuracy unless you have toy data, or a completely defined system that does not need machine learning.</a:t>
+              <a:t>The model needs to be evaluated for accuracy to ensure our predictions will have a high degree of correctness.</a:t>
             </a:r>
           </a:p>
           <a:p>
             <a:pPr lvl="1"/>
             <a:r>
               <a:rPr lang="en-US" dirty="0"/>
-              <a:t>If we get 100% accuracy, and the above are not true, we have most likely over-fitted our model, possibly by using training data as test data.</a:t>
-            </a:r>
-          </a:p>
-          <a:p>
-            <a:pPr lvl="2"/>
-            <a:r>
-              <a:rPr lang="en-US" dirty="0"/>
-              <a:t>Leads to inaccurate predictions on new data without known labels</a:t>
-            </a:r>
-          </a:p>
-          <a:p>
-            <a:pPr marL="457200" lvl="1" indent="0">
-              <a:buNone/>
-            </a:pPr>
-            <a:endParaRPr lang="en-US" dirty="0"/>
+              <a:t>This is usually done using the 25% of data that we did not use for training.</a:t>
+            </a:r>
           </a:p>
           <a:p>
             <a:pPr lvl="1"/>
@@ -7586,7 +7573,7 @@
     </p:spTree>
     <p:extLst>
       <p:ext uri="{BB962C8B-B14F-4D97-AF65-F5344CB8AC3E}">
-        <p14:creationId xmlns:p14="http://schemas.microsoft.com/office/powerpoint/2010/main" val="140326188"/>
+        <p14:creationId xmlns:p14="http://schemas.microsoft.com/office/powerpoint/2010/main" val="3005493130"/>
       </p:ext>
     </p:extLst>
   </p:cSld>
@@ -7670,15 +7657,35 @@
           <a:p>
             <a:r>
               <a:rPr lang="en-US" dirty="0"/>
-              <a:t>Predict real-world outcomes</a:t>
+              <a:t>Evaluate accuracy</a:t>
             </a:r>
           </a:p>
           <a:p>
             <a:pPr lvl="1"/>
             <a:r>
               <a:rPr lang="en-US" dirty="0"/>
-              <a:t>Once the model is as accurate as we want, the model can be used to predict real-world outcomes that are unknown.</a:t>
-            </a:r>
+              <a:t>There is no such thing as 100% accuracy unless you have toy data, or a completely defined system that does not need machine learning.</a:t>
+            </a:r>
+          </a:p>
+          <a:p>
+            <a:pPr lvl="1"/>
+            <a:r>
+              <a:rPr lang="en-US" dirty="0"/>
+              <a:t>If we get 100% accuracy, and the above are not true, we have most likely over-fitted our model, possibly by using training data as test data.</a:t>
+            </a:r>
+          </a:p>
+          <a:p>
+            <a:pPr lvl="2"/>
+            <a:r>
+              <a:rPr lang="en-US" dirty="0"/>
+              <a:t>Leads to inaccurate predictions on new data without known labels</a:t>
+            </a:r>
+          </a:p>
+          <a:p>
+            <a:pPr marL="457200" lvl="1" indent="0">
+              <a:buNone/>
+            </a:pPr>
+            <a:endParaRPr lang="en-US" dirty="0"/>
           </a:p>
           <a:p>
             <a:pPr lvl="1"/>
@@ -7696,7 +7703,7 @@
     </p:spTree>
     <p:extLst>
       <p:ext uri="{BB962C8B-B14F-4D97-AF65-F5344CB8AC3E}">
-        <p14:creationId xmlns:p14="http://schemas.microsoft.com/office/powerpoint/2010/main" val="293541596"/>
+        <p14:creationId xmlns:p14="http://schemas.microsoft.com/office/powerpoint/2010/main" val="140326188"/>
       </p:ext>
     </p:extLst>
   </p:cSld>
@@ -7879,12 +7886,14 @@
         </p:nvSpPr>
         <p:spPr/>
         <p:txBody>
-          <a:bodyPr/>
-          <a:lstStyle/>
-          <a:p>
-            <a:r>
-              <a:rPr lang="en-US" dirty="0"/>
-              <a:t>Linear Classifiers</a:t>
+          <a:bodyPr>
+            <a:normAutofit/>
+          </a:bodyPr>
+          <a:lstStyle/>
+          <a:p>
+            <a:r>
+              <a:rPr lang="en-US" dirty="0"/>
+              <a:t>General Workflow</a:t>
             </a:r>
           </a:p>
         </p:txBody>
@@ -7901,55 +7910,26 @@
         </p:nvSpPr>
         <p:spPr/>
         <p:txBody>
-          <a:bodyPr/>
-          <a:lstStyle/>
-          <a:p>
-            <a:r>
-              <a:rPr lang="en-US" dirty="0"/>
-              <a:t>List of some Types we will Cover</a:t>
+          <a:bodyPr>
+            <a:normAutofit/>
+          </a:bodyPr>
+          <a:lstStyle/>
+          <a:p>
+            <a:r>
+              <a:rPr lang="en-US" dirty="0"/>
+              <a:t>Predict real-world outcomes</a:t>
             </a:r>
           </a:p>
           <a:p>
             <a:pPr lvl="1"/>
             <a:r>
               <a:rPr lang="en-US" dirty="0"/>
-              <a:t>K-Nearest Neighbors</a:t>
+              <a:t>Once the model is as accurate as we want, the model can be used to predict real-world outcomes that are unknown.</a:t>
             </a:r>
           </a:p>
           <a:p>
             <a:pPr lvl="1"/>
-            <a:r>
-              <a:rPr lang="en-US" dirty="0"/>
-              <a:t>Lasso</a:t>
-            </a:r>
-          </a:p>
-          <a:p>
-            <a:pPr lvl="1"/>
-            <a:r>
-              <a:rPr lang="en-US" dirty="0"/>
-              <a:t>Regression</a:t>
-            </a:r>
-          </a:p>
-          <a:p>
-            <a:pPr lvl="1"/>
-            <a:r>
-              <a:rPr lang="en-US" dirty="0"/>
-              <a:t>Tree</a:t>
-            </a:r>
-          </a:p>
-          <a:p>
-            <a:pPr lvl="1"/>
-            <a:r>
-              <a:rPr lang="en-US" dirty="0"/>
-              <a:t>Forest</a:t>
-            </a:r>
-          </a:p>
-          <a:p>
-            <a:pPr lvl="1"/>
-            <a:r>
-              <a:rPr lang="en-US" dirty="0"/>
-              <a:t>Gradient-Boosted Forest</a:t>
-            </a:r>
+            <a:endParaRPr lang="en-US" dirty="0"/>
           </a:p>
           <a:p>
             <a:pPr lvl="2"/>
@@ -7963,7 +7943,7 @@
     </p:spTree>
     <p:extLst>
       <p:ext uri="{BB962C8B-B14F-4D97-AF65-F5344CB8AC3E}">
-        <p14:creationId xmlns:p14="http://schemas.microsoft.com/office/powerpoint/2010/main" val="3895443771"/>
+        <p14:creationId xmlns:p14="http://schemas.microsoft.com/office/powerpoint/2010/main" val="293541596"/>
       </p:ext>
     </p:extLst>
   </p:cSld>
@@ -7979,7 +7959,7 @@
     <p:bg>
       <p:bgPr>
         <a:blipFill dpi="0" rotWithShape="1">
-          <a:blip r:embed="rId3">
+          <a:blip r:embed="rId2">
             <a:lum/>
           </a:blip>
           <a:srcRect/>
@@ -8021,7 +8001,7 @@
           <a:p>
             <a:r>
               <a:rPr lang="en-US" dirty="0"/>
-              <a:t>Linear Models</a:t>
+              <a:t>Linear Classifiers</a:t>
             </a:r>
           </a:p>
         </p:txBody>
@@ -8043,6 +8023,13 @@
           <a:p>
             <a:r>
               <a:rPr lang="en-US" dirty="0"/>
+              <a:t>List of some Types we will Cover</a:t>
+            </a:r>
+          </a:p>
+          <a:p>
+            <a:pPr lvl="1"/>
+            <a:r>
+              <a:rPr lang="en-US" dirty="0"/>
               <a:t>K-Nearest Neighbors</a:t>
             </a:r>
           </a:p>
@@ -8050,7 +8037,35 @@
             <a:pPr lvl="1"/>
             <a:r>
               <a:rPr lang="en-US" dirty="0"/>
-              <a:t>Predicts outcome by finding the closest matching data point.</a:t>
+              <a:t>Lasso</a:t>
+            </a:r>
+          </a:p>
+          <a:p>
+            <a:pPr lvl="1"/>
+            <a:r>
+              <a:rPr lang="en-US" dirty="0"/>
+              <a:t>Regression</a:t>
+            </a:r>
+          </a:p>
+          <a:p>
+            <a:pPr lvl="1"/>
+            <a:r>
+              <a:rPr lang="en-US" dirty="0"/>
+              <a:t>Tree</a:t>
+            </a:r>
+          </a:p>
+          <a:p>
+            <a:pPr lvl="1"/>
+            <a:r>
+              <a:rPr lang="en-US" dirty="0"/>
+              <a:t>Forest</a:t>
+            </a:r>
+          </a:p>
+          <a:p>
+            <a:pPr lvl="1"/>
+            <a:r>
+              <a:rPr lang="en-US" dirty="0"/>
+              <a:t>Gradient-Boosted Forest</a:t>
             </a:r>
           </a:p>
           <a:p>
@@ -8065,12 +8080,12 @@
     </p:spTree>
     <p:extLst>
       <p:ext uri="{BB962C8B-B14F-4D97-AF65-F5344CB8AC3E}">
-        <p14:creationId xmlns:p14="http://schemas.microsoft.com/office/powerpoint/2010/main" val="76902119"/>
+        <p14:creationId xmlns:p14="http://schemas.microsoft.com/office/powerpoint/2010/main" val="3895443771"/>
       </p:ext>
     </p:extLst>
   </p:cSld>
   <p:clrMapOvr>
-    <a:overrideClrMapping bg1="lt1" tx1="dk1" bg2="lt2" tx2="dk2" accent1="accent1" accent2="accent2" accent3="accent3" accent4="accent4" accent5="accent5" accent6="accent6" hlink="hlink" folHlink="folHlink"/>
+    <a:masterClrMapping/>
   </p:clrMapOvr>
 </p:sld>
 </file>
@@ -8145,7 +8160,14 @@
           <a:p>
             <a:r>
               <a:rPr lang="en-US" dirty="0"/>
-              <a:t>Lasso</a:t>
+              <a:t>K-Nearest Neighbors</a:t>
+            </a:r>
+          </a:p>
+          <a:p>
+            <a:pPr lvl="1"/>
+            <a:r>
+              <a:rPr lang="en-US" dirty="0"/>
+              <a:t>Predicts outcome by finding the closest matching data point.</a:t>
             </a:r>
           </a:p>
           <a:p>
@@ -8160,7 +8182,7 @@
     </p:spTree>
     <p:extLst>
       <p:ext uri="{BB962C8B-B14F-4D97-AF65-F5344CB8AC3E}">
-        <p14:creationId xmlns:p14="http://schemas.microsoft.com/office/powerpoint/2010/main" val="1469044682"/>
+        <p14:creationId xmlns:p14="http://schemas.microsoft.com/office/powerpoint/2010/main" val="76902119"/>
       </p:ext>
     </p:extLst>
   </p:cSld>
@@ -8240,7 +8262,7 @@
           <a:p>
             <a:r>
               <a:rPr lang="en-US" dirty="0"/>
-              <a:t>Regression</a:t>
+              <a:t>Lasso</a:t>
             </a:r>
           </a:p>
           <a:p>
@@ -8255,7 +8277,7 @@
     </p:spTree>
     <p:extLst>
       <p:ext uri="{BB962C8B-B14F-4D97-AF65-F5344CB8AC3E}">
-        <p14:creationId xmlns:p14="http://schemas.microsoft.com/office/powerpoint/2010/main" val="474133971"/>
+        <p14:creationId xmlns:p14="http://schemas.microsoft.com/office/powerpoint/2010/main" val="1469044682"/>
       </p:ext>
     </p:extLst>
   </p:cSld>
@@ -8335,7 +8357,7 @@
           <a:p>
             <a:r>
               <a:rPr lang="en-US" dirty="0"/>
-              <a:t>Tree</a:t>
+              <a:t>Regression</a:t>
             </a:r>
           </a:p>
           <a:p>
@@ -8350,7 +8372,7 @@
     </p:spTree>
     <p:extLst>
       <p:ext uri="{BB962C8B-B14F-4D97-AF65-F5344CB8AC3E}">
-        <p14:creationId xmlns:p14="http://schemas.microsoft.com/office/powerpoint/2010/main" val="1924952010"/>
+        <p14:creationId xmlns:p14="http://schemas.microsoft.com/office/powerpoint/2010/main" val="474133971"/>
       </p:ext>
     </p:extLst>
   </p:cSld>
@@ -8430,7 +8452,7 @@
           <a:p>
             <a:r>
               <a:rPr lang="en-US" dirty="0"/>
-              <a:t>Forest</a:t>
+              <a:t>Tree</a:t>
             </a:r>
           </a:p>
           <a:p>
@@ -8445,7 +8467,7 @@
     </p:spTree>
     <p:extLst>
       <p:ext uri="{BB962C8B-B14F-4D97-AF65-F5344CB8AC3E}">
-        <p14:creationId xmlns:p14="http://schemas.microsoft.com/office/powerpoint/2010/main" val="358457677"/>
+        <p14:creationId xmlns:p14="http://schemas.microsoft.com/office/powerpoint/2010/main" val="1924952010"/>
       </p:ext>
     </p:extLst>
   </p:cSld>
@@ -8525,7 +8547,7 @@
           <a:p>
             <a:r>
               <a:rPr lang="en-US" dirty="0"/>
-              <a:t>Gradient-Boosted Forest</a:t>
+              <a:t>Forest</a:t>
             </a:r>
           </a:p>
           <a:p>
@@ -8540,7 +8562,7 @@
     </p:spTree>
     <p:extLst>
       <p:ext uri="{BB962C8B-B14F-4D97-AF65-F5344CB8AC3E}">
-        <p14:creationId xmlns:p14="http://schemas.microsoft.com/office/powerpoint/2010/main" val="1436682753"/>
+        <p14:creationId xmlns:p14="http://schemas.microsoft.com/office/powerpoint/2010/main" val="358457677"/>
       </p:ext>
     </p:extLst>
   </p:cSld>
@@ -8556,7 +8578,7 @@
     <p:bg>
       <p:bgPr>
         <a:blipFill dpi="0" rotWithShape="1">
-          <a:blip r:embed="rId2">
+          <a:blip r:embed="rId3">
             <a:lum/>
           </a:blip>
           <a:srcRect/>
@@ -8598,7 +8620,7 @@
           <a:p>
             <a:r>
               <a:rPr lang="en-US" dirty="0"/>
-              <a:t>Evaluating Accuracy</a:t>
+              <a:t>Linear Models</a:t>
             </a:r>
           </a:p>
         </p:txBody>
@@ -8620,32 +8642,8 @@
           <a:p>
             <a:r>
               <a:rPr lang="en-US" dirty="0"/>
-              <a:t>Overview</a:t>
-            </a:r>
-          </a:p>
-          <a:p>
-            <a:pPr lvl="1"/>
-            <a:r>
-              <a:rPr lang="en-US" dirty="0"/>
-              <a:t>&lt;model&gt;.score(</a:t>
-            </a:r>
-            <a:r>
-              <a:rPr lang="en-US" dirty="0" err="1"/>
-              <a:t>test_data</a:t>
-            </a:r>
-            <a:r>
-              <a:rPr lang="en-US" dirty="0"/>
-              <a:t>, </a:t>
-            </a:r>
-            <a:r>
-              <a:rPr lang="en-US" dirty="0" err="1"/>
-              <a:t>test_labels</a:t>
-            </a:r>
-            <a:r>
-              <a:rPr lang="en-US"/>
-              <a:t>)</a:t>
-            </a:r>
-            <a:endParaRPr lang="en-US" dirty="0"/>
+              <a:t>Gradient-Boosted Forest</a:t>
+            </a:r>
           </a:p>
           <a:p>
             <a:pPr lvl="2"/>
@@ -8659,12 +8657,12 @@
     </p:spTree>
     <p:extLst>
       <p:ext uri="{BB962C8B-B14F-4D97-AF65-F5344CB8AC3E}">
-        <p14:creationId xmlns:p14="http://schemas.microsoft.com/office/powerpoint/2010/main" val="4053921630"/>
+        <p14:creationId xmlns:p14="http://schemas.microsoft.com/office/powerpoint/2010/main" val="1436682753"/>
       </p:ext>
     </p:extLst>
   </p:cSld>
   <p:clrMapOvr>
-    <a:masterClrMapping/>
+    <a:overrideClrMapping bg1="lt1" tx1="dk1" bg2="lt2" tx2="dk2" accent1="accent1" accent2="accent2" accent3="accent3" accent4="accent4" accent5="accent5" accent6="accent6" hlink="hlink" folHlink="folHlink"/>
   </p:clrMapOvr>
 </p:sld>
 </file>
@@ -8716,70 +8714,55 @@
           <a:lstStyle/>
           <a:p>
             <a:r>
+              <a:rPr lang="en-US" dirty="0"/>
+              <a:t>Evaluating Accuracy</a:t>
+            </a:r>
+          </a:p>
+        </p:txBody>
+      </p:sp>
+      <p:sp>
+        <p:nvSpPr>
+          <p:cNvPr id="3" name="Content Placeholder 2"/>
+          <p:cNvSpPr>
+            <a:spLocks noGrp="1"/>
+          </p:cNvSpPr>
+          <p:nvPr>
+            <p:ph idx="1"/>
+          </p:nvPr>
+        </p:nvSpPr>
+        <p:spPr/>
+        <p:txBody>
+          <a:bodyPr/>
+          <a:lstStyle/>
+          <a:p>
+            <a:r>
+              <a:rPr lang="en-US" dirty="0"/>
+              <a:t>Overview</a:t>
+            </a:r>
+          </a:p>
+          <a:p>
+            <a:pPr lvl="1"/>
+            <a:r>
+              <a:rPr lang="en-US" dirty="0"/>
+              <a:t>&lt;model&gt;.score(</a:t>
+            </a:r>
+            <a:r>
               <a:rPr lang="en-US" dirty="0" err="1"/>
-              <a:t>Scikit</a:t>
-            </a:r>
-            <a:r>
-              <a:rPr lang="en-US" dirty="0"/>
-              <a:t>-Learn Machine Learning</a:t>
-            </a:r>
-          </a:p>
-        </p:txBody>
-      </p:sp>
-      <p:sp>
-        <p:nvSpPr>
-          <p:cNvPr id="3" name="Content Placeholder 2"/>
-          <p:cNvSpPr>
-            <a:spLocks noGrp="1"/>
-          </p:cNvSpPr>
-          <p:nvPr>
-            <p:ph idx="1"/>
-          </p:nvPr>
-        </p:nvSpPr>
-        <p:spPr/>
-        <p:txBody>
-          <a:bodyPr/>
-          <a:lstStyle/>
-          <a:p>
-            <a:r>
-              <a:rPr lang="en-US" dirty="0"/>
-              <a:t>Overview</a:t>
-            </a:r>
-          </a:p>
-          <a:p>
-            <a:pPr lvl="1"/>
-            <a:r>
-              <a:rPr lang="en-US" dirty="0"/>
-              <a:t>Definition</a:t>
-            </a:r>
-          </a:p>
-          <a:p>
-            <a:pPr lvl="1"/>
-            <a:r>
-              <a:rPr lang="en-US" dirty="0"/>
-              <a:t>General Types</a:t>
-            </a:r>
-          </a:p>
-          <a:p>
-            <a:pPr lvl="1"/>
-            <a:r>
-              <a:rPr lang="en-US" dirty="0"/>
-              <a:t>Basic Linear Models</a:t>
-            </a:r>
-          </a:p>
-          <a:p>
-            <a:pPr lvl="1"/>
-            <a:r>
-              <a:rPr lang="en-US" dirty="0"/>
-              <a:t>Algorithm Types</a:t>
-            </a:r>
-          </a:p>
-          <a:p>
-            <a:pPr lvl="1"/>
-            <a:r>
-              <a:rPr lang="en-US" dirty="0"/>
-              <a:t>Tuning</a:t>
-            </a:r>
+              <a:t>test_data</a:t>
+            </a:r>
+            <a:r>
+              <a:rPr lang="en-US" dirty="0"/>
+              <a:t>, </a:t>
+            </a:r>
+            <a:r>
+              <a:rPr lang="en-US" dirty="0" err="1"/>
+              <a:t>test_labels</a:t>
+            </a:r>
+            <a:r>
+              <a:rPr lang="en-US"/>
+              <a:t>)</a:t>
+            </a:r>
+            <a:endParaRPr lang="en-US" dirty="0"/>
           </a:p>
           <a:p>
             <a:pPr lvl="2"/>
@@ -8793,7 +8776,7 @@
     </p:spTree>
     <p:extLst>
       <p:ext uri="{BB962C8B-B14F-4D97-AF65-F5344CB8AC3E}">
-        <p14:creationId xmlns:p14="http://schemas.microsoft.com/office/powerpoint/2010/main" val="754999196"/>
+        <p14:creationId xmlns:p14="http://schemas.microsoft.com/office/powerpoint/2010/main" val="4053921630"/>
       </p:ext>
     </p:extLst>
   </p:cSld>
@@ -8850,30 +8833,69 @@
           <a:lstStyle/>
           <a:p>
             <a:r>
+              <a:rPr lang="en-US" dirty="0" err="1"/>
+              <a:t>Scikit</a:t>
+            </a:r>
+            <a:r>
+              <a:rPr lang="en-US" dirty="0"/>
+              <a:t>-Learn Machine Learning</a:t>
+            </a:r>
+          </a:p>
+        </p:txBody>
+      </p:sp>
+      <p:sp>
+        <p:nvSpPr>
+          <p:cNvPr id="3" name="Content Placeholder 2"/>
+          <p:cNvSpPr>
+            <a:spLocks noGrp="1"/>
+          </p:cNvSpPr>
+          <p:nvPr>
+            <p:ph idx="1"/>
+          </p:nvPr>
+        </p:nvSpPr>
+        <p:spPr/>
+        <p:txBody>
+          <a:bodyPr/>
+          <a:lstStyle/>
+          <a:p>
+            <a:r>
+              <a:rPr lang="en-US" dirty="0"/>
+              <a:t>Overview</a:t>
+            </a:r>
+          </a:p>
+          <a:p>
+            <a:pPr lvl="1"/>
+            <a:r>
+              <a:rPr lang="en-US" dirty="0"/>
+              <a:t>Definition</a:t>
+            </a:r>
+          </a:p>
+          <a:p>
+            <a:pPr lvl="1"/>
+            <a:r>
+              <a:rPr lang="en-US" dirty="0"/>
+              <a:t>General Types</a:t>
+            </a:r>
+          </a:p>
+          <a:p>
+            <a:pPr lvl="1"/>
+            <a:r>
+              <a:rPr lang="en-US" dirty="0"/>
+              <a:t>Basic Linear Models</a:t>
+            </a:r>
+          </a:p>
+          <a:p>
+            <a:pPr lvl="1"/>
+            <a:r>
+              <a:rPr lang="en-US" dirty="0"/>
+              <a:t>Algorithm Types</a:t>
+            </a:r>
+          </a:p>
+          <a:p>
+            <a:pPr lvl="1"/>
+            <a:r>
               <a:rPr lang="en-US" dirty="0"/>
               <a:t>Tuning</a:t>
-            </a:r>
-          </a:p>
-        </p:txBody>
-      </p:sp>
-      <p:sp>
-        <p:nvSpPr>
-          <p:cNvPr id="3" name="Content Placeholder 2"/>
-          <p:cNvSpPr>
-            <a:spLocks noGrp="1"/>
-          </p:cNvSpPr>
-          <p:nvPr>
-            <p:ph idx="1"/>
-          </p:nvPr>
-        </p:nvSpPr>
-        <p:spPr/>
-        <p:txBody>
-          <a:bodyPr/>
-          <a:lstStyle/>
-          <a:p>
-            <a:r>
-              <a:rPr lang="en-US" dirty="0"/>
-              <a:t>Determining what features matter</a:t>
             </a:r>
           </a:p>
           <a:p>
@@ -8888,7 +8910,7 @@
     </p:spTree>
     <p:extLst>
       <p:ext uri="{BB962C8B-B14F-4D97-AF65-F5344CB8AC3E}">
-        <p14:creationId xmlns:p14="http://schemas.microsoft.com/office/powerpoint/2010/main" val="3393037686"/>
+        <p14:creationId xmlns:p14="http://schemas.microsoft.com/office/powerpoint/2010/main" val="754999196"/>
       </p:ext>
     </p:extLst>
   </p:cSld>
@@ -9080,7 +9102,7 @@
           <a:p>
             <a:r>
               <a:rPr lang="en-US" dirty="0"/>
-              <a:t>Parameters to Play with</a:t>
+              <a:t>Determining what features matter</a:t>
             </a:r>
           </a:p>
           <a:p>
@@ -9095,7 +9117,7 @@
     </p:spTree>
     <p:extLst>
       <p:ext uri="{BB962C8B-B14F-4D97-AF65-F5344CB8AC3E}">
-        <p14:creationId xmlns:p14="http://schemas.microsoft.com/office/powerpoint/2010/main" val="274238177"/>
+        <p14:creationId xmlns:p14="http://schemas.microsoft.com/office/powerpoint/2010/main" val="3393037686"/>
       </p:ext>
     </p:extLst>
   </p:cSld>
@@ -9175,7 +9197,7 @@
           <a:p>
             <a:r>
               <a:rPr lang="en-US" dirty="0"/>
-              <a:t>Grid Search</a:t>
+              <a:t>Parameters to Play with</a:t>
             </a:r>
           </a:p>
           <a:p>
@@ -9190,7 +9212,7 @@
     </p:spTree>
     <p:extLst>
       <p:ext uri="{BB962C8B-B14F-4D97-AF65-F5344CB8AC3E}">
-        <p14:creationId xmlns:p14="http://schemas.microsoft.com/office/powerpoint/2010/main" val="2622179278"/>
+        <p14:creationId xmlns:p14="http://schemas.microsoft.com/office/powerpoint/2010/main" val="274238177"/>
       </p:ext>
     </p:extLst>
   </p:cSld>
@@ -9247,6 +9269,101 @@
           <a:lstStyle/>
           <a:p>
             <a:r>
+              <a:rPr lang="en-US" dirty="0"/>
+              <a:t>Tuning</a:t>
+            </a:r>
+          </a:p>
+        </p:txBody>
+      </p:sp>
+      <p:sp>
+        <p:nvSpPr>
+          <p:cNvPr id="3" name="Content Placeholder 2"/>
+          <p:cNvSpPr>
+            <a:spLocks noGrp="1"/>
+          </p:cNvSpPr>
+          <p:nvPr>
+            <p:ph idx="1"/>
+          </p:nvPr>
+        </p:nvSpPr>
+        <p:spPr/>
+        <p:txBody>
+          <a:bodyPr/>
+          <a:lstStyle/>
+          <a:p>
+            <a:r>
+              <a:rPr lang="en-US" dirty="0"/>
+              <a:t>Grid Search</a:t>
+            </a:r>
+          </a:p>
+          <a:p>
+            <a:pPr lvl="2"/>
+            <a:endParaRPr lang="en-US" dirty="0"/>
+          </a:p>
+          <a:p>
+            <a:endParaRPr lang="en-US" dirty="0"/>
+          </a:p>
+        </p:txBody>
+      </p:sp>
+    </p:spTree>
+    <p:extLst>
+      <p:ext uri="{BB962C8B-B14F-4D97-AF65-F5344CB8AC3E}">
+        <p14:creationId xmlns:p14="http://schemas.microsoft.com/office/powerpoint/2010/main" val="2622179278"/>
+      </p:ext>
+    </p:extLst>
+  </p:cSld>
+  <p:clrMapOvr>
+    <a:masterClrMapping/>
+  </p:clrMapOvr>
+</p:sld>
+</file>
+
+<file path=ppt/slides/slide33.xml><?xml version="1.0" encoding="utf-8"?>
+<p:sld xmlns:a="http://schemas.openxmlformats.org/drawingml/2006/main" xmlns:r="http://schemas.openxmlformats.org/officeDocument/2006/relationships" xmlns:p="http://schemas.openxmlformats.org/presentationml/2006/main">
+  <p:cSld>
+    <p:bg>
+      <p:bgPr>
+        <a:blipFill dpi="0" rotWithShape="1">
+          <a:blip r:embed="rId2">
+            <a:lum/>
+          </a:blip>
+          <a:srcRect/>
+          <a:stretch>
+            <a:fillRect l="-10000" r="-10000"/>
+          </a:stretch>
+        </a:blipFill>
+        <a:effectLst/>
+      </p:bgPr>
+    </p:bg>
+    <p:spTree>
+      <p:nvGrpSpPr>
+        <p:cNvPr id="1" name=""/>
+        <p:cNvGrpSpPr/>
+        <p:nvPr/>
+      </p:nvGrpSpPr>
+      <p:grpSpPr>
+        <a:xfrm>
+          <a:off x="0" y="0"/>
+          <a:ext cx="0" cy="0"/>
+          <a:chOff x="0" y="0"/>
+          <a:chExt cx="0" cy="0"/>
+        </a:xfrm>
+      </p:grpSpPr>
+      <p:sp>
+        <p:nvSpPr>
+          <p:cNvPr id="2" name="Title 1"/>
+          <p:cNvSpPr>
+            <a:spLocks noGrp="1"/>
+          </p:cNvSpPr>
+          <p:nvPr>
+            <p:ph type="title"/>
+          </p:nvPr>
+        </p:nvSpPr>
+        <p:spPr/>
+        <p:txBody>
+          <a:bodyPr/>
+          <a:lstStyle/>
+          <a:p>
+            <a:r>
               <a:rPr lang="en-US" dirty="0" err="1"/>
               <a:t>Scikit</a:t>
             </a:r>
@@ -9334,7 +9451,7 @@
 </p:sld>
 </file>
 
-<file path=ppt/slides/slide33.xml><?xml version="1.0" encoding="utf-8"?>
+<file path=ppt/slides/slide34.xml><?xml version="1.0" encoding="utf-8"?>
 <p:sld xmlns:a="http://schemas.openxmlformats.org/drawingml/2006/main" xmlns:r="http://schemas.openxmlformats.org/officeDocument/2006/relationships" xmlns:p="http://schemas.openxmlformats.org/presentationml/2006/main">
   <p:cSld>
     <p:bg>
@@ -9519,7 +9636,21 @@
             <a:pPr lvl="1"/>
             <a:r>
               <a:rPr lang="en-US" dirty="0"/>
-              <a:t>The mathematical equation, set of equations, and/or algorithm that a computer uses to predict outcomes.</a:t>
+              <a:t>The mathematical equation, set of equations, and/or algorithm that a computer uses to predict outcomes for classification problems.</a:t>
+            </a:r>
+          </a:p>
+          <a:p>
+            <a:pPr lvl="1"/>
+            <a:r>
+              <a:rPr lang="en-US" dirty="0"/>
+              <a:t>For problems where we are trying to determine an exact value or name of something.</a:t>
+            </a:r>
+          </a:p>
+          <a:p>
+            <a:pPr lvl="2"/>
+            <a:r>
+              <a:rPr lang="en-US" dirty="0"/>
+              <a:t>i.e. trying to determine what kind of fruit something is.</a:t>
             </a:r>
           </a:p>
           <a:p>
@@ -9624,21 +9755,35 @@
           <a:p>
             <a:r>
               <a:rPr lang="en-US" dirty="0"/>
-              <a:t>Model</a:t>
+              <a:t>Regressor</a:t>
             </a:r>
           </a:p>
           <a:p>
             <a:pPr lvl="1"/>
             <a:r>
               <a:rPr lang="en-US" dirty="0"/>
-              <a:t>The classifier that is trained and filled with data.</a:t>
+              <a:t>The mathematical equation, set of equations, and/or algorithm that a computer uses to predict outcomes for regression problems.</a:t>
             </a:r>
           </a:p>
           <a:p>
             <a:pPr lvl="1"/>
             <a:r>
               <a:rPr lang="en-US" dirty="0"/>
-              <a:t>This is what will tell us what the “answer” is.</a:t>
+              <a:t>Problems were we are predicting within range of values.</a:t>
+            </a:r>
+          </a:p>
+          <a:p>
+            <a:pPr lvl="2"/>
+            <a:r>
+              <a:rPr lang="en-US" dirty="0"/>
+              <a:t>i.e. Predicting the median household income in the future.</a:t>
+            </a:r>
+          </a:p>
+          <a:p>
+            <a:pPr lvl="1"/>
+            <a:r>
+              <a:rPr lang="en-US" dirty="0"/>
+              <a:t>This is the scaffolding for our model.</a:t>
             </a:r>
           </a:p>
           <a:p>
@@ -9656,7 +9801,7 @@
     </p:spTree>
     <p:extLst>
       <p:ext uri="{BB962C8B-B14F-4D97-AF65-F5344CB8AC3E}">
-        <p14:creationId xmlns:p14="http://schemas.microsoft.com/office/powerpoint/2010/main" val="4212275978"/>
+        <p14:creationId xmlns:p14="http://schemas.microsoft.com/office/powerpoint/2010/main" val="528904592"/>
       </p:ext>
     </p:extLst>
   </p:cSld>
@@ -9736,14 +9881,21 @@
           <a:p>
             <a:r>
               <a:rPr lang="en-US" dirty="0"/>
-              <a:t>Classifier vs Model</a:t>
+              <a:t>Model</a:t>
             </a:r>
           </a:p>
           <a:p>
             <a:pPr lvl="1"/>
             <a:r>
               <a:rPr lang="en-US" dirty="0"/>
-              <a:t>The classifier is like a class, where the model is like an object.</a:t>
+              <a:t>The classifier that is trained and filled with data.</a:t>
+            </a:r>
+          </a:p>
+          <a:p>
+            <a:pPr lvl="1"/>
+            <a:r>
+              <a:rPr lang="en-US" dirty="0"/>
+              <a:t>This is what will tell us what the “answer” is.</a:t>
             </a:r>
           </a:p>
           <a:p>
@@ -9761,7 +9913,7 @@
     </p:spTree>
     <p:extLst>
       <p:ext uri="{BB962C8B-B14F-4D97-AF65-F5344CB8AC3E}">
-        <p14:creationId xmlns:p14="http://schemas.microsoft.com/office/powerpoint/2010/main" val="3444231323"/>
+        <p14:creationId xmlns:p14="http://schemas.microsoft.com/office/powerpoint/2010/main" val="4212275978"/>
       </p:ext>
     </p:extLst>
   </p:cSld>
@@ -9819,7 +9971,7 @@
           <a:p>
             <a:r>
               <a:rPr lang="en-US" dirty="0"/>
-              <a:t>Definition</a:t>
+              <a:t>Definitions</a:t>
             </a:r>
           </a:p>
         </p:txBody>
@@ -9841,14 +9993,14 @@
           <a:p>
             <a:r>
               <a:rPr lang="en-US" dirty="0"/>
-              <a:t>Experience</a:t>
+              <a:t>Classifier vs Model</a:t>
             </a:r>
           </a:p>
           <a:p>
             <a:pPr lvl="1"/>
             <a:r>
               <a:rPr lang="en-US" dirty="0"/>
-              <a:t>The data used to increase the effectiveness of the model’s predictions</a:t>
+              <a:t>The classifier is like a class, where the model is like an object.</a:t>
             </a:r>
           </a:p>
           <a:p>
@@ -9866,7 +10018,7 @@
     </p:spTree>
     <p:extLst>
       <p:ext uri="{BB962C8B-B14F-4D97-AF65-F5344CB8AC3E}">
-        <p14:creationId xmlns:p14="http://schemas.microsoft.com/office/powerpoint/2010/main" val="2979209538"/>
+        <p14:creationId xmlns:p14="http://schemas.microsoft.com/office/powerpoint/2010/main" val="3444231323"/>
       </p:ext>
     </p:extLst>
   </p:cSld>
@@ -9946,21 +10098,14 @@
           <a:p>
             <a:r>
               <a:rPr lang="en-US" dirty="0"/>
-              <a:t>Feature</a:t>
+              <a:t>Experience</a:t>
             </a:r>
           </a:p>
           <a:p>
             <a:pPr lvl="1"/>
             <a:r>
               <a:rPr lang="en-US" dirty="0"/>
-              <a:t>A description of a set of like-data.</a:t>
-            </a:r>
-          </a:p>
-          <a:p>
-            <a:pPr lvl="1"/>
-            <a:r>
-              <a:rPr lang="en-US" dirty="0"/>
-              <a:t>This is usually represented as a column in a data table.</a:t>
+              <a:t>The data used to increase the effectiveness of the model’s predictions</a:t>
             </a:r>
           </a:p>
           <a:p>
@@ -9978,7 +10123,7 @@
     </p:spTree>
     <p:extLst>
       <p:ext uri="{BB962C8B-B14F-4D97-AF65-F5344CB8AC3E}">
-        <p14:creationId xmlns:p14="http://schemas.microsoft.com/office/powerpoint/2010/main" val="2289988101"/>
+        <p14:creationId xmlns:p14="http://schemas.microsoft.com/office/powerpoint/2010/main" val="2979209538"/>
       </p:ext>
     </p:extLst>
   </p:cSld>
@@ -10058,21 +10203,21 @@
           <a:p>
             <a:r>
               <a:rPr lang="en-US" dirty="0"/>
-              <a:t>Sample</a:t>
+              <a:t>Feature</a:t>
             </a:r>
           </a:p>
           <a:p>
             <a:pPr lvl="1"/>
             <a:r>
               <a:rPr lang="en-US" dirty="0"/>
-              <a:t>A single set of data, or a data point.</a:t>
+              <a:t>A description of a set of like-data.</a:t>
             </a:r>
           </a:p>
           <a:p>
             <a:pPr lvl="1"/>
             <a:r>
               <a:rPr lang="en-US" dirty="0"/>
-              <a:t>This is usually a row in a data table.</a:t>
+              <a:t>This is usually represented as a column in a data table.</a:t>
             </a:r>
           </a:p>
           <a:p>
@@ -10090,7 +10235,7 @@
     </p:spTree>
     <p:extLst>
       <p:ext uri="{BB962C8B-B14F-4D97-AF65-F5344CB8AC3E}">
-        <p14:creationId xmlns:p14="http://schemas.microsoft.com/office/powerpoint/2010/main" val="1110144452"/>
+        <p14:creationId xmlns:p14="http://schemas.microsoft.com/office/powerpoint/2010/main" val="2289988101"/>
       </p:ext>
     </p:extLst>
   </p:cSld>

--- a/Session 7 - Python/Instructional Material/Session 7 - Python Brief Intro to Machine Learning with Scikit Learn.pptx
+++ b/Session 7 - Python/Instructional Material/Session 7 - Python Brief Intro to Machine Learning with Scikit Learn.pptx
@@ -5,6 +5,9 @@
     <p:sldMasterId id="2147483648" r:id="rId1"/>
     <p:sldMasterId id="2147483660" r:id="rId2"/>
   </p:sldMasterIdLst>
+  <p:notesMasterIdLst>
+    <p:notesMasterId r:id="rId42"/>
+  </p:notesMasterIdLst>
   <p:sldIdLst>
     <p:sldId id="256" r:id="rId3"/>
     <p:sldId id="283" r:id="rId4"/>
@@ -28,18 +31,23 @@
     <p:sldId id="404" r:id="rId22"/>
     <p:sldId id="377" r:id="rId23"/>
     <p:sldId id="390" r:id="rId24"/>
-    <p:sldId id="391" r:id="rId25"/>
-    <p:sldId id="396" r:id="rId26"/>
-    <p:sldId id="397" r:id="rId27"/>
-    <p:sldId id="398" r:id="rId28"/>
-    <p:sldId id="399" r:id="rId29"/>
-    <p:sldId id="376" r:id="rId30"/>
-    <p:sldId id="405" r:id="rId31"/>
-    <p:sldId id="385" r:id="rId32"/>
-    <p:sldId id="386" r:id="rId33"/>
-    <p:sldId id="400" r:id="rId34"/>
-    <p:sldId id="384" r:id="rId35"/>
-    <p:sldId id="375" r:id="rId36"/>
+    <p:sldId id="412" r:id="rId25"/>
+    <p:sldId id="415" r:id="rId26"/>
+    <p:sldId id="413" r:id="rId27"/>
+    <p:sldId id="391" r:id="rId28"/>
+    <p:sldId id="414" r:id="rId29"/>
+    <p:sldId id="396" r:id="rId30"/>
+    <p:sldId id="397" r:id="rId31"/>
+    <p:sldId id="398" r:id="rId32"/>
+    <p:sldId id="399" r:id="rId33"/>
+    <p:sldId id="376" r:id="rId34"/>
+    <p:sldId id="405" r:id="rId35"/>
+    <p:sldId id="385" r:id="rId36"/>
+    <p:sldId id="386" r:id="rId37"/>
+    <p:sldId id="400" r:id="rId38"/>
+    <p:sldId id="384" r:id="rId39"/>
+    <p:sldId id="375" r:id="rId40"/>
+    <p:sldId id="411" r:id="rId41"/>
   </p:sldIdLst>
   <p:sldSz cx="9144000" cy="6858000" type="screen4x3"/>
   <p:notesSz cx="6858000" cy="9144000"/>
@@ -157,6 +165,691 @@
 </p:presentation>
 </file>
 
+<file path=ppt/notesMasters/notesMaster1.xml><?xml version="1.0" encoding="utf-8"?>
+<p:notesMaster xmlns:a="http://schemas.openxmlformats.org/drawingml/2006/main" xmlns:r="http://schemas.openxmlformats.org/officeDocument/2006/relationships" xmlns:p="http://schemas.openxmlformats.org/presentationml/2006/main">
+  <p:cSld>
+    <p:bg>
+      <p:bgRef idx="1001">
+        <a:schemeClr val="bg1"/>
+      </p:bgRef>
+    </p:bg>
+    <p:spTree>
+      <p:nvGrpSpPr>
+        <p:cNvPr id="1" name=""/>
+        <p:cNvGrpSpPr/>
+        <p:nvPr/>
+      </p:nvGrpSpPr>
+      <p:grpSpPr>
+        <a:xfrm>
+          <a:off x="0" y="0"/>
+          <a:ext cx="0" cy="0"/>
+          <a:chOff x="0" y="0"/>
+          <a:chExt cx="0" cy="0"/>
+        </a:xfrm>
+      </p:grpSpPr>
+      <p:sp>
+        <p:nvSpPr>
+          <p:cNvPr id="2" name="Header Placeholder 1"/>
+          <p:cNvSpPr>
+            <a:spLocks noGrp="1"/>
+          </p:cNvSpPr>
+          <p:nvPr>
+            <p:ph type="hdr" sz="quarter"/>
+          </p:nvPr>
+        </p:nvSpPr>
+        <p:spPr>
+          <a:xfrm>
+            <a:off x="0" y="0"/>
+            <a:ext cx="2971800" cy="458788"/>
+          </a:xfrm>
+          <a:prstGeom prst="rect">
+            <a:avLst/>
+          </a:prstGeom>
+        </p:spPr>
+        <p:txBody>
+          <a:bodyPr vert="horz" lIns="91440" tIns="45720" rIns="91440" bIns="45720" rtlCol="0"/>
+          <a:lstStyle>
+            <a:lvl1pPr algn="l">
+              <a:defRPr sz="1200"/>
+            </a:lvl1pPr>
+          </a:lstStyle>
+          <a:p>
+            <a:endParaRPr lang="en-US"/>
+          </a:p>
+        </p:txBody>
+      </p:sp>
+      <p:sp>
+        <p:nvSpPr>
+          <p:cNvPr id="3" name="Date Placeholder 2"/>
+          <p:cNvSpPr>
+            <a:spLocks noGrp="1"/>
+          </p:cNvSpPr>
+          <p:nvPr>
+            <p:ph type="dt" idx="1"/>
+          </p:nvPr>
+        </p:nvSpPr>
+        <p:spPr>
+          <a:xfrm>
+            <a:off x="3884613" y="0"/>
+            <a:ext cx="2971800" cy="458788"/>
+          </a:xfrm>
+          <a:prstGeom prst="rect">
+            <a:avLst/>
+          </a:prstGeom>
+        </p:spPr>
+        <p:txBody>
+          <a:bodyPr vert="horz" lIns="91440" tIns="45720" rIns="91440" bIns="45720" rtlCol="0"/>
+          <a:lstStyle>
+            <a:lvl1pPr algn="r">
+              <a:defRPr sz="1200"/>
+            </a:lvl1pPr>
+          </a:lstStyle>
+          <a:p>
+            <a:fld id="{CD3A85A8-362A-422C-AAFE-FA6D3B9BF6BA}" type="datetimeFigureOut">
+              <a:rPr lang="en-US" smtClean="0"/>
+              <a:t>11/26/2021</a:t>
+            </a:fld>
+            <a:endParaRPr lang="en-US"/>
+          </a:p>
+        </p:txBody>
+      </p:sp>
+      <p:sp>
+        <p:nvSpPr>
+          <p:cNvPr id="4" name="Slide Image Placeholder 3"/>
+          <p:cNvSpPr>
+            <a:spLocks noGrp="1" noRot="1" noChangeAspect="1"/>
+          </p:cNvSpPr>
+          <p:nvPr>
+            <p:ph type="sldImg" idx="2"/>
+          </p:nvPr>
+        </p:nvSpPr>
+        <p:spPr>
+          <a:xfrm>
+            <a:off x="1371600" y="1143000"/>
+            <a:ext cx="4114800" cy="3086100"/>
+          </a:xfrm>
+          <a:prstGeom prst="rect">
+            <a:avLst/>
+          </a:prstGeom>
+          <a:noFill/>
+          <a:ln w="12700">
+            <a:solidFill>
+              <a:prstClr val="black"/>
+            </a:solidFill>
+          </a:ln>
+        </p:spPr>
+        <p:txBody>
+          <a:bodyPr vert="horz" lIns="91440" tIns="45720" rIns="91440" bIns="45720" rtlCol="0" anchor="ctr"/>
+          <a:lstStyle/>
+          <a:p>
+            <a:endParaRPr lang="en-US"/>
+          </a:p>
+        </p:txBody>
+      </p:sp>
+      <p:sp>
+        <p:nvSpPr>
+          <p:cNvPr id="5" name="Notes Placeholder 4"/>
+          <p:cNvSpPr>
+            <a:spLocks noGrp="1"/>
+          </p:cNvSpPr>
+          <p:nvPr>
+            <p:ph type="body" sz="quarter" idx="3"/>
+          </p:nvPr>
+        </p:nvSpPr>
+        <p:spPr>
+          <a:xfrm>
+            <a:off x="685800" y="4400550"/>
+            <a:ext cx="5486400" cy="3600450"/>
+          </a:xfrm>
+          <a:prstGeom prst="rect">
+            <a:avLst/>
+          </a:prstGeom>
+        </p:spPr>
+        <p:txBody>
+          <a:bodyPr vert="horz" lIns="91440" tIns="45720" rIns="91440" bIns="45720" rtlCol="0"/>
+          <a:lstStyle/>
+          <a:p>
+            <a:pPr lvl="0"/>
+            <a:r>
+              <a:rPr lang="en-US"/>
+              <a:t>Click to edit Master text styles</a:t>
+            </a:r>
+          </a:p>
+          <a:p>
+            <a:pPr lvl="1"/>
+            <a:r>
+              <a:rPr lang="en-US"/>
+              <a:t>Second level</a:t>
+            </a:r>
+          </a:p>
+          <a:p>
+            <a:pPr lvl="2"/>
+            <a:r>
+              <a:rPr lang="en-US"/>
+              <a:t>Third level</a:t>
+            </a:r>
+          </a:p>
+          <a:p>
+            <a:pPr lvl="3"/>
+            <a:r>
+              <a:rPr lang="en-US"/>
+              <a:t>Fourth level</a:t>
+            </a:r>
+          </a:p>
+          <a:p>
+            <a:pPr lvl="4"/>
+            <a:r>
+              <a:rPr lang="en-US"/>
+              <a:t>Fifth level</a:t>
+            </a:r>
+          </a:p>
+        </p:txBody>
+      </p:sp>
+      <p:sp>
+        <p:nvSpPr>
+          <p:cNvPr id="6" name="Footer Placeholder 5"/>
+          <p:cNvSpPr>
+            <a:spLocks noGrp="1"/>
+          </p:cNvSpPr>
+          <p:nvPr>
+            <p:ph type="ftr" sz="quarter" idx="4"/>
+          </p:nvPr>
+        </p:nvSpPr>
+        <p:spPr>
+          <a:xfrm>
+            <a:off x="0" y="8685213"/>
+            <a:ext cx="2971800" cy="458787"/>
+          </a:xfrm>
+          <a:prstGeom prst="rect">
+            <a:avLst/>
+          </a:prstGeom>
+        </p:spPr>
+        <p:txBody>
+          <a:bodyPr vert="horz" lIns="91440" tIns="45720" rIns="91440" bIns="45720" rtlCol="0" anchor="b"/>
+          <a:lstStyle>
+            <a:lvl1pPr algn="l">
+              <a:defRPr sz="1200"/>
+            </a:lvl1pPr>
+          </a:lstStyle>
+          <a:p>
+            <a:endParaRPr lang="en-US"/>
+          </a:p>
+        </p:txBody>
+      </p:sp>
+      <p:sp>
+        <p:nvSpPr>
+          <p:cNvPr id="7" name="Slide Number Placeholder 6"/>
+          <p:cNvSpPr>
+            <a:spLocks noGrp="1"/>
+          </p:cNvSpPr>
+          <p:nvPr>
+            <p:ph type="sldNum" sz="quarter" idx="5"/>
+          </p:nvPr>
+        </p:nvSpPr>
+        <p:spPr>
+          <a:xfrm>
+            <a:off x="3884613" y="8685213"/>
+            <a:ext cx="2971800" cy="458787"/>
+          </a:xfrm>
+          <a:prstGeom prst="rect">
+            <a:avLst/>
+          </a:prstGeom>
+        </p:spPr>
+        <p:txBody>
+          <a:bodyPr vert="horz" lIns="91440" tIns="45720" rIns="91440" bIns="45720" rtlCol="0" anchor="b"/>
+          <a:lstStyle>
+            <a:lvl1pPr algn="r">
+              <a:defRPr sz="1200"/>
+            </a:lvl1pPr>
+          </a:lstStyle>
+          <a:p>
+            <a:fld id="{3E7B21C4-CE7A-4258-91FF-8CBB981279E1}" type="slidenum">
+              <a:rPr lang="en-US" smtClean="0"/>
+              <a:t>‹#›</a:t>
+            </a:fld>
+            <a:endParaRPr lang="en-US"/>
+          </a:p>
+        </p:txBody>
+      </p:sp>
+    </p:spTree>
+    <p:extLst>
+      <p:ext uri="{BB962C8B-B14F-4D97-AF65-F5344CB8AC3E}">
+        <p14:creationId xmlns:p14="http://schemas.microsoft.com/office/powerpoint/2010/main" val="3700431773"/>
+      </p:ext>
+    </p:extLst>
+  </p:cSld>
+  <p:clrMap bg1="lt1" tx1="dk1" bg2="lt2" tx2="dk2" accent1="accent1" accent2="accent2" accent3="accent3" accent4="accent4" accent5="accent5" accent6="accent6" hlink="hlink" folHlink="folHlink"/>
+  <p:notesStyle>
+    <a:lvl1pPr marL="0" algn="l" defTabSz="914400" rtl="0" eaLnBrk="1" latinLnBrk="0" hangingPunct="1">
+      <a:defRPr sz="1200" kern="1200">
+        <a:solidFill>
+          <a:schemeClr val="tx1"/>
+        </a:solidFill>
+        <a:latin typeface="+mn-lt"/>
+        <a:ea typeface="+mn-ea"/>
+        <a:cs typeface="+mn-cs"/>
+      </a:defRPr>
+    </a:lvl1pPr>
+    <a:lvl2pPr marL="457200" algn="l" defTabSz="914400" rtl="0" eaLnBrk="1" latinLnBrk="0" hangingPunct="1">
+      <a:defRPr sz="1200" kern="1200">
+        <a:solidFill>
+          <a:schemeClr val="tx1"/>
+        </a:solidFill>
+        <a:latin typeface="+mn-lt"/>
+        <a:ea typeface="+mn-ea"/>
+        <a:cs typeface="+mn-cs"/>
+      </a:defRPr>
+    </a:lvl2pPr>
+    <a:lvl3pPr marL="914400" algn="l" defTabSz="914400" rtl="0" eaLnBrk="1" latinLnBrk="0" hangingPunct="1">
+      <a:defRPr sz="1200" kern="1200">
+        <a:solidFill>
+          <a:schemeClr val="tx1"/>
+        </a:solidFill>
+        <a:latin typeface="+mn-lt"/>
+        <a:ea typeface="+mn-ea"/>
+        <a:cs typeface="+mn-cs"/>
+      </a:defRPr>
+    </a:lvl3pPr>
+    <a:lvl4pPr marL="1371600" algn="l" defTabSz="914400" rtl="0" eaLnBrk="1" latinLnBrk="0" hangingPunct="1">
+      <a:defRPr sz="1200" kern="1200">
+        <a:solidFill>
+          <a:schemeClr val="tx1"/>
+        </a:solidFill>
+        <a:latin typeface="+mn-lt"/>
+        <a:ea typeface="+mn-ea"/>
+        <a:cs typeface="+mn-cs"/>
+      </a:defRPr>
+    </a:lvl4pPr>
+    <a:lvl5pPr marL="1828800" algn="l" defTabSz="914400" rtl="0" eaLnBrk="1" latinLnBrk="0" hangingPunct="1">
+      <a:defRPr sz="1200" kern="1200">
+        <a:solidFill>
+          <a:schemeClr val="tx1"/>
+        </a:solidFill>
+        <a:latin typeface="+mn-lt"/>
+        <a:ea typeface="+mn-ea"/>
+        <a:cs typeface="+mn-cs"/>
+      </a:defRPr>
+    </a:lvl5pPr>
+    <a:lvl6pPr marL="2286000" algn="l" defTabSz="914400" rtl="0" eaLnBrk="1" latinLnBrk="0" hangingPunct="1">
+      <a:defRPr sz="1200" kern="1200">
+        <a:solidFill>
+          <a:schemeClr val="tx1"/>
+        </a:solidFill>
+        <a:latin typeface="+mn-lt"/>
+        <a:ea typeface="+mn-ea"/>
+        <a:cs typeface="+mn-cs"/>
+      </a:defRPr>
+    </a:lvl6pPr>
+    <a:lvl7pPr marL="2743200" algn="l" defTabSz="914400" rtl="0" eaLnBrk="1" latinLnBrk="0" hangingPunct="1">
+      <a:defRPr sz="1200" kern="1200">
+        <a:solidFill>
+          <a:schemeClr val="tx1"/>
+        </a:solidFill>
+        <a:latin typeface="+mn-lt"/>
+        <a:ea typeface="+mn-ea"/>
+        <a:cs typeface="+mn-cs"/>
+      </a:defRPr>
+    </a:lvl7pPr>
+    <a:lvl8pPr marL="3200400" algn="l" defTabSz="914400" rtl="0" eaLnBrk="1" latinLnBrk="0" hangingPunct="1">
+      <a:defRPr sz="1200" kern="1200">
+        <a:solidFill>
+          <a:schemeClr val="tx1"/>
+        </a:solidFill>
+        <a:latin typeface="+mn-lt"/>
+        <a:ea typeface="+mn-ea"/>
+        <a:cs typeface="+mn-cs"/>
+      </a:defRPr>
+    </a:lvl8pPr>
+    <a:lvl9pPr marL="3657600" algn="l" defTabSz="914400" rtl="0" eaLnBrk="1" latinLnBrk="0" hangingPunct="1">
+      <a:defRPr sz="1200" kern="1200">
+        <a:solidFill>
+          <a:schemeClr val="tx1"/>
+        </a:solidFill>
+        <a:latin typeface="+mn-lt"/>
+        <a:ea typeface="+mn-ea"/>
+        <a:cs typeface="+mn-cs"/>
+      </a:defRPr>
+    </a:lvl9pPr>
+  </p:notesStyle>
+</p:notesMaster>
+</file>
+
+<file path=ppt/notesSlides/notesSlide1.xml><?xml version="1.0" encoding="utf-8"?>
+<p:notes xmlns:a="http://schemas.openxmlformats.org/drawingml/2006/main" xmlns:r="http://schemas.openxmlformats.org/officeDocument/2006/relationships" xmlns:p="http://schemas.openxmlformats.org/presentationml/2006/main">
+  <p:cSld>
+    <p:spTree>
+      <p:nvGrpSpPr>
+        <p:cNvPr id="1" name=""/>
+        <p:cNvGrpSpPr/>
+        <p:nvPr/>
+      </p:nvGrpSpPr>
+      <p:grpSpPr>
+        <a:xfrm>
+          <a:off x="0" y="0"/>
+          <a:ext cx="0" cy="0"/>
+          <a:chOff x="0" y="0"/>
+          <a:chExt cx="0" cy="0"/>
+        </a:xfrm>
+      </p:grpSpPr>
+      <p:sp>
+        <p:nvSpPr>
+          <p:cNvPr id="2" name="Slide Image Placeholder 1"/>
+          <p:cNvSpPr>
+            <a:spLocks noGrp="1" noRot="1" noChangeAspect="1"/>
+          </p:cNvSpPr>
+          <p:nvPr>
+            <p:ph type="sldImg"/>
+          </p:nvPr>
+        </p:nvSpPr>
+        <p:spPr/>
+      </p:sp>
+      <p:sp>
+        <p:nvSpPr>
+          <p:cNvPr id="3" name="Notes Placeholder 2"/>
+          <p:cNvSpPr>
+            <a:spLocks noGrp="1"/>
+          </p:cNvSpPr>
+          <p:nvPr>
+            <p:ph type="body" idx="1"/>
+          </p:nvPr>
+        </p:nvSpPr>
+        <p:spPr/>
+        <p:txBody>
+          <a:bodyPr/>
+          <a:lstStyle/>
+          <a:p>
+            <a:endParaRPr lang="en-US" dirty="0"/>
+          </a:p>
+        </p:txBody>
+      </p:sp>
+      <p:sp>
+        <p:nvSpPr>
+          <p:cNvPr id="4" name="Slide Number Placeholder 3"/>
+          <p:cNvSpPr>
+            <a:spLocks noGrp="1"/>
+          </p:cNvSpPr>
+          <p:nvPr>
+            <p:ph type="sldNum" sz="quarter" idx="5"/>
+          </p:nvPr>
+        </p:nvSpPr>
+        <p:spPr/>
+        <p:txBody>
+          <a:bodyPr/>
+          <a:lstStyle/>
+          <a:p>
+            <a:fld id="{3E7B21C4-CE7A-4258-91FF-8CBB981279E1}" type="slidenum">
+              <a:rPr lang="en-US" smtClean="0"/>
+              <a:t>22</a:t>
+            </a:fld>
+            <a:endParaRPr lang="en-US"/>
+          </a:p>
+        </p:txBody>
+      </p:sp>
+    </p:spTree>
+    <p:extLst>
+      <p:ext uri="{BB962C8B-B14F-4D97-AF65-F5344CB8AC3E}">
+        <p14:creationId xmlns:p14="http://schemas.microsoft.com/office/powerpoint/2010/main" val="1638362377"/>
+      </p:ext>
+    </p:extLst>
+  </p:cSld>
+  <p:clrMapOvr>
+    <a:masterClrMapping/>
+  </p:clrMapOvr>
+</p:notes>
+</file>
+
+<file path=ppt/notesSlides/notesSlide2.xml><?xml version="1.0" encoding="utf-8"?>
+<p:notes xmlns:a="http://schemas.openxmlformats.org/drawingml/2006/main" xmlns:r="http://schemas.openxmlformats.org/officeDocument/2006/relationships" xmlns:p="http://schemas.openxmlformats.org/presentationml/2006/main">
+  <p:cSld>
+    <p:spTree>
+      <p:nvGrpSpPr>
+        <p:cNvPr id="1" name=""/>
+        <p:cNvGrpSpPr/>
+        <p:nvPr/>
+      </p:nvGrpSpPr>
+      <p:grpSpPr>
+        <a:xfrm>
+          <a:off x="0" y="0"/>
+          <a:ext cx="0" cy="0"/>
+          <a:chOff x="0" y="0"/>
+          <a:chExt cx="0" cy="0"/>
+        </a:xfrm>
+      </p:grpSpPr>
+      <p:sp>
+        <p:nvSpPr>
+          <p:cNvPr id="2" name="Slide Image Placeholder 1"/>
+          <p:cNvSpPr>
+            <a:spLocks noGrp="1" noRot="1" noChangeAspect="1"/>
+          </p:cNvSpPr>
+          <p:nvPr>
+            <p:ph type="sldImg"/>
+          </p:nvPr>
+        </p:nvSpPr>
+        <p:spPr/>
+      </p:sp>
+      <p:sp>
+        <p:nvSpPr>
+          <p:cNvPr id="3" name="Notes Placeholder 2"/>
+          <p:cNvSpPr>
+            <a:spLocks noGrp="1"/>
+          </p:cNvSpPr>
+          <p:nvPr>
+            <p:ph type="body" idx="1"/>
+          </p:nvPr>
+        </p:nvSpPr>
+        <p:spPr/>
+        <p:txBody>
+          <a:bodyPr/>
+          <a:lstStyle/>
+          <a:p>
+            <a:endParaRPr lang="en-US" dirty="0"/>
+          </a:p>
+        </p:txBody>
+      </p:sp>
+      <p:sp>
+        <p:nvSpPr>
+          <p:cNvPr id="4" name="Slide Number Placeholder 3"/>
+          <p:cNvSpPr>
+            <a:spLocks noGrp="1"/>
+          </p:cNvSpPr>
+          <p:nvPr>
+            <p:ph type="sldNum" sz="quarter" idx="5"/>
+          </p:nvPr>
+        </p:nvSpPr>
+        <p:spPr/>
+        <p:txBody>
+          <a:bodyPr/>
+          <a:lstStyle/>
+          <a:p>
+            <a:fld id="{3E7B21C4-CE7A-4258-91FF-8CBB981279E1}" type="slidenum">
+              <a:rPr lang="en-US" smtClean="0"/>
+              <a:t>23</a:t>
+            </a:fld>
+            <a:endParaRPr lang="en-US"/>
+          </a:p>
+        </p:txBody>
+      </p:sp>
+    </p:spTree>
+    <p:extLst>
+      <p:ext uri="{BB962C8B-B14F-4D97-AF65-F5344CB8AC3E}">
+        <p14:creationId xmlns:p14="http://schemas.microsoft.com/office/powerpoint/2010/main" val="3496575575"/>
+      </p:ext>
+    </p:extLst>
+  </p:cSld>
+  <p:clrMapOvr>
+    <a:masterClrMapping/>
+  </p:clrMapOvr>
+</p:notes>
+</file>
+
+<file path=ppt/notesSlides/notesSlide3.xml><?xml version="1.0" encoding="utf-8"?>
+<p:notes xmlns:a="http://schemas.openxmlformats.org/drawingml/2006/main" xmlns:r="http://schemas.openxmlformats.org/officeDocument/2006/relationships" xmlns:p="http://schemas.openxmlformats.org/presentationml/2006/main">
+  <p:cSld>
+    <p:spTree>
+      <p:nvGrpSpPr>
+        <p:cNvPr id="1" name=""/>
+        <p:cNvGrpSpPr/>
+        <p:nvPr/>
+      </p:nvGrpSpPr>
+      <p:grpSpPr>
+        <a:xfrm>
+          <a:off x="0" y="0"/>
+          <a:ext cx="0" cy="0"/>
+          <a:chOff x="0" y="0"/>
+          <a:chExt cx="0" cy="0"/>
+        </a:xfrm>
+      </p:grpSpPr>
+      <p:sp>
+        <p:nvSpPr>
+          <p:cNvPr id="2" name="Slide Image Placeholder 1"/>
+          <p:cNvSpPr>
+            <a:spLocks noGrp="1" noRot="1" noChangeAspect="1"/>
+          </p:cNvSpPr>
+          <p:nvPr>
+            <p:ph type="sldImg"/>
+          </p:nvPr>
+        </p:nvSpPr>
+        <p:spPr/>
+      </p:sp>
+      <p:sp>
+        <p:nvSpPr>
+          <p:cNvPr id="3" name="Notes Placeholder 2"/>
+          <p:cNvSpPr>
+            <a:spLocks noGrp="1"/>
+          </p:cNvSpPr>
+          <p:nvPr>
+            <p:ph type="body" idx="1"/>
+          </p:nvPr>
+        </p:nvSpPr>
+        <p:spPr/>
+        <p:txBody>
+          <a:bodyPr/>
+          <a:lstStyle/>
+          <a:p>
+            <a:endParaRPr lang="en-US" dirty="0"/>
+          </a:p>
+        </p:txBody>
+      </p:sp>
+      <p:sp>
+        <p:nvSpPr>
+          <p:cNvPr id="4" name="Slide Number Placeholder 3"/>
+          <p:cNvSpPr>
+            <a:spLocks noGrp="1"/>
+          </p:cNvSpPr>
+          <p:nvPr>
+            <p:ph type="sldNum" sz="quarter" idx="5"/>
+          </p:nvPr>
+        </p:nvSpPr>
+        <p:spPr/>
+        <p:txBody>
+          <a:bodyPr/>
+          <a:lstStyle/>
+          <a:p>
+            <a:fld id="{3E7B21C4-CE7A-4258-91FF-8CBB981279E1}" type="slidenum">
+              <a:rPr lang="en-US" smtClean="0"/>
+              <a:t>24</a:t>
+            </a:fld>
+            <a:endParaRPr lang="en-US"/>
+          </a:p>
+        </p:txBody>
+      </p:sp>
+    </p:spTree>
+    <p:extLst>
+      <p:ext uri="{BB962C8B-B14F-4D97-AF65-F5344CB8AC3E}">
+        <p14:creationId xmlns:p14="http://schemas.microsoft.com/office/powerpoint/2010/main" val="2013407036"/>
+      </p:ext>
+    </p:extLst>
+  </p:cSld>
+  <p:clrMapOvr>
+    <a:masterClrMapping/>
+  </p:clrMapOvr>
+</p:notes>
+</file>
+
+<file path=ppt/notesSlides/notesSlide4.xml><?xml version="1.0" encoding="utf-8"?>
+<p:notes xmlns:a="http://schemas.openxmlformats.org/drawingml/2006/main" xmlns:r="http://schemas.openxmlformats.org/officeDocument/2006/relationships" xmlns:p="http://schemas.openxmlformats.org/presentationml/2006/main">
+  <p:cSld>
+    <p:spTree>
+      <p:nvGrpSpPr>
+        <p:cNvPr id="1" name=""/>
+        <p:cNvGrpSpPr/>
+        <p:nvPr/>
+      </p:nvGrpSpPr>
+      <p:grpSpPr>
+        <a:xfrm>
+          <a:off x="0" y="0"/>
+          <a:ext cx="0" cy="0"/>
+          <a:chOff x="0" y="0"/>
+          <a:chExt cx="0" cy="0"/>
+        </a:xfrm>
+      </p:grpSpPr>
+      <p:sp>
+        <p:nvSpPr>
+          <p:cNvPr id="2" name="Slide Image Placeholder 1"/>
+          <p:cNvSpPr>
+            <a:spLocks noGrp="1" noRot="1" noChangeAspect="1"/>
+          </p:cNvSpPr>
+          <p:nvPr>
+            <p:ph type="sldImg"/>
+          </p:nvPr>
+        </p:nvSpPr>
+        <p:spPr/>
+      </p:sp>
+      <p:sp>
+        <p:nvSpPr>
+          <p:cNvPr id="3" name="Notes Placeholder 2"/>
+          <p:cNvSpPr>
+            <a:spLocks noGrp="1"/>
+          </p:cNvSpPr>
+          <p:nvPr>
+            <p:ph type="body" idx="1"/>
+          </p:nvPr>
+        </p:nvSpPr>
+        <p:spPr/>
+        <p:txBody>
+          <a:bodyPr/>
+          <a:lstStyle/>
+          <a:p>
+            <a:endParaRPr lang="en-US" dirty="0"/>
+          </a:p>
+        </p:txBody>
+      </p:sp>
+      <p:sp>
+        <p:nvSpPr>
+          <p:cNvPr id="4" name="Slide Number Placeholder 3"/>
+          <p:cNvSpPr>
+            <a:spLocks noGrp="1"/>
+          </p:cNvSpPr>
+          <p:nvPr>
+            <p:ph type="sldNum" sz="quarter" idx="5"/>
+          </p:nvPr>
+        </p:nvSpPr>
+        <p:spPr/>
+        <p:txBody>
+          <a:bodyPr/>
+          <a:lstStyle/>
+          <a:p>
+            <a:fld id="{3E7B21C4-CE7A-4258-91FF-8CBB981279E1}" type="slidenum">
+              <a:rPr lang="en-US" smtClean="0"/>
+              <a:t>25</a:t>
+            </a:fld>
+            <a:endParaRPr lang="en-US"/>
+          </a:p>
+        </p:txBody>
+      </p:sp>
+    </p:spTree>
+    <p:extLst>
+      <p:ext uri="{BB962C8B-B14F-4D97-AF65-F5344CB8AC3E}">
+        <p14:creationId xmlns:p14="http://schemas.microsoft.com/office/powerpoint/2010/main" val="2302798330"/>
+      </p:ext>
+    </p:extLst>
+  </p:cSld>
+  <p:clrMapOvr>
+    <a:masterClrMapping/>
+  </p:clrMapOvr>
+</p:notes>
+</file>
+
 <file path=ppt/slideLayouts/slideLayout1.xml><?xml version="1.0" encoding="utf-8"?>
 <p:sldLayout xmlns:a="http://schemas.openxmlformats.org/drawingml/2006/main" xmlns:r="http://schemas.openxmlformats.org/officeDocument/2006/relationships" xmlns:p="http://schemas.openxmlformats.org/presentationml/2006/main" type="title" preserve="1">
   <p:cSld name="Title Slide">
@@ -336,7 +1029,7 @@
           <a:p>
             <a:fld id="{547641E8-73DF-4AD2-848E-3103064331B1}" type="datetimeFigureOut">
               <a:rPr lang="en-US" smtClean="0"/>
-              <a:t>11/24/2021</a:t>
+              <a:t>11/26/2021</a:t>
             </a:fld>
             <a:endParaRPr lang="en-US"/>
           </a:p>
@@ -504,7 +1197,7 @@
           <a:p>
             <a:fld id="{547641E8-73DF-4AD2-848E-3103064331B1}" type="datetimeFigureOut">
               <a:rPr lang="en-US" smtClean="0"/>
-              <a:t>11/24/2021</a:t>
+              <a:t>11/26/2021</a:t>
             </a:fld>
             <a:endParaRPr lang="en-US"/>
           </a:p>
@@ -682,7 +1375,7 @@
           <a:p>
             <a:fld id="{547641E8-73DF-4AD2-848E-3103064331B1}" type="datetimeFigureOut">
               <a:rPr lang="en-US" smtClean="0"/>
-              <a:t>11/24/2021</a:t>
+              <a:t>11/26/2021</a:t>
             </a:fld>
             <a:endParaRPr lang="en-US"/>
           </a:p>
@@ -929,7 +1622,7 @@
                 </a:solidFill>
               </a:rPr>
               <a:pPr/>
-              <a:t>11/24/2021</a:t>
+              <a:t>11/26/2021</a:t>
             </a:fld>
             <a:endParaRPr lang="en-US">
               <a:solidFill>
@@ -1129,7 +1822,7 @@
                 </a:solidFill>
               </a:rPr>
               <a:pPr/>
-              <a:t>11/24/2021</a:t>
+              <a:t>11/26/2021</a:t>
             </a:fld>
             <a:endParaRPr lang="en-US">
               <a:solidFill>
@@ -1406,7 +2099,7 @@
                 </a:solidFill>
               </a:rPr>
               <a:pPr/>
-              <a:t>11/24/2021</a:t>
+              <a:t>11/26/2021</a:t>
             </a:fld>
             <a:endParaRPr lang="en-US">
               <a:solidFill>
@@ -1723,7 +2416,7 @@
                 </a:solidFill>
               </a:rPr>
               <a:pPr/>
-              <a:t>11/24/2021</a:t>
+              <a:t>11/26/2021</a:t>
             </a:fld>
             <a:endParaRPr lang="en-US">
               <a:solidFill>
@@ -2174,7 +2867,7 @@
                 </a:solidFill>
               </a:rPr>
               <a:pPr/>
-              <a:t>11/24/2021</a:t>
+              <a:t>11/26/2021</a:t>
             </a:fld>
             <a:endParaRPr lang="en-US">
               <a:solidFill>
@@ -2323,7 +3016,7 @@
                 </a:solidFill>
               </a:rPr>
               <a:pPr/>
-              <a:t>11/24/2021</a:t>
+              <a:t>11/26/2021</a:t>
             </a:fld>
             <a:endParaRPr lang="en-US">
               <a:solidFill>
@@ -2450,7 +3143,7 @@
                 </a:solidFill>
               </a:rPr>
               <a:pPr/>
-              <a:t>11/24/2021</a:t>
+              <a:t>11/26/2021</a:t>
             </a:fld>
             <a:endParaRPr lang="en-US">
               <a:solidFill>
@@ -2757,7 +3450,7 @@
                 </a:solidFill>
               </a:rPr>
               <a:pPr/>
-              <a:t>11/24/2021</a:t>
+              <a:t>11/26/2021</a:t>
             </a:fld>
             <a:endParaRPr lang="en-US">
               <a:solidFill>
@@ -2950,7 +3643,7 @@
           <a:p>
             <a:fld id="{547641E8-73DF-4AD2-848E-3103064331B1}" type="datetimeFigureOut">
               <a:rPr lang="en-US" smtClean="0"/>
-              <a:t>11/24/2021</a:t>
+              <a:t>11/26/2021</a:t>
             </a:fld>
             <a:endParaRPr lang="en-US"/>
           </a:p>
@@ -3209,7 +3902,7 @@
                 </a:solidFill>
               </a:rPr>
               <a:pPr/>
-              <a:t>11/24/2021</a:t>
+              <a:t>11/26/2021</a:t>
             </a:fld>
             <a:endParaRPr lang="en-US">
               <a:solidFill>
@@ -3409,7 +4102,7 @@
                 </a:solidFill>
               </a:rPr>
               <a:pPr/>
-              <a:t>11/24/2021</a:t>
+              <a:t>11/26/2021</a:t>
             </a:fld>
             <a:endParaRPr lang="en-US">
               <a:solidFill>
@@ -3619,7 +4312,7 @@
                 </a:solidFill>
               </a:rPr>
               <a:pPr/>
-              <a:t>11/24/2021</a:t>
+              <a:t>11/26/2021</a:t>
             </a:fld>
             <a:endParaRPr lang="en-US">
               <a:solidFill>
@@ -3889,7 +4582,7 @@
           <a:p>
             <a:fld id="{547641E8-73DF-4AD2-848E-3103064331B1}" type="datetimeFigureOut">
               <a:rPr lang="en-US" smtClean="0"/>
-              <a:t>11/24/2021</a:t>
+              <a:t>11/26/2021</a:t>
             </a:fld>
             <a:endParaRPr lang="en-US"/>
           </a:p>
@@ -4174,7 +4867,7 @@
           <a:p>
             <a:fld id="{547641E8-73DF-4AD2-848E-3103064331B1}" type="datetimeFigureOut">
               <a:rPr lang="en-US" smtClean="0"/>
-              <a:t>11/24/2021</a:t>
+              <a:t>11/26/2021</a:t>
             </a:fld>
             <a:endParaRPr lang="en-US"/>
           </a:p>
@@ -4593,7 +5286,7 @@
           <a:p>
             <a:fld id="{547641E8-73DF-4AD2-848E-3103064331B1}" type="datetimeFigureOut">
               <a:rPr lang="en-US" smtClean="0"/>
-              <a:t>11/24/2021</a:t>
+              <a:t>11/26/2021</a:t>
             </a:fld>
             <a:endParaRPr lang="en-US"/>
           </a:p>
@@ -4710,7 +5403,7 @@
           <a:p>
             <a:fld id="{547641E8-73DF-4AD2-848E-3103064331B1}" type="datetimeFigureOut">
               <a:rPr lang="en-US" smtClean="0"/>
-              <a:t>11/24/2021</a:t>
+              <a:t>11/26/2021</a:t>
             </a:fld>
             <a:endParaRPr lang="en-US"/>
           </a:p>
@@ -4805,7 +5498,7 @@
           <a:p>
             <a:fld id="{547641E8-73DF-4AD2-848E-3103064331B1}" type="datetimeFigureOut">
               <a:rPr lang="en-US" smtClean="0"/>
-              <a:t>11/24/2021</a:t>
+              <a:t>11/26/2021</a:t>
             </a:fld>
             <a:endParaRPr lang="en-US"/>
           </a:p>
@@ -5080,7 +5773,7 @@
           <a:p>
             <a:fld id="{547641E8-73DF-4AD2-848E-3103064331B1}" type="datetimeFigureOut">
               <a:rPr lang="en-US" smtClean="0"/>
-              <a:t>11/24/2021</a:t>
+              <a:t>11/26/2021</a:t>
             </a:fld>
             <a:endParaRPr lang="en-US"/>
           </a:p>
@@ -5332,7 +6025,7 @@
           <a:p>
             <a:fld id="{547641E8-73DF-4AD2-848E-3103064331B1}" type="datetimeFigureOut">
               <a:rPr lang="en-US" smtClean="0"/>
-              <a:t>11/24/2021</a:t>
+              <a:t>11/26/2021</a:t>
             </a:fld>
             <a:endParaRPr lang="en-US"/>
           </a:p>
@@ -5546,7 +6239,7 @@
           <a:p>
             <a:fld id="{547641E8-73DF-4AD2-848E-3103064331B1}" type="datetimeFigureOut">
               <a:rPr lang="en-US" smtClean="0"/>
-              <a:t>11/24/2021</a:t>
+              <a:t>11/26/2021</a:t>
             </a:fld>
             <a:endParaRPr lang="en-US"/>
           </a:p>
@@ -6061,7 +6754,7 @@
                 </a:solidFill>
               </a:rPr>
               <a:pPr/>
-              <a:t>11/24/2021</a:t>
+              <a:t>11/26/2021</a:t>
             </a:fld>
             <a:endParaRPr lang="en-US">
               <a:solidFill>
@@ -6516,8 +7209,8 @@
         </p:nvSpPr>
         <p:spPr>
           <a:xfrm>
-            <a:off x="1371600" y="4506967"/>
-            <a:ext cx="6400800" cy="1752600"/>
+            <a:off x="1371600" y="5029200"/>
+            <a:ext cx="6400800" cy="674633"/>
           </a:xfrm>
         </p:spPr>
         <p:txBody>
@@ -8001,68 +8694,105 @@
           <a:p>
             <a:r>
               <a:rPr lang="en-US" dirty="0"/>
+              <a:t>Linear Models</a:t>
+            </a:r>
+          </a:p>
+        </p:txBody>
+      </p:sp>
+      <p:sp>
+        <p:nvSpPr>
+          <p:cNvPr id="3" name="Content Placeholder 2"/>
+          <p:cNvSpPr>
+            <a:spLocks noGrp="1"/>
+          </p:cNvSpPr>
+          <p:nvPr>
+            <p:ph idx="1"/>
+          </p:nvPr>
+        </p:nvSpPr>
+        <p:spPr/>
+        <p:txBody>
+          <a:bodyPr>
+            <a:normAutofit fontScale="92500" lnSpcReduction="20000"/>
+          </a:bodyPr>
+          <a:lstStyle/>
+          <a:p>
+            <a:r>
+              <a:rPr lang="en-US" dirty="0"/>
+              <a:t>List of some Types we will Cover</a:t>
+            </a:r>
+          </a:p>
+          <a:p>
+            <a:pPr lvl="1"/>
+            <a:r>
+              <a:rPr lang="en-US" dirty="0"/>
               <a:t>Linear Classifiers</a:t>
             </a:r>
           </a:p>
-        </p:txBody>
-      </p:sp>
-      <p:sp>
-        <p:nvSpPr>
-          <p:cNvPr id="3" name="Content Placeholder 2"/>
-          <p:cNvSpPr>
-            <a:spLocks noGrp="1"/>
-          </p:cNvSpPr>
-          <p:nvPr>
-            <p:ph idx="1"/>
-          </p:nvPr>
-        </p:nvSpPr>
-        <p:spPr/>
-        <p:txBody>
-          <a:bodyPr/>
-          <a:lstStyle/>
-          <a:p>
-            <a:r>
-              <a:rPr lang="en-US" dirty="0"/>
-              <a:t>List of some Types we will Cover</a:t>
+          <a:p>
+            <a:pPr lvl="2"/>
+            <a:r>
+              <a:rPr lang="en-US" dirty="0"/>
+              <a:t>K-Nearest Neighbors</a:t>
+            </a:r>
+          </a:p>
+          <a:p>
+            <a:pPr lvl="2"/>
+            <a:r>
+              <a:rPr lang="en-US" dirty="0"/>
+              <a:t>Decision Tree</a:t>
             </a:r>
           </a:p>
           <a:p>
             <a:pPr lvl="1"/>
             <a:r>
               <a:rPr lang="en-US" dirty="0"/>
+              <a:t>Linear Regressors</a:t>
+            </a:r>
+          </a:p>
+          <a:p>
+            <a:pPr lvl="2"/>
+            <a:r>
+              <a:rPr lang="en-US" dirty="0"/>
               <a:t>K-Nearest Neighbors</a:t>
             </a:r>
           </a:p>
           <a:p>
-            <a:pPr lvl="1"/>
+            <a:pPr lvl="2"/>
+            <a:r>
+              <a:rPr lang="en-US" dirty="0"/>
+              <a:t>Linear Regression</a:t>
+            </a:r>
+          </a:p>
+          <a:p>
+            <a:pPr lvl="2"/>
             <a:r>
               <a:rPr lang="en-US" dirty="0"/>
               <a:t>Lasso</a:t>
             </a:r>
           </a:p>
           <a:p>
-            <a:pPr lvl="1"/>
+            <a:pPr lvl="2"/>
             <a:r>
               <a:rPr lang="en-US" dirty="0"/>
               <a:t>Regression</a:t>
             </a:r>
           </a:p>
           <a:p>
-            <a:pPr lvl="1"/>
-            <a:r>
-              <a:rPr lang="en-US" dirty="0"/>
-              <a:t>Tree</a:t>
-            </a:r>
-          </a:p>
-          <a:p>
-            <a:pPr lvl="1"/>
+            <a:pPr lvl="2"/>
+            <a:r>
+              <a:rPr lang="en-US" dirty="0"/>
+              <a:t>Decision Tree</a:t>
+            </a:r>
+          </a:p>
+          <a:p>
+            <a:pPr lvl="2"/>
             <a:r>
               <a:rPr lang="en-US" dirty="0"/>
               <a:t>Forest</a:t>
             </a:r>
           </a:p>
           <a:p>
-            <a:pPr lvl="1"/>
+            <a:pPr lvl="2"/>
             <a:r>
               <a:rPr lang="en-US" dirty="0"/>
               <a:t>Gradient-Boosted Forest</a:t>
@@ -8096,7 +8826,7 @@
     <p:bg>
       <p:bgPr>
         <a:blipFill dpi="0" rotWithShape="1">
-          <a:blip r:embed="rId3">
+          <a:blip r:embed="rId4">
             <a:lum/>
           </a:blip>
           <a:srcRect/>
@@ -8138,7 +8868,7 @@
           <a:p>
             <a:r>
               <a:rPr lang="en-US" dirty="0"/>
-              <a:t>Linear Models</a:t>
+              <a:t>Linear Models - Classifiers</a:t>
             </a:r>
           </a:p>
         </p:txBody>
@@ -8167,7 +8897,14 @@
             <a:pPr lvl="1"/>
             <a:r>
               <a:rPr lang="en-US" dirty="0"/>
-              <a:t>Predicts outcome by finding the closest matching data point.</a:t>
+              <a:t>Predicts outcome by finding the closest matching data point neighbor(s) to the target point.</a:t>
+            </a:r>
+          </a:p>
+          <a:p>
+            <a:pPr lvl="1"/>
+            <a:r>
+              <a:rPr lang="en-US" dirty="0"/>
+              <a:t>When multiple neighbors are used, the classification with the most neighbors is what the target point is classified as.</a:t>
             </a:r>
           </a:p>
           <a:p>
@@ -8198,7 +8935,7 @@
     <p:bg>
       <p:bgPr>
         <a:blipFill dpi="0" rotWithShape="1">
-          <a:blip r:embed="rId3">
+          <a:blip r:embed="rId5">
             <a:lum/>
           </a:blip>
           <a:srcRect/>
@@ -8240,7 +8977,7 @@
           <a:p>
             <a:r>
               <a:rPr lang="en-US" dirty="0"/>
-              <a:t>Linear Models</a:t>
+              <a:t>Linear Models - Classifiers</a:t>
             </a:r>
           </a:p>
         </p:txBody>
@@ -8262,7 +8999,14 @@
           <a:p>
             <a:r>
               <a:rPr lang="en-US" dirty="0"/>
-              <a:t>Lasso</a:t>
+              <a:t>K-Nearest Neighbors</a:t>
+            </a:r>
+          </a:p>
+          <a:p>
+            <a:pPr lvl="1"/>
+            <a:r>
+              <a:rPr lang="en-US" dirty="0"/>
+              <a:t>Graphs below show decision, generated in source (1).  The stars are the test data, and the model is predicting whether they are blue or red.</a:t>
             </a:r>
           </a:p>
           <a:p>
@@ -8274,10 +9018,109 @@
           </a:p>
         </p:txBody>
       </p:sp>
+      <p:graphicFrame>
+        <p:nvGraphicFramePr>
+          <p:cNvPr id="4" name="Object 3">
+            <a:extLst>
+              <a:ext uri="{FF2B5EF4-FFF2-40B4-BE49-F238E27FC236}">
+                <a16:creationId xmlns:a16="http://schemas.microsoft.com/office/drawing/2014/main" id="{6FEA90EB-FF26-44D7-8936-27E2CDD4F15A}"/>
+              </a:ext>
+            </a:extLst>
+          </p:cNvPr>
+          <p:cNvGraphicFramePr>
+            <a:graphicFrameLocks noChangeAspect="1"/>
+          </p:cNvGraphicFramePr>
+          <p:nvPr>
+            <p:extLst>
+              <p:ext uri="{D42A27DB-BD31-4B8C-83A1-F6EECF244321}">
+                <p14:modId xmlns:p14="http://schemas.microsoft.com/office/powerpoint/2010/main" val="2494815372"/>
+              </p:ext>
+            </p:extLst>
+          </p:nvPr>
+        </p:nvGraphicFramePr>
+        <p:xfrm>
+          <a:off x="4806488" y="3558479"/>
+          <a:ext cx="3743325" cy="3024187"/>
+        </p:xfrm>
+        <a:graphic>
+          <a:graphicData uri="http://schemas.openxmlformats.org/presentationml/2006/ole">
+            <mc:AlternateContent xmlns:mc="http://schemas.openxmlformats.org/markup-compatibility/2006">
+              <mc:Choice xmlns:v="urn:schemas-microsoft-com:vml" Requires="v">
+                <p:oleObj spid="_x0000_s2060" name="Bitmap Image" r:id="rId6" imgW="3743280" imgH="3024360" progId="Paint.Picture">
+                  <p:embed/>
+                </p:oleObj>
+              </mc:Choice>
+              <mc:Fallback>
+                <p:oleObj name="Bitmap Image" r:id="rId6" imgW="3743280" imgH="3024360" progId="Paint.Picture">
+                  <p:embed/>
+                  <p:pic>
+                    <p:nvPicPr>
+                      <p:cNvPr id="4" name="Object 3">
+                        <a:extLst>
+                          <a:ext uri="{FF2B5EF4-FFF2-40B4-BE49-F238E27FC236}">
+                            <a16:creationId xmlns:a16="http://schemas.microsoft.com/office/drawing/2014/main" id="{6FEA90EB-FF26-44D7-8936-27E2CDD4F15A}"/>
+                          </a:ext>
+                        </a:extLst>
+                      </p:cNvPr>
+                      <p:cNvPicPr/>
+                      <p:nvPr/>
+                    </p:nvPicPr>
+                    <p:blipFill>
+                      <a:blip r:embed="rId7"/>
+                      <a:stretch>
+                        <a:fillRect/>
+                      </a:stretch>
+                    </p:blipFill>
+                    <p:spPr>
+                      <a:xfrm>
+                        <a:off x="4806488" y="3558479"/>
+                        <a:ext cx="3743325" cy="3024187"/>
+                      </a:xfrm>
+                      <a:prstGeom prst="rect">
+                        <a:avLst/>
+                      </a:prstGeom>
+                    </p:spPr>
+                  </p:pic>
+                </p:oleObj>
+              </mc:Fallback>
+            </mc:AlternateContent>
+          </a:graphicData>
+        </a:graphic>
+      </p:graphicFrame>
+      <p:pic>
+        <p:nvPicPr>
+          <p:cNvPr id="6" name="Picture 5">
+            <a:extLst>
+              <a:ext uri="{FF2B5EF4-FFF2-40B4-BE49-F238E27FC236}">
+                <a16:creationId xmlns:a16="http://schemas.microsoft.com/office/drawing/2014/main" id="{46E5B26D-14FD-4A0C-A7FD-2C739D14445F}"/>
+              </a:ext>
+            </a:extLst>
+          </p:cNvPr>
+          <p:cNvPicPr>
+            <a:picLocks noChangeAspect="1"/>
+          </p:cNvPicPr>
+          <p:nvPr/>
+        </p:nvPicPr>
+        <p:blipFill>
+          <a:blip r:embed="rId8"/>
+          <a:stretch>
+            <a:fillRect/>
+          </a:stretch>
+        </p:blipFill>
+        <p:spPr>
+          <a:xfrm>
+            <a:off x="622764" y="3562760"/>
+            <a:ext cx="3680510" cy="3019906"/>
+          </a:xfrm>
+          <a:prstGeom prst="rect">
+            <a:avLst/>
+          </a:prstGeom>
+        </p:spPr>
+      </p:pic>
     </p:spTree>
     <p:extLst>
       <p:ext uri="{BB962C8B-B14F-4D97-AF65-F5344CB8AC3E}">
-        <p14:creationId xmlns:p14="http://schemas.microsoft.com/office/powerpoint/2010/main" val="1469044682"/>
+        <p14:creationId xmlns:p14="http://schemas.microsoft.com/office/powerpoint/2010/main" val="735927294"/>
       </p:ext>
     </p:extLst>
   </p:cSld>
@@ -8293,7 +9136,7 @@
     <p:bg>
       <p:bgPr>
         <a:blipFill dpi="0" rotWithShape="1">
-          <a:blip r:embed="rId3">
+          <a:blip r:embed="rId4">
             <a:lum/>
           </a:blip>
           <a:srcRect/>
@@ -8335,7 +9178,7 @@
           <a:p>
             <a:r>
               <a:rPr lang="en-US" dirty="0"/>
-              <a:t>Linear Models</a:t>
+              <a:t>Linear Models - Classifiers</a:t>
             </a:r>
           </a:p>
         </p:txBody>
@@ -8357,7 +9200,28 @@
           <a:p>
             <a:r>
               <a:rPr lang="en-US" dirty="0"/>
-              <a:t>Regression</a:t>
+              <a:t>Decision Tree</a:t>
+            </a:r>
+          </a:p>
+          <a:p>
+            <a:pPr lvl="1"/>
+            <a:r>
+              <a:rPr lang="en-US" dirty="0"/>
+              <a:t>Builds a series of if-statements to classify test points.</a:t>
+            </a:r>
+          </a:p>
+          <a:p>
+            <a:pPr lvl="1"/>
+            <a:r>
+              <a:rPr lang="en-US" dirty="0"/>
+              <a:t>Boundaries around classifications are built based on the data.</a:t>
+            </a:r>
+          </a:p>
+          <a:p>
+            <a:pPr lvl="1"/>
+            <a:r>
+              <a:rPr lang="en-US" dirty="0"/>
+              <a:t>The number of if statement groups, or boundaries created, is known as the depth.</a:t>
             </a:r>
           </a:p>
           <a:p>
@@ -8372,7 +9236,7 @@
     </p:spTree>
     <p:extLst>
       <p:ext uri="{BB962C8B-B14F-4D97-AF65-F5344CB8AC3E}">
-        <p14:creationId xmlns:p14="http://schemas.microsoft.com/office/powerpoint/2010/main" val="474133971"/>
+        <p14:creationId xmlns:p14="http://schemas.microsoft.com/office/powerpoint/2010/main" val="31895842"/>
       </p:ext>
     </p:extLst>
   </p:cSld>
@@ -8388,7 +9252,7 @@
     <p:bg>
       <p:bgPr>
         <a:blipFill dpi="0" rotWithShape="1">
-          <a:blip r:embed="rId3">
+          <a:blip r:embed="rId4">
             <a:lum/>
           </a:blip>
           <a:srcRect/>
@@ -8430,7 +9294,7 @@
           <a:p>
             <a:r>
               <a:rPr lang="en-US" dirty="0"/>
-              <a:t>Linear Models</a:t>
+              <a:t>Linear Models - Classifiers</a:t>
             </a:r>
           </a:p>
         </p:txBody>
@@ -8452,7 +9316,7 @@
           <a:p>
             <a:r>
               <a:rPr lang="en-US" dirty="0"/>
-              <a:t>Tree</a:t>
+              <a:t>Decision Tree</a:t>
             </a:r>
           </a:p>
           <a:p>
@@ -8467,7 +9331,7 @@
     </p:spTree>
     <p:extLst>
       <p:ext uri="{BB962C8B-B14F-4D97-AF65-F5344CB8AC3E}">
-        <p14:creationId xmlns:p14="http://schemas.microsoft.com/office/powerpoint/2010/main" val="1924952010"/>
+        <p14:creationId xmlns:p14="http://schemas.microsoft.com/office/powerpoint/2010/main" val="2487683877"/>
       </p:ext>
     </p:extLst>
   </p:cSld>
@@ -8525,7 +9389,7 @@
           <a:p>
             <a:r>
               <a:rPr lang="en-US" dirty="0"/>
-              <a:t>Linear Models</a:t>
+              <a:t>Linear Models - Regressors</a:t>
             </a:r>
           </a:p>
         </p:txBody>
@@ -8547,7 +9411,7 @@
           <a:p>
             <a:r>
               <a:rPr lang="en-US" dirty="0"/>
-              <a:t>Forest</a:t>
+              <a:t>Linear Regression</a:t>
             </a:r>
           </a:p>
           <a:p>
@@ -8562,7 +9426,7 @@
     </p:spTree>
     <p:extLst>
       <p:ext uri="{BB962C8B-B14F-4D97-AF65-F5344CB8AC3E}">
-        <p14:creationId xmlns:p14="http://schemas.microsoft.com/office/powerpoint/2010/main" val="358457677"/>
+        <p14:creationId xmlns:p14="http://schemas.microsoft.com/office/powerpoint/2010/main" val="1469044682"/>
       </p:ext>
     </p:extLst>
   </p:cSld>
@@ -8620,7 +9484,7 @@
           <a:p>
             <a:r>
               <a:rPr lang="en-US" dirty="0"/>
-              <a:t>Linear Models</a:t>
+              <a:t>Linear Models - Regressors</a:t>
             </a:r>
           </a:p>
         </p:txBody>
@@ -8642,7 +9506,7 @@
           <a:p>
             <a:r>
               <a:rPr lang="en-US" dirty="0"/>
-              <a:t>Gradient-Boosted Forest</a:t>
+              <a:t>Lasso</a:t>
             </a:r>
           </a:p>
           <a:p>
@@ -8657,7 +9521,7 @@
     </p:spTree>
     <p:extLst>
       <p:ext uri="{BB962C8B-B14F-4D97-AF65-F5344CB8AC3E}">
-        <p14:creationId xmlns:p14="http://schemas.microsoft.com/office/powerpoint/2010/main" val="1436682753"/>
+        <p14:creationId xmlns:p14="http://schemas.microsoft.com/office/powerpoint/2010/main" val="2833183138"/>
       </p:ext>
     </p:extLst>
   </p:cSld>
@@ -8673,7 +9537,7 @@
     <p:bg>
       <p:bgPr>
         <a:blipFill dpi="0" rotWithShape="1">
-          <a:blip r:embed="rId2">
+          <a:blip r:embed="rId3">
             <a:lum/>
           </a:blip>
           <a:srcRect/>
@@ -8715,7 +9579,7 @@
           <a:p>
             <a:r>
               <a:rPr lang="en-US" dirty="0"/>
-              <a:t>Evaluating Accuracy</a:t>
+              <a:t>Linear Models - Regressors</a:t>
             </a:r>
           </a:p>
         </p:txBody>
@@ -8737,32 +9601,8 @@
           <a:p>
             <a:r>
               <a:rPr lang="en-US" dirty="0"/>
-              <a:t>Overview</a:t>
-            </a:r>
-          </a:p>
-          <a:p>
-            <a:pPr lvl="1"/>
-            <a:r>
-              <a:rPr lang="en-US" dirty="0"/>
-              <a:t>&lt;model&gt;.score(</a:t>
-            </a:r>
-            <a:r>
-              <a:rPr lang="en-US" dirty="0" err="1"/>
-              <a:t>test_data</a:t>
-            </a:r>
-            <a:r>
-              <a:rPr lang="en-US" dirty="0"/>
-              <a:t>, </a:t>
-            </a:r>
-            <a:r>
-              <a:rPr lang="en-US" dirty="0" err="1"/>
-              <a:t>test_labels</a:t>
-            </a:r>
-            <a:r>
-              <a:rPr lang="en-US"/>
-              <a:t>)</a:t>
-            </a:r>
-            <a:endParaRPr lang="en-US" dirty="0"/>
+              <a:t>Regression</a:t>
+            </a:r>
           </a:p>
           <a:p>
             <a:pPr lvl="2"/>
@@ -8776,12 +9616,12 @@
     </p:spTree>
     <p:extLst>
       <p:ext uri="{BB962C8B-B14F-4D97-AF65-F5344CB8AC3E}">
-        <p14:creationId xmlns:p14="http://schemas.microsoft.com/office/powerpoint/2010/main" val="4053921630"/>
+        <p14:creationId xmlns:p14="http://schemas.microsoft.com/office/powerpoint/2010/main" val="474133971"/>
       </p:ext>
     </p:extLst>
   </p:cSld>
   <p:clrMapOvr>
-    <a:masterClrMapping/>
+    <a:overrideClrMapping bg1="lt1" tx1="dk1" bg2="lt2" tx2="dk2" accent1="accent1" accent2="accent2" accent3="accent3" accent4="accent4" accent5="accent5" accent6="accent6" hlink="hlink" folHlink="folHlink"/>
   </p:clrMapOvr>
 </p:sld>
 </file>
@@ -8792,7 +9632,7 @@
     <p:bg>
       <p:bgPr>
         <a:blipFill dpi="0" rotWithShape="1">
-          <a:blip r:embed="rId2">
+          <a:blip r:embed="rId3">
             <a:lum/>
           </a:blip>
           <a:srcRect/>
@@ -8833,12 +9673,8 @@
           <a:lstStyle/>
           <a:p>
             <a:r>
-              <a:rPr lang="en-US" dirty="0" err="1"/>
-              <a:t>Scikit</a:t>
-            </a:r>
-            <a:r>
-              <a:rPr lang="en-US" dirty="0"/>
-              <a:t>-Learn Machine Learning</a:t>
+              <a:rPr lang="en-US" dirty="0"/>
+              <a:t>Linear Models - Regressors</a:t>
             </a:r>
           </a:p>
         </p:txBody>
@@ -8860,42 +9696,7 @@
           <a:p>
             <a:r>
               <a:rPr lang="en-US" dirty="0"/>
-              <a:t>Overview</a:t>
-            </a:r>
-          </a:p>
-          <a:p>
-            <a:pPr lvl="1"/>
-            <a:r>
-              <a:rPr lang="en-US" dirty="0"/>
-              <a:t>Definition</a:t>
-            </a:r>
-          </a:p>
-          <a:p>
-            <a:pPr lvl="1"/>
-            <a:r>
-              <a:rPr lang="en-US" dirty="0"/>
-              <a:t>General Types</a:t>
-            </a:r>
-          </a:p>
-          <a:p>
-            <a:pPr lvl="1"/>
-            <a:r>
-              <a:rPr lang="en-US" dirty="0"/>
-              <a:t>Basic Linear Models</a:t>
-            </a:r>
-          </a:p>
-          <a:p>
-            <a:pPr lvl="1"/>
-            <a:r>
-              <a:rPr lang="en-US" dirty="0"/>
-              <a:t>Algorithm Types</a:t>
-            </a:r>
-          </a:p>
-          <a:p>
-            <a:pPr lvl="1"/>
-            <a:r>
-              <a:rPr lang="en-US" dirty="0"/>
-              <a:t>Tuning</a:t>
+              <a:t>Decision Tree</a:t>
             </a:r>
           </a:p>
           <a:p>
@@ -8910,12 +9711,12 @@
     </p:spTree>
     <p:extLst>
       <p:ext uri="{BB962C8B-B14F-4D97-AF65-F5344CB8AC3E}">
-        <p14:creationId xmlns:p14="http://schemas.microsoft.com/office/powerpoint/2010/main" val="754999196"/>
+        <p14:creationId xmlns:p14="http://schemas.microsoft.com/office/powerpoint/2010/main" val="1924952010"/>
       </p:ext>
     </p:extLst>
   </p:cSld>
   <p:clrMapOvr>
-    <a:masterClrMapping/>
+    <a:overrideClrMapping bg1="lt1" tx1="dk1" bg2="lt2" tx2="dk2" accent1="accent1" accent2="accent2" accent3="accent3" accent4="accent4" accent5="accent5" accent6="accent6" hlink="hlink" folHlink="folHlink"/>
   </p:clrMapOvr>
 </p:sld>
 </file>
@@ -9038,7 +9839,7 @@
     <p:bg>
       <p:bgPr>
         <a:blipFill dpi="0" rotWithShape="1">
-          <a:blip r:embed="rId2">
+          <a:blip r:embed="rId3">
             <a:lum/>
           </a:blip>
           <a:srcRect/>
@@ -9080,7 +9881,7 @@
           <a:p>
             <a:r>
               <a:rPr lang="en-US" dirty="0"/>
-              <a:t>Tuning</a:t>
+              <a:t>Linear Models - Regressors</a:t>
             </a:r>
           </a:p>
         </p:txBody>
@@ -9102,7 +9903,7 @@
           <a:p>
             <a:r>
               <a:rPr lang="en-US" dirty="0"/>
-              <a:t>Determining what features matter</a:t>
+              <a:t>Forest</a:t>
             </a:r>
           </a:p>
           <a:p>
@@ -9117,12 +9918,12 @@
     </p:spTree>
     <p:extLst>
       <p:ext uri="{BB962C8B-B14F-4D97-AF65-F5344CB8AC3E}">
-        <p14:creationId xmlns:p14="http://schemas.microsoft.com/office/powerpoint/2010/main" val="3393037686"/>
+        <p14:creationId xmlns:p14="http://schemas.microsoft.com/office/powerpoint/2010/main" val="358457677"/>
       </p:ext>
     </p:extLst>
   </p:cSld>
   <p:clrMapOvr>
-    <a:masterClrMapping/>
+    <a:overrideClrMapping bg1="lt1" tx1="dk1" bg2="lt2" tx2="dk2" accent1="accent1" accent2="accent2" accent3="accent3" accent4="accent4" accent5="accent5" accent6="accent6" hlink="hlink" folHlink="folHlink"/>
   </p:clrMapOvr>
 </p:sld>
 </file>
@@ -9133,7 +9934,7 @@
     <p:bg>
       <p:bgPr>
         <a:blipFill dpi="0" rotWithShape="1">
-          <a:blip r:embed="rId2">
+          <a:blip r:embed="rId3">
             <a:lum/>
           </a:blip>
           <a:srcRect/>
@@ -9175,7 +9976,7 @@
           <a:p>
             <a:r>
               <a:rPr lang="en-US" dirty="0"/>
-              <a:t>Tuning</a:t>
+              <a:t>Linear Models - Regressors</a:t>
             </a:r>
           </a:p>
         </p:txBody>
@@ -9197,7 +9998,7 @@
           <a:p>
             <a:r>
               <a:rPr lang="en-US" dirty="0"/>
-              <a:t>Parameters to Play with</a:t>
+              <a:t>Gradient-Boosted Forest</a:t>
             </a:r>
           </a:p>
           <a:p>
@@ -9212,12 +10013,12 @@
     </p:spTree>
     <p:extLst>
       <p:ext uri="{BB962C8B-B14F-4D97-AF65-F5344CB8AC3E}">
-        <p14:creationId xmlns:p14="http://schemas.microsoft.com/office/powerpoint/2010/main" val="274238177"/>
+        <p14:creationId xmlns:p14="http://schemas.microsoft.com/office/powerpoint/2010/main" val="1436682753"/>
       </p:ext>
     </p:extLst>
   </p:cSld>
   <p:clrMapOvr>
-    <a:masterClrMapping/>
+    <a:overrideClrMapping bg1="lt1" tx1="dk1" bg2="lt2" tx2="dk2" accent1="accent1" accent2="accent2" accent3="accent3" accent4="accent4" accent5="accent5" accent6="accent6" hlink="hlink" folHlink="folHlink"/>
   </p:clrMapOvr>
 </p:sld>
 </file>
@@ -9270,7 +10071,7 @@
           <a:p>
             <a:r>
               <a:rPr lang="en-US" dirty="0"/>
-              <a:t>Tuning</a:t>
+              <a:t>Evaluating Accuracy</a:t>
             </a:r>
           </a:p>
         </p:txBody>
@@ -9292,8 +10093,32 @@
           <a:p>
             <a:r>
               <a:rPr lang="en-US" dirty="0"/>
-              <a:t>Grid Search</a:t>
-            </a:r>
+              <a:t>Overview</a:t>
+            </a:r>
+          </a:p>
+          <a:p>
+            <a:pPr lvl="1"/>
+            <a:r>
+              <a:rPr lang="en-US" dirty="0"/>
+              <a:t>&lt;model&gt;.score(</a:t>
+            </a:r>
+            <a:r>
+              <a:rPr lang="en-US" dirty="0" err="1"/>
+              <a:t>test_data</a:t>
+            </a:r>
+            <a:r>
+              <a:rPr lang="en-US" dirty="0"/>
+              <a:t>, </a:t>
+            </a:r>
+            <a:r>
+              <a:rPr lang="en-US" dirty="0" err="1"/>
+              <a:t>test_labels</a:t>
+            </a:r>
+            <a:r>
+              <a:rPr lang="en-US"/>
+              <a:t>)</a:t>
+            </a:r>
+            <a:endParaRPr lang="en-US" dirty="0"/>
           </a:p>
           <a:p>
             <a:pPr lvl="2"/>
@@ -9307,7 +10132,7 @@
     </p:spTree>
     <p:extLst>
       <p:ext uri="{BB962C8B-B14F-4D97-AF65-F5344CB8AC3E}">
-        <p14:creationId xmlns:p14="http://schemas.microsoft.com/office/powerpoint/2010/main" val="2622179278"/>
+        <p14:creationId xmlns:p14="http://schemas.microsoft.com/office/powerpoint/2010/main" val="4053921630"/>
       </p:ext>
     </p:extLst>
   </p:cSld>
@@ -9441,7 +10266,7 @@
     </p:spTree>
     <p:extLst>
       <p:ext uri="{BB962C8B-B14F-4D97-AF65-F5344CB8AC3E}">
-        <p14:creationId xmlns:p14="http://schemas.microsoft.com/office/powerpoint/2010/main" val="2946119377"/>
+        <p14:creationId xmlns:p14="http://schemas.microsoft.com/office/powerpoint/2010/main" val="754999196"/>
       </p:ext>
     </p:extLst>
   </p:cSld>
@@ -9499,7 +10324,7 @@
           <a:p>
             <a:r>
               <a:rPr lang="en-US" dirty="0"/>
-              <a:t>LICENSE</a:t>
+              <a:t>Tuning</a:t>
             </a:r>
           </a:p>
         </p:txBody>
@@ -9516,32 +10341,437 @@
         </p:nvSpPr>
         <p:spPr/>
         <p:txBody>
+          <a:bodyPr/>
+          <a:lstStyle/>
+          <a:p>
+            <a:r>
+              <a:rPr lang="en-US" dirty="0"/>
+              <a:t>Determining what features matter</a:t>
+            </a:r>
+          </a:p>
+          <a:p>
+            <a:pPr lvl="2"/>
+            <a:endParaRPr lang="en-US" dirty="0"/>
+          </a:p>
+          <a:p>
+            <a:endParaRPr lang="en-US" dirty="0"/>
+          </a:p>
+        </p:txBody>
+      </p:sp>
+    </p:spTree>
+    <p:extLst>
+      <p:ext uri="{BB962C8B-B14F-4D97-AF65-F5344CB8AC3E}">
+        <p14:creationId xmlns:p14="http://schemas.microsoft.com/office/powerpoint/2010/main" val="3393037686"/>
+      </p:ext>
+    </p:extLst>
+  </p:cSld>
+  <p:clrMapOvr>
+    <a:masterClrMapping/>
+  </p:clrMapOvr>
+</p:sld>
+</file>
+
+<file path=ppt/slides/slide35.xml><?xml version="1.0" encoding="utf-8"?>
+<p:sld xmlns:a="http://schemas.openxmlformats.org/drawingml/2006/main" xmlns:r="http://schemas.openxmlformats.org/officeDocument/2006/relationships" xmlns:p="http://schemas.openxmlformats.org/presentationml/2006/main">
+  <p:cSld>
+    <p:bg>
+      <p:bgPr>
+        <a:blipFill dpi="0" rotWithShape="1">
+          <a:blip r:embed="rId2">
+            <a:lum/>
+          </a:blip>
+          <a:srcRect/>
+          <a:stretch>
+            <a:fillRect l="-10000" r="-10000"/>
+          </a:stretch>
+        </a:blipFill>
+        <a:effectLst/>
+      </p:bgPr>
+    </p:bg>
+    <p:spTree>
+      <p:nvGrpSpPr>
+        <p:cNvPr id="1" name=""/>
+        <p:cNvGrpSpPr/>
+        <p:nvPr/>
+      </p:nvGrpSpPr>
+      <p:grpSpPr>
+        <a:xfrm>
+          <a:off x="0" y="0"/>
+          <a:ext cx="0" cy="0"/>
+          <a:chOff x="0" y="0"/>
+          <a:chExt cx="0" cy="0"/>
+        </a:xfrm>
+      </p:grpSpPr>
+      <p:sp>
+        <p:nvSpPr>
+          <p:cNvPr id="2" name="Title 1"/>
+          <p:cNvSpPr>
+            <a:spLocks noGrp="1"/>
+          </p:cNvSpPr>
+          <p:nvPr>
+            <p:ph type="title"/>
+          </p:nvPr>
+        </p:nvSpPr>
+        <p:spPr/>
+        <p:txBody>
+          <a:bodyPr/>
+          <a:lstStyle/>
+          <a:p>
+            <a:r>
+              <a:rPr lang="en-US" dirty="0"/>
+              <a:t>Tuning</a:t>
+            </a:r>
+          </a:p>
+        </p:txBody>
+      </p:sp>
+      <p:sp>
+        <p:nvSpPr>
+          <p:cNvPr id="3" name="Content Placeholder 2"/>
+          <p:cNvSpPr>
+            <a:spLocks noGrp="1"/>
+          </p:cNvSpPr>
+          <p:nvPr>
+            <p:ph idx="1"/>
+          </p:nvPr>
+        </p:nvSpPr>
+        <p:spPr/>
+        <p:txBody>
+          <a:bodyPr/>
+          <a:lstStyle/>
+          <a:p>
+            <a:r>
+              <a:rPr lang="en-US" dirty="0"/>
+              <a:t>Parameters to Play with</a:t>
+            </a:r>
+          </a:p>
+          <a:p>
+            <a:pPr lvl="2"/>
+            <a:endParaRPr lang="en-US" dirty="0"/>
+          </a:p>
+          <a:p>
+            <a:endParaRPr lang="en-US" dirty="0"/>
+          </a:p>
+        </p:txBody>
+      </p:sp>
+    </p:spTree>
+    <p:extLst>
+      <p:ext uri="{BB962C8B-B14F-4D97-AF65-F5344CB8AC3E}">
+        <p14:creationId xmlns:p14="http://schemas.microsoft.com/office/powerpoint/2010/main" val="274238177"/>
+      </p:ext>
+    </p:extLst>
+  </p:cSld>
+  <p:clrMapOvr>
+    <a:masterClrMapping/>
+  </p:clrMapOvr>
+</p:sld>
+</file>
+
+<file path=ppt/slides/slide36.xml><?xml version="1.0" encoding="utf-8"?>
+<p:sld xmlns:a="http://schemas.openxmlformats.org/drawingml/2006/main" xmlns:r="http://schemas.openxmlformats.org/officeDocument/2006/relationships" xmlns:p="http://schemas.openxmlformats.org/presentationml/2006/main">
+  <p:cSld>
+    <p:bg>
+      <p:bgPr>
+        <a:blipFill dpi="0" rotWithShape="1">
+          <a:blip r:embed="rId2">
+            <a:lum/>
+          </a:blip>
+          <a:srcRect/>
+          <a:stretch>
+            <a:fillRect l="-10000" r="-10000"/>
+          </a:stretch>
+        </a:blipFill>
+        <a:effectLst/>
+      </p:bgPr>
+    </p:bg>
+    <p:spTree>
+      <p:nvGrpSpPr>
+        <p:cNvPr id="1" name=""/>
+        <p:cNvGrpSpPr/>
+        <p:nvPr/>
+      </p:nvGrpSpPr>
+      <p:grpSpPr>
+        <a:xfrm>
+          <a:off x="0" y="0"/>
+          <a:ext cx="0" cy="0"/>
+          <a:chOff x="0" y="0"/>
+          <a:chExt cx="0" cy="0"/>
+        </a:xfrm>
+      </p:grpSpPr>
+      <p:sp>
+        <p:nvSpPr>
+          <p:cNvPr id="2" name="Title 1"/>
+          <p:cNvSpPr>
+            <a:spLocks noGrp="1"/>
+          </p:cNvSpPr>
+          <p:nvPr>
+            <p:ph type="title"/>
+          </p:nvPr>
+        </p:nvSpPr>
+        <p:spPr/>
+        <p:txBody>
+          <a:bodyPr/>
+          <a:lstStyle/>
+          <a:p>
+            <a:r>
+              <a:rPr lang="en-US" dirty="0"/>
+              <a:t>Tuning</a:t>
+            </a:r>
+          </a:p>
+        </p:txBody>
+      </p:sp>
+      <p:sp>
+        <p:nvSpPr>
+          <p:cNvPr id="3" name="Content Placeholder 2"/>
+          <p:cNvSpPr>
+            <a:spLocks noGrp="1"/>
+          </p:cNvSpPr>
+          <p:nvPr>
+            <p:ph idx="1"/>
+          </p:nvPr>
+        </p:nvSpPr>
+        <p:spPr/>
+        <p:txBody>
+          <a:bodyPr/>
+          <a:lstStyle/>
+          <a:p>
+            <a:r>
+              <a:rPr lang="en-US" dirty="0"/>
+              <a:t>Grid Search</a:t>
+            </a:r>
+          </a:p>
+          <a:p>
+            <a:pPr lvl="2"/>
+            <a:endParaRPr lang="en-US" dirty="0"/>
+          </a:p>
+          <a:p>
+            <a:endParaRPr lang="en-US" dirty="0"/>
+          </a:p>
+        </p:txBody>
+      </p:sp>
+    </p:spTree>
+    <p:extLst>
+      <p:ext uri="{BB962C8B-B14F-4D97-AF65-F5344CB8AC3E}">
+        <p14:creationId xmlns:p14="http://schemas.microsoft.com/office/powerpoint/2010/main" val="2622179278"/>
+      </p:ext>
+    </p:extLst>
+  </p:cSld>
+  <p:clrMapOvr>
+    <a:masterClrMapping/>
+  </p:clrMapOvr>
+</p:sld>
+</file>
+
+<file path=ppt/slides/slide37.xml><?xml version="1.0" encoding="utf-8"?>
+<p:sld xmlns:a="http://schemas.openxmlformats.org/drawingml/2006/main" xmlns:r="http://schemas.openxmlformats.org/officeDocument/2006/relationships" xmlns:p="http://schemas.openxmlformats.org/presentationml/2006/main">
+  <p:cSld>
+    <p:bg>
+      <p:bgPr>
+        <a:blipFill dpi="0" rotWithShape="1">
+          <a:blip r:embed="rId2">
+            <a:lum/>
+          </a:blip>
+          <a:srcRect/>
+          <a:stretch>
+            <a:fillRect l="-10000" r="-10000"/>
+          </a:stretch>
+        </a:blipFill>
+        <a:effectLst/>
+      </p:bgPr>
+    </p:bg>
+    <p:spTree>
+      <p:nvGrpSpPr>
+        <p:cNvPr id="1" name=""/>
+        <p:cNvGrpSpPr/>
+        <p:nvPr/>
+      </p:nvGrpSpPr>
+      <p:grpSpPr>
+        <a:xfrm>
+          <a:off x="0" y="0"/>
+          <a:ext cx="0" cy="0"/>
+          <a:chOff x="0" y="0"/>
+          <a:chExt cx="0" cy="0"/>
+        </a:xfrm>
+      </p:grpSpPr>
+      <p:sp>
+        <p:nvSpPr>
+          <p:cNvPr id="2" name="Title 1"/>
+          <p:cNvSpPr>
+            <a:spLocks noGrp="1"/>
+          </p:cNvSpPr>
+          <p:nvPr>
+            <p:ph type="title"/>
+          </p:nvPr>
+        </p:nvSpPr>
+        <p:spPr/>
+        <p:txBody>
+          <a:bodyPr/>
+          <a:lstStyle/>
+          <a:p>
+            <a:r>
+              <a:rPr lang="en-US" dirty="0" err="1"/>
+              <a:t>Scikit</a:t>
+            </a:r>
+            <a:r>
+              <a:rPr lang="en-US" dirty="0"/>
+              <a:t>-Learn Machine Learning</a:t>
+            </a:r>
+          </a:p>
+        </p:txBody>
+      </p:sp>
+      <p:sp>
+        <p:nvSpPr>
+          <p:cNvPr id="3" name="Content Placeholder 2"/>
+          <p:cNvSpPr>
+            <a:spLocks noGrp="1"/>
+          </p:cNvSpPr>
+          <p:nvPr>
+            <p:ph idx="1"/>
+          </p:nvPr>
+        </p:nvSpPr>
+        <p:spPr/>
+        <p:txBody>
+          <a:bodyPr/>
+          <a:lstStyle/>
+          <a:p>
+            <a:r>
+              <a:rPr lang="en-US" dirty="0"/>
+              <a:t>Overview</a:t>
+            </a:r>
+          </a:p>
+          <a:p>
+            <a:pPr lvl="1"/>
+            <a:r>
+              <a:rPr lang="en-US" dirty="0"/>
+              <a:t>Definition</a:t>
+            </a:r>
+          </a:p>
+          <a:p>
+            <a:pPr lvl="1"/>
+            <a:r>
+              <a:rPr lang="en-US" dirty="0"/>
+              <a:t>General Types</a:t>
+            </a:r>
+          </a:p>
+          <a:p>
+            <a:pPr lvl="1"/>
+            <a:r>
+              <a:rPr lang="en-US" dirty="0"/>
+              <a:t>Basic Linear Models</a:t>
+            </a:r>
+          </a:p>
+          <a:p>
+            <a:pPr lvl="1"/>
+            <a:r>
+              <a:rPr lang="en-US" dirty="0"/>
+              <a:t>Algorithm Types</a:t>
+            </a:r>
+          </a:p>
+          <a:p>
+            <a:pPr lvl="1"/>
+            <a:r>
+              <a:rPr lang="en-US" dirty="0"/>
+              <a:t>Tuning</a:t>
+            </a:r>
+          </a:p>
+          <a:p>
+            <a:pPr lvl="2"/>
+            <a:endParaRPr lang="en-US" dirty="0"/>
+          </a:p>
+          <a:p>
+            <a:endParaRPr lang="en-US" dirty="0"/>
+          </a:p>
+        </p:txBody>
+      </p:sp>
+    </p:spTree>
+    <p:extLst>
+      <p:ext uri="{BB962C8B-B14F-4D97-AF65-F5344CB8AC3E}">
+        <p14:creationId xmlns:p14="http://schemas.microsoft.com/office/powerpoint/2010/main" val="2946119377"/>
+      </p:ext>
+    </p:extLst>
+  </p:cSld>
+  <p:clrMapOvr>
+    <a:masterClrMapping/>
+  </p:clrMapOvr>
+</p:sld>
+</file>
+
+<file path=ppt/slides/slide38.xml><?xml version="1.0" encoding="utf-8"?>
+<p:sld xmlns:a="http://schemas.openxmlformats.org/drawingml/2006/main" xmlns:r="http://schemas.openxmlformats.org/officeDocument/2006/relationships" xmlns:p="http://schemas.openxmlformats.org/presentationml/2006/main">
+  <p:cSld>
+    <p:bg>
+      <p:bgPr>
+        <a:blipFill dpi="0" rotWithShape="1">
+          <a:blip r:embed="rId2">
+            <a:lum/>
+          </a:blip>
+          <a:srcRect/>
+          <a:stretch>
+            <a:fillRect l="-10000" r="-10000"/>
+          </a:stretch>
+        </a:blipFill>
+        <a:effectLst/>
+      </p:bgPr>
+    </p:bg>
+    <p:spTree>
+      <p:nvGrpSpPr>
+        <p:cNvPr id="1" name=""/>
+        <p:cNvGrpSpPr/>
+        <p:nvPr/>
+      </p:nvGrpSpPr>
+      <p:grpSpPr>
+        <a:xfrm>
+          <a:off x="0" y="0"/>
+          <a:ext cx="0" cy="0"/>
+          <a:chOff x="0" y="0"/>
+          <a:chExt cx="0" cy="0"/>
+        </a:xfrm>
+      </p:grpSpPr>
+      <p:sp>
+        <p:nvSpPr>
+          <p:cNvPr id="2" name="Title 1"/>
+          <p:cNvSpPr>
+            <a:spLocks noGrp="1"/>
+          </p:cNvSpPr>
+          <p:nvPr>
+            <p:ph type="title"/>
+          </p:nvPr>
+        </p:nvSpPr>
+        <p:spPr/>
+        <p:txBody>
+          <a:bodyPr/>
+          <a:lstStyle/>
+          <a:p>
+            <a:r>
+              <a:rPr lang="en-US" dirty="0"/>
+              <a:t>Bibliography</a:t>
+            </a:r>
+          </a:p>
+        </p:txBody>
+      </p:sp>
+      <p:sp>
+        <p:nvSpPr>
+          <p:cNvPr id="3" name="Content Placeholder 2"/>
+          <p:cNvSpPr>
+            <a:spLocks noGrp="1"/>
+          </p:cNvSpPr>
+          <p:nvPr>
+            <p:ph idx="1"/>
+          </p:nvPr>
+        </p:nvSpPr>
+        <p:spPr/>
+        <p:txBody>
           <a:bodyPr>
-            <a:normAutofit fontScale="62500" lnSpcReduction="20000"/>
+            <a:normAutofit/>
           </a:bodyPr>
           <a:lstStyle/>
           <a:p>
-            <a:r>
-              <a:rPr lang="en-US" dirty="0"/>
-              <a:t>Copyright 2018 Douglas Bowman</a:t>
-            </a:r>
-          </a:p>
-          <a:p>
-            <a:r>
-              <a:rPr lang="en-US" dirty="0"/>
-              <a:t>Permission is hereby granted, free of charge, to any person obtaining a copy of this software and associated documentation files (the "Software"), to deal in the Software without restriction, including without limitation the rights to use, copy, modify, merge, publish, distribute, sublicense, and/or sell copies of the Software, and to permit persons to whom the Software is furnished to do so, subject to the following conditions:</a:t>
-            </a:r>
-          </a:p>
-          <a:p>
-            <a:r>
-              <a:rPr lang="en-US" dirty="0"/>
-              <a:t>The above copyright notice and this permission notice shall be included in all copies or substantial portions of the Software.</a:t>
-            </a:r>
-          </a:p>
-          <a:p>
-            <a:r>
-              <a:rPr lang="en-US" dirty="0"/>
-              <a:t>THE SOFTWARE IS PROVIDED "AS IS", WITHOUT WARRANTY OF ANY KIND, EXPRESS OR IMPLIED, INCLUDING BUT NOT LIMITED TO THE WARRANTIES OF MERCHANTABILITY, FITNESS FOR A PARTICULAR PURPOSE AND NONINFRINGEMENT. IN NO EVENT SHALL THE AUTHORS OR COPYRIGHT HOLDERS BE LIABLE FOR ANY CLAIM, DAMAGES OR OTHER LIABILITY, WHETHER IN AN ACTION OF CONTRACT, TORT OR OTHERWISE, ARISING FROM, OUT OF OR IN CONNECTION WITH THE SOFTWARE OR THE USE OR OTHER DEALINGS IN THE SOFTWARE.</a:t>
+            <a:pPr marL="514350" indent="-514350">
+              <a:buFont typeface="+mj-lt"/>
+              <a:buAutoNum type="arabicParenR"/>
+            </a:pPr>
+            <a:r>
+              <a:rPr lang="en-US" dirty="0"/>
+              <a:t>https://github.com/amueller/introduction_to_ml_with_python/blob/master/02-supervised-learning.ipynb</a:t>
             </a:r>
           </a:p>
         </p:txBody>
@@ -9550,6 +10780,114 @@
     <p:extLst>
       <p:ext uri="{BB962C8B-B14F-4D97-AF65-F5344CB8AC3E}">
         <p14:creationId xmlns:p14="http://schemas.microsoft.com/office/powerpoint/2010/main" val="3645036191"/>
+      </p:ext>
+    </p:extLst>
+  </p:cSld>
+  <p:clrMapOvr>
+    <a:masterClrMapping/>
+  </p:clrMapOvr>
+</p:sld>
+</file>
+
+<file path=ppt/slides/slide39.xml><?xml version="1.0" encoding="utf-8"?>
+<p:sld xmlns:a="http://schemas.openxmlformats.org/drawingml/2006/main" xmlns:r="http://schemas.openxmlformats.org/officeDocument/2006/relationships" xmlns:p="http://schemas.openxmlformats.org/presentationml/2006/main">
+  <p:cSld>
+    <p:bg>
+      <p:bgPr>
+        <a:blipFill dpi="0" rotWithShape="1">
+          <a:blip r:embed="rId2">
+            <a:lum/>
+          </a:blip>
+          <a:srcRect/>
+          <a:stretch>
+            <a:fillRect l="-10000" r="-10000"/>
+          </a:stretch>
+        </a:blipFill>
+        <a:effectLst/>
+      </p:bgPr>
+    </p:bg>
+    <p:spTree>
+      <p:nvGrpSpPr>
+        <p:cNvPr id="1" name=""/>
+        <p:cNvGrpSpPr/>
+        <p:nvPr/>
+      </p:nvGrpSpPr>
+      <p:grpSpPr>
+        <a:xfrm>
+          <a:off x="0" y="0"/>
+          <a:ext cx="0" cy="0"/>
+          <a:chOff x="0" y="0"/>
+          <a:chExt cx="0" cy="0"/>
+        </a:xfrm>
+      </p:grpSpPr>
+      <p:sp>
+        <p:nvSpPr>
+          <p:cNvPr id="2" name="Title 1"/>
+          <p:cNvSpPr>
+            <a:spLocks noGrp="1"/>
+          </p:cNvSpPr>
+          <p:nvPr>
+            <p:ph type="title"/>
+          </p:nvPr>
+        </p:nvSpPr>
+        <p:spPr/>
+        <p:txBody>
+          <a:bodyPr/>
+          <a:lstStyle/>
+          <a:p>
+            <a:r>
+              <a:rPr lang="en-US" dirty="0"/>
+              <a:t>LICENSE</a:t>
+            </a:r>
+          </a:p>
+        </p:txBody>
+      </p:sp>
+      <p:sp>
+        <p:nvSpPr>
+          <p:cNvPr id="3" name="Content Placeholder 2"/>
+          <p:cNvSpPr>
+            <a:spLocks noGrp="1"/>
+          </p:cNvSpPr>
+          <p:nvPr>
+            <p:ph idx="1"/>
+          </p:nvPr>
+        </p:nvSpPr>
+        <p:spPr/>
+        <p:txBody>
+          <a:bodyPr>
+            <a:normAutofit fontScale="62500" lnSpcReduction="20000"/>
+          </a:bodyPr>
+          <a:lstStyle/>
+          <a:p>
+            <a:r>
+              <a:rPr lang="en-US" dirty="0"/>
+              <a:t>Copyright 2018 Douglas Bowman</a:t>
+            </a:r>
+          </a:p>
+          <a:p>
+            <a:r>
+              <a:rPr lang="en-US" dirty="0"/>
+              <a:t>Permission is hereby granted, free of charge, to any person obtaining a copy of this software and associated documentation files (the "Software"), to deal in the Software without restriction, including without limitation the rights to use, copy, modify, merge, publish, distribute, sublicense, and/or sell copies of the Software, and to permit persons to whom the Software is furnished to do so, subject to the following conditions:</a:t>
+            </a:r>
+          </a:p>
+          <a:p>
+            <a:r>
+              <a:rPr lang="en-US" dirty="0"/>
+              <a:t>The above copyright notice and this permission notice shall be included in all copies or substantial portions of the Software.</a:t>
+            </a:r>
+          </a:p>
+          <a:p>
+            <a:r>
+              <a:rPr lang="en-US" dirty="0"/>
+              <a:t>THE SOFTWARE IS PROVIDED "AS IS", WITHOUT WARRANTY OF ANY KIND, EXPRESS OR IMPLIED, INCLUDING BUT NOT LIMITED TO THE WARRANTIES OF MERCHANTABILITY, FITNESS FOR A PARTICULAR PURPOSE AND NONINFRINGEMENT. IN NO EVENT SHALL THE AUTHORS OR COPYRIGHT HOLDERS BE LIABLE FOR ANY CLAIM, DAMAGES OR OTHER LIABILITY, WHETHER IN AN ACTION OF CONTRACT, TORT OR OTHERWISE, ARISING FROM, OUT OF OR IN CONNECTION WITH THE SOFTWARE OR THE USE OR OTHER DEALINGS IN THE SOFTWARE.</a:t>
+            </a:r>
+          </a:p>
+        </p:txBody>
+      </p:sp>
+    </p:spTree>
+    <p:extLst>
+      <p:ext uri="{BB962C8B-B14F-4D97-AF65-F5344CB8AC3E}">
+        <p14:creationId xmlns:p14="http://schemas.microsoft.com/office/powerpoint/2010/main" val="3405347719"/>
       </p:ext>
     </p:extLst>
   </p:cSld>
@@ -10815,7 +12153,345 @@
 </a:theme>
 </file>
 
+<file path=ppt/theme/theme3.xml><?xml version="1.0" encoding="utf-8"?>
+<a:theme xmlns:a="http://schemas.openxmlformats.org/drawingml/2006/main" name="Office Theme">
+  <a:themeElements>
+    <a:clrScheme name="Office">
+      <a:dk1>
+        <a:sysClr val="windowText" lastClr="000000"/>
+      </a:dk1>
+      <a:lt1>
+        <a:sysClr val="window" lastClr="FFFFFF"/>
+      </a:lt1>
+      <a:dk2>
+        <a:srgbClr val="44546A"/>
+      </a:dk2>
+      <a:lt2>
+        <a:srgbClr val="E7E6E6"/>
+      </a:lt2>
+      <a:accent1>
+        <a:srgbClr val="4472C4"/>
+      </a:accent1>
+      <a:accent2>
+        <a:srgbClr val="ED7D31"/>
+      </a:accent2>
+      <a:accent3>
+        <a:srgbClr val="A5A5A5"/>
+      </a:accent3>
+      <a:accent4>
+        <a:srgbClr val="FFC000"/>
+      </a:accent4>
+      <a:accent5>
+        <a:srgbClr val="5B9BD5"/>
+      </a:accent5>
+      <a:accent6>
+        <a:srgbClr val="70AD47"/>
+      </a:accent6>
+      <a:hlink>
+        <a:srgbClr val="0563C1"/>
+      </a:hlink>
+      <a:folHlink>
+        <a:srgbClr val="954F72"/>
+      </a:folHlink>
+    </a:clrScheme>
+    <a:fontScheme name="Office">
+      <a:majorFont>
+        <a:latin typeface="Calibri Light" panose="020F0302020204030204"/>
+        <a:ea typeface=""/>
+        <a:cs typeface=""/>
+        <a:font script="Jpan" typeface="游ゴシック Light"/>
+        <a:font script="Hang" typeface="맑은 고딕"/>
+        <a:font script="Hans" typeface="等线 Light"/>
+        <a:font script="Hant" typeface="新細明體"/>
+        <a:font script="Arab" typeface="Times New Roman"/>
+        <a:font script="Hebr" typeface="Times New Roman"/>
+        <a:font script="Thai" typeface="Angsana New"/>
+        <a:font script="Ethi" typeface="Nyala"/>
+        <a:font script="Beng" typeface="Vrinda"/>
+        <a:font script="Gujr" typeface="Shruti"/>
+        <a:font script="Khmr" typeface="MoolBoran"/>
+        <a:font script="Knda" typeface="Tunga"/>
+        <a:font script="Guru" typeface="Raavi"/>
+        <a:font script="Cans" typeface="Euphemia"/>
+        <a:font script="Cher" typeface="Plantagenet Cherokee"/>
+        <a:font script="Yiii" typeface="Microsoft Yi Baiti"/>
+        <a:font script="Tibt" typeface="Microsoft Himalaya"/>
+        <a:font script="Thaa" typeface="MV Boli"/>
+        <a:font script="Deva" typeface="Mangal"/>
+        <a:font script="Telu" typeface="Gautami"/>
+        <a:font script="Taml" typeface="Latha"/>
+        <a:font script="Syrc" typeface="Estrangelo Edessa"/>
+        <a:font script="Orya" typeface="Kalinga"/>
+        <a:font script="Mlym" typeface="Kartika"/>
+        <a:font script="Laoo" typeface="DokChampa"/>
+        <a:font script="Sinh" typeface="Iskoola Pota"/>
+        <a:font script="Mong" typeface="Mongolian Baiti"/>
+        <a:font script="Viet" typeface="Times New Roman"/>
+        <a:font script="Uigh" typeface="Microsoft Uighur"/>
+        <a:font script="Geor" typeface="Sylfaen"/>
+        <a:font script="Armn" typeface="Arial"/>
+        <a:font script="Bugi" typeface="Leelawadee UI"/>
+        <a:font script="Bopo" typeface="Microsoft JhengHei"/>
+        <a:font script="Java" typeface="Javanese Text"/>
+        <a:font script="Lisu" typeface="Segoe UI"/>
+        <a:font script="Mymr" typeface="Myanmar Text"/>
+        <a:font script="Nkoo" typeface="Ebrima"/>
+        <a:font script="Olck" typeface="Nirmala UI"/>
+        <a:font script="Osma" typeface="Ebrima"/>
+        <a:font script="Phag" typeface="Phagspa"/>
+        <a:font script="Syrn" typeface="Estrangelo Edessa"/>
+        <a:font script="Syrj" typeface="Estrangelo Edessa"/>
+        <a:font script="Syre" typeface="Estrangelo Edessa"/>
+        <a:font script="Sora" typeface="Nirmala UI"/>
+        <a:font script="Tale" typeface="Microsoft Tai Le"/>
+        <a:font script="Talu" typeface="Microsoft New Tai Lue"/>
+        <a:font script="Tfng" typeface="Ebrima"/>
+      </a:majorFont>
+      <a:minorFont>
+        <a:latin typeface="Calibri" panose="020F0502020204030204"/>
+        <a:ea typeface=""/>
+        <a:cs typeface=""/>
+        <a:font script="Jpan" typeface="游ゴシック"/>
+        <a:font script="Hang" typeface="맑은 고딕"/>
+        <a:font script="Hans" typeface="等线"/>
+        <a:font script="Hant" typeface="新細明體"/>
+        <a:font script="Arab" typeface="Arial"/>
+        <a:font script="Hebr" typeface="Arial"/>
+        <a:font script="Thai" typeface="Cordia New"/>
+        <a:font script="Ethi" typeface="Nyala"/>
+        <a:font script="Beng" typeface="Vrinda"/>
+        <a:font script="Gujr" typeface="Shruti"/>
+        <a:font script="Khmr" typeface="DaunPenh"/>
+        <a:font script="Knda" typeface="Tunga"/>
+        <a:font script="Guru" typeface="Raavi"/>
+        <a:font script="Cans" typeface="Euphemia"/>
+        <a:font script="Cher" typeface="Plantagenet Cherokee"/>
+        <a:font script="Yiii" typeface="Microsoft Yi Baiti"/>
+        <a:font script="Tibt" typeface="Microsoft Himalaya"/>
+        <a:font script="Thaa" typeface="MV Boli"/>
+        <a:font script="Deva" typeface="Mangal"/>
+        <a:font script="Telu" typeface="Gautami"/>
+        <a:font script="Taml" typeface="Latha"/>
+        <a:font script="Syrc" typeface="Estrangelo Edessa"/>
+        <a:font script="Orya" typeface="Kalinga"/>
+        <a:font script="Mlym" typeface="Kartika"/>
+        <a:font script="Laoo" typeface="DokChampa"/>
+        <a:font script="Sinh" typeface="Iskoola Pota"/>
+        <a:font script="Mong" typeface="Mongolian Baiti"/>
+        <a:font script="Viet" typeface="Arial"/>
+        <a:font script="Uigh" typeface="Microsoft Uighur"/>
+        <a:font script="Geor" typeface="Sylfaen"/>
+        <a:font script="Armn" typeface="Arial"/>
+        <a:font script="Bugi" typeface="Leelawadee UI"/>
+        <a:font script="Bopo" typeface="Microsoft JhengHei"/>
+        <a:font script="Java" typeface="Javanese Text"/>
+        <a:font script="Lisu" typeface="Segoe UI"/>
+        <a:font script="Mymr" typeface="Myanmar Text"/>
+        <a:font script="Nkoo" typeface="Ebrima"/>
+        <a:font script="Olck" typeface="Nirmala UI"/>
+        <a:font script="Osma" typeface="Ebrima"/>
+        <a:font script="Phag" typeface="Phagspa"/>
+        <a:font script="Syrn" typeface="Estrangelo Edessa"/>
+        <a:font script="Syrj" typeface="Estrangelo Edessa"/>
+        <a:font script="Syre" typeface="Estrangelo Edessa"/>
+        <a:font script="Sora" typeface="Nirmala UI"/>
+        <a:font script="Tale" typeface="Microsoft Tai Le"/>
+        <a:font script="Talu" typeface="Microsoft New Tai Lue"/>
+        <a:font script="Tfng" typeface="Ebrima"/>
+      </a:minorFont>
+    </a:fontScheme>
+    <a:fmtScheme name="Office">
+      <a:fillStyleLst>
+        <a:solidFill>
+          <a:schemeClr val="phClr"/>
+        </a:solidFill>
+        <a:gradFill rotWithShape="1">
+          <a:gsLst>
+            <a:gs pos="0">
+              <a:schemeClr val="phClr">
+                <a:lumMod val="110000"/>
+                <a:satMod val="105000"/>
+                <a:tint val="67000"/>
+              </a:schemeClr>
+            </a:gs>
+            <a:gs pos="50000">
+              <a:schemeClr val="phClr">
+                <a:lumMod val="105000"/>
+                <a:satMod val="103000"/>
+                <a:tint val="73000"/>
+              </a:schemeClr>
+            </a:gs>
+            <a:gs pos="100000">
+              <a:schemeClr val="phClr">
+                <a:lumMod val="105000"/>
+                <a:satMod val="109000"/>
+                <a:tint val="81000"/>
+              </a:schemeClr>
+            </a:gs>
+          </a:gsLst>
+          <a:lin ang="5400000" scaled="0"/>
+        </a:gradFill>
+        <a:gradFill rotWithShape="1">
+          <a:gsLst>
+            <a:gs pos="0">
+              <a:schemeClr val="phClr">
+                <a:satMod val="103000"/>
+                <a:lumMod val="102000"/>
+                <a:tint val="94000"/>
+              </a:schemeClr>
+            </a:gs>
+            <a:gs pos="50000">
+              <a:schemeClr val="phClr">
+                <a:satMod val="110000"/>
+                <a:lumMod val="100000"/>
+                <a:shade val="100000"/>
+              </a:schemeClr>
+            </a:gs>
+            <a:gs pos="100000">
+              <a:schemeClr val="phClr">
+                <a:lumMod val="99000"/>
+                <a:satMod val="120000"/>
+                <a:shade val="78000"/>
+              </a:schemeClr>
+            </a:gs>
+          </a:gsLst>
+          <a:lin ang="5400000" scaled="0"/>
+        </a:gradFill>
+      </a:fillStyleLst>
+      <a:lnStyleLst>
+        <a:ln w="6350" cap="flat" cmpd="sng" algn="ctr">
+          <a:solidFill>
+            <a:schemeClr val="phClr"/>
+          </a:solidFill>
+          <a:prstDash val="solid"/>
+          <a:miter lim="800000"/>
+        </a:ln>
+        <a:ln w="12700" cap="flat" cmpd="sng" algn="ctr">
+          <a:solidFill>
+            <a:schemeClr val="phClr"/>
+          </a:solidFill>
+          <a:prstDash val="solid"/>
+          <a:miter lim="800000"/>
+        </a:ln>
+        <a:ln w="19050" cap="flat" cmpd="sng" algn="ctr">
+          <a:solidFill>
+            <a:schemeClr val="phClr"/>
+          </a:solidFill>
+          <a:prstDash val="solid"/>
+          <a:miter lim="800000"/>
+        </a:ln>
+      </a:lnStyleLst>
+      <a:effectStyleLst>
+        <a:effectStyle>
+          <a:effectLst/>
+        </a:effectStyle>
+        <a:effectStyle>
+          <a:effectLst/>
+        </a:effectStyle>
+        <a:effectStyle>
+          <a:effectLst>
+            <a:outerShdw blurRad="57150" dist="19050" dir="5400000" algn="ctr" rotWithShape="0">
+              <a:srgbClr val="000000">
+                <a:alpha val="63000"/>
+              </a:srgbClr>
+            </a:outerShdw>
+          </a:effectLst>
+        </a:effectStyle>
+      </a:effectStyleLst>
+      <a:bgFillStyleLst>
+        <a:solidFill>
+          <a:schemeClr val="phClr"/>
+        </a:solidFill>
+        <a:solidFill>
+          <a:schemeClr val="phClr">
+            <a:tint val="95000"/>
+            <a:satMod val="170000"/>
+          </a:schemeClr>
+        </a:solidFill>
+        <a:gradFill rotWithShape="1">
+          <a:gsLst>
+            <a:gs pos="0">
+              <a:schemeClr val="phClr">
+                <a:tint val="93000"/>
+                <a:satMod val="150000"/>
+                <a:shade val="98000"/>
+                <a:lumMod val="102000"/>
+              </a:schemeClr>
+            </a:gs>
+            <a:gs pos="50000">
+              <a:schemeClr val="phClr">
+                <a:tint val="98000"/>
+                <a:satMod val="130000"/>
+                <a:shade val="90000"/>
+                <a:lumMod val="103000"/>
+              </a:schemeClr>
+            </a:gs>
+            <a:gs pos="100000">
+              <a:schemeClr val="phClr">
+                <a:shade val="63000"/>
+                <a:satMod val="120000"/>
+              </a:schemeClr>
+            </a:gs>
+          </a:gsLst>
+          <a:lin ang="5400000" scaled="0"/>
+        </a:gradFill>
+      </a:bgFillStyleLst>
+    </a:fmtScheme>
+  </a:themeElements>
+  <a:objectDefaults/>
+  <a:extraClrSchemeLst/>
+  <a:extLst>
+    <a:ext uri="{05A4C25C-085E-4340-85A3-A5531E510DB2}">
+      <thm15:themeFamily xmlns:thm15="http://schemas.microsoft.com/office/thememl/2012/main" name="Office Theme" id="{62F939B6-93AF-4DB8-9C6B-D6C7DFDC589F}" vid="{4A3C46E8-61CC-4603-A589-7422A47A8E4A}"/>
+    </a:ext>
+  </a:extLst>
+</a:theme>
+</file>
+
 <file path=ppt/theme/themeOverride1.xml><?xml version="1.0" encoding="utf-8"?>
+<a:themeOverride xmlns:a="http://schemas.openxmlformats.org/drawingml/2006/main">
+  <a:clrScheme name="Custom 2">
+    <a:dk1>
+      <a:srgbClr val="EFEFEF"/>
+    </a:dk1>
+    <a:lt1>
+      <a:srgbClr val="EFEFEF"/>
+    </a:lt1>
+    <a:dk2>
+      <a:srgbClr val="053E7D"/>
+    </a:dk2>
+    <a:lt2>
+      <a:srgbClr val="FFFFFF"/>
+    </a:lt2>
+    <a:accent1>
+      <a:srgbClr val="EFEFEF"/>
+    </a:accent1>
+    <a:accent2>
+      <a:srgbClr val="EFEFEF"/>
+    </a:accent2>
+    <a:accent3>
+      <a:srgbClr val="EFEFEF"/>
+    </a:accent3>
+    <a:accent4>
+      <a:srgbClr val="808080"/>
+    </a:accent4>
+    <a:accent5>
+      <a:srgbClr val="5F5F5F"/>
+    </a:accent5>
+    <a:accent6>
+      <a:srgbClr val="4D4D4D"/>
+    </a:accent6>
+    <a:hlink>
+      <a:srgbClr val="B5D7FC"/>
+    </a:hlink>
+    <a:folHlink>
+      <a:srgbClr val="919191"/>
+    </a:folHlink>
+  </a:clrScheme>
+</a:themeOverride>
+</file>
+
+<file path=ppt/theme/themeOverride10.xml><?xml version="1.0" encoding="utf-8"?>
 <a:themeOverride xmlns:a="http://schemas.openxmlformats.org/drawingml/2006/main">
   <a:clrScheme name="Custom 2">
     <a:dk1>
@@ -11071,4 +12747,133 @@
     </a:folHlink>
   </a:clrScheme>
 </a:themeOverride>
+</file>
+
+<file path=ppt/theme/themeOverride7.xml><?xml version="1.0" encoding="utf-8"?>
+<a:themeOverride xmlns:a="http://schemas.openxmlformats.org/drawingml/2006/main">
+  <a:clrScheme name="Custom 2">
+    <a:dk1>
+      <a:srgbClr val="EFEFEF"/>
+    </a:dk1>
+    <a:lt1>
+      <a:srgbClr val="EFEFEF"/>
+    </a:lt1>
+    <a:dk2>
+      <a:srgbClr val="053E7D"/>
+    </a:dk2>
+    <a:lt2>
+      <a:srgbClr val="FFFFFF"/>
+    </a:lt2>
+    <a:accent1>
+      <a:srgbClr val="EFEFEF"/>
+    </a:accent1>
+    <a:accent2>
+      <a:srgbClr val="EFEFEF"/>
+    </a:accent2>
+    <a:accent3>
+      <a:srgbClr val="EFEFEF"/>
+    </a:accent3>
+    <a:accent4>
+      <a:srgbClr val="808080"/>
+    </a:accent4>
+    <a:accent5>
+      <a:srgbClr val="5F5F5F"/>
+    </a:accent5>
+    <a:accent6>
+      <a:srgbClr val="4D4D4D"/>
+    </a:accent6>
+    <a:hlink>
+      <a:srgbClr val="B5D7FC"/>
+    </a:hlink>
+    <a:folHlink>
+      <a:srgbClr val="919191"/>
+    </a:folHlink>
+  </a:clrScheme>
+</a:themeOverride>
+</file>
+
+<file path=ppt/theme/themeOverride8.xml><?xml version="1.0" encoding="utf-8"?>
+<a:themeOverride xmlns:a="http://schemas.openxmlformats.org/drawingml/2006/main">
+  <a:clrScheme name="Custom 2">
+    <a:dk1>
+      <a:srgbClr val="EFEFEF"/>
+    </a:dk1>
+    <a:lt1>
+      <a:srgbClr val="EFEFEF"/>
+    </a:lt1>
+    <a:dk2>
+      <a:srgbClr val="053E7D"/>
+    </a:dk2>
+    <a:lt2>
+      <a:srgbClr val="FFFFFF"/>
+    </a:lt2>
+    <a:accent1>
+      <a:srgbClr val="EFEFEF"/>
+    </a:accent1>
+    <a:accent2>
+      <a:srgbClr val="EFEFEF"/>
+    </a:accent2>
+    <a:accent3>
+      <a:srgbClr val="EFEFEF"/>
+    </a:accent3>
+    <a:accent4>
+      <a:srgbClr val="808080"/>
+    </a:accent4>
+    <a:accent5>
+      <a:srgbClr val="5F5F5F"/>
+    </a:accent5>
+    <a:accent6>
+      <a:srgbClr val="4D4D4D"/>
+    </a:accent6>
+    <a:hlink>
+      <a:srgbClr val="B5D7FC"/>
+    </a:hlink>
+    <a:folHlink>
+      <a:srgbClr val="919191"/>
+    </a:folHlink>
+  </a:clrScheme>
+</a:themeOverride>
+</file>
+
+<file path=ppt/theme/themeOverride9.xml><?xml version="1.0" encoding="utf-8"?>
+<a:themeOverride xmlns:a="http://schemas.openxmlformats.org/drawingml/2006/main">
+  <a:clrScheme name="Custom 2">
+    <a:dk1>
+      <a:srgbClr val="EFEFEF"/>
+    </a:dk1>
+    <a:lt1>
+      <a:srgbClr val="EFEFEF"/>
+    </a:lt1>
+    <a:dk2>
+      <a:srgbClr val="053E7D"/>
+    </a:dk2>
+    <a:lt2>
+      <a:srgbClr val="FFFFFF"/>
+    </a:lt2>
+    <a:accent1>
+      <a:srgbClr val="EFEFEF"/>
+    </a:accent1>
+    <a:accent2>
+      <a:srgbClr val="EFEFEF"/>
+    </a:accent2>
+    <a:accent3>
+      <a:srgbClr val="EFEFEF"/>
+    </a:accent3>
+    <a:accent4>
+      <a:srgbClr val="808080"/>
+    </a:accent4>
+    <a:accent5>
+      <a:srgbClr val="5F5F5F"/>
+    </a:accent5>
+    <a:accent6>
+      <a:srgbClr val="4D4D4D"/>
+    </a:accent6>
+    <a:hlink>
+      <a:srgbClr val="B5D7FC"/>
+    </a:hlink>
+    <a:folHlink>
+      <a:srgbClr val="919191"/>
+    </a:folHlink>
+  </a:clrScheme>
+</a:themeOverride>
 </file>
--- a/Session 7 - Python/Instructional Material/Session 7 - Python Brief Intro to Machine Learning with Scikit Learn.pptx
+++ b/Session 7 - Python/Instructional Material/Session 7 - Python Brief Intro to Machine Learning with Scikit Learn.pptx
@@ -6,7 +6,7 @@
     <p:sldMasterId id="2147483660" r:id="rId2"/>
   </p:sldMasterIdLst>
   <p:notesMasterIdLst>
-    <p:notesMasterId r:id="rId42"/>
+    <p:notesMasterId r:id="rId43"/>
   </p:notesMasterIdLst>
   <p:sldIdLst>
     <p:sldId id="256" r:id="rId3"/>
@@ -34,20 +34,21 @@
     <p:sldId id="412" r:id="rId25"/>
     <p:sldId id="415" r:id="rId26"/>
     <p:sldId id="413" r:id="rId27"/>
-    <p:sldId id="391" r:id="rId28"/>
-    <p:sldId id="414" r:id="rId29"/>
-    <p:sldId id="396" r:id="rId30"/>
-    <p:sldId id="397" r:id="rId31"/>
-    <p:sldId id="398" r:id="rId32"/>
-    <p:sldId id="399" r:id="rId33"/>
-    <p:sldId id="376" r:id="rId34"/>
-    <p:sldId id="405" r:id="rId35"/>
-    <p:sldId id="385" r:id="rId36"/>
-    <p:sldId id="386" r:id="rId37"/>
-    <p:sldId id="400" r:id="rId38"/>
-    <p:sldId id="384" r:id="rId39"/>
-    <p:sldId id="375" r:id="rId40"/>
-    <p:sldId id="411" r:id="rId41"/>
+    <p:sldId id="416" r:id="rId28"/>
+    <p:sldId id="391" r:id="rId29"/>
+    <p:sldId id="414" r:id="rId30"/>
+    <p:sldId id="396" r:id="rId31"/>
+    <p:sldId id="397" r:id="rId32"/>
+    <p:sldId id="398" r:id="rId33"/>
+    <p:sldId id="399" r:id="rId34"/>
+    <p:sldId id="376" r:id="rId35"/>
+    <p:sldId id="405" r:id="rId36"/>
+    <p:sldId id="385" r:id="rId37"/>
+    <p:sldId id="386" r:id="rId38"/>
+    <p:sldId id="400" r:id="rId39"/>
+    <p:sldId id="384" r:id="rId40"/>
+    <p:sldId id="375" r:id="rId41"/>
+    <p:sldId id="411" r:id="rId42"/>
   </p:sldIdLst>
   <p:sldSz cx="9144000" cy="6858000" type="screen4x3"/>
   <p:notesSz cx="6858000" cy="9144000"/>
@@ -841,6 +842,90 @@
     <p:extLst>
       <p:ext uri="{BB962C8B-B14F-4D97-AF65-F5344CB8AC3E}">
         <p14:creationId xmlns:p14="http://schemas.microsoft.com/office/powerpoint/2010/main" val="2302798330"/>
+      </p:ext>
+    </p:extLst>
+  </p:cSld>
+  <p:clrMapOvr>
+    <a:masterClrMapping/>
+  </p:clrMapOvr>
+</p:notes>
+</file>
+
+<file path=ppt/notesSlides/notesSlide5.xml><?xml version="1.0" encoding="utf-8"?>
+<p:notes xmlns:a="http://schemas.openxmlformats.org/drawingml/2006/main" xmlns:r="http://schemas.openxmlformats.org/officeDocument/2006/relationships" xmlns:p="http://schemas.openxmlformats.org/presentationml/2006/main">
+  <p:cSld>
+    <p:spTree>
+      <p:nvGrpSpPr>
+        <p:cNvPr id="1" name=""/>
+        <p:cNvGrpSpPr/>
+        <p:nvPr/>
+      </p:nvGrpSpPr>
+      <p:grpSpPr>
+        <a:xfrm>
+          <a:off x="0" y="0"/>
+          <a:ext cx="0" cy="0"/>
+          <a:chOff x="0" y="0"/>
+          <a:chExt cx="0" cy="0"/>
+        </a:xfrm>
+      </p:grpSpPr>
+      <p:sp>
+        <p:nvSpPr>
+          <p:cNvPr id="2" name="Slide Image Placeholder 1"/>
+          <p:cNvSpPr>
+            <a:spLocks noGrp="1" noRot="1" noChangeAspect="1"/>
+          </p:cNvSpPr>
+          <p:nvPr>
+            <p:ph type="sldImg"/>
+          </p:nvPr>
+        </p:nvSpPr>
+        <p:spPr/>
+      </p:sp>
+      <p:sp>
+        <p:nvSpPr>
+          <p:cNvPr id="3" name="Notes Placeholder 2"/>
+          <p:cNvSpPr>
+            <a:spLocks noGrp="1"/>
+          </p:cNvSpPr>
+          <p:nvPr>
+            <p:ph type="body" idx="1"/>
+          </p:nvPr>
+        </p:nvSpPr>
+        <p:spPr/>
+        <p:txBody>
+          <a:bodyPr/>
+          <a:lstStyle/>
+          <a:p>
+            <a:endParaRPr lang="en-US" dirty="0"/>
+          </a:p>
+        </p:txBody>
+      </p:sp>
+      <p:sp>
+        <p:nvSpPr>
+          <p:cNvPr id="4" name="Slide Number Placeholder 3"/>
+          <p:cNvSpPr>
+            <a:spLocks noGrp="1"/>
+          </p:cNvSpPr>
+          <p:nvPr>
+            <p:ph type="sldNum" sz="quarter" idx="5"/>
+          </p:nvPr>
+        </p:nvSpPr>
+        <p:spPr/>
+        <p:txBody>
+          <a:bodyPr/>
+          <a:lstStyle/>
+          <a:p>
+            <a:fld id="{3E7B21C4-CE7A-4258-91FF-8CBB981279E1}" type="slidenum">
+              <a:rPr lang="en-US" smtClean="0"/>
+              <a:t>26</a:t>
+            </a:fld>
+            <a:endParaRPr lang="en-US"/>
+          </a:p>
+        </p:txBody>
+      </p:sp>
+    </p:spTree>
+    <p:extLst>
+      <p:ext uri="{BB962C8B-B14F-4D97-AF65-F5344CB8AC3E}">
+        <p14:creationId xmlns:p14="http://schemas.microsoft.com/office/powerpoint/2010/main" val="4141967506"/>
       </p:ext>
     </p:extLst>
   </p:cSld>
@@ -9046,7 +9131,7 @@
           <a:graphicData uri="http://schemas.openxmlformats.org/presentationml/2006/ole">
             <mc:AlternateContent xmlns:mc="http://schemas.openxmlformats.org/markup-compatibility/2006">
               <mc:Choice xmlns:v="urn:schemas-microsoft-com:vml" Requires="v">
-                <p:oleObj spid="_x0000_s2060" name="Bitmap Image" r:id="rId6" imgW="3743280" imgH="3024360" progId="Paint.Picture">
+                <p:oleObj spid="_x0000_s2066" name="Bitmap Image" r:id="rId6" imgW="3743280" imgH="3024360" progId="Paint.Picture">
                   <p:embed/>
                 </p:oleObj>
               </mc:Choice>
@@ -9320,8 +9405,25 @@
             </a:r>
           </a:p>
           <a:p>
+            <a:pPr lvl="1"/>
+            <a:r>
+              <a:rPr lang="en-US" dirty="0"/>
+              <a:t>See file “./Session 7 – Python/Instructional Material/Class Examples/Scikit-Learn/decision_tree_graph.html“ for the produced image.  </a:t>
+            </a:r>
+          </a:p>
+          <a:p>
             <a:pPr lvl="2"/>
-            <a:endParaRPr lang="en-US" dirty="0"/>
+            <a:r>
+              <a:rPr lang="en-US" dirty="0"/>
+              <a:t>Generated from iris data set</a:t>
+            </a:r>
+          </a:p>
+          <a:p>
+            <a:pPr lvl="2"/>
+            <a:r>
+              <a:rPr lang="en-US" dirty="0"/>
+              <a:t>Code can be found in class example code under the decision tree section</a:t>
+            </a:r>
           </a:p>
           <a:p>
             <a:endParaRPr lang="en-US" dirty="0"/>
@@ -9347,7 +9449,7 @@
     <p:bg>
       <p:bgPr>
         <a:blipFill dpi="0" rotWithShape="1">
-          <a:blip r:embed="rId3">
+          <a:blip r:embed="rId4">
             <a:lum/>
           </a:blip>
           <a:srcRect/>
@@ -9389,7 +9491,7 @@
           <a:p>
             <a:r>
               <a:rPr lang="en-US" dirty="0"/>
-              <a:t>Linear Models - Regressors</a:t>
+              <a:t>Linear Models - Classifiers</a:t>
             </a:r>
           </a:p>
         </p:txBody>
@@ -9411,7 +9513,7 @@
           <a:p>
             <a:r>
               <a:rPr lang="en-US" dirty="0"/>
-              <a:t>Linear Regression</a:t>
+              <a:t>Decision Tree</a:t>
             </a:r>
           </a:p>
           <a:p>
@@ -9423,10 +9525,40 @@
           </a:p>
         </p:txBody>
       </p:sp>
+      <p:pic>
+        <p:nvPicPr>
+          <p:cNvPr id="5" name="Picture 4">
+            <a:extLst>
+              <a:ext uri="{FF2B5EF4-FFF2-40B4-BE49-F238E27FC236}">
+                <a16:creationId xmlns:a16="http://schemas.microsoft.com/office/drawing/2014/main" id="{AEE9C498-C33F-4F9D-A693-50DA2A30C0BE}"/>
+              </a:ext>
+            </a:extLst>
+          </p:cNvPr>
+          <p:cNvPicPr>
+            <a:picLocks noChangeAspect="1"/>
+          </p:cNvPicPr>
+          <p:nvPr/>
+        </p:nvPicPr>
+        <p:blipFill>
+          <a:blip r:embed="rId5"/>
+          <a:stretch>
+            <a:fillRect/>
+          </a:stretch>
+        </p:blipFill>
+        <p:spPr>
+          <a:xfrm>
+            <a:off x="1524000" y="2209800"/>
+            <a:ext cx="6096000" cy="4304313"/>
+          </a:xfrm>
+          <a:prstGeom prst="rect">
+            <a:avLst/>
+          </a:prstGeom>
+        </p:spPr>
+      </p:pic>
     </p:spTree>
     <p:extLst>
       <p:ext uri="{BB962C8B-B14F-4D97-AF65-F5344CB8AC3E}">
-        <p14:creationId xmlns:p14="http://schemas.microsoft.com/office/powerpoint/2010/main" val="1469044682"/>
+        <p14:creationId xmlns:p14="http://schemas.microsoft.com/office/powerpoint/2010/main" val="3675808278"/>
       </p:ext>
     </p:extLst>
   </p:cSld>
@@ -9506,7 +9638,7 @@
           <a:p>
             <a:r>
               <a:rPr lang="en-US" dirty="0"/>
-              <a:t>Lasso</a:t>
+              <a:t>Linear Regression</a:t>
             </a:r>
           </a:p>
           <a:p>
@@ -9521,7 +9653,7 @@
     </p:spTree>
     <p:extLst>
       <p:ext uri="{BB962C8B-B14F-4D97-AF65-F5344CB8AC3E}">
-        <p14:creationId xmlns:p14="http://schemas.microsoft.com/office/powerpoint/2010/main" val="2833183138"/>
+        <p14:creationId xmlns:p14="http://schemas.microsoft.com/office/powerpoint/2010/main" val="1469044682"/>
       </p:ext>
     </p:extLst>
   </p:cSld>
@@ -9601,7 +9733,7 @@
           <a:p>
             <a:r>
               <a:rPr lang="en-US" dirty="0"/>
-              <a:t>Regression</a:t>
+              <a:t>Lasso</a:t>
             </a:r>
           </a:p>
           <a:p>
@@ -9616,7 +9748,7 @@
     </p:spTree>
     <p:extLst>
       <p:ext uri="{BB962C8B-B14F-4D97-AF65-F5344CB8AC3E}">
-        <p14:creationId xmlns:p14="http://schemas.microsoft.com/office/powerpoint/2010/main" val="474133971"/>
+        <p14:creationId xmlns:p14="http://schemas.microsoft.com/office/powerpoint/2010/main" val="2833183138"/>
       </p:ext>
     </p:extLst>
   </p:cSld>
@@ -9696,7 +9828,7 @@
           <a:p>
             <a:r>
               <a:rPr lang="en-US" dirty="0"/>
-              <a:t>Decision Tree</a:t>
+              <a:t>Regression</a:t>
             </a:r>
           </a:p>
           <a:p>
@@ -9711,7 +9843,7 @@
     </p:spTree>
     <p:extLst>
       <p:ext uri="{BB962C8B-B14F-4D97-AF65-F5344CB8AC3E}">
-        <p14:creationId xmlns:p14="http://schemas.microsoft.com/office/powerpoint/2010/main" val="1924952010"/>
+        <p14:creationId xmlns:p14="http://schemas.microsoft.com/office/powerpoint/2010/main" val="474133971"/>
       </p:ext>
     </p:extLst>
   </p:cSld>
@@ -9903,7 +10035,7 @@
           <a:p>
             <a:r>
               <a:rPr lang="en-US" dirty="0"/>
-              <a:t>Forest</a:t>
+              <a:t>Decision Tree</a:t>
             </a:r>
           </a:p>
           <a:p>
@@ -9918,7 +10050,7 @@
     </p:spTree>
     <p:extLst>
       <p:ext uri="{BB962C8B-B14F-4D97-AF65-F5344CB8AC3E}">
-        <p14:creationId xmlns:p14="http://schemas.microsoft.com/office/powerpoint/2010/main" val="358457677"/>
+        <p14:creationId xmlns:p14="http://schemas.microsoft.com/office/powerpoint/2010/main" val="1924952010"/>
       </p:ext>
     </p:extLst>
   </p:cSld>
@@ -9998,7 +10130,7 @@
           <a:p>
             <a:r>
               <a:rPr lang="en-US" dirty="0"/>
-              <a:t>Gradient-Boosted Forest</a:t>
+              <a:t>Forest</a:t>
             </a:r>
           </a:p>
           <a:p>
@@ -10013,7 +10145,7 @@
     </p:spTree>
     <p:extLst>
       <p:ext uri="{BB962C8B-B14F-4D97-AF65-F5344CB8AC3E}">
-        <p14:creationId xmlns:p14="http://schemas.microsoft.com/office/powerpoint/2010/main" val="1436682753"/>
+        <p14:creationId xmlns:p14="http://schemas.microsoft.com/office/powerpoint/2010/main" val="358457677"/>
       </p:ext>
     </p:extLst>
   </p:cSld>
@@ -10029,7 +10161,7 @@
     <p:bg>
       <p:bgPr>
         <a:blipFill dpi="0" rotWithShape="1">
-          <a:blip r:embed="rId2">
+          <a:blip r:embed="rId3">
             <a:lum/>
           </a:blip>
           <a:srcRect/>
@@ -10071,7 +10203,7 @@
           <a:p>
             <a:r>
               <a:rPr lang="en-US" dirty="0"/>
-              <a:t>Evaluating Accuracy</a:t>
+              <a:t>Linear Models - Regressors</a:t>
             </a:r>
           </a:p>
         </p:txBody>
@@ -10093,32 +10225,8 @@
           <a:p>
             <a:r>
               <a:rPr lang="en-US" dirty="0"/>
-              <a:t>Overview</a:t>
-            </a:r>
-          </a:p>
-          <a:p>
-            <a:pPr lvl="1"/>
-            <a:r>
-              <a:rPr lang="en-US" dirty="0"/>
-              <a:t>&lt;model&gt;.score(</a:t>
-            </a:r>
-            <a:r>
-              <a:rPr lang="en-US" dirty="0" err="1"/>
-              <a:t>test_data</a:t>
-            </a:r>
-            <a:r>
-              <a:rPr lang="en-US" dirty="0"/>
-              <a:t>, </a:t>
-            </a:r>
-            <a:r>
-              <a:rPr lang="en-US" dirty="0" err="1"/>
-              <a:t>test_labels</a:t>
-            </a:r>
-            <a:r>
-              <a:rPr lang="en-US"/>
-              <a:t>)</a:t>
-            </a:r>
-            <a:endParaRPr lang="en-US" dirty="0"/>
+              <a:t>Gradient-Boosted Forest</a:t>
+            </a:r>
           </a:p>
           <a:p>
             <a:pPr lvl="2"/>
@@ -10132,12 +10240,12 @@
     </p:spTree>
     <p:extLst>
       <p:ext uri="{BB962C8B-B14F-4D97-AF65-F5344CB8AC3E}">
-        <p14:creationId xmlns:p14="http://schemas.microsoft.com/office/powerpoint/2010/main" val="4053921630"/>
+        <p14:creationId xmlns:p14="http://schemas.microsoft.com/office/powerpoint/2010/main" val="1436682753"/>
       </p:ext>
     </p:extLst>
   </p:cSld>
   <p:clrMapOvr>
-    <a:masterClrMapping/>
+    <a:overrideClrMapping bg1="lt1" tx1="dk1" bg2="lt2" tx2="dk2" accent1="accent1" accent2="accent2" accent3="accent3" accent4="accent4" accent5="accent5" accent6="accent6" hlink="hlink" folHlink="folHlink"/>
   </p:clrMapOvr>
 </p:sld>
 </file>
@@ -10189,70 +10297,55 @@
           <a:lstStyle/>
           <a:p>
             <a:r>
+              <a:rPr lang="en-US" dirty="0"/>
+              <a:t>Evaluating Accuracy</a:t>
+            </a:r>
+          </a:p>
+        </p:txBody>
+      </p:sp>
+      <p:sp>
+        <p:nvSpPr>
+          <p:cNvPr id="3" name="Content Placeholder 2"/>
+          <p:cNvSpPr>
+            <a:spLocks noGrp="1"/>
+          </p:cNvSpPr>
+          <p:nvPr>
+            <p:ph idx="1"/>
+          </p:nvPr>
+        </p:nvSpPr>
+        <p:spPr/>
+        <p:txBody>
+          <a:bodyPr/>
+          <a:lstStyle/>
+          <a:p>
+            <a:r>
+              <a:rPr lang="en-US" dirty="0"/>
+              <a:t>Overview</a:t>
+            </a:r>
+          </a:p>
+          <a:p>
+            <a:pPr lvl="1"/>
+            <a:r>
+              <a:rPr lang="en-US" dirty="0"/>
+              <a:t>&lt;model&gt;.score(</a:t>
+            </a:r>
+            <a:r>
               <a:rPr lang="en-US" dirty="0" err="1"/>
-              <a:t>Scikit</a:t>
-            </a:r>
-            <a:r>
-              <a:rPr lang="en-US" dirty="0"/>
-              <a:t>-Learn Machine Learning</a:t>
-            </a:r>
-          </a:p>
-        </p:txBody>
-      </p:sp>
-      <p:sp>
-        <p:nvSpPr>
-          <p:cNvPr id="3" name="Content Placeholder 2"/>
-          <p:cNvSpPr>
-            <a:spLocks noGrp="1"/>
-          </p:cNvSpPr>
-          <p:nvPr>
-            <p:ph idx="1"/>
-          </p:nvPr>
-        </p:nvSpPr>
-        <p:spPr/>
-        <p:txBody>
-          <a:bodyPr/>
-          <a:lstStyle/>
-          <a:p>
-            <a:r>
-              <a:rPr lang="en-US" dirty="0"/>
-              <a:t>Overview</a:t>
-            </a:r>
-          </a:p>
-          <a:p>
-            <a:pPr lvl="1"/>
-            <a:r>
-              <a:rPr lang="en-US" dirty="0"/>
-              <a:t>Definition</a:t>
-            </a:r>
-          </a:p>
-          <a:p>
-            <a:pPr lvl="1"/>
-            <a:r>
-              <a:rPr lang="en-US" dirty="0"/>
-              <a:t>General Types</a:t>
-            </a:r>
-          </a:p>
-          <a:p>
-            <a:pPr lvl="1"/>
-            <a:r>
-              <a:rPr lang="en-US" dirty="0"/>
-              <a:t>Basic Linear Models</a:t>
-            </a:r>
-          </a:p>
-          <a:p>
-            <a:pPr lvl="1"/>
-            <a:r>
-              <a:rPr lang="en-US" dirty="0"/>
-              <a:t>Algorithm Types</a:t>
-            </a:r>
-          </a:p>
-          <a:p>
-            <a:pPr lvl="1"/>
-            <a:r>
-              <a:rPr lang="en-US" dirty="0"/>
-              <a:t>Tuning</a:t>
-            </a:r>
+              <a:t>test_data</a:t>
+            </a:r>
+            <a:r>
+              <a:rPr lang="en-US" dirty="0"/>
+              <a:t>, </a:t>
+            </a:r>
+            <a:r>
+              <a:rPr lang="en-US" dirty="0" err="1"/>
+              <a:t>test_labels</a:t>
+            </a:r>
+            <a:r>
+              <a:rPr lang="en-US"/>
+              <a:t>)</a:t>
+            </a:r>
+            <a:endParaRPr lang="en-US" dirty="0"/>
           </a:p>
           <a:p>
             <a:pPr lvl="2"/>
@@ -10266,7 +10359,7 @@
     </p:spTree>
     <p:extLst>
       <p:ext uri="{BB962C8B-B14F-4D97-AF65-F5344CB8AC3E}">
-        <p14:creationId xmlns:p14="http://schemas.microsoft.com/office/powerpoint/2010/main" val="754999196"/>
+        <p14:creationId xmlns:p14="http://schemas.microsoft.com/office/powerpoint/2010/main" val="4053921630"/>
       </p:ext>
     </p:extLst>
   </p:cSld>
@@ -10323,30 +10416,69 @@
           <a:lstStyle/>
           <a:p>
             <a:r>
+              <a:rPr lang="en-US" dirty="0" err="1"/>
+              <a:t>Scikit</a:t>
+            </a:r>
+            <a:r>
+              <a:rPr lang="en-US" dirty="0"/>
+              <a:t>-Learn Machine Learning</a:t>
+            </a:r>
+          </a:p>
+        </p:txBody>
+      </p:sp>
+      <p:sp>
+        <p:nvSpPr>
+          <p:cNvPr id="3" name="Content Placeholder 2"/>
+          <p:cNvSpPr>
+            <a:spLocks noGrp="1"/>
+          </p:cNvSpPr>
+          <p:nvPr>
+            <p:ph idx="1"/>
+          </p:nvPr>
+        </p:nvSpPr>
+        <p:spPr/>
+        <p:txBody>
+          <a:bodyPr/>
+          <a:lstStyle/>
+          <a:p>
+            <a:r>
+              <a:rPr lang="en-US" dirty="0"/>
+              <a:t>Overview</a:t>
+            </a:r>
+          </a:p>
+          <a:p>
+            <a:pPr lvl="1"/>
+            <a:r>
+              <a:rPr lang="en-US" dirty="0"/>
+              <a:t>Definition</a:t>
+            </a:r>
+          </a:p>
+          <a:p>
+            <a:pPr lvl="1"/>
+            <a:r>
+              <a:rPr lang="en-US" dirty="0"/>
+              <a:t>General Types</a:t>
+            </a:r>
+          </a:p>
+          <a:p>
+            <a:pPr lvl="1"/>
+            <a:r>
+              <a:rPr lang="en-US" dirty="0"/>
+              <a:t>Basic Linear Models</a:t>
+            </a:r>
+          </a:p>
+          <a:p>
+            <a:pPr lvl="1"/>
+            <a:r>
+              <a:rPr lang="en-US" dirty="0"/>
+              <a:t>Algorithm Types</a:t>
+            </a:r>
+          </a:p>
+          <a:p>
+            <a:pPr lvl="1"/>
+            <a:r>
               <a:rPr lang="en-US" dirty="0"/>
               <a:t>Tuning</a:t>
-            </a:r>
-          </a:p>
-        </p:txBody>
-      </p:sp>
-      <p:sp>
-        <p:nvSpPr>
-          <p:cNvPr id="3" name="Content Placeholder 2"/>
-          <p:cNvSpPr>
-            <a:spLocks noGrp="1"/>
-          </p:cNvSpPr>
-          <p:nvPr>
-            <p:ph idx="1"/>
-          </p:nvPr>
-        </p:nvSpPr>
-        <p:spPr/>
-        <p:txBody>
-          <a:bodyPr/>
-          <a:lstStyle/>
-          <a:p>
-            <a:r>
-              <a:rPr lang="en-US" dirty="0"/>
-              <a:t>Determining what features matter</a:t>
             </a:r>
           </a:p>
           <a:p>
@@ -10361,7 +10493,7 @@
     </p:spTree>
     <p:extLst>
       <p:ext uri="{BB962C8B-B14F-4D97-AF65-F5344CB8AC3E}">
-        <p14:creationId xmlns:p14="http://schemas.microsoft.com/office/powerpoint/2010/main" val="3393037686"/>
+        <p14:creationId xmlns:p14="http://schemas.microsoft.com/office/powerpoint/2010/main" val="754999196"/>
       </p:ext>
     </p:extLst>
   </p:cSld>
@@ -10441,7 +10573,7 @@
           <a:p>
             <a:r>
               <a:rPr lang="en-US" dirty="0"/>
-              <a:t>Parameters to Play with</a:t>
+              <a:t>Determining what features matter</a:t>
             </a:r>
           </a:p>
           <a:p>
@@ -10456,7 +10588,7 @@
     </p:spTree>
     <p:extLst>
       <p:ext uri="{BB962C8B-B14F-4D97-AF65-F5344CB8AC3E}">
-        <p14:creationId xmlns:p14="http://schemas.microsoft.com/office/powerpoint/2010/main" val="274238177"/>
+        <p14:creationId xmlns:p14="http://schemas.microsoft.com/office/powerpoint/2010/main" val="3393037686"/>
       </p:ext>
     </p:extLst>
   </p:cSld>
@@ -10536,7 +10668,28 @@
           <a:p>
             <a:r>
               <a:rPr lang="en-US" dirty="0"/>
-              <a:t>Grid Search</a:t>
+              <a:t>Parameters to Play with</a:t>
+            </a:r>
+          </a:p>
+          <a:p>
+            <a:pPr lvl="1"/>
+            <a:r>
+              <a:rPr lang="en-US" dirty="0"/>
+              <a:t>K-Nearest Neighbors</a:t>
+            </a:r>
+          </a:p>
+          <a:p>
+            <a:pPr lvl="2"/>
+            <a:r>
+              <a:rPr lang="en-US" dirty="0"/>
+              <a:t>Number of neighbors to test point</a:t>
+            </a:r>
+          </a:p>
+          <a:p>
+            <a:pPr lvl="2"/>
+            <a:r>
+              <a:rPr lang="en-US" dirty="0"/>
+              <a:t>Algorithm to evaluate distance test point is from data points</a:t>
             </a:r>
           </a:p>
           <a:p>
@@ -10551,7 +10704,7 @@
     </p:spTree>
     <p:extLst>
       <p:ext uri="{BB962C8B-B14F-4D97-AF65-F5344CB8AC3E}">
-        <p14:creationId xmlns:p14="http://schemas.microsoft.com/office/powerpoint/2010/main" val="2622179278"/>
+        <p14:creationId xmlns:p14="http://schemas.microsoft.com/office/powerpoint/2010/main" val="274238177"/>
       </p:ext>
     </p:extLst>
   </p:cSld>
@@ -10608,12 +10761,8 @@
           <a:lstStyle/>
           <a:p>
             <a:r>
-              <a:rPr lang="en-US" dirty="0" err="1"/>
-              <a:t>Scikit</a:t>
-            </a:r>
-            <a:r>
-              <a:rPr lang="en-US" dirty="0"/>
-              <a:t>-Learn Machine Learning</a:t>
+              <a:rPr lang="en-US" dirty="0"/>
+              <a:t>Tuning</a:t>
             </a:r>
           </a:p>
         </p:txBody>
@@ -10635,42 +10784,7 @@
           <a:p>
             <a:r>
               <a:rPr lang="en-US" dirty="0"/>
-              <a:t>Overview</a:t>
-            </a:r>
-          </a:p>
-          <a:p>
-            <a:pPr lvl="1"/>
-            <a:r>
-              <a:rPr lang="en-US" dirty="0"/>
-              <a:t>Definition</a:t>
-            </a:r>
-          </a:p>
-          <a:p>
-            <a:pPr lvl="1"/>
-            <a:r>
-              <a:rPr lang="en-US" dirty="0"/>
-              <a:t>General Types</a:t>
-            </a:r>
-          </a:p>
-          <a:p>
-            <a:pPr lvl="1"/>
-            <a:r>
-              <a:rPr lang="en-US" dirty="0"/>
-              <a:t>Basic Linear Models</a:t>
-            </a:r>
-          </a:p>
-          <a:p>
-            <a:pPr lvl="1"/>
-            <a:r>
-              <a:rPr lang="en-US" dirty="0"/>
-              <a:t>Algorithm Types</a:t>
-            </a:r>
-          </a:p>
-          <a:p>
-            <a:pPr lvl="1"/>
-            <a:r>
-              <a:rPr lang="en-US" dirty="0"/>
-              <a:t>Tuning</a:t>
+              <a:t>Grid Search</a:t>
             </a:r>
           </a:p>
           <a:p>
@@ -10685,7 +10799,7 @@
     </p:spTree>
     <p:extLst>
       <p:ext uri="{BB962C8B-B14F-4D97-AF65-F5344CB8AC3E}">
-        <p14:creationId xmlns:p14="http://schemas.microsoft.com/office/powerpoint/2010/main" val="2946119377"/>
+        <p14:creationId xmlns:p14="http://schemas.microsoft.com/office/powerpoint/2010/main" val="2622179278"/>
       </p:ext>
     </p:extLst>
   </p:cSld>
@@ -10742,8 +10856,12 @@
           <a:lstStyle/>
           <a:p>
             <a:r>
-              <a:rPr lang="en-US" dirty="0"/>
-              <a:t>Bibliography</a:t>
+              <a:rPr lang="en-US" dirty="0" err="1"/>
+              <a:t>Scikit</a:t>
+            </a:r>
+            <a:r>
+              <a:rPr lang="en-US" dirty="0"/>
+              <a:t>-Learn Machine Learning</a:t>
             </a:r>
           </a:p>
         </p:txBody>
@@ -10760,26 +10878,62 @@
         </p:nvSpPr>
         <p:spPr/>
         <p:txBody>
-          <a:bodyPr>
-            <a:normAutofit/>
-          </a:bodyPr>
-          <a:lstStyle/>
-          <a:p>
-            <a:pPr marL="514350" indent="-514350">
-              <a:buFont typeface="+mj-lt"/>
-              <a:buAutoNum type="arabicParenR"/>
-            </a:pPr>
-            <a:r>
-              <a:rPr lang="en-US" dirty="0"/>
-              <a:t>https://github.com/amueller/introduction_to_ml_with_python/blob/master/02-supervised-learning.ipynb</a:t>
-            </a:r>
+          <a:bodyPr/>
+          <a:lstStyle/>
+          <a:p>
+            <a:r>
+              <a:rPr lang="en-US" dirty="0"/>
+              <a:t>Overview</a:t>
+            </a:r>
+          </a:p>
+          <a:p>
+            <a:pPr lvl="1"/>
+            <a:r>
+              <a:rPr lang="en-US" dirty="0"/>
+              <a:t>Definition</a:t>
+            </a:r>
+          </a:p>
+          <a:p>
+            <a:pPr lvl="1"/>
+            <a:r>
+              <a:rPr lang="en-US" dirty="0"/>
+              <a:t>General Types</a:t>
+            </a:r>
+          </a:p>
+          <a:p>
+            <a:pPr lvl="1"/>
+            <a:r>
+              <a:rPr lang="en-US" dirty="0"/>
+              <a:t>Basic Linear Models</a:t>
+            </a:r>
+          </a:p>
+          <a:p>
+            <a:pPr lvl="1"/>
+            <a:r>
+              <a:rPr lang="en-US" dirty="0"/>
+              <a:t>Algorithm Types</a:t>
+            </a:r>
+          </a:p>
+          <a:p>
+            <a:pPr lvl="1"/>
+            <a:r>
+              <a:rPr lang="en-US" dirty="0"/>
+              <a:t>Tuning</a:t>
+            </a:r>
+          </a:p>
+          <a:p>
+            <a:pPr lvl="2"/>
+            <a:endParaRPr lang="en-US" dirty="0"/>
+          </a:p>
+          <a:p>
+            <a:endParaRPr lang="en-US" dirty="0"/>
           </a:p>
         </p:txBody>
       </p:sp>
     </p:spTree>
     <p:extLst>
       <p:ext uri="{BB962C8B-B14F-4D97-AF65-F5344CB8AC3E}">
-        <p14:creationId xmlns:p14="http://schemas.microsoft.com/office/powerpoint/2010/main" val="3645036191"/>
+        <p14:creationId xmlns:p14="http://schemas.microsoft.com/office/powerpoint/2010/main" val="2946119377"/>
       </p:ext>
     </p:extLst>
   </p:cSld>
@@ -10837,7 +10991,7 @@
           <a:p>
             <a:r>
               <a:rPr lang="en-US" dirty="0"/>
-              <a:t>LICENSE</a:t>
+              <a:t>Bibliography</a:t>
             </a:r>
           </a:p>
         </p:txBody>
@@ -10855,31 +11009,17 @@
         <p:spPr/>
         <p:txBody>
           <a:bodyPr>
-            <a:normAutofit fontScale="62500" lnSpcReduction="20000"/>
+            <a:normAutofit/>
           </a:bodyPr>
           <a:lstStyle/>
           <a:p>
-            <a:r>
-              <a:rPr lang="en-US" dirty="0"/>
-              <a:t>Copyright 2018 Douglas Bowman</a:t>
-            </a:r>
-          </a:p>
-          <a:p>
-            <a:r>
-              <a:rPr lang="en-US" dirty="0"/>
-              <a:t>Permission is hereby granted, free of charge, to any person obtaining a copy of this software and associated documentation files (the "Software"), to deal in the Software without restriction, including without limitation the rights to use, copy, modify, merge, publish, distribute, sublicense, and/or sell copies of the Software, and to permit persons to whom the Software is furnished to do so, subject to the following conditions:</a:t>
-            </a:r>
-          </a:p>
-          <a:p>
-            <a:r>
-              <a:rPr lang="en-US" dirty="0"/>
-              <a:t>The above copyright notice and this permission notice shall be included in all copies or substantial portions of the Software.</a:t>
-            </a:r>
-          </a:p>
-          <a:p>
-            <a:r>
-              <a:rPr lang="en-US" dirty="0"/>
-              <a:t>THE SOFTWARE IS PROVIDED "AS IS", WITHOUT WARRANTY OF ANY KIND, EXPRESS OR IMPLIED, INCLUDING BUT NOT LIMITED TO THE WARRANTIES OF MERCHANTABILITY, FITNESS FOR A PARTICULAR PURPOSE AND NONINFRINGEMENT. IN NO EVENT SHALL THE AUTHORS OR COPYRIGHT HOLDERS BE LIABLE FOR ANY CLAIM, DAMAGES OR OTHER LIABILITY, WHETHER IN AN ACTION OF CONTRACT, TORT OR OTHERWISE, ARISING FROM, OUT OF OR IN CONNECTION WITH THE SOFTWARE OR THE USE OR OTHER DEALINGS IN THE SOFTWARE.</a:t>
+            <a:pPr marL="514350" indent="-514350">
+              <a:buFont typeface="+mj-lt"/>
+              <a:buAutoNum type="arabicParenR"/>
+            </a:pPr>
+            <a:r>
+              <a:rPr lang="en-US" dirty="0"/>
+              <a:t>https://github.com/amueller/introduction_to_ml_with_python/blob/master/02-supervised-learning.ipynb</a:t>
             </a:r>
           </a:p>
         </p:txBody>
@@ -10887,7 +11027,7 @@
     </p:spTree>
     <p:extLst>
       <p:ext uri="{BB962C8B-B14F-4D97-AF65-F5344CB8AC3E}">
-        <p14:creationId xmlns:p14="http://schemas.microsoft.com/office/powerpoint/2010/main" val="3405347719"/>
+        <p14:creationId xmlns:p14="http://schemas.microsoft.com/office/powerpoint/2010/main" val="3645036191"/>
       </p:ext>
     </p:extLst>
   </p:cSld>
@@ -11014,6 +11154,114 @@
     <p:extLst>
       <p:ext uri="{BB962C8B-B14F-4D97-AF65-F5344CB8AC3E}">
         <p14:creationId xmlns:p14="http://schemas.microsoft.com/office/powerpoint/2010/main" val="789975062"/>
+      </p:ext>
+    </p:extLst>
+  </p:cSld>
+  <p:clrMapOvr>
+    <a:masterClrMapping/>
+  </p:clrMapOvr>
+</p:sld>
+</file>
+
+<file path=ppt/slides/slide40.xml><?xml version="1.0" encoding="utf-8"?>
+<p:sld xmlns:a="http://schemas.openxmlformats.org/drawingml/2006/main" xmlns:r="http://schemas.openxmlformats.org/officeDocument/2006/relationships" xmlns:p="http://schemas.openxmlformats.org/presentationml/2006/main">
+  <p:cSld>
+    <p:bg>
+      <p:bgPr>
+        <a:blipFill dpi="0" rotWithShape="1">
+          <a:blip r:embed="rId2">
+            <a:lum/>
+          </a:blip>
+          <a:srcRect/>
+          <a:stretch>
+            <a:fillRect l="-10000" r="-10000"/>
+          </a:stretch>
+        </a:blipFill>
+        <a:effectLst/>
+      </p:bgPr>
+    </p:bg>
+    <p:spTree>
+      <p:nvGrpSpPr>
+        <p:cNvPr id="1" name=""/>
+        <p:cNvGrpSpPr/>
+        <p:nvPr/>
+      </p:nvGrpSpPr>
+      <p:grpSpPr>
+        <a:xfrm>
+          <a:off x="0" y="0"/>
+          <a:ext cx="0" cy="0"/>
+          <a:chOff x="0" y="0"/>
+          <a:chExt cx="0" cy="0"/>
+        </a:xfrm>
+      </p:grpSpPr>
+      <p:sp>
+        <p:nvSpPr>
+          <p:cNvPr id="2" name="Title 1"/>
+          <p:cNvSpPr>
+            <a:spLocks noGrp="1"/>
+          </p:cNvSpPr>
+          <p:nvPr>
+            <p:ph type="title"/>
+          </p:nvPr>
+        </p:nvSpPr>
+        <p:spPr/>
+        <p:txBody>
+          <a:bodyPr/>
+          <a:lstStyle/>
+          <a:p>
+            <a:r>
+              <a:rPr lang="en-US" dirty="0"/>
+              <a:t>LICENSE</a:t>
+            </a:r>
+          </a:p>
+        </p:txBody>
+      </p:sp>
+      <p:sp>
+        <p:nvSpPr>
+          <p:cNvPr id="3" name="Content Placeholder 2"/>
+          <p:cNvSpPr>
+            <a:spLocks noGrp="1"/>
+          </p:cNvSpPr>
+          <p:nvPr>
+            <p:ph idx="1"/>
+          </p:nvPr>
+        </p:nvSpPr>
+        <p:spPr/>
+        <p:txBody>
+          <a:bodyPr>
+            <a:normAutofit fontScale="62500" lnSpcReduction="20000"/>
+          </a:bodyPr>
+          <a:lstStyle/>
+          <a:p>
+            <a:r>
+              <a:rPr lang="en-US" dirty="0"/>
+              <a:t>Copyright 2018 Douglas Bowman</a:t>
+            </a:r>
+          </a:p>
+          <a:p>
+            <a:r>
+              <a:rPr lang="en-US" dirty="0"/>
+              <a:t>Permission is hereby granted, free of charge, to any person obtaining a copy of this software and associated documentation files (the "Software"), to deal in the Software without restriction, including without limitation the rights to use, copy, modify, merge, publish, distribute, sublicense, and/or sell copies of the Software, and to permit persons to whom the Software is furnished to do so, subject to the following conditions:</a:t>
+            </a:r>
+          </a:p>
+          <a:p>
+            <a:r>
+              <a:rPr lang="en-US" dirty="0"/>
+              <a:t>The above copyright notice and this permission notice shall be included in all copies or substantial portions of the Software.</a:t>
+            </a:r>
+          </a:p>
+          <a:p>
+            <a:r>
+              <a:rPr lang="en-US" dirty="0"/>
+              <a:t>THE SOFTWARE IS PROVIDED "AS IS", WITHOUT WARRANTY OF ANY KIND, EXPRESS OR IMPLIED, INCLUDING BUT NOT LIMITED TO THE WARRANTIES OF MERCHANTABILITY, FITNESS FOR A PARTICULAR PURPOSE AND NONINFRINGEMENT. IN NO EVENT SHALL THE AUTHORS OR COPYRIGHT HOLDERS BE LIABLE FOR ANY CLAIM, DAMAGES OR OTHER LIABILITY, WHETHER IN AN ACTION OF CONTRACT, TORT OR OTHERWISE, ARISING FROM, OUT OF OR IN CONNECTION WITH THE SOFTWARE OR THE USE OR OTHER DEALINGS IN THE SOFTWARE.</a:t>
+            </a:r>
+          </a:p>
+        </p:txBody>
+      </p:sp>
+    </p:spTree>
+    <p:extLst>
+      <p:ext uri="{BB962C8B-B14F-4D97-AF65-F5344CB8AC3E}">
+        <p14:creationId xmlns:p14="http://schemas.microsoft.com/office/powerpoint/2010/main" val="3405347719"/>
       </p:ext>
     </p:extLst>
   </p:cSld>
@@ -12534,6 +12782,49 @@
 </a:themeOverride>
 </file>
 
+<file path=ppt/theme/themeOverride11.xml><?xml version="1.0" encoding="utf-8"?>
+<a:themeOverride xmlns:a="http://schemas.openxmlformats.org/drawingml/2006/main">
+  <a:clrScheme name="Custom 2">
+    <a:dk1>
+      <a:srgbClr val="EFEFEF"/>
+    </a:dk1>
+    <a:lt1>
+      <a:srgbClr val="EFEFEF"/>
+    </a:lt1>
+    <a:dk2>
+      <a:srgbClr val="053E7D"/>
+    </a:dk2>
+    <a:lt2>
+      <a:srgbClr val="FFFFFF"/>
+    </a:lt2>
+    <a:accent1>
+      <a:srgbClr val="EFEFEF"/>
+    </a:accent1>
+    <a:accent2>
+      <a:srgbClr val="EFEFEF"/>
+    </a:accent2>
+    <a:accent3>
+      <a:srgbClr val="EFEFEF"/>
+    </a:accent3>
+    <a:accent4>
+      <a:srgbClr val="808080"/>
+    </a:accent4>
+    <a:accent5>
+      <a:srgbClr val="5F5F5F"/>
+    </a:accent5>
+    <a:accent6>
+      <a:srgbClr val="4D4D4D"/>
+    </a:accent6>
+    <a:hlink>
+      <a:srgbClr val="B5D7FC"/>
+    </a:hlink>
+    <a:folHlink>
+      <a:srgbClr val="919191"/>
+    </a:folHlink>
+  </a:clrScheme>
+</a:themeOverride>
+</file>
+
 <file path=ppt/theme/themeOverride2.xml><?xml version="1.0" encoding="utf-8"?>
 <a:themeOverride xmlns:a="http://schemas.openxmlformats.org/drawingml/2006/main">
   <a:clrScheme name="Custom 2">

--- a/Session 7 - Python/Instructional Material/Session 7 - Python Brief Intro to Machine Learning with Scikit Learn.pptx
+++ b/Session 7 - Python/Instructional Material/Session 7 - Python Brief Intro to Machine Learning with Scikit Learn.pptx
@@ -6,49 +6,55 @@
     <p:sldMasterId id="2147483660" r:id="rId2"/>
   </p:sldMasterIdLst>
   <p:notesMasterIdLst>
-    <p:notesMasterId r:id="rId43"/>
+    <p:notesMasterId r:id="rId49"/>
   </p:notesMasterIdLst>
   <p:sldIdLst>
     <p:sldId id="256" r:id="rId3"/>
     <p:sldId id="283" r:id="rId4"/>
-    <p:sldId id="379" r:id="rId5"/>
-    <p:sldId id="408" r:id="rId6"/>
-    <p:sldId id="410" r:id="rId7"/>
-    <p:sldId id="381" r:id="rId8"/>
-    <p:sldId id="409" r:id="rId9"/>
-    <p:sldId id="380" r:id="rId10"/>
-    <p:sldId id="383" r:id="rId11"/>
-    <p:sldId id="382" r:id="rId12"/>
-    <p:sldId id="407" r:id="rId13"/>
-    <p:sldId id="378" r:id="rId14"/>
-    <p:sldId id="388" r:id="rId15"/>
-    <p:sldId id="387" r:id="rId16"/>
-    <p:sldId id="389" r:id="rId17"/>
-    <p:sldId id="401" r:id="rId18"/>
-    <p:sldId id="403" r:id="rId19"/>
-    <p:sldId id="402" r:id="rId20"/>
-    <p:sldId id="406" r:id="rId21"/>
-    <p:sldId id="404" r:id="rId22"/>
-    <p:sldId id="377" r:id="rId23"/>
-    <p:sldId id="390" r:id="rId24"/>
-    <p:sldId id="412" r:id="rId25"/>
-    <p:sldId id="415" r:id="rId26"/>
-    <p:sldId id="413" r:id="rId27"/>
-    <p:sldId id="416" r:id="rId28"/>
-    <p:sldId id="391" r:id="rId29"/>
-    <p:sldId id="414" r:id="rId30"/>
-    <p:sldId id="396" r:id="rId31"/>
-    <p:sldId id="397" r:id="rId32"/>
-    <p:sldId id="398" r:id="rId33"/>
-    <p:sldId id="399" r:id="rId34"/>
-    <p:sldId id="376" r:id="rId35"/>
-    <p:sldId id="405" r:id="rId36"/>
-    <p:sldId id="385" r:id="rId37"/>
-    <p:sldId id="386" r:id="rId38"/>
-    <p:sldId id="400" r:id="rId39"/>
-    <p:sldId id="384" r:id="rId40"/>
-    <p:sldId id="375" r:id="rId41"/>
-    <p:sldId id="411" r:id="rId42"/>
+    <p:sldId id="425" r:id="rId5"/>
+    <p:sldId id="379" r:id="rId6"/>
+    <p:sldId id="408" r:id="rId7"/>
+    <p:sldId id="410" r:id="rId8"/>
+    <p:sldId id="381" r:id="rId9"/>
+    <p:sldId id="409" r:id="rId10"/>
+    <p:sldId id="380" r:id="rId11"/>
+    <p:sldId id="383" r:id="rId12"/>
+    <p:sldId id="422" r:id="rId13"/>
+    <p:sldId id="382" r:id="rId14"/>
+    <p:sldId id="407" r:id="rId15"/>
+    <p:sldId id="423" r:id="rId16"/>
+    <p:sldId id="424" r:id="rId17"/>
+    <p:sldId id="421" r:id="rId18"/>
+    <p:sldId id="420" r:id="rId19"/>
+    <p:sldId id="378" r:id="rId20"/>
+    <p:sldId id="388" r:id="rId21"/>
+    <p:sldId id="387" r:id="rId22"/>
+    <p:sldId id="389" r:id="rId23"/>
+    <p:sldId id="401" r:id="rId24"/>
+    <p:sldId id="403" r:id="rId25"/>
+    <p:sldId id="402" r:id="rId26"/>
+    <p:sldId id="406" r:id="rId27"/>
+    <p:sldId id="404" r:id="rId28"/>
+    <p:sldId id="377" r:id="rId29"/>
+    <p:sldId id="390" r:id="rId30"/>
+    <p:sldId id="412" r:id="rId31"/>
+    <p:sldId id="415" r:id="rId32"/>
+    <p:sldId id="413" r:id="rId33"/>
+    <p:sldId id="416" r:id="rId34"/>
+    <p:sldId id="391" r:id="rId35"/>
+    <p:sldId id="414" r:id="rId36"/>
+    <p:sldId id="396" r:id="rId37"/>
+    <p:sldId id="397" r:id="rId38"/>
+    <p:sldId id="398" r:id="rId39"/>
+    <p:sldId id="399" r:id="rId40"/>
+    <p:sldId id="376" r:id="rId41"/>
+    <p:sldId id="405" r:id="rId42"/>
+    <p:sldId id="385" r:id="rId43"/>
+    <p:sldId id="386" r:id="rId44"/>
+    <p:sldId id="400" r:id="rId45"/>
+    <p:sldId id="384" r:id="rId46"/>
+    <p:sldId id="375" r:id="rId47"/>
+    <p:sldId id="411" r:id="rId48"/>
   </p:sldIdLst>
   <p:sldSz cx="9144000" cy="6858000" type="screen4x3"/>
   <p:notesSz cx="6858000" cy="9144000"/>
@@ -248,7 +254,7 @@
           <a:p>
             <a:fld id="{CD3A85A8-362A-422C-AAFE-FA6D3B9BF6BA}" type="datetimeFigureOut">
               <a:rPr lang="en-US" smtClean="0"/>
-              <a:t>11/26/2021</a:t>
+              <a:t>11/30/2021</a:t>
             </a:fld>
             <a:endParaRPr lang="en-US"/>
           </a:p>
@@ -580,7 +586,7 @@
           <a:p>
             <a:fld id="{3E7B21C4-CE7A-4258-91FF-8CBB981279E1}" type="slidenum">
               <a:rPr lang="en-US" smtClean="0"/>
-              <a:t>22</a:t>
+              <a:t>28</a:t>
             </a:fld>
             <a:endParaRPr lang="en-US"/>
           </a:p>
@@ -664,7 +670,7 @@
           <a:p>
             <a:fld id="{3E7B21C4-CE7A-4258-91FF-8CBB981279E1}" type="slidenum">
               <a:rPr lang="en-US" smtClean="0"/>
-              <a:t>23</a:t>
+              <a:t>29</a:t>
             </a:fld>
             <a:endParaRPr lang="en-US"/>
           </a:p>
@@ -748,7 +754,7 @@
           <a:p>
             <a:fld id="{3E7B21C4-CE7A-4258-91FF-8CBB981279E1}" type="slidenum">
               <a:rPr lang="en-US" smtClean="0"/>
-              <a:t>24</a:t>
+              <a:t>30</a:t>
             </a:fld>
             <a:endParaRPr lang="en-US"/>
           </a:p>
@@ -832,7 +838,7 @@
           <a:p>
             <a:fld id="{3E7B21C4-CE7A-4258-91FF-8CBB981279E1}" type="slidenum">
               <a:rPr lang="en-US" smtClean="0"/>
-              <a:t>25</a:t>
+              <a:t>31</a:t>
             </a:fld>
             <a:endParaRPr lang="en-US"/>
           </a:p>
@@ -916,7 +922,7 @@
           <a:p>
             <a:fld id="{3E7B21C4-CE7A-4258-91FF-8CBB981279E1}" type="slidenum">
               <a:rPr lang="en-US" smtClean="0"/>
-              <a:t>26</a:t>
+              <a:t>32</a:t>
             </a:fld>
             <a:endParaRPr lang="en-US"/>
           </a:p>
@@ -1114,7 +1120,7 @@
           <a:p>
             <a:fld id="{547641E8-73DF-4AD2-848E-3103064331B1}" type="datetimeFigureOut">
               <a:rPr lang="en-US" smtClean="0"/>
-              <a:t>11/26/2021</a:t>
+              <a:t>11/30/2021</a:t>
             </a:fld>
             <a:endParaRPr lang="en-US"/>
           </a:p>
@@ -1282,7 +1288,7 @@
           <a:p>
             <a:fld id="{547641E8-73DF-4AD2-848E-3103064331B1}" type="datetimeFigureOut">
               <a:rPr lang="en-US" smtClean="0"/>
-              <a:t>11/26/2021</a:t>
+              <a:t>11/30/2021</a:t>
             </a:fld>
             <a:endParaRPr lang="en-US"/>
           </a:p>
@@ -1460,7 +1466,7 @@
           <a:p>
             <a:fld id="{547641E8-73DF-4AD2-848E-3103064331B1}" type="datetimeFigureOut">
               <a:rPr lang="en-US" smtClean="0"/>
-              <a:t>11/26/2021</a:t>
+              <a:t>11/30/2021</a:t>
             </a:fld>
             <a:endParaRPr lang="en-US"/>
           </a:p>
@@ -1707,7 +1713,7 @@
                 </a:solidFill>
               </a:rPr>
               <a:pPr/>
-              <a:t>11/26/2021</a:t>
+              <a:t>11/30/2021</a:t>
             </a:fld>
             <a:endParaRPr lang="en-US">
               <a:solidFill>
@@ -1907,7 +1913,7 @@
                 </a:solidFill>
               </a:rPr>
               <a:pPr/>
-              <a:t>11/26/2021</a:t>
+              <a:t>11/30/2021</a:t>
             </a:fld>
             <a:endParaRPr lang="en-US">
               <a:solidFill>
@@ -2184,7 +2190,7 @@
                 </a:solidFill>
               </a:rPr>
               <a:pPr/>
-              <a:t>11/26/2021</a:t>
+              <a:t>11/30/2021</a:t>
             </a:fld>
             <a:endParaRPr lang="en-US">
               <a:solidFill>
@@ -2501,7 +2507,7 @@
                 </a:solidFill>
               </a:rPr>
               <a:pPr/>
-              <a:t>11/26/2021</a:t>
+              <a:t>11/30/2021</a:t>
             </a:fld>
             <a:endParaRPr lang="en-US">
               <a:solidFill>
@@ -2952,7 +2958,7 @@
                 </a:solidFill>
               </a:rPr>
               <a:pPr/>
-              <a:t>11/26/2021</a:t>
+              <a:t>11/30/2021</a:t>
             </a:fld>
             <a:endParaRPr lang="en-US">
               <a:solidFill>
@@ -3101,7 +3107,7 @@
                 </a:solidFill>
               </a:rPr>
               <a:pPr/>
-              <a:t>11/26/2021</a:t>
+              <a:t>11/30/2021</a:t>
             </a:fld>
             <a:endParaRPr lang="en-US">
               <a:solidFill>
@@ -3228,7 +3234,7 @@
                 </a:solidFill>
               </a:rPr>
               <a:pPr/>
-              <a:t>11/26/2021</a:t>
+              <a:t>11/30/2021</a:t>
             </a:fld>
             <a:endParaRPr lang="en-US">
               <a:solidFill>
@@ -3535,7 +3541,7 @@
                 </a:solidFill>
               </a:rPr>
               <a:pPr/>
-              <a:t>11/26/2021</a:t>
+              <a:t>11/30/2021</a:t>
             </a:fld>
             <a:endParaRPr lang="en-US">
               <a:solidFill>
@@ -3728,7 +3734,7 @@
           <a:p>
             <a:fld id="{547641E8-73DF-4AD2-848E-3103064331B1}" type="datetimeFigureOut">
               <a:rPr lang="en-US" smtClean="0"/>
-              <a:t>11/26/2021</a:t>
+              <a:t>11/30/2021</a:t>
             </a:fld>
             <a:endParaRPr lang="en-US"/>
           </a:p>
@@ -3987,7 +3993,7 @@
                 </a:solidFill>
               </a:rPr>
               <a:pPr/>
-              <a:t>11/26/2021</a:t>
+              <a:t>11/30/2021</a:t>
             </a:fld>
             <a:endParaRPr lang="en-US">
               <a:solidFill>
@@ -4187,7 +4193,7 @@
                 </a:solidFill>
               </a:rPr>
               <a:pPr/>
-              <a:t>11/26/2021</a:t>
+              <a:t>11/30/2021</a:t>
             </a:fld>
             <a:endParaRPr lang="en-US">
               <a:solidFill>
@@ -4397,7 +4403,7 @@
                 </a:solidFill>
               </a:rPr>
               <a:pPr/>
-              <a:t>11/26/2021</a:t>
+              <a:t>11/30/2021</a:t>
             </a:fld>
             <a:endParaRPr lang="en-US">
               <a:solidFill>
@@ -4667,7 +4673,7 @@
           <a:p>
             <a:fld id="{547641E8-73DF-4AD2-848E-3103064331B1}" type="datetimeFigureOut">
               <a:rPr lang="en-US" smtClean="0"/>
-              <a:t>11/26/2021</a:t>
+              <a:t>11/30/2021</a:t>
             </a:fld>
             <a:endParaRPr lang="en-US"/>
           </a:p>
@@ -4952,7 +4958,7 @@
           <a:p>
             <a:fld id="{547641E8-73DF-4AD2-848E-3103064331B1}" type="datetimeFigureOut">
               <a:rPr lang="en-US" smtClean="0"/>
-              <a:t>11/26/2021</a:t>
+              <a:t>11/30/2021</a:t>
             </a:fld>
             <a:endParaRPr lang="en-US"/>
           </a:p>
@@ -5371,7 +5377,7 @@
           <a:p>
             <a:fld id="{547641E8-73DF-4AD2-848E-3103064331B1}" type="datetimeFigureOut">
               <a:rPr lang="en-US" smtClean="0"/>
-              <a:t>11/26/2021</a:t>
+              <a:t>11/30/2021</a:t>
             </a:fld>
             <a:endParaRPr lang="en-US"/>
           </a:p>
@@ -5488,7 +5494,7 @@
           <a:p>
             <a:fld id="{547641E8-73DF-4AD2-848E-3103064331B1}" type="datetimeFigureOut">
               <a:rPr lang="en-US" smtClean="0"/>
-              <a:t>11/26/2021</a:t>
+              <a:t>11/30/2021</a:t>
             </a:fld>
             <a:endParaRPr lang="en-US"/>
           </a:p>
@@ -5583,7 +5589,7 @@
           <a:p>
             <a:fld id="{547641E8-73DF-4AD2-848E-3103064331B1}" type="datetimeFigureOut">
               <a:rPr lang="en-US" smtClean="0"/>
-              <a:t>11/26/2021</a:t>
+              <a:t>11/30/2021</a:t>
             </a:fld>
             <a:endParaRPr lang="en-US"/>
           </a:p>
@@ -5858,7 +5864,7 @@
           <a:p>
             <a:fld id="{547641E8-73DF-4AD2-848E-3103064331B1}" type="datetimeFigureOut">
               <a:rPr lang="en-US" smtClean="0"/>
-              <a:t>11/26/2021</a:t>
+              <a:t>11/30/2021</a:t>
             </a:fld>
             <a:endParaRPr lang="en-US"/>
           </a:p>
@@ -6110,7 +6116,7 @@
           <a:p>
             <a:fld id="{547641E8-73DF-4AD2-848E-3103064331B1}" type="datetimeFigureOut">
               <a:rPr lang="en-US" smtClean="0"/>
-              <a:t>11/26/2021</a:t>
+              <a:t>11/30/2021</a:t>
             </a:fld>
             <a:endParaRPr lang="en-US"/>
           </a:p>
@@ -6324,7 +6330,7 @@
           <a:p>
             <a:fld id="{547641E8-73DF-4AD2-848E-3103064331B1}" type="datetimeFigureOut">
               <a:rPr lang="en-US" smtClean="0"/>
-              <a:t>11/26/2021</a:t>
+              <a:t>11/30/2021</a:t>
             </a:fld>
             <a:endParaRPr lang="en-US"/>
           </a:p>
@@ -6839,7 +6845,7 @@
                 </a:solidFill>
               </a:rPr>
               <a:pPr/>
-              <a:t>11/26/2021</a:t>
+              <a:t>11/30/2021</a:t>
             </a:fld>
             <a:endParaRPr lang="en-US">
               <a:solidFill>
@@ -7228,8 +7234,18 @@
     <p:bg>
       <p:bgPr>
         <a:blipFill dpi="0" rotWithShape="1">
-          <a:blip r:embed="rId2">
-            <a:lum/>
+          <a:blip r:embed="rId3">
+            <a:extLst>
+              <a:ext uri="{BEBA8EAE-BF5A-486C-A8C5-ECC9F3942E4B}">
+                <a14:imgProps xmlns:a14="http://schemas.microsoft.com/office/drawing/2010/main">
+                  <a14:imgLayer r:embed="rId4">
+                    <a14:imgEffect>
+                      <a14:brightnessContrast bright="-50000"/>
+                    </a14:imgEffect>
+                  </a14:imgLayer>
+                </a14:imgProps>
+              </a:ext>
+            </a:extLst>
           </a:blip>
           <a:srcRect/>
           <a:stretch>
@@ -7265,19 +7281,19 @@
         </p:nvSpPr>
         <p:spPr>
           <a:xfrm>
-            <a:off x="685800" y="914400"/>
+            <a:off x="685800" y="1066800"/>
             <a:ext cx="7772400" cy="1470025"/>
           </a:xfrm>
         </p:spPr>
         <p:txBody>
           <a:bodyPr>
-            <a:normAutofit fontScale="90000"/>
+            <a:normAutofit/>
           </a:bodyPr>
           <a:lstStyle/>
           <a:p>
             <a:r>
               <a:rPr lang="en-US" dirty="0"/>
-              <a:t>Session 7 – Python Brief Intro to Machine Learning with Scikit Learn</a:t>
+              <a:t>Session 7 – Python</a:t>
             </a:r>
           </a:p>
         </p:txBody>
@@ -7294,17 +7310,209 @@
         </p:nvSpPr>
         <p:spPr>
           <a:xfrm>
-            <a:off x="1371600" y="5029200"/>
+            <a:off x="1066800" y="2955979"/>
+            <a:ext cx="7010400" cy="674633"/>
+          </a:xfrm>
+        </p:spPr>
+        <p:txBody>
+          <a:bodyPr>
+            <a:normAutofit fontScale="85000" lnSpcReduction="10000"/>
+          </a:bodyPr>
+          <a:lstStyle/>
+          <a:p>
+            <a:r>
+              <a:rPr lang="en-US" dirty="0"/>
+              <a:t>Brief Intro to Machine Learning with Scikit Learn</a:t>
+            </a:r>
+          </a:p>
+        </p:txBody>
+      </p:sp>
+      <p:sp>
+        <p:nvSpPr>
+          <p:cNvPr id="4" name="Subtitle 2">
+            <a:extLst>
+              <a:ext uri="{FF2B5EF4-FFF2-40B4-BE49-F238E27FC236}">
+                <a16:creationId xmlns:a16="http://schemas.microsoft.com/office/drawing/2014/main" id="{67FC505E-5CC9-4A0E-B761-69CACE406D7E}"/>
+              </a:ext>
+            </a:extLst>
+          </p:cNvPr>
+          <p:cNvSpPr txBox="1">
+            <a:spLocks/>
+          </p:cNvSpPr>
+          <p:nvPr/>
+        </p:nvSpPr>
+        <p:spPr>
+          <a:xfrm>
+            <a:off x="1371600" y="5410200"/>
             <a:ext cx="6400800" cy="674633"/>
           </a:xfrm>
+          <a:prstGeom prst="rect">
+            <a:avLst/>
+          </a:prstGeom>
         </p:spPr>
         <p:txBody>
-          <a:bodyPr/>
-          <a:lstStyle/>
-          <a:p>
-            <a:r>
-              <a:rPr lang="en-US" dirty="0"/>
-              <a:t>Douglas Bowman</a:t>
+          <a:bodyPr vert="horz" lIns="91440" tIns="45720" rIns="91440" bIns="45720" rtlCol="0">
+            <a:normAutofit/>
+          </a:bodyPr>
+          <a:lstStyle>
+            <a:lvl1pPr marL="0" indent="0" algn="ctr" defTabSz="914400" rtl="0" eaLnBrk="1" latinLnBrk="0" hangingPunct="1">
+              <a:spcBef>
+                <a:spcPct val="20000"/>
+              </a:spcBef>
+              <a:buFont typeface="Arial" panose="020B0604020202020204" pitchFamily="34" charset="0"/>
+              <a:buNone/>
+              <a:defRPr sz="3200" kern="1200">
+                <a:solidFill>
+                  <a:schemeClr val="tx1">
+                    <a:tint val="75000"/>
+                  </a:schemeClr>
+                </a:solidFill>
+                <a:latin typeface="+mn-lt"/>
+                <a:ea typeface="+mn-ea"/>
+                <a:cs typeface="+mn-cs"/>
+              </a:defRPr>
+            </a:lvl1pPr>
+            <a:lvl2pPr marL="457200" indent="0" algn="ctr" defTabSz="914400" rtl="0" eaLnBrk="1" latinLnBrk="0" hangingPunct="1">
+              <a:spcBef>
+                <a:spcPct val="20000"/>
+              </a:spcBef>
+              <a:buFont typeface="Arial" panose="020B0604020202020204" pitchFamily="34" charset="0"/>
+              <a:buNone/>
+              <a:defRPr sz="2800" kern="1200">
+                <a:solidFill>
+                  <a:schemeClr val="tx1">
+                    <a:tint val="75000"/>
+                  </a:schemeClr>
+                </a:solidFill>
+                <a:latin typeface="+mn-lt"/>
+                <a:ea typeface="+mn-ea"/>
+                <a:cs typeface="+mn-cs"/>
+              </a:defRPr>
+            </a:lvl2pPr>
+            <a:lvl3pPr marL="914400" indent="0" algn="ctr" defTabSz="914400" rtl="0" eaLnBrk="1" latinLnBrk="0" hangingPunct="1">
+              <a:spcBef>
+                <a:spcPct val="20000"/>
+              </a:spcBef>
+              <a:buFont typeface="Arial" panose="020B0604020202020204" pitchFamily="34" charset="0"/>
+              <a:buNone/>
+              <a:defRPr sz="2400" kern="1200">
+                <a:solidFill>
+                  <a:schemeClr val="tx1">
+                    <a:tint val="75000"/>
+                  </a:schemeClr>
+                </a:solidFill>
+                <a:latin typeface="+mn-lt"/>
+                <a:ea typeface="+mn-ea"/>
+                <a:cs typeface="+mn-cs"/>
+              </a:defRPr>
+            </a:lvl3pPr>
+            <a:lvl4pPr marL="1371600" indent="0" algn="ctr" defTabSz="914400" rtl="0" eaLnBrk="1" latinLnBrk="0" hangingPunct="1">
+              <a:spcBef>
+                <a:spcPct val="20000"/>
+              </a:spcBef>
+              <a:buFont typeface="Arial" panose="020B0604020202020204" pitchFamily="34" charset="0"/>
+              <a:buNone/>
+              <a:defRPr sz="2000" kern="1200">
+                <a:solidFill>
+                  <a:schemeClr val="tx1">
+                    <a:tint val="75000"/>
+                  </a:schemeClr>
+                </a:solidFill>
+                <a:latin typeface="+mn-lt"/>
+                <a:ea typeface="+mn-ea"/>
+                <a:cs typeface="+mn-cs"/>
+              </a:defRPr>
+            </a:lvl4pPr>
+            <a:lvl5pPr marL="1828800" indent="0" algn="ctr" defTabSz="914400" rtl="0" eaLnBrk="1" latinLnBrk="0" hangingPunct="1">
+              <a:spcBef>
+                <a:spcPct val="20000"/>
+              </a:spcBef>
+              <a:buFont typeface="Arial" panose="020B0604020202020204" pitchFamily="34" charset="0"/>
+              <a:buNone/>
+              <a:defRPr sz="2000" kern="1200">
+                <a:solidFill>
+                  <a:schemeClr val="tx1">
+                    <a:tint val="75000"/>
+                  </a:schemeClr>
+                </a:solidFill>
+                <a:latin typeface="+mn-lt"/>
+                <a:ea typeface="+mn-ea"/>
+                <a:cs typeface="+mn-cs"/>
+              </a:defRPr>
+            </a:lvl5pPr>
+            <a:lvl6pPr marL="2286000" indent="0" algn="ctr" defTabSz="914400" rtl="0" eaLnBrk="1" latinLnBrk="0" hangingPunct="1">
+              <a:spcBef>
+                <a:spcPct val="20000"/>
+              </a:spcBef>
+              <a:buFont typeface="Arial" panose="020B0604020202020204" pitchFamily="34" charset="0"/>
+              <a:buNone/>
+              <a:defRPr sz="2000" kern="1200">
+                <a:solidFill>
+                  <a:schemeClr val="tx1">
+                    <a:tint val="75000"/>
+                  </a:schemeClr>
+                </a:solidFill>
+                <a:latin typeface="+mn-lt"/>
+                <a:ea typeface="+mn-ea"/>
+                <a:cs typeface="+mn-cs"/>
+              </a:defRPr>
+            </a:lvl6pPr>
+            <a:lvl7pPr marL="2743200" indent="0" algn="ctr" defTabSz="914400" rtl="0" eaLnBrk="1" latinLnBrk="0" hangingPunct="1">
+              <a:spcBef>
+                <a:spcPct val="20000"/>
+              </a:spcBef>
+              <a:buFont typeface="Arial" panose="020B0604020202020204" pitchFamily="34" charset="0"/>
+              <a:buNone/>
+              <a:defRPr sz="2000" kern="1200">
+                <a:solidFill>
+                  <a:schemeClr val="tx1">
+                    <a:tint val="75000"/>
+                  </a:schemeClr>
+                </a:solidFill>
+                <a:latin typeface="+mn-lt"/>
+                <a:ea typeface="+mn-ea"/>
+                <a:cs typeface="+mn-cs"/>
+              </a:defRPr>
+            </a:lvl7pPr>
+            <a:lvl8pPr marL="3200400" indent="0" algn="ctr" defTabSz="914400" rtl="0" eaLnBrk="1" latinLnBrk="0" hangingPunct="1">
+              <a:spcBef>
+                <a:spcPct val="20000"/>
+              </a:spcBef>
+              <a:buFont typeface="Arial" panose="020B0604020202020204" pitchFamily="34" charset="0"/>
+              <a:buNone/>
+              <a:defRPr sz="2000" kern="1200">
+                <a:solidFill>
+                  <a:schemeClr val="tx1">
+                    <a:tint val="75000"/>
+                  </a:schemeClr>
+                </a:solidFill>
+                <a:latin typeface="+mn-lt"/>
+                <a:ea typeface="+mn-ea"/>
+                <a:cs typeface="+mn-cs"/>
+              </a:defRPr>
+            </a:lvl8pPr>
+            <a:lvl9pPr marL="3657600" indent="0" algn="ctr" defTabSz="914400" rtl="0" eaLnBrk="1" latinLnBrk="0" hangingPunct="1">
+              <a:spcBef>
+                <a:spcPct val="20000"/>
+              </a:spcBef>
+              <a:buFont typeface="Arial" panose="020B0604020202020204" pitchFamily="34" charset="0"/>
+              <a:buNone/>
+              <a:defRPr sz="2000" kern="1200">
+                <a:solidFill>
+                  <a:schemeClr val="tx1">
+                    <a:tint val="75000"/>
+                  </a:schemeClr>
+                </a:solidFill>
+                <a:latin typeface="+mn-lt"/>
+                <a:ea typeface="+mn-ea"/>
+                <a:cs typeface="+mn-cs"/>
+              </a:defRPr>
+            </a:lvl9pPr>
+          </a:lstStyle>
+          <a:p>
+            <a:r>
+              <a:rPr lang="en-US" sz="2400" dirty="0"/>
+              <a:t>Doug Bowman</a:t>
             </a:r>
           </a:p>
         </p:txBody>
@@ -7317,7 +7525,7 @@
     </p:extLst>
   </p:cSld>
   <p:clrMapOvr>
-    <a:masterClrMapping/>
+    <a:overrideClrMapping bg1="lt1" tx1="dk1" bg2="lt2" tx2="dk2" accent1="accent1" accent2="accent2" accent3="accent3" accent4="accent4" accent5="accent5" accent6="accent6" hlink="hlink" folHlink="folHlink"/>
   </p:clrMapOvr>
 </p:sld>
 </file>
@@ -7328,8 +7536,18 @@
     <p:bg>
       <p:bgPr>
         <a:blipFill dpi="0" rotWithShape="1">
-          <a:blip r:embed="rId2">
-            <a:lum/>
+          <a:blip r:embed="rId3">
+            <a:extLst>
+              <a:ext uri="{BEBA8EAE-BF5A-486C-A8C5-ECC9F3942E4B}">
+                <a14:imgProps xmlns:a14="http://schemas.microsoft.com/office/drawing/2010/main">
+                  <a14:imgLayer r:embed="rId4">
+                    <a14:imgEffect>
+                      <a14:brightnessContrast bright="-50000"/>
+                    </a14:imgEffect>
+                  </a14:imgLayer>
+                </a14:imgProps>
+              </a:ext>
+            </a:extLst>
           </a:blip>
           <a:srcRect/>
           <a:stretch>
@@ -7370,7 +7588,7 @@
           <a:p>
             <a:r>
               <a:rPr lang="en-US" dirty="0"/>
-              <a:t>Definition</a:t>
+              <a:t>Concepts and Definitions</a:t>
             </a:r>
           </a:p>
         </p:txBody>
@@ -7392,22 +7610,54 @@
           <a:p>
             <a:r>
               <a:rPr lang="en-US" dirty="0"/>
-              <a:t>Sample</a:t>
+              <a:t>Feature</a:t>
             </a:r>
           </a:p>
           <a:p>
             <a:pPr lvl="1"/>
             <a:r>
               <a:rPr lang="en-US" dirty="0"/>
-              <a:t>A single set of data, or a data point.</a:t>
+              <a:t>A description of a set of like-data.</a:t>
             </a:r>
           </a:p>
           <a:p>
             <a:pPr lvl="1"/>
             <a:r>
               <a:rPr lang="en-US" dirty="0"/>
-              <a:t>This is usually a row in a data table.</a:t>
-            </a:r>
+              <a:t>This is usually represented as a column in a data table.</a:t>
+            </a:r>
+          </a:p>
+          <a:p>
+            <a:pPr lvl="1"/>
+            <a:r>
+              <a:rPr lang="en-US" dirty="0"/>
+              <a:t>Examples:</a:t>
+            </a:r>
+          </a:p>
+          <a:p>
+            <a:pPr lvl="2"/>
+            <a:r>
+              <a:rPr lang="en-US" dirty="0"/>
+              <a:t>Color of a fruit</a:t>
+            </a:r>
+          </a:p>
+          <a:p>
+            <a:pPr lvl="2"/>
+            <a:r>
+              <a:rPr lang="en-US" dirty="0"/>
+              <a:t>Length of a fruit</a:t>
+            </a:r>
+          </a:p>
+          <a:p>
+            <a:pPr lvl="2"/>
+            <a:r>
+              <a:rPr lang="en-US" dirty="0"/>
+              <a:t>Width of a fruit</a:t>
+            </a:r>
+          </a:p>
+          <a:p>
+            <a:pPr lvl="2"/>
+            <a:endParaRPr lang="en-US" dirty="0"/>
           </a:p>
           <a:p>
             <a:endParaRPr lang="en-US" dirty="0"/>
@@ -7424,12 +7674,12 @@
     </p:spTree>
     <p:extLst>
       <p:ext uri="{BB962C8B-B14F-4D97-AF65-F5344CB8AC3E}">
-        <p14:creationId xmlns:p14="http://schemas.microsoft.com/office/powerpoint/2010/main" val="1110144452"/>
+        <p14:creationId xmlns:p14="http://schemas.microsoft.com/office/powerpoint/2010/main" val="2289988101"/>
       </p:ext>
     </p:extLst>
   </p:cSld>
   <p:clrMapOvr>
-    <a:masterClrMapping/>
+    <a:overrideClrMapping bg1="lt1" tx1="dk1" bg2="lt2" tx2="dk2" accent1="accent1" accent2="accent2" accent3="accent3" accent4="accent4" accent5="accent5" accent6="accent6" hlink="hlink" folHlink="folHlink"/>
   </p:clrMapOvr>
 </p:sld>
 </file>
@@ -7440,8 +7690,18 @@
     <p:bg>
       <p:bgPr>
         <a:blipFill dpi="0" rotWithShape="1">
-          <a:blip r:embed="rId2">
-            <a:lum/>
+          <a:blip r:embed="rId3">
+            <a:extLst>
+              <a:ext uri="{BEBA8EAE-BF5A-486C-A8C5-ECC9F3942E4B}">
+                <a14:imgProps xmlns:a14="http://schemas.microsoft.com/office/drawing/2010/main">
+                  <a14:imgLayer r:embed="rId4">
+                    <a14:imgEffect>
+                      <a14:brightnessContrast bright="-50000"/>
+                    </a14:imgEffect>
+                  </a14:imgLayer>
+                </a14:imgProps>
+              </a:ext>
+            </a:extLst>
           </a:blip>
           <a:srcRect/>
           <a:stretch>
@@ -7482,7 +7742,7 @@
           <a:p>
             <a:r>
               <a:rPr lang="en-US" dirty="0"/>
-              <a:t>Definition</a:t>
+              <a:t>Concepts and Definitions</a:t>
             </a:r>
           </a:p>
         </p:txBody>
@@ -7504,22 +7764,40 @@
           <a:p>
             <a:r>
               <a:rPr lang="en-US" dirty="0"/>
-              <a:t>Label (Classification Problems)</a:t>
+              <a:t>Feature</a:t>
             </a:r>
           </a:p>
           <a:p>
             <a:pPr lvl="1"/>
             <a:r>
               <a:rPr lang="en-US" dirty="0"/>
-              <a:t>The name associated with data point (row) for classification problems.  </a:t>
-            </a:r>
-          </a:p>
-          <a:p>
-            <a:pPr lvl="1"/>
-            <a:r>
-              <a:rPr lang="en-US" dirty="0"/>
-              <a:t>This is generally the thing we are trying to predict.</a:t>
-            </a:r>
+              <a:t>Examples continued:</a:t>
+            </a:r>
+          </a:p>
+          <a:p>
+            <a:pPr lvl="2"/>
+            <a:r>
+              <a:rPr lang="en-US" dirty="0"/>
+              <a:t>Past convictions when estimating if a person will commit a crime</a:t>
+            </a:r>
+          </a:p>
+          <a:p>
+            <a:pPr lvl="2"/>
+            <a:r>
+              <a:rPr lang="en-US" dirty="0"/>
+              <a:t>Family members with convictions when estimating if a person will commit a crime</a:t>
+            </a:r>
+          </a:p>
+          <a:p>
+            <a:pPr lvl="2"/>
+            <a:r>
+              <a:rPr lang="en-US" dirty="0"/>
+              <a:t>Convictions of local living area when estimating if a person will commit a crime</a:t>
+            </a:r>
+          </a:p>
+          <a:p>
+            <a:pPr lvl="2"/>
+            <a:endParaRPr lang="en-US" dirty="0"/>
           </a:p>
           <a:p>
             <a:endParaRPr lang="en-US" dirty="0"/>
@@ -7536,12 +7814,12 @@
     </p:spTree>
     <p:extLst>
       <p:ext uri="{BB962C8B-B14F-4D97-AF65-F5344CB8AC3E}">
-        <p14:creationId xmlns:p14="http://schemas.microsoft.com/office/powerpoint/2010/main" val="3114704726"/>
+        <p14:creationId xmlns:p14="http://schemas.microsoft.com/office/powerpoint/2010/main" val="3088242961"/>
       </p:ext>
     </p:extLst>
   </p:cSld>
   <p:clrMapOvr>
-    <a:masterClrMapping/>
+    <a:overrideClrMapping bg1="lt1" tx1="dk1" bg2="lt2" tx2="dk2" accent1="accent1" accent2="accent2" accent3="accent3" accent4="accent4" accent5="accent5" accent6="accent6" hlink="hlink" folHlink="folHlink"/>
   </p:clrMapOvr>
 </p:sld>
 </file>
@@ -7552,8 +7830,18 @@
     <p:bg>
       <p:bgPr>
         <a:blipFill dpi="0" rotWithShape="1">
-          <a:blip r:embed="rId2">
-            <a:lum/>
+          <a:blip r:embed="rId3">
+            <a:extLst>
+              <a:ext uri="{BEBA8EAE-BF5A-486C-A8C5-ECC9F3942E4B}">
+                <a14:imgProps xmlns:a14="http://schemas.microsoft.com/office/drawing/2010/main">
+                  <a14:imgLayer r:embed="rId4">
+                    <a14:imgEffect>
+                      <a14:brightnessContrast bright="-50000"/>
+                    </a14:imgEffect>
+                  </a14:imgLayer>
+                </a14:imgProps>
+              </a:ext>
+            </a:extLst>
           </a:blip>
           <a:srcRect/>
           <a:stretch>
@@ -7589,14 +7877,12 @@
         </p:nvSpPr>
         <p:spPr/>
         <p:txBody>
-          <a:bodyPr>
-            <a:normAutofit/>
-          </a:bodyPr>
-          <a:lstStyle/>
-          <a:p>
-            <a:r>
-              <a:rPr lang="en-US" dirty="0"/>
-              <a:t>General Model Types</a:t>
+          <a:bodyPr/>
+          <a:lstStyle/>
+          <a:p>
+            <a:r>
+              <a:rPr lang="en-US" dirty="0"/>
+              <a:t>Concepts and Definitions</a:t>
             </a:r>
           </a:p>
         </p:txBody>
@@ -7613,32 +7899,29 @@
         </p:nvSpPr>
         <p:spPr/>
         <p:txBody>
-          <a:bodyPr>
-            <a:normAutofit/>
-          </a:bodyPr>
-          <a:lstStyle/>
-          <a:p>
-            <a:r>
-              <a:rPr lang="en-US" dirty="0"/>
-              <a:t>Supervised</a:t>
+          <a:bodyPr/>
+          <a:lstStyle/>
+          <a:p>
+            <a:r>
+              <a:rPr lang="en-US" dirty="0"/>
+              <a:t>Sample</a:t>
             </a:r>
           </a:p>
           <a:p>
             <a:pPr lvl="1"/>
             <a:r>
               <a:rPr lang="en-US" dirty="0"/>
-              <a:t>Machine learning model is given a set of data to build experience with.</a:t>
+              <a:t>A single set of data, or a data point.</a:t>
             </a:r>
           </a:p>
           <a:p>
             <a:pPr lvl="1"/>
             <a:r>
               <a:rPr lang="en-US" dirty="0"/>
-              <a:t>Data is given with features, and an algorithm is given to the model on how to best categorize and group the data.</a:t>
-            </a:r>
-          </a:p>
-          <a:p>
-            <a:pPr lvl="1"/>
+              <a:t>This is usually a row in a data table.</a:t>
+            </a:r>
+          </a:p>
+          <a:p>
             <a:endParaRPr lang="en-US" dirty="0"/>
           </a:p>
           <a:p>
@@ -7653,12 +7936,12 @@
     </p:spTree>
     <p:extLst>
       <p:ext uri="{BB962C8B-B14F-4D97-AF65-F5344CB8AC3E}">
-        <p14:creationId xmlns:p14="http://schemas.microsoft.com/office/powerpoint/2010/main" val="3051561418"/>
+        <p14:creationId xmlns:p14="http://schemas.microsoft.com/office/powerpoint/2010/main" val="1110144452"/>
       </p:ext>
     </p:extLst>
   </p:cSld>
   <p:clrMapOvr>
-    <a:masterClrMapping/>
+    <a:overrideClrMapping bg1="lt1" tx1="dk1" bg2="lt2" tx2="dk2" accent1="accent1" accent2="accent2" accent3="accent3" accent4="accent4" accent5="accent5" accent6="accent6" hlink="hlink" folHlink="folHlink"/>
   </p:clrMapOvr>
 </p:sld>
 </file>
@@ -7669,8 +7952,18 @@
     <p:bg>
       <p:bgPr>
         <a:blipFill dpi="0" rotWithShape="1">
-          <a:blip r:embed="rId2">
-            <a:lum/>
+          <a:blip r:embed="rId3">
+            <a:extLst>
+              <a:ext uri="{BEBA8EAE-BF5A-486C-A8C5-ECC9F3942E4B}">
+                <a14:imgProps xmlns:a14="http://schemas.microsoft.com/office/drawing/2010/main">
+                  <a14:imgLayer r:embed="rId4">
+                    <a14:imgEffect>
+                      <a14:brightnessContrast bright="-50000"/>
+                    </a14:imgEffect>
+                  </a14:imgLayer>
+                </a14:imgProps>
+              </a:ext>
+            </a:extLst>
           </a:blip>
           <a:srcRect/>
           <a:stretch>
@@ -7706,14 +7999,12 @@
         </p:nvSpPr>
         <p:spPr/>
         <p:txBody>
-          <a:bodyPr>
-            <a:normAutofit/>
-          </a:bodyPr>
-          <a:lstStyle/>
-          <a:p>
-            <a:r>
-              <a:rPr lang="en-US" dirty="0"/>
-              <a:t>General Model Types</a:t>
+          <a:bodyPr/>
+          <a:lstStyle/>
+          <a:p>
+            <a:r>
+              <a:rPr lang="en-US" dirty="0"/>
+              <a:t>Concepts and Definitions</a:t>
             </a:r>
           </a:p>
         </p:txBody>
@@ -7730,32 +8021,50 @@
         </p:nvSpPr>
         <p:spPr/>
         <p:txBody>
-          <a:bodyPr>
-            <a:normAutofit/>
-          </a:bodyPr>
-          <a:lstStyle/>
-          <a:p>
-            <a:r>
-              <a:rPr lang="en-US" dirty="0"/>
-              <a:t>Unsupervised</a:t>
+          <a:bodyPr/>
+          <a:lstStyle/>
+          <a:p>
+            <a:r>
+              <a:rPr lang="en-US" dirty="0"/>
+              <a:t>Label (Classification Problems)</a:t>
             </a:r>
           </a:p>
           <a:p>
             <a:pPr lvl="1"/>
             <a:r>
               <a:rPr lang="en-US" dirty="0"/>
-              <a:t>The model determines the data for itself, and builds the model accordingly.</a:t>
+              <a:t>The name associated with a data point (row) for classification problems.  </a:t>
             </a:r>
           </a:p>
           <a:p>
             <a:pPr lvl="1"/>
             <a:r>
               <a:rPr lang="en-US" dirty="0"/>
-              <a:t>Features and grouping data is done by the algorithm.</a:t>
+              <a:t>This is generally the thing we are trying to predict.</a:t>
             </a:r>
           </a:p>
           <a:p>
             <a:pPr lvl="1"/>
+            <a:r>
+              <a:rPr lang="en-US" dirty="0"/>
+              <a:t>Examples:</a:t>
+            </a:r>
+          </a:p>
+          <a:p>
+            <a:pPr lvl="2"/>
+            <a:r>
+              <a:rPr lang="en-US" dirty="0"/>
+              <a:t>‘Apple’ if we are trying to predict a piece of fruit.</a:t>
+            </a:r>
+          </a:p>
+          <a:p>
+            <a:pPr lvl="2"/>
+            <a:r>
+              <a:rPr lang="en-US" dirty="0"/>
+              <a:t>‘Yes/true’ if we are predicting if someone will commit a crime.</a:t>
+            </a:r>
+          </a:p>
+          <a:p>
             <a:endParaRPr lang="en-US" dirty="0"/>
           </a:p>
           <a:p>
@@ -7770,12 +8079,12 @@
     </p:spTree>
     <p:extLst>
       <p:ext uri="{BB962C8B-B14F-4D97-AF65-F5344CB8AC3E}">
-        <p14:creationId xmlns:p14="http://schemas.microsoft.com/office/powerpoint/2010/main" val="843243868"/>
+        <p14:creationId xmlns:p14="http://schemas.microsoft.com/office/powerpoint/2010/main" val="3114704726"/>
       </p:ext>
     </p:extLst>
   </p:cSld>
   <p:clrMapOvr>
-    <a:masterClrMapping/>
+    <a:overrideClrMapping bg1="lt1" tx1="dk1" bg2="lt2" tx2="dk2" accent1="accent1" accent2="accent2" accent3="accent3" accent4="accent4" accent5="accent5" accent6="accent6" hlink="hlink" folHlink="folHlink"/>
   </p:clrMapOvr>
 </p:sld>
 </file>
@@ -7786,8 +8095,18 @@
     <p:bg>
       <p:bgPr>
         <a:blipFill dpi="0" rotWithShape="1">
-          <a:blip r:embed="rId2">
-            <a:lum/>
+          <a:blip r:embed="rId3">
+            <a:extLst>
+              <a:ext uri="{BEBA8EAE-BF5A-486C-A8C5-ECC9F3942E4B}">
+                <a14:imgProps xmlns:a14="http://schemas.microsoft.com/office/drawing/2010/main">
+                  <a14:imgLayer r:embed="rId4">
+                    <a14:imgEffect>
+                      <a14:brightnessContrast bright="-50000"/>
+                    </a14:imgEffect>
+                  </a14:imgLayer>
+                </a14:imgProps>
+              </a:ext>
+            </a:extLst>
           </a:blip>
           <a:srcRect/>
           <a:stretch>
@@ -7823,14 +8142,12 @@
         </p:nvSpPr>
         <p:spPr/>
         <p:txBody>
-          <a:bodyPr>
-            <a:normAutofit/>
-          </a:bodyPr>
-          <a:lstStyle/>
-          <a:p>
-            <a:r>
-              <a:rPr lang="en-US" dirty="0"/>
-              <a:t>General Model Types</a:t>
+          <a:bodyPr/>
+          <a:lstStyle/>
+          <a:p>
+            <a:r>
+              <a:rPr lang="en-US" dirty="0"/>
+              <a:t>Concepts and Definitions</a:t>
             </a:r>
           </a:p>
         </p:txBody>
@@ -7847,39 +8164,29 @@
         </p:nvSpPr>
         <p:spPr/>
         <p:txBody>
-          <a:bodyPr>
-            <a:normAutofit/>
-          </a:bodyPr>
-          <a:lstStyle/>
-          <a:p>
-            <a:r>
-              <a:rPr lang="en-US" dirty="0"/>
-              <a:t>Reinforcement</a:t>
+          <a:bodyPr/>
+          <a:lstStyle/>
+          <a:p>
+            <a:r>
+              <a:rPr lang="en-US" dirty="0"/>
+              <a:t>Training Data</a:t>
             </a:r>
           </a:p>
           <a:p>
             <a:pPr lvl="1"/>
             <a:r>
               <a:rPr lang="en-US" dirty="0"/>
-              <a:t>The algorithm “learns” from making mistakes.</a:t>
+              <a:t>Data that is used to build our model.</a:t>
             </a:r>
           </a:p>
           <a:p>
             <a:pPr lvl="1"/>
             <a:r>
               <a:rPr lang="en-US" dirty="0"/>
-              <a:t>There must be some sort of way to tell the algorithm when it makes a correction in the right direction, and a way to tell the algorithm a correction was made in the wrong direction.</a:t>
-            </a:r>
-          </a:p>
-          <a:p>
-            <a:pPr lvl="1"/>
-            <a:r>
-              <a:rPr lang="en-US" dirty="0"/>
-              <a:t>Initially, the model built is very inaccurate, but gets better with time.</a:t>
-            </a:r>
-          </a:p>
-          <a:p>
-            <a:pPr lvl="1"/>
+              <a:t>Data that is not used to test the accuracy of our model.</a:t>
+            </a:r>
+          </a:p>
+          <a:p>
             <a:endParaRPr lang="en-US" dirty="0"/>
           </a:p>
           <a:p>
@@ -7894,12 +8201,12 @@
     </p:spTree>
     <p:extLst>
       <p:ext uri="{BB962C8B-B14F-4D97-AF65-F5344CB8AC3E}">
-        <p14:creationId xmlns:p14="http://schemas.microsoft.com/office/powerpoint/2010/main" val="3389942429"/>
+        <p14:creationId xmlns:p14="http://schemas.microsoft.com/office/powerpoint/2010/main" val="2307978921"/>
       </p:ext>
     </p:extLst>
   </p:cSld>
   <p:clrMapOvr>
-    <a:masterClrMapping/>
+    <a:overrideClrMapping bg1="lt1" tx1="dk1" bg2="lt2" tx2="dk2" accent1="accent1" accent2="accent2" accent3="accent3" accent4="accent4" accent5="accent5" accent6="accent6" hlink="hlink" folHlink="folHlink"/>
   </p:clrMapOvr>
 </p:sld>
 </file>
@@ -7910,8 +8217,18 @@
     <p:bg>
       <p:bgPr>
         <a:blipFill dpi="0" rotWithShape="1">
-          <a:blip r:embed="rId2">
-            <a:lum/>
+          <a:blip r:embed="rId3">
+            <a:extLst>
+              <a:ext uri="{BEBA8EAE-BF5A-486C-A8C5-ECC9F3942E4B}">
+                <a14:imgProps xmlns:a14="http://schemas.microsoft.com/office/drawing/2010/main">
+                  <a14:imgLayer r:embed="rId4">
+                    <a14:imgEffect>
+                      <a14:brightnessContrast bright="-50000"/>
+                    </a14:imgEffect>
+                  </a14:imgLayer>
+                </a14:imgProps>
+              </a:ext>
+            </a:extLst>
           </a:blip>
           <a:srcRect/>
           <a:stretch>
@@ -7947,14 +8264,12 @@
         </p:nvSpPr>
         <p:spPr/>
         <p:txBody>
-          <a:bodyPr>
-            <a:normAutofit/>
-          </a:bodyPr>
-          <a:lstStyle/>
-          <a:p>
-            <a:r>
-              <a:rPr lang="en-US" dirty="0"/>
-              <a:t>General Model Types</a:t>
+          <a:bodyPr/>
+          <a:lstStyle/>
+          <a:p>
+            <a:r>
+              <a:rPr lang="en-US" dirty="0"/>
+              <a:t>Concepts and Definitions</a:t>
             </a:r>
           </a:p>
         </p:txBody>
@@ -7971,18 +8286,29 @@
         </p:nvSpPr>
         <p:spPr/>
         <p:txBody>
-          <a:bodyPr>
-            <a:normAutofit/>
-          </a:bodyPr>
-          <a:lstStyle/>
-          <a:p>
-            <a:r>
-              <a:rPr lang="en-US" dirty="0"/>
-              <a:t>This part of the Python course will focus on supervised learning, as this is all I know.</a:t>
+          <a:bodyPr/>
+          <a:lstStyle/>
+          <a:p>
+            <a:r>
+              <a:rPr lang="en-US" dirty="0"/>
+              <a:t>Test Data</a:t>
             </a:r>
           </a:p>
           <a:p>
             <a:pPr lvl="1"/>
+            <a:r>
+              <a:rPr lang="en-US" dirty="0"/>
+              <a:t>Data that is used to test the accuracy of a trained model.</a:t>
+            </a:r>
+          </a:p>
+          <a:p>
+            <a:pPr lvl="1"/>
+            <a:r>
+              <a:rPr lang="en-US" dirty="0"/>
+              <a:t>Separate from training data.</a:t>
+            </a:r>
+          </a:p>
+          <a:p>
             <a:endParaRPr lang="en-US" dirty="0"/>
           </a:p>
           <a:p>
@@ -7997,12 +8323,12 @@
     </p:spTree>
     <p:extLst>
       <p:ext uri="{BB962C8B-B14F-4D97-AF65-F5344CB8AC3E}">
-        <p14:creationId xmlns:p14="http://schemas.microsoft.com/office/powerpoint/2010/main" val="2610853396"/>
+        <p14:creationId xmlns:p14="http://schemas.microsoft.com/office/powerpoint/2010/main" val="2045574203"/>
       </p:ext>
     </p:extLst>
   </p:cSld>
   <p:clrMapOvr>
-    <a:masterClrMapping/>
+    <a:overrideClrMapping bg1="lt1" tx1="dk1" bg2="lt2" tx2="dk2" accent1="accent1" accent2="accent2" accent3="accent3" accent4="accent4" accent5="accent5" accent6="accent6" hlink="hlink" folHlink="folHlink"/>
   </p:clrMapOvr>
 </p:sld>
 </file>
@@ -8013,8 +8339,18 @@
     <p:bg>
       <p:bgPr>
         <a:blipFill dpi="0" rotWithShape="1">
-          <a:blip r:embed="rId2">
-            <a:lum/>
+          <a:blip r:embed="rId3">
+            <a:extLst>
+              <a:ext uri="{BEBA8EAE-BF5A-486C-A8C5-ECC9F3942E4B}">
+                <a14:imgProps xmlns:a14="http://schemas.microsoft.com/office/drawing/2010/main">
+                  <a14:imgLayer r:embed="rId4">
+                    <a14:imgEffect>
+                      <a14:brightnessContrast bright="-50000"/>
+                    </a14:imgEffect>
+                  </a14:imgLayer>
+                </a14:imgProps>
+              </a:ext>
+            </a:extLst>
           </a:blip>
           <a:srcRect/>
           <a:stretch>
@@ -8050,52 +8386,78 @@
         </p:nvSpPr>
         <p:spPr/>
         <p:txBody>
+          <a:bodyPr/>
+          <a:lstStyle/>
+          <a:p>
+            <a:r>
+              <a:rPr lang="en-US" dirty="0"/>
+              <a:t>Concepts and Definitions</a:t>
+            </a:r>
+          </a:p>
+        </p:txBody>
+      </p:sp>
+      <p:sp>
+        <p:nvSpPr>
+          <p:cNvPr id="3" name="Content Placeholder 2"/>
+          <p:cNvSpPr>
+            <a:spLocks noGrp="1"/>
+          </p:cNvSpPr>
+          <p:nvPr>
+            <p:ph idx="1"/>
+          </p:nvPr>
+        </p:nvSpPr>
+        <p:spPr/>
+        <p:txBody>
           <a:bodyPr>
-            <a:normAutofit/>
+            <a:normAutofit fontScale="92500" lnSpcReduction="10000"/>
           </a:bodyPr>
           <a:lstStyle/>
           <a:p>
             <a:r>
               <a:rPr lang="en-US" dirty="0"/>
-              <a:t>General Workflow</a:t>
-            </a:r>
-          </a:p>
-        </p:txBody>
-      </p:sp>
-      <p:sp>
-        <p:nvSpPr>
-          <p:cNvPr id="3" name="Content Placeholder 2"/>
-          <p:cNvSpPr>
-            <a:spLocks noGrp="1"/>
-          </p:cNvSpPr>
-          <p:nvPr>
-            <p:ph idx="1"/>
-          </p:nvPr>
-        </p:nvSpPr>
-        <p:spPr/>
-        <p:txBody>
-          <a:bodyPr>
-            <a:normAutofit/>
-          </a:bodyPr>
-          <a:lstStyle/>
-          <a:p>
-            <a:r>
-              <a:rPr lang="en-US" dirty="0"/>
-              <a:t>Get data</a:t>
+              <a:t>Overfitting</a:t>
             </a:r>
           </a:p>
           <a:p>
             <a:pPr lvl="1"/>
             <a:r>
               <a:rPr lang="en-US" dirty="0"/>
-              <a:t>Get set of data about what we wish to predict.</a:t>
+              <a:t>Training a model so much to training data that it does not model test data/other data as accurately.</a:t>
             </a:r>
           </a:p>
           <a:p>
             <a:pPr lvl="1"/>
             <a:r>
               <a:rPr lang="en-US" dirty="0"/>
-              <a:t>Include the labels.</a:t>
+              <a:t>Usually indicated by a high accuracy on the training data, and an unreasonably low accuracy on the test data.</a:t>
+            </a:r>
+          </a:p>
+          <a:p>
+            <a:pPr lvl="1"/>
+            <a:r>
+              <a:rPr lang="en-US" dirty="0"/>
+              <a:t>Possible Causes:</a:t>
+            </a:r>
+          </a:p>
+          <a:p>
+            <a:pPr lvl="2"/>
+            <a:r>
+              <a:rPr lang="en-US" dirty="0"/>
+              <a:t>Test data that is not sufficiently representative of the entire data spectrum.</a:t>
+            </a:r>
+          </a:p>
+          <a:p>
+            <a:pPr lvl="2"/>
+            <a:r>
+              <a:rPr lang="en-US" dirty="0"/>
+              <a:t>Tuning parameters adjusted too tightly to test data</a:t>
+            </a:r>
+          </a:p>
+          <a:p>
+            <a:pPr lvl="2"/>
+            <a:r>
+              <a:rPr lang="en-US" dirty="0"/>
+              <a:t>Extrapolating when only interpolating is relevant</a:t>
             </a:r>
           </a:p>
           <a:p>
@@ -8110,12 +8472,12 @@
     </p:spTree>
     <p:extLst>
       <p:ext uri="{BB962C8B-B14F-4D97-AF65-F5344CB8AC3E}">
-        <p14:creationId xmlns:p14="http://schemas.microsoft.com/office/powerpoint/2010/main" val="504396564"/>
+        <p14:creationId xmlns:p14="http://schemas.microsoft.com/office/powerpoint/2010/main" val="99274972"/>
       </p:ext>
     </p:extLst>
   </p:cSld>
   <p:clrMapOvr>
-    <a:masterClrMapping/>
+    <a:overrideClrMapping bg1="lt1" tx1="dk1" bg2="lt2" tx2="dk2" accent1="accent1" accent2="accent2" accent3="accent3" accent4="accent4" accent5="accent5" accent6="accent6" hlink="hlink" folHlink="folHlink"/>
   </p:clrMapOvr>
 </p:sld>
 </file>
@@ -8127,7 +8489,17 @@
       <p:bgPr>
         <a:blipFill dpi="0" rotWithShape="1">
           <a:blip r:embed="rId2">
-            <a:lum/>
+            <a:extLst>
+              <a:ext uri="{BEBA8EAE-BF5A-486C-A8C5-ECC9F3942E4B}">
+                <a14:imgProps xmlns:a14="http://schemas.microsoft.com/office/drawing/2010/main">
+                  <a14:imgLayer r:embed="rId3">
+                    <a14:imgEffect>
+                      <a14:brightnessContrast bright="-50000"/>
+                    </a14:imgEffect>
+                  </a14:imgLayer>
+                </a14:imgProps>
+              </a:ext>
+            </a:extLst>
           </a:blip>
           <a:srcRect/>
           <a:stretch>
@@ -8163,14 +8535,12 @@
         </p:nvSpPr>
         <p:spPr/>
         <p:txBody>
-          <a:bodyPr>
-            <a:normAutofit/>
-          </a:bodyPr>
-          <a:lstStyle/>
-          <a:p>
-            <a:r>
-              <a:rPr lang="en-US" dirty="0"/>
-              <a:t>General Workflow</a:t>
+          <a:bodyPr/>
+          <a:lstStyle/>
+          <a:p>
+            <a:r>
+              <a:rPr lang="en-US" dirty="0"/>
+              <a:t>Concepts and Definitions</a:t>
             </a:r>
           </a:p>
         </p:txBody>
@@ -8187,39 +8557,50 @@
         </p:nvSpPr>
         <p:spPr/>
         <p:txBody>
-          <a:bodyPr>
-            <a:normAutofit/>
-          </a:bodyPr>
-          <a:lstStyle/>
-          <a:p>
-            <a:r>
-              <a:rPr lang="en-US" dirty="0"/>
-              <a:t>Build model</a:t>
+          <a:bodyPr/>
+          <a:lstStyle/>
+          <a:p>
+            <a:r>
+              <a:rPr lang="en-US" dirty="0"/>
+              <a:t>Underfitting</a:t>
             </a:r>
           </a:p>
           <a:p>
             <a:pPr lvl="1"/>
             <a:r>
               <a:rPr lang="en-US" dirty="0"/>
-              <a:t>Select an appropriate classifier.</a:t>
+              <a:t>Training model not tight enough to test data.</a:t>
             </a:r>
           </a:p>
           <a:p>
             <a:pPr lvl="1"/>
             <a:r>
               <a:rPr lang="en-US" dirty="0"/>
-              <a:t>The model should be trained with a majority of the data we gathered, say with 75% of the data.</a:t>
+              <a:t>Indicated by unreasonably low training and test data accuracy.</a:t>
             </a:r>
           </a:p>
           <a:p>
             <a:pPr lvl="1"/>
             <a:r>
               <a:rPr lang="en-US" dirty="0"/>
-              <a:t>The other 25% can be used to test how good our model can predict.</a:t>
-            </a:r>
-          </a:p>
-          <a:p>
-            <a:pPr lvl="1"/>
+              <a:t>Possible Causes:</a:t>
+            </a:r>
+          </a:p>
+          <a:p>
+            <a:pPr lvl="2"/>
+            <a:r>
+              <a:rPr lang="en-US" dirty="0"/>
+              <a:t>Tuning parameters not tuned enough.</a:t>
+            </a:r>
+          </a:p>
+          <a:p>
+            <a:pPr lvl="2"/>
+            <a:r>
+              <a:rPr lang="en-US" dirty="0"/>
+              <a:t>Incorrect features, or insufficient number of features, selected.</a:t>
+            </a:r>
+          </a:p>
+          <a:p>
             <a:endParaRPr lang="en-US" dirty="0"/>
           </a:p>
           <a:p>
@@ -8234,7 +8615,7 @@
     </p:spTree>
     <p:extLst>
       <p:ext uri="{BB962C8B-B14F-4D97-AF65-F5344CB8AC3E}">
-        <p14:creationId xmlns:p14="http://schemas.microsoft.com/office/powerpoint/2010/main" val="823098654"/>
+        <p14:creationId xmlns:p14="http://schemas.microsoft.com/office/powerpoint/2010/main" val="351939498"/>
       </p:ext>
     </p:extLst>
   </p:cSld>
@@ -8250,8 +8631,18 @@
     <p:bg>
       <p:bgPr>
         <a:blipFill dpi="0" rotWithShape="1">
-          <a:blip r:embed="rId2">
-            <a:lum/>
+          <a:blip r:embed="rId3">
+            <a:extLst>
+              <a:ext uri="{BEBA8EAE-BF5A-486C-A8C5-ECC9F3942E4B}">
+                <a14:imgProps xmlns:a14="http://schemas.microsoft.com/office/drawing/2010/main">
+                  <a14:imgLayer r:embed="rId4">
+                    <a14:imgEffect>
+                      <a14:brightnessContrast bright="-50000"/>
+                    </a14:imgEffect>
+                  </a14:imgLayer>
+                </a14:imgProps>
+              </a:ext>
+            </a:extLst>
           </a:blip>
           <a:srcRect/>
           <a:stretch>
@@ -8294,7 +8685,7 @@
           <a:p>
             <a:r>
               <a:rPr lang="en-US" dirty="0"/>
-              <a:t>General Workflow</a:t>
+              <a:t>General Model Types</a:t>
             </a:r>
           </a:p>
         </p:txBody>
@@ -8318,21 +8709,21 @@
           <a:p>
             <a:r>
               <a:rPr lang="en-US" dirty="0"/>
-              <a:t>Evaluate accuracy</a:t>
+              <a:t>Supervised</a:t>
             </a:r>
           </a:p>
           <a:p>
             <a:pPr lvl="1"/>
             <a:r>
               <a:rPr lang="en-US" dirty="0"/>
-              <a:t>The model needs to be evaluated for accuracy to ensure our predictions will have a high degree of correctness.</a:t>
+              <a:t>Machine learning model is given a set of data to build experience with.</a:t>
             </a:r>
           </a:p>
           <a:p>
             <a:pPr lvl="1"/>
             <a:r>
               <a:rPr lang="en-US" dirty="0"/>
-              <a:t>This is usually done using the 25% of data that we did not use for training.</a:t>
+              <a:t>Data is given with features, and an algorithm is given to the model on how to best categorize and group the data.</a:t>
             </a:r>
           </a:p>
           <a:p>
@@ -8351,12 +8742,12 @@
     </p:spTree>
     <p:extLst>
       <p:ext uri="{BB962C8B-B14F-4D97-AF65-F5344CB8AC3E}">
-        <p14:creationId xmlns:p14="http://schemas.microsoft.com/office/powerpoint/2010/main" val="3005493130"/>
+        <p14:creationId xmlns:p14="http://schemas.microsoft.com/office/powerpoint/2010/main" val="3051561418"/>
       </p:ext>
     </p:extLst>
   </p:cSld>
   <p:clrMapOvr>
-    <a:masterClrMapping/>
+    <a:overrideClrMapping bg1="lt1" tx1="dk1" bg2="lt2" tx2="dk2" accent1="accent1" accent2="accent2" accent3="accent3" accent4="accent4" accent5="accent5" accent6="accent6" hlink="hlink" folHlink="folHlink"/>
   </p:clrMapOvr>
 </p:sld>
 </file>
@@ -8367,8 +8758,18 @@
     <p:bg>
       <p:bgPr>
         <a:blipFill dpi="0" rotWithShape="1">
-          <a:blip r:embed="rId2">
-            <a:lum/>
+          <a:blip r:embed="rId3">
+            <a:extLst>
+              <a:ext uri="{BEBA8EAE-BF5A-486C-A8C5-ECC9F3942E4B}">
+                <a14:imgProps xmlns:a14="http://schemas.microsoft.com/office/drawing/2010/main">
+                  <a14:imgLayer r:embed="rId4">
+                    <a14:imgEffect>
+                      <a14:brightnessContrast bright="-50000"/>
+                    </a14:imgEffect>
+                  </a14:imgLayer>
+                </a14:imgProps>
+              </a:ext>
+            </a:extLst>
           </a:blip>
           <a:srcRect/>
           <a:stretch>
@@ -8411,7 +8812,7 @@
           <a:p>
             <a:r>
               <a:rPr lang="en-US" dirty="0"/>
-              <a:t>General Workflow</a:t>
+              <a:t>General Model Types</a:t>
             </a:r>
           </a:p>
         </p:txBody>
@@ -8435,35 +8836,22 @@
           <a:p>
             <a:r>
               <a:rPr lang="en-US" dirty="0"/>
-              <a:t>Evaluate accuracy</a:t>
+              <a:t>Unsupervised</a:t>
             </a:r>
           </a:p>
           <a:p>
             <a:pPr lvl="1"/>
             <a:r>
               <a:rPr lang="en-US" dirty="0"/>
-              <a:t>There is no such thing as 100% accuracy unless you have toy data, or a completely defined system that does not need machine learning.</a:t>
+              <a:t>The model determines the data for itself, and builds the model accordingly.</a:t>
             </a:r>
           </a:p>
           <a:p>
             <a:pPr lvl="1"/>
             <a:r>
               <a:rPr lang="en-US" dirty="0"/>
-              <a:t>If we get 100% accuracy, and the above are not true, we have most likely over-fitted our model, possibly by using training data as test data.</a:t>
-            </a:r>
-          </a:p>
-          <a:p>
-            <a:pPr lvl="2"/>
-            <a:r>
-              <a:rPr lang="en-US" dirty="0"/>
-              <a:t>Leads to inaccurate predictions on new data without known labels</a:t>
-            </a:r>
-          </a:p>
-          <a:p>
-            <a:pPr marL="457200" lvl="1" indent="0">
-              <a:buNone/>
-            </a:pPr>
-            <a:endParaRPr lang="en-US" dirty="0"/>
+              <a:t>Features and grouping data is done by the algorithm.</a:t>
+            </a:r>
           </a:p>
           <a:p>
             <a:pPr lvl="1"/>
@@ -8481,12 +8869,12 @@
     </p:spTree>
     <p:extLst>
       <p:ext uri="{BB962C8B-B14F-4D97-AF65-F5344CB8AC3E}">
-        <p14:creationId xmlns:p14="http://schemas.microsoft.com/office/powerpoint/2010/main" val="140326188"/>
+        <p14:creationId xmlns:p14="http://schemas.microsoft.com/office/powerpoint/2010/main" val="843243868"/>
       </p:ext>
     </p:extLst>
   </p:cSld>
   <p:clrMapOvr>
-    <a:masterClrMapping/>
+    <a:overrideClrMapping bg1="lt1" tx1="dk1" bg2="lt2" tx2="dk2" accent1="accent1" accent2="accent2" accent3="accent3" accent4="accent4" accent5="accent5" accent6="accent6" hlink="hlink" folHlink="folHlink"/>
   </p:clrMapOvr>
 </p:sld>
 </file>
@@ -8497,8 +8885,18 @@
     <p:bg>
       <p:bgPr>
         <a:blipFill dpi="0" rotWithShape="1">
-          <a:blip r:embed="rId2">
-            <a:lum/>
+          <a:blip r:embed="rId3">
+            <a:extLst>
+              <a:ext uri="{BEBA8EAE-BF5A-486C-A8C5-ECC9F3942E4B}">
+                <a14:imgProps xmlns:a14="http://schemas.microsoft.com/office/drawing/2010/main">
+                  <a14:imgLayer r:embed="rId4">
+                    <a14:imgEffect>
+                      <a14:brightnessContrast bright="-50000"/>
+                    </a14:imgEffect>
+                  </a14:imgLayer>
+                </a14:imgProps>
+              </a:ext>
+            </a:extLst>
           </a:blip>
           <a:srcRect/>
           <a:stretch>
@@ -8568,7 +8966,14 @@
             <a:pPr lvl="1"/>
             <a:r>
               <a:rPr lang="en-US" dirty="0"/>
-              <a:t>Definitions</a:t>
+              <a:t>Intro Example Code</a:t>
+            </a:r>
+          </a:p>
+          <a:p>
+            <a:pPr lvl="1"/>
+            <a:r>
+              <a:rPr lang="en-US" dirty="0"/>
+              <a:t>Concepts and Definitions</a:t>
             </a:r>
           </a:p>
           <a:p>
@@ -8616,7 +9021,7 @@
     </p:extLst>
   </p:cSld>
   <p:clrMapOvr>
-    <a:masterClrMapping/>
+    <a:overrideClrMapping bg1="lt1" tx1="dk1" bg2="lt2" tx2="dk2" accent1="accent1" accent2="accent2" accent3="accent3" accent4="accent4" accent5="accent5" accent6="accent6" hlink="hlink" folHlink="folHlink"/>
   </p:clrMapOvr>
 </p:sld>
 </file>
@@ -8627,8 +9032,18 @@
     <p:bg>
       <p:bgPr>
         <a:blipFill dpi="0" rotWithShape="1">
-          <a:blip r:embed="rId2">
-            <a:lum/>
+          <a:blip r:embed="rId3">
+            <a:extLst>
+              <a:ext uri="{BEBA8EAE-BF5A-486C-A8C5-ECC9F3942E4B}">
+                <a14:imgProps xmlns:a14="http://schemas.microsoft.com/office/drawing/2010/main">
+                  <a14:imgLayer r:embed="rId4">
+                    <a14:imgEffect>
+                      <a14:brightnessContrast bright="-50000"/>
+                    </a14:imgEffect>
+                  </a14:imgLayer>
+                </a14:imgProps>
+              </a:ext>
+            </a:extLst>
           </a:blip>
           <a:srcRect/>
           <a:stretch>
@@ -8671,7 +9086,7 @@
           <a:p>
             <a:r>
               <a:rPr lang="en-US" dirty="0"/>
-              <a:t>General Workflow</a:t>
+              <a:t>General Model Types</a:t>
             </a:r>
           </a:p>
         </p:txBody>
@@ -8695,14 +9110,28 @@
           <a:p>
             <a:r>
               <a:rPr lang="en-US" dirty="0"/>
-              <a:t>Predict real-world outcomes</a:t>
+              <a:t>Reinforcement</a:t>
             </a:r>
           </a:p>
           <a:p>
             <a:pPr lvl="1"/>
             <a:r>
               <a:rPr lang="en-US" dirty="0"/>
-              <a:t>Once the model is as accurate as we want, the model can be used to predict real-world outcomes that are unknown.</a:t>
+              <a:t>The algorithm “learns” from making mistakes.</a:t>
+            </a:r>
+          </a:p>
+          <a:p>
+            <a:pPr lvl="1"/>
+            <a:r>
+              <a:rPr lang="en-US" dirty="0"/>
+              <a:t>There must be some sort of way to tell the algorithm when it makes a correction in the right direction, and a way to tell the algorithm a correction was made in the wrong direction.</a:t>
+            </a:r>
+          </a:p>
+          <a:p>
+            <a:pPr lvl="1"/>
+            <a:r>
+              <a:rPr lang="en-US" dirty="0"/>
+              <a:t>Initially, the model built is very inaccurate, but gets better with time.</a:t>
             </a:r>
           </a:p>
           <a:p>
@@ -8721,12 +9150,12 @@
     </p:spTree>
     <p:extLst>
       <p:ext uri="{BB962C8B-B14F-4D97-AF65-F5344CB8AC3E}">
-        <p14:creationId xmlns:p14="http://schemas.microsoft.com/office/powerpoint/2010/main" val="293541596"/>
+        <p14:creationId xmlns:p14="http://schemas.microsoft.com/office/powerpoint/2010/main" val="3389942429"/>
       </p:ext>
     </p:extLst>
   </p:cSld>
   <p:clrMapOvr>
-    <a:masterClrMapping/>
+    <a:overrideClrMapping bg1="lt1" tx1="dk1" bg2="lt2" tx2="dk2" accent1="accent1" accent2="accent2" accent3="accent3" accent4="accent4" accent5="accent5" accent6="accent6" hlink="hlink" folHlink="folHlink"/>
   </p:clrMapOvr>
 </p:sld>
 </file>
@@ -8737,8 +9166,18 @@
     <p:bg>
       <p:bgPr>
         <a:blipFill dpi="0" rotWithShape="1">
-          <a:blip r:embed="rId2">
-            <a:lum/>
+          <a:blip r:embed="rId3">
+            <a:extLst>
+              <a:ext uri="{BEBA8EAE-BF5A-486C-A8C5-ECC9F3942E4B}">
+                <a14:imgProps xmlns:a14="http://schemas.microsoft.com/office/drawing/2010/main">
+                  <a14:imgLayer r:embed="rId4">
+                    <a14:imgEffect>
+                      <a14:brightnessContrast bright="-50000"/>
+                    </a14:imgEffect>
+                  </a14:imgLayer>
+                </a14:imgProps>
+              </a:ext>
+            </a:extLst>
           </a:blip>
           <a:srcRect/>
           <a:stretch>
@@ -8774,12 +9213,14 @@
         </p:nvSpPr>
         <p:spPr/>
         <p:txBody>
-          <a:bodyPr/>
-          <a:lstStyle/>
-          <a:p>
-            <a:r>
-              <a:rPr lang="en-US" dirty="0"/>
-              <a:t>Linear Models</a:t>
+          <a:bodyPr>
+            <a:normAutofit/>
+          </a:bodyPr>
+          <a:lstStyle/>
+          <a:p>
+            <a:r>
+              <a:rPr lang="en-US" dirty="0"/>
+              <a:t>General Model Types</a:t>
             </a:r>
           </a:p>
         </p:txBody>
@@ -8797,91 +9238,18 @@
         <p:spPr/>
         <p:txBody>
           <a:bodyPr>
-            <a:normAutofit fontScale="92500" lnSpcReduction="20000"/>
+            <a:normAutofit/>
           </a:bodyPr>
           <a:lstStyle/>
           <a:p>
             <a:r>
               <a:rPr lang="en-US" dirty="0"/>
-              <a:t>List of some Types we will Cover</a:t>
+              <a:t>This part of the Python course will focus on supervised learning, as this is all I know.</a:t>
             </a:r>
           </a:p>
           <a:p>
             <a:pPr lvl="1"/>
-            <a:r>
-              <a:rPr lang="en-US" dirty="0"/>
-              <a:t>Linear Classifiers</a:t>
-            </a:r>
-          </a:p>
-          <a:p>
-            <a:pPr lvl="2"/>
-            <a:r>
-              <a:rPr lang="en-US" dirty="0"/>
-              <a:t>K-Nearest Neighbors</a:t>
-            </a:r>
-          </a:p>
-          <a:p>
-            <a:pPr lvl="2"/>
-            <a:r>
-              <a:rPr lang="en-US" dirty="0"/>
-              <a:t>Decision Tree</a:t>
-            </a:r>
-          </a:p>
-          <a:p>
-            <a:pPr lvl="1"/>
-            <a:r>
-              <a:rPr lang="en-US" dirty="0"/>
-              <a:t>Linear Regressors</a:t>
-            </a:r>
-          </a:p>
-          <a:p>
-            <a:pPr lvl="2"/>
-            <a:r>
-              <a:rPr lang="en-US" dirty="0"/>
-              <a:t>K-Nearest Neighbors</a:t>
-            </a:r>
-          </a:p>
-          <a:p>
-            <a:pPr lvl="2"/>
-            <a:r>
-              <a:rPr lang="en-US" dirty="0"/>
-              <a:t>Linear Regression</a:t>
-            </a:r>
-          </a:p>
-          <a:p>
-            <a:pPr lvl="2"/>
-            <a:r>
-              <a:rPr lang="en-US" dirty="0"/>
-              <a:t>Lasso</a:t>
-            </a:r>
-          </a:p>
-          <a:p>
-            <a:pPr lvl="2"/>
-            <a:r>
-              <a:rPr lang="en-US" dirty="0"/>
-              <a:t>Regression</a:t>
-            </a:r>
-          </a:p>
-          <a:p>
-            <a:pPr lvl="2"/>
-            <a:r>
-              <a:rPr lang="en-US" dirty="0"/>
-              <a:t>Decision Tree</a:t>
-            </a:r>
-          </a:p>
-          <a:p>
-            <a:pPr lvl="2"/>
-            <a:r>
-              <a:rPr lang="en-US" dirty="0"/>
-              <a:t>Forest</a:t>
-            </a:r>
-          </a:p>
-          <a:p>
-            <a:pPr lvl="2"/>
-            <a:r>
-              <a:rPr lang="en-US" dirty="0"/>
-              <a:t>Gradient-Boosted Forest</a:t>
-            </a:r>
+            <a:endParaRPr lang="en-US" dirty="0"/>
           </a:p>
           <a:p>
             <a:pPr lvl="2"/>
@@ -8895,12 +9263,12 @@
     </p:spTree>
     <p:extLst>
       <p:ext uri="{BB962C8B-B14F-4D97-AF65-F5344CB8AC3E}">
-        <p14:creationId xmlns:p14="http://schemas.microsoft.com/office/powerpoint/2010/main" val="3895443771"/>
+        <p14:creationId xmlns:p14="http://schemas.microsoft.com/office/powerpoint/2010/main" val="2610853396"/>
       </p:ext>
     </p:extLst>
   </p:cSld>
   <p:clrMapOvr>
-    <a:masterClrMapping/>
+    <a:overrideClrMapping bg1="lt1" tx1="dk1" bg2="lt2" tx2="dk2" accent1="accent1" accent2="accent2" accent3="accent3" accent4="accent4" accent5="accent5" accent6="accent6" hlink="hlink" folHlink="folHlink"/>
   </p:clrMapOvr>
 </p:sld>
 </file>
@@ -8911,8 +9279,18 @@
     <p:bg>
       <p:bgPr>
         <a:blipFill dpi="0" rotWithShape="1">
-          <a:blip r:embed="rId4">
-            <a:lum/>
+          <a:blip r:embed="rId3">
+            <a:extLst>
+              <a:ext uri="{BEBA8EAE-BF5A-486C-A8C5-ECC9F3942E4B}">
+                <a14:imgProps xmlns:a14="http://schemas.microsoft.com/office/drawing/2010/main">
+                  <a14:imgLayer r:embed="rId4">
+                    <a14:imgEffect>
+                      <a14:brightnessContrast bright="-50000"/>
+                    </a14:imgEffect>
+                  </a14:imgLayer>
+                </a14:imgProps>
+              </a:ext>
+            </a:extLst>
           </a:blip>
           <a:srcRect/>
           <a:stretch>
@@ -8948,12 +9326,14 @@
         </p:nvSpPr>
         <p:spPr/>
         <p:txBody>
-          <a:bodyPr/>
-          <a:lstStyle/>
-          <a:p>
-            <a:r>
-              <a:rPr lang="en-US" dirty="0"/>
-              <a:t>Linear Models - Classifiers</a:t>
+          <a:bodyPr>
+            <a:normAutofit/>
+          </a:bodyPr>
+          <a:lstStyle/>
+          <a:p>
+            <a:r>
+              <a:rPr lang="en-US" dirty="0"/>
+              <a:t>General Workflow</a:t>
             </a:r>
           </a:p>
         </p:txBody>
@@ -8970,26 +9350,28 @@
         </p:nvSpPr>
         <p:spPr/>
         <p:txBody>
-          <a:bodyPr/>
-          <a:lstStyle/>
-          <a:p>
-            <a:r>
-              <a:rPr lang="en-US" dirty="0"/>
-              <a:t>K-Nearest Neighbors</a:t>
+          <a:bodyPr>
+            <a:normAutofit/>
+          </a:bodyPr>
+          <a:lstStyle/>
+          <a:p>
+            <a:r>
+              <a:rPr lang="en-US" dirty="0"/>
+              <a:t>Get Data</a:t>
             </a:r>
           </a:p>
           <a:p>
             <a:pPr lvl="1"/>
             <a:r>
               <a:rPr lang="en-US" dirty="0"/>
-              <a:t>Predicts outcome by finding the closest matching data point neighbor(s) to the target point.</a:t>
+              <a:t>Get set of data about what we wish to predict.</a:t>
             </a:r>
           </a:p>
           <a:p>
             <a:pPr lvl="1"/>
             <a:r>
               <a:rPr lang="en-US" dirty="0"/>
-              <a:t>When multiple neighbors are used, the classification with the most neighbors is what the target point is classified as.</a:t>
+              <a:t>Include the labels.</a:t>
             </a:r>
           </a:p>
           <a:p>
@@ -9004,7 +9386,7 @@
     </p:spTree>
     <p:extLst>
       <p:ext uri="{BB962C8B-B14F-4D97-AF65-F5344CB8AC3E}">
-        <p14:creationId xmlns:p14="http://schemas.microsoft.com/office/powerpoint/2010/main" val="76902119"/>
+        <p14:creationId xmlns:p14="http://schemas.microsoft.com/office/powerpoint/2010/main" val="504396564"/>
       </p:ext>
     </p:extLst>
   </p:cSld>
@@ -9020,8 +9402,18 @@
     <p:bg>
       <p:bgPr>
         <a:blipFill dpi="0" rotWithShape="1">
-          <a:blip r:embed="rId5">
-            <a:lum/>
+          <a:blip r:embed="rId3">
+            <a:extLst>
+              <a:ext uri="{BEBA8EAE-BF5A-486C-A8C5-ECC9F3942E4B}">
+                <a14:imgProps xmlns:a14="http://schemas.microsoft.com/office/drawing/2010/main">
+                  <a14:imgLayer r:embed="rId4">
+                    <a14:imgEffect>
+                      <a14:brightnessContrast bright="-50000"/>
+                    </a14:imgEffect>
+                  </a14:imgLayer>
+                </a14:imgProps>
+              </a:ext>
+            </a:extLst>
           </a:blip>
           <a:srcRect/>
           <a:stretch>
@@ -9057,6 +9449,830 @@
         </p:nvSpPr>
         <p:spPr/>
         <p:txBody>
+          <a:bodyPr>
+            <a:normAutofit/>
+          </a:bodyPr>
+          <a:lstStyle/>
+          <a:p>
+            <a:r>
+              <a:rPr lang="en-US" dirty="0"/>
+              <a:t>General Workflow</a:t>
+            </a:r>
+          </a:p>
+        </p:txBody>
+      </p:sp>
+      <p:sp>
+        <p:nvSpPr>
+          <p:cNvPr id="3" name="Content Placeholder 2"/>
+          <p:cNvSpPr>
+            <a:spLocks noGrp="1"/>
+          </p:cNvSpPr>
+          <p:nvPr>
+            <p:ph idx="1"/>
+          </p:nvPr>
+        </p:nvSpPr>
+        <p:spPr/>
+        <p:txBody>
+          <a:bodyPr>
+            <a:normAutofit/>
+          </a:bodyPr>
+          <a:lstStyle/>
+          <a:p>
+            <a:r>
+              <a:rPr lang="en-US" dirty="0"/>
+              <a:t>Build Model</a:t>
+            </a:r>
+          </a:p>
+          <a:p>
+            <a:pPr lvl="1"/>
+            <a:r>
+              <a:rPr lang="en-US" dirty="0"/>
+              <a:t>Select an appropriate classifier.</a:t>
+            </a:r>
+          </a:p>
+          <a:p>
+            <a:pPr lvl="1"/>
+            <a:r>
+              <a:rPr lang="en-US" dirty="0"/>
+              <a:t>The model should be trained with a majority of the data we gathered, say with 75% of the data.</a:t>
+            </a:r>
+          </a:p>
+          <a:p>
+            <a:pPr lvl="1"/>
+            <a:r>
+              <a:rPr lang="en-US" dirty="0"/>
+              <a:t>The other 25% can be used to test how good our model can predict.</a:t>
+            </a:r>
+          </a:p>
+          <a:p>
+            <a:pPr lvl="1"/>
+            <a:endParaRPr lang="en-US" dirty="0"/>
+          </a:p>
+          <a:p>
+            <a:pPr lvl="2"/>
+            <a:endParaRPr lang="en-US" dirty="0"/>
+          </a:p>
+          <a:p>
+            <a:endParaRPr lang="en-US" dirty="0"/>
+          </a:p>
+        </p:txBody>
+      </p:sp>
+    </p:spTree>
+    <p:extLst>
+      <p:ext uri="{BB962C8B-B14F-4D97-AF65-F5344CB8AC3E}">
+        <p14:creationId xmlns:p14="http://schemas.microsoft.com/office/powerpoint/2010/main" val="823098654"/>
+      </p:ext>
+    </p:extLst>
+  </p:cSld>
+  <p:clrMapOvr>
+    <a:overrideClrMapping bg1="lt1" tx1="dk1" bg2="lt2" tx2="dk2" accent1="accent1" accent2="accent2" accent3="accent3" accent4="accent4" accent5="accent5" accent6="accent6" hlink="hlink" folHlink="folHlink"/>
+  </p:clrMapOvr>
+</p:sld>
+</file>
+
+<file path=ppt/slides/slide24.xml><?xml version="1.0" encoding="utf-8"?>
+<p:sld xmlns:a="http://schemas.openxmlformats.org/drawingml/2006/main" xmlns:r="http://schemas.openxmlformats.org/officeDocument/2006/relationships" xmlns:p="http://schemas.openxmlformats.org/presentationml/2006/main">
+  <p:cSld>
+    <p:bg>
+      <p:bgPr>
+        <a:blipFill dpi="0" rotWithShape="1">
+          <a:blip r:embed="rId3">
+            <a:extLst>
+              <a:ext uri="{BEBA8EAE-BF5A-486C-A8C5-ECC9F3942E4B}">
+                <a14:imgProps xmlns:a14="http://schemas.microsoft.com/office/drawing/2010/main">
+                  <a14:imgLayer r:embed="rId4">
+                    <a14:imgEffect>
+                      <a14:brightnessContrast bright="-50000"/>
+                    </a14:imgEffect>
+                  </a14:imgLayer>
+                </a14:imgProps>
+              </a:ext>
+            </a:extLst>
+          </a:blip>
+          <a:srcRect/>
+          <a:stretch>
+            <a:fillRect l="-10000" r="-10000"/>
+          </a:stretch>
+        </a:blipFill>
+        <a:effectLst/>
+      </p:bgPr>
+    </p:bg>
+    <p:spTree>
+      <p:nvGrpSpPr>
+        <p:cNvPr id="1" name=""/>
+        <p:cNvGrpSpPr/>
+        <p:nvPr/>
+      </p:nvGrpSpPr>
+      <p:grpSpPr>
+        <a:xfrm>
+          <a:off x="0" y="0"/>
+          <a:ext cx="0" cy="0"/>
+          <a:chOff x="0" y="0"/>
+          <a:chExt cx="0" cy="0"/>
+        </a:xfrm>
+      </p:grpSpPr>
+      <p:sp>
+        <p:nvSpPr>
+          <p:cNvPr id="2" name="Title 1"/>
+          <p:cNvSpPr>
+            <a:spLocks noGrp="1"/>
+          </p:cNvSpPr>
+          <p:nvPr>
+            <p:ph type="title"/>
+          </p:nvPr>
+        </p:nvSpPr>
+        <p:spPr/>
+        <p:txBody>
+          <a:bodyPr>
+            <a:normAutofit/>
+          </a:bodyPr>
+          <a:lstStyle/>
+          <a:p>
+            <a:r>
+              <a:rPr lang="en-US" dirty="0"/>
+              <a:t>General Workflow</a:t>
+            </a:r>
+          </a:p>
+        </p:txBody>
+      </p:sp>
+      <p:sp>
+        <p:nvSpPr>
+          <p:cNvPr id="3" name="Content Placeholder 2"/>
+          <p:cNvSpPr>
+            <a:spLocks noGrp="1"/>
+          </p:cNvSpPr>
+          <p:nvPr>
+            <p:ph idx="1"/>
+          </p:nvPr>
+        </p:nvSpPr>
+        <p:spPr/>
+        <p:txBody>
+          <a:bodyPr>
+            <a:normAutofit/>
+          </a:bodyPr>
+          <a:lstStyle/>
+          <a:p>
+            <a:r>
+              <a:rPr lang="en-US" dirty="0"/>
+              <a:t>Evaluate Accuracy</a:t>
+            </a:r>
+          </a:p>
+          <a:p>
+            <a:pPr lvl="1"/>
+            <a:r>
+              <a:rPr lang="en-US" dirty="0"/>
+              <a:t>The model needs to be evaluated for accuracy to ensure our predictions will have a high degree of correctness.</a:t>
+            </a:r>
+          </a:p>
+          <a:p>
+            <a:pPr lvl="1"/>
+            <a:r>
+              <a:rPr lang="en-US" dirty="0"/>
+              <a:t>This is usually done using the 25% of data that we did not use for training.</a:t>
+            </a:r>
+          </a:p>
+          <a:p>
+            <a:pPr lvl="1"/>
+            <a:endParaRPr lang="en-US" dirty="0"/>
+          </a:p>
+          <a:p>
+            <a:pPr lvl="2"/>
+            <a:endParaRPr lang="en-US" dirty="0"/>
+          </a:p>
+          <a:p>
+            <a:endParaRPr lang="en-US" dirty="0"/>
+          </a:p>
+        </p:txBody>
+      </p:sp>
+    </p:spTree>
+    <p:extLst>
+      <p:ext uri="{BB962C8B-B14F-4D97-AF65-F5344CB8AC3E}">
+        <p14:creationId xmlns:p14="http://schemas.microsoft.com/office/powerpoint/2010/main" val="3005493130"/>
+      </p:ext>
+    </p:extLst>
+  </p:cSld>
+  <p:clrMapOvr>
+    <a:overrideClrMapping bg1="lt1" tx1="dk1" bg2="lt2" tx2="dk2" accent1="accent1" accent2="accent2" accent3="accent3" accent4="accent4" accent5="accent5" accent6="accent6" hlink="hlink" folHlink="folHlink"/>
+  </p:clrMapOvr>
+</p:sld>
+</file>
+
+<file path=ppt/slides/slide25.xml><?xml version="1.0" encoding="utf-8"?>
+<p:sld xmlns:a="http://schemas.openxmlformats.org/drawingml/2006/main" xmlns:r="http://schemas.openxmlformats.org/officeDocument/2006/relationships" xmlns:p="http://schemas.openxmlformats.org/presentationml/2006/main">
+  <p:cSld>
+    <p:bg>
+      <p:bgPr>
+        <a:blipFill dpi="0" rotWithShape="1">
+          <a:blip r:embed="rId3">
+            <a:extLst>
+              <a:ext uri="{BEBA8EAE-BF5A-486C-A8C5-ECC9F3942E4B}">
+                <a14:imgProps xmlns:a14="http://schemas.microsoft.com/office/drawing/2010/main">
+                  <a14:imgLayer r:embed="rId4">
+                    <a14:imgEffect>
+                      <a14:brightnessContrast bright="-50000"/>
+                    </a14:imgEffect>
+                  </a14:imgLayer>
+                </a14:imgProps>
+              </a:ext>
+            </a:extLst>
+          </a:blip>
+          <a:srcRect/>
+          <a:stretch>
+            <a:fillRect l="-10000" r="-10000"/>
+          </a:stretch>
+        </a:blipFill>
+        <a:effectLst/>
+      </p:bgPr>
+    </p:bg>
+    <p:spTree>
+      <p:nvGrpSpPr>
+        <p:cNvPr id="1" name=""/>
+        <p:cNvGrpSpPr/>
+        <p:nvPr/>
+      </p:nvGrpSpPr>
+      <p:grpSpPr>
+        <a:xfrm>
+          <a:off x="0" y="0"/>
+          <a:ext cx="0" cy="0"/>
+          <a:chOff x="0" y="0"/>
+          <a:chExt cx="0" cy="0"/>
+        </a:xfrm>
+      </p:grpSpPr>
+      <p:sp>
+        <p:nvSpPr>
+          <p:cNvPr id="2" name="Title 1"/>
+          <p:cNvSpPr>
+            <a:spLocks noGrp="1"/>
+          </p:cNvSpPr>
+          <p:nvPr>
+            <p:ph type="title"/>
+          </p:nvPr>
+        </p:nvSpPr>
+        <p:spPr/>
+        <p:txBody>
+          <a:bodyPr>
+            <a:normAutofit/>
+          </a:bodyPr>
+          <a:lstStyle/>
+          <a:p>
+            <a:r>
+              <a:rPr lang="en-US" dirty="0"/>
+              <a:t>General Workflow</a:t>
+            </a:r>
+          </a:p>
+        </p:txBody>
+      </p:sp>
+      <p:sp>
+        <p:nvSpPr>
+          <p:cNvPr id="3" name="Content Placeholder 2"/>
+          <p:cNvSpPr>
+            <a:spLocks noGrp="1"/>
+          </p:cNvSpPr>
+          <p:nvPr>
+            <p:ph idx="1"/>
+          </p:nvPr>
+        </p:nvSpPr>
+        <p:spPr/>
+        <p:txBody>
+          <a:bodyPr>
+            <a:normAutofit/>
+          </a:bodyPr>
+          <a:lstStyle/>
+          <a:p>
+            <a:r>
+              <a:rPr lang="en-US" dirty="0"/>
+              <a:t>Evaluate Accuracy</a:t>
+            </a:r>
+          </a:p>
+          <a:p>
+            <a:pPr lvl="1"/>
+            <a:r>
+              <a:rPr lang="en-US" dirty="0"/>
+              <a:t>There is no such thing as 100% accuracy unless you have toy data, or a completely defined system that does not need machine learning.</a:t>
+            </a:r>
+          </a:p>
+          <a:p>
+            <a:pPr lvl="1"/>
+            <a:r>
+              <a:rPr lang="en-US" dirty="0"/>
+              <a:t>If we get 100% accuracy, and the above are not true, we have most likely over-fitted our model, possibly by using training data as test data.</a:t>
+            </a:r>
+          </a:p>
+          <a:p>
+            <a:pPr lvl="2"/>
+            <a:r>
+              <a:rPr lang="en-US" dirty="0"/>
+              <a:t>Leads to inaccurate predictions on new data without known labels</a:t>
+            </a:r>
+          </a:p>
+          <a:p>
+            <a:pPr marL="457200" lvl="1" indent="0">
+              <a:buNone/>
+            </a:pPr>
+            <a:endParaRPr lang="en-US" dirty="0"/>
+          </a:p>
+          <a:p>
+            <a:pPr lvl="1"/>
+            <a:endParaRPr lang="en-US" dirty="0"/>
+          </a:p>
+          <a:p>
+            <a:pPr lvl="2"/>
+            <a:endParaRPr lang="en-US" dirty="0"/>
+          </a:p>
+          <a:p>
+            <a:endParaRPr lang="en-US" dirty="0"/>
+          </a:p>
+        </p:txBody>
+      </p:sp>
+    </p:spTree>
+    <p:extLst>
+      <p:ext uri="{BB962C8B-B14F-4D97-AF65-F5344CB8AC3E}">
+        <p14:creationId xmlns:p14="http://schemas.microsoft.com/office/powerpoint/2010/main" val="140326188"/>
+      </p:ext>
+    </p:extLst>
+  </p:cSld>
+  <p:clrMapOvr>
+    <a:overrideClrMapping bg1="lt1" tx1="dk1" bg2="lt2" tx2="dk2" accent1="accent1" accent2="accent2" accent3="accent3" accent4="accent4" accent5="accent5" accent6="accent6" hlink="hlink" folHlink="folHlink"/>
+  </p:clrMapOvr>
+</p:sld>
+</file>
+
+<file path=ppt/slides/slide26.xml><?xml version="1.0" encoding="utf-8"?>
+<p:sld xmlns:a="http://schemas.openxmlformats.org/drawingml/2006/main" xmlns:r="http://schemas.openxmlformats.org/officeDocument/2006/relationships" xmlns:p="http://schemas.openxmlformats.org/presentationml/2006/main">
+  <p:cSld>
+    <p:bg>
+      <p:bgPr>
+        <a:blipFill dpi="0" rotWithShape="1">
+          <a:blip r:embed="rId3">
+            <a:extLst>
+              <a:ext uri="{BEBA8EAE-BF5A-486C-A8C5-ECC9F3942E4B}">
+                <a14:imgProps xmlns:a14="http://schemas.microsoft.com/office/drawing/2010/main">
+                  <a14:imgLayer r:embed="rId4">
+                    <a14:imgEffect>
+                      <a14:brightnessContrast bright="-50000"/>
+                    </a14:imgEffect>
+                  </a14:imgLayer>
+                </a14:imgProps>
+              </a:ext>
+            </a:extLst>
+          </a:blip>
+          <a:srcRect/>
+          <a:stretch>
+            <a:fillRect l="-10000" r="-10000"/>
+          </a:stretch>
+        </a:blipFill>
+        <a:effectLst/>
+      </p:bgPr>
+    </p:bg>
+    <p:spTree>
+      <p:nvGrpSpPr>
+        <p:cNvPr id="1" name=""/>
+        <p:cNvGrpSpPr/>
+        <p:nvPr/>
+      </p:nvGrpSpPr>
+      <p:grpSpPr>
+        <a:xfrm>
+          <a:off x="0" y="0"/>
+          <a:ext cx="0" cy="0"/>
+          <a:chOff x="0" y="0"/>
+          <a:chExt cx="0" cy="0"/>
+        </a:xfrm>
+      </p:grpSpPr>
+      <p:sp>
+        <p:nvSpPr>
+          <p:cNvPr id="2" name="Title 1"/>
+          <p:cNvSpPr>
+            <a:spLocks noGrp="1"/>
+          </p:cNvSpPr>
+          <p:nvPr>
+            <p:ph type="title"/>
+          </p:nvPr>
+        </p:nvSpPr>
+        <p:spPr/>
+        <p:txBody>
+          <a:bodyPr>
+            <a:normAutofit/>
+          </a:bodyPr>
+          <a:lstStyle/>
+          <a:p>
+            <a:r>
+              <a:rPr lang="en-US" dirty="0"/>
+              <a:t>General Workflow</a:t>
+            </a:r>
+          </a:p>
+        </p:txBody>
+      </p:sp>
+      <p:sp>
+        <p:nvSpPr>
+          <p:cNvPr id="3" name="Content Placeholder 2"/>
+          <p:cNvSpPr>
+            <a:spLocks noGrp="1"/>
+          </p:cNvSpPr>
+          <p:nvPr>
+            <p:ph idx="1"/>
+          </p:nvPr>
+        </p:nvSpPr>
+        <p:spPr/>
+        <p:txBody>
+          <a:bodyPr>
+            <a:normAutofit/>
+          </a:bodyPr>
+          <a:lstStyle/>
+          <a:p>
+            <a:r>
+              <a:rPr lang="en-US" dirty="0"/>
+              <a:t>Predict real-world outcomes</a:t>
+            </a:r>
+          </a:p>
+          <a:p>
+            <a:pPr lvl="1"/>
+            <a:r>
+              <a:rPr lang="en-US" dirty="0"/>
+              <a:t>Once the model is as accurate as we want, the model can be used to predict real-world outcomes that are unknown.</a:t>
+            </a:r>
+          </a:p>
+          <a:p>
+            <a:pPr lvl="1"/>
+            <a:endParaRPr lang="en-US" dirty="0"/>
+          </a:p>
+          <a:p>
+            <a:pPr lvl="2"/>
+            <a:endParaRPr lang="en-US" dirty="0"/>
+          </a:p>
+          <a:p>
+            <a:endParaRPr lang="en-US" dirty="0"/>
+          </a:p>
+        </p:txBody>
+      </p:sp>
+    </p:spTree>
+    <p:extLst>
+      <p:ext uri="{BB962C8B-B14F-4D97-AF65-F5344CB8AC3E}">
+        <p14:creationId xmlns:p14="http://schemas.microsoft.com/office/powerpoint/2010/main" val="293541596"/>
+      </p:ext>
+    </p:extLst>
+  </p:cSld>
+  <p:clrMapOvr>
+    <a:overrideClrMapping bg1="lt1" tx1="dk1" bg2="lt2" tx2="dk2" accent1="accent1" accent2="accent2" accent3="accent3" accent4="accent4" accent5="accent5" accent6="accent6" hlink="hlink" folHlink="folHlink"/>
+  </p:clrMapOvr>
+</p:sld>
+</file>
+
+<file path=ppt/slides/slide27.xml><?xml version="1.0" encoding="utf-8"?>
+<p:sld xmlns:a="http://schemas.openxmlformats.org/drawingml/2006/main" xmlns:r="http://schemas.openxmlformats.org/officeDocument/2006/relationships" xmlns:p="http://schemas.openxmlformats.org/presentationml/2006/main">
+  <p:cSld>
+    <p:bg>
+      <p:bgPr>
+        <a:blipFill dpi="0" rotWithShape="1">
+          <a:blip r:embed="rId3">
+            <a:extLst>
+              <a:ext uri="{BEBA8EAE-BF5A-486C-A8C5-ECC9F3942E4B}">
+                <a14:imgProps xmlns:a14="http://schemas.microsoft.com/office/drawing/2010/main">
+                  <a14:imgLayer r:embed="rId4">
+                    <a14:imgEffect>
+                      <a14:brightnessContrast bright="-50000"/>
+                    </a14:imgEffect>
+                  </a14:imgLayer>
+                </a14:imgProps>
+              </a:ext>
+            </a:extLst>
+          </a:blip>
+          <a:srcRect/>
+          <a:stretch>
+            <a:fillRect l="-10000" r="-10000"/>
+          </a:stretch>
+        </a:blipFill>
+        <a:effectLst/>
+      </p:bgPr>
+    </p:bg>
+    <p:spTree>
+      <p:nvGrpSpPr>
+        <p:cNvPr id="1" name=""/>
+        <p:cNvGrpSpPr/>
+        <p:nvPr/>
+      </p:nvGrpSpPr>
+      <p:grpSpPr>
+        <a:xfrm>
+          <a:off x="0" y="0"/>
+          <a:ext cx="0" cy="0"/>
+          <a:chOff x="0" y="0"/>
+          <a:chExt cx="0" cy="0"/>
+        </a:xfrm>
+      </p:grpSpPr>
+      <p:sp>
+        <p:nvSpPr>
+          <p:cNvPr id="2" name="Title 1"/>
+          <p:cNvSpPr>
+            <a:spLocks noGrp="1"/>
+          </p:cNvSpPr>
+          <p:nvPr>
+            <p:ph type="title"/>
+          </p:nvPr>
+        </p:nvSpPr>
+        <p:spPr/>
+        <p:txBody>
+          <a:bodyPr/>
+          <a:lstStyle/>
+          <a:p>
+            <a:r>
+              <a:rPr lang="en-US" dirty="0"/>
+              <a:t>Linear Models</a:t>
+            </a:r>
+          </a:p>
+        </p:txBody>
+      </p:sp>
+      <p:sp>
+        <p:nvSpPr>
+          <p:cNvPr id="3" name="Content Placeholder 2"/>
+          <p:cNvSpPr>
+            <a:spLocks noGrp="1"/>
+          </p:cNvSpPr>
+          <p:nvPr>
+            <p:ph idx="1"/>
+          </p:nvPr>
+        </p:nvSpPr>
+        <p:spPr/>
+        <p:txBody>
+          <a:bodyPr>
+            <a:normAutofit fontScale="92500" lnSpcReduction="20000"/>
+          </a:bodyPr>
+          <a:lstStyle/>
+          <a:p>
+            <a:r>
+              <a:rPr lang="en-US" dirty="0"/>
+              <a:t>List of some types we will Cover</a:t>
+            </a:r>
+          </a:p>
+          <a:p>
+            <a:pPr lvl="1"/>
+            <a:r>
+              <a:rPr lang="en-US" dirty="0"/>
+              <a:t>Linear Classifiers</a:t>
+            </a:r>
+          </a:p>
+          <a:p>
+            <a:pPr lvl="2"/>
+            <a:r>
+              <a:rPr lang="en-US" dirty="0"/>
+              <a:t>K-Nearest Neighbors</a:t>
+            </a:r>
+          </a:p>
+          <a:p>
+            <a:pPr lvl="2"/>
+            <a:r>
+              <a:rPr lang="en-US" dirty="0"/>
+              <a:t>Decision Tree</a:t>
+            </a:r>
+          </a:p>
+          <a:p>
+            <a:pPr lvl="1"/>
+            <a:r>
+              <a:rPr lang="en-US" dirty="0"/>
+              <a:t>Linear Regressors</a:t>
+            </a:r>
+          </a:p>
+          <a:p>
+            <a:pPr lvl="2"/>
+            <a:r>
+              <a:rPr lang="en-US" dirty="0"/>
+              <a:t>K-Nearest Neighbors</a:t>
+            </a:r>
+          </a:p>
+          <a:p>
+            <a:pPr lvl="2"/>
+            <a:r>
+              <a:rPr lang="en-US" dirty="0"/>
+              <a:t>Linear Regression</a:t>
+            </a:r>
+          </a:p>
+          <a:p>
+            <a:pPr lvl="2"/>
+            <a:r>
+              <a:rPr lang="en-US" dirty="0"/>
+              <a:t>Lasso</a:t>
+            </a:r>
+          </a:p>
+          <a:p>
+            <a:pPr lvl="2"/>
+            <a:r>
+              <a:rPr lang="en-US" dirty="0"/>
+              <a:t>Regression</a:t>
+            </a:r>
+          </a:p>
+          <a:p>
+            <a:pPr lvl="2"/>
+            <a:r>
+              <a:rPr lang="en-US" dirty="0"/>
+              <a:t>Decision Tree</a:t>
+            </a:r>
+          </a:p>
+          <a:p>
+            <a:pPr lvl="2"/>
+            <a:r>
+              <a:rPr lang="en-US" dirty="0"/>
+              <a:t>Forest</a:t>
+            </a:r>
+          </a:p>
+          <a:p>
+            <a:pPr lvl="2"/>
+            <a:r>
+              <a:rPr lang="en-US" dirty="0"/>
+              <a:t>Gradient-Boosted Forest</a:t>
+            </a:r>
+          </a:p>
+          <a:p>
+            <a:pPr lvl="2"/>
+            <a:endParaRPr lang="en-US" dirty="0"/>
+          </a:p>
+          <a:p>
+            <a:endParaRPr lang="en-US" dirty="0"/>
+          </a:p>
+        </p:txBody>
+      </p:sp>
+    </p:spTree>
+    <p:extLst>
+      <p:ext uri="{BB962C8B-B14F-4D97-AF65-F5344CB8AC3E}">
+        <p14:creationId xmlns:p14="http://schemas.microsoft.com/office/powerpoint/2010/main" val="3895443771"/>
+      </p:ext>
+    </p:extLst>
+  </p:cSld>
+  <p:clrMapOvr>
+    <a:overrideClrMapping bg1="lt1" tx1="dk1" bg2="lt2" tx2="dk2" accent1="accent1" accent2="accent2" accent3="accent3" accent4="accent4" accent5="accent5" accent6="accent6" hlink="hlink" folHlink="folHlink"/>
+  </p:clrMapOvr>
+</p:sld>
+</file>
+
+<file path=ppt/slides/slide28.xml><?xml version="1.0" encoding="utf-8"?>
+<p:sld xmlns:a="http://schemas.openxmlformats.org/drawingml/2006/main" xmlns:r="http://schemas.openxmlformats.org/officeDocument/2006/relationships" xmlns:p="http://schemas.openxmlformats.org/presentationml/2006/main">
+  <p:cSld>
+    <p:bg>
+      <p:bgPr>
+        <a:blipFill dpi="0" rotWithShape="1">
+          <a:blip r:embed="rId4">
+            <a:extLst>
+              <a:ext uri="{BEBA8EAE-BF5A-486C-A8C5-ECC9F3942E4B}">
+                <a14:imgProps xmlns:a14="http://schemas.microsoft.com/office/drawing/2010/main">
+                  <a14:imgLayer r:embed="rId5">
+                    <a14:imgEffect>
+                      <a14:brightnessContrast bright="-50000"/>
+                    </a14:imgEffect>
+                  </a14:imgLayer>
+                </a14:imgProps>
+              </a:ext>
+            </a:extLst>
+          </a:blip>
+          <a:srcRect/>
+          <a:stretch>
+            <a:fillRect l="-10000" r="-10000"/>
+          </a:stretch>
+        </a:blipFill>
+        <a:effectLst/>
+      </p:bgPr>
+    </p:bg>
+    <p:spTree>
+      <p:nvGrpSpPr>
+        <p:cNvPr id="1" name=""/>
+        <p:cNvGrpSpPr/>
+        <p:nvPr/>
+      </p:nvGrpSpPr>
+      <p:grpSpPr>
+        <a:xfrm>
+          <a:off x="0" y="0"/>
+          <a:ext cx="0" cy="0"/>
+          <a:chOff x="0" y="0"/>
+          <a:chExt cx="0" cy="0"/>
+        </a:xfrm>
+      </p:grpSpPr>
+      <p:sp>
+        <p:nvSpPr>
+          <p:cNvPr id="2" name="Title 1"/>
+          <p:cNvSpPr>
+            <a:spLocks noGrp="1"/>
+          </p:cNvSpPr>
+          <p:nvPr>
+            <p:ph type="title"/>
+          </p:nvPr>
+        </p:nvSpPr>
+        <p:spPr/>
+        <p:txBody>
+          <a:bodyPr/>
+          <a:lstStyle/>
+          <a:p>
+            <a:r>
+              <a:rPr lang="en-US" dirty="0"/>
+              <a:t>Linear Models - Classifiers</a:t>
+            </a:r>
+          </a:p>
+        </p:txBody>
+      </p:sp>
+      <p:sp>
+        <p:nvSpPr>
+          <p:cNvPr id="3" name="Content Placeholder 2"/>
+          <p:cNvSpPr>
+            <a:spLocks noGrp="1"/>
+          </p:cNvSpPr>
+          <p:nvPr>
+            <p:ph idx="1"/>
+          </p:nvPr>
+        </p:nvSpPr>
+        <p:spPr/>
+        <p:txBody>
+          <a:bodyPr/>
+          <a:lstStyle/>
+          <a:p>
+            <a:r>
+              <a:rPr lang="en-US" dirty="0"/>
+              <a:t>K-Nearest Neighbors</a:t>
+            </a:r>
+          </a:p>
+          <a:p>
+            <a:pPr lvl="1"/>
+            <a:r>
+              <a:rPr lang="en-US" dirty="0"/>
+              <a:t>Predicts outcome by finding the closest matching data point neighbor(s) to the target point.</a:t>
+            </a:r>
+          </a:p>
+          <a:p>
+            <a:pPr lvl="1"/>
+            <a:r>
+              <a:rPr lang="en-US" dirty="0"/>
+              <a:t>When multiple neighbors are used, the classification with the most neighbors is what the target point is classified as.</a:t>
+            </a:r>
+          </a:p>
+          <a:p>
+            <a:pPr lvl="2"/>
+            <a:endParaRPr lang="en-US" dirty="0"/>
+          </a:p>
+          <a:p>
+            <a:endParaRPr lang="en-US" dirty="0"/>
+          </a:p>
+        </p:txBody>
+      </p:sp>
+    </p:spTree>
+    <p:extLst>
+      <p:ext uri="{BB962C8B-B14F-4D97-AF65-F5344CB8AC3E}">
+        <p14:creationId xmlns:p14="http://schemas.microsoft.com/office/powerpoint/2010/main" val="76902119"/>
+      </p:ext>
+    </p:extLst>
+  </p:cSld>
+  <p:clrMapOvr>
+    <a:overrideClrMapping bg1="lt1" tx1="dk1" bg2="lt2" tx2="dk2" accent1="accent1" accent2="accent2" accent3="accent3" accent4="accent4" accent5="accent5" accent6="accent6" hlink="hlink" folHlink="folHlink"/>
+  </p:clrMapOvr>
+</p:sld>
+</file>
+
+<file path=ppt/slides/slide29.xml><?xml version="1.0" encoding="utf-8"?>
+<p:sld xmlns:a="http://schemas.openxmlformats.org/drawingml/2006/main" xmlns:r="http://schemas.openxmlformats.org/officeDocument/2006/relationships" xmlns:p="http://schemas.openxmlformats.org/presentationml/2006/main">
+  <p:cSld>
+    <p:bg>
+      <p:bgPr>
+        <a:blipFill dpi="0" rotWithShape="1">
+          <a:blip r:embed="rId5">
+            <a:extLst>
+              <a:ext uri="{BEBA8EAE-BF5A-486C-A8C5-ECC9F3942E4B}">
+                <a14:imgProps xmlns:a14="http://schemas.microsoft.com/office/drawing/2010/main">
+                  <a14:imgLayer r:embed="rId6">
+                    <a14:imgEffect>
+                      <a14:brightnessContrast bright="-50000"/>
+                    </a14:imgEffect>
+                  </a14:imgLayer>
+                </a14:imgProps>
+              </a:ext>
+            </a:extLst>
+          </a:blip>
+          <a:srcRect/>
+          <a:stretch>
+            <a:fillRect l="-10000" r="-10000"/>
+          </a:stretch>
+        </a:blipFill>
+        <a:effectLst/>
+      </p:bgPr>
+    </p:bg>
+    <p:spTree>
+      <p:nvGrpSpPr>
+        <p:cNvPr id="1" name=""/>
+        <p:cNvGrpSpPr/>
+        <p:nvPr/>
+      </p:nvGrpSpPr>
+      <p:grpSpPr>
+        <a:xfrm>
+          <a:off x="0" y="0"/>
+          <a:ext cx="0" cy="0"/>
+          <a:chOff x="0" y="0"/>
+          <a:chExt cx="0" cy="0"/>
+        </a:xfrm>
+      </p:grpSpPr>
+      <p:sp>
+        <p:nvSpPr>
+          <p:cNvPr id="2" name="Title 1"/>
+          <p:cNvSpPr>
+            <a:spLocks noGrp="1"/>
+          </p:cNvSpPr>
+          <p:nvPr>
+            <p:ph type="title"/>
+          </p:nvPr>
+        </p:nvSpPr>
+        <p:spPr/>
+        <p:txBody>
           <a:bodyPr/>
           <a:lstStyle/>
           <a:p>
@@ -9131,12 +10347,12 @@
           <a:graphicData uri="http://schemas.openxmlformats.org/presentationml/2006/ole">
             <mc:AlternateContent xmlns:mc="http://schemas.openxmlformats.org/markup-compatibility/2006">
               <mc:Choice xmlns:v="urn:schemas-microsoft-com:vml" Requires="v">
-                <p:oleObj spid="_x0000_s2066" name="Bitmap Image" r:id="rId6" imgW="3743280" imgH="3024360" progId="Paint.Picture">
+                <p:oleObj spid="_x0000_s2086" name="Bitmap Image" r:id="rId7" imgW="3743280" imgH="3024360" progId="Paint.Picture">
                   <p:embed/>
                 </p:oleObj>
               </mc:Choice>
               <mc:Fallback>
-                <p:oleObj name="Bitmap Image" r:id="rId6" imgW="3743280" imgH="3024360" progId="Paint.Picture">
+                <p:oleObj name="Bitmap Image" r:id="rId7" imgW="3743280" imgH="3024360" progId="Paint.Picture">
                   <p:embed/>
                   <p:pic>
                     <p:nvPicPr>
@@ -9151,7 +10367,7 @@
                       <p:nvPr/>
                     </p:nvPicPr>
                     <p:blipFill>
-                      <a:blip r:embed="rId7"/>
+                      <a:blip r:embed="rId8"/>
                       <a:stretch>
                         <a:fillRect/>
                       </a:stretch>
@@ -9187,7 +10403,7 @@
           <p:nvPr/>
         </p:nvPicPr>
         <p:blipFill>
-          <a:blip r:embed="rId8"/>
+          <a:blip r:embed="rId9"/>
           <a:stretch>
             <a:fillRect/>
           </a:stretch>
@@ -9215,14 +10431,24 @@
 </p:sld>
 </file>
 
-<file path=ppt/slides/slide24.xml><?xml version="1.0" encoding="utf-8"?>
+<file path=ppt/slides/slide3.xml><?xml version="1.0" encoding="utf-8"?>
 <p:sld xmlns:a="http://schemas.openxmlformats.org/drawingml/2006/main" xmlns:r="http://schemas.openxmlformats.org/officeDocument/2006/relationships" xmlns:p="http://schemas.openxmlformats.org/presentationml/2006/main">
   <p:cSld>
     <p:bg>
       <p:bgPr>
         <a:blipFill dpi="0" rotWithShape="1">
-          <a:blip r:embed="rId4">
-            <a:lum/>
+          <a:blip r:embed="rId3">
+            <a:extLst>
+              <a:ext uri="{BEBA8EAE-BF5A-486C-A8C5-ECC9F3942E4B}">
+                <a14:imgProps xmlns:a14="http://schemas.microsoft.com/office/drawing/2010/main">
+                  <a14:imgLayer r:embed="rId4">
+                    <a14:imgEffect>
+                      <a14:brightnessContrast bright="-50000"/>
+                    </a14:imgEffect>
+                  </a14:imgLayer>
+                </a14:imgProps>
+              </a:ext>
+            </a:extLst>
           </a:blip>
           <a:srcRect/>
           <a:stretch>
@@ -9263,7 +10489,7 @@
           <a:p>
             <a:r>
               <a:rPr lang="en-US" dirty="0"/>
-              <a:t>Linear Models - Classifiers</a:t>
+              <a:t>Overview</a:t>
             </a:r>
           </a:p>
         </p:txBody>
@@ -9285,28 +10511,14 @@
           <a:p>
             <a:r>
               <a:rPr lang="en-US" dirty="0"/>
-              <a:t>Decision Tree</a:t>
+              <a:t>Intro Example Code</a:t>
             </a:r>
           </a:p>
           <a:p>
             <a:pPr lvl="1"/>
             <a:r>
               <a:rPr lang="en-US" dirty="0"/>
-              <a:t>Builds a series of if-statements to classify test points.</a:t>
-            </a:r>
-          </a:p>
-          <a:p>
-            <a:pPr lvl="1"/>
-            <a:r>
-              <a:rPr lang="en-US" dirty="0"/>
-              <a:t>Boundaries around classifications are built based on the data.</a:t>
-            </a:r>
-          </a:p>
-          <a:p>
-            <a:pPr lvl="1"/>
-            <a:r>
-              <a:rPr lang="en-US" dirty="0"/>
-              <a:t>The number of if statement groups, or boundaries created, is known as the depth.</a:t>
+              <a:t>Build and run the first model built with the iris data set in ‘Machine Learning with Scikit-Learn.py’</a:t>
             </a:r>
           </a:p>
           <a:p>
@@ -9321,7 +10533,7 @@
     </p:spTree>
     <p:extLst>
       <p:ext uri="{BB962C8B-B14F-4D97-AF65-F5344CB8AC3E}">
-        <p14:creationId xmlns:p14="http://schemas.microsoft.com/office/powerpoint/2010/main" val="31895842"/>
+        <p14:creationId xmlns:p14="http://schemas.microsoft.com/office/powerpoint/2010/main" val="1691362816"/>
       </p:ext>
     </p:extLst>
   </p:cSld>
@@ -9331,14 +10543,24 @@
 </p:sld>
 </file>
 
-<file path=ppt/slides/slide25.xml><?xml version="1.0" encoding="utf-8"?>
+<file path=ppt/slides/slide30.xml><?xml version="1.0" encoding="utf-8"?>
 <p:sld xmlns:a="http://schemas.openxmlformats.org/drawingml/2006/main" xmlns:r="http://schemas.openxmlformats.org/officeDocument/2006/relationships" xmlns:p="http://schemas.openxmlformats.org/presentationml/2006/main">
   <p:cSld>
     <p:bg>
       <p:bgPr>
         <a:blipFill dpi="0" rotWithShape="1">
           <a:blip r:embed="rId4">
-            <a:lum/>
+            <a:extLst>
+              <a:ext uri="{BEBA8EAE-BF5A-486C-A8C5-ECC9F3942E4B}">
+                <a14:imgProps xmlns:a14="http://schemas.microsoft.com/office/drawing/2010/main">
+                  <a14:imgLayer r:embed="rId5">
+                    <a14:imgEffect>
+                      <a14:brightnessContrast bright="-50000"/>
+                    </a14:imgEffect>
+                  </a14:imgLayer>
+                </a14:imgProps>
+              </a:ext>
+            </a:extLst>
           </a:blip>
           <a:srcRect/>
           <a:stretch>
@@ -9408,22 +10630,26 @@
             <a:pPr lvl="1"/>
             <a:r>
               <a:rPr lang="en-US" dirty="0"/>
-              <a:t>See file “./Session 7 – Python/Instructional Material/Class Examples/Scikit-Learn/decision_tree_graph.html“ for the produced image.  </a:t>
+              <a:t>Builds a series of if-statements to classify test points.</a:t>
+            </a:r>
+          </a:p>
+          <a:p>
+            <a:pPr lvl="1"/>
+            <a:r>
+              <a:rPr lang="en-US" dirty="0"/>
+              <a:t>Boundaries around classifications are built based on the data.</a:t>
+            </a:r>
+          </a:p>
+          <a:p>
+            <a:pPr lvl="1"/>
+            <a:r>
+              <a:rPr lang="en-US" dirty="0"/>
+              <a:t>The number of if statement groups, or boundaries created, is known as the depth.</a:t>
             </a:r>
           </a:p>
           <a:p>
             <a:pPr lvl="2"/>
-            <a:r>
-              <a:rPr lang="en-US" dirty="0"/>
-              <a:t>Generated from iris data set</a:t>
-            </a:r>
-          </a:p>
-          <a:p>
-            <a:pPr lvl="2"/>
-            <a:r>
-              <a:rPr lang="en-US" dirty="0"/>
-              <a:t>Code can be found in class example code under the decision tree section</a:t>
-            </a:r>
+            <a:endParaRPr lang="en-US" dirty="0"/>
           </a:p>
           <a:p>
             <a:endParaRPr lang="en-US" dirty="0"/>
@@ -9433,7 +10659,7 @@
     </p:spTree>
     <p:extLst>
       <p:ext uri="{BB962C8B-B14F-4D97-AF65-F5344CB8AC3E}">
-        <p14:creationId xmlns:p14="http://schemas.microsoft.com/office/powerpoint/2010/main" val="2487683877"/>
+        <p14:creationId xmlns:p14="http://schemas.microsoft.com/office/powerpoint/2010/main" val="31895842"/>
       </p:ext>
     </p:extLst>
   </p:cSld>
@@ -9443,14 +10669,24 @@
 </p:sld>
 </file>
 
-<file path=ppt/slides/slide26.xml><?xml version="1.0" encoding="utf-8"?>
+<file path=ppt/slides/slide31.xml><?xml version="1.0" encoding="utf-8"?>
 <p:sld xmlns:a="http://schemas.openxmlformats.org/drawingml/2006/main" xmlns:r="http://schemas.openxmlformats.org/officeDocument/2006/relationships" xmlns:p="http://schemas.openxmlformats.org/presentationml/2006/main">
   <p:cSld>
     <p:bg>
       <p:bgPr>
         <a:blipFill dpi="0" rotWithShape="1">
           <a:blip r:embed="rId4">
-            <a:lum/>
+            <a:extLst>
+              <a:ext uri="{BEBA8EAE-BF5A-486C-A8C5-ECC9F3942E4B}">
+                <a14:imgProps xmlns:a14="http://schemas.microsoft.com/office/drawing/2010/main">
+                  <a14:imgLayer r:embed="rId5">
+                    <a14:imgEffect>
+                      <a14:brightnessContrast bright="-50000"/>
+                    </a14:imgEffect>
+                  </a14:imgLayer>
+                </a14:imgProps>
+              </a:ext>
+            </a:extLst>
           </a:blip>
           <a:srcRect/>
           <a:stretch>
@@ -9517,6 +10753,128 @@
             </a:r>
           </a:p>
           <a:p>
+            <a:pPr lvl="1"/>
+            <a:r>
+              <a:rPr lang="en-US" dirty="0"/>
+              <a:t>See file “./Session 7 – Python/Instructional Material/Class Examples/Scikit-Learn/decision_tree_graph.html“ for the produced image.  </a:t>
+            </a:r>
+          </a:p>
+          <a:p>
+            <a:pPr lvl="2"/>
+            <a:r>
+              <a:rPr lang="en-US" dirty="0"/>
+              <a:t>Generated from iris data set</a:t>
+            </a:r>
+          </a:p>
+          <a:p>
+            <a:pPr lvl="2"/>
+            <a:r>
+              <a:rPr lang="en-US" dirty="0"/>
+              <a:t>Code can be found in class example code under the decision tree section</a:t>
+            </a:r>
+          </a:p>
+          <a:p>
+            <a:endParaRPr lang="en-US" dirty="0"/>
+          </a:p>
+        </p:txBody>
+      </p:sp>
+    </p:spTree>
+    <p:extLst>
+      <p:ext uri="{BB962C8B-B14F-4D97-AF65-F5344CB8AC3E}">
+        <p14:creationId xmlns:p14="http://schemas.microsoft.com/office/powerpoint/2010/main" val="2487683877"/>
+      </p:ext>
+    </p:extLst>
+  </p:cSld>
+  <p:clrMapOvr>
+    <a:overrideClrMapping bg1="lt1" tx1="dk1" bg2="lt2" tx2="dk2" accent1="accent1" accent2="accent2" accent3="accent3" accent4="accent4" accent5="accent5" accent6="accent6" hlink="hlink" folHlink="folHlink"/>
+  </p:clrMapOvr>
+</p:sld>
+</file>
+
+<file path=ppt/slides/slide32.xml><?xml version="1.0" encoding="utf-8"?>
+<p:sld xmlns:a="http://schemas.openxmlformats.org/drawingml/2006/main" xmlns:r="http://schemas.openxmlformats.org/officeDocument/2006/relationships" xmlns:p="http://schemas.openxmlformats.org/presentationml/2006/main">
+  <p:cSld>
+    <p:bg>
+      <p:bgPr>
+        <a:blipFill dpi="0" rotWithShape="1">
+          <a:blip r:embed="rId4">
+            <a:extLst>
+              <a:ext uri="{BEBA8EAE-BF5A-486C-A8C5-ECC9F3942E4B}">
+                <a14:imgProps xmlns:a14="http://schemas.microsoft.com/office/drawing/2010/main">
+                  <a14:imgLayer r:embed="rId5">
+                    <a14:imgEffect>
+                      <a14:brightnessContrast bright="-50000"/>
+                    </a14:imgEffect>
+                  </a14:imgLayer>
+                </a14:imgProps>
+              </a:ext>
+            </a:extLst>
+          </a:blip>
+          <a:srcRect/>
+          <a:stretch>
+            <a:fillRect l="-10000" r="-10000"/>
+          </a:stretch>
+        </a:blipFill>
+        <a:effectLst/>
+      </p:bgPr>
+    </p:bg>
+    <p:spTree>
+      <p:nvGrpSpPr>
+        <p:cNvPr id="1" name=""/>
+        <p:cNvGrpSpPr/>
+        <p:nvPr/>
+      </p:nvGrpSpPr>
+      <p:grpSpPr>
+        <a:xfrm>
+          <a:off x="0" y="0"/>
+          <a:ext cx="0" cy="0"/>
+          <a:chOff x="0" y="0"/>
+          <a:chExt cx="0" cy="0"/>
+        </a:xfrm>
+      </p:grpSpPr>
+      <p:sp>
+        <p:nvSpPr>
+          <p:cNvPr id="2" name="Title 1"/>
+          <p:cNvSpPr>
+            <a:spLocks noGrp="1"/>
+          </p:cNvSpPr>
+          <p:nvPr>
+            <p:ph type="title"/>
+          </p:nvPr>
+        </p:nvSpPr>
+        <p:spPr/>
+        <p:txBody>
+          <a:bodyPr/>
+          <a:lstStyle/>
+          <a:p>
+            <a:r>
+              <a:rPr lang="en-US" dirty="0"/>
+              <a:t>Linear Models - Classifiers</a:t>
+            </a:r>
+          </a:p>
+        </p:txBody>
+      </p:sp>
+      <p:sp>
+        <p:nvSpPr>
+          <p:cNvPr id="3" name="Content Placeholder 2"/>
+          <p:cNvSpPr>
+            <a:spLocks noGrp="1"/>
+          </p:cNvSpPr>
+          <p:nvPr>
+            <p:ph idx="1"/>
+          </p:nvPr>
+        </p:nvSpPr>
+        <p:spPr/>
+        <p:txBody>
+          <a:bodyPr/>
+          <a:lstStyle/>
+          <a:p>
+            <a:r>
+              <a:rPr lang="en-US" dirty="0"/>
+              <a:t>Decision Tree</a:t>
+            </a:r>
+          </a:p>
+          <a:p>
             <a:pPr lvl="2"/>
             <a:endParaRPr lang="en-US" dirty="0"/>
           </a:p>
@@ -9540,7 +10898,7 @@
           <p:nvPr/>
         </p:nvPicPr>
         <p:blipFill>
-          <a:blip r:embed="rId5"/>
+          <a:blip r:embed="rId6"/>
           <a:stretch>
             <a:fillRect/>
           </a:stretch>
@@ -9568,14 +10926,24 @@
 </p:sld>
 </file>
 
-<file path=ppt/slides/slide27.xml><?xml version="1.0" encoding="utf-8"?>
+<file path=ppt/slides/slide33.xml><?xml version="1.0" encoding="utf-8"?>
 <p:sld xmlns:a="http://schemas.openxmlformats.org/drawingml/2006/main" xmlns:r="http://schemas.openxmlformats.org/officeDocument/2006/relationships" xmlns:p="http://schemas.openxmlformats.org/presentationml/2006/main">
   <p:cSld>
     <p:bg>
       <p:bgPr>
         <a:blipFill dpi="0" rotWithShape="1">
           <a:blip r:embed="rId3">
-            <a:lum/>
+            <a:extLst>
+              <a:ext uri="{BEBA8EAE-BF5A-486C-A8C5-ECC9F3942E4B}">
+                <a14:imgProps xmlns:a14="http://schemas.microsoft.com/office/drawing/2010/main">
+                  <a14:imgLayer r:embed="rId4">
+                    <a14:imgEffect>
+                      <a14:brightnessContrast bright="-50000"/>
+                    </a14:imgEffect>
+                  </a14:imgLayer>
+                </a14:imgProps>
+              </a:ext>
+            </a:extLst>
           </a:blip>
           <a:srcRect/>
           <a:stretch>
@@ -9663,14 +11031,24 @@
 </p:sld>
 </file>
 
-<file path=ppt/slides/slide28.xml><?xml version="1.0" encoding="utf-8"?>
+<file path=ppt/slides/slide34.xml><?xml version="1.0" encoding="utf-8"?>
 <p:sld xmlns:a="http://schemas.openxmlformats.org/drawingml/2006/main" xmlns:r="http://schemas.openxmlformats.org/officeDocument/2006/relationships" xmlns:p="http://schemas.openxmlformats.org/presentationml/2006/main">
   <p:cSld>
     <p:bg>
       <p:bgPr>
         <a:blipFill dpi="0" rotWithShape="1">
           <a:blip r:embed="rId3">
-            <a:lum/>
+            <a:extLst>
+              <a:ext uri="{BEBA8EAE-BF5A-486C-A8C5-ECC9F3942E4B}">
+                <a14:imgProps xmlns:a14="http://schemas.microsoft.com/office/drawing/2010/main">
+                  <a14:imgLayer r:embed="rId4">
+                    <a14:imgEffect>
+                      <a14:brightnessContrast bright="-50000"/>
+                    </a14:imgEffect>
+                  </a14:imgLayer>
+                </a14:imgProps>
+              </a:ext>
+            </a:extLst>
           </a:blip>
           <a:srcRect/>
           <a:stretch>
@@ -9758,14 +11136,24 @@
 </p:sld>
 </file>
 
-<file path=ppt/slides/slide29.xml><?xml version="1.0" encoding="utf-8"?>
+<file path=ppt/slides/slide35.xml><?xml version="1.0" encoding="utf-8"?>
 <p:sld xmlns:a="http://schemas.openxmlformats.org/drawingml/2006/main" xmlns:r="http://schemas.openxmlformats.org/officeDocument/2006/relationships" xmlns:p="http://schemas.openxmlformats.org/presentationml/2006/main">
   <p:cSld>
     <p:bg>
       <p:bgPr>
         <a:blipFill dpi="0" rotWithShape="1">
           <a:blip r:embed="rId3">
-            <a:lum/>
+            <a:extLst>
+              <a:ext uri="{BEBA8EAE-BF5A-486C-A8C5-ECC9F3942E4B}">
+                <a14:imgProps xmlns:a14="http://schemas.microsoft.com/office/drawing/2010/main">
+                  <a14:imgLayer r:embed="rId4">
+                    <a14:imgEffect>
+                      <a14:brightnessContrast bright="-50000"/>
+                    </a14:imgEffect>
+                  </a14:imgLayer>
+                </a14:imgProps>
+              </a:ext>
+            </a:extLst>
           </a:blip>
           <a:srcRect/>
           <a:stretch>
@@ -9853,7 +11241,1206 @@
 </p:sld>
 </file>
 
-<file path=ppt/slides/slide3.xml><?xml version="1.0" encoding="utf-8"?>
+<file path=ppt/slides/slide36.xml><?xml version="1.0" encoding="utf-8"?>
+<p:sld xmlns:a="http://schemas.openxmlformats.org/drawingml/2006/main" xmlns:r="http://schemas.openxmlformats.org/officeDocument/2006/relationships" xmlns:p="http://schemas.openxmlformats.org/presentationml/2006/main">
+  <p:cSld>
+    <p:bg>
+      <p:bgPr>
+        <a:blipFill dpi="0" rotWithShape="1">
+          <a:blip r:embed="rId3">
+            <a:extLst>
+              <a:ext uri="{BEBA8EAE-BF5A-486C-A8C5-ECC9F3942E4B}">
+                <a14:imgProps xmlns:a14="http://schemas.microsoft.com/office/drawing/2010/main">
+                  <a14:imgLayer r:embed="rId4">
+                    <a14:imgEffect>
+                      <a14:brightnessContrast bright="-50000"/>
+                    </a14:imgEffect>
+                  </a14:imgLayer>
+                </a14:imgProps>
+              </a:ext>
+            </a:extLst>
+          </a:blip>
+          <a:srcRect/>
+          <a:stretch>
+            <a:fillRect l="-10000" r="-10000"/>
+          </a:stretch>
+        </a:blipFill>
+        <a:effectLst/>
+      </p:bgPr>
+    </p:bg>
+    <p:spTree>
+      <p:nvGrpSpPr>
+        <p:cNvPr id="1" name=""/>
+        <p:cNvGrpSpPr/>
+        <p:nvPr/>
+      </p:nvGrpSpPr>
+      <p:grpSpPr>
+        <a:xfrm>
+          <a:off x="0" y="0"/>
+          <a:ext cx="0" cy="0"/>
+          <a:chOff x="0" y="0"/>
+          <a:chExt cx="0" cy="0"/>
+        </a:xfrm>
+      </p:grpSpPr>
+      <p:sp>
+        <p:nvSpPr>
+          <p:cNvPr id="2" name="Title 1"/>
+          <p:cNvSpPr>
+            <a:spLocks noGrp="1"/>
+          </p:cNvSpPr>
+          <p:nvPr>
+            <p:ph type="title"/>
+          </p:nvPr>
+        </p:nvSpPr>
+        <p:spPr/>
+        <p:txBody>
+          <a:bodyPr/>
+          <a:lstStyle/>
+          <a:p>
+            <a:r>
+              <a:rPr lang="en-US" dirty="0"/>
+              <a:t>Linear Models - Regressors</a:t>
+            </a:r>
+          </a:p>
+        </p:txBody>
+      </p:sp>
+      <p:sp>
+        <p:nvSpPr>
+          <p:cNvPr id="3" name="Content Placeholder 2"/>
+          <p:cNvSpPr>
+            <a:spLocks noGrp="1"/>
+          </p:cNvSpPr>
+          <p:nvPr>
+            <p:ph idx="1"/>
+          </p:nvPr>
+        </p:nvSpPr>
+        <p:spPr/>
+        <p:txBody>
+          <a:bodyPr/>
+          <a:lstStyle/>
+          <a:p>
+            <a:r>
+              <a:rPr lang="en-US" dirty="0"/>
+              <a:t>Decision Tree</a:t>
+            </a:r>
+          </a:p>
+          <a:p>
+            <a:pPr lvl="2"/>
+            <a:endParaRPr lang="en-US" dirty="0"/>
+          </a:p>
+          <a:p>
+            <a:endParaRPr lang="en-US" dirty="0"/>
+          </a:p>
+        </p:txBody>
+      </p:sp>
+    </p:spTree>
+    <p:extLst>
+      <p:ext uri="{BB962C8B-B14F-4D97-AF65-F5344CB8AC3E}">
+        <p14:creationId xmlns:p14="http://schemas.microsoft.com/office/powerpoint/2010/main" val="1924952010"/>
+      </p:ext>
+    </p:extLst>
+  </p:cSld>
+  <p:clrMapOvr>
+    <a:overrideClrMapping bg1="lt1" tx1="dk1" bg2="lt2" tx2="dk2" accent1="accent1" accent2="accent2" accent3="accent3" accent4="accent4" accent5="accent5" accent6="accent6" hlink="hlink" folHlink="folHlink"/>
+  </p:clrMapOvr>
+</p:sld>
+</file>
+
+<file path=ppt/slides/slide37.xml><?xml version="1.0" encoding="utf-8"?>
+<p:sld xmlns:a="http://schemas.openxmlformats.org/drawingml/2006/main" xmlns:r="http://schemas.openxmlformats.org/officeDocument/2006/relationships" xmlns:p="http://schemas.openxmlformats.org/presentationml/2006/main">
+  <p:cSld>
+    <p:bg>
+      <p:bgPr>
+        <a:blipFill dpi="0" rotWithShape="1">
+          <a:blip r:embed="rId3">
+            <a:extLst>
+              <a:ext uri="{BEBA8EAE-BF5A-486C-A8C5-ECC9F3942E4B}">
+                <a14:imgProps xmlns:a14="http://schemas.microsoft.com/office/drawing/2010/main">
+                  <a14:imgLayer r:embed="rId4">
+                    <a14:imgEffect>
+                      <a14:brightnessContrast bright="-50000"/>
+                    </a14:imgEffect>
+                  </a14:imgLayer>
+                </a14:imgProps>
+              </a:ext>
+            </a:extLst>
+          </a:blip>
+          <a:srcRect/>
+          <a:stretch>
+            <a:fillRect l="-10000" r="-10000"/>
+          </a:stretch>
+        </a:blipFill>
+        <a:effectLst/>
+      </p:bgPr>
+    </p:bg>
+    <p:spTree>
+      <p:nvGrpSpPr>
+        <p:cNvPr id="1" name=""/>
+        <p:cNvGrpSpPr/>
+        <p:nvPr/>
+      </p:nvGrpSpPr>
+      <p:grpSpPr>
+        <a:xfrm>
+          <a:off x="0" y="0"/>
+          <a:ext cx="0" cy="0"/>
+          <a:chOff x="0" y="0"/>
+          <a:chExt cx="0" cy="0"/>
+        </a:xfrm>
+      </p:grpSpPr>
+      <p:sp>
+        <p:nvSpPr>
+          <p:cNvPr id="2" name="Title 1"/>
+          <p:cNvSpPr>
+            <a:spLocks noGrp="1"/>
+          </p:cNvSpPr>
+          <p:nvPr>
+            <p:ph type="title"/>
+          </p:nvPr>
+        </p:nvSpPr>
+        <p:spPr/>
+        <p:txBody>
+          <a:bodyPr/>
+          <a:lstStyle/>
+          <a:p>
+            <a:r>
+              <a:rPr lang="en-US" dirty="0"/>
+              <a:t>Linear Models - Regressors</a:t>
+            </a:r>
+          </a:p>
+        </p:txBody>
+      </p:sp>
+      <p:sp>
+        <p:nvSpPr>
+          <p:cNvPr id="3" name="Content Placeholder 2"/>
+          <p:cNvSpPr>
+            <a:spLocks noGrp="1"/>
+          </p:cNvSpPr>
+          <p:nvPr>
+            <p:ph idx="1"/>
+          </p:nvPr>
+        </p:nvSpPr>
+        <p:spPr/>
+        <p:txBody>
+          <a:bodyPr/>
+          <a:lstStyle/>
+          <a:p>
+            <a:r>
+              <a:rPr lang="en-US" dirty="0"/>
+              <a:t>Forest</a:t>
+            </a:r>
+          </a:p>
+          <a:p>
+            <a:pPr lvl="2"/>
+            <a:endParaRPr lang="en-US" dirty="0"/>
+          </a:p>
+          <a:p>
+            <a:endParaRPr lang="en-US" dirty="0"/>
+          </a:p>
+        </p:txBody>
+      </p:sp>
+    </p:spTree>
+    <p:extLst>
+      <p:ext uri="{BB962C8B-B14F-4D97-AF65-F5344CB8AC3E}">
+        <p14:creationId xmlns:p14="http://schemas.microsoft.com/office/powerpoint/2010/main" val="358457677"/>
+      </p:ext>
+    </p:extLst>
+  </p:cSld>
+  <p:clrMapOvr>
+    <a:overrideClrMapping bg1="lt1" tx1="dk1" bg2="lt2" tx2="dk2" accent1="accent1" accent2="accent2" accent3="accent3" accent4="accent4" accent5="accent5" accent6="accent6" hlink="hlink" folHlink="folHlink"/>
+  </p:clrMapOvr>
+</p:sld>
+</file>
+
+<file path=ppt/slides/slide38.xml><?xml version="1.0" encoding="utf-8"?>
+<p:sld xmlns:a="http://schemas.openxmlformats.org/drawingml/2006/main" xmlns:r="http://schemas.openxmlformats.org/officeDocument/2006/relationships" xmlns:p="http://schemas.openxmlformats.org/presentationml/2006/main">
+  <p:cSld>
+    <p:bg>
+      <p:bgPr>
+        <a:blipFill dpi="0" rotWithShape="1">
+          <a:blip r:embed="rId3">
+            <a:extLst>
+              <a:ext uri="{BEBA8EAE-BF5A-486C-A8C5-ECC9F3942E4B}">
+                <a14:imgProps xmlns:a14="http://schemas.microsoft.com/office/drawing/2010/main">
+                  <a14:imgLayer r:embed="rId4">
+                    <a14:imgEffect>
+                      <a14:brightnessContrast bright="-50000"/>
+                    </a14:imgEffect>
+                  </a14:imgLayer>
+                </a14:imgProps>
+              </a:ext>
+            </a:extLst>
+          </a:blip>
+          <a:srcRect/>
+          <a:stretch>
+            <a:fillRect l="-10000" r="-10000"/>
+          </a:stretch>
+        </a:blipFill>
+        <a:effectLst/>
+      </p:bgPr>
+    </p:bg>
+    <p:spTree>
+      <p:nvGrpSpPr>
+        <p:cNvPr id="1" name=""/>
+        <p:cNvGrpSpPr/>
+        <p:nvPr/>
+      </p:nvGrpSpPr>
+      <p:grpSpPr>
+        <a:xfrm>
+          <a:off x="0" y="0"/>
+          <a:ext cx="0" cy="0"/>
+          <a:chOff x="0" y="0"/>
+          <a:chExt cx="0" cy="0"/>
+        </a:xfrm>
+      </p:grpSpPr>
+      <p:sp>
+        <p:nvSpPr>
+          <p:cNvPr id="2" name="Title 1"/>
+          <p:cNvSpPr>
+            <a:spLocks noGrp="1"/>
+          </p:cNvSpPr>
+          <p:nvPr>
+            <p:ph type="title"/>
+          </p:nvPr>
+        </p:nvSpPr>
+        <p:spPr/>
+        <p:txBody>
+          <a:bodyPr/>
+          <a:lstStyle/>
+          <a:p>
+            <a:r>
+              <a:rPr lang="en-US" dirty="0"/>
+              <a:t>Linear Models - Regressors</a:t>
+            </a:r>
+          </a:p>
+        </p:txBody>
+      </p:sp>
+      <p:sp>
+        <p:nvSpPr>
+          <p:cNvPr id="3" name="Content Placeholder 2"/>
+          <p:cNvSpPr>
+            <a:spLocks noGrp="1"/>
+          </p:cNvSpPr>
+          <p:nvPr>
+            <p:ph idx="1"/>
+          </p:nvPr>
+        </p:nvSpPr>
+        <p:spPr/>
+        <p:txBody>
+          <a:bodyPr/>
+          <a:lstStyle/>
+          <a:p>
+            <a:r>
+              <a:rPr lang="en-US" dirty="0"/>
+              <a:t>Gradient-Boosted Forest</a:t>
+            </a:r>
+          </a:p>
+          <a:p>
+            <a:pPr lvl="2"/>
+            <a:endParaRPr lang="en-US" dirty="0"/>
+          </a:p>
+          <a:p>
+            <a:endParaRPr lang="en-US" dirty="0"/>
+          </a:p>
+        </p:txBody>
+      </p:sp>
+    </p:spTree>
+    <p:extLst>
+      <p:ext uri="{BB962C8B-B14F-4D97-AF65-F5344CB8AC3E}">
+        <p14:creationId xmlns:p14="http://schemas.microsoft.com/office/powerpoint/2010/main" val="1436682753"/>
+      </p:ext>
+    </p:extLst>
+  </p:cSld>
+  <p:clrMapOvr>
+    <a:overrideClrMapping bg1="lt1" tx1="dk1" bg2="lt2" tx2="dk2" accent1="accent1" accent2="accent2" accent3="accent3" accent4="accent4" accent5="accent5" accent6="accent6" hlink="hlink" folHlink="folHlink"/>
+  </p:clrMapOvr>
+</p:sld>
+</file>
+
+<file path=ppt/slides/slide39.xml><?xml version="1.0" encoding="utf-8"?>
+<p:sld xmlns:a="http://schemas.openxmlformats.org/drawingml/2006/main" xmlns:r="http://schemas.openxmlformats.org/officeDocument/2006/relationships" xmlns:p="http://schemas.openxmlformats.org/presentationml/2006/main">
+  <p:cSld>
+    <p:bg>
+      <p:bgPr>
+        <a:blipFill dpi="0" rotWithShape="1">
+          <a:blip r:embed="rId3">
+            <a:extLst>
+              <a:ext uri="{BEBA8EAE-BF5A-486C-A8C5-ECC9F3942E4B}">
+                <a14:imgProps xmlns:a14="http://schemas.microsoft.com/office/drawing/2010/main">
+                  <a14:imgLayer r:embed="rId4">
+                    <a14:imgEffect>
+                      <a14:brightnessContrast bright="-50000"/>
+                    </a14:imgEffect>
+                  </a14:imgLayer>
+                </a14:imgProps>
+              </a:ext>
+            </a:extLst>
+          </a:blip>
+          <a:srcRect/>
+          <a:stretch>
+            <a:fillRect l="-10000" r="-10000"/>
+          </a:stretch>
+        </a:blipFill>
+        <a:effectLst/>
+      </p:bgPr>
+    </p:bg>
+    <p:spTree>
+      <p:nvGrpSpPr>
+        <p:cNvPr id="1" name=""/>
+        <p:cNvGrpSpPr/>
+        <p:nvPr/>
+      </p:nvGrpSpPr>
+      <p:grpSpPr>
+        <a:xfrm>
+          <a:off x="0" y="0"/>
+          <a:ext cx="0" cy="0"/>
+          <a:chOff x="0" y="0"/>
+          <a:chExt cx="0" cy="0"/>
+        </a:xfrm>
+      </p:grpSpPr>
+      <p:sp>
+        <p:nvSpPr>
+          <p:cNvPr id="2" name="Title 1"/>
+          <p:cNvSpPr>
+            <a:spLocks noGrp="1"/>
+          </p:cNvSpPr>
+          <p:nvPr>
+            <p:ph type="title"/>
+          </p:nvPr>
+        </p:nvSpPr>
+        <p:spPr/>
+        <p:txBody>
+          <a:bodyPr/>
+          <a:lstStyle/>
+          <a:p>
+            <a:r>
+              <a:rPr lang="en-US" dirty="0"/>
+              <a:t>Evaluating Accuracy</a:t>
+            </a:r>
+          </a:p>
+        </p:txBody>
+      </p:sp>
+      <p:sp>
+        <p:nvSpPr>
+          <p:cNvPr id="3" name="Content Placeholder 2"/>
+          <p:cNvSpPr>
+            <a:spLocks noGrp="1"/>
+          </p:cNvSpPr>
+          <p:nvPr>
+            <p:ph idx="1"/>
+          </p:nvPr>
+        </p:nvSpPr>
+        <p:spPr/>
+        <p:txBody>
+          <a:bodyPr/>
+          <a:lstStyle/>
+          <a:p>
+            <a:r>
+              <a:rPr lang="en-US" dirty="0"/>
+              <a:t>Overview</a:t>
+            </a:r>
+          </a:p>
+          <a:p>
+            <a:pPr lvl="1"/>
+            <a:r>
+              <a:rPr lang="en-US" dirty="0"/>
+              <a:t>&lt;model&gt;.score(</a:t>
+            </a:r>
+            <a:r>
+              <a:rPr lang="en-US" dirty="0" err="1"/>
+              <a:t>test_data</a:t>
+            </a:r>
+            <a:r>
+              <a:rPr lang="en-US" dirty="0"/>
+              <a:t>, </a:t>
+            </a:r>
+            <a:r>
+              <a:rPr lang="en-US" dirty="0" err="1"/>
+              <a:t>test_labels</a:t>
+            </a:r>
+            <a:r>
+              <a:rPr lang="en-US"/>
+              <a:t>)</a:t>
+            </a:r>
+            <a:endParaRPr lang="en-US" dirty="0"/>
+          </a:p>
+          <a:p>
+            <a:pPr lvl="2"/>
+            <a:endParaRPr lang="en-US" dirty="0"/>
+          </a:p>
+          <a:p>
+            <a:endParaRPr lang="en-US" dirty="0"/>
+          </a:p>
+        </p:txBody>
+      </p:sp>
+    </p:spTree>
+    <p:extLst>
+      <p:ext uri="{BB962C8B-B14F-4D97-AF65-F5344CB8AC3E}">
+        <p14:creationId xmlns:p14="http://schemas.microsoft.com/office/powerpoint/2010/main" val="4053921630"/>
+      </p:ext>
+    </p:extLst>
+  </p:cSld>
+  <p:clrMapOvr>
+    <a:overrideClrMapping bg1="lt1" tx1="dk1" bg2="lt2" tx2="dk2" accent1="accent1" accent2="accent2" accent3="accent3" accent4="accent4" accent5="accent5" accent6="accent6" hlink="hlink" folHlink="folHlink"/>
+  </p:clrMapOvr>
+</p:sld>
+</file>
+
+<file path=ppt/slides/slide4.xml><?xml version="1.0" encoding="utf-8"?>
+<p:sld xmlns:a="http://schemas.openxmlformats.org/drawingml/2006/main" xmlns:r="http://schemas.openxmlformats.org/officeDocument/2006/relationships" xmlns:p="http://schemas.openxmlformats.org/presentationml/2006/main">
+  <p:cSld>
+    <p:bg>
+      <p:bgPr>
+        <a:blipFill dpi="0" rotWithShape="1">
+          <a:blip r:embed="rId3">
+            <a:extLst>
+              <a:ext uri="{BEBA8EAE-BF5A-486C-A8C5-ECC9F3942E4B}">
+                <a14:imgProps xmlns:a14="http://schemas.microsoft.com/office/drawing/2010/main">
+                  <a14:imgLayer r:embed="rId4">
+                    <a14:imgEffect>
+                      <a14:brightnessContrast bright="-50000"/>
+                    </a14:imgEffect>
+                  </a14:imgLayer>
+                </a14:imgProps>
+              </a:ext>
+            </a:extLst>
+          </a:blip>
+          <a:srcRect/>
+          <a:stretch>
+            <a:fillRect l="-10000" r="-10000"/>
+          </a:stretch>
+        </a:blipFill>
+        <a:effectLst/>
+      </p:bgPr>
+    </p:bg>
+    <p:spTree>
+      <p:nvGrpSpPr>
+        <p:cNvPr id="1" name=""/>
+        <p:cNvGrpSpPr/>
+        <p:nvPr/>
+      </p:nvGrpSpPr>
+      <p:grpSpPr>
+        <a:xfrm>
+          <a:off x="0" y="0"/>
+          <a:ext cx="0" cy="0"/>
+          <a:chOff x="0" y="0"/>
+          <a:chExt cx="0" cy="0"/>
+        </a:xfrm>
+      </p:grpSpPr>
+      <p:sp>
+        <p:nvSpPr>
+          <p:cNvPr id="2" name="Title 1"/>
+          <p:cNvSpPr>
+            <a:spLocks noGrp="1"/>
+          </p:cNvSpPr>
+          <p:nvPr>
+            <p:ph type="title"/>
+          </p:nvPr>
+        </p:nvSpPr>
+        <p:spPr/>
+        <p:txBody>
+          <a:bodyPr>
+            <a:normAutofit/>
+          </a:bodyPr>
+          <a:lstStyle/>
+          <a:p>
+            <a:r>
+              <a:rPr lang="en-US" dirty="0"/>
+              <a:t>Concepts and Definitions</a:t>
+            </a:r>
+          </a:p>
+        </p:txBody>
+      </p:sp>
+      <p:sp>
+        <p:nvSpPr>
+          <p:cNvPr id="3" name="Content Placeholder 2"/>
+          <p:cNvSpPr>
+            <a:spLocks noGrp="1"/>
+          </p:cNvSpPr>
+          <p:nvPr>
+            <p:ph idx="1"/>
+          </p:nvPr>
+        </p:nvSpPr>
+        <p:spPr/>
+        <p:txBody>
+          <a:bodyPr/>
+          <a:lstStyle/>
+          <a:p>
+            <a:r>
+              <a:rPr lang="en-US" dirty="0"/>
+              <a:t>Machine Learning</a:t>
+            </a:r>
+          </a:p>
+          <a:p>
+            <a:pPr lvl="1"/>
+            <a:r>
+              <a:rPr lang="en-US" dirty="0"/>
+              <a:t>The use of a model built off of data to increase the predictive ability of an algorithm.</a:t>
+            </a:r>
+          </a:p>
+          <a:p>
+            <a:pPr lvl="1"/>
+            <a:r>
+              <a:rPr lang="en-US" dirty="0"/>
+              <a:t>Data by itself is not machine learning, since no learning can occur without assimilation of the data towards prediction.</a:t>
+            </a:r>
+          </a:p>
+          <a:p>
+            <a:pPr lvl="1"/>
+            <a:r>
+              <a:rPr lang="en-US" dirty="0"/>
+              <a:t>Data that cannot increase predictive capabilities of an algorithm is not machine learning—no learning occurs in this situation.</a:t>
+            </a:r>
+          </a:p>
+          <a:p>
+            <a:endParaRPr lang="en-US" dirty="0"/>
+          </a:p>
+          <a:p>
+            <a:pPr lvl="2"/>
+            <a:endParaRPr lang="en-US" dirty="0"/>
+          </a:p>
+          <a:p>
+            <a:endParaRPr lang="en-US" dirty="0"/>
+          </a:p>
+        </p:txBody>
+      </p:sp>
+    </p:spTree>
+    <p:extLst>
+      <p:ext uri="{BB962C8B-B14F-4D97-AF65-F5344CB8AC3E}">
+        <p14:creationId xmlns:p14="http://schemas.microsoft.com/office/powerpoint/2010/main" val="3227970962"/>
+      </p:ext>
+    </p:extLst>
+  </p:cSld>
+  <p:clrMapOvr>
+    <a:overrideClrMapping bg1="lt1" tx1="dk1" bg2="lt2" tx2="dk2" accent1="accent1" accent2="accent2" accent3="accent3" accent4="accent4" accent5="accent5" accent6="accent6" hlink="hlink" folHlink="folHlink"/>
+  </p:clrMapOvr>
+</p:sld>
+</file>
+
+<file path=ppt/slides/slide40.xml><?xml version="1.0" encoding="utf-8"?>
+<p:sld xmlns:a="http://schemas.openxmlformats.org/drawingml/2006/main" xmlns:r="http://schemas.openxmlformats.org/officeDocument/2006/relationships" xmlns:p="http://schemas.openxmlformats.org/presentationml/2006/main">
+  <p:cSld>
+    <p:bg>
+      <p:bgPr>
+        <a:blipFill dpi="0" rotWithShape="1">
+          <a:blip r:embed="rId3">
+            <a:extLst>
+              <a:ext uri="{BEBA8EAE-BF5A-486C-A8C5-ECC9F3942E4B}">
+                <a14:imgProps xmlns:a14="http://schemas.microsoft.com/office/drawing/2010/main">
+                  <a14:imgLayer r:embed="rId4">
+                    <a14:imgEffect>
+                      <a14:brightnessContrast bright="-50000"/>
+                    </a14:imgEffect>
+                  </a14:imgLayer>
+                </a14:imgProps>
+              </a:ext>
+            </a:extLst>
+          </a:blip>
+          <a:srcRect/>
+          <a:stretch>
+            <a:fillRect l="-10000" r="-10000"/>
+          </a:stretch>
+        </a:blipFill>
+        <a:effectLst/>
+      </p:bgPr>
+    </p:bg>
+    <p:spTree>
+      <p:nvGrpSpPr>
+        <p:cNvPr id="1" name=""/>
+        <p:cNvGrpSpPr/>
+        <p:nvPr/>
+      </p:nvGrpSpPr>
+      <p:grpSpPr>
+        <a:xfrm>
+          <a:off x="0" y="0"/>
+          <a:ext cx="0" cy="0"/>
+          <a:chOff x="0" y="0"/>
+          <a:chExt cx="0" cy="0"/>
+        </a:xfrm>
+      </p:grpSpPr>
+      <p:sp>
+        <p:nvSpPr>
+          <p:cNvPr id="2" name="Title 1"/>
+          <p:cNvSpPr>
+            <a:spLocks noGrp="1"/>
+          </p:cNvSpPr>
+          <p:nvPr>
+            <p:ph type="title"/>
+          </p:nvPr>
+        </p:nvSpPr>
+        <p:spPr/>
+        <p:txBody>
+          <a:bodyPr/>
+          <a:lstStyle/>
+          <a:p>
+            <a:r>
+              <a:rPr lang="en-US" dirty="0" err="1"/>
+              <a:t>Scikit</a:t>
+            </a:r>
+            <a:r>
+              <a:rPr lang="en-US" dirty="0"/>
+              <a:t>-Learn Machine Learning</a:t>
+            </a:r>
+          </a:p>
+        </p:txBody>
+      </p:sp>
+      <p:sp>
+        <p:nvSpPr>
+          <p:cNvPr id="3" name="Content Placeholder 2"/>
+          <p:cNvSpPr>
+            <a:spLocks noGrp="1"/>
+          </p:cNvSpPr>
+          <p:nvPr>
+            <p:ph idx="1"/>
+          </p:nvPr>
+        </p:nvSpPr>
+        <p:spPr/>
+        <p:txBody>
+          <a:bodyPr/>
+          <a:lstStyle/>
+          <a:p>
+            <a:r>
+              <a:rPr lang="en-US" dirty="0"/>
+              <a:t>Overview</a:t>
+            </a:r>
+          </a:p>
+          <a:p>
+            <a:pPr lvl="1"/>
+            <a:r>
+              <a:rPr lang="en-US" dirty="0"/>
+              <a:t>Definition</a:t>
+            </a:r>
+          </a:p>
+          <a:p>
+            <a:pPr lvl="1"/>
+            <a:r>
+              <a:rPr lang="en-US" dirty="0"/>
+              <a:t>General Types</a:t>
+            </a:r>
+          </a:p>
+          <a:p>
+            <a:pPr lvl="1"/>
+            <a:r>
+              <a:rPr lang="en-US" dirty="0"/>
+              <a:t>Basic Linear Models</a:t>
+            </a:r>
+          </a:p>
+          <a:p>
+            <a:pPr lvl="1"/>
+            <a:r>
+              <a:rPr lang="en-US" dirty="0"/>
+              <a:t>Algorithm Types</a:t>
+            </a:r>
+          </a:p>
+          <a:p>
+            <a:pPr lvl="1"/>
+            <a:r>
+              <a:rPr lang="en-US" dirty="0"/>
+              <a:t>Tuning</a:t>
+            </a:r>
+          </a:p>
+          <a:p>
+            <a:pPr lvl="2"/>
+            <a:endParaRPr lang="en-US" dirty="0"/>
+          </a:p>
+          <a:p>
+            <a:endParaRPr lang="en-US" dirty="0"/>
+          </a:p>
+        </p:txBody>
+      </p:sp>
+    </p:spTree>
+    <p:extLst>
+      <p:ext uri="{BB962C8B-B14F-4D97-AF65-F5344CB8AC3E}">
+        <p14:creationId xmlns:p14="http://schemas.microsoft.com/office/powerpoint/2010/main" val="754999196"/>
+      </p:ext>
+    </p:extLst>
+  </p:cSld>
+  <p:clrMapOvr>
+    <a:overrideClrMapping bg1="lt1" tx1="dk1" bg2="lt2" tx2="dk2" accent1="accent1" accent2="accent2" accent3="accent3" accent4="accent4" accent5="accent5" accent6="accent6" hlink="hlink" folHlink="folHlink"/>
+  </p:clrMapOvr>
+</p:sld>
+</file>
+
+<file path=ppt/slides/slide41.xml><?xml version="1.0" encoding="utf-8"?>
+<p:sld xmlns:a="http://schemas.openxmlformats.org/drawingml/2006/main" xmlns:r="http://schemas.openxmlformats.org/officeDocument/2006/relationships" xmlns:p="http://schemas.openxmlformats.org/presentationml/2006/main">
+  <p:cSld>
+    <p:bg>
+      <p:bgPr>
+        <a:blipFill dpi="0" rotWithShape="1">
+          <a:blip r:embed="rId3">
+            <a:extLst>
+              <a:ext uri="{BEBA8EAE-BF5A-486C-A8C5-ECC9F3942E4B}">
+                <a14:imgProps xmlns:a14="http://schemas.microsoft.com/office/drawing/2010/main">
+                  <a14:imgLayer r:embed="rId4">
+                    <a14:imgEffect>
+                      <a14:brightnessContrast bright="-50000"/>
+                    </a14:imgEffect>
+                  </a14:imgLayer>
+                </a14:imgProps>
+              </a:ext>
+            </a:extLst>
+          </a:blip>
+          <a:srcRect/>
+          <a:stretch>
+            <a:fillRect l="-10000" r="-10000"/>
+          </a:stretch>
+        </a:blipFill>
+        <a:effectLst/>
+      </p:bgPr>
+    </p:bg>
+    <p:spTree>
+      <p:nvGrpSpPr>
+        <p:cNvPr id="1" name=""/>
+        <p:cNvGrpSpPr/>
+        <p:nvPr/>
+      </p:nvGrpSpPr>
+      <p:grpSpPr>
+        <a:xfrm>
+          <a:off x="0" y="0"/>
+          <a:ext cx="0" cy="0"/>
+          <a:chOff x="0" y="0"/>
+          <a:chExt cx="0" cy="0"/>
+        </a:xfrm>
+      </p:grpSpPr>
+      <p:sp>
+        <p:nvSpPr>
+          <p:cNvPr id="2" name="Title 1"/>
+          <p:cNvSpPr>
+            <a:spLocks noGrp="1"/>
+          </p:cNvSpPr>
+          <p:nvPr>
+            <p:ph type="title"/>
+          </p:nvPr>
+        </p:nvSpPr>
+        <p:spPr/>
+        <p:txBody>
+          <a:bodyPr/>
+          <a:lstStyle/>
+          <a:p>
+            <a:r>
+              <a:rPr lang="en-US" dirty="0"/>
+              <a:t>Tuning</a:t>
+            </a:r>
+          </a:p>
+        </p:txBody>
+      </p:sp>
+      <p:sp>
+        <p:nvSpPr>
+          <p:cNvPr id="3" name="Content Placeholder 2"/>
+          <p:cNvSpPr>
+            <a:spLocks noGrp="1"/>
+          </p:cNvSpPr>
+          <p:nvPr>
+            <p:ph idx="1"/>
+          </p:nvPr>
+        </p:nvSpPr>
+        <p:spPr/>
+        <p:txBody>
+          <a:bodyPr/>
+          <a:lstStyle/>
+          <a:p>
+            <a:r>
+              <a:rPr lang="en-US" dirty="0"/>
+              <a:t>Determining what features matter</a:t>
+            </a:r>
+          </a:p>
+          <a:p>
+            <a:pPr lvl="2"/>
+            <a:endParaRPr lang="en-US" dirty="0"/>
+          </a:p>
+          <a:p>
+            <a:endParaRPr lang="en-US" dirty="0"/>
+          </a:p>
+        </p:txBody>
+      </p:sp>
+    </p:spTree>
+    <p:extLst>
+      <p:ext uri="{BB962C8B-B14F-4D97-AF65-F5344CB8AC3E}">
+        <p14:creationId xmlns:p14="http://schemas.microsoft.com/office/powerpoint/2010/main" val="3393037686"/>
+      </p:ext>
+    </p:extLst>
+  </p:cSld>
+  <p:clrMapOvr>
+    <a:overrideClrMapping bg1="lt1" tx1="dk1" bg2="lt2" tx2="dk2" accent1="accent1" accent2="accent2" accent3="accent3" accent4="accent4" accent5="accent5" accent6="accent6" hlink="hlink" folHlink="folHlink"/>
+  </p:clrMapOvr>
+</p:sld>
+</file>
+
+<file path=ppt/slides/slide42.xml><?xml version="1.0" encoding="utf-8"?>
+<p:sld xmlns:a="http://schemas.openxmlformats.org/drawingml/2006/main" xmlns:r="http://schemas.openxmlformats.org/officeDocument/2006/relationships" xmlns:p="http://schemas.openxmlformats.org/presentationml/2006/main">
+  <p:cSld>
+    <p:bg>
+      <p:bgPr>
+        <a:blipFill dpi="0" rotWithShape="1">
+          <a:blip r:embed="rId3">
+            <a:extLst>
+              <a:ext uri="{BEBA8EAE-BF5A-486C-A8C5-ECC9F3942E4B}">
+                <a14:imgProps xmlns:a14="http://schemas.microsoft.com/office/drawing/2010/main">
+                  <a14:imgLayer r:embed="rId4">
+                    <a14:imgEffect>
+                      <a14:brightnessContrast bright="-50000"/>
+                    </a14:imgEffect>
+                  </a14:imgLayer>
+                </a14:imgProps>
+              </a:ext>
+            </a:extLst>
+          </a:blip>
+          <a:srcRect/>
+          <a:stretch>
+            <a:fillRect l="-10000" r="-10000"/>
+          </a:stretch>
+        </a:blipFill>
+        <a:effectLst/>
+      </p:bgPr>
+    </p:bg>
+    <p:spTree>
+      <p:nvGrpSpPr>
+        <p:cNvPr id="1" name=""/>
+        <p:cNvGrpSpPr/>
+        <p:nvPr/>
+      </p:nvGrpSpPr>
+      <p:grpSpPr>
+        <a:xfrm>
+          <a:off x="0" y="0"/>
+          <a:ext cx="0" cy="0"/>
+          <a:chOff x="0" y="0"/>
+          <a:chExt cx="0" cy="0"/>
+        </a:xfrm>
+      </p:grpSpPr>
+      <p:sp>
+        <p:nvSpPr>
+          <p:cNvPr id="2" name="Title 1"/>
+          <p:cNvSpPr>
+            <a:spLocks noGrp="1"/>
+          </p:cNvSpPr>
+          <p:nvPr>
+            <p:ph type="title"/>
+          </p:nvPr>
+        </p:nvSpPr>
+        <p:spPr/>
+        <p:txBody>
+          <a:bodyPr/>
+          <a:lstStyle/>
+          <a:p>
+            <a:r>
+              <a:rPr lang="en-US" dirty="0"/>
+              <a:t>Tuning</a:t>
+            </a:r>
+          </a:p>
+        </p:txBody>
+      </p:sp>
+      <p:sp>
+        <p:nvSpPr>
+          <p:cNvPr id="3" name="Content Placeholder 2"/>
+          <p:cNvSpPr>
+            <a:spLocks noGrp="1"/>
+          </p:cNvSpPr>
+          <p:nvPr>
+            <p:ph idx="1"/>
+          </p:nvPr>
+        </p:nvSpPr>
+        <p:spPr/>
+        <p:txBody>
+          <a:bodyPr/>
+          <a:lstStyle/>
+          <a:p>
+            <a:r>
+              <a:rPr lang="en-US" dirty="0"/>
+              <a:t>Parameters to Play with</a:t>
+            </a:r>
+          </a:p>
+          <a:p>
+            <a:pPr lvl="1"/>
+            <a:r>
+              <a:rPr lang="en-US" dirty="0"/>
+              <a:t>K-Nearest Neighbors</a:t>
+            </a:r>
+          </a:p>
+          <a:p>
+            <a:pPr lvl="2"/>
+            <a:r>
+              <a:rPr lang="en-US" dirty="0"/>
+              <a:t>Number of neighbors to test point</a:t>
+            </a:r>
+          </a:p>
+          <a:p>
+            <a:pPr lvl="2"/>
+            <a:r>
+              <a:rPr lang="en-US" dirty="0"/>
+              <a:t>Algorithm to evaluate distance test point is from data points</a:t>
+            </a:r>
+          </a:p>
+          <a:p>
+            <a:pPr lvl="2"/>
+            <a:endParaRPr lang="en-US" dirty="0"/>
+          </a:p>
+          <a:p>
+            <a:endParaRPr lang="en-US" dirty="0"/>
+          </a:p>
+        </p:txBody>
+      </p:sp>
+    </p:spTree>
+    <p:extLst>
+      <p:ext uri="{BB962C8B-B14F-4D97-AF65-F5344CB8AC3E}">
+        <p14:creationId xmlns:p14="http://schemas.microsoft.com/office/powerpoint/2010/main" val="274238177"/>
+      </p:ext>
+    </p:extLst>
+  </p:cSld>
+  <p:clrMapOvr>
+    <a:overrideClrMapping bg1="lt1" tx1="dk1" bg2="lt2" tx2="dk2" accent1="accent1" accent2="accent2" accent3="accent3" accent4="accent4" accent5="accent5" accent6="accent6" hlink="hlink" folHlink="folHlink"/>
+  </p:clrMapOvr>
+</p:sld>
+</file>
+
+<file path=ppt/slides/slide43.xml><?xml version="1.0" encoding="utf-8"?>
+<p:sld xmlns:a="http://schemas.openxmlformats.org/drawingml/2006/main" xmlns:r="http://schemas.openxmlformats.org/officeDocument/2006/relationships" xmlns:p="http://schemas.openxmlformats.org/presentationml/2006/main">
+  <p:cSld>
+    <p:bg>
+      <p:bgPr>
+        <a:blipFill dpi="0" rotWithShape="1">
+          <a:blip r:embed="rId3">
+            <a:extLst>
+              <a:ext uri="{BEBA8EAE-BF5A-486C-A8C5-ECC9F3942E4B}">
+                <a14:imgProps xmlns:a14="http://schemas.microsoft.com/office/drawing/2010/main">
+                  <a14:imgLayer r:embed="rId4">
+                    <a14:imgEffect>
+                      <a14:brightnessContrast bright="-50000"/>
+                    </a14:imgEffect>
+                  </a14:imgLayer>
+                </a14:imgProps>
+              </a:ext>
+            </a:extLst>
+          </a:blip>
+          <a:srcRect/>
+          <a:stretch>
+            <a:fillRect l="-10000" r="-10000"/>
+          </a:stretch>
+        </a:blipFill>
+        <a:effectLst/>
+      </p:bgPr>
+    </p:bg>
+    <p:spTree>
+      <p:nvGrpSpPr>
+        <p:cNvPr id="1" name=""/>
+        <p:cNvGrpSpPr/>
+        <p:nvPr/>
+      </p:nvGrpSpPr>
+      <p:grpSpPr>
+        <a:xfrm>
+          <a:off x="0" y="0"/>
+          <a:ext cx="0" cy="0"/>
+          <a:chOff x="0" y="0"/>
+          <a:chExt cx="0" cy="0"/>
+        </a:xfrm>
+      </p:grpSpPr>
+      <p:sp>
+        <p:nvSpPr>
+          <p:cNvPr id="2" name="Title 1"/>
+          <p:cNvSpPr>
+            <a:spLocks noGrp="1"/>
+          </p:cNvSpPr>
+          <p:nvPr>
+            <p:ph type="title"/>
+          </p:nvPr>
+        </p:nvSpPr>
+        <p:spPr/>
+        <p:txBody>
+          <a:bodyPr/>
+          <a:lstStyle/>
+          <a:p>
+            <a:r>
+              <a:rPr lang="en-US" dirty="0"/>
+              <a:t>Tuning</a:t>
+            </a:r>
+          </a:p>
+        </p:txBody>
+      </p:sp>
+      <p:sp>
+        <p:nvSpPr>
+          <p:cNvPr id="3" name="Content Placeholder 2"/>
+          <p:cNvSpPr>
+            <a:spLocks noGrp="1"/>
+          </p:cNvSpPr>
+          <p:nvPr>
+            <p:ph idx="1"/>
+          </p:nvPr>
+        </p:nvSpPr>
+        <p:spPr/>
+        <p:txBody>
+          <a:bodyPr/>
+          <a:lstStyle/>
+          <a:p>
+            <a:r>
+              <a:rPr lang="en-US" dirty="0"/>
+              <a:t>Grid Search</a:t>
+            </a:r>
+          </a:p>
+          <a:p>
+            <a:pPr lvl="2"/>
+            <a:endParaRPr lang="en-US" dirty="0"/>
+          </a:p>
+          <a:p>
+            <a:endParaRPr lang="en-US" dirty="0"/>
+          </a:p>
+        </p:txBody>
+      </p:sp>
+    </p:spTree>
+    <p:extLst>
+      <p:ext uri="{BB962C8B-B14F-4D97-AF65-F5344CB8AC3E}">
+        <p14:creationId xmlns:p14="http://schemas.microsoft.com/office/powerpoint/2010/main" val="2622179278"/>
+      </p:ext>
+    </p:extLst>
+  </p:cSld>
+  <p:clrMapOvr>
+    <a:overrideClrMapping bg1="lt1" tx1="dk1" bg2="lt2" tx2="dk2" accent1="accent1" accent2="accent2" accent3="accent3" accent4="accent4" accent5="accent5" accent6="accent6" hlink="hlink" folHlink="folHlink"/>
+  </p:clrMapOvr>
+</p:sld>
+</file>
+
+<file path=ppt/slides/slide44.xml><?xml version="1.0" encoding="utf-8"?>
+<p:sld xmlns:a="http://schemas.openxmlformats.org/drawingml/2006/main" xmlns:r="http://schemas.openxmlformats.org/officeDocument/2006/relationships" xmlns:p="http://schemas.openxmlformats.org/presentationml/2006/main">
+  <p:cSld>
+    <p:bg>
+      <p:bgPr>
+        <a:blipFill dpi="0" rotWithShape="1">
+          <a:blip r:embed="rId3">
+            <a:extLst>
+              <a:ext uri="{BEBA8EAE-BF5A-486C-A8C5-ECC9F3942E4B}">
+                <a14:imgProps xmlns:a14="http://schemas.microsoft.com/office/drawing/2010/main">
+                  <a14:imgLayer r:embed="rId4">
+                    <a14:imgEffect>
+                      <a14:brightnessContrast bright="-50000"/>
+                    </a14:imgEffect>
+                  </a14:imgLayer>
+                </a14:imgProps>
+              </a:ext>
+            </a:extLst>
+          </a:blip>
+          <a:srcRect/>
+          <a:stretch>
+            <a:fillRect l="-10000" r="-10000"/>
+          </a:stretch>
+        </a:blipFill>
+        <a:effectLst/>
+      </p:bgPr>
+    </p:bg>
+    <p:spTree>
+      <p:nvGrpSpPr>
+        <p:cNvPr id="1" name=""/>
+        <p:cNvGrpSpPr/>
+        <p:nvPr/>
+      </p:nvGrpSpPr>
+      <p:grpSpPr>
+        <a:xfrm>
+          <a:off x="0" y="0"/>
+          <a:ext cx="0" cy="0"/>
+          <a:chOff x="0" y="0"/>
+          <a:chExt cx="0" cy="0"/>
+        </a:xfrm>
+      </p:grpSpPr>
+      <p:sp>
+        <p:nvSpPr>
+          <p:cNvPr id="2" name="Title 1"/>
+          <p:cNvSpPr>
+            <a:spLocks noGrp="1"/>
+          </p:cNvSpPr>
+          <p:nvPr>
+            <p:ph type="title"/>
+          </p:nvPr>
+        </p:nvSpPr>
+        <p:spPr/>
+        <p:txBody>
+          <a:bodyPr/>
+          <a:lstStyle/>
+          <a:p>
+            <a:r>
+              <a:rPr lang="en-US" dirty="0" err="1"/>
+              <a:t>Scikit</a:t>
+            </a:r>
+            <a:r>
+              <a:rPr lang="en-US" dirty="0"/>
+              <a:t>-Learn Machine Learning</a:t>
+            </a:r>
+          </a:p>
+        </p:txBody>
+      </p:sp>
+      <p:sp>
+        <p:nvSpPr>
+          <p:cNvPr id="3" name="Content Placeholder 2"/>
+          <p:cNvSpPr>
+            <a:spLocks noGrp="1"/>
+          </p:cNvSpPr>
+          <p:nvPr>
+            <p:ph idx="1"/>
+          </p:nvPr>
+        </p:nvSpPr>
+        <p:spPr/>
+        <p:txBody>
+          <a:bodyPr/>
+          <a:lstStyle/>
+          <a:p>
+            <a:r>
+              <a:rPr lang="en-US" dirty="0"/>
+              <a:t>Overview</a:t>
+            </a:r>
+          </a:p>
+          <a:p>
+            <a:pPr lvl="1"/>
+            <a:r>
+              <a:rPr lang="en-US" dirty="0"/>
+              <a:t>Definition</a:t>
+            </a:r>
+          </a:p>
+          <a:p>
+            <a:pPr lvl="1"/>
+            <a:r>
+              <a:rPr lang="en-US" dirty="0"/>
+              <a:t>General Types</a:t>
+            </a:r>
+          </a:p>
+          <a:p>
+            <a:pPr lvl="1"/>
+            <a:r>
+              <a:rPr lang="en-US" dirty="0"/>
+              <a:t>Basic Linear Models</a:t>
+            </a:r>
+          </a:p>
+          <a:p>
+            <a:pPr lvl="1"/>
+            <a:r>
+              <a:rPr lang="en-US" dirty="0"/>
+              <a:t>Algorithm Types</a:t>
+            </a:r>
+          </a:p>
+          <a:p>
+            <a:pPr lvl="1"/>
+            <a:r>
+              <a:rPr lang="en-US" dirty="0"/>
+              <a:t>Tuning</a:t>
+            </a:r>
+          </a:p>
+          <a:p>
+            <a:pPr lvl="2"/>
+            <a:endParaRPr lang="en-US" dirty="0"/>
+          </a:p>
+          <a:p>
+            <a:endParaRPr lang="en-US" dirty="0"/>
+          </a:p>
+        </p:txBody>
+      </p:sp>
+    </p:spTree>
+    <p:extLst>
+      <p:ext uri="{BB962C8B-B14F-4D97-AF65-F5344CB8AC3E}">
+        <p14:creationId xmlns:p14="http://schemas.microsoft.com/office/powerpoint/2010/main" val="2946119377"/>
+      </p:ext>
+    </p:extLst>
+  </p:cSld>
+  <p:clrMapOvr>
+    <a:overrideClrMapping bg1="lt1" tx1="dk1" bg2="lt2" tx2="dk2" accent1="accent1" accent2="accent2" accent3="accent3" accent4="accent4" accent5="accent5" accent6="accent6" hlink="hlink" folHlink="folHlink"/>
+  </p:clrMapOvr>
+</p:sld>
+</file>
+
+<file path=ppt/slides/slide45.xml><?xml version="1.0" encoding="utf-8"?>
 <p:sld xmlns:a="http://schemas.openxmlformats.org/drawingml/2006/main" xmlns:r="http://schemas.openxmlformats.org/officeDocument/2006/relationships" xmlns:p="http://schemas.openxmlformats.org/presentationml/2006/main">
   <p:cSld>
     <p:bg>
@@ -9901,7 +12488,7 @@
           <a:p>
             <a:r>
               <a:rPr lang="en-US" dirty="0"/>
-              <a:t>Definition</a:t>
+              <a:t>Bibliography</a:t>
             </a:r>
           </a:p>
         </p:txBody>
@@ -9918,44 +12505,26 @@
         </p:nvSpPr>
         <p:spPr/>
         <p:txBody>
-          <a:bodyPr/>
-          <a:lstStyle/>
-          <a:p>
-            <a:r>
-              <a:rPr lang="en-US" dirty="0"/>
-              <a:t>Machine Learning</a:t>
-            </a:r>
-          </a:p>
-          <a:p>
-            <a:pPr lvl="1"/>
-            <a:r>
-              <a:rPr lang="en-US" dirty="0"/>
-              <a:t>The use of a model built off of data to increase the predictive ability of a computer.</a:t>
-            </a:r>
-          </a:p>
-          <a:p>
-            <a:pPr lvl="1"/>
-            <a:r>
-              <a:rPr lang="en-US" dirty="0"/>
-              <a:t>Data by itself is not machine learning if the predictive capabilities do not increase—no learning occurs in this situation.</a:t>
-            </a:r>
-          </a:p>
-          <a:p>
-            <a:endParaRPr lang="en-US" dirty="0"/>
-          </a:p>
-          <a:p>
-            <a:pPr lvl="2"/>
-            <a:endParaRPr lang="en-US" dirty="0"/>
-          </a:p>
-          <a:p>
-            <a:endParaRPr lang="en-US" dirty="0"/>
+          <a:bodyPr>
+            <a:normAutofit/>
+          </a:bodyPr>
+          <a:lstStyle/>
+          <a:p>
+            <a:pPr marL="514350" indent="-514350">
+              <a:buFont typeface="+mj-lt"/>
+              <a:buAutoNum type="arabicParenR"/>
+            </a:pPr>
+            <a:r>
+              <a:rPr lang="en-US" dirty="0"/>
+              <a:t>https://github.com/amueller/introduction_to_ml_with_python/blob/master/02-supervised-learning.ipynb</a:t>
+            </a:r>
           </a:p>
         </p:txBody>
       </p:sp>
     </p:spTree>
     <p:extLst>
       <p:ext uri="{BB962C8B-B14F-4D97-AF65-F5344CB8AC3E}">
-        <p14:creationId xmlns:p14="http://schemas.microsoft.com/office/powerpoint/2010/main" val="3227970962"/>
+        <p14:creationId xmlns:p14="http://schemas.microsoft.com/office/powerpoint/2010/main" val="3645036191"/>
       </p:ext>
     </p:extLst>
   </p:cSld>
@@ -9965,292 +12534,7 @@
 </p:sld>
 </file>
 
-<file path=ppt/slides/slide30.xml><?xml version="1.0" encoding="utf-8"?>
-<p:sld xmlns:a="http://schemas.openxmlformats.org/drawingml/2006/main" xmlns:r="http://schemas.openxmlformats.org/officeDocument/2006/relationships" xmlns:p="http://schemas.openxmlformats.org/presentationml/2006/main">
-  <p:cSld>
-    <p:bg>
-      <p:bgPr>
-        <a:blipFill dpi="0" rotWithShape="1">
-          <a:blip r:embed="rId3">
-            <a:lum/>
-          </a:blip>
-          <a:srcRect/>
-          <a:stretch>
-            <a:fillRect l="-10000" r="-10000"/>
-          </a:stretch>
-        </a:blipFill>
-        <a:effectLst/>
-      </p:bgPr>
-    </p:bg>
-    <p:spTree>
-      <p:nvGrpSpPr>
-        <p:cNvPr id="1" name=""/>
-        <p:cNvGrpSpPr/>
-        <p:nvPr/>
-      </p:nvGrpSpPr>
-      <p:grpSpPr>
-        <a:xfrm>
-          <a:off x="0" y="0"/>
-          <a:ext cx="0" cy="0"/>
-          <a:chOff x="0" y="0"/>
-          <a:chExt cx="0" cy="0"/>
-        </a:xfrm>
-      </p:grpSpPr>
-      <p:sp>
-        <p:nvSpPr>
-          <p:cNvPr id="2" name="Title 1"/>
-          <p:cNvSpPr>
-            <a:spLocks noGrp="1"/>
-          </p:cNvSpPr>
-          <p:nvPr>
-            <p:ph type="title"/>
-          </p:nvPr>
-        </p:nvSpPr>
-        <p:spPr/>
-        <p:txBody>
-          <a:bodyPr/>
-          <a:lstStyle/>
-          <a:p>
-            <a:r>
-              <a:rPr lang="en-US" dirty="0"/>
-              <a:t>Linear Models - Regressors</a:t>
-            </a:r>
-          </a:p>
-        </p:txBody>
-      </p:sp>
-      <p:sp>
-        <p:nvSpPr>
-          <p:cNvPr id="3" name="Content Placeholder 2"/>
-          <p:cNvSpPr>
-            <a:spLocks noGrp="1"/>
-          </p:cNvSpPr>
-          <p:nvPr>
-            <p:ph idx="1"/>
-          </p:nvPr>
-        </p:nvSpPr>
-        <p:spPr/>
-        <p:txBody>
-          <a:bodyPr/>
-          <a:lstStyle/>
-          <a:p>
-            <a:r>
-              <a:rPr lang="en-US" dirty="0"/>
-              <a:t>Decision Tree</a:t>
-            </a:r>
-          </a:p>
-          <a:p>
-            <a:pPr lvl="2"/>
-            <a:endParaRPr lang="en-US" dirty="0"/>
-          </a:p>
-          <a:p>
-            <a:endParaRPr lang="en-US" dirty="0"/>
-          </a:p>
-        </p:txBody>
-      </p:sp>
-    </p:spTree>
-    <p:extLst>
-      <p:ext uri="{BB962C8B-B14F-4D97-AF65-F5344CB8AC3E}">
-        <p14:creationId xmlns:p14="http://schemas.microsoft.com/office/powerpoint/2010/main" val="1924952010"/>
-      </p:ext>
-    </p:extLst>
-  </p:cSld>
-  <p:clrMapOvr>
-    <a:overrideClrMapping bg1="lt1" tx1="dk1" bg2="lt2" tx2="dk2" accent1="accent1" accent2="accent2" accent3="accent3" accent4="accent4" accent5="accent5" accent6="accent6" hlink="hlink" folHlink="folHlink"/>
-  </p:clrMapOvr>
-</p:sld>
-</file>
-
-<file path=ppt/slides/slide31.xml><?xml version="1.0" encoding="utf-8"?>
-<p:sld xmlns:a="http://schemas.openxmlformats.org/drawingml/2006/main" xmlns:r="http://schemas.openxmlformats.org/officeDocument/2006/relationships" xmlns:p="http://schemas.openxmlformats.org/presentationml/2006/main">
-  <p:cSld>
-    <p:bg>
-      <p:bgPr>
-        <a:blipFill dpi="0" rotWithShape="1">
-          <a:blip r:embed="rId3">
-            <a:lum/>
-          </a:blip>
-          <a:srcRect/>
-          <a:stretch>
-            <a:fillRect l="-10000" r="-10000"/>
-          </a:stretch>
-        </a:blipFill>
-        <a:effectLst/>
-      </p:bgPr>
-    </p:bg>
-    <p:spTree>
-      <p:nvGrpSpPr>
-        <p:cNvPr id="1" name=""/>
-        <p:cNvGrpSpPr/>
-        <p:nvPr/>
-      </p:nvGrpSpPr>
-      <p:grpSpPr>
-        <a:xfrm>
-          <a:off x="0" y="0"/>
-          <a:ext cx="0" cy="0"/>
-          <a:chOff x="0" y="0"/>
-          <a:chExt cx="0" cy="0"/>
-        </a:xfrm>
-      </p:grpSpPr>
-      <p:sp>
-        <p:nvSpPr>
-          <p:cNvPr id="2" name="Title 1"/>
-          <p:cNvSpPr>
-            <a:spLocks noGrp="1"/>
-          </p:cNvSpPr>
-          <p:nvPr>
-            <p:ph type="title"/>
-          </p:nvPr>
-        </p:nvSpPr>
-        <p:spPr/>
-        <p:txBody>
-          <a:bodyPr/>
-          <a:lstStyle/>
-          <a:p>
-            <a:r>
-              <a:rPr lang="en-US" dirty="0"/>
-              <a:t>Linear Models - Regressors</a:t>
-            </a:r>
-          </a:p>
-        </p:txBody>
-      </p:sp>
-      <p:sp>
-        <p:nvSpPr>
-          <p:cNvPr id="3" name="Content Placeholder 2"/>
-          <p:cNvSpPr>
-            <a:spLocks noGrp="1"/>
-          </p:cNvSpPr>
-          <p:nvPr>
-            <p:ph idx="1"/>
-          </p:nvPr>
-        </p:nvSpPr>
-        <p:spPr/>
-        <p:txBody>
-          <a:bodyPr/>
-          <a:lstStyle/>
-          <a:p>
-            <a:r>
-              <a:rPr lang="en-US" dirty="0"/>
-              <a:t>Forest</a:t>
-            </a:r>
-          </a:p>
-          <a:p>
-            <a:pPr lvl="2"/>
-            <a:endParaRPr lang="en-US" dirty="0"/>
-          </a:p>
-          <a:p>
-            <a:endParaRPr lang="en-US" dirty="0"/>
-          </a:p>
-        </p:txBody>
-      </p:sp>
-    </p:spTree>
-    <p:extLst>
-      <p:ext uri="{BB962C8B-B14F-4D97-AF65-F5344CB8AC3E}">
-        <p14:creationId xmlns:p14="http://schemas.microsoft.com/office/powerpoint/2010/main" val="358457677"/>
-      </p:ext>
-    </p:extLst>
-  </p:cSld>
-  <p:clrMapOvr>
-    <a:overrideClrMapping bg1="lt1" tx1="dk1" bg2="lt2" tx2="dk2" accent1="accent1" accent2="accent2" accent3="accent3" accent4="accent4" accent5="accent5" accent6="accent6" hlink="hlink" folHlink="folHlink"/>
-  </p:clrMapOvr>
-</p:sld>
-</file>
-
-<file path=ppt/slides/slide32.xml><?xml version="1.0" encoding="utf-8"?>
-<p:sld xmlns:a="http://schemas.openxmlformats.org/drawingml/2006/main" xmlns:r="http://schemas.openxmlformats.org/officeDocument/2006/relationships" xmlns:p="http://schemas.openxmlformats.org/presentationml/2006/main">
-  <p:cSld>
-    <p:bg>
-      <p:bgPr>
-        <a:blipFill dpi="0" rotWithShape="1">
-          <a:blip r:embed="rId3">
-            <a:lum/>
-          </a:blip>
-          <a:srcRect/>
-          <a:stretch>
-            <a:fillRect l="-10000" r="-10000"/>
-          </a:stretch>
-        </a:blipFill>
-        <a:effectLst/>
-      </p:bgPr>
-    </p:bg>
-    <p:spTree>
-      <p:nvGrpSpPr>
-        <p:cNvPr id="1" name=""/>
-        <p:cNvGrpSpPr/>
-        <p:nvPr/>
-      </p:nvGrpSpPr>
-      <p:grpSpPr>
-        <a:xfrm>
-          <a:off x="0" y="0"/>
-          <a:ext cx="0" cy="0"/>
-          <a:chOff x="0" y="0"/>
-          <a:chExt cx="0" cy="0"/>
-        </a:xfrm>
-      </p:grpSpPr>
-      <p:sp>
-        <p:nvSpPr>
-          <p:cNvPr id="2" name="Title 1"/>
-          <p:cNvSpPr>
-            <a:spLocks noGrp="1"/>
-          </p:cNvSpPr>
-          <p:nvPr>
-            <p:ph type="title"/>
-          </p:nvPr>
-        </p:nvSpPr>
-        <p:spPr/>
-        <p:txBody>
-          <a:bodyPr/>
-          <a:lstStyle/>
-          <a:p>
-            <a:r>
-              <a:rPr lang="en-US" dirty="0"/>
-              <a:t>Linear Models - Regressors</a:t>
-            </a:r>
-          </a:p>
-        </p:txBody>
-      </p:sp>
-      <p:sp>
-        <p:nvSpPr>
-          <p:cNvPr id="3" name="Content Placeholder 2"/>
-          <p:cNvSpPr>
-            <a:spLocks noGrp="1"/>
-          </p:cNvSpPr>
-          <p:nvPr>
-            <p:ph idx="1"/>
-          </p:nvPr>
-        </p:nvSpPr>
-        <p:spPr/>
-        <p:txBody>
-          <a:bodyPr/>
-          <a:lstStyle/>
-          <a:p>
-            <a:r>
-              <a:rPr lang="en-US" dirty="0"/>
-              <a:t>Gradient-Boosted Forest</a:t>
-            </a:r>
-          </a:p>
-          <a:p>
-            <a:pPr lvl="2"/>
-            <a:endParaRPr lang="en-US" dirty="0"/>
-          </a:p>
-          <a:p>
-            <a:endParaRPr lang="en-US" dirty="0"/>
-          </a:p>
-        </p:txBody>
-      </p:sp>
-    </p:spTree>
-    <p:extLst>
-      <p:ext uri="{BB962C8B-B14F-4D97-AF65-F5344CB8AC3E}">
-        <p14:creationId xmlns:p14="http://schemas.microsoft.com/office/powerpoint/2010/main" val="1436682753"/>
-      </p:ext>
-    </p:extLst>
-  </p:cSld>
-  <p:clrMapOvr>
-    <a:overrideClrMapping bg1="lt1" tx1="dk1" bg2="lt2" tx2="dk2" accent1="accent1" accent2="accent2" accent3="accent3" accent4="accent4" accent5="accent5" accent6="accent6" hlink="hlink" folHlink="folHlink"/>
-  </p:clrMapOvr>
-</p:sld>
-</file>
-
-<file path=ppt/slides/slide33.xml><?xml version="1.0" encoding="utf-8"?>
+<file path=ppt/slides/slide46.xml><?xml version="1.0" encoding="utf-8"?>
 <p:sld xmlns:a="http://schemas.openxmlformats.org/drawingml/2006/main" xmlns:r="http://schemas.openxmlformats.org/officeDocument/2006/relationships" xmlns:p="http://schemas.openxmlformats.org/presentationml/2006/main">
   <p:cSld>
     <p:bg>
@@ -10298,7 +12582,7 @@
           <a:p>
             <a:r>
               <a:rPr lang="en-US" dirty="0"/>
-              <a:t>Evaluating Accuracy</a:t>
+              <a:t>LICENSE</a:t>
             </a:r>
           </a:p>
         </p:txBody>
@@ -10315,51 +12599,40 @@
         </p:nvSpPr>
         <p:spPr/>
         <p:txBody>
-          <a:bodyPr/>
-          <a:lstStyle/>
-          <a:p>
-            <a:r>
-              <a:rPr lang="en-US" dirty="0"/>
-              <a:t>Overview</a:t>
-            </a:r>
-          </a:p>
-          <a:p>
-            <a:pPr lvl="1"/>
-            <a:r>
-              <a:rPr lang="en-US" dirty="0"/>
-              <a:t>&lt;model&gt;.score(</a:t>
-            </a:r>
-            <a:r>
-              <a:rPr lang="en-US" dirty="0" err="1"/>
-              <a:t>test_data</a:t>
-            </a:r>
-            <a:r>
-              <a:rPr lang="en-US" dirty="0"/>
-              <a:t>, </a:t>
-            </a:r>
-            <a:r>
-              <a:rPr lang="en-US" dirty="0" err="1"/>
-              <a:t>test_labels</a:t>
-            </a:r>
-            <a:r>
-              <a:rPr lang="en-US"/>
-              <a:t>)</a:t>
-            </a:r>
-            <a:endParaRPr lang="en-US" dirty="0"/>
-          </a:p>
-          <a:p>
-            <a:pPr lvl="2"/>
-            <a:endParaRPr lang="en-US" dirty="0"/>
-          </a:p>
-          <a:p>
-            <a:endParaRPr lang="en-US" dirty="0"/>
+          <a:bodyPr>
+            <a:normAutofit fontScale="62500" lnSpcReduction="20000"/>
+          </a:bodyPr>
+          <a:lstStyle/>
+          <a:p>
+            <a:r>
+              <a:rPr lang="en-US" dirty="0"/>
+              <a:t>Copyright 2021 Douglas Bowman</a:t>
+            </a:r>
+          </a:p>
+          <a:p>
+            <a:r>
+              <a:rPr lang="en-US" dirty="0"/>
+              <a:t>Permission is hereby granted, free of charge, to any person obtaining a copy of this software and associated documentation files (the "Software"), to deal in the Software without restriction, including without limitation the rights to use, copy, modify, merge, publish, distribute, sublicense, and/or sell copies of the Software, and to permit persons to whom the Software is furnished to do so, subject to the following conditions:</a:t>
+            </a:r>
+          </a:p>
+          <a:p>
+            <a:r>
+              <a:rPr lang="en-US" dirty="0"/>
+              <a:t>The above copyright notice and this permission notice shall be included in all copies or substantial portions of the Software.</a:t>
+            </a:r>
+          </a:p>
+          <a:p>
+            <a:r>
+              <a:rPr lang="en-US" dirty="0"/>
+              <a:t>THE SOFTWARE IS PROVIDED "AS IS", WITHOUT WARRANTY OF ANY KIND, EXPRESS OR IMPLIED, INCLUDING BUT NOT LIMITED TO THE WARRANTIES OF MERCHANTABILITY, FITNESS FOR A PARTICULAR PURPOSE AND NONINFRINGEMENT. IN NO EVENT SHALL THE AUTHORS OR COPYRIGHT HOLDERS BE LIABLE FOR ANY CLAIM, DAMAGES OR OTHER LIABILITY, WHETHER IN AN ACTION OF CONTRACT, TORT OR OTHERWISE, ARISING FROM, OUT OF OR IN CONNECTION WITH THE SOFTWARE OR THE USE OR OTHER DEALINGS IN THE SOFTWARE.</a:t>
+            </a:r>
           </a:p>
         </p:txBody>
       </p:sp>
     </p:spTree>
     <p:extLst>
       <p:ext uri="{BB962C8B-B14F-4D97-AF65-F5344CB8AC3E}">
-        <p14:creationId xmlns:p14="http://schemas.microsoft.com/office/powerpoint/2010/main" val="4053921630"/>
+        <p14:creationId xmlns:p14="http://schemas.microsoft.com/office/powerpoint/2010/main" val="3405347719"/>
       </p:ext>
     </p:extLst>
   </p:cSld>
@@ -10369,14 +12642,24 @@
 </p:sld>
 </file>
 
-<file path=ppt/slides/slide34.xml><?xml version="1.0" encoding="utf-8"?>
+<file path=ppt/slides/slide5.xml><?xml version="1.0" encoding="utf-8"?>
 <p:sld xmlns:a="http://schemas.openxmlformats.org/drawingml/2006/main" xmlns:r="http://schemas.openxmlformats.org/officeDocument/2006/relationships" xmlns:p="http://schemas.openxmlformats.org/presentationml/2006/main">
   <p:cSld>
     <p:bg>
       <p:bgPr>
         <a:blipFill dpi="0" rotWithShape="1">
-          <a:blip r:embed="rId2">
-            <a:lum/>
+          <a:blip r:embed="rId3">
+            <a:extLst>
+              <a:ext uri="{BEBA8EAE-BF5A-486C-A8C5-ECC9F3942E4B}">
+                <a14:imgProps xmlns:a14="http://schemas.microsoft.com/office/drawing/2010/main">
+                  <a14:imgLayer r:embed="rId4">
+                    <a14:imgEffect>
+                      <a14:brightnessContrast bright="-50000"/>
+                    </a14:imgEffect>
+                  </a14:imgLayer>
+                </a14:imgProps>
+              </a:ext>
+            </a:extLst>
           </a:blip>
           <a:srcRect/>
           <a:stretch>
@@ -10416,12 +12699,8 @@
           <a:lstStyle/>
           <a:p>
             <a:r>
-              <a:rPr lang="en-US" dirty="0" err="1"/>
-              <a:t>Scikit</a:t>
-            </a:r>
-            <a:r>
-              <a:rPr lang="en-US" dirty="0"/>
-              <a:t>-Learn Machine Learning</a:t>
+              <a:rPr lang="en-US" dirty="0"/>
+              <a:t>Concepts and Definitions</a:t>
             </a:r>
           </a:p>
         </p:txBody>
@@ -10443,43 +12722,39 @@
           <a:p>
             <a:r>
               <a:rPr lang="en-US" dirty="0"/>
-              <a:t>Overview</a:t>
+              <a:t>Classifier</a:t>
             </a:r>
           </a:p>
           <a:p>
             <a:pPr lvl="1"/>
             <a:r>
               <a:rPr lang="en-US" dirty="0"/>
-              <a:t>Definition</a:t>
+              <a:t>The mathematical equation, set of equations, and/or algorithm that is used to predict outcomes for classification problems.</a:t>
             </a:r>
           </a:p>
           <a:p>
             <a:pPr lvl="1"/>
             <a:r>
               <a:rPr lang="en-US" dirty="0"/>
-              <a:t>General Types</a:t>
+              <a:t>For problems where we are trying to determine an exact value or name of something.</a:t>
+            </a:r>
+          </a:p>
+          <a:p>
+            <a:pPr lvl="2"/>
+            <a:r>
+              <a:rPr lang="en-US" dirty="0"/>
+              <a:t>i.e. trying to determine what kind of fruit something is.</a:t>
             </a:r>
           </a:p>
           <a:p>
             <a:pPr lvl="1"/>
             <a:r>
               <a:rPr lang="en-US" dirty="0"/>
-              <a:t>Basic Linear Models</a:t>
-            </a:r>
-          </a:p>
-          <a:p>
-            <a:pPr lvl="1"/>
-            <a:r>
-              <a:rPr lang="en-US" dirty="0"/>
-              <a:t>Algorithm Types</a:t>
-            </a:r>
-          </a:p>
-          <a:p>
-            <a:pPr lvl="1"/>
-            <a:r>
-              <a:rPr lang="en-US" dirty="0"/>
-              <a:t>Tuning</a:t>
-            </a:r>
+              <a:t>This is the scaffolding for our model.</a:t>
+            </a:r>
+          </a:p>
+          <a:p>
+            <a:endParaRPr lang="en-US" dirty="0"/>
           </a:p>
           <a:p>
             <a:pPr lvl="2"/>
@@ -10493,24 +12768,34 @@
     </p:spTree>
     <p:extLst>
       <p:ext uri="{BB962C8B-B14F-4D97-AF65-F5344CB8AC3E}">
-        <p14:creationId xmlns:p14="http://schemas.microsoft.com/office/powerpoint/2010/main" val="754999196"/>
+        <p14:creationId xmlns:p14="http://schemas.microsoft.com/office/powerpoint/2010/main" val="789975062"/>
       </p:ext>
     </p:extLst>
   </p:cSld>
   <p:clrMapOvr>
-    <a:masterClrMapping/>
+    <a:overrideClrMapping bg1="lt1" tx1="dk1" bg2="lt2" tx2="dk2" accent1="accent1" accent2="accent2" accent3="accent3" accent4="accent4" accent5="accent5" accent6="accent6" hlink="hlink" folHlink="folHlink"/>
   </p:clrMapOvr>
 </p:sld>
 </file>
 
-<file path=ppt/slides/slide35.xml><?xml version="1.0" encoding="utf-8"?>
+<file path=ppt/slides/slide6.xml><?xml version="1.0" encoding="utf-8"?>
 <p:sld xmlns:a="http://schemas.openxmlformats.org/drawingml/2006/main" xmlns:r="http://schemas.openxmlformats.org/officeDocument/2006/relationships" xmlns:p="http://schemas.openxmlformats.org/presentationml/2006/main">
   <p:cSld>
     <p:bg>
       <p:bgPr>
         <a:blipFill dpi="0" rotWithShape="1">
-          <a:blip r:embed="rId2">
-            <a:lum/>
+          <a:blip r:embed="rId3">
+            <a:extLst>
+              <a:ext uri="{BEBA8EAE-BF5A-486C-A8C5-ECC9F3942E4B}">
+                <a14:imgProps xmlns:a14="http://schemas.microsoft.com/office/drawing/2010/main">
+                  <a14:imgLayer r:embed="rId4">
+                    <a14:imgEffect>
+                      <a14:brightnessContrast bright="-50000"/>
+                    </a14:imgEffect>
+                  </a14:imgLayer>
+                </a14:imgProps>
+              </a:ext>
+            </a:extLst>
           </a:blip>
           <a:srcRect/>
           <a:stretch>
@@ -10551,7 +12836,7 @@
           <a:p>
             <a:r>
               <a:rPr lang="en-US" dirty="0"/>
-              <a:t>Tuning</a:t>
+              <a:t>Concepts and Definitions</a:t>
             </a:r>
           </a:p>
         </p:txBody>
@@ -10573,8 +12858,39 @@
           <a:p>
             <a:r>
               <a:rPr lang="en-US" dirty="0"/>
-              <a:t>Determining what features matter</a:t>
-            </a:r>
+              <a:t>Regressor</a:t>
+            </a:r>
+          </a:p>
+          <a:p>
+            <a:pPr lvl="1"/>
+            <a:r>
+              <a:rPr lang="en-US" dirty="0"/>
+              <a:t>The mathematical equation, set of equations, and/or algorithm that is used to predict outcomes for regression problems.</a:t>
+            </a:r>
+          </a:p>
+          <a:p>
+            <a:pPr lvl="1"/>
+            <a:r>
+              <a:rPr lang="en-US" dirty="0"/>
+              <a:t>Problems were we are predicting within range of values.</a:t>
+            </a:r>
+          </a:p>
+          <a:p>
+            <a:pPr lvl="2"/>
+            <a:r>
+              <a:rPr lang="en-US" dirty="0"/>
+              <a:t>i.e. Predicting the median household income in the future.</a:t>
+            </a:r>
+          </a:p>
+          <a:p>
+            <a:pPr lvl="1"/>
+            <a:r>
+              <a:rPr lang="en-US" dirty="0"/>
+              <a:t>This is the scaffolding for our model.</a:t>
+            </a:r>
+          </a:p>
+          <a:p>
+            <a:endParaRPr lang="en-US" dirty="0"/>
           </a:p>
           <a:p>
             <a:pPr lvl="2"/>
@@ -10588,24 +12904,34 @@
     </p:spTree>
     <p:extLst>
       <p:ext uri="{BB962C8B-B14F-4D97-AF65-F5344CB8AC3E}">
-        <p14:creationId xmlns:p14="http://schemas.microsoft.com/office/powerpoint/2010/main" val="3393037686"/>
+        <p14:creationId xmlns:p14="http://schemas.microsoft.com/office/powerpoint/2010/main" val="528904592"/>
       </p:ext>
     </p:extLst>
   </p:cSld>
   <p:clrMapOvr>
-    <a:masterClrMapping/>
+    <a:overrideClrMapping bg1="lt1" tx1="dk1" bg2="lt2" tx2="dk2" accent1="accent1" accent2="accent2" accent3="accent3" accent4="accent4" accent5="accent5" accent6="accent6" hlink="hlink" folHlink="folHlink"/>
   </p:clrMapOvr>
 </p:sld>
 </file>
 
-<file path=ppt/slides/slide36.xml><?xml version="1.0" encoding="utf-8"?>
+<file path=ppt/slides/slide7.xml><?xml version="1.0" encoding="utf-8"?>
 <p:sld xmlns:a="http://schemas.openxmlformats.org/drawingml/2006/main" xmlns:r="http://schemas.openxmlformats.org/officeDocument/2006/relationships" xmlns:p="http://schemas.openxmlformats.org/presentationml/2006/main">
   <p:cSld>
     <p:bg>
       <p:bgPr>
         <a:blipFill dpi="0" rotWithShape="1">
-          <a:blip r:embed="rId2">
-            <a:lum/>
+          <a:blip r:embed="rId3">
+            <a:extLst>
+              <a:ext uri="{BEBA8EAE-BF5A-486C-A8C5-ECC9F3942E4B}">
+                <a14:imgProps xmlns:a14="http://schemas.microsoft.com/office/drawing/2010/main">
+                  <a14:imgLayer r:embed="rId4">
+                    <a14:imgEffect>
+                      <a14:brightnessContrast bright="-50000"/>
+                    </a14:imgEffect>
+                  </a14:imgLayer>
+                </a14:imgProps>
+              </a:ext>
+            </a:extLst>
           </a:blip>
           <a:srcRect/>
           <a:stretch>
@@ -10646,7 +12972,7 @@
           <a:p>
             <a:r>
               <a:rPr lang="en-US" dirty="0"/>
-              <a:t>Tuning</a:t>
+              <a:t>Concepts and Definitions</a:t>
             </a:r>
           </a:p>
         </p:txBody>
@@ -10668,29 +12994,25 @@
           <a:p>
             <a:r>
               <a:rPr lang="en-US" dirty="0"/>
-              <a:t>Parameters to Play with</a:t>
+              <a:t>Model</a:t>
             </a:r>
           </a:p>
           <a:p>
             <a:pPr lvl="1"/>
             <a:r>
               <a:rPr lang="en-US" dirty="0"/>
-              <a:t>K-Nearest Neighbors</a:t>
-            </a:r>
-          </a:p>
-          <a:p>
-            <a:pPr lvl="2"/>
-            <a:r>
-              <a:rPr lang="en-US" dirty="0"/>
-              <a:t>Number of neighbors to test point</a:t>
-            </a:r>
-          </a:p>
-          <a:p>
-            <a:pPr lvl="2"/>
-            <a:r>
-              <a:rPr lang="en-US" dirty="0"/>
-              <a:t>Algorithm to evaluate distance test point is from data points</a:t>
-            </a:r>
+              <a:t>The construct that is/will be trained and filled with data.</a:t>
+            </a:r>
+          </a:p>
+          <a:p>
+            <a:pPr lvl="1"/>
+            <a:r>
+              <a:rPr lang="en-US" dirty="0"/>
+              <a:t>This is what will tell us what the “answer” is.</a:t>
+            </a:r>
+          </a:p>
+          <a:p>
+            <a:endParaRPr lang="en-US" dirty="0"/>
           </a:p>
           <a:p>
             <a:pPr lvl="2"/>
@@ -10704,24 +13026,34 @@
     </p:spTree>
     <p:extLst>
       <p:ext uri="{BB962C8B-B14F-4D97-AF65-F5344CB8AC3E}">
-        <p14:creationId xmlns:p14="http://schemas.microsoft.com/office/powerpoint/2010/main" val="274238177"/>
+        <p14:creationId xmlns:p14="http://schemas.microsoft.com/office/powerpoint/2010/main" val="4212275978"/>
       </p:ext>
     </p:extLst>
   </p:cSld>
   <p:clrMapOvr>
-    <a:masterClrMapping/>
+    <a:overrideClrMapping bg1="lt1" tx1="dk1" bg2="lt2" tx2="dk2" accent1="accent1" accent2="accent2" accent3="accent3" accent4="accent4" accent5="accent5" accent6="accent6" hlink="hlink" folHlink="folHlink"/>
   </p:clrMapOvr>
 </p:sld>
 </file>
 
-<file path=ppt/slides/slide37.xml><?xml version="1.0" encoding="utf-8"?>
+<file path=ppt/slides/slide8.xml><?xml version="1.0" encoding="utf-8"?>
 <p:sld xmlns:a="http://schemas.openxmlformats.org/drawingml/2006/main" xmlns:r="http://schemas.openxmlformats.org/officeDocument/2006/relationships" xmlns:p="http://schemas.openxmlformats.org/presentationml/2006/main">
   <p:cSld>
     <p:bg>
       <p:bgPr>
         <a:blipFill dpi="0" rotWithShape="1">
-          <a:blip r:embed="rId2">
-            <a:lum/>
+          <a:blip r:embed="rId3">
+            <a:extLst>
+              <a:ext uri="{BEBA8EAE-BF5A-486C-A8C5-ECC9F3942E4B}">
+                <a14:imgProps xmlns:a14="http://schemas.microsoft.com/office/drawing/2010/main">
+                  <a14:imgLayer r:embed="rId4">
+                    <a14:imgEffect>
+                      <a14:brightnessContrast bright="-50000"/>
+                    </a14:imgEffect>
+                  </a14:imgLayer>
+                </a14:imgProps>
+              </a:ext>
+            </a:extLst>
           </a:blip>
           <a:srcRect/>
           <a:stretch>
@@ -10762,7 +13094,7 @@
           <a:p>
             <a:r>
               <a:rPr lang="en-US" dirty="0"/>
-              <a:t>Tuning</a:t>
+              <a:t>Concepts and Definitions</a:t>
             </a:r>
           </a:p>
         </p:txBody>
@@ -10784,8 +13116,18 @@
           <a:p>
             <a:r>
               <a:rPr lang="en-US" dirty="0"/>
-              <a:t>Grid Search</a:t>
-            </a:r>
+              <a:t>Classifier vs Model</a:t>
+            </a:r>
+          </a:p>
+          <a:p>
+            <a:pPr lvl="1"/>
+            <a:r>
+              <a:rPr lang="en-US" dirty="0"/>
+              <a:t>The classifier is like a class, where the model is like an object.</a:t>
+            </a:r>
+          </a:p>
+          <a:p>
+            <a:endParaRPr lang="en-US" dirty="0"/>
           </a:p>
           <a:p>
             <a:pPr lvl="2"/>
@@ -10799,24 +13141,34 @@
     </p:spTree>
     <p:extLst>
       <p:ext uri="{BB962C8B-B14F-4D97-AF65-F5344CB8AC3E}">
-        <p14:creationId xmlns:p14="http://schemas.microsoft.com/office/powerpoint/2010/main" val="2622179278"/>
+        <p14:creationId xmlns:p14="http://schemas.microsoft.com/office/powerpoint/2010/main" val="3444231323"/>
       </p:ext>
     </p:extLst>
   </p:cSld>
   <p:clrMapOvr>
-    <a:masterClrMapping/>
+    <a:overrideClrMapping bg1="lt1" tx1="dk1" bg2="lt2" tx2="dk2" accent1="accent1" accent2="accent2" accent3="accent3" accent4="accent4" accent5="accent5" accent6="accent6" hlink="hlink" folHlink="folHlink"/>
   </p:clrMapOvr>
 </p:sld>
 </file>
 
-<file path=ppt/slides/slide38.xml><?xml version="1.0" encoding="utf-8"?>
+<file path=ppt/slides/slide9.xml><?xml version="1.0" encoding="utf-8"?>
 <p:sld xmlns:a="http://schemas.openxmlformats.org/drawingml/2006/main" xmlns:r="http://schemas.openxmlformats.org/officeDocument/2006/relationships" xmlns:p="http://schemas.openxmlformats.org/presentationml/2006/main">
   <p:cSld>
     <p:bg>
       <p:bgPr>
         <a:blipFill dpi="0" rotWithShape="1">
-          <a:blip r:embed="rId2">
-            <a:lum/>
+          <a:blip r:embed="rId3">
+            <a:extLst>
+              <a:ext uri="{BEBA8EAE-BF5A-486C-A8C5-ECC9F3942E4B}">
+                <a14:imgProps xmlns:a14="http://schemas.microsoft.com/office/drawing/2010/main">
+                  <a14:imgLayer r:embed="rId4">
+                    <a14:imgEffect>
+                      <a14:brightnessContrast bright="-50000"/>
+                    </a14:imgEffect>
+                  </a14:imgLayer>
+                </a14:imgProps>
+              </a:ext>
+            </a:extLst>
           </a:blip>
           <a:srcRect/>
           <a:stretch>
@@ -10856,12 +13208,8 @@
           <a:lstStyle/>
           <a:p>
             <a:r>
-              <a:rPr lang="en-US" dirty="0" err="1"/>
-              <a:t>Scikit</a:t>
-            </a:r>
-            <a:r>
-              <a:rPr lang="en-US" dirty="0"/>
-              <a:t>-Learn Machine Learning</a:t>
+              <a:rPr lang="en-US" dirty="0"/>
+              <a:t>Concepts and Definitions</a:t>
             </a:r>
           </a:p>
         </p:txBody>
@@ -10883,815 +13231,14 @@
           <a:p>
             <a:r>
               <a:rPr lang="en-US" dirty="0"/>
-              <a:t>Overview</a:t>
+              <a:t>Experience</a:t>
             </a:r>
           </a:p>
           <a:p>
             <a:pPr lvl="1"/>
             <a:r>
               <a:rPr lang="en-US" dirty="0"/>
-              <a:t>Definition</a:t>
-            </a:r>
-          </a:p>
-          <a:p>
-            <a:pPr lvl="1"/>
-            <a:r>
-              <a:rPr lang="en-US" dirty="0"/>
-              <a:t>General Types</a:t>
-            </a:r>
-          </a:p>
-          <a:p>
-            <a:pPr lvl="1"/>
-            <a:r>
-              <a:rPr lang="en-US" dirty="0"/>
-              <a:t>Basic Linear Models</a:t>
-            </a:r>
-          </a:p>
-          <a:p>
-            <a:pPr lvl="1"/>
-            <a:r>
-              <a:rPr lang="en-US" dirty="0"/>
-              <a:t>Algorithm Types</a:t>
-            </a:r>
-          </a:p>
-          <a:p>
-            <a:pPr lvl="1"/>
-            <a:r>
-              <a:rPr lang="en-US" dirty="0"/>
-              <a:t>Tuning</a:t>
-            </a:r>
-          </a:p>
-          <a:p>
-            <a:pPr lvl="2"/>
-            <a:endParaRPr lang="en-US" dirty="0"/>
-          </a:p>
-          <a:p>
-            <a:endParaRPr lang="en-US" dirty="0"/>
-          </a:p>
-        </p:txBody>
-      </p:sp>
-    </p:spTree>
-    <p:extLst>
-      <p:ext uri="{BB962C8B-B14F-4D97-AF65-F5344CB8AC3E}">
-        <p14:creationId xmlns:p14="http://schemas.microsoft.com/office/powerpoint/2010/main" val="2946119377"/>
-      </p:ext>
-    </p:extLst>
-  </p:cSld>
-  <p:clrMapOvr>
-    <a:masterClrMapping/>
-  </p:clrMapOvr>
-</p:sld>
-</file>
-
-<file path=ppt/slides/slide39.xml><?xml version="1.0" encoding="utf-8"?>
-<p:sld xmlns:a="http://schemas.openxmlformats.org/drawingml/2006/main" xmlns:r="http://schemas.openxmlformats.org/officeDocument/2006/relationships" xmlns:p="http://schemas.openxmlformats.org/presentationml/2006/main">
-  <p:cSld>
-    <p:bg>
-      <p:bgPr>
-        <a:blipFill dpi="0" rotWithShape="1">
-          <a:blip r:embed="rId2">
-            <a:lum/>
-          </a:blip>
-          <a:srcRect/>
-          <a:stretch>
-            <a:fillRect l="-10000" r="-10000"/>
-          </a:stretch>
-        </a:blipFill>
-        <a:effectLst/>
-      </p:bgPr>
-    </p:bg>
-    <p:spTree>
-      <p:nvGrpSpPr>
-        <p:cNvPr id="1" name=""/>
-        <p:cNvGrpSpPr/>
-        <p:nvPr/>
-      </p:nvGrpSpPr>
-      <p:grpSpPr>
-        <a:xfrm>
-          <a:off x="0" y="0"/>
-          <a:ext cx="0" cy="0"/>
-          <a:chOff x="0" y="0"/>
-          <a:chExt cx="0" cy="0"/>
-        </a:xfrm>
-      </p:grpSpPr>
-      <p:sp>
-        <p:nvSpPr>
-          <p:cNvPr id="2" name="Title 1"/>
-          <p:cNvSpPr>
-            <a:spLocks noGrp="1"/>
-          </p:cNvSpPr>
-          <p:nvPr>
-            <p:ph type="title"/>
-          </p:nvPr>
-        </p:nvSpPr>
-        <p:spPr/>
-        <p:txBody>
-          <a:bodyPr/>
-          <a:lstStyle/>
-          <a:p>
-            <a:r>
-              <a:rPr lang="en-US" dirty="0"/>
-              <a:t>Bibliography</a:t>
-            </a:r>
-          </a:p>
-        </p:txBody>
-      </p:sp>
-      <p:sp>
-        <p:nvSpPr>
-          <p:cNvPr id="3" name="Content Placeholder 2"/>
-          <p:cNvSpPr>
-            <a:spLocks noGrp="1"/>
-          </p:cNvSpPr>
-          <p:nvPr>
-            <p:ph idx="1"/>
-          </p:nvPr>
-        </p:nvSpPr>
-        <p:spPr/>
-        <p:txBody>
-          <a:bodyPr>
-            <a:normAutofit/>
-          </a:bodyPr>
-          <a:lstStyle/>
-          <a:p>
-            <a:pPr marL="514350" indent="-514350">
-              <a:buFont typeface="+mj-lt"/>
-              <a:buAutoNum type="arabicParenR"/>
-            </a:pPr>
-            <a:r>
-              <a:rPr lang="en-US" dirty="0"/>
-              <a:t>https://github.com/amueller/introduction_to_ml_with_python/blob/master/02-supervised-learning.ipynb</a:t>
-            </a:r>
-          </a:p>
-        </p:txBody>
-      </p:sp>
-    </p:spTree>
-    <p:extLst>
-      <p:ext uri="{BB962C8B-B14F-4D97-AF65-F5344CB8AC3E}">
-        <p14:creationId xmlns:p14="http://schemas.microsoft.com/office/powerpoint/2010/main" val="3645036191"/>
-      </p:ext>
-    </p:extLst>
-  </p:cSld>
-  <p:clrMapOvr>
-    <a:masterClrMapping/>
-  </p:clrMapOvr>
-</p:sld>
-</file>
-
-<file path=ppt/slides/slide4.xml><?xml version="1.0" encoding="utf-8"?>
-<p:sld xmlns:a="http://schemas.openxmlformats.org/drawingml/2006/main" xmlns:r="http://schemas.openxmlformats.org/officeDocument/2006/relationships" xmlns:p="http://schemas.openxmlformats.org/presentationml/2006/main">
-  <p:cSld>
-    <p:bg>
-      <p:bgPr>
-        <a:blipFill dpi="0" rotWithShape="1">
-          <a:blip r:embed="rId2">
-            <a:lum/>
-          </a:blip>
-          <a:srcRect/>
-          <a:stretch>
-            <a:fillRect l="-10000" r="-10000"/>
-          </a:stretch>
-        </a:blipFill>
-        <a:effectLst/>
-      </p:bgPr>
-    </p:bg>
-    <p:spTree>
-      <p:nvGrpSpPr>
-        <p:cNvPr id="1" name=""/>
-        <p:cNvGrpSpPr/>
-        <p:nvPr/>
-      </p:nvGrpSpPr>
-      <p:grpSpPr>
-        <a:xfrm>
-          <a:off x="0" y="0"/>
-          <a:ext cx="0" cy="0"/>
-          <a:chOff x="0" y="0"/>
-          <a:chExt cx="0" cy="0"/>
-        </a:xfrm>
-      </p:grpSpPr>
-      <p:sp>
-        <p:nvSpPr>
-          <p:cNvPr id="2" name="Title 1"/>
-          <p:cNvSpPr>
-            <a:spLocks noGrp="1"/>
-          </p:cNvSpPr>
-          <p:nvPr>
-            <p:ph type="title"/>
-          </p:nvPr>
-        </p:nvSpPr>
-        <p:spPr/>
-        <p:txBody>
-          <a:bodyPr/>
-          <a:lstStyle/>
-          <a:p>
-            <a:r>
-              <a:rPr lang="en-US" dirty="0"/>
-              <a:t>Definitions</a:t>
-            </a:r>
-          </a:p>
-        </p:txBody>
-      </p:sp>
-      <p:sp>
-        <p:nvSpPr>
-          <p:cNvPr id="3" name="Content Placeholder 2"/>
-          <p:cNvSpPr>
-            <a:spLocks noGrp="1"/>
-          </p:cNvSpPr>
-          <p:nvPr>
-            <p:ph idx="1"/>
-          </p:nvPr>
-        </p:nvSpPr>
-        <p:spPr/>
-        <p:txBody>
-          <a:bodyPr/>
-          <a:lstStyle/>
-          <a:p>
-            <a:r>
-              <a:rPr lang="en-US" dirty="0"/>
-              <a:t>Classifier</a:t>
-            </a:r>
-          </a:p>
-          <a:p>
-            <a:pPr lvl="1"/>
-            <a:r>
-              <a:rPr lang="en-US" dirty="0"/>
-              <a:t>The mathematical equation, set of equations, and/or algorithm that a computer uses to predict outcomes for classification problems.</a:t>
-            </a:r>
-          </a:p>
-          <a:p>
-            <a:pPr lvl="1"/>
-            <a:r>
-              <a:rPr lang="en-US" dirty="0"/>
-              <a:t>For problems where we are trying to determine an exact value or name of something.</a:t>
-            </a:r>
-          </a:p>
-          <a:p>
-            <a:pPr lvl="2"/>
-            <a:r>
-              <a:rPr lang="en-US" dirty="0"/>
-              <a:t>i.e. trying to determine what kind of fruit something is.</a:t>
-            </a:r>
-          </a:p>
-          <a:p>
-            <a:pPr lvl="1"/>
-            <a:r>
-              <a:rPr lang="en-US" dirty="0"/>
-              <a:t>This is the scaffolding for our model.</a:t>
-            </a:r>
-          </a:p>
-          <a:p>
-            <a:endParaRPr lang="en-US" dirty="0"/>
-          </a:p>
-          <a:p>
-            <a:pPr lvl="2"/>
-            <a:endParaRPr lang="en-US" dirty="0"/>
-          </a:p>
-          <a:p>
-            <a:endParaRPr lang="en-US" dirty="0"/>
-          </a:p>
-        </p:txBody>
-      </p:sp>
-    </p:spTree>
-    <p:extLst>
-      <p:ext uri="{BB962C8B-B14F-4D97-AF65-F5344CB8AC3E}">
-        <p14:creationId xmlns:p14="http://schemas.microsoft.com/office/powerpoint/2010/main" val="789975062"/>
-      </p:ext>
-    </p:extLst>
-  </p:cSld>
-  <p:clrMapOvr>
-    <a:masterClrMapping/>
-  </p:clrMapOvr>
-</p:sld>
-</file>
-
-<file path=ppt/slides/slide40.xml><?xml version="1.0" encoding="utf-8"?>
-<p:sld xmlns:a="http://schemas.openxmlformats.org/drawingml/2006/main" xmlns:r="http://schemas.openxmlformats.org/officeDocument/2006/relationships" xmlns:p="http://schemas.openxmlformats.org/presentationml/2006/main">
-  <p:cSld>
-    <p:bg>
-      <p:bgPr>
-        <a:blipFill dpi="0" rotWithShape="1">
-          <a:blip r:embed="rId2">
-            <a:lum/>
-          </a:blip>
-          <a:srcRect/>
-          <a:stretch>
-            <a:fillRect l="-10000" r="-10000"/>
-          </a:stretch>
-        </a:blipFill>
-        <a:effectLst/>
-      </p:bgPr>
-    </p:bg>
-    <p:spTree>
-      <p:nvGrpSpPr>
-        <p:cNvPr id="1" name=""/>
-        <p:cNvGrpSpPr/>
-        <p:nvPr/>
-      </p:nvGrpSpPr>
-      <p:grpSpPr>
-        <a:xfrm>
-          <a:off x="0" y="0"/>
-          <a:ext cx="0" cy="0"/>
-          <a:chOff x="0" y="0"/>
-          <a:chExt cx="0" cy="0"/>
-        </a:xfrm>
-      </p:grpSpPr>
-      <p:sp>
-        <p:nvSpPr>
-          <p:cNvPr id="2" name="Title 1"/>
-          <p:cNvSpPr>
-            <a:spLocks noGrp="1"/>
-          </p:cNvSpPr>
-          <p:nvPr>
-            <p:ph type="title"/>
-          </p:nvPr>
-        </p:nvSpPr>
-        <p:spPr/>
-        <p:txBody>
-          <a:bodyPr/>
-          <a:lstStyle/>
-          <a:p>
-            <a:r>
-              <a:rPr lang="en-US" dirty="0"/>
-              <a:t>LICENSE</a:t>
-            </a:r>
-          </a:p>
-        </p:txBody>
-      </p:sp>
-      <p:sp>
-        <p:nvSpPr>
-          <p:cNvPr id="3" name="Content Placeholder 2"/>
-          <p:cNvSpPr>
-            <a:spLocks noGrp="1"/>
-          </p:cNvSpPr>
-          <p:nvPr>
-            <p:ph idx="1"/>
-          </p:nvPr>
-        </p:nvSpPr>
-        <p:spPr/>
-        <p:txBody>
-          <a:bodyPr>
-            <a:normAutofit fontScale="62500" lnSpcReduction="20000"/>
-          </a:bodyPr>
-          <a:lstStyle/>
-          <a:p>
-            <a:r>
-              <a:rPr lang="en-US" dirty="0"/>
-              <a:t>Copyright 2018 Douglas Bowman</a:t>
-            </a:r>
-          </a:p>
-          <a:p>
-            <a:r>
-              <a:rPr lang="en-US" dirty="0"/>
-              <a:t>Permission is hereby granted, free of charge, to any person obtaining a copy of this software and associated documentation files (the "Software"), to deal in the Software without restriction, including without limitation the rights to use, copy, modify, merge, publish, distribute, sublicense, and/or sell copies of the Software, and to permit persons to whom the Software is furnished to do so, subject to the following conditions:</a:t>
-            </a:r>
-          </a:p>
-          <a:p>
-            <a:r>
-              <a:rPr lang="en-US" dirty="0"/>
-              <a:t>The above copyright notice and this permission notice shall be included in all copies or substantial portions of the Software.</a:t>
-            </a:r>
-          </a:p>
-          <a:p>
-            <a:r>
-              <a:rPr lang="en-US" dirty="0"/>
-              <a:t>THE SOFTWARE IS PROVIDED "AS IS", WITHOUT WARRANTY OF ANY KIND, EXPRESS OR IMPLIED, INCLUDING BUT NOT LIMITED TO THE WARRANTIES OF MERCHANTABILITY, FITNESS FOR A PARTICULAR PURPOSE AND NONINFRINGEMENT. IN NO EVENT SHALL THE AUTHORS OR COPYRIGHT HOLDERS BE LIABLE FOR ANY CLAIM, DAMAGES OR OTHER LIABILITY, WHETHER IN AN ACTION OF CONTRACT, TORT OR OTHERWISE, ARISING FROM, OUT OF OR IN CONNECTION WITH THE SOFTWARE OR THE USE OR OTHER DEALINGS IN THE SOFTWARE.</a:t>
-            </a:r>
-          </a:p>
-        </p:txBody>
-      </p:sp>
-    </p:spTree>
-    <p:extLst>
-      <p:ext uri="{BB962C8B-B14F-4D97-AF65-F5344CB8AC3E}">
-        <p14:creationId xmlns:p14="http://schemas.microsoft.com/office/powerpoint/2010/main" val="3405347719"/>
-      </p:ext>
-    </p:extLst>
-  </p:cSld>
-  <p:clrMapOvr>
-    <a:masterClrMapping/>
-  </p:clrMapOvr>
-</p:sld>
-</file>
-
-<file path=ppt/slides/slide5.xml><?xml version="1.0" encoding="utf-8"?>
-<p:sld xmlns:a="http://schemas.openxmlformats.org/drawingml/2006/main" xmlns:r="http://schemas.openxmlformats.org/officeDocument/2006/relationships" xmlns:p="http://schemas.openxmlformats.org/presentationml/2006/main">
-  <p:cSld>
-    <p:bg>
-      <p:bgPr>
-        <a:blipFill dpi="0" rotWithShape="1">
-          <a:blip r:embed="rId2">
-            <a:lum/>
-          </a:blip>
-          <a:srcRect/>
-          <a:stretch>
-            <a:fillRect l="-10000" r="-10000"/>
-          </a:stretch>
-        </a:blipFill>
-        <a:effectLst/>
-      </p:bgPr>
-    </p:bg>
-    <p:spTree>
-      <p:nvGrpSpPr>
-        <p:cNvPr id="1" name=""/>
-        <p:cNvGrpSpPr/>
-        <p:nvPr/>
-      </p:nvGrpSpPr>
-      <p:grpSpPr>
-        <a:xfrm>
-          <a:off x="0" y="0"/>
-          <a:ext cx="0" cy="0"/>
-          <a:chOff x="0" y="0"/>
-          <a:chExt cx="0" cy="0"/>
-        </a:xfrm>
-      </p:grpSpPr>
-      <p:sp>
-        <p:nvSpPr>
-          <p:cNvPr id="2" name="Title 1"/>
-          <p:cNvSpPr>
-            <a:spLocks noGrp="1"/>
-          </p:cNvSpPr>
-          <p:nvPr>
-            <p:ph type="title"/>
-          </p:nvPr>
-        </p:nvSpPr>
-        <p:spPr/>
-        <p:txBody>
-          <a:bodyPr/>
-          <a:lstStyle/>
-          <a:p>
-            <a:r>
-              <a:rPr lang="en-US" dirty="0"/>
-              <a:t>Definitions</a:t>
-            </a:r>
-          </a:p>
-        </p:txBody>
-      </p:sp>
-      <p:sp>
-        <p:nvSpPr>
-          <p:cNvPr id="3" name="Content Placeholder 2"/>
-          <p:cNvSpPr>
-            <a:spLocks noGrp="1"/>
-          </p:cNvSpPr>
-          <p:nvPr>
-            <p:ph idx="1"/>
-          </p:nvPr>
-        </p:nvSpPr>
-        <p:spPr/>
-        <p:txBody>
-          <a:bodyPr/>
-          <a:lstStyle/>
-          <a:p>
-            <a:r>
-              <a:rPr lang="en-US" dirty="0"/>
-              <a:t>Regressor</a:t>
-            </a:r>
-          </a:p>
-          <a:p>
-            <a:pPr lvl="1"/>
-            <a:r>
-              <a:rPr lang="en-US" dirty="0"/>
-              <a:t>The mathematical equation, set of equations, and/or algorithm that a computer uses to predict outcomes for regression problems.</a:t>
-            </a:r>
-          </a:p>
-          <a:p>
-            <a:pPr lvl="1"/>
-            <a:r>
-              <a:rPr lang="en-US" dirty="0"/>
-              <a:t>Problems were we are predicting within range of values.</a:t>
-            </a:r>
-          </a:p>
-          <a:p>
-            <a:pPr lvl="2"/>
-            <a:r>
-              <a:rPr lang="en-US" dirty="0"/>
-              <a:t>i.e. Predicting the median household income in the future.</a:t>
-            </a:r>
-          </a:p>
-          <a:p>
-            <a:pPr lvl="1"/>
-            <a:r>
-              <a:rPr lang="en-US" dirty="0"/>
-              <a:t>This is the scaffolding for our model.</a:t>
-            </a:r>
-          </a:p>
-          <a:p>
-            <a:endParaRPr lang="en-US" dirty="0"/>
-          </a:p>
-          <a:p>
-            <a:pPr lvl="2"/>
-            <a:endParaRPr lang="en-US" dirty="0"/>
-          </a:p>
-          <a:p>
-            <a:endParaRPr lang="en-US" dirty="0"/>
-          </a:p>
-        </p:txBody>
-      </p:sp>
-    </p:spTree>
-    <p:extLst>
-      <p:ext uri="{BB962C8B-B14F-4D97-AF65-F5344CB8AC3E}">
-        <p14:creationId xmlns:p14="http://schemas.microsoft.com/office/powerpoint/2010/main" val="528904592"/>
-      </p:ext>
-    </p:extLst>
-  </p:cSld>
-  <p:clrMapOvr>
-    <a:masterClrMapping/>
-  </p:clrMapOvr>
-</p:sld>
-</file>
-
-<file path=ppt/slides/slide6.xml><?xml version="1.0" encoding="utf-8"?>
-<p:sld xmlns:a="http://schemas.openxmlformats.org/drawingml/2006/main" xmlns:r="http://schemas.openxmlformats.org/officeDocument/2006/relationships" xmlns:p="http://schemas.openxmlformats.org/presentationml/2006/main">
-  <p:cSld>
-    <p:bg>
-      <p:bgPr>
-        <a:blipFill dpi="0" rotWithShape="1">
-          <a:blip r:embed="rId2">
-            <a:lum/>
-          </a:blip>
-          <a:srcRect/>
-          <a:stretch>
-            <a:fillRect l="-10000" r="-10000"/>
-          </a:stretch>
-        </a:blipFill>
-        <a:effectLst/>
-      </p:bgPr>
-    </p:bg>
-    <p:spTree>
-      <p:nvGrpSpPr>
-        <p:cNvPr id="1" name=""/>
-        <p:cNvGrpSpPr/>
-        <p:nvPr/>
-      </p:nvGrpSpPr>
-      <p:grpSpPr>
-        <a:xfrm>
-          <a:off x="0" y="0"/>
-          <a:ext cx="0" cy="0"/>
-          <a:chOff x="0" y="0"/>
-          <a:chExt cx="0" cy="0"/>
-        </a:xfrm>
-      </p:grpSpPr>
-      <p:sp>
-        <p:nvSpPr>
-          <p:cNvPr id="2" name="Title 1"/>
-          <p:cNvSpPr>
-            <a:spLocks noGrp="1"/>
-          </p:cNvSpPr>
-          <p:nvPr>
-            <p:ph type="title"/>
-          </p:nvPr>
-        </p:nvSpPr>
-        <p:spPr/>
-        <p:txBody>
-          <a:bodyPr/>
-          <a:lstStyle/>
-          <a:p>
-            <a:r>
-              <a:rPr lang="en-US" dirty="0"/>
-              <a:t>Definitions</a:t>
-            </a:r>
-          </a:p>
-        </p:txBody>
-      </p:sp>
-      <p:sp>
-        <p:nvSpPr>
-          <p:cNvPr id="3" name="Content Placeholder 2"/>
-          <p:cNvSpPr>
-            <a:spLocks noGrp="1"/>
-          </p:cNvSpPr>
-          <p:nvPr>
-            <p:ph idx="1"/>
-          </p:nvPr>
-        </p:nvSpPr>
-        <p:spPr/>
-        <p:txBody>
-          <a:bodyPr/>
-          <a:lstStyle/>
-          <a:p>
-            <a:r>
-              <a:rPr lang="en-US" dirty="0"/>
-              <a:t>Model</a:t>
-            </a:r>
-          </a:p>
-          <a:p>
-            <a:pPr lvl="1"/>
-            <a:r>
-              <a:rPr lang="en-US" dirty="0"/>
-              <a:t>The classifier that is trained and filled with data.</a:t>
-            </a:r>
-          </a:p>
-          <a:p>
-            <a:pPr lvl="1"/>
-            <a:r>
-              <a:rPr lang="en-US" dirty="0"/>
-              <a:t>This is what will tell us what the “answer” is.</a:t>
-            </a:r>
-          </a:p>
-          <a:p>
-            <a:endParaRPr lang="en-US" dirty="0"/>
-          </a:p>
-          <a:p>
-            <a:pPr lvl="2"/>
-            <a:endParaRPr lang="en-US" dirty="0"/>
-          </a:p>
-          <a:p>
-            <a:endParaRPr lang="en-US" dirty="0"/>
-          </a:p>
-        </p:txBody>
-      </p:sp>
-    </p:spTree>
-    <p:extLst>
-      <p:ext uri="{BB962C8B-B14F-4D97-AF65-F5344CB8AC3E}">
-        <p14:creationId xmlns:p14="http://schemas.microsoft.com/office/powerpoint/2010/main" val="4212275978"/>
-      </p:ext>
-    </p:extLst>
-  </p:cSld>
-  <p:clrMapOvr>
-    <a:masterClrMapping/>
-  </p:clrMapOvr>
-</p:sld>
-</file>
-
-<file path=ppt/slides/slide7.xml><?xml version="1.0" encoding="utf-8"?>
-<p:sld xmlns:a="http://schemas.openxmlformats.org/drawingml/2006/main" xmlns:r="http://schemas.openxmlformats.org/officeDocument/2006/relationships" xmlns:p="http://schemas.openxmlformats.org/presentationml/2006/main">
-  <p:cSld>
-    <p:bg>
-      <p:bgPr>
-        <a:blipFill dpi="0" rotWithShape="1">
-          <a:blip r:embed="rId2">
-            <a:lum/>
-          </a:blip>
-          <a:srcRect/>
-          <a:stretch>
-            <a:fillRect l="-10000" r="-10000"/>
-          </a:stretch>
-        </a:blipFill>
-        <a:effectLst/>
-      </p:bgPr>
-    </p:bg>
-    <p:spTree>
-      <p:nvGrpSpPr>
-        <p:cNvPr id="1" name=""/>
-        <p:cNvGrpSpPr/>
-        <p:nvPr/>
-      </p:nvGrpSpPr>
-      <p:grpSpPr>
-        <a:xfrm>
-          <a:off x="0" y="0"/>
-          <a:ext cx="0" cy="0"/>
-          <a:chOff x="0" y="0"/>
-          <a:chExt cx="0" cy="0"/>
-        </a:xfrm>
-      </p:grpSpPr>
-      <p:sp>
-        <p:nvSpPr>
-          <p:cNvPr id="2" name="Title 1"/>
-          <p:cNvSpPr>
-            <a:spLocks noGrp="1"/>
-          </p:cNvSpPr>
-          <p:nvPr>
-            <p:ph type="title"/>
-          </p:nvPr>
-        </p:nvSpPr>
-        <p:spPr/>
-        <p:txBody>
-          <a:bodyPr/>
-          <a:lstStyle/>
-          <a:p>
-            <a:r>
-              <a:rPr lang="en-US" dirty="0"/>
-              <a:t>Definitions</a:t>
-            </a:r>
-          </a:p>
-        </p:txBody>
-      </p:sp>
-      <p:sp>
-        <p:nvSpPr>
-          <p:cNvPr id="3" name="Content Placeholder 2"/>
-          <p:cNvSpPr>
-            <a:spLocks noGrp="1"/>
-          </p:cNvSpPr>
-          <p:nvPr>
-            <p:ph idx="1"/>
-          </p:nvPr>
-        </p:nvSpPr>
-        <p:spPr/>
-        <p:txBody>
-          <a:bodyPr/>
-          <a:lstStyle/>
-          <a:p>
-            <a:r>
-              <a:rPr lang="en-US" dirty="0"/>
-              <a:t>Classifier vs Model</a:t>
-            </a:r>
-          </a:p>
-          <a:p>
-            <a:pPr lvl="1"/>
-            <a:r>
-              <a:rPr lang="en-US" dirty="0"/>
-              <a:t>The classifier is like a class, where the model is like an object.</a:t>
-            </a:r>
-          </a:p>
-          <a:p>
-            <a:endParaRPr lang="en-US" dirty="0"/>
-          </a:p>
-          <a:p>
-            <a:pPr lvl="2"/>
-            <a:endParaRPr lang="en-US" dirty="0"/>
-          </a:p>
-          <a:p>
-            <a:endParaRPr lang="en-US" dirty="0"/>
-          </a:p>
-        </p:txBody>
-      </p:sp>
-    </p:spTree>
-    <p:extLst>
-      <p:ext uri="{BB962C8B-B14F-4D97-AF65-F5344CB8AC3E}">
-        <p14:creationId xmlns:p14="http://schemas.microsoft.com/office/powerpoint/2010/main" val="3444231323"/>
-      </p:ext>
-    </p:extLst>
-  </p:cSld>
-  <p:clrMapOvr>
-    <a:masterClrMapping/>
-  </p:clrMapOvr>
-</p:sld>
-</file>
-
-<file path=ppt/slides/slide8.xml><?xml version="1.0" encoding="utf-8"?>
-<p:sld xmlns:a="http://schemas.openxmlformats.org/drawingml/2006/main" xmlns:r="http://schemas.openxmlformats.org/officeDocument/2006/relationships" xmlns:p="http://schemas.openxmlformats.org/presentationml/2006/main">
-  <p:cSld>
-    <p:bg>
-      <p:bgPr>
-        <a:blipFill dpi="0" rotWithShape="1">
-          <a:blip r:embed="rId2">
-            <a:lum/>
-          </a:blip>
-          <a:srcRect/>
-          <a:stretch>
-            <a:fillRect l="-10000" r="-10000"/>
-          </a:stretch>
-        </a:blipFill>
-        <a:effectLst/>
-      </p:bgPr>
-    </p:bg>
-    <p:spTree>
-      <p:nvGrpSpPr>
-        <p:cNvPr id="1" name=""/>
-        <p:cNvGrpSpPr/>
-        <p:nvPr/>
-      </p:nvGrpSpPr>
-      <p:grpSpPr>
-        <a:xfrm>
-          <a:off x="0" y="0"/>
-          <a:ext cx="0" cy="0"/>
-          <a:chOff x="0" y="0"/>
-          <a:chExt cx="0" cy="0"/>
-        </a:xfrm>
-      </p:grpSpPr>
-      <p:sp>
-        <p:nvSpPr>
-          <p:cNvPr id="2" name="Title 1"/>
-          <p:cNvSpPr>
-            <a:spLocks noGrp="1"/>
-          </p:cNvSpPr>
-          <p:nvPr>
-            <p:ph type="title"/>
-          </p:nvPr>
-        </p:nvSpPr>
-        <p:spPr/>
-        <p:txBody>
-          <a:bodyPr/>
-          <a:lstStyle/>
-          <a:p>
-            <a:r>
-              <a:rPr lang="en-US" dirty="0"/>
-              <a:t>Definition</a:t>
-            </a:r>
-          </a:p>
-        </p:txBody>
-      </p:sp>
-      <p:sp>
-        <p:nvSpPr>
-          <p:cNvPr id="3" name="Content Placeholder 2"/>
-          <p:cNvSpPr>
-            <a:spLocks noGrp="1"/>
-          </p:cNvSpPr>
-          <p:nvPr>
-            <p:ph idx="1"/>
-          </p:nvPr>
-        </p:nvSpPr>
-        <p:spPr/>
-        <p:txBody>
-          <a:bodyPr/>
-          <a:lstStyle/>
-          <a:p>
-            <a:r>
-              <a:rPr lang="en-US" dirty="0"/>
-              <a:t>Experience</a:t>
-            </a:r>
-          </a:p>
-          <a:p>
-            <a:pPr lvl="1"/>
-            <a:r>
-              <a:rPr lang="en-US" dirty="0"/>
-              <a:t>The data used to increase the effectiveness of the model’s predictions</a:t>
+              <a:t>The incorporated data used to increase the effectiveness of the model’s predictions</a:t>
             </a:r>
           </a:p>
           <a:p>
@@ -11714,119 +13261,7 @@
     </p:extLst>
   </p:cSld>
   <p:clrMapOvr>
-    <a:masterClrMapping/>
-  </p:clrMapOvr>
-</p:sld>
-</file>
-
-<file path=ppt/slides/slide9.xml><?xml version="1.0" encoding="utf-8"?>
-<p:sld xmlns:a="http://schemas.openxmlformats.org/drawingml/2006/main" xmlns:r="http://schemas.openxmlformats.org/officeDocument/2006/relationships" xmlns:p="http://schemas.openxmlformats.org/presentationml/2006/main">
-  <p:cSld>
-    <p:bg>
-      <p:bgPr>
-        <a:blipFill dpi="0" rotWithShape="1">
-          <a:blip r:embed="rId2">
-            <a:lum/>
-          </a:blip>
-          <a:srcRect/>
-          <a:stretch>
-            <a:fillRect l="-10000" r="-10000"/>
-          </a:stretch>
-        </a:blipFill>
-        <a:effectLst/>
-      </p:bgPr>
-    </p:bg>
-    <p:spTree>
-      <p:nvGrpSpPr>
-        <p:cNvPr id="1" name=""/>
-        <p:cNvGrpSpPr/>
-        <p:nvPr/>
-      </p:nvGrpSpPr>
-      <p:grpSpPr>
-        <a:xfrm>
-          <a:off x="0" y="0"/>
-          <a:ext cx="0" cy="0"/>
-          <a:chOff x="0" y="0"/>
-          <a:chExt cx="0" cy="0"/>
-        </a:xfrm>
-      </p:grpSpPr>
-      <p:sp>
-        <p:nvSpPr>
-          <p:cNvPr id="2" name="Title 1"/>
-          <p:cNvSpPr>
-            <a:spLocks noGrp="1"/>
-          </p:cNvSpPr>
-          <p:nvPr>
-            <p:ph type="title"/>
-          </p:nvPr>
-        </p:nvSpPr>
-        <p:spPr/>
-        <p:txBody>
-          <a:bodyPr/>
-          <a:lstStyle/>
-          <a:p>
-            <a:r>
-              <a:rPr lang="en-US" dirty="0"/>
-              <a:t>Definition</a:t>
-            </a:r>
-          </a:p>
-        </p:txBody>
-      </p:sp>
-      <p:sp>
-        <p:nvSpPr>
-          <p:cNvPr id="3" name="Content Placeholder 2"/>
-          <p:cNvSpPr>
-            <a:spLocks noGrp="1"/>
-          </p:cNvSpPr>
-          <p:nvPr>
-            <p:ph idx="1"/>
-          </p:nvPr>
-        </p:nvSpPr>
-        <p:spPr/>
-        <p:txBody>
-          <a:bodyPr/>
-          <a:lstStyle/>
-          <a:p>
-            <a:r>
-              <a:rPr lang="en-US" dirty="0"/>
-              <a:t>Feature</a:t>
-            </a:r>
-          </a:p>
-          <a:p>
-            <a:pPr lvl="1"/>
-            <a:r>
-              <a:rPr lang="en-US" dirty="0"/>
-              <a:t>A description of a set of like-data.</a:t>
-            </a:r>
-          </a:p>
-          <a:p>
-            <a:pPr lvl="1"/>
-            <a:r>
-              <a:rPr lang="en-US" dirty="0"/>
-              <a:t>This is usually represented as a column in a data table.</a:t>
-            </a:r>
-          </a:p>
-          <a:p>
-            <a:endParaRPr lang="en-US" dirty="0"/>
-          </a:p>
-          <a:p>
-            <a:pPr lvl="2"/>
-            <a:endParaRPr lang="en-US" dirty="0"/>
-          </a:p>
-          <a:p>
-            <a:endParaRPr lang="en-US" dirty="0"/>
-          </a:p>
-        </p:txBody>
-      </p:sp>
-    </p:spTree>
-    <p:extLst>
-      <p:ext uri="{BB962C8B-B14F-4D97-AF65-F5344CB8AC3E}">
-        <p14:creationId xmlns:p14="http://schemas.microsoft.com/office/powerpoint/2010/main" val="2289988101"/>
-      </p:ext>
-    </p:extLst>
-  </p:cSld>
-  <p:clrMapOvr>
-    <a:masterClrMapping/>
+    <a:overrideClrMapping bg1="lt1" tx1="dk1" bg2="lt2" tx2="dk2" accent1="accent1" accent2="accent2" accent3="accent3" accent4="accent4" accent5="accent5" accent6="accent6" hlink="hlink" folHlink="folHlink"/>
   </p:clrMapOvr>
 </p:sld>
 </file>
@@ -12825,7 +14260,781 @@
 </a:themeOverride>
 </file>
 
+<file path=ppt/theme/themeOverride12.xml><?xml version="1.0" encoding="utf-8"?>
+<a:themeOverride xmlns:a="http://schemas.openxmlformats.org/drawingml/2006/main">
+  <a:clrScheme name="Custom 2">
+    <a:dk1>
+      <a:srgbClr val="EFEFEF"/>
+    </a:dk1>
+    <a:lt1>
+      <a:srgbClr val="EFEFEF"/>
+    </a:lt1>
+    <a:dk2>
+      <a:srgbClr val="053E7D"/>
+    </a:dk2>
+    <a:lt2>
+      <a:srgbClr val="FFFFFF"/>
+    </a:lt2>
+    <a:accent1>
+      <a:srgbClr val="EFEFEF"/>
+    </a:accent1>
+    <a:accent2>
+      <a:srgbClr val="EFEFEF"/>
+    </a:accent2>
+    <a:accent3>
+      <a:srgbClr val="EFEFEF"/>
+    </a:accent3>
+    <a:accent4>
+      <a:srgbClr val="808080"/>
+    </a:accent4>
+    <a:accent5>
+      <a:srgbClr val="5F5F5F"/>
+    </a:accent5>
+    <a:accent6>
+      <a:srgbClr val="4D4D4D"/>
+    </a:accent6>
+    <a:hlink>
+      <a:srgbClr val="B5D7FC"/>
+    </a:hlink>
+    <a:folHlink>
+      <a:srgbClr val="919191"/>
+    </a:folHlink>
+  </a:clrScheme>
+</a:themeOverride>
+</file>
+
+<file path=ppt/theme/themeOverride13.xml><?xml version="1.0" encoding="utf-8"?>
+<a:themeOverride xmlns:a="http://schemas.openxmlformats.org/drawingml/2006/main">
+  <a:clrScheme name="Custom 2">
+    <a:dk1>
+      <a:srgbClr val="EFEFEF"/>
+    </a:dk1>
+    <a:lt1>
+      <a:srgbClr val="EFEFEF"/>
+    </a:lt1>
+    <a:dk2>
+      <a:srgbClr val="053E7D"/>
+    </a:dk2>
+    <a:lt2>
+      <a:srgbClr val="FFFFFF"/>
+    </a:lt2>
+    <a:accent1>
+      <a:srgbClr val="EFEFEF"/>
+    </a:accent1>
+    <a:accent2>
+      <a:srgbClr val="EFEFEF"/>
+    </a:accent2>
+    <a:accent3>
+      <a:srgbClr val="EFEFEF"/>
+    </a:accent3>
+    <a:accent4>
+      <a:srgbClr val="808080"/>
+    </a:accent4>
+    <a:accent5>
+      <a:srgbClr val="5F5F5F"/>
+    </a:accent5>
+    <a:accent6>
+      <a:srgbClr val="4D4D4D"/>
+    </a:accent6>
+    <a:hlink>
+      <a:srgbClr val="B5D7FC"/>
+    </a:hlink>
+    <a:folHlink>
+      <a:srgbClr val="919191"/>
+    </a:folHlink>
+  </a:clrScheme>
+</a:themeOverride>
+</file>
+
+<file path=ppt/theme/themeOverride14.xml><?xml version="1.0" encoding="utf-8"?>
+<a:themeOverride xmlns:a="http://schemas.openxmlformats.org/drawingml/2006/main">
+  <a:clrScheme name="Custom 2">
+    <a:dk1>
+      <a:srgbClr val="EFEFEF"/>
+    </a:dk1>
+    <a:lt1>
+      <a:srgbClr val="EFEFEF"/>
+    </a:lt1>
+    <a:dk2>
+      <a:srgbClr val="053E7D"/>
+    </a:dk2>
+    <a:lt2>
+      <a:srgbClr val="FFFFFF"/>
+    </a:lt2>
+    <a:accent1>
+      <a:srgbClr val="EFEFEF"/>
+    </a:accent1>
+    <a:accent2>
+      <a:srgbClr val="EFEFEF"/>
+    </a:accent2>
+    <a:accent3>
+      <a:srgbClr val="EFEFEF"/>
+    </a:accent3>
+    <a:accent4>
+      <a:srgbClr val="808080"/>
+    </a:accent4>
+    <a:accent5>
+      <a:srgbClr val="5F5F5F"/>
+    </a:accent5>
+    <a:accent6>
+      <a:srgbClr val="4D4D4D"/>
+    </a:accent6>
+    <a:hlink>
+      <a:srgbClr val="B5D7FC"/>
+    </a:hlink>
+    <a:folHlink>
+      <a:srgbClr val="919191"/>
+    </a:folHlink>
+  </a:clrScheme>
+</a:themeOverride>
+</file>
+
+<file path=ppt/theme/themeOverride15.xml><?xml version="1.0" encoding="utf-8"?>
+<a:themeOverride xmlns:a="http://schemas.openxmlformats.org/drawingml/2006/main">
+  <a:clrScheme name="Custom 2">
+    <a:dk1>
+      <a:srgbClr val="EFEFEF"/>
+    </a:dk1>
+    <a:lt1>
+      <a:srgbClr val="EFEFEF"/>
+    </a:lt1>
+    <a:dk2>
+      <a:srgbClr val="053E7D"/>
+    </a:dk2>
+    <a:lt2>
+      <a:srgbClr val="FFFFFF"/>
+    </a:lt2>
+    <a:accent1>
+      <a:srgbClr val="EFEFEF"/>
+    </a:accent1>
+    <a:accent2>
+      <a:srgbClr val="EFEFEF"/>
+    </a:accent2>
+    <a:accent3>
+      <a:srgbClr val="EFEFEF"/>
+    </a:accent3>
+    <a:accent4>
+      <a:srgbClr val="808080"/>
+    </a:accent4>
+    <a:accent5>
+      <a:srgbClr val="5F5F5F"/>
+    </a:accent5>
+    <a:accent6>
+      <a:srgbClr val="4D4D4D"/>
+    </a:accent6>
+    <a:hlink>
+      <a:srgbClr val="B5D7FC"/>
+    </a:hlink>
+    <a:folHlink>
+      <a:srgbClr val="919191"/>
+    </a:folHlink>
+  </a:clrScheme>
+</a:themeOverride>
+</file>
+
+<file path=ppt/theme/themeOverride16.xml><?xml version="1.0" encoding="utf-8"?>
+<a:themeOverride xmlns:a="http://schemas.openxmlformats.org/drawingml/2006/main">
+  <a:clrScheme name="Custom 2">
+    <a:dk1>
+      <a:srgbClr val="EFEFEF"/>
+    </a:dk1>
+    <a:lt1>
+      <a:srgbClr val="EFEFEF"/>
+    </a:lt1>
+    <a:dk2>
+      <a:srgbClr val="053E7D"/>
+    </a:dk2>
+    <a:lt2>
+      <a:srgbClr val="FFFFFF"/>
+    </a:lt2>
+    <a:accent1>
+      <a:srgbClr val="EFEFEF"/>
+    </a:accent1>
+    <a:accent2>
+      <a:srgbClr val="EFEFEF"/>
+    </a:accent2>
+    <a:accent3>
+      <a:srgbClr val="EFEFEF"/>
+    </a:accent3>
+    <a:accent4>
+      <a:srgbClr val="808080"/>
+    </a:accent4>
+    <a:accent5>
+      <a:srgbClr val="5F5F5F"/>
+    </a:accent5>
+    <a:accent6>
+      <a:srgbClr val="4D4D4D"/>
+    </a:accent6>
+    <a:hlink>
+      <a:srgbClr val="B5D7FC"/>
+    </a:hlink>
+    <a:folHlink>
+      <a:srgbClr val="919191"/>
+    </a:folHlink>
+  </a:clrScheme>
+</a:themeOverride>
+</file>
+
+<file path=ppt/theme/themeOverride17.xml><?xml version="1.0" encoding="utf-8"?>
+<a:themeOverride xmlns:a="http://schemas.openxmlformats.org/drawingml/2006/main">
+  <a:clrScheme name="Custom 2">
+    <a:dk1>
+      <a:srgbClr val="EFEFEF"/>
+    </a:dk1>
+    <a:lt1>
+      <a:srgbClr val="EFEFEF"/>
+    </a:lt1>
+    <a:dk2>
+      <a:srgbClr val="053E7D"/>
+    </a:dk2>
+    <a:lt2>
+      <a:srgbClr val="FFFFFF"/>
+    </a:lt2>
+    <a:accent1>
+      <a:srgbClr val="EFEFEF"/>
+    </a:accent1>
+    <a:accent2>
+      <a:srgbClr val="EFEFEF"/>
+    </a:accent2>
+    <a:accent3>
+      <a:srgbClr val="EFEFEF"/>
+    </a:accent3>
+    <a:accent4>
+      <a:srgbClr val="808080"/>
+    </a:accent4>
+    <a:accent5>
+      <a:srgbClr val="5F5F5F"/>
+    </a:accent5>
+    <a:accent6>
+      <a:srgbClr val="4D4D4D"/>
+    </a:accent6>
+    <a:hlink>
+      <a:srgbClr val="B5D7FC"/>
+    </a:hlink>
+    <a:folHlink>
+      <a:srgbClr val="919191"/>
+    </a:folHlink>
+  </a:clrScheme>
+</a:themeOverride>
+</file>
+
+<file path=ppt/theme/themeOverride18.xml><?xml version="1.0" encoding="utf-8"?>
+<a:themeOverride xmlns:a="http://schemas.openxmlformats.org/drawingml/2006/main">
+  <a:clrScheme name="Custom 2">
+    <a:dk1>
+      <a:srgbClr val="EFEFEF"/>
+    </a:dk1>
+    <a:lt1>
+      <a:srgbClr val="EFEFEF"/>
+    </a:lt1>
+    <a:dk2>
+      <a:srgbClr val="053E7D"/>
+    </a:dk2>
+    <a:lt2>
+      <a:srgbClr val="FFFFFF"/>
+    </a:lt2>
+    <a:accent1>
+      <a:srgbClr val="EFEFEF"/>
+    </a:accent1>
+    <a:accent2>
+      <a:srgbClr val="EFEFEF"/>
+    </a:accent2>
+    <a:accent3>
+      <a:srgbClr val="EFEFEF"/>
+    </a:accent3>
+    <a:accent4>
+      <a:srgbClr val="808080"/>
+    </a:accent4>
+    <a:accent5>
+      <a:srgbClr val="5F5F5F"/>
+    </a:accent5>
+    <a:accent6>
+      <a:srgbClr val="4D4D4D"/>
+    </a:accent6>
+    <a:hlink>
+      <a:srgbClr val="B5D7FC"/>
+    </a:hlink>
+    <a:folHlink>
+      <a:srgbClr val="919191"/>
+    </a:folHlink>
+  </a:clrScheme>
+</a:themeOverride>
+</file>
+
+<file path=ppt/theme/themeOverride19.xml><?xml version="1.0" encoding="utf-8"?>
+<a:themeOverride xmlns:a="http://schemas.openxmlformats.org/drawingml/2006/main">
+  <a:clrScheme name="Custom 2">
+    <a:dk1>
+      <a:srgbClr val="EFEFEF"/>
+    </a:dk1>
+    <a:lt1>
+      <a:srgbClr val="EFEFEF"/>
+    </a:lt1>
+    <a:dk2>
+      <a:srgbClr val="053E7D"/>
+    </a:dk2>
+    <a:lt2>
+      <a:srgbClr val="FFFFFF"/>
+    </a:lt2>
+    <a:accent1>
+      <a:srgbClr val="EFEFEF"/>
+    </a:accent1>
+    <a:accent2>
+      <a:srgbClr val="EFEFEF"/>
+    </a:accent2>
+    <a:accent3>
+      <a:srgbClr val="EFEFEF"/>
+    </a:accent3>
+    <a:accent4>
+      <a:srgbClr val="808080"/>
+    </a:accent4>
+    <a:accent5>
+      <a:srgbClr val="5F5F5F"/>
+    </a:accent5>
+    <a:accent6>
+      <a:srgbClr val="4D4D4D"/>
+    </a:accent6>
+    <a:hlink>
+      <a:srgbClr val="B5D7FC"/>
+    </a:hlink>
+    <a:folHlink>
+      <a:srgbClr val="919191"/>
+    </a:folHlink>
+  </a:clrScheme>
+</a:themeOverride>
+</file>
+
 <file path=ppt/theme/themeOverride2.xml><?xml version="1.0" encoding="utf-8"?>
+<a:themeOverride xmlns:a="http://schemas.openxmlformats.org/drawingml/2006/main">
+  <a:clrScheme name="Custom 2">
+    <a:dk1>
+      <a:srgbClr val="EFEFEF"/>
+    </a:dk1>
+    <a:lt1>
+      <a:srgbClr val="EFEFEF"/>
+    </a:lt1>
+    <a:dk2>
+      <a:srgbClr val="053E7D"/>
+    </a:dk2>
+    <a:lt2>
+      <a:srgbClr val="FFFFFF"/>
+    </a:lt2>
+    <a:accent1>
+      <a:srgbClr val="EFEFEF"/>
+    </a:accent1>
+    <a:accent2>
+      <a:srgbClr val="EFEFEF"/>
+    </a:accent2>
+    <a:accent3>
+      <a:srgbClr val="EFEFEF"/>
+    </a:accent3>
+    <a:accent4>
+      <a:srgbClr val="808080"/>
+    </a:accent4>
+    <a:accent5>
+      <a:srgbClr val="5F5F5F"/>
+    </a:accent5>
+    <a:accent6>
+      <a:srgbClr val="4D4D4D"/>
+    </a:accent6>
+    <a:hlink>
+      <a:srgbClr val="B5D7FC"/>
+    </a:hlink>
+    <a:folHlink>
+      <a:srgbClr val="919191"/>
+    </a:folHlink>
+  </a:clrScheme>
+</a:themeOverride>
+</file>
+
+<file path=ppt/theme/themeOverride20.xml><?xml version="1.0" encoding="utf-8"?>
+<a:themeOverride xmlns:a="http://schemas.openxmlformats.org/drawingml/2006/main">
+  <a:clrScheme name="Custom 2">
+    <a:dk1>
+      <a:srgbClr val="EFEFEF"/>
+    </a:dk1>
+    <a:lt1>
+      <a:srgbClr val="EFEFEF"/>
+    </a:lt1>
+    <a:dk2>
+      <a:srgbClr val="053E7D"/>
+    </a:dk2>
+    <a:lt2>
+      <a:srgbClr val="FFFFFF"/>
+    </a:lt2>
+    <a:accent1>
+      <a:srgbClr val="EFEFEF"/>
+    </a:accent1>
+    <a:accent2>
+      <a:srgbClr val="EFEFEF"/>
+    </a:accent2>
+    <a:accent3>
+      <a:srgbClr val="EFEFEF"/>
+    </a:accent3>
+    <a:accent4>
+      <a:srgbClr val="808080"/>
+    </a:accent4>
+    <a:accent5>
+      <a:srgbClr val="5F5F5F"/>
+    </a:accent5>
+    <a:accent6>
+      <a:srgbClr val="4D4D4D"/>
+    </a:accent6>
+    <a:hlink>
+      <a:srgbClr val="B5D7FC"/>
+    </a:hlink>
+    <a:folHlink>
+      <a:srgbClr val="919191"/>
+    </a:folHlink>
+  </a:clrScheme>
+</a:themeOverride>
+</file>
+
+<file path=ppt/theme/themeOverride21.xml><?xml version="1.0" encoding="utf-8"?>
+<a:themeOverride xmlns:a="http://schemas.openxmlformats.org/drawingml/2006/main">
+  <a:clrScheme name="Custom 2">
+    <a:dk1>
+      <a:srgbClr val="EFEFEF"/>
+    </a:dk1>
+    <a:lt1>
+      <a:srgbClr val="EFEFEF"/>
+    </a:lt1>
+    <a:dk2>
+      <a:srgbClr val="053E7D"/>
+    </a:dk2>
+    <a:lt2>
+      <a:srgbClr val="FFFFFF"/>
+    </a:lt2>
+    <a:accent1>
+      <a:srgbClr val="EFEFEF"/>
+    </a:accent1>
+    <a:accent2>
+      <a:srgbClr val="EFEFEF"/>
+    </a:accent2>
+    <a:accent3>
+      <a:srgbClr val="EFEFEF"/>
+    </a:accent3>
+    <a:accent4>
+      <a:srgbClr val="808080"/>
+    </a:accent4>
+    <a:accent5>
+      <a:srgbClr val="5F5F5F"/>
+    </a:accent5>
+    <a:accent6>
+      <a:srgbClr val="4D4D4D"/>
+    </a:accent6>
+    <a:hlink>
+      <a:srgbClr val="B5D7FC"/>
+    </a:hlink>
+    <a:folHlink>
+      <a:srgbClr val="919191"/>
+    </a:folHlink>
+  </a:clrScheme>
+</a:themeOverride>
+</file>
+
+<file path=ppt/theme/themeOverride22.xml><?xml version="1.0" encoding="utf-8"?>
+<a:themeOverride xmlns:a="http://schemas.openxmlformats.org/drawingml/2006/main">
+  <a:clrScheme name="Custom 2">
+    <a:dk1>
+      <a:srgbClr val="EFEFEF"/>
+    </a:dk1>
+    <a:lt1>
+      <a:srgbClr val="EFEFEF"/>
+    </a:lt1>
+    <a:dk2>
+      <a:srgbClr val="053E7D"/>
+    </a:dk2>
+    <a:lt2>
+      <a:srgbClr val="FFFFFF"/>
+    </a:lt2>
+    <a:accent1>
+      <a:srgbClr val="EFEFEF"/>
+    </a:accent1>
+    <a:accent2>
+      <a:srgbClr val="EFEFEF"/>
+    </a:accent2>
+    <a:accent3>
+      <a:srgbClr val="EFEFEF"/>
+    </a:accent3>
+    <a:accent4>
+      <a:srgbClr val="808080"/>
+    </a:accent4>
+    <a:accent5>
+      <a:srgbClr val="5F5F5F"/>
+    </a:accent5>
+    <a:accent6>
+      <a:srgbClr val="4D4D4D"/>
+    </a:accent6>
+    <a:hlink>
+      <a:srgbClr val="B5D7FC"/>
+    </a:hlink>
+    <a:folHlink>
+      <a:srgbClr val="919191"/>
+    </a:folHlink>
+  </a:clrScheme>
+</a:themeOverride>
+</file>
+
+<file path=ppt/theme/themeOverride23.xml><?xml version="1.0" encoding="utf-8"?>
+<a:themeOverride xmlns:a="http://schemas.openxmlformats.org/drawingml/2006/main">
+  <a:clrScheme name="Custom 2">
+    <a:dk1>
+      <a:srgbClr val="EFEFEF"/>
+    </a:dk1>
+    <a:lt1>
+      <a:srgbClr val="EFEFEF"/>
+    </a:lt1>
+    <a:dk2>
+      <a:srgbClr val="053E7D"/>
+    </a:dk2>
+    <a:lt2>
+      <a:srgbClr val="FFFFFF"/>
+    </a:lt2>
+    <a:accent1>
+      <a:srgbClr val="EFEFEF"/>
+    </a:accent1>
+    <a:accent2>
+      <a:srgbClr val="EFEFEF"/>
+    </a:accent2>
+    <a:accent3>
+      <a:srgbClr val="EFEFEF"/>
+    </a:accent3>
+    <a:accent4>
+      <a:srgbClr val="808080"/>
+    </a:accent4>
+    <a:accent5>
+      <a:srgbClr val="5F5F5F"/>
+    </a:accent5>
+    <a:accent6>
+      <a:srgbClr val="4D4D4D"/>
+    </a:accent6>
+    <a:hlink>
+      <a:srgbClr val="B5D7FC"/>
+    </a:hlink>
+    <a:folHlink>
+      <a:srgbClr val="919191"/>
+    </a:folHlink>
+  </a:clrScheme>
+</a:themeOverride>
+</file>
+
+<file path=ppt/theme/themeOverride24.xml><?xml version="1.0" encoding="utf-8"?>
+<a:themeOverride xmlns:a="http://schemas.openxmlformats.org/drawingml/2006/main">
+  <a:clrScheme name="Custom 2">
+    <a:dk1>
+      <a:srgbClr val="EFEFEF"/>
+    </a:dk1>
+    <a:lt1>
+      <a:srgbClr val="EFEFEF"/>
+    </a:lt1>
+    <a:dk2>
+      <a:srgbClr val="053E7D"/>
+    </a:dk2>
+    <a:lt2>
+      <a:srgbClr val="FFFFFF"/>
+    </a:lt2>
+    <a:accent1>
+      <a:srgbClr val="EFEFEF"/>
+    </a:accent1>
+    <a:accent2>
+      <a:srgbClr val="EFEFEF"/>
+    </a:accent2>
+    <a:accent3>
+      <a:srgbClr val="EFEFEF"/>
+    </a:accent3>
+    <a:accent4>
+      <a:srgbClr val="808080"/>
+    </a:accent4>
+    <a:accent5>
+      <a:srgbClr val="5F5F5F"/>
+    </a:accent5>
+    <a:accent6>
+      <a:srgbClr val="4D4D4D"/>
+    </a:accent6>
+    <a:hlink>
+      <a:srgbClr val="B5D7FC"/>
+    </a:hlink>
+    <a:folHlink>
+      <a:srgbClr val="919191"/>
+    </a:folHlink>
+  </a:clrScheme>
+</a:themeOverride>
+</file>
+
+<file path=ppt/theme/themeOverride25.xml><?xml version="1.0" encoding="utf-8"?>
+<a:themeOverride xmlns:a="http://schemas.openxmlformats.org/drawingml/2006/main">
+  <a:clrScheme name="Custom 2">
+    <a:dk1>
+      <a:srgbClr val="EFEFEF"/>
+    </a:dk1>
+    <a:lt1>
+      <a:srgbClr val="EFEFEF"/>
+    </a:lt1>
+    <a:dk2>
+      <a:srgbClr val="053E7D"/>
+    </a:dk2>
+    <a:lt2>
+      <a:srgbClr val="FFFFFF"/>
+    </a:lt2>
+    <a:accent1>
+      <a:srgbClr val="EFEFEF"/>
+    </a:accent1>
+    <a:accent2>
+      <a:srgbClr val="EFEFEF"/>
+    </a:accent2>
+    <a:accent3>
+      <a:srgbClr val="EFEFEF"/>
+    </a:accent3>
+    <a:accent4>
+      <a:srgbClr val="808080"/>
+    </a:accent4>
+    <a:accent5>
+      <a:srgbClr val="5F5F5F"/>
+    </a:accent5>
+    <a:accent6>
+      <a:srgbClr val="4D4D4D"/>
+    </a:accent6>
+    <a:hlink>
+      <a:srgbClr val="B5D7FC"/>
+    </a:hlink>
+    <a:folHlink>
+      <a:srgbClr val="919191"/>
+    </a:folHlink>
+  </a:clrScheme>
+</a:themeOverride>
+</file>
+
+<file path=ppt/theme/themeOverride26.xml><?xml version="1.0" encoding="utf-8"?>
+<a:themeOverride xmlns:a="http://schemas.openxmlformats.org/drawingml/2006/main">
+  <a:clrScheme name="Custom 2">
+    <a:dk1>
+      <a:srgbClr val="EFEFEF"/>
+    </a:dk1>
+    <a:lt1>
+      <a:srgbClr val="EFEFEF"/>
+    </a:lt1>
+    <a:dk2>
+      <a:srgbClr val="053E7D"/>
+    </a:dk2>
+    <a:lt2>
+      <a:srgbClr val="FFFFFF"/>
+    </a:lt2>
+    <a:accent1>
+      <a:srgbClr val="EFEFEF"/>
+    </a:accent1>
+    <a:accent2>
+      <a:srgbClr val="EFEFEF"/>
+    </a:accent2>
+    <a:accent3>
+      <a:srgbClr val="EFEFEF"/>
+    </a:accent3>
+    <a:accent4>
+      <a:srgbClr val="808080"/>
+    </a:accent4>
+    <a:accent5>
+      <a:srgbClr val="5F5F5F"/>
+    </a:accent5>
+    <a:accent6>
+      <a:srgbClr val="4D4D4D"/>
+    </a:accent6>
+    <a:hlink>
+      <a:srgbClr val="B5D7FC"/>
+    </a:hlink>
+    <a:folHlink>
+      <a:srgbClr val="919191"/>
+    </a:folHlink>
+  </a:clrScheme>
+</a:themeOverride>
+</file>
+
+<file path=ppt/theme/themeOverride27.xml><?xml version="1.0" encoding="utf-8"?>
+<a:themeOverride xmlns:a="http://schemas.openxmlformats.org/drawingml/2006/main">
+  <a:clrScheme name="Custom 2">
+    <a:dk1>
+      <a:srgbClr val="EFEFEF"/>
+    </a:dk1>
+    <a:lt1>
+      <a:srgbClr val="EFEFEF"/>
+    </a:lt1>
+    <a:dk2>
+      <a:srgbClr val="053E7D"/>
+    </a:dk2>
+    <a:lt2>
+      <a:srgbClr val="FFFFFF"/>
+    </a:lt2>
+    <a:accent1>
+      <a:srgbClr val="EFEFEF"/>
+    </a:accent1>
+    <a:accent2>
+      <a:srgbClr val="EFEFEF"/>
+    </a:accent2>
+    <a:accent3>
+      <a:srgbClr val="EFEFEF"/>
+    </a:accent3>
+    <a:accent4>
+      <a:srgbClr val="808080"/>
+    </a:accent4>
+    <a:accent5>
+      <a:srgbClr val="5F5F5F"/>
+    </a:accent5>
+    <a:accent6>
+      <a:srgbClr val="4D4D4D"/>
+    </a:accent6>
+    <a:hlink>
+      <a:srgbClr val="B5D7FC"/>
+    </a:hlink>
+    <a:folHlink>
+      <a:srgbClr val="919191"/>
+    </a:folHlink>
+  </a:clrScheme>
+</a:themeOverride>
+</file>
+
+<file path=ppt/theme/themeOverride28.xml><?xml version="1.0" encoding="utf-8"?>
+<a:themeOverride xmlns:a="http://schemas.openxmlformats.org/drawingml/2006/main">
+  <a:clrScheme name="Custom 2">
+    <a:dk1>
+      <a:srgbClr val="EFEFEF"/>
+    </a:dk1>
+    <a:lt1>
+      <a:srgbClr val="EFEFEF"/>
+    </a:lt1>
+    <a:dk2>
+      <a:srgbClr val="053E7D"/>
+    </a:dk2>
+    <a:lt2>
+      <a:srgbClr val="FFFFFF"/>
+    </a:lt2>
+    <a:accent1>
+      <a:srgbClr val="EFEFEF"/>
+    </a:accent1>
+    <a:accent2>
+      <a:srgbClr val="EFEFEF"/>
+    </a:accent2>
+    <a:accent3>
+      <a:srgbClr val="EFEFEF"/>
+    </a:accent3>
+    <a:accent4>
+      <a:srgbClr val="808080"/>
+    </a:accent4>
+    <a:accent5>
+      <a:srgbClr val="5F5F5F"/>
+    </a:accent5>
+    <a:accent6>
+      <a:srgbClr val="4D4D4D"/>
+    </a:accent6>
+    <a:hlink>
+      <a:srgbClr val="B5D7FC"/>
+    </a:hlink>
+    <a:folHlink>
+      <a:srgbClr val="919191"/>
+    </a:folHlink>
+  </a:clrScheme>
+</a:themeOverride>
+</file>
+
+<file path=ppt/theme/themeOverride29.xml><?xml version="1.0" encoding="utf-8"?>
 <a:themeOverride xmlns:a="http://schemas.openxmlformats.org/drawingml/2006/main">
   <a:clrScheme name="Custom 2">
     <a:dk1>
@@ -12911,7 +15120,609 @@
 </a:themeOverride>
 </file>
 
+<file path=ppt/theme/themeOverride30.xml><?xml version="1.0" encoding="utf-8"?>
+<a:themeOverride xmlns:a="http://schemas.openxmlformats.org/drawingml/2006/main">
+  <a:clrScheme name="Custom 2">
+    <a:dk1>
+      <a:srgbClr val="EFEFEF"/>
+    </a:dk1>
+    <a:lt1>
+      <a:srgbClr val="EFEFEF"/>
+    </a:lt1>
+    <a:dk2>
+      <a:srgbClr val="053E7D"/>
+    </a:dk2>
+    <a:lt2>
+      <a:srgbClr val="FFFFFF"/>
+    </a:lt2>
+    <a:accent1>
+      <a:srgbClr val="EFEFEF"/>
+    </a:accent1>
+    <a:accent2>
+      <a:srgbClr val="EFEFEF"/>
+    </a:accent2>
+    <a:accent3>
+      <a:srgbClr val="EFEFEF"/>
+    </a:accent3>
+    <a:accent4>
+      <a:srgbClr val="808080"/>
+    </a:accent4>
+    <a:accent5>
+      <a:srgbClr val="5F5F5F"/>
+    </a:accent5>
+    <a:accent6>
+      <a:srgbClr val="4D4D4D"/>
+    </a:accent6>
+    <a:hlink>
+      <a:srgbClr val="B5D7FC"/>
+    </a:hlink>
+    <a:folHlink>
+      <a:srgbClr val="919191"/>
+    </a:folHlink>
+  </a:clrScheme>
+</a:themeOverride>
+</file>
+
+<file path=ppt/theme/themeOverride31.xml><?xml version="1.0" encoding="utf-8"?>
+<a:themeOverride xmlns:a="http://schemas.openxmlformats.org/drawingml/2006/main">
+  <a:clrScheme name="Custom 2">
+    <a:dk1>
+      <a:srgbClr val="EFEFEF"/>
+    </a:dk1>
+    <a:lt1>
+      <a:srgbClr val="EFEFEF"/>
+    </a:lt1>
+    <a:dk2>
+      <a:srgbClr val="053E7D"/>
+    </a:dk2>
+    <a:lt2>
+      <a:srgbClr val="FFFFFF"/>
+    </a:lt2>
+    <a:accent1>
+      <a:srgbClr val="EFEFEF"/>
+    </a:accent1>
+    <a:accent2>
+      <a:srgbClr val="EFEFEF"/>
+    </a:accent2>
+    <a:accent3>
+      <a:srgbClr val="EFEFEF"/>
+    </a:accent3>
+    <a:accent4>
+      <a:srgbClr val="808080"/>
+    </a:accent4>
+    <a:accent5>
+      <a:srgbClr val="5F5F5F"/>
+    </a:accent5>
+    <a:accent6>
+      <a:srgbClr val="4D4D4D"/>
+    </a:accent6>
+    <a:hlink>
+      <a:srgbClr val="B5D7FC"/>
+    </a:hlink>
+    <a:folHlink>
+      <a:srgbClr val="919191"/>
+    </a:folHlink>
+  </a:clrScheme>
+</a:themeOverride>
+</file>
+
+<file path=ppt/theme/themeOverride32.xml><?xml version="1.0" encoding="utf-8"?>
+<a:themeOverride xmlns:a="http://schemas.openxmlformats.org/drawingml/2006/main">
+  <a:clrScheme name="Custom 2">
+    <a:dk1>
+      <a:srgbClr val="EFEFEF"/>
+    </a:dk1>
+    <a:lt1>
+      <a:srgbClr val="EFEFEF"/>
+    </a:lt1>
+    <a:dk2>
+      <a:srgbClr val="053E7D"/>
+    </a:dk2>
+    <a:lt2>
+      <a:srgbClr val="FFFFFF"/>
+    </a:lt2>
+    <a:accent1>
+      <a:srgbClr val="EFEFEF"/>
+    </a:accent1>
+    <a:accent2>
+      <a:srgbClr val="EFEFEF"/>
+    </a:accent2>
+    <a:accent3>
+      <a:srgbClr val="EFEFEF"/>
+    </a:accent3>
+    <a:accent4>
+      <a:srgbClr val="808080"/>
+    </a:accent4>
+    <a:accent5>
+      <a:srgbClr val="5F5F5F"/>
+    </a:accent5>
+    <a:accent6>
+      <a:srgbClr val="4D4D4D"/>
+    </a:accent6>
+    <a:hlink>
+      <a:srgbClr val="B5D7FC"/>
+    </a:hlink>
+    <a:folHlink>
+      <a:srgbClr val="919191"/>
+    </a:folHlink>
+  </a:clrScheme>
+</a:themeOverride>
+</file>
+
+<file path=ppt/theme/themeOverride33.xml><?xml version="1.0" encoding="utf-8"?>
+<a:themeOverride xmlns:a="http://schemas.openxmlformats.org/drawingml/2006/main">
+  <a:clrScheme name="Custom 2">
+    <a:dk1>
+      <a:srgbClr val="EFEFEF"/>
+    </a:dk1>
+    <a:lt1>
+      <a:srgbClr val="EFEFEF"/>
+    </a:lt1>
+    <a:dk2>
+      <a:srgbClr val="053E7D"/>
+    </a:dk2>
+    <a:lt2>
+      <a:srgbClr val="FFFFFF"/>
+    </a:lt2>
+    <a:accent1>
+      <a:srgbClr val="EFEFEF"/>
+    </a:accent1>
+    <a:accent2>
+      <a:srgbClr val="EFEFEF"/>
+    </a:accent2>
+    <a:accent3>
+      <a:srgbClr val="EFEFEF"/>
+    </a:accent3>
+    <a:accent4>
+      <a:srgbClr val="808080"/>
+    </a:accent4>
+    <a:accent5>
+      <a:srgbClr val="5F5F5F"/>
+    </a:accent5>
+    <a:accent6>
+      <a:srgbClr val="4D4D4D"/>
+    </a:accent6>
+    <a:hlink>
+      <a:srgbClr val="B5D7FC"/>
+    </a:hlink>
+    <a:folHlink>
+      <a:srgbClr val="919191"/>
+    </a:folHlink>
+  </a:clrScheme>
+</a:themeOverride>
+</file>
+
+<file path=ppt/theme/themeOverride34.xml><?xml version="1.0" encoding="utf-8"?>
+<a:themeOverride xmlns:a="http://schemas.openxmlformats.org/drawingml/2006/main">
+  <a:clrScheme name="Custom 2">
+    <a:dk1>
+      <a:srgbClr val="EFEFEF"/>
+    </a:dk1>
+    <a:lt1>
+      <a:srgbClr val="EFEFEF"/>
+    </a:lt1>
+    <a:dk2>
+      <a:srgbClr val="053E7D"/>
+    </a:dk2>
+    <a:lt2>
+      <a:srgbClr val="FFFFFF"/>
+    </a:lt2>
+    <a:accent1>
+      <a:srgbClr val="EFEFEF"/>
+    </a:accent1>
+    <a:accent2>
+      <a:srgbClr val="EFEFEF"/>
+    </a:accent2>
+    <a:accent3>
+      <a:srgbClr val="EFEFEF"/>
+    </a:accent3>
+    <a:accent4>
+      <a:srgbClr val="808080"/>
+    </a:accent4>
+    <a:accent5>
+      <a:srgbClr val="5F5F5F"/>
+    </a:accent5>
+    <a:accent6>
+      <a:srgbClr val="4D4D4D"/>
+    </a:accent6>
+    <a:hlink>
+      <a:srgbClr val="B5D7FC"/>
+    </a:hlink>
+    <a:folHlink>
+      <a:srgbClr val="919191"/>
+    </a:folHlink>
+  </a:clrScheme>
+</a:themeOverride>
+</file>
+
+<file path=ppt/theme/themeOverride35.xml><?xml version="1.0" encoding="utf-8"?>
+<a:themeOverride xmlns:a="http://schemas.openxmlformats.org/drawingml/2006/main">
+  <a:clrScheme name="Custom 2">
+    <a:dk1>
+      <a:srgbClr val="EFEFEF"/>
+    </a:dk1>
+    <a:lt1>
+      <a:srgbClr val="EFEFEF"/>
+    </a:lt1>
+    <a:dk2>
+      <a:srgbClr val="053E7D"/>
+    </a:dk2>
+    <a:lt2>
+      <a:srgbClr val="FFFFFF"/>
+    </a:lt2>
+    <a:accent1>
+      <a:srgbClr val="EFEFEF"/>
+    </a:accent1>
+    <a:accent2>
+      <a:srgbClr val="EFEFEF"/>
+    </a:accent2>
+    <a:accent3>
+      <a:srgbClr val="EFEFEF"/>
+    </a:accent3>
+    <a:accent4>
+      <a:srgbClr val="808080"/>
+    </a:accent4>
+    <a:accent5>
+      <a:srgbClr val="5F5F5F"/>
+    </a:accent5>
+    <a:accent6>
+      <a:srgbClr val="4D4D4D"/>
+    </a:accent6>
+    <a:hlink>
+      <a:srgbClr val="B5D7FC"/>
+    </a:hlink>
+    <a:folHlink>
+      <a:srgbClr val="919191"/>
+    </a:folHlink>
+  </a:clrScheme>
+</a:themeOverride>
+</file>
+
+<file path=ppt/theme/themeOverride36.xml><?xml version="1.0" encoding="utf-8"?>
+<a:themeOverride xmlns:a="http://schemas.openxmlformats.org/drawingml/2006/main">
+  <a:clrScheme name="Custom 2">
+    <a:dk1>
+      <a:srgbClr val="EFEFEF"/>
+    </a:dk1>
+    <a:lt1>
+      <a:srgbClr val="EFEFEF"/>
+    </a:lt1>
+    <a:dk2>
+      <a:srgbClr val="053E7D"/>
+    </a:dk2>
+    <a:lt2>
+      <a:srgbClr val="FFFFFF"/>
+    </a:lt2>
+    <a:accent1>
+      <a:srgbClr val="EFEFEF"/>
+    </a:accent1>
+    <a:accent2>
+      <a:srgbClr val="EFEFEF"/>
+    </a:accent2>
+    <a:accent3>
+      <a:srgbClr val="EFEFEF"/>
+    </a:accent3>
+    <a:accent4>
+      <a:srgbClr val="808080"/>
+    </a:accent4>
+    <a:accent5>
+      <a:srgbClr val="5F5F5F"/>
+    </a:accent5>
+    <a:accent6>
+      <a:srgbClr val="4D4D4D"/>
+    </a:accent6>
+    <a:hlink>
+      <a:srgbClr val="B5D7FC"/>
+    </a:hlink>
+    <a:folHlink>
+      <a:srgbClr val="919191"/>
+    </a:folHlink>
+  </a:clrScheme>
+</a:themeOverride>
+</file>
+
+<file path=ppt/theme/themeOverride37.xml><?xml version="1.0" encoding="utf-8"?>
+<a:themeOverride xmlns:a="http://schemas.openxmlformats.org/drawingml/2006/main">
+  <a:clrScheme name="Custom 2">
+    <a:dk1>
+      <a:srgbClr val="EFEFEF"/>
+    </a:dk1>
+    <a:lt1>
+      <a:srgbClr val="EFEFEF"/>
+    </a:lt1>
+    <a:dk2>
+      <a:srgbClr val="053E7D"/>
+    </a:dk2>
+    <a:lt2>
+      <a:srgbClr val="FFFFFF"/>
+    </a:lt2>
+    <a:accent1>
+      <a:srgbClr val="EFEFEF"/>
+    </a:accent1>
+    <a:accent2>
+      <a:srgbClr val="EFEFEF"/>
+    </a:accent2>
+    <a:accent3>
+      <a:srgbClr val="EFEFEF"/>
+    </a:accent3>
+    <a:accent4>
+      <a:srgbClr val="808080"/>
+    </a:accent4>
+    <a:accent5>
+      <a:srgbClr val="5F5F5F"/>
+    </a:accent5>
+    <a:accent6>
+      <a:srgbClr val="4D4D4D"/>
+    </a:accent6>
+    <a:hlink>
+      <a:srgbClr val="B5D7FC"/>
+    </a:hlink>
+    <a:folHlink>
+      <a:srgbClr val="919191"/>
+    </a:folHlink>
+  </a:clrScheme>
+</a:themeOverride>
+</file>
+
+<file path=ppt/theme/themeOverride38.xml><?xml version="1.0" encoding="utf-8"?>
+<a:themeOverride xmlns:a="http://schemas.openxmlformats.org/drawingml/2006/main">
+  <a:clrScheme name="Custom 2">
+    <a:dk1>
+      <a:srgbClr val="EFEFEF"/>
+    </a:dk1>
+    <a:lt1>
+      <a:srgbClr val="EFEFEF"/>
+    </a:lt1>
+    <a:dk2>
+      <a:srgbClr val="053E7D"/>
+    </a:dk2>
+    <a:lt2>
+      <a:srgbClr val="FFFFFF"/>
+    </a:lt2>
+    <a:accent1>
+      <a:srgbClr val="EFEFEF"/>
+    </a:accent1>
+    <a:accent2>
+      <a:srgbClr val="EFEFEF"/>
+    </a:accent2>
+    <a:accent3>
+      <a:srgbClr val="EFEFEF"/>
+    </a:accent3>
+    <a:accent4>
+      <a:srgbClr val="808080"/>
+    </a:accent4>
+    <a:accent5>
+      <a:srgbClr val="5F5F5F"/>
+    </a:accent5>
+    <a:accent6>
+      <a:srgbClr val="4D4D4D"/>
+    </a:accent6>
+    <a:hlink>
+      <a:srgbClr val="B5D7FC"/>
+    </a:hlink>
+    <a:folHlink>
+      <a:srgbClr val="919191"/>
+    </a:folHlink>
+  </a:clrScheme>
+</a:themeOverride>
+</file>
+
+<file path=ppt/theme/themeOverride39.xml><?xml version="1.0" encoding="utf-8"?>
+<a:themeOverride xmlns:a="http://schemas.openxmlformats.org/drawingml/2006/main">
+  <a:clrScheme name="Custom 2">
+    <a:dk1>
+      <a:srgbClr val="EFEFEF"/>
+    </a:dk1>
+    <a:lt1>
+      <a:srgbClr val="EFEFEF"/>
+    </a:lt1>
+    <a:dk2>
+      <a:srgbClr val="053E7D"/>
+    </a:dk2>
+    <a:lt2>
+      <a:srgbClr val="FFFFFF"/>
+    </a:lt2>
+    <a:accent1>
+      <a:srgbClr val="EFEFEF"/>
+    </a:accent1>
+    <a:accent2>
+      <a:srgbClr val="EFEFEF"/>
+    </a:accent2>
+    <a:accent3>
+      <a:srgbClr val="EFEFEF"/>
+    </a:accent3>
+    <a:accent4>
+      <a:srgbClr val="808080"/>
+    </a:accent4>
+    <a:accent5>
+      <a:srgbClr val="5F5F5F"/>
+    </a:accent5>
+    <a:accent6>
+      <a:srgbClr val="4D4D4D"/>
+    </a:accent6>
+    <a:hlink>
+      <a:srgbClr val="B5D7FC"/>
+    </a:hlink>
+    <a:folHlink>
+      <a:srgbClr val="919191"/>
+    </a:folHlink>
+  </a:clrScheme>
+</a:themeOverride>
+</file>
+
 <file path=ppt/theme/themeOverride4.xml><?xml version="1.0" encoding="utf-8"?>
+<a:themeOverride xmlns:a="http://schemas.openxmlformats.org/drawingml/2006/main">
+  <a:clrScheme name="Custom 2">
+    <a:dk1>
+      <a:srgbClr val="EFEFEF"/>
+    </a:dk1>
+    <a:lt1>
+      <a:srgbClr val="EFEFEF"/>
+    </a:lt1>
+    <a:dk2>
+      <a:srgbClr val="053E7D"/>
+    </a:dk2>
+    <a:lt2>
+      <a:srgbClr val="FFFFFF"/>
+    </a:lt2>
+    <a:accent1>
+      <a:srgbClr val="EFEFEF"/>
+    </a:accent1>
+    <a:accent2>
+      <a:srgbClr val="EFEFEF"/>
+    </a:accent2>
+    <a:accent3>
+      <a:srgbClr val="EFEFEF"/>
+    </a:accent3>
+    <a:accent4>
+      <a:srgbClr val="808080"/>
+    </a:accent4>
+    <a:accent5>
+      <a:srgbClr val="5F5F5F"/>
+    </a:accent5>
+    <a:accent6>
+      <a:srgbClr val="4D4D4D"/>
+    </a:accent6>
+    <a:hlink>
+      <a:srgbClr val="B5D7FC"/>
+    </a:hlink>
+    <a:folHlink>
+      <a:srgbClr val="919191"/>
+    </a:folHlink>
+  </a:clrScheme>
+</a:themeOverride>
+</file>
+
+<file path=ppt/theme/themeOverride40.xml><?xml version="1.0" encoding="utf-8"?>
+<a:themeOverride xmlns:a="http://schemas.openxmlformats.org/drawingml/2006/main">
+  <a:clrScheme name="Custom 2">
+    <a:dk1>
+      <a:srgbClr val="EFEFEF"/>
+    </a:dk1>
+    <a:lt1>
+      <a:srgbClr val="EFEFEF"/>
+    </a:lt1>
+    <a:dk2>
+      <a:srgbClr val="053E7D"/>
+    </a:dk2>
+    <a:lt2>
+      <a:srgbClr val="FFFFFF"/>
+    </a:lt2>
+    <a:accent1>
+      <a:srgbClr val="EFEFEF"/>
+    </a:accent1>
+    <a:accent2>
+      <a:srgbClr val="EFEFEF"/>
+    </a:accent2>
+    <a:accent3>
+      <a:srgbClr val="EFEFEF"/>
+    </a:accent3>
+    <a:accent4>
+      <a:srgbClr val="808080"/>
+    </a:accent4>
+    <a:accent5>
+      <a:srgbClr val="5F5F5F"/>
+    </a:accent5>
+    <a:accent6>
+      <a:srgbClr val="4D4D4D"/>
+    </a:accent6>
+    <a:hlink>
+      <a:srgbClr val="B5D7FC"/>
+    </a:hlink>
+    <a:folHlink>
+      <a:srgbClr val="919191"/>
+    </a:folHlink>
+  </a:clrScheme>
+</a:themeOverride>
+</file>
+
+<file path=ppt/theme/themeOverride41.xml><?xml version="1.0" encoding="utf-8"?>
+<a:themeOverride xmlns:a="http://schemas.openxmlformats.org/drawingml/2006/main">
+  <a:clrScheme name="Custom 2">
+    <a:dk1>
+      <a:srgbClr val="EFEFEF"/>
+    </a:dk1>
+    <a:lt1>
+      <a:srgbClr val="EFEFEF"/>
+    </a:lt1>
+    <a:dk2>
+      <a:srgbClr val="053E7D"/>
+    </a:dk2>
+    <a:lt2>
+      <a:srgbClr val="FFFFFF"/>
+    </a:lt2>
+    <a:accent1>
+      <a:srgbClr val="EFEFEF"/>
+    </a:accent1>
+    <a:accent2>
+      <a:srgbClr val="EFEFEF"/>
+    </a:accent2>
+    <a:accent3>
+      <a:srgbClr val="EFEFEF"/>
+    </a:accent3>
+    <a:accent4>
+      <a:srgbClr val="808080"/>
+    </a:accent4>
+    <a:accent5>
+      <a:srgbClr val="5F5F5F"/>
+    </a:accent5>
+    <a:accent6>
+      <a:srgbClr val="4D4D4D"/>
+    </a:accent6>
+    <a:hlink>
+      <a:srgbClr val="B5D7FC"/>
+    </a:hlink>
+    <a:folHlink>
+      <a:srgbClr val="919191"/>
+    </a:folHlink>
+  </a:clrScheme>
+</a:themeOverride>
+</file>
+
+<file path=ppt/theme/themeOverride42.xml><?xml version="1.0" encoding="utf-8"?>
+<a:themeOverride xmlns:a="http://schemas.openxmlformats.org/drawingml/2006/main">
+  <a:clrScheme name="Custom 2">
+    <a:dk1>
+      <a:srgbClr val="EFEFEF"/>
+    </a:dk1>
+    <a:lt1>
+      <a:srgbClr val="EFEFEF"/>
+    </a:lt1>
+    <a:dk2>
+      <a:srgbClr val="053E7D"/>
+    </a:dk2>
+    <a:lt2>
+      <a:srgbClr val="FFFFFF"/>
+    </a:lt2>
+    <a:accent1>
+      <a:srgbClr val="EFEFEF"/>
+    </a:accent1>
+    <a:accent2>
+      <a:srgbClr val="EFEFEF"/>
+    </a:accent2>
+    <a:accent3>
+      <a:srgbClr val="EFEFEF"/>
+    </a:accent3>
+    <a:accent4>
+      <a:srgbClr val="808080"/>
+    </a:accent4>
+    <a:accent5>
+      <a:srgbClr val="5F5F5F"/>
+    </a:accent5>
+    <a:accent6>
+      <a:srgbClr val="4D4D4D"/>
+    </a:accent6>
+    <a:hlink>
+      <a:srgbClr val="B5D7FC"/>
+    </a:hlink>
+    <a:folHlink>
+      <a:srgbClr val="919191"/>
+    </a:folHlink>
+  </a:clrScheme>
+</a:themeOverride>
+</file>
+
+<file path=ppt/theme/themeOverride43.xml><?xml version="1.0" encoding="utf-8"?>
 <a:themeOverride xmlns:a="http://schemas.openxmlformats.org/drawingml/2006/main">
   <a:clrScheme name="Custom 2">
     <a:dk1>

--- a/Session 7 - Python/Instructional Material/Session 7 - Python Brief Intro to Machine Learning with Scikit Learn.pptx
+++ b/Session 7 - Python/Instructional Material/Session 7 - Python Brief Intro to Machine Learning with Scikit Learn.pptx
@@ -6,7 +6,7 @@
     <p:sldMasterId id="2147483660" r:id="rId2"/>
   </p:sldMasterIdLst>
   <p:notesMasterIdLst>
-    <p:notesMasterId r:id="rId49"/>
+    <p:notesMasterId r:id="rId67"/>
   </p:notesMasterIdLst>
   <p:sldIdLst>
     <p:sldId id="256" r:id="rId3"/>
@@ -14,47 +14,65 @@
     <p:sldId id="425" r:id="rId5"/>
     <p:sldId id="379" r:id="rId6"/>
     <p:sldId id="408" r:id="rId7"/>
-    <p:sldId id="410" r:id="rId8"/>
-    <p:sldId id="381" r:id="rId9"/>
-    <p:sldId id="409" r:id="rId10"/>
-    <p:sldId id="380" r:id="rId11"/>
-    <p:sldId id="383" r:id="rId12"/>
-    <p:sldId id="422" r:id="rId13"/>
-    <p:sldId id="382" r:id="rId14"/>
-    <p:sldId id="407" r:id="rId15"/>
-    <p:sldId id="423" r:id="rId16"/>
-    <p:sldId id="424" r:id="rId17"/>
-    <p:sldId id="421" r:id="rId18"/>
-    <p:sldId id="420" r:id="rId19"/>
-    <p:sldId id="378" r:id="rId20"/>
-    <p:sldId id="388" r:id="rId21"/>
-    <p:sldId id="387" r:id="rId22"/>
-    <p:sldId id="389" r:id="rId23"/>
-    <p:sldId id="401" r:id="rId24"/>
-    <p:sldId id="403" r:id="rId25"/>
-    <p:sldId id="402" r:id="rId26"/>
-    <p:sldId id="406" r:id="rId27"/>
-    <p:sldId id="404" r:id="rId28"/>
-    <p:sldId id="377" r:id="rId29"/>
-    <p:sldId id="390" r:id="rId30"/>
-    <p:sldId id="412" r:id="rId31"/>
-    <p:sldId id="415" r:id="rId32"/>
-    <p:sldId id="413" r:id="rId33"/>
-    <p:sldId id="416" r:id="rId34"/>
-    <p:sldId id="391" r:id="rId35"/>
-    <p:sldId id="414" r:id="rId36"/>
-    <p:sldId id="396" r:id="rId37"/>
-    <p:sldId id="397" r:id="rId38"/>
-    <p:sldId id="398" r:id="rId39"/>
-    <p:sldId id="399" r:id="rId40"/>
-    <p:sldId id="376" r:id="rId41"/>
-    <p:sldId id="405" r:id="rId42"/>
-    <p:sldId id="385" r:id="rId43"/>
-    <p:sldId id="386" r:id="rId44"/>
-    <p:sldId id="400" r:id="rId45"/>
-    <p:sldId id="384" r:id="rId46"/>
-    <p:sldId id="375" r:id="rId47"/>
-    <p:sldId id="411" r:id="rId48"/>
+    <p:sldId id="429" r:id="rId8"/>
+    <p:sldId id="410" r:id="rId9"/>
+    <p:sldId id="381" r:id="rId10"/>
+    <p:sldId id="409" r:id="rId11"/>
+    <p:sldId id="380" r:id="rId12"/>
+    <p:sldId id="383" r:id="rId13"/>
+    <p:sldId id="422" r:id="rId14"/>
+    <p:sldId id="382" r:id="rId15"/>
+    <p:sldId id="407" r:id="rId16"/>
+    <p:sldId id="423" r:id="rId17"/>
+    <p:sldId id="424" r:id="rId18"/>
+    <p:sldId id="421" r:id="rId19"/>
+    <p:sldId id="420" r:id="rId20"/>
+    <p:sldId id="378" r:id="rId21"/>
+    <p:sldId id="388" r:id="rId22"/>
+    <p:sldId id="387" r:id="rId23"/>
+    <p:sldId id="389" r:id="rId24"/>
+    <p:sldId id="401" r:id="rId25"/>
+    <p:sldId id="403" r:id="rId26"/>
+    <p:sldId id="402" r:id="rId27"/>
+    <p:sldId id="406" r:id="rId28"/>
+    <p:sldId id="404" r:id="rId29"/>
+    <p:sldId id="377" r:id="rId30"/>
+    <p:sldId id="435" r:id="rId31"/>
+    <p:sldId id="390" r:id="rId32"/>
+    <p:sldId id="426" r:id="rId33"/>
+    <p:sldId id="412" r:id="rId34"/>
+    <p:sldId id="415" r:id="rId35"/>
+    <p:sldId id="413" r:id="rId36"/>
+    <p:sldId id="416" r:id="rId37"/>
+    <p:sldId id="436" r:id="rId38"/>
+    <p:sldId id="437" r:id="rId39"/>
+    <p:sldId id="438" r:id="rId40"/>
+    <p:sldId id="391" r:id="rId41"/>
+    <p:sldId id="428" r:id="rId42"/>
+    <p:sldId id="427" r:id="rId43"/>
+    <p:sldId id="441" r:id="rId44"/>
+    <p:sldId id="396" r:id="rId45"/>
+    <p:sldId id="432" r:id="rId46"/>
+    <p:sldId id="431" r:id="rId47"/>
+    <p:sldId id="430" r:id="rId48"/>
+    <p:sldId id="434" r:id="rId49"/>
+    <p:sldId id="439" r:id="rId50"/>
+    <p:sldId id="440" r:id="rId51"/>
+    <p:sldId id="414" r:id="rId52"/>
+    <p:sldId id="433" r:id="rId53"/>
+    <p:sldId id="442" r:id="rId54"/>
+    <p:sldId id="443" r:id="rId55"/>
+    <p:sldId id="397" r:id="rId56"/>
+    <p:sldId id="398" r:id="rId57"/>
+    <p:sldId id="399" r:id="rId58"/>
+    <p:sldId id="376" r:id="rId59"/>
+    <p:sldId id="405" r:id="rId60"/>
+    <p:sldId id="385" r:id="rId61"/>
+    <p:sldId id="386" r:id="rId62"/>
+    <p:sldId id="400" r:id="rId63"/>
+    <p:sldId id="384" r:id="rId64"/>
+    <p:sldId id="375" r:id="rId65"/>
+    <p:sldId id="411" r:id="rId66"/>
   </p:sldIdLst>
   <p:sldSz cx="9144000" cy="6858000" type="screen4x3"/>
   <p:notesSz cx="6858000" cy="9144000"/>
@@ -254,7 +272,7 @@
           <a:p>
             <a:fld id="{CD3A85A8-362A-422C-AAFE-FA6D3B9BF6BA}" type="datetimeFigureOut">
               <a:rPr lang="en-US" smtClean="0"/>
-              <a:t>11/30/2021</a:t>
+              <a:t>12/6/2021</a:t>
             </a:fld>
             <a:endParaRPr lang="en-US"/>
           </a:p>
@@ -586,7 +604,7 @@
           <a:p>
             <a:fld id="{3E7B21C4-CE7A-4258-91FF-8CBB981279E1}" type="slidenum">
               <a:rPr lang="en-US" smtClean="0"/>
-              <a:t>28</a:t>
+              <a:t>30</a:t>
             </a:fld>
             <a:endParaRPr lang="en-US"/>
           </a:p>
@@ -670,7 +688,7 @@
           <a:p>
             <a:fld id="{3E7B21C4-CE7A-4258-91FF-8CBB981279E1}" type="slidenum">
               <a:rPr lang="en-US" smtClean="0"/>
-              <a:t>29</a:t>
+              <a:t>31</a:t>
             </a:fld>
             <a:endParaRPr lang="en-US"/>
           </a:p>
@@ -679,7 +697,7 @@
     </p:spTree>
     <p:extLst>
       <p:ext uri="{BB962C8B-B14F-4D97-AF65-F5344CB8AC3E}">
-        <p14:creationId xmlns:p14="http://schemas.microsoft.com/office/powerpoint/2010/main" val="3496575575"/>
+        <p14:creationId xmlns:p14="http://schemas.microsoft.com/office/powerpoint/2010/main" val="4156309806"/>
       </p:ext>
     </p:extLst>
   </p:cSld>
@@ -754,7 +772,7 @@
           <a:p>
             <a:fld id="{3E7B21C4-CE7A-4258-91FF-8CBB981279E1}" type="slidenum">
               <a:rPr lang="en-US" smtClean="0"/>
-              <a:t>30</a:t>
+              <a:t>32</a:t>
             </a:fld>
             <a:endParaRPr lang="en-US"/>
           </a:p>
@@ -763,7 +781,7 @@
     </p:spTree>
     <p:extLst>
       <p:ext uri="{BB962C8B-B14F-4D97-AF65-F5344CB8AC3E}">
-        <p14:creationId xmlns:p14="http://schemas.microsoft.com/office/powerpoint/2010/main" val="2013407036"/>
+        <p14:creationId xmlns:p14="http://schemas.microsoft.com/office/powerpoint/2010/main" val="3496575575"/>
       </p:ext>
     </p:extLst>
   </p:cSld>
@@ -838,7 +856,7 @@
           <a:p>
             <a:fld id="{3E7B21C4-CE7A-4258-91FF-8CBB981279E1}" type="slidenum">
               <a:rPr lang="en-US" smtClean="0"/>
-              <a:t>31</a:t>
+              <a:t>33</a:t>
             </a:fld>
             <a:endParaRPr lang="en-US"/>
           </a:p>
@@ -847,7 +865,7 @@
     </p:spTree>
     <p:extLst>
       <p:ext uri="{BB962C8B-B14F-4D97-AF65-F5344CB8AC3E}">
-        <p14:creationId xmlns:p14="http://schemas.microsoft.com/office/powerpoint/2010/main" val="2302798330"/>
+        <p14:creationId xmlns:p14="http://schemas.microsoft.com/office/powerpoint/2010/main" val="2013407036"/>
       </p:ext>
     </p:extLst>
   </p:cSld>
@@ -922,7 +940,91 @@
           <a:p>
             <a:fld id="{3E7B21C4-CE7A-4258-91FF-8CBB981279E1}" type="slidenum">
               <a:rPr lang="en-US" smtClean="0"/>
-              <a:t>32</a:t>
+              <a:t>34</a:t>
+            </a:fld>
+            <a:endParaRPr lang="en-US"/>
+          </a:p>
+        </p:txBody>
+      </p:sp>
+    </p:spTree>
+    <p:extLst>
+      <p:ext uri="{BB962C8B-B14F-4D97-AF65-F5344CB8AC3E}">
+        <p14:creationId xmlns:p14="http://schemas.microsoft.com/office/powerpoint/2010/main" val="2302798330"/>
+      </p:ext>
+    </p:extLst>
+  </p:cSld>
+  <p:clrMapOvr>
+    <a:masterClrMapping/>
+  </p:clrMapOvr>
+</p:notes>
+</file>
+
+<file path=ppt/notesSlides/notesSlide6.xml><?xml version="1.0" encoding="utf-8"?>
+<p:notes xmlns:a="http://schemas.openxmlformats.org/drawingml/2006/main" xmlns:r="http://schemas.openxmlformats.org/officeDocument/2006/relationships" xmlns:p="http://schemas.openxmlformats.org/presentationml/2006/main">
+  <p:cSld>
+    <p:spTree>
+      <p:nvGrpSpPr>
+        <p:cNvPr id="1" name=""/>
+        <p:cNvGrpSpPr/>
+        <p:nvPr/>
+      </p:nvGrpSpPr>
+      <p:grpSpPr>
+        <a:xfrm>
+          <a:off x="0" y="0"/>
+          <a:ext cx="0" cy="0"/>
+          <a:chOff x="0" y="0"/>
+          <a:chExt cx="0" cy="0"/>
+        </a:xfrm>
+      </p:grpSpPr>
+      <p:sp>
+        <p:nvSpPr>
+          <p:cNvPr id="2" name="Slide Image Placeholder 1"/>
+          <p:cNvSpPr>
+            <a:spLocks noGrp="1" noRot="1" noChangeAspect="1"/>
+          </p:cNvSpPr>
+          <p:nvPr>
+            <p:ph type="sldImg"/>
+          </p:nvPr>
+        </p:nvSpPr>
+        <p:spPr/>
+      </p:sp>
+      <p:sp>
+        <p:nvSpPr>
+          <p:cNvPr id="3" name="Notes Placeholder 2"/>
+          <p:cNvSpPr>
+            <a:spLocks noGrp="1"/>
+          </p:cNvSpPr>
+          <p:nvPr>
+            <p:ph type="body" idx="1"/>
+          </p:nvPr>
+        </p:nvSpPr>
+        <p:spPr/>
+        <p:txBody>
+          <a:bodyPr/>
+          <a:lstStyle/>
+          <a:p>
+            <a:endParaRPr lang="en-US" dirty="0"/>
+          </a:p>
+        </p:txBody>
+      </p:sp>
+      <p:sp>
+        <p:nvSpPr>
+          <p:cNvPr id="4" name="Slide Number Placeholder 3"/>
+          <p:cNvSpPr>
+            <a:spLocks noGrp="1"/>
+          </p:cNvSpPr>
+          <p:nvPr>
+            <p:ph type="sldNum" sz="quarter" idx="5"/>
+          </p:nvPr>
+        </p:nvSpPr>
+        <p:spPr/>
+        <p:txBody>
+          <a:bodyPr/>
+          <a:lstStyle/>
+          <a:p>
+            <a:fld id="{3E7B21C4-CE7A-4258-91FF-8CBB981279E1}" type="slidenum">
+              <a:rPr lang="en-US" smtClean="0"/>
+              <a:t>35</a:t>
             </a:fld>
             <a:endParaRPr lang="en-US"/>
           </a:p>
@@ -932,6 +1034,174 @@
     <p:extLst>
       <p:ext uri="{BB962C8B-B14F-4D97-AF65-F5344CB8AC3E}">
         <p14:creationId xmlns:p14="http://schemas.microsoft.com/office/powerpoint/2010/main" val="4141967506"/>
+      </p:ext>
+    </p:extLst>
+  </p:cSld>
+  <p:clrMapOvr>
+    <a:masterClrMapping/>
+  </p:clrMapOvr>
+</p:notes>
+</file>
+
+<file path=ppt/notesSlides/notesSlide7.xml><?xml version="1.0" encoding="utf-8"?>
+<p:notes xmlns:a="http://schemas.openxmlformats.org/drawingml/2006/main" xmlns:r="http://schemas.openxmlformats.org/officeDocument/2006/relationships" xmlns:p="http://schemas.openxmlformats.org/presentationml/2006/main">
+  <p:cSld>
+    <p:spTree>
+      <p:nvGrpSpPr>
+        <p:cNvPr id="1" name=""/>
+        <p:cNvGrpSpPr/>
+        <p:nvPr/>
+      </p:nvGrpSpPr>
+      <p:grpSpPr>
+        <a:xfrm>
+          <a:off x="0" y="0"/>
+          <a:ext cx="0" cy="0"/>
+          <a:chOff x="0" y="0"/>
+          <a:chExt cx="0" cy="0"/>
+        </a:xfrm>
+      </p:grpSpPr>
+      <p:sp>
+        <p:nvSpPr>
+          <p:cNvPr id="2" name="Slide Image Placeholder 1"/>
+          <p:cNvSpPr>
+            <a:spLocks noGrp="1" noRot="1" noChangeAspect="1"/>
+          </p:cNvSpPr>
+          <p:nvPr>
+            <p:ph type="sldImg"/>
+          </p:nvPr>
+        </p:nvSpPr>
+        <p:spPr/>
+      </p:sp>
+      <p:sp>
+        <p:nvSpPr>
+          <p:cNvPr id="3" name="Notes Placeholder 2"/>
+          <p:cNvSpPr>
+            <a:spLocks noGrp="1"/>
+          </p:cNvSpPr>
+          <p:nvPr>
+            <p:ph type="body" idx="1"/>
+          </p:nvPr>
+        </p:nvSpPr>
+        <p:spPr/>
+        <p:txBody>
+          <a:bodyPr/>
+          <a:lstStyle/>
+          <a:p>
+            <a:endParaRPr lang="en-US" dirty="0"/>
+          </a:p>
+        </p:txBody>
+      </p:sp>
+      <p:sp>
+        <p:nvSpPr>
+          <p:cNvPr id="4" name="Slide Number Placeholder 3"/>
+          <p:cNvSpPr>
+            <a:spLocks noGrp="1"/>
+          </p:cNvSpPr>
+          <p:nvPr>
+            <p:ph type="sldNum" sz="quarter" idx="5"/>
+          </p:nvPr>
+        </p:nvSpPr>
+        <p:spPr/>
+        <p:txBody>
+          <a:bodyPr/>
+          <a:lstStyle/>
+          <a:p>
+            <a:fld id="{3E7B21C4-CE7A-4258-91FF-8CBB981279E1}" type="slidenum">
+              <a:rPr lang="en-US" smtClean="0"/>
+              <a:t>36</a:t>
+            </a:fld>
+            <a:endParaRPr lang="en-US"/>
+          </a:p>
+        </p:txBody>
+      </p:sp>
+    </p:spTree>
+    <p:extLst>
+      <p:ext uri="{BB962C8B-B14F-4D97-AF65-F5344CB8AC3E}">
+        <p14:creationId xmlns:p14="http://schemas.microsoft.com/office/powerpoint/2010/main" val="2099521199"/>
+      </p:ext>
+    </p:extLst>
+  </p:cSld>
+  <p:clrMapOvr>
+    <a:masterClrMapping/>
+  </p:clrMapOvr>
+</p:notes>
+</file>
+
+<file path=ppt/notesSlides/notesSlide8.xml><?xml version="1.0" encoding="utf-8"?>
+<p:notes xmlns:a="http://schemas.openxmlformats.org/drawingml/2006/main" xmlns:r="http://schemas.openxmlformats.org/officeDocument/2006/relationships" xmlns:p="http://schemas.openxmlformats.org/presentationml/2006/main">
+  <p:cSld>
+    <p:spTree>
+      <p:nvGrpSpPr>
+        <p:cNvPr id="1" name=""/>
+        <p:cNvGrpSpPr/>
+        <p:nvPr/>
+      </p:nvGrpSpPr>
+      <p:grpSpPr>
+        <a:xfrm>
+          <a:off x="0" y="0"/>
+          <a:ext cx="0" cy="0"/>
+          <a:chOff x="0" y="0"/>
+          <a:chExt cx="0" cy="0"/>
+        </a:xfrm>
+      </p:grpSpPr>
+      <p:sp>
+        <p:nvSpPr>
+          <p:cNvPr id="2" name="Slide Image Placeholder 1"/>
+          <p:cNvSpPr>
+            <a:spLocks noGrp="1" noRot="1" noChangeAspect="1"/>
+          </p:cNvSpPr>
+          <p:nvPr>
+            <p:ph type="sldImg"/>
+          </p:nvPr>
+        </p:nvSpPr>
+        <p:spPr/>
+      </p:sp>
+      <p:sp>
+        <p:nvSpPr>
+          <p:cNvPr id="3" name="Notes Placeholder 2"/>
+          <p:cNvSpPr>
+            <a:spLocks noGrp="1"/>
+          </p:cNvSpPr>
+          <p:nvPr>
+            <p:ph type="body" idx="1"/>
+          </p:nvPr>
+        </p:nvSpPr>
+        <p:spPr/>
+        <p:txBody>
+          <a:bodyPr/>
+          <a:lstStyle/>
+          <a:p>
+            <a:endParaRPr lang="en-US" dirty="0"/>
+          </a:p>
+        </p:txBody>
+      </p:sp>
+      <p:sp>
+        <p:nvSpPr>
+          <p:cNvPr id="4" name="Slide Number Placeholder 3"/>
+          <p:cNvSpPr>
+            <a:spLocks noGrp="1"/>
+          </p:cNvSpPr>
+          <p:nvPr>
+            <p:ph type="sldNum" sz="quarter" idx="5"/>
+          </p:nvPr>
+        </p:nvSpPr>
+        <p:spPr/>
+        <p:txBody>
+          <a:bodyPr/>
+          <a:lstStyle/>
+          <a:p>
+            <a:fld id="{3E7B21C4-CE7A-4258-91FF-8CBB981279E1}" type="slidenum">
+              <a:rPr lang="en-US" smtClean="0"/>
+              <a:t>37</a:t>
+            </a:fld>
+            <a:endParaRPr lang="en-US"/>
+          </a:p>
+        </p:txBody>
+      </p:sp>
+    </p:spTree>
+    <p:extLst>
+      <p:ext uri="{BB962C8B-B14F-4D97-AF65-F5344CB8AC3E}">
+        <p14:creationId xmlns:p14="http://schemas.microsoft.com/office/powerpoint/2010/main" val="3623138648"/>
       </p:ext>
     </p:extLst>
   </p:cSld>
@@ -1120,7 +1390,7 @@
           <a:p>
             <a:fld id="{547641E8-73DF-4AD2-848E-3103064331B1}" type="datetimeFigureOut">
               <a:rPr lang="en-US" smtClean="0"/>
-              <a:t>11/30/2021</a:t>
+              <a:t>12/6/2021</a:t>
             </a:fld>
             <a:endParaRPr lang="en-US"/>
           </a:p>
@@ -1288,7 +1558,7 @@
           <a:p>
             <a:fld id="{547641E8-73DF-4AD2-848E-3103064331B1}" type="datetimeFigureOut">
               <a:rPr lang="en-US" smtClean="0"/>
-              <a:t>11/30/2021</a:t>
+              <a:t>12/6/2021</a:t>
             </a:fld>
             <a:endParaRPr lang="en-US"/>
           </a:p>
@@ -1466,7 +1736,7 @@
           <a:p>
             <a:fld id="{547641E8-73DF-4AD2-848E-3103064331B1}" type="datetimeFigureOut">
               <a:rPr lang="en-US" smtClean="0"/>
-              <a:t>11/30/2021</a:t>
+              <a:t>12/6/2021</a:t>
             </a:fld>
             <a:endParaRPr lang="en-US"/>
           </a:p>
@@ -1713,7 +1983,7 @@
                 </a:solidFill>
               </a:rPr>
               <a:pPr/>
-              <a:t>11/30/2021</a:t>
+              <a:t>12/6/2021</a:t>
             </a:fld>
             <a:endParaRPr lang="en-US">
               <a:solidFill>
@@ -1913,7 +2183,7 @@
                 </a:solidFill>
               </a:rPr>
               <a:pPr/>
-              <a:t>11/30/2021</a:t>
+              <a:t>12/6/2021</a:t>
             </a:fld>
             <a:endParaRPr lang="en-US">
               <a:solidFill>
@@ -2190,7 +2460,7 @@
                 </a:solidFill>
               </a:rPr>
               <a:pPr/>
-              <a:t>11/30/2021</a:t>
+              <a:t>12/6/2021</a:t>
             </a:fld>
             <a:endParaRPr lang="en-US">
               <a:solidFill>
@@ -2507,7 +2777,7 @@
                 </a:solidFill>
               </a:rPr>
               <a:pPr/>
-              <a:t>11/30/2021</a:t>
+              <a:t>12/6/2021</a:t>
             </a:fld>
             <a:endParaRPr lang="en-US">
               <a:solidFill>
@@ -2958,7 +3228,7 @@
                 </a:solidFill>
               </a:rPr>
               <a:pPr/>
-              <a:t>11/30/2021</a:t>
+              <a:t>12/6/2021</a:t>
             </a:fld>
             <a:endParaRPr lang="en-US">
               <a:solidFill>
@@ -3107,7 +3377,7 @@
                 </a:solidFill>
               </a:rPr>
               <a:pPr/>
-              <a:t>11/30/2021</a:t>
+              <a:t>12/6/2021</a:t>
             </a:fld>
             <a:endParaRPr lang="en-US">
               <a:solidFill>
@@ -3234,7 +3504,7 @@
                 </a:solidFill>
               </a:rPr>
               <a:pPr/>
-              <a:t>11/30/2021</a:t>
+              <a:t>12/6/2021</a:t>
             </a:fld>
             <a:endParaRPr lang="en-US">
               <a:solidFill>
@@ -3541,7 +3811,7 @@
                 </a:solidFill>
               </a:rPr>
               <a:pPr/>
-              <a:t>11/30/2021</a:t>
+              <a:t>12/6/2021</a:t>
             </a:fld>
             <a:endParaRPr lang="en-US">
               <a:solidFill>
@@ -3734,7 +4004,7 @@
           <a:p>
             <a:fld id="{547641E8-73DF-4AD2-848E-3103064331B1}" type="datetimeFigureOut">
               <a:rPr lang="en-US" smtClean="0"/>
-              <a:t>11/30/2021</a:t>
+              <a:t>12/6/2021</a:t>
             </a:fld>
             <a:endParaRPr lang="en-US"/>
           </a:p>
@@ -3993,7 +4263,7 @@
                 </a:solidFill>
               </a:rPr>
               <a:pPr/>
-              <a:t>11/30/2021</a:t>
+              <a:t>12/6/2021</a:t>
             </a:fld>
             <a:endParaRPr lang="en-US">
               <a:solidFill>
@@ -4193,7 +4463,7 @@
                 </a:solidFill>
               </a:rPr>
               <a:pPr/>
-              <a:t>11/30/2021</a:t>
+              <a:t>12/6/2021</a:t>
             </a:fld>
             <a:endParaRPr lang="en-US">
               <a:solidFill>
@@ -4403,7 +4673,7 @@
                 </a:solidFill>
               </a:rPr>
               <a:pPr/>
-              <a:t>11/30/2021</a:t>
+              <a:t>12/6/2021</a:t>
             </a:fld>
             <a:endParaRPr lang="en-US">
               <a:solidFill>
@@ -4673,7 +4943,7 @@
           <a:p>
             <a:fld id="{547641E8-73DF-4AD2-848E-3103064331B1}" type="datetimeFigureOut">
               <a:rPr lang="en-US" smtClean="0"/>
-              <a:t>11/30/2021</a:t>
+              <a:t>12/6/2021</a:t>
             </a:fld>
             <a:endParaRPr lang="en-US"/>
           </a:p>
@@ -4958,7 +5228,7 @@
           <a:p>
             <a:fld id="{547641E8-73DF-4AD2-848E-3103064331B1}" type="datetimeFigureOut">
               <a:rPr lang="en-US" smtClean="0"/>
-              <a:t>11/30/2021</a:t>
+              <a:t>12/6/2021</a:t>
             </a:fld>
             <a:endParaRPr lang="en-US"/>
           </a:p>
@@ -5377,7 +5647,7 @@
           <a:p>
             <a:fld id="{547641E8-73DF-4AD2-848E-3103064331B1}" type="datetimeFigureOut">
               <a:rPr lang="en-US" smtClean="0"/>
-              <a:t>11/30/2021</a:t>
+              <a:t>12/6/2021</a:t>
             </a:fld>
             <a:endParaRPr lang="en-US"/>
           </a:p>
@@ -5494,7 +5764,7 @@
           <a:p>
             <a:fld id="{547641E8-73DF-4AD2-848E-3103064331B1}" type="datetimeFigureOut">
               <a:rPr lang="en-US" smtClean="0"/>
-              <a:t>11/30/2021</a:t>
+              <a:t>12/6/2021</a:t>
             </a:fld>
             <a:endParaRPr lang="en-US"/>
           </a:p>
@@ -5589,7 +5859,7 @@
           <a:p>
             <a:fld id="{547641E8-73DF-4AD2-848E-3103064331B1}" type="datetimeFigureOut">
               <a:rPr lang="en-US" smtClean="0"/>
-              <a:t>11/30/2021</a:t>
+              <a:t>12/6/2021</a:t>
             </a:fld>
             <a:endParaRPr lang="en-US"/>
           </a:p>
@@ -5864,7 +6134,7 @@
           <a:p>
             <a:fld id="{547641E8-73DF-4AD2-848E-3103064331B1}" type="datetimeFigureOut">
               <a:rPr lang="en-US" smtClean="0"/>
-              <a:t>11/30/2021</a:t>
+              <a:t>12/6/2021</a:t>
             </a:fld>
             <a:endParaRPr lang="en-US"/>
           </a:p>
@@ -6116,7 +6386,7 @@
           <a:p>
             <a:fld id="{547641E8-73DF-4AD2-848E-3103064331B1}" type="datetimeFigureOut">
               <a:rPr lang="en-US" smtClean="0"/>
-              <a:t>11/30/2021</a:t>
+              <a:t>12/6/2021</a:t>
             </a:fld>
             <a:endParaRPr lang="en-US"/>
           </a:p>
@@ -6330,7 +6600,7 @@
           <a:p>
             <a:fld id="{547641E8-73DF-4AD2-848E-3103064331B1}" type="datetimeFigureOut">
               <a:rPr lang="en-US" smtClean="0"/>
-              <a:t>11/30/2021</a:t>
+              <a:t>12/6/2021</a:t>
             </a:fld>
             <a:endParaRPr lang="en-US"/>
           </a:p>
@@ -6845,7 +7115,7 @@
                 </a:solidFill>
               </a:rPr>
               <a:pPr/>
-              <a:t>11/30/2021</a:t>
+              <a:t>12/6/2021</a:t>
             </a:fld>
             <a:endParaRPr lang="en-US">
               <a:solidFill>
@@ -7610,54 +7880,15 @@
           <a:p>
             <a:r>
               <a:rPr lang="en-US" dirty="0"/>
-              <a:t>Feature</a:t>
+              <a:t>Experience</a:t>
             </a:r>
           </a:p>
           <a:p>
             <a:pPr lvl="1"/>
             <a:r>
               <a:rPr lang="en-US" dirty="0"/>
-              <a:t>A description of a set of like-data.</a:t>
-            </a:r>
-          </a:p>
-          <a:p>
-            <a:pPr lvl="1"/>
-            <a:r>
-              <a:rPr lang="en-US" dirty="0"/>
-              <a:t>This is usually represented as a column in a data table.</a:t>
-            </a:r>
-          </a:p>
-          <a:p>
-            <a:pPr lvl="1"/>
-            <a:r>
-              <a:rPr lang="en-US" dirty="0"/>
-              <a:t>Examples:</a:t>
-            </a:r>
-          </a:p>
-          <a:p>
-            <a:pPr lvl="2"/>
-            <a:r>
-              <a:rPr lang="en-US" dirty="0"/>
-              <a:t>Color of a fruit</a:t>
-            </a:r>
-          </a:p>
-          <a:p>
-            <a:pPr lvl="2"/>
-            <a:r>
-              <a:rPr lang="en-US" dirty="0"/>
-              <a:t>Length of a fruit</a:t>
-            </a:r>
-          </a:p>
-          <a:p>
-            <a:pPr lvl="2"/>
-            <a:r>
-              <a:rPr lang="en-US" dirty="0"/>
-              <a:t>Width of a fruit</a:t>
-            </a:r>
-          </a:p>
-          <a:p>
-            <a:pPr lvl="2"/>
-            <a:endParaRPr lang="en-US" dirty="0"/>
+              <a:t>The incorporated data used to increase the effectiveness of the model’s predictions</a:t>
+            </a:r>
           </a:p>
           <a:p>
             <a:endParaRPr lang="en-US" dirty="0"/>
@@ -7674,7 +7905,7 @@
     </p:spTree>
     <p:extLst>
       <p:ext uri="{BB962C8B-B14F-4D97-AF65-F5344CB8AC3E}">
-        <p14:creationId xmlns:p14="http://schemas.microsoft.com/office/powerpoint/2010/main" val="2289988101"/>
+        <p14:creationId xmlns:p14="http://schemas.microsoft.com/office/powerpoint/2010/main" val="2979209538"/>
       </p:ext>
     </p:extLst>
   </p:cSld>
@@ -7771,28 +8002,42 @@
             <a:pPr lvl="1"/>
             <a:r>
               <a:rPr lang="en-US" dirty="0"/>
-              <a:t>Examples continued:</a:t>
+              <a:t>A description of a set of like-data.</a:t>
+            </a:r>
+          </a:p>
+          <a:p>
+            <a:pPr lvl="1"/>
+            <a:r>
+              <a:rPr lang="en-US" dirty="0"/>
+              <a:t>This is usually represented as a column in a data table.</a:t>
+            </a:r>
+          </a:p>
+          <a:p>
+            <a:pPr lvl="1"/>
+            <a:r>
+              <a:rPr lang="en-US" dirty="0"/>
+              <a:t>Examples:</a:t>
             </a:r>
           </a:p>
           <a:p>
             <a:pPr lvl="2"/>
             <a:r>
               <a:rPr lang="en-US" dirty="0"/>
-              <a:t>Past convictions when estimating if a person will commit a crime</a:t>
+              <a:t>Color of a fruit</a:t>
             </a:r>
           </a:p>
           <a:p>
             <a:pPr lvl="2"/>
             <a:r>
               <a:rPr lang="en-US" dirty="0"/>
-              <a:t>Family members with convictions when estimating if a person will commit a crime</a:t>
+              <a:t>Length of a fruit</a:t>
             </a:r>
           </a:p>
           <a:p>
             <a:pPr lvl="2"/>
             <a:r>
               <a:rPr lang="en-US" dirty="0"/>
-              <a:t>Convictions of local living area when estimating if a person will commit a crime</a:t>
+              <a:t>Width of a fruit</a:t>
             </a:r>
           </a:p>
           <a:p>
@@ -7814,7 +8059,7 @@
     </p:spTree>
     <p:extLst>
       <p:ext uri="{BB962C8B-B14F-4D97-AF65-F5344CB8AC3E}">
-        <p14:creationId xmlns:p14="http://schemas.microsoft.com/office/powerpoint/2010/main" val="3088242961"/>
+        <p14:creationId xmlns:p14="http://schemas.microsoft.com/office/powerpoint/2010/main" val="2289988101"/>
       </p:ext>
     </p:extLst>
   </p:cSld>
@@ -7904,22 +8149,40 @@
           <a:p>
             <a:r>
               <a:rPr lang="en-US" dirty="0"/>
-              <a:t>Sample</a:t>
+              <a:t>Feature</a:t>
             </a:r>
           </a:p>
           <a:p>
             <a:pPr lvl="1"/>
             <a:r>
               <a:rPr lang="en-US" dirty="0"/>
-              <a:t>A single set of data, or a data point.</a:t>
-            </a:r>
-          </a:p>
-          <a:p>
-            <a:pPr lvl="1"/>
-            <a:r>
-              <a:rPr lang="en-US" dirty="0"/>
-              <a:t>This is usually a row in a data table.</a:t>
-            </a:r>
+              <a:t>Examples continued:</a:t>
+            </a:r>
+          </a:p>
+          <a:p>
+            <a:pPr lvl="2"/>
+            <a:r>
+              <a:rPr lang="en-US" dirty="0"/>
+              <a:t>Past convictions when estimating if a person will commit a crime</a:t>
+            </a:r>
+          </a:p>
+          <a:p>
+            <a:pPr lvl="2"/>
+            <a:r>
+              <a:rPr lang="en-US" dirty="0"/>
+              <a:t>Family members with convictions when estimating if a person will commit a crime</a:t>
+            </a:r>
+          </a:p>
+          <a:p>
+            <a:pPr lvl="2"/>
+            <a:r>
+              <a:rPr lang="en-US" dirty="0"/>
+              <a:t>Convictions of local living area when estimating if a person will commit a crime</a:t>
+            </a:r>
+          </a:p>
+          <a:p>
+            <a:pPr lvl="2"/>
+            <a:endParaRPr lang="en-US" dirty="0"/>
           </a:p>
           <a:p>
             <a:endParaRPr lang="en-US" dirty="0"/>
@@ -7936,7 +8199,7 @@
     </p:spTree>
     <p:extLst>
       <p:ext uri="{BB962C8B-B14F-4D97-AF65-F5344CB8AC3E}">
-        <p14:creationId xmlns:p14="http://schemas.microsoft.com/office/powerpoint/2010/main" val="1110144452"/>
+        <p14:creationId xmlns:p14="http://schemas.microsoft.com/office/powerpoint/2010/main" val="3088242961"/>
       </p:ext>
     </p:extLst>
   </p:cSld>
@@ -8026,42 +8289,21 @@
           <a:p>
             <a:r>
               <a:rPr lang="en-US" dirty="0"/>
-              <a:t>Label (Classification Problems)</a:t>
+              <a:t>Sample</a:t>
             </a:r>
           </a:p>
           <a:p>
             <a:pPr lvl="1"/>
             <a:r>
               <a:rPr lang="en-US" dirty="0"/>
-              <a:t>The name associated with a data point (row) for classification problems.  </a:t>
+              <a:t>A single set of data, or a data point.</a:t>
             </a:r>
           </a:p>
           <a:p>
             <a:pPr lvl="1"/>
             <a:r>
               <a:rPr lang="en-US" dirty="0"/>
-              <a:t>This is generally the thing we are trying to predict.</a:t>
-            </a:r>
-          </a:p>
-          <a:p>
-            <a:pPr lvl="1"/>
-            <a:r>
-              <a:rPr lang="en-US" dirty="0"/>
-              <a:t>Examples:</a:t>
-            </a:r>
-          </a:p>
-          <a:p>
-            <a:pPr lvl="2"/>
-            <a:r>
-              <a:rPr lang="en-US" dirty="0"/>
-              <a:t>‘Apple’ if we are trying to predict a piece of fruit.</a:t>
-            </a:r>
-          </a:p>
-          <a:p>
-            <a:pPr lvl="2"/>
-            <a:r>
-              <a:rPr lang="en-US" dirty="0"/>
-              <a:t>‘Yes/true’ if we are predicting if someone will commit a crime.</a:t>
+              <a:t>This is usually a row in a data table.</a:t>
             </a:r>
           </a:p>
           <a:p>
@@ -8079,7 +8321,7 @@
     </p:spTree>
     <p:extLst>
       <p:ext uri="{BB962C8B-B14F-4D97-AF65-F5344CB8AC3E}">
-        <p14:creationId xmlns:p14="http://schemas.microsoft.com/office/powerpoint/2010/main" val="3114704726"/>
+        <p14:creationId xmlns:p14="http://schemas.microsoft.com/office/powerpoint/2010/main" val="1110144452"/>
       </p:ext>
     </p:extLst>
   </p:cSld>
@@ -8169,21 +8411,42 @@
           <a:p>
             <a:r>
               <a:rPr lang="en-US" dirty="0"/>
-              <a:t>Training Data</a:t>
+              <a:t>Label (Classification Problems)</a:t>
             </a:r>
           </a:p>
           <a:p>
             <a:pPr lvl="1"/>
             <a:r>
               <a:rPr lang="en-US" dirty="0"/>
-              <a:t>Data that is used to build our model.</a:t>
+              <a:t>The name associated with a data point (row) for classification problems.  </a:t>
             </a:r>
           </a:p>
           <a:p>
             <a:pPr lvl="1"/>
             <a:r>
               <a:rPr lang="en-US" dirty="0"/>
-              <a:t>Data that is not used to test the accuracy of our model.</a:t>
+              <a:t>This is generally the thing we are trying to predict.</a:t>
+            </a:r>
+          </a:p>
+          <a:p>
+            <a:pPr lvl="1"/>
+            <a:r>
+              <a:rPr lang="en-US" dirty="0"/>
+              <a:t>Examples:</a:t>
+            </a:r>
+          </a:p>
+          <a:p>
+            <a:pPr lvl="2"/>
+            <a:r>
+              <a:rPr lang="en-US" dirty="0"/>
+              <a:t>‘Apple’ if we are trying to predict a piece of fruit.</a:t>
+            </a:r>
+          </a:p>
+          <a:p>
+            <a:pPr lvl="2"/>
+            <a:r>
+              <a:rPr lang="en-US" dirty="0"/>
+              <a:t>‘Yes/true’ if we are predicting if someone will commit a crime.</a:t>
             </a:r>
           </a:p>
           <a:p>
@@ -8201,7 +8464,7 @@
     </p:spTree>
     <p:extLst>
       <p:ext uri="{BB962C8B-B14F-4D97-AF65-F5344CB8AC3E}">
-        <p14:creationId xmlns:p14="http://schemas.microsoft.com/office/powerpoint/2010/main" val="2307978921"/>
+        <p14:creationId xmlns:p14="http://schemas.microsoft.com/office/powerpoint/2010/main" val="3114704726"/>
       </p:ext>
     </p:extLst>
   </p:cSld>
@@ -8291,21 +8554,21 @@
           <a:p>
             <a:r>
               <a:rPr lang="en-US" dirty="0"/>
-              <a:t>Test Data</a:t>
+              <a:t>Training Data</a:t>
             </a:r>
           </a:p>
           <a:p>
             <a:pPr lvl="1"/>
             <a:r>
               <a:rPr lang="en-US" dirty="0"/>
-              <a:t>Data that is used to test the accuracy of a trained model.</a:t>
+              <a:t>Data that is used to build our model.</a:t>
             </a:r>
           </a:p>
           <a:p>
             <a:pPr lvl="1"/>
             <a:r>
               <a:rPr lang="en-US" dirty="0"/>
-              <a:t>Separate from training data.</a:t>
+              <a:t>Data that is not used to test the accuracy of our model.</a:t>
             </a:r>
           </a:p>
           <a:p>
@@ -8323,7 +8586,7 @@
     </p:spTree>
     <p:extLst>
       <p:ext uri="{BB962C8B-B14F-4D97-AF65-F5344CB8AC3E}">
-        <p14:creationId xmlns:p14="http://schemas.microsoft.com/office/powerpoint/2010/main" val="2045574203"/>
+        <p14:creationId xmlns:p14="http://schemas.microsoft.com/office/powerpoint/2010/main" val="2307978921"/>
       </p:ext>
     </p:extLst>
   </p:cSld>
@@ -8408,6 +8671,128 @@
         </p:nvSpPr>
         <p:spPr/>
         <p:txBody>
+          <a:bodyPr/>
+          <a:lstStyle/>
+          <a:p>
+            <a:r>
+              <a:rPr lang="en-US" dirty="0"/>
+              <a:t>Test Data</a:t>
+            </a:r>
+          </a:p>
+          <a:p>
+            <a:pPr lvl="1"/>
+            <a:r>
+              <a:rPr lang="en-US" dirty="0"/>
+              <a:t>Data that is used to test the accuracy of a trained model.</a:t>
+            </a:r>
+          </a:p>
+          <a:p>
+            <a:pPr lvl="1"/>
+            <a:r>
+              <a:rPr lang="en-US" dirty="0"/>
+              <a:t>Separate from training data.</a:t>
+            </a:r>
+          </a:p>
+          <a:p>
+            <a:endParaRPr lang="en-US" dirty="0"/>
+          </a:p>
+          <a:p>
+            <a:pPr lvl="2"/>
+            <a:endParaRPr lang="en-US" dirty="0"/>
+          </a:p>
+          <a:p>
+            <a:endParaRPr lang="en-US" dirty="0"/>
+          </a:p>
+        </p:txBody>
+      </p:sp>
+    </p:spTree>
+    <p:extLst>
+      <p:ext uri="{BB962C8B-B14F-4D97-AF65-F5344CB8AC3E}">
+        <p14:creationId xmlns:p14="http://schemas.microsoft.com/office/powerpoint/2010/main" val="2045574203"/>
+      </p:ext>
+    </p:extLst>
+  </p:cSld>
+  <p:clrMapOvr>
+    <a:overrideClrMapping bg1="lt1" tx1="dk1" bg2="lt2" tx2="dk2" accent1="accent1" accent2="accent2" accent3="accent3" accent4="accent4" accent5="accent5" accent6="accent6" hlink="hlink" folHlink="folHlink"/>
+  </p:clrMapOvr>
+</p:sld>
+</file>
+
+<file path=ppt/slides/slide17.xml><?xml version="1.0" encoding="utf-8"?>
+<p:sld xmlns:a="http://schemas.openxmlformats.org/drawingml/2006/main" xmlns:r="http://schemas.openxmlformats.org/officeDocument/2006/relationships" xmlns:p="http://schemas.openxmlformats.org/presentationml/2006/main">
+  <p:cSld>
+    <p:bg>
+      <p:bgPr>
+        <a:blipFill dpi="0" rotWithShape="1">
+          <a:blip r:embed="rId3">
+            <a:extLst>
+              <a:ext uri="{BEBA8EAE-BF5A-486C-A8C5-ECC9F3942E4B}">
+                <a14:imgProps xmlns:a14="http://schemas.microsoft.com/office/drawing/2010/main">
+                  <a14:imgLayer r:embed="rId4">
+                    <a14:imgEffect>
+                      <a14:brightnessContrast bright="-50000"/>
+                    </a14:imgEffect>
+                  </a14:imgLayer>
+                </a14:imgProps>
+              </a:ext>
+            </a:extLst>
+          </a:blip>
+          <a:srcRect/>
+          <a:stretch>
+            <a:fillRect l="-10000" r="-10000"/>
+          </a:stretch>
+        </a:blipFill>
+        <a:effectLst/>
+      </p:bgPr>
+    </p:bg>
+    <p:spTree>
+      <p:nvGrpSpPr>
+        <p:cNvPr id="1" name=""/>
+        <p:cNvGrpSpPr/>
+        <p:nvPr/>
+      </p:nvGrpSpPr>
+      <p:grpSpPr>
+        <a:xfrm>
+          <a:off x="0" y="0"/>
+          <a:ext cx="0" cy="0"/>
+          <a:chOff x="0" y="0"/>
+          <a:chExt cx="0" cy="0"/>
+        </a:xfrm>
+      </p:grpSpPr>
+      <p:sp>
+        <p:nvSpPr>
+          <p:cNvPr id="2" name="Title 1"/>
+          <p:cNvSpPr>
+            <a:spLocks noGrp="1"/>
+          </p:cNvSpPr>
+          <p:nvPr>
+            <p:ph type="title"/>
+          </p:nvPr>
+        </p:nvSpPr>
+        <p:spPr/>
+        <p:txBody>
+          <a:bodyPr/>
+          <a:lstStyle/>
+          <a:p>
+            <a:r>
+              <a:rPr lang="en-US" dirty="0"/>
+              <a:t>Concepts and Definitions</a:t>
+            </a:r>
+          </a:p>
+        </p:txBody>
+      </p:sp>
+      <p:sp>
+        <p:nvSpPr>
+          <p:cNvPr id="3" name="Content Placeholder 2"/>
+          <p:cNvSpPr>
+            <a:spLocks noGrp="1"/>
+          </p:cNvSpPr>
+          <p:nvPr>
+            <p:ph idx="1"/>
+          </p:nvPr>
+        </p:nvSpPr>
+        <p:spPr/>
+        <p:txBody>
           <a:bodyPr>
             <a:normAutofit fontScale="92500" lnSpcReduction="10000"/>
           </a:bodyPr>
@@ -8482,7 +8867,7 @@
 </p:sld>
 </file>
 
-<file path=ppt/slides/slide17.xml><?xml version="1.0" encoding="utf-8"?>
+<file path=ppt/slides/slide18.xml><?xml version="1.0" encoding="utf-8"?>
 <p:sld xmlns:a="http://schemas.openxmlformats.org/drawingml/2006/main" xmlns:r="http://schemas.openxmlformats.org/officeDocument/2006/relationships" xmlns:p="http://schemas.openxmlformats.org/presentationml/2006/main">
   <p:cSld>
     <p:bg>
@@ -8621,133 +9006,6 @@
   </p:cSld>
   <p:clrMapOvr>
     <a:masterClrMapping/>
-  </p:clrMapOvr>
-</p:sld>
-</file>
-
-<file path=ppt/slides/slide18.xml><?xml version="1.0" encoding="utf-8"?>
-<p:sld xmlns:a="http://schemas.openxmlformats.org/drawingml/2006/main" xmlns:r="http://schemas.openxmlformats.org/officeDocument/2006/relationships" xmlns:p="http://schemas.openxmlformats.org/presentationml/2006/main">
-  <p:cSld>
-    <p:bg>
-      <p:bgPr>
-        <a:blipFill dpi="0" rotWithShape="1">
-          <a:blip r:embed="rId3">
-            <a:extLst>
-              <a:ext uri="{BEBA8EAE-BF5A-486C-A8C5-ECC9F3942E4B}">
-                <a14:imgProps xmlns:a14="http://schemas.microsoft.com/office/drawing/2010/main">
-                  <a14:imgLayer r:embed="rId4">
-                    <a14:imgEffect>
-                      <a14:brightnessContrast bright="-50000"/>
-                    </a14:imgEffect>
-                  </a14:imgLayer>
-                </a14:imgProps>
-              </a:ext>
-            </a:extLst>
-          </a:blip>
-          <a:srcRect/>
-          <a:stretch>
-            <a:fillRect l="-10000" r="-10000"/>
-          </a:stretch>
-        </a:blipFill>
-        <a:effectLst/>
-      </p:bgPr>
-    </p:bg>
-    <p:spTree>
-      <p:nvGrpSpPr>
-        <p:cNvPr id="1" name=""/>
-        <p:cNvGrpSpPr/>
-        <p:nvPr/>
-      </p:nvGrpSpPr>
-      <p:grpSpPr>
-        <a:xfrm>
-          <a:off x="0" y="0"/>
-          <a:ext cx="0" cy="0"/>
-          <a:chOff x="0" y="0"/>
-          <a:chExt cx="0" cy="0"/>
-        </a:xfrm>
-      </p:grpSpPr>
-      <p:sp>
-        <p:nvSpPr>
-          <p:cNvPr id="2" name="Title 1"/>
-          <p:cNvSpPr>
-            <a:spLocks noGrp="1"/>
-          </p:cNvSpPr>
-          <p:nvPr>
-            <p:ph type="title"/>
-          </p:nvPr>
-        </p:nvSpPr>
-        <p:spPr/>
-        <p:txBody>
-          <a:bodyPr>
-            <a:normAutofit/>
-          </a:bodyPr>
-          <a:lstStyle/>
-          <a:p>
-            <a:r>
-              <a:rPr lang="en-US" dirty="0"/>
-              <a:t>General Model Types</a:t>
-            </a:r>
-          </a:p>
-        </p:txBody>
-      </p:sp>
-      <p:sp>
-        <p:nvSpPr>
-          <p:cNvPr id="3" name="Content Placeholder 2"/>
-          <p:cNvSpPr>
-            <a:spLocks noGrp="1"/>
-          </p:cNvSpPr>
-          <p:nvPr>
-            <p:ph idx="1"/>
-          </p:nvPr>
-        </p:nvSpPr>
-        <p:spPr/>
-        <p:txBody>
-          <a:bodyPr>
-            <a:normAutofit/>
-          </a:bodyPr>
-          <a:lstStyle/>
-          <a:p>
-            <a:r>
-              <a:rPr lang="en-US" dirty="0"/>
-              <a:t>Supervised</a:t>
-            </a:r>
-          </a:p>
-          <a:p>
-            <a:pPr lvl="1"/>
-            <a:r>
-              <a:rPr lang="en-US" dirty="0"/>
-              <a:t>Machine learning model is given a set of data to build experience with.</a:t>
-            </a:r>
-          </a:p>
-          <a:p>
-            <a:pPr lvl="1"/>
-            <a:r>
-              <a:rPr lang="en-US" dirty="0"/>
-              <a:t>Data is given with features, and an algorithm is given to the model on how to best categorize and group the data.</a:t>
-            </a:r>
-          </a:p>
-          <a:p>
-            <a:pPr lvl="1"/>
-            <a:endParaRPr lang="en-US" dirty="0"/>
-          </a:p>
-          <a:p>
-            <a:pPr lvl="2"/>
-            <a:endParaRPr lang="en-US" dirty="0"/>
-          </a:p>
-          <a:p>
-            <a:endParaRPr lang="en-US" dirty="0"/>
-          </a:p>
-        </p:txBody>
-      </p:sp>
-    </p:spTree>
-    <p:extLst>
-      <p:ext uri="{BB962C8B-B14F-4D97-AF65-F5344CB8AC3E}">
-        <p14:creationId xmlns:p14="http://schemas.microsoft.com/office/powerpoint/2010/main" val="3051561418"/>
-      </p:ext>
-    </p:extLst>
-  </p:cSld>
-  <p:clrMapOvr>
-    <a:overrideClrMapping bg1="lt1" tx1="dk1" bg2="lt2" tx2="dk2" accent1="accent1" accent2="accent2" accent3="accent3" accent4="accent4" accent5="accent5" accent6="accent6" hlink="hlink" folHlink="folHlink"/>
   </p:clrMapOvr>
 </p:sld>
 </file>
@@ -8836,21 +9094,21 @@
           <a:p>
             <a:r>
               <a:rPr lang="en-US" dirty="0"/>
-              <a:t>Unsupervised</a:t>
+              <a:t>Supervised</a:t>
             </a:r>
           </a:p>
           <a:p>
             <a:pPr lvl="1"/>
             <a:r>
               <a:rPr lang="en-US" dirty="0"/>
-              <a:t>The model determines the data for itself, and builds the model accordingly.</a:t>
+              <a:t>Machine learning model is given a set of data to build experience with.</a:t>
             </a:r>
           </a:p>
           <a:p>
             <a:pPr lvl="1"/>
             <a:r>
               <a:rPr lang="en-US" dirty="0"/>
-              <a:t>Features and grouping data is done by the algorithm.</a:t>
+              <a:t>Data is given with features, and an algorithm is given to the model on how to best categorize and group the data.</a:t>
             </a:r>
           </a:p>
           <a:p>
@@ -8869,7 +9127,7 @@
     </p:spTree>
     <p:extLst>
       <p:ext uri="{BB962C8B-B14F-4D97-AF65-F5344CB8AC3E}">
-        <p14:creationId xmlns:p14="http://schemas.microsoft.com/office/powerpoint/2010/main" val="843243868"/>
+        <p14:creationId xmlns:p14="http://schemas.microsoft.com/office/powerpoint/2010/main" val="3051561418"/>
       </p:ext>
     </p:extLst>
   </p:cSld>
@@ -9110,28 +9368,21 @@
           <a:p>
             <a:r>
               <a:rPr lang="en-US" dirty="0"/>
-              <a:t>Reinforcement</a:t>
+              <a:t>Unsupervised</a:t>
             </a:r>
           </a:p>
           <a:p>
             <a:pPr lvl="1"/>
             <a:r>
               <a:rPr lang="en-US" dirty="0"/>
-              <a:t>The algorithm “learns” from making mistakes.</a:t>
+              <a:t>The model determines the data for itself, and builds the model accordingly.</a:t>
             </a:r>
           </a:p>
           <a:p>
             <a:pPr lvl="1"/>
             <a:r>
               <a:rPr lang="en-US" dirty="0"/>
-              <a:t>There must be some sort of way to tell the algorithm when it makes a correction in the right direction, and a way to tell the algorithm a correction was made in the wrong direction.</a:t>
-            </a:r>
-          </a:p>
-          <a:p>
-            <a:pPr lvl="1"/>
-            <a:r>
-              <a:rPr lang="en-US" dirty="0"/>
-              <a:t>Initially, the model built is very inaccurate, but gets better with time.</a:t>
+              <a:t>Features and grouping data is done by the algorithm.</a:t>
             </a:r>
           </a:p>
           <a:p>
@@ -9150,7 +9401,7 @@
     </p:spTree>
     <p:extLst>
       <p:ext uri="{BB962C8B-B14F-4D97-AF65-F5344CB8AC3E}">
-        <p14:creationId xmlns:p14="http://schemas.microsoft.com/office/powerpoint/2010/main" val="3389942429"/>
+        <p14:creationId xmlns:p14="http://schemas.microsoft.com/office/powerpoint/2010/main" val="843243868"/>
       </p:ext>
     </p:extLst>
   </p:cSld>
@@ -9244,7 +9495,28 @@
           <a:p>
             <a:r>
               <a:rPr lang="en-US" dirty="0"/>
-              <a:t>This part of the Python course will focus on supervised learning, as this is all I know.</a:t>
+              <a:t>Reinforcement</a:t>
+            </a:r>
+          </a:p>
+          <a:p>
+            <a:pPr lvl="1"/>
+            <a:r>
+              <a:rPr lang="en-US" dirty="0"/>
+              <a:t>The algorithm “learns” from making mistakes.</a:t>
+            </a:r>
+          </a:p>
+          <a:p>
+            <a:pPr lvl="1"/>
+            <a:r>
+              <a:rPr lang="en-US" dirty="0"/>
+              <a:t>There must be some sort of way to tell the algorithm when it makes a correction in the right direction, and a way to tell the algorithm a correction was made in the wrong direction.</a:t>
+            </a:r>
+          </a:p>
+          <a:p>
+            <a:pPr lvl="1"/>
+            <a:r>
+              <a:rPr lang="en-US" dirty="0"/>
+              <a:t>Initially, the model built is very inaccurate, but gets better with time.</a:t>
             </a:r>
           </a:p>
           <a:p>
@@ -9263,7 +9535,7 @@
     </p:spTree>
     <p:extLst>
       <p:ext uri="{BB962C8B-B14F-4D97-AF65-F5344CB8AC3E}">
-        <p14:creationId xmlns:p14="http://schemas.microsoft.com/office/powerpoint/2010/main" val="2610853396"/>
+        <p14:creationId xmlns:p14="http://schemas.microsoft.com/office/powerpoint/2010/main" val="3389942429"/>
       </p:ext>
     </p:extLst>
   </p:cSld>
@@ -9333,7 +9605,7 @@
           <a:p>
             <a:r>
               <a:rPr lang="en-US" dirty="0"/>
-              <a:t>General Workflow</a:t>
+              <a:t>General Model Types</a:t>
             </a:r>
           </a:p>
         </p:txBody>
@@ -9357,22 +9629,12 @@
           <a:p>
             <a:r>
               <a:rPr lang="en-US" dirty="0"/>
-              <a:t>Get Data</a:t>
+              <a:t>This part of the Python course will focus on supervised learning, as this is all I know.</a:t>
             </a:r>
           </a:p>
           <a:p>
             <a:pPr lvl="1"/>
-            <a:r>
-              <a:rPr lang="en-US" dirty="0"/>
-              <a:t>Get set of data about what we wish to predict.</a:t>
-            </a:r>
-          </a:p>
-          <a:p>
-            <a:pPr lvl="1"/>
-            <a:r>
-              <a:rPr lang="en-US" dirty="0"/>
-              <a:t>Include the labels.</a:t>
-            </a:r>
+            <a:endParaRPr lang="en-US" dirty="0"/>
           </a:p>
           <a:p>
             <a:pPr lvl="2"/>
@@ -9386,7 +9648,7 @@
     </p:spTree>
     <p:extLst>
       <p:ext uri="{BB962C8B-B14F-4D97-AF65-F5344CB8AC3E}">
-        <p14:creationId xmlns:p14="http://schemas.microsoft.com/office/powerpoint/2010/main" val="504396564"/>
+        <p14:creationId xmlns:p14="http://schemas.microsoft.com/office/powerpoint/2010/main" val="2610853396"/>
       </p:ext>
     </p:extLst>
   </p:cSld>
@@ -9480,33 +9742,22 @@
           <a:p>
             <a:r>
               <a:rPr lang="en-US" dirty="0"/>
-              <a:t>Build Model</a:t>
+              <a:t>Get Data</a:t>
             </a:r>
           </a:p>
           <a:p>
             <a:pPr lvl="1"/>
             <a:r>
               <a:rPr lang="en-US" dirty="0"/>
-              <a:t>Select an appropriate classifier.</a:t>
+              <a:t>Get set of data about what we wish to predict.</a:t>
             </a:r>
           </a:p>
           <a:p>
             <a:pPr lvl="1"/>
             <a:r>
               <a:rPr lang="en-US" dirty="0"/>
-              <a:t>The model should be trained with a majority of the data we gathered, say with 75% of the data.</a:t>
-            </a:r>
-          </a:p>
-          <a:p>
-            <a:pPr lvl="1"/>
-            <a:r>
-              <a:rPr lang="en-US" dirty="0"/>
-              <a:t>The other 25% can be used to test how good our model can predict.</a:t>
-            </a:r>
-          </a:p>
-          <a:p>
-            <a:pPr lvl="1"/>
-            <a:endParaRPr lang="en-US" dirty="0"/>
+              <a:t>Include the labels.</a:t>
+            </a:r>
           </a:p>
           <a:p>
             <a:pPr lvl="2"/>
@@ -9520,7 +9771,7 @@
     </p:spTree>
     <p:extLst>
       <p:ext uri="{BB962C8B-B14F-4D97-AF65-F5344CB8AC3E}">
-        <p14:creationId xmlns:p14="http://schemas.microsoft.com/office/powerpoint/2010/main" val="823098654"/>
+        <p14:creationId xmlns:p14="http://schemas.microsoft.com/office/powerpoint/2010/main" val="504396564"/>
       </p:ext>
     </p:extLst>
   </p:cSld>
@@ -9614,21 +9865,28 @@
           <a:p>
             <a:r>
               <a:rPr lang="en-US" dirty="0"/>
-              <a:t>Evaluate Accuracy</a:t>
+              <a:t>Build Model</a:t>
             </a:r>
           </a:p>
           <a:p>
             <a:pPr lvl="1"/>
             <a:r>
               <a:rPr lang="en-US" dirty="0"/>
-              <a:t>The model needs to be evaluated for accuracy to ensure our predictions will have a high degree of correctness.</a:t>
+              <a:t>Select an appropriate classifier.</a:t>
             </a:r>
           </a:p>
           <a:p>
             <a:pPr lvl="1"/>
             <a:r>
               <a:rPr lang="en-US" dirty="0"/>
-              <a:t>This is usually done using the 25% of data that we did not use for training.</a:t>
+              <a:t>The model should be trained with a majority of the data we gathered, say with 75% of the data.</a:t>
+            </a:r>
+          </a:p>
+          <a:p>
+            <a:pPr lvl="1"/>
+            <a:r>
+              <a:rPr lang="en-US" dirty="0"/>
+              <a:t>The other 25% can be used to test how good our model can predict.</a:t>
             </a:r>
           </a:p>
           <a:p>
@@ -9647,7 +9905,7 @@
     </p:spTree>
     <p:extLst>
       <p:ext uri="{BB962C8B-B14F-4D97-AF65-F5344CB8AC3E}">
-        <p14:creationId xmlns:p14="http://schemas.microsoft.com/office/powerpoint/2010/main" val="3005493130"/>
+        <p14:creationId xmlns:p14="http://schemas.microsoft.com/office/powerpoint/2010/main" val="823098654"/>
       </p:ext>
     </p:extLst>
   </p:cSld>
@@ -9748,28 +10006,15 @@
             <a:pPr lvl="1"/>
             <a:r>
               <a:rPr lang="en-US" dirty="0"/>
-              <a:t>There is no such thing as 100% accuracy unless you have toy data, or a completely defined system that does not need machine learning.</a:t>
+              <a:t>The model needs to be evaluated for accuracy to ensure our predictions will have a high degree of correctness.</a:t>
             </a:r>
           </a:p>
           <a:p>
             <a:pPr lvl="1"/>
             <a:r>
               <a:rPr lang="en-US" dirty="0"/>
-              <a:t>If we get 100% accuracy, and the above are not true, we have most likely over-fitted our model, possibly by using training data as test data.</a:t>
-            </a:r>
-          </a:p>
-          <a:p>
-            <a:pPr lvl="2"/>
-            <a:r>
-              <a:rPr lang="en-US" dirty="0"/>
-              <a:t>Leads to inaccurate predictions on new data without known labels</a:t>
-            </a:r>
-          </a:p>
-          <a:p>
-            <a:pPr marL="457200" lvl="1" indent="0">
-              <a:buNone/>
-            </a:pPr>
-            <a:endParaRPr lang="en-US" dirty="0"/>
+              <a:t>This is usually done using the 25% of data that we did not use for training.</a:t>
+            </a:r>
           </a:p>
           <a:p>
             <a:pPr lvl="1"/>
@@ -9787,7 +10032,7 @@
     </p:spTree>
     <p:extLst>
       <p:ext uri="{BB962C8B-B14F-4D97-AF65-F5344CB8AC3E}">
-        <p14:creationId xmlns:p14="http://schemas.microsoft.com/office/powerpoint/2010/main" val="140326188"/>
+        <p14:creationId xmlns:p14="http://schemas.microsoft.com/office/powerpoint/2010/main" val="3005493130"/>
       </p:ext>
     </p:extLst>
   </p:cSld>
@@ -9881,15 +10126,35 @@
           <a:p>
             <a:r>
               <a:rPr lang="en-US" dirty="0"/>
-              <a:t>Predict real-world outcomes</a:t>
+              <a:t>Evaluate Accuracy</a:t>
             </a:r>
           </a:p>
           <a:p>
             <a:pPr lvl="1"/>
             <a:r>
               <a:rPr lang="en-US" dirty="0"/>
-              <a:t>Once the model is as accurate as we want, the model can be used to predict real-world outcomes that are unknown.</a:t>
-            </a:r>
+              <a:t>There is no such thing as 100% accuracy unless you have toy data, or a completely defined system that does not need machine learning.</a:t>
+            </a:r>
+          </a:p>
+          <a:p>
+            <a:pPr lvl="1"/>
+            <a:r>
+              <a:rPr lang="en-US" dirty="0"/>
+              <a:t>If we get 100% accuracy, and the above are not true, we have most likely over-fitted our model, possibly by using training data as test data.</a:t>
+            </a:r>
+          </a:p>
+          <a:p>
+            <a:pPr lvl="2"/>
+            <a:r>
+              <a:rPr lang="en-US" dirty="0"/>
+              <a:t>Leads to inaccurate predictions on new data without known labels</a:t>
+            </a:r>
+          </a:p>
+          <a:p>
+            <a:pPr marL="457200" lvl="1" indent="0">
+              <a:buNone/>
+            </a:pPr>
+            <a:endParaRPr lang="en-US" dirty="0"/>
           </a:p>
           <a:p>
             <a:pPr lvl="1"/>
@@ -9907,7 +10172,7 @@
     </p:spTree>
     <p:extLst>
       <p:ext uri="{BB962C8B-B14F-4D97-AF65-F5344CB8AC3E}">
-        <p14:creationId xmlns:p14="http://schemas.microsoft.com/office/powerpoint/2010/main" val="293541596"/>
+        <p14:creationId xmlns:p14="http://schemas.microsoft.com/office/powerpoint/2010/main" val="140326188"/>
       </p:ext>
     </p:extLst>
   </p:cSld>
@@ -9970,6 +10235,126 @@
         </p:nvSpPr>
         <p:spPr/>
         <p:txBody>
+          <a:bodyPr>
+            <a:normAutofit/>
+          </a:bodyPr>
+          <a:lstStyle/>
+          <a:p>
+            <a:r>
+              <a:rPr lang="en-US" dirty="0"/>
+              <a:t>General Workflow</a:t>
+            </a:r>
+          </a:p>
+        </p:txBody>
+      </p:sp>
+      <p:sp>
+        <p:nvSpPr>
+          <p:cNvPr id="3" name="Content Placeholder 2"/>
+          <p:cNvSpPr>
+            <a:spLocks noGrp="1"/>
+          </p:cNvSpPr>
+          <p:nvPr>
+            <p:ph idx="1"/>
+          </p:nvPr>
+        </p:nvSpPr>
+        <p:spPr/>
+        <p:txBody>
+          <a:bodyPr>
+            <a:normAutofit/>
+          </a:bodyPr>
+          <a:lstStyle/>
+          <a:p>
+            <a:r>
+              <a:rPr lang="en-US" dirty="0"/>
+              <a:t>Predict real-world outcomes</a:t>
+            </a:r>
+          </a:p>
+          <a:p>
+            <a:pPr lvl="1"/>
+            <a:r>
+              <a:rPr lang="en-US" dirty="0"/>
+              <a:t>Once the model is as accurate as we want, the model can be used to predict real-world outcomes that are unknown.</a:t>
+            </a:r>
+          </a:p>
+          <a:p>
+            <a:pPr lvl="1"/>
+            <a:endParaRPr lang="en-US" dirty="0"/>
+          </a:p>
+          <a:p>
+            <a:pPr lvl="2"/>
+            <a:endParaRPr lang="en-US" dirty="0"/>
+          </a:p>
+          <a:p>
+            <a:endParaRPr lang="en-US" dirty="0"/>
+          </a:p>
+        </p:txBody>
+      </p:sp>
+    </p:spTree>
+    <p:extLst>
+      <p:ext uri="{BB962C8B-B14F-4D97-AF65-F5344CB8AC3E}">
+        <p14:creationId xmlns:p14="http://schemas.microsoft.com/office/powerpoint/2010/main" val="293541596"/>
+      </p:ext>
+    </p:extLst>
+  </p:cSld>
+  <p:clrMapOvr>
+    <a:overrideClrMapping bg1="lt1" tx1="dk1" bg2="lt2" tx2="dk2" accent1="accent1" accent2="accent2" accent3="accent3" accent4="accent4" accent5="accent5" accent6="accent6" hlink="hlink" folHlink="folHlink"/>
+  </p:clrMapOvr>
+</p:sld>
+</file>
+
+<file path=ppt/slides/slide28.xml><?xml version="1.0" encoding="utf-8"?>
+<p:sld xmlns:a="http://schemas.openxmlformats.org/drawingml/2006/main" xmlns:r="http://schemas.openxmlformats.org/officeDocument/2006/relationships" xmlns:p="http://schemas.openxmlformats.org/presentationml/2006/main">
+  <p:cSld>
+    <p:bg>
+      <p:bgPr>
+        <a:blipFill dpi="0" rotWithShape="1">
+          <a:blip r:embed="rId3">
+            <a:extLst>
+              <a:ext uri="{BEBA8EAE-BF5A-486C-A8C5-ECC9F3942E4B}">
+                <a14:imgProps xmlns:a14="http://schemas.microsoft.com/office/drawing/2010/main">
+                  <a14:imgLayer r:embed="rId4">
+                    <a14:imgEffect>
+                      <a14:brightnessContrast bright="-50000"/>
+                    </a14:imgEffect>
+                  </a14:imgLayer>
+                </a14:imgProps>
+              </a:ext>
+            </a:extLst>
+          </a:blip>
+          <a:srcRect/>
+          <a:stretch>
+            <a:fillRect l="-10000" r="-10000"/>
+          </a:stretch>
+        </a:blipFill>
+        <a:effectLst/>
+      </p:bgPr>
+    </p:bg>
+    <p:spTree>
+      <p:nvGrpSpPr>
+        <p:cNvPr id="1" name=""/>
+        <p:cNvGrpSpPr/>
+        <p:nvPr/>
+      </p:nvGrpSpPr>
+      <p:grpSpPr>
+        <a:xfrm>
+          <a:off x="0" y="0"/>
+          <a:ext cx="0" cy="0"/>
+          <a:chOff x="0" y="0"/>
+          <a:chExt cx="0" cy="0"/>
+        </a:xfrm>
+      </p:grpSpPr>
+      <p:sp>
+        <p:nvSpPr>
+          <p:cNvPr id="2" name="Title 1"/>
+          <p:cNvSpPr>
+            <a:spLocks noGrp="1"/>
+          </p:cNvSpPr>
+          <p:nvPr>
+            <p:ph type="title"/>
+          </p:nvPr>
+        </p:nvSpPr>
+        <p:spPr/>
+        <p:txBody>
           <a:bodyPr/>
           <a:lstStyle/>
           <a:p>
@@ -9993,7 +10378,7 @@
         <p:spPr/>
         <p:txBody>
           <a:bodyPr>
-            <a:normAutofit fontScale="92500" lnSpcReduction="20000"/>
+            <a:normAutofit/>
           </a:bodyPr>
           <a:lstStyle/>
           <a:p>
@@ -10024,59 +10409,24 @@
             </a:r>
           </a:p>
           <a:p>
-            <a:pPr lvl="1"/>
-            <a:r>
-              <a:rPr lang="en-US" dirty="0"/>
-              <a:t>Linear Regressors</a:t>
-            </a:r>
-          </a:p>
-          <a:p>
             <a:pPr lvl="2"/>
             <a:r>
               <a:rPr lang="en-US" dirty="0"/>
-              <a:t>K-Nearest Neighbors</a:t>
+              <a:t>Logistic Regression</a:t>
+            </a:r>
+          </a:p>
+          <a:p>
+            <a:pPr lvl="3"/>
+            <a:r>
+              <a:rPr lang="en-US" dirty="0"/>
+              <a:t>Misleading name</a:t>
             </a:r>
           </a:p>
           <a:p>
             <a:pPr lvl="2"/>
             <a:r>
               <a:rPr lang="en-US" dirty="0"/>
-              <a:t>Linear Regression</a:t>
-            </a:r>
-          </a:p>
-          <a:p>
-            <a:pPr lvl="2"/>
-            <a:r>
-              <a:rPr lang="en-US" dirty="0"/>
-              <a:t>Lasso</a:t>
-            </a:r>
-          </a:p>
-          <a:p>
-            <a:pPr lvl="2"/>
-            <a:r>
-              <a:rPr lang="en-US" dirty="0"/>
-              <a:t>Regression</a:t>
-            </a:r>
-          </a:p>
-          <a:p>
-            <a:pPr lvl="2"/>
-            <a:r>
-              <a:rPr lang="en-US" dirty="0"/>
-              <a:t>Decision Tree</a:t>
-            </a:r>
-          </a:p>
-          <a:p>
-            <a:pPr lvl="2"/>
-            <a:r>
-              <a:rPr lang="en-US" dirty="0"/>
-              <a:t>Forest</a:t>
-            </a:r>
-          </a:p>
-          <a:p>
-            <a:pPr lvl="2"/>
-            <a:r>
-              <a:rPr lang="en-US" dirty="0"/>
-              <a:t>Gradient-Boosted Forest</a:t>
+              <a:t>Support Vector Classifier</a:t>
             </a:r>
           </a:p>
           <a:p>
@@ -10101,7 +10451,282 @@
 </p:sld>
 </file>
 
-<file path=ppt/slides/slide28.xml><?xml version="1.0" encoding="utf-8"?>
+<file path=ppt/slides/slide29.xml><?xml version="1.0" encoding="utf-8"?>
+<p:sld xmlns:a="http://schemas.openxmlformats.org/drawingml/2006/main" xmlns:r="http://schemas.openxmlformats.org/officeDocument/2006/relationships" xmlns:p="http://schemas.openxmlformats.org/presentationml/2006/main">
+  <p:cSld>
+    <p:bg>
+      <p:bgPr>
+        <a:blipFill dpi="0" rotWithShape="1">
+          <a:blip r:embed="rId3">
+            <a:extLst>
+              <a:ext uri="{BEBA8EAE-BF5A-486C-A8C5-ECC9F3942E4B}">
+                <a14:imgProps xmlns:a14="http://schemas.microsoft.com/office/drawing/2010/main">
+                  <a14:imgLayer r:embed="rId4">
+                    <a14:imgEffect>
+                      <a14:brightnessContrast bright="-50000"/>
+                    </a14:imgEffect>
+                  </a14:imgLayer>
+                </a14:imgProps>
+              </a:ext>
+            </a:extLst>
+          </a:blip>
+          <a:srcRect/>
+          <a:stretch>
+            <a:fillRect l="-10000" r="-10000"/>
+          </a:stretch>
+        </a:blipFill>
+        <a:effectLst/>
+      </p:bgPr>
+    </p:bg>
+    <p:spTree>
+      <p:nvGrpSpPr>
+        <p:cNvPr id="1" name=""/>
+        <p:cNvGrpSpPr/>
+        <p:nvPr/>
+      </p:nvGrpSpPr>
+      <p:grpSpPr>
+        <a:xfrm>
+          <a:off x="0" y="0"/>
+          <a:ext cx="0" cy="0"/>
+          <a:chOff x="0" y="0"/>
+          <a:chExt cx="0" cy="0"/>
+        </a:xfrm>
+      </p:grpSpPr>
+      <p:sp>
+        <p:nvSpPr>
+          <p:cNvPr id="2" name="Title 1"/>
+          <p:cNvSpPr>
+            <a:spLocks noGrp="1"/>
+          </p:cNvSpPr>
+          <p:nvPr>
+            <p:ph type="title"/>
+          </p:nvPr>
+        </p:nvSpPr>
+        <p:spPr/>
+        <p:txBody>
+          <a:bodyPr/>
+          <a:lstStyle/>
+          <a:p>
+            <a:r>
+              <a:rPr lang="en-US" dirty="0"/>
+              <a:t>Linear Models</a:t>
+            </a:r>
+          </a:p>
+        </p:txBody>
+      </p:sp>
+      <p:sp>
+        <p:nvSpPr>
+          <p:cNvPr id="3" name="Content Placeholder 2"/>
+          <p:cNvSpPr>
+            <a:spLocks noGrp="1"/>
+          </p:cNvSpPr>
+          <p:nvPr>
+            <p:ph idx="1"/>
+          </p:nvPr>
+        </p:nvSpPr>
+        <p:spPr/>
+        <p:txBody>
+          <a:bodyPr>
+            <a:normAutofit/>
+          </a:bodyPr>
+          <a:lstStyle/>
+          <a:p>
+            <a:r>
+              <a:rPr lang="en-US" dirty="0"/>
+              <a:t>List of some types we will Cover</a:t>
+            </a:r>
+          </a:p>
+          <a:p>
+            <a:pPr lvl="1"/>
+            <a:r>
+              <a:rPr lang="en-US" dirty="0"/>
+              <a:t>Linear Regressors</a:t>
+            </a:r>
+          </a:p>
+          <a:p>
+            <a:pPr lvl="2"/>
+            <a:r>
+              <a:rPr lang="en-US" dirty="0"/>
+              <a:t>K-Nearest Neighbors</a:t>
+            </a:r>
+          </a:p>
+          <a:p>
+            <a:pPr lvl="2"/>
+            <a:r>
+              <a:rPr lang="en-US" dirty="0"/>
+              <a:t>Linear Regression</a:t>
+            </a:r>
+          </a:p>
+          <a:p>
+            <a:pPr lvl="2"/>
+            <a:r>
+              <a:rPr lang="en-US" dirty="0"/>
+              <a:t>Ridge Regression</a:t>
+            </a:r>
+          </a:p>
+          <a:p>
+            <a:pPr lvl="2"/>
+            <a:r>
+              <a:rPr lang="en-US" dirty="0"/>
+              <a:t>LASSO Regression</a:t>
+            </a:r>
+          </a:p>
+          <a:p>
+            <a:pPr lvl="2"/>
+            <a:r>
+              <a:rPr lang="en-US" dirty="0"/>
+              <a:t>Decision Tree</a:t>
+            </a:r>
+          </a:p>
+          <a:p>
+            <a:pPr lvl="2"/>
+            <a:r>
+              <a:rPr lang="en-US" dirty="0"/>
+              <a:t>Forest</a:t>
+            </a:r>
+          </a:p>
+          <a:p>
+            <a:pPr lvl="2"/>
+            <a:r>
+              <a:rPr lang="en-US" dirty="0"/>
+              <a:t>Gradient-Boosted Forest</a:t>
+            </a:r>
+          </a:p>
+          <a:p>
+            <a:pPr lvl="2"/>
+            <a:endParaRPr lang="en-US" dirty="0"/>
+          </a:p>
+          <a:p>
+            <a:endParaRPr lang="en-US" dirty="0"/>
+          </a:p>
+        </p:txBody>
+      </p:sp>
+    </p:spTree>
+    <p:extLst>
+      <p:ext uri="{BB962C8B-B14F-4D97-AF65-F5344CB8AC3E}">
+        <p14:creationId xmlns:p14="http://schemas.microsoft.com/office/powerpoint/2010/main" val="3191540691"/>
+      </p:ext>
+    </p:extLst>
+  </p:cSld>
+  <p:clrMapOvr>
+    <a:overrideClrMapping bg1="lt1" tx1="dk1" bg2="lt2" tx2="dk2" accent1="accent1" accent2="accent2" accent3="accent3" accent4="accent4" accent5="accent5" accent6="accent6" hlink="hlink" folHlink="folHlink"/>
+  </p:clrMapOvr>
+</p:sld>
+</file>
+
+<file path=ppt/slides/slide3.xml><?xml version="1.0" encoding="utf-8"?>
+<p:sld xmlns:a="http://schemas.openxmlformats.org/drawingml/2006/main" xmlns:r="http://schemas.openxmlformats.org/officeDocument/2006/relationships" xmlns:p="http://schemas.openxmlformats.org/presentationml/2006/main">
+  <p:cSld>
+    <p:bg>
+      <p:bgPr>
+        <a:blipFill dpi="0" rotWithShape="1">
+          <a:blip r:embed="rId3">
+            <a:extLst>
+              <a:ext uri="{BEBA8EAE-BF5A-486C-A8C5-ECC9F3942E4B}">
+                <a14:imgProps xmlns:a14="http://schemas.microsoft.com/office/drawing/2010/main">
+                  <a14:imgLayer r:embed="rId4">
+                    <a14:imgEffect>
+                      <a14:brightnessContrast bright="-50000"/>
+                    </a14:imgEffect>
+                  </a14:imgLayer>
+                </a14:imgProps>
+              </a:ext>
+            </a:extLst>
+          </a:blip>
+          <a:srcRect/>
+          <a:stretch>
+            <a:fillRect l="-10000" r="-10000"/>
+          </a:stretch>
+        </a:blipFill>
+        <a:effectLst/>
+      </p:bgPr>
+    </p:bg>
+    <p:spTree>
+      <p:nvGrpSpPr>
+        <p:cNvPr id="1" name=""/>
+        <p:cNvGrpSpPr/>
+        <p:nvPr/>
+      </p:nvGrpSpPr>
+      <p:grpSpPr>
+        <a:xfrm>
+          <a:off x="0" y="0"/>
+          <a:ext cx="0" cy="0"/>
+          <a:chOff x="0" y="0"/>
+          <a:chExt cx="0" cy="0"/>
+        </a:xfrm>
+      </p:grpSpPr>
+      <p:sp>
+        <p:nvSpPr>
+          <p:cNvPr id="2" name="Title 1"/>
+          <p:cNvSpPr>
+            <a:spLocks noGrp="1"/>
+          </p:cNvSpPr>
+          <p:nvPr>
+            <p:ph type="title"/>
+          </p:nvPr>
+        </p:nvSpPr>
+        <p:spPr/>
+        <p:txBody>
+          <a:bodyPr/>
+          <a:lstStyle/>
+          <a:p>
+            <a:r>
+              <a:rPr lang="en-US" dirty="0"/>
+              <a:t>Overview</a:t>
+            </a:r>
+          </a:p>
+        </p:txBody>
+      </p:sp>
+      <p:sp>
+        <p:nvSpPr>
+          <p:cNvPr id="3" name="Content Placeholder 2"/>
+          <p:cNvSpPr>
+            <a:spLocks noGrp="1"/>
+          </p:cNvSpPr>
+          <p:nvPr>
+            <p:ph idx="1"/>
+          </p:nvPr>
+        </p:nvSpPr>
+        <p:spPr/>
+        <p:txBody>
+          <a:bodyPr/>
+          <a:lstStyle/>
+          <a:p>
+            <a:r>
+              <a:rPr lang="en-US" dirty="0"/>
+              <a:t>Intro Example Code</a:t>
+            </a:r>
+          </a:p>
+          <a:p>
+            <a:pPr lvl="1"/>
+            <a:r>
+              <a:rPr lang="en-US" dirty="0"/>
+              <a:t>Build and run the first model built with the iris data set in ‘Machine Learning with Scikit-Learn.py’</a:t>
+            </a:r>
+          </a:p>
+          <a:p>
+            <a:pPr lvl="2"/>
+            <a:endParaRPr lang="en-US" dirty="0"/>
+          </a:p>
+          <a:p>
+            <a:endParaRPr lang="en-US" dirty="0"/>
+          </a:p>
+        </p:txBody>
+      </p:sp>
+    </p:spTree>
+    <p:extLst>
+      <p:ext uri="{BB962C8B-B14F-4D97-AF65-F5344CB8AC3E}">
+        <p14:creationId xmlns:p14="http://schemas.microsoft.com/office/powerpoint/2010/main" val="1691362816"/>
+      </p:ext>
+    </p:extLst>
+  </p:cSld>
+  <p:clrMapOvr>
+    <a:overrideClrMapping bg1="lt1" tx1="dk1" bg2="lt2" tx2="dk2" accent1="accent1" accent2="accent2" accent3="accent3" accent4="accent4" accent5="accent5" accent6="accent6" hlink="hlink" folHlink="folHlink"/>
+  </p:clrMapOvr>
+</p:sld>
+</file>
+
+<file path=ppt/slides/slide30.xml><?xml version="1.0" encoding="utf-8"?>
 <p:sld xmlns:a="http://schemas.openxmlformats.org/drawingml/2006/main" xmlns:r="http://schemas.openxmlformats.org/officeDocument/2006/relationships" xmlns:p="http://schemas.openxmlformats.org/presentationml/2006/main">
   <p:cSld>
     <p:bg>
@@ -10181,22 +10806,54 @@
           <a:p>
             <a:r>
               <a:rPr lang="en-US" dirty="0"/>
-              <a:t>K-Nearest Neighbors</a:t>
+              <a:t>Classifiers</a:t>
             </a:r>
           </a:p>
           <a:p>
             <a:pPr lvl="1"/>
             <a:r>
               <a:rPr lang="en-US" dirty="0"/>
-              <a:t>Predicts outcome by finding the closest matching data point neighbor(s) to the target point.</a:t>
+              <a:t>Tries to predict a specific thing.</a:t>
             </a:r>
           </a:p>
           <a:p>
             <a:pPr lvl="1"/>
             <a:r>
               <a:rPr lang="en-US" dirty="0"/>
-              <a:t>When multiple neighbors are used, the classification with the most neighbors is what the target point is classified as.</a:t>
-            </a:r>
+              <a:t>Is either right or wrong for each prediction.</a:t>
+            </a:r>
+          </a:p>
+          <a:p>
+            <a:pPr lvl="1"/>
+            <a:r>
+              <a:rPr lang="en-US" dirty="0"/>
+              <a:t>Examples</a:t>
+            </a:r>
+          </a:p>
+          <a:p>
+            <a:pPr lvl="2"/>
+            <a:r>
+              <a:rPr lang="en-US" dirty="0"/>
+              <a:t>Predicting a type of fruit.</a:t>
+            </a:r>
+          </a:p>
+          <a:p>
+            <a:pPr lvl="2"/>
+            <a:r>
+              <a:rPr lang="en-US" dirty="0"/>
+              <a:t>Predicting a type of animal.</a:t>
+            </a:r>
+          </a:p>
+          <a:p>
+            <a:pPr lvl="2"/>
+            <a:r>
+              <a:rPr lang="en-US" dirty="0"/>
+              <a:t>Predicting a breed of dog.</a:t>
+            </a:r>
+          </a:p>
+          <a:p>
+            <a:pPr lvl="1"/>
+            <a:endParaRPr lang="en-US" dirty="0"/>
           </a:p>
           <a:p>
             <a:pPr lvl="2"/>
@@ -10220,7 +10877,126 @@
 </p:sld>
 </file>
 
-<file path=ppt/slides/slide29.xml><?xml version="1.0" encoding="utf-8"?>
+<file path=ppt/slides/slide31.xml><?xml version="1.0" encoding="utf-8"?>
+<p:sld xmlns:a="http://schemas.openxmlformats.org/drawingml/2006/main" xmlns:r="http://schemas.openxmlformats.org/officeDocument/2006/relationships" xmlns:p="http://schemas.openxmlformats.org/presentationml/2006/main">
+  <p:cSld>
+    <p:bg>
+      <p:bgPr>
+        <a:blipFill dpi="0" rotWithShape="1">
+          <a:blip r:embed="rId4">
+            <a:extLst>
+              <a:ext uri="{BEBA8EAE-BF5A-486C-A8C5-ECC9F3942E4B}">
+                <a14:imgProps xmlns:a14="http://schemas.microsoft.com/office/drawing/2010/main">
+                  <a14:imgLayer r:embed="rId5">
+                    <a14:imgEffect>
+                      <a14:brightnessContrast bright="-50000"/>
+                    </a14:imgEffect>
+                  </a14:imgLayer>
+                </a14:imgProps>
+              </a:ext>
+            </a:extLst>
+          </a:blip>
+          <a:srcRect/>
+          <a:stretch>
+            <a:fillRect l="-10000" r="-10000"/>
+          </a:stretch>
+        </a:blipFill>
+        <a:effectLst/>
+      </p:bgPr>
+    </p:bg>
+    <p:spTree>
+      <p:nvGrpSpPr>
+        <p:cNvPr id="1" name=""/>
+        <p:cNvGrpSpPr/>
+        <p:nvPr/>
+      </p:nvGrpSpPr>
+      <p:grpSpPr>
+        <a:xfrm>
+          <a:off x="0" y="0"/>
+          <a:ext cx="0" cy="0"/>
+          <a:chOff x="0" y="0"/>
+          <a:chExt cx="0" cy="0"/>
+        </a:xfrm>
+      </p:grpSpPr>
+      <p:sp>
+        <p:nvSpPr>
+          <p:cNvPr id="2" name="Title 1"/>
+          <p:cNvSpPr>
+            <a:spLocks noGrp="1"/>
+          </p:cNvSpPr>
+          <p:nvPr>
+            <p:ph type="title"/>
+          </p:nvPr>
+        </p:nvSpPr>
+        <p:spPr/>
+        <p:txBody>
+          <a:bodyPr/>
+          <a:lstStyle/>
+          <a:p>
+            <a:r>
+              <a:rPr lang="en-US" dirty="0"/>
+              <a:t>Linear Models - Classifiers</a:t>
+            </a:r>
+          </a:p>
+        </p:txBody>
+      </p:sp>
+      <p:sp>
+        <p:nvSpPr>
+          <p:cNvPr id="3" name="Content Placeholder 2"/>
+          <p:cNvSpPr>
+            <a:spLocks noGrp="1"/>
+          </p:cNvSpPr>
+          <p:nvPr>
+            <p:ph idx="1"/>
+          </p:nvPr>
+        </p:nvSpPr>
+        <p:spPr/>
+        <p:txBody>
+          <a:bodyPr/>
+          <a:lstStyle/>
+          <a:p>
+            <a:r>
+              <a:rPr lang="en-US" dirty="0"/>
+              <a:t>K-Nearest Neighbors</a:t>
+            </a:r>
+          </a:p>
+          <a:p>
+            <a:pPr lvl="1"/>
+            <a:r>
+              <a:rPr lang="en-US" dirty="0"/>
+              <a:t>Predicts outcome by finding the closest matching data point neighbor(s) to the target point.</a:t>
+            </a:r>
+          </a:p>
+          <a:p>
+            <a:pPr lvl="1"/>
+            <a:r>
+              <a:rPr lang="en-US" dirty="0"/>
+              <a:t>When multiple neighbors are used, the classification with the most neighbors is what the target point is classified as.</a:t>
+            </a:r>
+          </a:p>
+          <a:p>
+            <a:pPr lvl="2"/>
+            <a:endParaRPr lang="en-US" dirty="0"/>
+          </a:p>
+          <a:p>
+            <a:endParaRPr lang="en-US" dirty="0"/>
+          </a:p>
+        </p:txBody>
+      </p:sp>
+    </p:spTree>
+    <p:extLst>
+      <p:ext uri="{BB962C8B-B14F-4D97-AF65-F5344CB8AC3E}">
+        <p14:creationId xmlns:p14="http://schemas.microsoft.com/office/powerpoint/2010/main" val="2592218112"/>
+      </p:ext>
+    </p:extLst>
+  </p:cSld>
+  <p:clrMapOvr>
+    <a:overrideClrMapping bg1="lt1" tx1="dk1" bg2="lt2" tx2="dk2" accent1="accent1" accent2="accent2" accent3="accent3" accent4="accent4" accent5="accent5" accent6="accent6" hlink="hlink" folHlink="folHlink"/>
+  </p:clrMapOvr>
+</p:sld>
+</file>
+
+<file path=ppt/slides/slide32.xml><?xml version="1.0" encoding="utf-8"?>
 <p:sld xmlns:a="http://schemas.openxmlformats.org/drawingml/2006/main" xmlns:r="http://schemas.openxmlformats.org/officeDocument/2006/relationships" xmlns:p="http://schemas.openxmlformats.org/presentationml/2006/main">
   <p:cSld>
     <p:bg>
@@ -10347,7 +11123,7 @@
           <a:graphicData uri="http://schemas.openxmlformats.org/presentationml/2006/ole">
             <mc:AlternateContent xmlns:mc="http://schemas.openxmlformats.org/markup-compatibility/2006">
               <mc:Choice xmlns:v="urn:schemas-microsoft-com:vml" Requires="v">
-                <p:oleObj spid="_x0000_s2086" name="Bitmap Image" r:id="rId7" imgW="3743280" imgH="3024360" progId="Paint.Picture">
+                <p:oleObj spid="_x0000_s2126" name="Bitmap Image" r:id="rId7" imgW="3743280" imgH="3024360" progId="Paint.Picture">
                   <p:embed/>
                 </p:oleObj>
               </mc:Choice>
@@ -10431,119 +11207,7 @@
 </p:sld>
 </file>
 
-<file path=ppt/slides/slide3.xml><?xml version="1.0" encoding="utf-8"?>
-<p:sld xmlns:a="http://schemas.openxmlformats.org/drawingml/2006/main" xmlns:r="http://schemas.openxmlformats.org/officeDocument/2006/relationships" xmlns:p="http://schemas.openxmlformats.org/presentationml/2006/main">
-  <p:cSld>
-    <p:bg>
-      <p:bgPr>
-        <a:blipFill dpi="0" rotWithShape="1">
-          <a:blip r:embed="rId3">
-            <a:extLst>
-              <a:ext uri="{BEBA8EAE-BF5A-486C-A8C5-ECC9F3942E4B}">
-                <a14:imgProps xmlns:a14="http://schemas.microsoft.com/office/drawing/2010/main">
-                  <a14:imgLayer r:embed="rId4">
-                    <a14:imgEffect>
-                      <a14:brightnessContrast bright="-50000"/>
-                    </a14:imgEffect>
-                  </a14:imgLayer>
-                </a14:imgProps>
-              </a:ext>
-            </a:extLst>
-          </a:blip>
-          <a:srcRect/>
-          <a:stretch>
-            <a:fillRect l="-10000" r="-10000"/>
-          </a:stretch>
-        </a:blipFill>
-        <a:effectLst/>
-      </p:bgPr>
-    </p:bg>
-    <p:spTree>
-      <p:nvGrpSpPr>
-        <p:cNvPr id="1" name=""/>
-        <p:cNvGrpSpPr/>
-        <p:nvPr/>
-      </p:nvGrpSpPr>
-      <p:grpSpPr>
-        <a:xfrm>
-          <a:off x="0" y="0"/>
-          <a:ext cx="0" cy="0"/>
-          <a:chOff x="0" y="0"/>
-          <a:chExt cx="0" cy="0"/>
-        </a:xfrm>
-      </p:grpSpPr>
-      <p:sp>
-        <p:nvSpPr>
-          <p:cNvPr id="2" name="Title 1"/>
-          <p:cNvSpPr>
-            <a:spLocks noGrp="1"/>
-          </p:cNvSpPr>
-          <p:nvPr>
-            <p:ph type="title"/>
-          </p:nvPr>
-        </p:nvSpPr>
-        <p:spPr/>
-        <p:txBody>
-          <a:bodyPr/>
-          <a:lstStyle/>
-          <a:p>
-            <a:r>
-              <a:rPr lang="en-US" dirty="0"/>
-              <a:t>Overview</a:t>
-            </a:r>
-          </a:p>
-        </p:txBody>
-      </p:sp>
-      <p:sp>
-        <p:nvSpPr>
-          <p:cNvPr id="3" name="Content Placeholder 2"/>
-          <p:cNvSpPr>
-            <a:spLocks noGrp="1"/>
-          </p:cNvSpPr>
-          <p:nvPr>
-            <p:ph idx="1"/>
-          </p:nvPr>
-        </p:nvSpPr>
-        <p:spPr/>
-        <p:txBody>
-          <a:bodyPr/>
-          <a:lstStyle/>
-          <a:p>
-            <a:r>
-              <a:rPr lang="en-US" dirty="0"/>
-              <a:t>Intro Example Code</a:t>
-            </a:r>
-          </a:p>
-          <a:p>
-            <a:pPr lvl="1"/>
-            <a:r>
-              <a:rPr lang="en-US" dirty="0"/>
-              <a:t>Build and run the first model built with the iris data set in ‘Machine Learning with Scikit-Learn.py’</a:t>
-            </a:r>
-          </a:p>
-          <a:p>
-            <a:pPr lvl="2"/>
-            <a:endParaRPr lang="en-US" dirty="0"/>
-          </a:p>
-          <a:p>
-            <a:endParaRPr lang="en-US" dirty="0"/>
-          </a:p>
-        </p:txBody>
-      </p:sp>
-    </p:spTree>
-    <p:extLst>
-      <p:ext uri="{BB962C8B-B14F-4D97-AF65-F5344CB8AC3E}">
-        <p14:creationId xmlns:p14="http://schemas.microsoft.com/office/powerpoint/2010/main" val="1691362816"/>
-      </p:ext>
-    </p:extLst>
-  </p:cSld>
-  <p:clrMapOvr>
-    <a:overrideClrMapping bg1="lt1" tx1="dk1" bg2="lt2" tx2="dk2" accent1="accent1" accent2="accent2" accent3="accent3" accent4="accent4" accent5="accent5" accent6="accent6" hlink="hlink" folHlink="folHlink"/>
-  </p:clrMapOvr>
-</p:sld>
-</file>
-
-<file path=ppt/slides/slide30.xml><?xml version="1.0" encoding="utf-8"?>
+<file path=ppt/slides/slide33.xml><?xml version="1.0" encoding="utf-8"?>
 <p:sld xmlns:a="http://schemas.openxmlformats.org/drawingml/2006/main" xmlns:r="http://schemas.openxmlformats.org/officeDocument/2006/relationships" xmlns:p="http://schemas.openxmlformats.org/presentationml/2006/main">
   <p:cSld>
     <p:bg>
@@ -10669,7 +11333,7 @@
 </p:sld>
 </file>
 
-<file path=ppt/slides/slide31.xml><?xml version="1.0" encoding="utf-8"?>
+<file path=ppt/slides/slide34.xml><?xml version="1.0" encoding="utf-8"?>
 <p:sld xmlns:a="http://schemas.openxmlformats.org/drawingml/2006/main" xmlns:r="http://schemas.openxmlformats.org/officeDocument/2006/relationships" xmlns:p="http://schemas.openxmlformats.org/presentationml/2006/main">
   <p:cSld>
     <p:bg>
@@ -10791,7 +11455,7 @@
 </p:sld>
 </file>
 
-<file path=ppt/slides/slide32.xml><?xml version="1.0" encoding="utf-8"?>
+<file path=ppt/slides/slide35.xml><?xml version="1.0" encoding="utf-8"?>
 <p:sld xmlns:a="http://schemas.openxmlformats.org/drawingml/2006/main" xmlns:r="http://schemas.openxmlformats.org/officeDocument/2006/relationships" xmlns:p="http://schemas.openxmlformats.org/presentationml/2006/main">
   <p:cSld>
     <p:bg>
@@ -10926,17 +11590,17 @@
 </p:sld>
 </file>
 
-<file path=ppt/slides/slide33.xml><?xml version="1.0" encoding="utf-8"?>
+<file path=ppt/slides/slide36.xml><?xml version="1.0" encoding="utf-8"?>
 <p:sld xmlns:a="http://schemas.openxmlformats.org/drawingml/2006/main" xmlns:r="http://schemas.openxmlformats.org/officeDocument/2006/relationships" xmlns:p="http://schemas.openxmlformats.org/presentationml/2006/main">
   <p:cSld>
     <p:bg>
       <p:bgPr>
         <a:blipFill dpi="0" rotWithShape="1">
-          <a:blip r:embed="rId3">
+          <a:blip r:embed="rId4">
             <a:extLst>
               <a:ext uri="{BEBA8EAE-BF5A-486C-A8C5-ECC9F3942E4B}">
                 <a14:imgProps xmlns:a14="http://schemas.microsoft.com/office/drawing/2010/main">
-                  <a14:imgLayer r:embed="rId4">
+                  <a14:imgLayer r:embed="rId5">
                     <a14:imgEffect>
                       <a14:brightnessContrast bright="-50000"/>
                     </a14:imgEffect>
@@ -10984,7 +11648,7 @@
           <a:p>
             <a:r>
               <a:rPr lang="en-US" dirty="0"/>
-              <a:t>Linear Models - Regressors</a:t>
+              <a:t>Linear Models - Classifiers</a:t>
             </a:r>
           </a:p>
         </p:txBody>
@@ -11006,7 +11670,7 @@
           <a:p>
             <a:r>
               <a:rPr lang="en-US" dirty="0"/>
-              <a:t>Linear Regression</a:t>
+              <a:t>Logistic Regression</a:t>
             </a:r>
           </a:p>
           <a:p>
@@ -11021,7 +11685,7 @@
     </p:spTree>
     <p:extLst>
       <p:ext uri="{BB962C8B-B14F-4D97-AF65-F5344CB8AC3E}">
-        <p14:creationId xmlns:p14="http://schemas.microsoft.com/office/powerpoint/2010/main" val="1469044682"/>
+        <p14:creationId xmlns:p14="http://schemas.microsoft.com/office/powerpoint/2010/main" val="578164379"/>
       </p:ext>
     </p:extLst>
   </p:cSld>
@@ -11031,17 +11695,17 @@
 </p:sld>
 </file>
 
-<file path=ppt/slides/slide34.xml><?xml version="1.0" encoding="utf-8"?>
+<file path=ppt/slides/slide37.xml><?xml version="1.0" encoding="utf-8"?>
 <p:sld xmlns:a="http://schemas.openxmlformats.org/drawingml/2006/main" xmlns:r="http://schemas.openxmlformats.org/officeDocument/2006/relationships" xmlns:p="http://schemas.openxmlformats.org/presentationml/2006/main">
   <p:cSld>
     <p:bg>
       <p:bgPr>
         <a:blipFill dpi="0" rotWithShape="1">
-          <a:blip r:embed="rId3">
+          <a:blip r:embed="rId4">
             <a:extLst>
               <a:ext uri="{BEBA8EAE-BF5A-486C-A8C5-ECC9F3942E4B}">
                 <a14:imgProps xmlns:a14="http://schemas.microsoft.com/office/drawing/2010/main">
-                  <a14:imgLayer r:embed="rId4">
+                  <a14:imgLayer r:embed="rId5">
                     <a14:imgEffect>
                       <a14:brightnessContrast bright="-50000"/>
                     </a14:imgEffect>
@@ -11089,7 +11753,7 @@
           <a:p>
             <a:r>
               <a:rPr lang="en-US" dirty="0"/>
-              <a:t>Linear Models - Regressors</a:t>
+              <a:t>Linear Models - Classifiers</a:t>
             </a:r>
           </a:p>
         </p:txBody>
@@ -11111,7 +11775,7 @@
           <a:p>
             <a:r>
               <a:rPr lang="en-US" dirty="0"/>
-              <a:t>Lasso</a:t>
+              <a:t>Support Vector Classifier</a:t>
             </a:r>
           </a:p>
           <a:p>
@@ -11126,322 +11790,7 @@
     </p:spTree>
     <p:extLst>
       <p:ext uri="{BB962C8B-B14F-4D97-AF65-F5344CB8AC3E}">
-        <p14:creationId xmlns:p14="http://schemas.microsoft.com/office/powerpoint/2010/main" val="2833183138"/>
-      </p:ext>
-    </p:extLst>
-  </p:cSld>
-  <p:clrMapOvr>
-    <a:overrideClrMapping bg1="lt1" tx1="dk1" bg2="lt2" tx2="dk2" accent1="accent1" accent2="accent2" accent3="accent3" accent4="accent4" accent5="accent5" accent6="accent6" hlink="hlink" folHlink="folHlink"/>
-  </p:clrMapOvr>
-</p:sld>
-</file>
-
-<file path=ppt/slides/slide35.xml><?xml version="1.0" encoding="utf-8"?>
-<p:sld xmlns:a="http://schemas.openxmlformats.org/drawingml/2006/main" xmlns:r="http://schemas.openxmlformats.org/officeDocument/2006/relationships" xmlns:p="http://schemas.openxmlformats.org/presentationml/2006/main">
-  <p:cSld>
-    <p:bg>
-      <p:bgPr>
-        <a:blipFill dpi="0" rotWithShape="1">
-          <a:blip r:embed="rId3">
-            <a:extLst>
-              <a:ext uri="{BEBA8EAE-BF5A-486C-A8C5-ECC9F3942E4B}">
-                <a14:imgProps xmlns:a14="http://schemas.microsoft.com/office/drawing/2010/main">
-                  <a14:imgLayer r:embed="rId4">
-                    <a14:imgEffect>
-                      <a14:brightnessContrast bright="-50000"/>
-                    </a14:imgEffect>
-                  </a14:imgLayer>
-                </a14:imgProps>
-              </a:ext>
-            </a:extLst>
-          </a:blip>
-          <a:srcRect/>
-          <a:stretch>
-            <a:fillRect l="-10000" r="-10000"/>
-          </a:stretch>
-        </a:blipFill>
-        <a:effectLst/>
-      </p:bgPr>
-    </p:bg>
-    <p:spTree>
-      <p:nvGrpSpPr>
-        <p:cNvPr id="1" name=""/>
-        <p:cNvGrpSpPr/>
-        <p:nvPr/>
-      </p:nvGrpSpPr>
-      <p:grpSpPr>
-        <a:xfrm>
-          <a:off x="0" y="0"/>
-          <a:ext cx="0" cy="0"/>
-          <a:chOff x="0" y="0"/>
-          <a:chExt cx="0" cy="0"/>
-        </a:xfrm>
-      </p:grpSpPr>
-      <p:sp>
-        <p:nvSpPr>
-          <p:cNvPr id="2" name="Title 1"/>
-          <p:cNvSpPr>
-            <a:spLocks noGrp="1"/>
-          </p:cNvSpPr>
-          <p:nvPr>
-            <p:ph type="title"/>
-          </p:nvPr>
-        </p:nvSpPr>
-        <p:spPr/>
-        <p:txBody>
-          <a:bodyPr/>
-          <a:lstStyle/>
-          <a:p>
-            <a:r>
-              <a:rPr lang="en-US" dirty="0"/>
-              <a:t>Linear Models - Regressors</a:t>
-            </a:r>
-          </a:p>
-        </p:txBody>
-      </p:sp>
-      <p:sp>
-        <p:nvSpPr>
-          <p:cNvPr id="3" name="Content Placeholder 2"/>
-          <p:cNvSpPr>
-            <a:spLocks noGrp="1"/>
-          </p:cNvSpPr>
-          <p:nvPr>
-            <p:ph idx="1"/>
-          </p:nvPr>
-        </p:nvSpPr>
-        <p:spPr/>
-        <p:txBody>
-          <a:bodyPr/>
-          <a:lstStyle/>
-          <a:p>
-            <a:r>
-              <a:rPr lang="en-US" dirty="0"/>
-              <a:t>Regression</a:t>
-            </a:r>
-          </a:p>
-          <a:p>
-            <a:pPr lvl="2"/>
-            <a:endParaRPr lang="en-US" dirty="0"/>
-          </a:p>
-          <a:p>
-            <a:endParaRPr lang="en-US" dirty="0"/>
-          </a:p>
-        </p:txBody>
-      </p:sp>
-    </p:spTree>
-    <p:extLst>
-      <p:ext uri="{BB962C8B-B14F-4D97-AF65-F5344CB8AC3E}">
-        <p14:creationId xmlns:p14="http://schemas.microsoft.com/office/powerpoint/2010/main" val="474133971"/>
-      </p:ext>
-    </p:extLst>
-  </p:cSld>
-  <p:clrMapOvr>
-    <a:overrideClrMapping bg1="lt1" tx1="dk1" bg2="lt2" tx2="dk2" accent1="accent1" accent2="accent2" accent3="accent3" accent4="accent4" accent5="accent5" accent6="accent6" hlink="hlink" folHlink="folHlink"/>
-  </p:clrMapOvr>
-</p:sld>
-</file>
-
-<file path=ppt/slides/slide36.xml><?xml version="1.0" encoding="utf-8"?>
-<p:sld xmlns:a="http://schemas.openxmlformats.org/drawingml/2006/main" xmlns:r="http://schemas.openxmlformats.org/officeDocument/2006/relationships" xmlns:p="http://schemas.openxmlformats.org/presentationml/2006/main">
-  <p:cSld>
-    <p:bg>
-      <p:bgPr>
-        <a:blipFill dpi="0" rotWithShape="1">
-          <a:blip r:embed="rId3">
-            <a:extLst>
-              <a:ext uri="{BEBA8EAE-BF5A-486C-A8C5-ECC9F3942E4B}">
-                <a14:imgProps xmlns:a14="http://schemas.microsoft.com/office/drawing/2010/main">
-                  <a14:imgLayer r:embed="rId4">
-                    <a14:imgEffect>
-                      <a14:brightnessContrast bright="-50000"/>
-                    </a14:imgEffect>
-                  </a14:imgLayer>
-                </a14:imgProps>
-              </a:ext>
-            </a:extLst>
-          </a:blip>
-          <a:srcRect/>
-          <a:stretch>
-            <a:fillRect l="-10000" r="-10000"/>
-          </a:stretch>
-        </a:blipFill>
-        <a:effectLst/>
-      </p:bgPr>
-    </p:bg>
-    <p:spTree>
-      <p:nvGrpSpPr>
-        <p:cNvPr id="1" name=""/>
-        <p:cNvGrpSpPr/>
-        <p:nvPr/>
-      </p:nvGrpSpPr>
-      <p:grpSpPr>
-        <a:xfrm>
-          <a:off x="0" y="0"/>
-          <a:ext cx="0" cy="0"/>
-          <a:chOff x="0" y="0"/>
-          <a:chExt cx="0" cy="0"/>
-        </a:xfrm>
-      </p:grpSpPr>
-      <p:sp>
-        <p:nvSpPr>
-          <p:cNvPr id="2" name="Title 1"/>
-          <p:cNvSpPr>
-            <a:spLocks noGrp="1"/>
-          </p:cNvSpPr>
-          <p:nvPr>
-            <p:ph type="title"/>
-          </p:nvPr>
-        </p:nvSpPr>
-        <p:spPr/>
-        <p:txBody>
-          <a:bodyPr/>
-          <a:lstStyle/>
-          <a:p>
-            <a:r>
-              <a:rPr lang="en-US" dirty="0"/>
-              <a:t>Linear Models - Regressors</a:t>
-            </a:r>
-          </a:p>
-        </p:txBody>
-      </p:sp>
-      <p:sp>
-        <p:nvSpPr>
-          <p:cNvPr id="3" name="Content Placeholder 2"/>
-          <p:cNvSpPr>
-            <a:spLocks noGrp="1"/>
-          </p:cNvSpPr>
-          <p:nvPr>
-            <p:ph idx="1"/>
-          </p:nvPr>
-        </p:nvSpPr>
-        <p:spPr/>
-        <p:txBody>
-          <a:bodyPr/>
-          <a:lstStyle/>
-          <a:p>
-            <a:r>
-              <a:rPr lang="en-US" dirty="0"/>
-              <a:t>Decision Tree</a:t>
-            </a:r>
-          </a:p>
-          <a:p>
-            <a:pPr lvl="2"/>
-            <a:endParaRPr lang="en-US" dirty="0"/>
-          </a:p>
-          <a:p>
-            <a:endParaRPr lang="en-US" dirty="0"/>
-          </a:p>
-        </p:txBody>
-      </p:sp>
-    </p:spTree>
-    <p:extLst>
-      <p:ext uri="{BB962C8B-B14F-4D97-AF65-F5344CB8AC3E}">
-        <p14:creationId xmlns:p14="http://schemas.microsoft.com/office/powerpoint/2010/main" val="1924952010"/>
-      </p:ext>
-    </p:extLst>
-  </p:cSld>
-  <p:clrMapOvr>
-    <a:overrideClrMapping bg1="lt1" tx1="dk1" bg2="lt2" tx2="dk2" accent1="accent1" accent2="accent2" accent3="accent3" accent4="accent4" accent5="accent5" accent6="accent6" hlink="hlink" folHlink="folHlink"/>
-  </p:clrMapOvr>
-</p:sld>
-</file>
-
-<file path=ppt/slides/slide37.xml><?xml version="1.0" encoding="utf-8"?>
-<p:sld xmlns:a="http://schemas.openxmlformats.org/drawingml/2006/main" xmlns:r="http://schemas.openxmlformats.org/officeDocument/2006/relationships" xmlns:p="http://schemas.openxmlformats.org/presentationml/2006/main">
-  <p:cSld>
-    <p:bg>
-      <p:bgPr>
-        <a:blipFill dpi="0" rotWithShape="1">
-          <a:blip r:embed="rId3">
-            <a:extLst>
-              <a:ext uri="{BEBA8EAE-BF5A-486C-A8C5-ECC9F3942E4B}">
-                <a14:imgProps xmlns:a14="http://schemas.microsoft.com/office/drawing/2010/main">
-                  <a14:imgLayer r:embed="rId4">
-                    <a14:imgEffect>
-                      <a14:brightnessContrast bright="-50000"/>
-                    </a14:imgEffect>
-                  </a14:imgLayer>
-                </a14:imgProps>
-              </a:ext>
-            </a:extLst>
-          </a:blip>
-          <a:srcRect/>
-          <a:stretch>
-            <a:fillRect l="-10000" r="-10000"/>
-          </a:stretch>
-        </a:blipFill>
-        <a:effectLst/>
-      </p:bgPr>
-    </p:bg>
-    <p:spTree>
-      <p:nvGrpSpPr>
-        <p:cNvPr id="1" name=""/>
-        <p:cNvGrpSpPr/>
-        <p:nvPr/>
-      </p:nvGrpSpPr>
-      <p:grpSpPr>
-        <a:xfrm>
-          <a:off x="0" y="0"/>
-          <a:ext cx="0" cy="0"/>
-          <a:chOff x="0" y="0"/>
-          <a:chExt cx="0" cy="0"/>
-        </a:xfrm>
-      </p:grpSpPr>
-      <p:sp>
-        <p:nvSpPr>
-          <p:cNvPr id="2" name="Title 1"/>
-          <p:cNvSpPr>
-            <a:spLocks noGrp="1"/>
-          </p:cNvSpPr>
-          <p:nvPr>
-            <p:ph type="title"/>
-          </p:nvPr>
-        </p:nvSpPr>
-        <p:spPr/>
-        <p:txBody>
-          <a:bodyPr/>
-          <a:lstStyle/>
-          <a:p>
-            <a:r>
-              <a:rPr lang="en-US" dirty="0"/>
-              <a:t>Linear Models - Regressors</a:t>
-            </a:r>
-          </a:p>
-        </p:txBody>
-      </p:sp>
-      <p:sp>
-        <p:nvSpPr>
-          <p:cNvPr id="3" name="Content Placeholder 2"/>
-          <p:cNvSpPr>
-            <a:spLocks noGrp="1"/>
-          </p:cNvSpPr>
-          <p:nvPr>
-            <p:ph idx="1"/>
-          </p:nvPr>
-        </p:nvSpPr>
-        <p:spPr/>
-        <p:txBody>
-          <a:bodyPr/>
-          <a:lstStyle/>
-          <a:p>
-            <a:r>
-              <a:rPr lang="en-US" dirty="0"/>
-              <a:t>Forest</a:t>
-            </a:r>
-          </a:p>
-          <a:p>
-            <a:pPr lvl="2"/>
-            <a:endParaRPr lang="en-US" dirty="0"/>
-          </a:p>
-          <a:p>
-            <a:endParaRPr lang="en-US" dirty="0"/>
-          </a:p>
-        </p:txBody>
-      </p:sp>
-    </p:spTree>
-    <p:extLst>
-      <p:ext uri="{BB962C8B-B14F-4D97-AF65-F5344CB8AC3E}">
-        <p14:creationId xmlns:p14="http://schemas.microsoft.com/office/powerpoint/2010/main" val="358457677"/>
+        <p14:creationId xmlns:p14="http://schemas.microsoft.com/office/powerpoint/2010/main" val="3528512833"/>
       </p:ext>
     </p:extLst>
   </p:cSld>
@@ -11531,7 +11880,7 @@
           <a:p>
             <a:r>
               <a:rPr lang="en-US" dirty="0"/>
-              <a:t>Gradient-Boosted Forest</a:t>
+              <a:t>K-Nearest Neighbors Regression</a:t>
             </a:r>
           </a:p>
           <a:p>
@@ -11546,7 +11895,7 @@
     </p:spTree>
     <p:extLst>
       <p:ext uri="{BB962C8B-B14F-4D97-AF65-F5344CB8AC3E}">
-        <p14:creationId xmlns:p14="http://schemas.microsoft.com/office/powerpoint/2010/main" val="1436682753"/>
+        <p14:creationId xmlns:p14="http://schemas.microsoft.com/office/powerpoint/2010/main" val="3048577779"/>
       </p:ext>
     </p:extLst>
   </p:cSld>
@@ -11614,7 +11963,7 @@
           <a:p>
             <a:r>
               <a:rPr lang="en-US" dirty="0"/>
-              <a:t>Evaluating Accuracy</a:t>
+              <a:t>Linear Models - Regressors</a:t>
             </a:r>
           </a:p>
         </p:txBody>
@@ -11631,37 +11980,159 @@
         </p:nvSpPr>
         <p:spPr/>
         <p:txBody>
-          <a:bodyPr/>
-          <a:lstStyle/>
-          <a:p>
-            <a:r>
-              <a:rPr lang="en-US" dirty="0"/>
-              <a:t>Overview</a:t>
+          <a:bodyPr>
+            <a:normAutofit/>
+          </a:bodyPr>
+          <a:lstStyle/>
+          <a:p>
+            <a:r>
+              <a:rPr lang="en-US" dirty="0"/>
+              <a:t>Regressors</a:t>
             </a:r>
           </a:p>
           <a:p>
             <a:pPr lvl="1"/>
             <a:r>
               <a:rPr lang="en-US" dirty="0"/>
-              <a:t>&lt;model&gt;.score(</a:t>
-            </a:r>
+              <a:t>Tries to predict as close to a value as possible.</a:t>
+            </a:r>
+          </a:p>
+          <a:p>
+            <a:pPr lvl="1"/>
+            <a:r>
+              <a:rPr lang="en-US" dirty="0"/>
+              <a:t>Creates a linear equation to predict outcomes:</a:t>
+            </a:r>
+          </a:p>
+          <a:p>
+            <a:pPr lvl="2"/>
             <a:r>
               <a:rPr lang="en-US" dirty="0" err="1"/>
-              <a:t>test_data</a:t>
-            </a:r>
-            <a:r>
-              <a:rPr lang="en-US" dirty="0"/>
-              <a:t>, </a:t>
+              <a:t>Y</a:t>
+            </a:r>
+            <a:r>
+              <a:rPr lang="en-US" baseline="-25000" dirty="0" err="1"/>
+              <a:t>predict</a:t>
+            </a:r>
+            <a:r>
+              <a:rPr lang="en-US" dirty="0"/>
+              <a:t> = w</a:t>
+            </a:r>
+            <a:r>
+              <a:rPr lang="en-US" baseline="-25000" dirty="0"/>
+              <a:t>1</a:t>
+            </a:r>
+            <a:r>
+              <a:rPr lang="en-US" dirty="0"/>
+              <a:t>*f</a:t>
+            </a:r>
+            <a:r>
+              <a:rPr lang="en-US" baseline="-25000" dirty="0"/>
+              <a:t>1</a:t>
+            </a:r>
+            <a:r>
+              <a:rPr lang="en-US" dirty="0"/>
+              <a:t> + w</a:t>
+            </a:r>
+            <a:r>
+              <a:rPr lang="en-US" baseline="-25000" dirty="0"/>
+              <a:t>2</a:t>
+            </a:r>
+            <a:r>
+              <a:rPr lang="en-US" dirty="0"/>
+              <a:t>*f</a:t>
+            </a:r>
+            <a:r>
+              <a:rPr lang="en-US" baseline="-25000" dirty="0"/>
+              <a:t>2</a:t>
+            </a:r>
+            <a:r>
+              <a:rPr lang="en-US" dirty="0"/>
+              <a:t> + w</a:t>
+            </a:r>
+            <a:r>
+              <a:rPr lang="en-US" baseline="-25000" dirty="0"/>
+              <a:t>3</a:t>
+            </a:r>
+            <a:r>
+              <a:rPr lang="en-US" dirty="0"/>
+              <a:t>*f</a:t>
+            </a:r>
+            <a:r>
+              <a:rPr lang="en-US" baseline="-25000" dirty="0"/>
+              <a:t>3</a:t>
+            </a:r>
+            <a:r>
+              <a:rPr lang="en-US" dirty="0"/>
+              <a:t> + … + </a:t>
             </a:r>
             <a:r>
               <a:rPr lang="en-US" dirty="0" err="1"/>
-              <a:t>test_labels</a:t>
-            </a:r>
-            <a:r>
-              <a:rPr lang="en-US"/>
-              <a:t>)</a:t>
-            </a:r>
-            <a:endParaRPr lang="en-US" dirty="0"/>
+              <a:t>w</a:t>
+            </a:r>
+            <a:r>
+              <a:rPr lang="en-US" baseline="-25000" dirty="0" err="1"/>
+              <a:t>n</a:t>
+            </a:r>
+            <a:r>
+              <a:rPr lang="en-US" dirty="0"/>
+              <a:t>*</a:t>
+            </a:r>
+            <a:r>
+              <a:rPr lang="en-US" dirty="0" err="1"/>
+              <a:t>f</a:t>
+            </a:r>
+            <a:r>
+              <a:rPr lang="en-US" baseline="-25000" dirty="0" err="1"/>
+              <a:t>n</a:t>
+            </a:r>
+            <a:r>
+              <a:rPr lang="en-US" dirty="0"/>
+              <a:t> + b</a:t>
+            </a:r>
+          </a:p>
+          <a:p>
+            <a:pPr lvl="3"/>
+            <a:r>
+              <a:rPr lang="en-US" dirty="0" err="1"/>
+              <a:t>Y</a:t>
+            </a:r>
+            <a:r>
+              <a:rPr lang="en-US" baseline="-25000" dirty="0" err="1"/>
+              <a:t>predict</a:t>
+            </a:r>
+            <a:r>
+              <a:rPr lang="en-US" dirty="0"/>
+              <a:t> = prediction value</a:t>
+            </a:r>
+          </a:p>
+          <a:p>
+            <a:pPr lvl="3"/>
+            <a:r>
+              <a:rPr lang="en-US" dirty="0"/>
+              <a:t>w = weights</a:t>
+            </a:r>
+          </a:p>
+          <a:p>
+            <a:pPr lvl="3"/>
+            <a:r>
+              <a:rPr lang="en-US" dirty="0"/>
+              <a:t>f = feature value</a:t>
+            </a:r>
+          </a:p>
+          <a:p>
+            <a:pPr lvl="3"/>
+            <a:r>
+              <a:rPr lang="en-US" dirty="0"/>
+              <a:t>b = intercept of linear line</a:t>
+            </a:r>
+          </a:p>
+          <a:p>
+            <a:pPr lvl="3"/>
+            <a:r>
+              <a:rPr lang="en-US" dirty="0"/>
+              <a:t>n = number of features</a:t>
+            </a:r>
           </a:p>
           <a:p>
             <a:pPr lvl="2"/>
@@ -11675,7 +12146,7 @@
     </p:spTree>
     <p:extLst>
       <p:ext uri="{BB962C8B-B14F-4D97-AF65-F5344CB8AC3E}">
-        <p14:creationId xmlns:p14="http://schemas.microsoft.com/office/powerpoint/2010/main" val="4053921630"/>
+        <p14:creationId xmlns:p14="http://schemas.microsoft.com/office/powerpoint/2010/main" val="1469044682"/>
       </p:ext>
     </p:extLst>
   </p:cSld>
@@ -11873,69 +12344,73 @@
           <a:lstStyle/>
           <a:p>
             <a:r>
+              <a:rPr lang="en-US" dirty="0"/>
+              <a:t>Linear Models - Regressors</a:t>
+            </a:r>
+          </a:p>
+        </p:txBody>
+      </p:sp>
+      <p:sp>
+        <p:nvSpPr>
+          <p:cNvPr id="3" name="Content Placeholder 2"/>
+          <p:cNvSpPr>
+            <a:spLocks noGrp="1"/>
+          </p:cNvSpPr>
+          <p:nvPr>
+            <p:ph idx="1"/>
+          </p:nvPr>
+        </p:nvSpPr>
+        <p:spPr/>
+        <p:txBody>
+          <a:bodyPr>
+            <a:normAutofit/>
+          </a:bodyPr>
+          <a:lstStyle/>
+          <a:p>
+            <a:r>
+              <a:rPr lang="en-US" dirty="0"/>
+              <a:t>Regressors</a:t>
+            </a:r>
+          </a:p>
+          <a:p>
+            <a:pPr lvl="1"/>
+            <a:r>
+              <a:rPr lang="en-US" dirty="0"/>
+              <a:t>The models we train adjust the values of </a:t>
+            </a:r>
+            <a:r>
               <a:rPr lang="en-US" dirty="0" err="1"/>
-              <a:t>Scikit</a:t>
-            </a:r>
-            <a:r>
-              <a:rPr lang="en-US" dirty="0"/>
-              <a:t>-Learn Machine Learning</a:t>
-            </a:r>
-          </a:p>
-        </p:txBody>
-      </p:sp>
-      <p:sp>
-        <p:nvSpPr>
-          <p:cNvPr id="3" name="Content Placeholder 2"/>
-          <p:cNvSpPr>
-            <a:spLocks noGrp="1"/>
-          </p:cNvSpPr>
-          <p:nvPr>
-            <p:ph idx="1"/>
-          </p:nvPr>
-        </p:nvSpPr>
-        <p:spPr/>
-        <p:txBody>
-          <a:bodyPr/>
-          <a:lstStyle/>
-          <a:p>
-            <a:r>
-              <a:rPr lang="en-US" dirty="0"/>
-              <a:t>Overview</a:t>
-            </a:r>
+              <a:t>w</a:t>
+            </a:r>
+            <a:r>
+              <a:rPr lang="en-US" baseline="-25000" dirty="0" err="1"/>
+              <a:t>x</a:t>
+            </a:r>
+            <a:r>
+              <a:rPr lang="en-US" dirty="0"/>
+              <a:t> and b.</a:t>
+            </a:r>
+            <a:endParaRPr lang="en-US" baseline="-25000" dirty="0"/>
           </a:p>
           <a:p>
             <a:pPr lvl="1"/>
             <a:r>
               <a:rPr lang="en-US" dirty="0"/>
-              <a:t>Definition</a:t>
-            </a:r>
-          </a:p>
-          <a:p>
-            <a:pPr lvl="1"/>
-            <a:r>
-              <a:rPr lang="en-US" dirty="0"/>
-              <a:t>General Types</a:t>
-            </a:r>
-          </a:p>
-          <a:p>
-            <a:pPr lvl="1"/>
-            <a:r>
-              <a:rPr lang="en-US" dirty="0"/>
-              <a:t>Basic Linear Models</a:t>
-            </a:r>
-          </a:p>
-          <a:p>
-            <a:pPr lvl="1"/>
-            <a:r>
-              <a:rPr lang="en-US" dirty="0"/>
-              <a:t>Algorithm Types</a:t>
-            </a:r>
-          </a:p>
-          <a:p>
-            <a:pPr lvl="1"/>
-            <a:r>
-              <a:rPr lang="en-US" dirty="0"/>
-              <a:t>Tuning</a:t>
+              <a:t>Examples:</a:t>
+            </a:r>
+          </a:p>
+          <a:p>
+            <a:pPr lvl="2"/>
+            <a:r>
+              <a:rPr lang="en-US" dirty="0"/>
+              <a:t>Trying to predict median household income of an area.</a:t>
+            </a:r>
+          </a:p>
+          <a:p>
+            <a:pPr lvl="2"/>
+            <a:r>
+              <a:rPr lang="en-US" dirty="0"/>
+              <a:t>Trying to predict the value a stock will rise to.</a:t>
             </a:r>
           </a:p>
           <a:p>
@@ -11950,7 +12425,7 @@
     </p:spTree>
     <p:extLst>
       <p:ext uri="{BB962C8B-B14F-4D97-AF65-F5344CB8AC3E}">
-        <p14:creationId xmlns:p14="http://schemas.microsoft.com/office/powerpoint/2010/main" val="754999196"/>
+        <p14:creationId xmlns:p14="http://schemas.microsoft.com/office/powerpoint/2010/main" val="3393903202"/>
       </p:ext>
     </p:extLst>
   </p:cSld>
@@ -12018,7 +12493,7 @@
           <a:p>
             <a:r>
               <a:rPr lang="en-US" dirty="0"/>
-              <a:t>Tuning</a:t>
+              <a:t>Linear Models - Regressors</a:t>
             </a:r>
           </a:p>
         </p:txBody>
@@ -12040,12 +12515,29 @@
           <a:p>
             <a:r>
               <a:rPr lang="en-US" dirty="0"/>
-              <a:t>Determining what features matter</a:t>
-            </a:r>
-          </a:p>
-          <a:p>
-            <a:pPr lvl="2"/>
-            <a:endParaRPr lang="en-US" dirty="0"/>
+              <a:t>Linear Regression (Ordinary Least Squares)</a:t>
+            </a:r>
+          </a:p>
+          <a:p>
+            <a:pPr lvl="1"/>
+            <a:r>
+              <a:rPr lang="en-US" dirty="0"/>
+              <a:t>Attempts to minimize the mean squared error between the prediction and the target values.</a:t>
+            </a:r>
+          </a:p>
+          <a:p>
+            <a:pPr lvl="1"/>
+            <a:r>
+              <a:rPr lang="en-US" dirty="0"/>
+              <a:t>The error of this trainer is calculated by adding the squared differences between the predicted value with the actual target value.</a:t>
+            </a:r>
+          </a:p>
+          <a:p>
+            <a:pPr lvl="1"/>
+            <a:r>
+              <a:rPr lang="en-US" dirty="0"/>
+              <a:t>No regularization parameters to adjust the accuracy of this trainer</a:t>
+            </a:r>
           </a:p>
           <a:p>
             <a:endParaRPr lang="en-US" dirty="0"/>
@@ -12055,7 +12547,7 @@
     </p:spTree>
     <p:extLst>
       <p:ext uri="{BB962C8B-B14F-4D97-AF65-F5344CB8AC3E}">
-        <p14:creationId xmlns:p14="http://schemas.microsoft.com/office/powerpoint/2010/main" val="3393037686"/>
+        <p14:creationId xmlns:p14="http://schemas.microsoft.com/office/powerpoint/2010/main" val="2836403428"/>
       </p:ext>
     </p:extLst>
   </p:cSld>
@@ -12123,7 +12615,7 @@
           <a:p>
             <a:r>
               <a:rPr lang="en-US" dirty="0"/>
-              <a:t>Tuning</a:t>
+              <a:t>Linear Models - Regressors</a:t>
             </a:r>
           </a:p>
         </p:txBody>
@@ -12145,29 +12637,27 @@
           <a:p>
             <a:r>
               <a:rPr lang="en-US" dirty="0"/>
-              <a:t>Parameters to Play with</a:t>
+              <a:t>In-Class Example – Linear Regression</a:t>
             </a:r>
           </a:p>
           <a:p>
             <a:pPr lvl="1"/>
-            <a:r>
-              <a:rPr lang="en-US" dirty="0"/>
-              <a:t>K-Nearest Neighbors</a:t>
-            </a:r>
+            <a:endParaRPr lang="en-US" dirty="0"/>
           </a:p>
           <a:p>
             <a:pPr lvl="2"/>
-            <a:r>
-              <a:rPr lang="en-US" dirty="0"/>
-              <a:t>Number of neighbors to test point</a:t>
-            </a:r>
+            <a:endParaRPr lang="en-US" dirty="0"/>
+          </a:p>
+          <a:p>
+            <a:endParaRPr lang="en-US" dirty="0"/>
+          </a:p>
+          <a:p>
+            <a:pPr lvl="1"/>
+            <a:endParaRPr lang="en-US" dirty="0"/>
           </a:p>
           <a:p>
             <a:pPr lvl="2"/>
-            <a:r>
-              <a:rPr lang="en-US" dirty="0"/>
-              <a:t>Algorithm to evaluate distance test point is from data points</a:t>
-            </a:r>
+            <a:endParaRPr lang="en-US" dirty="0"/>
           </a:p>
           <a:p>
             <a:pPr lvl="2"/>
@@ -12181,7 +12671,7 @@
     </p:spTree>
     <p:extLst>
       <p:ext uri="{BB962C8B-B14F-4D97-AF65-F5344CB8AC3E}">
-        <p14:creationId xmlns:p14="http://schemas.microsoft.com/office/powerpoint/2010/main" val="274238177"/>
+        <p14:creationId xmlns:p14="http://schemas.microsoft.com/office/powerpoint/2010/main" val="3636144303"/>
       </p:ext>
     </p:extLst>
   </p:cSld>
@@ -12249,7 +12739,7 @@
           <a:p>
             <a:r>
               <a:rPr lang="en-US" dirty="0"/>
-              <a:t>Tuning</a:t>
+              <a:t>Linear Models - Regressors</a:t>
             </a:r>
           </a:p>
         </p:txBody>
@@ -12266,12 +12756,21 @@
         </p:nvSpPr>
         <p:spPr/>
         <p:txBody>
-          <a:bodyPr/>
-          <a:lstStyle/>
-          <a:p>
-            <a:r>
-              <a:rPr lang="en-US" dirty="0"/>
-              <a:t>Grid Search</a:t>
+          <a:bodyPr>
+            <a:normAutofit/>
+          </a:bodyPr>
+          <a:lstStyle/>
+          <a:p>
+            <a:r>
+              <a:rPr lang="en-US" dirty="0"/>
+              <a:t>Ridge Regression</a:t>
+            </a:r>
+          </a:p>
+          <a:p>
+            <a:pPr lvl="1"/>
+            <a:r>
+              <a:rPr lang="en-US" dirty="0"/>
+              <a:t>Uses OLS to fit the data, with the additional constraint of attempting to minimize the magnitude of the weight coefficients for each feature without eliminating the feature.</a:t>
             </a:r>
           </a:p>
           <a:p>
@@ -12286,7 +12785,7 @@
     </p:spTree>
     <p:extLst>
       <p:ext uri="{BB962C8B-B14F-4D97-AF65-F5344CB8AC3E}">
-        <p14:creationId xmlns:p14="http://schemas.microsoft.com/office/powerpoint/2010/main" val="2622179278"/>
+        <p14:creationId xmlns:p14="http://schemas.microsoft.com/office/powerpoint/2010/main" val="474133971"/>
       </p:ext>
     </p:extLst>
   </p:cSld>
@@ -12353,12 +12852,8 @@
           <a:lstStyle/>
           <a:p>
             <a:r>
-              <a:rPr lang="en-US" dirty="0" err="1"/>
-              <a:t>Scikit</a:t>
-            </a:r>
-            <a:r>
-              <a:rPr lang="en-US" dirty="0"/>
-              <a:t>-Learn Machine Learning</a:t>
+              <a:rPr lang="en-US" dirty="0"/>
+              <a:t>Linear Models - Regressors</a:t>
             </a:r>
           </a:p>
         </p:txBody>
@@ -12375,47 +12870,35 @@
         </p:nvSpPr>
         <p:spPr/>
         <p:txBody>
-          <a:bodyPr/>
-          <a:lstStyle/>
-          <a:p>
-            <a:r>
-              <a:rPr lang="en-US" dirty="0"/>
-              <a:t>Overview</a:t>
+          <a:bodyPr>
+            <a:normAutofit/>
+          </a:bodyPr>
+          <a:lstStyle/>
+          <a:p>
+            <a:r>
+              <a:rPr lang="en-US" dirty="0"/>
+              <a:t>Ridge Regression</a:t>
             </a:r>
           </a:p>
           <a:p>
             <a:pPr lvl="1"/>
             <a:r>
               <a:rPr lang="en-US" dirty="0"/>
-              <a:t>Definition</a:t>
+              <a:t>Each weight should be as close to zero as possible.</a:t>
             </a:r>
           </a:p>
           <a:p>
             <a:pPr lvl="1"/>
             <a:r>
               <a:rPr lang="en-US" dirty="0"/>
-              <a:t>General Types</a:t>
+              <a:t>Each feature will have as little affect on the prediction as possible.</a:t>
             </a:r>
           </a:p>
           <a:p>
             <a:pPr lvl="1"/>
             <a:r>
               <a:rPr lang="en-US" dirty="0"/>
-              <a:t>Basic Linear Models</a:t>
-            </a:r>
-          </a:p>
-          <a:p>
-            <a:pPr lvl="1"/>
-            <a:r>
-              <a:rPr lang="en-US" dirty="0"/>
-              <a:t>Algorithm Types</a:t>
-            </a:r>
-          </a:p>
-          <a:p>
-            <a:pPr lvl="1"/>
-            <a:r>
-              <a:rPr lang="en-US" dirty="0"/>
-              <a:t>Tuning</a:t>
+              <a:t>Note that the feature weights will not be exactly zero using this trainer, so each feature still affects the prediction.</a:t>
             </a:r>
           </a:p>
           <a:p>
@@ -12430,7 +12913,7 @@
     </p:spTree>
     <p:extLst>
       <p:ext uri="{BB962C8B-B14F-4D97-AF65-F5344CB8AC3E}">
-        <p14:creationId xmlns:p14="http://schemas.microsoft.com/office/powerpoint/2010/main" val="2946119377"/>
+        <p14:creationId xmlns:p14="http://schemas.microsoft.com/office/powerpoint/2010/main" val="3620252848"/>
       </p:ext>
     </p:extLst>
   </p:cSld>
@@ -12446,8 +12929,18 @@
     <p:bg>
       <p:bgPr>
         <a:blipFill dpi="0" rotWithShape="1">
-          <a:blip r:embed="rId2">
-            <a:lum/>
+          <a:blip r:embed="rId3">
+            <a:extLst>
+              <a:ext uri="{BEBA8EAE-BF5A-486C-A8C5-ECC9F3942E4B}">
+                <a14:imgProps xmlns:a14="http://schemas.microsoft.com/office/drawing/2010/main">
+                  <a14:imgLayer r:embed="rId4">
+                    <a14:imgEffect>
+                      <a14:brightnessContrast bright="-50000"/>
+                    </a14:imgEffect>
+                  </a14:imgLayer>
+                </a14:imgProps>
+              </a:ext>
+            </a:extLst>
           </a:blip>
           <a:srcRect/>
           <a:stretch>
@@ -12488,7 +12981,7 @@
           <a:p>
             <a:r>
               <a:rPr lang="en-US" dirty="0"/>
-              <a:t>Bibliography</a:t>
+              <a:t>Linear Models - Regressors</a:t>
             </a:r>
           </a:p>
         </p:txBody>
@@ -12505,31 +12998,60 @@
         </p:nvSpPr>
         <p:spPr/>
         <p:txBody>
-          <a:bodyPr>
-            <a:normAutofit/>
-          </a:bodyPr>
-          <a:lstStyle/>
-          <a:p>
-            <a:pPr marL="514350" indent="-514350">
-              <a:buFont typeface="+mj-lt"/>
-              <a:buAutoNum type="arabicParenR"/>
-            </a:pPr>
-            <a:r>
-              <a:rPr lang="en-US" dirty="0"/>
-              <a:t>https://github.com/amueller/introduction_to_ml_with_python/blob/master/02-supervised-learning.ipynb</a:t>
-            </a:r>
+          <a:bodyPr/>
+          <a:lstStyle/>
+          <a:p>
+            <a:r>
+              <a:rPr lang="en-US" dirty="0"/>
+              <a:t>Ridge Regression</a:t>
+            </a:r>
+          </a:p>
+          <a:p>
+            <a:pPr lvl="1"/>
+            <a:r>
+              <a:rPr lang="en-US" dirty="0"/>
+              <a:t>Attempting to minimize the weight magnitudes is a form of regularization.</a:t>
+            </a:r>
+          </a:p>
+          <a:p>
+            <a:pPr lvl="2"/>
+            <a:r>
+              <a:rPr lang="en-US" dirty="0"/>
+              <a:t>Regularization is used to attempt to prevent overfitting.</a:t>
+            </a:r>
+          </a:p>
+          <a:p>
+            <a:pPr lvl="1"/>
+            <a:r>
+              <a:rPr lang="en-US" dirty="0"/>
+              <a:t>This trainer uses L2 regularization</a:t>
+            </a:r>
+          </a:p>
+          <a:p>
+            <a:pPr lvl="2"/>
+            <a:r>
+              <a:rPr lang="en-US" dirty="0"/>
+              <a:t>The sum of the square of the weight coefficient for each feature is used as a penalty term in determining model accuracy.</a:t>
+            </a:r>
+          </a:p>
+          <a:p>
+            <a:pPr lvl="2"/>
+            <a:endParaRPr lang="en-US" dirty="0"/>
+          </a:p>
+          <a:p>
+            <a:endParaRPr lang="en-US" dirty="0"/>
           </a:p>
         </p:txBody>
       </p:sp>
     </p:spTree>
     <p:extLst>
       <p:ext uri="{BB962C8B-B14F-4D97-AF65-F5344CB8AC3E}">
-        <p14:creationId xmlns:p14="http://schemas.microsoft.com/office/powerpoint/2010/main" val="3645036191"/>
+        <p14:creationId xmlns:p14="http://schemas.microsoft.com/office/powerpoint/2010/main" val="1031170893"/>
       </p:ext>
     </p:extLst>
   </p:cSld>
   <p:clrMapOvr>
-    <a:masterClrMapping/>
+    <a:overrideClrMapping bg1="lt1" tx1="dk1" bg2="lt2" tx2="dk2" accent1="accent1" accent2="accent2" accent3="accent3" accent4="accent4" accent5="accent5" accent6="accent6" hlink="hlink" folHlink="folHlink"/>
   </p:clrMapOvr>
 </p:sld>
 </file>
@@ -12540,8 +13062,18 @@
     <p:bg>
       <p:bgPr>
         <a:blipFill dpi="0" rotWithShape="1">
-          <a:blip r:embed="rId2">
-            <a:lum/>
+          <a:blip r:embed="rId3">
+            <a:extLst>
+              <a:ext uri="{BEBA8EAE-BF5A-486C-A8C5-ECC9F3942E4B}">
+                <a14:imgProps xmlns:a14="http://schemas.microsoft.com/office/drawing/2010/main">
+                  <a14:imgLayer r:embed="rId4">
+                    <a14:imgEffect>
+                      <a14:brightnessContrast bright="-50000"/>
+                    </a14:imgEffect>
+                  </a14:imgLayer>
+                </a14:imgProps>
+              </a:ext>
+            </a:extLst>
           </a:blip>
           <a:srcRect/>
           <a:stretch>
@@ -12582,7 +13114,7 @@
           <a:p>
             <a:r>
               <a:rPr lang="en-US" dirty="0"/>
-              <a:t>LICENSE</a:t>
+              <a:t>Linear Models - Regressors</a:t>
             </a:r>
           </a:p>
         </p:txBody>
@@ -12599,45 +13131,456 @@
         </p:nvSpPr>
         <p:spPr/>
         <p:txBody>
-          <a:bodyPr>
-            <a:normAutofit fontScale="62500" lnSpcReduction="20000"/>
-          </a:bodyPr>
-          <a:lstStyle/>
-          <a:p>
-            <a:r>
-              <a:rPr lang="en-US" dirty="0"/>
-              <a:t>Copyright 2021 Douglas Bowman</a:t>
-            </a:r>
-          </a:p>
-          <a:p>
-            <a:r>
-              <a:rPr lang="en-US" dirty="0"/>
-              <a:t>Permission is hereby granted, free of charge, to any person obtaining a copy of this software and associated documentation files (the "Software"), to deal in the Software without restriction, including without limitation the rights to use, copy, modify, merge, publish, distribute, sublicense, and/or sell copies of the Software, and to permit persons to whom the Software is furnished to do so, subject to the following conditions:</a:t>
-            </a:r>
-          </a:p>
-          <a:p>
-            <a:r>
-              <a:rPr lang="en-US" dirty="0"/>
-              <a:t>The above copyright notice and this permission notice shall be included in all copies or substantial portions of the Software.</a:t>
-            </a:r>
-          </a:p>
-          <a:p>
-            <a:r>
-              <a:rPr lang="en-US" dirty="0"/>
-              <a:t>THE SOFTWARE IS PROVIDED "AS IS", WITHOUT WARRANTY OF ANY KIND, EXPRESS OR IMPLIED, INCLUDING BUT NOT LIMITED TO THE WARRANTIES OF MERCHANTABILITY, FITNESS FOR A PARTICULAR PURPOSE AND NONINFRINGEMENT. IN NO EVENT SHALL THE AUTHORS OR COPYRIGHT HOLDERS BE LIABLE FOR ANY CLAIM, DAMAGES OR OTHER LIABILITY, WHETHER IN AN ACTION OF CONTRACT, TORT OR OTHERWISE, ARISING FROM, OUT OF OR IN CONNECTION WITH THE SOFTWARE OR THE USE OR OTHER DEALINGS IN THE SOFTWARE.</a:t>
-            </a:r>
+          <a:bodyPr/>
+          <a:lstStyle/>
+          <a:p>
+            <a:r>
+              <a:rPr lang="en-US" dirty="0"/>
+              <a:t>Ridge Regression</a:t>
+            </a:r>
+          </a:p>
+          <a:p>
+            <a:pPr lvl="1"/>
+            <a:r>
+              <a:rPr lang="en-US" dirty="0"/>
+              <a:t>For this Scikit-Learn trainer, the alpha term is used for regularization.</a:t>
+            </a:r>
+          </a:p>
+          <a:p>
+            <a:pPr lvl="1"/>
+            <a:r>
+              <a:rPr lang="en-US" dirty="0"/>
+              <a:t>Increasing alpha moves each feature’s weight more towards zero.</a:t>
+            </a:r>
+          </a:p>
+          <a:p>
+            <a:pPr lvl="2"/>
+            <a:r>
+              <a:rPr lang="en-US" dirty="0"/>
+              <a:t>This may help make the model more generalized, which will help overfitting.</a:t>
+            </a:r>
+          </a:p>
+          <a:p>
+            <a:pPr lvl="2"/>
+            <a:r>
+              <a:rPr lang="en-US" dirty="0"/>
+              <a:t>This will decrease training set performance.</a:t>
+            </a:r>
+          </a:p>
+          <a:p>
+            <a:endParaRPr lang="en-US" dirty="0"/>
+          </a:p>
+          <a:p>
+            <a:pPr lvl="1"/>
+            <a:endParaRPr lang="en-US" dirty="0"/>
+          </a:p>
+          <a:p>
+            <a:pPr lvl="2"/>
+            <a:endParaRPr lang="en-US" dirty="0"/>
+          </a:p>
+          <a:p>
+            <a:pPr lvl="2"/>
+            <a:endParaRPr lang="en-US" dirty="0"/>
+          </a:p>
+          <a:p>
+            <a:endParaRPr lang="en-US" dirty="0"/>
           </a:p>
         </p:txBody>
       </p:sp>
     </p:spTree>
     <p:extLst>
       <p:ext uri="{BB962C8B-B14F-4D97-AF65-F5344CB8AC3E}">
-        <p14:creationId xmlns:p14="http://schemas.microsoft.com/office/powerpoint/2010/main" val="3405347719"/>
+        <p14:creationId xmlns:p14="http://schemas.microsoft.com/office/powerpoint/2010/main" val="4041600192"/>
       </p:ext>
     </p:extLst>
   </p:cSld>
   <p:clrMapOvr>
-    <a:masterClrMapping/>
+    <a:overrideClrMapping bg1="lt1" tx1="dk1" bg2="lt2" tx2="dk2" accent1="accent1" accent2="accent2" accent3="accent3" accent4="accent4" accent5="accent5" accent6="accent6" hlink="hlink" folHlink="folHlink"/>
+  </p:clrMapOvr>
+</p:sld>
+</file>
+
+<file path=ppt/slides/slide47.xml><?xml version="1.0" encoding="utf-8"?>
+<p:sld xmlns:a="http://schemas.openxmlformats.org/drawingml/2006/main" xmlns:r="http://schemas.openxmlformats.org/officeDocument/2006/relationships" xmlns:p="http://schemas.openxmlformats.org/presentationml/2006/main">
+  <p:cSld>
+    <p:bg>
+      <p:bgPr>
+        <a:blipFill dpi="0" rotWithShape="1">
+          <a:blip r:embed="rId3">
+            <a:extLst>
+              <a:ext uri="{BEBA8EAE-BF5A-486C-A8C5-ECC9F3942E4B}">
+                <a14:imgProps xmlns:a14="http://schemas.microsoft.com/office/drawing/2010/main">
+                  <a14:imgLayer r:embed="rId4">
+                    <a14:imgEffect>
+                      <a14:brightnessContrast bright="-50000"/>
+                    </a14:imgEffect>
+                  </a14:imgLayer>
+                </a14:imgProps>
+              </a:ext>
+            </a:extLst>
+          </a:blip>
+          <a:srcRect/>
+          <a:stretch>
+            <a:fillRect l="-10000" r="-10000"/>
+          </a:stretch>
+        </a:blipFill>
+        <a:effectLst/>
+      </p:bgPr>
+    </p:bg>
+    <p:spTree>
+      <p:nvGrpSpPr>
+        <p:cNvPr id="1" name=""/>
+        <p:cNvGrpSpPr/>
+        <p:nvPr/>
+      </p:nvGrpSpPr>
+      <p:grpSpPr>
+        <a:xfrm>
+          <a:off x="0" y="0"/>
+          <a:ext cx="0" cy="0"/>
+          <a:chOff x="0" y="0"/>
+          <a:chExt cx="0" cy="0"/>
+        </a:xfrm>
+      </p:grpSpPr>
+      <p:sp>
+        <p:nvSpPr>
+          <p:cNvPr id="2" name="Title 1"/>
+          <p:cNvSpPr>
+            <a:spLocks noGrp="1"/>
+          </p:cNvSpPr>
+          <p:nvPr>
+            <p:ph type="title"/>
+          </p:nvPr>
+        </p:nvSpPr>
+        <p:spPr/>
+        <p:txBody>
+          <a:bodyPr/>
+          <a:lstStyle/>
+          <a:p>
+            <a:r>
+              <a:rPr lang="en-US" dirty="0"/>
+              <a:t>Linear Models - Regressors</a:t>
+            </a:r>
+          </a:p>
+        </p:txBody>
+      </p:sp>
+      <p:sp>
+        <p:nvSpPr>
+          <p:cNvPr id="3" name="Content Placeholder 2"/>
+          <p:cNvSpPr>
+            <a:spLocks noGrp="1"/>
+          </p:cNvSpPr>
+          <p:nvPr>
+            <p:ph idx="1"/>
+          </p:nvPr>
+        </p:nvSpPr>
+        <p:spPr/>
+        <p:txBody>
+          <a:bodyPr/>
+          <a:lstStyle/>
+          <a:p>
+            <a:r>
+              <a:rPr lang="en-US" dirty="0"/>
+              <a:t>Ridge Regression</a:t>
+            </a:r>
+          </a:p>
+          <a:p>
+            <a:pPr lvl="1"/>
+            <a:r>
+              <a:rPr lang="en-US" dirty="0"/>
+              <a:t>Increasing alpha more and more will not necessarily make the model more predictive.</a:t>
+            </a:r>
+          </a:p>
+          <a:p>
+            <a:pPr lvl="1"/>
+            <a:r>
+              <a:rPr lang="en-US" dirty="0"/>
+              <a:t>Alpha will need tuned for an optimal model.</a:t>
+            </a:r>
+          </a:p>
+          <a:p>
+            <a:pPr lvl="2"/>
+            <a:endParaRPr lang="en-US" dirty="0"/>
+          </a:p>
+          <a:p>
+            <a:endParaRPr lang="en-US" dirty="0"/>
+          </a:p>
+          <a:p>
+            <a:pPr lvl="1"/>
+            <a:endParaRPr lang="en-US" dirty="0"/>
+          </a:p>
+          <a:p>
+            <a:pPr lvl="2"/>
+            <a:endParaRPr lang="en-US" dirty="0"/>
+          </a:p>
+          <a:p>
+            <a:pPr lvl="2"/>
+            <a:endParaRPr lang="en-US" dirty="0"/>
+          </a:p>
+          <a:p>
+            <a:endParaRPr lang="en-US" dirty="0"/>
+          </a:p>
+        </p:txBody>
+      </p:sp>
+    </p:spTree>
+    <p:extLst>
+      <p:ext uri="{BB962C8B-B14F-4D97-AF65-F5344CB8AC3E}">
+        <p14:creationId xmlns:p14="http://schemas.microsoft.com/office/powerpoint/2010/main" val="52183678"/>
+      </p:ext>
+    </p:extLst>
+  </p:cSld>
+  <p:clrMapOvr>
+    <a:overrideClrMapping bg1="lt1" tx1="dk1" bg2="lt2" tx2="dk2" accent1="accent1" accent2="accent2" accent3="accent3" accent4="accent4" accent5="accent5" accent6="accent6" hlink="hlink" folHlink="folHlink"/>
+  </p:clrMapOvr>
+</p:sld>
+</file>
+
+<file path=ppt/slides/slide48.xml><?xml version="1.0" encoding="utf-8"?>
+<p:sld xmlns:a="http://schemas.openxmlformats.org/drawingml/2006/main" xmlns:r="http://schemas.openxmlformats.org/officeDocument/2006/relationships" xmlns:p="http://schemas.openxmlformats.org/presentationml/2006/main">
+  <p:cSld>
+    <p:bg>
+      <p:bgPr>
+        <a:blipFill dpi="0" rotWithShape="1">
+          <a:blip r:embed="rId3">
+            <a:extLst>
+              <a:ext uri="{BEBA8EAE-BF5A-486C-A8C5-ECC9F3942E4B}">
+                <a14:imgProps xmlns:a14="http://schemas.microsoft.com/office/drawing/2010/main">
+                  <a14:imgLayer r:embed="rId4">
+                    <a14:imgEffect>
+                      <a14:brightnessContrast bright="-50000"/>
+                    </a14:imgEffect>
+                  </a14:imgLayer>
+                </a14:imgProps>
+              </a:ext>
+            </a:extLst>
+          </a:blip>
+          <a:srcRect/>
+          <a:stretch>
+            <a:fillRect l="-10000" r="-10000"/>
+          </a:stretch>
+        </a:blipFill>
+        <a:effectLst/>
+      </p:bgPr>
+    </p:bg>
+    <p:spTree>
+      <p:nvGrpSpPr>
+        <p:cNvPr id="1" name=""/>
+        <p:cNvGrpSpPr/>
+        <p:nvPr/>
+      </p:nvGrpSpPr>
+      <p:grpSpPr>
+        <a:xfrm>
+          <a:off x="0" y="0"/>
+          <a:ext cx="0" cy="0"/>
+          <a:chOff x="0" y="0"/>
+          <a:chExt cx="0" cy="0"/>
+        </a:xfrm>
+      </p:grpSpPr>
+      <p:sp>
+        <p:nvSpPr>
+          <p:cNvPr id="2" name="Title 1"/>
+          <p:cNvSpPr>
+            <a:spLocks noGrp="1"/>
+          </p:cNvSpPr>
+          <p:nvPr>
+            <p:ph type="title"/>
+          </p:nvPr>
+        </p:nvSpPr>
+        <p:spPr/>
+        <p:txBody>
+          <a:bodyPr/>
+          <a:lstStyle/>
+          <a:p>
+            <a:r>
+              <a:rPr lang="en-US" dirty="0"/>
+              <a:t>Linear Models - Regressors</a:t>
+            </a:r>
+          </a:p>
+        </p:txBody>
+      </p:sp>
+      <p:sp>
+        <p:nvSpPr>
+          <p:cNvPr id="3" name="Content Placeholder 2"/>
+          <p:cNvSpPr>
+            <a:spLocks noGrp="1"/>
+          </p:cNvSpPr>
+          <p:nvPr>
+            <p:ph idx="1"/>
+          </p:nvPr>
+        </p:nvSpPr>
+        <p:spPr/>
+        <p:txBody>
+          <a:bodyPr/>
+          <a:lstStyle/>
+          <a:p>
+            <a:r>
+              <a:rPr lang="en-US" dirty="0"/>
+              <a:t>In-Class Example – Ridge Regression</a:t>
+            </a:r>
+          </a:p>
+          <a:p>
+            <a:pPr lvl="1"/>
+            <a:endParaRPr lang="en-US" dirty="0"/>
+          </a:p>
+          <a:p>
+            <a:pPr lvl="2"/>
+            <a:endParaRPr lang="en-US" dirty="0"/>
+          </a:p>
+          <a:p>
+            <a:endParaRPr lang="en-US" dirty="0"/>
+          </a:p>
+          <a:p>
+            <a:pPr lvl="1"/>
+            <a:endParaRPr lang="en-US" dirty="0"/>
+          </a:p>
+          <a:p>
+            <a:pPr lvl="2"/>
+            <a:endParaRPr lang="en-US" dirty="0"/>
+          </a:p>
+          <a:p>
+            <a:pPr lvl="2"/>
+            <a:endParaRPr lang="en-US" dirty="0"/>
+          </a:p>
+          <a:p>
+            <a:endParaRPr lang="en-US" dirty="0"/>
+          </a:p>
+        </p:txBody>
+      </p:sp>
+    </p:spTree>
+    <p:extLst>
+      <p:ext uri="{BB962C8B-B14F-4D97-AF65-F5344CB8AC3E}">
+        <p14:creationId xmlns:p14="http://schemas.microsoft.com/office/powerpoint/2010/main" val="1030170644"/>
+      </p:ext>
+    </p:extLst>
+  </p:cSld>
+  <p:clrMapOvr>
+    <a:overrideClrMapping bg1="lt1" tx1="dk1" bg2="lt2" tx2="dk2" accent1="accent1" accent2="accent2" accent3="accent3" accent4="accent4" accent5="accent5" accent6="accent6" hlink="hlink" folHlink="folHlink"/>
+  </p:clrMapOvr>
+</p:sld>
+</file>
+
+<file path=ppt/slides/slide49.xml><?xml version="1.0" encoding="utf-8"?>
+<p:sld xmlns:a="http://schemas.openxmlformats.org/drawingml/2006/main" xmlns:r="http://schemas.openxmlformats.org/officeDocument/2006/relationships" xmlns:p="http://schemas.openxmlformats.org/presentationml/2006/main">
+  <p:cSld>
+    <p:bg>
+      <p:bgPr>
+        <a:blipFill dpi="0" rotWithShape="1">
+          <a:blip r:embed="rId3">
+            <a:extLst>
+              <a:ext uri="{BEBA8EAE-BF5A-486C-A8C5-ECC9F3942E4B}">
+                <a14:imgProps xmlns:a14="http://schemas.microsoft.com/office/drawing/2010/main">
+                  <a14:imgLayer r:embed="rId4">
+                    <a14:imgEffect>
+                      <a14:brightnessContrast bright="-50000"/>
+                    </a14:imgEffect>
+                  </a14:imgLayer>
+                </a14:imgProps>
+              </a:ext>
+            </a:extLst>
+          </a:blip>
+          <a:srcRect/>
+          <a:stretch>
+            <a:fillRect l="-10000" r="-10000"/>
+          </a:stretch>
+        </a:blipFill>
+        <a:effectLst/>
+      </p:bgPr>
+    </p:bg>
+    <p:spTree>
+      <p:nvGrpSpPr>
+        <p:cNvPr id="1" name=""/>
+        <p:cNvGrpSpPr/>
+        <p:nvPr/>
+      </p:nvGrpSpPr>
+      <p:grpSpPr>
+        <a:xfrm>
+          <a:off x="0" y="0"/>
+          <a:ext cx="0" cy="0"/>
+          <a:chOff x="0" y="0"/>
+          <a:chExt cx="0" cy="0"/>
+        </a:xfrm>
+      </p:grpSpPr>
+      <p:sp>
+        <p:nvSpPr>
+          <p:cNvPr id="2" name="Title 1"/>
+          <p:cNvSpPr>
+            <a:spLocks noGrp="1"/>
+          </p:cNvSpPr>
+          <p:nvPr>
+            <p:ph type="title"/>
+          </p:nvPr>
+        </p:nvSpPr>
+        <p:spPr/>
+        <p:txBody>
+          <a:bodyPr/>
+          <a:lstStyle/>
+          <a:p>
+            <a:r>
+              <a:rPr lang="en-US" dirty="0"/>
+              <a:t>Linear Models - Regressors</a:t>
+            </a:r>
+          </a:p>
+        </p:txBody>
+      </p:sp>
+      <p:sp>
+        <p:nvSpPr>
+          <p:cNvPr id="3" name="Content Placeholder 2"/>
+          <p:cNvSpPr>
+            <a:spLocks noGrp="1"/>
+          </p:cNvSpPr>
+          <p:nvPr>
+            <p:ph idx="1"/>
+          </p:nvPr>
+        </p:nvSpPr>
+        <p:spPr/>
+        <p:txBody>
+          <a:bodyPr/>
+          <a:lstStyle/>
+          <a:p>
+            <a:r>
+              <a:rPr lang="en-US" dirty="0"/>
+              <a:t>In-Class Exercise</a:t>
+            </a:r>
+          </a:p>
+          <a:p>
+            <a:pPr lvl="1"/>
+            <a:r>
+              <a:rPr lang="en-US" dirty="0"/>
+              <a:t>Run the example with ridge regression, attempting to optimize the test prediction data set by adjusting alpha.</a:t>
+            </a:r>
+          </a:p>
+          <a:p>
+            <a:pPr lvl="2"/>
+            <a:endParaRPr lang="en-US" dirty="0"/>
+          </a:p>
+          <a:p>
+            <a:endParaRPr lang="en-US" dirty="0"/>
+          </a:p>
+          <a:p>
+            <a:pPr lvl="1"/>
+            <a:endParaRPr lang="en-US" dirty="0"/>
+          </a:p>
+          <a:p>
+            <a:pPr lvl="2"/>
+            <a:endParaRPr lang="en-US" dirty="0"/>
+          </a:p>
+          <a:p>
+            <a:pPr lvl="2"/>
+            <a:endParaRPr lang="en-US" dirty="0"/>
+          </a:p>
+          <a:p>
+            <a:endParaRPr lang="en-US" dirty="0"/>
+          </a:p>
+        </p:txBody>
+      </p:sp>
+    </p:spTree>
+    <p:extLst>
+      <p:ext uri="{BB962C8B-B14F-4D97-AF65-F5344CB8AC3E}">
+        <p14:creationId xmlns:p14="http://schemas.microsoft.com/office/powerpoint/2010/main" val="2651109508"/>
+      </p:ext>
+    </p:extLst>
+  </p:cSld>
+  <p:clrMapOvr>
+    <a:overrideClrMapping bg1="lt1" tx1="dk1" bg2="lt2" tx2="dk2" accent1="accent1" accent2="accent2" accent3="accent3" accent4="accent4" accent5="accent5" accent6="accent6" hlink="hlink" folHlink="folHlink"/>
   </p:clrMapOvr>
 </p:sld>
 </file>
@@ -12722,35 +13665,35 @@
           <a:p>
             <a:r>
               <a:rPr lang="en-US" dirty="0"/>
-              <a:t>Classifier</a:t>
+              <a:t>Trainers</a:t>
             </a:r>
           </a:p>
           <a:p>
             <a:pPr lvl="1"/>
             <a:r>
               <a:rPr lang="en-US" dirty="0"/>
-              <a:t>The mathematical equation, set of equations, and/or algorithm that is used to predict outcomes for classification problems.</a:t>
+              <a:t>The algorithm used to build a model.</a:t>
             </a:r>
           </a:p>
           <a:p>
             <a:pPr lvl="1"/>
             <a:r>
               <a:rPr lang="en-US" dirty="0"/>
-              <a:t>For problems where we are trying to determine an exact value or name of something.</a:t>
+              <a:t>Examples:</a:t>
             </a:r>
           </a:p>
           <a:p>
             <a:pPr lvl="2"/>
             <a:r>
               <a:rPr lang="en-US" dirty="0"/>
-              <a:t>i.e. trying to determine what kind of fruit something is.</a:t>
-            </a:r>
-          </a:p>
-          <a:p>
-            <a:pPr lvl="1"/>
-            <a:r>
-              <a:rPr lang="en-US" dirty="0"/>
-              <a:t>This is the scaffolding for our model.</a:t>
+              <a:t>Classifiers</a:t>
+            </a:r>
+          </a:p>
+          <a:p>
+            <a:pPr lvl="2"/>
+            <a:r>
+              <a:rPr lang="en-US" dirty="0"/>
+              <a:t>Regressors</a:t>
             </a:r>
           </a:p>
           <a:p>
@@ -12769,6 +13712,1230 @@
     <p:extLst>
       <p:ext uri="{BB962C8B-B14F-4D97-AF65-F5344CB8AC3E}">
         <p14:creationId xmlns:p14="http://schemas.microsoft.com/office/powerpoint/2010/main" val="789975062"/>
+      </p:ext>
+    </p:extLst>
+  </p:cSld>
+  <p:clrMapOvr>
+    <a:overrideClrMapping bg1="lt1" tx1="dk1" bg2="lt2" tx2="dk2" accent1="accent1" accent2="accent2" accent3="accent3" accent4="accent4" accent5="accent5" accent6="accent6" hlink="hlink" folHlink="folHlink"/>
+  </p:clrMapOvr>
+</p:sld>
+</file>
+
+<file path=ppt/slides/slide50.xml><?xml version="1.0" encoding="utf-8"?>
+<p:sld xmlns:a="http://schemas.openxmlformats.org/drawingml/2006/main" xmlns:r="http://schemas.openxmlformats.org/officeDocument/2006/relationships" xmlns:p="http://schemas.openxmlformats.org/presentationml/2006/main">
+  <p:cSld>
+    <p:bg>
+      <p:bgPr>
+        <a:blipFill dpi="0" rotWithShape="1">
+          <a:blip r:embed="rId3">
+            <a:extLst>
+              <a:ext uri="{BEBA8EAE-BF5A-486C-A8C5-ECC9F3942E4B}">
+                <a14:imgProps xmlns:a14="http://schemas.microsoft.com/office/drawing/2010/main">
+                  <a14:imgLayer r:embed="rId4">
+                    <a14:imgEffect>
+                      <a14:brightnessContrast bright="-50000"/>
+                    </a14:imgEffect>
+                  </a14:imgLayer>
+                </a14:imgProps>
+              </a:ext>
+            </a:extLst>
+          </a:blip>
+          <a:srcRect/>
+          <a:stretch>
+            <a:fillRect l="-10000" r="-10000"/>
+          </a:stretch>
+        </a:blipFill>
+        <a:effectLst/>
+      </p:bgPr>
+    </p:bg>
+    <p:spTree>
+      <p:nvGrpSpPr>
+        <p:cNvPr id="1" name=""/>
+        <p:cNvGrpSpPr/>
+        <p:nvPr/>
+      </p:nvGrpSpPr>
+      <p:grpSpPr>
+        <a:xfrm>
+          <a:off x="0" y="0"/>
+          <a:ext cx="0" cy="0"/>
+          <a:chOff x="0" y="0"/>
+          <a:chExt cx="0" cy="0"/>
+        </a:xfrm>
+      </p:grpSpPr>
+      <p:sp>
+        <p:nvSpPr>
+          <p:cNvPr id="2" name="Title 1"/>
+          <p:cNvSpPr>
+            <a:spLocks noGrp="1"/>
+          </p:cNvSpPr>
+          <p:nvPr>
+            <p:ph type="title"/>
+          </p:nvPr>
+        </p:nvSpPr>
+        <p:spPr/>
+        <p:txBody>
+          <a:bodyPr/>
+          <a:lstStyle/>
+          <a:p>
+            <a:r>
+              <a:rPr lang="en-US" dirty="0"/>
+              <a:t>Linear Models - Regressors</a:t>
+            </a:r>
+          </a:p>
+        </p:txBody>
+      </p:sp>
+      <p:sp>
+        <p:nvSpPr>
+          <p:cNvPr id="3" name="Content Placeholder 2"/>
+          <p:cNvSpPr>
+            <a:spLocks noGrp="1"/>
+          </p:cNvSpPr>
+          <p:nvPr>
+            <p:ph idx="1"/>
+          </p:nvPr>
+        </p:nvSpPr>
+        <p:spPr/>
+        <p:txBody>
+          <a:bodyPr/>
+          <a:lstStyle/>
+          <a:p>
+            <a:r>
+              <a:rPr lang="en-US" dirty="0"/>
+              <a:t>LASSO Regression</a:t>
+            </a:r>
+          </a:p>
+          <a:p>
+            <a:pPr lvl="1"/>
+            <a:r>
+              <a:rPr lang="en-US" dirty="0"/>
+              <a:t>Similar to ridge regression, uses a modified OLS algorithm that attempts to make each weight close to zero.</a:t>
+            </a:r>
+          </a:p>
+          <a:p>
+            <a:pPr lvl="1"/>
+            <a:r>
+              <a:rPr lang="en-US" dirty="0"/>
+              <a:t>In this trainer, a weight value can be zero, so that a feature will not affect the prediction.</a:t>
+            </a:r>
+          </a:p>
+          <a:p>
+            <a:pPr lvl="1"/>
+            <a:r>
+              <a:rPr lang="en-US" dirty="0"/>
+              <a:t>This trainer uses L1 regularization.</a:t>
+            </a:r>
+          </a:p>
+          <a:p>
+            <a:pPr lvl="2"/>
+            <a:r>
+              <a:rPr lang="en-US" dirty="0"/>
+              <a:t>The sum of the weight coefficient for each feature is used as a penalty term in determining model accuracy.</a:t>
+            </a:r>
+          </a:p>
+          <a:p>
+            <a:pPr lvl="1"/>
+            <a:endParaRPr lang="en-US" dirty="0"/>
+          </a:p>
+          <a:p>
+            <a:pPr lvl="2"/>
+            <a:endParaRPr lang="en-US" dirty="0"/>
+          </a:p>
+          <a:p>
+            <a:endParaRPr lang="en-US" dirty="0"/>
+          </a:p>
+        </p:txBody>
+      </p:sp>
+    </p:spTree>
+    <p:extLst>
+      <p:ext uri="{BB962C8B-B14F-4D97-AF65-F5344CB8AC3E}">
+        <p14:creationId xmlns:p14="http://schemas.microsoft.com/office/powerpoint/2010/main" val="2833183138"/>
+      </p:ext>
+    </p:extLst>
+  </p:cSld>
+  <p:clrMapOvr>
+    <a:overrideClrMapping bg1="lt1" tx1="dk1" bg2="lt2" tx2="dk2" accent1="accent1" accent2="accent2" accent3="accent3" accent4="accent4" accent5="accent5" accent6="accent6" hlink="hlink" folHlink="folHlink"/>
+  </p:clrMapOvr>
+</p:sld>
+</file>
+
+<file path=ppt/slides/slide51.xml><?xml version="1.0" encoding="utf-8"?>
+<p:sld xmlns:a="http://schemas.openxmlformats.org/drawingml/2006/main" xmlns:r="http://schemas.openxmlformats.org/officeDocument/2006/relationships" xmlns:p="http://schemas.openxmlformats.org/presentationml/2006/main">
+  <p:cSld>
+    <p:bg>
+      <p:bgPr>
+        <a:blipFill dpi="0" rotWithShape="1">
+          <a:blip r:embed="rId3">
+            <a:extLst>
+              <a:ext uri="{BEBA8EAE-BF5A-486C-A8C5-ECC9F3942E4B}">
+                <a14:imgProps xmlns:a14="http://schemas.microsoft.com/office/drawing/2010/main">
+                  <a14:imgLayer r:embed="rId4">
+                    <a14:imgEffect>
+                      <a14:brightnessContrast bright="-50000"/>
+                    </a14:imgEffect>
+                  </a14:imgLayer>
+                </a14:imgProps>
+              </a:ext>
+            </a:extLst>
+          </a:blip>
+          <a:srcRect/>
+          <a:stretch>
+            <a:fillRect l="-10000" r="-10000"/>
+          </a:stretch>
+        </a:blipFill>
+        <a:effectLst/>
+      </p:bgPr>
+    </p:bg>
+    <p:spTree>
+      <p:nvGrpSpPr>
+        <p:cNvPr id="1" name=""/>
+        <p:cNvGrpSpPr/>
+        <p:nvPr/>
+      </p:nvGrpSpPr>
+      <p:grpSpPr>
+        <a:xfrm>
+          <a:off x="0" y="0"/>
+          <a:ext cx="0" cy="0"/>
+          <a:chOff x="0" y="0"/>
+          <a:chExt cx="0" cy="0"/>
+        </a:xfrm>
+      </p:grpSpPr>
+      <p:sp>
+        <p:nvSpPr>
+          <p:cNvPr id="2" name="Title 1"/>
+          <p:cNvSpPr>
+            <a:spLocks noGrp="1"/>
+          </p:cNvSpPr>
+          <p:nvPr>
+            <p:ph type="title"/>
+          </p:nvPr>
+        </p:nvSpPr>
+        <p:spPr/>
+        <p:txBody>
+          <a:bodyPr/>
+          <a:lstStyle/>
+          <a:p>
+            <a:r>
+              <a:rPr lang="en-US" dirty="0"/>
+              <a:t>Linear Models - Regressors</a:t>
+            </a:r>
+          </a:p>
+        </p:txBody>
+      </p:sp>
+      <p:sp>
+        <p:nvSpPr>
+          <p:cNvPr id="3" name="Content Placeholder 2"/>
+          <p:cNvSpPr>
+            <a:spLocks noGrp="1"/>
+          </p:cNvSpPr>
+          <p:nvPr>
+            <p:ph idx="1"/>
+          </p:nvPr>
+        </p:nvSpPr>
+        <p:spPr/>
+        <p:txBody>
+          <a:bodyPr/>
+          <a:lstStyle/>
+          <a:p>
+            <a:r>
+              <a:rPr lang="en-US" dirty="0"/>
+              <a:t>LASSO Regression</a:t>
+            </a:r>
+          </a:p>
+          <a:p>
+            <a:pPr lvl="1"/>
+            <a:r>
+              <a:rPr lang="en-US" dirty="0"/>
+              <a:t>For this Scikit-Learn trainer, the alpha term is also used for regularization.</a:t>
+            </a:r>
+          </a:p>
+          <a:p>
+            <a:pPr lvl="1"/>
+            <a:endParaRPr lang="en-US" dirty="0"/>
+          </a:p>
+          <a:p>
+            <a:pPr lvl="2"/>
+            <a:endParaRPr lang="en-US" dirty="0"/>
+          </a:p>
+          <a:p>
+            <a:endParaRPr lang="en-US" dirty="0"/>
+          </a:p>
+        </p:txBody>
+      </p:sp>
+    </p:spTree>
+    <p:extLst>
+      <p:ext uri="{BB962C8B-B14F-4D97-AF65-F5344CB8AC3E}">
+        <p14:creationId xmlns:p14="http://schemas.microsoft.com/office/powerpoint/2010/main" val="2503353380"/>
+      </p:ext>
+    </p:extLst>
+  </p:cSld>
+  <p:clrMapOvr>
+    <a:overrideClrMapping bg1="lt1" tx1="dk1" bg2="lt2" tx2="dk2" accent1="accent1" accent2="accent2" accent3="accent3" accent4="accent4" accent5="accent5" accent6="accent6" hlink="hlink" folHlink="folHlink"/>
+  </p:clrMapOvr>
+</p:sld>
+</file>
+
+<file path=ppt/slides/slide52.xml><?xml version="1.0" encoding="utf-8"?>
+<p:sld xmlns:a="http://schemas.openxmlformats.org/drawingml/2006/main" xmlns:r="http://schemas.openxmlformats.org/officeDocument/2006/relationships" xmlns:p="http://schemas.openxmlformats.org/presentationml/2006/main">
+  <p:cSld>
+    <p:bg>
+      <p:bgPr>
+        <a:blipFill dpi="0" rotWithShape="1">
+          <a:blip r:embed="rId3">
+            <a:extLst>
+              <a:ext uri="{BEBA8EAE-BF5A-486C-A8C5-ECC9F3942E4B}">
+                <a14:imgProps xmlns:a14="http://schemas.microsoft.com/office/drawing/2010/main">
+                  <a14:imgLayer r:embed="rId4">
+                    <a14:imgEffect>
+                      <a14:brightnessContrast bright="-50000"/>
+                    </a14:imgEffect>
+                  </a14:imgLayer>
+                </a14:imgProps>
+              </a:ext>
+            </a:extLst>
+          </a:blip>
+          <a:srcRect/>
+          <a:stretch>
+            <a:fillRect l="-10000" r="-10000"/>
+          </a:stretch>
+        </a:blipFill>
+        <a:effectLst/>
+      </p:bgPr>
+    </p:bg>
+    <p:spTree>
+      <p:nvGrpSpPr>
+        <p:cNvPr id="1" name=""/>
+        <p:cNvGrpSpPr/>
+        <p:nvPr/>
+      </p:nvGrpSpPr>
+      <p:grpSpPr>
+        <a:xfrm>
+          <a:off x="0" y="0"/>
+          <a:ext cx="0" cy="0"/>
+          <a:chOff x="0" y="0"/>
+          <a:chExt cx="0" cy="0"/>
+        </a:xfrm>
+      </p:grpSpPr>
+      <p:sp>
+        <p:nvSpPr>
+          <p:cNvPr id="2" name="Title 1"/>
+          <p:cNvSpPr>
+            <a:spLocks noGrp="1"/>
+          </p:cNvSpPr>
+          <p:nvPr>
+            <p:ph type="title"/>
+          </p:nvPr>
+        </p:nvSpPr>
+        <p:spPr/>
+        <p:txBody>
+          <a:bodyPr/>
+          <a:lstStyle/>
+          <a:p>
+            <a:r>
+              <a:rPr lang="en-US" dirty="0"/>
+              <a:t>Linear Models - Regressors</a:t>
+            </a:r>
+          </a:p>
+        </p:txBody>
+      </p:sp>
+      <p:sp>
+        <p:nvSpPr>
+          <p:cNvPr id="3" name="Content Placeholder 2"/>
+          <p:cNvSpPr>
+            <a:spLocks noGrp="1"/>
+          </p:cNvSpPr>
+          <p:nvPr>
+            <p:ph idx="1"/>
+          </p:nvPr>
+        </p:nvSpPr>
+        <p:spPr/>
+        <p:txBody>
+          <a:bodyPr/>
+          <a:lstStyle/>
+          <a:p>
+            <a:r>
+              <a:rPr lang="en-US" dirty="0"/>
+              <a:t>In-Class Example – LASSO Regression</a:t>
+            </a:r>
+          </a:p>
+          <a:p>
+            <a:pPr lvl="1"/>
+            <a:endParaRPr lang="en-US" dirty="0"/>
+          </a:p>
+          <a:p>
+            <a:pPr lvl="2"/>
+            <a:endParaRPr lang="en-US" dirty="0"/>
+          </a:p>
+          <a:p>
+            <a:endParaRPr lang="en-US" dirty="0"/>
+          </a:p>
+          <a:p>
+            <a:pPr lvl="1"/>
+            <a:endParaRPr lang="en-US" dirty="0"/>
+          </a:p>
+          <a:p>
+            <a:pPr lvl="2"/>
+            <a:endParaRPr lang="en-US" dirty="0"/>
+          </a:p>
+          <a:p>
+            <a:pPr lvl="2"/>
+            <a:endParaRPr lang="en-US" dirty="0"/>
+          </a:p>
+          <a:p>
+            <a:endParaRPr lang="en-US" dirty="0"/>
+          </a:p>
+        </p:txBody>
+      </p:sp>
+    </p:spTree>
+    <p:extLst>
+      <p:ext uri="{BB962C8B-B14F-4D97-AF65-F5344CB8AC3E}">
+        <p14:creationId xmlns:p14="http://schemas.microsoft.com/office/powerpoint/2010/main" val="1318670462"/>
+      </p:ext>
+    </p:extLst>
+  </p:cSld>
+  <p:clrMapOvr>
+    <a:overrideClrMapping bg1="lt1" tx1="dk1" bg2="lt2" tx2="dk2" accent1="accent1" accent2="accent2" accent3="accent3" accent4="accent4" accent5="accent5" accent6="accent6" hlink="hlink" folHlink="folHlink"/>
+  </p:clrMapOvr>
+</p:sld>
+</file>
+
+<file path=ppt/slides/slide53.xml><?xml version="1.0" encoding="utf-8"?>
+<p:sld xmlns:a="http://schemas.openxmlformats.org/drawingml/2006/main" xmlns:r="http://schemas.openxmlformats.org/officeDocument/2006/relationships" xmlns:p="http://schemas.openxmlformats.org/presentationml/2006/main">
+  <p:cSld>
+    <p:bg>
+      <p:bgPr>
+        <a:blipFill dpi="0" rotWithShape="1">
+          <a:blip r:embed="rId3">
+            <a:extLst>
+              <a:ext uri="{BEBA8EAE-BF5A-486C-A8C5-ECC9F3942E4B}">
+                <a14:imgProps xmlns:a14="http://schemas.microsoft.com/office/drawing/2010/main">
+                  <a14:imgLayer r:embed="rId4">
+                    <a14:imgEffect>
+                      <a14:brightnessContrast bright="-50000"/>
+                    </a14:imgEffect>
+                  </a14:imgLayer>
+                </a14:imgProps>
+              </a:ext>
+            </a:extLst>
+          </a:blip>
+          <a:srcRect/>
+          <a:stretch>
+            <a:fillRect l="-10000" r="-10000"/>
+          </a:stretch>
+        </a:blipFill>
+        <a:effectLst/>
+      </p:bgPr>
+    </p:bg>
+    <p:spTree>
+      <p:nvGrpSpPr>
+        <p:cNvPr id="1" name=""/>
+        <p:cNvGrpSpPr/>
+        <p:nvPr/>
+      </p:nvGrpSpPr>
+      <p:grpSpPr>
+        <a:xfrm>
+          <a:off x="0" y="0"/>
+          <a:ext cx="0" cy="0"/>
+          <a:chOff x="0" y="0"/>
+          <a:chExt cx="0" cy="0"/>
+        </a:xfrm>
+      </p:grpSpPr>
+      <p:sp>
+        <p:nvSpPr>
+          <p:cNvPr id="2" name="Title 1"/>
+          <p:cNvSpPr>
+            <a:spLocks noGrp="1"/>
+          </p:cNvSpPr>
+          <p:nvPr>
+            <p:ph type="title"/>
+          </p:nvPr>
+        </p:nvSpPr>
+        <p:spPr/>
+        <p:txBody>
+          <a:bodyPr/>
+          <a:lstStyle/>
+          <a:p>
+            <a:r>
+              <a:rPr lang="en-US" dirty="0"/>
+              <a:t>Linear Models - Regressors</a:t>
+            </a:r>
+          </a:p>
+        </p:txBody>
+      </p:sp>
+      <p:sp>
+        <p:nvSpPr>
+          <p:cNvPr id="3" name="Content Placeholder 2"/>
+          <p:cNvSpPr>
+            <a:spLocks noGrp="1"/>
+          </p:cNvSpPr>
+          <p:nvPr>
+            <p:ph idx="1"/>
+          </p:nvPr>
+        </p:nvSpPr>
+        <p:spPr/>
+        <p:txBody>
+          <a:bodyPr/>
+          <a:lstStyle/>
+          <a:p>
+            <a:r>
+              <a:rPr lang="en-US" dirty="0"/>
+              <a:t>In-Class Exercise</a:t>
+            </a:r>
+          </a:p>
+          <a:p>
+            <a:pPr lvl="1"/>
+            <a:r>
+              <a:rPr lang="en-US" dirty="0"/>
+              <a:t>Generate models for the </a:t>
+            </a:r>
+            <a:r>
+              <a:rPr lang="en-US" dirty="0" err="1"/>
+              <a:t>boston</a:t>
+            </a:r>
+            <a:r>
+              <a:rPr lang="en-US" dirty="0"/>
+              <a:t> housing data using linear, ridge, and LASSO regressors.  For models that use regularization, attempt to optimize the predictions (can use previous example code).</a:t>
+            </a:r>
+          </a:p>
+          <a:p>
+            <a:pPr lvl="1"/>
+            <a:r>
+              <a:rPr lang="en-US" dirty="0"/>
+              <a:t>Which model is the most accurate with respect to test data predictions?  Are there benefits to the models that are less accurate?</a:t>
+            </a:r>
+          </a:p>
+          <a:p>
+            <a:pPr lvl="2"/>
+            <a:endParaRPr lang="en-US" dirty="0"/>
+          </a:p>
+          <a:p>
+            <a:endParaRPr lang="en-US" dirty="0"/>
+          </a:p>
+          <a:p>
+            <a:pPr lvl="1"/>
+            <a:endParaRPr lang="en-US" dirty="0"/>
+          </a:p>
+          <a:p>
+            <a:pPr lvl="2"/>
+            <a:endParaRPr lang="en-US" dirty="0"/>
+          </a:p>
+          <a:p>
+            <a:pPr lvl="2"/>
+            <a:endParaRPr lang="en-US" dirty="0"/>
+          </a:p>
+          <a:p>
+            <a:endParaRPr lang="en-US" dirty="0"/>
+          </a:p>
+        </p:txBody>
+      </p:sp>
+    </p:spTree>
+    <p:extLst>
+      <p:ext uri="{BB962C8B-B14F-4D97-AF65-F5344CB8AC3E}">
+        <p14:creationId xmlns:p14="http://schemas.microsoft.com/office/powerpoint/2010/main" val="2777821716"/>
+      </p:ext>
+    </p:extLst>
+  </p:cSld>
+  <p:clrMapOvr>
+    <a:overrideClrMapping bg1="lt1" tx1="dk1" bg2="lt2" tx2="dk2" accent1="accent1" accent2="accent2" accent3="accent3" accent4="accent4" accent5="accent5" accent6="accent6" hlink="hlink" folHlink="folHlink"/>
+  </p:clrMapOvr>
+</p:sld>
+</file>
+
+<file path=ppt/slides/slide54.xml><?xml version="1.0" encoding="utf-8"?>
+<p:sld xmlns:a="http://schemas.openxmlformats.org/drawingml/2006/main" xmlns:r="http://schemas.openxmlformats.org/officeDocument/2006/relationships" xmlns:p="http://schemas.openxmlformats.org/presentationml/2006/main">
+  <p:cSld>
+    <p:bg>
+      <p:bgPr>
+        <a:blipFill dpi="0" rotWithShape="1">
+          <a:blip r:embed="rId3">
+            <a:extLst>
+              <a:ext uri="{BEBA8EAE-BF5A-486C-A8C5-ECC9F3942E4B}">
+                <a14:imgProps xmlns:a14="http://schemas.microsoft.com/office/drawing/2010/main">
+                  <a14:imgLayer r:embed="rId4">
+                    <a14:imgEffect>
+                      <a14:brightnessContrast bright="-50000"/>
+                    </a14:imgEffect>
+                  </a14:imgLayer>
+                </a14:imgProps>
+              </a:ext>
+            </a:extLst>
+          </a:blip>
+          <a:srcRect/>
+          <a:stretch>
+            <a:fillRect l="-10000" r="-10000"/>
+          </a:stretch>
+        </a:blipFill>
+        <a:effectLst/>
+      </p:bgPr>
+    </p:bg>
+    <p:spTree>
+      <p:nvGrpSpPr>
+        <p:cNvPr id="1" name=""/>
+        <p:cNvGrpSpPr/>
+        <p:nvPr/>
+      </p:nvGrpSpPr>
+      <p:grpSpPr>
+        <a:xfrm>
+          <a:off x="0" y="0"/>
+          <a:ext cx="0" cy="0"/>
+          <a:chOff x="0" y="0"/>
+          <a:chExt cx="0" cy="0"/>
+        </a:xfrm>
+      </p:grpSpPr>
+      <p:sp>
+        <p:nvSpPr>
+          <p:cNvPr id="2" name="Title 1"/>
+          <p:cNvSpPr>
+            <a:spLocks noGrp="1"/>
+          </p:cNvSpPr>
+          <p:nvPr>
+            <p:ph type="title"/>
+          </p:nvPr>
+        </p:nvSpPr>
+        <p:spPr/>
+        <p:txBody>
+          <a:bodyPr/>
+          <a:lstStyle/>
+          <a:p>
+            <a:r>
+              <a:rPr lang="en-US" dirty="0"/>
+              <a:t>Linear Models - Regressors</a:t>
+            </a:r>
+          </a:p>
+        </p:txBody>
+      </p:sp>
+      <p:sp>
+        <p:nvSpPr>
+          <p:cNvPr id="3" name="Content Placeholder 2"/>
+          <p:cNvSpPr>
+            <a:spLocks noGrp="1"/>
+          </p:cNvSpPr>
+          <p:nvPr>
+            <p:ph idx="1"/>
+          </p:nvPr>
+        </p:nvSpPr>
+        <p:spPr/>
+        <p:txBody>
+          <a:bodyPr/>
+          <a:lstStyle/>
+          <a:p>
+            <a:r>
+              <a:rPr lang="en-US" dirty="0"/>
+              <a:t>Decision Tree</a:t>
+            </a:r>
+          </a:p>
+          <a:p>
+            <a:pPr lvl="2"/>
+            <a:endParaRPr lang="en-US" dirty="0"/>
+          </a:p>
+          <a:p>
+            <a:endParaRPr lang="en-US" dirty="0"/>
+          </a:p>
+        </p:txBody>
+      </p:sp>
+    </p:spTree>
+    <p:extLst>
+      <p:ext uri="{BB962C8B-B14F-4D97-AF65-F5344CB8AC3E}">
+        <p14:creationId xmlns:p14="http://schemas.microsoft.com/office/powerpoint/2010/main" val="1924952010"/>
+      </p:ext>
+    </p:extLst>
+  </p:cSld>
+  <p:clrMapOvr>
+    <a:overrideClrMapping bg1="lt1" tx1="dk1" bg2="lt2" tx2="dk2" accent1="accent1" accent2="accent2" accent3="accent3" accent4="accent4" accent5="accent5" accent6="accent6" hlink="hlink" folHlink="folHlink"/>
+  </p:clrMapOvr>
+</p:sld>
+</file>
+
+<file path=ppt/slides/slide55.xml><?xml version="1.0" encoding="utf-8"?>
+<p:sld xmlns:a="http://schemas.openxmlformats.org/drawingml/2006/main" xmlns:r="http://schemas.openxmlformats.org/officeDocument/2006/relationships" xmlns:p="http://schemas.openxmlformats.org/presentationml/2006/main">
+  <p:cSld>
+    <p:bg>
+      <p:bgPr>
+        <a:blipFill dpi="0" rotWithShape="1">
+          <a:blip r:embed="rId3">
+            <a:extLst>
+              <a:ext uri="{BEBA8EAE-BF5A-486C-A8C5-ECC9F3942E4B}">
+                <a14:imgProps xmlns:a14="http://schemas.microsoft.com/office/drawing/2010/main">
+                  <a14:imgLayer r:embed="rId4">
+                    <a14:imgEffect>
+                      <a14:brightnessContrast bright="-50000"/>
+                    </a14:imgEffect>
+                  </a14:imgLayer>
+                </a14:imgProps>
+              </a:ext>
+            </a:extLst>
+          </a:blip>
+          <a:srcRect/>
+          <a:stretch>
+            <a:fillRect l="-10000" r="-10000"/>
+          </a:stretch>
+        </a:blipFill>
+        <a:effectLst/>
+      </p:bgPr>
+    </p:bg>
+    <p:spTree>
+      <p:nvGrpSpPr>
+        <p:cNvPr id="1" name=""/>
+        <p:cNvGrpSpPr/>
+        <p:nvPr/>
+      </p:nvGrpSpPr>
+      <p:grpSpPr>
+        <a:xfrm>
+          <a:off x="0" y="0"/>
+          <a:ext cx="0" cy="0"/>
+          <a:chOff x="0" y="0"/>
+          <a:chExt cx="0" cy="0"/>
+        </a:xfrm>
+      </p:grpSpPr>
+      <p:sp>
+        <p:nvSpPr>
+          <p:cNvPr id="2" name="Title 1"/>
+          <p:cNvSpPr>
+            <a:spLocks noGrp="1"/>
+          </p:cNvSpPr>
+          <p:nvPr>
+            <p:ph type="title"/>
+          </p:nvPr>
+        </p:nvSpPr>
+        <p:spPr/>
+        <p:txBody>
+          <a:bodyPr/>
+          <a:lstStyle/>
+          <a:p>
+            <a:r>
+              <a:rPr lang="en-US" dirty="0"/>
+              <a:t>Linear Models - Regressors</a:t>
+            </a:r>
+          </a:p>
+        </p:txBody>
+      </p:sp>
+      <p:sp>
+        <p:nvSpPr>
+          <p:cNvPr id="3" name="Content Placeholder 2"/>
+          <p:cNvSpPr>
+            <a:spLocks noGrp="1"/>
+          </p:cNvSpPr>
+          <p:nvPr>
+            <p:ph idx="1"/>
+          </p:nvPr>
+        </p:nvSpPr>
+        <p:spPr/>
+        <p:txBody>
+          <a:bodyPr/>
+          <a:lstStyle/>
+          <a:p>
+            <a:r>
+              <a:rPr lang="en-US" dirty="0"/>
+              <a:t>Forest</a:t>
+            </a:r>
+          </a:p>
+          <a:p>
+            <a:pPr lvl="2"/>
+            <a:endParaRPr lang="en-US" dirty="0"/>
+          </a:p>
+          <a:p>
+            <a:endParaRPr lang="en-US" dirty="0"/>
+          </a:p>
+        </p:txBody>
+      </p:sp>
+    </p:spTree>
+    <p:extLst>
+      <p:ext uri="{BB962C8B-B14F-4D97-AF65-F5344CB8AC3E}">
+        <p14:creationId xmlns:p14="http://schemas.microsoft.com/office/powerpoint/2010/main" val="358457677"/>
+      </p:ext>
+    </p:extLst>
+  </p:cSld>
+  <p:clrMapOvr>
+    <a:overrideClrMapping bg1="lt1" tx1="dk1" bg2="lt2" tx2="dk2" accent1="accent1" accent2="accent2" accent3="accent3" accent4="accent4" accent5="accent5" accent6="accent6" hlink="hlink" folHlink="folHlink"/>
+  </p:clrMapOvr>
+</p:sld>
+</file>
+
+<file path=ppt/slides/slide56.xml><?xml version="1.0" encoding="utf-8"?>
+<p:sld xmlns:a="http://schemas.openxmlformats.org/drawingml/2006/main" xmlns:r="http://schemas.openxmlformats.org/officeDocument/2006/relationships" xmlns:p="http://schemas.openxmlformats.org/presentationml/2006/main">
+  <p:cSld>
+    <p:bg>
+      <p:bgPr>
+        <a:blipFill dpi="0" rotWithShape="1">
+          <a:blip r:embed="rId3">
+            <a:extLst>
+              <a:ext uri="{BEBA8EAE-BF5A-486C-A8C5-ECC9F3942E4B}">
+                <a14:imgProps xmlns:a14="http://schemas.microsoft.com/office/drawing/2010/main">
+                  <a14:imgLayer r:embed="rId4">
+                    <a14:imgEffect>
+                      <a14:brightnessContrast bright="-50000"/>
+                    </a14:imgEffect>
+                  </a14:imgLayer>
+                </a14:imgProps>
+              </a:ext>
+            </a:extLst>
+          </a:blip>
+          <a:srcRect/>
+          <a:stretch>
+            <a:fillRect l="-10000" r="-10000"/>
+          </a:stretch>
+        </a:blipFill>
+        <a:effectLst/>
+      </p:bgPr>
+    </p:bg>
+    <p:spTree>
+      <p:nvGrpSpPr>
+        <p:cNvPr id="1" name=""/>
+        <p:cNvGrpSpPr/>
+        <p:nvPr/>
+      </p:nvGrpSpPr>
+      <p:grpSpPr>
+        <a:xfrm>
+          <a:off x="0" y="0"/>
+          <a:ext cx="0" cy="0"/>
+          <a:chOff x="0" y="0"/>
+          <a:chExt cx="0" cy="0"/>
+        </a:xfrm>
+      </p:grpSpPr>
+      <p:sp>
+        <p:nvSpPr>
+          <p:cNvPr id="2" name="Title 1"/>
+          <p:cNvSpPr>
+            <a:spLocks noGrp="1"/>
+          </p:cNvSpPr>
+          <p:nvPr>
+            <p:ph type="title"/>
+          </p:nvPr>
+        </p:nvSpPr>
+        <p:spPr/>
+        <p:txBody>
+          <a:bodyPr/>
+          <a:lstStyle/>
+          <a:p>
+            <a:r>
+              <a:rPr lang="en-US" dirty="0"/>
+              <a:t>Linear Models - Regressors</a:t>
+            </a:r>
+          </a:p>
+        </p:txBody>
+      </p:sp>
+      <p:sp>
+        <p:nvSpPr>
+          <p:cNvPr id="3" name="Content Placeholder 2"/>
+          <p:cNvSpPr>
+            <a:spLocks noGrp="1"/>
+          </p:cNvSpPr>
+          <p:nvPr>
+            <p:ph idx="1"/>
+          </p:nvPr>
+        </p:nvSpPr>
+        <p:spPr/>
+        <p:txBody>
+          <a:bodyPr/>
+          <a:lstStyle/>
+          <a:p>
+            <a:r>
+              <a:rPr lang="en-US" dirty="0"/>
+              <a:t>Gradient-Boosted Forest</a:t>
+            </a:r>
+          </a:p>
+          <a:p>
+            <a:pPr lvl="2"/>
+            <a:endParaRPr lang="en-US" dirty="0"/>
+          </a:p>
+          <a:p>
+            <a:endParaRPr lang="en-US" dirty="0"/>
+          </a:p>
+        </p:txBody>
+      </p:sp>
+    </p:spTree>
+    <p:extLst>
+      <p:ext uri="{BB962C8B-B14F-4D97-AF65-F5344CB8AC3E}">
+        <p14:creationId xmlns:p14="http://schemas.microsoft.com/office/powerpoint/2010/main" val="1436682753"/>
+      </p:ext>
+    </p:extLst>
+  </p:cSld>
+  <p:clrMapOvr>
+    <a:overrideClrMapping bg1="lt1" tx1="dk1" bg2="lt2" tx2="dk2" accent1="accent1" accent2="accent2" accent3="accent3" accent4="accent4" accent5="accent5" accent6="accent6" hlink="hlink" folHlink="folHlink"/>
+  </p:clrMapOvr>
+</p:sld>
+</file>
+
+<file path=ppt/slides/slide57.xml><?xml version="1.0" encoding="utf-8"?>
+<p:sld xmlns:a="http://schemas.openxmlformats.org/drawingml/2006/main" xmlns:r="http://schemas.openxmlformats.org/officeDocument/2006/relationships" xmlns:p="http://schemas.openxmlformats.org/presentationml/2006/main">
+  <p:cSld>
+    <p:bg>
+      <p:bgPr>
+        <a:blipFill dpi="0" rotWithShape="1">
+          <a:blip r:embed="rId3">
+            <a:extLst>
+              <a:ext uri="{BEBA8EAE-BF5A-486C-A8C5-ECC9F3942E4B}">
+                <a14:imgProps xmlns:a14="http://schemas.microsoft.com/office/drawing/2010/main">
+                  <a14:imgLayer r:embed="rId4">
+                    <a14:imgEffect>
+                      <a14:brightnessContrast bright="-50000"/>
+                    </a14:imgEffect>
+                  </a14:imgLayer>
+                </a14:imgProps>
+              </a:ext>
+            </a:extLst>
+          </a:blip>
+          <a:srcRect/>
+          <a:stretch>
+            <a:fillRect l="-10000" r="-10000"/>
+          </a:stretch>
+        </a:blipFill>
+        <a:effectLst/>
+      </p:bgPr>
+    </p:bg>
+    <p:spTree>
+      <p:nvGrpSpPr>
+        <p:cNvPr id="1" name=""/>
+        <p:cNvGrpSpPr/>
+        <p:nvPr/>
+      </p:nvGrpSpPr>
+      <p:grpSpPr>
+        <a:xfrm>
+          <a:off x="0" y="0"/>
+          <a:ext cx="0" cy="0"/>
+          <a:chOff x="0" y="0"/>
+          <a:chExt cx="0" cy="0"/>
+        </a:xfrm>
+      </p:grpSpPr>
+      <p:sp>
+        <p:nvSpPr>
+          <p:cNvPr id="2" name="Title 1"/>
+          <p:cNvSpPr>
+            <a:spLocks noGrp="1"/>
+          </p:cNvSpPr>
+          <p:nvPr>
+            <p:ph type="title"/>
+          </p:nvPr>
+        </p:nvSpPr>
+        <p:spPr/>
+        <p:txBody>
+          <a:bodyPr/>
+          <a:lstStyle/>
+          <a:p>
+            <a:r>
+              <a:rPr lang="en-US" dirty="0"/>
+              <a:t>Evaluating Accuracy</a:t>
+            </a:r>
+          </a:p>
+        </p:txBody>
+      </p:sp>
+      <p:sp>
+        <p:nvSpPr>
+          <p:cNvPr id="3" name="Content Placeholder 2"/>
+          <p:cNvSpPr>
+            <a:spLocks noGrp="1"/>
+          </p:cNvSpPr>
+          <p:nvPr>
+            <p:ph idx="1"/>
+          </p:nvPr>
+        </p:nvSpPr>
+        <p:spPr/>
+        <p:txBody>
+          <a:bodyPr/>
+          <a:lstStyle/>
+          <a:p>
+            <a:r>
+              <a:rPr lang="en-US" dirty="0"/>
+              <a:t>Overview</a:t>
+            </a:r>
+          </a:p>
+          <a:p>
+            <a:pPr lvl="1"/>
+            <a:r>
+              <a:rPr lang="en-US" dirty="0"/>
+              <a:t>&lt;model&gt;.score(</a:t>
+            </a:r>
+            <a:r>
+              <a:rPr lang="en-US" dirty="0" err="1"/>
+              <a:t>test_data</a:t>
+            </a:r>
+            <a:r>
+              <a:rPr lang="en-US" dirty="0"/>
+              <a:t>, </a:t>
+            </a:r>
+            <a:r>
+              <a:rPr lang="en-US" dirty="0" err="1"/>
+              <a:t>test_labels</a:t>
+            </a:r>
+            <a:r>
+              <a:rPr lang="en-US"/>
+              <a:t>)</a:t>
+            </a:r>
+            <a:endParaRPr lang="en-US" dirty="0"/>
+          </a:p>
+          <a:p>
+            <a:pPr lvl="2"/>
+            <a:endParaRPr lang="en-US" dirty="0"/>
+          </a:p>
+          <a:p>
+            <a:endParaRPr lang="en-US" dirty="0"/>
+          </a:p>
+        </p:txBody>
+      </p:sp>
+    </p:spTree>
+    <p:extLst>
+      <p:ext uri="{BB962C8B-B14F-4D97-AF65-F5344CB8AC3E}">
+        <p14:creationId xmlns:p14="http://schemas.microsoft.com/office/powerpoint/2010/main" val="4053921630"/>
+      </p:ext>
+    </p:extLst>
+  </p:cSld>
+  <p:clrMapOvr>
+    <a:overrideClrMapping bg1="lt1" tx1="dk1" bg2="lt2" tx2="dk2" accent1="accent1" accent2="accent2" accent3="accent3" accent4="accent4" accent5="accent5" accent6="accent6" hlink="hlink" folHlink="folHlink"/>
+  </p:clrMapOvr>
+</p:sld>
+</file>
+
+<file path=ppt/slides/slide58.xml><?xml version="1.0" encoding="utf-8"?>
+<p:sld xmlns:a="http://schemas.openxmlformats.org/drawingml/2006/main" xmlns:r="http://schemas.openxmlformats.org/officeDocument/2006/relationships" xmlns:p="http://schemas.openxmlformats.org/presentationml/2006/main">
+  <p:cSld>
+    <p:bg>
+      <p:bgPr>
+        <a:blipFill dpi="0" rotWithShape="1">
+          <a:blip r:embed="rId3">
+            <a:extLst>
+              <a:ext uri="{BEBA8EAE-BF5A-486C-A8C5-ECC9F3942E4B}">
+                <a14:imgProps xmlns:a14="http://schemas.microsoft.com/office/drawing/2010/main">
+                  <a14:imgLayer r:embed="rId4">
+                    <a14:imgEffect>
+                      <a14:brightnessContrast bright="-50000"/>
+                    </a14:imgEffect>
+                  </a14:imgLayer>
+                </a14:imgProps>
+              </a:ext>
+            </a:extLst>
+          </a:blip>
+          <a:srcRect/>
+          <a:stretch>
+            <a:fillRect l="-10000" r="-10000"/>
+          </a:stretch>
+        </a:blipFill>
+        <a:effectLst/>
+      </p:bgPr>
+    </p:bg>
+    <p:spTree>
+      <p:nvGrpSpPr>
+        <p:cNvPr id="1" name=""/>
+        <p:cNvGrpSpPr/>
+        <p:nvPr/>
+      </p:nvGrpSpPr>
+      <p:grpSpPr>
+        <a:xfrm>
+          <a:off x="0" y="0"/>
+          <a:ext cx="0" cy="0"/>
+          <a:chOff x="0" y="0"/>
+          <a:chExt cx="0" cy="0"/>
+        </a:xfrm>
+      </p:grpSpPr>
+      <p:sp>
+        <p:nvSpPr>
+          <p:cNvPr id="2" name="Title 1"/>
+          <p:cNvSpPr>
+            <a:spLocks noGrp="1"/>
+          </p:cNvSpPr>
+          <p:nvPr>
+            <p:ph type="title"/>
+          </p:nvPr>
+        </p:nvSpPr>
+        <p:spPr/>
+        <p:txBody>
+          <a:bodyPr/>
+          <a:lstStyle/>
+          <a:p>
+            <a:r>
+              <a:rPr lang="en-US" dirty="0" err="1"/>
+              <a:t>Scikit</a:t>
+            </a:r>
+            <a:r>
+              <a:rPr lang="en-US" dirty="0"/>
+              <a:t>-Learn Machine Learning</a:t>
+            </a:r>
+          </a:p>
+        </p:txBody>
+      </p:sp>
+      <p:sp>
+        <p:nvSpPr>
+          <p:cNvPr id="3" name="Content Placeholder 2"/>
+          <p:cNvSpPr>
+            <a:spLocks noGrp="1"/>
+          </p:cNvSpPr>
+          <p:nvPr>
+            <p:ph idx="1"/>
+          </p:nvPr>
+        </p:nvSpPr>
+        <p:spPr/>
+        <p:txBody>
+          <a:bodyPr/>
+          <a:lstStyle/>
+          <a:p>
+            <a:r>
+              <a:rPr lang="en-US" dirty="0"/>
+              <a:t>Overview</a:t>
+            </a:r>
+          </a:p>
+          <a:p>
+            <a:pPr lvl="1"/>
+            <a:r>
+              <a:rPr lang="en-US" dirty="0"/>
+              <a:t>Definition</a:t>
+            </a:r>
+          </a:p>
+          <a:p>
+            <a:pPr lvl="1"/>
+            <a:r>
+              <a:rPr lang="en-US" dirty="0"/>
+              <a:t>General Types</a:t>
+            </a:r>
+          </a:p>
+          <a:p>
+            <a:pPr lvl="1"/>
+            <a:r>
+              <a:rPr lang="en-US" dirty="0"/>
+              <a:t>Basic Linear Models</a:t>
+            </a:r>
+          </a:p>
+          <a:p>
+            <a:pPr lvl="1"/>
+            <a:r>
+              <a:rPr lang="en-US" dirty="0"/>
+              <a:t>Algorithm Types</a:t>
+            </a:r>
+          </a:p>
+          <a:p>
+            <a:pPr lvl="1"/>
+            <a:r>
+              <a:rPr lang="en-US" dirty="0"/>
+              <a:t>Tuning</a:t>
+            </a:r>
+          </a:p>
+          <a:p>
+            <a:pPr lvl="2"/>
+            <a:endParaRPr lang="en-US" dirty="0"/>
+          </a:p>
+          <a:p>
+            <a:endParaRPr lang="en-US" dirty="0"/>
+          </a:p>
+        </p:txBody>
+      </p:sp>
+    </p:spTree>
+    <p:extLst>
+      <p:ext uri="{BB962C8B-B14F-4D97-AF65-F5344CB8AC3E}">
+        <p14:creationId xmlns:p14="http://schemas.microsoft.com/office/powerpoint/2010/main" val="754999196"/>
+      </p:ext>
+    </p:extLst>
+  </p:cSld>
+  <p:clrMapOvr>
+    <a:overrideClrMapping bg1="lt1" tx1="dk1" bg2="lt2" tx2="dk2" accent1="accent1" accent2="accent2" accent3="accent3" accent4="accent4" accent5="accent5" accent6="accent6" hlink="hlink" folHlink="folHlink"/>
+  </p:clrMapOvr>
+</p:sld>
+</file>
+
+<file path=ppt/slides/slide59.xml><?xml version="1.0" encoding="utf-8"?>
+<p:sld xmlns:a="http://schemas.openxmlformats.org/drawingml/2006/main" xmlns:r="http://schemas.openxmlformats.org/officeDocument/2006/relationships" xmlns:p="http://schemas.openxmlformats.org/presentationml/2006/main">
+  <p:cSld>
+    <p:bg>
+      <p:bgPr>
+        <a:blipFill dpi="0" rotWithShape="1">
+          <a:blip r:embed="rId3">
+            <a:extLst>
+              <a:ext uri="{BEBA8EAE-BF5A-486C-A8C5-ECC9F3942E4B}">
+                <a14:imgProps xmlns:a14="http://schemas.microsoft.com/office/drawing/2010/main">
+                  <a14:imgLayer r:embed="rId4">
+                    <a14:imgEffect>
+                      <a14:brightnessContrast bright="-50000"/>
+                    </a14:imgEffect>
+                  </a14:imgLayer>
+                </a14:imgProps>
+              </a:ext>
+            </a:extLst>
+          </a:blip>
+          <a:srcRect/>
+          <a:stretch>
+            <a:fillRect l="-10000" r="-10000"/>
+          </a:stretch>
+        </a:blipFill>
+        <a:effectLst/>
+      </p:bgPr>
+    </p:bg>
+    <p:spTree>
+      <p:nvGrpSpPr>
+        <p:cNvPr id="1" name=""/>
+        <p:cNvGrpSpPr/>
+        <p:nvPr/>
+      </p:nvGrpSpPr>
+      <p:grpSpPr>
+        <a:xfrm>
+          <a:off x="0" y="0"/>
+          <a:ext cx="0" cy="0"/>
+          <a:chOff x="0" y="0"/>
+          <a:chExt cx="0" cy="0"/>
+        </a:xfrm>
+      </p:grpSpPr>
+      <p:sp>
+        <p:nvSpPr>
+          <p:cNvPr id="2" name="Title 1"/>
+          <p:cNvSpPr>
+            <a:spLocks noGrp="1"/>
+          </p:cNvSpPr>
+          <p:nvPr>
+            <p:ph type="title"/>
+          </p:nvPr>
+        </p:nvSpPr>
+        <p:spPr/>
+        <p:txBody>
+          <a:bodyPr/>
+          <a:lstStyle/>
+          <a:p>
+            <a:r>
+              <a:rPr lang="en-US" dirty="0"/>
+              <a:t>Tuning</a:t>
+            </a:r>
+          </a:p>
+        </p:txBody>
+      </p:sp>
+      <p:sp>
+        <p:nvSpPr>
+          <p:cNvPr id="3" name="Content Placeholder 2"/>
+          <p:cNvSpPr>
+            <a:spLocks noGrp="1"/>
+          </p:cNvSpPr>
+          <p:nvPr>
+            <p:ph idx="1"/>
+          </p:nvPr>
+        </p:nvSpPr>
+        <p:spPr/>
+        <p:txBody>
+          <a:bodyPr/>
+          <a:lstStyle/>
+          <a:p>
+            <a:r>
+              <a:rPr lang="en-US" dirty="0"/>
+              <a:t>Determining what features matter</a:t>
+            </a:r>
+          </a:p>
+          <a:p>
+            <a:r>
+              <a:rPr lang="en-US" dirty="0"/>
+              <a:t>If both prediction test scores and training scores are low, then the model is suffering from underfitting.</a:t>
+            </a:r>
+          </a:p>
+          <a:p>
+            <a:r>
+              <a:rPr lang="en-US" dirty="0"/>
+              <a:t>If the model has extremely high training scores, but not nearly as high prediction test scores, the model is suffering from overfitting.</a:t>
+            </a:r>
+          </a:p>
+          <a:p>
+            <a:pPr lvl="2"/>
+            <a:endParaRPr lang="en-US" dirty="0"/>
+          </a:p>
+          <a:p>
+            <a:endParaRPr lang="en-US" dirty="0"/>
+          </a:p>
+        </p:txBody>
+      </p:sp>
+    </p:spTree>
+    <p:extLst>
+      <p:ext uri="{BB962C8B-B14F-4D97-AF65-F5344CB8AC3E}">
+        <p14:creationId xmlns:p14="http://schemas.microsoft.com/office/powerpoint/2010/main" val="3393037686"/>
       </p:ext>
     </p:extLst>
   </p:cSld>
@@ -12858,28 +15025,28 @@
           <a:p>
             <a:r>
               <a:rPr lang="en-US" dirty="0"/>
-              <a:t>Regressor</a:t>
+              <a:t>Classifier</a:t>
             </a:r>
           </a:p>
           <a:p>
             <a:pPr lvl="1"/>
             <a:r>
               <a:rPr lang="en-US" dirty="0"/>
-              <a:t>The mathematical equation, set of equations, and/or algorithm that is used to predict outcomes for regression problems.</a:t>
+              <a:t>The mathematical equation, set of equations, and/or algorithm that is used to predict outcomes for classification problems.</a:t>
             </a:r>
           </a:p>
           <a:p>
             <a:pPr lvl="1"/>
             <a:r>
               <a:rPr lang="en-US" dirty="0"/>
-              <a:t>Problems were we are predicting within range of values.</a:t>
+              <a:t>For problems where we are trying to determine an exact value or name of something.</a:t>
             </a:r>
           </a:p>
           <a:p>
             <a:pPr lvl="2"/>
             <a:r>
               <a:rPr lang="en-US" dirty="0"/>
-              <a:t>i.e. Predicting the median household income in the future.</a:t>
+              <a:t>i.e. trying to determine what kind of fruit something is.</a:t>
             </a:r>
           </a:p>
           <a:p>
@@ -12904,12 +15071,589 @@
     </p:spTree>
     <p:extLst>
       <p:ext uri="{BB962C8B-B14F-4D97-AF65-F5344CB8AC3E}">
-        <p14:creationId xmlns:p14="http://schemas.microsoft.com/office/powerpoint/2010/main" val="528904592"/>
+        <p14:creationId xmlns:p14="http://schemas.microsoft.com/office/powerpoint/2010/main" val="3096496910"/>
       </p:ext>
     </p:extLst>
   </p:cSld>
   <p:clrMapOvr>
     <a:overrideClrMapping bg1="lt1" tx1="dk1" bg2="lt2" tx2="dk2" accent1="accent1" accent2="accent2" accent3="accent3" accent4="accent4" accent5="accent5" accent6="accent6" hlink="hlink" folHlink="folHlink"/>
+  </p:clrMapOvr>
+</p:sld>
+</file>
+
+<file path=ppt/slides/slide60.xml><?xml version="1.0" encoding="utf-8"?>
+<p:sld xmlns:a="http://schemas.openxmlformats.org/drawingml/2006/main" xmlns:r="http://schemas.openxmlformats.org/officeDocument/2006/relationships" xmlns:p="http://schemas.openxmlformats.org/presentationml/2006/main">
+  <p:cSld>
+    <p:bg>
+      <p:bgPr>
+        <a:blipFill dpi="0" rotWithShape="1">
+          <a:blip r:embed="rId3">
+            <a:extLst>
+              <a:ext uri="{BEBA8EAE-BF5A-486C-A8C5-ECC9F3942E4B}">
+                <a14:imgProps xmlns:a14="http://schemas.microsoft.com/office/drawing/2010/main">
+                  <a14:imgLayer r:embed="rId4">
+                    <a14:imgEffect>
+                      <a14:brightnessContrast bright="-50000"/>
+                    </a14:imgEffect>
+                  </a14:imgLayer>
+                </a14:imgProps>
+              </a:ext>
+            </a:extLst>
+          </a:blip>
+          <a:srcRect/>
+          <a:stretch>
+            <a:fillRect l="-10000" r="-10000"/>
+          </a:stretch>
+        </a:blipFill>
+        <a:effectLst/>
+      </p:bgPr>
+    </p:bg>
+    <p:spTree>
+      <p:nvGrpSpPr>
+        <p:cNvPr id="1" name=""/>
+        <p:cNvGrpSpPr/>
+        <p:nvPr/>
+      </p:nvGrpSpPr>
+      <p:grpSpPr>
+        <a:xfrm>
+          <a:off x="0" y="0"/>
+          <a:ext cx="0" cy="0"/>
+          <a:chOff x="0" y="0"/>
+          <a:chExt cx="0" cy="0"/>
+        </a:xfrm>
+      </p:grpSpPr>
+      <p:sp>
+        <p:nvSpPr>
+          <p:cNvPr id="2" name="Title 1"/>
+          <p:cNvSpPr>
+            <a:spLocks noGrp="1"/>
+          </p:cNvSpPr>
+          <p:nvPr>
+            <p:ph type="title"/>
+          </p:nvPr>
+        </p:nvSpPr>
+        <p:spPr/>
+        <p:txBody>
+          <a:bodyPr/>
+          <a:lstStyle/>
+          <a:p>
+            <a:r>
+              <a:rPr lang="en-US" dirty="0"/>
+              <a:t>Tuning</a:t>
+            </a:r>
+          </a:p>
+        </p:txBody>
+      </p:sp>
+      <p:sp>
+        <p:nvSpPr>
+          <p:cNvPr id="3" name="Content Placeholder 2"/>
+          <p:cNvSpPr>
+            <a:spLocks noGrp="1"/>
+          </p:cNvSpPr>
+          <p:nvPr>
+            <p:ph idx="1"/>
+          </p:nvPr>
+        </p:nvSpPr>
+        <p:spPr/>
+        <p:txBody>
+          <a:bodyPr/>
+          <a:lstStyle/>
+          <a:p>
+            <a:r>
+              <a:rPr lang="en-US" dirty="0"/>
+              <a:t>Parameters to Play with</a:t>
+            </a:r>
+          </a:p>
+          <a:p>
+            <a:pPr lvl="1"/>
+            <a:r>
+              <a:rPr lang="en-US" dirty="0"/>
+              <a:t>K-Nearest Neighbors</a:t>
+            </a:r>
+          </a:p>
+          <a:p>
+            <a:pPr lvl="2"/>
+            <a:r>
+              <a:rPr lang="en-US" dirty="0"/>
+              <a:t>Number of neighbors to test point</a:t>
+            </a:r>
+          </a:p>
+          <a:p>
+            <a:pPr lvl="2"/>
+            <a:r>
+              <a:rPr lang="en-US" dirty="0"/>
+              <a:t>Algorithm to evaluate distance test point is from data points</a:t>
+            </a:r>
+          </a:p>
+          <a:p>
+            <a:pPr lvl="2"/>
+            <a:endParaRPr lang="en-US" dirty="0"/>
+          </a:p>
+          <a:p>
+            <a:endParaRPr lang="en-US" dirty="0"/>
+          </a:p>
+        </p:txBody>
+      </p:sp>
+    </p:spTree>
+    <p:extLst>
+      <p:ext uri="{BB962C8B-B14F-4D97-AF65-F5344CB8AC3E}">
+        <p14:creationId xmlns:p14="http://schemas.microsoft.com/office/powerpoint/2010/main" val="274238177"/>
+      </p:ext>
+    </p:extLst>
+  </p:cSld>
+  <p:clrMapOvr>
+    <a:overrideClrMapping bg1="lt1" tx1="dk1" bg2="lt2" tx2="dk2" accent1="accent1" accent2="accent2" accent3="accent3" accent4="accent4" accent5="accent5" accent6="accent6" hlink="hlink" folHlink="folHlink"/>
+  </p:clrMapOvr>
+</p:sld>
+</file>
+
+<file path=ppt/slides/slide61.xml><?xml version="1.0" encoding="utf-8"?>
+<p:sld xmlns:a="http://schemas.openxmlformats.org/drawingml/2006/main" xmlns:r="http://schemas.openxmlformats.org/officeDocument/2006/relationships" xmlns:p="http://schemas.openxmlformats.org/presentationml/2006/main">
+  <p:cSld>
+    <p:bg>
+      <p:bgPr>
+        <a:blipFill dpi="0" rotWithShape="1">
+          <a:blip r:embed="rId3">
+            <a:extLst>
+              <a:ext uri="{BEBA8EAE-BF5A-486C-A8C5-ECC9F3942E4B}">
+                <a14:imgProps xmlns:a14="http://schemas.microsoft.com/office/drawing/2010/main">
+                  <a14:imgLayer r:embed="rId4">
+                    <a14:imgEffect>
+                      <a14:brightnessContrast bright="-50000"/>
+                    </a14:imgEffect>
+                  </a14:imgLayer>
+                </a14:imgProps>
+              </a:ext>
+            </a:extLst>
+          </a:blip>
+          <a:srcRect/>
+          <a:stretch>
+            <a:fillRect l="-10000" r="-10000"/>
+          </a:stretch>
+        </a:blipFill>
+        <a:effectLst/>
+      </p:bgPr>
+    </p:bg>
+    <p:spTree>
+      <p:nvGrpSpPr>
+        <p:cNvPr id="1" name=""/>
+        <p:cNvGrpSpPr/>
+        <p:nvPr/>
+      </p:nvGrpSpPr>
+      <p:grpSpPr>
+        <a:xfrm>
+          <a:off x="0" y="0"/>
+          <a:ext cx="0" cy="0"/>
+          <a:chOff x="0" y="0"/>
+          <a:chExt cx="0" cy="0"/>
+        </a:xfrm>
+      </p:grpSpPr>
+      <p:sp>
+        <p:nvSpPr>
+          <p:cNvPr id="2" name="Title 1"/>
+          <p:cNvSpPr>
+            <a:spLocks noGrp="1"/>
+          </p:cNvSpPr>
+          <p:nvPr>
+            <p:ph type="title"/>
+          </p:nvPr>
+        </p:nvSpPr>
+        <p:spPr/>
+        <p:txBody>
+          <a:bodyPr/>
+          <a:lstStyle/>
+          <a:p>
+            <a:r>
+              <a:rPr lang="en-US" dirty="0"/>
+              <a:t>Tuning</a:t>
+            </a:r>
+          </a:p>
+        </p:txBody>
+      </p:sp>
+      <p:sp>
+        <p:nvSpPr>
+          <p:cNvPr id="3" name="Content Placeholder 2"/>
+          <p:cNvSpPr>
+            <a:spLocks noGrp="1"/>
+          </p:cNvSpPr>
+          <p:nvPr>
+            <p:ph idx="1"/>
+          </p:nvPr>
+        </p:nvSpPr>
+        <p:spPr/>
+        <p:txBody>
+          <a:bodyPr/>
+          <a:lstStyle/>
+          <a:p>
+            <a:r>
+              <a:rPr lang="en-US" dirty="0"/>
+              <a:t>Grid Search</a:t>
+            </a:r>
+          </a:p>
+          <a:p>
+            <a:pPr lvl="2"/>
+            <a:endParaRPr lang="en-US" dirty="0"/>
+          </a:p>
+          <a:p>
+            <a:endParaRPr lang="en-US" dirty="0"/>
+          </a:p>
+        </p:txBody>
+      </p:sp>
+    </p:spTree>
+    <p:extLst>
+      <p:ext uri="{BB962C8B-B14F-4D97-AF65-F5344CB8AC3E}">
+        <p14:creationId xmlns:p14="http://schemas.microsoft.com/office/powerpoint/2010/main" val="2622179278"/>
+      </p:ext>
+    </p:extLst>
+  </p:cSld>
+  <p:clrMapOvr>
+    <a:overrideClrMapping bg1="lt1" tx1="dk1" bg2="lt2" tx2="dk2" accent1="accent1" accent2="accent2" accent3="accent3" accent4="accent4" accent5="accent5" accent6="accent6" hlink="hlink" folHlink="folHlink"/>
+  </p:clrMapOvr>
+</p:sld>
+</file>
+
+<file path=ppt/slides/slide62.xml><?xml version="1.0" encoding="utf-8"?>
+<p:sld xmlns:a="http://schemas.openxmlformats.org/drawingml/2006/main" xmlns:r="http://schemas.openxmlformats.org/officeDocument/2006/relationships" xmlns:p="http://schemas.openxmlformats.org/presentationml/2006/main">
+  <p:cSld>
+    <p:bg>
+      <p:bgPr>
+        <a:blipFill dpi="0" rotWithShape="1">
+          <a:blip r:embed="rId3">
+            <a:extLst>
+              <a:ext uri="{BEBA8EAE-BF5A-486C-A8C5-ECC9F3942E4B}">
+                <a14:imgProps xmlns:a14="http://schemas.microsoft.com/office/drawing/2010/main">
+                  <a14:imgLayer r:embed="rId4">
+                    <a14:imgEffect>
+                      <a14:brightnessContrast bright="-50000"/>
+                    </a14:imgEffect>
+                  </a14:imgLayer>
+                </a14:imgProps>
+              </a:ext>
+            </a:extLst>
+          </a:blip>
+          <a:srcRect/>
+          <a:stretch>
+            <a:fillRect l="-10000" r="-10000"/>
+          </a:stretch>
+        </a:blipFill>
+        <a:effectLst/>
+      </p:bgPr>
+    </p:bg>
+    <p:spTree>
+      <p:nvGrpSpPr>
+        <p:cNvPr id="1" name=""/>
+        <p:cNvGrpSpPr/>
+        <p:nvPr/>
+      </p:nvGrpSpPr>
+      <p:grpSpPr>
+        <a:xfrm>
+          <a:off x="0" y="0"/>
+          <a:ext cx="0" cy="0"/>
+          <a:chOff x="0" y="0"/>
+          <a:chExt cx="0" cy="0"/>
+        </a:xfrm>
+      </p:grpSpPr>
+      <p:sp>
+        <p:nvSpPr>
+          <p:cNvPr id="2" name="Title 1"/>
+          <p:cNvSpPr>
+            <a:spLocks noGrp="1"/>
+          </p:cNvSpPr>
+          <p:nvPr>
+            <p:ph type="title"/>
+          </p:nvPr>
+        </p:nvSpPr>
+        <p:spPr/>
+        <p:txBody>
+          <a:bodyPr/>
+          <a:lstStyle/>
+          <a:p>
+            <a:r>
+              <a:rPr lang="en-US" dirty="0" err="1"/>
+              <a:t>Scikit</a:t>
+            </a:r>
+            <a:r>
+              <a:rPr lang="en-US" dirty="0"/>
+              <a:t>-Learn Machine Learning</a:t>
+            </a:r>
+          </a:p>
+        </p:txBody>
+      </p:sp>
+      <p:sp>
+        <p:nvSpPr>
+          <p:cNvPr id="3" name="Content Placeholder 2"/>
+          <p:cNvSpPr>
+            <a:spLocks noGrp="1"/>
+          </p:cNvSpPr>
+          <p:nvPr>
+            <p:ph idx="1"/>
+          </p:nvPr>
+        </p:nvSpPr>
+        <p:spPr/>
+        <p:txBody>
+          <a:bodyPr/>
+          <a:lstStyle/>
+          <a:p>
+            <a:r>
+              <a:rPr lang="en-US" dirty="0"/>
+              <a:t>Overview</a:t>
+            </a:r>
+          </a:p>
+          <a:p>
+            <a:pPr lvl="1"/>
+            <a:r>
+              <a:rPr lang="en-US" dirty="0"/>
+              <a:t>Definition</a:t>
+            </a:r>
+          </a:p>
+          <a:p>
+            <a:pPr lvl="1"/>
+            <a:r>
+              <a:rPr lang="en-US" dirty="0"/>
+              <a:t>General Types</a:t>
+            </a:r>
+          </a:p>
+          <a:p>
+            <a:pPr lvl="1"/>
+            <a:r>
+              <a:rPr lang="en-US" dirty="0"/>
+              <a:t>Basic Linear Models</a:t>
+            </a:r>
+          </a:p>
+          <a:p>
+            <a:pPr lvl="1"/>
+            <a:r>
+              <a:rPr lang="en-US" dirty="0"/>
+              <a:t>Algorithm Types</a:t>
+            </a:r>
+          </a:p>
+          <a:p>
+            <a:pPr lvl="1"/>
+            <a:r>
+              <a:rPr lang="en-US" dirty="0"/>
+              <a:t>Tuning</a:t>
+            </a:r>
+          </a:p>
+          <a:p>
+            <a:pPr lvl="2"/>
+            <a:endParaRPr lang="en-US" dirty="0"/>
+          </a:p>
+          <a:p>
+            <a:endParaRPr lang="en-US" dirty="0"/>
+          </a:p>
+        </p:txBody>
+      </p:sp>
+    </p:spTree>
+    <p:extLst>
+      <p:ext uri="{BB962C8B-B14F-4D97-AF65-F5344CB8AC3E}">
+        <p14:creationId xmlns:p14="http://schemas.microsoft.com/office/powerpoint/2010/main" val="2946119377"/>
+      </p:ext>
+    </p:extLst>
+  </p:cSld>
+  <p:clrMapOvr>
+    <a:overrideClrMapping bg1="lt1" tx1="dk1" bg2="lt2" tx2="dk2" accent1="accent1" accent2="accent2" accent3="accent3" accent4="accent4" accent5="accent5" accent6="accent6" hlink="hlink" folHlink="folHlink"/>
+  </p:clrMapOvr>
+</p:sld>
+</file>
+
+<file path=ppt/slides/slide63.xml><?xml version="1.0" encoding="utf-8"?>
+<p:sld xmlns:a="http://schemas.openxmlformats.org/drawingml/2006/main" xmlns:r="http://schemas.openxmlformats.org/officeDocument/2006/relationships" xmlns:p="http://schemas.openxmlformats.org/presentationml/2006/main">
+  <p:cSld>
+    <p:bg>
+      <p:bgPr>
+        <a:blipFill dpi="0" rotWithShape="1">
+          <a:blip r:embed="rId2">
+            <a:lum/>
+          </a:blip>
+          <a:srcRect/>
+          <a:stretch>
+            <a:fillRect l="-10000" r="-10000"/>
+          </a:stretch>
+        </a:blipFill>
+        <a:effectLst/>
+      </p:bgPr>
+    </p:bg>
+    <p:spTree>
+      <p:nvGrpSpPr>
+        <p:cNvPr id="1" name=""/>
+        <p:cNvGrpSpPr/>
+        <p:nvPr/>
+      </p:nvGrpSpPr>
+      <p:grpSpPr>
+        <a:xfrm>
+          <a:off x="0" y="0"/>
+          <a:ext cx="0" cy="0"/>
+          <a:chOff x="0" y="0"/>
+          <a:chExt cx="0" cy="0"/>
+        </a:xfrm>
+      </p:grpSpPr>
+      <p:sp>
+        <p:nvSpPr>
+          <p:cNvPr id="2" name="Title 1"/>
+          <p:cNvSpPr>
+            <a:spLocks noGrp="1"/>
+          </p:cNvSpPr>
+          <p:nvPr>
+            <p:ph type="title"/>
+          </p:nvPr>
+        </p:nvSpPr>
+        <p:spPr/>
+        <p:txBody>
+          <a:bodyPr/>
+          <a:lstStyle/>
+          <a:p>
+            <a:r>
+              <a:rPr lang="en-US" dirty="0"/>
+              <a:t>Bibliography</a:t>
+            </a:r>
+          </a:p>
+        </p:txBody>
+      </p:sp>
+      <p:sp>
+        <p:nvSpPr>
+          <p:cNvPr id="3" name="Content Placeholder 2"/>
+          <p:cNvSpPr>
+            <a:spLocks noGrp="1"/>
+          </p:cNvSpPr>
+          <p:nvPr>
+            <p:ph idx="1"/>
+          </p:nvPr>
+        </p:nvSpPr>
+        <p:spPr/>
+        <p:txBody>
+          <a:bodyPr>
+            <a:normAutofit/>
+          </a:bodyPr>
+          <a:lstStyle/>
+          <a:p>
+            <a:pPr marL="514350" indent="-514350">
+              <a:buFont typeface="+mj-lt"/>
+              <a:buAutoNum type="arabicParenR"/>
+            </a:pPr>
+            <a:r>
+              <a:rPr lang="en-US" dirty="0"/>
+              <a:t>https://github.com/amueller/introduction_to_ml_with_python/blob/master/02-supervised-learning.ipynb</a:t>
+            </a:r>
+          </a:p>
+        </p:txBody>
+      </p:sp>
+    </p:spTree>
+    <p:extLst>
+      <p:ext uri="{BB962C8B-B14F-4D97-AF65-F5344CB8AC3E}">
+        <p14:creationId xmlns:p14="http://schemas.microsoft.com/office/powerpoint/2010/main" val="3645036191"/>
+      </p:ext>
+    </p:extLst>
+  </p:cSld>
+  <p:clrMapOvr>
+    <a:masterClrMapping/>
+  </p:clrMapOvr>
+</p:sld>
+</file>
+
+<file path=ppt/slides/slide64.xml><?xml version="1.0" encoding="utf-8"?>
+<p:sld xmlns:a="http://schemas.openxmlformats.org/drawingml/2006/main" xmlns:r="http://schemas.openxmlformats.org/officeDocument/2006/relationships" xmlns:p="http://schemas.openxmlformats.org/presentationml/2006/main">
+  <p:cSld>
+    <p:bg>
+      <p:bgPr>
+        <a:blipFill dpi="0" rotWithShape="1">
+          <a:blip r:embed="rId2">
+            <a:lum/>
+          </a:blip>
+          <a:srcRect/>
+          <a:stretch>
+            <a:fillRect l="-10000" r="-10000"/>
+          </a:stretch>
+        </a:blipFill>
+        <a:effectLst/>
+      </p:bgPr>
+    </p:bg>
+    <p:spTree>
+      <p:nvGrpSpPr>
+        <p:cNvPr id="1" name=""/>
+        <p:cNvGrpSpPr/>
+        <p:nvPr/>
+      </p:nvGrpSpPr>
+      <p:grpSpPr>
+        <a:xfrm>
+          <a:off x="0" y="0"/>
+          <a:ext cx="0" cy="0"/>
+          <a:chOff x="0" y="0"/>
+          <a:chExt cx="0" cy="0"/>
+        </a:xfrm>
+      </p:grpSpPr>
+      <p:sp>
+        <p:nvSpPr>
+          <p:cNvPr id="2" name="Title 1"/>
+          <p:cNvSpPr>
+            <a:spLocks noGrp="1"/>
+          </p:cNvSpPr>
+          <p:nvPr>
+            <p:ph type="title"/>
+          </p:nvPr>
+        </p:nvSpPr>
+        <p:spPr/>
+        <p:txBody>
+          <a:bodyPr/>
+          <a:lstStyle/>
+          <a:p>
+            <a:r>
+              <a:rPr lang="en-US" dirty="0"/>
+              <a:t>LICENSE</a:t>
+            </a:r>
+          </a:p>
+        </p:txBody>
+      </p:sp>
+      <p:sp>
+        <p:nvSpPr>
+          <p:cNvPr id="3" name="Content Placeholder 2"/>
+          <p:cNvSpPr>
+            <a:spLocks noGrp="1"/>
+          </p:cNvSpPr>
+          <p:nvPr>
+            <p:ph idx="1"/>
+          </p:nvPr>
+        </p:nvSpPr>
+        <p:spPr/>
+        <p:txBody>
+          <a:bodyPr>
+            <a:normAutofit fontScale="62500" lnSpcReduction="20000"/>
+          </a:bodyPr>
+          <a:lstStyle/>
+          <a:p>
+            <a:r>
+              <a:rPr lang="en-US" dirty="0"/>
+              <a:t>Copyright 2021 Douglas Bowman</a:t>
+            </a:r>
+          </a:p>
+          <a:p>
+            <a:r>
+              <a:rPr lang="en-US" dirty="0"/>
+              <a:t>Permission is hereby granted, free of charge, to any person obtaining a copy of this software and associated documentation files (the "Software"), to deal in the Software without restriction, including without limitation the rights to use, copy, modify, merge, publish, distribute, sublicense, and/or sell copies of the Software, and to permit persons to whom the Software is furnished to do so, subject to the following conditions:</a:t>
+            </a:r>
+          </a:p>
+          <a:p>
+            <a:r>
+              <a:rPr lang="en-US" dirty="0"/>
+              <a:t>The above copyright notice and this permission notice shall be included in all copies or substantial portions of the Software.</a:t>
+            </a:r>
+          </a:p>
+          <a:p>
+            <a:r>
+              <a:rPr lang="en-US" dirty="0"/>
+              <a:t>THE SOFTWARE IS PROVIDED "AS IS", WITHOUT WARRANTY OF ANY KIND, EXPRESS OR IMPLIED, INCLUDING BUT NOT LIMITED TO THE WARRANTIES OF MERCHANTABILITY, FITNESS FOR A PARTICULAR PURPOSE AND NONINFRINGEMENT. IN NO EVENT SHALL THE AUTHORS OR COPYRIGHT HOLDERS BE LIABLE FOR ANY CLAIM, DAMAGES OR OTHER LIABILITY, WHETHER IN AN ACTION OF CONTRACT, TORT OR OTHERWISE, ARISING FROM, OUT OF OR IN CONNECTION WITH THE SOFTWARE OR THE USE OR OTHER DEALINGS IN THE SOFTWARE.</a:t>
+            </a:r>
+          </a:p>
+        </p:txBody>
+      </p:sp>
+    </p:spTree>
+    <p:extLst>
+      <p:ext uri="{BB962C8B-B14F-4D97-AF65-F5344CB8AC3E}">
+        <p14:creationId xmlns:p14="http://schemas.microsoft.com/office/powerpoint/2010/main" val="3405347719"/>
+      </p:ext>
+    </p:extLst>
+  </p:cSld>
+  <p:clrMapOvr>
+    <a:masterClrMapping/>
   </p:clrMapOvr>
 </p:sld>
 </file>
@@ -12994,21 +15738,35 @@
           <a:p>
             <a:r>
               <a:rPr lang="en-US" dirty="0"/>
-              <a:t>Model</a:t>
+              <a:t>Regressor</a:t>
             </a:r>
           </a:p>
           <a:p>
             <a:pPr lvl="1"/>
             <a:r>
               <a:rPr lang="en-US" dirty="0"/>
-              <a:t>The construct that is/will be trained and filled with data.</a:t>
+              <a:t>The mathematical equation, set of equations, and/or algorithm that is used to predict outcomes for regression problems.</a:t>
             </a:r>
           </a:p>
           <a:p>
             <a:pPr lvl="1"/>
             <a:r>
               <a:rPr lang="en-US" dirty="0"/>
-              <a:t>This is what will tell us what the “answer” is.</a:t>
+              <a:t>Problems were we are predicting within range of values.</a:t>
+            </a:r>
+          </a:p>
+          <a:p>
+            <a:pPr lvl="2"/>
+            <a:r>
+              <a:rPr lang="en-US" dirty="0"/>
+              <a:t>i.e. Predicting the median household income in the future.</a:t>
+            </a:r>
+          </a:p>
+          <a:p>
+            <a:pPr lvl="1"/>
+            <a:r>
+              <a:rPr lang="en-US" dirty="0"/>
+              <a:t>This is the scaffolding for our model.</a:t>
             </a:r>
           </a:p>
           <a:p>
@@ -13026,7 +15784,7 @@
     </p:spTree>
     <p:extLst>
       <p:ext uri="{BB962C8B-B14F-4D97-AF65-F5344CB8AC3E}">
-        <p14:creationId xmlns:p14="http://schemas.microsoft.com/office/powerpoint/2010/main" val="4212275978"/>
+        <p14:creationId xmlns:p14="http://schemas.microsoft.com/office/powerpoint/2010/main" val="528904592"/>
       </p:ext>
     </p:extLst>
   </p:cSld>
@@ -13116,14 +15874,21 @@
           <a:p>
             <a:r>
               <a:rPr lang="en-US" dirty="0"/>
-              <a:t>Classifier vs Model</a:t>
+              <a:t>Model</a:t>
             </a:r>
           </a:p>
           <a:p>
             <a:pPr lvl="1"/>
             <a:r>
               <a:rPr lang="en-US" dirty="0"/>
-              <a:t>The classifier is like a class, where the model is like an object.</a:t>
+              <a:t>The construct that is/will be trained and filled with data.</a:t>
+            </a:r>
+          </a:p>
+          <a:p>
+            <a:pPr lvl="1"/>
+            <a:r>
+              <a:rPr lang="en-US" dirty="0"/>
+              <a:t>This is what will tell us what the “answer” is.</a:t>
             </a:r>
           </a:p>
           <a:p>
@@ -13141,7 +15906,7 @@
     </p:spTree>
     <p:extLst>
       <p:ext uri="{BB962C8B-B14F-4D97-AF65-F5344CB8AC3E}">
-        <p14:creationId xmlns:p14="http://schemas.microsoft.com/office/powerpoint/2010/main" val="3444231323"/>
+        <p14:creationId xmlns:p14="http://schemas.microsoft.com/office/powerpoint/2010/main" val="4212275978"/>
       </p:ext>
     </p:extLst>
   </p:cSld>
@@ -13231,14 +15996,28 @@
           <a:p>
             <a:r>
               <a:rPr lang="en-US" dirty="0"/>
-              <a:t>Experience</a:t>
+              <a:t>Trainer vs Model</a:t>
             </a:r>
           </a:p>
           <a:p>
             <a:pPr lvl="1"/>
             <a:r>
               <a:rPr lang="en-US" dirty="0"/>
-              <a:t>The incorporated data used to increase the effectiveness of the model’s predictions</a:t>
+              <a:t>The trainer is the template used to create a model.  </a:t>
+            </a:r>
+          </a:p>
+          <a:p>
+            <a:pPr lvl="1"/>
+            <a:r>
+              <a:rPr lang="en-US" dirty="0"/>
+              <a:t>The model is what actually contains the data, where the trainer tells the model what to do with the data.</a:t>
+            </a:r>
+          </a:p>
+          <a:p>
+            <a:pPr lvl="1"/>
+            <a:r>
+              <a:rPr lang="en-US" dirty="0"/>
+              <a:t>The trainer is like a class, where the model is like an object.</a:t>
             </a:r>
           </a:p>
           <a:p>
@@ -13256,7 +16035,7 @@
     </p:spTree>
     <p:extLst>
       <p:ext uri="{BB962C8B-B14F-4D97-AF65-F5344CB8AC3E}">
-        <p14:creationId xmlns:p14="http://schemas.microsoft.com/office/powerpoint/2010/main" val="2979209538"/>
+        <p14:creationId xmlns:p14="http://schemas.microsoft.com/office/powerpoint/2010/main" val="3444231323"/>
       </p:ext>
     </p:extLst>
   </p:cSld>
@@ -15765,7 +18544,695 @@
 </a:themeOverride>
 </file>
 
+<file path=ppt/theme/themeOverride44.xml><?xml version="1.0" encoding="utf-8"?>
+<a:themeOverride xmlns:a="http://schemas.openxmlformats.org/drawingml/2006/main">
+  <a:clrScheme name="Custom 2">
+    <a:dk1>
+      <a:srgbClr val="EFEFEF"/>
+    </a:dk1>
+    <a:lt1>
+      <a:srgbClr val="EFEFEF"/>
+    </a:lt1>
+    <a:dk2>
+      <a:srgbClr val="053E7D"/>
+    </a:dk2>
+    <a:lt2>
+      <a:srgbClr val="FFFFFF"/>
+    </a:lt2>
+    <a:accent1>
+      <a:srgbClr val="EFEFEF"/>
+    </a:accent1>
+    <a:accent2>
+      <a:srgbClr val="EFEFEF"/>
+    </a:accent2>
+    <a:accent3>
+      <a:srgbClr val="EFEFEF"/>
+    </a:accent3>
+    <a:accent4>
+      <a:srgbClr val="808080"/>
+    </a:accent4>
+    <a:accent5>
+      <a:srgbClr val="5F5F5F"/>
+    </a:accent5>
+    <a:accent6>
+      <a:srgbClr val="4D4D4D"/>
+    </a:accent6>
+    <a:hlink>
+      <a:srgbClr val="B5D7FC"/>
+    </a:hlink>
+    <a:folHlink>
+      <a:srgbClr val="919191"/>
+    </a:folHlink>
+  </a:clrScheme>
+</a:themeOverride>
+</file>
+
+<file path=ppt/theme/themeOverride45.xml><?xml version="1.0" encoding="utf-8"?>
+<a:themeOverride xmlns:a="http://schemas.openxmlformats.org/drawingml/2006/main">
+  <a:clrScheme name="Custom 2">
+    <a:dk1>
+      <a:srgbClr val="EFEFEF"/>
+    </a:dk1>
+    <a:lt1>
+      <a:srgbClr val="EFEFEF"/>
+    </a:lt1>
+    <a:dk2>
+      <a:srgbClr val="053E7D"/>
+    </a:dk2>
+    <a:lt2>
+      <a:srgbClr val="FFFFFF"/>
+    </a:lt2>
+    <a:accent1>
+      <a:srgbClr val="EFEFEF"/>
+    </a:accent1>
+    <a:accent2>
+      <a:srgbClr val="EFEFEF"/>
+    </a:accent2>
+    <a:accent3>
+      <a:srgbClr val="EFEFEF"/>
+    </a:accent3>
+    <a:accent4>
+      <a:srgbClr val="808080"/>
+    </a:accent4>
+    <a:accent5>
+      <a:srgbClr val="5F5F5F"/>
+    </a:accent5>
+    <a:accent6>
+      <a:srgbClr val="4D4D4D"/>
+    </a:accent6>
+    <a:hlink>
+      <a:srgbClr val="B5D7FC"/>
+    </a:hlink>
+    <a:folHlink>
+      <a:srgbClr val="919191"/>
+    </a:folHlink>
+  </a:clrScheme>
+</a:themeOverride>
+</file>
+
+<file path=ppt/theme/themeOverride46.xml><?xml version="1.0" encoding="utf-8"?>
+<a:themeOverride xmlns:a="http://schemas.openxmlformats.org/drawingml/2006/main">
+  <a:clrScheme name="Custom 2">
+    <a:dk1>
+      <a:srgbClr val="EFEFEF"/>
+    </a:dk1>
+    <a:lt1>
+      <a:srgbClr val="EFEFEF"/>
+    </a:lt1>
+    <a:dk2>
+      <a:srgbClr val="053E7D"/>
+    </a:dk2>
+    <a:lt2>
+      <a:srgbClr val="FFFFFF"/>
+    </a:lt2>
+    <a:accent1>
+      <a:srgbClr val="EFEFEF"/>
+    </a:accent1>
+    <a:accent2>
+      <a:srgbClr val="EFEFEF"/>
+    </a:accent2>
+    <a:accent3>
+      <a:srgbClr val="EFEFEF"/>
+    </a:accent3>
+    <a:accent4>
+      <a:srgbClr val="808080"/>
+    </a:accent4>
+    <a:accent5>
+      <a:srgbClr val="5F5F5F"/>
+    </a:accent5>
+    <a:accent6>
+      <a:srgbClr val="4D4D4D"/>
+    </a:accent6>
+    <a:hlink>
+      <a:srgbClr val="B5D7FC"/>
+    </a:hlink>
+    <a:folHlink>
+      <a:srgbClr val="919191"/>
+    </a:folHlink>
+  </a:clrScheme>
+</a:themeOverride>
+</file>
+
+<file path=ppt/theme/themeOverride47.xml><?xml version="1.0" encoding="utf-8"?>
+<a:themeOverride xmlns:a="http://schemas.openxmlformats.org/drawingml/2006/main">
+  <a:clrScheme name="Custom 2">
+    <a:dk1>
+      <a:srgbClr val="EFEFEF"/>
+    </a:dk1>
+    <a:lt1>
+      <a:srgbClr val="EFEFEF"/>
+    </a:lt1>
+    <a:dk2>
+      <a:srgbClr val="053E7D"/>
+    </a:dk2>
+    <a:lt2>
+      <a:srgbClr val="FFFFFF"/>
+    </a:lt2>
+    <a:accent1>
+      <a:srgbClr val="EFEFEF"/>
+    </a:accent1>
+    <a:accent2>
+      <a:srgbClr val="EFEFEF"/>
+    </a:accent2>
+    <a:accent3>
+      <a:srgbClr val="EFEFEF"/>
+    </a:accent3>
+    <a:accent4>
+      <a:srgbClr val="808080"/>
+    </a:accent4>
+    <a:accent5>
+      <a:srgbClr val="5F5F5F"/>
+    </a:accent5>
+    <a:accent6>
+      <a:srgbClr val="4D4D4D"/>
+    </a:accent6>
+    <a:hlink>
+      <a:srgbClr val="B5D7FC"/>
+    </a:hlink>
+    <a:folHlink>
+      <a:srgbClr val="919191"/>
+    </a:folHlink>
+  </a:clrScheme>
+</a:themeOverride>
+</file>
+
+<file path=ppt/theme/themeOverride48.xml><?xml version="1.0" encoding="utf-8"?>
+<a:themeOverride xmlns:a="http://schemas.openxmlformats.org/drawingml/2006/main">
+  <a:clrScheme name="Custom 2">
+    <a:dk1>
+      <a:srgbClr val="EFEFEF"/>
+    </a:dk1>
+    <a:lt1>
+      <a:srgbClr val="EFEFEF"/>
+    </a:lt1>
+    <a:dk2>
+      <a:srgbClr val="053E7D"/>
+    </a:dk2>
+    <a:lt2>
+      <a:srgbClr val="FFFFFF"/>
+    </a:lt2>
+    <a:accent1>
+      <a:srgbClr val="EFEFEF"/>
+    </a:accent1>
+    <a:accent2>
+      <a:srgbClr val="EFEFEF"/>
+    </a:accent2>
+    <a:accent3>
+      <a:srgbClr val="EFEFEF"/>
+    </a:accent3>
+    <a:accent4>
+      <a:srgbClr val="808080"/>
+    </a:accent4>
+    <a:accent5>
+      <a:srgbClr val="5F5F5F"/>
+    </a:accent5>
+    <a:accent6>
+      <a:srgbClr val="4D4D4D"/>
+    </a:accent6>
+    <a:hlink>
+      <a:srgbClr val="B5D7FC"/>
+    </a:hlink>
+    <a:folHlink>
+      <a:srgbClr val="919191"/>
+    </a:folHlink>
+  </a:clrScheme>
+</a:themeOverride>
+</file>
+
+<file path=ppt/theme/themeOverride49.xml><?xml version="1.0" encoding="utf-8"?>
+<a:themeOverride xmlns:a="http://schemas.openxmlformats.org/drawingml/2006/main">
+  <a:clrScheme name="Custom 2">
+    <a:dk1>
+      <a:srgbClr val="EFEFEF"/>
+    </a:dk1>
+    <a:lt1>
+      <a:srgbClr val="EFEFEF"/>
+    </a:lt1>
+    <a:dk2>
+      <a:srgbClr val="053E7D"/>
+    </a:dk2>
+    <a:lt2>
+      <a:srgbClr val="FFFFFF"/>
+    </a:lt2>
+    <a:accent1>
+      <a:srgbClr val="EFEFEF"/>
+    </a:accent1>
+    <a:accent2>
+      <a:srgbClr val="EFEFEF"/>
+    </a:accent2>
+    <a:accent3>
+      <a:srgbClr val="EFEFEF"/>
+    </a:accent3>
+    <a:accent4>
+      <a:srgbClr val="808080"/>
+    </a:accent4>
+    <a:accent5>
+      <a:srgbClr val="5F5F5F"/>
+    </a:accent5>
+    <a:accent6>
+      <a:srgbClr val="4D4D4D"/>
+    </a:accent6>
+    <a:hlink>
+      <a:srgbClr val="B5D7FC"/>
+    </a:hlink>
+    <a:folHlink>
+      <a:srgbClr val="919191"/>
+    </a:folHlink>
+  </a:clrScheme>
+</a:themeOverride>
+</file>
+
 <file path=ppt/theme/themeOverride5.xml><?xml version="1.0" encoding="utf-8"?>
+<a:themeOverride xmlns:a="http://schemas.openxmlformats.org/drawingml/2006/main">
+  <a:clrScheme name="Custom 2">
+    <a:dk1>
+      <a:srgbClr val="EFEFEF"/>
+    </a:dk1>
+    <a:lt1>
+      <a:srgbClr val="EFEFEF"/>
+    </a:lt1>
+    <a:dk2>
+      <a:srgbClr val="053E7D"/>
+    </a:dk2>
+    <a:lt2>
+      <a:srgbClr val="FFFFFF"/>
+    </a:lt2>
+    <a:accent1>
+      <a:srgbClr val="EFEFEF"/>
+    </a:accent1>
+    <a:accent2>
+      <a:srgbClr val="EFEFEF"/>
+    </a:accent2>
+    <a:accent3>
+      <a:srgbClr val="EFEFEF"/>
+    </a:accent3>
+    <a:accent4>
+      <a:srgbClr val="808080"/>
+    </a:accent4>
+    <a:accent5>
+      <a:srgbClr val="5F5F5F"/>
+    </a:accent5>
+    <a:accent6>
+      <a:srgbClr val="4D4D4D"/>
+    </a:accent6>
+    <a:hlink>
+      <a:srgbClr val="B5D7FC"/>
+    </a:hlink>
+    <a:folHlink>
+      <a:srgbClr val="919191"/>
+    </a:folHlink>
+  </a:clrScheme>
+</a:themeOverride>
+</file>
+
+<file path=ppt/theme/themeOverride50.xml><?xml version="1.0" encoding="utf-8"?>
+<a:themeOverride xmlns:a="http://schemas.openxmlformats.org/drawingml/2006/main">
+  <a:clrScheme name="Custom 2">
+    <a:dk1>
+      <a:srgbClr val="EFEFEF"/>
+    </a:dk1>
+    <a:lt1>
+      <a:srgbClr val="EFEFEF"/>
+    </a:lt1>
+    <a:dk2>
+      <a:srgbClr val="053E7D"/>
+    </a:dk2>
+    <a:lt2>
+      <a:srgbClr val="FFFFFF"/>
+    </a:lt2>
+    <a:accent1>
+      <a:srgbClr val="EFEFEF"/>
+    </a:accent1>
+    <a:accent2>
+      <a:srgbClr val="EFEFEF"/>
+    </a:accent2>
+    <a:accent3>
+      <a:srgbClr val="EFEFEF"/>
+    </a:accent3>
+    <a:accent4>
+      <a:srgbClr val="808080"/>
+    </a:accent4>
+    <a:accent5>
+      <a:srgbClr val="5F5F5F"/>
+    </a:accent5>
+    <a:accent6>
+      <a:srgbClr val="4D4D4D"/>
+    </a:accent6>
+    <a:hlink>
+      <a:srgbClr val="B5D7FC"/>
+    </a:hlink>
+    <a:folHlink>
+      <a:srgbClr val="919191"/>
+    </a:folHlink>
+  </a:clrScheme>
+</a:themeOverride>
+</file>
+
+<file path=ppt/theme/themeOverride51.xml><?xml version="1.0" encoding="utf-8"?>
+<a:themeOverride xmlns:a="http://schemas.openxmlformats.org/drawingml/2006/main">
+  <a:clrScheme name="Custom 2">
+    <a:dk1>
+      <a:srgbClr val="EFEFEF"/>
+    </a:dk1>
+    <a:lt1>
+      <a:srgbClr val="EFEFEF"/>
+    </a:lt1>
+    <a:dk2>
+      <a:srgbClr val="053E7D"/>
+    </a:dk2>
+    <a:lt2>
+      <a:srgbClr val="FFFFFF"/>
+    </a:lt2>
+    <a:accent1>
+      <a:srgbClr val="EFEFEF"/>
+    </a:accent1>
+    <a:accent2>
+      <a:srgbClr val="EFEFEF"/>
+    </a:accent2>
+    <a:accent3>
+      <a:srgbClr val="EFEFEF"/>
+    </a:accent3>
+    <a:accent4>
+      <a:srgbClr val="808080"/>
+    </a:accent4>
+    <a:accent5>
+      <a:srgbClr val="5F5F5F"/>
+    </a:accent5>
+    <a:accent6>
+      <a:srgbClr val="4D4D4D"/>
+    </a:accent6>
+    <a:hlink>
+      <a:srgbClr val="B5D7FC"/>
+    </a:hlink>
+    <a:folHlink>
+      <a:srgbClr val="919191"/>
+    </a:folHlink>
+  </a:clrScheme>
+</a:themeOverride>
+</file>
+
+<file path=ppt/theme/themeOverride52.xml><?xml version="1.0" encoding="utf-8"?>
+<a:themeOverride xmlns:a="http://schemas.openxmlformats.org/drawingml/2006/main">
+  <a:clrScheme name="Custom 2">
+    <a:dk1>
+      <a:srgbClr val="EFEFEF"/>
+    </a:dk1>
+    <a:lt1>
+      <a:srgbClr val="EFEFEF"/>
+    </a:lt1>
+    <a:dk2>
+      <a:srgbClr val="053E7D"/>
+    </a:dk2>
+    <a:lt2>
+      <a:srgbClr val="FFFFFF"/>
+    </a:lt2>
+    <a:accent1>
+      <a:srgbClr val="EFEFEF"/>
+    </a:accent1>
+    <a:accent2>
+      <a:srgbClr val="EFEFEF"/>
+    </a:accent2>
+    <a:accent3>
+      <a:srgbClr val="EFEFEF"/>
+    </a:accent3>
+    <a:accent4>
+      <a:srgbClr val="808080"/>
+    </a:accent4>
+    <a:accent5>
+      <a:srgbClr val="5F5F5F"/>
+    </a:accent5>
+    <a:accent6>
+      <a:srgbClr val="4D4D4D"/>
+    </a:accent6>
+    <a:hlink>
+      <a:srgbClr val="B5D7FC"/>
+    </a:hlink>
+    <a:folHlink>
+      <a:srgbClr val="919191"/>
+    </a:folHlink>
+  </a:clrScheme>
+</a:themeOverride>
+</file>
+
+<file path=ppt/theme/themeOverride53.xml><?xml version="1.0" encoding="utf-8"?>
+<a:themeOverride xmlns:a="http://schemas.openxmlformats.org/drawingml/2006/main">
+  <a:clrScheme name="Custom 2">
+    <a:dk1>
+      <a:srgbClr val="EFEFEF"/>
+    </a:dk1>
+    <a:lt1>
+      <a:srgbClr val="EFEFEF"/>
+    </a:lt1>
+    <a:dk2>
+      <a:srgbClr val="053E7D"/>
+    </a:dk2>
+    <a:lt2>
+      <a:srgbClr val="FFFFFF"/>
+    </a:lt2>
+    <a:accent1>
+      <a:srgbClr val="EFEFEF"/>
+    </a:accent1>
+    <a:accent2>
+      <a:srgbClr val="EFEFEF"/>
+    </a:accent2>
+    <a:accent3>
+      <a:srgbClr val="EFEFEF"/>
+    </a:accent3>
+    <a:accent4>
+      <a:srgbClr val="808080"/>
+    </a:accent4>
+    <a:accent5>
+      <a:srgbClr val="5F5F5F"/>
+    </a:accent5>
+    <a:accent6>
+      <a:srgbClr val="4D4D4D"/>
+    </a:accent6>
+    <a:hlink>
+      <a:srgbClr val="B5D7FC"/>
+    </a:hlink>
+    <a:folHlink>
+      <a:srgbClr val="919191"/>
+    </a:folHlink>
+  </a:clrScheme>
+</a:themeOverride>
+</file>
+
+<file path=ppt/theme/themeOverride54.xml><?xml version="1.0" encoding="utf-8"?>
+<a:themeOverride xmlns:a="http://schemas.openxmlformats.org/drawingml/2006/main">
+  <a:clrScheme name="Custom 2">
+    <a:dk1>
+      <a:srgbClr val="EFEFEF"/>
+    </a:dk1>
+    <a:lt1>
+      <a:srgbClr val="EFEFEF"/>
+    </a:lt1>
+    <a:dk2>
+      <a:srgbClr val="053E7D"/>
+    </a:dk2>
+    <a:lt2>
+      <a:srgbClr val="FFFFFF"/>
+    </a:lt2>
+    <a:accent1>
+      <a:srgbClr val="EFEFEF"/>
+    </a:accent1>
+    <a:accent2>
+      <a:srgbClr val="EFEFEF"/>
+    </a:accent2>
+    <a:accent3>
+      <a:srgbClr val="EFEFEF"/>
+    </a:accent3>
+    <a:accent4>
+      <a:srgbClr val="808080"/>
+    </a:accent4>
+    <a:accent5>
+      <a:srgbClr val="5F5F5F"/>
+    </a:accent5>
+    <a:accent6>
+      <a:srgbClr val="4D4D4D"/>
+    </a:accent6>
+    <a:hlink>
+      <a:srgbClr val="B5D7FC"/>
+    </a:hlink>
+    <a:folHlink>
+      <a:srgbClr val="919191"/>
+    </a:folHlink>
+  </a:clrScheme>
+</a:themeOverride>
+</file>
+
+<file path=ppt/theme/themeOverride55.xml><?xml version="1.0" encoding="utf-8"?>
+<a:themeOverride xmlns:a="http://schemas.openxmlformats.org/drawingml/2006/main">
+  <a:clrScheme name="Custom 2">
+    <a:dk1>
+      <a:srgbClr val="EFEFEF"/>
+    </a:dk1>
+    <a:lt1>
+      <a:srgbClr val="EFEFEF"/>
+    </a:lt1>
+    <a:dk2>
+      <a:srgbClr val="053E7D"/>
+    </a:dk2>
+    <a:lt2>
+      <a:srgbClr val="FFFFFF"/>
+    </a:lt2>
+    <a:accent1>
+      <a:srgbClr val="EFEFEF"/>
+    </a:accent1>
+    <a:accent2>
+      <a:srgbClr val="EFEFEF"/>
+    </a:accent2>
+    <a:accent3>
+      <a:srgbClr val="EFEFEF"/>
+    </a:accent3>
+    <a:accent4>
+      <a:srgbClr val="808080"/>
+    </a:accent4>
+    <a:accent5>
+      <a:srgbClr val="5F5F5F"/>
+    </a:accent5>
+    <a:accent6>
+      <a:srgbClr val="4D4D4D"/>
+    </a:accent6>
+    <a:hlink>
+      <a:srgbClr val="B5D7FC"/>
+    </a:hlink>
+    <a:folHlink>
+      <a:srgbClr val="919191"/>
+    </a:folHlink>
+  </a:clrScheme>
+</a:themeOverride>
+</file>
+
+<file path=ppt/theme/themeOverride56.xml><?xml version="1.0" encoding="utf-8"?>
+<a:themeOverride xmlns:a="http://schemas.openxmlformats.org/drawingml/2006/main">
+  <a:clrScheme name="Custom 2">
+    <a:dk1>
+      <a:srgbClr val="EFEFEF"/>
+    </a:dk1>
+    <a:lt1>
+      <a:srgbClr val="EFEFEF"/>
+    </a:lt1>
+    <a:dk2>
+      <a:srgbClr val="053E7D"/>
+    </a:dk2>
+    <a:lt2>
+      <a:srgbClr val="FFFFFF"/>
+    </a:lt2>
+    <a:accent1>
+      <a:srgbClr val="EFEFEF"/>
+    </a:accent1>
+    <a:accent2>
+      <a:srgbClr val="EFEFEF"/>
+    </a:accent2>
+    <a:accent3>
+      <a:srgbClr val="EFEFEF"/>
+    </a:accent3>
+    <a:accent4>
+      <a:srgbClr val="808080"/>
+    </a:accent4>
+    <a:accent5>
+      <a:srgbClr val="5F5F5F"/>
+    </a:accent5>
+    <a:accent6>
+      <a:srgbClr val="4D4D4D"/>
+    </a:accent6>
+    <a:hlink>
+      <a:srgbClr val="B5D7FC"/>
+    </a:hlink>
+    <a:folHlink>
+      <a:srgbClr val="919191"/>
+    </a:folHlink>
+  </a:clrScheme>
+</a:themeOverride>
+</file>
+
+<file path=ppt/theme/themeOverride57.xml><?xml version="1.0" encoding="utf-8"?>
+<a:themeOverride xmlns:a="http://schemas.openxmlformats.org/drawingml/2006/main">
+  <a:clrScheme name="Custom 2">
+    <a:dk1>
+      <a:srgbClr val="EFEFEF"/>
+    </a:dk1>
+    <a:lt1>
+      <a:srgbClr val="EFEFEF"/>
+    </a:lt1>
+    <a:dk2>
+      <a:srgbClr val="053E7D"/>
+    </a:dk2>
+    <a:lt2>
+      <a:srgbClr val="FFFFFF"/>
+    </a:lt2>
+    <a:accent1>
+      <a:srgbClr val="EFEFEF"/>
+    </a:accent1>
+    <a:accent2>
+      <a:srgbClr val="EFEFEF"/>
+    </a:accent2>
+    <a:accent3>
+      <a:srgbClr val="EFEFEF"/>
+    </a:accent3>
+    <a:accent4>
+      <a:srgbClr val="808080"/>
+    </a:accent4>
+    <a:accent5>
+      <a:srgbClr val="5F5F5F"/>
+    </a:accent5>
+    <a:accent6>
+      <a:srgbClr val="4D4D4D"/>
+    </a:accent6>
+    <a:hlink>
+      <a:srgbClr val="B5D7FC"/>
+    </a:hlink>
+    <a:folHlink>
+      <a:srgbClr val="919191"/>
+    </a:folHlink>
+  </a:clrScheme>
+</a:themeOverride>
+</file>
+
+<file path=ppt/theme/themeOverride58.xml><?xml version="1.0" encoding="utf-8"?>
+<a:themeOverride xmlns:a="http://schemas.openxmlformats.org/drawingml/2006/main">
+  <a:clrScheme name="Custom 2">
+    <a:dk1>
+      <a:srgbClr val="EFEFEF"/>
+    </a:dk1>
+    <a:lt1>
+      <a:srgbClr val="EFEFEF"/>
+    </a:lt1>
+    <a:dk2>
+      <a:srgbClr val="053E7D"/>
+    </a:dk2>
+    <a:lt2>
+      <a:srgbClr val="FFFFFF"/>
+    </a:lt2>
+    <a:accent1>
+      <a:srgbClr val="EFEFEF"/>
+    </a:accent1>
+    <a:accent2>
+      <a:srgbClr val="EFEFEF"/>
+    </a:accent2>
+    <a:accent3>
+      <a:srgbClr val="EFEFEF"/>
+    </a:accent3>
+    <a:accent4>
+      <a:srgbClr val="808080"/>
+    </a:accent4>
+    <a:accent5>
+      <a:srgbClr val="5F5F5F"/>
+    </a:accent5>
+    <a:accent6>
+      <a:srgbClr val="4D4D4D"/>
+    </a:accent6>
+    <a:hlink>
+      <a:srgbClr val="B5D7FC"/>
+    </a:hlink>
+    <a:folHlink>
+      <a:srgbClr val="919191"/>
+    </a:folHlink>
+  </a:clrScheme>
+</a:themeOverride>
+</file>
+
+<file path=ppt/theme/themeOverride59.xml><?xml version="1.0" encoding="utf-8"?>
 <a:themeOverride xmlns:a="http://schemas.openxmlformats.org/drawingml/2006/main">
   <a:clrScheme name="Custom 2">
     <a:dk1>
@@ -15851,6 +19318,92 @@
 </a:themeOverride>
 </file>
 
+<file path=ppt/theme/themeOverride60.xml><?xml version="1.0" encoding="utf-8"?>
+<a:themeOverride xmlns:a="http://schemas.openxmlformats.org/drawingml/2006/main">
+  <a:clrScheme name="Custom 2">
+    <a:dk1>
+      <a:srgbClr val="EFEFEF"/>
+    </a:dk1>
+    <a:lt1>
+      <a:srgbClr val="EFEFEF"/>
+    </a:lt1>
+    <a:dk2>
+      <a:srgbClr val="053E7D"/>
+    </a:dk2>
+    <a:lt2>
+      <a:srgbClr val="FFFFFF"/>
+    </a:lt2>
+    <a:accent1>
+      <a:srgbClr val="EFEFEF"/>
+    </a:accent1>
+    <a:accent2>
+      <a:srgbClr val="EFEFEF"/>
+    </a:accent2>
+    <a:accent3>
+      <a:srgbClr val="EFEFEF"/>
+    </a:accent3>
+    <a:accent4>
+      <a:srgbClr val="808080"/>
+    </a:accent4>
+    <a:accent5>
+      <a:srgbClr val="5F5F5F"/>
+    </a:accent5>
+    <a:accent6>
+      <a:srgbClr val="4D4D4D"/>
+    </a:accent6>
+    <a:hlink>
+      <a:srgbClr val="B5D7FC"/>
+    </a:hlink>
+    <a:folHlink>
+      <a:srgbClr val="919191"/>
+    </a:folHlink>
+  </a:clrScheme>
+</a:themeOverride>
+</file>
+
+<file path=ppt/theme/themeOverride61.xml><?xml version="1.0" encoding="utf-8"?>
+<a:themeOverride xmlns:a="http://schemas.openxmlformats.org/drawingml/2006/main">
+  <a:clrScheme name="Custom 2">
+    <a:dk1>
+      <a:srgbClr val="EFEFEF"/>
+    </a:dk1>
+    <a:lt1>
+      <a:srgbClr val="EFEFEF"/>
+    </a:lt1>
+    <a:dk2>
+      <a:srgbClr val="053E7D"/>
+    </a:dk2>
+    <a:lt2>
+      <a:srgbClr val="FFFFFF"/>
+    </a:lt2>
+    <a:accent1>
+      <a:srgbClr val="EFEFEF"/>
+    </a:accent1>
+    <a:accent2>
+      <a:srgbClr val="EFEFEF"/>
+    </a:accent2>
+    <a:accent3>
+      <a:srgbClr val="EFEFEF"/>
+    </a:accent3>
+    <a:accent4>
+      <a:srgbClr val="808080"/>
+    </a:accent4>
+    <a:accent5>
+      <a:srgbClr val="5F5F5F"/>
+    </a:accent5>
+    <a:accent6>
+      <a:srgbClr val="4D4D4D"/>
+    </a:accent6>
+    <a:hlink>
+      <a:srgbClr val="B5D7FC"/>
+    </a:hlink>
+    <a:folHlink>
+      <a:srgbClr val="919191"/>
+    </a:folHlink>
+  </a:clrScheme>
+</a:themeOverride>
+</file>
+
 <file path=ppt/theme/themeOverride7.xml><?xml version="1.0" encoding="utf-8"?>
 <a:themeOverride xmlns:a="http://schemas.openxmlformats.org/drawingml/2006/main">
   <a:clrScheme name="Custom 2">

--- a/Session 7 - Python/Instructional Material/Session 7 - Python Brief Intro to Machine Learning with Scikit Learn.pptx
+++ b/Session 7 - Python/Instructional Material/Session 7 - Python Brief Intro to Machine Learning with Scikit Learn.pptx
@@ -6,7 +6,7 @@
     <p:sldMasterId id="2147483660" r:id="rId2"/>
   </p:sldMasterIdLst>
   <p:notesMasterIdLst>
-    <p:notesMasterId r:id="rId67"/>
+    <p:notesMasterId r:id="rId68"/>
   </p:notesMasterIdLst>
   <p:sldIdLst>
     <p:sldId id="256" r:id="rId3"/>
@@ -41,38 +41,39 @@
     <p:sldId id="390" r:id="rId32"/>
     <p:sldId id="426" r:id="rId33"/>
     <p:sldId id="412" r:id="rId34"/>
-    <p:sldId id="415" r:id="rId35"/>
-    <p:sldId id="413" r:id="rId36"/>
-    <p:sldId id="416" r:id="rId37"/>
-    <p:sldId id="436" r:id="rId38"/>
-    <p:sldId id="437" r:id="rId39"/>
-    <p:sldId id="438" r:id="rId40"/>
-    <p:sldId id="391" r:id="rId41"/>
-    <p:sldId id="428" r:id="rId42"/>
-    <p:sldId id="427" r:id="rId43"/>
-    <p:sldId id="441" r:id="rId44"/>
-    <p:sldId id="396" r:id="rId45"/>
-    <p:sldId id="432" r:id="rId46"/>
-    <p:sldId id="431" r:id="rId47"/>
-    <p:sldId id="430" r:id="rId48"/>
-    <p:sldId id="434" r:id="rId49"/>
-    <p:sldId id="439" r:id="rId50"/>
-    <p:sldId id="440" r:id="rId51"/>
-    <p:sldId id="414" r:id="rId52"/>
-    <p:sldId id="433" r:id="rId53"/>
-    <p:sldId id="442" r:id="rId54"/>
-    <p:sldId id="443" r:id="rId55"/>
-    <p:sldId id="397" r:id="rId56"/>
-    <p:sldId id="398" r:id="rId57"/>
-    <p:sldId id="399" r:id="rId58"/>
-    <p:sldId id="376" r:id="rId59"/>
-    <p:sldId id="405" r:id="rId60"/>
-    <p:sldId id="385" r:id="rId61"/>
-    <p:sldId id="386" r:id="rId62"/>
-    <p:sldId id="400" r:id="rId63"/>
-    <p:sldId id="384" r:id="rId64"/>
-    <p:sldId id="375" r:id="rId65"/>
-    <p:sldId id="411" r:id="rId66"/>
+    <p:sldId id="444" r:id="rId35"/>
+    <p:sldId id="415" r:id="rId36"/>
+    <p:sldId id="413" r:id="rId37"/>
+    <p:sldId id="416" r:id="rId38"/>
+    <p:sldId id="436" r:id="rId39"/>
+    <p:sldId id="437" r:id="rId40"/>
+    <p:sldId id="438" r:id="rId41"/>
+    <p:sldId id="391" r:id="rId42"/>
+    <p:sldId id="428" r:id="rId43"/>
+    <p:sldId id="427" r:id="rId44"/>
+    <p:sldId id="441" r:id="rId45"/>
+    <p:sldId id="396" r:id="rId46"/>
+    <p:sldId id="432" r:id="rId47"/>
+    <p:sldId id="431" r:id="rId48"/>
+    <p:sldId id="430" r:id="rId49"/>
+    <p:sldId id="434" r:id="rId50"/>
+    <p:sldId id="439" r:id="rId51"/>
+    <p:sldId id="440" r:id="rId52"/>
+    <p:sldId id="414" r:id="rId53"/>
+    <p:sldId id="433" r:id="rId54"/>
+    <p:sldId id="442" r:id="rId55"/>
+    <p:sldId id="443" r:id="rId56"/>
+    <p:sldId id="397" r:id="rId57"/>
+    <p:sldId id="398" r:id="rId58"/>
+    <p:sldId id="399" r:id="rId59"/>
+    <p:sldId id="376" r:id="rId60"/>
+    <p:sldId id="405" r:id="rId61"/>
+    <p:sldId id="385" r:id="rId62"/>
+    <p:sldId id="386" r:id="rId63"/>
+    <p:sldId id="400" r:id="rId64"/>
+    <p:sldId id="384" r:id="rId65"/>
+    <p:sldId id="375" r:id="rId66"/>
+    <p:sldId id="411" r:id="rId67"/>
   </p:sldIdLst>
   <p:sldSz cx="9144000" cy="6858000" type="screen4x3"/>
   <p:notesSz cx="6858000" cy="9144000"/>
@@ -272,7 +273,7 @@
           <a:p>
             <a:fld id="{CD3A85A8-362A-422C-AAFE-FA6D3B9BF6BA}" type="datetimeFigureOut">
               <a:rPr lang="en-US" smtClean="0"/>
-              <a:t>12/6/2021</a:t>
+              <a:t>12/7/2021</a:t>
             </a:fld>
             <a:endParaRPr lang="en-US"/>
           </a:p>
@@ -856,7 +857,7 @@
           <a:p>
             <a:fld id="{3E7B21C4-CE7A-4258-91FF-8CBB981279E1}" type="slidenum">
               <a:rPr lang="en-US" smtClean="0"/>
-              <a:t>33</a:t>
+              <a:t>34</a:t>
             </a:fld>
             <a:endParaRPr lang="en-US"/>
           </a:p>
@@ -940,7 +941,7 @@
           <a:p>
             <a:fld id="{3E7B21C4-CE7A-4258-91FF-8CBB981279E1}" type="slidenum">
               <a:rPr lang="en-US" smtClean="0"/>
-              <a:t>34</a:t>
+              <a:t>35</a:t>
             </a:fld>
             <a:endParaRPr lang="en-US"/>
           </a:p>
@@ -1024,7 +1025,7 @@
           <a:p>
             <a:fld id="{3E7B21C4-CE7A-4258-91FF-8CBB981279E1}" type="slidenum">
               <a:rPr lang="en-US" smtClean="0"/>
-              <a:t>35</a:t>
+              <a:t>36</a:t>
             </a:fld>
             <a:endParaRPr lang="en-US"/>
           </a:p>
@@ -1108,7 +1109,7 @@
           <a:p>
             <a:fld id="{3E7B21C4-CE7A-4258-91FF-8CBB981279E1}" type="slidenum">
               <a:rPr lang="en-US" smtClean="0"/>
-              <a:t>36</a:t>
+              <a:t>37</a:t>
             </a:fld>
             <a:endParaRPr lang="en-US"/>
           </a:p>
@@ -1192,7 +1193,7 @@
           <a:p>
             <a:fld id="{3E7B21C4-CE7A-4258-91FF-8CBB981279E1}" type="slidenum">
               <a:rPr lang="en-US" smtClean="0"/>
-              <a:t>37</a:t>
+              <a:t>38</a:t>
             </a:fld>
             <a:endParaRPr lang="en-US"/>
           </a:p>
@@ -1390,7 +1391,7 @@
           <a:p>
             <a:fld id="{547641E8-73DF-4AD2-848E-3103064331B1}" type="datetimeFigureOut">
               <a:rPr lang="en-US" smtClean="0"/>
-              <a:t>12/6/2021</a:t>
+              <a:t>12/7/2021</a:t>
             </a:fld>
             <a:endParaRPr lang="en-US"/>
           </a:p>
@@ -1558,7 +1559,7 @@
           <a:p>
             <a:fld id="{547641E8-73DF-4AD2-848E-3103064331B1}" type="datetimeFigureOut">
               <a:rPr lang="en-US" smtClean="0"/>
-              <a:t>12/6/2021</a:t>
+              <a:t>12/7/2021</a:t>
             </a:fld>
             <a:endParaRPr lang="en-US"/>
           </a:p>
@@ -1736,7 +1737,7 @@
           <a:p>
             <a:fld id="{547641E8-73DF-4AD2-848E-3103064331B1}" type="datetimeFigureOut">
               <a:rPr lang="en-US" smtClean="0"/>
-              <a:t>12/6/2021</a:t>
+              <a:t>12/7/2021</a:t>
             </a:fld>
             <a:endParaRPr lang="en-US"/>
           </a:p>
@@ -1983,7 +1984,7 @@
                 </a:solidFill>
               </a:rPr>
               <a:pPr/>
-              <a:t>12/6/2021</a:t>
+              <a:t>12/7/2021</a:t>
             </a:fld>
             <a:endParaRPr lang="en-US">
               <a:solidFill>
@@ -2183,7 +2184,7 @@
                 </a:solidFill>
               </a:rPr>
               <a:pPr/>
-              <a:t>12/6/2021</a:t>
+              <a:t>12/7/2021</a:t>
             </a:fld>
             <a:endParaRPr lang="en-US">
               <a:solidFill>
@@ -2460,7 +2461,7 @@
                 </a:solidFill>
               </a:rPr>
               <a:pPr/>
-              <a:t>12/6/2021</a:t>
+              <a:t>12/7/2021</a:t>
             </a:fld>
             <a:endParaRPr lang="en-US">
               <a:solidFill>
@@ -2777,7 +2778,7 @@
                 </a:solidFill>
               </a:rPr>
               <a:pPr/>
-              <a:t>12/6/2021</a:t>
+              <a:t>12/7/2021</a:t>
             </a:fld>
             <a:endParaRPr lang="en-US">
               <a:solidFill>
@@ -3228,7 +3229,7 @@
                 </a:solidFill>
               </a:rPr>
               <a:pPr/>
-              <a:t>12/6/2021</a:t>
+              <a:t>12/7/2021</a:t>
             </a:fld>
             <a:endParaRPr lang="en-US">
               <a:solidFill>
@@ -3377,7 +3378,7 @@
                 </a:solidFill>
               </a:rPr>
               <a:pPr/>
-              <a:t>12/6/2021</a:t>
+              <a:t>12/7/2021</a:t>
             </a:fld>
             <a:endParaRPr lang="en-US">
               <a:solidFill>
@@ -3504,7 +3505,7 @@
                 </a:solidFill>
               </a:rPr>
               <a:pPr/>
-              <a:t>12/6/2021</a:t>
+              <a:t>12/7/2021</a:t>
             </a:fld>
             <a:endParaRPr lang="en-US">
               <a:solidFill>
@@ -3811,7 +3812,7 @@
                 </a:solidFill>
               </a:rPr>
               <a:pPr/>
-              <a:t>12/6/2021</a:t>
+              <a:t>12/7/2021</a:t>
             </a:fld>
             <a:endParaRPr lang="en-US">
               <a:solidFill>
@@ -4004,7 +4005,7 @@
           <a:p>
             <a:fld id="{547641E8-73DF-4AD2-848E-3103064331B1}" type="datetimeFigureOut">
               <a:rPr lang="en-US" smtClean="0"/>
-              <a:t>12/6/2021</a:t>
+              <a:t>12/7/2021</a:t>
             </a:fld>
             <a:endParaRPr lang="en-US"/>
           </a:p>
@@ -4263,7 +4264,7 @@
                 </a:solidFill>
               </a:rPr>
               <a:pPr/>
-              <a:t>12/6/2021</a:t>
+              <a:t>12/7/2021</a:t>
             </a:fld>
             <a:endParaRPr lang="en-US">
               <a:solidFill>
@@ -4463,7 +4464,7 @@
                 </a:solidFill>
               </a:rPr>
               <a:pPr/>
-              <a:t>12/6/2021</a:t>
+              <a:t>12/7/2021</a:t>
             </a:fld>
             <a:endParaRPr lang="en-US">
               <a:solidFill>
@@ -4673,7 +4674,7 @@
                 </a:solidFill>
               </a:rPr>
               <a:pPr/>
-              <a:t>12/6/2021</a:t>
+              <a:t>12/7/2021</a:t>
             </a:fld>
             <a:endParaRPr lang="en-US">
               <a:solidFill>
@@ -4943,7 +4944,7 @@
           <a:p>
             <a:fld id="{547641E8-73DF-4AD2-848E-3103064331B1}" type="datetimeFigureOut">
               <a:rPr lang="en-US" smtClean="0"/>
-              <a:t>12/6/2021</a:t>
+              <a:t>12/7/2021</a:t>
             </a:fld>
             <a:endParaRPr lang="en-US"/>
           </a:p>
@@ -5228,7 +5229,7 @@
           <a:p>
             <a:fld id="{547641E8-73DF-4AD2-848E-3103064331B1}" type="datetimeFigureOut">
               <a:rPr lang="en-US" smtClean="0"/>
-              <a:t>12/6/2021</a:t>
+              <a:t>12/7/2021</a:t>
             </a:fld>
             <a:endParaRPr lang="en-US"/>
           </a:p>
@@ -5647,7 +5648,7 @@
           <a:p>
             <a:fld id="{547641E8-73DF-4AD2-848E-3103064331B1}" type="datetimeFigureOut">
               <a:rPr lang="en-US" smtClean="0"/>
-              <a:t>12/6/2021</a:t>
+              <a:t>12/7/2021</a:t>
             </a:fld>
             <a:endParaRPr lang="en-US"/>
           </a:p>
@@ -5764,7 +5765,7 @@
           <a:p>
             <a:fld id="{547641E8-73DF-4AD2-848E-3103064331B1}" type="datetimeFigureOut">
               <a:rPr lang="en-US" smtClean="0"/>
-              <a:t>12/6/2021</a:t>
+              <a:t>12/7/2021</a:t>
             </a:fld>
             <a:endParaRPr lang="en-US"/>
           </a:p>
@@ -5859,7 +5860,7 @@
           <a:p>
             <a:fld id="{547641E8-73DF-4AD2-848E-3103064331B1}" type="datetimeFigureOut">
               <a:rPr lang="en-US" smtClean="0"/>
-              <a:t>12/6/2021</a:t>
+              <a:t>12/7/2021</a:t>
             </a:fld>
             <a:endParaRPr lang="en-US"/>
           </a:p>
@@ -6134,7 +6135,7 @@
           <a:p>
             <a:fld id="{547641E8-73DF-4AD2-848E-3103064331B1}" type="datetimeFigureOut">
               <a:rPr lang="en-US" smtClean="0"/>
-              <a:t>12/6/2021</a:t>
+              <a:t>12/7/2021</a:t>
             </a:fld>
             <a:endParaRPr lang="en-US"/>
           </a:p>
@@ -6386,7 +6387,7 @@
           <a:p>
             <a:fld id="{547641E8-73DF-4AD2-848E-3103064331B1}" type="datetimeFigureOut">
               <a:rPr lang="en-US" smtClean="0"/>
-              <a:t>12/6/2021</a:t>
+              <a:t>12/7/2021</a:t>
             </a:fld>
             <a:endParaRPr lang="en-US"/>
           </a:p>
@@ -6600,7 +6601,7 @@
           <a:p>
             <a:fld id="{547641E8-73DF-4AD2-848E-3103064331B1}" type="datetimeFigureOut">
               <a:rPr lang="en-US" smtClean="0"/>
-              <a:t>12/6/2021</a:t>
+              <a:t>12/7/2021</a:t>
             </a:fld>
             <a:endParaRPr lang="en-US"/>
           </a:p>
@@ -7115,7 +7116,7 @@
                 </a:solidFill>
               </a:rPr>
               <a:pPr/>
-              <a:t>12/6/2021</a:t>
+              <a:t>12/7/2021</a:t>
             </a:fld>
             <a:endParaRPr lang="en-US">
               <a:solidFill>
@@ -11123,7 +11124,7 @@
           <a:graphicData uri="http://schemas.openxmlformats.org/presentationml/2006/ole">
             <mc:AlternateContent xmlns:mc="http://schemas.openxmlformats.org/markup-compatibility/2006">
               <mc:Choice xmlns:v="urn:schemas-microsoft-com:vml" Requires="v">
-                <p:oleObj spid="_x0000_s2126" name="Bitmap Image" r:id="rId7" imgW="3743280" imgH="3024360" progId="Paint.Picture">
+                <p:oleObj spid="_x0000_s2128" name="Bitmap Image" r:id="rId7" imgW="3743280" imgH="3024360" progId="Paint.Picture">
                   <p:embed/>
                 </p:oleObj>
               </mc:Choice>
@@ -11213,11 +11214,11 @@
     <p:bg>
       <p:bgPr>
         <a:blipFill dpi="0" rotWithShape="1">
-          <a:blip r:embed="rId4">
+          <a:blip r:embed="rId3">
             <a:extLst>
               <a:ext uri="{BEBA8EAE-BF5A-486C-A8C5-ECC9F3942E4B}">
                 <a14:imgProps xmlns:a14="http://schemas.microsoft.com/office/drawing/2010/main">
-                  <a14:imgLayer r:embed="rId5">
+                  <a14:imgLayer r:embed="rId4">
                     <a14:imgEffect>
                       <a14:brightnessContrast bright="-50000"/>
                     </a14:imgEffect>
@@ -11287,29 +11288,42 @@
           <a:p>
             <a:r>
               <a:rPr lang="en-US" dirty="0"/>
-              <a:t>Decision Tree</a:t>
+              <a:t>In-Class Exercise</a:t>
             </a:r>
           </a:p>
           <a:p>
             <a:pPr lvl="1"/>
             <a:r>
               <a:rPr lang="en-US" dirty="0"/>
-              <a:t>Builds a series of if-statements to classify test points.</a:t>
-            </a:r>
+              <a:t>Run the </a:t>
+            </a:r>
+            <a:r>
+              <a:rPr lang="en-US" dirty="0" err="1"/>
+              <a:t>classifer</a:t>
+            </a:r>
+            <a:r>
+              <a:rPr lang="en-US"/>
+              <a:t> example </a:t>
+            </a:r>
+            <a:r>
+              <a:rPr lang="en-US" dirty="0"/>
+              <a:t>with k-nearest neighbors and optimize based on number of neighbors</a:t>
+            </a:r>
+          </a:p>
+          <a:p>
+            <a:pPr lvl="2"/>
+            <a:endParaRPr lang="en-US" dirty="0"/>
+          </a:p>
+          <a:p>
+            <a:endParaRPr lang="en-US" dirty="0"/>
           </a:p>
           <a:p>
             <a:pPr lvl="1"/>
-            <a:r>
-              <a:rPr lang="en-US" dirty="0"/>
-              <a:t>Boundaries around classifications are built based on the data.</a:t>
-            </a:r>
-          </a:p>
-          <a:p>
-            <a:pPr lvl="1"/>
-            <a:r>
-              <a:rPr lang="en-US" dirty="0"/>
-              <a:t>The number of if statement groups, or boundaries created, is known as the depth.</a:t>
-            </a:r>
+            <a:endParaRPr lang="en-US" dirty="0"/>
+          </a:p>
+          <a:p>
+            <a:pPr lvl="2"/>
+            <a:endParaRPr lang="en-US" dirty="0"/>
           </a:p>
           <a:p>
             <a:pPr lvl="2"/>
@@ -11323,7 +11337,7 @@
     </p:spTree>
     <p:extLst>
       <p:ext uri="{BB962C8B-B14F-4D97-AF65-F5344CB8AC3E}">
-        <p14:creationId xmlns:p14="http://schemas.microsoft.com/office/powerpoint/2010/main" val="31895842"/>
+        <p14:creationId xmlns:p14="http://schemas.microsoft.com/office/powerpoint/2010/main" val="3634293830"/>
       </p:ext>
     </p:extLst>
   </p:cSld>
@@ -11420,22 +11434,26 @@
             <a:pPr lvl="1"/>
             <a:r>
               <a:rPr lang="en-US" dirty="0"/>
-              <a:t>See file “./Session 7 – Python/Instructional Material/Class Examples/Scikit-Learn/decision_tree_graph.html“ for the produced image.  </a:t>
+              <a:t>Builds a series of if-statements to classify test points.</a:t>
+            </a:r>
+          </a:p>
+          <a:p>
+            <a:pPr lvl="1"/>
+            <a:r>
+              <a:rPr lang="en-US" dirty="0"/>
+              <a:t>Boundaries around classifications are built based on the data.</a:t>
+            </a:r>
+          </a:p>
+          <a:p>
+            <a:pPr lvl="1"/>
+            <a:r>
+              <a:rPr lang="en-US" dirty="0"/>
+              <a:t>The number of if statement groups, or boundaries created, is known as the depth.</a:t>
             </a:r>
           </a:p>
           <a:p>
             <a:pPr lvl="2"/>
-            <a:r>
-              <a:rPr lang="en-US" dirty="0"/>
-              <a:t>Generated from iris data set</a:t>
-            </a:r>
-          </a:p>
-          <a:p>
-            <a:pPr lvl="2"/>
-            <a:r>
-              <a:rPr lang="en-US" dirty="0"/>
-              <a:t>Code can be found in class example code under the decision tree section</a:t>
-            </a:r>
+            <a:endParaRPr lang="en-US" dirty="0"/>
           </a:p>
           <a:p>
             <a:endParaRPr lang="en-US" dirty="0"/>
@@ -11445,7 +11463,7 @@
     </p:spTree>
     <p:extLst>
       <p:ext uri="{BB962C8B-B14F-4D97-AF65-F5344CB8AC3E}">
-        <p14:creationId xmlns:p14="http://schemas.microsoft.com/office/powerpoint/2010/main" val="2487683877"/>
+        <p14:creationId xmlns:p14="http://schemas.microsoft.com/office/powerpoint/2010/main" val="31895842"/>
       </p:ext>
     </p:extLst>
   </p:cSld>
@@ -11539,48 +11557,35 @@
             </a:r>
           </a:p>
           <a:p>
+            <a:pPr lvl="1"/>
+            <a:r>
+              <a:rPr lang="en-US" dirty="0"/>
+              <a:t>See file “./Session 7 – Python/Instructional Material/Class Examples/Scikit-Learn/decision_tree_graph.html“ for the produced image.  </a:t>
+            </a:r>
+          </a:p>
+          <a:p>
             <a:pPr lvl="2"/>
+            <a:r>
+              <a:rPr lang="en-US" dirty="0"/>
+              <a:t>Generated from iris data set</a:t>
+            </a:r>
+          </a:p>
+          <a:p>
+            <a:pPr lvl="2"/>
+            <a:r>
+              <a:rPr lang="en-US" dirty="0"/>
+              <a:t>Code can be found in class example code under the decision tree section</a:t>
+            </a:r>
+          </a:p>
+          <a:p>
             <a:endParaRPr lang="en-US" dirty="0"/>
           </a:p>
-          <a:p>
-            <a:endParaRPr lang="en-US" dirty="0"/>
-          </a:p>
-        </p:txBody>
-      </p:sp>
-      <p:pic>
-        <p:nvPicPr>
-          <p:cNvPr id="5" name="Picture 4">
-            <a:extLst>
-              <a:ext uri="{FF2B5EF4-FFF2-40B4-BE49-F238E27FC236}">
-                <a16:creationId xmlns:a16="http://schemas.microsoft.com/office/drawing/2014/main" id="{AEE9C498-C33F-4F9D-A693-50DA2A30C0BE}"/>
-              </a:ext>
-            </a:extLst>
-          </p:cNvPr>
-          <p:cNvPicPr>
-            <a:picLocks noChangeAspect="1"/>
-          </p:cNvPicPr>
-          <p:nvPr/>
-        </p:nvPicPr>
-        <p:blipFill>
-          <a:blip r:embed="rId6"/>
-          <a:stretch>
-            <a:fillRect/>
-          </a:stretch>
-        </p:blipFill>
-        <p:spPr>
-          <a:xfrm>
-            <a:off x="1524000" y="2209800"/>
-            <a:ext cx="6096000" cy="4304313"/>
-          </a:xfrm>
-          <a:prstGeom prst="rect">
-            <a:avLst/>
-          </a:prstGeom>
-        </p:spPr>
-      </p:pic>
+        </p:txBody>
+      </p:sp>
     </p:spTree>
     <p:extLst>
       <p:ext uri="{BB962C8B-B14F-4D97-AF65-F5344CB8AC3E}">
-        <p14:creationId xmlns:p14="http://schemas.microsoft.com/office/powerpoint/2010/main" val="3675808278"/>
+        <p14:creationId xmlns:p14="http://schemas.microsoft.com/office/powerpoint/2010/main" val="2487683877"/>
       </p:ext>
     </p:extLst>
   </p:cSld>
@@ -11670,7 +11675,7 @@
           <a:p>
             <a:r>
               <a:rPr lang="en-US" dirty="0"/>
-              <a:t>Logistic Regression</a:t>
+              <a:t>Decision Tree</a:t>
             </a:r>
           </a:p>
           <a:p>
@@ -11682,10 +11687,40 @@
           </a:p>
         </p:txBody>
       </p:sp>
+      <p:pic>
+        <p:nvPicPr>
+          <p:cNvPr id="5" name="Picture 4">
+            <a:extLst>
+              <a:ext uri="{FF2B5EF4-FFF2-40B4-BE49-F238E27FC236}">
+                <a16:creationId xmlns:a16="http://schemas.microsoft.com/office/drawing/2014/main" id="{AEE9C498-C33F-4F9D-A693-50DA2A30C0BE}"/>
+              </a:ext>
+            </a:extLst>
+          </p:cNvPr>
+          <p:cNvPicPr>
+            <a:picLocks noChangeAspect="1"/>
+          </p:cNvPicPr>
+          <p:nvPr/>
+        </p:nvPicPr>
+        <p:blipFill>
+          <a:blip r:embed="rId6"/>
+          <a:stretch>
+            <a:fillRect/>
+          </a:stretch>
+        </p:blipFill>
+        <p:spPr>
+          <a:xfrm>
+            <a:off x="1524000" y="2209800"/>
+            <a:ext cx="6096000" cy="4304313"/>
+          </a:xfrm>
+          <a:prstGeom prst="rect">
+            <a:avLst/>
+          </a:prstGeom>
+        </p:spPr>
+      </p:pic>
     </p:spTree>
     <p:extLst>
       <p:ext uri="{BB962C8B-B14F-4D97-AF65-F5344CB8AC3E}">
-        <p14:creationId xmlns:p14="http://schemas.microsoft.com/office/powerpoint/2010/main" val="578164379"/>
+        <p14:creationId xmlns:p14="http://schemas.microsoft.com/office/powerpoint/2010/main" val="3675808278"/>
       </p:ext>
     </p:extLst>
   </p:cSld>
@@ -11775,7 +11810,7 @@
           <a:p>
             <a:r>
               <a:rPr lang="en-US" dirty="0"/>
-              <a:t>Support Vector Classifier</a:t>
+              <a:t>Logistic Regression</a:t>
             </a:r>
           </a:p>
           <a:p>
@@ -11790,7 +11825,7 @@
     </p:spTree>
     <p:extLst>
       <p:ext uri="{BB962C8B-B14F-4D97-AF65-F5344CB8AC3E}">
-        <p14:creationId xmlns:p14="http://schemas.microsoft.com/office/powerpoint/2010/main" val="3528512833"/>
+        <p14:creationId xmlns:p14="http://schemas.microsoft.com/office/powerpoint/2010/main" val="578164379"/>
       </p:ext>
     </p:extLst>
   </p:cSld>
@@ -11806,11 +11841,11 @@
     <p:bg>
       <p:bgPr>
         <a:blipFill dpi="0" rotWithShape="1">
-          <a:blip r:embed="rId3">
+          <a:blip r:embed="rId4">
             <a:extLst>
               <a:ext uri="{BEBA8EAE-BF5A-486C-A8C5-ECC9F3942E4B}">
                 <a14:imgProps xmlns:a14="http://schemas.microsoft.com/office/drawing/2010/main">
-                  <a14:imgLayer r:embed="rId4">
+                  <a14:imgLayer r:embed="rId5">
                     <a14:imgEffect>
                       <a14:brightnessContrast bright="-50000"/>
                     </a14:imgEffect>
@@ -11858,7 +11893,7 @@
           <a:p>
             <a:r>
               <a:rPr lang="en-US" dirty="0"/>
-              <a:t>Linear Models - Regressors</a:t>
+              <a:t>Linear Models - Classifiers</a:t>
             </a:r>
           </a:p>
         </p:txBody>
@@ -11880,7 +11915,7 @@
           <a:p>
             <a:r>
               <a:rPr lang="en-US" dirty="0"/>
-              <a:t>K-Nearest Neighbors Regression</a:t>
+              <a:t>Support Vector Classifier</a:t>
             </a:r>
           </a:p>
           <a:p>
@@ -11895,7 +11930,7 @@
     </p:spTree>
     <p:extLst>
       <p:ext uri="{BB962C8B-B14F-4D97-AF65-F5344CB8AC3E}">
-        <p14:creationId xmlns:p14="http://schemas.microsoft.com/office/powerpoint/2010/main" val="3048577779"/>
+        <p14:creationId xmlns:p14="http://schemas.microsoft.com/office/powerpoint/2010/main" val="3528512833"/>
       </p:ext>
     </p:extLst>
   </p:cSld>
@@ -11980,158 +12015,12 @@
         </p:nvSpPr>
         <p:spPr/>
         <p:txBody>
-          <a:bodyPr>
-            <a:normAutofit/>
-          </a:bodyPr>
-          <a:lstStyle/>
-          <a:p>
-            <a:r>
-              <a:rPr lang="en-US" dirty="0"/>
-              <a:t>Regressors</a:t>
-            </a:r>
-          </a:p>
-          <a:p>
-            <a:pPr lvl="1"/>
-            <a:r>
-              <a:rPr lang="en-US" dirty="0"/>
-              <a:t>Tries to predict as close to a value as possible.</a:t>
-            </a:r>
-          </a:p>
-          <a:p>
-            <a:pPr lvl="1"/>
-            <a:r>
-              <a:rPr lang="en-US" dirty="0"/>
-              <a:t>Creates a linear equation to predict outcomes:</a:t>
-            </a:r>
-          </a:p>
-          <a:p>
-            <a:pPr lvl="2"/>
-            <a:r>
-              <a:rPr lang="en-US" dirty="0" err="1"/>
-              <a:t>Y</a:t>
-            </a:r>
-            <a:r>
-              <a:rPr lang="en-US" baseline="-25000" dirty="0" err="1"/>
-              <a:t>predict</a:t>
-            </a:r>
-            <a:r>
-              <a:rPr lang="en-US" dirty="0"/>
-              <a:t> = w</a:t>
-            </a:r>
-            <a:r>
-              <a:rPr lang="en-US" baseline="-25000" dirty="0"/>
-              <a:t>1</a:t>
-            </a:r>
-            <a:r>
-              <a:rPr lang="en-US" dirty="0"/>
-              <a:t>*f</a:t>
-            </a:r>
-            <a:r>
-              <a:rPr lang="en-US" baseline="-25000" dirty="0"/>
-              <a:t>1</a:t>
-            </a:r>
-            <a:r>
-              <a:rPr lang="en-US" dirty="0"/>
-              <a:t> + w</a:t>
-            </a:r>
-            <a:r>
-              <a:rPr lang="en-US" baseline="-25000" dirty="0"/>
-              <a:t>2</a:t>
-            </a:r>
-            <a:r>
-              <a:rPr lang="en-US" dirty="0"/>
-              <a:t>*f</a:t>
-            </a:r>
-            <a:r>
-              <a:rPr lang="en-US" baseline="-25000" dirty="0"/>
-              <a:t>2</a:t>
-            </a:r>
-            <a:r>
-              <a:rPr lang="en-US" dirty="0"/>
-              <a:t> + w</a:t>
-            </a:r>
-            <a:r>
-              <a:rPr lang="en-US" baseline="-25000" dirty="0"/>
-              <a:t>3</a:t>
-            </a:r>
-            <a:r>
-              <a:rPr lang="en-US" dirty="0"/>
-              <a:t>*f</a:t>
-            </a:r>
-            <a:r>
-              <a:rPr lang="en-US" baseline="-25000" dirty="0"/>
-              <a:t>3</a:t>
-            </a:r>
-            <a:r>
-              <a:rPr lang="en-US" dirty="0"/>
-              <a:t> + … + </a:t>
-            </a:r>
-            <a:r>
-              <a:rPr lang="en-US" dirty="0" err="1"/>
-              <a:t>w</a:t>
-            </a:r>
-            <a:r>
-              <a:rPr lang="en-US" baseline="-25000" dirty="0" err="1"/>
-              <a:t>n</a:t>
-            </a:r>
-            <a:r>
-              <a:rPr lang="en-US" dirty="0"/>
-              <a:t>*</a:t>
-            </a:r>
-            <a:r>
-              <a:rPr lang="en-US" dirty="0" err="1"/>
-              <a:t>f</a:t>
-            </a:r>
-            <a:r>
-              <a:rPr lang="en-US" baseline="-25000" dirty="0" err="1"/>
-              <a:t>n</a:t>
-            </a:r>
-            <a:r>
-              <a:rPr lang="en-US" dirty="0"/>
-              <a:t> + b</a:t>
-            </a:r>
-          </a:p>
-          <a:p>
-            <a:pPr lvl="3"/>
-            <a:r>
-              <a:rPr lang="en-US" dirty="0" err="1"/>
-              <a:t>Y</a:t>
-            </a:r>
-            <a:r>
-              <a:rPr lang="en-US" baseline="-25000" dirty="0" err="1"/>
-              <a:t>predict</a:t>
-            </a:r>
-            <a:r>
-              <a:rPr lang="en-US" dirty="0"/>
-              <a:t> = prediction value</a:t>
-            </a:r>
-          </a:p>
-          <a:p>
-            <a:pPr lvl="3"/>
-            <a:r>
-              <a:rPr lang="en-US" dirty="0"/>
-              <a:t>w = weights</a:t>
-            </a:r>
-          </a:p>
-          <a:p>
-            <a:pPr lvl="3"/>
-            <a:r>
-              <a:rPr lang="en-US" dirty="0"/>
-              <a:t>f = feature value</a:t>
-            </a:r>
-          </a:p>
-          <a:p>
-            <a:pPr lvl="3"/>
-            <a:r>
-              <a:rPr lang="en-US" dirty="0"/>
-              <a:t>b = intercept of linear line</a:t>
-            </a:r>
-          </a:p>
-          <a:p>
-            <a:pPr lvl="3"/>
-            <a:r>
-              <a:rPr lang="en-US" dirty="0"/>
-              <a:t>n = number of features</a:t>
+          <a:bodyPr/>
+          <a:lstStyle/>
+          <a:p>
+            <a:r>
+              <a:rPr lang="en-US" dirty="0"/>
+              <a:t>K-Nearest Neighbors Regression</a:t>
             </a:r>
           </a:p>
           <a:p>
@@ -12146,7 +12035,7 @@
     </p:spTree>
     <p:extLst>
       <p:ext uri="{BB962C8B-B14F-4D97-AF65-F5344CB8AC3E}">
-        <p14:creationId xmlns:p14="http://schemas.microsoft.com/office/powerpoint/2010/main" val="1469044682"/>
+        <p14:creationId xmlns:p14="http://schemas.microsoft.com/office/powerpoint/2010/main" val="3048577779"/>
       </p:ext>
     </p:extLst>
   </p:cSld>
@@ -12376,7 +12265,77 @@
             <a:pPr lvl="1"/>
             <a:r>
               <a:rPr lang="en-US" dirty="0"/>
-              <a:t>The models we train adjust the values of </a:t>
+              <a:t>Tries to predict as close to a value as possible.</a:t>
+            </a:r>
+          </a:p>
+          <a:p>
+            <a:pPr lvl="1"/>
+            <a:r>
+              <a:rPr lang="en-US" dirty="0"/>
+              <a:t>Creates a linear equation to predict outcomes:</a:t>
+            </a:r>
+          </a:p>
+          <a:p>
+            <a:pPr lvl="2"/>
+            <a:r>
+              <a:rPr lang="en-US" dirty="0" err="1"/>
+              <a:t>Y</a:t>
+            </a:r>
+            <a:r>
+              <a:rPr lang="en-US" baseline="-25000" dirty="0" err="1"/>
+              <a:t>predict</a:t>
+            </a:r>
+            <a:r>
+              <a:rPr lang="en-US" dirty="0"/>
+              <a:t> = w</a:t>
+            </a:r>
+            <a:r>
+              <a:rPr lang="en-US" baseline="-25000" dirty="0"/>
+              <a:t>1</a:t>
+            </a:r>
+            <a:r>
+              <a:rPr lang="en-US" dirty="0"/>
+              <a:t>*f</a:t>
+            </a:r>
+            <a:r>
+              <a:rPr lang="en-US" baseline="-25000" dirty="0"/>
+              <a:t>1</a:t>
+            </a:r>
+            <a:r>
+              <a:rPr lang="en-US" dirty="0"/>
+              <a:t> + w</a:t>
+            </a:r>
+            <a:r>
+              <a:rPr lang="en-US" baseline="-25000" dirty="0"/>
+              <a:t>2</a:t>
+            </a:r>
+            <a:r>
+              <a:rPr lang="en-US" dirty="0"/>
+              <a:t>*f</a:t>
+            </a:r>
+            <a:r>
+              <a:rPr lang="en-US" baseline="-25000" dirty="0"/>
+              <a:t>2</a:t>
+            </a:r>
+            <a:r>
+              <a:rPr lang="en-US" dirty="0"/>
+              <a:t> + w</a:t>
+            </a:r>
+            <a:r>
+              <a:rPr lang="en-US" baseline="-25000" dirty="0"/>
+              <a:t>3</a:t>
+            </a:r>
+            <a:r>
+              <a:rPr lang="en-US" dirty="0"/>
+              <a:t>*f</a:t>
+            </a:r>
+            <a:r>
+              <a:rPr lang="en-US" baseline="-25000" dirty="0"/>
+              <a:t>3</a:t>
+            </a:r>
+            <a:r>
+              <a:rPr lang="en-US" dirty="0"/>
+              <a:t> + … + </a:t>
             </a:r>
             <a:r>
               <a:rPr lang="en-US" dirty="0" err="1"/>
@@ -12384,33 +12343,66 @@
             </a:r>
             <a:r>
               <a:rPr lang="en-US" baseline="-25000" dirty="0" err="1"/>
-              <a:t>x</a:t>
-            </a:r>
-            <a:r>
-              <a:rPr lang="en-US" dirty="0"/>
-              <a:t> and b.</a:t>
-            </a:r>
-            <a:endParaRPr lang="en-US" baseline="-25000" dirty="0"/>
-          </a:p>
-          <a:p>
-            <a:pPr lvl="1"/>
-            <a:r>
-              <a:rPr lang="en-US" dirty="0"/>
-              <a:t>Examples:</a:t>
-            </a:r>
-          </a:p>
-          <a:p>
-            <a:pPr lvl="2"/>
-            <a:r>
-              <a:rPr lang="en-US" dirty="0"/>
-              <a:t>Trying to predict median household income of an area.</a:t>
-            </a:r>
-          </a:p>
-          <a:p>
-            <a:pPr lvl="2"/>
-            <a:r>
-              <a:rPr lang="en-US" dirty="0"/>
-              <a:t>Trying to predict the value a stock will rise to.</a:t>
+              <a:t>n</a:t>
+            </a:r>
+            <a:r>
+              <a:rPr lang="en-US" dirty="0"/>
+              <a:t>*</a:t>
+            </a:r>
+            <a:r>
+              <a:rPr lang="en-US" dirty="0" err="1"/>
+              <a:t>f</a:t>
+            </a:r>
+            <a:r>
+              <a:rPr lang="en-US" baseline="-25000" dirty="0" err="1"/>
+              <a:t>n</a:t>
+            </a:r>
+            <a:r>
+              <a:rPr lang="en-US" dirty="0"/>
+              <a:t> + b</a:t>
+            </a:r>
+          </a:p>
+          <a:p>
+            <a:pPr lvl="3"/>
+            <a:r>
+              <a:rPr lang="en-US" dirty="0" err="1"/>
+              <a:t>Y</a:t>
+            </a:r>
+            <a:r>
+              <a:rPr lang="en-US" baseline="-25000" dirty="0" err="1"/>
+              <a:t>predict</a:t>
+            </a:r>
+            <a:r>
+              <a:rPr lang="en-US" dirty="0"/>
+              <a:t> = prediction value</a:t>
+            </a:r>
+          </a:p>
+          <a:p>
+            <a:pPr lvl="3"/>
+            <a:r>
+              <a:rPr lang="en-US" dirty="0"/>
+              <a:t>w = weights</a:t>
+            </a:r>
+          </a:p>
+          <a:p>
+            <a:pPr lvl="3"/>
+            <a:r>
+              <a:rPr lang="en-US" dirty="0"/>
+              <a:t>f = feature value</a:t>
+            </a:r>
+          </a:p>
+          <a:p>
+            <a:pPr lvl="3"/>
+            <a:r>
+              <a:rPr lang="en-US" dirty="0"/>
+              <a:t>b = intercept of linear line</a:t>
+            </a:r>
+          </a:p>
+          <a:p>
+            <a:pPr lvl="3"/>
+            <a:r>
+              <a:rPr lang="en-US" dirty="0"/>
+              <a:t>n = number of features</a:t>
             </a:r>
           </a:p>
           <a:p>
@@ -12425,7 +12417,7 @@
     </p:spTree>
     <p:extLst>
       <p:ext uri="{BB962C8B-B14F-4D97-AF65-F5344CB8AC3E}">
-        <p14:creationId xmlns:p14="http://schemas.microsoft.com/office/powerpoint/2010/main" val="3393903202"/>
+        <p14:creationId xmlns:p14="http://schemas.microsoft.com/office/powerpoint/2010/main" val="1469044682"/>
       </p:ext>
     </p:extLst>
   </p:cSld>
@@ -12510,34 +12502,60 @@
         </p:nvSpPr>
         <p:spPr/>
         <p:txBody>
-          <a:bodyPr/>
-          <a:lstStyle/>
-          <a:p>
-            <a:r>
-              <a:rPr lang="en-US" dirty="0"/>
-              <a:t>Linear Regression (Ordinary Least Squares)</a:t>
+          <a:bodyPr>
+            <a:normAutofit/>
+          </a:bodyPr>
+          <a:lstStyle/>
+          <a:p>
+            <a:r>
+              <a:rPr lang="en-US" dirty="0"/>
+              <a:t>Regressors</a:t>
             </a:r>
           </a:p>
           <a:p>
             <a:pPr lvl="1"/>
             <a:r>
               <a:rPr lang="en-US" dirty="0"/>
-              <a:t>Attempts to minimize the mean squared error between the prediction and the target values.</a:t>
-            </a:r>
+              <a:t>The models we train adjust the values of </a:t>
+            </a:r>
+            <a:r>
+              <a:rPr lang="en-US" dirty="0" err="1"/>
+              <a:t>w</a:t>
+            </a:r>
+            <a:r>
+              <a:rPr lang="en-US" baseline="-25000" dirty="0" err="1"/>
+              <a:t>x</a:t>
+            </a:r>
+            <a:r>
+              <a:rPr lang="en-US" dirty="0"/>
+              <a:t> and b.</a:t>
+            </a:r>
+            <a:endParaRPr lang="en-US" baseline="-25000" dirty="0"/>
           </a:p>
           <a:p>
             <a:pPr lvl="1"/>
             <a:r>
               <a:rPr lang="en-US" dirty="0"/>
-              <a:t>The error of this trainer is calculated by adding the squared differences between the predicted value with the actual target value.</a:t>
-            </a:r>
-          </a:p>
-          <a:p>
-            <a:pPr lvl="1"/>
-            <a:r>
-              <a:rPr lang="en-US" dirty="0"/>
-              <a:t>No regularization parameters to adjust the accuracy of this trainer</a:t>
-            </a:r>
+              <a:t>Examples:</a:t>
+            </a:r>
+          </a:p>
+          <a:p>
+            <a:pPr lvl="2"/>
+            <a:r>
+              <a:rPr lang="en-US" dirty="0"/>
+              <a:t>Trying to predict median household income of an area.</a:t>
+            </a:r>
+          </a:p>
+          <a:p>
+            <a:pPr lvl="2"/>
+            <a:r>
+              <a:rPr lang="en-US" dirty="0"/>
+              <a:t>Trying to predict the value a stock will rise to.</a:t>
+            </a:r>
+          </a:p>
+          <a:p>
+            <a:pPr lvl="2"/>
+            <a:endParaRPr lang="en-US" dirty="0"/>
           </a:p>
           <a:p>
             <a:endParaRPr lang="en-US" dirty="0"/>
@@ -12547,7 +12565,7 @@
     </p:spTree>
     <p:extLst>
       <p:ext uri="{BB962C8B-B14F-4D97-AF65-F5344CB8AC3E}">
-        <p14:creationId xmlns:p14="http://schemas.microsoft.com/office/powerpoint/2010/main" val="2836403428"/>
+        <p14:creationId xmlns:p14="http://schemas.microsoft.com/office/powerpoint/2010/main" val="3393903202"/>
       </p:ext>
     </p:extLst>
   </p:cSld>
@@ -12637,31 +12655,29 @@
           <a:p>
             <a:r>
               <a:rPr lang="en-US" dirty="0"/>
-              <a:t>In-Class Example – Linear Regression</a:t>
+              <a:t>Linear Regression (Ordinary Least Squares)</a:t>
             </a:r>
           </a:p>
           <a:p>
             <a:pPr lvl="1"/>
-            <a:endParaRPr lang="en-US" dirty="0"/>
-          </a:p>
-          <a:p>
-            <a:pPr lvl="2"/>
-            <a:endParaRPr lang="en-US" dirty="0"/>
-          </a:p>
-          <a:p>
-            <a:endParaRPr lang="en-US" dirty="0"/>
+            <a:r>
+              <a:rPr lang="en-US" dirty="0"/>
+              <a:t>Attempts to minimize the mean squared error between the prediction and the target values.</a:t>
+            </a:r>
           </a:p>
           <a:p>
             <a:pPr lvl="1"/>
-            <a:endParaRPr lang="en-US" dirty="0"/>
-          </a:p>
-          <a:p>
-            <a:pPr lvl="2"/>
-            <a:endParaRPr lang="en-US" dirty="0"/>
-          </a:p>
-          <a:p>
-            <a:pPr lvl="2"/>
-            <a:endParaRPr lang="en-US" dirty="0"/>
+            <a:r>
+              <a:rPr lang="en-US" dirty="0"/>
+              <a:t>The error of this trainer is calculated by adding the squared differences between the predicted value with the actual target value.</a:t>
+            </a:r>
+          </a:p>
+          <a:p>
+            <a:pPr lvl="1"/>
+            <a:r>
+              <a:rPr lang="en-US" dirty="0"/>
+              <a:t>No regularization parameters to adjust the accuracy of this trainer</a:t>
+            </a:r>
           </a:p>
           <a:p>
             <a:endParaRPr lang="en-US" dirty="0"/>
@@ -12671,7 +12687,7 @@
     </p:spTree>
     <p:extLst>
       <p:ext uri="{BB962C8B-B14F-4D97-AF65-F5344CB8AC3E}">
-        <p14:creationId xmlns:p14="http://schemas.microsoft.com/office/powerpoint/2010/main" val="3636144303"/>
+        <p14:creationId xmlns:p14="http://schemas.microsoft.com/office/powerpoint/2010/main" val="2836403428"/>
       </p:ext>
     </p:extLst>
   </p:cSld>
@@ -12756,22 +12772,32 @@
         </p:nvSpPr>
         <p:spPr/>
         <p:txBody>
-          <a:bodyPr>
-            <a:normAutofit/>
-          </a:bodyPr>
-          <a:lstStyle/>
-          <a:p>
-            <a:r>
-              <a:rPr lang="en-US" dirty="0"/>
-              <a:t>Ridge Regression</a:t>
+          <a:bodyPr/>
+          <a:lstStyle/>
+          <a:p>
+            <a:r>
+              <a:rPr lang="en-US" dirty="0"/>
+              <a:t>In-Class Example – Linear Regression</a:t>
             </a:r>
           </a:p>
           <a:p>
             <a:pPr lvl="1"/>
-            <a:r>
-              <a:rPr lang="en-US" dirty="0"/>
-              <a:t>Uses OLS to fit the data, with the additional constraint of attempting to minimize the magnitude of the weight coefficients for each feature without eliminating the feature.</a:t>
-            </a:r>
+            <a:endParaRPr lang="en-US" dirty="0"/>
+          </a:p>
+          <a:p>
+            <a:pPr lvl="2"/>
+            <a:endParaRPr lang="en-US" dirty="0"/>
+          </a:p>
+          <a:p>
+            <a:endParaRPr lang="en-US" dirty="0"/>
+          </a:p>
+          <a:p>
+            <a:pPr lvl="1"/>
+            <a:endParaRPr lang="en-US" dirty="0"/>
+          </a:p>
+          <a:p>
+            <a:pPr lvl="2"/>
+            <a:endParaRPr lang="en-US" dirty="0"/>
           </a:p>
           <a:p>
             <a:pPr lvl="2"/>
@@ -12785,7 +12811,7 @@
     </p:spTree>
     <p:extLst>
       <p:ext uri="{BB962C8B-B14F-4D97-AF65-F5344CB8AC3E}">
-        <p14:creationId xmlns:p14="http://schemas.microsoft.com/office/powerpoint/2010/main" val="474133971"/>
+        <p14:creationId xmlns:p14="http://schemas.microsoft.com/office/powerpoint/2010/main" val="3636144303"/>
       </p:ext>
     </p:extLst>
   </p:cSld>
@@ -12884,21 +12910,7 @@
             <a:pPr lvl="1"/>
             <a:r>
               <a:rPr lang="en-US" dirty="0"/>
-              <a:t>Each weight should be as close to zero as possible.</a:t>
-            </a:r>
-          </a:p>
-          <a:p>
-            <a:pPr lvl="1"/>
-            <a:r>
-              <a:rPr lang="en-US" dirty="0"/>
-              <a:t>Each feature will have as little affect on the prediction as possible.</a:t>
-            </a:r>
-          </a:p>
-          <a:p>
-            <a:pPr lvl="1"/>
-            <a:r>
-              <a:rPr lang="en-US" dirty="0"/>
-              <a:t>Note that the feature weights will not be exactly zero using this trainer, so each feature still affects the prediction.</a:t>
+              <a:t>Uses OLS to fit the data, with the additional constraint of attempting to minimize the magnitude of the weight coefficients for each feature without eliminating the feature.</a:t>
             </a:r>
           </a:p>
           <a:p>
@@ -12913,7 +12925,7 @@
     </p:spTree>
     <p:extLst>
       <p:ext uri="{BB962C8B-B14F-4D97-AF65-F5344CB8AC3E}">
-        <p14:creationId xmlns:p14="http://schemas.microsoft.com/office/powerpoint/2010/main" val="3620252848"/>
+        <p14:creationId xmlns:p14="http://schemas.microsoft.com/office/powerpoint/2010/main" val="474133971"/>
       </p:ext>
     </p:extLst>
   </p:cSld>
@@ -12998,7 +13010,9 @@
         </p:nvSpPr>
         <p:spPr/>
         <p:txBody>
-          <a:bodyPr/>
+          <a:bodyPr>
+            <a:normAutofit/>
+          </a:bodyPr>
           <a:lstStyle/>
           <a:p>
             <a:r>
@@ -13010,28 +13024,21 @@
             <a:pPr lvl="1"/>
             <a:r>
               <a:rPr lang="en-US" dirty="0"/>
-              <a:t>Attempting to minimize the weight magnitudes is a form of regularization.</a:t>
-            </a:r>
-          </a:p>
-          <a:p>
-            <a:pPr lvl="2"/>
-            <a:r>
-              <a:rPr lang="en-US" dirty="0"/>
-              <a:t>Regularization is used to attempt to prevent overfitting.</a:t>
+              <a:t>Each weight should be as close to zero as possible.</a:t>
             </a:r>
           </a:p>
           <a:p>
             <a:pPr lvl="1"/>
             <a:r>
               <a:rPr lang="en-US" dirty="0"/>
-              <a:t>This trainer uses L2 regularization</a:t>
-            </a:r>
-          </a:p>
-          <a:p>
-            <a:pPr lvl="2"/>
-            <a:r>
-              <a:rPr lang="en-US" dirty="0"/>
-              <a:t>The sum of the square of the weight coefficient for each feature is used as a penalty term in determining model accuracy.</a:t>
+              <a:t>Each feature will have as little affect on the prediction as possible.</a:t>
+            </a:r>
+          </a:p>
+          <a:p>
+            <a:pPr lvl="1"/>
+            <a:r>
+              <a:rPr lang="en-US" dirty="0"/>
+              <a:t>Note that the feature weights will not be exactly zero using this trainer, so each feature still affects the prediction.</a:t>
             </a:r>
           </a:p>
           <a:p>
@@ -13046,7 +13053,7 @@
     </p:spTree>
     <p:extLst>
       <p:ext uri="{BB962C8B-B14F-4D97-AF65-F5344CB8AC3E}">
-        <p14:creationId xmlns:p14="http://schemas.microsoft.com/office/powerpoint/2010/main" val="1031170893"/>
+        <p14:creationId xmlns:p14="http://schemas.microsoft.com/office/powerpoint/2010/main" val="3620252848"/>
       </p:ext>
     </p:extLst>
   </p:cSld>
@@ -13143,40 +13150,29 @@
             <a:pPr lvl="1"/>
             <a:r>
               <a:rPr lang="en-US" dirty="0"/>
-              <a:t>For this Scikit-Learn trainer, the alpha term is used for regularization.</a:t>
+              <a:t>Attempting to minimize the weight magnitudes is a form of regularization.</a:t>
+            </a:r>
+          </a:p>
+          <a:p>
+            <a:pPr lvl="2"/>
+            <a:r>
+              <a:rPr lang="en-US" dirty="0"/>
+              <a:t>Regularization is used to attempt to prevent overfitting.</a:t>
             </a:r>
           </a:p>
           <a:p>
             <a:pPr lvl="1"/>
             <a:r>
               <a:rPr lang="en-US" dirty="0"/>
-              <a:t>Increasing alpha moves each feature’s weight more towards zero.</a:t>
+              <a:t>This trainer uses L2 regularization</a:t>
             </a:r>
           </a:p>
           <a:p>
             <a:pPr lvl="2"/>
             <a:r>
               <a:rPr lang="en-US" dirty="0"/>
-              <a:t>This may help make the model more generalized, which will help overfitting.</a:t>
-            </a:r>
-          </a:p>
-          <a:p>
-            <a:pPr lvl="2"/>
-            <a:r>
-              <a:rPr lang="en-US" dirty="0"/>
-              <a:t>This will decrease training set performance.</a:t>
-            </a:r>
-          </a:p>
-          <a:p>
-            <a:endParaRPr lang="en-US" dirty="0"/>
-          </a:p>
-          <a:p>
-            <a:pPr lvl="1"/>
-            <a:endParaRPr lang="en-US" dirty="0"/>
-          </a:p>
-          <a:p>
-            <a:pPr lvl="2"/>
-            <a:endParaRPr lang="en-US" dirty="0"/>
+              <a:t>The sum of the square of the weight coefficient for each feature is used as a penalty term in determining model accuracy.</a:t>
+            </a:r>
           </a:p>
           <a:p>
             <a:pPr lvl="2"/>
@@ -13190,7 +13186,7 @@
     </p:spTree>
     <p:extLst>
       <p:ext uri="{BB962C8B-B14F-4D97-AF65-F5344CB8AC3E}">
-        <p14:creationId xmlns:p14="http://schemas.microsoft.com/office/powerpoint/2010/main" val="4041600192"/>
+        <p14:creationId xmlns:p14="http://schemas.microsoft.com/office/powerpoint/2010/main" val="1031170893"/>
       </p:ext>
     </p:extLst>
   </p:cSld>
@@ -13287,19 +13283,29 @@
             <a:pPr lvl="1"/>
             <a:r>
               <a:rPr lang="en-US" dirty="0"/>
-              <a:t>Increasing alpha more and more will not necessarily make the model more predictive.</a:t>
+              <a:t>For this Scikit-Learn trainer, the alpha term is used for regularization.</a:t>
             </a:r>
           </a:p>
           <a:p>
             <a:pPr lvl="1"/>
             <a:r>
               <a:rPr lang="en-US" dirty="0"/>
-              <a:t>Alpha will need tuned for an optimal model.</a:t>
+              <a:t>Increasing alpha moves each feature’s weight more towards zero.</a:t>
             </a:r>
           </a:p>
           <a:p>
             <a:pPr lvl="2"/>
-            <a:endParaRPr lang="en-US" dirty="0"/>
+            <a:r>
+              <a:rPr lang="en-US" dirty="0"/>
+              <a:t>This may help make the model more generalized, which will help overfitting.</a:t>
+            </a:r>
+          </a:p>
+          <a:p>
+            <a:pPr lvl="2"/>
+            <a:r>
+              <a:rPr lang="en-US" dirty="0"/>
+              <a:t>This will decrease training set performance.</a:t>
+            </a:r>
           </a:p>
           <a:p>
             <a:endParaRPr lang="en-US" dirty="0"/>
@@ -13324,7 +13330,7 @@
     </p:spTree>
     <p:extLst>
       <p:ext uri="{BB962C8B-B14F-4D97-AF65-F5344CB8AC3E}">
-        <p14:creationId xmlns:p14="http://schemas.microsoft.com/office/powerpoint/2010/main" val="52183678"/>
+        <p14:creationId xmlns:p14="http://schemas.microsoft.com/office/powerpoint/2010/main" val="4041600192"/>
       </p:ext>
     </p:extLst>
   </p:cSld>
@@ -13414,12 +13420,22 @@
           <a:p>
             <a:r>
               <a:rPr lang="en-US" dirty="0"/>
-              <a:t>In-Class Example – Ridge Regression</a:t>
+              <a:t>Ridge Regression</a:t>
             </a:r>
           </a:p>
           <a:p>
             <a:pPr lvl="1"/>
-            <a:endParaRPr lang="en-US" dirty="0"/>
+            <a:r>
+              <a:rPr lang="en-US" dirty="0"/>
+              <a:t>Increasing alpha more and more will not necessarily make the model more predictive.</a:t>
+            </a:r>
+          </a:p>
+          <a:p>
+            <a:pPr lvl="1"/>
+            <a:r>
+              <a:rPr lang="en-US" dirty="0"/>
+              <a:t>Alpha will need tuned for an optimal model.</a:t>
+            </a:r>
           </a:p>
           <a:p>
             <a:pPr lvl="2"/>
@@ -13448,7 +13464,7 @@
     </p:spTree>
     <p:extLst>
       <p:ext uri="{BB962C8B-B14F-4D97-AF65-F5344CB8AC3E}">
-        <p14:creationId xmlns:p14="http://schemas.microsoft.com/office/powerpoint/2010/main" val="1030170644"/>
+        <p14:creationId xmlns:p14="http://schemas.microsoft.com/office/powerpoint/2010/main" val="52183678"/>
       </p:ext>
     </p:extLst>
   </p:cSld>
@@ -13538,15 +13554,12 @@
           <a:p>
             <a:r>
               <a:rPr lang="en-US" dirty="0"/>
-              <a:t>In-Class Exercise</a:t>
+              <a:t>In-Class Example – Ridge Regression</a:t>
             </a:r>
           </a:p>
           <a:p>
             <a:pPr lvl="1"/>
-            <a:r>
-              <a:rPr lang="en-US" dirty="0"/>
-              <a:t>Run the example with ridge regression, attempting to optimize the test prediction data set by adjusting alpha.</a:t>
-            </a:r>
+            <a:endParaRPr lang="en-US" dirty="0"/>
           </a:p>
           <a:p>
             <a:pPr lvl="2"/>
@@ -13575,7 +13588,7 @@
     </p:spTree>
     <p:extLst>
       <p:ext uri="{BB962C8B-B14F-4D97-AF65-F5344CB8AC3E}">
-        <p14:creationId xmlns:p14="http://schemas.microsoft.com/office/powerpoint/2010/main" val="2651109508"/>
+        <p14:creationId xmlns:p14="http://schemas.microsoft.com/office/powerpoint/2010/main" val="1030170644"/>
       </p:ext>
     </p:extLst>
   </p:cSld>
@@ -13801,39 +13814,29 @@
           <a:p>
             <a:r>
               <a:rPr lang="en-US" dirty="0"/>
-              <a:t>LASSO Regression</a:t>
+              <a:t>In-Class Exercise</a:t>
             </a:r>
           </a:p>
           <a:p>
             <a:pPr lvl="1"/>
             <a:r>
               <a:rPr lang="en-US" dirty="0"/>
-              <a:t>Similar to ridge regression, uses a modified OLS algorithm that attempts to make each weight close to zero.</a:t>
-            </a:r>
+              <a:t>Run the example with ridge regression, attempting to optimize the test prediction data set by adjusting alpha.</a:t>
+            </a:r>
+          </a:p>
+          <a:p>
+            <a:pPr lvl="2"/>
+            <a:endParaRPr lang="en-US" dirty="0"/>
+          </a:p>
+          <a:p>
+            <a:endParaRPr lang="en-US" dirty="0"/>
           </a:p>
           <a:p>
             <a:pPr lvl="1"/>
-            <a:r>
-              <a:rPr lang="en-US" dirty="0"/>
-              <a:t>In this trainer, a weight value can be zero, so that a feature will not affect the prediction.</a:t>
-            </a:r>
-          </a:p>
-          <a:p>
-            <a:pPr lvl="1"/>
-            <a:r>
-              <a:rPr lang="en-US" dirty="0"/>
-              <a:t>This trainer uses L1 regularization.</a:t>
-            </a:r>
+            <a:endParaRPr lang="en-US" dirty="0"/>
           </a:p>
           <a:p>
             <a:pPr lvl="2"/>
-            <a:r>
-              <a:rPr lang="en-US" dirty="0"/>
-              <a:t>The sum of the weight coefficient for each feature is used as a penalty term in determining model accuracy.</a:t>
-            </a:r>
-          </a:p>
-          <a:p>
-            <a:pPr lvl="1"/>
             <a:endParaRPr lang="en-US" dirty="0"/>
           </a:p>
           <a:p>
@@ -13848,7 +13851,7 @@
     </p:spTree>
     <p:extLst>
       <p:ext uri="{BB962C8B-B14F-4D97-AF65-F5344CB8AC3E}">
-        <p14:creationId xmlns:p14="http://schemas.microsoft.com/office/powerpoint/2010/main" val="2833183138"/>
+        <p14:creationId xmlns:p14="http://schemas.microsoft.com/office/powerpoint/2010/main" val="2651109508"/>
       </p:ext>
     </p:extLst>
   </p:cSld>
@@ -13945,7 +13948,28 @@
             <a:pPr lvl="1"/>
             <a:r>
               <a:rPr lang="en-US" dirty="0"/>
-              <a:t>For this Scikit-Learn trainer, the alpha term is also used for regularization.</a:t>
+              <a:t>Similar to ridge regression, uses a modified OLS algorithm that attempts to make each weight close to zero.</a:t>
+            </a:r>
+          </a:p>
+          <a:p>
+            <a:pPr lvl="1"/>
+            <a:r>
+              <a:rPr lang="en-US" dirty="0"/>
+              <a:t>In this trainer, a weight value can be zero, so that a feature will not affect the prediction.</a:t>
+            </a:r>
+          </a:p>
+          <a:p>
+            <a:pPr lvl="1"/>
+            <a:r>
+              <a:rPr lang="en-US" dirty="0"/>
+              <a:t>This trainer uses L1 regularization.</a:t>
+            </a:r>
+          </a:p>
+          <a:p>
+            <a:pPr lvl="2"/>
+            <a:r>
+              <a:rPr lang="en-US" dirty="0"/>
+              <a:t>The sum of the weight coefficient for each feature is used as a penalty term in determining model accuracy.</a:t>
             </a:r>
           </a:p>
           <a:p>
@@ -13964,7 +13988,7 @@
     </p:spTree>
     <p:extLst>
       <p:ext uri="{BB962C8B-B14F-4D97-AF65-F5344CB8AC3E}">
-        <p14:creationId xmlns:p14="http://schemas.microsoft.com/office/powerpoint/2010/main" val="2503353380"/>
+        <p14:creationId xmlns:p14="http://schemas.microsoft.com/office/powerpoint/2010/main" val="2833183138"/>
       </p:ext>
     </p:extLst>
   </p:cSld>
@@ -14054,26 +14078,18 @@
           <a:p>
             <a:r>
               <a:rPr lang="en-US" dirty="0"/>
-              <a:t>In-Class Example – LASSO Regression</a:t>
+              <a:t>LASSO Regression</a:t>
             </a:r>
           </a:p>
           <a:p>
             <a:pPr lvl="1"/>
-            <a:endParaRPr lang="en-US" dirty="0"/>
-          </a:p>
-          <a:p>
-            <a:pPr lvl="2"/>
-            <a:endParaRPr lang="en-US" dirty="0"/>
-          </a:p>
-          <a:p>
-            <a:endParaRPr lang="en-US" dirty="0"/>
+            <a:r>
+              <a:rPr lang="en-US" dirty="0"/>
+              <a:t>For this Scikit-Learn trainer, the alpha term is also used for regularization.</a:t>
+            </a:r>
           </a:p>
           <a:p>
             <a:pPr lvl="1"/>
-            <a:endParaRPr lang="en-US" dirty="0"/>
-          </a:p>
-          <a:p>
-            <a:pPr lvl="2"/>
             <a:endParaRPr lang="en-US" dirty="0"/>
           </a:p>
           <a:p>
@@ -14088,7 +14104,7 @@
     </p:spTree>
     <p:extLst>
       <p:ext uri="{BB962C8B-B14F-4D97-AF65-F5344CB8AC3E}">
-        <p14:creationId xmlns:p14="http://schemas.microsoft.com/office/powerpoint/2010/main" val="1318670462"/>
+        <p14:creationId xmlns:p14="http://schemas.microsoft.com/office/powerpoint/2010/main" val="2503353380"/>
       </p:ext>
     </p:extLst>
   </p:cSld>
@@ -14178,30 +14194,12 @@
           <a:p>
             <a:r>
               <a:rPr lang="en-US" dirty="0"/>
-              <a:t>In-Class Exercise</a:t>
+              <a:t>In-Class Example – LASSO Regression</a:t>
             </a:r>
           </a:p>
           <a:p>
             <a:pPr lvl="1"/>
-            <a:r>
-              <a:rPr lang="en-US" dirty="0"/>
-              <a:t>Generate models for the </a:t>
-            </a:r>
-            <a:r>
-              <a:rPr lang="en-US" dirty="0" err="1"/>
-              <a:t>boston</a:t>
-            </a:r>
-            <a:r>
-              <a:rPr lang="en-US" dirty="0"/>
-              <a:t> housing data using linear, ridge, and LASSO regressors.  For models that use regularization, attempt to optimize the predictions (can use previous example code).</a:t>
-            </a:r>
-          </a:p>
-          <a:p>
-            <a:pPr lvl="1"/>
-            <a:r>
-              <a:rPr lang="en-US" dirty="0"/>
-              <a:t>Which model is the most accurate with respect to test data predictions?  Are there benefits to the models that are less accurate?</a:t>
-            </a:r>
+            <a:endParaRPr lang="en-US" dirty="0"/>
           </a:p>
           <a:p>
             <a:pPr lvl="2"/>
@@ -14230,7 +14228,7 @@
     </p:spTree>
     <p:extLst>
       <p:ext uri="{BB962C8B-B14F-4D97-AF65-F5344CB8AC3E}">
-        <p14:creationId xmlns:p14="http://schemas.microsoft.com/office/powerpoint/2010/main" val="2777821716"/>
+        <p14:creationId xmlns:p14="http://schemas.microsoft.com/office/powerpoint/2010/main" val="1318670462"/>
       </p:ext>
     </p:extLst>
   </p:cSld>
@@ -14320,8 +14318,45 @@
           <a:p>
             <a:r>
               <a:rPr lang="en-US" dirty="0"/>
-              <a:t>Decision Tree</a:t>
-            </a:r>
+              <a:t>In-Class Exercise</a:t>
+            </a:r>
+          </a:p>
+          <a:p>
+            <a:pPr lvl="1"/>
+            <a:r>
+              <a:rPr lang="en-US" dirty="0"/>
+              <a:t>Generate models for the </a:t>
+            </a:r>
+            <a:r>
+              <a:rPr lang="en-US" dirty="0" err="1"/>
+              <a:t>boston</a:t>
+            </a:r>
+            <a:r>
+              <a:rPr lang="en-US" dirty="0"/>
+              <a:t> housing data using linear, ridge, and LASSO regressors.  For models that use regularization, attempt to optimize the predictions (can use previous example code).</a:t>
+            </a:r>
+          </a:p>
+          <a:p>
+            <a:pPr lvl="1"/>
+            <a:r>
+              <a:rPr lang="en-US" dirty="0"/>
+              <a:t>Which model is the most accurate with respect to test data predictions?  Are there benefits to the models that are less accurate?</a:t>
+            </a:r>
+          </a:p>
+          <a:p>
+            <a:pPr lvl="2"/>
+            <a:endParaRPr lang="en-US" dirty="0"/>
+          </a:p>
+          <a:p>
+            <a:endParaRPr lang="en-US" dirty="0"/>
+          </a:p>
+          <a:p>
+            <a:pPr lvl="1"/>
+            <a:endParaRPr lang="en-US" dirty="0"/>
+          </a:p>
+          <a:p>
+            <a:pPr lvl="2"/>
+            <a:endParaRPr lang="en-US" dirty="0"/>
           </a:p>
           <a:p>
             <a:pPr lvl="2"/>
@@ -14335,7 +14370,7 @@
     </p:spTree>
     <p:extLst>
       <p:ext uri="{BB962C8B-B14F-4D97-AF65-F5344CB8AC3E}">
-        <p14:creationId xmlns:p14="http://schemas.microsoft.com/office/powerpoint/2010/main" val="1924952010"/>
+        <p14:creationId xmlns:p14="http://schemas.microsoft.com/office/powerpoint/2010/main" val="2777821716"/>
       </p:ext>
     </p:extLst>
   </p:cSld>
@@ -14425,7 +14460,7 @@
           <a:p>
             <a:r>
               <a:rPr lang="en-US" dirty="0"/>
-              <a:t>Forest</a:t>
+              <a:t>Decision Tree</a:t>
             </a:r>
           </a:p>
           <a:p>
@@ -14440,7 +14475,7 @@
     </p:spTree>
     <p:extLst>
       <p:ext uri="{BB962C8B-B14F-4D97-AF65-F5344CB8AC3E}">
-        <p14:creationId xmlns:p14="http://schemas.microsoft.com/office/powerpoint/2010/main" val="358457677"/>
+        <p14:creationId xmlns:p14="http://schemas.microsoft.com/office/powerpoint/2010/main" val="1924952010"/>
       </p:ext>
     </p:extLst>
   </p:cSld>
@@ -14530,7 +14565,7 @@
           <a:p>
             <a:r>
               <a:rPr lang="en-US" dirty="0"/>
-              <a:t>Gradient-Boosted Forest</a:t>
+              <a:t>Forest</a:t>
             </a:r>
           </a:p>
           <a:p>
@@ -14545,7 +14580,7 @@
     </p:spTree>
     <p:extLst>
       <p:ext uri="{BB962C8B-B14F-4D97-AF65-F5344CB8AC3E}">
-        <p14:creationId xmlns:p14="http://schemas.microsoft.com/office/powerpoint/2010/main" val="1436682753"/>
+        <p14:creationId xmlns:p14="http://schemas.microsoft.com/office/powerpoint/2010/main" val="358457677"/>
       </p:ext>
     </p:extLst>
   </p:cSld>
@@ -14613,7 +14648,7 @@
           <a:p>
             <a:r>
               <a:rPr lang="en-US" dirty="0"/>
-              <a:t>Evaluating Accuracy</a:t>
+              <a:t>Linear Models - Regressors</a:t>
             </a:r>
           </a:p>
         </p:txBody>
@@ -14635,32 +14670,8 @@
           <a:p>
             <a:r>
               <a:rPr lang="en-US" dirty="0"/>
-              <a:t>Overview</a:t>
-            </a:r>
-          </a:p>
-          <a:p>
-            <a:pPr lvl="1"/>
-            <a:r>
-              <a:rPr lang="en-US" dirty="0"/>
-              <a:t>&lt;model&gt;.score(</a:t>
-            </a:r>
-            <a:r>
-              <a:rPr lang="en-US" dirty="0" err="1"/>
-              <a:t>test_data</a:t>
-            </a:r>
-            <a:r>
-              <a:rPr lang="en-US" dirty="0"/>
-              <a:t>, </a:t>
-            </a:r>
-            <a:r>
-              <a:rPr lang="en-US" dirty="0" err="1"/>
-              <a:t>test_labels</a:t>
-            </a:r>
-            <a:r>
-              <a:rPr lang="en-US"/>
-              <a:t>)</a:t>
-            </a:r>
-            <a:endParaRPr lang="en-US" dirty="0"/>
+              <a:t>Gradient-Boosted Forest</a:t>
+            </a:r>
           </a:p>
           <a:p>
             <a:pPr lvl="2"/>
@@ -14674,7 +14685,7 @@
     </p:spTree>
     <p:extLst>
       <p:ext uri="{BB962C8B-B14F-4D97-AF65-F5344CB8AC3E}">
-        <p14:creationId xmlns:p14="http://schemas.microsoft.com/office/powerpoint/2010/main" val="4053921630"/>
+        <p14:creationId xmlns:p14="http://schemas.microsoft.com/office/powerpoint/2010/main" val="1436682753"/>
       </p:ext>
     </p:extLst>
   </p:cSld>
@@ -14741,70 +14752,55 @@
           <a:lstStyle/>
           <a:p>
             <a:r>
+              <a:rPr lang="en-US" dirty="0"/>
+              <a:t>Evaluating Accuracy</a:t>
+            </a:r>
+          </a:p>
+        </p:txBody>
+      </p:sp>
+      <p:sp>
+        <p:nvSpPr>
+          <p:cNvPr id="3" name="Content Placeholder 2"/>
+          <p:cNvSpPr>
+            <a:spLocks noGrp="1"/>
+          </p:cNvSpPr>
+          <p:nvPr>
+            <p:ph idx="1"/>
+          </p:nvPr>
+        </p:nvSpPr>
+        <p:spPr/>
+        <p:txBody>
+          <a:bodyPr/>
+          <a:lstStyle/>
+          <a:p>
+            <a:r>
+              <a:rPr lang="en-US" dirty="0"/>
+              <a:t>Overview</a:t>
+            </a:r>
+          </a:p>
+          <a:p>
+            <a:pPr lvl="1"/>
+            <a:r>
+              <a:rPr lang="en-US" dirty="0"/>
+              <a:t>&lt;model&gt;.score(</a:t>
+            </a:r>
+            <a:r>
               <a:rPr lang="en-US" dirty="0" err="1"/>
-              <a:t>Scikit</a:t>
-            </a:r>
-            <a:r>
-              <a:rPr lang="en-US" dirty="0"/>
-              <a:t>-Learn Machine Learning</a:t>
-            </a:r>
-          </a:p>
-        </p:txBody>
-      </p:sp>
-      <p:sp>
-        <p:nvSpPr>
-          <p:cNvPr id="3" name="Content Placeholder 2"/>
-          <p:cNvSpPr>
-            <a:spLocks noGrp="1"/>
-          </p:cNvSpPr>
-          <p:nvPr>
-            <p:ph idx="1"/>
-          </p:nvPr>
-        </p:nvSpPr>
-        <p:spPr/>
-        <p:txBody>
-          <a:bodyPr/>
-          <a:lstStyle/>
-          <a:p>
-            <a:r>
-              <a:rPr lang="en-US" dirty="0"/>
-              <a:t>Overview</a:t>
-            </a:r>
-          </a:p>
-          <a:p>
-            <a:pPr lvl="1"/>
-            <a:r>
-              <a:rPr lang="en-US" dirty="0"/>
-              <a:t>Definition</a:t>
-            </a:r>
-          </a:p>
-          <a:p>
-            <a:pPr lvl="1"/>
-            <a:r>
-              <a:rPr lang="en-US" dirty="0"/>
-              <a:t>General Types</a:t>
-            </a:r>
-          </a:p>
-          <a:p>
-            <a:pPr lvl="1"/>
-            <a:r>
-              <a:rPr lang="en-US" dirty="0"/>
-              <a:t>Basic Linear Models</a:t>
-            </a:r>
-          </a:p>
-          <a:p>
-            <a:pPr lvl="1"/>
-            <a:r>
-              <a:rPr lang="en-US" dirty="0"/>
-              <a:t>Algorithm Types</a:t>
-            </a:r>
-          </a:p>
-          <a:p>
-            <a:pPr lvl="1"/>
-            <a:r>
-              <a:rPr lang="en-US" dirty="0"/>
-              <a:t>Tuning</a:t>
-            </a:r>
+              <a:t>test_data</a:t>
+            </a:r>
+            <a:r>
+              <a:rPr lang="en-US" dirty="0"/>
+              <a:t>, </a:t>
+            </a:r>
+            <a:r>
+              <a:rPr lang="en-US" dirty="0" err="1"/>
+              <a:t>test_labels</a:t>
+            </a:r>
+            <a:r>
+              <a:rPr lang="en-US"/>
+              <a:t>)</a:t>
+            </a:r>
+            <a:endParaRPr lang="en-US" dirty="0"/>
           </a:p>
           <a:p>
             <a:pPr lvl="2"/>
@@ -14818,7 +14814,7 @@
     </p:spTree>
     <p:extLst>
       <p:ext uri="{BB962C8B-B14F-4D97-AF65-F5344CB8AC3E}">
-        <p14:creationId xmlns:p14="http://schemas.microsoft.com/office/powerpoint/2010/main" val="754999196"/>
+        <p14:creationId xmlns:p14="http://schemas.microsoft.com/office/powerpoint/2010/main" val="4053921630"/>
       </p:ext>
     </p:extLst>
   </p:cSld>
@@ -14885,42 +14881,69 @@
           <a:lstStyle/>
           <a:p>
             <a:r>
+              <a:rPr lang="en-US" dirty="0" err="1"/>
+              <a:t>Scikit</a:t>
+            </a:r>
+            <a:r>
+              <a:rPr lang="en-US" dirty="0"/>
+              <a:t>-Learn Machine Learning</a:t>
+            </a:r>
+          </a:p>
+        </p:txBody>
+      </p:sp>
+      <p:sp>
+        <p:nvSpPr>
+          <p:cNvPr id="3" name="Content Placeholder 2"/>
+          <p:cNvSpPr>
+            <a:spLocks noGrp="1"/>
+          </p:cNvSpPr>
+          <p:nvPr>
+            <p:ph idx="1"/>
+          </p:nvPr>
+        </p:nvSpPr>
+        <p:spPr/>
+        <p:txBody>
+          <a:bodyPr/>
+          <a:lstStyle/>
+          <a:p>
+            <a:r>
+              <a:rPr lang="en-US" dirty="0"/>
+              <a:t>Overview</a:t>
+            </a:r>
+          </a:p>
+          <a:p>
+            <a:pPr lvl="1"/>
+            <a:r>
+              <a:rPr lang="en-US" dirty="0"/>
+              <a:t>Definition</a:t>
+            </a:r>
+          </a:p>
+          <a:p>
+            <a:pPr lvl="1"/>
+            <a:r>
+              <a:rPr lang="en-US" dirty="0"/>
+              <a:t>General Types</a:t>
+            </a:r>
+          </a:p>
+          <a:p>
+            <a:pPr lvl="1"/>
+            <a:r>
+              <a:rPr lang="en-US" dirty="0"/>
+              <a:t>Basic Linear Models</a:t>
+            </a:r>
+          </a:p>
+          <a:p>
+            <a:pPr lvl="1"/>
+            <a:r>
+              <a:rPr lang="en-US" dirty="0"/>
+              <a:t>Algorithm Types</a:t>
+            </a:r>
+          </a:p>
+          <a:p>
+            <a:pPr lvl="1"/>
+            <a:r>
               <a:rPr lang="en-US" dirty="0"/>
               <a:t>Tuning</a:t>
-            </a:r>
-          </a:p>
-        </p:txBody>
-      </p:sp>
-      <p:sp>
-        <p:nvSpPr>
-          <p:cNvPr id="3" name="Content Placeholder 2"/>
-          <p:cNvSpPr>
-            <a:spLocks noGrp="1"/>
-          </p:cNvSpPr>
-          <p:nvPr>
-            <p:ph idx="1"/>
-          </p:nvPr>
-        </p:nvSpPr>
-        <p:spPr/>
-        <p:txBody>
-          <a:bodyPr/>
-          <a:lstStyle/>
-          <a:p>
-            <a:r>
-              <a:rPr lang="en-US" dirty="0"/>
-              <a:t>Determining what features matter</a:t>
-            </a:r>
-          </a:p>
-          <a:p>
-            <a:r>
-              <a:rPr lang="en-US" dirty="0"/>
-              <a:t>If both prediction test scores and training scores are low, then the model is suffering from underfitting.</a:t>
-            </a:r>
-          </a:p>
-          <a:p>
-            <a:r>
-              <a:rPr lang="en-US" dirty="0"/>
-              <a:t>If the model has extremely high training scores, but not nearly as high prediction test scores, the model is suffering from overfitting.</a:t>
             </a:r>
           </a:p>
           <a:p>
@@ -14935,7 +14958,7 @@
     </p:spTree>
     <p:extLst>
       <p:ext uri="{BB962C8B-B14F-4D97-AF65-F5344CB8AC3E}">
-        <p14:creationId xmlns:p14="http://schemas.microsoft.com/office/powerpoint/2010/main" val="3393037686"/>
+        <p14:creationId xmlns:p14="http://schemas.microsoft.com/office/powerpoint/2010/main" val="754999196"/>
       </p:ext>
     </p:extLst>
   </p:cSld>
@@ -15161,28 +15184,19 @@
           <a:p>
             <a:r>
               <a:rPr lang="en-US" dirty="0"/>
-              <a:t>Parameters to Play with</a:t>
-            </a:r>
-          </a:p>
-          <a:p>
-            <a:pPr lvl="1"/>
-            <a:r>
-              <a:rPr lang="en-US" dirty="0"/>
-              <a:t>K-Nearest Neighbors</a:t>
-            </a:r>
-          </a:p>
-          <a:p>
-            <a:pPr lvl="2"/>
-            <a:r>
-              <a:rPr lang="en-US" dirty="0"/>
-              <a:t>Number of neighbors to test point</a:t>
-            </a:r>
-          </a:p>
-          <a:p>
-            <a:pPr lvl="2"/>
-            <a:r>
-              <a:rPr lang="en-US" dirty="0"/>
-              <a:t>Algorithm to evaluate distance test point is from data points</a:t>
+              <a:t>Determining what features matter</a:t>
+            </a:r>
+          </a:p>
+          <a:p>
+            <a:r>
+              <a:rPr lang="en-US" dirty="0"/>
+              <a:t>If both prediction test scores and training scores are low, then the model is suffering from underfitting.</a:t>
+            </a:r>
+          </a:p>
+          <a:p>
+            <a:r>
+              <a:rPr lang="en-US" dirty="0"/>
+              <a:t>If the model has extremely high training scores, but not nearly as high prediction test scores, the model is suffering from overfitting.</a:t>
             </a:r>
           </a:p>
           <a:p>
@@ -15197,7 +15211,7 @@
     </p:spTree>
     <p:extLst>
       <p:ext uri="{BB962C8B-B14F-4D97-AF65-F5344CB8AC3E}">
-        <p14:creationId xmlns:p14="http://schemas.microsoft.com/office/powerpoint/2010/main" val="274238177"/>
+        <p14:creationId xmlns:p14="http://schemas.microsoft.com/office/powerpoint/2010/main" val="3393037686"/>
       </p:ext>
     </p:extLst>
   </p:cSld>
@@ -15287,7 +15301,28 @@
           <a:p>
             <a:r>
               <a:rPr lang="en-US" dirty="0"/>
-              <a:t>Grid Search</a:t>
+              <a:t>Parameters to Play with</a:t>
+            </a:r>
+          </a:p>
+          <a:p>
+            <a:pPr lvl="1"/>
+            <a:r>
+              <a:rPr lang="en-US" dirty="0"/>
+              <a:t>K-Nearest Neighbors</a:t>
+            </a:r>
+          </a:p>
+          <a:p>
+            <a:pPr lvl="2"/>
+            <a:r>
+              <a:rPr lang="en-US" dirty="0"/>
+              <a:t>Number of neighbors to test point</a:t>
+            </a:r>
+          </a:p>
+          <a:p>
+            <a:pPr lvl="2"/>
+            <a:r>
+              <a:rPr lang="en-US" dirty="0"/>
+              <a:t>Algorithm to evaluate distance test point is from data points</a:t>
             </a:r>
           </a:p>
           <a:p>
@@ -15302,7 +15337,7 @@
     </p:spTree>
     <p:extLst>
       <p:ext uri="{BB962C8B-B14F-4D97-AF65-F5344CB8AC3E}">
-        <p14:creationId xmlns:p14="http://schemas.microsoft.com/office/powerpoint/2010/main" val="2622179278"/>
+        <p14:creationId xmlns:p14="http://schemas.microsoft.com/office/powerpoint/2010/main" val="274238177"/>
       </p:ext>
     </p:extLst>
   </p:cSld>
@@ -15369,6 +15404,111 @@
           <a:lstStyle/>
           <a:p>
             <a:r>
+              <a:rPr lang="en-US" dirty="0"/>
+              <a:t>Tuning</a:t>
+            </a:r>
+          </a:p>
+        </p:txBody>
+      </p:sp>
+      <p:sp>
+        <p:nvSpPr>
+          <p:cNvPr id="3" name="Content Placeholder 2"/>
+          <p:cNvSpPr>
+            <a:spLocks noGrp="1"/>
+          </p:cNvSpPr>
+          <p:nvPr>
+            <p:ph idx="1"/>
+          </p:nvPr>
+        </p:nvSpPr>
+        <p:spPr/>
+        <p:txBody>
+          <a:bodyPr/>
+          <a:lstStyle/>
+          <a:p>
+            <a:r>
+              <a:rPr lang="en-US" dirty="0"/>
+              <a:t>Grid Search</a:t>
+            </a:r>
+          </a:p>
+          <a:p>
+            <a:pPr lvl="2"/>
+            <a:endParaRPr lang="en-US" dirty="0"/>
+          </a:p>
+          <a:p>
+            <a:endParaRPr lang="en-US" dirty="0"/>
+          </a:p>
+        </p:txBody>
+      </p:sp>
+    </p:spTree>
+    <p:extLst>
+      <p:ext uri="{BB962C8B-B14F-4D97-AF65-F5344CB8AC3E}">
+        <p14:creationId xmlns:p14="http://schemas.microsoft.com/office/powerpoint/2010/main" val="2622179278"/>
+      </p:ext>
+    </p:extLst>
+  </p:cSld>
+  <p:clrMapOvr>
+    <a:overrideClrMapping bg1="lt1" tx1="dk1" bg2="lt2" tx2="dk2" accent1="accent1" accent2="accent2" accent3="accent3" accent4="accent4" accent5="accent5" accent6="accent6" hlink="hlink" folHlink="folHlink"/>
+  </p:clrMapOvr>
+</p:sld>
+</file>
+
+<file path=ppt/slides/slide63.xml><?xml version="1.0" encoding="utf-8"?>
+<p:sld xmlns:a="http://schemas.openxmlformats.org/drawingml/2006/main" xmlns:r="http://schemas.openxmlformats.org/officeDocument/2006/relationships" xmlns:p="http://schemas.openxmlformats.org/presentationml/2006/main">
+  <p:cSld>
+    <p:bg>
+      <p:bgPr>
+        <a:blipFill dpi="0" rotWithShape="1">
+          <a:blip r:embed="rId3">
+            <a:extLst>
+              <a:ext uri="{BEBA8EAE-BF5A-486C-A8C5-ECC9F3942E4B}">
+                <a14:imgProps xmlns:a14="http://schemas.microsoft.com/office/drawing/2010/main">
+                  <a14:imgLayer r:embed="rId4">
+                    <a14:imgEffect>
+                      <a14:brightnessContrast bright="-50000"/>
+                    </a14:imgEffect>
+                  </a14:imgLayer>
+                </a14:imgProps>
+              </a:ext>
+            </a:extLst>
+          </a:blip>
+          <a:srcRect/>
+          <a:stretch>
+            <a:fillRect l="-10000" r="-10000"/>
+          </a:stretch>
+        </a:blipFill>
+        <a:effectLst/>
+      </p:bgPr>
+    </p:bg>
+    <p:spTree>
+      <p:nvGrpSpPr>
+        <p:cNvPr id="1" name=""/>
+        <p:cNvGrpSpPr/>
+        <p:nvPr/>
+      </p:nvGrpSpPr>
+      <p:grpSpPr>
+        <a:xfrm>
+          <a:off x="0" y="0"/>
+          <a:ext cx="0" cy="0"/>
+          <a:chOff x="0" y="0"/>
+          <a:chExt cx="0" cy="0"/>
+        </a:xfrm>
+      </p:grpSpPr>
+      <p:sp>
+        <p:nvSpPr>
+          <p:cNvPr id="2" name="Title 1"/>
+          <p:cNvSpPr>
+            <a:spLocks noGrp="1"/>
+          </p:cNvSpPr>
+          <p:nvPr>
+            <p:ph type="title"/>
+          </p:nvPr>
+        </p:nvSpPr>
+        <p:spPr/>
+        <p:txBody>
+          <a:bodyPr/>
+          <a:lstStyle/>
+          <a:p>
+            <a:r>
               <a:rPr lang="en-US" dirty="0" err="1"/>
               <a:t>Scikit</a:t>
             </a:r>
@@ -15456,7 +15596,7 @@
 </p:sld>
 </file>
 
-<file path=ppt/slides/slide63.xml><?xml version="1.0" encoding="utf-8"?>
+<file path=ppt/slides/slide64.xml><?xml version="1.0" encoding="utf-8"?>
 <p:sld xmlns:a="http://schemas.openxmlformats.org/drawingml/2006/main" xmlns:r="http://schemas.openxmlformats.org/officeDocument/2006/relationships" xmlns:p="http://schemas.openxmlformats.org/presentationml/2006/main">
   <p:cSld>
     <p:bg>
@@ -15550,7 +15690,7 @@
 </p:sld>
 </file>
 
-<file path=ppt/slides/slide64.xml><?xml version="1.0" encoding="utf-8"?>
+<file path=ppt/slides/slide65.xml><?xml version="1.0" encoding="utf-8"?>
 <p:sld xmlns:a="http://schemas.openxmlformats.org/drawingml/2006/main" xmlns:r="http://schemas.openxmlformats.org/officeDocument/2006/relationships" xmlns:p="http://schemas.openxmlformats.org/presentationml/2006/main">
   <p:cSld>
     <p:bg>
@@ -19404,6 +19544,49 @@
 </a:themeOverride>
 </file>
 
+<file path=ppt/theme/themeOverride62.xml><?xml version="1.0" encoding="utf-8"?>
+<a:themeOverride xmlns:a="http://schemas.openxmlformats.org/drawingml/2006/main">
+  <a:clrScheme name="Custom 2">
+    <a:dk1>
+      <a:srgbClr val="EFEFEF"/>
+    </a:dk1>
+    <a:lt1>
+      <a:srgbClr val="EFEFEF"/>
+    </a:lt1>
+    <a:dk2>
+      <a:srgbClr val="053E7D"/>
+    </a:dk2>
+    <a:lt2>
+      <a:srgbClr val="FFFFFF"/>
+    </a:lt2>
+    <a:accent1>
+      <a:srgbClr val="EFEFEF"/>
+    </a:accent1>
+    <a:accent2>
+      <a:srgbClr val="EFEFEF"/>
+    </a:accent2>
+    <a:accent3>
+      <a:srgbClr val="EFEFEF"/>
+    </a:accent3>
+    <a:accent4>
+      <a:srgbClr val="808080"/>
+    </a:accent4>
+    <a:accent5>
+      <a:srgbClr val="5F5F5F"/>
+    </a:accent5>
+    <a:accent6>
+      <a:srgbClr val="4D4D4D"/>
+    </a:accent6>
+    <a:hlink>
+      <a:srgbClr val="B5D7FC"/>
+    </a:hlink>
+    <a:folHlink>
+      <a:srgbClr val="919191"/>
+    </a:folHlink>
+  </a:clrScheme>
+</a:themeOverride>
+</file>
+
 <file path=ppt/theme/themeOverride7.xml><?xml version="1.0" encoding="utf-8"?>
 <a:themeOverride xmlns:a="http://schemas.openxmlformats.org/drawingml/2006/main">
   <a:clrScheme name="Custom 2">

--- a/Session 7 - Python/Instructional Material/Session 7 - Python Brief Intro to Machine Learning with Scikit Learn.pptx
+++ b/Session 7 - Python/Instructional Material/Session 7 - Python Brief Intro to Machine Learning with Scikit Learn.pptx
@@ -6,7 +6,7 @@
     <p:sldMasterId id="2147483660" r:id="rId2"/>
   </p:sldMasterIdLst>
   <p:notesMasterIdLst>
-    <p:notesMasterId r:id="rId68"/>
+    <p:notesMasterId r:id="rId80"/>
   </p:notesMasterIdLst>
   <p:sldIdLst>
     <p:sldId id="256" r:id="rId3"/>
@@ -26,54 +26,66 @@
     <p:sldId id="423" r:id="rId17"/>
     <p:sldId id="424" r:id="rId18"/>
     <p:sldId id="421" r:id="rId19"/>
-    <p:sldId id="420" r:id="rId20"/>
-    <p:sldId id="378" r:id="rId21"/>
-    <p:sldId id="388" r:id="rId22"/>
-    <p:sldId id="387" r:id="rId23"/>
-    <p:sldId id="389" r:id="rId24"/>
-    <p:sldId id="401" r:id="rId25"/>
-    <p:sldId id="403" r:id="rId26"/>
-    <p:sldId id="402" r:id="rId27"/>
-    <p:sldId id="406" r:id="rId28"/>
-    <p:sldId id="404" r:id="rId29"/>
-    <p:sldId id="377" r:id="rId30"/>
-    <p:sldId id="435" r:id="rId31"/>
-    <p:sldId id="390" r:id="rId32"/>
-    <p:sldId id="426" r:id="rId33"/>
-    <p:sldId id="412" r:id="rId34"/>
-    <p:sldId id="444" r:id="rId35"/>
-    <p:sldId id="415" r:id="rId36"/>
-    <p:sldId id="413" r:id="rId37"/>
-    <p:sldId id="416" r:id="rId38"/>
-    <p:sldId id="436" r:id="rId39"/>
-    <p:sldId id="437" r:id="rId40"/>
-    <p:sldId id="438" r:id="rId41"/>
-    <p:sldId id="391" r:id="rId42"/>
-    <p:sldId id="428" r:id="rId43"/>
-    <p:sldId id="427" r:id="rId44"/>
-    <p:sldId id="441" r:id="rId45"/>
-    <p:sldId id="396" r:id="rId46"/>
-    <p:sldId id="432" r:id="rId47"/>
-    <p:sldId id="431" r:id="rId48"/>
-    <p:sldId id="430" r:id="rId49"/>
-    <p:sldId id="434" r:id="rId50"/>
-    <p:sldId id="439" r:id="rId51"/>
-    <p:sldId id="440" r:id="rId52"/>
-    <p:sldId id="414" r:id="rId53"/>
-    <p:sldId id="433" r:id="rId54"/>
-    <p:sldId id="442" r:id="rId55"/>
-    <p:sldId id="443" r:id="rId56"/>
-    <p:sldId id="397" r:id="rId57"/>
-    <p:sldId id="398" r:id="rId58"/>
-    <p:sldId id="399" r:id="rId59"/>
-    <p:sldId id="376" r:id="rId60"/>
-    <p:sldId id="405" r:id="rId61"/>
-    <p:sldId id="385" r:id="rId62"/>
-    <p:sldId id="386" r:id="rId63"/>
-    <p:sldId id="400" r:id="rId64"/>
-    <p:sldId id="384" r:id="rId65"/>
-    <p:sldId id="375" r:id="rId66"/>
-    <p:sldId id="411" r:id="rId67"/>
+    <p:sldId id="446" r:id="rId20"/>
+    <p:sldId id="420" r:id="rId21"/>
+    <p:sldId id="453" r:id="rId22"/>
+    <p:sldId id="378" r:id="rId23"/>
+    <p:sldId id="388" r:id="rId24"/>
+    <p:sldId id="387" r:id="rId25"/>
+    <p:sldId id="389" r:id="rId26"/>
+    <p:sldId id="447" r:id="rId27"/>
+    <p:sldId id="401" r:id="rId28"/>
+    <p:sldId id="403" r:id="rId29"/>
+    <p:sldId id="402" r:id="rId30"/>
+    <p:sldId id="406" r:id="rId31"/>
+    <p:sldId id="449" r:id="rId32"/>
+    <p:sldId id="448" r:id="rId33"/>
+    <p:sldId id="404" r:id="rId34"/>
+    <p:sldId id="377" r:id="rId35"/>
+    <p:sldId id="435" r:id="rId36"/>
+    <p:sldId id="454" r:id="rId37"/>
+    <p:sldId id="390" r:id="rId38"/>
+    <p:sldId id="426" r:id="rId39"/>
+    <p:sldId id="412" r:id="rId40"/>
+    <p:sldId id="444" r:id="rId41"/>
+    <p:sldId id="415" r:id="rId42"/>
+    <p:sldId id="413" r:id="rId43"/>
+    <p:sldId id="416" r:id="rId44"/>
+    <p:sldId id="450" r:id="rId45"/>
+    <p:sldId id="436" r:id="rId46"/>
+    <p:sldId id="455" r:id="rId47"/>
+    <p:sldId id="456" r:id="rId48"/>
+    <p:sldId id="437" r:id="rId49"/>
+    <p:sldId id="451" r:id="rId50"/>
+    <p:sldId id="452" r:id="rId51"/>
+    <p:sldId id="391" r:id="rId52"/>
+    <p:sldId id="428" r:id="rId53"/>
+    <p:sldId id="438" r:id="rId54"/>
+    <p:sldId id="427" r:id="rId55"/>
+    <p:sldId id="441" r:id="rId56"/>
+    <p:sldId id="396" r:id="rId57"/>
+    <p:sldId id="432" r:id="rId58"/>
+    <p:sldId id="431" r:id="rId59"/>
+    <p:sldId id="430" r:id="rId60"/>
+    <p:sldId id="434" r:id="rId61"/>
+    <p:sldId id="439" r:id="rId62"/>
+    <p:sldId id="440" r:id="rId63"/>
+    <p:sldId id="414" r:id="rId64"/>
+    <p:sldId id="433" r:id="rId65"/>
+    <p:sldId id="442" r:id="rId66"/>
+    <p:sldId id="443" r:id="rId67"/>
+    <p:sldId id="397" r:id="rId68"/>
+    <p:sldId id="398" r:id="rId69"/>
+    <p:sldId id="399" r:id="rId70"/>
+    <p:sldId id="376" r:id="rId71"/>
+    <p:sldId id="445" r:id="rId72"/>
+    <p:sldId id="405" r:id="rId73"/>
+    <p:sldId id="385" r:id="rId74"/>
+    <p:sldId id="386" r:id="rId75"/>
+    <p:sldId id="400" r:id="rId76"/>
+    <p:sldId id="384" r:id="rId77"/>
+    <p:sldId id="375" r:id="rId78"/>
+    <p:sldId id="411" r:id="rId79"/>
   </p:sldIdLst>
   <p:sldSz cx="9144000" cy="6858000" type="screen4x3"/>
   <p:notesSz cx="6858000" cy="9144000"/>
@@ -273,7 +285,7 @@
           <a:p>
             <a:fld id="{CD3A85A8-362A-422C-AAFE-FA6D3B9BF6BA}" type="datetimeFigureOut">
               <a:rPr lang="en-US" smtClean="0"/>
-              <a:t>12/7/2021</a:t>
+              <a:t>12/14/2021</a:t>
             </a:fld>
             <a:endParaRPr lang="en-US"/>
           </a:p>
@@ -605,7 +617,7 @@
           <a:p>
             <a:fld id="{3E7B21C4-CE7A-4258-91FF-8CBB981279E1}" type="slidenum">
               <a:rPr lang="en-US" smtClean="0"/>
-              <a:t>30</a:t>
+              <a:t>36</a:t>
             </a:fld>
             <a:endParaRPr lang="en-US"/>
           </a:p>
@@ -615,6 +627,174 @@
     <p:extLst>
       <p:ext uri="{BB962C8B-B14F-4D97-AF65-F5344CB8AC3E}">
         <p14:creationId xmlns:p14="http://schemas.microsoft.com/office/powerpoint/2010/main" val="1638362377"/>
+      </p:ext>
+    </p:extLst>
+  </p:cSld>
+  <p:clrMapOvr>
+    <a:masterClrMapping/>
+  </p:clrMapOvr>
+</p:notes>
+</file>
+
+<file path=ppt/notesSlides/notesSlide10.xml><?xml version="1.0" encoding="utf-8"?>
+<p:notes xmlns:a="http://schemas.openxmlformats.org/drawingml/2006/main" xmlns:r="http://schemas.openxmlformats.org/officeDocument/2006/relationships" xmlns:p="http://schemas.openxmlformats.org/presentationml/2006/main">
+  <p:cSld>
+    <p:spTree>
+      <p:nvGrpSpPr>
+        <p:cNvPr id="1" name=""/>
+        <p:cNvGrpSpPr/>
+        <p:nvPr/>
+      </p:nvGrpSpPr>
+      <p:grpSpPr>
+        <a:xfrm>
+          <a:off x="0" y="0"/>
+          <a:ext cx="0" cy="0"/>
+          <a:chOff x="0" y="0"/>
+          <a:chExt cx="0" cy="0"/>
+        </a:xfrm>
+      </p:grpSpPr>
+      <p:sp>
+        <p:nvSpPr>
+          <p:cNvPr id="2" name="Slide Image Placeholder 1"/>
+          <p:cNvSpPr>
+            <a:spLocks noGrp="1" noRot="1" noChangeAspect="1"/>
+          </p:cNvSpPr>
+          <p:nvPr>
+            <p:ph type="sldImg"/>
+          </p:nvPr>
+        </p:nvSpPr>
+        <p:spPr/>
+      </p:sp>
+      <p:sp>
+        <p:nvSpPr>
+          <p:cNvPr id="3" name="Notes Placeholder 2"/>
+          <p:cNvSpPr>
+            <a:spLocks noGrp="1"/>
+          </p:cNvSpPr>
+          <p:nvPr>
+            <p:ph type="body" idx="1"/>
+          </p:nvPr>
+        </p:nvSpPr>
+        <p:spPr/>
+        <p:txBody>
+          <a:bodyPr/>
+          <a:lstStyle/>
+          <a:p>
+            <a:endParaRPr lang="en-US" dirty="0"/>
+          </a:p>
+        </p:txBody>
+      </p:sp>
+      <p:sp>
+        <p:nvSpPr>
+          <p:cNvPr id="4" name="Slide Number Placeholder 3"/>
+          <p:cNvSpPr>
+            <a:spLocks noGrp="1"/>
+          </p:cNvSpPr>
+          <p:nvPr>
+            <p:ph type="sldNum" sz="quarter" idx="5"/>
+          </p:nvPr>
+        </p:nvSpPr>
+        <p:spPr/>
+        <p:txBody>
+          <a:bodyPr/>
+          <a:lstStyle/>
+          <a:p>
+            <a:fld id="{3E7B21C4-CE7A-4258-91FF-8CBB981279E1}" type="slidenum">
+              <a:rPr lang="en-US" smtClean="0"/>
+              <a:t>48</a:t>
+            </a:fld>
+            <a:endParaRPr lang="en-US"/>
+          </a:p>
+        </p:txBody>
+      </p:sp>
+    </p:spTree>
+    <p:extLst>
+      <p:ext uri="{BB962C8B-B14F-4D97-AF65-F5344CB8AC3E}">
+        <p14:creationId xmlns:p14="http://schemas.microsoft.com/office/powerpoint/2010/main" val="1478135676"/>
+      </p:ext>
+    </p:extLst>
+  </p:cSld>
+  <p:clrMapOvr>
+    <a:masterClrMapping/>
+  </p:clrMapOvr>
+</p:notes>
+</file>
+
+<file path=ppt/notesSlides/notesSlide11.xml><?xml version="1.0" encoding="utf-8"?>
+<p:notes xmlns:a="http://schemas.openxmlformats.org/drawingml/2006/main" xmlns:r="http://schemas.openxmlformats.org/officeDocument/2006/relationships" xmlns:p="http://schemas.openxmlformats.org/presentationml/2006/main">
+  <p:cSld>
+    <p:spTree>
+      <p:nvGrpSpPr>
+        <p:cNvPr id="1" name=""/>
+        <p:cNvGrpSpPr/>
+        <p:nvPr/>
+      </p:nvGrpSpPr>
+      <p:grpSpPr>
+        <a:xfrm>
+          <a:off x="0" y="0"/>
+          <a:ext cx="0" cy="0"/>
+          <a:chOff x="0" y="0"/>
+          <a:chExt cx="0" cy="0"/>
+        </a:xfrm>
+      </p:grpSpPr>
+      <p:sp>
+        <p:nvSpPr>
+          <p:cNvPr id="2" name="Slide Image Placeholder 1"/>
+          <p:cNvSpPr>
+            <a:spLocks noGrp="1" noRot="1" noChangeAspect="1"/>
+          </p:cNvSpPr>
+          <p:nvPr>
+            <p:ph type="sldImg"/>
+          </p:nvPr>
+        </p:nvSpPr>
+        <p:spPr/>
+      </p:sp>
+      <p:sp>
+        <p:nvSpPr>
+          <p:cNvPr id="3" name="Notes Placeholder 2"/>
+          <p:cNvSpPr>
+            <a:spLocks noGrp="1"/>
+          </p:cNvSpPr>
+          <p:nvPr>
+            <p:ph type="body" idx="1"/>
+          </p:nvPr>
+        </p:nvSpPr>
+        <p:spPr/>
+        <p:txBody>
+          <a:bodyPr/>
+          <a:lstStyle/>
+          <a:p>
+            <a:endParaRPr lang="en-US" dirty="0"/>
+          </a:p>
+        </p:txBody>
+      </p:sp>
+      <p:sp>
+        <p:nvSpPr>
+          <p:cNvPr id="4" name="Slide Number Placeholder 3"/>
+          <p:cNvSpPr>
+            <a:spLocks noGrp="1"/>
+          </p:cNvSpPr>
+          <p:nvPr>
+            <p:ph type="sldNum" sz="quarter" idx="5"/>
+          </p:nvPr>
+        </p:nvSpPr>
+        <p:spPr/>
+        <p:txBody>
+          <a:bodyPr/>
+          <a:lstStyle/>
+          <a:p>
+            <a:fld id="{3E7B21C4-CE7A-4258-91FF-8CBB981279E1}" type="slidenum">
+              <a:rPr lang="en-US" smtClean="0"/>
+              <a:t>49</a:t>
+            </a:fld>
+            <a:endParaRPr lang="en-US"/>
+          </a:p>
+        </p:txBody>
+      </p:sp>
+    </p:spTree>
+    <p:extLst>
+      <p:ext uri="{BB962C8B-B14F-4D97-AF65-F5344CB8AC3E}">
+        <p14:creationId xmlns:p14="http://schemas.microsoft.com/office/powerpoint/2010/main" val="3723214472"/>
       </p:ext>
     </p:extLst>
   </p:cSld>
@@ -689,7 +869,7 @@
           <a:p>
             <a:fld id="{3E7B21C4-CE7A-4258-91FF-8CBB981279E1}" type="slidenum">
               <a:rPr lang="en-US" smtClean="0"/>
-              <a:t>31</a:t>
+              <a:t>37</a:t>
             </a:fld>
             <a:endParaRPr lang="en-US"/>
           </a:p>
@@ -773,7 +953,7 @@
           <a:p>
             <a:fld id="{3E7B21C4-CE7A-4258-91FF-8CBB981279E1}" type="slidenum">
               <a:rPr lang="en-US" smtClean="0"/>
-              <a:t>32</a:t>
+              <a:t>38</a:t>
             </a:fld>
             <a:endParaRPr lang="en-US"/>
           </a:p>
@@ -857,7 +1037,7 @@
           <a:p>
             <a:fld id="{3E7B21C4-CE7A-4258-91FF-8CBB981279E1}" type="slidenum">
               <a:rPr lang="en-US" smtClean="0"/>
-              <a:t>34</a:t>
+              <a:t>40</a:t>
             </a:fld>
             <a:endParaRPr lang="en-US"/>
           </a:p>
@@ -941,7 +1121,7 @@
           <a:p>
             <a:fld id="{3E7B21C4-CE7A-4258-91FF-8CBB981279E1}" type="slidenum">
               <a:rPr lang="en-US" smtClean="0"/>
-              <a:t>35</a:t>
+              <a:t>41</a:t>
             </a:fld>
             <a:endParaRPr lang="en-US"/>
           </a:p>
@@ -1025,7 +1205,7 @@
           <a:p>
             <a:fld id="{3E7B21C4-CE7A-4258-91FF-8CBB981279E1}" type="slidenum">
               <a:rPr lang="en-US" smtClean="0"/>
-              <a:t>36</a:t>
+              <a:t>42</a:t>
             </a:fld>
             <a:endParaRPr lang="en-US"/>
           </a:p>
@@ -1109,7 +1289,7 @@
           <a:p>
             <a:fld id="{3E7B21C4-CE7A-4258-91FF-8CBB981279E1}" type="slidenum">
               <a:rPr lang="en-US" smtClean="0"/>
-              <a:t>37</a:t>
+              <a:t>44</a:t>
             </a:fld>
             <a:endParaRPr lang="en-US"/>
           </a:p>
@@ -1193,7 +1373,91 @@
           <a:p>
             <a:fld id="{3E7B21C4-CE7A-4258-91FF-8CBB981279E1}" type="slidenum">
               <a:rPr lang="en-US" smtClean="0"/>
-              <a:t>38</a:t>
+              <a:t>45</a:t>
+            </a:fld>
+            <a:endParaRPr lang="en-US"/>
+          </a:p>
+        </p:txBody>
+      </p:sp>
+    </p:spTree>
+    <p:extLst>
+      <p:ext uri="{BB962C8B-B14F-4D97-AF65-F5344CB8AC3E}">
+        <p14:creationId xmlns:p14="http://schemas.microsoft.com/office/powerpoint/2010/main" val="1366633571"/>
+      </p:ext>
+    </p:extLst>
+  </p:cSld>
+  <p:clrMapOvr>
+    <a:masterClrMapping/>
+  </p:clrMapOvr>
+</p:notes>
+</file>
+
+<file path=ppt/notesSlides/notesSlide9.xml><?xml version="1.0" encoding="utf-8"?>
+<p:notes xmlns:a="http://schemas.openxmlformats.org/drawingml/2006/main" xmlns:r="http://schemas.openxmlformats.org/officeDocument/2006/relationships" xmlns:p="http://schemas.openxmlformats.org/presentationml/2006/main">
+  <p:cSld>
+    <p:spTree>
+      <p:nvGrpSpPr>
+        <p:cNvPr id="1" name=""/>
+        <p:cNvGrpSpPr/>
+        <p:nvPr/>
+      </p:nvGrpSpPr>
+      <p:grpSpPr>
+        <a:xfrm>
+          <a:off x="0" y="0"/>
+          <a:ext cx="0" cy="0"/>
+          <a:chOff x="0" y="0"/>
+          <a:chExt cx="0" cy="0"/>
+        </a:xfrm>
+      </p:grpSpPr>
+      <p:sp>
+        <p:nvSpPr>
+          <p:cNvPr id="2" name="Slide Image Placeholder 1"/>
+          <p:cNvSpPr>
+            <a:spLocks noGrp="1" noRot="1" noChangeAspect="1"/>
+          </p:cNvSpPr>
+          <p:nvPr>
+            <p:ph type="sldImg"/>
+          </p:nvPr>
+        </p:nvSpPr>
+        <p:spPr/>
+      </p:sp>
+      <p:sp>
+        <p:nvSpPr>
+          <p:cNvPr id="3" name="Notes Placeholder 2"/>
+          <p:cNvSpPr>
+            <a:spLocks noGrp="1"/>
+          </p:cNvSpPr>
+          <p:nvPr>
+            <p:ph type="body" idx="1"/>
+          </p:nvPr>
+        </p:nvSpPr>
+        <p:spPr/>
+        <p:txBody>
+          <a:bodyPr/>
+          <a:lstStyle/>
+          <a:p>
+            <a:endParaRPr lang="en-US" dirty="0"/>
+          </a:p>
+        </p:txBody>
+      </p:sp>
+      <p:sp>
+        <p:nvSpPr>
+          <p:cNvPr id="4" name="Slide Number Placeholder 3"/>
+          <p:cNvSpPr>
+            <a:spLocks noGrp="1"/>
+          </p:cNvSpPr>
+          <p:nvPr>
+            <p:ph type="sldNum" sz="quarter" idx="5"/>
+          </p:nvPr>
+        </p:nvSpPr>
+        <p:spPr/>
+        <p:txBody>
+          <a:bodyPr/>
+          <a:lstStyle/>
+          <a:p>
+            <a:fld id="{3E7B21C4-CE7A-4258-91FF-8CBB981279E1}" type="slidenum">
+              <a:rPr lang="en-US" smtClean="0"/>
+              <a:t>47</a:t>
             </a:fld>
             <a:endParaRPr lang="en-US"/>
           </a:p>
@@ -1391,7 +1655,7 @@
           <a:p>
             <a:fld id="{547641E8-73DF-4AD2-848E-3103064331B1}" type="datetimeFigureOut">
               <a:rPr lang="en-US" smtClean="0"/>
-              <a:t>12/7/2021</a:t>
+              <a:t>12/14/2021</a:t>
             </a:fld>
             <a:endParaRPr lang="en-US"/>
           </a:p>
@@ -1559,7 +1823,7 @@
           <a:p>
             <a:fld id="{547641E8-73DF-4AD2-848E-3103064331B1}" type="datetimeFigureOut">
               <a:rPr lang="en-US" smtClean="0"/>
-              <a:t>12/7/2021</a:t>
+              <a:t>12/14/2021</a:t>
             </a:fld>
             <a:endParaRPr lang="en-US"/>
           </a:p>
@@ -1737,7 +2001,7 @@
           <a:p>
             <a:fld id="{547641E8-73DF-4AD2-848E-3103064331B1}" type="datetimeFigureOut">
               <a:rPr lang="en-US" smtClean="0"/>
-              <a:t>12/7/2021</a:t>
+              <a:t>12/14/2021</a:t>
             </a:fld>
             <a:endParaRPr lang="en-US"/>
           </a:p>
@@ -1984,7 +2248,7 @@
                 </a:solidFill>
               </a:rPr>
               <a:pPr/>
-              <a:t>12/7/2021</a:t>
+              <a:t>12/14/2021</a:t>
             </a:fld>
             <a:endParaRPr lang="en-US">
               <a:solidFill>
@@ -2184,7 +2448,7 @@
                 </a:solidFill>
               </a:rPr>
               <a:pPr/>
-              <a:t>12/7/2021</a:t>
+              <a:t>12/14/2021</a:t>
             </a:fld>
             <a:endParaRPr lang="en-US">
               <a:solidFill>
@@ -2461,7 +2725,7 @@
                 </a:solidFill>
               </a:rPr>
               <a:pPr/>
-              <a:t>12/7/2021</a:t>
+              <a:t>12/14/2021</a:t>
             </a:fld>
             <a:endParaRPr lang="en-US">
               <a:solidFill>
@@ -2778,7 +3042,7 @@
                 </a:solidFill>
               </a:rPr>
               <a:pPr/>
-              <a:t>12/7/2021</a:t>
+              <a:t>12/14/2021</a:t>
             </a:fld>
             <a:endParaRPr lang="en-US">
               <a:solidFill>
@@ -3229,7 +3493,7 @@
                 </a:solidFill>
               </a:rPr>
               <a:pPr/>
-              <a:t>12/7/2021</a:t>
+              <a:t>12/14/2021</a:t>
             </a:fld>
             <a:endParaRPr lang="en-US">
               <a:solidFill>
@@ -3378,7 +3642,7 @@
                 </a:solidFill>
               </a:rPr>
               <a:pPr/>
-              <a:t>12/7/2021</a:t>
+              <a:t>12/14/2021</a:t>
             </a:fld>
             <a:endParaRPr lang="en-US">
               <a:solidFill>
@@ -3505,7 +3769,7 @@
                 </a:solidFill>
               </a:rPr>
               <a:pPr/>
-              <a:t>12/7/2021</a:t>
+              <a:t>12/14/2021</a:t>
             </a:fld>
             <a:endParaRPr lang="en-US">
               <a:solidFill>
@@ -3812,7 +4076,7 @@
                 </a:solidFill>
               </a:rPr>
               <a:pPr/>
-              <a:t>12/7/2021</a:t>
+              <a:t>12/14/2021</a:t>
             </a:fld>
             <a:endParaRPr lang="en-US">
               <a:solidFill>
@@ -4005,7 +4269,7 @@
           <a:p>
             <a:fld id="{547641E8-73DF-4AD2-848E-3103064331B1}" type="datetimeFigureOut">
               <a:rPr lang="en-US" smtClean="0"/>
-              <a:t>12/7/2021</a:t>
+              <a:t>12/14/2021</a:t>
             </a:fld>
             <a:endParaRPr lang="en-US"/>
           </a:p>
@@ -4264,7 +4528,7 @@
                 </a:solidFill>
               </a:rPr>
               <a:pPr/>
-              <a:t>12/7/2021</a:t>
+              <a:t>12/14/2021</a:t>
             </a:fld>
             <a:endParaRPr lang="en-US">
               <a:solidFill>
@@ -4464,7 +4728,7 @@
                 </a:solidFill>
               </a:rPr>
               <a:pPr/>
-              <a:t>12/7/2021</a:t>
+              <a:t>12/14/2021</a:t>
             </a:fld>
             <a:endParaRPr lang="en-US">
               <a:solidFill>
@@ -4674,7 +4938,7 @@
                 </a:solidFill>
               </a:rPr>
               <a:pPr/>
-              <a:t>12/7/2021</a:t>
+              <a:t>12/14/2021</a:t>
             </a:fld>
             <a:endParaRPr lang="en-US">
               <a:solidFill>
@@ -4944,7 +5208,7 @@
           <a:p>
             <a:fld id="{547641E8-73DF-4AD2-848E-3103064331B1}" type="datetimeFigureOut">
               <a:rPr lang="en-US" smtClean="0"/>
-              <a:t>12/7/2021</a:t>
+              <a:t>12/14/2021</a:t>
             </a:fld>
             <a:endParaRPr lang="en-US"/>
           </a:p>
@@ -5229,7 +5493,7 @@
           <a:p>
             <a:fld id="{547641E8-73DF-4AD2-848E-3103064331B1}" type="datetimeFigureOut">
               <a:rPr lang="en-US" smtClean="0"/>
-              <a:t>12/7/2021</a:t>
+              <a:t>12/14/2021</a:t>
             </a:fld>
             <a:endParaRPr lang="en-US"/>
           </a:p>
@@ -5648,7 +5912,7 @@
           <a:p>
             <a:fld id="{547641E8-73DF-4AD2-848E-3103064331B1}" type="datetimeFigureOut">
               <a:rPr lang="en-US" smtClean="0"/>
-              <a:t>12/7/2021</a:t>
+              <a:t>12/14/2021</a:t>
             </a:fld>
             <a:endParaRPr lang="en-US"/>
           </a:p>
@@ -5765,7 +6029,7 @@
           <a:p>
             <a:fld id="{547641E8-73DF-4AD2-848E-3103064331B1}" type="datetimeFigureOut">
               <a:rPr lang="en-US" smtClean="0"/>
-              <a:t>12/7/2021</a:t>
+              <a:t>12/14/2021</a:t>
             </a:fld>
             <a:endParaRPr lang="en-US"/>
           </a:p>
@@ -5860,7 +6124,7 @@
           <a:p>
             <a:fld id="{547641E8-73DF-4AD2-848E-3103064331B1}" type="datetimeFigureOut">
               <a:rPr lang="en-US" smtClean="0"/>
-              <a:t>12/7/2021</a:t>
+              <a:t>12/14/2021</a:t>
             </a:fld>
             <a:endParaRPr lang="en-US"/>
           </a:p>
@@ -6135,7 +6399,7 @@
           <a:p>
             <a:fld id="{547641E8-73DF-4AD2-848E-3103064331B1}" type="datetimeFigureOut">
               <a:rPr lang="en-US" smtClean="0"/>
-              <a:t>12/7/2021</a:t>
+              <a:t>12/14/2021</a:t>
             </a:fld>
             <a:endParaRPr lang="en-US"/>
           </a:p>
@@ -6387,7 +6651,7 @@
           <a:p>
             <a:fld id="{547641E8-73DF-4AD2-848E-3103064331B1}" type="datetimeFigureOut">
               <a:rPr lang="en-US" smtClean="0"/>
-              <a:t>12/7/2021</a:t>
+              <a:t>12/14/2021</a:t>
             </a:fld>
             <a:endParaRPr lang="en-US"/>
           </a:p>
@@ -6601,7 +6865,7 @@
           <a:p>
             <a:fld id="{547641E8-73DF-4AD2-848E-3103064331B1}" type="datetimeFigureOut">
               <a:rPr lang="en-US" smtClean="0"/>
-              <a:t>12/7/2021</a:t>
+              <a:t>12/14/2021</a:t>
             </a:fld>
             <a:endParaRPr lang="en-US"/>
           </a:p>
@@ -7116,7 +7380,7 @@
                 </a:solidFill>
               </a:rPr>
               <a:pPr/>
-              <a:t>12/7/2021</a:t>
+              <a:t>12/14/2021</a:t>
             </a:fld>
             <a:endParaRPr lang="en-US">
               <a:solidFill>
@@ -7888,7 +8152,7 @@
             <a:pPr lvl="1"/>
             <a:r>
               <a:rPr lang="en-US" dirty="0"/>
-              <a:t>The incorporated data used to increase the effectiveness of the model’s predictions</a:t>
+              <a:t>The incorporated data used to increase the effectiveness of the model’s predictions.</a:t>
             </a:r>
           </a:p>
           <a:p>
@@ -8433,6 +8697,13 @@
             <a:pPr lvl="1"/>
             <a:r>
               <a:rPr lang="en-US" dirty="0"/>
+              <a:t>A.k.a. target</a:t>
+            </a:r>
+          </a:p>
+          <a:p>
+            <a:pPr lvl="1"/>
+            <a:r>
+              <a:rPr lang="en-US" dirty="0"/>
               <a:t>Examples:</a:t>
             </a:r>
           </a:p>
@@ -8795,7 +9066,7 @@
         <p:spPr/>
         <p:txBody>
           <a:bodyPr>
-            <a:normAutofit fontScale="92500" lnSpcReduction="10000"/>
+            <a:normAutofit/>
           </a:bodyPr>
           <a:lstStyle/>
           <a:p>
@@ -8808,7 +9079,7 @@
             <a:pPr lvl="1"/>
             <a:r>
               <a:rPr lang="en-US" dirty="0"/>
-              <a:t>Training a model so much to training data that it does not model test data/other data as accurately.</a:t>
+              <a:t>Training a model so closely to training data that it does not model test data/other data as accurately.</a:t>
             </a:r>
           </a:p>
           <a:p>
@@ -8819,36 +9090,11 @@
             </a:r>
           </a:p>
           <a:p>
-            <a:pPr lvl="1"/>
-            <a:r>
-              <a:rPr lang="en-US" dirty="0"/>
-              <a:t>Possible Causes:</a:t>
-            </a:r>
-          </a:p>
-          <a:p>
             <a:pPr lvl="2"/>
             <a:r>
               <a:rPr lang="en-US" dirty="0"/>
-              <a:t>Test data that is not sufficiently representative of the entire data spectrum.</a:t>
-            </a:r>
-          </a:p>
-          <a:p>
-            <a:pPr lvl="2"/>
-            <a:r>
-              <a:rPr lang="en-US" dirty="0"/>
-              <a:t>Tuning parameters adjusted too tightly to test data</a:t>
-            </a:r>
-          </a:p>
-          <a:p>
-            <a:pPr lvl="2"/>
-            <a:r>
-              <a:rPr lang="en-US" dirty="0"/>
-              <a:t>Extrapolating when only interpolating is relevant</a:t>
-            </a:r>
-          </a:p>
-          <a:p>
-            <a:pPr lvl="2"/>
-            <a:endParaRPr lang="en-US" dirty="0"/>
+              <a:t>The model will not be able to extrapolate or interpolate well.</a:t>
+            </a:r>
           </a:p>
           <a:p>
             <a:endParaRPr lang="en-US" dirty="0"/>
@@ -8869,6 +9115,141 @@
 </file>
 
 <file path=ppt/slides/slide18.xml><?xml version="1.0" encoding="utf-8"?>
+<p:sld xmlns:a="http://schemas.openxmlformats.org/drawingml/2006/main" xmlns:r="http://schemas.openxmlformats.org/officeDocument/2006/relationships" xmlns:p="http://schemas.openxmlformats.org/presentationml/2006/main">
+  <p:cSld>
+    <p:bg>
+      <p:bgPr>
+        <a:blipFill dpi="0" rotWithShape="1">
+          <a:blip r:embed="rId3">
+            <a:extLst>
+              <a:ext uri="{BEBA8EAE-BF5A-486C-A8C5-ECC9F3942E4B}">
+                <a14:imgProps xmlns:a14="http://schemas.microsoft.com/office/drawing/2010/main">
+                  <a14:imgLayer r:embed="rId4">
+                    <a14:imgEffect>
+                      <a14:brightnessContrast bright="-50000"/>
+                    </a14:imgEffect>
+                  </a14:imgLayer>
+                </a14:imgProps>
+              </a:ext>
+            </a:extLst>
+          </a:blip>
+          <a:srcRect/>
+          <a:stretch>
+            <a:fillRect l="-10000" r="-10000"/>
+          </a:stretch>
+        </a:blipFill>
+        <a:effectLst/>
+      </p:bgPr>
+    </p:bg>
+    <p:spTree>
+      <p:nvGrpSpPr>
+        <p:cNvPr id="1" name=""/>
+        <p:cNvGrpSpPr/>
+        <p:nvPr/>
+      </p:nvGrpSpPr>
+      <p:grpSpPr>
+        <a:xfrm>
+          <a:off x="0" y="0"/>
+          <a:ext cx="0" cy="0"/>
+          <a:chOff x="0" y="0"/>
+          <a:chExt cx="0" cy="0"/>
+        </a:xfrm>
+      </p:grpSpPr>
+      <p:sp>
+        <p:nvSpPr>
+          <p:cNvPr id="2" name="Title 1"/>
+          <p:cNvSpPr>
+            <a:spLocks noGrp="1"/>
+          </p:cNvSpPr>
+          <p:nvPr>
+            <p:ph type="title"/>
+          </p:nvPr>
+        </p:nvSpPr>
+        <p:spPr/>
+        <p:txBody>
+          <a:bodyPr/>
+          <a:lstStyle/>
+          <a:p>
+            <a:r>
+              <a:rPr lang="en-US" dirty="0"/>
+              <a:t>Concepts and Definitions</a:t>
+            </a:r>
+          </a:p>
+        </p:txBody>
+      </p:sp>
+      <p:sp>
+        <p:nvSpPr>
+          <p:cNvPr id="3" name="Content Placeholder 2"/>
+          <p:cNvSpPr>
+            <a:spLocks noGrp="1"/>
+          </p:cNvSpPr>
+          <p:nvPr>
+            <p:ph idx="1"/>
+          </p:nvPr>
+        </p:nvSpPr>
+        <p:spPr/>
+        <p:txBody>
+          <a:bodyPr>
+            <a:normAutofit/>
+          </a:bodyPr>
+          <a:lstStyle/>
+          <a:p>
+            <a:r>
+              <a:rPr lang="en-US" dirty="0"/>
+              <a:t>Overfitting</a:t>
+            </a:r>
+          </a:p>
+          <a:p>
+            <a:pPr lvl="1"/>
+            <a:r>
+              <a:rPr lang="en-US" dirty="0"/>
+              <a:t>Possible Causes:</a:t>
+            </a:r>
+          </a:p>
+          <a:p>
+            <a:pPr lvl="2"/>
+            <a:r>
+              <a:rPr lang="en-US" dirty="0"/>
+              <a:t>Test data that is not sufficiently representative of the entire data spectrum.</a:t>
+            </a:r>
+          </a:p>
+          <a:p>
+            <a:pPr lvl="2"/>
+            <a:r>
+              <a:rPr lang="en-US" dirty="0"/>
+              <a:t>Tuning parameters adjusted too tightly to test data</a:t>
+            </a:r>
+          </a:p>
+          <a:p>
+            <a:pPr lvl="2"/>
+            <a:r>
+              <a:rPr lang="en-US" dirty="0"/>
+              <a:t>Extrapolating when only interpolating is relevant</a:t>
+            </a:r>
+          </a:p>
+          <a:p>
+            <a:pPr lvl="2"/>
+            <a:endParaRPr lang="en-US" dirty="0"/>
+          </a:p>
+          <a:p>
+            <a:endParaRPr lang="en-US" dirty="0"/>
+          </a:p>
+        </p:txBody>
+      </p:sp>
+    </p:spTree>
+    <p:extLst>
+      <p:ext uri="{BB962C8B-B14F-4D97-AF65-F5344CB8AC3E}">
+        <p14:creationId xmlns:p14="http://schemas.microsoft.com/office/powerpoint/2010/main" val="2759128594"/>
+      </p:ext>
+    </p:extLst>
+  </p:cSld>
+  <p:clrMapOvr>
+    <a:overrideClrMapping bg1="lt1" tx1="dk1" bg2="lt2" tx2="dk2" accent1="accent1" accent2="accent2" accent3="accent3" accent4="accent4" accent5="accent5" accent6="accent6" hlink="hlink" folHlink="folHlink"/>
+  </p:clrMapOvr>
+</p:sld>
+</file>
+
+<file path=ppt/slides/slide19.xml><?xml version="1.0" encoding="utf-8"?>
 <p:sld xmlns:a="http://schemas.openxmlformats.org/drawingml/2006/main" xmlns:r="http://schemas.openxmlformats.org/officeDocument/2006/relationships" xmlns:p="http://schemas.openxmlformats.org/presentationml/2006/main">
   <p:cSld>
     <p:bg>
@@ -8955,7 +9336,7 @@
             <a:pPr lvl="1"/>
             <a:r>
               <a:rPr lang="en-US" dirty="0"/>
-              <a:t>Training model not tight enough to test data.</a:t>
+              <a:t>Training model not tight enough to test data and training data.</a:t>
             </a:r>
           </a:p>
           <a:p>
@@ -9007,133 +9388,6 @@
   </p:cSld>
   <p:clrMapOvr>
     <a:masterClrMapping/>
-  </p:clrMapOvr>
-</p:sld>
-</file>
-
-<file path=ppt/slides/slide19.xml><?xml version="1.0" encoding="utf-8"?>
-<p:sld xmlns:a="http://schemas.openxmlformats.org/drawingml/2006/main" xmlns:r="http://schemas.openxmlformats.org/officeDocument/2006/relationships" xmlns:p="http://schemas.openxmlformats.org/presentationml/2006/main">
-  <p:cSld>
-    <p:bg>
-      <p:bgPr>
-        <a:blipFill dpi="0" rotWithShape="1">
-          <a:blip r:embed="rId3">
-            <a:extLst>
-              <a:ext uri="{BEBA8EAE-BF5A-486C-A8C5-ECC9F3942E4B}">
-                <a14:imgProps xmlns:a14="http://schemas.microsoft.com/office/drawing/2010/main">
-                  <a14:imgLayer r:embed="rId4">
-                    <a14:imgEffect>
-                      <a14:brightnessContrast bright="-50000"/>
-                    </a14:imgEffect>
-                  </a14:imgLayer>
-                </a14:imgProps>
-              </a:ext>
-            </a:extLst>
-          </a:blip>
-          <a:srcRect/>
-          <a:stretch>
-            <a:fillRect l="-10000" r="-10000"/>
-          </a:stretch>
-        </a:blipFill>
-        <a:effectLst/>
-      </p:bgPr>
-    </p:bg>
-    <p:spTree>
-      <p:nvGrpSpPr>
-        <p:cNvPr id="1" name=""/>
-        <p:cNvGrpSpPr/>
-        <p:nvPr/>
-      </p:nvGrpSpPr>
-      <p:grpSpPr>
-        <a:xfrm>
-          <a:off x="0" y="0"/>
-          <a:ext cx="0" cy="0"/>
-          <a:chOff x="0" y="0"/>
-          <a:chExt cx="0" cy="0"/>
-        </a:xfrm>
-      </p:grpSpPr>
-      <p:sp>
-        <p:nvSpPr>
-          <p:cNvPr id="2" name="Title 1"/>
-          <p:cNvSpPr>
-            <a:spLocks noGrp="1"/>
-          </p:cNvSpPr>
-          <p:nvPr>
-            <p:ph type="title"/>
-          </p:nvPr>
-        </p:nvSpPr>
-        <p:spPr/>
-        <p:txBody>
-          <a:bodyPr>
-            <a:normAutofit/>
-          </a:bodyPr>
-          <a:lstStyle/>
-          <a:p>
-            <a:r>
-              <a:rPr lang="en-US" dirty="0"/>
-              <a:t>General Model Types</a:t>
-            </a:r>
-          </a:p>
-        </p:txBody>
-      </p:sp>
-      <p:sp>
-        <p:nvSpPr>
-          <p:cNvPr id="3" name="Content Placeholder 2"/>
-          <p:cNvSpPr>
-            <a:spLocks noGrp="1"/>
-          </p:cNvSpPr>
-          <p:nvPr>
-            <p:ph idx="1"/>
-          </p:nvPr>
-        </p:nvSpPr>
-        <p:spPr/>
-        <p:txBody>
-          <a:bodyPr>
-            <a:normAutofit/>
-          </a:bodyPr>
-          <a:lstStyle/>
-          <a:p>
-            <a:r>
-              <a:rPr lang="en-US" dirty="0"/>
-              <a:t>Supervised</a:t>
-            </a:r>
-          </a:p>
-          <a:p>
-            <a:pPr lvl="1"/>
-            <a:r>
-              <a:rPr lang="en-US" dirty="0"/>
-              <a:t>Machine learning model is given a set of data to build experience with.</a:t>
-            </a:r>
-          </a:p>
-          <a:p>
-            <a:pPr lvl="1"/>
-            <a:r>
-              <a:rPr lang="en-US" dirty="0"/>
-              <a:t>Data is given with features, and an algorithm is given to the model on how to best categorize and group the data.</a:t>
-            </a:r>
-          </a:p>
-          <a:p>
-            <a:pPr lvl="1"/>
-            <a:endParaRPr lang="en-US" dirty="0"/>
-          </a:p>
-          <a:p>
-            <a:pPr lvl="2"/>
-            <a:endParaRPr lang="en-US" dirty="0"/>
-          </a:p>
-          <a:p>
-            <a:endParaRPr lang="en-US" dirty="0"/>
-          </a:p>
-        </p:txBody>
-      </p:sp>
-    </p:spTree>
-    <p:extLst>
-      <p:ext uri="{BB962C8B-B14F-4D97-AF65-F5344CB8AC3E}">
-        <p14:creationId xmlns:p14="http://schemas.microsoft.com/office/powerpoint/2010/main" val="3051561418"/>
-      </p:ext>
-    </p:extLst>
-  </p:cSld>
-  <p:clrMapOvr>
-    <a:overrideClrMapping bg1="lt1" tx1="dk1" bg2="lt2" tx2="dk2" accent1="accent1" accent2="accent2" accent3="accent3" accent4="accent4" accent5="accent5" accent6="accent6" hlink="hlink" folHlink="folHlink"/>
   </p:clrMapOvr>
 </p:sld>
 </file>
@@ -9213,7 +9467,9 @@
         </p:nvSpPr>
         <p:spPr/>
         <p:txBody>
-          <a:bodyPr/>
+          <a:bodyPr>
+            <a:normAutofit lnSpcReduction="10000"/>
+          </a:bodyPr>
           <a:lstStyle/>
           <a:p>
             <a:r>
@@ -9253,6 +9509,13 @@
             <a:pPr lvl="1"/>
             <a:r>
               <a:rPr lang="en-US" dirty="0"/>
+              <a:t>Dataset Preparation</a:t>
+            </a:r>
+          </a:p>
+          <a:p>
+            <a:pPr lvl="1"/>
+            <a:r>
+              <a:rPr lang="en-US" dirty="0"/>
               <a:t>Evaluating Accuracy</a:t>
             </a:r>
           </a:p>
@@ -9261,6 +9524,13 @@
             <a:r>
               <a:rPr lang="en-US" dirty="0"/>
               <a:t>Tuning</a:t>
+            </a:r>
+          </a:p>
+          <a:p>
+            <a:pPr lvl="1"/>
+            <a:r>
+              <a:rPr lang="en-US" dirty="0"/>
+              <a:t>Bringing it All Together – Model Selection</a:t>
             </a:r>
           </a:p>
           <a:p>
@@ -9291,11 +9561,11 @@
     <p:bg>
       <p:bgPr>
         <a:blipFill dpi="0" rotWithShape="1">
-          <a:blip r:embed="rId3">
+          <a:blip r:embed="rId2">
             <a:extLst>
               <a:ext uri="{BEBA8EAE-BF5A-486C-A8C5-ECC9F3942E4B}">
                 <a14:imgProps xmlns:a14="http://schemas.microsoft.com/office/drawing/2010/main">
-                  <a14:imgLayer r:embed="rId4">
+                  <a14:imgLayer r:embed="rId3">
                     <a14:imgEffect>
                       <a14:brightnessContrast bright="-50000"/>
                     </a14:imgEffect>
@@ -9338,14 +9608,12 @@
         </p:nvSpPr>
         <p:spPr/>
         <p:txBody>
-          <a:bodyPr>
-            <a:normAutofit/>
-          </a:bodyPr>
-          <a:lstStyle/>
-          <a:p>
-            <a:r>
-              <a:rPr lang="en-US" dirty="0"/>
-              <a:t>General Model Types</a:t>
+          <a:bodyPr/>
+          <a:lstStyle/>
+          <a:p>
+            <a:r>
+              <a:rPr lang="en-US" dirty="0"/>
+              <a:t>Concepts and Definitions</a:t>
             </a:r>
           </a:p>
         </p:txBody>
@@ -9362,32 +9630,29 @@
         </p:nvSpPr>
         <p:spPr/>
         <p:txBody>
-          <a:bodyPr>
-            <a:normAutofit/>
-          </a:bodyPr>
-          <a:lstStyle/>
-          <a:p>
-            <a:r>
-              <a:rPr lang="en-US" dirty="0"/>
-              <a:t>Unsupervised</a:t>
+          <a:bodyPr/>
+          <a:lstStyle/>
+          <a:p>
+            <a:r>
+              <a:rPr lang="en-US" dirty="0"/>
+              <a:t>Decision Boundary</a:t>
             </a:r>
           </a:p>
           <a:p>
             <a:pPr lvl="1"/>
             <a:r>
               <a:rPr lang="en-US" dirty="0"/>
-              <a:t>The model determines the data for itself, and builds the model accordingly.</a:t>
+              <a:t>The boundary between different categories in a classification problem.</a:t>
             </a:r>
           </a:p>
           <a:p>
             <a:pPr lvl="1"/>
             <a:r>
               <a:rPr lang="en-US" dirty="0"/>
-              <a:t>Features and grouping data is done by the algorithm.</a:t>
-            </a:r>
-          </a:p>
-          <a:p>
-            <a:pPr lvl="1"/>
+              <a:t>This is generated by the model.</a:t>
+            </a:r>
+          </a:p>
+          <a:p>
             <a:endParaRPr lang="en-US" dirty="0"/>
           </a:p>
           <a:p>
@@ -9402,12 +9667,12 @@
     </p:spTree>
     <p:extLst>
       <p:ext uri="{BB962C8B-B14F-4D97-AF65-F5344CB8AC3E}">
-        <p14:creationId xmlns:p14="http://schemas.microsoft.com/office/powerpoint/2010/main" val="843243868"/>
+        <p14:creationId xmlns:p14="http://schemas.microsoft.com/office/powerpoint/2010/main" val="2127927657"/>
       </p:ext>
     </p:extLst>
   </p:cSld>
   <p:clrMapOvr>
-    <a:overrideClrMapping bg1="lt1" tx1="dk1" bg2="lt2" tx2="dk2" accent1="accent1" accent2="accent2" accent3="accent3" accent4="accent4" accent5="accent5" accent6="accent6" hlink="hlink" folHlink="folHlink"/>
+    <a:masterClrMapping/>
   </p:clrMapOvr>
 </p:sld>
 </file>
@@ -9496,28 +9761,21 @@
           <a:p>
             <a:r>
               <a:rPr lang="en-US" dirty="0"/>
-              <a:t>Reinforcement</a:t>
+              <a:t>Supervised</a:t>
             </a:r>
           </a:p>
           <a:p>
             <a:pPr lvl="1"/>
             <a:r>
               <a:rPr lang="en-US" dirty="0"/>
-              <a:t>The algorithm “learns” from making mistakes.</a:t>
+              <a:t>Machine learning model is given a set of data to build experience with.</a:t>
             </a:r>
           </a:p>
           <a:p>
             <a:pPr lvl="1"/>
             <a:r>
               <a:rPr lang="en-US" dirty="0"/>
-              <a:t>There must be some sort of way to tell the algorithm when it makes a correction in the right direction, and a way to tell the algorithm a correction was made in the wrong direction.</a:t>
-            </a:r>
-          </a:p>
-          <a:p>
-            <a:pPr lvl="1"/>
-            <a:r>
-              <a:rPr lang="en-US" dirty="0"/>
-              <a:t>Initially, the model built is very inaccurate, but gets better with time.</a:t>
+              <a:t>Data is given with features, and an algorithm is given to the model on how to best categorize and group the data.</a:t>
             </a:r>
           </a:p>
           <a:p>
@@ -9536,7 +9794,7 @@
     </p:spTree>
     <p:extLst>
       <p:ext uri="{BB962C8B-B14F-4D97-AF65-F5344CB8AC3E}">
-        <p14:creationId xmlns:p14="http://schemas.microsoft.com/office/powerpoint/2010/main" val="3389942429"/>
+        <p14:creationId xmlns:p14="http://schemas.microsoft.com/office/powerpoint/2010/main" val="3051561418"/>
       </p:ext>
     </p:extLst>
   </p:cSld>
@@ -9630,7 +9888,21 @@
           <a:p>
             <a:r>
               <a:rPr lang="en-US" dirty="0"/>
-              <a:t>This part of the Python course will focus on supervised learning, as this is all I know.</a:t>
+              <a:t>Unsupervised</a:t>
+            </a:r>
+          </a:p>
+          <a:p>
+            <a:pPr lvl="1"/>
+            <a:r>
+              <a:rPr lang="en-US" dirty="0"/>
+              <a:t>The model determines the data for itself, and builds the model accordingly.</a:t>
+            </a:r>
+          </a:p>
+          <a:p>
+            <a:pPr lvl="1"/>
+            <a:r>
+              <a:rPr lang="en-US" dirty="0"/>
+              <a:t>Features and grouping data is done by the algorithm.</a:t>
             </a:r>
           </a:p>
           <a:p>
@@ -9649,7 +9921,7 @@
     </p:spTree>
     <p:extLst>
       <p:ext uri="{BB962C8B-B14F-4D97-AF65-F5344CB8AC3E}">
-        <p14:creationId xmlns:p14="http://schemas.microsoft.com/office/powerpoint/2010/main" val="2610853396"/>
+        <p14:creationId xmlns:p14="http://schemas.microsoft.com/office/powerpoint/2010/main" val="843243868"/>
       </p:ext>
     </p:extLst>
   </p:cSld>
@@ -9719,7 +9991,7 @@
           <a:p>
             <a:r>
               <a:rPr lang="en-US" dirty="0"/>
-              <a:t>General Workflow</a:t>
+              <a:t>General Model Types</a:t>
             </a:r>
           </a:p>
         </p:txBody>
@@ -9743,22 +10015,33 @@
           <a:p>
             <a:r>
               <a:rPr lang="en-US" dirty="0"/>
-              <a:t>Get Data</a:t>
+              <a:t>Reinforcement</a:t>
             </a:r>
           </a:p>
           <a:p>
             <a:pPr lvl="1"/>
             <a:r>
               <a:rPr lang="en-US" dirty="0"/>
-              <a:t>Get set of data about what we wish to predict.</a:t>
+              <a:t>The algorithm “learns” from making mistakes.</a:t>
             </a:r>
           </a:p>
           <a:p>
             <a:pPr lvl="1"/>
             <a:r>
               <a:rPr lang="en-US" dirty="0"/>
-              <a:t>Include the labels.</a:t>
-            </a:r>
+              <a:t>There must be some sort of way to tell the algorithm when it makes a correction in the right direction, and a way to tell the algorithm a correction was made in the wrong direction.</a:t>
+            </a:r>
+          </a:p>
+          <a:p>
+            <a:pPr lvl="1"/>
+            <a:r>
+              <a:rPr lang="en-US" dirty="0"/>
+              <a:t>Initially, the model built is very inaccurate, but gets better with time.</a:t>
+            </a:r>
+          </a:p>
+          <a:p>
+            <a:pPr lvl="1"/>
+            <a:endParaRPr lang="en-US" dirty="0"/>
           </a:p>
           <a:p>
             <a:pPr lvl="2"/>
@@ -9772,7 +10055,7 @@
     </p:spTree>
     <p:extLst>
       <p:ext uri="{BB962C8B-B14F-4D97-AF65-F5344CB8AC3E}">
-        <p14:creationId xmlns:p14="http://schemas.microsoft.com/office/powerpoint/2010/main" val="504396564"/>
+        <p14:creationId xmlns:p14="http://schemas.microsoft.com/office/powerpoint/2010/main" val="3389942429"/>
       </p:ext>
     </p:extLst>
   </p:cSld>
@@ -9842,7 +10125,7 @@
           <a:p>
             <a:r>
               <a:rPr lang="en-US" dirty="0"/>
-              <a:t>General Workflow</a:t>
+              <a:t>General Model Types</a:t>
             </a:r>
           </a:p>
         </p:txBody>
@@ -9866,28 +10149,7 @@
           <a:p>
             <a:r>
               <a:rPr lang="en-US" dirty="0"/>
-              <a:t>Build Model</a:t>
-            </a:r>
-          </a:p>
-          <a:p>
-            <a:pPr lvl="1"/>
-            <a:r>
-              <a:rPr lang="en-US" dirty="0"/>
-              <a:t>Select an appropriate classifier.</a:t>
-            </a:r>
-          </a:p>
-          <a:p>
-            <a:pPr lvl="1"/>
-            <a:r>
-              <a:rPr lang="en-US" dirty="0"/>
-              <a:t>The model should be trained with a majority of the data we gathered, say with 75% of the data.</a:t>
-            </a:r>
-          </a:p>
-          <a:p>
-            <a:pPr lvl="1"/>
-            <a:r>
-              <a:rPr lang="en-US" dirty="0"/>
-              <a:t>The other 25% can be used to test how good our model can predict.</a:t>
+              <a:t>This part of the Python course will focus on supervised learning, as this is all I know.</a:t>
             </a:r>
           </a:p>
           <a:p>
@@ -9906,7 +10168,7 @@
     </p:spTree>
     <p:extLst>
       <p:ext uri="{BB962C8B-B14F-4D97-AF65-F5344CB8AC3E}">
-        <p14:creationId xmlns:p14="http://schemas.microsoft.com/office/powerpoint/2010/main" val="823098654"/>
+        <p14:creationId xmlns:p14="http://schemas.microsoft.com/office/powerpoint/2010/main" val="2610853396"/>
       </p:ext>
     </p:extLst>
   </p:cSld>
@@ -10000,26 +10262,32 @@
           <a:p>
             <a:r>
               <a:rPr lang="en-US" dirty="0"/>
-              <a:t>Evaluate Accuracy</a:t>
-            </a:r>
-          </a:p>
-          <a:p>
-            <a:pPr lvl="1"/>
-            <a:r>
-              <a:rPr lang="en-US" dirty="0"/>
-              <a:t>The model needs to be evaluated for accuracy to ensure our predictions will have a high degree of correctness.</a:t>
-            </a:r>
-          </a:p>
-          <a:p>
-            <a:pPr lvl="1"/>
-            <a:r>
-              <a:rPr lang="en-US" dirty="0"/>
-              <a:t>This is usually done using the 25% of data that we did not use for training.</a:t>
-            </a:r>
-          </a:p>
-          <a:p>
-            <a:pPr lvl="1"/>
-            <a:endParaRPr lang="en-US" dirty="0"/>
+              <a:t>Get data</a:t>
+            </a:r>
+          </a:p>
+          <a:p>
+            <a:r>
+              <a:rPr lang="en-US" dirty="0"/>
+              <a:t>Build model</a:t>
+            </a:r>
+          </a:p>
+          <a:p>
+            <a:r>
+              <a:rPr lang="en-US" dirty="0"/>
+              <a:t>Evaluate predictive capabilities</a:t>
+            </a:r>
+          </a:p>
+          <a:p>
+            <a:r>
+              <a:rPr lang="en-US" dirty="0"/>
+              <a:t>Rebuild model, if needed</a:t>
+            </a:r>
+          </a:p>
+          <a:p>
+            <a:r>
+              <a:rPr lang="en-US" dirty="0"/>
+              <a:t>Predict real-world outcomes</a:t>
+            </a:r>
           </a:p>
           <a:p>
             <a:pPr lvl="2"/>
@@ -10033,7 +10301,7 @@
     </p:spTree>
     <p:extLst>
       <p:ext uri="{BB962C8B-B14F-4D97-AF65-F5344CB8AC3E}">
-        <p14:creationId xmlns:p14="http://schemas.microsoft.com/office/powerpoint/2010/main" val="3005493130"/>
+        <p14:creationId xmlns:p14="http://schemas.microsoft.com/office/powerpoint/2010/main" val="2240664908"/>
       </p:ext>
     </p:extLst>
   </p:cSld>
@@ -10127,39 +10395,22 @@
           <a:p>
             <a:r>
               <a:rPr lang="en-US" dirty="0"/>
-              <a:t>Evaluate Accuracy</a:t>
+              <a:t>Get Data</a:t>
             </a:r>
           </a:p>
           <a:p>
             <a:pPr lvl="1"/>
             <a:r>
               <a:rPr lang="en-US" dirty="0"/>
-              <a:t>There is no such thing as 100% accuracy unless you have toy data, or a completely defined system that does not need machine learning.</a:t>
+              <a:t>Get set of data about what we wish to predict.</a:t>
             </a:r>
           </a:p>
           <a:p>
             <a:pPr lvl="1"/>
             <a:r>
               <a:rPr lang="en-US" dirty="0"/>
-              <a:t>If we get 100% accuracy, and the above are not true, we have most likely over-fitted our model, possibly by using training data as test data.</a:t>
-            </a:r>
-          </a:p>
-          <a:p>
-            <a:pPr lvl="2"/>
-            <a:r>
-              <a:rPr lang="en-US" dirty="0"/>
-              <a:t>Leads to inaccurate predictions on new data without known labels</a:t>
-            </a:r>
-          </a:p>
-          <a:p>
-            <a:pPr marL="457200" lvl="1" indent="0">
-              <a:buNone/>
-            </a:pPr>
-            <a:endParaRPr lang="en-US" dirty="0"/>
-          </a:p>
-          <a:p>
-            <a:pPr lvl="1"/>
-            <a:endParaRPr lang="en-US" dirty="0"/>
+              <a:t>Include the labels.</a:t>
+            </a:r>
           </a:p>
           <a:p>
             <a:pPr lvl="2"/>
@@ -10173,7 +10424,7 @@
     </p:spTree>
     <p:extLst>
       <p:ext uri="{BB962C8B-B14F-4D97-AF65-F5344CB8AC3E}">
-        <p14:creationId xmlns:p14="http://schemas.microsoft.com/office/powerpoint/2010/main" val="140326188"/>
+        <p14:creationId xmlns:p14="http://schemas.microsoft.com/office/powerpoint/2010/main" val="504396564"/>
       </p:ext>
     </p:extLst>
   </p:cSld>
@@ -10267,14 +10518,28 @@
           <a:p>
             <a:r>
               <a:rPr lang="en-US" dirty="0"/>
-              <a:t>Predict real-world outcomes</a:t>
+              <a:t>Build Model</a:t>
             </a:r>
           </a:p>
           <a:p>
             <a:pPr lvl="1"/>
             <a:r>
               <a:rPr lang="en-US" dirty="0"/>
-              <a:t>Once the model is as accurate as we want, the model can be used to predict real-world outcomes that are unknown.</a:t>
+              <a:t>Select an appropriate classifier.</a:t>
+            </a:r>
+          </a:p>
+          <a:p>
+            <a:pPr lvl="1"/>
+            <a:r>
+              <a:rPr lang="en-US" dirty="0"/>
+              <a:t>The model should be trained with a majority of the data we gathered, say with 75% of the data.</a:t>
+            </a:r>
+          </a:p>
+          <a:p>
+            <a:pPr lvl="1"/>
+            <a:r>
+              <a:rPr lang="en-US" dirty="0"/>
+              <a:t>The other 25% can be used to test how good our model can predict.</a:t>
             </a:r>
           </a:p>
           <a:p>
@@ -10293,7 +10558,7 @@
     </p:spTree>
     <p:extLst>
       <p:ext uri="{BB962C8B-B14F-4D97-AF65-F5344CB8AC3E}">
-        <p14:creationId xmlns:p14="http://schemas.microsoft.com/office/powerpoint/2010/main" val="293541596"/>
+        <p14:creationId xmlns:p14="http://schemas.microsoft.com/office/powerpoint/2010/main" val="823098654"/>
       </p:ext>
     </p:extLst>
   </p:cSld>
@@ -10356,28 +10621,6 @@
         </p:nvSpPr>
         <p:spPr/>
         <p:txBody>
-          <a:bodyPr/>
-          <a:lstStyle/>
-          <a:p>
-            <a:r>
-              <a:rPr lang="en-US" dirty="0"/>
-              <a:t>Linear Models</a:t>
-            </a:r>
-          </a:p>
-        </p:txBody>
-      </p:sp>
-      <p:sp>
-        <p:nvSpPr>
-          <p:cNvPr id="3" name="Content Placeholder 2"/>
-          <p:cNvSpPr>
-            <a:spLocks noGrp="1"/>
-          </p:cNvSpPr>
-          <p:nvPr>
-            <p:ph idx="1"/>
-          </p:nvPr>
-        </p:nvSpPr>
-        <p:spPr/>
-        <p:txBody>
           <a:bodyPr>
             <a:normAutofit/>
           </a:bodyPr>
@@ -10385,50 +10628,50 @@
           <a:p>
             <a:r>
               <a:rPr lang="en-US" dirty="0"/>
-              <a:t>List of some types we will Cover</a:t>
+              <a:t>General Workflow</a:t>
+            </a:r>
+          </a:p>
+        </p:txBody>
+      </p:sp>
+      <p:sp>
+        <p:nvSpPr>
+          <p:cNvPr id="3" name="Content Placeholder 2"/>
+          <p:cNvSpPr>
+            <a:spLocks noGrp="1"/>
+          </p:cNvSpPr>
+          <p:nvPr>
+            <p:ph idx="1"/>
+          </p:nvPr>
+        </p:nvSpPr>
+        <p:spPr/>
+        <p:txBody>
+          <a:bodyPr>
+            <a:normAutofit/>
+          </a:bodyPr>
+          <a:lstStyle/>
+          <a:p>
+            <a:r>
+              <a:rPr lang="en-US" dirty="0"/>
+              <a:t>Evaluate Predictive Capabilities</a:t>
             </a:r>
           </a:p>
           <a:p>
             <a:pPr lvl="1"/>
             <a:r>
               <a:rPr lang="en-US" dirty="0"/>
-              <a:t>Linear Classifiers</a:t>
-            </a:r>
-          </a:p>
-          <a:p>
-            <a:pPr lvl="2"/>
-            <a:r>
-              <a:rPr lang="en-US" dirty="0"/>
-              <a:t>K-Nearest Neighbors</a:t>
-            </a:r>
-          </a:p>
-          <a:p>
-            <a:pPr lvl="2"/>
-            <a:r>
-              <a:rPr lang="en-US" dirty="0"/>
-              <a:t>Decision Tree</a:t>
-            </a:r>
-          </a:p>
-          <a:p>
-            <a:pPr lvl="2"/>
-            <a:r>
-              <a:rPr lang="en-US" dirty="0"/>
-              <a:t>Logistic Regression</a:t>
-            </a:r>
-          </a:p>
-          <a:p>
-            <a:pPr lvl="3"/>
-            <a:r>
-              <a:rPr lang="en-US" dirty="0"/>
-              <a:t>Misleading name</a:t>
-            </a:r>
-          </a:p>
-          <a:p>
-            <a:pPr lvl="2"/>
-            <a:r>
-              <a:rPr lang="en-US" dirty="0"/>
-              <a:t>Support Vector Classifier</a:t>
-            </a:r>
+              <a:t>The model needs to be evaluated for acceptable predictive capabilities to ensure our predictions will have a high degree of correctness.</a:t>
+            </a:r>
+          </a:p>
+          <a:p>
+            <a:pPr lvl="1"/>
+            <a:r>
+              <a:rPr lang="en-US" dirty="0"/>
+              <a:t>This is usually done using a sequestered set of data we use for testing.</a:t>
+            </a:r>
+          </a:p>
+          <a:p>
+            <a:pPr lvl="1"/>
+            <a:endParaRPr lang="en-US" dirty="0"/>
           </a:p>
           <a:p>
             <a:pPr lvl="2"/>
@@ -10442,7 +10685,7 @@
     </p:spTree>
     <p:extLst>
       <p:ext uri="{BB962C8B-B14F-4D97-AF65-F5344CB8AC3E}">
-        <p14:creationId xmlns:p14="http://schemas.microsoft.com/office/powerpoint/2010/main" val="3895443771"/>
+        <p14:creationId xmlns:p14="http://schemas.microsoft.com/office/powerpoint/2010/main" val="3005493130"/>
       </p:ext>
     </p:extLst>
   </p:cSld>
@@ -10505,28 +10748,6 @@
         </p:nvSpPr>
         <p:spPr/>
         <p:txBody>
-          <a:bodyPr/>
-          <a:lstStyle/>
-          <a:p>
-            <a:r>
-              <a:rPr lang="en-US" dirty="0"/>
-              <a:t>Linear Models</a:t>
-            </a:r>
-          </a:p>
-        </p:txBody>
-      </p:sp>
-      <p:sp>
-        <p:nvSpPr>
-          <p:cNvPr id="3" name="Content Placeholder 2"/>
-          <p:cNvSpPr>
-            <a:spLocks noGrp="1"/>
-          </p:cNvSpPr>
-          <p:nvPr>
-            <p:ph idx="1"/>
-          </p:nvPr>
-        </p:nvSpPr>
-        <p:spPr/>
-        <p:txBody>
           <a:bodyPr>
             <a:normAutofit/>
           </a:bodyPr>
@@ -10534,64 +10755,63 @@
           <a:p>
             <a:r>
               <a:rPr lang="en-US" dirty="0"/>
-              <a:t>List of some types we will Cover</a:t>
+              <a:t>General Workflow</a:t>
+            </a:r>
+          </a:p>
+        </p:txBody>
+      </p:sp>
+      <p:sp>
+        <p:nvSpPr>
+          <p:cNvPr id="3" name="Content Placeholder 2"/>
+          <p:cNvSpPr>
+            <a:spLocks noGrp="1"/>
+          </p:cNvSpPr>
+          <p:nvPr>
+            <p:ph idx="1"/>
+          </p:nvPr>
+        </p:nvSpPr>
+        <p:spPr/>
+        <p:txBody>
+          <a:bodyPr>
+            <a:normAutofit/>
+          </a:bodyPr>
+          <a:lstStyle/>
+          <a:p>
+            <a:r>
+              <a:rPr lang="en-US" dirty="0"/>
+              <a:t>Evaluate Predictive Capabilities</a:t>
             </a:r>
           </a:p>
           <a:p>
             <a:pPr lvl="1"/>
             <a:r>
               <a:rPr lang="en-US" dirty="0"/>
-              <a:t>Linear Regressors</a:t>
+              <a:t>There is no such thing as 100% accuracy unless you have toy data, or a completely defined system that does not need machine learning.</a:t>
+            </a:r>
+          </a:p>
+          <a:p>
+            <a:pPr lvl="1"/>
+            <a:r>
+              <a:rPr lang="en-US" dirty="0"/>
+              <a:t>If we get 100% accuracy, and the above are not true, we have most likely over-fitted our model, possibly by using training data as test data.</a:t>
             </a:r>
           </a:p>
           <a:p>
             <a:pPr lvl="2"/>
             <a:r>
               <a:rPr lang="en-US" dirty="0"/>
-              <a:t>K-Nearest Neighbors</a:t>
-            </a:r>
-          </a:p>
-          <a:p>
-            <a:pPr lvl="2"/>
-            <a:r>
-              <a:rPr lang="en-US" dirty="0"/>
-              <a:t>Linear Regression</a:t>
-            </a:r>
-          </a:p>
-          <a:p>
-            <a:pPr lvl="2"/>
-            <a:r>
-              <a:rPr lang="en-US" dirty="0"/>
-              <a:t>Ridge Regression</a:t>
-            </a:r>
-          </a:p>
-          <a:p>
-            <a:pPr lvl="2"/>
-            <a:r>
-              <a:rPr lang="en-US" dirty="0"/>
-              <a:t>LASSO Regression</a:t>
-            </a:r>
-          </a:p>
-          <a:p>
-            <a:pPr lvl="2"/>
-            <a:r>
-              <a:rPr lang="en-US" dirty="0"/>
-              <a:t>Decision Tree</a:t>
-            </a:r>
-          </a:p>
-          <a:p>
-            <a:pPr lvl="2"/>
-            <a:r>
-              <a:rPr lang="en-US" dirty="0"/>
-              <a:t>Forest</a:t>
-            </a:r>
-          </a:p>
-          <a:p>
-            <a:pPr lvl="2"/>
-            <a:r>
-              <a:rPr lang="en-US" dirty="0"/>
-              <a:t>Gradient-Boosted Forest</a:t>
-            </a:r>
+              <a:t>Leads to inaccurate predictions on new data without known labels</a:t>
+            </a:r>
+          </a:p>
+          <a:p>
+            <a:pPr marL="457200" lvl="1" indent="0">
+              <a:buNone/>
+            </a:pPr>
+            <a:endParaRPr lang="en-US" dirty="0"/>
+          </a:p>
+          <a:p>
+            <a:pPr lvl="1"/>
+            <a:endParaRPr lang="en-US" dirty="0"/>
           </a:p>
           <a:p>
             <a:pPr lvl="2"/>
@@ -10605,7 +10825,7 @@
     </p:spTree>
     <p:extLst>
       <p:ext uri="{BB962C8B-B14F-4D97-AF65-F5344CB8AC3E}">
-        <p14:creationId xmlns:p14="http://schemas.microsoft.com/office/powerpoint/2010/main" val="3191540691"/>
+        <p14:creationId xmlns:p14="http://schemas.microsoft.com/office/powerpoint/2010/main" val="140326188"/>
       </p:ext>
     </p:extLst>
   </p:cSld>
@@ -10733,11 +10953,11 @@
     <p:bg>
       <p:bgPr>
         <a:blipFill dpi="0" rotWithShape="1">
-          <a:blip r:embed="rId4">
+          <a:blip r:embed="rId3">
             <a:extLst>
               <a:ext uri="{BEBA8EAE-BF5A-486C-A8C5-ECC9F3942E4B}">
                 <a14:imgProps xmlns:a14="http://schemas.microsoft.com/office/drawing/2010/main">
-                  <a14:imgLayer r:embed="rId5">
+                  <a14:imgLayer r:embed="rId4">
                     <a14:imgEffect>
                       <a14:brightnessContrast bright="-50000"/>
                     </a14:imgEffect>
@@ -10780,12 +11000,14 @@
         </p:nvSpPr>
         <p:spPr/>
         <p:txBody>
-          <a:bodyPr/>
-          <a:lstStyle/>
-          <a:p>
-            <a:r>
-              <a:rPr lang="en-US" dirty="0"/>
-              <a:t>Linear Models - Classifiers</a:t>
+          <a:bodyPr>
+            <a:normAutofit/>
+          </a:bodyPr>
+          <a:lstStyle/>
+          <a:p>
+            <a:r>
+              <a:rPr lang="en-US" dirty="0"/>
+              <a:t>General Workflow</a:t>
             </a:r>
           </a:p>
         </p:txBody>
@@ -10802,54 +11024,21 @@
         </p:nvSpPr>
         <p:spPr/>
         <p:txBody>
-          <a:bodyPr/>
-          <a:lstStyle/>
-          <a:p>
-            <a:r>
-              <a:rPr lang="en-US" dirty="0"/>
-              <a:t>Classifiers</a:t>
+          <a:bodyPr>
+            <a:normAutofit/>
+          </a:bodyPr>
+          <a:lstStyle/>
+          <a:p>
+            <a:r>
+              <a:rPr lang="en-US" dirty="0"/>
+              <a:t>Evaluate Predictive Capabilities</a:t>
             </a:r>
           </a:p>
           <a:p>
             <a:pPr lvl="1"/>
             <a:r>
               <a:rPr lang="en-US" dirty="0"/>
-              <a:t>Tries to predict a specific thing.</a:t>
-            </a:r>
-          </a:p>
-          <a:p>
-            <a:pPr lvl="1"/>
-            <a:r>
-              <a:rPr lang="en-US" dirty="0"/>
-              <a:t>Is either right or wrong for each prediction.</a:t>
-            </a:r>
-          </a:p>
-          <a:p>
-            <a:pPr lvl="1"/>
-            <a:r>
-              <a:rPr lang="en-US" dirty="0"/>
-              <a:t>Examples</a:t>
-            </a:r>
-          </a:p>
-          <a:p>
-            <a:pPr lvl="2"/>
-            <a:r>
-              <a:rPr lang="en-US" dirty="0"/>
-              <a:t>Predicting a type of fruit.</a:t>
-            </a:r>
-          </a:p>
-          <a:p>
-            <a:pPr lvl="2"/>
-            <a:r>
-              <a:rPr lang="en-US" dirty="0"/>
-              <a:t>Predicting a type of animal.</a:t>
-            </a:r>
-          </a:p>
-          <a:p>
-            <a:pPr lvl="2"/>
-            <a:r>
-              <a:rPr lang="en-US" dirty="0"/>
-              <a:t>Predicting a breed of dog.</a:t>
+              <a:t>Accuracy is not the only way to measure the predictive capabilities of a model.</a:t>
             </a:r>
           </a:p>
           <a:p>
@@ -10868,7 +11057,7 @@
     </p:spTree>
     <p:extLst>
       <p:ext uri="{BB962C8B-B14F-4D97-AF65-F5344CB8AC3E}">
-        <p14:creationId xmlns:p14="http://schemas.microsoft.com/office/powerpoint/2010/main" val="76902119"/>
+        <p14:creationId xmlns:p14="http://schemas.microsoft.com/office/powerpoint/2010/main" val="1078033236"/>
       </p:ext>
     </p:extLst>
   </p:cSld>
@@ -10879,6 +11068,692 @@
 </file>
 
 <file path=ppt/slides/slide31.xml><?xml version="1.0" encoding="utf-8"?>
+<p:sld xmlns:a="http://schemas.openxmlformats.org/drawingml/2006/main" xmlns:r="http://schemas.openxmlformats.org/officeDocument/2006/relationships" xmlns:p="http://schemas.openxmlformats.org/presentationml/2006/main">
+  <p:cSld>
+    <p:bg>
+      <p:bgPr>
+        <a:blipFill dpi="0" rotWithShape="1">
+          <a:blip r:embed="rId3">
+            <a:extLst>
+              <a:ext uri="{BEBA8EAE-BF5A-486C-A8C5-ECC9F3942E4B}">
+                <a14:imgProps xmlns:a14="http://schemas.microsoft.com/office/drawing/2010/main">
+                  <a14:imgLayer r:embed="rId4">
+                    <a14:imgEffect>
+                      <a14:brightnessContrast bright="-50000"/>
+                    </a14:imgEffect>
+                  </a14:imgLayer>
+                </a14:imgProps>
+              </a:ext>
+            </a:extLst>
+          </a:blip>
+          <a:srcRect/>
+          <a:stretch>
+            <a:fillRect l="-10000" r="-10000"/>
+          </a:stretch>
+        </a:blipFill>
+        <a:effectLst/>
+      </p:bgPr>
+    </p:bg>
+    <p:spTree>
+      <p:nvGrpSpPr>
+        <p:cNvPr id="1" name=""/>
+        <p:cNvGrpSpPr/>
+        <p:nvPr/>
+      </p:nvGrpSpPr>
+      <p:grpSpPr>
+        <a:xfrm>
+          <a:off x="0" y="0"/>
+          <a:ext cx="0" cy="0"/>
+          <a:chOff x="0" y="0"/>
+          <a:chExt cx="0" cy="0"/>
+        </a:xfrm>
+      </p:grpSpPr>
+      <p:sp>
+        <p:nvSpPr>
+          <p:cNvPr id="2" name="Title 1"/>
+          <p:cNvSpPr>
+            <a:spLocks noGrp="1"/>
+          </p:cNvSpPr>
+          <p:nvPr>
+            <p:ph type="title"/>
+          </p:nvPr>
+        </p:nvSpPr>
+        <p:spPr/>
+        <p:txBody>
+          <a:bodyPr>
+            <a:normAutofit/>
+          </a:bodyPr>
+          <a:lstStyle/>
+          <a:p>
+            <a:r>
+              <a:rPr lang="en-US" dirty="0"/>
+              <a:t>General Workflow</a:t>
+            </a:r>
+          </a:p>
+        </p:txBody>
+      </p:sp>
+      <p:sp>
+        <p:nvSpPr>
+          <p:cNvPr id="3" name="Content Placeholder 2"/>
+          <p:cNvSpPr>
+            <a:spLocks noGrp="1"/>
+          </p:cNvSpPr>
+          <p:nvPr>
+            <p:ph idx="1"/>
+          </p:nvPr>
+        </p:nvSpPr>
+        <p:spPr/>
+        <p:txBody>
+          <a:bodyPr>
+            <a:normAutofit/>
+          </a:bodyPr>
+          <a:lstStyle/>
+          <a:p>
+            <a:r>
+              <a:rPr lang="en-US" dirty="0"/>
+              <a:t>Rebuild Model</a:t>
+            </a:r>
+          </a:p>
+          <a:p>
+            <a:pPr lvl="1"/>
+            <a:r>
+              <a:rPr lang="en-US" dirty="0"/>
+              <a:t>If the model isn’t suitable enough, we rebuild the model with more/better data, more tuned parameters, or using a different trainer.</a:t>
+            </a:r>
+          </a:p>
+          <a:p>
+            <a:pPr marL="457200" lvl="1" indent="0">
+              <a:buNone/>
+            </a:pPr>
+            <a:endParaRPr lang="en-US" dirty="0"/>
+          </a:p>
+          <a:p>
+            <a:pPr lvl="1"/>
+            <a:endParaRPr lang="en-US" dirty="0"/>
+          </a:p>
+          <a:p>
+            <a:pPr lvl="2"/>
+            <a:endParaRPr lang="en-US" dirty="0"/>
+          </a:p>
+          <a:p>
+            <a:endParaRPr lang="en-US" dirty="0"/>
+          </a:p>
+        </p:txBody>
+      </p:sp>
+    </p:spTree>
+    <p:extLst>
+      <p:ext uri="{BB962C8B-B14F-4D97-AF65-F5344CB8AC3E}">
+        <p14:creationId xmlns:p14="http://schemas.microsoft.com/office/powerpoint/2010/main" val="2124360572"/>
+      </p:ext>
+    </p:extLst>
+  </p:cSld>
+  <p:clrMapOvr>
+    <a:overrideClrMapping bg1="lt1" tx1="dk1" bg2="lt2" tx2="dk2" accent1="accent1" accent2="accent2" accent3="accent3" accent4="accent4" accent5="accent5" accent6="accent6" hlink="hlink" folHlink="folHlink"/>
+  </p:clrMapOvr>
+</p:sld>
+</file>
+
+<file path=ppt/slides/slide32.xml><?xml version="1.0" encoding="utf-8"?>
+<p:sld xmlns:a="http://schemas.openxmlformats.org/drawingml/2006/main" xmlns:r="http://schemas.openxmlformats.org/officeDocument/2006/relationships" xmlns:p="http://schemas.openxmlformats.org/presentationml/2006/main">
+  <p:cSld>
+    <p:bg>
+      <p:bgPr>
+        <a:blipFill dpi="0" rotWithShape="1">
+          <a:blip r:embed="rId3">
+            <a:extLst>
+              <a:ext uri="{BEBA8EAE-BF5A-486C-A8C5-ECC9F3942E4B}">
+                <a14:imgProps xmlns:a14="http://schemas.microsoft.com/office/drawing/2010/main">
+                  <a14:imgLayer r:embed="rId4">
+                    <a14:imgEffect>
+                      <a14:brightnessContrast bright="-50000"/>
+                    </a14:imgEffect>
+                  </a14:imgLayer>
+                </a14:imgProps>
+              </a:ext>
+            </a:extLst>
+          </a:blip>
+          <a:srcRect/>
+          <a:stretch>
+            <a:fillRect l="-10000" r="-10000"/>
+          </a:stretch>
+        </a:blipFill>
+        <a:effectLst/>
+      </p:bgPr>
+    </p:bg>
+    <p:spTree>
+      <p:nvGrpSpPr>
+        <p:cNvPr id="1" name=""/>
+        <p:cNvGrpSpPr/>
+        <p:nvPr/>
+      </p:nvGrpSpPr>
+      <p:grpSpPr>
+        <a:xfrm>
+          <a:off x="0" y="0"/>
+          <a:ext cx="0" cy="0"/>
+          <a:chOff x="0" y="0"/>
+          <a:chExt cx="0" cy="0"/>
+        </a:xfrm>
+      </p:grpSpPr>
+      <p:sp>
+        <p:nvSpPr>
+          <p:cNvPr id="2" name="Title 1"/>
+          <p:cNvSpPr>
+            <a:spLocks noGrp="1"/>
+          </p:cNvSpPr>
+          <p:nvPr>
+            <p:ph type="title"/>
+          </p:nvPr>
+        </p:nvSpPr>
+        <p:spPr/>
+        <p:txBody>
+          <a:bodyPr>
+            <a:normAutofit/>
+          </a:bodyPr>
+          <a:lstStyle/>
+          <a:p>
+            <a:r>
+              <a:rPr lang="en-US" dirty="0"/>
+              <a:t>General Workflow</a:t>
+            </a:r>
+          </a:p>
+        </p:txBody>
+      </p:sp>
+      <p:sp>
+        <p:nvSpPr>
+          <p:cNvPr id="3" name="Content Placeholder 2"/>
+          <p:cNvSpPr>
+            <a:spLocks noGrp="1"/>
+          </p:cNvSpPr>
+          <p:nvPr>
+            <p:ph idx="1"/>
+          </p:nvPr>
+        </p:nvSpPr>
+        <p:spPr/>
+        <p:txBody>
+          <a:bodyPr>
+            <a:normAutofit/>
+          </a:bodyPr>
+          <a:lstStyle/>
+          <a:p>
+            <a:r>
+              <a:rPr lang="en-US" dirty="0"/>
+              <a:t>Predict real-world outcomes</a:t>
+            </a:r>
+          </a:p>
+          <a:p>
+            <a:pPr lvl="1"/>
+            <a:r>
+              <a:rPr lang="en-US" dirty="0"/>
+              <a:t>Once we are happy with the predictive capability of our model, the model can be used to predict real-world outcomes that are unknown.</a:t>
+            </a:r>
+          </a:p>
+          <a:p>
+            <a:pPr lvl="1"/>
+            <a:endParaRPr lang="en-US" dirty="0"/>
+          </a:p>
+          <a:p>
+            <a:pPr lvl="2"/>
+            <a:endParaRPr lang="en-US" dirty="0"/>
+          </a:p>
+          <a:p>
+            <a:endParaRPr lang="en-US" dirty="0"/>
+          </a:p>
+        </p:txBody>
+      </p:sp>
+    </p:spTree>
+    <p:extLst>
+      <p:ext uri="{BB962C8B-B14F-4D97-AF65-F5344CB8AC3E}">
+        <p14:creationId xmlns:p14="http://schemas.microsoft.com/office/powerpoint/2010/main" val="293541596"/>
+      </p:ext>
+    </p:extLst>
+  </p:cSld>
+  <p:clrMapOvr>
+    <a:overrideClrMapping bg1="lt1" tx1="dk1" bg2="lt2" tx2="dk2" accent1="accent1" accent2="accent2" accent3="accent3" accent4="accent4" accent5="accent5" accent6="accent6" hlink="hlink" folHlink="folHlink"/>
+  </p:clrMapOvr>
+</p:sld>
+</file>
+
+<file path=ppt/slides/slide33.xml><?xml version="1.0" encoding="utf-8"?>
+<p:sld xmlns:a="http://schemas.openxmlformats.org/drawingml/2006/main" xmlns:r="http://schemas.openxmlformats.org/officeDocument/2006/relationships" xmlns:p="http://schemas.openxmlformats.org/presentationml/2006/main">
+  <p:cSld>
+    <p:bg>
+      <p:bgPr>
+        <a:blipFill dpi="0" rotWithShape="1">
+          <a:blip r:embed="rId3">
+            <a:extLst>
+              <a:ext uri="{BEBA8EAE-BF5A-486C-A8C5-ECC9F3942E4B}">
+                <a14:imgProps xmlns:a14="http://schemas.microsoft.com/office/drawing/2010/main">
+                  <a14:imgLayer r:embed="rId4">
+                    <a14:imgEffect>
+                      <a14:brightnessContrast bright="-50000"/>
+                    </a14:imgEffect>
+                  </a14:imgLayer>
+                </a14:imgProps>
+              </a:ext>
+            </a:extLst>
+          </a:blip>
+          <a:srcRect/>
+          <a:stretch>
+            <a:fillRect l="-10000" r="-10000"/>
+          </a:stretch>
+        </a:blipFill>
+        <a:effectLst/>
+      </p:bgPr>
+    </p:bg>
+    <p:spTree>
+      <p:nvGrpSpPr>
+        <p:cNvPr id="1" name=""/>
+        <p:cNvGrpSpPr/>
+        <p:nvPr/>
+      </p:nvGrpSpPr>
+      <p:grpSpPr>
+        <a:xfrm>
+          <a:off x="0" y="0"/>
+          <a:ext cx="0" cy="0"/>
+          <a:chOff x="0" y="0"/>
+          <a:chExt cx="0" cy="0"/>
+        </a:xfrm>
+      </p:grpSpPr>
+      <p:sp>
+        <p:nvSpPr>
+          <p:cNvPr id="2" name="Title 1"/>
+          <p:cNvSpPr>
+            <a:spLocks noGrp="1"/>
+          </p:cNvSpPr>
+          <p:nvPr>
+            <p:ph type="title"/>
+          </p:nvPr>
+        </p:nvSpPr>
+        <p:spPr/>
+        <p:txBody>
+          <a:bodyPr/>
+          <a:lstStyle/>
+          <a:p>
+            <a:r>
+              <a:rPr lang="en-US" dirty="0"/>
+              <a:t>Linear Models</a:t>
+            </a:r>
+          </a:p>
+        </p:txBody>
+      </p:sp>
+      <p:sp>
+        <p:nvSpPr>
+          <p:cNvPr id="3" name="Content Placeholder 2"/>
+          <p:cNvSpPr>
+            <a:spLocks noGrp="1"/>
+          </p:cNvSpPr>
+          <p:nvPr>
+            <p:ph idx="1"/>
+          </p:nvPr>
+        </p:nvSpPr>
+        <p:spPr/>
+        <p:txBody>
+          <a:bodyPr>
+            <a:normAutofit/>
+          </a:bodyPr>
+          <a:lstStyle/>
+          <a:p>
+            <a:r>
+              <a:rPr lang="en-US" dirty="0"/>
+              <a:t>List of some types we will Cover</a:t>
+            </a:r>
+          </a:p>
+          <a:p>
+            <a:pPr lvl="1"/>
+            <a:r>
+              <a:rPr lang="en-US" dirty="0"/>
+              <a:t>Linear Classifiers</a:t>
+            </a:r>
+          </a:p>
+          <a:p>
+            <a:pPr lvl="2"/>
+            <a:r>
+              <a:rPr lang="en-US" dirty="0"/>
+              <a:t>K-Nearest Neighbors</a:t>
+            </a:r>
+          </a:p>
+          <a:p>
+            <a:pPr lvl="2"/>
+            <a:r>
+              <a:rPr lang="en-US" dirty="0"/>
+              <a:t>Decision Tree</a:t>
+            </a:r>
+          </a:p>
+          <a:p>
+            <a:pPr lvl="2"/>
+            <a:r>
+              <a:rPr lang="en-US" dirty="0"/>
+              <a:t>Logistic Regression</a:t>
+            </a:r>
+          </a:p>
+          <a:p>
+            <a:pPr lvl="3"/>
+            <a:r>
+              <a:rPr lang="en-US" dirty="0"/>
+              <a:t>Misleading name</a:t>
+            </a:r>
+          </a:p>
+          <a:p>
+            <a:pPr lvl="2"/>
+            <a:r>
+              <a:rPr lang="en-US" dirty="0"/>
+              <a:t>Support Vector Classifier</a:t>
+            </a:r>
+          </a:p>
+          <a:p>
+            <a:pPr lvl="2"/>
+            <a:endParaRPr lang="en-US" dirty="0"/>
+          </a:p>
+          <a:p>
+            <a:endParaRPr lang="en-US" dirty="0"/>
+          </a:p>
+        </p:txBody>
+      </p:sp>
+    </p:spTree>
+    <p:extLst>
+      <p:ext uri="{BB962C8B-B14F-4D97-AF65-F5344CB8AC3E}">
+        <p14:creationId xmlns:p14="http://schemas.microsoft.com/office/powerpoint/2010/main" val="3895443771"/>
+      </p:ext>
+    </p:extLst>
+  </p:cSld>
+  <p:clrMapOvr>
+    <a:overrideClrMapping bg1="lt1" tx1="dk1" bg2="lt2" tx2="dk2" accent1="accent1" accent2="accent2" accent3="accent3" accent4="accent4" accent5="accent5" accent6="accent6" hlink="hlink" folHlink="folHlink"/>
+  </p:clrMapOvr>
+</p:sld>
+</file>
+
+<file path=ppt/slides/slide34.xml><?xml version="1.0" encoding="utf-8"?>
+<p:sld xmlns:a="http://schemas.openxmlformats.org/drawingml/2006/main" xmlns:r="http://schemas.openxmlformats.org/officeDocument/2006/relationships" xmlns:p="http://schemas.openxmlformats.org/presentationml/2006/main">
+  <p:cSld>
+    <p:bg>
+      <p:bgPr>
+        <a:blipFill dpi="0" rotWithShape="1">
+          <a:blip r:embed="rId3">
+            <a:extLst>
+              <a:ext uri="{BEBA8EAE-BF5A-486C-A8C5-ECC9F3942E4B}">
+                <a14:imgProps xmlns:a14="http://schemas.microsoft.com/office/drawing/2010/main">
+                  <a14:imgLayer r:embed="rId4">
+                    <a14:imgEffect>
+                      <a14:brightnessContrast bright="-50000"/>
+                    </a14:imgEffect>
+                  </a14:imgLayer>
+                </a14:imgProps>
+              </a:ext>
+            </a:extLst>
+          </a:blip>
+          <a:srcRect/>
+          <a:stretch>
+            <a:fillRect l="-10000" r="-10000"/>
+          </a:stretch>
+        </a:blipFill>
+        <a:effectLst/>
+      </p:bgPr>
+    </p:bg>
+    <p:spTree>
+      <p:nvGrpSpPr>
+        <p:cNvPr id="1" name=""/>
+        <p:cNvGrpSpPr/>
+        <p:nvPr/>
+      </p:nvGrpSpPr>
+      <p:grpSpPr>
+        <a:xfrm>
+          <a:off x="0" y="0"/>
+          <a:ext cx="0" cy="0"/>
+          <a:chOff x="0" y="0"/>
+          <a:chExt cx="0" cy="0"/>
+        </a:xfrm>
+      </p:grpSpPr>
+      <p:sp>
+        <p:nvSpPr>
+          <p:cNvPr id="2" name="Title 1"/>
+          <p:cNvSpPr>
+            <a:spLocks noGrp="1"/>
+          </p:cNvSpPr>
+          <p:nvPr>
+            <p:ph type="title"/>
+          </p:nvPr>
+        </p:nvSpPr>
+        <p:spPr/>
+        <p:txBody>
+          <a:bodyPr/>
+          <a:lstStyle/>
+          <a:p>
+            <a:r>
+              <a:rPr lang="en-US" dirty="0"/>
+              <a:t>Linear Models</a:t>
+            </a:r>
+          </a:p>
+        </p:txBody>
+      </p:sp>
+      <p:sp>
+        <p:nvSpPr>
+          <p:cNvPr id="3" name="Content Placeholder 2"/>
+          <p:cNvSpPr>
+            <a:spLocks noGrp="1"/>
+          </p:cNvSpPr>
+          <p:nvPr>
+            <p:ph idx="1"/>
+          </p:nvPr>
+        </p:nvSpPr>
+        <p:spPr/>
+        <p:txBody>
+          <a:bodyPr>
+            <a:normAutofit/>
+          </a:bodyPr>
+          <a:lstStyle/>
+          <a:p>
+            <a:r>
+              <a:rPr lang="en-US" dirty="0"/>
+              <a:t>List of some types we will Cover</a:t>
+            </a:r>
+          </a:p>
+          <a:p>
+            <a:pPr lvl="1"/>
+            <a:r>
+              <a:rPr lang="en-US" dirty="0"/>
+              <a:t>Linear Regressors</a:t>
+            </a:r>
+          </a:p>
+          <a:p>
+            <a:pPr lvl="2"/>
+            <a:r>
+              <a:rPr lang="en-US" dirty="0"/>
+              <a:t>K-Nearest Neighbors</a:t>
+            </a:r>
+          </a:p>
+          <a:p>
+            <a:pPr lvl="2"/>
+            <a:r>
+              <a:rPr lang="en-US" dirty="0"/>
+              <a:t>Linear Regression</a:t>
+            </a:r>
+          </a:p>
+          <a:p>
+            <a:pPr lvl="2"/>
+            <a:r>
+              <a:rPr lang="en-US" dirty="0"/>
+              <a:t>Ridge Regression</a:t>
+            </a:r>
+          </a:p>
+          <a:p>
+            <a:pPr lvl="2"/>
+            <a:r>
+              <a:rPr lang="en-US" dirty="0"/>
+              <a:t>LASSO Regression</a:t>
+            </a:r>
+          </a:p>
+          <a:p>
+            <a:pPr lvl="2"/>
+            <a:r>
+              <a:rPr lang="en-US" dirty="0"/>
+              <a:t>Decision Tree</a:t>
+            </a:r>
+          </a:p>
+          <a:p>
+            <a:pPr lvl="2"/>
+            <a:r>
+              <a:rPr lang="en-US" dirty="0"/>
+              <a:t>Forest</a:t>
+            </a:r>
+          </a:p>
+          <a:p>
+            <a:pPr lvl="2"/>
+            <a:r>
+              <a:rPr lang="en-US" dirty="0"/>
+              <a:t>Gradient-Boosted Forest</a:t>
+            </a:r>
+          </a:p>
+          <a:p>
+            <a:pPr lvl="2"/>
+            <a:endParaRPr lang="en-US" dirty="0"/>
+          </a:p>
+          <a:p>
+            <a:endParaRPr lang="en-US" dirty="0"/>
+          </a:p>
+        </p:txBody>
+      </p:sp>
+    </p:spTree>
+    <p:extLst>
+      <p:ext uri="{BB962C8B-B14F-4D97-AF65-F5344CB8AC3E}">
+        <p14:creationId xmlns:p14="http://schemas.microsoft.com/office/powerpoint/2010/main" val="3191540691"/>
+      </p:ext>
+    </p:extLst>
+  </p:cSld>
+  <p:clrMapOvr>
+    <a:overrideClrMapping bg1="lt1" tx1="dk1" bg2="lt2" tx2="dk2" accent1="accent1" accent2="accent2" accent3="accent3" accent4="accent4" accent5="accent5" accent6="accent6" hlink="hlink" folHlink="folHlink"/>
+  </p:clrMapOvr>
+</p:sld>
+</file>
+
+<file path=ppt/slides/slide35.xml><?xml version="1.0" encoding="utf-8"?>
+<p:sld xmlns:a="http://schemas.openxmlformats.org/drawingml/2006/main" xmlns:r="http://schemas.openxmlformats.org/officeDocument/2006/relationships" xmlns:p="http://schemas.openxmlformats.org/presentationml/2006/main">
+  <p:cSld>
+    <p:bg>
+      <p:bgPr>
+        <a:blipFill dpi="0" rotWithShape="1">
+          <a:blip r:embed="rId3">
+            <a:extLst>
+              <a:ext uri="{BEBA8EAE-BF5A-486C-A8C5-ECC9F3942E4B}">
+                <a14:imgProps xmlns:a14="http://schemas.microsoft.com/office/drawing/2010/main">
+                  <a14:imgLayer r:embed="rId4">
+                    <a14:imgEffect>
+                      <a14:brightnessContrast bright="-50000"/>
+                    </a14:imgEffect>
+                  </a14:imgLayer>
+                </a14:imgProps>
+              </a:ext>
+            </a:extLst>
+          </a:blip>
+          <a:srcRect/>
+          <a:stretch>
+            <a:fillRect l="-10000" r="-10000"/>
+          </a:stretch>
+        </a:blipFill>
+        <a:effectLst/>
+      </p:bgPr>
+    </p:bg>
+    <p:spTree>
+      <p:nvGrpSpPr>
+        <p:cNvPr id="1" name=""/>
+        <p:cNvGrpSpPr/>
+        <p:nvPr/>
+      </p:nvGrpSpPr>
+      <p:grpSpPr>
+        <a:xfrm>
+          <a:off x="0" y="0"/>
+          <a:ext cx="0" cy="0"/>
+          <a:chOff x="0" y="0"/>
+          <a:chExt cx="0" cy="0"/>
+        </a:xfrm>
+      </p:grpSpPr>
+      <p:sp>
+        <p:nvSpPr>
+          <p:cNvPr id="2" name="Title 1"/>
+          <p:cNvSpPr>
+            <a:spLocks noGrp="1"/>
+          </p:cNvSpPr>
+          <p:nvPr>
+            <p:ph type="title"/>
+          </p:nvPr>
+        </p:nvSpPr>
+        <p:spPr/>
+        <p:txBody>
+          <a:bodyPr/>
+          <a:lstStyle/>
+          <a:p>
+            <a:r>
+              <a:rPr lang="en-US" dirty="0"/>
+              <a:t>Linear Models</a:t>
+            </a:r>
+          </a:p>
+        </p:txBody>
+      </p:sp>
+      <p:sp>
+        <p:nvSpPr>
+          <p:cNvPr id="3" name="Content Placeholder 2"/>
+          <p:cNvSpPr>
+            <a:spLocks noGrp="1"/>
+          </p:cNvSpPr>
+          <p:nvPr>
+            <p:ph idx="1"/>
+          </p:nvPr>
+        </p:nvSpPr>
+        <p:spPr/>
+        <p:txBody>
+          <a:bodyPr>
+            <a:normAutofit/>
+          </a:bodyPr>
+          <a:lstStyle/>
+          <a:p>
+            <a:r>
+              <a:rPr lang="en-US" dirty="0"/>
+              <a:t>Models differ in:</a:t>
+            </a:r>
+          </a:p>
+          <a:p>
+            <a:pPr lvl="1"/>
+            <a:r>
+              <a:rPr lang="en-US" dirty="0"/>
+              <a:t>How they create a decision boundary</a:t>
+            </a:r>
+          </a:p>
+          <a:p>
+            <a:pPr lvl="1"/>
+            <a:r>
+              <a:rPr lang="en-US" dirty="0"/>
+              <a:t>How they model accuracy</a:t>
+            </a:r>
+          </a:p>
+          <a:p>
+            <a:pPr lvl="1"/>
+            <a:r>
+              <a:rPr lang="en-US" dirty="0"/>
+              <a:t>Tuning/regularization they use</a:t>
+            </a:r>
+          </a:p>
+          <a:p>
+            <a:pPr lvl="2"/>
+            <a:endParaRPr lang="en-US" dirty="0"/>
+          </a:p>
+          <a:p>
+            <a:endParaRPr lang="en-US" dirty="0"/>
+          </a:p>
+        </p:txBody>
+      </p:sp>
+    </p:spTree>
+    <p:extLst>
+      <p:ext uri="{BB962C8B-B14F-4D97-AF65-F5344CB8AC3E}">
+        <p14:creationId xmlns:p14="http://schemas.microsoft.com/office/powerpoint/2010/main" val="374255571"/>
+      </p:ext>
+    </p:extLst>
+  </p:cSld>
+  <p:clrMapOvr>
+    <a:overrideClrMapping bg1="lt1" tx1="dk1" bg2="lt2" tx2="dk2" accent1="accent1" accent2="accent2" accent3="accent3" accent4="accent4" accent5="accent5" accent6="accent6" hlink="hlink" folHlink="folHlink"/>
+  </p:clrMapOvr>
+</p:sld>
+</file>
+
+<file path=ppt/slides/slide36.xml><?xml version="1.0" encoding="utf-8"?>
 <p:sld xmlns:a="http://schemas.openxmlformats.org/drawingml/2006/main" xmlns:r="http://schemas.openxmlformats.org/officeDocument/2006/relationships" xmlns:p="http://schemas.openxmlformats.org/presentationml/2006/main">
   <p:cSld>
     <p:bg>
@@ -10958,6 +11833,157 @@
           <a:p>
             <a:r>
               <a:rPr lang="en-US" dirty="0"/>
+              <a:t>Classifiers</a:t>
+            </a:r>
+          </a:p>
+          <a:p>
+            <a:pPr lvl="1"/>
+            <a:r>
+              <a:rPr lang="en-US" dirty="0"/>
+              <a:t>Tries to predict a specific thing.</a:t>
+            </a:r>
+          </a:p>
+          <a:p>
+            <a:pPr lvl="1"/>
+            <a:r>
+              <a:rPr lang="en-US" dirty="0"/>
+              <a:t>Is either right or wrong for each prediction.</a:t>
+            </a:r>
+          </a:p>
+          <a:p>
+            <a:pPr lvl="1"/>
+            <a:r>
+              <a:rPr lang="en-US" dirty="0"/>
+              <a:t>Examples</a:t>
+            </a:r>
+          </a:p>
+          <a:p>
+            <a:pPr lvl="2"/>
+            <a:r>
+              <a:rPr lang="en-US" dirty="0"/>
+              <a:t>Predicting a type of fruit.</a:t>
+            </a:r>
+          </a:p>
+          <a:p>
+            <a:pPr lvl="2"/>
+            <a:r>
+              <a:rPr lang="en-US" dirty="0"/>
+              <a:t>Predicting a type of animal.</a:t>
+            </a:r>
+          </a:p>
+          <a:p>
+            <a:pPr lvl="2"/>
+            <a:r>
+              <a:rPr lang="en-US" dirty="0"/>
+              <a:t>Predicting a breed of dog.</a:t>
+            </a:r>
+          </a:p>
+          <a:p>
+            <a:pPr lvl="1"/>
+            <a:endParaRPr lang="en-US" dirty="0"/>
+          </a:p>
+          <a:p>
+            <a:pPr lvl="2"/>
+            <a:endParaRPr lang="en-US" dirty="0"/>
+          </a:p>
+          <a:p>
+            <a:endParaRPr lang="en-US" dirty="0"/>
+          </a:p>
+        </p:txBody>
+      </p:sp>
+    </p:spTree>
+    <p:extLst>
+      <p:ext uri="{BB962C8B-B14F-4D97-AF65-F5344CB8AC3E}">
+        <p14:creationId xmlns:p14="http://schemas.microsoft.com/office/powerpoint/2010/main" val="76902119"/>
+      </p:ext>
+    </p:extLst>
+  </p:cSld>
+  <p:clrMapOvr>
+    <a:overrideClrMapping bg1="lt1" tx1="dk1" bg2="lt2" tx2="dk2" accent1="accent1" accent2="accent2" accent3="accent3" accent4="accent4" accent5="accent5" accent6="accent6" hlink="hlink" folHlink="folHlink"/>
+  </p:clrMapOvr>
+</p:sld>
+</file>
+
+<file path=ppt/slides/slide37.xml><?xml version="1.0" encoding="utf-8"?>
+<p:sld xmlns:a="http://schemas.openxmlformats.org/drawingml/2006/main" xmlns:r="http://schemas.openxmlformats.org/officeDocument/2006/relationships" xmlns:p="http://schemas.openxmlformats.org/presentationml/2006/main">
+  <p:cSld>
+    <p:bg>
+      <p:bgPr>
+        <a:blipFill dpi="0" rotWithShape="1">
+          <a:blip r:embed="rId4">
+            <a:extLst>
+              <a:ext uri="{BEBA8EAE-BF5A-486C-A8C5-ECC9F3942E4B}">
+                <a14:imgProps xmlns:a14="http://schemas.microsoft.com/office/drawing/2010/main">
+                  <a14:imgLayer r:embed="rId5">
+                    <a14:imgEffect>
+                      <a14:brightnessContrast bright="-50000"/>
+                    </a14:imgEffect>
+                  </a14:imgLayer>
+                </a14:imgProps>
+              </a:ext>
+            </a:extLst>
+          </a:blip>
+          <a:srcRect/>
+          <a:stretch>
+            <a:fillRect l="-10000" r="-10000"/>
+          </a:stretch>
+        </a:blipFill>
+        <a:effectLst/>
+      </p:bgPr>
+    </p:bg>
+    <p:spTree>
+      <p:nvGrpSpPr>
+        <p:cNvPr id="1" name=""/>
+        <p:cNvGrpSpPr/>
+        <p:nvPr/>
+      </p:nvGrpSpPr>
+      <p:grpSpPr>
+        <a:xfrm>
+          <a:off x="0" y="0"/>
+          <a:ext cx="0" cy="0"/>
+          <a:chOff x="0" y="0"/>
+          <a:chExt cx="0" cy="0"/>
+        </a:xfrm>
+      </p:grpSpPr>
+      <p:sp>
+        <p:nvSpPr>
+          <p:cNvPr id="2" name="Title 1"/>
+          <p:cNvSpPr>
+            <a:spLocks noGrp="1"/>
+          </p:cNvSpPr>
+          <p:nvPr>
+            <p:ph type="title"/>
+          </p:nvPr>
+        </p:nvSpPr>
+        <p:spPr/>
+        <p:txBody>
+          <a:bodyPr/>
+          <a:lstStyle/>
+          <a:p>
+            <a:r>
+              <a:rPr lang="en-US" dirty="0"/>
+              <a:t>Linear Models - Classifiers</a:t>
+            </a:r>
+          </a:p>
+        </p:txBody>
+      </p:sp>
+      <p:sp>
+        <p:nvSpPr>
+          <p:cNvPr id="3" name="Content Placeholder 2"/>
+          <p:cNvSpPr>
+            <a:spLocks noGrp="1"/>
+          </p:cNvSpPr>
+          <p:nvPr>
+            <p:ph idx="1"/>
+          </p:nvPr>
+        </p:nvSpPr>
+        <p:spPr/>
+        <p:txBody>
+          <a:bodyPr/>
+          <a:lstStyle/>
+          <a:p>
+            <a:r>
+              <a:rPr lang="en-US" dirty="0"/>
               <a:t>K-Nearest Neighbors</a:t>
             </a:r>
           </a:p>
@@ -10997,7 +12023,7 @@
 </p:sld>
 </file>
 
-<file path=ppt/slides/slide32.xml><?xml version="1.0" encoding="utf-8"?>
+<file path=ppt/slides/slide38.xml><?xml version="1.0" encoding="utf-8"?>
 <p:sld xmlns:a="http://schemas.openxmlformats.org/drawingml/2006/main" xmlns:r="http://schemas.openxmlformats.org/officeDocument/2006/relationships" xmlns:p="http://schemas.openxmlformats.org/presentationml/2006/main">
   <p:cSld>
     <p:bg>
@@ -11124,7 +12150,7 @@
           <a:graphicData uri="http://schemas.openxmlformats.org/presentationml/2006/ole">
             <mc:AlternateContent xmlns:mc="http://schemas.openxmlformats.org/markup-compatibility/2006">
               <mc:Choice xmlns:v="urn:schemas-microsoft-com:vml" Requires="v">
-                <p:oleObj spid="_x0000_s2128" name="Bitmap Image" r:id="rId7" imgW="3743280" imgH="3024360" progId="Paint.Picture">
+                <p:oleObj spid="_x0000_s2176" name="Bitmap Image" r:id="rId7" imgW="3743280" imgH="3024360" progId="Paint.Picture">
                   <p:embed/>
                 </p:oleObj>
               </mc:Choice>
@@ -11208,738 +12234,6 @@
 </p:sld>
 </file>
 
-<file path=ppt/slides/slide33.xml><?xml version="1.0" encoding="utf-8"?>
-<p:sld xmlns:a="http://schemas.openxmlformats.org/drawingml/2006/main" xmlns:r="http://schemas.openxmlformats.org/officeDocument/2006/relationships" xmlns:p="http://schemas.openxmlformats.org/presentationml/2006/main">
-  <p:cSld>
-    <p:bg>
-      <p:bgPr>
-        <a:blipFill dpi="0" rotWithShape="1">
-          <a:blip r:embed="rId3">
-            <a:extLst>
-              <a:ext uri="{BEBA8EAE-BF5A-486C-A8C5-ECC9F3942E4B}">
-                <a14:imgProps xmlns:a14="http://schemas.microsoft.com/office/drawing/2010/main">
-                  <a14:imgLayer r:embed="rId4">
-                    <a14:imgEffect>
-                      <a14:brightnessContrast bright="-50000"/>
-                    </a14:imgEffect>
-                  </a14:imgLayer>
-                </a14:imgProps>
-              </a:ext>
-            </a:extLst>
-          </a:blip>
-          <a:srcRect/>
-          <a:stretch>
-            <a:fillRect l="-10000" r="-10000"/>
-          </a:stretch>
-        </a:blipFill>
-        <a:effectLst/>
-      </p:bgPr>
-    </p:bg>
-    <p:spTree>
-      <p:nvGrpSpPr>
-        <p:cNvPr id="1" name=""/>
-        <p:cNvGrpSpPr/>
-        <p:nvPr/>
-      </p:nvGrpSpPr>
-      <p:grpSpPr>
-        <a:xfrm>
-          <a:off x="0" y="0"/>
-          <a:ext cx="0" cy="0"/>
-          <a:chOff x="0" y="0"/>
-          <a:chExt cx="0" cy="0"/>
-        </a:xfrm>
-      </p:grpSpPr>
-      <p:sp>
-        <p:nvSpPr>
-          <p:cNvPr id="2" name="Title 1"/>
-          <p:cNvSpPr>
-            <a:spLocks noGrp="1"/>
-          </p:cNvSpPr>
-          <p:nvPr>
-            <p:ph type="title"/>
-          </p:nvPr>
-        </p:nvSpPr>
-        <p:spPr/>
-        <p:txBody>
-          <a:bodyPr/>
-          <a:lstStyle/>
-          <a:p>
-            <a:r>
-              <a:rPr lang="en-US" dirty="0"/>
-              <a:t>Linear Models - Classifiers</a:t>
-            </a:r>
-          </a:p>
-        </p:txBody>
-      </p:sp>
-      <p:sp>
-        <p:nvSpPr>
-          <p:cNvPr id="3" name="Content Placeholder 2"/>
-          <p:cNvSpPr>
-            <a:spLocks noGrp="1"/>
-          </p:cNvSpPr>
-          <p:nvPr>
-            <p:ph idx="1"/>
-          </p:nvPr>
-        </p:nvSpPr>
-        <p:spPr/>
-        <p:txBody>
-          <a:bodyPr/>
-          <a:lstStyle/>
-          <a:p>
-            <a:r>
-              <a:rPr lang="en-US" dirty="0"/>
-              <a:t>In-Class Exercise</a:t>
-            </a:r>
-          </a:p>
-          <a:p>
-            <a:pPr lvl="1"/>
-            <a:r>
-              <a:rPr lang="en-US" dirty="0"/>
-              <a:t>Run the </a:t>
-            </a:r>
-            <a:r>
-              <a:rPr lang="en-US" dirty="0" err="1"/>
-              <a:t>classifer</a:t>
-            </a:r>
-            <a:r>
-              <a:rPr lang="en-US"/>
-              <a:t> example </a:t>
-            </a:r>
-            <a:r>
-              <a:rPr lang="en-US" dirty="0"/>
-              <a:t>with k-nearest neighbors and optimize based on number of neighbors</a:t>
-            </a:r>
-          </a:p>
-          <a:p>
-            <a:pPr lvl="2"/>
-            <a:endParaRPr lang="en-US" dirty="0"/>
-          </a:p>
-          <a:p>
-            <a:endParaRPr lang="en-US" dirty="0"/>
-          </a:p>
-          <a:p>
-            <a:pPr lvl="1"/>
-            <a:endParaRPr lang="en-US" dirty="0"/>
-          </a:p>
-          <a:p>
-            <a:pPr lvl="2"/>
-            <a:endParaRPr lang="en-US" dirty="0"/>
-          </a:p>
-          <a:p>
-            <a:pPr lvl="2"/>
-            <a:endParaRPr lang="en-US" dirty="0"/>
-          </a:p>
-          <a:p>
-            <a:endParaRPr lang="en-US" dirty="0"/>
-          </a:p>
-        </p:txBody>
-      </p:sp>
-    </p:spTree>
-    <p:extLst>
-      <p:ext uri="{BB962C8B-B14F-4D97-AF65-F5344CB8AC3E}">
-        <p14:creationId xmlns:p14="http://schemas.microsoft.com/office/powerpoint/2010/main" val="3634293830"/>
-      </p:ext>
-    </p:extLst>
-  </p:cSld>
-  <p:clrMapOvr>
-    <a:overrideClrMapping bg1="lt1" tx1="dk1" bg2="lt2" tx2="dk2" accent1="accent1" accent2="accent2" accent3="accent3" accent4="accent4" accent5="accent5" accent6="accent6" hlink="hlink" folHlink="folHlink"/>
-  </p:clrMapOvr>
-</p:sld>
-</file>
-
-<file path=ppt/slides/slide34.xml><?xml version="1.0" encoding="utf-8"?>
-<p:sld xmlns:a="http://schemas.openxmlformats.org/drawingml/2006/main" xmlns:r="http://schemas.openxmlformats.org/officeDocument/2006/relationships" xmlns:p="http://schemas.openxmlformats.org/presentationml/2006/main">
-  <p:cSld>
-    <p:bg>
-      <p:bgPr>
-        <a:blipFill dpi="0" rotWithShape="1">
-          <a:blip r:embed="rId4">
-            <a:extLst>
-              <a:ext uri="{BEBA8EAE-BF5A-486C-A8C5-ECC9F3942E4B}">
-                <a14:imgProps xmlns:a14="http://schemas.microsoft.com/office/drawing/2010/main">
-                  <a14:imgLayer r:embed="rId5">
-                    <a14:imgEffect>
-                      <a14:brightnessContrast bright="-50000"/>
-                    </a14:imgEffect>
-                  </a14:imgLayer>
-                </a14:imgProps>
-              </a:ext>
-            </a:extLst>
-          </a:blip>
-          <a:srcRect/>
-          <a:stretch>
-            <a:fillRect l="-10000" r="-10000"/>
-          </a:stretch>
-        </a:blipFill>
-        <a:effectLst/>
-      </p:bgPr>
-    </p:bg>
-    <p:spTree>
-      <p:nvGrpSpPr>
-        <p:cNvPr id="1" name=""/>
-        <p:cNvGrpSpPr/>
-        <p:nvPr/>
-      </p:nvGrpSpPr>
-      <p:grpSpPr>
-        <a:xfrm>
-          <a:off x="0" y="0"/>
-          <a:ext cx="0" cy="0"/>
-          <a:chOff x="0" y="0"/>
-          <a:chExt cx="0" cy="0"/>
-        </a:xfrm>
-      </p:grpSpPr>
-      <p:sp>
-        <p:nvSpPr>
-          <p:cNvPr id="2" name="Title 1"/>
-          <p:cNvSpPr>
-            <a:spLocks noGrp="1"/>
-          </p:cNvSpPr>
-          <p:nvPr>
-            <p:ph type="title"/>
-          </p:nvPr>
-        </p:nvSpPr>
-        <p:spPr/>
-        <p:txBody>
-          <a:bodyPr/>
-          <a:lstStyle/>
-          <a:p>
-            <a:r>
-              <a:rPr lang="en-US" dirty="0"/>
-              <a:t>Linear Models - Classifiers</a:t>
-            </a:r>
-          </a:p>
-        </p:txBody>
-      </p:sp>
-      <p:sp>
-        <p:nvSpPr>
-          <p:cNvPr id="3" name="Content Placeholder 2"/>
-          <p:cNvSpPr>
-            <a:spLocks noGrp="1"/>
-          </p:cNvSpPr>
-          <p:nvPr>
-            <p:ph idx="1"/>
-          </p:nvPr>
-        </p:nvSpPr>
-        <p:spPr/>
-        <p:txBody>
-          <a:bodyPr/>
-          <a:lstStyle/>
-          <a:p>
-            <a:r>
-              <a:rPr lang="en-US" dirty="0"/>
-              <a:t>Decision Tree</a:t>
-            </a:r>
-          </a:p>
-          <a:p>
-            <a:pPr lvl="1"/>
-            <a:r>
-              <a:rPr lang="en-US" dirty="0"/>
-              <a:t>Builds a series of if-statements to classify test points.</a:t>
-            </a:r>
-          </a:p>
-          <a:p>
-            <a:pPr lvl="1"/>
-            <a:r>
-              <a:rPr lang="en-US" dirty="0"/>
-              <a:t>Boundaries around classifications are built based on the data.</a:t>
-            </a:r>
-          </a:p>
-          <a:p>
-            <a:pPr lvl="1"/>
-            <a:r>
-              <a:rPr lang="en-US" dirty="0"/>
-              <a:t>The number of if statement groups, or boundaries created, is known as the depth.</a:t>
-            </a:r>
-          </a:p>
-          <a:p>
-            <a:pPr lvl="2"/>
-            <a:endParaRPr lang="en-US" dirty="0"/>
-          </a:p>
-          <a:p>
-            <a:endParaRPr lang="en-US" dirty="0"/>
-          </a:p>
-        </p:txBody>
-      </p:sp>
-    </p:spTree>
-    <p:extLst>
-      <p:ext uri="{BB962C8B-B14F-4D97-AF65-F5344CB8AC3E}">
-        <p14:creationId xmlns:p14="http://schemas.microsoft.com/office/powerpoint/2010/main" val="31895842"/>
-      </p:ext>
-    </p:extLst>
-  </p:cSld>
-  <p:clrMapOvr>
-    <a:overrideClrMapping bg1="lt1" tx1="dk1" bg2="lt2" tx2="dk2" accent1="accent1" accent2="accent2" accent3="accent3" accent4="accent4" accent5="accent5" accent6="accent6" hlink="hlink" folHlink="folHlink"/>
-  </p:clrMapOvr>
-</p:sld>
-</file>
-
-<file path=ppt/slides/slide35.xml><?xml version="1.0" encoding="utf-8"?>
-<p:sld xmlns:a="http://schemas.openxmlformats.org/drawingml/2006/main" xmlns:r="http://schemas.openxmlformats.org/officeDocument/2006/relationships" xmlns:p="http://schemas.openxmlformats.org/presentationml/2006/main">
-  <p:cSld>
-    <p:bg>
-      <p:bgPr>
-        <a:blipFill dpi="0" rotWithShape="1">
-          <a:blip r:embed="rId4">
-            <a:extLst>
-              <a:ext uri="{BEBA8EAE-BF5A-486C-A8C5-ECC9F3942E4B}">
-                <a14:imgProps xmlns:a14="http://schemas.microsoft.com/office/drawing/2010/main">
-                  <a14:imgLayer r:embed="rId5">
-                    <a14:imgEffect>
-                      <a14:brightnessContrast bright="-50000"/>
-                    </a14:imgEffect>
-                  </a14:imgLayer>
-                </a14:imgProps>
-              </a:ext>
-            </a:extLst>
-          </a:blip>
-          <a:srcRect/>
-          <a:stretch>
-            <a:fillRect l="-10000" r="-10000"/>
-          </a:stretch>
-        </a:blipFill>
-        <a:effectLst/>
-      </p:bgPr>
-    </p:bg>
-    <p:spTree>
-      <p:nvGrpSpPr>
-        <p:cNvPr id="1" name=""/>
-        <p:cNvGrpSpPr/>
-        <p:nvPr/>
-      </p:nvGrpSpPr>
-      <p:grpSpPr>
-        <a:xfrm>
-          <a:off x="0" y="0"/>
-          <a:ext cx="0" cy="0"/>
-          <a:chOff x="0" y="0"/>
-          <a:chExt cx="0" cy="0"/>
-        </a:xfrm>
-      </p:grpSpPr>
-      <p:sp>
-        <p:nvSpPr>
-          <p:cNvPr id="2" name="Title 1"/>
-          <p:cNvSpPr>
-            <a:spLocks noGrp="1"/>
-          </p:cNvSpPr>
-          <p:nvPr>
-            <p:ph type="title"/>
-          </p:nvPr>
-        </p:nvSpPr>
-        <p:spPr/>
-        <p:txBody>
-          <a:bodyPr/>
-          <a:lstStyle/>
-          <a:p>
-            <a:r>
-              <a:rPr lang="en-US" dirty="0"/>
-              <a:t>Linear Models - Classifiers</a:t>
-            </a:r>
-          </a:p>
-        </p:txBody>
-      </p:sp>
-      <p:sp>
-        <p:nvSpPr>
-          <p:cNvPr id="3" name="Content Placeholder 2"/>
-          <p:cNvSpPr>
-            <a:spLocks noGrp="1"/>
-          </p:cNvSpPr>
-          <p:nvPr>
-            <p:ph idx="1"/>
-          </p:nvPr>
-        </p:nvSpPr>
-        <p:spPr/>
-        <p:txBody>
-          <a:bodyPr/>
-          <a:lstStyle/>
-          <a:p>
-            <a:r>
-              <a:rPr lang="en-US" dirty="0"/>
-              <a:t>Decision Tree</a:t>
-            </a:r>
-          </a:p>
-          <a:p>
-            <a:pPr lvl="1"/>
-            <a:r>
-              <a:rPr lang="en-US" dirty="0"/>
-              <a:t>See file “./Session 7 – Python/Instructional Material/Class Examples/Scikit-Learn/decision_tree_graph.html“ for the produced image.  </a:t>
-            </a:r>
-          </a:p>
-          <a:p>
-            <a:pPr lvl="2"/>
-            <a:r>
-              <a:rPr lang="en-US" dirty="0"/>
-              <a:t>Generated from iris data set</a:t>
-            </a:r>
-          </a:p>
-          <a:p>
-            <a:pPr lvl="2"/>
-            <a:r>
-              <a:rPr lang="en-US" dirty="0"/>
-              <a:t>Code can be found in class example code under the decision tree section</a:t>
-            </a:r>
-          </a:p>
-          <a:p>
-            <a:endParaRPr lang="en-US" dirty="0"/>
-          </a:p>
-        </p:txBody>
-      </p:sp>
-    </p:spTree>
-    <p:extLst>
-      <p:ext uri="{BB962C8B-B14F-4D97-AF65-F5344CB8AC3E}">
-        <p14:creationId xmlns:p14="http://schemas.microsoft.com/office/powerpoint/2010/main" val="2487683877"/>
-      </p:ext>
-    </p:extLst>
-  </p:cSld>
-  <p:clrMapOvr>
-    <a:overrideClrMapping bg1="lt1" tx1="dk1" bg2="lt2" tx2="dk2" accent1="accent1" accent2="accent2" accent3="accent3" accent4="accent4" accent5="accent5" accent6="accent6" hlink="hlink" folHlink="folHlink"/>
-  </p:clrMapOvr>
-</p:sld>
-</file>
-
-<file path=ppt/slides/slide36.xml><?xml version="1.0" encoding="utf-8"?>
-<p:sld xmlns:a="http://schemas.openxmlformats.org/drawingml/2006/main" xmlns:r="http://schemas.openxmlformats.org/officeDocument/2006/relationships" xmlns:p="http://schemas.openxmlformats.org/presentationml/2006/main">
-  <p:cSld>
-    <p:bg>
-      <p:bgPr>
-        <a:blipFill dpi="0" rotWithShape="1">
-          <a:blip r:embed="rId4">
-            <a:extLst>
-              <a:ext uri="{BEBA8EAE-BF5A-486C-A8C5-ECC9F3942E4B}">
-                <a14:imgProps xmlns:a14="http://schemas.microsoft.com/office/drawing/2010/main">
-                  <a14:imgLayer r:embed="rId5">
-                    <a14:imgEffect>
-                      <a14:brightnessContrast bright="-50000"/>
-                    </a14:imgEffect>
-                  </a14:imgLayer>
-                </a14:imgProps>
-              </a:ext>
-            </a:extLst>
-          </a:blip>
-          <a:srcRect/>
-          <a:stretch>
-            <a:fillRect l="-10000" r="-10000"/>
-          </a:stretch>
-        </a:blipFill>
-        <a:effectLst/>
-      </p:bgPr>
-    </p:bg>
-    <p:spTree>
-      <p:nvGrpSpPr>
-        <p:cNvPr id="1" name=""/>
-        <p:cNvGrpSpPr/>
-        <p:nvPr/>
-      </p:nvGrpSpPr>
-      <p:grpSpPr>
-        <a:xfrm>
-          <a:off x="0" y="0"/>
-          <a:ext cx="0" cy="0"/>
-          <a:chOff x="0" y="0"/>
-          <a:chExt cx="0" cy="0"/>
-        </a:xfrm>
-      </p:grpSpPr>
-      <p:sp>
-        <p:nvSpPr>
-          <p:cNvPr id="2" name="Title 1"/>
-          <p:cNvSpPr>
-            <a:spLocks noGrp="1"/>
-          </p:cNvSpPr>
-          <p:nvPr>
-            <p:ph type="title"/>
-          </p:nvPr>
-        </p:nvSpPr>
-        <p:spPr/>
-        <p:txBody>
-          <a:bodyPr/>
-          <a:lstStyle/>
-          <a:p>
-            <a:r>
-              <a:rPr lang="en-US" dirty="0"/>
-              <a:t>Linear Models - Classifiers</a:t>
-            </a:r>
-          </a:p>
-        </p:txBody>
-      </p:sp>
-      <p:sp>
-        <p:nvSpPr>
-          <p:cNvPr id="3" name="Content Placeholder 2"/>
-          <p:cNvSpPr>
-            <a:spLocks noGrp="1"/>
-          </p:cNvSpPr>
-          <p:nvPr>
-            <p:ph idx="1"/>
-          </p:nvPr>
-        </p:nvSpPr>
-        <p:spPr/>
-        <p:txBody>
-          <a:bodyPr/>
-          <a:lstStyle/>
-          <a:p>
-            <a:r>
-              <a:rPr lang="en-US" dirty="0"/>
-              <a:t>Decision Tree</a:t>
-            </a:r>
-          </a:p>
-          <a:p>
-            <a:pPr lvl="2"/>
-            <a:endParaRPr lang="en-US" dirty="0"/>
-          </a:p>
-          <a:p>
-            <a:endParaRPr lang="en-US" dirty="0"/>
-          </a:p>
-        </p:txBody>
-      </p:sp>
-      <p:pic>
-        <p:nvPicPr>
-          <p:cNvPr id="5" name="Picture 4">
-            <a:extLst>
-              <a:ext uri="{FF2B5EF4-FFF2-40B4-BE49-F238E27FC236}">
-                <a16:creationId xmlns:a16="http://schemas.microsoft.com/office/drawing/2014/main" id="{AEE9C498-C33F-4F9D-A693-50DA2A30C0BE}"/>
-              </a:ext>
-            </a:extLst>
-          </p:cNvPr>
-          <p:cNvPicPr>
-            <a:picLocks noChangeAspect="1"/>
-          </p:cNvPicPr>
-          <p:nvPr/>
-        </p:nvPicPr>
-        <p:blipFill>
-          <a:blip r:embed="rId6"/>
-          <a:stretch>
-            <a:fillRect/>
-          </a:stretch>
-        </p:blipFill>
-        <p:spPr>
-          <a:xfrm>
-            <a:off x="1524000" y="2209800"/>
-            <a:ext cx="6096000" cy="4304313"/>
-          </a:xfrm>
-          <a:prstGeom prst="rect">
-            <a:avLst/>
-          </a:prstGeom>
-        </p:spPr>
-      </p:pic>
-    </p:spTree>
-    <p:extLst>
-      <p:ext uri="{BB962C8B-B14F-4D97-AF65-F5344CB8AC3E}">
-        <p14:creationId xmlns:p14="http://schemas.microsoft.com/office/powerpoint/2010/main" val="3675808278"/>
-      </p:ext>
-    </p:extLst>
-  </p:cSld>
-  <p:clrMapOvr>
-    <a:overrideClrMapping bg1="lt1" tx1="dk1" bg2="lt2" tx2="dk2" accent1="accent1" accent2="accent2" accent3="accent3" accent4="accent4" accent5="accent5" accent6="accent6" hlink="hlink" folHlink="folHlink"/>
-  </p:clrMapOvr>
-</p:sld>
-</file>
-
-<file path=ppt/slides/slide37.xml><?xml version="1.0" encoding="utf-8"?>
-<p:sld xmlns:a="http://schemas.openxmlformats.org/drawingml/2006/main" xmlns:r="http://schemas.openxmlformats.org/officeDocument/2006/relationships" xmlns:p="http://schemas.openxmlformats.org/presentationml/2006/main">
-  <p:cSld>
-    <p:bg>
-      <p:bgPr>
-        <a:blipFill dpi="0" rotWithShape="1">
-          <a:blip r:embed="rId4">
-            <a:extLst>
-              <a:ext uri="{BEBA8EAE-BF5A-486C-A8C5-ECC9F3942E4B}">
-                <a14:imgProps xmlns:a14="http://schemas.microsoft.com/office/drawing/2010/main">
-                  <a14:imgLayer r:embed="rId5">
-                    <a14:imgEffect>
-                      <a14:brightnessContrast bright="-50000"/>
-                    </a14:imgEffect>
-                  </a14:imgLayer>
-                </a14:imgProps>
-              </a:ext>
-            </a:extLst>
-          </a:blip>
-          <a:srcRect/>
-          <a:stretch>
-            <a:fillRect l="-10000" r="-10000"/>
-          </a:stretch>
-        </a:blipFill>
-        <a:effectLst/>
-      </p:bgPr>
-    </p:bg>
-    <p:spTree>
-      <p:nvGrpSpPr>
-        <p:cNvPr id="1" name=""/>
-        <p:cNvGrpSpPr/>
-        <p:nvPr/>
-      </p:nvGrpSpPr>
-      <p:grpSpPr>
-        <a:xfrm>
-          <a:off x="0" y="0"/>
-          <a:ext cx="0" cy="0"/>
-          <a:chOff x="0" y="0"/>
-          <a:chExt cx="0" cy="0"/>
-        </a:xfrm>
-      </p:grpSpPr>
-      <p:sp>
-        <p:nvSpPr>
-          <p:cNvPr id="2" name="Title 1"/>
-          <p:cNvSpPr>
-            <a:spLocks noGrp="1"/>
-          </p:cNvSpPr>
-          <p:nvPr>
-            <p:ph type="title"/>
-          </p:nvPr>
-        </p:nvSpPr>
-        <p:spPr/>
-        <p:txBody>
-          <a:bodyPr/>
-          <a:lstStyle/>
-          <a:p>
-            <a:r>
-              <a:rPr lang="en-US" dirty="0"/>
-              <a:t>Linear Models - Classifiers</a:t>
-            </a:r>
-          </a:p>
-        </p:txBody>
-      </p:sp>
-      <p:sp>
-        <p:nvSpPr>
-          <p:cNvPr id="3" name="Content Placeholder 2"/>
-          <p:cNvSpPr>
-            <a:spLocks noGrp="1"/>
-          </p:cNvSpPr>
-          <p:nvPr>
-            <p:ph idx="1"/>
-          </p:nvPr>
-        </p:nvSpPr>
-        <p:spPr/>
-        <p:txBody>
-          <a:bodyPr/>
-          <a:lstStyle/>
-          <a:p>
-            <a:r>
-              <a:rPr lang="en-US" dirty="0"/>
-              <a:t>Logistic Regression</a:t>
-            </a:r>
-          </a:p>
-          <a:p>
-            <a:pPr lvl="2"/>
-            <a:endParaRPr lang="en-US" dirty="0"/>
-          </a:p>
-          <a:p>
-            <a:endParaRPr lang="en-US" dirty="0"/>
-          </a:p>
-        </p:txBody>
-      </p:sp>
-    </p:spTree>
-    <p:extLst>
-      <p:ext uri="{BB962C8B-B14F-4D97-AF65-F5344CB8AC3E}">
-        <p14:creationId xmlns:p14="http://schemas.microsoft.com/office/powerpoint/2010/main" val="578164379"/>
-      </p:ext>
-    </p:extLst>
-  </p:cSld>
-  <p:clrMapOvr>
-    <a:overrideClrMapping bg1="lt1" tx1="dk1" bg2="lt2" tx2="dk2" accent1="accent1" accent2="accent2" accent3="accent3" accent4="accent4" accent5="accent5" accent6="accent6" hlink="hlink" folHlink="folHlink"/>
-  </p:clrMapOvr>
-</p:sld>
-</file>
-
-<file path=ppt/slides/slide38.xml><?xml version="1.0" encoding="utf-8"?>
-<p:sld xmlns:a="http://schemas.openxmlformats.org/drawingml/2006/main" xmlns:r="http://schemas.openxmlformats.org/officeDocument/2006/relationships" xmlns:p="http://schemas.openxmlformats.org/presentationml/2006/main">
-  <p:cSld>
-    <p:bg>
-      <p:bgPr>
-        <a:blipFill dpi="0" rotWithShape="1">
-          <a:blip r:embed="rId4">
-            <a:extLst>
-              <a:ext uri="{BEBA8EAE-BF5A-486C-A8C5-ECC9F3942E4B}">
-                <a14:imgProps xmlns:a14="http://schemas.microsoft.com/office/drawing/2010/main">
-                  <a14:imgLayer r:embed="rId5">
-                    <a14:imgEffect>
-                      <a14:brightnessContrast bright="-50000"/>
-                    </a14:imgEffect>
-                  </a14:imgLayer>
-                </a14:imgProps>
-              </a:ext>
-            </a:extLst>
-          </a:blip>
-          <a:srcRect/>
-          <a:stretch>
-            <a:fillRect l="-10000" r="-10000"/>
-          </a:stretch>
-        </a:blipFill>
-        <a:effectLst/>
-      </p:bgPr>
-    </p:bg>
-    <p:spTree>
-      <p:nvGrpSpPr>
-        <p:cNvPr id="1" name=""/>
-        <p:cNvGrpSpPr/>
-        <p:nvPr/>
-      </p:nvGrpSpPr>
-      <p:grpSpPr>
-        <a:xfrm>
-          <a:off x="0" y="0"/>
-          <a:ext cx="0" cy="0"/>
-          <a:chOff x="0" y="0"/>
-          <a:chExt cx="0" cy="0"/>
-        </a:xfrm>
-      </p:grpSpPr>
-      <p:sp>
-        <p:nvSpPr>
-          <p:cNvPr id="2" name="Title 1"/>
-          <p:cNvSpPr>
-            <a:spLocks noGrp="1"/>
-          </p:cNvSpPr>
-          <p:nvPr>
-            <p:ph type="title"/>
-          </p:nvPr>
-        </p:nvSpPr>
-        <p:spPr/>
-        <p:txBody>
-          <a:bodyPr/>
-          <a:lstStyle/>
-          <a:p>
-            <a:r>
-              <a:rPr lang="en-US" dirty="0"/>
-              <a:t>Linear Models - Classifiers</a:t>
-            </a:r>
-          </a:p>
-        </p:txBody>
-      </p:sp>
-      <p:sp>
-        <p:nvSpPr>
-          <p:cNvPr id="3" name="Content Placeholder 2"/>
-          <p:cNvSpPr>
-            <a:spLocks noGrp="1"/>
-          </p:cNvSpPr>
-          <p:nvPr>
-            <p:ph idx="1"/>
-          </p:nvPr>
-        </p:nvSpPr>
-        <p:spPr/>
-        <p:txBody>
-          <a:bodyPr/>
-          <a:lstStyle/>
-          <a:p>
-            <a:r>
-              <a:rPr lang="en-US" dirty="0"/>
-              <a:t>Support Vector Classifier</a:t>
-            </a:r>
-          </a:p>
-          <a:p>
-            <a:pPr lvl="2"/>
-            <a:endParaRPr lang="en-US" dirty="0"/>
-          </a:p>
-          <a:p>
-            <a:endParaRPr lang="en-US" dirty="0"/>
-          </a:p>
-        </p:txBody>
-      </p:sp>
-    </p:spTree>
-    <p:extLst>
-      <p:ext uri="{BB962C8B-B14F-4D97-AF65-F5344CB8AC3E}">
-        <p14:creationId xmlns:p14="http://schemas.microsoft.com/office/powerpoint/2010/main" val="3528512833"/>
-      </p:ext>
-    </p:extLst>
-  </p:cSld>
-  <p:clrMapOvr>
-    <a:overrideClrMapping bg1="lt1" tx1="dk1" bg2="lt2" tx2="dk2" accent1="accent1" accent2="accent2" accent3="accent3" accent4="accent4" accent5="accent5" accent6="accent6" hlink="hlink" folHlink="folHlink"/>
-  </p:clrMapOvr>
-</p:sld>
-</file>
-
 <file path=ppt/slides/slide39.xml><?xml version="1.0" encoding="utf-8"?>
 <p:sld xmlns:a="http://schemas.openxmlformats.org/drawingml/2006/main" xmlns:r="http://schemas.openxmlformats.org/officeDocument/2006/relationships" xmlns:p="http://schemas.openxmlformats.org/presentationml/2006/main">
   <p:cSld>
@@ -11998,7 +12292,7 @@
           <a:p>
             <a:r>
               <a:rPr lang="en-US" dirty="0"/>
-              <a:t>Linear Models - Regressors</a:t>
+              <a:t>Linear Models - Classifiers</a:t>
             </a:r>
           </a:p>
         </p:txBody>
@@ -12020,8 +12314,30 @@
           <a:p>
             <a:r>
               <a:rPr lang="en-US" dirty="0"/>
-              <a:t>K-Nearest Neighbors Regression</a:t>
-            </a:r>
+              <a:t>In-Class Exercise</a:t>
+            </a:r>
+          </a:p>
+          <a:p>
+            <a:pPr lvl="1"/>
+            <a:r>
+              <a:rPr lang="en-US" dirty="0"/>
+              <a:t>Run the classifier example with k-nearest neighbors and optimize based on number of neighbors</a:t>
+            </a:r>
+          </a:p>
+          <a:p>
+            <a:pPr lvl="2"/>
+            <a:endParaRPr lang="en-US" dirty="0"/>
+          </a:p>
+          <a:p>
+            <a:endParaRPr lang="en-US" dirty="0"/>
+          </a:p>
+          <a:p>
+            <a:pPr lvl="1"/>
+            <a:endParaRPr lang="en-US" dirty="0"/>
+          </a:p>
+          <a:p>
+            <a:pPr lvl="2"/>
+            <a:endParaRPr lang="en-US" dirty="0"/>
           </a:p>
           <a:p>
             <a:pPr lvl="2"/>
@@ -12035,7 +12351,7 @@
     </p:spTree>
     <p:extLst>
       <p:ext uri="{BB962C8B-B14F-4D97-AF65-F5344CB8AC3E}">
-        <p14:creationId xmlns:p14="http://schemas.microsoft.com/office/powerpoint/2010/main" val="3048577779"/>
+        <p14:creationId xmlns:p14="http://schemas.microsoft.com/office/powerpoint/2010/main" val="3634293830"/>
       </p:ext>
     </p:extLst>
   </p:cSld>
@@ -12134,7 +12450,7 @@
             <a:pPr lvl="1"/>
             <a:r>
               <a:rPr lang="en-US" dirty="0"/>
-              <a:t>The use of a model built off of data to increase the predictive ability of an algorithm.</a:t>
+              <a:t>The use of a model that learns from data to increase the predictive ability of an algorithm.</a:t>
             </a:r>
           </a:p>
           <a:p>
@@ -12182,11 +12498,11 @@
     <p:bg>
       <p:bgPr>
         <a:blipFill dpi="0" rotWithShape="1">
-          <a:blip r:embed="rId3">
+          <a:blip r:embed="rId4">
             <a:extLst>
               <a:ext uri="{BEBA8EAE-BF5A-486C-A8C5-ECC9F3942E4B}">
                 <a14:imgProps xmlns:a14="http://schemas.microsoft.com/office/drawing/2010/main">
-                  <a14:imgLayer r:embed="rId4">
+                  <a14:imgLayer r:embed="rId5">
                     <a14:imgEffect>
                       <a14:brightnessContrast bright="-50000"/>
                     </a14:imgEffect>
@@ -12234,7 +12550,7 @@
           <a:p>
             <a:r>
               <a:rPr lang="en-US" dirty="0"/>
-              <a:t>Linear Models - Regressors</a:t>
+              <a:t>Linear Models - Classifiers</a:t>
             </a:r>
           </a:p>
         </p:txBody>
@@ -12251,158 +12567,33 @@
         </p:nvSpPr>
         <p:spPr/>
         <p:txBody>
-          <a:bodyPr>
-            <a:normAutofit/>
-          </a:bodyPr>
-          <a:lstStyle/>
-          <a:p>
-            <a:r>
-              <a:rPr lang="en-US" dirty="0"/>
-              <a:t>Regressors</a:t>
+          <a:bodyPr/>
+          <a:lstStyle/>
+          <a:p>
+            <a:r>
+              <a:rPr lang="en-US" dirty="0"/>
+              <a:t>Decision Tree</a:t>
             </a:r>
           </a:p>
           <a:p>
             <a:pPr lvl="1"/>
             <a:r>
               <a:rPr lang="en-US" dirty="0"/>
-              <a:t>Tries to predict as close to a value as possible.</a:t>
+              <a:t>Builds a series of if-statements to classify test points.</a:t>
             </a:r>
           </a:p>
           <a:p>
             <a:pPr lvl="1"/>
             <a:r>
               <a:rPr lang="en-US" dirty="0"/>
-              <a:t>Creates a linear equation to predict outcomes:</a:t>
-            </a:r>
-          </a:p>
-          <a:p>
-            <a:pPr lvl="2"/>
-            <a:r>
-              <a:rPr lang="en-US" dirty="0" err="1"/>
-              <a:t>Y</a:t>
-            </a:r>
-            <a:r>
-              <a:rPr lang="en-US" baseline="-25000" dirty="0" err="1"/>
-              <a:t>predict</a:t>
-            </a:r>
-            <a:r>
-              <a:rPr lang="en-US" dirty="0"/>
-              <a:t> = w</a:t>
-            </a:r>
-            <a:r>
-              <a:rPr lang="en-US" baseline="-25000" dirty="0"/>
-              <a:t>1</a:t>
-            </a:r>
-            <a:r>
-              <a:rPr lang="en-US" dirty="0"/>
-              <a:t>*f</a:t>
-            </a:r>
-            <a:r>
-              <a:rPr lang="en-US" baseline="-25000" dirty="0"/>
-              <a:t>1</a:t>
-            </a:r>
-            <a:r>
-              <a:rPr lang="en-US" dirty="0"/>
-              <a:t> + w</a:t>
-            </a:r>
-            <a:r>
-              <a:rPr lang="en-US" baseline="-25000" dirty="0"/>
-              <a:t>2</a:t>
-            </a:r>
-            <a:r>
-              <a:rPr lang="en-US" dirty="0"/>
-              <a:t>*f</a:t>
-            </a:r>
-            <a:r>
-              <a:rPr lang="en-US" baseline="-25000" dirty="0"/>
-              <a:t>2</a:t>
-            </a:r>
-            <a:r>
-              <a:rPr lang="en-US" dirty="0"/>
-              <a:t> + w</a:t>
-            </a:r>
-            <a:r>
-              <a:rPr lang="en-US" baseline="-25000" dirty="0"/>
-              <a:t>3</a:t>
-            </a:r>
-            <a:r>
-              <a:rPr lang="en-US" dirty="0"/>
-              <a:t>*f</a:t>
-            </a:r>
-            <a:r>
-              <a:rPr lang="en-US" baseline="-25000" dirty="0"/>
-              <a:t>3</a:t>
-            </a:r>
-            <a:r>
-              <a:rPr lang="en-US" dirty="0"/>
-              <a:t> + … + </a:t>
-            </a:r>
-            <a:r>
-              <a:rPr lang="en-US" dirty="0" err="1"/>
-              <a:t>w</a:t>
-            </a:r>
-            <a:r>
-              <a:rPr lang="en-US" baseline="-25000" dirty="0" err="1"/>
-              <a:t>n</a:t>
-            </a:r>
-            <a:r>
-              <a:rPr lang="en-US" dirty="0"/>
-              <a:t>*</a:t>
-            </a:r>
-            <a:r>
-              <a:rPr lang="en-US" dirty="0" err="1"/>
-              <a:t>f</a:t>
-            </a:r>
-            <a:r>
-              <a:rPr lang="en-US" baseline="-25000" dirty="0" err="1"/>
-              <a:t>n</a:t>
-            </a:r>
-            <a:r>
-              <a:rPr lang="en-US" dirty="0"/>
-              <a:t> + b</a:t>
-            </a:r>
-          </a:p>
-          <a:p>
-            <a:pPr lvl="3"/>
-            <a:r>
-              <a:rPr lang="en-US" dirty="0" err="1"/>
-              <a:t>Y</a:t>
-            </a:r>
-            <a:r>
-              <a:rPr lang="en-US" baseline="-25000" dirty="0" err="1"/>
-              <a:t>predict</a:t>
-            </a:r>
-            <a:r>
-              <a:rPr lang="en-US" dirty="0"/>
-              <a:t> = prediction value</a:t>
-            </a:r>
-          </a:p>
-          <a:p>
-            <a:pPr lvl="3"/>
-            <a:r>
-              <a:rPr lang="en-US" dirty="0"/>
-              <a:t>w = weights</a:t>
-            </a:r>
-          </a:p>
-          <a:p>
-            <a:pPr lvl="3"/>
-            <a:r>
-              <a:rPr lang="en-US" dirty="0"/>
-              <a:t>f = feature value</a:t>
-            </a:r>
-          </a:p>
-          <a:p>
-            <a:pPr lvl="3"/>
-            <a:r>
-              <a:rPr lang="en-US" dirty="0"/>
-              <a:t>b = intercept of linear line</a:t>
-            </a:r>
-          </a:p>
-          <a:p>
-            <a:pPr lvl="3"/>
-            <a:r>
-              <a:rPr lang="en-US" dirty="0"/>
-              <a:t>n = number of features</a:t>
+              <a:t>Boundaries around classifications are built based on the data.</a:t>
+            </a:r>
+          </a:p>
+          <a:p>
+            <a:pPr lvl="1"/>
+            <a:r>
+              <a:rPr lang="en-US" dirty="0"/>
+              <a:t>The number of if statement groups, or boundaries created, is known as the depth.</a:t>
             </a:r>
           </a:p>
           <a:p>
@@ -12417,7 +12608,7 @@
     </p:spTree>
     <p:extLst>
       <p:ext uri="{BB962C8B-B14F-4D97-AF65-F5344CB8AC3E}">
-        <p14:creationId xmlns:p14="http://schemas.microsoft.com/office/powerpoint/2010/main" val="1469044682"/>
+        <p14:creationId xmlns:p14="http://schemas.microsoft.com/office/powerpoint/2010/main" val="31895842"/>
       </p:ext>
     </p:extLst>
   </p:cSld>
@@ -12433,11 +12624,11 @@
     <p:bg>
       <p:bgPr>
         <a:blipFill dpi="0" rotWithShape="1">
-          <a:blip r:embed="rId3">
+          <a:blip r:embed="rId4">
             <a:extLst>
               <a:ext uri="{BEBA8EAE-BF5A-486C-A8C5-ECC9F3942E4B}">
                 <a14:imgProps xmlns:a14="http://schemas.microsoft.com/office/drawing/2010/main">
-                  <a14:imgLayer r:embed="rId4">
+                  <a14:imgLayer r:embed="rId5">
                     <a14:imgEffect>
                       <a14:brightnessContrast bright="-50000"/>
                     </a14:imgEffect>
@@ -12485,7 +12676,7 @@
           <a:p>
             <a:r>
               <a:rPr lang="en-US" dirty="0"/>
-              <a:t>Linear Models - Regressors</a:t>
+              <a:t>Linear Models - Classifiers</a:t>
             </a:r>
           </a:p>
         </p:txBody>
@@ -12502,60 +12693,34 @@
         </p:nvSpPr>
         <p:spPr/>
         <p:txBody>
-          <a:bodyPr>
-            <a:normAutofit/>
-          </a:bodyPr>
-          <a:lstStyle/>
-          <a:p>
-            <a:r>
-              <a:rPr lang="en-US" dirty="0"/>
-              <a:t>Regressors</a:t>
+          <a:bodyPr/>
+          <a:lstStyle/>
+          <a:p>
+            <a:r>
+              <a:rPr lang="en-US" dirty="0"/>
+              <a:t>Decision Tree</a:t>
             </a:r>
           </a:p>
           <a:p>
             <a:pPr lvl="1"/>
             <a:r>
               <a:rPr lang="en-US" dirty="0"/>
-              <a:t>The models we train adjust the values of </a:t>
-            </a:r>
-            <a:r>
-              <a:rPr lang="en-US" dirty="0" err="1"/>
-              <a:t>w</a:t>
-            </a:r>
-            <a:r>
-              <a:rPr lang="en-US" baseline="-25000" dirty="0" err="1"/>
-              <a:t>x</a:t>
-            </a:r>
-            <a:r>
-              <a:rPr lang="en-US" dirty="0"/>
-              <a:t> and b.</a:t>
-            </a:r>
-            <a:endParaRPr lang="en-US" baseline="-25000" dirty="0"/>
-          </a:p>
-          <a:p>
-            <a:pPr lvl="1"/>
-            <a:r>
-              <a:rPr lang="en-US" dirty="0"/>
-              <a:t>Examples:</a:t>
+              <a:t>See file “./Session 7 – Python/Instructional Material/Class Examples/Scikit-Learn/decision_tree_graph.html“ for the produced image.  </a:t>
             </a:r>
           </a:p>
           <a:p>
             <a:pPr lvl="2"/>
             <a:r>
               <a:rPr lang="en-US" dirty="0"/>
-              <a:t>Trying to predict median household income of an area.</a:t>
+              <a:t>Generated from iris data set</a:t>
             </a:r>
           </a:p>
           <a:p>
             <a:pPr lvl="2"/>
             <a:r>
               <a:rPr lang="en-US" dirty="0"/>
-              <a:t>Trying to predict the value a stock will rise to.</a:t>
-            </a:r>
-          </a:p>
-          <a:p>
-            <a:pPr lvl="2"/>
-            <a:endParaRPr lang="en-US" dirty="0"/>
+              <a:t>Code can be found in class example code under the decision tree section</a:t>
+            </a:r>
           </a:p>
           <a:p>
             <a:endParaRPr lang="en-US" dirty="0"/>
@@ -12565,7 +12730,7 @@
     </p:spTree>
     <p:extLst>
       <p:ext uri="{BB962C8B-B14F-4D97-AF65-F5344CB8AC3E}">
-        <p14:creationId xmlns:p14="http://schemas.microsoft.com/office/powerpoint/2010/main" val="3393903202"/>
+        <p14:creationId xmlns:p14="http://schemas.microsoft.com/office/powerpoint/2010/main" val="2487683877"/>
       </p:ext>
     </p:extLst>
   </p:cSld>
@@ -12581,11 +12746,11 @@
     <p:bg>
       <p:bgPr>
         <a:blipFill dpi="0" rotWithShape="1">
-          <a:blip r:embed="rId3">
+          <a:blip r:embed="rId4">
             <a:extLst>
               <a:ext uri="{BEBA8EAE-BF5A-486C-A8C5-ECC9F3942E4B}">
                 <a14:imgProps xmlns:a14="http://schemas.microsoft.com/office/drawing/2010/main">
-                  <a14:imgLayer r:embed="rId4">
+                  <a14:imgLayer r:embed="rId5">
                     <a14:imgEffect>
                       <a14:brightnessContrast bright="-50000"/>
                     </a14:imgEffect>
@@ -12633,7 +12798,7 @@
           <a:p>
             <a:r>
               <a:rPr lang="en-US" dirty="0"/>
-              <a:t>Linear Models - Regressors</a:t>
+              <a:t>Linear Models - Classifiers</a:t>
             </a:r>
           </a:p>
         </p:txBody>
@@ -12655,39 +12820,52 @@
           <a:p>
             <a:r>
               <a:rPr lang="en-US" dirty="0"/>
-              <a:t>Linear Regression (Ordinary Least Squares)</a:t>
-            </a:r>
-          </a:p>
-          <a:p>
-            <a:pPr lvl="1"/>
-            <a:r>
-              <a:rPr lang="en-US" dirty="0"/>
-              <a:t>Attempts to minimize the mean squared error between the prediction and the target values.</a:t>
-            </a:r>
-          </a:p>
-          <a:p>
-            <a:pPr lvl="1"/>
-            <a:r>
-              <a:rPr lang="en-US" dirty="0"/>
-              <a:t>The error of this trainer is calculated by adding the squared differences between the predicted value with the actual target value.</a:t>
-            </a:r>
-          </a:p>
-          <a:p>
-            <a:pPr lvl="1"/>
-            <a:r>
-              <a:rPr lang="en-US" dirty="0"/>
-              <a:t>No regularization parameters to adjust the accuracy of this trainer</a:t>
-            </a:r>
-          </a:p>
-          <a:p>
-            <a:endParaRPr lang="en-US" dirty="0"/>
-          </a:p>
-        </p:txBody>
-      </p:sp>
+              <a:t>Decision Tree</a:t>
+            </a:r>
+          </a:p>
+          <a:p>
+            <a:pPr lvl="2"/>
+            <a:endParaRPr lang="en-US" dirty="0"/>
+          </a:p>
+          <a:p>
+            <a:endParaRPr lang="en-US" dirty="0"/>
+          </a:p>
+        </p:txBody>
+      </p:sp>
+      <p:pic>
+        <p:nvPicPr>
+          <p:cNvPr id="5" name="Picture 4">
+            <a:extLst>
+              <a:ext uri="{FF2B5EF4-FFF2-40B4-BE49-F238E27FC236}">
+                <a16:creationId xmlns:a16="http://schemas.microsoft.com/office/drawing/2014/main" id="{AEE9C498-C33F-4F9D-A693-50DA2A30C0BE}"/>
+              </a:ext>
+            </a:extLst>
+          </p:cNvPr>
+          <p:cNvPicPr>
+            <a:picLocks noChangeAspect="1"/>
+          </p:cNvPicPr>
+          <p:nvPr/>
+        </p:nvPicPr>
+        <p:blipFill>
+          <a:blip r:embed="rId6"/>
+          <a:stretch>
+            <a:fillRect/>
+          </a:stretch>
+        </p:blipFill>
+        <p:spPr>
+          <a:xfrm>
+            <a:off x="1524000" y="2209800"/>
+            <a:ext cx="6096000" cy="4304313"/>
+          </a:xfrm>
+          <a:prstGeom prst="rect">
+            <a:avLst/>
+          </a:prstGeom>
+        </p:spPr>
+      </p:pic>
     </p:spTree>
     <p:extLst>
       <p:ext uri="{BB962C8B-B14F-4D97-AF65-F5344CB8AC3E}">
-        <p14:creationId xmlns:p14="http://schemas.microsoft.com/office/powerpoint/2010/main" val="2836403428"/>
+        <p14:creationId xmlns:p14="http://schemas.microsoft.com/office/powerpoint/2010/main" val="3675808278"/>
       </p:ext>
     </p:extLst>
   </p:cSld>
@@ -12755,7 +12933,7 @@
           <a:p>
             <a:r>
               <a:rPr lang="en-US" dirty="0"/>
-              <a:t>Linear Models - Regressors</a:t>
+              <a:t>Linear Models - Classifiers</a:t>
             </a:r>
           </a:p>
         </p:txBody>
@@ -12777,12 +12955,15 @@
           <a:p>
             <a:r>
               <a:rPr lang="en-US" dirty="0"/>
-              <a:t>In-Class Example – Linear Regression</a:t>
+              <a:t>In-Class Exercise</a:t>
             </a:r>
           </a:p>
           <a:p>
             <a:pPr lvl="1"/>
-            <a:endParaRPr lang="en-US" dirty="0"/>
+            <a:r>
+              <a:rPr lang="en-US" dirty="0"/>
+              <a:t>Run the decision tree classifier example.  Play with the depth to build accuracy, using at least 1-6 depths.  Does accuracy continue to increase with depth? Why or why not?</a:t>
+            </a:r>
           </a:p>
           <a:p>
             <a:pPr lvl="2"/>
@@ -12811,7 +12992,7 @@
     </p:spTree>
     <p:extLst>
       <p:ext uri="{BB962C8B-B14F-4D97-AF65-F5344CB8AC3E}">
-        <p14:creationId xmlns:p14="http://schemas.microsoft.com/office/powerpoint/2010/main" val="3636144303"/>
+        <p14:creationId xmlns:p14="http://schemas.microsoft.com/office/powerpoint/2010/main" val="211907857"/>
       </p:ext>
     </p:extLst>
   </p:cSld>
@@ -12827,11 +13008,11 @@
     <p:bg>
       <p:bgPr>
         <a:blipFill dpi="0" rotWithShape="1">
-          <a:blip r:embed="rId3">
+          <a:blip r:embed="rId4">
             <a:extLst>
               <a:ext uri="{BEBA8EAE-BF5A-486C-A8C5-ECC9F3942E4B}">
                 <a14:imgProps xmlns:a14="http://schemas.microsoft.com/office/drawing/2010/main">
-                  <a14:imgLayer r:embed="rId4">
+                  <a14:imgLayer r:embed="rId5">
                     <a14:imgEffect>
                       <a14:brightnessContrast bright="-50000"/>
                     </a14:imgEffect>
@@ -12879,7 +13060,7 @@
           <a:p>
             <a:r>
               <a:rPr lang="en-US" dirty="0"/>
-              <a:t>Linear Models - Regressors</a:t>
+              <a:t>Linear Models - Classifiers</a:t>
             </a:r>
           </a:p>
         </p:txBody>
@@ -12896,21 +13077,54 @@
         </p:nvSpPr>
         <p:spPr/>
         <p:txBody>
-          <a:bodyPr>
-            <a:normAutofit/>
-          </a:bodyPr>
-          <a:lstStyle/>
-          <a:p>
-            <a:r>
-              <a:rPr lang="en-US" dirty="0"/>
-              <a:t>Ridge Regression</a:t>
+          <a:bodyPr/>
+          <a:lstStyle/>
+          <a:p>
+            <a:r>
+              <a:rPr lang="en-US" dirty="0"/>
+              <a:t>Logistic Regression</a:t>
             </a:r>
           </a:p>
           <a:p>
             <a:pPr lvl="1"/>
             <a:r>
               <a:rPr lang="en-US" dirty="0"/>
-              <a:t>Uses OLS to fit the data, with the additional constraint of attempting to minimize the magnitude of the weight coefficients for each feature without eliminating the feature.</a:t>
+              <a:t>Works similar to regressors, using a linear equation to generate decision boundaries/predict the label of the data point.</a:t>
+            </a:r>
+          </a:p>
+          <a:p>
+            <a:pPr lvl="1"/>
+            <a:r>
+              <a:rPr lang="en-US" dirty="0"/>
+              <a:t>Uses regularization parameter c</a:t>
+            </a:r>
+          </a:p>
+          <a:p>
+            <a:pPr lvl="1"/>
+            <a:r>
+              <a:rPr lang="en-US" dirty="0"/>
+              <a:t>High c value</a:t>
+            </a:r>
+          </a:p>
+          <a:p>
+            <a:pPr lvl="2"/>
+            <a:r>
+              <a:rPr lang="en-US" dirty="0"/>
+              <a:t>Less regularization</a:t>
+            </a:r>
+          </a:p>
+          <a:p>
+            <a:pPr lvl="2"/>
+            <a:r>
+              <a:rPr lang="en-US" dirty="0"/>
+              <a:t>Model tries to fit training set more closely</a:t>
+            </a:r>
+          </a:p>
+          <a:p>
+            <a:pPr lvl="2"/>
+            <a:r>
+              <a:rPr lang="en-US" dirty="0"/>
+              <a:t>Each feature is stressed in the weighting</a:t>
             </a:r>
           </a:p>
           <a:p>
@@ -12925,7 +13139,7 @@
     </p:spTree>
     <p:extLst>
       <p:ext uri="{BB962C8B-B14F-4D97-AF65-F5344CB8AC3E}">
-        <p14:creationId xmlns:p14="http://schemas.microsoft.com/office/powerpoint/2010/main" val="474133971"/>
+        <p14:creationId xmlns:p14="http://schemas.microsoft.com/office/powerpoint/2010/main" val="578164379"/>
       </p:ext>
     </p:extLst>
   </p:cSld>
@@ -12941,11 +13155,11 @@
     <p:bg>
       <p:bgPr>
         <a:blipFill dpi="0" rotWithShape="1">
-          <a:blip r:embed="rId3">
+          <a:blip r:embed="rId4">
             <a:extLst>
               <a:ext uri="{BEBA8EAE-BF5A-486C-A8C5-ECC9F3942E4B}">
                 <a14:imgProps xmlns:a14="http://schemas.microsoft.com/office/drawing/2010/main">
-                  <a14:imgLayer r:embed="rId4">
+                  <a14:imgLayer r:embed="rId5">
                     <a14:imgEffect>
                       <a14:brightnessContrast bright="-50000"/>
                     </a14:imgEffect>
@@ -12993,7 +13207,7 @@
           <a:p>
             <a:r>
               <a:rPr lang="en-US" dirty="0"/>
-              <a:t>Linear Models - Regressors</a:t>
+              <a:t>Linear Models - Classifiers</a:t>
             </a:r>
           </a:p>
         </p:txBody>
@@ -13010,35 +13224,47 @@
         </p:nvSpPr>
         <p:spPr/>
         <p:txBody>
-          <a:bodyPr>
-            <a:normAutofit/>
-          </a:bodyPr>
-          <a:lstStyle/>
-          <a:p>
-            <a:r>
-              <a:rPr lang="en-US" dirty="0"/>
-              <a:t>Ridge Regression</a:t>
+          <a:bodyPr/>
+          <a:lstStyle/>
+          <a:p>
+            <a:r>
+              <a:rPr lang="en-US" dirty="0"/>
+              <a:t>Logistic Regression</a:t>
             </a:r>
           </a:p>
           <a:p>
             <a:pPr lvl="1"/>
             <a:r>
               <a:rPr lang="en-US" dirty="0"/>
-              <a:t>Each weight should be as close to zero as possible.</a:t>
-            </a:r>
-          </a:p>
-          <a:p>
-            <a:pPr lvl="1"/>
-            <a:r>
-              <a:rPr lang="en-US" dirty="0"/>
-              <a:t>Each feature will have as little affect on the prediction as possible.</a:t>
-            </a:r>
-          </a:p>
-          <a:p>
-            <a:pPr lvl="1"/>
-            <a:r>
-              <a:rPr lang="en-US" dirty="0"/>
-              <a:t>Note that the feature weights will not be exactly zero using this trainer, so each feature still affects the prediction.</a:t>
+              <a:t>Low c value</a:t>
+            </a:r>
+          </a:p>
+          <a:p>
+            <a:pPr lvl="2"/>
+            <a:r>
+              <a:rPr lang="en-US" dirty="0"/>
+              <a:t>More regularization</a:t>
+            </a:r>
+          </a:p>
+          <a:p>
+            <a:pPr lvl="2"/>
+            <a:r>
+              <a:rPr lang="en-US" dirty="0"/>
+              <a:t>Each weight is brought closer to zero, which minimizes the importance of each individual feature on the overall label prediction.</a:t>
+            </a:r>
+          </a:p>
+          <a:p>
+            <a:pPr lvl="2"/>
+            <a:r>
+              <a:rPr lang="en-US" dirty="0"/>
+              <a:t>Model stresses generalization, and adjusts to hit the majority of points more than each one</a:t>
+            </a:r>
+          </a:p>
+          <a:p>
+            <a:pPr lvl="3"/>
+            <a:r>
+              <a:rPr lang="en-US" dirty="0"/>
+              <a:t>Too much regularization can cause the model to miss points that are close to both categories.</a:t>
             </a:r>
           </a:p>
           <a:p>
@@ -13053,7 +13279,7 @@
     </p:spTree>
     <p:extLst>
       <p:ext uri="{BB962C8B-B14F-4D97-AF65-F5344CB8AC3E}">
-        <p14:creationId xmlns:p14="http://schemas.microsoft.com/office/powerpoint/2010/main" val="3620252848"/>
+        <p14:creationId xmlns:p14="http://schemas.microsoft.com/office/powerpoint/2010/main" val="2903615527"/>
       </p:ext>
     </p:extLst>
   </p:cSld>
@@ -13121,7 +13347,7 @@
           <a:p>
             <a:r>
               <a:rPr lang="en-US" dirty="0"/>
-              <a:t>Linear Models - Regressors</a:t>
+              <a:t>Linear Models - Classifiers</a:t>
             </a:r>
           </a:p>
         </p:txBody>
@@ -13143,36 +13369,30 @@
           <a:p>
             <a:r>
               <a:rPr lang="en-US" dirty="0"/>
-              <a:t>Ridge Regression</a:t>
+              <a:t>In-Class Exercise</a:t>
             </a:r>
           </a:p>
           <a:p>
             <a:pPr lvl="1"/>
             <a:r>
               <a:rPr lang="en-US" dirty="0"/>
-              <a:t>Attempting to minimize the weight magnitudes is a form of regularization.</a:t>
+              <a:t>Optimize c for logistic regression.</a:t>
             </a:r>
           </a:p>
           <a:p>
             <a:pPr lvl="2"/>
-            <a:r>
-              <a:rPr lang="en-US" dirty="0"/>
-              <a:t>Regularization is used to attempt to prevent overfitting.</a:t>
-            </a:r>
+            <a:endParaRPr lang="en-US" dirty="0"/>
+          </a:p>
+          <a:p>
+            <a:endParaRPr lang="en-US" dirty="0"/>
           </a:p>
           <a:p>
             <a:pPr lvl="1"/>
-            <a:r>
-              <a:rPr lang="en-US" dirty="0"/>
-              <a:t>This trainer uses L2 regularization</a:t>
-            </a:r>
+            <a:endParaRPr lang="en-US" dirty="0"/>
           </a:p>
           <a:p>
             <a:pPr lvl="2"/>
-            <a:r>
-              <a:rPr lang="en-US" dirty="0"/>
-              <a:t>The sum of the square of the weight coefficient for each feature is used as a penalty term in determining model accuracy.</a:t>
-            </a:r>
+            <a:endParaRPr lang="en-US" dirty="0"/>
           </a:p>
           <a:p>
             <a:pPr lvl="2"/>
@@ -13186,7 +13406,7 @@
     </p:spTree>
     <p:extLst>
       <p:ext uri="{BB962C8B-B14F-4D97-AF65-F5344CB8AC3E}">
-        <p14:creationId xmlns:p14="http://schemas.microsoft.com/office/powerpoint/2010/main" val="1031170893"/>
+        <p14:creationId xmlns:p14="http://schemas.microsoft.com/office/powerpoint/2010/main" val="3432284004"/>
       </p:ext>
     </p:extLst>
   </p:cSld>
@@ -13202,11 +13422,11 @@
     <p:bg>
       <p:bgPr>
         <a:blipFill dpi="0" rotWithShape="1">
-          <a:blip r:embed="rId3">
+          <a:blip r:embed="rId4">
             <a:extLst>
               <a:ext uri="{BEBA8EAE-BF5A-486C-A8C5-ECC9F3942E4B}">
                 <a14:imgProps xmlns:a14="http://schemas.microsoft.com/office/drawing/2010/main">
-                  <a14:imgLayer r:embed="rId4">
+                  <a14:imgLayer r:embed="rId5">
                     <a14:imgEffect>
                       <a14:brightnessContrast bright="-50000"/>
                     </a14:imgEffect>
@@ -13254,7 +13474,7 @@
           <a:p>
             <a:r>
               <a:rPr lang="en-US" dirty="0"/>
-              <a:t>Linear Models - Regressors</a:t>
+              <a:t>Linear Models - Classifiers</a:t>
             </a:r>
           </a:p>
         </p:txBody>
@@ -13276,47 +13496,22 @@
           <a:p>
             <a:r>
               <a:rPr lang="en-US" dirty="0"/>
-              <a:t>Ridge Regression</a:t>
+              <a:t>Support Vector Machine (SVM) Classifiers</a:t>
             </a:r>
           </a:p>
           <a:p>
             <a:pPr lvl="1"/>
             <a:r>
               <a:rPr lang="en-US" dirty="0"/>
-              <a:t>For this Scikit-Learn trainer, the alpha term is used for regularization.</a:t>
+              <a:t>Linear</a:t>
             </a:r>
           </a:p>
           <a:p>
             <a:pPr lvl="1"/>
             <a:r>
               <a:rPr lang="en-US" dirty="0"/>
-              <a:t>Increasing alpha moves each feature’s weight more towards zero.</a:t>
-            </a:r>
-          </a:p>
-          <a:p>
-            <a:pPr lvl="2"/>
-            <a:r>
-              <a:rPr lang="en-US" dirty="0"/>
-              <a:t>This may help make the model more generalized, which will help overfitting.</a:t>
-            </a:r>
-          </a:p>
-          <a:p>
-            <a:pPr lvl="2"/>
-            <a:r>
-              <a:rPr lang="en-US" dirty="0"/>
-              <a:t>This will decrease training set performance.</a:t>
-            </a:r>
-          </a:p>
-          <a:p>
-            <a:endParaRPr lang="en-US" dirty="0"/>
-          </a:p>
-          <a:p>
-            <a:pPr lvl="1"/>
-            <a:endParaRPr lang="en-US" dirty="0"/>
-          </a:p>
-          <a:p>
-            <a:pPr lvl="2"/>
-            <a:endParaRPr lang="en-US" dirty="0"/>
+              <a:t>Kernelized</a:t>
+            </a:r>
           </a:p>
           <a:p>
             <a:pPr lvl="2"/>
@@ -13330,7 +13525,7 @@
     </p:spTree>
     <p:extLst>
       <p:ext uri="{BB962C8B-B14F-4D97-AF65-F5344CB8AC3E}">
-        <p14:creationId xmlns:p14="http://schemas.microsoft.com/office/powerpoint/2010/main" val="4041600192"/>
+        <p14:creationId xmlns:p14="http://schemas.microsoft.com/office/powerpoint/2010/main" val="3528512833"/>
       </p:ext>
     </p:extLst>
   </p:cSld>
@@ -13346,11 +13541,11 @@
     <p:bg>
       <p:bgPr>
         <a:blipFill dpi="0" rotWithShape="1">
-          <a:blip r:embed="rId3">
+          <a:blip r:embed="rId4">
             <a:extLst>
               <a:ext uri="{BEBA8EAE-BF5A-486C-A8C5-ECC9F3942E4B}">
                 <a14:imgProps xmlns:a14="http://schemas.microsoft.com/office/drawing/2010/main">
-                  <a14:imgLayer r:embed="rId4">
+                  <a14:imgLayer r:embed="rId5">
                     <a14:imgEffect>
                       <a14:brightnessContrast bright="-50000"/>
                     </a14:imgEffect>
@@ -13398,7 +13593,7 @@
           <a:p>
             <a:r>
               <a:rPr lang="en-US" dirty="0"/>
-              <a:t>Linear Models - Regressors</a:t>
+              <a:t>Linear Models - Classifiers</a:t>
             </a:r>
           </a:p>
         </p:txBody>
@@ -13420,36 +13615,11 @@
           <a:p>
             <a:r>
               <a:rPr lang="en-US" dirty="0"/>
-              <a:t>Ridge Regression</a:t>
+              <a:t>Linear SVM</a:t>
             </a:r>
           </a:p>
           <a:p>
             <a:pPr lvl="1"/>
-            <a:r>
-              <a:rPr lang="en-US" dirty="0"/>
-              <a:t>Increasing alpha more and more will not necessarily make the model more predictive.</a:t>
-            </a:r>
-          </a:p>
-          <a:p>
-            <a:pPr lvl="1"/>
-            <a:r>
-              <a:rPr lang="en-US" dirty="0"/>
-              <a:t>Alpha will need tuned for an optimal model.</a:t>
-            </a:r>
-          </a:p>
-          <a:p>
-            <a:pPr lvl="2"/>
-            <a:endParaRPr lang="en-US" dirty="0"/>
-          </a:p>
-          <a:p>
-            <a:endParaRPr lang="en-US" dirty="0"/>
-          </a:p>
-          <a:p>
-            <a:pPr lvl="1"/>
-            <a:endParaRPr lang="en-US" dirty="0"/>
-          </a:p>
-          <a:p>
-            <a:pPr lvl="2"/>
             <a:endParaRPr lang="en-US" dirty="0"/>
           </a:p>
           <a:p>
@@ -13464,7 +13634,7 @@
     </p:spTree>
     <p:extLst>
       <p:ext uri="{BB962C8B-B14F-4D97-AF65-F5344CB8AC3E}">
-        <p14:creationId xmlns:p14="http://schemas.microsoft.com/office/powerpoint/2010/main" val="52183678"/>
+        <p14:creationId xmlns:p14="http://schemas.microsoft.com/office/powerpoint/2010/main" val="3971906196"/>
       </p:ext>
     </p:extLst>
   </p:cSld>
@@ -13480,11 +13650,11 @@
     <p:bg>
       <p:bgPr>
         <a:blipFill dpi="0" rotWithShape="1">
-          <a:blip r:embed="rId3">
+          <a:blip r:embed="rId4">
             <a:extLst>
               <a:ext uri="{BEBA8EAE-BF5A-486C-A8C5-ECC9F3942E4B}">
                 <a14:imgProps xmlns:a14="http://schemas.microsoft.com/office/drawing/2010/main">
-                  <a14:imgLayer r:embed="rId4">
+                  <a14:imgLayer r:embed="rId5">
                     <a14:imgEffect>
                       <a14:brightnessContrast bright="-50000"/>
                     </a14:imgEffect>
@@ -13532,7 +13702,7 @@
           <a:p>
             <a:r>
               <a:rPr lang="en-US" dirty="0"/>
-              <a:t>Linear Models - Regressors</a:t>
+              <a:t>Linear Models - Classifiers</a:t>
             </a:r>
           </a:p>
         </p:txBody>
@@ -13554,30 +13724,11 @@
           <a:p>
             <a:r>
               <a:rPr lang="en-US" dirty="0"/>
-              <a:t>In-Class Example – Ridge Regression</a:t>
+              <a:t>Kernelized SVM</a:t>
             </a:r>
           </a:p>
           <a:p>
             <a:pPr lvl="1"/>
-            <a:endParaRPr lang="en-US" dirty="0"/>
-          </a:p>
-          <a:p>
-            <a:pPr lvl="2"/>
-            <a:endParaRPr lang="en-US" dirty="0"/>
-          </a:p>
-          <a:p>
-            <a:endParaRPr lang="en-US" dirty="0"/>
-          </a:p>
-          <a:p>
-            <a:pPr lvl="1"/>
-            <a:endParaRPr lang="en-US" dirty="0"/>
-          </a:p>
-          <a:p>
-            <a:pPr lvl="2"/>
-            <a:endParaRPr lang="en-US" dirty="0"/>
-          </a:p>
-          <a:p>
-            <a:pPr lvl="2"/>
             <a:endParaRPr lang="en-US" dirty="0"/>
           </a:p>
           <a:p>
@@ -13588,7 +13739,7 @@
     </p:spTree>
     <p:extLst>
       <p:ext uri="{BB962C8B-B14F-4D97-AF65-F5344CB8AC3E}">
-        <p14:creationId xmlns:p14="http://schemas.microsoft.com/office/powerpoint/2010/main" val="1030170644"/>
+        <p14:creationId xmlns:p14="http://schemas.microsoft.com/office/powerpoint/2010/main" val="3886706820"/>
       </p:ext>
     </p:extLst>
   </p:cSld>
@@ -13685,7 +13836,7 @@
             <a:pPr lvl="1"/>
             <a:r>
               <a:rPr lang="en-US" dirty="0"/>
-              <a:t>The algorithm used to build a model.</a:t>
+              <a:t>The mathematical equation, set of equations, and/or algorithm that is used to build a model.</a:t>
             </a:r>
           </a:p>
           <a:p>
@@ -13809,35 +13960,159 @@
         </p:nvSpPr>
         <p:spPr/>
         <p:txBody>
-          <a:bodyPr/>
-          <a:lstStyle/>
-          <a:p>
-            <a:r>
-              <a:rPr lang="en-US" dirty="0"/>
-              <a:t>In-Class Exercise</a:t>
+          <a:bodyPr>
+            <a:normAutofit/>
+          </a:bodyPr>
+          <a:lstStyle/>
+          <a:p>
+            <a:r>
+              <a:rPr lang="en-US" dirty="0"/>
+              <a:t>Regressors</a:t>
             </a:r>
           </a:p>
           <a:p>
             <a:pPr lvl="1"/>
             <a:r>
               <a:rPr lang="en-US" dirty="0"/>
-              <a:t>Run the example with ridge regression, attempting to optimize the test prediction data set by adjusting alpha.</a:t>
+              <a:t>Tries to predict as close to a value as possible.</a:t>
+            </a:r>
+          </a:p>
+          <a:p>
+            <a:pPr lvl="1"/>
+            <a:r>
+              <a:rPr lang="en-US" dirty="0"/>
+              <a:t>Creates a linear equation to predict outcomes:</a:t>
             </a:r>
           </a:p>
           <a:p>
             <a:pPr lvl="2"/>
-            <a:endParaRPr lang="en-US" dirty="0"/>
-          </a:p>
-          <a:p>
-            <a:endParaRPr lang="en-US" dirty="0"/>
-          </a:p>
-          <a:p>
-            <a:pPr lvl="1"/>
-            <a:endParaRPr lang="en-US" dirty="0"/>
-          </a:p>
-          <a:p>
-            <a:pPr lvl="2"/>
-            <a:endParaRPr lang="en-US" dirty="0"/>
+            <a:r>
+              <a:rPr lang="en-US" dirty="0" err="1"/>
+              <a:t>Y</a:t>
+            </a:r>
+            <a:r>
+              <a:rPr lang="en-US" baseline="-25000" dirty="0" err="1"/>
+              <a:t>predict</a:t>
+            </a:r>
+            <a:r>
+              <a:rPr lang="en-US" dirty="0"/>
+              <a:t> = w</a:t>
+            </a:r>
+            <a:r>
+              <a:rPr lang="en-US" baseline="-25000" dirty="0"/>
+              <a:t>1</a:t>
+            </a:r>
+            <a:r>
+              <a:rPr lang="en-US" dirty="0"/>
+              <a:t>*f</a:t>
+            </a:r>
+            <a:r>
+              <a:rPr lang="en-US" baseline="-25000" dirty="0"/>
+              <a:t>1</a:t>
+            </a:r>
+            <a:r>
+              <a:rPr lang="en-US" dirty="0"/>
+              <a:t> + w</a:t>
+            </a:r>
+            <a:r>
+              <a:rPr lang="en-US" baseline="-25000" dirty="0"/>
+              <a:t>2</a:t>
+            </a:r>
+            <a:r>
+              <a:rPr lang="en-US" dirty="0"/>
+              <a:t>*f</a:t>
+            </a:r>
+            <a:r>
+              <a:rPr lang="en-US" baseline="-25000" dirty="0"/>
+              <a:t>2</a:t>
+            </a:r>
+            <a:r>
+              <a:rPr lang="en-US" dirty="0"/>
+              <a:t> + w</a:t>
+            </a:r>
+            <a:r>
+              <a:rPr lang="en-US" baseline="-25000" dirty="0"/>
+              <a:t>3</a:t>
+            </a:r>
+            <a:r>
+              <a:rPr lang="en-US" dirty="0"/>
+              <a:t>*f</a:t>
+            </a:r>
+            <a:r>
+              <a:rPr lang="en-US" baseline="-25000" dirty="0"/>
+              <a:t>3</a:t>
+            </a:r>
+            <a:r>
+              <a:rPr lang="en-US" dirty="0"/>
+              <a:t> + … + </a:t>
+            </a:r>
+            <a:r>
+              <a:rPr lang="en-US" dirty="0" err="1"/>
+              <a:t>w</a:t>
+            </a:r>
+            <a:r>
+              <a:rPr lang="en-US" baseline="-25000" dirty="0" err="1"/>
+              <a:t>n</a:t>
+            </a:r>
+            <a:r>
+              <a:rPr lang="en-US" dirty="0"/>
+              <a:t>*</a:t>
+            </a:r>
+            <a:r>
+              <a:rPr lang="en-US" dirty="0" err="1"/>
+              <a:t>f</a:t>
+            </a:r>
+            <a:r>
+              <a:rPr lang="en-US" baseline="-25000" dirty="0" err="1"/>
+              <a:t>n</a:t>
+            </a:r>
+            <a:r>
+              <a:rPr lang="en-US" dirty="0"/>
+              <a:t> + b</a:t>
+            </a:r>
+          </a:p>
+          <a:p>
+            <a:pPr lvl="3"/>
+            <a:r>
+              <a:rPr lang="en-US" dirty="0" err="1"/>
+              <a:t>Y</a:t>
+            </a:r>
+            <a:r>
+              <a:rPr lang="en-US" baseline="-25000" dirty="0" err="1"/>
+              <a:t>predict</a:t>
+            </a:r>
+            <a:r>
+              <a:rPr lang="en-US" dirty="0"/>
+              <a:t> = prediction value</a:t>
+            </a:r>
+          </a:p>
+          <a:p>
+            <a:pPr lvl="3"/>
+            <a:r>
+              <a:rPr lang="en-US" dirty="0"/>
+              <a:t>w = weights</a:t>
+            </a:r>
+          </a:p>
+          <a:p>
+            <a:pPr lvl="3"/>
+            <a:r>
+              <a:rPr lang="en-US" dirty="0"/>
+              <a:t>f = feature value</a:t>
+            </a:r>
+          </a:p>
+          <a:p>
+            <a:pPr lvl="3"/>
+            <a:r>
+              <a:rPr lang="en-US" dirty="0"/>
+              <a:t>b = intercept of linear line</a:t>
+            </a:r>
+          </a:p>
+          <a:p>
+            <a:pPr lvl="3"/>
+            <a:r>
+              <a:rPr lang="en-US" dirty="0"/>
+              <a:t>n = number of features</a:t>
+            </a:r>
           </a:p>
           <a:p>
             <a:pPr lvl="2"/>
@@ -13851,7 +14126,7 @@
     </p:spTree>
     <p:extLst>
       <p:ext uri="{BB962C8B-B14F-4D97-AF65-F5344CB8AC3E}">
-        <p14:creationId xmlns:p14="http://schemas.microsoft.com/office/powerpoint/2010/main" val="2651109508"/>
+        <p14:creationId xmlns:p14="http://schemas.microsoft.com/office/powerpoint/2010/main" val="1469044682"/>
       </p:ext>
     </p:extLst>
   </p:cSld>
@@ -13936,45 +14211,56 @@
         </p:nvSpPr>
         <p:spPr/>
         <p:txBody>
-          <a:bodyPr/>
-          <a:lstStyle/>
-          <a:p>
-            <a:r>
-              <a:rPr lang="en-US" dirty="0"/>
-              <a:t>LASSO Regression</a:t>
+          <a:bodyPr>
+            <a:normAutofit/>
+          </a:bodyPr>
+          <a:lstStyle/>
+          <a:p>
+            <a:r>
+              <a:rPr lang="en-US" dirty="0"/>
+              <a:t>Regressors</a:t>
             </a:r>
           </a:p>
           <a:p>
             <a:pPr lvl="1"/>
             <a:r>
               <a:rPr lang="en-US" dirty="0"/>
-              <a:t>Similar to ridge regression, uses a modified OLS algorithm that attempts to make each weight close to zero.</a:t>
-            </a:r>
+              <a:t>The models we train adjust the values of </a:t>
+            </a:r>
+            <a:r>
+              <a:rPr lang="en-US" dirty="0" err="1"/>
+              <a:t>w</a:t>
+            </a:r>
+            <a:r>
+              <a:rPr lang="en-US" baseline="-25000" dirty="0" err="1"/>
+              <a:t>x</a:t>
+            </a:r>
+            <a:r>
+              <a:rPr lang="en-US" dirty="0"/>
+              <a:t> and b.</a:t>
+            </a:r>
+            <a:endParaRPr lang="en-US" baseline="-25000" dirty="0"/>
           </a:p>
           <a:p>
             <a:pPr lvl="1"/>
             <a:r>
               <a:rPr lang="en-US" dirty="0"/>
-              <a:t>In this trainer, a weight value can be zero, so that a feature will not affect the prediction.</a:t>
-            </a:r>
-          </a:p>
-          <a:p>
-            <a:pPr lvl="1"/>
-            <a:r>
-              <a:rPr lang="en-US" dirty="0"/>
-              <a:t>This trainer uses L1 regularization.</a:t>
+              <a:t>Examples:</a:t>
             </a:r>
           </a:p>
           <a:p>
             <a:pPr lvl="2"/>
             <a:r>
               <a:rPr lang="en-US" dirty="0"/>
-              <a:t>The sum of the weight coefficient for each feature is used as a penalty term in determining model accuracy.</a:t>
-            </a:r>
-          </a:p>
-          <a:p>
-            <a:pPr lvl="1"/>
-            <a:endParaRPr lang="en-US" dirty="0"/>
+              <a:t>Trying to predict median household income of an area.</a:t>
+            </a:r>
+          </a:p>
+          <a:p>
+            <a:pPr lvl="2"/>
+            <a:r>
+              <a:rPr lang="en-US" dirty="0"/>
+              <a:t>Trying to predict the value a stock will rise to.</a:t>
+            </a:r>
           </a:p>
           <a:p>
             <a:pPr lvl="2"/>
@@ -13988,7 +14274,7 @@
     </p:spTree>
     <p:extLst>
       <p:ext uri="{BB962C8B-B14F-4D97-AF65-F5344CB8AC3E}">
-        <p14:creationId xmlns:p14="http://schemas.microsoft.com/office/powerpoint/2010/main" val="2833183138"/>
+        <p14:creationId xmlns:p14="http://schemas.microsoft.com/office/powerpoint/2010/main" val="3393903202"/>
       </p:ext>
     </p:extLst>
   </p:cSld>
@@ -14078,19 +14364,22 @@
           <a:p>
             <a:r>
               <a:rPr lang="en-US" dirty="0"/>
-              <a:t>LASSO Regression</a:t>
+              <a:t>K-Nearest Neighbors Regression</a:t>
             </a:r>
           </a:p>
           <a:p>
             <a:pPr lvl="1"/>
             <a:r>
               <a:rPr lang="en-US" dirty="0"/>
-              <a:t>For this Scikit-Learn trainer, the alpha term is also used for regularization.</a:t>
+              <a:t>Similar to the classifier, the regressor picks the value that is closest to the most similar neighbor.</a:t>
             </a:r>
           </a:p>
           <a:p>
             <a:pPr lvl="1"/>
-            <a:endParaRPr lang="en-US" dirty="0"/>
+            <a:r>
+              <a:rPr lang="en-US" dirty="0"/>
+              <a:t>Multiple neighbors are averaged together.</a:t>
+            </a:r>
           </a:p>
           <a:p>
             <a:pPr lvl="2"/>
@@ -14104,7 +14393,7 @@
     </p:spTree>
     <p:extLst>
       <p:ext uri="{BB962C8B-B14F-4D97-AF65-F5344CB8AC3E}">
-        <p14:creationId xmlns:p14="http://schemas.microsoft.com/office/powerpoint/2010/main" val="2503353380"/>
+        <p14:creationId xmlns:p14="http://schemas.microsoft.com/office/powerpoint/2010/main" val="3048577779"/>
       </p:ext>
     </p:extLst>
   </p:cSld>
@@ -14194,31 +14483,29 @@
           <a:p>
             <a:r>
               <a:rPr lang="en-US" dirty="0"/>
-              <a:t>In-Class Example – LASSO Regression</a:t>
+              <a:t>Linear Regression (Ordinary Least Squares)</a:t>
             </a:r>
           </a:p>
           <a:p>
             <a:pPr lvl="1"/>
-            <a:endParaRPr lang="en-US" dirty="0"/>
-          </a:p>
-          <a:p>
-            <a:pPr lvl="2"/>
-            <a:endParaRPr lang="en-US" dirty="0"/>
-          </a:p>
-          <a:p>
-            <a:endParaRPr lang="en-US" dirty="0"/>
+            <a:r>
+              <a:rPr lang="en-US" dirty="0"/>
+              <a:t>Attempts to minimize the mean squared error between the prediction and the target values.</a:t>
+            </a:r>
           </a:p>
           <a:p>
             <a:pPr lvl="1"/>
-            <a:endParaRPr lang="en-US" dirty="0"/>
-          </a:p>
-          <a:p>
-            <a:pPr lvl="2"/>
-            <a:endParaRPr lang="en-US" dirty="0"/>
-          </a:p>
-          <a:p>
-            <a:pPr lvl="2"/>
-            <a:endParaRPr lang="en-US" dirty="0"/>
+            <a:r>
+              <a:rPr lang="en-US" dirty="0"/>
+              <a:t>The error of this trainer is calculated by adding the squared differences between the predicted value with the actual target value.</a:t>
+            </a:r>
+          </a:p>
+          <a:p>
+            <a:pPr lvl="1"/>
+            <a:r>
+              <a:rPr lang="en-US" dirty="0"/>
+              <a:t>No regularization parameters to adjust the accuracy of this trainer</a:t>
+            </a:r>
           </a:p>
           <a:p>
             <a:endParaRPr lang="en-US" dirty="0"/>
@@ -14228,7 +14515,7 @@
     </p:spTree>
     <p:extLst>
       <p:ext uri="{BB962C8B-B14F-4D97-AF65-F5344CB8AC3E}">
-        <p14:creationId xmlns:p14="http://schemas.microsoft.com/office/powerpoint/2010/main" val="1318670462"/>
+        <p14:creationId xmlns:p14="http://schemas.microsoft.com/office/powerpoint/2010/main" val="2836403428"/>
       </p:ext>
     </p:extLst>
   </p:cSld>
@@ -14318,30 +14605,12 @@
           <a:p>
             <a:r>
               <a:rPr lang="en-US" dirty="0"/>
-              <a:t>In-Class Exercise</a:t>
+              <a:t>In-Class Example – Linear Regression</a:t>
             </a:r>
           </a:p>
           <a:p>
             <a:pPr lvl="1"/>
-            <a:r>
-              <a:rPr lang="en-US" dirty="0"/>
-              <a:t>Generate models for the </a:t>
-            </a:r>
-            <a:r>
-              <a:rPr lang="en-US" dirty="0" err="1"/>
-              <a:t>boston</a:t>
-            </a:r>
-            <a:r>
-              <a:rPr lang="en-US" dirty="0"/>
-              <a:t> housing data using linear, ridge, and LASSO regressors.  For models that use regularization, attempt to optimize the predictions (can use previous example code).</a:t>
-            </a:r>
-          </a:p>
-          <a:p>
-            <a:pPr lvl="1"/>
-            <a:r>
-              <a:rPr lang="en-US" dirty="0"/>
-              <a:t>Which model is the most accurate with respect to test data predictions?  Are there benefits to the models that are less accurate?</a:t>
-            </a:r>
+            <a:endParaRPr lang="en-US" dirty="0"/>
           </a:p>
           <a:p>
             <a:pPr lvl="2"/>
@@ -14370,7 +14639,7 @@
     </p:spTree>
     <p:extLst>
       <p:ext uri="{BB962C8B-B14F-4D97-AF65-F5344CB8AC3E}">
-        <p14:creationId xmlns:p14="http://schemas.microsoft.com/office/powerpoint/2010/main" val="2777821716"/>
+        <p14:creationId xmlns:p14="http://schemas.microsoft.com/office/powerpoint/2010/main" val="3636144303"/>
       </p:ext>
     </p:extLst>
   </p:cSld>
@@ -14455,12 +14724,21 @@
         </p:nvSpPr>
         <p:spPr/>
         <p:txBody>
-          <a:bodyPr/>
-          <a:lstStyle/>
-          <a:p>
-            <a:r>
-              <a:rPr lang="en-US" dirty="0"/>
-              <a:t>Decision Tree</a:t>
+          <a:bodyPr>
+            <a:normAutofit/>
+          </a:bodyPr>
+          <a:lstStyle/>
+          <a:p>
+            <a:r>
+              <a:rPr lang="en-US" dirty="0"/>
+              <a:t>Ridge Regression</a:t>
+            </a:r>
+          </a:p>
+          <a:p>
+            <a:pPr lvl="1"/>
+            <a:r>
+              <a:rPr lang="en-US" dirty="0"/>
+              <a:t>Uses OLS to fit the data, with the additional constraint of attempting to minimize the magnitude of the weight coefficients for each feature without eliminating the feature.</a:t>
             </a:r>
           </a:p>
           <a:p>
@@ -14475,7 +14753,7 @@
     </p:spTree>
     <p:extLst>
       <p:ext uri="{BB962C8B-B14F-4D97-AF65-F5344CB8AC3E}">
-        <p14:creationId xmlns:p14="http://schemas.microsoft.com/office/powerpoint/2010/main" val="1924952010"/>
+        <p14:creationId xmlns:p14="http://schemas.microsoft.com/office/powerpoint/2010/main" val="474133971"/>
       </p:ext>
     </p:extLst>
   </p:cSld>
@@ -14560,12 +14838,35 @@
         </p:nvSpPr>
         <p:spPr/>
         <p:txBody>
-          <a:bodyPr/>
-          <a:lstStyle/>
-          <a:p>
-            <a:r>
-              <a:rPr lang="en-US" dirty="0"/>
-              <a:t>Forest</a:t>
+          <a:bodyPr>
+            <a:normAutofit/>
+          </a:bodyPr>
+          <a:lstStyle/>
+          <a:p>
+            <a:r>
+              <a:rPr lang="en-US" dirty="0"/>
+              <a:t>Ridge Regression</a:t>
+            </a:r>
+          </a:p>
+          <a:p>
+            <a:pPr lvl="1"/>
+            <a:r>
+              <a:rPr lang="en-US" dirty="0"/>
+              <a:t>Each weight should be as close to zero as possible.</a:t>
+            </a:r>
+          </a:p>
+          <a:p>
+            <a:pPr lvl="1"/>
+            <a:r>
+              <a:rPr lang="en-US" dirty="0"/>
+              <a:t>Each feature will have as little affect on the prediction as possible.</a:t>
+            </a:r>
+          </a:p>
+          <a:p>
+            <a:pPr lvl="1"/>
+            <a:r>
+              <a:rPr lang="en-US" dirty="0"/>
+              <a:t>Note that the feature weights will not be exactly zero using this trainer, so each feature still affects the prediction.</a:t>
             </a:r>
           </a:p>
           <a:p>
@@ -14580,7 +14881,7 @@
     </p:spTree>
     <p:extLst>
       <p:ext uri="{BB962C8B-B14F-4D97-AF65-F5344CB8AC3E}">
-        <p14:creationId xmlns:p14="http://schemas.microsoft.com/office/powerpoint/2010/main" val="358457677"/>
+        <p14:creationId xmlns:p14="http://schemas.microsoft.com/office/powerpoint/2010/main" val="3620252848"/>
       </p:ext>
     </p:extLst>
   </p:cSld>
@@ -14670,7 +14971,35 @@
           <a:p>
             <a:r>
               <a:rPr lang="en-US" dirty="0"/>
-              <a:t>Gradient-Boosted Forest</a:t>
+              <a:t>Ridge Regression</a:t>
+            </a:r>
+          </a:p>
+          <a:p>
+            <a:pPr lvl="1"/>
+            <a:r>
+              <a:rPr lang="en-US" dirty="0"/>
+              <a:t>Attempting to minimize the weight magnitudes is a form of regularization.</a:t>
+            </a:r>
+          </a:p>
+          <a:p>
+            <a:pPr lvl="2"/>
+            <a:r>
+              <a:rPr lang="en-US" dirty="0"/>
+              <a:t>Regularization is used to attempt to prevent overfitting.</a:t>
+            </a:r>
+          </a:p>
+          <a:p>
+            <a:pPr lvl="1"/>
+            <a:r>
+              <a:rPr lang="en-US" dirty="0"/>
+              <a:t>This trainer uses L2 regularization</a:t>
+            </a:r>
+          </a:p>
+          <a:p>
+            <a:pPr lvl="2"/>
+            <a:r>
+              <a:rPr lang="en-US" dirty="0"/>
+              <a:t>The sum of the square of the weight coefficient for each feature is used as a penalty term in determining model accuracy.</a:t>
             </a:r>
           </a:p>
           <a:p>
@@ -14685,7 +15014,7 @@
     </p:spTree>
     <p:extLst>
       <p:ext uri="{BB962C8B-B14F-4D97-AF65-F5344CB8AC3E}">
-        <p14:creationId xmlns:p14="http://schemas.microsoft.com/office/powerpoint/2010/main" val="1436682753"/>
+        <p14:creationId xmlns:p14="http://schemas.microsoft.com/office/powerpoint/2010/main" val="1031170893"/>
       </p:ext>
     </p:extLst>
   </p:cSld>
@@ -14753,7 +15082,7 @@
           <a:p>
             <a:r>
               <a:rPr lang="en-US" dirty="0"/>
-              <a:t>Evaluating Accuracy</a:t>
+              <a:t>Linear Models - Regressors</a:t>
             </a:r>
           </a:p>
         </p:txBody>
@@ -14775,31 +15104,46 @@
           <a:p>
             <a:r>
               <a:rPr lang="en-US" dirty="0"/>
-              <a:t>Overview</a:t>
+              <a:t>Ridge Regression</a:t>
             </a:r>
           </a:p>
           <a:p>
             <a:pPr lvl="1"/>
             <a:r>
               <a:rPr lang="en-US" dirty="0"/>
-              <a:t>&lt;model&gt;.score(</a:t>
-            </a:r>
-            <a:r>
-              <a:rPr lang="en-US" dirty="0" err="1"/>
-              <a:t>test_data</a:t>
-            </a:r>
-            <a:r>
-              <a:rPr lang="en-US" dirty="0"/>
-              <a:t>, </a:t>
-            </a:r>
-            <a:r>
-              <a:rPr lang="en-US" dirty="0" err="1"/>
-              <a:t>test_labels</a:t>
-            </a:r>
-            <a:r>
-              <a:rPr lang="en-US"/>
-              <a:t>)</a:t>
-            </a:r>
+              <a:t>For this Scikit-Learn trainer, the alpha term is used for regularization.</a:t>
+            </a:r>
+          </a:p>
+          <a:p>
+            <a:pPr lvl="1"/>
+            <a:r>
+              <a:rPr lang="en-US" dirty="0"/>
+              <a:t>Increasing alpha moves each feature’s weight more towards zero.</a:t>
+            </a:r>
+          </a:p>
+          <a:p>
+            <a:pPr lvl="2"/>
+            <a:r>
+              <a:rPr lang="en-US" dirty="0"/>
+              <a:t>This may help make the model more generalized, which will help overfitting.</a:t>
+            </a:r>
+          </a:p>
+          <a:p>
+            <a:pPr lvl="2"/>
+            <a:r>
+              <a:rPr lang="en-US" dirty="0"/>
+              <a:t>This will decrease training set performance.</a:t>
+            </a:r>
+          </a:p>
+          <a:p>
+            <a:endParaRPr lang="en-US" dirty="0"/>
+          </a:p>
+          <a:p>
+            <a:pPr lvl="1"/>
+            <a:endParaRPr lang="en-US" dirty="0"/>
+          </a:p>
+          <a:p>
+            <a:pPr lvl="2"/>
             <a:endParaRPr lang="en-US" dirty="0"/>
           </a:p>
           <a:p>
@@ -14814,7 +15158,7 @@
     </p:spTree>
     <p:extLst>
       <p:ext uri="{BB962C8B-B14F-4D97-AF65-F5344CB8AC3E}">
-        <p14:creationId xmlns:p14="http://schemas.microsoft.com/office/powerpoint/2010/main" val="4053921630"/>
+        <p14:creationId xmlns:p14="http://schemas.microsoft.com/office/powerpoint/2010/main" val="4041600192"/>
       </p:ext>
     </p:extLst>
   </p:cSld>
@@ -14881,12 +15225,8 @@
           <a:lstStyle/>
           <a:p>
             <a:r>
-              <a:rPr lang="en-US" dirty="0" err="1"/>
-              <a:t>Scikit</a:t>
-            </a:r>
-            <a:r>
-              <a:rPr lang="en-US" dirty="0"/>
-              <a:t>-Learn Machine Learning</a:t>
+              <a:rPr lang="en-US" dirty="0"/>
+              <a:t>Linear Models - Regressors</a:t>
             </a:r>
           </a:p>
         </p:txBody>
@@ -14908,43 +15248,37 @@
           <a:p>
             <a:r>
               <a:rPr lang="en-US" dirty="0"/>
-              <a:t>Overview</a:t>
+              <a:t>Ridge Regression</a:t>
             </a:r>
           </a:p>
           <a:p>
             <a:pPr lvl="1"/>
             <a:r>
               <a:rPr lang="en-US" dirty="0"/>
-              <a:t>Definition</a:t>
+              <a:t>Increasing alpha more and more will not necessarily make the model more predictive.</a:t>
             </a:r>
           </a:p>
           <a:p>
             <a:pPr lvl="1"/>
             <a:r>
               <a:rPr lang="en-US" dirty="0"/>
-              <a:t>General Types</a:t>
-            </a:r>
+              <a:t>Alpha will need tuned for an optimal model.</a:t>
+            </a:r>
+          </a:p>
+          <a:p>
+            <a:pPr lvl="2"/>
+            <a:endParaRPr lang="en-US" dirty="0"/>
+          </a:p>
+          <a:p>
+            <a:endParaRPr lang="en-US" dirty="0"/>
           </a:p>
           <a:p>
             <a:pPr lvl="1"/>
-            <a:r>
-              <a:rPr lang="en-US" dirty="0"/>
-              <a:t>Basic Linear Models</a:t>
-            </a:r>
-          </a:p>
-          <a:p>
-            <a:pPr lvl="1"/>
-            <a:r>
-              <a:rPr lang="en-US" dirty="0"/>
-              <a:t>Algorithm Types</a:t>
-            </a:r>
-          </a:p>
-          <a:p>
-            <a:pPr lvl="1"/>
-            <a:r>
-              <a:rPr lang="en-US" dirty="0"/>
-              <a:t>Tuning</a:t>
-            </a:r>
+            <a:endParaRPr lang="en-US" dirty="0"/>
+          </a:p>
+          <a:p>
+            <a:pPr lvl="2"/>
+            <a:endParaRPr lang="en-US" dirty="0"/>
           </a:p>
           <a:p>
             <a:pPr lvl="2"/>
@@ -14958,7 +15292,7 @@
     </p:spTree>
     <p:extLst>
       <p:ext uri="{BB962C8B-B14F-4D97-AF65-F5344CB8AC3E}">
-        <p14:creationId xmlns:p14="http://schemas.microsoft.com/office/powerpoint/2010/main" val="754999196"/>
+        <p14:creationId xmlns:p14="http://schemas.microsoft.com/office/powerpoint/2010/main" val="52183678"/>
       </p:ext>
     </p:extLst>
   </p:cSld>
@@ -15055,14 +15389,14 @@
             <a:pPr lvl="1"/>
             <a:r>
               <a:rPr lang="en-US" dirty="0"/>
-              <a:t>The mathematical equation, set of equations, and/or algorithm that is used to predict outcomes for classification problems.</a:t>
+              <a:t>The trainers used to build models to predict outcomes for classification problems.</a:t>
             </a:r>
           </a:p>
           <a:p>
             <a:pPr lvl="1"/>
             <a:r>
               <a:rPr lang="en-US" dirty="0"/>
-              <a:t>For problems where we are trying to determine an exact value or name of something.</a:t>
+              <a:t>For problems where we are trying to categorize something.</a:t>
             </a:r>
           </a:p>
           <a:p>
@@ -15070,6 +15404,13 @@
             <a:r>
               <a:rPr lang="en-US" dirty="0"/>
               <a:t>i.e. trying to determine what kind of fruit something is.</a:t>
+            </a:r>
+          </a:p>
+          <a:p>
+            <a:pPr lvl="2"/>
+            <a:r>
+              <a:rPr lang="en-US" dirty="0"/>
+              <a:t>Trying to determine what kind of animal is in a picture.</a:t>
             </a:r>
           </a:p>
           <a:p>
@@ -15162,7 +15503,7 @@
           <a:p>
             <a:r>
               <a:rPr lang="en-US" dirty="0"/>
-              <a:t>Tuning</a:t>
+              <a:t>Linear Models - Regressors</a:t>
             </a:r>
           </a:p>
         </p:txBody>
@@ -15184,20 +15525,27 @@
           <a:p>
             <a:r>
               <a:rPr lang="en-US" dirty="0"/>
-              <a:t>Determining what features matter</a:t>
-            </a:r>
-          </a:p>
-          <a:p>
-            <a:r>
-              <a:rPr lang="en-US" dirty="0"/>
-              <a:t>If both prediction test scores and training scores are low, then the model is suffering from underfitting.</a:t>
-            </a:r>
-          </a:p>
-          <a:p>
-            <a:r>
-              <a:rPr lang="en-US" dirty="0"/>
-              <a:t>If the model has extremely high training scores, but not nearly as high prediction test scores, the model is suffering from overfitting.</a:t>
-            </a:r>
+              <a:t>In-Class Example – Ridge Regression</a:t>
+            </a:r>
+          </a:p>
+          <a:p>
+            <a:pPr lvl="1"/>
+            <a:endParaRPr lang="en-US" dirty="0"/>
+          </a:p>
+          <a:p>
+            <a:pPr lvl="2"/>
+            <a:endParaRPr lang="en-US" dirty="0"/>
+          </a:p>
+          <a:p>
+            <a:endParaRPr lang="en-US" dirty="0"/>
+          </a:p>
+          <a:p>
+            <a:pPr lvl="1"/>
+            <a:endParaRPr lang="en-US" dirty="0"/>
+          </a:p>
+          <a:p>
+            <a:pPr lvl="2"/>
+            <a:endParaRPr lang="en-US" dirty="0"/>
           </a:p>
           <a:p>
             <a:pPr lvl="2"/>
@@ -15211,7 +15559,7 @@
     </p:spTree>
     <p:extLst>
       <p:ext uri="{BB962C8B-B14F-4D97-AF65-F5344CB8AC3E}">
-        <p14:creationId xmlns:p14="http://schemas.microsoft.com/office/powerpoint/2010/main" val="3393037686"/>
+        <p14:creationId xmlns:p14="http://schemas.microsoft.com/office/powerpoint/2010/main" val="1030170644"/>
       </p:ext>
     </p:extLst>
   </p:cSld>
@@ -15279,7 +15627,7 @@
           <a:p>
             <a:r>
               <a:rPr lang="en-US" dirty="0"/>
-              <a:t>Tuning</a:t>
+              <a:t>Linear Models - Regressors</a:t>
             </a:r>
           </a:p>
         </p:txBody>
@@ -15301,29 +15649,30 @@
           <a:p>
             <a:r>
               <a:rPr lang="en-US" dirty="0"/>
-              <a:t>Parameters to Play with</a:t>
+              <a:t>In-Class Exercise</a:t>
             </a:r>
           </a:p>
           <a:p>
             <a:pPr lvl="1"/>
             <a:r>
               <a:rPr lang="en-US" dirty="0"/>
-              <a:t>K-Nearest Neighbors</a:t>
+              <a:t>Run the example with ridge regression, attempting to optimize the test prediction data set by adjusting alpha.</a:t>
             </a:r>
           </a:p>
           <a:p>
             <a:pPr lvl="2"/>
-            <a:r>
-              <a:rPr lang="en-US" dirty="0"/>
-              <a:t>Number of neighbors to test point</a:t>
-            </a:r>
+            <a:endParaRPr lang="en-US" dirty="0"/>
+          </a:p>
+          <a:p>
+            <a:endParaRPr lang="en-US" dirty="0"/>
+          </a:p>
+          <a:p>
+            <a:pPr lvl="1"/>
+            <a:endParaRPr lang="en-US" dirty="0"/>
           </a:p>
           <a:p>
             <a:pPr lvl="2"/>
-            <a:r>
-              <a:rPr lang="en-US" dirty="0"/>
-              <a:t>Algorithm to evaluate distance test point is from data points</a:t>
-            </a:r>
+            <a:endParaRPr lang="en-US" dirty="0"/>
           </a:p>
           <a:p>
             <a:pPr lvl="2"/>
@@ -15337,7 +15686,7 @@
     </p:spTree>
     <p:extLst>
       <p:ext uri="{BB962C8B-B14F-4D97-AF65-F5344CB8AC3E}">
-        <p14:creationId xmlns:p14="http://schemas.microsoft.com/office/powerpoint/2010/main" val="274238177"/>
+        <p14:creationId xmlns:p14="http://schemas.microsoft.com/office/powerpoint/2010/main" val="2651109508"/>
       </p:ext>
     </p:extLst>
   </p:cSld>
@@ -15405,7 +15754,7 @@
           <a:p>
             <a:r>
               <a:rPr lang="en-US" dirty="0"/>
-              <a:t>Tuning</a:t>
+              <a:t>Linear Models - Regressors</a:t>
             </a:r>
           </a:p>
         </p:txBody>
@@ -15427,8 +15776,40 @@
           <a:p>
             <a:r>
               <a:rPr lang="en-US" dirty="0"/>
-              <a:t>Grid Search</a:t>
-            </a:r>
+              <a:t>LASSO Regression</a:t>
+            </a:r>
+          </a:p>
+          <a:p>
+            <a:pPr lvl="1"/>
+            <a:r>
+              <a:rPr lang="en-US" dirty="0"/>
+              <a:t>Similar to ridge regression, uses a modified OLS algorithm that attempts to make each weight close to zero.</a:t>
+            </a:r>
+          </a:p>
+          <a:p>
+            <a:pPr lvl="1"/>
+            <a:r>
+              <a:rPr lang="en-US" dirty="0"/>
+              <a:t>In this trainer, a weight value can be zero, so that a feature will not affect the prediction.</a:t>
+            </a:r>
+          </a:p>
+          <a:p>
+            <a:pPr lvl="1"/>
+            <a:r>
+              <a:rPr lang="en-US" dirty="0"/>
+              <a:t>This trainer uses L1 regularization.</a:t>
+            </a:r>
+          </a:p>
+          <a:p>
+            <a:pPr lvl="2"/>
+            <a:r>
+              <a:rPr lang="en-US" dirty="0"/>
+              <a:t>The sum of the weight coefficient for each feature is used as a penalty term in determining model accuracy.</a:t>
+            </a:r>
+          </a:p>
+          <a:p>
+            <a:pPr lvl="1"/>
+            <a:endParaRPr lang="en-US" dirty="0"/>
           </a:p>
           <a:p>
             <a:pPr lvl="2"/>
@@ -15442,7 +15823,7 @@
     </p:spTree>
     <p:extLst>
       <p:ext uri="{BB962C8B-B14F-4D97-AF65-F5344CB8AC3E}">
-        <p14:creationId xmlns:p14="http://schemas.microsoft.com/office/powerpoint/2010/main" val="2622179278"/>
+        <p14:creationId xmlns:p14="http://schemas.microsoft.com/office/powerpoint/2010/main" val="2833183138"/>
       </p:ext>
     </p:extLst>
   </p:cSld>
@@ -15509,12 +15890,8 @@
           <a:lstStyle/>
           <a:p>
             <a:r>
-              <a:rPr lang="en-US" dirty="0" err="1"/>
-              <a:t>Scikit</a:t>
-            </a:r>
-            <a:r>
-              <a:rPr lang="en-US" dirty="0"/>
-              <a:t>-Learn Machine Learning</a:t>
+              <a:rPr lang="en-US" dirty="0"/>
+              <a:t>Linear Models - Regressors</a:t>
             </a:r>
           </a:p>
         </p:txBody>
@@ -15536,43 +15913,19 @@
           <a:p>
             <a:r>
               <a:rPr lang="en-US" dirty="0"/>
-              <a:t>Overview</a:t>
+              <a:t>LASSO Regression</a:t>
             </a:r>
           </a:p>
           <a:p>
             <a:pPr lvl="1"/>
             <a:r>
               <a:rPr lang="en-US" dirty="0"/>
-              <a:t>Definition</a:t>
+              <a:t>For this Scikit-Learn trainer, the alpha term is also used for regularization.</a:t>
             </a:r>
           </a:p>
           <a:p>
             <a:pPr lvl="1"/>
-            <a:r>
-              <a:rPr lang="en-US" dirty="0"/>
-              <a:t>General Types</a:t>
-            </a:r>
-          </a:p>
-          <a:p>
-            <a:pPr lvl="1"/>
-            <a:r>
-              <a:rPr lang="en-US" dirty="0"/>
-              <a:t>Basic Linear Models</a:t>
-            </a:r>
-          </a:p>
-          <a:p>
-            <a:pPr lvl="1"/>
-            <a:r>
-              <a:rPr lang="en-US" dirty="0"/>
-              <a:t>Algorithm Types</a:t>
-            </a:r>
-          </a:p>
-          <a:p>
-            <a:pPr lvl="1"/>
-            <a:r>
-              <a:rPr lang="en-US" dirty="0"/>
-              <a:t>Tuning</a:t>
-            </a:r>
+            <a:endParaRPr lang="en-US" dirty="0"/>
           </a:p>
           <a:p>
             <a:pPr lvl="2"/>
@@ -15586,7 +15939,7 @@
     </p:spTree>
     <p:extLst>
       <p:ext uri="{BB962C8B-B14F-4D97-AF65-F5344CB8AC3E}">
-        <p14:creationId xmlns:p14="http://schemas.microsoft.com/office/powerpoint/2010/main" val="2946119377"/>
+        <p14:creationId xmlns:p14="http://schemas.microsoft.com/office/powerpoint/2010/main" val="2503353380"/>
       </p:ext>
     </p:extLst>
   </p:cSld>
@@ -15602,8 +15955,18 @@
     <p:bg>
       <p:bgPr>
         <a:blipFill dpi="0" rotWithShape="1">
-          <a:blip r:embed="rId2">
-            <a:lum/>
+          <a:blip r:embed="rId3">
+            <a:extLst>
+              <a:ext uri="{BEBA8EAE-BF5A-486C-A8C5-ECC9F3942E4B}">
+                <a14:imgProps xmlns:a14="http://schemas.microsoft.com/office/drawing/2010/main">
+                  <a14:imgLayer r:embed="rId4">
+                    <a14:imgEffect>
+                      <a14:brightnessContrast bright="-50000"/>
+                    </a14:imgEffect>
+                  </a14:imgLayer>
+                </a14:imgProps>
+              </a:ext>
+            </a:extLst>
           </a:blip>
           <a:srcRect/>
           <a:stretch>
@@ -15644,7 +16007,7 @@
           <a:p>
             <a:r>
               <a:rPr lang="en-US" dirty="0"/>
-              <a:t>Bibliography</a:t>
+              <a:t>Linear Models - Regressors</a:t>
             </a:r>
           </a:p>
         </p:txBody>
@@ -15661,31 +16024,51 @@
         </p:nvSpPr>
         <p:spPr/>
         <p:txBody>
-          <a:bodyPr>
-            <a:normAutofit/>
-          </a:bodyPr>
-          <a:lstStyle/>
-          <a:p>
-            <a:pPr marL="514350" indent="-514350">
-              <a:buFont typeface="+mj-lt"/>
-              <a:buAutoNum type="arabicParenR"/>
-            </a:pPr>
-            <a:r>
-              <a:rPr lang="en-US" dirty="0"/>
-              <a:t>https://github.com/amueller/introduction_to_ml_with_python/blob/master/02-supervised-learning.ipynb</a:t>
-            </a:r>
+          <a:bodyPr/>
+          <a:lstStyle/>
+          <a:p>
+            <a:r>
+              <a:rPr lang="en-US" dirty="0"/>
+              <a:t>In-Class Example – LASSO Regression</a:t>
+            </a:r>
+          </a:p>
+          <a:p>
+            <a:pPr lvl="1"/>
+            <a:endParaRPr lang="en-US" dirty="0"/>
+          </a:p>
+          <a:p>
+            <a:pPr lvl="2"/>
+            <a:endParaRPr lang="en-US" dirty="0"/>
+          </a:p>
+          <a:p>
+            <a:endParaRPr lang="en-US" dirty="0"/>
+          </a:p>
+          <a:p>
+            <a:pPr lvl="1"/>
+            <a:endParaRPr lang="en-US" dirty="0"/>
+          </a:p>
+          <a:p>
+            <a:pPr lvl="2"/>
+            <a:endParaRPr lang="en-US" dirty="0"/>
+          </a:p>
+          <a:p>
+            <a:pPr lvl="2"/>
+            <a:endParaRPr lang="en-US" dirty="0"/>
+          </a:p>
+          <a:p>
+            <a:endParaRPr lang="en-US" dirty="0"/>
           </a:p>
         </p:txBody>
       </p:sp>
     </p:spTree>
     <p:extLst>
       <p:ext uri="{BB962C8B-B14F-4D97-AF65-F5344CB8AC3E}">
-        <p14:creationId xmlns:p14="http://schemas.microsoft.com/office/powerpoint/2010/main" val="3645036191"/>
+        <p14:creationId xmlns:p14="http://schemas.microsoft.com/office/powerpoint/2010/main" val="1318670462"/>
       </p:ext>
     </p:extLst>
   </p:cSld>
   <p:clrMapOvr>
-    <a:masterClrMapping/>
+    <a:overrideClrMapping bg1="lt1" tx1="dk1" bg2="lt2" tx2="dk2" accent1="accent1" accent2="accent2" accent3="accent3" accent4="accent4" accent5="accent5" accent6="accent6" hlink="hlink" folHlink="folHlink"/>
   </p:clrMapOvr>
 </p:sld>
 </file>
@@ -15696,8 +16079,18 @@
     <p:bg>
       <p:bgPr>
         <a:blipFill dpi="0" rotWithShape="1">
-          <a:blip r:embed="rId2">
-            <a:lum/>
+          <a:blip r:embed="rId3">
+            <a:extLst>
+              <a:ext uri="{BEBA8EAE-BF5A-486C-A8C5-ECC9F3942E4B}">
+                <a14:imgProps xmlns:a14="http://schemas.microsoft.com/office/drawing/2010/main">
+                  <a14:imgLayer r:embed="rId4">
+                    <a14:imgEffect>
+                      <a14:brightnessContrast bright="-50000"/>
+                    </a14:imgEffect>
+                  </a14:imgLayer>
+                </a14:imgProps>
+              </a:ext>
+            </a:extLst>
           </a:blip>
           <a:srcRect/>
           <a:stretch>
@@ -15738,7 +16131,7 @@
           <a:p>
             <a:r>
               <a:rPr lang="en-US" dirty="0"/>
-              <a:t>LICENSE</a:t>
+              <a:t>Linear Models - Regressors</a:t>
             </a:r>
           </a:p>
         </p:txBody>
@@ -15755,45 +16148,496 @@
         </p:nvSpPr>
         <p:spPr/>
         <p:txBody>
-          <a:bodyPr>
-            <a:normAutofit fontScale="62500" lnSpcReduction="20000"/>
-          </a:bodyPr>
-          <a:lstStyle/>
-          <a:p>
-            <a:r>
-              <a:rPr lang="en-US" dirty="0"/>
-              <a:t>Copyright 2021 Douglas Bowman</a:t>
-            </a:r>
-          </a:p>
-          <a:p>
-            <a:r>
-              <a:rPr lang="en-US" dirty="0"/>
-              <a:t>Permission is hereby granted, free of charge, to any person obtaining a copy of this software and associated documentation files (the "Software"), to deal in the Software without restriction, including without limitation the rights to use, copy, modify, merge, publish, distribute, sublicense, and/or sell copies of the Software, and to permit persons to whom the Software is furnished to do so, subject to the following conditions:</a:t>
-            </a:r>
-          </a:p>
-          <a:p>
-            <a:r>
-              <a:rPr lang="en-US" dirty="0"/>
-              <a:t>The above copyright notice and this permission notice shall be included in all copies or substantial portions of the Software.</a:t>
-            </a:r>
-          </a:p>
-          <a:p>
-            <a:r>
-              <a:rPr lang="en-US" dirty="0"/>
-              <a:t>THE SOFTWARE IS PROVIDED "AS IS", WITHOUT WARRANTY OF ANY KIND, EXPRESS OR IMPLIED, INCLUDING BUT NOT LIMITED TO THE WARRANTIES OF MERCHANTABILITY, FITNESS FOR A PARTICULAR PURPOSE AND NONINFRINGEMENT. IN NO EVENT SHALL THE AUTHORS OR COPYRIGHT HOLDERS BE LIABLE FOR ANY CLAIM, DAMAGES OR OTHER LIABILITY, WHETHER IN AN ACTION OF CONTRACT, TORT OR OTHERWISE, ARISING FROM, OUT OF OR IN CONNECTION WITH THE SOFTWARE OR THE USE OR OTHER DEALINGS IN THE SOFTWARE.</a:t>
-            </a:r>
+          <a:bodyPr/>
+          <a:lstStyle/>
+          <a:p>
+            <a:r>
+              <a:rPr lang="en-US" dirty="0"/>
+              <a:t>In-Class Exercise</a:t>
+            </a:r>
+          </a:p>
+          <a:p>
+            <a:pPr lvl="1"/>
+            <a:r>
+              <a:rPr lang="en-US" dirty="0"/>
+              <a:t>Generate models for the </a:t>
+            </a:r>
+            <a:r>
+              <a:rPr lang="en-US" dirty="0" err="1"/>
+              <a:t>boston</a:t>
+            </a:r>
+            <a:r>
+              <a:rPr lang="en-US" dirty="0"/>
+              <a:t> housing data using linear, ridge, and LASSO regressors.  For models that use regularization, attempt to optimize the predictions (can use previous example code).</a:t>
+            </a:r>
+          </a:p>
+          <a:p>
+            <a:pPr lvl="1"/>
+            <a:r>
+              <a:rPr lang="en-US" dirty="0"/>
+              <a:t>Which model is the most accurate with respect to test data predictions?  Are there benefits to the models that are less accurate?</a:t>
+            </a:r>
+          </a:p>
+          <a:p>
+            <a:pPr lvl="2"/>
+            <a:endParaRPr lang="en-US" dirty="0"/>
+          </a:p>
+          <a:p>
+            <a:endParaRPr lang="en-US" dirty="0"/>
+          </a:p>
+          <a:p>
+            <a:pPr lvl="1"/>
+            <a:endParaRPr lang="en-US" dirty="0"/>
+          </a:p>
+          <a:p>
+            <a:pPr lvl="2"/>
+            <a:endParaRPr lang="en-US" dirty="0"/>
+          </a:p>
+          <a:p>
+            <a:pPr lvl="2"/>
+            <a:endParaRPr lang="en-US" dirty="0"/>
+          </a:p>
+          <a:p>
+            <a:endParaRPr lang="en-US" dirty="0"/>
           </a:p>
         </p:txBody>
       </p:sp>
     </p:spTree>
     <p:extLst>
       <p:ext uri="{BB962C8B-B14F-4D97-AF65-F5344CB8AC3E}">
-        <p14:creationId xmlns:p14="http://schemas.microsoft.com/office/powerpoint/2010/main" val="3405347719"/>
+        <p14:creationId xmlns:p14="http://schemas.microsoft.com/office/powerpoint/2010/main" val="2777821716"/>
       </p:ext>
     </p:extLst>
   </p:cSld>
   <p:clrMapOvr>
-    <a:masterClrMapping/>
+    <a:overrideClrMapping bg1="lt1" tx1="dk1" bg2="lt2" tx2="dk2" accent1="accent1" accent2="accent2" accent3="accent3" accent4="accent4" accent5="accent5" accent6="accent6" hlink="hlink" folHlink="folHlink"/>
+  </p:clrMapOvr>
+</p:sld>
+</file>
+
+<file path=ppt/slides/slide66.xml><?xml version="1.0" encoding="utf-8"?>
+<p:sld xmlns:a="http://schemas.openxmlformats.org/drawingml/2006/main" xmlns:r="http://schemas.openxmlformats.org/officeDocument/2006/relationships" xmlns:p="http://schemas.openxmlformats.org/presentationml/2006/main">
+  <p:cSld>
+    <p:bg>
+      <p:bgPr>
+        <a:blipFill dpi="0" rotWithShape="1">
+          <a:blip r:embed="rId3">
+            <a:extLst>
+              <a:ext uri="{BEBA8EAE-BF5A-486C-A8C5-ECC9F3942E4B}">
+                <a14:imgProps xmlns:a14="http://schemas.microsoft.com/office/drawing/2010/main">
+                  <a14:imgLayer r:embed="rId4">
+                    <a14:imgEffect>
+                      <a14:brightnessContrast bright="-50000"/>
+                    </a14:imgEffect>
+                  </a14:imgLayer>
+                </a14:imgProps>
+              </a:ext>
+            </a:extLst>
+          </a:blip>
+          <a:srcRect/>
+          <a:stretch>
+            <a:fillRect l="-10000" r="-10000"/>
+          </a:stretch>
+        </a:blipFill>
+        <a:effectLst/>
+      </p:bgPr>
+    </p:bg>
+    <p:spTree>
+      <p:nvGrpSpPr>
+        <p:cNvPr id="1" name=""/>
+        <p:cNvGrpSpPr/>
+        <p:nvPr/>
+      </p:nvGrpSpPr>
+      <p:grpSpPr>
+        <a:xfrm>
+          <a:off x="0" y="0"/>
+          <a:ext cx="0" cy="0"/>
+          <a:chOff x="0" y="0"/>
+          <a:chExt cx="0" cy="0"/>
+        </a:xfrm>
+      </p:grpSpPr>
+      <p:sp>
+        <p:nvSpPr>
+          <p:cNvPr id="2" name="Title 1"/>
+          <p:cNvSpPr>
+            <a:spLocks noGrp="1"/>
+          </p:cNvSpPr>
+          <p:nvPr>
+            <p:ph type="title"/>
+          </p:nvPr>
+        </p:nvSpPr>
+        <p:spPr/>
+        <p:txBody>
+          <a:bodyPr/>
+          <a:lstStyle/>
+          <a:p>
+            <a:r>
+              <a:rPr lang="en-US" dirty="0"/>
+              <a:t>Linear Models - Regressors</a:t>
+            </a:r>
+          </a:p>
+        </p:txBody>
+      </p:sp>
+      <p:sp>
+        <p:nvSpPr>
+          <p:cNvPr id="3" name="Content Placeholder 2"/>
+          <p:cNvSpPr>
+            <a:spLocks noGrp="1"/>
+          </p:cNvSpPr>
+          <p:nvPr>
+            <p:ph idx="1"/>
+          </p:nvPr>
+        </p:nvSpPr>
+        <p:spPr/>
+        <p:txBody>
+          <a:bodyPr/>
+          <a:lstStyle/>
+          <a:p>
+            <a:r>
+              <a:rPr lang="en-US" dirty="0"/>
+              <a:t>Decision Tree</a:t>
+            </a:r>
+          </a:p>
+          <a:p>
+            <a:pPr lvl="2"/>
+            <a:endParaRPr lang="en-US" dirty="0"/>
+          </a:p>
+          <a:p>
+            <a:endParaRPr lang="en-US" dirty="0"/>
+          </a:p>
+        </p:txBody>
+      </p:sp>
+    </p:spTree>
+    <p:extLst>
+      <p:ext uri="{BB962C8B-B14F-4D97-AF65-F5344CB8AC3E}">
+        <p14:creationId xmlns:p14="http://schemas.microsoft.com/office/powerpoint/2010/main" val="1924952010"/>
+      </p:ext>
+    </p:extLst>
+  </p:cSld>
+  <p:clrMapOvr>
+    <a:overrideClrMapping bg1="lt1" tx1="dk1" bg2="lt2" tx2="dk2" accent1="accent1" accent2="accent2" accent3="accent3" accent4="accent4" accent5="accent5" accent6="accent6" hlink="hlink" folHlink="folHlink"/>
+  </p:clrMapOvr>
+</p:sld>
+</file>
+
+<file path=ppt/slides/slide67.xml><?xml version="1.0" encoding="utf-8"?>
+<p:sld xmlns:a="http://schemas.openxmlformats.org/drawingml/2006/main" xmlns:r="http://schemas.openxmlformats.org/officeDocument/2006/relationships" xmlns:p="http://schemas.openxmlformats.org/presentationml/2006/main">
+  <p:cSld>
+    <p:bg>
+      <p:bgPr>
+        <a:blipFill dpi="0" rotWithShape="1">
+          <a:blip r:embed="rId3">
+            <a:extLst>
+              <a:ext uri="{BEBA8EAE-BF5A-486C-A8C5-ECC9F3942E4B}">
+                <a14:imgProps xmlns:a14="http://schemas.microsoft.com/office/drawing/2010/main">
+                  <a14:imgLayer r:embed="rId4">
+                    <a14:imgEffect>
+                      <a14:brightnessContrast bright="-50000"/>
+                    </a14:imgEffect>
+                  </a14:imgLayer>
+                </a14:imgProps>
+              </a:ext>
+            </a:extLst>
+          </a:blip>
+          <a:srcRect/>
+          <a:stretch>
+            <a:fillRect l="-10000" r="-10000"/>
+          </a:stretch>
+        </a:blipFill>
+        <a:effectLst/>
+      </p:bgPr>
+    </p:bg>
+    <p:spTree>
+      <p:nvGrpSpPr>
+        <p:cNvPr id="1" name=""/>
+        <p:cNvGrpSpPr/>
+        <p:nvPr/>
+      </p:nvGrpSpPr>
+      <p:grpSpPr>
+        <a:xfrm>
+          <a:off x="0" y="0"/>
+          <a:ext cx="0" cy="0"/>
+          <a:chOff x="0" y="0"/>
+          <a:chExt cx="0" cy="0"/>
+        </a:xfrm>
+      </p:grpSpPr>
+      <p:sp>
+        <p:nvSpPr>
+          <p:cNvPr id="2" name="Title 1"/>
+          <p:cNvSpPr>
+            <a:spLocks noGrp="1"/>
+          </p:cNvSpPr>
+          <p:nvPr>
+            <p:ph type="title"/>
+          </p:nvPr>
+        </p:nvSpPr>
+        <p:spPr/>
+        <p:txBody>
+          <a:bodyPr/>
+          <a:lstStyle/>
+          <a:p>
+            <a:r>
+              <a:rPr lang="en-US" dirty="0"/>
+              <a:t>Linear Models - Regressors</a:t>
+            </a:r>
+          </a:p>
+        </p:txBody>
+      </p:sp>
+      <p:sp>
+        <p:nvSpPr>
+          <p:cNvPr id="3" name="Content Placeholder 2"/>
+          <p:cNvSpPr>
+            <a:spLocks noGrp="1"/>
+          </p:cNvSpPr>
+          <p:nvPr>
+            <p:ph idx="1"/>
+          </p:nvPr>
+        </p:nvSpPr>
+        <p:spPr/>
+        <p:txBody>
+          <a:bodyPr/>
+          <a:lstStyle/>
+          <a:p>
+            <a:r>
+              <a:rPr lang="en-US" dirty="0"/>
+              <a:t>Forest</a:t>
+            </a:r>
+          </a:p>
+          <a:p>
+            <a:pPr lvl="2"/>
+            <a:endParaRPr lang="en-US" dirty="0"/>
+          </a:p>
+          <a:p>
+            <a:endParaRPr lang="en-US" dirty="0"/>
+          </a:p>
+        </p:txBody>
+      </p:sp>
+    </p:spTree>
+    <p:extLst>
+      <p:ext uri="{BB962C8B-B14F-4D97-AF65-F5344CB8AC3E}">
+        <p14:creationId xmlns:p14="http://schemas.microsoft.com/office/powerpoint/2010/main" val="358457677"/>
+      </p:ext>
+    </p:extLst>
+  </p:cSld>
+  <p:clrMapOvr>
+    <a:overrideClrMapping bg1="lt1" tx1="dk1" bg2="lt2" tx2="dk2" accent1="accent1" accent2="accent2" accent3="accent3" accent4="accent4" accent5="accent5" accent6="accent6" hlink="hlink" folHlink="folHlink"/>
+  </p:clrMapOvr>
+</p:sld>
+</file>
+
+<file path=ppt/slides/slide68.xml><?xml version="1.0" encoding="utf-8"?>
+<p:sld xmlns:a="http://schemas.openxmlformats.org/drawingml/2006/main" xmlns:r="http://schemas.openxmlformats.org/officeDocument/2006/relationships" xmlns:p="http://schemas.openxmlformats.org/presentationml/2006/main">
+  <p:cSld>
+    <p:bg>
+      <p:bgPr>
+        <a:blipFill dpi="0" rotWithShape="1">
+          <a:blip r:embed="rId3">
+            <a:extLst>
+              <a:ext uri="{BEBA8EAE-BF5A-486C-A8C5-ECC9F3942E4B}">
+                <a14:imgProps xmlns:a14="http://schemas.microsoft.com/office/drawing/2010/main">
+                  <a14:imgLayer r:embed="rId4">
+                    <a14:imgEffect>
+                      <a14:brightnessContrast bright="-50000"/>
+                    </a14:imgEffect>
+                  </a14:imgLayer>
+                </a14:imgProps>
+              </a:ext>
+            </a:extLst>
+          </a:blip>
+          <a:srcRect/>
+          <a:stretch>
+            <a:fillRect l="-10000" r="-10000"/>
+          </a:stretch>
+        </a:blipFill>
+        <a:effectLst/>
+      </p:bgPr>
+    </p:bg>
+    <p:spTree>
+      <p:nvGrpSpPr>
+        <p:cNvPr id="1" name=""/>
+        <p:cNvGrpSpPr/>
+        <p:nvPr/>
+      </p:nvGrpSpPr>
+      <p:grpSpPr>
+        <a:xfrm>
+          <a:off x="0" y="0"/>
+          <a:ext cx="0" cy="0"/>
+          <a:chOff x="0" y="0"/>
+          <a:chExt cx="0" cy="0"/>
+        </a:xfrm>
+      </p:grpSpPr>
+      <p:sp>
+        <p:nvSpPr>
+          <p:cNvPr id="2" name="Title 1"/>
+          <p:cNvSpPr>
+            <a:spLocks noGrp="1"/>
+          </p:cNvSpPr>
+          <p:nvPr>
+            <p:ph type="title"/>
+          </p:nvPr>
+        </p:nvSpPr>
+        <p:spPr/>
+        <p:txBody>
+          <a:bodyPr/>
+          <a:lstStyle/>
+          <a:p>
+            <a:r>
+              <a:rPr lang="en-US" dirty="0"/>
+              <a:t>Linear Models - Regressors</a:t>
+            </a:r>
+          </a:p>
+        </p:txBody>
+      </p:sp>
+      <p:sp>
+        <p:nvSpPr>
+          <p:cNvPr id="3" name="Content Placeholder 2"/>
+          <p:cNvSpPr>
+            <a:spLocks noGrp="1"/>
+          </p:cNvSpPr>
+          <p:nvPr>
+            <p:ph idx="1"/>
+          </p:nvPr>
+        </p:nvSpPr>
+        <p:spPr/>
+        <p:txBody>
+          <a:bodyPr/>
+          <a:lstStyle/>
+          <a:p>
+            <a:r>
+              <a:rPr lang="en-US" dirty="0"/>
+              <a:t>Gradient-Boosted Forest</a:t>
+            </a:r>
+          </a:p>
+          <a:p>
+            <a:pPr lvl="2"/>
+            <a:endParaRPr lang="en-US" dirty="0"/>
+          </a:p>
+          <a:p>
+            <a:endParaRPr lang="en-US" dirty="0"/>
+          </a:p>
+        </p:txBody>
+      </p:sp>
+    </p:spTree>
+    <p:extLst>
+      <p:ext uri="{BB962C8B-B14F-4D97-AF65-F5344CB8AC3E}">
+        <p14:creationId xmlns:p14="http://schemas.microsoft.com/office/powerpoint/2010/main" val="1436682753"/>
+      </p:ext>
+    </p:extLst>
+  </p:cSld>
+  <p:clrMapOvr>
+    <a:overrideClrMapping bg1="lt1" tx1="dk1" bg2="lt2" tx2="dk2" accent1="accent1" accent2="accent2" accent3="accent3" accent4="accent4" accent5="accent5" accent6="accent6" hlink="hlink" folHlink="folHlink"/>
+  </p:clrMapOvr>
+</p:sld>
+</file>
+
+<file path=ppt/slides/slide69.xml><?xml version="1.0" encoding="utf-8"?>
+<p:sld xmlns:a="http://schemas.openxmlformats.org/drawingml/2006/main" xmlns:r="http://schemas.openxmlformats.org/officeDocument/2006/relationships" xmlns:p="http://schemas.openxmlformats.org/presentationml/2006/main">
+  <p:cSld>
+    <p:bg>
+      <p:bgPr>
+        <a:blipFill dpi="0" rotWithShape="1">
+          <a:blip r:embed="rId3">
+            <a:extLst>
+              <a:ext uri="{BEBA8EAE-BF5A-486C-A8C5-ECC9F3942E4B}">
+                <a14:imgProps xmlns:a14="http://schemas.microsoft.com/office/drawing/2010/main">
+                  <a14:imgLayer r:embed="rId4">
+                    <a14:imgEffect>
+                      <a14:brightnessContrast bright="-50000"/>
+                    </a14:imgEffect>
+                  </a14:imgLayer>
+                </a14:imgProps>
+              </a:ext>
+            </a:extLst>
+          </a:blip>
+          <a:srcRect/>
+          <a:stretch>
+            <a:fillRect l="-10000" r="-10000"/>
+          </a:stretch>
+        </a:blipFill>
+        <a:effectLst/>
+      </p:bgPr>
+    </p:bg>
+    <p:spTree>
+      <p:nvGrpSpPr>
+        <p:cNvPr id="1" name=""/>
+        <p:cNvGrpSpPr/>
+        <p:nvPr/>
+      </p:nvGrpSpPr>
+      <p:grpSpPr>
+        <a:xfrm>
+          <a:off x="0" y="0"/>
+          <a:ext cx="0" cy="0"/>
+          <a:chOff x="0" y="0"/>
+          <a:chExt cx="0" cy="0"/>
+        </a:xfrm>
+      </p:grpSpPr>
+      <p:sp>
+        <p:nvSpPr>
+          <p:cNvPr id="2" name="Title 1"/>
+          <p:cNvSpPr>
+            <a:spLocks noGrp="1"/>
+          </p:cNvSpPr>
+          <p:nvPr>
+            <p:ph type="title"/>
+          </p:nvPr>
+        </p:nvSpPr>
+        <p:spPr/>
+        <p:txBody>
+          <a:bodyPr/>
+          <a:lstStyle/>
+          <a:p>
+            <a:r>
+              <a:rPr lang="en-US" dirty="0"/>
+              <a:t>Dataset Preparation</a:t>
+            </a:r>
+          </a:p>
+        </p:txBody>
+      </p:sp>
+      <p:sp>
+        <p:nvSpPr>
+          <p:cNvPr id="3" name="Content Placeholder 2"/>
+          <p:cNvSpPr>
+            <a:spLocks noGrp="1"/>
+          </p:cNvSpPr>
+          <p:nvPr>
+            <p:ph idx="1"/>
+          </p:nvPr>
+        </p:nvSpPr>
+        <p:spPr/>
+        <p:txBody>
+          <a:bodyPr/>
+          <a:lstStyle/>
+          <a:p>
+            <a:r>
+              <a:rPr lang="en-US" dirty="0"/>
+              <a:t>Overview</a:t>
+            </a:r>
+          </a:p>
+          <a:p>
+            <a:pPr lvl="1"/>
+            <a:r>
+              <a:rPr lang="en-US" dirty="0"/>
+              <a:t>Train Test Split</a:t>
+            </a:r>
+          </a:p>
+          <a:p>
+            <a:pPr lvl="1"/>
+            <a:r>
+              <a:rPr lang="en-US" dirty="0"/>
+              <a:t>Cross Validation</a:t>
+            </a:r>
+          </a:p>
+        </p:txBody>
+      </p:sp>
+    </p:spTree>
+    <p:extLst>
+      <p:ext uri="{BB962C8B-B14F-4D97-AF65-F5344CB8AC3E}">
+        <p14:creationId xmlns:p14="http://schemas.microsoft.com/office/powerpoint/2010/main" val="4053921630"/>
+      </p:ext>
+    </p:extLst>
+  </p:cSld>
+  <p:clrMapOvr>
+    <a:overrideClrMapping bg1="lt1" tx1="dk1" bg2="lt2" tx2="dk2" accent1="accent1" accent2="accent2" accent3="accent3" accent4="accent4" accent5="accent5" accent6="accent6" hlink="hlink" folHlink="folHlink"/>
   </p:clrMapOvr>
 </p:sld>
 </file>
@@ -15885,14 +16729,14 @@
             <a:pPr lvl="1"/>
             <a:r>
               <a:rPr lang="en-US" dirty="0"/>
-              <a:t>The mathematical equation, set of equations, and/or algorithm that is used to predict outcomes for regression problems.</a:t>
+              <a:t>The trainers used to build models that predict outcomes for regression problems.</a:t>
             </a:r>
           </a:p>
           <a:p>
             <a:pPr lvl="1"/>
             <a:r>
               <a:rPr lang="en-US" dirty="0"/>
-              <a:t>Problems were we are predicting within range of values.</a:t>
+              <a:t>Problems were we are predicting a quantity within a range of values.</a:t>
             </a:r>
           </a:p>
           <a:p>
@@ -15900,6 +16744,13 @@
             <a:r>
               <a:rPr lang="en-US" dirty="0"/>
               <a:t>i.e. Predicting the median household income in the future.</a:t>
+            </a:r>
+          </a:p>
+          <a:p>
+            <a:pPr lvl="2"/>
+            <a:r>
+              <a:rPr lang="en-US" dirty="0"/>
+              <a:t>How much thrust  a new engine model will have.</a:t>
             </a:r>
           </a:p>
           <a:p>
@@ -15930,6 +16781,1010 @@
   </p:cSld>
   <p:clrMapOvr>
     <a:overrideClrMapping bg1="lt1" tx1="dk1" bg2="lt2" tx2="dk2" accent1="accent1" accent2="accent2" accent3="accent3" accent4="accent4" accent5="accent5" accent6="accent6" hlink="hlink" folHlink="folHlink"/>
+  </p:clrMapOvr>
+</p:sld>
+</file>
+
+<file path=ppt/slides/slide70.xml><?xml version="1.0" encoding="utf-8"?>
+<p:sld xmlns:a="http://schemas.openxmlformats.org/drawingml/2006/main" xmlns:r="http://schemas.openxmlformats.org/officeDocument/2006/relationships" xmlns:p="http://schemas.openxmlformats.org/presentationml/2006/main">
+  <p:cSld>
+    <p:bg>
+      <p:bgPr>
+        <a:blipFill dpi="0" rotWithShape="1">
+          <a:blip r:embed="rId3">
+            <a:extLst>
+              <a:ext uri="{BEBA8EAE-BF5A-486C-A8C5-ECC9F3942E4B}">
+                <a14:imgProps xmlns:a14="http://schemas.microsoft.com/office/drawing/2010/main">
+                  <a14:imgLayer r:embed="rId4">
+                    <a14:imgEffect>
+                      <a14:brightnessContrast bright="-50000"/>
+                    </a14:imgEffect>
+                  </a14:imgLayer>
+                </a14:imgProps>
+              </a:ext>
+            </a:extLst>
+          </a:blip>
+          <a:srcRect/>
+          <a:stretch>
+            <a:fillRect l="-10000" r="-10000"/>
+          </a:stretch>
+        </a:blipFill>
+        <a:effectLst/>
+      </p:bgPr>
+    </p:bg>
+    <p:spTree>
+      <p:nvGrpSpPr>
+        <p:cNvPr id="1" name=""/>
+        <p:cNvGrpSpPr/>
+        <p:nvPr/>
+      </p:nvGrpSpPr>
+      <p:grpSpPr>
+        <a:xfrm>
+          <a:off x="0" y="0"/>
+          <a:ext cx="0" cy="0"/>
+          <a:chOff x="0" y="0"/>
+          <a:chExt cx="0" cy="0"/>
+        </a:xfrm>
+      </p:grpSpPr>
+      <p:sp>
+        <p:nvSpPr>
+          <p:cNvPr id="2" name="Title 1"/>
+          <p:cNvSpPr>
+            <a:spLocks noGrp="1"/>
+          </p:cNvSpPr>
+          <p:nvPr>
+            <p:ph type="title"/>
+          </p:nvPr>
+        </p:nvSpPr>
+        <p:spPr/>
+        <p:txBody>
+          <a:bodyPr/>
+          <a:lstStyle/>
+          <a:p>
+            <a:r>
+              <a:rPr lang="en-US" dirty="0"/>
+              <a:t>Evaluating Accuracy</a:t>
+            </a:r>
+          </a:p>
+        </p:txBody>
+      </p:sp>
+      <p:sp>
+        <p:nvSpPr>
+          <p:cNvPr id="3" name="Content Placeholder 2"/>
+          <p:cNvSpPr>
+            <a:spLocks noGrp="1"/>
+          </p:cNvSpPr>
+          <p:nvPr>
+            <p:ph idx="1"/>
+          </p:nvPr>
+        </p:nvSpPr>
+        <p:spPr/>
+        <p:txBody>
+          <a:bodyPr/>
+          <a:lstStyle/>
+          <a:p>
+            <a:r>
+              <a:rPr lang="en-US" dirty="0"/>
+              <a:t>Overview</a:t>
+            </a:r>
+          </a:p>
+          <a:p>
+            <a:pPr lvl="1"/>
+            <a:r>
+              <a:rPr lang="en-US" dirty="0"/>
+              <a:t>Accuracy</a:t>
+            </a:r>
+          </a:p>
+          <a:p>
+            <a:pPr lvl="2"/>
+            <a:r>
+              <a:rPr lang="en-US" dirty="0"/>
+              <a:t>score()</a:t>
+            </a:r>
+          </a:p>
+          <a:p>
+            <a:pPr lvl="1"/>
+            <a:r>
+              <a:rPr lang="en-US" dirty="0"/>
+              <a:t>Precision Recall Curves</a:t>
+            </a:r>
+          </a:p>
+          <a:p>
+            <a:pPr lvl="2"/>
+            <a:r>
+              <a:rPr lang="en-US" dirty="0" err="1"/>
+              <a:t>precision_recall_curve</a:t>
+            </a:r>
+            <a:r>
+              <a:rPr lang="en-US" dirty="0"/>
+              <a:t>()</a:t>
+            </a:r>
+          </a:p>
+          <a:p>
+            <a:pPr lvl="1"/>
+            <a:r>
+              <a:rPr lang="en-US" dirty="0"/>
+              <a:t>Receiver Operating Characteristics (ROC) Curve</a:t>
+            </a:r>
+          </a:p>
+          <a:p>
+            <a:pPr lvl="2"/>
+            <a:r>
+              <a:rPr lang="en-US" dirty="0" err="1"/>
+              <a:t>roc_curve</a:t>
+            </a:r>
+            <a:r>
+              <a:rPr lang="en-US" dirty="0"/>
+              <a:t>()</a:t>
+            </a:r>
+          </a:p>
+          <a:p>
+            <a:pPr lvl="1"/>
+            <a:r>
+              <a:rPr lang="en-US" dirty="0"/>
+              <a:t>Area Under the Curve (AUC)</a:t>
+            </a:r>
+          </a:p>
+          <a:p>
+            <a:pPr lvl="2"/>
+            <a:r>
+              <a:rPr lang="en-US" dirty="0" err="1"/>
+              <a:t>roc_auc_score</a:t>
+            </a:r>
+            <a:r>
+              <a:rPr lang="en-US" dirty="0"/>
+              <a:t>()</a:t>
+            </a:r>
+          </a:p>
+        </p:txBody>
+      </p:sp>
+    </p:spTree>
+    <p:extLst>
+      <p:ext uri="{BB962C8B-B14F-4D97-AF65-F5344CB8AC3E}">
+        <p14:creationId xmlns:p14="http://schemas.microsoft.com/office/powerpoint/2010/main" val="3169363239"/>
+      </p:ext>
+    </p:extLst>
+  </p:cSld>
+  <p:clrMapOvr>
+    <a:overrideClrMapping bg1="lt1" tx1="dk1" bg2="lt2" tx2="dk2" accent1="accent1" accent2="accent2" accent3="accent3" accent4="accent4" accent5="accent5" accent6="accent6" hlink="hlink" folHlink="folHlink"/>
+  </p:clrMapOvr>
+</p:sld>
+</file>
+
+<file path=ppt/slides/slide71.xml><?xml version="1.0" encoding="utf-8"?>
+<p:sld xmlns:a="http://schemas.openxmlformats.org/drawingml/2006/main" xmlns:r="http://schemas.openxmlformats.org/officeDocument/2006/relationships" xmlns:p="http://schemas.openxmlformats.org/presentationml/2006/main">
+  <p:cSld>
+    <p:bg>
+      <p:bgPr>
+        <a:blipFill dpi="0" rotWithShape="1">
+          <a:blip r:embed="rId3">
+            <a:extLst>
+              <a:ext uri="{BEBA8EAE-BF5A-486C-A8C5-ECC9F3942E4B}">
+                <a14:imgProps xmlns:a14="http://schemas.microsoft.com/office/drawing/2010/main">
+                  <a14:imgLayer r:embed="rId4">
+                    <a14:imgEffect>
+                      <a14:brightnessContrast bright="-50000"/>
+                    </a14:imgEffect>
+                  </a14:imgLayer>
+                </a14:imgProps>
+              </a:ext>
+            </a:extLst>
+          </a:blip>
+          <a:srcRect/>
+          <a:stretch>
+            <a:fillRect l="-10000" r="-10000"/>
+          </a:stretch>
+        </a:blipFill>
+        <a:effectLst/>
+      </p:bgPr>
+    </p:bg>
+    <p:spTree>
+      <p:nvGrpSpPr>
+        <p:cNvPr id="1" name=""/>
+        <p:cNvGrpSpPr/>
+        <p:nvPr/>
+      </p:nvGrpSpPr>
+      <p:grpSpPr>
+        <a:xfrm>
+          <a:off x="0" y="0"/>
+          <a:ext cx="0" cy="0"/>
+          <a:chOff x="0" y="0"/>
+          <a:chExt cx="0" cy="0"/>
+        </a:xfrm>
+      </p:grpSpPr>
+      <p:sp>
+        <p:nvSpPr>
+          <p:cNvPr id="2" name="Title 1"/>
+          <p:cNvSpPr>
+            <a:spLocks noGrp="1"/>
+          </p:cNvSpPr>
+          <p:nvPr>
+            <p:ph type="title"/>
+          </p:nvPr>
+        </p:nvSpPr>
+        <p:spPr/>
+        <p:txBody>
+          <a:bodyPr/>
+          <a:lstStyle/>
+          <a:p>
+            <a:r>
+              <a:rPr lang="en-US" dirty="0" err="1"/>
+              <a:t>Scikit</a:t>
+            </a:r>
+            <a:r>
+              <a:rPr lang="en-US" dirty="0"/>
+              <a:t>-Learn Machine Learning</a:t>
+            </a:r>
+          </a:p>
+        </p:txBody>
+      </p:sp>
+      <p:sp>
+        <p:nvSpPr>
+          <p:cNvPr id="3" name="Content Placeholder 2"/>
+          <p:cNvSpPr>
+            <a:spLocks noGrp="1"/>
+          </p:cNvSpPr>
+          <p:nvPr>
+            <p:ph idx="1"/>
+          </p:nvPr>
+        </p:nvSpPr>
+        <p:spPr/>
+        <p:txBody>
+          <a:bodyPr/>
+          <a:lstStyle/>
+          <a:p>
+            <a:r>
+              <a:rPr lang="en-US" dirty="0"/>
+              <a:t>Overview</a:t>
+            </a:r>
+          </a:p>
+          <a:p>
+            <a:pPr lvl="1"/>
+            <a:r>
+              <a:rPr lang="en-US" dirty="0"/>
+              <a:t>Definition</a:t>
+            </a:r>
+          </a:p>
+          <a:p>
+            <a:pPr lvl="1"/>
+            <a:r>
+              <a:rPr lang="en-US" dirty="0"/>
+              <a:t>General Types</a:t>
+            </a:r>
+          </a:p>
+          <a:p>
+            <a:pPr lvl="1"/>
+            <a:r>
+              <a:rPr lang="en-US" dirty="0"/>
+              <a:t>Basic Linear Models</a:t>
+            </a:r>
+          </a:p>
+          <a:p>
+            <a:pPr lvl="1"/>
+            <a:r>
+              <a:rPr lang="en-US" dirty="0"/>
+              <a:t>Algorithm Types</a:t>
+            </a:r>
+          </a:p>
+          <a:p>
+            <a:pPr lvl="1"/>
+            <a:r>
+              <a:rPr lang="en-US" dirty="0"/>
+              <a:t>Tuning</a:t>
+            </a:r>
+          </a:p>
+          <a:p>
+            <a:pPr lvl="2"/>
+            <a:endParaRPr lang="en-US" dirty="0"/>
+          </a:p>
+          <a:p>
+            <a:endParaRPr lang="en-US" dirty="0"/>
+          </a:p>
+        </p:txBody>
+      </p:sp>
+    </p:spTree>
+    <p:extLst>
+      <p:ext uri="{BB962C8B-B14F-4D97-AF65-F5344CB8AC3E}">
+        <p14:creationId xmlns:p14="http://schemas.microsoft.com/office/powerpoint/2010/main" val="754999196"/>
+      </p:ext>
+    </p:extLst>
+  </p:cSld>
+  <p:clrMapOvr>
+    <a:overrideClrMapping bg1="lt1" tx1="dk1" bg2="lt2" tx2="dk2" accent1="accent1" accent2="accent2" accent3="accent3" accent4="accent4" accent5="accent5" accent6="accent6" hlink="hlink" folHlink="folHlink"/>
+  </p:clrMapOvr>
+</p:sld>
+</file>
+
+<file path=ppt/slides/slide72.xml><?xml version="1.0" encoding="utf-8"?>
+<p:sld xmlns:a="http://schemas.openxmlformats.org/drawingml/2006/main" xmlns:r="http://schemas.openxmlformats.org/officeDocument/2006/relationships" xmlns:p="http://schemas.openxmlformats.org/presentationml/2006/main">
+  <p:cSld>
+    <p:bg>
+      <p:bgPr>
+        <a:blipFill dpi="0" rotWithShape="1">
+          <a:blip r:embed="rId3">
+            <a:extLst>
+              <a:ext uri="{BEBA8EAE-BF5A-486C-A8C5-ECC9F3942E4B}">
+                <a14:imgProps xmlns:a14="http://schemas.microsoft.com/office/drawing/2010/main">
+                  <a14:imgLayer r:embed="rId4">
+                    <a14:imgEffect>
+                      <a14:brightnessContrast bright="-50000"/>
+                    </a14:imgEffect>
+                  </a14:imgLayer>
+                </a14:imgProps>
+              </a:ext>
+            </a:extLst>
+          </a:blip>
+          <a:srcRect/>
+          <a:stretch>
+            <a:fillRect l="-10000" r="-10000"/>
+          </a:stretch>
+        </a:blipFill>
+        <a:effectLst/>
+      </p:bgPr>
+    </p:bg>
+    <p:spTree>
+      <p:nvGrpSpPr>
+        <p:cNvPr id="1" name=""/>
+        <p:cNvGrpSpPr/>
+        <p:nvPr/>
+      </p:nvGrpSpPr>
+      <p:grpSpPr>
+        <a:xfrm>
+          <a:off x="0" y="0"/>
+          <a:ext cx="0" cy="0"/>
+          <a:chOff x="0" y="0"/>
+          <a:chExt cx="0" cy="0"/>
+        </a:xfrm>
+      </p:grpSpPr>
+      <p:sp>
+        <p:nvSpPr>
+          <p:cNvPr id="2" name="Title 1"/>
+          <p:cNvSpPr>
+            <a:spLocks noGrp="1"/>
+          </p:cNvSpPr>
+          <p:nvPr>
+            <p:ph type="title"/>
+          </p:nvPr>
+        </p:nvSpPr>
+        <p:spPr/>
+        <p:txBody>
+          <a:bodyPr/>
+          <a:lstStyle/>
+          <a:p>
+            <a:r>
+              <a:rPr lang="en-US" dirty="0"/>
+              <a:t>Tuning</a:t>
+            </a:r>
+          </a:p>
+        </p:txBody>
+      </p:sp>
+      <p:sp>
+        <p:nvSpPr>
+          <p:cNvPr id="3" name="Content Placeholder 2"/>
+          <p:cNvSpPr>
+            <a:spLocks noGrp="1"/>
+          </p:cNvSpPr>
+          <p:nvPr>
+            <p:ph idx="1"/>
+          </p:nvPr>
+        </p:nvSpPr>
+        <p:spPr/>
+        <p:txBody>
+          <a:bodyPr/>
+          <a:lstStyle/>
+          <a:p>
+            <a:r>
+              <a:rPr lang="en-US" dirty="0"/>
+              <a:t>Determining what features matter</a:t>
+            </a:r>
+          </a:p>
+          <a:p>
+            <a:r>
+              <a:rPr lang="en-US" dirty="0"/>
+              <a:t>If both prediction test scores and training scores are low, then the model is suffering from underfitting.</a:t>
+            </a:r>
+          </a:p>
+          <a:p>
+            <a:r>
+              <a:rPr lang="en-US" dirty="0"/>
+              <a:t>If the model has extremely high training scores, but not nearly as high prediction test scores, the model is suffering from overfitting.</a:t>
+            </a:r>
+          </a:p>
+          <a:p>
+            <a:pPr lvl="2"/>
+            <a:endParaRPr lang="en-US" dirty="0"/>
+          </a:p>
+          <a:p>
+            <a:endParaRPr lang="en-US" dirty="0"/>
+          </a:p>
+        </p:txBody>
+      </p:sp>
+    </p:spTree>
+    <p:extLst>
+      <p:ext uri="{BB962C8B-B14F-4D97-AF65-F5344CB8AC3E}">
+        <p14:creationId xmlns:p14="http://schemas.microsoft.com/office/powerpoint/2010/main" val="3393037686"/>
+      </p:ext>
+    </p:extLst>
+  </p:cSld>
+  <p:clrMapOvr>
+    <a:overrideClrMapping bg1="lt1" tx1="dk1" bg2="lt2" tx2="dk2" accent1="accent1" accent2="accent2" accent3="accent3" accent4="accent4" accent5="accent5" accent6="accent6" hlink="hlink" folHlink="folHlink"/>
+  </p:clrMapOvr>
+</p:sld>
+</file>
+
+<file path=ppt/slides/slide73.xml><?xml version="1.0" encoding="utf-8"?>
+<p:sld xmlns:a="http://schemas.openxmlformats.org/drawingml/2006/main" xmlns:r="http://schemas.openxmlformats.org/officeDocument/2006/relationships" xmlns:p="http://schemas.openxmlformats.org/presentationml/2006/main">
+  <p:cSld>
+    <p:bg>
+      <p:bgPr>
+        <a:blipFill dpi="0" rotWithShape="1">
+          <a:blip r:embed="rId3">
+            <a:extLst>
+              <a:ext uri="{BEBA8EAE-BF5A-486C-A8C5-ECC9F3942E4B}">
+                <a14:imgProps xmlns:a14="http://schemas.microsoft.com/office/drawing/2010/main">
+                  <a14:imgLayer r:embed="rId4">
+                    <a14:imgEffect>
+                      <a14:brightnessContrast bright="-50000"/>
+                    </a14:imgEffect>
+                  </a14:imgLayer>
+                </a14:imgProps>
+              </a:ext>
+            </a:extLst>
+          </a:blip>
+          <a:srcRect/>
+          <a:stretch>
+            <a:fillRect l="-10000" r="-10000"/>
+          </a:stretch>
+        </a:blipFill>
+        <a:effectLst/>
+      </p:bgPr>
+    </p:bg>
+    <p:spTree>
+      <p:nvGrpSpPr>
+        <p:cNvPr id="1" name=""/>
+        <p:cNvGrpSpPr/>
+        <p:nvPr/>
+      </p:nvGrpSpPr>
+      <p:grpSpPr>
+        <a:xfrm>
+          <a:off x="0" y="0"/>
+          <a:ext cx="0" cy="0"/>
+          <a:chOff x="0" y="0"/>
+          <a:chExt cx="0" cy="0"/>
+        </a:xfrm>
+      </p:grpSpPr>
+      <p:sp>
+        <p:nvSpPr>
+          <p:cNvPr id="2" name="Title 1"/>
+          <p:cNvSpPr>
+            <a:spLocks noGrp="1"/>
+          </p:cNvSpPr>
+          <p:nvPr>
+            <p:ph type="title"/>
+          </p:nvPr>
+        </p:nvSpPr>
+        <p:spPr/>
+        <p:txBody>
+          <a:bodyPr/>
+          <a:lstStyle/>
+          <a:p>
+            <a:r>
+              <a:rPr lang="en-US" dirty="0"/>
+              <a:t>Tuning</a:t>
+            </a:r>
+          </a:p>
+        </p:txBody>
+      </p:sp>
+      <p:sp>
+        <p:nvSpPr>
+          <p:cNvPr id="3" name="Content Placeholder 2"/>
+          <p:cNvSpPr>
+            <a:spLocks noGrp="1"/>
+          </p:cNvSpPr>
+          <p:nvPr>
+            <p:ph idx="1"/>
+          </p:nvPr>
+        </p:nvSpPr>
+        <p:spPr/>
+        <p:txBody>
+          <a:bodyPr/>
+          <a:lstStyle/>
+          <a:p>
+            <a:r>
+              <a:rPr lang="en-US" dirty="0"/>
+              <a:t>Parameters to Play with</a:t>
+            </a:r>
+          </a:p>
+          <a:p>
+            <a:pPr lvl="1"/>
+            <a:r>
+              <a:rPr lang="en-US" dirty="0"/>
+              <a:t>K-Nearest Neighbors</a:t>
+            </a:r>
+          </a:p>
+          <a:p>
+            <a:pPr lvl="2"/>
+            <a:r>
+              <a:rPr lang="en-US" dirty="0"/>
+              <a:t>Number of neighbors to test point</a:t>
+            </a:r>
+          </a:p>
+          <a:p>
+            <a:pPr lvl="2"/>
+            <a:r>
+              <a:rPr lang="en-US" dirty="0"/>
+              <a:t>Algorithm to evaluate distance test point is from data points</a:t>
+            </a:r>
+          </a:p>
+          <a:p>
+            <a:pPr lvl="2"/>
+            <a:endParaRPr lang="en-US" dirty="0"/>
+          </a:p>
+          <a:p>
+            <a:endParaRPr lang="en-US" dirty="0"/>
+          </a:p>
+        </p:txBody>
+      </p:sp>
+    </p:spTree>
+    <p:extLst>
+      <p:ext uri="{BB962C8B-B14F-4D97-AF65-F5344CB8AC3E}">
+        <p14:creationId xmlns:p14="http://schemas.microsoft.com/office/powerpoint/2010/main" val="274238177"/>
+      </p:ext>
+    </p:extLst>
+  </p:cSld>
+  <p:clrMapOvr>
+    <a:overrideClrMapping bg1="lt1" tx1="dk1" bg2="lt2" tx2="dk2" accent1="accent1" accent2="accent2" accent3="accent3" accent4="accent4" accent5="accent5" accent6="accent6" hlink="hlink" folHlink="folHlink"/>
+  </p:clrMapOvr>
+</p:sld>
+</file>
+
+<file path=ppt/slides/slide74.xml><?xml version="1.0" encoding="utf-8"?>
+<p:sld xmlns:a="http://schemas.openxmlformats.org/drawingml/2006/main" xmlns:r="http://schemas.openxmlformats.org/officeDocument/2006/relationships" xmlns:p="http://schemas.openxmlformats.org/presentationml/2006/main">
+  <p:cSld>
+    <p:bg>
+      <p:bgPr>
+        <a:blipFill dpi="0" rotWithShape="1">
+          <a:blip r:embed="rId3">
+            <a:extLst>
+              <a:ext uri="{BEBA8EAE-BF5A-486C-A8C5-ECC9F3942E4B}">
+                <a14:imgProps xmlns:a14="http://schemas.microsoft.com/office/drawing/2010/main">
+                  <a14:imgLayer r:embed="rId4">
+                    <a14:imgEffect>
+                      <a14:brightnessContrast bright="-50000"/>
+                    </a14:imgEffect>
+                  </a14:imgLayer>
+                </a14:imgProps>
+              </a:ext>
+            </a:extLst>
+          </a:blip>
+          <a:srcRect/>
+          <a:stretch>
+            <a:fillRect l="-10000" r="-10000"/>
+          </a:stretch>
+        </a:blipFill>
+        <a:effectLst/>
+      </p:bgPr>
+    </p:bg>
+    <p:spTree>
+      <p:nvGrpSpPr>
+        <p:cNvPr id="1" name=""/>
+        <p:cNvGrpSpPr/>
+        <p:nvPr/>
+      </p:nvGrpSpPr>
+      <p:grpSpPr>
+        <a:xfrm>
+          <a:off x="0" y="0"/>
+          <a:ext cx="0" cy="0"/>
+          <a:chOff x="0" y="0"/>
+          <a:chExt cx="0" cy="0"/>
+        </a:xfrm>
+      </p:grpSpPr>
+      <p:sp>
+        <p:nvSpPr>
+          <p:cNvPr id="2" name="Title 1"/>
+          <p:cNvSpPr>
+            <a:spLocks noGrp="1"/>
+          </p:cNvSpPr>
+          <p:nvPr>
+            <p:ph type="title"/>
+          </p:nvPr>
+        </p:nvSpPr>
+        <p:spPr/>
+        <p:txBody>
+          <a:bodyPr/>
+          <a:lstStyle/>
+          <a:p>
+            <a:r>
+              <a:rPr lang="en-US" dirty="0"/>
+              <a:t>Tuning</a:t>
+            </a:r>
+          </a:p>
+        </p:txBody>
+      </p:sp>
+      <p:sp>
+        <p:nvSpPr>
+          <p:cNvPr id="3" name="Content Placeholder 2"/>
+          <p:cNvSpPr>
+            <a:spLocks noGrp="1"/>
+          </p:cNvSpPr>
+          <p:nvPr>
+            <p:ph idx="1"/>
+          </p:nvPr>
+        </p:nvSpPr>
+        <p:spPr/>
+        <p:txBody>
+          <a:bodyPr/>
+          <a:lstStyle/>
+          <a:p>
+            <a:r>
+              <a:rPr lang="en-US" dirty="0"/>
+              <a:t>Grid Search</a:t>
+            </a:r>
+          </a:p>
+          <a:p>
+            <a:pPr lvl="2"/>
+            <a:endParaRPr lang="en-US" dirty="0"/>
+          </a:p>
+          <a:p>
+            <a:endParaRPr lang="en-US" dirty="0"/>
+          </a:p>
+        </p:txBody>
+      </p:sp>
+    </p:spTree>
+    <p:extLst>
+      <p:ext uri="{BB962C8B-B14F-4D97-AF65-F5344CB8AC3E}">
+        <p14:creationId xmlns:p14="http://schemas.microsoft.com/office/powerpoint/2010/main" val="2622179278"/>
+      </p:ext>
+    </p:extLst>
+  </p:cSld>
+  <p:clrMapOvr>
+    <a:overrideClrMapping bg1="lt1" tx1="dk1" bg2="lt2" tx2="dk2" accent1="accent1" accent2="accent2" accent3="accent3" accent4="accent4" accent5="accent5" accent6="accent6" hlink="hlink" folHlink="folHlink"/>
+  </p:clrMapOvr>
+</p:sld>
+</file>
+
+<file path=ppt/slides/slide75.xml><?xml version="1.0" encoding="utf-8"?>
+<p:sld xmlns:a="http://schemas.openxmlformats.org/drawingml/2006/main" xmlns:r="http://schemas.openxmlformats.org/officeDocument/2006/relationships" xmlns:p="http://schemas.openxmlformats.org/presentationml/2006/main">
+  <p:cSld>
+    <p:bg>
+      <p:bgPr>
+        <a:blipFill dpi="0" rotWithShape="1">
+          <a:blip r:embed="rId3">
+            <a:extLst>
+              <a:ext uri="{BEBA8EAE-BF5A-486C-A8C5-ECC9F3942E4B}">
+                <a14:imgProps xmlns:a14="http://schemas.microsoft.com/office/drawing/2010/main">
+                  <a14:imgLayer r:embed="rId4">
+                    <a14:imgEffect>
+                      <a14:brightnessContrast bright="-50000"/>
+                    </a14:imgEffect>
+                  </a14:imgLayer>
+                </a14:imgProps>
+              </a:ext>
+            </a:extLst>
+          </a:blip>
+          <a:srcRect/>
+          <a:stretch>
+            <a:fillRect l="-10000" r="-10000"/>
+          </a:stretch>
+        </a:blipFill>
+        <a:effectLst/>
+      </p:bgPr>
+    </p:bg>
+    <p:spTree>
+      <p:nvGrpSpPr>
+        <p:cNvPr id="1" name=""/>
+        <p:cNvGrpSpPr/>
+        <p:nvPr/>
+      </p:nvGrpSpPr>
+      <p:grpSpPr>
+        <a:xfrm>
+          <a:off x="0" y="0"/>
+          <a:ext cx="0" cy="0"/>
+          <a:chOff x="0" y="0"/>
+          <a:chExt cx="0" cy="0"/>
+        </a:xfrm>
+      </p:grpSpPr>
+      <p:sp>
+        <p:nvSpPr>
+          <p:cNvPr id="2" name="Title 1"/>
+          <p:cNvSpPr>
+            <a:spLocks noGrp="1"/>
+          </p:cNvSpPr>
+          <p:nvPr>
+            <p:ph type="title"/>
+          </p:nvPr>
+        </p:nvSpPr>
+        <p:spPr/>
+        <p:txBody>
+          <a:bodyPr/>
+          <a:lstStyle/>
+          <a:p>
+            <a:r>
+              <a:rPr lang="en-US" dirty="0" err="1"/>
+              <a:t>Scikit</a:t>
+            </a:r>
+            <a:r>
+              <a:rPr lang="en-US" dirty="0"/>
+              <a:t>-Learn Machine Learning</a:t>
+            </a:r>
+          </a:p>
+        </p:txBody>
+      </p:sp>
+      <p:sp>
+        <p:nvSpPr>
+          <p:cNvPr id="3" name="Content Placeholder 2"/>
+          <p:cNvSpPr>
+            <a:spLocks noGrp="1"/>
+          </p:cNvSpPr>
+          <p:nvPr>
+            <p:ph idx="1"/>
+          </p:nvPr>
+        </p:nvSpPr>
+        <p:spPr/>
+        <p:txBody>
+          <a:bodyPr/>
+          <a:lstStyle/>
+          <a:p>
+            <a:r>
+              <a:rPr lang="en-US" dirty="0"/>
+              <a:t>Overview</a:t>
+            </a:r>
+          </a:p>
+          <a:p>
+            <a:pPr lvl="1"/>
+            <a:r>
+              <a:rPr lang="en-US" dirty="0"/>
+              <a:t>Definition</a:t>
+            </a:r>
+          </a:p>
+          <a:p>
+            <a:pPr lvl="1"/>
+            <a:r>
+              <a:rPr lang="en-US" dirty="0"/>
+              <a:t>General Types</a:t>
+            </a:r>
+          </a:p>
+          <a:p>
+            <a:pPr lvl="1"/>
+            <a:r>
+              <a:rPr lang="en-US" dirty="0"/>
+              <a:t>Basic Linear Models</a:t>
+            </a:r>
+          </a:p>
+          <a:p>
+            <a:pPr lvl="1"/>
+            <a:r>
+              <a:rPr lang="en-US" dirty="0"/>
+              <a:t>Algorithm Types</a:t>
+            </a:r>
+          </a:p>
+          <a:p>
+            <a:pPr lvl="1"/>
+            <a:r>
+              <a:rPr lang="en-US" dirty="0"/>
+              <a:t>Tuning</a:t>
+            </a:r>
+          </a:p>
+          <a:p>
+            <a:pPr lvl="2"/>
+            <a:endParaRPr lang="en-US" dirty="0"/>
+          </a:p>
+          <a:p>
+            <a:endParaRPr lang="en-US" dirty="0"/>
+          </a:p>
+        </p:txBody>
+      </p:sp>
+    </p:spTree>
+    <p:extLst>
+      <p:ext uri="{BB962C8B-B14F-4D97-AF65-F5344CB8AC3E}">
+        <p14:creationId xmlns:p14="http://schemas.microsoft.com/office/powerpoint/2010/main" val="2946119377"/>
+      </p:ext>
+    </p:extLst>
+  </p:cSld>
+  <p:clrMapOvr>
+    <a:overrideClrMapping bg1="lt1" tx1="dk1" bg2="lt2" tx2="dk2" accent1="accent1" accent2="accent2" accent3="accent3" accent4="accent4" accent5="accent5" accent6="accent6" hlink="hlink" folHlink="folHlink"/>
+  </p:clrMapOvr>
+</p:sld>
+</file>
+
+<file path=ppt/slides/slide76.xml><?xml version="1.0" encoding="utf-8"?>
+<p:sld xmlns:a="http://schemas.openxmlformats.org/drawingml/2006/main" xmlns:r="http://schemas.openxmlformats.org/officeDocument/2006/relationships" xmlns:p="http://schemas.openxmlformats.org/presentationml/2006/main">
+  <p:cSld>
+    <p:bg>
+      <p:bgPr>
+        <a:blipFill dpi="0" rotWithShape="1">
+          <a:blip r:embed="rId2">
+            <a:lum/>
+          </a:blip>
+          <a:srcRect/>
+          <a:stretch>
+            <a:fillRect l="-10000" r="-10000"/>
+          </a:stretch>
+        </a:blipFill>
+        <a:effectLst/>
+      </p:bgPr>
+    </p:bg>
+    <p:spTree>
+      <p:nvGrpSpPr>
+        <p:cNvPr id="1" name=""/>
+        <p:cNvGrpSpPr/>
+        <p:nvPr/>
+      </p:nvGrpSpPr>
+      <p:grpSpPr>
+        <a:xfrm>
+          <a:off x="0" y="0"/>
+          <a:ext cx="0" cy="0"/>
+          <a:chOff x="0" y="0"/>
+          <a:chExt cx="0" cy="0"/>
+        </a:xfrm>
+      </p:grpSpPr>
+      <p:sp>
+        <p:nvSpPr>
+          <p:cNvPr id="2" name="Title 1"/>
+          <p:cNvSpPr>
+            <a:spLocks noGrp="1"/>
+          </p:cNvSpPr>
+          <p:nvPr>
+            <p:ph type="title"/>
+          </p:nvPr>
+        </p:nvSpPr>
+        <p:spPr/>
+        <p:txBody>
+          <a:bodyPr/>
+          <a:lstStyle/>
+          <a:p>
+            <a:r>
+              <a:rPr lang="en-US" dirty="0"/>
+              <a:t>Bibliography</a:t>
+            </a:r>
+          </a:p>
+        </p:txBody>
+      </p:sp>
+      <p:sp>
+        <p:nvSpPr>
+          <p:cNvPr id="3" name="Content Placeholder 2"/>
+          <p:cNvSpPr>
+            <a:spLocks noGrp="1"/>
+          </p:cNvSpPr>
+          <p:nvPr>
+            <p:ph idx="1"/>
+          </p:nvPr>
+        </p:nvSpPr>
+        <p:spPr/>
+        <p:txBody>
+          <a:bodyPr>
+            <a:normAutofit/>
+          </a:bodyPr>
+          <a:lstStyle/>
+          <a:p>
+            <a:pPr marL="514350" indent="-514350">
+              <a:buFont typeface="+mj-lt"/>
+              <a:buAutoNum type="arabicParenR"/>
+            </a:pPr>
+            <a:r>
+              <a:rPr lang="en-US" dirty="0"/>
+              <a:t>https://github.com/amueller/introduction_to_ml_with_python/blob/master/02-supervised-learning.ipynb</a:t>
+            </a:r>
+          </a:p>
+        </p:txBody>
+      </p:sp>
+    </p:spTree>
+    <p:extLst>
+      <p:ext uri="{BB962C8B-B14F-4D97-AF65-F5344CB8AC3E}">
+        <p14:creationId xmlns:p14="http://schemas.microsoft.com/office/powerpoint/2010/main" val="3645036191"/>
+      </p:ext>
+    </p:extLst>
+  </p:cSld>
+  <p:clrMapOvr>
+    <a:masterClrMapping/>
+  </p:clrMapOvr>
+</p:sld>
+</file>
+
+<file path=ppt/slides/slide77.xml><?xml version="1.0" encoding="utf-8"?>
+<p:sld xmlns:a="http://schemas.openxmlformats.org/drawingml/2006/main" xmlns:r="http://schemas.openxmlformats.org/officeDocument/2006/relationships" xmlns:p="http://schemas.openxmlformats.org/presentationml/2006/main">
+  <p:cSld>
+    <p:bg>
+      <p:bgPr>
+        <a:blipFill dpi="0" rotWithShape="1">
+          <a:blip r:embed="rId2">
+            <a:lum/>
+          </a:blip>
+          <a:srcRect/>
+          <a:stretch>
+            <a:fillRect l="-10000" r="-10000"/>
+          </a:stretch>
+        </a:blipFill>
+        <a:effectLst/>
+      </p:bgPr>
+    </p:bg>
+    <p:spTree>
+      <p:nvGrpSpPr>
+        <p:cNvPr id="1" name=""/>
+        <p:cNvGrpSpPr/>
+        <p:nvPr/>
+      </p:nvGrpSpPr>
+      <p:grpSpPr>
+        <a:xfrm>
+          <a:off x="0" y="0"/>
+          <a:ext cx="0" cy="0"/>
+          <a:chOff x="0" y="0"/>
+          <a:chExt cx="0" cy="0"/>
+        </a:xfrm>
+      </p:grpSpPr>
+      <p:sp>
+        <p:nvSpPr>
+          <p:cNvPr id="2" name="Title 1"/>
+          <p:cNvSpPr>
+            <a:spLocks noGrp="1"/>
+          </p:cNvSpPr>
+          <p:nvPr>
+            <p:ph type="title"/>
+          </p:nvPr>
+        </p:nvSpPr>
+        <p:spPr/>
+        <p:txBody>
+          <a:bodyPr/>
+          <a:lstStyle/>
+          <a:p>
+            <a:r>
+              <a:rPr lang="en-US" dirty="0"/>
+              <a:t>LICENSE</a:t>
+            </a:r>
+          </a:p>
+        </p:txBody>
+      </p:sp>
+      <p:sp>
+        <p:nvSpPr>
+          <p:cNvPr id="3" name="Content Placeholder 2"/>
+          <p:cNvSpPr>
+            <a:spLocks noGrp="1"/>
+          </p:cNvSpPr>
+          <p:nvPr>
+            <p:ph idx="1"/>
+          </p:nvPr>
+        </p:nvSpPr>
+        <p:spPr/>
+        <p:txBody>
+          <a:bodyPr>
+            <a:normAutofit fontScale="62500" lnSpcReduction="20000"/>
+          </a:bodyPr>
+          <a:lstStyle/>
+          <a:p>
+            <a:r>
+              <a:rPr lang="en-US" dirty="0"/>
+              <a:t>Copyright 2021 Douglas Bowman</a:t>
+            </a:r>
+          </a:p>
+          <a:p>
+            <a:r>
+              <a:rPr lang="en-US" dirty="0"/>
+              <a:t>Permission is hereby granted, free of charge, to any person obtaining a copy of this software and associated documentation files (the "Software"), to deal in the Software without restriction, including without limitation the rights to use, copy, modify, merge, publish, distribute, sublicense, and/or sell copies of the Software, and to permit persons to whom the Software is furnished to do so, subject to the following conditions:</a:t>
+            </a:r>
+          </a:p>
+          <a:p>
+            <a:r>
+              <a:rPr lang="en-US" dirty="0"/>
+              <a:t>The above copyright notice and this permission notice shall be included in all copies or substantial portions of the Software.</a:t>
+            </a:r>
+          </a:p>
+          <a:p>
+            <a:r>
+              <a:rPr lang="en-US" dirty="0"/>
+              <a:t>THE SOFTWARE IS PROVIDED "AS IS", WITHOUT WARRANTY OF ANY KIND, EXPRESS OR IMPLIED, INCLUDING BUT NOT LIMITED TO THE WARRANTIES OF MERCHANTABILITY, FITNESS FOR A PARTICULAR PURPOSE AND NONINFRINGEMENT. IN NO EVENT SHALL THE AUTHORS OR COPYRIGHT HOLDERS BE LIABLE FOR ANY CLAIM, DAMAGES OR OTHER LIABILITY, WHETHER IN AN ACTION OF CONTRACT, TORT OR OTHERWISE, ARISING FROM, OUT OF OR IN CONNECTION WITH THE SOFTWARE OR THE USE OR OTHER DEALINGS IN THE SOFTWARE.</a:t>
+            </a:r>
+          </a:p>
+        </p:txBody>
+      </p:sp>
+    </p:spTree>
+    <p:extLst>
+      <p:ext uri="{BB962C8B-B14F-4D97-AF65-F5344CB8AC3E}">
+        <p14:creationId xmlns:p14="http://schemas.microsoft.com/office/powerpoint/2010/main" val="3405347719"/>
+      </p:ext>
+    </p:extLst>
+  </p:cSld>
+  <p:clrMapOvr>
+    <a:masterClrMapping/>
   </p:clrMapOvr>
 </p:sld>
 </file>
@@ -19587,7 +21442,480 @@
 </a:themeOverride>
 </file>
 
+<file path=ppt/theme/themeOverride63.xml><?xml version="1.0" encoding="utf-8"?>
+<a:themeOverride xmlns:a="http://schemas.openxmlformats.org/drawingml/2006/main">
+  <a:clrScheme name="Custom 2">
+    <a:dk1>
+      <a:srgbClr val="EFEFEF"/>
+    </a:dk1>
+    <a:lt1>
+      <a:srgbClr val="EFEFEF"/>
+    </a:lt1>
+    <a:dk2>
+      <a:srgbClr val="053E7D"/>
+    </a:dk2>
+    <a:lt2>
+      <a:srgbClr val="FFFFFF"/>
+    </a:lt2>
+    <a:accent1>
+      <a:srgbClr val="EFEFEF"/>
+    </a:accent1>
+    <a:accent2>
+      <a:srgbClr val="EFEFEF"/>
+    </a:accent2>
+    <a:accent3>
+      <a:srgbClr val="EFEFEF"/>
+    </a:accent3>
+    <a:accent4>
+      <a:srgbClr val="808080"/>
+    </a:accent4>
+    <a:accent5>
+      <a:srgbClr val="5F5F5F"/>
+    </a:accent5>
+    <a:accent6>
+      <a:srgbClr val="4D4D4D"/>
+    </a:accent6>
+    <a:hlink>
+      <a:srgbClr val="B5D7FC"/>
+    </a:hlink>
+    <a:folHlink>
+      <a:srgbClr val="919191"/>
+    </a:folHlink>
+  </a:clrScheme>
+</a:themeOverride>
+</file>
+
+<file path=ppt/theme/themeOverride64.xml><?xml version="1.0" encoding="utf-8"?>
+<a:themeOverride xmlns:a="http://schemas.openxmlformats.org/drawingml/2006/main">
+  <a:clrScheme name="Custom 2">
+    <a:dk1>
+      <a:srgbClr val="EFEFEF"/>
+    </a:dk1>
+    <a:lt1>
+      <a:srgbClr val="EFEFEF"/>
+    </a:lt1>
+    <a:dk2>
+      <a:srgbClr val="053E7D"/>
+    </a:dk2>
+    <a:lt2>
+      <a:srgbClr val="FFFFFF"/>
+    </a:lt2>
+    <a:accent1>
+      <a:srgbClr val="EFEFEF"/>
+    </a:accent1>
+    <a:accent2>
+      <a:srgbClr val="EFEFEF"/>
+    </a:accent2>
+    <a:accent3>
+      <a:srgbClr val="EFEFEF"/>
+    </a:accent3>
+    <a:accent4>
+      <a:srgbClr val="808080"/>
+    </a:accent4>
+    <a:accent5>
+      <a:srgbClr val="5F5F5F"/>
+    </a:accent5>
+    <a:accent6>
+      <a:srgbClr val="4D4D4D"/>
+    </a:accent6>
+    <a:hlink>
+      <a:srgbClr val="B5D7FC"/>
+    </a:hlink>
+    <a:folHlink>
+      <a:srgbClr val="919191"/>
+    </a:folHlink>
+  </a:clrScheme>
+</a:themeOverride>
+</file>
+
+<file path=ppt/theme/themeOverride65.xml><?xml version="1.0" encoding="utf-8"?>
+<a:themeOverride xmlns:a="http://schemas.openxmlformats.org/drawingml/2006/main">
+  <a:clrScheme name="Custom 2">
+    <a:dk1>
+      <a:srgbClr val="EFEFEF"/>
+    </a:dk1>
+    <a:lt1>
+      <a:srgbClr val="EFEFEF"/>
+    </a:lt1>
+    <a:dk2>
+      <a:srgbClr val="053E7D"/>
+    </a:dk2>
+    <a:lt2>
+      <a:srgbClr val="FFFFFF"/>
+    </a:lt2>
+    <a:accent1>
+      <a:srgbClr val="EFEFEF"/>
+    </a:accent1>
+    <a:accent2>
+      <a:srgbClr val="EFEFEF"/>
+    </a:accent2>
+    <a:accent3>
+      <a:srgbClr val="EFEFEF"/>
+    </a:accent3>
+    <a:accent4>
+      <a:srgbClr val="808080"/>
+    </a:accent4>
+    <a:accent5>
+      <a:srgbClr val="5F5F5F"/>
+    </a:accent5>
+    <a:accent6>
+      <a:srgbClr val="4D4D4D"/>
+    </a:accent6>
+    <a:hlink>
+      <a:srgbClr val="B5D7FC"/>
+    </a:hlink>
+    <a:folHlink>
+      <a:srgbClr val="919191"/>
+    </a:folHlink>
+  </a:clrScheme>
+</a:themeOverride>
+</file>
+
+<file path=ppt/theme/themeOverride66.xml><?xml version="1.0" encoding="utf-8"?>
+<a:themeOverride xmlns:a="http://schemas.openxmlformats.org/drawingml/2006/main">
+  <a:clrScheme name="Custom 2">
+    <a:dk1>
+      <a:srgbClr val="EFEFEF"/>
+    </a:dk1>
+    <a:lt1>
+      <a:srgbClr val="EFEFEF"/>
+    </a:lt1>
+    <a:dk2>
+      <a:srgbClr val="053E7D"/>
+    </a:dk2>
+    <a:lt2>
+      <a:srgbClr val="FFFFFF"/>
+    </a:lt2>
+    <a:accent1>
+      <a:srgbClr val="EFEFEF"/>
+    </a:accent1>
+    <a:accent2>
+      <a:srgbClr val="EFEFEF"/>
+    </a:accent2>
+    <a:accent3>
+      <a:srgbClr val="EFEFEF"/>
+    </a:accent3>
+    <a:accent4>
+      <a:srgbClr val="808080"/>
+    </a:accent4>
+    <a:accent5>
+      <a:srgbClr val="5F5F5F"/>
+    </a:accent5>
+    <a:accent6>
+      <a:srgbClr val="4D4D4D"/>
+    </a:accent6>
+    <a:hlink>
+      <a:srgbClr val="B5D7FC"/>
+    </a:hlink>
+    <a:folHlink>
+      <a:srgbClr val="919191"/>
+    </a:folHlink>
+  </a:clrScheme>
+</a:themeOverride>
+</file>
+
+<file path=ppt/theme/themeOverride67.xml><?xml version="1.0" encoding="utf-8"?>
+<a:themeOverride xmlns:a="http://schemas.openxmlformats.org/drawingml/2006/main">
+  <a:clrScheme name="Custom 2">
+    <a:dk1>
+      <a:srgbClr val="EFEFEF"/>
+    </a:dk1>
+    <a:lt1>
+      <a:srgbClr val="EFEFEF"/>
+    </a:lt1>
+    <a:dk2>
+      <a:srgbClr val="053E7D"/>
+    </a:dk2>
+    <a:lt2>
+      <a:srgbClr val="FFFFFF"/>
+    </a:lt2>
+    <a:accent1>
+      <a:srgbClr val="EFEFEF"/>
+    </a:accent1>
+    <a:accent2>
+      <a:srgbClr val="EFEFEF"/>
+    </a:accent2>
+    <a:accent3>
+      <a:srgbClr val="EFEFEF"/>
+    </a:accent3>
+    <a:accent4>
+      <a:srgbClr val="808080"/>
+    </a:accent4>
+    <a:accent5>
+      <a:srgbClr val="5F5F5F"/>
+    </a:accent5>
+    <a:accent6>
+      <a:srgbClr val="4D4D4D"/>
+    </a:accent6>
+    <a:hlink>
+      <a:srgbClr val="B5D7FC"/>
+    </a:hlink>
+    <a:folHlink>
+      <a:srgbClr val="919191"/>
+    </a:folHlink>
+  </a:clrScheme>
+</a:themeOverride>
+</file>
+
+<file path=ppt/theme/themeOverride68.xml><?xml version="1.0" encoding="utf-8"?>
+<a:themeOverride xmlns:a="http://schemas.openxmlformats.org/drawingml/2006/main">
+  <a:clrScheme name="Custom 2">
+    <a:dk1>
+      <a:srgbClr val="EFEFEF"/>
+    </a:dk1>
+    <a:lt1>
+      <a:srgbClr val="EFEFEF"/>
+    </a:lt1>
+    <a:dk2>
+      <a:srgbClr val="053E7D"/>
+    </a:dk2>
+    <a:lt2>
+      <a:srgbClr val="FFFFFF"/>
+    </a:lt2>
+    <a:accent1>
+      <a:srgbClr val="EFEFEF"/>
+    </a:accent1>
+    <a:accent2>
+      <a:srgbClr val="EFEFEF"/>
+    </a:accent2>
+    <a:accent3>
+      <a:srgbClr val="EFEFEF"/>
+    </a:accent3>
+    <a:accent4>
+      <a:srgbClr val="808080"/>
+    </a:accent4>
+    <a:accent5>
+      <a:srgbClr val="5F5F5F"/>
+    </a:accent5>
+    <a:accent6>
+      <a:srgbClr val="4D4D4D"/>
+    </a:accent6>
+    <a:hlink>
+      <a:srgbClr val="B5D7FC"/>
+    </a:hlink>
+    <a:folHlink>
+      <a:srgbClr val="919191"/>
+    </a:folHlink>
+  </a:clrScheme>
+</a:themeOverride>
+</file>
+
+<file path=ppt/theme/themeOverride69.xml><?xml version="1.0" encoding="utf-8"?>
+<a:themeOverride xmlns:a="http://schemas.openxmlformats.org/drawingml/2006/main">
+  <a:clrScheme name="Custom 2">
+    <a:dk1>
+      <a:srgbClr val="EFEFEF"/>
+    </a:dk1>
+    <a:lt1>
+      <a:srgbClr val="EFEFEF"/>
+    </a:lt1>
+    <a:dk2>
+      <a:srgbClr val="053E7D"/>
+    </a:dk2>
+    <a:lt2>
+      <a:srgbClr val="FFFFFF"/>
+    </a:lt2>
+    <a:accent1>
+      <a:srgbClr val="EFEFEF"/>
+    </a:accent1>
+    <a:accent2>
+      <a:srgbClr val="EFEFEF"/>
+    </a:accent2>
+    <a:accent3>
+      <a:srgbClr val="EFEFEF"/>
+    </a:accent3>
+    <a:accent4>
+      <a:srgbClr val="808080"/>
+    </a:accent4>
+    <a:accent5>
+      <a:srgbClr val="5F5F5F"/>
+    </a:accent5>
+    <a:accent6>
+      <a:srgbClr val="4D4D4D"/>
+    </a:accent6>
+    <a:hlink>
+      <a:srgbClr val="B5D7FC"/>
+    </a:hlink>
+    <a:folHlink>
+      <a:srgbClr val="919191"/>
+    </a:folHlink>
+  </a:clrScheme>
+</a:themeOverride>
+</file>
+
 <file path=ppt/theme/themeOverride7.xml><?xml version="1.0" encoding="utf-8"?>
+<a:themeOverride xmlns:a="http://schemas.openxmlformats.org/drawingml/2006/main">
+  <a:clrScheme name="Custom 2">
+    <a:dk1>
+      <a:srgbClr val="EFEFEF"/>
+    </a:dk1>
+    <a:lt1>
+      <a:srgbClr val="EFEFEF"/>
+    </a:lt1>
+    <a:dk2>
+      <a:srgbClr val="053E7D"/>
+    </a:dk2>
+    <a:lt2>
+      <a:srgbClr val="FFFFFF"/>
+    </a:lt2>
+    <a:accent1>
+      <a:srgbClr val="EFEFEF"/>
+    </a:accent1>
+    <a:accent2>
+      <a:srgbClr val="EFEFEF"/>
+    </a:accent2>
+    <a:accent3>
+      <a:srgbClr val="EFEFEF"/>
+    </a:accent3>
+    <a:accent4>
+      <a:srgbClr val="808080"/>
+    </a:accent4>
+    <a:accent5>
+      <a:srgbClr val="5F5F5F"/>
+    </a:accent5>
+    <a:accent6>
+      <a:srgbClr val="4D4D4D"/>
+    </a:accent6>
+    <a:hlink>
+      <a:srgbClr val="B5D7FC"/>
+    </a:hlink>
+    <a:folHlink>
+      <a:srgbClr val="919191"/>
+    </a:folHlink>
+  </a:clrScheme>
+</a:themeOverride>
+</file>
+
+<file path=ppt/theme/themeOverride70.xml><?xml version="1.0" encoding="utf-8"?>
+<a:themeOverride xmlns:a="http://schemas.openxmlformats.org/drawingml/2006/main">
+  <a:clrScheme name="Custom 2">
+    <a:dk1>
+      <a:srgbClr val="EFEFEF"/>
+    </a:dk1>
+    <a:lt1>
+      <a:srgbClr val="EFEFEF"/>
+    </a:lt1>
+    <a:dk2>
+      <a:srgbClr val="053E7D"/>
+    </a:dk2>
+    <a:lt2>
+      <a:srgbClr val="FFFFFF"/>
+    </a:lt2>
+    <a:accent1>
+      <a:srgbClr val="EFEFEF"/>
+    </a:accent1>
+    <a:accent2>
+      <a:srgbClr val="EFEFEF"/>
+    </a:accent2>
+    <a:accent3>
+      <a:srgbClr val="EFEFEF"/>
+    </a:accent3>
+    <a:accent4>
+      <a:srgbClr val="808080"/>
+    </a:accent4>
+    <a:accent5>
+      <a:srgbClr val="5F5F5F"/>
+    </a:accent5>
+    <a:accent6>
+      <a:srgbClr val="4D4D4D"/>
+    </a:accent6>
+    <a:hlink>
+      <a:srgbClr val="B5D7FC"/>
+    </a:hlink>
+    <a:folHlink>
+      <a:srgbClr val="919191"/>
+    </a:folHlink>
+  </a:clrScheme>
+</a:themeOverride>
+</file>
+
+<file path=ppt/theme/themeOverride71.xml><?xml version="1.0" encoding="utf-8"?>
+<a:themeOverride xmlns:a="http://schemas.openxmlformats.org/drawingml/2006/main">
+  <a:clrScheme name="Custom 2">
+    <a:dk1>
+      <a:srgbClr val="EFEFEF"/>
+    </a:dk1>
+    <a:lt1>
+      <a:srgbClr val="EFEFEF"/>
+    </a:lt1>
+    <a:dk2>
+      <a:srgbClr val="053E7D"/>
+    </a:dk2>
+    <a:lt2>
+      <a:srgbClr val="FFFFFF"/>
+    </a:lt2>
+    <a:accent1>
+      <a:srgbClr val="EFEFEF"/>
+    </a:accent1>
+    <a:accent2>
+      <a:srgbClr val="EFEFEF"/>
+    </a:accent2>
+    <a:accent3>
+      <a:srgbClr val="EFEFEF"/>
+    </a:accent3>
+    <a:accent4>
+      <a:srgbClr val="808080"/>
+    </a:accent4>
+    <a:accent5>
+      <a:srgbClr val="5F5F5F"/>
+    </a:accent5>
+    <a:accent6>
+      <a:srgbClr val="4D4D4D"/>
+    </a:accent6>
+    <a:hlink>
+      <a:srgbClr val="B5D7FC"/>
+    </a:hlink>
+    <a:folHlink>
+      <a:srgbClr val="919191"/>
+    </a:folHlink>
+  </a:clrScheme>
+</a:themeOverride>
+</file>
+
+<file path=ppt/theme/themeOverride72.xml><?xml version="1.0" encoding="utf-8"?>
+<a:themeOverride xmlns:a="http://schemas.openxmlformats.org/drawingml/2006/main">
+  <a:clrScheme name="Custom 2">
+    <a:dk1>
+      <a:srgbClr val="EFEFEF"/>
+    </a:dk1>
+    <a:lt1>
+      <a:srgbClr val="EFEFEF"/>
+    </a:lt1>
+    <a:dk2>
+      <a:srgbClr val="053E7D"/>
+    </a:dk2>
+    <a:lt2>
+      <a:srgbClr val="FFFFFF"/>
+    </a:lt2>
+    <a:accent1>
+      <a:srgbClr val="EFEFEF"/>
+    </a:accent1>
+    <a:accent2>
+      <a:srgbClr val="EFEFEF"/>
+    </a:accent2>
+    <a:accent3>
+      <a:srgbClr val="EFEFEF"/>
+    </a:accent3>
+    <a:accent4>
+      <a:srgbClr val="808080"/>
+    </a:accent4>
+    <a:accent5>
+      <a:srgbClr val="5F5F5F"/>
+    </a:accent5>
+    <a:accent6>
+      <a:srgbClr val="4D4D4D"/>
+    </a:accent6>
+    <a:hlink>
+      <a:srgbClr val="B5D7FC"/>
+    </a:hlink>
+    <a:folHlink>
+      <a:srgbClr val="919191"/>
+    </a:folHlink>
+  </a:clrScheme>
+</a:themeOverride>
+</file>
+
+<file path=ppt/theme/themeOverride73.xml><?xml version="1.0" encoding="utf-8"?>
 <a:themeOverride xmlns:a="http://schemas.openxmlformats.org/drawingml/2006/main">
   <a:clrScheme name="Custom 2">
     <a:dk1>

--- a/Session 7 - Python/Instructional Material/Session 7 - Python Brief Intro to Machine Learning with Scikit Learn.pptx
+++ b/Session 7 - Python/Instructional Material/Session 7 - Python Brief Intro to Machine Learning with Scikit Learn.pptx
@@ -6,7 +6,7 @@
     <p:sldMasterId id="2147483660" r:id="rId2"/>
   </p:sldMasterIdLst>
   <p:notesMasterIdLst>
-    <p:notesMasterId r:id="rId80"/>
+    <p:notesMasterId r:id="rId90"/>
   </p:notesMasterIdLst>
   <p:sldIdLst>
     <p:sldId id="256" r:id="rId3"/>
@@ -16,76 +16,86 @@
     <p:sldId id="408" r:id="rId7"/>
     <p:sldId id="429" r:id="rId8"/>
     <p:sldId id="410" r:id="rId9"/>
-    <p:sldId id="381" r:id="rId10"/>
-    <p:sldId id="409" r:id="rId11"/>
-    <p:sldId id="380" r:id="rId12"/>
-    <p:sldId id="383" r:id="rId13"/>
-    <p:sldId id="422" r:id="rId14"/>
-    <p:sldId id="382" r:id="rId15"/>
-    <p:sldId id="407" r:id="rId16"/>
-    <p:sldId id="423" r:id="rId17"/>
-    <p:sldId id="424" r:id="rId18"/>
-    <p:sldId id="421" r:id="rId19"/>
-    <p:sldId id="446" r:id="rId20"/>
-    <p:sldId id="420" r:id="rId21"/>
-    <p:sldId id="453" r:id="rId22"/>
-    <p:sldId id="378" r:id="rId23"/>
-    <p:sldId id="388" r:id="rId24"/>
-    <p:sldId id="387" r:id="rId25"/>
-    <p:sldId id="389" r:id="rId26"/>
-    <p:sldId id="447" r:id="rId27"/>
-    <p:sldId id="401" r:id="rId28"/>
-    <p:sldId id="403" r:id="rId29"/>
-    <p:sldId id="402" r:id="rId30"/>
-    <p:sldId id="406" r:id="rId31"/>
-    <p:sldId id="449" r:id="rId32"/>
-    <p:sldId id="448" r:id="rId33"/>
-    <p:sldId id="404" r:id="rId34"/>
-    <p:sldId id="377" r:id="rId35"/>
-    <p:sldId id="435" r:id="rId36"/>
-    <p:sldId id="454" r:id="rId37"/>
-    <p:sldId id="390" r:id="rId38"/>
-    <p:sldId id="426" r:id="rId39"/>
-    <p:sldId id="412" r:id="rId40"/>
-    <p:sldId id="444" r:id="rId41"/>
-    <p:sldId id="415" r:id="rId42"/>
-    <p:sldId id="413" r:id="rId43"/>
-    <p:sldId id="416" r:id="rId44"/>
-    <p:sldId id="450" r:id="rId45"/>
-    <p:sldId id="436" r:id="rId46"/>
-    <p:sldId id="455" r:id="rId47"/>
-    <p:sldId id="456" r:id="rId48"/>
-    <p:sldId id="437" r:id="rId49"/>
-    <p:sldId id="451" r:id="rId50"/>
-    <p:sldId id="452" r:id="rId51"/>
-    <p:sldId id="391" r:id="rId52"/>
-    <p:sldId id="428" r:id="rId53"/>
-    <p:sldId id="438" r:id="rId54"/>
-    <p:sldId id="427" r:id="rId55"/>
-    <p:sldId id="441" r:id="rId56"/>
-    <p:sldId id="396" r:id="rId57"/>
-    <p:sldId id="432" r:id="rId58"/>
-    <p:sldId id="431" r:id="rId59"/>
-    <p:sldId id="430" r:id="rId60"/>
-    <p:sldId id="434" r:id="rId61"/>
-    <p:sldId id="439" r:id="rId62"/>
-    <p:sldId id="440" r:id="rId63"/>
-    <p:sldId id="414" r:id="rId64"/>
-    <p:sldId id="433" r:id="rId65"/>
-    <p:sldId id="442" r:id="rId66"/>
-    <p:sldId id="443" r:id="rId67"/>
-    <p:sldId id="397" r:id="rId68"/>
-    <p:sldId id="398" r:id="rId69"/>
-    <p:sldId id="399" r:id="rId70"/>
-    <p:sldId id="376" r:id="rId71"/>
-    <p:sldId id="445" r:id="rId72"/>
-    <p:sldId id="405" r:id="rId73"/>
-    <p:sldId id="385" r:id="rId74"/>
-    <p:sldId id="386" r:id="rId75"/>
-    <p:sldId id="400" r:id="rId76"/>
-    <p:sldId id="384" r:id="rId77"/>
-    <p:sldId id="375" r:id="rId78"/>
-    <p:sldId id="411" r:id="rId79"/>
+    <p:sldId id="458" r:id="rId10"/>
+    <p:sldId id="381" r:id="rId11"/>
+    <p:sldId id="409" r:id="rId12"/>
+    <p:sldId id="380" r:id="rId13"/>
+    <p:sldId id="383" r:id="rId14"/>
+    <p:sldId id="422" r:id="rId15"/>
+    <p:sldId id="382" r:id="rId16"/>
+    <p:sldId id="407" r:id="rId17"/>
+    <p:sldId id="423" r:id="rId18"/>
+    <p:sldId id="424" r:id="rId19"/>
+    <p:sldId id="421" r:id="rId20"/>
+    <p:sldId id="446" r:id="rId21"/>
+    <p:sldId id="420" r:id="rId22"/>
+    <p:sldId id="453" r:id="rId23"/>
+    <p:sldId id="378" r:id="rId24"/>
+    <p:sldId id="388" r:id="rId25"/>
+    <p:sldId id="387" r:id="rId26"/>
+    <p:sldId id="389" r:id="rId27"/>
+    <p:sldId id="447" r:id="rId28"/>
+    <p:sldId id="401" r:id="rId29"/>
+    <p:sldId id="403" r:id="rId30"/>
+    <p:sldId id="402" r:id="rId31"/>
+    <p:sldId id="406" r:id="rId32"/>
+    <p:sldId id="449" r:id="rId33"/>
+    <p:sldId id="448" r:id="rId34"/>
+    <p:sldId id="404" r:id="rId35"/>
+    <p:sldId id="377" r:id="rId36"/>
+    <p:sldId id="435" r:id="rId37"/>
+    <p:sldId id="454" r:id="rId38"/>
+    <p:sldId id="457" r:id="rId39"/>
+    <p:sldId id="390" r:id="rId40"/>
+    <p:sldId id="426" r:id="rId41"/>
+    <p:sldId id="412" r:id="rId42"/>
+    <p:sldId id="444" r:id="rId43"/>
+    <p:sldId id="415" r:id="rId44"/>
+    <p:sldId id="413" r:id="rId45"/>
+    <p:sldId id="416" r:id="rId46"/>
+    <p:sldId id="450" r:id="rId47"/>
+    <p:sldId id="436" r:id="rId48"/>
+    <p:sldId id="459" r:id="rId49"/>
+    <p:sldId id="455" r:id="rId50"/>
+    <p:sldId id="456" r:id="rId51"/>
+    <p:sldId id="461" r:id="rId52"/>
+    <p:sldId id="465" r:id="rId53"/>
+    <p:sldId id="464" r:id="rId54"/>
+    <p:sldId id="466" r:id="rId55"/>
+    <p:sldId id="463" r:id="rId56"/>
+    <p:sldId id="467" r:id="rId57"/>
+    <p:sldId id="437" r:id="rId58"/>
+    <p:sldId id="451" r:id="rId59"/>
+    <p:sldId id="452" r:id="rId60"/>
+    <p:sldId id="391" r:id="rId61"/>
+    <p:sldId id="428" r:id="rId62"/>
+    <p:sldId id="438" r:id="rId63"/>
+    <p:sldId id="427" r:id="rId64"/>
+    <p:sldId id="441" r:id="rId65"/>
+    <p:sldId id="396" r:id="rId66"/>
+    <p:sldId id="432" r:id="rId67"/>
+    <p:sldId id="431" r:id="rId68"/>
+    <p:sldId id="430" r:id="rId69"/>
+    <p:sldId id="434" r:id="rId70"/>
+    <p:sldId id="439" r:id="rId71"/>
+    <p:sldId id="440" r:id="rId72"/>
+    <p:sldId id="414" r:id="rId73"/>
+    <p:sldId id="433" r:id="rId74"/>
+    <p:sldId id="442" r:id="rId75"/>
+    <p:sldId id="443" r:id="rId76"/>
+    <p:sldId id="397" r:id="rId77"/>
+    <p:sldId id="398" r:id="rId78"/>
+    <p:sldId id="399" r:id="rId79"/>
+    <p:sldId id="376" r:id="rId80"/>
+    <p:sldId id="445" r:id="rId81"/>
+    <p:sldId id="405" r:id="rId82"/>
+    <p:sldId id="385" r:id="rId83"/>
+    <p:sldId id="386" r:id="rId84"/>
+    <p:sldId id="400" r:id="rId85"/>
+    <p:sldId id="384" r:id="rId86"/>
+    <p:sldId id="375" r:id="rId87"/>
+    <p:sldId id="460" r:id="rId88"/>
+    <p:sldId id="411" r:id="rId89"/>
   </p:sldIdLst>
   <p:sldSz cx="9144000" cy="6858000" type="screen4x3"/>
   <p:notesSz cx="6858000" cy="9144000"/>
@@ -285,7 +295,7 @@
           <a:p>
             <a:fld id="{CD3A85A8-362A-422C-AAFE-FA6D3B9BF6BA}" type="datetimeFigureOut">
               <a:rPr lang="en-US" smtClean="0"/>
-              <a:t>12/14/2021</a:t>
+              <a:t>12/21/2021</a:t>
             </a:fld>
             <a:endParaRPr lang="en-US"/>
           </a:p>
@@ -596,7 +606,16 @@
           <a:bodyPr/>
           <a:lstStyle/>
           <a:p>
-            <a:endParaRPr lang="en-US" dirty="0"/>
+            <a:r>
+              <a:rPr lang="en-US" dirty="0"/>
+              <a:t>Regularization parameter is used to adjust how the weight factors are optimized.</a:t>
+            </a:r>
+          </a:p>
+          <a:p>
+            <a:r>
+              <a:rPr lang="en-US" dirty="0"/>
+              <a:t>Different models either don’t use regularization, or use different methods for regularization.</a:t>
+            </a:r>
           </a:p>
         </p:txBody>
       </p:sp>
@@ -617,7 +636,7 @@
           <a:p>
             <a:fld id="{3E7B21C4-CE7A-4258-91FF-8CBB981279E1}" type="slidenum">
               <a:rPr lang="en-US" smtClean="0"/>
-              <a:t>36</a:t>
+              <a:t>8</a:t>
             </a:fld>
             <a:endParaRPr lang="en-US"/>
           </a:p>
@@ -626,7 +645,7 @@
     </p:spTree>
     <p:extLst>
       <p:ext uri="{BB962C8B-B14F-4D97-AF65-F5344CB8AC3E}">
-        <p14:creationId xmlns:p14="http://schemas.microsoft.com/office/powerpoint/2010/main" val="1638362377"/>
+        <p14:creationId xmlns:p14="http://schemas.microsoft.com/office/powerpoint/2010/main" val="472546468"/>
       </p:ext>
     </p:extLst>
   </p:cSld>
@@ -701,7 +720,7 @@
           <a:p>
             <a:fld id="{3E7B21C4-CE7A-4258-91FF-8CBB981279E1}" type="slidenum">
               <a:rPr lang="en-US" smtClean="0"/>
-              <a:t>48</a:t>
+              <a:t>47</a:t>
             </a:fld>
             <a:endParaRPr lang="en-US"/>
           </a:p>
@@ -710,7 +729,7 @@
     </p:spTree>
     <p:extLst>
       <p:ext uri="{BB962C8B-B14F-4D97-AF65-F5344CB8AC3E}">
-        <p14:creationId xmlns:p14="http://schemas.microsoft.com/office/powerpoint/2010/main" val="1478135676"/>
+        <p14:creationId xmlns:p14="http://schemas.microsoft.com/office/powerpoint/2010/main" val="4221020209"/>
       </p:ext>
     </p:extLst>
   </p:cSld>
@@ -785,7 +804,259 @@
           <a:p>
             <a:fld id="{3E7B21C4-CE7A-4258-91FF-8CBB981279E1}" type="slidenum">
               <a:rPr lang="en-US" smtClean="0"/>
-              <a:t>49</a:t>
+              <a:t>48</a:t>
+            </a:fld>
+            <a:endParaRPr lang="en-US"/>
+          </a:p>
+        </p:txBody>
+      </p:sp>
+    </p:spTree>
+    <p:extLst>
+      <p:ext uri="{BB962C8B-B14F-4D97-AF65-F5344CB8AC3E}">
+        <p14:creationId xmlns:p14="http://schemas.microsoft.com/office/powerpoint/2010/main" val="1366633571"/>
+      </p:ext>
+    </p:extLst>
+  </p:cSld>
+  <p:clrMapOvr>
+    <a:masterClrMapping/>
+  </p:clrMapOvr>
+</p:notes>
+</file>
+
+<file path=ppt/notesSlides/notesSlide12.xml><?xml version="1.0" encoding="utf-8"?>
+<p:notes xmlns:a="http://schemas.openxmlformats.org/drawingml/2006/main" xmlns:r="http://schemas.openxmlformats.org/officeDocument/2006/relationships" xmlns:p="http://schemas.openxmlformats.org/presentationml/2006/main">
+  <p:cSld>
+    <p:spTree>
+      <p:nvGrpSpPr>
+        <p:cNvPr id="1" name=""/>
+        <p:cNvGrpSpPr/>
+        <p:nvPr/>
+      </p:nvGrpSpPr>
+      <p:grpSpPr>
+        <a:xfrm>
+          <a:off x="0" y="0"/>
+          <a:ext cx="0" cy="0"/>
+          <a:chOff x="0" y="0"/>
+          <a:chExt cx="0" cy="0"/>
+        </a:xfrm>
+      </p:grpSpPr>
+      <p:sp>
+        <p:nvSpPr>
+          <p:cNvPr id="2" name="Slide Image Placeholder 1"/>
+          <p:cNvSpPr>
+            <a:spLocks noGrp="1" noRot="1" noChangeAspect="1"/>
+          </p:cNvSpPr>
+          <p:nvPr>
+            <p:ph type="sldImg"/>
+          </p:nvPr>
+        </p:nvSpPr>
+        <p:spPr/>
+      </p:sp>
+      <p:sp>
+        <p:nvSpPr>
+          <p:cNvPr id="3" name="Notes Placeholder 2"/>
+          <p:cNvSpPr>
+            <a:spLocks noGrp="1"/>
+          </p:cNvSpPr>
+          <p:nvPr>
+            <p:ph type="body" idx="1"/>
+          </p:nvPr>
+        </p:nvSpPr>
+        <p:spPr/>
+        <p:txBody>
+          <a:bodyPr/>
+          <a:lstStyle/>
+          <a:p>
+            <a:endParaRPr lang="en-US" dirty="0"/>
+          </a:p>
+        </p:txBody>
+      </p:sp>
+      <p:sp>
+        <p:nvSpPr>
+          <p:cNvPr id="4" name="Slide Number Placeholder 3"/>
+          <p:cNvSpPr>
+            <a:spLocks noGrp="1"/>
+          </p:cNvSpPr>
+          <p:nvPr>
+            <p:ph type="sldNum" sz="quarter" idx="5"/>
+          </p:nvPr>
+        </p:nvSpPr>
+        <p:spPr/>
+        <p:txBody>
+          <a:bodyPr/>
+          <a:lstStyle/>
+          <a:p>
+            <a:fld id="{3E7B21C4-CE7A-4258-91FF-8CBB981279E1}" type="slidenum">
+              <a:rPr lang="en-US" smtClean="0"/>
+              <a:t>56</a:t>
+            </a:fld>
+            <a:endParaRPr lang="en-US"/>
+          </a:p>
+        </p:txBody>
+      </p:sp>
+    </p:spTree>
+    <p:extLst>
+      <p:ext uri="{BB962C8B-B14F-4D97-AF65-F5344CB8AC3E}">
+        <p14:creationId xmlns:p14="http://schemas.microsoft.com/office/powerpoint/2010/main" val="3623138648"/>
+      </p:ext>
+    </p:extLst>
+  </p:cSld>
+  <p:clrMapOvr>
+    <a:masterClrMapping/>
+  </p:clrMapOvr>
+</p:notes>
+</file>
+
+<file path=ppt/notesSlides/notesSlide13.xml><?xml version="1.0" encoding="utf-8"?>
+<p:notes xmlns:a="http://schemas.openxmlformats.org/drawingml/2006/main" xmlns:r="http://schemas.openxmlformats.org/officeDocument/2006/relationships" xmlns:p="http://schemas.openxmlformats.org/presentationml/2006/main">
+  <p:cSld>
+    <p:spTree>
+      <p:nvGrpSpPr>
+        <p:cNvPr id="1" name=""/>
+        <p:cNvGrpSpPr/>
+        <p:nvPr/>
+      </p:nvGrpSpPr>
+      <p:grpSpPr>
+        <a:xfrm>
+          <a:off x="0" y="0"/>
+          <a:ext cx="0" cy="0"/>
+          <a:chOff x="0" y="0"/>
+          <a:chExt cx="0" cy="0"/>
+        </a:xfrm>
+      </p:grpSpPr>
+      <p:sp>
+        <p:nvSpPr>
+          <p:cNvPr id="2" name="Slide Image Placeholder 1"/>
+          <p:cNvSpPr>
+            <a:spLocks noGrp="1" noRot="1" noChangeAspect="1"/>
+          </p:cNvSpPr>
+          <p:nvPr>
+            <p:ph type="sldImg"/>
+          </p:nvPr>
+        </p:nvSpPr>
+        <p:spPr/>
+      </p:sp>
+      <p:sp>
+        <p:nvSpPr>
+          <p:cNvPr id="3" name="Notes Placeholder 2"/>
+          <p:cNvSpPr>
+            <a:spLocks noGrp="1"/>
+          </p:cNvSpPr>
+          <p:nvPr>
+            <p:ph type="body" idx="1"/>
+          </p:nvPr>
+        </p:nvSpPr>
+        <p:spPr/>
+        <p:txBody>
+          <a:bodyPr/>
+          <a:lstStyle/>
+          <a:p>
+            <a:endParaRPr lang="en-US" dirty="0"/>
+          </a:p>
+        </p:txBody>
+      </p:sp>
+      <p:sp>
+        <p:nvSpPr>
+          <p:cNvPr id="4" name="Slide Number Placeholder 3"/>
+          <p:cNvSpPr>
+            <a:spLocks noGrp="1"/>
+          </p:cNvSpPr>
+          <p:nvPr>
+            <p:ph type="sldNum" sz="quarter" idx="5"/>
+          </p:nvPr>
+        </p:nvSpPr>
+        <p:spPr/>
+        <p:txBody>
+          <a:bodyPr/>
+          <a:lstStyle/>
+          <a:p>
+            <a:fld id="{3E7B21C4-CE7A-4258-91FF-8CBB981279E1}" type="slidenum">
+              <a:rPr lang="en-US" smtClean="0"/>
+              <a:t>57</a:t>
+            </a:fld>
+            <a:endParaRPr lang="en-US"/>
+          </a:p>
+        </p:txBody>
+      </p:sp>
+    </p:spTree>
+    <p:extLst>
+      <p:ext uri="{BB962C8B-B14F-4D97-AF65-F5344CB8AC3E}">
+        <p14:creationId xmlns:p14="http://schemas.microsoft.com/office/powerpoint/2010/main" val="1478135676"/>
+      </p:ext>
+    </p:extLst>
+  </p:cSld>
+  <p:clrMapOvr>
+    <a:masterClrMapping/>
+  </p:clrMapOvr>
+</p:notes>
+</file>
+
+<file path=ppt/notesSlides/notesSlide14.xml><?xml version="1.0" encoding="utf-8"?>
+<p:notes xmlns:a="http://schemas.openxmlformats.org/drawingml/2006/main" xmlns:r="http://schemas.openxmlformats.org/officeDocument/2006/relationships" xmlns:p="http://schemas.openxmlformats.org/presentationml/2006/main">
+  <p:cSld>
+    <p:spTree>
+      <p:nvGrpSpPr>
+        <p:cNvPr id="1" name=""/>
+        <p:cNvGrpSpPr/>
+        <p:nvPr/>
+      </p:nvGrpSpPr>
+      <p:grpSpPr>
+        <a:xfrm>
+          <a:off x="0" y="0"/>
+          <a:ext cx="0" cy="0"/>
+          <a:chOff x="0" y="0"/>
+          <a:chExt cx="0" cy="0"/>
+        </a:xfrm>
+      </p:grpSpPr>
+      <p:sp>
+        <p:nvSpPr>
+          <p:cNvPr id="2" name="Slide Image Placeholder 1"/>
+          <p:cNvSpPr>
+            <a:spLocks noGrp="1" noRot="1" noChangeAspect="1"/>
+          </p:cNvSpPr>
+          <p:nvPr>
+            <p:ph type="sldImg"/>
+          </p:nvPr>
+        </p:nvSpPr>
+        <p:spPr/>
+      </p:sp>
+      <p:sp>
+        <p:nvSpPr>
+          <p:cNvPr id="3" name="Notes Placeholder 2"/>
+          <p:cNvSpPr>
+            <a:spLocks noGrp="1"/>
+          </p:cNvSpPr>
+          <p:nvPr>
+            <p:ph type="body" idx="1"/>
+          </p:nvPr>
+        </p:nvSpPr>
+        <p:spPr/>
+        <p:txBody>
+          <a:bodyPr/>
+          <a:lstStyle/>
+          <a:p>
+            <a:endParaRPr lang="en-US" dirty="0"/>
+          </a:p>
+        </p:txBody>
+      </p:sp>
+      <p:sp>
+        <p:nvSpPr>
+          <p:cNvPr id="4" name="Slide Number Placeholder 3"/>
+          <p:cNvSpPr>
+            <a:spLocks noGrp="1"/>
+          </p:cNvSpPr>
+          <p:nvPr>
+            <p:ph type="sldNum" sz="quarter" idx="5"/>
+          </p:nvPr>
+        </p:nvSpPr>
+        <p:spPr/>
+        <p:txBody>
+          <a:bodyPr/>
+          <a:lstStyle/>
+          <a:p>
+            <a:fld id="{3E7B21C4-CE7A-4258-91FF-8CBB981279E1}" type="slidenum">
+              <a:rPr lang="en-US" smtClean="0"/>
+              <a:t>58</a:t>
             </a:fld>
             <a:endParaRPr lang="en-US"/>
           </a:p>
@@ -878,7 +1149,7 @@
     </p:spTree>
     <p:extLst>
       <p:ext uri="{BB962C8B-B14F-4D97-AF65-F5344CB8AC3E}">
-        <p14:creationId xmlns:p14="http://schemas.microsoft.com/office/powerpoint/2010/main" val="4156309806"/>
+        <p14:creationId xmlns:p14="http://schemas.microsoft.com/office/powerpoint/2010/main" val="621322551"/>
       </p:ext>
     </p:extLst>
   </p:cSld>
@@ -962,7 +1233,7 @@
     </p:spTree>
     <p:extLst>
       <p:ext uri="{BB962C8B-B14F-4D97-AF65-F5344CB8AC3E}">
-        <p14:creationId xmlns:p14="http://schemas.microsoft.com/office/powerpoint/2010/main" val="3496575575"/>
+        <p14:creationId xmlns:p14="http://schemas.microsoft.com/office/powerpoint/2010/main" val="1638362377"/>
       </p:ext>
     </p:extLst>
   </p:cSld>
@@ -1037,7 +1308,7 @@
           <a:p>
             <a:fld id="{3E7B21C4-CE7A-4258-91FF-8CBB981279E1}" type="slidenum">
               <a:rPr lang="en-US" smtClean="0"/>
-              <a:t>40</a:t>
+              <a:t>39</a:t>
             </a:fld>
             <a:endParaRPr lang="en-US"/>
           </a:p>
@@ -1046,7 +1317,7 @@
     </p:spTree>
     <p:extLst>
       <p:ext uri="{BB962C8B-B14F-4D97-AF65-F5344CB8AC3E}">
-        <p14:creationId xmlns:p14="http://schemas.microsoft.com/office/powerpoint/2010/main" val="2013407036"/>
+        <p14:creationId xmlns:p14="http://schemas.microsoft.com/office/powerpoint/2010/main" val="4156309806"/>
       </p:ext>
     </p:extLst>
   </p:cSld>
@@ -1121,7 +1392,7 @@
           <a:p>
             <a:fld id="{3E7B21C4-CE7A-4258-91FF-8CBB981279E1}" type="slidenum">
               <a:rPr lang="en-US" smtClean="0"/>
-              <a:t>41</a:t>
+              <a:t>40</a:t>
             </a:fld>
             <a:endParaRPr lang="en-US"/>
           </a:p>
@@ -1130,7 +1401,7 @@
     </p:spTree>
     <p:extLst>
       <p:ext uri="{BB962C8B-B14F-4D97-AF65-F5344CB8AC3E}">
-        <p14:creationId xmlns:p14="http://schemas.microsoft.com/office/powerpoint/2010/main" val="2302798330"/>
+        <p14:creationId xmlns:p14="http://schemas.microsoft.com/office/powerpoint/2010/main" val="3496575575"/>
       </p:ext>
     </p:extLst>
   </p:cSld>
@@ -1214,7 +1485,7 @@
     </p:spTree>
     <p:extLst>
       <p:ext uri="{BB962C8B-B14F-4D97-AF65-F5344CB8AC3E}">
-        <p14:creationId xmlns:p14="http://schemas.microsoft.com/office/powerpoint/2010/main" val="4141967506"/>
+        <p14:creationId xmlns:p14="http://schemas.microsoft.com/office/powerpoint/2010/main" val="2013407036"/>
       </p:ext>
     </p:extLst>
   </p:cSld>
@@ -1289,7 +1560,7 @@
           <a:p>
             <a:fld id="{3E7B21C4-CE7A-4258-91FF-8CBB981279E1}" type="slidenum">
               <a:rPr lang="en-US" smtClean="0"/>
-              <a:t>44</a:t>
+              <a:t>43</a:t>
             </a:fld>
             <a:endParaRPr lang="en-US"/>
           </a:p>
@@ -1298,7 +1569,7 @@
     </p:spTree>
     <p:extLst>
       <p:ext uri="{BB962C8B-B14F-4D97-AF65-F5344CB8AC3E}">
-        <p14:creationId xmlns:p14="http://schemas.microsoft.com/office/powerpoint/2010/main" val="2099521199"/>
+        <p14:creationId xmlns:p14="http://schemas.microsoft.com/office/powerpoint/2010/main" val="2302798330"/>
       </p:ext>
     </p:extLst>
   </p:cSld>
@@ -1373,7 +1644,7 @@
           <a:p>
             <a:fld id="{3E7B21C4-CE7A-4258-91FF-8CBB981279E1}" type="slidenum">
               <a:rPr lang="en-US" smtClean="0"/>
-              <a:t>45</a:t>
+              <a:t>44</a:t>
             </a:fld>
             <a:endParaRPr lang="en-US"/>
           </a:p>
@@ -1382,7 +1653,7 @@
     </p:spTree>
     <p:extLst>
       <p:ext uri="{BB962C8B-B14F-4D97-AF65-F5344CB8AC3E}">
-        <p14:creationId xmlns:p14="http://schemas.microsoft.com/office/powerpoint/2010/main" val="1366633571"/>
+        <p14:creationId xmlns:p14="http://schemas.microsoft.com/office/powerpoint/2010/main" val="4141967506"/>
       </p:ext>
     </p:extLst>
   </p:cSld>
@@ -1457,7 +1728,7 @@
           <a:p>
             <a:fld id="{3E7B21C4-CE7A-4258-91FF-8CBB981279E1}" type="slidenum">
               <a:rPr lang="en-US" smtClean="0"/>
-              <a:t>47</a:t>
+              <a:t>46</a:t>
             </a:fld>
             <a:endParaRPr lang="en-US"/>
           </a:p>
@@ -1466,7 +1737,7 @@
     </p:spTree>
     <p:extLst>
       <p:ext uri="{BB962C8B-B14F-4D97-AF65-F5344CB8AC3E}">
-        <p14:creationId xmlns:p14="http://schemas.microsoft.com/office/powerpoint/2010/main" val="3623138648"/>
+        <p14:creationId xmlns:p14="http://schemas.microsoft.com/office/powerpoint/2010/main" val="2099521199"/>
       </p:ext>
     </p:extLst>
   </p:cSld>
@@ -1655,7 +1926,7 @@
           <a:p>
             <a:fld id="{547641E8-73DF-4AD2-848E-3103064331B1}" type="datetimeFigureOut">
               <a:rPr lang="en-US" smtClean="0"/>
-              <a:t>12/14/2021</a:t>
+              <a:t>12/21/2021</a:t>
             </a:fld>
             <a:endParaRPr lang="en-US"/>
           </a:p>
@@ -1823,7 +2094,7 @@
           <a:p>
             <a:fld id="{547641E8-73DF-4AD2-848E-3103064331B1}" type="datetimeFigureOut">
               <a:rPr lang="en-US" smtClean="0"/>
-              <a:t>12/14/2021</a:t>
+              <a:t>12/21/2021</a:t>
             </a:fld>
             <a:endParaRPr lang="en-US"/>
           </a:p>
@@ -2001,7 +2272,7 @@
           <a:p>
             <a:fld id="{547641E8-73DF-4AD2-848E-3103064331B1}" type="datetimeFigureOut">
               <a:rPr lang="en-US" smtClean="0"/>
-              <a:t>12/14/2021</a:t>
+              <a:t>12/21/2021</a:t>
             </a:fld>
             <a:endParaRPr lang="en-US"/>
           </a:p>
@@ -2248,7 +2519,7 @@
                 </a:solidFill>
               </a:rPr>
               <a:pPr/>
-              <a:t>12/14/2021</a:t>
+              <a:t>12/21/2021</a:t>
             </a:fld>
             <a:endParaRPr lang="en-US">
               <a:solidFill>
@@ -2448,7 +2719,7 @@
                 </a:solidFill>
               </a:rPr>
               <a:pPr/>
-              <a:t>12/14/2021</a:t>
+              <a:t>12/21/2021</a:t>
             </a:fld>
             <a:endParaRPr lang="en-US">
               <a:solidFill>
@@ -2725,7 +2996,7 @@
                 </a:solidFill>
               </a:rPr>
               <a:pPr/>
-              <a:t>12/14/2021</a:t>
+              <a:t>12/21/2021</a:t>
             </a:fld>
             <a:endParaRPr lang="en-US">
               <a:solidFill>
@@ -3042,7 +3313,7 @@
                 </a:solidFill>
               </a:rPr>
               <a:pPr/>
-              <a:t>12/14/2021</a:t>
+              <a:t>12/21/2021</a:t>
             </a:fld>
             <a:endParaRPr lang="en-US">
               <a:solidFill>
@@ -3493,7 +3764,7 @@
                 </a:solidFill>
               </a:rPr>
               <a:pPr/>
-              <a:t>12/14/2021</a:t>
+              <a:t>12/21/2021</a:t>
             </a:fld>
             <a:endParaRPr lang="en-US">
               <a:solidFill>
@@ -3642,7 +3913,7 @@
                 </a:solidFill>
               </a:rPr>
               <a:pPr/>
-              <a:t>12/14/2021</a:t>
+              <a:t>12/21/2021</a:t>
             </a:fld>
             <a:endParaRPr lang="en-US">
               <a:solidFill>
@@ -3769,7 +4040,7 @@
                 </a:solidFill>
               </a:rPr>
               <a:pPr/>
-              <a:t>12/14/2021</a:t>
+              <a:t>12/21/2021</a:t>
             </a:fld>
             <a:endParaRPr lang="en-US">
               <a:solidFill>
@@ -4076,7 +4347,7 @@
                 </a:solidFill>
               </a:rPr>
               <a:pPr/>
-              <a:t>12/14/2021</a:t>
+              <a:t>12/21/2021</a:t>
             </a:fld>
             <a:endParaRPr lang="en-US">
               <a:solidFill>
@@ -4269,7 +4540,7 @@
           <a:p>
             <a:fld id="{547641E8-73DF-4AD2-848E-3103064331B1}" type="datetimeFigureOut">
               <a:rPr lang="en-US" smtClean="0"/>
-              <a:t>12/14/2021</a:t>
+              <a:t>12/21/2021</a:t>
             </a:fld>
             <a:endParaRPr lang="en-US"/>
           </a:p>
@@ -4528,7 +4799,7 @@
                 </a:solidFill>
               </a:rPr>
               <a:pPr/>
-              <a:t>12/14/2021</a:t>
+              <a:t>12/21/2021</a:t>
             </a:fld>
             <a:endParaRPr lang="en-US">
               <a:solidFill>
@@ -4728,7 +4999,7 @@
                 </a:solidFill>
               </a:rPr>
               <a:pPr/>
-              <a:t>12/14/2021</a:t>
+              <a:t>12/21/2021</a:t>
             </a:fld>
             <a:endParaRPr lang="en-US">
               <a:solidFill>
@@ -4938,7 +5209,7 @@
                 </a:solidFill>
               </a:rPr>
               <a:pPr/>
-              <a:t>12/14/2021</a:t>
+              <a:t>12/21/2021</a:t>
             </a:fld>
             <a:endParaRPr lang="en-US">
               <a:solidFill>
@@ -5208,7 +5479,7 @@
           <a:p>
             <a:fld id="{547641E8-73DF-4AD2-848E-3103064331B1}" type="datetimeFigureOut">
               <a:rPr lang="en-US" smtClean="0"/>
-              <a:t>12/14/2021</a:t>
+              <a:t>12/21/2021</a:t>
             </a:fld>
             <a:endParaRPr lang="en-US"/>
           </a:p>
@@ -5493,7 +5764,7 @@
           <a:p>
             <a:fld id="{547641E8-73DF-4AD2-848E-3103064331B1}" type="datetimeFigureOut">
               <a:rPr lang="en-US" smtClean="0"/>
-              <a:t>12/14/2021</a:t>
+              <a:t>12/21/2021</a:t>
             </a:fld>
             <a:endParaRPr lang="en-US"/>
           </a:p>
@@ -5912,7 +6183,7 @@
           <a:p>
             <a:fld id="{547641E8-73DF-4AD2-848E-3103064331B1}" type="datetimeFigureOut">
               <a:rPr lang="en-US" smtClean="0"/>
-              <a:t>12/14/2021</a:t>
+              <a:t>12/21/2021</a:t>
             </a:fld>
             <a:endParaRPr lang="en-US"/>
           </a:p>
@@ -6029,7 +6300,7 @@
           <a:p>
             <a:fld id="{547641E8-73DF-4AD2-848E-3103064331B1}" type="datetimeFigureOut">
               <a:rPr lang="en-US" smtClean="0"/>
-              <a:t>12/14/2021</a:t>
+              <a:t>12/21/2021</a:t>
             </a:fld>
             <a:endParaRPr lang="en-US"/>
           </a:p>
@@ -6124,7 +6395,7 @@
           <a:p>
             <a:fld id="{547641E8-73DF-4AD2-848E-3103064331B1}" type="datetimeFigureOut">
               <a:rPr lang="en-US" smtClean="0"/>
-              <a:t>12/14/2021</a:t>
+              <a:t>12/21/2021</a:t>
             </a:fld>
             <a:endParaRPr lang="en-US"/>
           </a:p>
@@ -6399,7 +6670,7 @@
           <a:p>
             <a:fld id="{547641E8-73DF-4AD2-848E-3103064331B1}" type="datetimeFigureOut">
               <a:rPr lang="en-US" smtClean="0"/>
-              <a:t>12/14/2021</a:t>
+              <a:t>12/21/2021</a:t>
             </a:fld>
             <a:endParaRPr lang="en-US"/>
           </a:p>
@@ -6651,7 +6922,7 @@
           <a:p>
             <a:fld id="{547641E8-73DF-4AD2-848E-3103064331B1}" type="datetimeFigureOut">
               <a:rPr lang="en-US" smtClean="0"/>
-              <a:t>12/14/2021</a:t>
+              <a:t>12/21/2021</a:t>
             </a:fld>
             <a:endParaRPr lang="en-US"/>
           </a:p>
@@ -6865,7 +7136,7 @@
           <a:p>
             <a:fld id="{547641E8-73DF-4AD2-848E-3103064331B1}" type="datetimeFigureOut">
               <a:rPr lang="en-US" smtClean="0"/>
-              <a:t>12/14/2021</a:t>
+              <a:t>12/21/2021</a:t>
             </a:fld>
             <a:endParaRPr lang="en-US"/>
           </a:p>
@@ -7380,7 +7651,7 @@
                 </a:solidFill>
               </a:rPr>
               <a:pPr/>
-              <a:t>12/14/2021</a:t>
+              <a:t>12/21/2021</a:t>
             </a:fld>
             <a:endParaRPr lang="en-US">
               <a:solidFill>
@@ -8145,14 +8416,28 @@
           <a:p>
             <a:r>
               <a:rPr lang="en-US" dirty="0"/>
-              <a:t>Experience</a:t>
+              <a:t>Trainer vs Model</a:t>
             </a:r>
           </a:p>
           <a:p>
             <a:pPr lvl="1"/>
             <a:r>
               <a:rPr lang="en-US" dirty="0"/>
-              <a:t>The incorporated data used to increase the effectiveness of the model’s predictions.</a:t>
+              <a:t>The trainer is the template used to create a model.  </a:t>
+            </a:r>
+          </a:p>
+          <a:p>
+            <a:pPr lvl="1"/>
+            <a:r>
+              <a:rPr lang="en-US" dirty="0"/>
+              <a:t>The model is what actually contains the data, where the trainer tells the model what to do with the data.</a:t>
+            </a:r>
+          </a:p>
+          <a:p>
+            <a:pPr lvl="1"/>
+            <a:r>
+              <a:rPr lang="en-US" dirty="0"/>
+              <a:t>The trainer is like a class, where the model is like an object.</a:t>
             </a:r>
           </a:p>
           <a:p>
@@ -8170,7 +8455,7 @@
     </p:spTree>
     <p:extLst>
       <p:ext uri="{BB962C8B-B14F-4D97-AF65-F5344CB8AC3E}">
-        <p14:creationId xmlns:p14="http://schemas.microsoft.com/office/powerpoint/2010/main" val="2979209538"/>
+        <p14:creationId xmlns:p14="http://schemas.microsoft.com/office/powerpoint/2010/main" val="3444231323"/>
       </p:ext>
     </p:extLst>
   </p:cSld>
@@ -8260,54 +8545,15 @@
           <a:p>
             <a:r>
               <a:rPr lang="en-US" dirty="0"/>
-              <a:t>Feature</a:t>
+              <a:t>Experience</a:t>
             </a:r>
           </a:p>
           <a:p>
             <a:pPr lvl="1"/>
             <a:r>
               <a:rPr lang="en-US" dirty="0"/>
-              <a:t>A description of a set of like-data.</a:t>
-            </a:r>
-          </a:p>
-          <a:p>
-            <a:pPr lvl="1"/>
-            <a:r>
-              <a:rPr lang="en-US" dirty="0"/>
-              <a:t>This is usually represented as a column in a data table.</a:t>
-            </a:r>
-          </a:p>
-          <a:p>
-            <a:pPr lvl="1"/>
-            <a:r>
-              <a:rPr lang="en-US" dirty="0"/>
-              <a:t>Examples:</a:t>
-            </a:r>
-          </a:p>
-          <a:p>
-            <a:pPr lvl="2"/>
-            <a:r>
-              <a:rPr lang="en-US" dirty="0"/>
-              <a:t>Color of a fruit</a:t>
-            </a:r>
-          </a:p>
-          <a:p>
-            <a:pPr lvl="2"/>
-            <a:r>
-              <a:rPr lang="en-US" dirty="0"/>
-              <a:t>Length of a fruit</a:t>
-            </a:r>
-          </a:p>
-          <a:p>
-            <a:pPr lvl="2"/>
-            <a:r>
-              <a:rPr lang="en-US" dirty="0"/>
-              <a:t>Width of a fruit</a:t>
-            </a:r>
-          </a:p>
-          <a:p>
-            <a:pPr lvl="2"/>
-            <a:endParaRPr lang="en-US" dirty="0"/>
+              <a:t>The incorporated data used to increase the effectiveness of the model’s predictions.</a:t>
+            </a:r>
           </a:p>
           <a:p>
             <a:endParaRPr lang="en-US" dirty="0"/>
@@ -8324,7 +8570,7 @@
     </p:spTree>
     <p:extLst>
       <p:ext uri="{BB962C8B-B14F-4D97-AF65-F5344CB8AC3E}">
-        <p14:creationId xmlns:p14="http://schemas.microsoft.com/office/powerpoint/2010/main" val="2289988101"/>
+        <p14:creationId xmlns:p14="http://schemas.microsoft.com/office/powerpoint/2010/main" val="2979209538"/>
       </p:ext>
     </p:extLst>
   </p:cSld>
@@ -8421,28 +8667,42 @@
             <a:pPr lvl="1"/>
             <a:r>
               <a:rPr lang="en-US" dirty="0"/>
-              <a:t>Examples continued:</a:t>
+              <a:t>A description of a set of like-data.</a:t>
+            </a:r>
+          </a:p>
+          <a:p>
+            <a:pPr lvl="1"/>
+            <a:r>
+              <a:rPr lang="en-US" dirty="0"/>
+              <a:t>This is usually represented as a column in a data table.</a:t>
+            </a:r>
+          </a:p>
+          <a:p>
+            <a:pPr lvl="1"/>
+            <a:r>
+              <a:rPr lang="en-US" dirty="0"/>
+              <a:t>Examples:</a:t>
             </a:r>
           </a:p>
           <a:p>
             <a:pPr lvl="2"/>
             <a:r>
               <a:rPr lang="en-US" dirty="0"/>
-              <a:t>Past convictions when estimating if a person will commit a crime</a:t>
+              <a:t>Color of a fruit</a:t>
             </a:r>
           </a:p>
           <a:p>
             <a:pPr lvl="2"/>
             <a:r>
               <a:rPr lang="en-US" dirty="0"/>
-              <a:t>Family members with convictions when estimating if a person will commit a crime</a:t>
+              <a:t>Length of a fruit</a:t>
             </a:r>
           </a:p>
           <a:p>
             <a:pPr lvl="2"/>
             <a:r>
               <a:rPr lang="en-US" dirty="0"/>
-              <a:t>Convictions of local living area when estimating if a person will commit a crime</a:t>
+              <a:t>Width of a fruit</a:t>
             </a:r>
           </a:p>
           <a:p>
@@ -8464,7 +8724,7 @@
     </p:spTree>
     <p:extLst>
       <p:ext uri="{BB962C8B-B14F-4D97-AF65-F5344CB8AC3E}">
-        <p14:creationId xmlns:p14="http://schemas.microsoft.com/office/powerpoint/2010/main" val="3088242961"/>
+        <p14:creationId xmlns:p14="http://schemas.microsoft.com/office/powerpoint/2010/main" val="2289988101"/>
       </p:ext>
     </p:extLst>
   </p:cSld>
@@ -8554,22 +8814,40 @@
           <a:p>
             <a:r>
               <a:rPr lang="en-US" dirty="0"/>
-              <a:t>Sample</a:t>
+              <a:t>Feature</a:t>
             </a:r>
           </a:p>
           <a:p>
             <a:pPr lvl="1"/>
             <a:r>
               <a:rPr lang="en-US" dirty="0"/>
-              <a:t>A single set of data, or a data point.</a:t>
-            </a:r>
-          </a:p>
-          <a:p>
-            <a:pPr lvl="1"/>
-            <a:r>
-              <a:rPr lang="en-US" dirty="0"/>
-              <a:t>This is usually a row in a data table.</a:t>
-            </a:r>
+              <a:t>Examples continued:</a:t>
+            </a:r>
+          </a:p>
+          <a:p>
+            <a:pPr lvl="2"/>
+            <a:r>
+              <a:rPr lang="en-US" dirty="0"/>
+              <a:t>Past convictions when estimating if a person will commit a crime</a:t>
+            </a:r>
+          </a:p>
+          <a:p>
+            <a:pPr lvl="2"/>
+            <a:r>
+              <a:rPr lang="en-US" dirty="0"/>
+              <a:t>Family members with convictions when estimating if a person will commit a crime</a:t>
+            </a:r>
+          </a:p>
+          <a:p>
+            <a:pPr lvl="2"/>
+            <a:r>
+              <a:rPr lang="en-US" dirty="0"/>
+              <a:t>Convictions of local living area when estimating if a person will commit a crime</a:t>
+            </a:r>
+          </a:p>
+          <a:p>
+            <a:pPr lvl="2"/>
+            <a:endParaRPr lang="en-US" dirty="0"/>
           </a:p>
           <a:p>
             <a:endParaRPr lang="en-US" dirty="0"/>
@@ -8586,7 +8864,7 @@
     </p:spTree>
     <p:extLst>
       <p:ext uri="{BB962C8B-B14F-4D97-AF65-F5344CB8AC3E}">
-        <p14:creationId xmlns:p14="http://schemas.microsoft.com/office/powerpoint/2010/main" val="1110144452"/>
+        <p14:creationId xmlns:p14="http://schemas.microsoft.com/office/powerpoint/2010/main" val="3088242961"/>
       </p:ext>
     </p:extLst>
   </p:cSld>
@@ -8676,49 +8954,21 @@
           <a:p>
             <a:r>
               <a:rPr lang="en-US" dirty="0"/>
-              <a:t>Label (Classification Problems)</a:t>
+              <a:t>Sample</a:t>
             </a:r>
           </a:p>
           <a:p>
             <a:pPr lvl="1"/>
             <a:r>
               <a:rPr lang="en-US" dirty="0"/>
-              <a:t>The name associated with a data point (row) for classification problems.  </a:t>
+              <a:t>A single set of data, or a data point.</a:t>
             </a:r>
           </a:p>
           <a:p>
             <a:pPr lvl="1"/>
             <a:r>
               <a:rPr lang="en-US" dirty="0"/>
-              <a:t>This is generally the thing we are trying to predict.</a:t>
-            </a:r>
-          </a:p>
-          <a:p>
-            <a:pPr lvl="1"/>
-            <a:r>
-              <a:rPr lang="en-US" dirty="0"/>
-              <a:t>A.k.a. target</a:t>
-            </a:r>
-          </a:p>
-          <a:p>
-            <a:pPr lvl="1"/>
-            <a:r>
-              <a:rPr lang="en-US" dirty="0"/>
-              <a:t>Examples:</a:t>
-            </a:r>
-          </a:p>
-          <a:p>
-            <a:pPr lvl="2"/>
-            <a:r>
-              <a:rPr lang="en-US" dirty="0"/>
-              <a:t>‘Apple’ if we are trying to predict a piece of fruit.</a:t>
-            </a:r>
-          </a:p>
-          <a:p>
-            <a:pPr lvl="2"/>
-            <a:r>
-              <a:rPr lang="en-US" dirty="0"/>
-              <a:t>‘Yes/true’ if we are predicting if someone will commit a crime.</a:t>
+              <a:t>This is usually a row in a data table.</a:t>
             </a:r>
           </a:p>
           <a:p>
@@ -8736,7 +8986,7 @@
     </p:spTree>
     <p:extLst>
       <p:ext uri="{BB962C8B-B14F-4D97-AF65-F5344CB8AC3E}">
-        <p14:creationId xmlns:p14="http://schemas.microsoft.com/office/powerpoint/2010/main" val="3114704726"/>
+        <p14:creationId xmlns:p14="http://schemas.microsoft.com/office/powerpoint/2010/main" val="1110144452"/>
       </p:ext>
     </p:extLst>
   </p:cSld>
@@ -8826,21 +9076,49 @@
           <a:p>
             <a:r>
               <a:rPr lang="en-US" dirty="0"/>
-              <a:t>Training Data</a:t>
+              <a:t>Label (Classification Problems)</a:t>
             </a:r>
           </a:p>
           <a:p>
             <a:pPr lvl="1"/>
             <a:r>
               <a:rPr lang="en-US" dirty="0"/>
-              <a:t>Data that is used to build our model.</a:t>
+              <a:t>The name associated with a data point (row) for classification problems.  </a:t>
             </a:r>
           </a:p>
           <a:p>
             <a:pPr lvl="1"/>
             <a:r>
               <a:rPr lang="en-US" dirty="0"/>
-              <a:t>Data that is not used to test the accuracy of our model.</a:t>
+              <a:t>This is generally the thing we are trying to predict.</a:t>
+            </a:r>
+          </a:p>
+          <a:p>
+            <a:pPr lvl="1"/>
+            <a:r>
+              <a:rPr lang="en-US" dirty="0"/>
+              <a:t>A.k.a. target</a:t>
+            </a:r>
+          </a:p>
+          <a:p>
+            <a:pPr lvl="1"/>
+            <a:r>
+              <a:rPr lang="en-US" dirty="0"/>
+              <a:t>Examples:</a:t>
+            </a:r>
+          </a:p>
+          <a:p>
+            <a:pPr lvl="2"/>
+            <a:r>
+              <a:rPr lang="en-US" dirty="0"/>
+              <a:t>‘Apple’ if we are trying to predict a piece of fruit.</a:t>
+            </a:r>
+          </a:p>
+          <a:p>
+            <a:pPr lvl="2"/>
+            <a:r>
+              <a:rPr lang="en-US" dirty="0"/>
+              <a:t>‘Yes/true’ if we are predicting if someone will commit a crime.</a:t>
             </a:r>
           </a:p>
           <a:p>
@@ -8858,7 +9136,7 @@
     </p:spTree>
     <p:extLst>
       <p:ext uri="{BB962C8B-B14F-4D97-AF65-F5344CB8AC3E}">
-        <p14:creationId xmlns:p14="http://schemas.microsoft.com/office/powerpoint/2010/main" val="2307978921"/>
+        <p14:creationId xmlns:p14="http://schemas.microsoft.com/office/powerpoint/2010/main" val="3114704726"/>
       </p:ext>
     </p:extLst>
   </p:cSld>
@@ -8948,21 +9226,21 @@
           <a:p>
             <a:r>
               <a:rPr lang="en-US" dirty="0"/>
-              <a:t>Test Data</a:t>
+              <a:t>Training Data</a:t>
             </a:r>
           </a:p>
           <a:p>
             <a:pPr lvl="1"/>
             <a:r>
               <a:rPr lang="en-US" dirty="0"/>
-              <a:t>Data that is used to test the accuracy of a trained model.</a:t>
+              <a:t>Data that is used to build our model.</a:t>
             </a:r>
           </a:p>
           <a:p>
             <a:pPr lvl="1"/>
             <a:r>
               <a:rPr lang="en-US" dirty="0"/>
-              <a:t>Separate from training data.</a:t>
+              <a:t>Data that is not used to test the accuracy of our model.</a:t>
             </a:r>
           </a:p>
           <a:p>
@@ -8980,7 +9258,7 @@
     </p:spTree>
     <p:extLst>
       <p:ext uri="{BB962C8B-B14F-4D97-AF65-F5344CB8AC3E}">
-        <p14:creationId xmlns:p14="http://schemas.microsoft.com/office/powerpoint/2010/main" val="2045574203"/>
+        <p14:creationId xmlns:p14="http://schemas.microsoft.com/office/powerpoint/2010/main" val="2307978921"/>
       </p:ext>
     </p:extLst>
   </p:cSld>
@@ -9065,36 +9343,34 @@
         </p:nvSpPr>
         <p:spPr/>
         <p:txBody>
-          <a:bodyPr>
-            <a:normAutofit/>
-          </a:bodyPr>
-          <a:lstStyle/>
-          <a:p>
-            <a:r>
-              <a:rPr lang="en-US" dirty="0"/>
-              <a:t>Overfitting</a:t>
+          <a:bodyPr/>
+          <a:lstStyle/>
+          <a:p>
+            <a:r>
+              <a:rPr lang="en-US" dirty="0"/>
+              <a:t>Test Data</a:t>
             </a:r>
           </a:p>
           <a:p>
             <a:pPr lvl="1"/>
             <a:r>
               <a:rPr lang="en-US" dirty="0"/>
-              <a:t>Training a model so closely to training data that it does not model test data/other data as accurately.</a:t>
+              <a:t>Data that is used to test the accuracy of a trained model.</a:t>
             </a:r>
           </a:p>
           <a:p>
             <a:pPr lvl="1"/>
             <a:r>
               <a:rPr lang="en-US" dirty="0"/>
-              <a:t>Usually indicated by a high accuracy on the training data, and an unreasonably low accuracy on the test data.</a:t>
-            </a:r>
+              <a:t>Separate from training data.</a:t>
+            </a:r>
+          </a:p>
+          <a:p>
+            <a:endParaRPr lang="en-US" dirty="0"/>
           </a:p>
           <a:p>
             <a:pPr lvl="2"/>
-            <a:r>
-              <a:rPr lang="en-US" dirty="0"/>
-              <a:t>The model will not be able to extrapolate or interpolate well.</a:t>
-            </a:r>
+            <a:endParaRPr lang="en-US" dirty="0"/>
           </a:p>
           <a:p>
             <a:endParaRPr lang="en-US" dirty="0"/>
@@ -9104,7 +9380,7 @@
     </p:spTree>
     <p:extLst>
       <p:ext uri="{BB962C8B-B14F-4D97-AF65-F5344CB8AC3E}">
-        <p14:creationId xmlns:p14="http://schemas.microsoft.com/office/powerpoint/2010/main" val="99274972"/>
+        <p14:creationId xmlns:p14="http://schemas.microsoft.com/office/powerpoint/2010/main" val="2045574203"/>
       </p:ext>
     </p:extLst>
   </p:cSld>
@@ -9203,33 +9479,22 @@
             <a:pPr lvl="1"/>
             <a:r>
               <a:rPr lang="en-US" dirty="0"/>
-              <a:t>Possible Causes:</a:t>
+              <a:t>Training a model so closely to training data that it does not model test data/other data as accurately.</a:t>
+            </a:r>
+          </a:p>
+          <a:p>
+            <a:pPr lvl="1"/>
+            <a:r>
+              <a:rPr lang="en-US" dirty="0"/>
+              <a:t>Usually indicated by a high accuracy on the training data, and an unreasonably low accuracy on the test data.</a:t>
             </a:r>
           </a:p>
           <a:p>
             <a:pPr lvl="2"/>
             <a:r>
               <a:rPr lang="en-US" dirty="0"/>
-              <a:t>Test data that is not sufficiently representative of the entire data spectrum.</a:t>
-            </a:r>
-          </a:p>
-          <a:p>
-            <a:pPr lvl="2"/>
-            <a:r>
-              <a:rPr lang="en-US" dirty="0"/>
-              <a:t>Tuning parameters adjusted too tightly to test data</a:t>
-            </a:r>
-          </a:p>
-          <a:p>
-            <a:pPr lvl="2"/>
-            <a:r>
-              <a:rPr lang="en-US" dirty="0"/>
-              <a:t>Extrapolating when only interpolating is relevant</a:t>
-            </a:r>
-          </a:p>
-          <a:p>
-            <a:pPr lvl="2"/>
-            <a:endParaRPr lang="en-US" dirty="0"/>
+              <a:t>The model will not be able to extrapolate or interpolate well.</a:t>
+            </a:r>
           </a:p>
           <a:p>
             <a:endParaRPr lang="en-US" dirty="0"/>
@@ -9239,7 +9504,7 @@
     </p:spTree>
     <p:extLst>
       <p:ext uri="{BB962C8B-B14F-4D97-AF65-F5344CB8AC3E}">
-        <p14:creationId xmlns:p14="http://schemas.microsoft.com/office/powerpoint/2010/main" val="2759128594"/>
+        <p14:creationId xmlns:p14="http://schemas.microsoft.com/office/powerpoint/2010/main" val="99274972"/>
       </p:ext>
     </p:extLst>
   </p:cSld>
@@ -9255,11 +9520,11 @@
     <p:bg>
       <p:bgPr>
         <a:blipFill dpi="0" rotWithShape="1">
-          <a:blip r:embed="rId2">
+          <a:blip r:embed="rId3">
             <a:extLst>
               <a:ext uri="{BEBA8EAE-BF5A-486C-A8C5-ECC9F3942E4B}">
                 <a14:imgProps xmlns:a14="http://schemas.microsoft.com/office/drawing/2010/main">
-                  <a14:imgLayer r:embed="rId3">
+                  <a14:imgLayer r:embed="rId4">
                     <a14:imgEffect>
                       <a14:brightnessContrast bright="-50000"/>
                     </a14:imgEffect>
@@ -9324,32 +9589,20 @@
         </p:nvSpPr>
         <p:spPr/>
         <p:txBody>
-          <a:bodyPr/>
-          <a:lstStyle/>
-          <a:p>
-            <a:r>
-              <a:rPr lang="en-US" dirty="0"/>
-              <a:t>Underfitting</a:t>
+          <a:bodyPr>
+            <a:normAutofit/>
+          </a:bodyPr>
+          <a:lstStyle/>
+          <a:p>
+            <a:r>
+              <a:rPr lang="en-US" dirty="0"/>
+              <a:t>Overfitting</a:t>
             </a:r>
           </a:p>
           <a:p>
             <a:pPr lvl="1"/>
             <a:r>
               <a:rPr lang="en-US" dirty="0"/>
-              <a:t>Training model not tight enough to test data and training data.</a:t>
-            </a:r>
-          </a:p>
-          <a:p>
-            <a:pPr lvl="1"/>
-            <a:r>
-              <a:rPr lang="en-US" dirty="0"/>
-              <a:t>Indicated by unreasonably low training and test data accuracy.</a:t>
-            </a:r>
-          </a:p>
-          <a:p>
-            <a:pPr lvl="1"/>
-            <a:r>
-              <a:rPr lang="en-US" dirty="0"/>
               <a:t>Possible Causes:</a:t>
             </a:r>
           </a:p>
@@ -9357,18 +9610,22 @@
             <a:pPr lvl="2"/>
             <a:r>
               <a:rPr lang="en-US" dirty="0"/>
-              <a:t>Tuning parameters not tuned enough.</a:t>
+              <a:t>Test data that is not sufficiently representative of the entire data spectrum.</a:t>
             </a:r>
           </a:p>
           <a:p>
             <a:pPr lvl="2"/>
             <a:r>
               <a:rPr lang="en-US" dirty="0"/>
-              <a:t>Incorrect features, or insufficient number of features, selected.</a:t>
-            </a:r>
-          </a:p>
-          <a:p>
-            <a:endParaRPr lang="en-US" dirty="0"/>
+              <a:t>Tuning parameters adjusted too tightly to test data</a:t>
+            </a:r>
+          </a:p>
+          <a:p>
+            <a:pPr lvl="2"/>
+            <a:r>
+              <a:rPr lang="en-US" dirty="0"/>
+              <a:t>Extrapolating when only interpolating is relevant</a:t>
+            </a:r>
           </a:p>
           <a:p>
             <a:pPr lvl="2"/>
@@ -9382,12 +9639,12 @@
     </p:spTree>
     <p:extLst>
       <p:ext uri="{BB962C8B-B14F-4D97-AF65-F5344CB8AC3E}">
-        <p14:creationId xmlns:p14="http://schemas.microsoft.com/office/powerpoint/2010/main" val="351939498"/>
+        <p14:creationId xmlns:p14="http://schemas.microsoft.com/office/powerpoint/2010/main" val="2759128594"/>
       </p:ext>
     </p:extLst>
   </p:cSld>
   <p:clrMapOvr>
-    <a:masterClrMapping/>
+    <a:overrideClrMapping bg1="lt1" tx1="dk1" bg2="lt2" tx2="dk2" accent1="accent1" accent2="accent2" accent3="accent3" accent4="accent4" accent5="accent5" accent6="accent6" hlink="hlink" folHlink="folHlink"/>
   </p:clrMapOvr>
 </p:sld>
 </file>
@@ -9635,21 +9892,42 @@
           <a:p>
             <a:r>
               <a:rPr lang="en-US" dirty="0"/>
-              <a:t>Decision Boundary</a:t>
+              <a:t>Underfitting</a:t>
             </a:r>
           </a:p>
           <a:p>
             <a:pPr lvl="1"/>
             <a:r>
               <a:rPr lang="en-US" dirty="0"/>
-              <a:t>The boundary between different categories in a classification problem.</a:t>
+              <a:t>Training model not tight enough to test data and training data.</a:t>
             </a:r>
           </a:p>
           <a:p>
             <a:pPr lvl="1"/>
             <a:r>
               <a:rPr lang="en-US" dirty="0"/>
-              <a:t>This is generated by the model.</a:t>
+              <a:t>Indicated by unreasonably low training and test data accuracy.</a:t>
+            </a:r>
+          </a:p>
+          <a:p>
+            <a:pPr lvl="1"/>
+            <a:r>
+              <a:rPr lang="en-US" dirty="0"/>
+              <a:t>Possible Causes:</a:t>
+            </a:r>
+          </a:p>
+          <a:p>
+            <a:pPr lvl="2"/>
+            <a:r>
+              <a:rPr lang="en-US" dirty="0"/>
+              <a:t>Tuning parameters not tuned enough.</a:t>
+            </a:r>
+          </a:p>
+          <a:p>
+            <a:pPr lvl="2"/>
+            <a:r>
+              <a:rPr lang="en-US" dirty="0"/>
+              <a:t>Incorrect features, or insufficient number of features, selected.</a:t>
             </a:r>
           </a:p>
           <a:p>
@@ -9667,7 +9945,7 @@
     </p:spTree>
     <p:extLst>
       <p:ext uri="{BB962C8B-B14F-4D97-AF65-F5344CB8AC3E}">
-        <p14:creationId xmlns:p14="http://schemas.microsoft.com/office/powerpoint/2010/main" val="2127927657"/>
+        <p14:creationId xmlns:p14="http://schemas.microsoft.com/office/powerpoint/2010/main" val="351939498"/>
       </p:ext>
     </p:extLst>
   </p:cSld>
@@ -9683,11 +9961,11 @@
     <p:bg>
       <p:bgPr>
         <a:blipFill dpi="0" rotWithShape="1">
-          <a:blip r:embed="rId3">
+          <a:blip r:embed="rId2">
             <a:extLst>
               <a:ext uri="{BEBA8EAE-BF5A-486C-A8C5-ECC9F3942E4B}">
                 <a14:imgProps xmlns:a14="http://schemas.microsoft.com/office/drawing/2010/main">
-                  <a14:imgLayer r:embed="rId4">
+                  <a14:imgLayer r:embed="rId3">
                     <a14:imgEffect>
                       <a14:brightnessContrast bright="-50000"/>
                     </a14:imgEffect>
@@ -9730,14 +10008,12 @@
         </p:nvSpPr>
         <p:spPr/>
         <p:txBody>
-          <a:bodyPr>
-            <a:normAutofit/>
-          </a:bodyPr>
-          <a:lstStyle/>
-          <a:p>
-            <a:r>
-              <a:rPr lang="en-US" dirty="0"/>
-              <a:t>General Model Types</a:t>
+          <a:bodyPr/>
+          <a:lstStyle/>
+          <a:p>
+            <a:r>
+              <a:rPr lang="en-US" dirty="0"/>
+              <a:t>Concepts and Definitions</a:t>
             </a:r>
           </a:p>
         </p:txBody>
@@ -9754,32 +10030,29 @@
         </p:nvSpPr>
         <p:spPr/>
         <p:txBody>
-          <a:bodyPr>
-            <a:normAutofit/>
-          </a:bodyPr>
-          <a:lstStyle/>
-          <a:p>
-            <a:r>
-              <a:rPr lang="en-US" dirty="0"/>
-              <a:t>Supervised</a:t>
+          <a:bodyPr/>
+          <a:lstStyle/>
+          <a:p>
+            <a:r>
+              <a:rPr lang="en-US" dirty="0"/>
+              <a:t>Decision Boundary</a:t>
             </a:r>
           </a:p>
           <a:p>
             <a:pPr lvl="1"/>
             <a:r>
               <a:rPr lang="en-US" dirty="0"/>
-              <a:t>Machine learning model is given a set of data to build experience with.</a:t>
+              <a:t>The boundary between different categories in a classification problem.</a:t>
             </a:r>
           </a:p>
           <a:p>
             <a:pPr lvl="1"/>
             <a:r>
               <a:rPr lang="en-US" dirty="0"/>
-              <a:t>Data is given with features, and an algorithm is given to the model on how to best categorize and group the data.</a:t>
-            </a:r>
-          </a:p>
-          <a:p>
-            <a:pPr lvl="1"/>
+              <a:t>This is generated by the model.</a:t>
+            </a:r>
+          </a:p>
+          <a:p>
             <a:endParaRPr lang="en-US" dirty="0"/>
           </a:p>
           <a:p>
@@ -9794,12 +10067,12 @@
     </p:spTree>
     <p:extLst>
       <p:ext uri="{BB962C8B-B14F-4D97-AF65-F5344CB8AC3E}">
-        <p14:creationId xmlns:p14="http://schemas.microsoft.com/office/powerpoint/2010/main" val="3051561418"/>
+        <p14:creationId xmlns:p14="http://schemas.microsoft.com/office/powerpoint/2010/main" val="2127927657"/>
       </p:ext>
     </p:extLst>
   </p:cSld>
   <p:clrMapOvr>
-    <a:overrideClrMapping bg1="lt1" tx1="dk1" bg2="lt2" tx2="dk2" accent1="accent1" accent2="accent2" accent3="accent3" accent4="accent4" accent5="accent5" accent6="accent6" hlink="hlink" folHlink="folHlink"/>
+    <a:masterClrMapping/>
   </p:clrMapOvr>
 </p:sld>
 </file>
@@ -9888,21 +10161,21 @@
           <a:p>
             <a:r>
               <a:rPr lang="en-US" dirty="0"/>
-              <a:t>Unsupervised</a:t>
+              <a:t>Supervised</a:t>
             </a:r>
           </a:p>
           <a:p>
             <a:pPr lvl="1"/>
             <a:r>
               <a:rPr lang="en-US" dirty="0"/>
-              <a:t>The model determines the data for itself, and builds the model accordingly.</a:t>
+              <a:t>Machine learning model is given a set of data to build experience with.</a:t>
             </a:r>
           </a:p>
           <a:p>
             <a:pPr lvl="1"/>
             <a:r>
               <a:rPr lang="en-US" dirty="0"/>
-              <a:t>Features and grouping data is done by the algorithm.</a:t>
+              <a:t>Data is given with features, and an algorithm is given to the model on how to best categorize and group the data.</a:t>
             </a:r>
           </a:p>
           <a:p>
@@ -9921,7 +10194,7 @@
     </p:spTree>
     <p:extLst>
       <p:ext uri="{BB962C8B-B14F-4D97-AF65-F5344CB8AC3E}">
-        <p14:creationId xmlns:p14="http://schemas.microsoft.com/office/powerpoint/2010/main" val="843243868"/>
+        <p14:creationId xmlns:p14="http://schemas.microsoft.com/office/powerpoint/2010/main" val="3051561418"/>
       </p:ext>
     </p:extLst>
   </p:cSld>
@@ -10015,28 +10288,21 @@
           <a:p>
             <a:r>
               <a:rPr lang="en-US" dirty="0"/>
-              <a:t>Reinforcement</a:t>
+              <a:t>Unsupervised</a:t>
             </a:r>
           </a:p>
           <a:p>
             <a:pPr lvl="1"/>
             <a:r>
               <a:rPr lang="en-US" dirty="0"/>
-              <a:t>The algorithm “learns” from making mistakes.</a:t>
+              <a:t>The model determines the data for itself, and builds the model accordingly.</a:t>
             </a:r>
           </a:p>
           <a:p>
             <a:pPr lvl="1"/>
             <a:r>
               <a:rPr lang="en-US" dirty="0"/>
-              <a:t>There must be some sort of way to tell the algorithm when it makes a correction in the right direction, and a way to tell the algorithm a correction was made in the wrong direction.</a:t>
-            </a:r>
-          </a:p>
-          <a:p>
-            <a:pPr lvl="1"/>
-            <a:r>
-              <a:rPr lang="en-US" dirty="0"/>
-              <a:t>Initially, the model built is very inaccurate, but gets better with time.</a:t>
+              <a:t>Features and grouping data is done by the algorithm.</a:t>
             </a:r>
           </a:p>
           <a:p>
@@ -10055,7 +10321,7 @@
     </p:spTree>
     <p:extLst>
       <p:ext uri="{BB962C8B-B14F-4D97-AF65-F5344CB8AC3E}">
-        <p14:creationId xmlns:p14="http://schemas.microsoft.com/office/powerpoint/2010/main" val="3389942429"/>
+        <p14:creationId xmlns:p14="http://schemas.microsoft.com/office/powerpoint/2010/main" val="843243868"/>
       </p:ext>
     </p:extLst>
   </p:cSld>
@@ -10149,7 +10415,28 @@
           <a:p>
             <a:r>
               <a:rPr lang="en-US" dirty="0"/>
-              <a:t>This part of the Python course will focus on supervised learning, as this is all I know.</a:t>
+              <a:t>Reinforcement</a:t>
+            </a:r>
+          </a:p>
+          <a:p>
+            <a:pPr lvl="1"/>
+            <a:r>
+              <a:rPr lang="en-US" dirty="0"/>
+              <a:t>The algorithm “learns” from making mistakes.</a:t>
+            </a:r>
+          </a:p>
+          <a:p>
+            <a:pPr lvl="1"/>
+            <a:r>
+              <a:rPr lang="en-US" dirty="0"/>
+              <a:t>There must be some sort of way to tell the algorithm when it makes a correction in the right direction, and a way to tell the algorithm a correction was made in the wrong direction.</a:t>
+            </a:r>
+          </a:p>
+          <a:p>
+            <a:pPr lvl="1"/>
+            <a:r>
+              <a:rPr lang="en-US" dirty="0"/>
+              <a:t>Initially, the model built is very inaccurate, but gets better with time.</a:t>
             </a:r>
           </a:p>
           <a:p>
@@ -10168,7 +10455,7 @@
     </p:spTree>
     <p:extLst>
       <p:ext uri="{BB962C8B-B14F-4D97-AF65-F5344CB8AC3E}">
-        <p14:creationId xmlns:p14="http://schemas.microsoft.com/office/powerpoint/2010/main" val="2610853396"/>
+        <p14:creationId xmlns:p14="http://schemas.microsoft.com/office/powerpoint/2010/main" val="3389942429"/>
       </p:ext>
     </p:extLst>
   </p:cSld>
@@ -10238,7 +10525,7 @@
           <a:p>
             <a:r>
               <a:rPr lang="en-US" dirty="0"/>
-              <a:t>General Workflow</a:t>
+              <a:t>General Model Types</a:t>
             </a:r>
           </a:p>
         </p:txBody>
@@ -10262,32 +10549,12 @@
           <a:p>
             <a:r>
               <a:rPr lang="en-US" dirty="0"/>
-              <a:t>Get data</a:t>
-            </a:r>
-          </a:p>
-          <a:p>
-            <a:r>
-              <a:rPr lang="en-US" dirty="0"/>
-              <a:t>Build model</a:t>
-            </a:r>
-          </a:p>
-          <a:p>
-            <a:r>
-              <a:rPr lang="en-US" dirty="0"/>
-              <a:t>Evaluate predictive capabilities</a:t>
-            </a:r>
-          </a:p>
-          <a:p>
-            <a:r>
-              <a:rPr lang="en-US" dirty="0"/>
-              <a:t>Rebuild model, if needed</a:t>
-            </a:r>
-          </a:p>
-          <a:p>
-            <a:r>
-              <a:rPr lang="en-US" dirty="0"/>
-              <a:t>Predict real-world outcomes</a:t>
-            </a:r>
+              <a:t>This part of the Python course will focus on supervised learning, as this is all I know.</a:t>
+            </a:r>
+          </a:p>
+          <a:p>
+            <a:pPr lvl="1"/>
+            <a:endParaRPr lang="en-US" dirty="0"/>
           </a:p>
           <a:p>
             <a:pPr lvl="2"/>
@@ -10301,7 +10568,7 @@
     </p:spTree>
     <p:extLst>
       <p:ext uri="{BB962C8B-B14F-4D97-AF65-F5344CB8AC3E}">
-        <p14:creationId xmlns:p14="http://schemas.microsoft.com/office/powerpoint/2010/main" val="2240664908"/>
+        <p14:creationId xmlns:p14="http://schemas.microsoft.com/office/powerpoint/2010/main" val="2610853396"/>
       </p:ext>
     </p:extLst>
   </p:cSld>
@@ -10395,21 +10662,31 @@
           <a:p>
             <a:r>
               <a:rPr lang="en-US" dirty="0"/>
-              <a:t>Get Data</a:t>
-            </a:r>
-          </a:p>
-          <a:p>
-            <a:pPr lvl="1"/>
-            <a:r>
-              <a:rPr lang="en-US" dirty="0"/>
-              <a:t>Get set of data about what we wish to predict.</a:t>
-            </a:r>
-          </a:p>
-          <a:p>
-            <a:pPr lvl="1"/>
-            <a:r>
-              <a:rPr lang="en-US" dirty="0"/>
-              <a:t>Include the labels.</a:t>
+              <a:t>Get data</a:t>
+            </a:r>
+          </a:p>
+          <a:p>
+            <a:r>
+              <a:rPr lang="en-US" dirty="0"/>
+              <a:t>Build model</a:t>
+            </a:r>
+          </a:p>
+          <a:p>
+            <a:r>
+              <a:rPr lang="en-US" dirty="0"/>
+              <a:t>Evaluate predictive capabilities</a:t>
+            </a:r>
+          </a:p>
+          <a:p>
+            <a:r>
+              <a:rPr lang="en-US" dirty="0"/>
+              <a:t>Rebuild model, if needed</a:t>
+            </a:r>
+          </a:p>
+          <a:p>
+            <a:r>
+              <a:rPr lang="en-US" dirty="0"/>
+              <a:t>Predict real-world outcomes</a:t>
             </a:r>
           </a:p>
           <a:p>
@@ -10424,7 +10701,7 @@
     </p:spTree>
     <p:extLst>
       <p:ext uri="{BB962C8B-B14F-4D97-AF65-F5344CB8AC3E}">
-        <p14:creationId xmlns:p14="http://schemas.microsoft.com/office/powerpoint/2010/main" val="504396564"/>
+        <p14:creationId xmlns:p14="http://schemas.microsoft.com/office/powerpoint/2010/main" val="2240664908"/>
       </p:ext>
     </p:extLst>
   </p:cSld>
@@ -10518,33 +10795,22 @@
           <a:p>
             <a:r>
               <a:rPr lang="en-US" dirty="0"/>
-              <a:t>Build Model</a:t>
+              <a:t>Get Data</a:t>
             </a:r>
           </a:p>
           <a:p>
             <a:pPr lvl="1"/>
             <a:r>
               <a:rPr lang="en-US" dirty="0"/>
-              <a:t>Select an appropriate classifier.</a:t>
+              <a:t>Get set of data about what we wish to predict.</a:t>
             </a:r>
           </a:p>
           <a:p>
             <a:pPr lvl="1"/>
             <a:r>
               <a:rPr lang="en-US" dirty="0"/>
-              <a:t>The model should be trained with a majority of the data we gathered, say with 75% of the data.</a:t>
-            </a:r>
-          </a:p>
-          <a:p>
-            <a:pPr lvl="1"/>
-            <a:r>
-              <a:rPr lang="en-US" dirty="0"/>
-              <a:t>The other 25% can be used to test how good our model can predict.</a:t>
-            </a:r>
-          </a:p>
-          <a:p>
-            <a:pPr lvl="1"/>
-            <a:endParaRPr lang="en-US" dirty="0"/>
+              <a:t>Include the labels.</a:t>
+            </a:r>
           </a:p>
           <a:p>
             <a:pPr lvl="2"/>
@@ -10558,7 +10824,7 @@
     </p:spTree>
     <p:extLst>
       <p:ext uri="{BB962C8B-B14F-4D97-AF65-F5344CB8AC3E}">
-        <p14:creationId xmlns:p14="http://schemas.microsoft.com/office/powerpoint/2010/main" val="823098654"/>
+        <p14:creationId xmlns:p14="http://schemas.microsoft.com/office/powerpoint/2010/main" val="504396564"/>
       </p:ext>
     </p:extLst>
   </p:cSld>
@@ -10652,21 +10918,28 @@
           <a:p>
             <a:r>
               <a:rPr lang="en-US" dirty="0"/>
-              <a:t>Evaluate Predictive Capabilities</a:t>
+              <a:t>Build Model</a:t>
             </a:r>
           </a:p>
           <a:p>
             <a:pPr lvl="1"/>
             <a:r>
               <a:rPr lang="en-US" dirty="0"/>
-              <a:t>The model needs to be evaluated for acceptable predictive capabilities to ensure our predictions will have a high degree of correctness.</a:t>
+              <a:t>Select an appropriate classifier.</a:t>
             </a:r>
           </a:p>
           <a:p>
             <a:pPr lvl="1"/>
             <a:r>
               <a:rPr lang="en-US" dirty="0"/>
-              <a:t>This is usually done using a sequestered set of data we use for testing.</a:t>
+              <a:t>The model should be trained with a majority of the data we gathered, say with 75% of the data.</a:t>
+            </a:r>
+          </a:p>
+          <a:p>
+            <a:pPr lvl="1"/>
+            <a:r>
+              <a:rPr lang="en-US" dirty="0"/>
+              <a:t>The other 25% can be used to test how good our model can predict.</a:t>
             </a:r>
           </a:p>
           <a:p>
@@ -10685,7 +10958,7 @@
     </p:spTree>
     <p:extLst>
       <p:ext uri="{BB962C8B-B14F-4D97-AF65-F5344CB8AC3E}">
-        <p14:creationId xmlns:p14="http://schemas.microsoft.com/office/powerpoint/2010/main" val="3005493130"/>
+        <p14:creationId xmlns:p14="http://schemas.microsoft.com/office/powerpoint/2010/main" val="823098654"/>
       </p:ext>
     </p:extLst>
   </p:cSld>
@@ -10786,28 +11059,15 @@
             <a:pPr lvl="1"/>
             <a:r>
               <a:rPr lang="en-US" dirty="0"/>
-              <a:t>There is no such thing as 100% accuracy unless you have toy data, or a completely defined system that does not need machine learning.</a:t>
+              <a:t>The model needs to be evaluated for acceptable predictive capabilities to ensure our predictions will have a high degree of correctness.</a:t>
             </a:r>
           </a:p>
           <a:p>
             <a:pPr lvl="1"/>
             <a:r>
               <a:rPr lang="en-US" dirty="0"/>
-              <a:t>If we get 100% accuracy, and the above are not true, we have most likely over-fitted our model, possibly by using training data as test data.</a:t>
-            </a:r>
-          </a:p>
-          <a:p>
-            <a:pPr lvl="2"/>
-            <a:r>
-              <a:rPr lang="en-US" dirty="0"/>
-              <a:t>Leads to inaccurate predictions on new data without known labels</a:t>
-            </a:r>
-          </a:p>
-          <a:p>
-            <a:pPr marL="457200" lvl="1" indent="0">
-              <a:buNone/>
-            </a:pPr>
-            <a:endParaRPr lang="en-US" dirty="0"/>
+              <a:t>This is usually done using a sequestered set of data we use for testing.</a:t>
+            </a:r>
           </a:p>
           <a:p>
             <a:pPr lvl="1"/>
@@ -10825,7 +11085,7 @@
     </p:spTree>
     <p:extLst>
       <p:ext uri="{BB962C8B-B14F-4D97-AF65-F5344CB8AC3E}">
-        <p14:creationId xmlns:p14="http://schemas.microsoft.com/office/powerpoint/2010/main" val="140326188"/>
+        <p14:creationId xmlns:p14="http://schemas.microsoft.com/office/powerpoint/2010/main" val="3005493130"/>
       </p:ext>
     </p:extLst>
   </p:cSld>
@@ -11038,8 +11298,28 @@
             <a:pPr lvl="1"/>
             <a:r>
               <a:rPr lang="en-US" dirty="0"/>
-              <a:t>Accuracy is not the only way to measure the predictive capabilities of a model.</a:t>
-            </a:r>
+              <a:t>There is no such thing as 100% accuracy unless you have toy data, or a completely defined system that does not need machine learning.</a:t>
+            </a:r>
+          </a:p>
+          <a:p>
+            <a:pPr lvl="1"/>
+            <a:r>
+              <a:rPr lang="en-US" dirty="0"/>
+              <a:t>If we get 100% accuracy, and the above are not true, we have most likely over-fitted our model, possibly by using training data as test data.</a:t>
+            </a:r>
+          </a:p>
+          <a:p>
+            <a:pPr lvl="2"/>
+            <a:r>
+              <a:rPr lang="en-US" dirty="0"/>
+              <a:t>Leads to inaccurate predictions on new data without known labels</a:t>
+            </a:r>
+          </a:p>
+          <a:p>
+            <a:pPr marL="457200" lvl="1" indent="0">
+              <a:buNone/>
+            </a:pPr>
+            <a:endParaRPr lang="en-US" dirty="0"/>
           </a:p>
           <a:p>
             <a:pPr lvl="1"/>
@@ -11057,7 +11337,7 @@
     </p:spTree>
     <p:extLst>
       <p:ext uri="{BB962C8B-B14F-4D97-AF65-F5344CB8AC3E}">
-        <p14:creationId xmlns:p14="http://schemas.microsoft.com/office/powerpoint/2010/main" val="1078033236"/>
+        <p14:creationId xmlns:p14="http://schemas.microsoft.com/office/powerpoint/2010/main" val="140326188"/>
       </p:ext>
     </p:extLst>
   </p:cSld>
@@ -11151,21 +11431,15 @@
           <a:p>
             <a:r>
               <a:rPr lang="en-US" dirty="0"/>
-              <a:t>Rebuild Model</a:t>
+              <a:t>Evaluate Predictive Capabilities</a:t>
             </a:r>
           </a:p>
           <a:p>
             <a:pPr lvl="1"/>
             <a:r>
               <a:rPr lang="en-US" dirty="0"/>
-              <a:t>If the model isn’t suitable enough, we rebuild the model with more/better data, more tuned parameters, or using a different trainer.</a:t>
-            </a:r>
-          </a:p>
-          <a:p>
-            <a:pPr marL="457200" lvl="1" indent="0">
-              <a:buNone/>
-            </a:pPr>
-            <a:endParaRPr lang="en-US" dirty="0"/>
+              <a:t>Accuracy is not the only way to measure the predictive capabilities of a model.</a:t>
+            </a:r>
           </a:p>
           <a:p>
             <a:pPr lvl="1"/>
@@ -11183,7 +11457,7 @@
     </p:spTree>
     <p:extLst>
       <p:ext uri="{BB962C8B-B14F-4D97-AF65-F5344CB8AC3E}">
-        <p14:creationId xmlns:p14="http://schemas.microsoft.com/office/powerpoint/2010/main" val="2124360572"/>
+        <p14:creationId xmlns:p14="http://schemas.microsoft.com/office/powerpoint/2010/main" val="1078033236"/>
       </p:ext>
     </p:extLst>
   </p:cSld>
@@ -11277,15 +11551,21 @@
           <a:p>
             <a:r>
               <a:rPr lang="en-US" dirty="0"/>
-              <a:t>Predict real-world outcomes</a:t>
+              <a:t>Rebuild Model</a:t>
             </a:r>
           </a:p>
           <a:p>
             <a:pPr lvl="1"/>
             <a:r>
               <a:rPr lang="en-US" dirty="0"/>
-              <a:t>Once we are happy with the predictive capability of our model, the model can be used to predict real-world outcomes that are unknown.</a:t>
-            </a:r>
+              <a:t>If the model isn’t suitable enough, we rebuild the model with more/better data, more tuned parameters, or using a different trainer.</a:t>
+            </a:r>
+          </a:p>
+          <a:p>
+            <a:pPr marL="457200" lvl="1" indent="0">
+              <a:buNone/>
+            </a:pPr>
+            <a:endParaRPr lang="en-US" dirty="0"/>
           </a:p>
           <a:p>
             <a:pPr lvl="1"/>
@@ -11303,7 +11583,7 @@
     </p:spTree>
     <p:extLst>
       <p:ext uri="{BB962C8B-B14F-4D97-AF65-F5344CB8AC3E}">
-        <p14:creationId xmlns:p14="http://schemas.microsoft.com/office/powerpoint/2010/main" val="293541596"/>
+        <p14:creationId xmlns:p14="http://schemas.microsoft.com/office/powerpoint/2010/main" val="2124360572"/>
       </p:ext>
     </p:extLst>
   </p:cSld>
@@ -11366,28 +11646,6 @@
         </p:nvSpPr>
         <p:spPr/>
         <p:txBody>
-          <a:bodyPr/>
-          <a:lstStyle/>
-          <a:p>
-            <a:r>
-              <a:rPr lang="en-US" dirty="0"/>
-              <a:t>Linear Models</a:t>
-            </a:r>
-          </a:p>
-        </p:txBody>
-      </p:sp>
-      <p:sp>
-        <p:nvSpPr>
-          <p:cNvPr id="3" name="Content Placeholder 2"/>
-          <p:cNvSpPr>
-            <a:spLocks noGrp="1"/>
-          </p:cNvSpPr>
-          <p:nvPr>
-            <p:ph idx="1"/>
-          </p:nvPr>
-        </p:nvSpPr>
-        <p:spPr/>
-        <p:txBody>
           <a:bodyPr>
             <a:normAutofit/>
           </a:bodyPr>
@@ -11395,50 +11653,43 @@
           <a:p>
             <a:r>
               <a:rPr lang="en-US" dirty="0"/>
-              <a:t>List of some types we will Cover</a:t>
+              <a:t>General Workflow</a:t>
+            </a:r>
+          </a:p>
+        </p:txBody>
+      </p:sp>
+      <p:sp>
+        <p:nvSpPr>
+          <p:cNvPr id="3" name="Content Placeholder 2"/>
+          <p:cNvSpPr>
+            <a:spLocks noGrp="1"/>
+          </p:cNvSpPr>
+          <p:nvPr>
+            <p:ph idx="1"/>
+          </p:nvPr>
+        </p:nvSpPr>
+        <p:spPr/>
+        <p:txBody>
+          <a:bodyPr>
+            <a:normAutofit/>
+          </a:bodyPr>
+          <a:lstStyle/>
+          <a:p>
+            <a:r>
+              <a:rPr lang="en-US" dirty="0"/>
+              <a:t>Predict real-world outcomes</a:t>
             </a:r>
           </a:p>
           <a:p>
             <a:pPr lvl="1"/>
             <a:r>
               <a:rPr lang="en-US" dirty="0"/>
-              <a:t>Linear Classifiers</a:t>
-            </a:r>
-          </a:p>
-          <a:p>
-            <a:pPr lvl="2"/>
-            <a:r>
-              <a:rPr lang="en-US" dirty="0"/>
-              <a:t>K-Nearest Neighbors</a:t>
-            </a:r>
-          </a:p>
-          <a:p>
-            <a:pPr lvl="2"/>
-            <a:r>
-              <a:rPr lang="en-US" dirty="0"/>
-              <a:t>Decision Tree</a:t>
-            </a:r>
-          </a:p>
-          <a:p>
-            <a:pPr lvl="2"/>
-            <a:r>
-              <a:rPr lang="en-US" dirty="0"/>
-              <a:t>Logistic Regression</a:t>
-            </a:r>
-          </a:p>
-          <a:p>
-            <a:pPr lvl="3"/>
-            <a:r>
-              <a:rPr lang="en-US" dirty="0"/>
-              <a:t>Misleading name</a:t>
-            </a:r>
-          </a:p>
-          <a:p>
-            <a:pPr lvl="2"/>
-            <a:r>
-              <a:rPr lang="en-US" dirty="0"/>
-              <a:t>Support Vector Classifier</a:t>
-            </a:r>
+              <a:t>Once we are happy with the predictive capability of our model, the model can be used to predict real-world outcomes that are unknown.</a:t>
+            </a:r>
+          </a:p>
+          <a:p>
+            <a:pPr lvl="1"/>
+            <a:endParaRPr lang="en-US" dirty="0"/>
           </a:p>
           <a:p>
             <a:pPr lvl="2"/>
@@ -11452,7 +11703,7 @@
     </p:spTree>
     <p:extLst>
       <p:ext uri="{BB962C8B-B14F-4D97-AF65-F5344CB8AC3E}">
-        <p14:creationId xmlns:p14="http://schemas.microsoft.com/office/powerpoint/2010/main" val="3895443771"/>
+        <p14:creationId xmlns:p14="http://schemas.microsoft.com/office/powerpoint/2010/main" val="293541596"/>
       </p:ext>
     </p:extLst>
   </p:cSld>
@@ -11551,7 +11802,7 @@
             <a:pPr lvl="1"/>
             <a:r>
               <a:rPr lang="en-US" dirty="0"/>
-              <a:t>Linear Regressors</a:t>
+              <a:t>Linear Classifiers</a:t>
             </a:r>
           </a:p>
           <a:p>
@@ -11565,42 +11816,28 @@
             <a:pPr lvl="2"/>
             <a:r>
               <a:rPr lang="en-US" dirty="0"/>
-              <a:t>Linear Regression</a:t>
+              <a:t>Decision Tree</a:t>
             </a:r>
           </a:p>
           <a:p>
             <a:pPr lvl="2"/>
             <a:r>
               <a:rPr lang="en-US" dirty="0"/>
-              <a:t>Ridge Regression</a:t>
+              <a:t>Logistic Regression</a:t>
+            </a:r>
+          </a:p>
+          <a:p>
+            <a:pPr lvl="3"/>
+            <a:r>
+              <a:rPr lang="en-US" dirty="0"/>
+              <a:t>Misleading name</a:t>
             </a:r>
           </a:p>
           <a:p>
             <a:pPr lvl="2"/>
             <a:r>
               <a:rPr lang="en-US" dirty="0"/>
-              <a:t>LASSO Regression</a:t>
-            </a:r>
-          </a:p>
-          <a:p>
-            <a:pPr lvl="2"/>
-            <a:r>
-              <a:rPr lang="en-US" dirty="0"/>
-              <a:t>Decision Tree</a:t>
-            </a:r>
-          </a:p>
-          <a:p>
-            <a:pPr lvl="2"/>
-            <a:r>
-              <a:rPr lang="en-US" dirty="0"/>
-              <a:t>Forest</a:t>
-            </a:r>
-          </a:p>
-          <a:p>
-            <a:pPr lvl="2"/>
-            <a:r>
-              <a:rPr lang="en-US" dirty="0"/>
-              <a:t>Gradient-Boosted Forest</a:t>
+              <a:t>Support Vector Classifier</a:t>
             </a:r>
           </a:p>
           <a:p>
@@ -11615,7 +11852,7 @@
     </p:spTree>
     <p:extLst>
       <p:ext uri="{BB962C8B-B14F-4D97-AF65-F5344CB8AC3E}">
-        <p14:creationId xmlns:p14="http://schemas.microsoft.com/office/powerpoint/2010/main" val="3191540691"/>
+        <p14:creationId xmlns:p14="http://schemas.microsoft.com/office/powerpoint/2010/main" val="3895443771"/>
       </p:ext>
     </p:extLst>
   </p:cSld>
@@ -11707,6 +11944,169 @@
           <a:p>
             <a:r>
               <a:rPr lang="en-US" dirty="0"/>
+              <a:t>List of some types we will Cover</a:t>
+            </a:r>
+          </a:p>
+          <a:p>
+            <a:pPr lvl="1"/>
+            <a:r>
+              <a:rPr lang="en-US" dirty="0"/>
+              <a:t>Linear Regressors</a:t>
+            </a:r>
+          </a:p>
+          <a:p>
+            <a:pPr lvl="2"/>
+            <a:r>
+              <a:rPr lang="en-US" dirty="0"/>
+              <a:t>K-Nearest Neighbors</a:t>
+            </a:r>
+          </a:p>
+          <a:p>
+            <a:pPr lvl="2"/>
+            <a:r>
+              <a:rPr lang="en-US" dirty="0"/>
+              <a:t>Linear Regression</a:t>
+            </a:r>
+          </a:p>
+          <a:p>
+            <a:pPr lvl="2"/>
+            <a:r>
+              <a:rPr lang="en-US" dirty="0"/>
+              <a:t>Ridge Regression</a:t>
+            </a:r>
+          </a:p>
+          <a:p>
+            <a:pPr lvl="2"/>
+            <a:r>
+              <a:rPr lang="en-US" dirty="0"/>
+              <a:t>LASSO Regression</a:t>
+            </a:r>
+          </a:p>
+          <a:p>
+            <a:pPr lvl="2"/>
+            <a:r>
+              <a:rPr lang="en-US" dirty="0"/>
+              <a:t>Decision Tree</a:t>
+            </a:r>
+          </a:p>
+          <a:p>
+            <a:pPr lvl="2"/>
+            <a:r>
+              <a:rPr lang="en-US" dirty="0"/>
+              <a:t>Forest</a:t>
+            </a:r>
+          </a:p>
+          <a:p>
+            <a:pPr lvl="2"/>
+            <a:r>
+              <a:rPr lang="en-US" dirty="0"/>
+              <a:t>Gradient-Boosted Forest</a:t>
+            </a:r>
+          </a:p>
+          <a:p>
+            <a:pPr lvl="2"/>
+            <a:endParaRPr lang="en-US" dirty="0"/>
+          </a:p>
+          <a:p>
+            <a:endParaRPr lang="en-US" dirty="0"/>
+          </a:p>
+        </p:txBody>
+      </p:sp>
+    </p:spTree>
+    <p:extLst>
+      <p:ext uri="{BB962C8B-B14F-4D97-AF65-F5344CB8AC3E}">
+        <p14:creationId xmlns:p14="http://schemas.microsoft.com/office/powerpoint/2010/main" val="3191540691"/>
+      </p:ext>
+    </p:extLst>
+  </p:cSld>
+  <p:clrMapOvr>
+    <a:overrideClrMapping bg1="lt1" tx1="dk1" bg2="lt2" tx2="dk2" accent1="accent1" accent2="accent2" accent3="accent3" accent4="accent4" accent5="accent5" accent6="accent6" hlink="hlink" folHlink="folHlink"/>
+  </p:clrMapOvr>
+</p:sld>
+</file>
+
+<file path=ppt/slides/slide36.xml><?xml version="1.0" encoding="utf-8"?>
+<p:sld xmlns:a="http://schemas.openxmlformats.org/drawingml/2006/main" xmlns:r="http://schemas.openxmlformats.org/officeDocument/2006/relationships" xmlns:p="http://schemas.openxmlformats.org/presentationml/2006/main">
+  <p:cSld>
+    <p:bg>
+      <p:bgPr>
+        <a:blipFill dpi="0" rotWithShape="1">
+          <a:blip r:embed="rId3">
+            <a:extLst>
+              <a:ext uri="{BEBA8EAE-BF5A-486C-A8C5-ECC9F3942E4B}">
+                <a14:imgProps xmlns:a14="http://schemas.microsoft.com/office/drawing/2010/main">
+                  <a14:imgLayer r:embed="rId4">
+                    <a14:imgEffect>
+                      <a14:brightnessContrast bright="-50000"/>
+                    </a14:imgEffect>
+                  </a14:imgLayer>
+                </a14:imgProps>
+              </a:ext>
+            </a:extLst>
+          </a:blip>
+          <a:srcRect/>
+          <a:stretch>
+            <a:fillRect l="-10000" r="-10000"/>
+          </a:stretch>
+        </a:blipFill>
+        <a:effectLst/>
+      </p:bgPr>
+    </p:bg>
+    <p:spTree>
+      <p:nvGrpSpPr>
+        <p:cNvPr id="1" name=""/>
+        <p:cNvGrpSpPr/>
+        <p:nvPr/>
+      </p:nvGrpSpPr>
+      <p:grpSpPr>
+        <a:xfrm>
+          <a:off x="0" y="0"/>
+          <a:ext cx="0" cy="0"/>
+          <a:chOff x="0" y="0"/>
+          <a:chExt cx="0" cy="0"/>
+        </a:xfrm>
+      </p:grpSpPr>
+      <p:sp>
+        <p:nvSpPr>
+          <p:cNvPr id="2" name="Title 1"/>
+          <p:cNvSpPr>
+            <a:spLocks noGrp="1"/>
+          </p:cNvSpPr>
+          <p:nvPr>
+            <p:ph type="title"/>
+          </p:nvPr>
+        </p:nvSpPr>
+        <p:spPr/>
+        <p:txBody>
+          <a:bodyPr/>
+          <a:lstStyle/>
+          <a:p>
+            <a:r>
+              <a:rPr lang="en-US" dirty="0"/>
+              <a:t>Linear Models</a:t>
+            </a:r>
+          </a:p>
+        </p:txBody>
+      </p:sp>
+      <p:sp>
+        <p:nvSpPr>
+          <p:cNvPr id="3" name="Content Placeholder 2"/>
+          <p:cNvSpPr>
+            <a:spLocks noGrp="1"/>
+          </p:cNvSpPr>
+          <p:nvPr>
+            <p:ph idx="1"/>
+          </p:nvPr>
+        </p:nvSpPr>
+        <p:spPr/>
+        <p:txBody>
+          <a:bodyPr>
+            <a:normAutofit/>
+          </a:bodyPr>
+          <a:lstStyle/>
+          <a:p>
+            <a:r>
+              <a:rPr lang="en-US" dirty="0"/>
               <a:t>Models differ in:</a:t>
             </a:r>
           </a:p>
@@ -11753,7 +12153,73 @@
 </p:sld>
 </file>
 
-<file path=ppt/slides/slide36.xml><?xml version="1.0" encoding="utf-8"?>
+<file path=ppt/slides/slide37.xml><?xml version="1.0" encoding="utf-8"?>
+<p:sld xmlns:a="http://schemas.openxmlformats.org/drawingml/2006/main" xmlns:r="http://schemas.openxmlformats.org/officeDocument/2006/relationships" xmlns:p="http://schemas.openxmlformats.org/presentationml/2006/main">
+  <p:cSld>
+    <p:bg>
+      <p:bgPr>
+        <a:solidFill>
+          <a:srgbClr val="92D050"/>
+        </a:solidFill>
+        <a:effectLst/>
+      </p:bgPr>
+    </p:bg>
+    <p:spTree>
+      <p:nvGrpSpPr>
+        <p:cNvPr id="1" name=""/>
+        <p:cNvGrpSpPr/>
+        <p:nvPr/>
+      </p:nvGrpSpPr>
+      <p:grpSpPr>
+        <a:xfrm>
+          <a:off x="0" y="0"/>
+          <a:ext cx="0" cy="0"/>
+          <a:chOff x="0" y="0"/>
+          <a:chExt cx="0" cy="0"/>
+        </a:xfrm>
+      </p:grpSpPr>
+      <p:sp>
+        <p:nvSpPr>
+          <p:cNvPr id="2" name="Title 1"/>
+          <p:cNvSpPr>
+            <a:spLocks noGrp="1"/>
+          </p:cNvSpPr>
+          <p:nvPr>
+            <p:ph type="title"/>
+          </p:nvPr>
+        </p:nvSpPr>
+        <p:spPr/>
+        <p:txBody>
+          <a:bodyPr/>
+          <a:lstStyle/>
+          <a:p>
+            <a:r>
+              <a:rPr lang="en-US" dirty="0">
+                <a:solidFill>
+                  <a:schemeClr val="bg1">
+                    <a:lumMod val="10000"/>
+                  </a:schemeClr>
+                </a:solidFill>
+              </a:rPr>
+              <a:t>STOPPED HERE</a:t>
+            </a:r>
+          </a:p>
+        </p:txBody>
+      </p:sp>
+    </p:spTree>
+    <p:extLst>
+      <p:ext uri="{BB962C8B-B14F-4D97-AF65-F5344CB8AC3E}">
+        <p14:creationId xmlns:p14="http://schemas.microsoft.com/office/powerpoint/2010/main" val="48087785"/>
+      </p:ext>
+    </p:extLst>
+  </p:cSld>
+  <p:clrMapOvr>
+    <a:overrideClrMapping bg1="lt1" tx1="dk1" bg2="lt2" tx2="dk2" accent1="accent1" accent2="accent2" accent3="accent3" accent4="accent4" accent5="accent5" accent6="accent6" hlink="hlink" folHlink="folHlink"/>
+  </p:clrMapOvr>
+</p:sld>
+</file>
+
+<file path=ppt/slides/slide38.xml><?xml version="1.0" encoding="utf-8"?>
 <p:sld xmlns:a="http://schemas.openxmlformats.org/drawingml/2006/main" xmlns:r="http://schemas.openxmlformats.org/officeDocument/2006/relationships" xmlns:p="http://schemas.openxmlformats.org/presentationml/2006/main">
   <p:cSld>
     <p:bg>
@@ -11904,7 +12370,7 @@
 </p:sld>
 </file>
 
-<file path=ppt/slides/slide37.xml><?xml version="1.0" encoding="utf-8"?>
+<file path=ppt/slides/slide39.xml><?xml version="1.0" encoding="utf-8"?>
 <p:sld xmlns:a="http://schemas.openxmlformats.org/drawingml/2006/main" xmlns:r="http://schemas.openxmlformats.org/officeDocument/2006/relationships" xmlns:p="http://schemas.openxmlformats.org/presentationml/2006/main">
   <p:cSld>
     <p:bg>
@@ -12023,7 +12489,138 @@
 </p:sld>
 </file>
 
-<file path=ppt/slides/slide38.xml><?xml version="1.0" encoding="utf-8"?>
+<file path=ppt/slides/slide4.xml><?xml version="1.0" encoding="utf-8"?>
+<p:sld xmlns:a="http://schemas.openxmlformats.org/drawingml/2006/main" xmlns:r="http://schemas.openxmlformats.org/officeDocument/2006/relationships" xmlns:p="http://schemas.openxmlformats.org/presentationml/2006/main">
+  <p:cSld>
+    <p:bg>
+      <p:bgPr>
+        <a:blipFill dpi="0" rotWithShape="1">
+          <a:blip r:embed="rId3">
+            <a:extLst>
+              <a:ext uri="{BEBA8EAE-BF5A-486C-A8C5-ECC9F3942E4B}">
+                <a14:imgProps xmlns:a14="http://schemas.microsoft.com/office/drawing/2010/main">
+                  <a14:imgLayer r:embed="rId4">
+                    <a14:imgEffect>
+                      <a14:brightnessContrast bright="-50000"/>
+                    </a14:imgEffect>
+                  </a14:imgLayer>
+                </a14:imgProps>
+              </a:ext>
+            </a:extLst>
+          </a:blip>
+          <a:srcRect/>
+          <a:stretch>
+            <a:fillRect l="-10000" r="-10000"/>
+          </a:stretch>
+        </a:blipFill>
+        <a:effectLst/>
+      </p:bgPr>
+    </p:bg>
+    <p:spTree>
+      <p:nvGrpSpPr>
+        <p:cNvPr id="1" name=""/>
+        <p:cNvGrpSpPr/>
+        <p:nvPr/>
+      </p:nvGrpSpPr>
+      <p:grpSpPr>
+        <a:xfrm>
+          <a:off x="0" y="0"/>
+          <a:ext cx="0" cy="0"/>
+          <a:chOff x="0" y="0"/>
+          <a:chExt cx="0" cy="0"/>
+        </a:xfrm>
+      </p:grpSpPr>
+      <p:sp>
+        <p:nvSpPr>
+          <p:cNvPr id="2" name="Title 1"/>
+          <p:cNvSpPr>
+            <a:spLocks noGrp="1"/>
+          </p:cNvSpPr>
+          <p:nvPr>
+            <p:ph type="title"/>
+          </p:nvPr>
+        </p:nvSpPr>
+        <p:spPr/>
+        <p:txBody>
+          <a:bodyPr>
+            <a:normAutofit/>
+          </a:bodyPr>
+          <a:lstStyle/>
+          <a:p>
+            <a:r>
+              <a:rPr lang="en-US" dirty="0"/>
+              <a:t>Concepts and Definitions</a:t>
+            </a:r>
+          </a:p>
+        </p:txBody>
+      </p:sp>
+      <p:sp>
+        <p:nvSpPr>
+          <p:cNvPr id="3" name="Content Placeholder 2"/>
+          <p:cNvSpPr>
+            <a:spLocks noGrp="1"/>
+          </p:cNvSpPr>
+          <p:nvPr>
+            <p:ph idx="1"/>
+          </p:nvPr>
+        </p:nvSpPr>
+        <p:spPr/>
+        <p:txBody>
+          <a:bodyPr/>
+          <a:lstStyle/>
+          <a:p>
+            <a:r>
+              <a:rPr lang="en-US" dirty="0"/>
+              <a:t>Machine Learning</a:t>
+            </a:r>
+          </a:p>
+          <a:p>
+            <a:pPr lvl="1"/>
+            <a:r>
+              <a:rPr lang="en-US" dirty="0"/>
+              <a:t>The use of a model that learns from data to increase the predictive ability of an algorithm.</a:t>
+            </a:r>
+          </a:p>
+          <a:p>
+            <a:pPr lvl="1"/>
+            <a:r>
+              <a:rPr lang="en-US" dirty="0"/>
+              <a:t>Data by itself is not machine learning, since no learning can occur without assimilation of the data towards prediction.</a:t>
+            </a:r>
+          </a:p>
+          <a:p>
+            <a:pPr lvl="1"/>
+            <a:r>
+              <a:rPr lang="en-US" dirty="0"/>
+              <a:t>Data that cannot increase predictive capabilities of an algorithm is not machine learning—no learning occurs in this situation.</a:t>
+            </a:r>
+          </a:p>
+          <a:p>
+            <a:endParaRPr lang="en-US" dirty="0"/>
+          </a:p>
+          <a:p>
+            <a:pPr lvl="2"/>
+            <a:endParaRPr lang="en-US" dirty="0"/>
+          </a:p>
+          <a:p>
+            <a:endParaRPr lang="en-US" dirty="0"/>
+          </a:p>
+        </p:txBody>
+      </p:sp>
+    </p:spTree>
+    <p:extLst>
+      <p:ext uri="{BB962C8B-B14F-4D97-AF65-F5344CB8AC3E}">
+        <p14:creationId xmlns:p14="http://schemas.microsoft.com/office/powerpoint/2010/main" val="3227970962"/>
+      </p:ext>
+    </p:extLst>
+  </p:cSld>
+  <p:clrMapOvr>
+    <a:overrideClrMapping bg1="lt1" tx1="dk1" bg2="lt2" tx2="dk2" accent1="accent1" accent2="accent2" accent3="accent3" accent4="accent4" accent5="accent5" accent6="accent6" hlink="hlink" folHlink="folHlink"/>
+  </p:clrMapOvr>
+</p:sld>
+</file>
+
+<file path=ppt/slides/slide40.xml><?xml version="1.0" encoding="utf-8"?>
 <p:sld xmlns:a="http://schemas.openxmlformats.org/drawingml/2006/main" xmlns:r="http://schemas.openxmlformats.org/officeDocument/2006/relationships" xmlns:p="http://schemas.openxmlformats.org/presentationml/2006/main">
   <p:cSld>
     <p:bg>
@@ -12150,7 +12747,7 @@
           <a:graphicData uri="http://schemas.openxmlformats.org/presentationml/2006/ole">
             <mc:AlternateContent xmlns:mc="http://schemas.openxmlformats.org/markup-compatibility/2006">
               <mc:Choice xmlns:v="urn:schemas-microsoft-com:vml" Requires="v">
-                <p:oleObj spid="_x0000_s2176" name="Bitmap Image" r:id="rId7" imgW="3743280" imgH="3024360" progId="Paint.Picture">
+                <p:oleObj spid="_x0000_s2211" name="Bitmap Image" r:id="rId7" imgW="3743280" imgH="3024360" progId="Paint.Picture">
                   <p:embed/>
                 </p:oleObj>
               </mc:Choice>
@@ -12234,7 +12831,7 @@
 </p:sld>
 </file>
 
-<file path=ppt/slides/slide39.xml><?xml version="1.0" encoding="utf-8"?>
+<file path=ppt/slides/slide41.xml><?xml version="1.0" encoding="utf-8"?>
 <p:sld xmlns:a="http://schemas.openxmlformats.org/drawingml/2006/main" xmlns:r="http://schemas.openxmlformats.org/officeDocument/2006/relationships" xmlns:p="http://schemas.openxmlformats.org/presentationml/2006/main">
   <p:cSld>
     <p:bg>
@@ -12352,385 +12949,6 @@
     <p:extLst>
       <p:ext uri="{BB962C8B-B14F-4D97-AF65-F5344CB8AC3E}">
         <p14:creationId xmlns:p14="http://schemas.microsoft.com/office/powerpoint/2010/main" val="3634293830"/>
-      </p:ext>
-    </p:extLst>
-  </p:cSld>
-  <p:clrMapOvr>
-    <a:overrideClrMapping bg1="lt1" tx1="dk1" bg2="lt2" tx2="dk2" accent1="accent1" accent2="accent2" accent3="accent3" accent4="accent4" accent5="accent5" accent6="accent6" hlink="hlink" folHlink="folHlink"/>
-  </p:clrMapOvr>
-</p:sld>
-</file>
-
-<file path=ppt/slides/slide4.xml><?xml version="1.0" encoding="utf-8"?>
-<p:sld xmlns:a="http://schemas.openxmlformats.org/drawingml/2006/main" xmlns:r="http://schemas.openxmlformats.org/officeDocument/2006/relationships" xmlns:p="http://schemas.openxmlformats.org/presentationml/2006/main">
-  <p:cSld>
-    <p:bg>
-      <p:bgPr>
-        <a:blipFill dpi="0" rotWithShape="1">
-          <a:blip r:embed="rId3">
-            <a:extLst>
-              <a:ext uri="{BEBA8EAE-BF5A-486C-A8C5-ECC9F3942E4B}">
-                <a14:imgProps xmlns:a14="http://schemas.microsoft.com/office/drawing/2010/main">
-                  <a14:imgLayer r:embed="rId4">
-                    <a14:imgEffect>
-                      <a14:brightnessContrast bright="-50000"/>
-                    </a14:imgEffect>
-                  </a14:imgLayer>
-                </a14:imgProps>
-              </a:ext>
-            </a:extLst>
-          </a:blip>
-          <a:srcRect/>
-          <a:stretch>
-            <a:fillRect l="-10000" r="-10000"/>
-          </a:stretch>
-        </a:blipFill>
-        <a:effectLst/>
-      </p:bgPr>
-    </p:bg>
-    <p:spTree>
-      <p:nvGrpSpPr>
-        <p:cNvPr id="1" name=""/>
-        <p:cNvGrpSpPr/>
-        <p:nvPr/>
-      </p:nvGrpSpPr>
-      <p:grpSpPr>
-        <a:xfrm>
-          <a:off x="0" y="0"/>
-          <a:ext cx="0" cy="0"/>
-          <a:chOff x="0" y="0"/>
-          <a:chExt cx="0" cy="0"/>
-        </a:xfrm>
-      </p:grpSpPr>
-      <p:sp>
-        <p:nvSpPr>
-          <p:cNvPr id="2" name="Title 1"/>
-          <p:cNvSpPr>
-            <a:spLocks noGrp="1"/>
-          </p:cNvSpPr>
-          <p:nvPr>
-            <p:ph type="title"/>
-          </p:nvPr>
-        </p:nvSpPr>
-        <p:spPr/>
-        <p:txBody>
-          <a:bodyPr>
-            <a:normAutofit/>
-          </a:bodyPr>
-          <a:lstStyle/>
-          <a:p>
-            <a:r>
-              <a:rPr lang="en-US" dirty="0"/>
-              <a:t>Concepts and Definitions</a:t>
-            </a:r>
-          </a:p>
-        </p:txBody>
-      </p:sp>
-      <p:sp>
-        <p:nvSpPr>
-          <p:cNvPr id="3" name="Content Placeholder 2"/>
-          <p:cNvSpPr>
-            <a:spLocks noGrp="1"/>
-          </p:cNvSpPr>
-          <p:nvPr>
-            <p:ph idx="1"/>
-          </p:nvPr>
-        </p:nvSpPr>
-        <p:spPr/>
-        <p:txBody>
-          <a:bodyPr/>
-          <a:lstStyle/>
-          <a:p>
-            <a:r>
-              <a:rPr lang="en-US" dirty="0"/>
-              <a:t>Machine Learning</a:t>
-            </a:r>
-          </a:p>
-          <a:p>
-            <a:pPr lvl="1"/>
-            <a:r>
-              <a:rPr lang="en-US" dirty="0"/>
-              <a:t>The use of a model that learns from data to increase the predictive ability of an algorithm.</a:t>
-            </a:r>
-          </a:p>
-          <a:p>
-            <a:pPr lvl="1"/>
-            <a:r>
-              <a:rPr lang="en-US" dirty="0"/>
-              <a:t>Data by itself is not machine learning, since no learning can occur without assimilation of the data towards prediction.</a:t>
-            </a:r>
-          </a:p>
-          <a:p>
-            <a:pPr lvl="1"/>
-            <a:r>
-              <a:rPr lang="en-US" dirty="0"/>
-              <a:t>Data that cannot increase predictive capabilities of an algorithm is not machine learning—no learning occurs in this situation.</a:t>
-            </a:r>
-          </a:p>
-          <a:p>
-            <a:endParaRPr lang="en-US" dirty="0"/>
-          </a:p>
-          <a:p>
-            <a:pPr lvl="2"/>
-            <a:endParaRPr lang="en-US" dirty="0"/>
-          </a:p>
-          <a:p>
-            <a:endParaRPr lang="en-US" dirty="0"/>
-          </a:p>
-        </p:txBody>
-      </p:sp>
-    </p:spTree>
-    <p:extLst>
-      <p:ext uri="{BB962C8B-B14F-4D97-AF65-F5344CB8AC3E}">
-        <p14:creationId xmlns:p14="http://schemas.microsoft.com/office/powerpoint/2010/main" val="3227970962"/>
-      </p:ext>
-    </p:extLst>
-  </p:cSld>
-  <p:clrMapOvr>
-    <a:overrideClrMapping bg1="lt1" tx1="dk1" bg2="lt2" tx2="dk2" accent1="accent1" accent2="accent2" accent3="accent3" accent4="accent4" accent5="accent5" accent6="accent6" hlink="hlink" folHlink="folHlink"/>
-  </p:clrMapOvr>
-</p:sld>
-</file>
-
-<file path=ppt/slides/slide40.xml><?xml version="1.0" encoding="utf-8"?>
-<p:sld xmlns:a="http://schemas.openxmlformats.org/drawingml/2006/main" xmlns:r="http://schemas.openxmlformats.org/officeDocument/2006/relationships" xmlns:p="http://schemas.openxmlformats.org/presentationml/2006/main">
-  <p:cSld>
-    <p:bg>
-      <p:bgPr>
-        <a:blipFill dpi="0" rotWithShape="1">
-          <a:blip r:embed="rId4">
-            <a:extLst>
-              <a:ext uri="{BEBA8EAE-BF5A-486C-A8C5-ECC9F3942E4B}">
-                <a14:imgProps xmlns:a14="http://schemas.microsoft.com/office/drawing/2010/main">
-                  <a14:imgLayer r:embed="rId5">
-                    <a14:imgEffect>
-                      <a14:brightnessContrast bright="-50000"/>
-                    </a14:imgEffect>
-                  </a14:imgLayer>
-                </a14:imgProps>
-              </a:ext>
-            </a:extLst>
-          </a:blip>
-          <a:srcRect/>
-          <a:stretch>
-            <a:fillRect l="-10000" r="-10000"/>
-          </a:stretch>
-        </a:blipFill>
-        <a:effectLst/>
-      </p:bgPr>
-    </p:bg>
-    <p:spTree>
-      <p:nvGrpSpPr>
-        <p:cNvPr id="1" name=""/>
-        <p:cNvGrpSpPr/>
-        <p:nvPr/>
-      </p:nvGrpSpPr>
-      <p:grpSpPr>
-        <a:xfrm>
-          <a:off x="0" y="0"/>
-          <a:ext cx="0" cy="0"/>
-          <a:chOff x="0" y="0"/>
-          <a:chExt cx="0" cy="0"/>
-        </a:xfrm>
-      </p:grpSpPr>
-      <p:sp>
-        <p:nvSpPr>
-          <p:cNvPr id="2" name="Title 1"/>
-          <p:cNvSpPr>
-            <a:spLocks noGrp="1"/>
-          </p:cNvSpPr>
-          <p:nvPr>
-            <p:ph type="title"/>
-          </p:nvPr>
-        </p:nvSpPr>
-        <p:spPr/>
-        <p:txBody>
-          <a:bodyPr/>
-          <a:lstStyle/>
-          <a:p>
-            <a:r>
-              <a:rPr lang="en-US" dirty="0"/>
-              <a:t>Linear Models - Classifiers</a:t>
-            </a:r>
-          </a:p>
-        </p:txBody>
-      </p:sp>
-      <p:sp>
-        <p:nvSpPr>
-          <p:cNvPr id="3" name="Content Placeholder 2"/>
-          <p:cNvSpPr>
-            <a:spLocks noGrp="1"/>
-          </p:cNvSpPr>
-          <p:nvPr>
-            <p:ph idx="1"/>
-          </p:nvPr>
-        </p:nvSpPr>
-        <p:spPr/>
-        <p:txBody>
-          <a:bodyPr/>
-          <a:lstStyle/>
-          <a:p>
-            <a:r>
-              <a:rPr lang="en-US" dirty="0"/>
-              <a:t>Decision Tree</a:t>
-            </a:r>
-          </a:p>
-          <a:p>
-            <a:pPr lvl="1"/>
-            <a:r>
-              <a:rPr lang="en-US" dirty="0"/>
-              <a:t>Builds a series of if-statements to classify test points.</a:t>
-            </a:r>
-          </a:p>
-          <a:p>
-            <a:pPr lvl="1"/>
-            <a:r>
-              <a:rPr lang="en-US" dirty="0"/>
-              <a:t>Boundaries around classifications are built based on the data.</a:t>
-            </a:r>
-          </a:p>
-          <a:p>
-            <a:pPr lvl="1"/>
-            <a:r>
-              <a:rPr lang="en-US" dirty="0"/>
-              <a:t>The number of if statement groups, or boundaries created, is known as the depth.</a:t>
-            </a:r>
-          </a:p>
-          <a:p>
-            <a:pPr lvl="2"/>
-            <a:endParaRPr lang="en-US" dirty="0"/>
-          </a:p>
-          <a:p>
-            <a:endParaRPr lang="en-US" dirty="0"/>
-          </a:p>
-        </p:txBody>
-      </p:sp>
-    </p:spTree>
-    <p:extLst>
-      <p:ext uri="{BB962C8B-B14F-4D97-AF65-F5344CB8AC3E}">
-        <p14:creationId xmlns:p14="http://schemas.microsoft.com/office/powerpoint/2010/main" val="31895842"/>
-      </p:ext>
-    </p:extLst>
-  </p:cSld>
-  <p:clrMapOvr>
-    <a:overrideClrMapping bg1="lt1" tx1="dk1" bg2="lt2" tx2="dk2" accent1="accent1" accent2="accent2" accent3="accent3" accent4="accent4" accent5="accent5" accent6="accent6" hlink="hlink" folHlink="folHlink"/>
-  </p:clrMapOvr>
-</p:sld>
-</file>
-
-<file path=ppt/slides/slide41.xml><?xml version="1.0" encoding="utf-8"?>
-<p:sld xmlns:a="http://schemas.openxmlformats.org/drawingml/2006/main" xmlns:r="http://schemas.openxmlformats.org/officeDocument/2006/relationships" xmlns:p="http://schemas.openxmlformats.org/presentationml/2006/main">
-  <p:cSld>
-    <p:bg>
-      <p:bgPr>
-        <a:blipFill dpi="0" rotWithShape="1">
-          <a:blip r:embed="rId4">
-            <a:extLst>
-              <a:ext uri="{BEBA8EAE-BF5A-486C-A8C5-ECC9F3942E4B}">
-                <a14:imgProps xmlns:a14="http://schemas.microsoft.com/office/drawing/2010/main">
-                  <a14:imgLayer r:embed="rId5">
-                    <a14:imgEffect>
-                      <a14:brightnessContrast bright="-50000"/>
-                    </a14:imgEffect>
-                  </a14:imgLayer>
-                </a14:imgProps>
-              </a:ext>
-            </a:extLst>
-          </a:blip>
-          <a:srcRect/>
-          <a:stretch>
-            <a:fillRect l="-10000" r="-10000"/>
-          </a:stretch>
-        </a:blipFill>
-        <a:effectLst/>
-      </p:bgPr>
-    </p:bg>
-    <p:spTree>
-      <p:nvGrpSpPr>
-        <p:cNvPr id="1" name=""/>
-        <p:cNvGrpSpPr/>
-        <p:nvPr/>
-      </p:nvGrpSpPr>
-      <p:grpSpPr>
-        <a:xfrm>
-          <a:off x="0" y="0"/>
-          <a:ext cx="0" cy="0"/>
-          <a:chOff x="0" y="0"/>
-          <a:chExt cx="0" cy="0"/>
-        </a:xfrm>
-      </p:grpSpPr>
-      <p:sp>
-        <p:nvSpPr>
-          <p:cNvPr id="2" name="Title 1"/>
-          <p:cNvSpPr>
-            <a:spLocks noGrp="1"/>
-          </p:cNvSpPr>
-          <p:nvPr>
-            <p:ph type="title"/>
-          </p:nvPr>
-        </p:nvSpPr>
-        <p:spPr/>
-        <p:txBody>
-          <a:bodyPr/>
-          <a:lstStyle/>
-          <a:p>
-            <a:r>
-              <a:rPr lang="en-US" dirty="0"/>
-              <a:t>Linear Models - Classifiers</a:t>
-            </a:r>
-          </a:p>
-        </p:txBody>
-      </p:sp>
-      <p:sp>
-        <p:nvSpPr>
-          <p:cNvPr id="3" name="Content Placeholder 2"/>
-          <p:cNvSpPr>
-            <a:spLocks noGrp="1"/>
-          </p:cNvSpPr>
-          <p:nvPr>
-            <p:ph idx="1"/>
-          </p:nvPr>
-        </p:nvSpPr>
-        <p:spPr/>
-        <p:txBody>
-          <a:bodyPr/>
-          <a:lstStyle/>
-          <a:p>
-            <a:r>
-              <a:rPr lang="en-US" dirty="0"/>
-              <a:t>Decision Tree</a:t>
-            </a:r>
-          </a:p>
-          <a:p>
-            <a:pPr lvl="1"/>
-            <a:r>
-              <a:rPr lang="en-US" dirty="0"/>
-              <a:t>See file “./Session 7 – Python/Instructional Material/Class Examples/Scikit-Learn/decision_tree_graph.html“ for the produced image.  </a:t>
-            </a:r>
-          </a:p>
-          <a:p>
-            <a:pPr lvl="2"/>
-            <a:r>
-              <a:rPr lang="en-US" dirty="0"/>
-              <a:t>Generated from iris data set</a:t>
-            </a:r>
-          </a:p>
-          <a:p>
-            <a:pPr lvl="2"/>
-            <a:r>
-              <a:rPr lang="en-US" dirty="0"/>
-              <a:t>Code can be found in class example code under the decision tree section</a:t>
-            </a:r>
-          </a:p>
-          <a:p>
-            <a:endParaRPr lang="en-US" dirty="0"/>
-          </a:p>
-        </p:txBody>
-      </p:sp>
-    </p:spTree>
-    <p:extLst>
-      <p:ext uri="{BB962C8B-B14F-4D97-AF65-F5344CB8AC3E}">
-        <p14:creationId xmlns:p14="http://schemas.microsoft.com/office/powerpoint/2010/main" val="2487683877"/>
       </p:ext>
     </p:extLst>
   </p:cSld>
@@ -12824,6 +13042,27 @@
             </a:r>
           </a:p>
           <a:p>
+            <a:pPr lvl="1"/>
+            <a:r>
+              <a:rPr lang="en-US" dirty="0"/>
+              <a:t>Builds a series of if-statements to classify test points.</a:t>
+            </a:r>
+          </a:p>
+          <a:p>
+            <a:pPr lvl="1"/>
+            <a:r>
+              <a:rPr lang="en-US" dirty="0"/>
+              <a:t>Boundaries around classifications are built based on the data.</a:t>
+            </a:r>
+          </a:p>
+          <a:p>
+            <a:pPr lvl="1"/>
+            <a:r>
+              <a:rPr lang="en-US" dirty="0"/>
+              <a:t>The number of if statement groups, or boundaries created, is known as the depth.</a:t>
+            </a:r>
+          </a:p>
+          <a:p>
             <a:pPr lvl="2"/>
             <a:endParaRPr lang="en-US" dirty="0"/>
           </a:p>
@@ -12832,40 +13071,10 @@
           </a:p>
         </p:txBody>
       </p:sp>
-      <p:pic>
-        <p:nvPicPr>
-          <p:cNvPr id="5" name="Picture 4">
-            <a:extLst>
-              <a:ext uri="{FF2B5EF4-FFF2-40B4-BE49-F238E27FC236}">
-                <a16:creationId xmlns:a16="http://schemas.microsoft.com/office/drawing/2014/main" id="{AEE9C498-C33F-4F9D-A693-50DA2A30C0BE}"/>
-              </a:ext>
-            </a:extLst>
-          </p:cNvPr>
-          <p:cNvPicPr>
-            <a:picLocks noChangeAspect="1"/>
-          </p:cNvPicPr>
-          <p:nvPr/>
-        </p:nvPicPr>
-        <p:blipFill>
-          <a:blip r:embed="rId6"/>
-          <a:stretch>
-            <a:fillRect/>
-          </a:stretch>
-        </p:blipFill>
-        <p:spPr>
-          <a:xfrm>
-            <a:off x="1524000" y="2209800"/>
-            <a:ext cx="6096000" cy="4304313"/>
-          </a:xfrm>
-          <a:prstGeom prst="rect">
-            <a:avLst/>
-          </a:prstGeom>
-        </p:spPr>
-      </p:pic>
     </p:spTree>
     <p:extLst>
       <p:ext uri="{BB962C8B-B14F-4D97-AF65-F5344CB8AC3E}">
-        <p14:creationId xmlns:p14="http://schemas.microsoft.com/office/powerpoint/2010/main" val="3675808278"/>
+        <p14:creationId xmlns:p14="http://schemas.microsoft.com/office/powerpoint/2010/main" val="31895842"/>
       </p:ext>
     </p:extLst>
   </p:cSld>
@@ -12881,11 +13090,11 @@
     <p:bg>
       <p:bgPr>
         <a:blipFill dpi="0" rotWithShape="1">
-          <a:blip r:embed="rId3">
+          <a:blip r:embed="rId4">
             <a:extLst>
               <a:ext uri="{BEBA8EAE-BF5A-486C-A8C5-ECC9F3942E4B}">
                 <a14:imgProps xmlns:a14="http://schemas.microsoft.com/office/drawing/2010/main">
-                  <a14:imgLayer r:embed="rId4">
+                  <a14:imgLayer r:embed="rId5">
                     <a14:imgEffect>
                       <a14:brightnessContrast bright="-50000"/>
                     </a14:imgEffect>
@@ -12955,34 +13164,29 @@
           <a:p>
             <a:r>
               <a:rPr lang="en-US" dirty="0"/>
-              <a:t>In-Class Exercise</a:t>
+              <a:t>Decision Tree</a:t>
             </a:r>
           </a:p>
           <a:p>
             <a:pPr lvl="1"/>
             <a:r>
               <a:rPr lang="en-US" dirty="0"/>
-              <a:t>Run the decision tree classifier example.  Play with the depth to build accuracy, using at least 1-6 depths.  Does accuracy continue to increase with depth? Why or why not?</a:t>
+              <a:t>See file “./Session 7 – Python/Instructional Material/Class Examples/Scikit-Learn/decision_tree_graph.html“ for a representation of how the decision tree classifies from data.  </a:t>
             </a:r>
           </a:p>
           <a:p>
             <a:pPr lvl="2"/>
-            <a:endParaRPr lang="en-US" dirty="0"/>
-          </a:p>
-          <a:p>
-            <a:endParaRPr lang="en-US" dirty="0"/>
-          </a:p>
-          <a:p>
-            <a:pPr lvl="1"/>
-            <a:endParaRPr lang="en-US" dirty="0"/>
+            <a:r>
+              <a:rPr lang="en-US" dirty="0"/>
+              <a:t>Generated from iris data set</a:t>
+            </a:r>
           </a:p>
           <a:p>
             <a:pPr lvl="2"/>
-            <a:endParaRPr lang="en-US" dirty="0"/>
-          </a:p>
-          <a:p>
-            <a:pPr lvl="2"/>
-            <a:endParaRPr lang="en-US" dirty="0"/>
+            <a:r>
+              <a:rPr lang="en-US" dirty="0"/>
+              <a:t>Code can be found in class example code under the decision tree section</a:t>
+            </a:r>
           </a:p>
           <a:p>
             <a:endParaRPr lang="en-US" dirty="0"/>
@@ -12992,7 +13196,7 @@
     </p:spTree>
     <p:extLst>
       <p:ext uri="{BB962C8B-B14F-4D97-AF65-F5344CB8AC3E}">
-        <p14:creationId xmlns:p14="http://schemas.microsoft.com/office/powerpoint/2010/main" val="211907857"/>
+        <p14:creationId xmlns:p14="http://schemas.microsoft.com/office/powerpoint/2010/main" val="2487683877"/>
       </p:ext>
     </p:extLst>
   </p:cSld>
@@ -13082,64 +13286,52 @@
           <a:p>
             <a:r>
               <a:rPr lang="en-US" dirty="0"/>
-              <a:t>Logistic Regression</a:t>
-            </a:r>
-          </a:p>
-          <a:p>
-            <a:pPr lvl="1"/>
-            <a:r>
-              <a:rPr lang="en-US" dirty="0"/>
-              <a:t>Works similar to regressors, using a linear equation to generate decision boundaries/predict the label of the data point.</a:t>
-            </a:r>
-          </a:p>
-          <a:p>
-            <a:pPr lvl="1"/>
-            <a:r>
-              <a:rPr lang="en-US" dirty="0"/>
-              <a:t>Uses regularization parameter c</a:t>
-            </a:r>
-          </a:p>
-          <a:p>
-            <a:pPr lvl="1"/>
-            <a:r>
-              <a:rPr lang="en-US" dirty="0"/>
-              <a:t>High c value</a:t>
+              <a:t>Decision Tree</a:t>
             </a:r>
           </a:p>
           <a:p>
             <a:pPr lvl="2"/>
-            <a:r>
-              <a:rPr lang="en-US" dirty="0"/>
-              <a:t>Less regularization</a:t>
-            </a:r>
-          </a:p>
-          <a:p>
-            <a:pPr lvl="2"/>
-            <a:r>
-              <a:rPr lang="en-US" dirty="0"/>
-              <a:t>Model tries to fit training set more closely</a:t>
-            </a:r>
-          </a:p>
-          <a:p>
-            <a:pPr lvl="2"/>
-            <a:r>
-              <a:rPr lang="en-US" dirty="0"/>
-              <a:t>Each feature is stressed in the weighting</a:t>
-            </a:r>
-          </a:p>
-          <a:p>
-            <a:pPr lvl="2"/>
-            <a:endParaRPr lang="en-US" dirty="0"/>
-          </a:p>
-          <a:p>
-            <a:endParaRPr lang="en-US" dirty="0"/>
-          </a:p>
-        </p:txBody>
-      </p:sp>
+            <a:endParaRPr lang="en-US" dirty="0"/>
+          </a:p>
+          <a:p>
+            <a:endParaRPr lang="en-US" dirty="0"/>
+          </a:p>
+        </p:txBody>
+      </p:sp>
+      <p:pic>
+        <p:nvPicPr>
+          <p:cNvPr id="5" name="Picture 4">
+            <a:extLst>
+              <a:ext uri="{FF2B5EF4-FFF2-40B4-BE49-F238E27FC236}">
+                <a16:creationId xmlns:a16="http://schemas.microsoft.com/office/drawing/2014/main" id="{AEE9C498-C33F-4F9D-A693-50DA2A30C0BE}"/>
+              </a:ext>
+            </a:extLst>
+          </p:cNvPr>
+          <p:cNvPicPr>
+            <a:picLocks noChangeAspect="1"/>
+          </p:cNvPicPr>
+          <p:nvPr/>
+        </p:nvPicPr>
+        <p:blipFill>
+          <a:blip r:embed="rId6"/>
+          <a:stretch>
+            <a:fillRect/>
+          </a:stretch>
+        </p:blipFill>
+        <p:spPr>
+          <a:xfrm>
+            <a:off x="1524000" y="2209800"/>
+            <a:ext cx="6096000" cy="4304313"/>
+          </a:xfrm>
+          <a:prstGeom prst="rect">
+            <a:avLst/>
+          </a:prstGeom>
+        </p:spPr>
+      </p:pic>
     </p:spTree>
     <p:extLst>
       <p:ext uri="{BB962C8B-B14F-4D97-AF65-F5344CB8AC3E}">
-        <p14:creationId xmlns:p14="http://schemas.microsoft.com/office/powerpoint/2010/main" val="578164379"/>
+        <p14:creationId xmlns:p14="http://schemas.microsoft.com/office/powerpoint/2010/main" val="3675808278"/>
       </p:ext>
     </p:extLst>
   </p:cSld>
@@ -13150,6 +13342,175 @@
 </file>
 
 <file path=ppt/slides/slide45.xml><?xml version="1.0" encoding="utf-8"?>
+<p:sld xmlns:a="http://schemas.openxmlformats.org/drawingml/2006/main" xmlns:r="http://schemas.openxmlformats.org/officeDocument/2006/relationships" xmlns:p="http://schemas.openxmlformats.org/presentationml/2006/main">
+  <p:cSld>
+    <p:bg>
+      <p:bgPr>
+        <a:blipFill dpi="0" rotWithShape="1">
+          <a:blip r:embed="rId3">
+            <a:lum/>
+          </a:blip>
+          <a:srcRect/>
+          <a:stretch>
+            <a:fillRect l="-17000" r="-17000"/>
+          </a:stretch>
+        </a:blipFill>
+        <a:effectLst/>
+      </p:bgPr>
+    </p:bg>
+    <p:spTree>
+      <p:nvGrpSpPr>
+        <p:cNvPr id="1" name=""/>
+        <p:cNvGrpSpPr/>
+        <p:nvPr/>
+      </p:nvGrpSpPr>
+      <p:grpSpPr>
+        <a:xfrm>
+          <a:off x="0" y="0"/>
+          <a:ext cx="0" cy="0"/>
+          <a:chOff x="0" y="0"/>
+          <a:chExt cx="0" cy="0"/>
+        </a:xfrm>
+      </p:grpSpPr>
+      <p:sp>
+        <p:nvSpPr>
+          <p:cNvPr id="4" name="Rectangle 3">
+            <a:extLst>
+              <a:ext uri="{FF2B5EF4-FFF2-40B4-BE49-F238E27FC236}">
+                <a16:creationId xmlns:a16="http://schemas.microsoft.com/office/drawing/2014/main" id="{C0834983-4C71-4F77-A1C5-6967841E8465}"/>
+              </a:ext>
+            </a:extLst>
+          </p:cNvPr>
+          <p:cNvSpPr/>
+          <p:nvPr/>
+        </p:nvSpPr>
+        <p:spPr>
+          <a:xfrm>
+            <a:off x="-76200" y="-76200"/>
+            <a:ext cx="9372600" cy="7010400"/>
+          </a:xfrm>
+          <a:prstGeom prst="rect">
+            <a:avLst/>
+          </a:prstGeom>
+          <a:solidFill>
+            <a:schemeClr val="bg1">
+              <a:lumMod val="10000"/>
+              <a:alpha val="79000"/>
+            </a:schemeClr>
+          </a:solidFill>
+        </p:spPr>
+        <p:style>
+          <a:lnRef idx="2">
+            <a:schemeClr val="accent1">
+              <a:shade val="50000"/>
+            </a:schemeClr>
+          </a:lnRef>
+          <a:fillRef idx="1">
+            <a:schemeClr val="accent1"/>
+          </a:fillRef>
+          <a:effectRef idx="0">
+            <a:schemeClr val="accent1"/>
+          </a:effectRef>
+          <a:fontRef idx="minor">
+            <a:schemeClr val="lt1"/>
+          </a:fontRef>
+        </p:style>
+        <p:txBody>
+          <a:bodyPr rtlCol="0" anchor="ctr"/>
+          <a:lstStyle/>
+          <a:p>
+            <a:pPr algn="ctr"/>
+            <a:endParaRPr lang="en-US"/>
+          </a:p>
+        </p:txBody>
+      </p:sp>
+      <p:sp>
+        <p:nvSpPr>
+          <p:cNvPr id="2" name="Title 1"/>
+          <p:cNvSpPr>
+            <a:spLocks noGrp="1"/>
+          </p:cNvSpPr>
+          <p:nvPr>
+            <p:ph type="title"/>
+          </p:nvPr>
+        </p:nvSpPr>
+        <p:spPr/>
+        <p:txBody>
+          <a:bodyPr/>
+          <a:lstStyle/>
+          <a:p>
+            <a:r>
+              <a:rPr lang="en-US" dirty="0"/>
+              <a:t>Linear Models - Classifiers</a:t>
+            </a:r>
+          </a:p>
+        </p:txBody>
+      </p:sp>
+      <p:sp>
+        <p:nvSpPr>
+          <p:cNvPr id="3" name="Content Placeholder 2"/>
+          <p:cNvSpPr>
+            <a:spLocks noGrp="1"/>
+          </p:cNvSpPr>
+          <p:nvPr>
+            <p:ph idx="1"/>
+          </p:nvPr>
+        </p:nvSpPr>
+        <p:spPr/>
+        <p:txBody>
+          <a:bodyPr/>
+          <a:lstStyle/>
+          <a:p>
+            <a:r>
+              <a:rPr lang="en-US" dirty="0"/>
+              <a:t>In-Class Exercise</a:t>
+            </a:r>
+          </a:p>
+          <a:p>
+            <a:pPr lvl="1"/>
+            <a:r>
+              <a:rPr lang="en-US" dirty="0"/>
+              <a:t>Run the decision tree classifier example.  Play with the depth to build accuracy, using at least 1-6 depths.  Does accuracy continue to increase with depth? Why or why not?</a:t>
+            </a:r>
+          </a:p>
+          <a:p>
+            <a:pPr lvl="2"/>
+            <a:endParaRPr lang="en-US" dirty="0"/>
+          </a:p>
+          <a:p>
+            <a:endParaRPr lang="en-US" dirty="0"/>
+          </a:p>
+          <a:p>
+            <a:pPr lvl="1"/>
+            <a:endParaRPr lang="en-US" dirty="0"/>
+          </a:p>
+          <a:p>
+            <a:pPr lvl="2"/>
+            <a:endParaRPr lang="en-US" dirty="0"/>
+          </a:p>
+          <a:p>
+            <a:pPr lvl="2"/>
+            <a:endParaRPr lang="en-US" dirty="0"/>
+          </a:p>
+          <a:p>
+            <a:endParaRPr lang="en-US" dirty="0"/>
+          </a:p>
+        </p:txBody>
+      </p:sp>
+    </p:spTree>
+    <p:extLst>
+      <p:ext uri="{BB962C8B-B14F-4D97-AF65-F5344CB8AC3E}">
+        <p14:creationId xmlns:p14="http://schemas.microsoft.com/office/powerpoint/2010/main" val="211907857"/>
+      </p:ext>
+    </p:extLst>
+  </p:cSld>
+  <p:clrMapOvr>
+    <a:overrideClrMapping bg1="lt1" tx1="dk1" bg2="lt2" tx2="dk2" accent1="accent1" accent2="accent2" accent3="accent3" accent4="accent4" accent5="accent5" accent6="accent6" hlink="hlink" folHlink="folHlink"/>
+  </p:clrMapOvr>
+</p:sld>
+</file>
+
+<file path=ppt/slides/slide46.xml><?xml version="1.0" encoding="utf-8"?>
 <p:sld xmlns:a="http://schemas.openxmlformats.org/drawingml/2006/main" xmlns:r="http://schemas.openxmlformats.org/officeDocument/2006/relationships" xmlns:p="http://schemas.openxmlformats.org/presentationml/2006/main">
   <p:cSld>
     <p:bg>
@@ -13236,40 +13597,22 @@
             <a:pPr lvl="1"/>
             <a:r>
               <a:rPr lang="en-US" dirty="0"/>
-              <a:t>Low c value</a:t>
-            </a:r>
-          </a:p>
-          <a:p>
-            <a:pPr lvl="2"/>
-            <a:r>
-              <a:rPr lang="en-US" dirty="0"/>
-              <a:t>More regularization</a:t>
-            </a:r>
-          </a:p>
-          <a:p>
-            <a:pPr lvl="2"/>
-            <a:r>
-              <a:rPr lang="en-US" dirty="0"/>
-              <a:t>Each weight is brought closer to zero, which minimizes the importance of each individual feature on the overall label prediction.</a:t>
-            </a:r>
-          </a:p>
-          <a:p>
-            <a:pPr lvl="2"/>
-            <a:r>
-              <a:rPr lang="en-US" dirty="0"/>
-              <a:t>Model stresses generalization, and adjusts to hit the majority of points more than each one</a:t>
-            </a:r>
-          </a:p>
-          <a:p>
-            <a:pPr lvl="3"/>
-            <a:r>
-              <a:rPr lang="en-US" dirty="0"/>
-              <a:t>Too much regularization can cause the model to miss points that are close to both categories.</a:t>
-            </a:r>
-          </a:p>
-          <a:p>
-            <a:pPr lvl="2"/>
-            <a:endParaRPr lang="en-US" dirty="0"/>
+              <a:t>Works similar to other linear regressors, using a linear equation to generate decision boundaries/predict the label of the data point.</a:t>
+            </a:r>
+          </a:p>
+          <a:p>
+            <a:pPr lvl="1"/>
+            <a:r>
+              <a:rPr lang="en-US" dirty="0"/>
+              <a:t>Uses regularization parameter c</a:t>
+            </a:r>
+          </a:p>
+          <a:p>
+            <a:pPr lvl="1"/>
+            <a:r>
+              <a:rPr lang="en-US" dirty="0"/>
+              <a:t>Logistic regression defaults to using L2 regularization, but L1 can be chosen.</a:t>
+            </a:r>
           </a:p>
           <a:p>
             <a:endParaRPr lang="en-US" dirty="0"/>
@@ -13279,134 +13622,7 @@
     </p:spTree>
     <p:extLst>
       <p:ext uri="{BB962C8B-B14F-4D97-AF65-F5344CB8AC3E}">
-        <p14:creationId xmlns:p14="http://schemas.microsoft.com/office/powerpoint/2010/main" val="2903615527"/>
-      </p:ext>
-    </p:extLst>
-  </p:cSld>
-  <p:clrMapOvr>
-    <a:overrideClrMapping bg1="lt1" tx1="dk1" bg2="lt2" tx2="dk2" accent1="accent1" accent2="accent2" accent3="accent3" accent4="accent4" accent5="accent5" accent6="accent6" hlink="hlink" folHlink="folHlink"/>
-  </p:clrMapOvr>
-</p:sld>
-</file>
-
-<file path=ppt/slides/slide46.xml><?xml version="1.0" encoding="utf-8"?>
-<p:sld xmlns:a="http://schemas.openxmlformats.org/drawingml/2006/main" xmlns:r="http://schemas.openxmlformats.org/officeDocument/2006/relationships" xmlns:p="http://schemas.openxmlformats.org/presentationml/2006/main">
-  <p:cSld>
-    <p:bg>
-      <p:bgPr>
-        <a:blipFill dpi="0" rotWithShape="1">
-          <a:blip r:embed="rId3">
-            <a:extLst>
-              <a:ext uri="{BEBA8EAE-BF5A-486C-A8C5-ECC9F3942E4B}">
-                <a14:imgProps xmlns:a14="http://schemas.microsoft.com/office/drawing/2010/main">
-                  <a14:imgLayer r:embed="rId4">
-                    <a14:imgEffect>
-                      <a14:brightnessContrast bright="-50000"/>
-                    </a14:imgEffect>
-                  </a14:imgLayer>
-                </a14:imgProps>
-              </a:ext>
-            </a:extLst>
-          </a:blip>
-          <a:srcRect/>
-          <a:stretch>
-            <a:fillRect l="-10000" r="-10000"/>
-          </a:stretch>
-        </a:blipFill>
-        <a:effectLst/>
-      </p:bgPr>
-    </p:bg>
-    <p:spTree>
-      <p:nvGrpSpPr>
-        <p:cNvPr id="1" name=""/>
-        <p:cNvGrpSpPr/>
-        <p:nvPr/>
-      </p:nvGrpSpPr>
-      <p:grpSpPr>
-        <a:xfrm>
-          <a:off x="0" y="0"/>
-          <a:ext cx="0" cy="0"/>
-          <a:chOff x="0" y="0"/>
-          <a:chExt cx="0" cy="0"/>
-        </a:xfrm>
-      </p:grpSpPr>
-      <p:sp>
-        <p:nvSpPr>
-          <p:cNvPr id="2" name="Title 1"/>
-          <p:cNvSpPr>
-            <a:spLocks noGrp="1"/>
-          </p:cNvSpPr>
-          <p:nvPr>
-            <p:ph type="title"/>
-          </p:nvPr>
-        </p:nvSpPr>
-        <p:spPr/>
-        <p:txBody>
-          <a:bodyPr/>
-          <a:lstStyle/>
-          <a:p>
-            <a:r>
-              <a:rPr lang="en-US" dirty="0"/>
-              <a:t>Linear Models - Classifiers</a:t>
-            </a:r>
-          </a:p>
-        </p:txBody>
-      </p:sp>
-      <p:sp>
-        <p:nvSpPr>
-          <p:cNvPr id="3" name="Content Placeholder 2"/>
-          <p:cNvSpPr>
-            <a:spLocks noGrp="1"/>
-          </p:cNvSpPr>
-          <p:nvPr>
-            <p:ph idx="1"/>
-          </p:nvPr>
-        </p:nvSpPr>
-        <p:spPr/>
-        <p:txBody>
-          <a:bodyPr/>
-          <a:lstStyle/>
-          <a:p>
-            <a:r>
-              <a:rPr lang="en-US" dirty="0"/>
-              <a:t>In-Class Exercise</a:t>
-            </a:r>
-          </a:p>
-          <a:p>
-            <a:pPr lvl="1"/>
-            <a:r>
-              <a:rPr lang="en-US" dirty="0"/>
-              <a:t>Optimize c for logistic regression.</a:t>
-            </a:r>
-          </a:p>
-          <a:p>
-            <a:pPr lvl="2"/>
-            <a:endParaRPr lang="en-US" dirty="0"/>
-          </a:p>
-          <a:p>
-            <a:endParaRPr lang="en-US" dirty="0"/>
-          </a:p>
-          <a:p>
-            <a:pPr lvl="1"/>
-            <a:endParaRPr lang="en-US" dirty="0"/>
-          </a:p>
-          <a:p>
-            <a:pPr lvl="2"/>
-            <a:endParaRPr lang="en-US" dirty="0"/>
-          </a:p>
-          <a:p>
-            <a:pPr lvl="2"/>
-            <a:endParaRPr lang="en-US" dirty="0"/>
-          </a:p>
-          <a:p>
-            <a:endParaRPr lang="en-US" dirty="0"/>
-          </a:p>
-        </p:txBody>
-      </p:sp>
-    </p:spTree>
-    <p:extLst>
-      <p:ext uri="{BB962C8B-B14F-4D97-AF65-F5344CB8AC3E}">
-        <p14:creationId xmlns:p14="http://schemas.microsoft.com/office/powerpoint/2010/main" val="3432284004"/>
+        <p14:creationId xmlns:p14="http://schemas.microsoft.com/office/powerpoint/2010/main" val="578164379"/>
       </p:ext>
     </p:extLst>
   </p:cSld>
@@ -13496,21 +13712,35 @@
           <a:p>
             <a:r>
               <a:rPr lang="en-US" dirty="0"/>
-              <a:t>Support Vector Machine (SVM) Classifiers</a:t>
+              <a:t>Logistic Regression</a:t>
             </a:r>
           </a:p>
           <a:p>
             <a:pPr lvl="1"/>
             <a:r>
               <a:rPr lang="en-US" dirty="0"/>
-              <a:t>Linear</a:t>
-            </a:r>
-          </a:p>
-          <a:p>
-            <a:pPr lvl="1"/>
-            <a:r>
-              <a:rPr lang="en-US" dirty="0"/>
-              <a:t>Kernelized</a:t>
+              <a:t>High c value</a:t>
+            </a:r>
+          </a:p>
+          <a:p>
+            <a:pPr lvl="2"/>
+            <a:r>
+              <a:rPr lang="en-US" dirty="0"/>
+              <a:t>Less regularization</a:t>
+            </a:r>
+          </a:p>
+          <a:p>
+            <a:pPr lvl="2"/>
+            <a:r>
+              <a:rPr lang="en-US" dirty="0"/>
+              <a:t>Model tries to fit training set more closely</a:t>
+            </a:r>
+          </a:p>
+          <a:p>
+            <a:pPr lvl="2"/>
+            <a:r>
+              <a:rPr lang="en-US" dirty="0"/>
+              <a:t>Each feature is stressed in the weighting</a:t>
             </a:r>
           </a:p>
           <a:p>
@@ -13525,7 +13755,7 @@
     </p:spTree>
     <p:extLst>
       <p:ext uri="{BB962C8B-B14F-4D97-AF65-F5344CB8AC3E}">
-        <p14:creationId xmlns:p14="http://schemas.microsoft.com/office/powerpoint/2010/main" val="3528512833"/>
+        <p14:creationId xmlns:p14="http://schemas.microsoft.com/office/powerpoint/2010/main" val="3029351376"/>
       </p:ext>
     </p:extLst>
   </p:cSld>
@@ -13615,12 +13845,43 @@
           <a:p>
             <a:r>
               <a:rPr lang="en-US" dirty="0"/>
-              <a:t>Linear SVM</a:t>
+              <a:t>Logistic Regression</a:t>
             </a:r>
           </a:p>
           <a:p>
             <a:pPr lvl="1"/>
-            <a:endParaRPr lang="en-US" dirty="0"/>
+            <a:r>
+              <a:rPr lang="en-US" dirty="0"/>
+              <a:t>Low c value</a:t>
+            </a:r>
+          </a:p>
+          <a:p>
+            <a:pPr lvl="2"/>
+            <a:r>
+              <a:rPr lang="en-US" dirty="0"/>
+              <a:t>More regularization</a:t>
+            </a:r>
+          </a:p>
+          <a:p>
+            <a:pPr lvl="2"/>
+            <a:r>
+              <a:rPr lang="en-US" dirty="0"/>
+              <a:t>Each weight is brought closer to zero, which minimizes the importance of each individual feature on the overall label prediction.</a:t>
+            </a:r>
+          </a:p>
+          <a:p>
+            <a:pPr lvl="2"/>
+            <a:r>
+              <a:rPr lang="en-US" dirty="0"/>
+              <a:t>Model stresses generalization, and adjusts to hit the majority of points more than each one</a:t>
+            </a:r>
+          </a:p>
+          <a:p>
+            <a:pPr lvl="3"/>
+            <a:r>
+              <a:rPr lang="en-US" dirty="0"/>
+              <a:t>Too much regularization can cause the model to miss points that are close to both categories.</a:t>
+            </a:r>
           </a:p>
           <a:p>
             <a:pPr lvl="2"/>
@@ -13634,7 +13895,7 @@
     </p:spTree>
     <p:extLst>
       <p:ext uri="{BB962C8B-B14F-4D97-AF65-F5344CB8AC3E}">
-        <p14:creationId xmlns:p14="http://schemas.microsoft.com/office/powerpoint/2010/main" val="3971906196"/>
+        <p14:creationId xmlns:p14="http://schemas.microsoft.com/office/powerpoint/2010/main" val="2903615527"/>
       </p:ext>
     </p:extLst>
   </p:cSld>
@@ -13650,11 +13911,11 @@
     <p:bg>
       <p:bgPr>
         <a:blipFill dpi="0" rotWithShape="1">
-          <a:blip r:embed="rId4">
+          <a:blip r:embed="rId3">
             <a:extLst>
               <a:ext uri="{BEBA8EAE-BF5A-486C-A8C5-ECC9F3942E4B}">
                 <a14:imgProps xmlns:a14="http://schemas.microsoft.com/office/drawing/2010/main">
-                  <a14:imgLayer r:embed="rId5">
+                  <a14:imgLayer r:embed="rId4">
                     <a14:imgEffect>
                       <a14:brightnessContrast bright="-50000"/>
                     </a14:imgEffect>
@@ -13724,11 +13985,33 @@
           <a:p>
             <a:r>
               <a:rPr lang="en-US" dirty="0"/>
-              <a:t>Kernelized SVM</a:t>
+              <a:t>In-Class Exercise</a:t>
             </a:r>
           </a:p>
           <a:p>
             <a:pPr lvl="1"/>
+            <a:r>
+              <a:rPr lang="en-US" dirty="0"/>
+              <a:t>Optimize c for logistic regression.</a:t>
+            </a:r>
+          </a:p>
+          <a:p>
+            <a:pPr lvl="2"/>
+            <a:endParaRPr lang="en-US" dirty="0"/>
+          </a:p>
+          <a:p>
+            <a:endParaRPr lang="en-US" dirty="0"/>
+          </a:p>
+          <a:p>
+            <a:pPr lvl="1"/>
+            <a:endParaRPr lang="en-US" dirty="0"/>
+          </a:p>
+          <a:p>
+            <a:pPr lvl="2"/>
+            <a:endParaRPr lang="en-US" dirty="0"/>
+          </a:p>
+          <a:p>
+            <a:pPr lvl="2"/>
             <a:endParaRPr lang="en-US" dirty="0"/>
           </a:p>
           <a:p>
@@ -13739,7 +14022,7 @@
     </p:spTree>
     <p:extLst>
       <p:ext uri="{BB962C8B-B14F-4D97-AF65-F5344CB8AC3E}">
-        <p14:creationId xmlns:p14="http://schemas.microsoft.com/office/powerpoint/2010/main" val="3886706820"/>
+        <p14:creationId xmlns:p14="http://schemas.microsoft.com/office/powerpoint/2010/main" val="3432284004"/>
       </p:ext>
     </p:extLst>
   </p:cSld>
@@ -13943,7 +14226,7 @@
           <a:p>
             <a:r>
               <a:rPr lang="en-US" dirty="0"/>
-              <a:t>Linear Models - Regressors</a:t>
+              <a:t>Linear Models - Classifiers</a:t>
             </a:r>
           </a:p>
         </p:txBody>
@@ -13967,152 +14250,165 @@
           <a:p>
             <a:r>
               <a:rPr lang="en-US" dirty="0"/>
-              <a:t>Regressors</a:t>
+              <a:t>Regularization</a:t>
             </a:r>
           </a:p>
           <a:p>
             <a:pPr lvl="1"/>
             <a:r>
               <a:rPr lang="en-US" dirty="0"/>
-              <a:t>Tries to predict as close to a value as possible.</a:t>
+              <a:t>Linear models use a cost function to determine weight of each feature.</a:t>
             </a:r>
           </a:p>
           <a:p>
             <a:pPr lvl="1"/>
             <a:r>
               <a:rPr lang="en-US" dirty="0"/>
-              <a:t>Creates a linear equation to predict outcomes:</a:t>
+              <a:t>A general cost function may look something like the following:</a:t>
             </a:r>
           </a:p>
           <a:p>
             <a:pPr lvl="2"/>
+            <a:r>
+              <a:rPr lang="en-US" dirty="0"/>
+              <a:t>Cost = 1/n*[(Ŷ</a:t>
+            </a:r>
+            <a:r>
+              <a:rPr lang="en-US" baseline="-25000" dirty="0"/>
+              <a:t>1</a:t>
+            </a:r>
+            <a:r>
+              <a:rPr lang="en-US" dirty="0"/>
+              <a:t>*Y</a:t>
+            </a:r>
+            <a:r>
+              <a:rPr lang="en-US" baseline="-25000" dirty="0"/>
+              <a:t>1</a:t>
+            </a:r>
+            <a:r>
+              <a:rPr lang="en-US" dirty="0"/>
+              <a:t>)</a:t>
+            </a:r>
+            <a:r>
+              <a:rPr lang="en-US" baseline="30000" dirty="0"/>
+              <a:t>2</a:t>
+            </a:r>
+            <a:r>
+              <a:rPr lang="en-US" dirty="0"/>
+              <a:t> + (Ŷ</a:t>
+            </a:r>
+            <a:r>
+              <a:rPr lang="en-US" baseline="-25000" dirty="0"/>
+              <a:t>2</a:t>
+            </a:r>
+            <a:r>
+              <a:rPr lang="en-US" dirty="0"/>
+              <a:t>*Y</a:t>
+            </a:r>
+            <a:r>
+              <a:rPr lang="en-US" baseline="-25000" dirty="0"/>
+              <a:t>2</a:t>
+            </a:r>
+            <a:r>
+              <a:rPr lang="en-US" dirty="0"/>
+              <a:t>)</a:t>
+            </a:r>
+            <a:r>
+              <a:rPr lang="en-US" baseline="30000" dirty="0"/>
+              <a:t>2</a:t>
+            </a:r>
+            <a:r>
+              <a:rPr lang="en-US" dirty="0"/>
+              <a:t> + (Ŷ</a:t>
+            </a:r>
+            <a:r>
+              <a:rPr lang="en-US" baseline="-25000" dirty="0"/>
+              <a:t>3</a:t>
+            </a:r>
+            <a:r>
+              <a:rPr lang="en-US" dirty="0"/>
+              <a:t>*Y</a:t>
+            </a:r>
+            <a:r>
+              <a:rPr lang="en-US" baseline="-25000" dirty="0"/>
+              <a:t>3</a:t>
+            </a:r>
+            <a:r>
+              <a:rPr lang="en-US" dirty="0"/>
+              <a:t>)</a:t>
+            </a:r>
+            <a:r>
+              <a:rPr lang="en-US" baseline="30000" dirty="0"/>
+              <a:t>2</a:t>
+            </a:r>
+            <a:r>
+              <a:rPr lang="en-US" dirty="0"/>
+              <a:t> + … + (</a:t>
+            </a:r>
+            <a:r>
+              <a:rPr lang="en-US" dirty="0" err="1"/>
+              <a:t>Ŷ</a:t>
+            </a:r>
+            <a:r>
+              <a:rPr lang="en-US" baseline="-25000" dirty="0" err="1"/>
+              <a:t>n</a:t>
+            </a:r>
+            <a:r>
+              <a:rPr lang="en-US" dirty="0"/>
+              <a:t>*</a:t>
+            </a:r>
             <a:r>
               <a:rPr lang="en-US" dirty="0" err="1"/>
               <a:t>Y</a:t>
             </a:r>
             <a:r>
               <a:rPr lang="en-US" baseline="-25000" dirty="0" err="1"/>
-              <a:t>predict</a:t>
-            </a:r>
-            <a:r>
-              <a:rPr lang="en-US" dirty="0"/>
-              <a:t> = w</a:t>
-            </a:r>
-            <a:r>
-              <a:rPr lang="en-US" baseline="-25000" dirty="0"/>
-              <a:t>1</a:t>
-            </a:r>
-            <a:r>
-              <a:rPr lang="en-US" dirty="0"/>
-              <a:t>*f</a:t>
-            </a:r>
-            <a:r>
-              <a:rPr lang="en-US" baseline="-25000" dirty="0"/>
-              <a:t>1</a:t>
-            </a:r>
-            <a:r>
-              <a:rPr lang="en-US" dirty="0"/>
-              <a:t> + w</a:t>
-            </a:r>
-            <a:r>
-              <a:rPr lang="en-US" baseline="-25000" dirty="0"/>
+              <a:t>n</a:t>
+            </a:r>
+            <a:r>
+              <a:rPr lang="en-US" dirty="0"/>
+              <a:t>)</a:t>
+            </a:r>
+            <a:r>
+              <a:rPr lang="en-US" baseline="30000" dirty="0"/>
               <a:t>2</a:t>
             </a:r>
             <a:r>
               <a:rPr lang="en-US" dirty="0"/>
-              <a:t>*f</a:t>
-            </a:r>
-            <a:r>
-              <a:rPr lang="en-US" baseline="-25000" dirty="0"/>
-              <a:t>2</a:t>
-            </a:r>
-            <a:r>
-              <a:rPr lang="en-US" dirty="0"/>
-              <a:t> + w</a:t>
-            </a:r>
-            <a:r>
-              <a:rPr lang="en-US" baseline="-25000" dirty="0"/>
-              <a:t>3</a:t>
-            </a:r>
-            <a:r>
-              <a:rPr lang="en-US" dirty="0"/>
-              <a:t>*f</a:t>
-            </a:r>
-            <a:r>
-              <a:rPr lang="en-US" baseline="-25000" dirty="0"/>
-              <a:t>3</a:t>
-            </a:r>
-            <a:r>
-              <a:rPr lang="en-US" dirty="0"/>
-              <a:t> + … + </a:t>
-            </a:r>
-            <a:r>
-              <a:rPr lang="en-US" dirty="0" err="1"/>
-              <a:t>w</a:t>
-            </a:r>
-            <a:r>
-              <a:rPr lang="en-US" baseline="-25000" dirty="0" err="1"/>
-              <a:t>n</a:t>
-            </a:r>
-            <a:r>
-              <a:rPr lang="en-US" dirty="0"/>
-              <a:t>*</a:t>
-            </a:r>
-            <a:r>
-              <a:rPr lang="en-US" dirty="0" err="1"/>
-              <a:t>f</a:t>
-            </a:r>
-            <a:r>
-              <a:rPr lang="en-US" baseline="-25000" dirty="0" err="1"/>
-              <a:t>n</a:t>
-            </a:r>
-            <a:r>
-              <a:rPr lang="en-US" dirty="0"/>
-              <a:t> + b</a:t>
+              <a:t>]</a:t>
             </a:r>
           </a:p>
           <a:p>
             <a:pPr lvl="3"/>
             <a:r>
-              <a:rPr lang="en-US" dirty="0" err="1"/>
-              <a:t>Y</a:t>
-            </a:r>
-            <a:r>
-              <a:rPr lang="en-US" baseline="-25000" dirty="0" err="1"/>
-              <a:t>predict</a:t>
-            </a:r>
-            <a:r>
-              <a:rPr lang="en-US" dirty="0"/>
-              <a:t> = prediction value</a:t>
+              <a:rPr lang="en-US" dirty="0"/>
+              <a:t>Ŷ = predicted label</a:t>
             </a:r>
           </a:p>
           <a:p>
             <a:pPr lvl="3"/>
             <a:r>
               <a:rPr lang="en-US" dirty="0"/>
-              <a:t>w = weights</a:t>
+              <a:t>Y = actual label</a:t>
             </a:r>
           </a:p>
           <a:p>
             <a:pPr lvl="3"/>
             <a:r>
               <a:rPr lang="en-US" dirty="0"/>
-              <a:t>f = feature value</a:t>
-            </a:r>
-          </a:p>
-          <a:p>
-            <a:pPr lvl="3"/>
-            <a:r>
-              <a:rPr lang="en-US" dirty="0"/>
-              <a:t>b = intercept of linear line</a:t>
-            </a:r>
-          </a:p>
-          <a:p>
-            <a:pPr lvl="3"/>
-            <a:r>
-              <a:rPr lang="en-US" dirty="0"/>
-              <a:t>n = number of features</a:t>
-            </a:r>
+              <a:t>n = number of samples</a:t>
+            </a:r>
+          </a:p>
+          <a:p>
+            <a:endParaRPr lang="en-US" dirty="0"/>
+          </a:p>
+          <a:p>
+            <a:pPr lvl="1"/>
+            <a:endParaRPr lang="en-US" dirty="0"/>
+          </a:p>
+          <a:p>
+            <a:pPr lvl="2"/>
+            <a:endParaRPr lang="en-US" dirty="0"/>
           </a:p>
           <a:p>
             <a:pPr lvl="2"/>
@@ -14126,7 +14422,7 @@
     </p:spTree>
     <p:extLst>
       <p:ext uri="{BB962C8B-B14F-4D97-AF65-F5344CB8AC3E}">
-        <p14:creationId xmlns:p14="http://schemas.microsoft.com/office/powerpoint/2010/main" val="1469044682"/>
+        <p14:creationId xmlns:p14="http://schemas.microsoft.com/office/powerpoint/2010/main" val="2772722893"/>
       </p:ext>
     </p:extLst>
   </p:cSld>
@@ -14194,7 +14490,7 @@
           <a:p>
             <a:r>
               <a:rPr lang="en-US" dirty="0"/>
-              <a:t>Linear Models - Regressors</a:t>
+              <a:t>Linear Models - Classifiers</a:t>
             </a:r>
           </a:p>
         </p:txBody>
@@ -14212,55 +14508,67 @@
         <p:spPr/>
         <p:txBody>
           <a:bodyPr>
-            <a:normAutofit/>
+            <a:normAutofit lnSpcReduction="10000"/>
           </a:bodyPr>
           <a:lstStyle/>
           <a:p>
             <a:r>
               <a:rPr lang="en-US" dirty="0"/>
-              <a:t>Regressors</a:t>
+              <a:t>Regularization</a:t>
             </a:r>
           </a:p>
           <a:p>
             <a:pPr lvl="1"/>
             <a:r>
               <a:rPr lang="en-US" dirty="0"/>
-              <a:t>The models we train adjust the values of </a:t>
-            </a:r>
-            <a:r>
-              <a:rPr lang="en-US" dirty="0" err="1"/>
-              <a:t>w</a:t>
-            </a:r>
-            <a:r>
-              <a:rPr lang="en-US" baseline="-25000" dirty="0" err="1"/>
-              <a:t>x</a:t>
-            </a:r>
-            <a:r>
-              <a:rPr lang="en-US" dirty="0"/>
-              <a:t> and b.</a:t>
-            </a:r>
-            <a:endParaRPr lang="en-US" baseline="-25000" dirty="0"/>
+              <a:t>This cost function is used to calculate the weight</a:t>
+            </a:r>
+          </a:p>
+          <a:p>
+            <a:pPr lvl="2"/>
+            <a:r>
+              <a:rPr lang="en-US" dirty="0"/>
+              <a:t>Our machine learning model will use specific parameters, along with adjusting the weights of each feature, to minimize the cost function.</a:t>
+            </a:r>
+          </a:p>
+          <a:p>
+            <a:pPr lvl="3"/>
+            <a:r>
+              <a:rPr lang="en-US" dirty="0"/>
+              <a:t>Learning rate</a:t>
+            </a:r>
+          </a:p>
+          <a:p>
+            <a:pPr lvl="3"/>
+            <a:r>
+              <a:rPr lang="en-US" dirty="0"/>
+              <a:t>Predicted outcomes/labels</a:t>
+            </a:r>
+          </a:p>
+          <a:p>
+            <a:pPr lvl="3"/>
+            <a:r>
+              <a:rPr lang="en-US" dirty="0"/>
+              <a:t>Actual outcomes/labels</a:t>
+            </a:r>
+          </a:p>
+          <a:p>
+            <a:pPr lvl="2"/>
+            <a:r>
+              <a:rPr lang="en-US" dirty="0"/>
+              <a:t>Once the cost function is minimized, the feature weights have been determined and our model is trained.</a:t>
+            </a:r>
+          </a:p>
+          <a:p>
+            <a:endParaRPr lang="en-US" dirty="0"/>
           </a:p>
           <a:p>
             <a:pPr lvl="1"/>
-            <a:r>
-              <a:rPr lang="en-US" dirty="0"/>
-              <a:t>Examples:</a:t>
-            </a:r>
+            <a:endParaRPr lang="en-US" dirty="0"/>
           </a:p>
           <a:p>
             <a:pPr lvl="2"/>
-            <a:r>
-              <a:rPr lang="en-US" dirty="0"/>
-              <a:t>Trying to predict median household income of an area.</a:t>
-            </a:r>
-          </a:p>
-          <a:p>
-            <a:pPr lvl="2"/>
-            <a:r>
-              <a:rPr lang="en-US" dirty="0"/>
-              <a:t>Trying to predict the value a stock will rise to.</a:t>
-            </a:r>
+            <a:endParaRPr lang="en-US" dirty="0"/>
           </a:p>
           <a:p>
             <a:pPr lvl="2"/>
@@ -14274,7 +14582,7 @@
     </p:spTree>
     <p:extLst>
       <p:ext uri="{BB962C8B-B14F-4D97-AF65-F5344CB8AC3E}">
-        <p14:creationId xmlns:p14="http://schemas.microsoft.com/office/powerpoint/2010/main" val="3393903202"/>
+        <p14:creationId xmlns:p14="http://schemas.microsoft.com/office/powerpoint/2010/main" val="312683374"/>
       </p:ext>
     </p:extLst>
   </p:cSld>
@@ -14342,7 +14650,7 @@
           <a:p>
             <a:r>
               <a:rPr lang="en-US" dirty="0"/>
-              <a:t>Linear Models - Regressors</a:t>
+              <a:t>Linear Models - Classifiers</a:t>
             </a:r>
           </a:p>
         </p:txBody>
@@ -14359,27 +14667,176 @@
         </p:nvSpPr>
         <p:spPr/>
         <p:txBody>
-          <a:bodyPr/>
-          <a:lstStyle/>
-          <a:p>
-            <a:r>
-              <a:rPr lang="en-US" dirty="0"/>
-              <a:t>K-Nearest Neighbors Regression</a:t>
+          <a:bodyPr>
+            <a:normAutofit/>
+          </a:bodyPr>
+          <a:lstStyle/>
+          <a:p>
+            <a:r>
+              <a:rPr lang="en-US" dirty="0"/>
+              <a:t>Regularization</a:t>
             </a:r>
           </a:p>
           <a:p>
             <a:pPr lvl="1"/>
             <a:r>
               <a:rPr lang="en-US" dirty="0"/>
-              <a:t>Similar to the classifier, the regressor picks the value that is closest to the most similar neighbor.</a:t>
-            </a:r>
+              <a:t>Regularization adds an additional r penalty to the cost function, driving the weights closer to 0.</a:t>
+            </a:r>
+          </a:p>
+          <a:p>
+            <a:pPr lvl="2"/>
+            <a:r>
+              <a:rPr lang="en-US" dirty="0"/>
+              <a:t>Cost = 1/n*[(Ŷ</a:t>
+            </a:r>
+            <a:r>
+              <a:rPr lang="en-US" baseline="-25000" dirty="0"/>
+              <a:t>1</a:t>
+            </a:r>
+            <a:r>
+              <a:rPr lang="en-US" dirty="0"/>
+              <a:t>*Y</a:t>
+            </a:r>
+            <a:r>
+              <a:rPr lang="en-US" baseline="-25000" dirty="0"/>
+              <a:t>1</a:t>
+            </a:r>
+            <a:r>
+              <a:rPr lang="en-US" dirty="0"/>
+              <a:t>)</a:t>
+            </a:r>
+            <a:r>
+              <a:rPr lang="en-US" baseline="30000" dirty="0"/>
+              <a:t>2</a:t>
+            </a:r>
+            <a:r>
+              <a:rPr lang="en-US" dirty="0"/>
+              <a:t> + (Ŷ</a:t>
+            </a:r>
+            <a:r>
+              <a:rPr lang="en-US" baseline="-25000" dirty="0"/>
+              <a:t>2</a:t>
+            </a:r>
+            <a:r>
+              <a:rPr lang="en-US" dirty="0"/>
+              <a:t>*Y</a:t>
+            </a:r>
+            <a:r>
+              <a:rPr lang="en-US" baseline="-25000" dirty="0"/>
+              <a:t>2</a:t>
+            </a:r>
+            <a:r>
+              <a:rPr lang="en-US" dirty="0"/>
+              <a:t>)</a:t>
+            </a:r>
+            <a:r>
+              <a:rPr lang="en-US" baseline="30000" dirty="0"/>
+              <a:t>2</a:t>
+            </a:r>
+            <a:r>
+              <a:rPr lang="en-US" dirty="0"/>
+              <a:t> + (Ŷ</a:t>
+            </a:r>
+            <a:r>
+              <a:rPr lang="en-US" baseline="-25000" dirty="0"/>
+              <a:t>3</a:t>
+            </a:r>
+            <a:r>
+              <a:rPr lang="en-US" dirty="0"/>
+              <a:t>*Y</a:t>
+            </a:r>
+            <a:r>
+              <a:rPr lang="en-US" baseline="-25000" dirty="0"/>
+              <a:t>3</a:t>
+            </a:r>
+            <a:r>
+              <a:rPr lang="en-US" dirty="0"/>
+              <a:t>)</a:t>
+            </a:r>
+            <a:r>
+              <a:rPr lang="en-US" baseline="30000" dirty="0"/>
+              <a:t>2</a:t>
+            </a:r>
+            <a:r>
+              <a:rPr lang="en-US" dirty="0"/>
+              <a:t> + … + (</a:t>
+            </a:r>
+            <a:r>
+              <a:rPr lang="en-US" dirty="0" err="1"/>
+              <a:t>Ŷ</a:t>
+            </a:r>
+            <a:r>
+              <a:rPr lang="en-US" baseline="-25000" dirty="0" err="1"/>
+              <a:t>n</a:t>
+            </a:r>
+            <a:r>
+              <a:rPr lang="en-US" dirty="0"/>
+              <a:t>*</a:t>
+            </a:r>
+            <a:r>
+              <a:rPr lang="en-US" dirty="0" err="1"/>
+              <a:t>Y</a:t>
+            </a:r>
+            <a:r>
+              <a:rPr lang="en-US" baseline="-25000" dirty="0" err="1"/>
+              <a:t>n</a:t>
+            </a:r>
+            <a:r>
+              <a:rPr lang="en-US" dirty="0"/>
+              <a:t>)</a:t>
+            </a:r>
+            <a:r>
+              <a:rPr lang="en-US" baseline="30000" dirty="0"/>
+              <a:t>2</a:t>
+            </a:r>
+            <a:r>
+              <a:rPr lang="en-US" dirty="0"/>
+              <a:t>] + r</a:t>
+            </a:r>
+          </a:p>
+          <a:p>
+            <a:pPr lvl="3"/>
+            <a:r>
+              <a:rPr lang="en-US" dirty="0"/>
+              <a:t>Ŷ = predicted label</a:t>
+            </a:r>
+          </a:p>
+          <a:p>
+            <a:pPr lvl="3"/>
+            <a:r>
+              <a:rPr lang="en-US" dirty="0"/>
+              <a:t>Y = actual label</a:t>
+            </a:r>
+          </a:p>
+          <a:p>
+            <a:pPr lvl="3"/>
+            <a:r>
+              <a:rPr lang="en-US" dirty="0"/>
+              <a:t>n = number of samples</a:t>
+            </a:r>
+          </a:p>
+          <a:p>
+            <a:pPr lvl="3"/>
+            <a:r>
+              <a:rPr lang="en-US" dirty="0"/>
+              <a:t>r = regularization penalty to cost function</a:t>
+            </a:r>
+          </a:p>
+          <a:p>
+            <a:pPr lvl="2"/>
+            <a:endParaRPr lang="en-US" dirty="0"/>
+          </a:p>
+          <a:p>
+            <a:endParaRPr lang="en-US" dirty="0"/>
           </a:p>
           <a:p>
             <a:pPr lvl="1"/>
-            <a:r>
-              <a:rPr lang="en-US" dirty="0"/>
-              <a:t>Multiple neighbors are averaged together.</a:t>
-            </a:r>
+            <a:endParaRPr lang="en-US" dirty="0"/>
+          </a:p>
+          <a:p>
+            <a:pPr lvl="2"/>
+            <a:endParaRPr lang="en-US" dirty="0"/>
           </a:p>
           <a:p>
             <a:pPr lvl="2"/>
@@ -14393,7 +14850,7 @@
     </p:spTree>
     <p:extLst>
       <p:ext uri="{BB962C8B-B14F-4D97-AF65-F5344CB8AC3E}">
-        <p14:creationId xmlns:p14="http://schemas.microsoft.com/office/powerpoint/2010/main" val="3048577779"/>
+        <p14:creationId xmlns:p14="http://schemas.microsoft.com/office/powerpoint/2010/main" val="4137730363"/>
       </p:ext>
     </p:extLst>
   </p:cSld>
@@ -14461,61 +14918,155 @@
           <a:p>
             <a:r>
               <a:rPr lang="en-US" dirty="0"/>
-              <a:t>Linear Models - Regressors</a:t>
-            </a:r>
-          </a:p>
-        </p:txBody>
-      </p:sp>
-      <p:sp>
-        <p:nvSpPr>
-          <p:cNvPr id="3" name="Content Placeholder 2"/>
-          <p:cNvSpPr>
-            <a:spLocks noGrp="1"/>
-          </p:cNvSpPr>
-          <p:nvPr>
-            <p:ph idx="1"/>
-          </p:nvPr>
-        </p:nvSpPr>
-        <p:spPr/>
-        <p:txBody>
-          <a:bodyPr/>
-          <a:lstStyle/>
-          <a:p>
-            <a:r>
-              <a:rPr lang="en-US" dirty="0"/>
-              <a:t>Linear Regression (Ordinary Least Squares)</a:t>
-            </a:r>
-          </a:p>
-          <a:p>
-            <a:pPr lvl="1"/>
-            <a:r>
-              <a:rPr lang="en-US" dirty="0"/>
-              <a:t>Attempts to minimize the mean squared error between the prediction and the target values.</a:t>
-            </a:r>
-          </a:p>
-          <a:p>
-            <a:pPr lvl="1"/>
-            <a:r>
-              <a:rPr lang="en-US" dirty="0"/>
-              <a:t>The error of this trainer is calculated by adding the squared differences between the predicted value with the actual target value.</a:t>
-            </a:r>
-          </a:p>
-          <a:p>
-            <a:pPr lvl="1"/>
-            <a:r>
-              <a:rPr lang="en-US" dirty="0"/>
-              <a:t>No regularization parameters to adjust the accuracy of this trainer</a:t>
-            </a:r>
-          </a:p>
-          <a:p>
-            <a:endParaRPr lang="en-US" dirty="0"/>
-          </a:p>
-        </p:txBody>
-      </p:sp>
+              <a:t>Linear Models - Classifiers</a:t>
+            </a:r>
+          </a:p>
+        </p:txBody>
+      </p:sp>
+      <mc:AlternateContent xmlns:mc="http://schemas.openxmlformats.org/markup-compatibility/2006">
+        <mc:Choice xmlns:a14="http://schemas.microsoft.com/office/drawing/2010/main" Requires="a14">
+          <p:sp>
+            <p:nvSpPr>
+              <p:cNvPr id="3" name="Content Placeholder 2"/>
+              <p:cNvSpPr>
+                <a:spLocks noGrp="1"/>
+              </p:cNvSpPr>
+              <p:nvPr>
+                <p:ph idx="1"/>
+              </p:nvPr>
+            </p:nvSpPr>
+            <p:spPr/>
+            <p:txBody>
+              <a:bodyPr>
+                <a:normAutofit/>
+              </a:bodyPr>
+              <a:lstStyle/>
+              <a:p>
+                <a:r>
+                  <a:rPr lang="en-US" dirty="0"/>
+                  <a:t>Regularization</a:t>
+                </a:r>
+              </a:p>
+              <a:p>
+                <a:pPr lvl="1"/>
+                <a:r>
+                  <a:rPr lang="en-US" dirty="0"/>
+                  <a:t>L1 Regularization</a:t>
+                </a:r>
+              </a:p>
+              <a:p>
+                <a:pPr lvl="2"/>
+                <a:r>
+                  <a:rPr lang="en-US" dirty="0"/>
+                  <a:t>r = a</a:t>
+                </a:r>
+                <a14:m>
+                  <m:oMath xmlns:m="http://schemas.openxmlformats.org/officeDocument/2006/math">
+                    <m:r>
+                      <a:rPr lang="en-US" b="0" i="0" dirty="0" smtClean="0">
+                        <a:latin typeface="Cambria Math" panose="02040503050406030204" pitchFamily="18" charset="0"/>
+                      </a:rPr>
+                      <m:t>∗</m:t>
+                    </m:r>
+                    <m:nary>
+                      <m:naryPr>
+                        <m:chr m:val="∑"/>
+                        <m:subHide m:val="on"/>
+                        <m:supHide m:val="on"/>
+                        <m:ctrlPr>
+                          <a:rPr lang="en-US" i="1" dirty="0" smtClean="0">
+                            <a:latin typeface="Cambria Math" panose="02040503050406030204" pitchFamily="18" charset="0"/>
+                          </a:rPr>
+                        </m:ctrlPr>
+                      </m:naryPr>
+                      <m:sub/>
+                      <m:sup/>
+                      <m:e>
+                        <m:r>
+                          <a:rPr lang="en-US" b="0" i="1" dirty="0" smtClean="0">
+                            <a:latin typeface="Cambria Math" panose="02040503050406030204" pitchFamily="18" charset="0"/>
+                          </a:rPr>
+                          <m:t>𝑤</m:t>
+                        </m:r>
+                      </m:e>
+                    </m:nary>
+                  </m:oMath>
+                </a14:m>
+                <a:endParaRPr lang="en-US" dirty="0"/>
+              </a:p>
+              <a:p>
+                <a:pPr lvl="3"/>
+                <a:r>
+                  <a:rPr lang="en-US" dirty="0"/>
+                  <a:t>a is a hyperparameter used to adjust how fast the weights change (in the case of logistic regression, this is the c parameter)</a:t>
+                </a:r>
+              </a:p>
+              <a:p>
+                <a:pPr lvl="3"/>
+                <a:r>
+                  <a:rPr lang="en-US" dirty="0"/>
+                  <a:t>w is the weight of a feature</a:t>
+                </a:r>
+              </a:p>
+              <a:p>
+                <a:pPr lvl="2"/>
+                <a:r>
+                  <a:rPr lang="en-US" dirty="0"/>
+                  <a:t>Can cause the weights for features to go to 0</a:t>
+                </a:r>
+              </a:p>
+              <a:p>
+                <a:pPr lvl="2"/>
+                <a:endParaRPr lang="en-US" dirty="0"/>
+              </a:p>
+              <a:p>
+                <a:pPr lvl="2"/>
+                <a:endParaRPr lang="en-US" dirty="0"/>
+              </a:p>
+              <a:p>
+                <a:endParaRPr lang="en-US" dirty="0"/>
+              </a:p>
+            </p:txBody>
+          </p:sp>
+        </mc:Choice>
+        <mc:Fallback>
+          <p:sp>
+            <p:nvSpPr>
+              <p:cNvPr id="3" name="Content Placeholder 2"/>
+              <p:cNvSpPr>
+                <a:spLocks noGrp="1" noRot="1" noChangeAspect="1" noMove="1" noResize="1" noEditPoints="1" noAdjustHandles="1" noChangeArrowheads="1" noChangeShapeType="1" noTextEdit="1"/>
+              </p:cNvSpPr>
+              <p:nvPr>
+                <p:ph idx="1"/>
+              </p:nvPr>
+            </p:nvSpPr>
+            <p:spPr>
+              <a:blipFill>
+                <a:blip r:embed="rId5"/>
+                <a:stretch>
+                  <a:fillRect l="-1704" t="-1752"/>
+                </a:stretch>
+              </a:blipFill>
+            </p:spPr>
+            <p:txBody>
+              <a:bodyPr/>
+              <a:lstStyle/>
+              <a:p>
+                <a:r>
+                  <a:rPr lang="en-US">
+                    <a:noFill/>
+                  </a:rPr>
+                  <a:t> </a:t>
+                </a:r>
+              </a:p>
+            </p:txBody>
+          </p:sp>
+        </mc:Fallback>
+      </mc:AlternateContent>
     </p:spTree>
     <p:extLst>
       <p:ext uri="{BB962C8B-B14F-4D97-AF65-F5344CB8AC3E}">
-        <p14:creationId xmlns:p14="http://schemas.microsoft.com/office/powerpoint/2010/main" val="2836403428"/>
+        <p14:creationId xmlns:p14="http://schemas.microsoft.com/office/powerpoint/2010/main" val="4168999125"/>
       </p:ext>
     </p:extLst>
   </p:cSld>
@@ -14583,63 +15134,163 @@
           <a:p>
             <a:r>
               <a:rPr lang="en-US" dirty="0"/>
-              <a:t>Linear Models - Regressors</a:t>
-            </a:r>
-          </a:p>
-        </p:txBody>
-      </p:sp>
-      <p:sp>
-        <p:nvSpPr>
-          <p:cNvPr id="3" name="Content Placeholder 2"/>
-          <p:cNvSpPr>
-            <a:spLocks noGrp="1"/>
-          </p:cNvSpPr>
-          <p:nvPr>
-            <p:ph idx="1"/>
-          </p:nvPr>
-        </p:nvSpPr>
-        <p:spPr/>
-        <p:txBody>
-          <a:bodyPr/>
-          <a:lstStyle/>
-          <a:p>
-            <a:r>
-              <a:rPr lang="en-US" dirty="0"/>
-              <a:t>In-Class Example – Linear Regression</a:t>
-            </a:r>
-          </a:p>
-          <a:p>
-            <a:pPr lvl="1"/>
-            <a:endParaRPr lang="en-US" dirty="0"/>
-          </a:p>
-          <a:p>
-            <a:pPr lvl="2"/>
-            <a:endParaRPr lang="en-US" dirty="0"/>
-          </a:p>
-          <a:p>
-            <a:endParaRPr lang="en-US" dirty="0"/>
-          </a:p>
-          <a:p>
-            <a:pPr lvl="1"/>
-            <a:endParaRPr lang="en-US" dirty="0"/>
-          </a:p>
-          <a:p>
-            <a:pPr lvl="2"/>
-            <a:endParaRPr lang="en-US" dirty="0"/>
-          </a:p>
-          <a:p>
-            <a:pPr lvl="2"/>
-            <a:endParaRPr lang="en-US" dirty="0"/>
-          </a:p>
-          <a:p>
-            <a:endParaRPr lang="en-US" dirty="0"/>
-          </a:p>
-        </p:txBody>
-      </p:sp>
+              <a:t>Linear Models - Classifiers</a:t>
+            </a:r>
+          </a:p>
+        </p:txBody>
+      </p:sp>
+      <mc:AlternateContent xmlns:mc="http://schemas.openxmlformats.org/markup-compatibility/2006">
+        <mc:Choice xmlns:a14="http://schemas.microsoft.com/office/drawing/2010/main" Requires="a14">
+          <p:sp>
+            <p:nvSpPr>
+              <p:cNvPr id="3" name="Content Placeholder 2"/>
+              <p:cNvSpPr>
+                <a:spLocks noGrp="1"/>
+              </p:cNvSpPr>
+              <p:nvPr>
+                <p:ph idx="1"/>
+              </p:nvPr>
+            </p:nvSpPr>
+            <p:spPr/>
+            <p:txBody>
+              <a:bodyPr>
+                <a:normAutofit/>
+              </a:bodyPr>
+              <a:lstStyle/>
+              <a:p>
+                <a:r>
+                  <a:rPr lang="en-US" dirty="0"/>
+                  <a:t>Regularization</a:t>
+                </a:r>
+              </a:p>
+              <a:p>
+                <a:pPr lvl="1"/>
+                <a:r>
+                  <a:rPr lang="en-US" dirty="0"/>
+                  <a:t>L2 Regularization:</a:t>
+                </a:r>
+              </a:p>
+              <a:p>
+                <a:pPr lvl="2"/>
+                <a:r>
+                  <a:rPr lang="en-US" dirty="0"/>
+                  <a:t>r = a</a:t>
+                </a:r>
+                <a14:m>
+                  <m:oMath xmlns:m="http://schemas.openxmlformats.org/officeDocument/2006/math">
+                    <m:r>
+                      <a:rPr lang="en-US" b="0" i="0" dirty="0" smtClean="0">
+                        <a:latin typeface="Cambria Math" panose="02040503050406030204" pitchFamily="18" charset="0"/>
+                      </a:rPr>
+                      <m:t>∗</m:t>
+                    </m:r>
+                    <m:nary>
+                      <m:naryPr>
+                        <m:chr m:val="∑"/>
+                        <m:subHide m:val="on"/>
+                        <m:supHide m:val="on"/>
+                        <m:ctrlPr>
+                          <a:rPr lang="en-US" i="1" dirty="0" smtClean="0">
+                            <a:latin typeface="Cambria Math" panose="02040503050406030204" pitchFamily="18" charset="0"/>
+                          </a:rPr>
+                        </m:ctrlPr>
+                      </m:naryPr>
+                      <m:sub/>
+                      <m:sup/>
+                      <m:e>
+                        <m:r>
+                          <a:rPr lang="en-US" b="0" i="1" dirty="0" smtClean="0">
+                            <a:latin typeface="Cambria Math" panose="02040503050406030204" pitchFamily="18" charset="0"/>
+                          </a:rPr>
+                          <m:t>𝑤</m:t>
+                        </m:r>
+                      </m:e>
+                    </m:nary>
+                  </m:oMath>
+                </a14:m>
+                <a:r>
+                  <a:rPr lang="en-US" baseline="30000" dirty="0"/>
+                  <a:t>2</a:t>
+                </a:r>
+              </a:p>
+              <a:p>
+                <a:pPr lvl="3"/>
+                <a:r>
+                  <a:rPr lang="en-US" dirty="0"/>
+                  <a:t>a is a hyperparameter used to adjust how fast the weights change (in the case of logistic regression, this is the c parameter)</a:t>
+                </a:r>
+              </a:p>
+              <a:p>
+                <a:pPr lvl="3"/>
+                <a:r>
+                  <a:rPr lang="en-US" dirty="0"/>
+                  <a:t>w is the weight of a feature</a:t>
+                </a:r>
+                <a:endParaRPr lang="en-US" baseline="30000" dirty="0"/>
+              </a:p>
+              <a:p>
+                <a:pPr lvl="2"/>
+                <a:r>
+                  <a:rPr lang="en-US" dirty="0"/>
+                  <a:t>Weights for features cannot go to zero, but can get as close as needed</a:t>
+                </a:r>
+              </a:p>
+              <a:p>
+                <a:pPr lvl="1"/>
+                <a:endParaRPr lang="en-US" dirty="0"/>
+              </a:p>
+              <a:p>
+                <a:pPr lvl="2"/>
+                <a:endParaRPr lang="en-US" dirty="0"/>
+              </a:p>
+              <a:p>
+                <a:pPr lvl="2"/>
+                <a:endParaRPr lang="en-US" dirty="0"/>
+              </a:p>
+              <a:p>
+                <a:endParaRPr lang="en-US" dirty="0"/>
+              </a:p>
+            </p:txBody>
+          </p:sp>
+        </mc:Choice>
+        <mc:Fallback>
+          <p:sp>
+            <p:nvSpPr>
+              <p:cNvPr id="3" name="Content Placeholder 2"/>
+              <p:cNvSpPr>
+                <a:spLocks noGrp="1" noRot="1" noChangeAspect="1" noMove="1" noResize="1" noEditPoints="1" noAdjustHandles="1" noChangeArrowheads="1" noChangeShapeType="1" noTextEdit="1"/>
+              </p:cNvSpPr>
+              <p:nvPr>
+                <p:ph idx="1"/>
+              </p:nvPr>
+            </p:nvSpPr>
+            <p:spPr>
+              <a:blipFill>
+                <a:blip r:embed="rId5"/>
+                <a:stretch>
+                  <a:fillRect l="-1704" t="-1752"/>
+                </a:stretch>
+              </a:blipFill>
+            </p:spPr>
+            <p:txBody>
+              <a:bodyPr/>
+              <a:lstStyle/>
+              <a:p>
+                <a:r>
+                  <a:rPr lang="en-US">
+                    <a:noFill/>
+                  </a:rPr>
+                  <a:t> </a:t>
+                </a:r>
+              </a:p>
+            </p:txBody>
+          </p:sp>
+        </mc:Fallback>
+      </mc:AlternateContent>
     </p:spTree>
     <p:extLst>
       <p:ext uri="{BB962C8B-B14F-4D97-AF65-F5344CB8AC3E}">
-        <p14:creationId xmlns:p14="http://schemas.microsoft.com/office/powerpoint/2010/main" val="3636144303"/>
+        <p14:creationId xmlns:p14="http://schemas.microsoft.com/office/powerpoint/2010/main" val="2909455553"/>
       </p:ext>
     </p:extLst>
   </p:cSld>
@@ -14707,7 +15358,7 @@
           <a:p>
             <a:r>
               <a:rPr lang="en-US" dirty="0"/>
-              <a:t>Linear Models - Regressors</a:t>
+              <a:t>Linear Models - Classifiers</a:t>
             </a:r>
           </a:p>
         </p:txBody>
@@ -14731,15 +15382,23 @@
           <a:p>
             <a:r>
               <a:rPr lang="en-US" dirty="0"/>
-              <a:t>Ridge Regression</a:t>
+              <a:t>Regularization</a:t>
             </a:r>
           </a:p>
           <a:p>
             <a:pPr lvl="1"/>
             <a:r>
               <a:rPr lang="en-US" dirty="0"/>
-              <a:t>Uses OLS to fit the data, with the additional constraint of attempting to minimize the magnitude of the weight coefficients for each feature without eliminating the feature.</a:t>
-            </a:r>
+              <a:t>The general effect of regularization is to flatten a curve between all the data points.</a:t>
+            </a:r>
+          </a:p>
+          <a:p>
+            <a:pPr lvl="1"/>
+            <a:endParaRPr lang="en-US" dirty="0"/>
+          </a:p>
+          <a:p>
+            <a:pPr lvl="2"/>
+            <a:endParaRPr lang="en-US" dirty="0"/>
           </a:p>
           <a:p>
             <a:pPr lvl="2"/>
@@ -14753,7 +15412,7 @@
     </p:spTree>
     <p:extLst>
       <p:ext uri="{BB962C8B-B14F-4D97-AF65-F5344CB8AC3E}">
-        <p14:creationId xmlns:p14="http://schemas.microsoft.com/office/powerpoint/2010/main" val="474133971"/>
+        <p14:creationId xmlns:p14="http://schemas.microsoft.com/office/powerpoint/2010/main" val="730438719"/>
       </p:ext>
     </p:extLst>
   </p:cSld>
@@ -14769,11 +15428,11 @@
     <p:bg>
       <p:bgPr>
         <a:blipFill dpi="0" rotWithShape="1">
-          <a:blip r:embed="rId3">
+          <a:blip r:embed="rId4">
             <a:extLst>
               <a:ext uri="{BEBA8EAE-BF5A-486C-A8C5-ECC9F3942E4B}">
                 <a14:imgProps xmlns:a14="http://schemas.microsoft.com/office/drawing/2010/main">
-                  <a14:imgLayer r:embed="rId4">
+                  <a14:imgLayer r:embed="rId5">
                     <a14:imgEffect>
                       <a14:brightnessContrast bright="-50000"/>
                     </a14:imgEffect>
@@ -14821,7 +15480,7 @@
           <a:p>
             <a:r>
               <a:rPr lang="en-US" dirty="0"/>
-              <a:t>Linear Models - Regressors</a:t>
+              <a:t>Linear Models - Classifiers</a:t>
             </a:r>
           </a:p>
         </p:txBody>
@@ -14838,35 +15497,26 @@
         </p:nvSpPr>
         <p:spPr/>
         <p:txBody>
-          <a:bodyPr>
-            <a:normAutofit/>
-          </a:bodyPr>
-          <a:lstStyle/>
-          <a:p>
-            <a:r>
-              <a:rPr lang="en-US" dirty="0"/>
-              <a:t>Ridge Regression</a:t>
+          <a:bodyPr/>
+          <a:lstStyle/>
+          <a:p>
+            <a:r>
+              <a:rPr lang="en-US" dirty="0"/>
+              <a:t>Support Vector Machine (SVM) Classifiers</a:t>
             </a:r>
           </a:p>
           <a:p>
             <a:pPr lvl="1"/>
             <a:r>
               <a:rPr lang="en-US" dirty="0"/>
-              <a:t>Each weight should be as close to zero as possible.</a:t>
+              <a:t>Linear</a:t>
             </a:r>
           </a:p>
           <a:p>
             <a:pPr lvl="1"/>
             <a:r>
               <a:rPr lang="en-US" dirty="0"/>
-              <a:t>Each feature will have as little affect on the prediction as possible.</a:t>
-            </a:r>
-          </a:p>
-          <a:p>
-            <a:pPr lvl="1"/>
-            <a:r>
-              <a:rPr lang="en-US" dirty="0"/>
-              <a:t>Note that the feature weights will not be exactly zero using this trainer, so each feature still affects the prediction.</a:t>
+              <a:t>Kernelized</a:t>
             </a:r>
           </a:p>
           <a:p>
@@ -14881,7 +15531,7 @@
     </p:spTree>
     <p:extLst>
       <p:ext uri="{BB962C8B-B14F-4D97-AF65-F5344CB8AC3E}">
-        <p14:creationId xmlns:p14="http://schemas.microsoft.com/office/powerpoint/2010/main" val="3620252848"/>
+        <p14:creationId xmlns:p14="http://schemas.microsoft.com/office/powerpoint/2010/main" val="3528512833"/>
       </p:ext>
     </p:extLst>
   </p:cSld>
@@ -14897,11 +15547,11 @@
     <p:bg>
       <p:bgPr>
         <a:blipFill dpi="0" rotWithShape="1">
-          <a:blip r:embed="rId3">
+          <a:blip r:embed="rId4">
             <a:extLst>
               <a:ext uri="{BEBA8EAE-BF5A-486C-A8C5-ECC9F3942E4B}">
                 <a14:imgProps xmlns:a14="http://schemas.microsoft.com/office/drawing/2010/main">
-                  <a14:imgLayer r:embed="rId4">
+                  <a14:imgLayer r:embed="rId5">
                     <a14:imgEffect>
                       <a14:brightnessContrast bright="-50000"/>
                     </a14:imgEffect>
@@ -14949,7 +15599,7 @@
           <a:p>
             <a:r>
               <a:rPr lang="en-US" dirty="0"/>
-              <a:t>Linear Models - Regressors</a:t>
+              <a:t>Linear Models - Classifiers</a:t>
             </a:r>
           </a:p>
         </p:txBody>
@@ -14971,36 +15621,12 @@
           <a:p>
             <a:r>
               <a:rPr lang="en-US" dirty="0"/>
-              <a:t>Ridge Regression</a:t>
+              <a:t>Linear SVM</a:t>
             </a:r>
           </a:p>
           <a:p>
             <a:pPr lvl="1"/>
-            <a:r>
-              <a:rPr lang="en-US" dirty="0"/>
-              <a:t>Attempting to minimize the weight magnitudes is a form of regularization.</a:t>
-            </a:r>
-          </a:p>
-          <a:p>
-            <a:pPr lvl="2"/>
-            <a:r>
-              <a:rPr lang="en-US" dirty="0"/>
-              <a:t>Regularization is used to attempt to prevent overfitting.</a:t>
-            </a:r>
-          </a:p>
-          <a:p>
-            <a:pPr lvl="1"/>
-            <a:r>
-              <a:rPr lang="en-US" dirty="0"/>
-              <a:t>This trainer uses L2 regularization</a:t>
-            </a:r>
-          </a:p>
-          <a:p>
-            <a:pPr lvl="2"/>
-            <a:r>
-              <a:rPr lang="en-US" dirty="0"/>
-              <a:t>The sum of the square of the weight coefficient for each feature is used as a penalty term in determining model accuracy.</a:t>
-            </a:r>
+            <a:endParaRPr lang="en-US" dirty="0"/>
           </a:p>
           <a:p>
             <a:pPr lvl="2"/>
@@ -15014,7 +15640,7 @@
     </p:spTree>
     <p:extLst>
       <p:ext uri="{BB962C8B-B14F-4D97-AF65-F5344CB8AC3E}">
-        <p14:creationId xmlns:p14="http://schemas.microsoft.com/office/powerpoint/2010/main" val="1031170893"/>
+        <p14:creationId xmlns:p14="http://schemas.microsoft.com/office/powerpoint/2010/main" val="3971906196"/>
       </p:ext>
     </p:extLst>
   </p:cSld>
@@ -15030,11 +15656,11 @@
     <p:bg>
       <p:bgPr>
         <a:blipFill dpi="0" rotWithShape="1">
-          <a:blip r:embed="rId3">
+          <a:blip r:embed="rId4">
             <a:extLst>
               <a:ext uri="{BEBA8EAE-BF5A-486C-A8C5-ECC9F3942E4B}">
                 <a14:imgProps xmlns:a14="http://schemas.microsoft.com/office/drawing/2010/main">
-                  <a14:imgLayer r:embed="rId4">
+                  <a14:imgLayer r:embed="rId5">
                     <a14:imgEffect>
                       <a14:brightnessContrast bright="-50000"/>
                     </a14:imgEffect>
@@ -15082,7 +15708,7 @@
           <a:p>
             <a:r>
               <a:rPr lang="en-US" dirty="0"/>
-              <a:t>Linear Models - Regressors</a:t>
+              <a:t>Linear Models - Classifiers</a:t>
             </a:r>
           </a:p>
         </p:txBody>
@@ -15104,50 +15730,11 @@
           <a:p>
             <a:r>
               <a:rPr lang="en-US" dirty="0"/>
-              <a:t>Ridge Regression</a:t>
+              <a:t>Kernelized SVM</a:t>
             </a:r>
           </a:p>
           <a:p>
             <a:pPr lvl="1"/>
-            <a:r>
-              <a:rPr lang="en-US" dirty="0"/>
-              <a:t>For this Scikit-Learn trainer, the alpha term is used for regularization.</a:t>
-            </a:r>
-          </a:p>
-          <a:p>
-            <a:pPr lvl="1"/>
-            <a:r>
-              <a:rPr lang="en-US" dirty="0"/>
-              <a:t>Increasing alpha moves each feature’s weight more towards zero.</a:t>
-            </a:r>
-          </a:p>
-          <a:p>
-            <a:pPr lvl="2"/>
-            <a:r>
-              <a:rPr lang="en-US" dirty="0"/>
-              <a:t>This may help make the model more generalized, which will help overfitting.</a:t>
-            </a:r>
-          </a:p>
-          <a:p>
-            <a:pPr lvl="2"/>
-            <a:r>
-              <a:rPr lang="en-US" dirty="0"/>
-              <a:t>This will decrease training set performance.</a:t>
-            </a:r>
-          </a:p>
-          <a:p>
-            <a:endParaRPr lang="en-US" dirty="0"/>
-          </a:p>
-          <a:p>
-            <a:pPr lvl="1"/>
-            <a:endParaRPr lang="en-US" dirty="0"/>
-          </a:p>
-          <a:p>
-            <a:pPr lvl="2"/>
-            <a:endParaRPr lang="en-US" dirty="0"/>
-          </a:p>
-          <a:p>
-            <a:pPr lvl="2"/>
             <a:endParaRPr lang="en-US" dirty="0"/>
           </a:p>
           <a:p>
@@ -15158,7 +15745,7 @@
     </p:spTree>
     <p:extLst>
       <p:ext uri="{BB962C8B-B14F-4D97-AF65-F5344CB8AC3E}">
-        <p14:creationId xmlns:p14="http://schemas.microsoft.com/office/powerpoint/2010/main" val="4041600192"/>
+        <p14:creationId xmlns:p14="http://schemas.microsoft.com/office/powerpoint/2010/main" val="3886706820"/>
       </p:ext>
     </p:extLst>
   </p:cSld>
@@ -15243,42 +15830,170 @@
         </p:nvSpPr>
         <p:spPr/>
         <p:txBody>
-          <a:bodyPr/>
-          <a:lstStyle/>
-          <a:p>
-            <a:r>
-              <a:rPr lang="en-US" dirty="0"/>
-              <a:t>Ridge Regression</a:t>
+          <a:bodyPr>
+            <a:normAutofit/>
+          </a:bodyPr>
+          <a:lstStyle/>
+          <a:p>
+            <a:r>
+              <a:rPr lang="en-US" dirty="0"/>
+              <a:t>Regressors</a:t>
             </a:r>
           </a:p>
           <a:p>
             <a:pPr lvl="1"/>
             <a:r>
               <a:rPr lang="en-US" dirty="0"/>
-              <a:t>Increasing alpha more and more will not necessarily make the model more predictive.</a:t>
+              <a:t>Tries to predict as close to a value as possible.</a:t>
             </a:r>
           </a:p>
           <a:p>
             <a:pPr lvl="1"/>
             <a:r>
               <a:rPr lang="en-US" dirty="0"/>
-              <a:t>Alpha will need tuned for an optimal model.</a:t>
+              <a:t>Creates a linear equation to predict outcomes:</a:t>
             </a:r>
           </a:p>
           <a:p>
             <a:pPr lvl="2"/>
-            <a:endParaRPr lang="en-US" dirty="0"/>
-          </a:p>
-          <a:p>
-            <a:endParaRPr lang="en-US" dirty="0"/>
-          </a:p>
-          <a:p>
-            <a:pPr lvl="1"/>
-            <a:endParaRPr lang="en-US" dirty="0"/>
+            <a:r>
+              <a:rPr lang="en-US" dirty="0" err="1"/>
+              <a:t>Y</a:t>
+            </a:r>
+            <a:r>
+              <a:rPr lang="en-US" baseline="-25000" dirty="0" err="1"/>
+              <a:t>predict</a:t>
+            </a:r>
+            <a:r>
+              <a:rPr lang="en-US" dirty="0"/>
+              <a:t> = w</a:t>
+            </a:r>
+            <a:r>
+              <a:rPr lang="en-US" baseline="-25000" dirty="0"/>
+              <a:t>1</a:t>
+            </a:r>
+            <a:r>
+              <a:rPr lang="en-US" dirty="0"/>
+              <a:t>*f</a:t>
+            </a:r>
+            <a:r>
+              <a:rPr lang="en-US" baseline="-25000" dirty="0"/>
+              <a:t>1</a:t>
+            </a:r>
+            <a:r>
+              <a:rPr lang="en-US" dirty="0"/>
+              <a:t> + w</a:t>
+            </a:r>
+            <a:r>
+              <a:rPr lang="en-US" baseline="-25000" dirty="0"/>
+              <a:t>2</a:t>
+            </a:r>
+            <a:r>
+              <a:rPr lang="en-US" dirty="0"/>
+              <a:t>*f</a:t>
+            </a:r>
+            <a:r>
+              <a:rPr lang="en-US" baseline="-25000" dirty="0"/>
+              <a:t>2</a:t>
+            </a:r>
+            <a:r>
+              <a:rPr lang="en-US" dirty="0"/>
+              <a:t> + w</a:t>
+            </a:r>
+            <a:r>
+              <a:rPr lang="en-US" baseline="-25000" dirty="0"/>
+              <a:t>3</a:t>
+            </a:r>
+            <a:r>
+              <a:rPr lang="en-US" dirty="0"/>
+              <a:t>*f</a:t>
+            </a:r>
+            <a:r>
+              <a:rPr lang="en-US" baseline="-25000" dirty="0"/>
+              <a:t>3</a:t>
+            </a:r>
+            <a:r>
+              <a:rPr lang="en-US" dirty="0"/>
+              <a:t> + … + </a:t>
+            </a:r>
+            <a:r>
+              <a:rPr lang="en-US" dirty="0" err="1"/>
+              <a:t>w</a:t>
+            </a:r>
+            <a:r>
+              <a:rPr lang="en-US" baseline="-25000" dirty="0" err="1"/>
+              <a:t>n</a:t>
+            </a:r>
+            <a:r>
+              <a:rPr lang="en-US" dirty="0"/>
+              <a:t>*</a:t>
+            </a:r>
+            <a:r>
+              <a:rPr lang="en-US" dirty="0" err="1"/>
+              <a:t>f</a:t>
+            </a:r>
+            <a:r>
+              <a:rPr lang="en-US" baseline="-25000" dirty="0" err="1"/>
+              <a:t>n</a:t>
+            </a:r>
+            <a:r>
+              <a:rPr lang="en-US" dirty="0"/>
+              <a:t> + b</a:t>
+            </a:r>
+          </a:p>
+          <a:p>
+            <a:pPr lvl="3"/>
+            <a:r>
+              <a:rPr lang="en-US" dirty="0" err="1"/>
+              <a:t>Y</a:t>
+            </a:r>
+            <a:r>
+              <a:rPr lang="en-US" baseline="-25000" dirty="0" err="1"/>
+              <a:t>predict</a:t>
+            </a:r>
+            <a:r>
+              <a:rPr lang="en-US" dirty="0"/>
+              <a:t> = predicted value for given sample</a:t>
+            </a:r>
+          </a:p>
+          <a:p>
+            <a:pPr lvl="3"/>
+            <a:r>
+              <a:rPr lang="en-US" dirty="0"/>
+              <a:t>w = weights</a:t>
+            </a:r>
+          </a:p>
+          <a:p>
+            <a:pPr lvl="3"/>
+            <a:r>
+              <a:rPr lang="en-US" dirty="0"/>
+              <a:t>f = feature value</a:t>
+            </a:r>
+          </a:p>
+          <a:p>
+            <a:pPr lvl="3"/>
+            <a:r>
+              <a:rPr lang="en-US" dirty="0"/>
+              <a:t>b = intercept of linear line</a:t>
+            </a:r>
+          </a:p>
+          <a:p>
+            <a:pPr lvl="3"/>
+            <a:r>
+              <a:rPr lang="en-US" dirty="0"/>
+              <a:t>n = number of features</a:t>
+            </a:r>
           </a:p>
           <a:p>
             <a:pPr lvl="2"/>
-            <a:endParaRPr lang="en-US" dirty="0"/>
+            <a:r>
+              <a:rPr lang="en-US" dirty="0" err="1"/>
+              <a:t>A.k.a</a:t>
+            </a:r>
+            <a:r>
+              <a:rPr lang="en-US" dirty="0"/>
+              <a:t> the prediction function.</a:t>
+            </a:r>
           </a:p>
           <a:p>
             <a:pPr lvl="2"/>
@@ -15292,7 +16007,7 @@
     </p:spTree>
     <p:extLst>
       <p:ext uri="{BB962C8B-B14F-4D97-AF65-F5344CB8AC3E}">
-        <p14:creationId xmlns:p14="http://schemas.microsoft.com/office/powerpoint/2010/main" val="52183678"/>
+        <p14:creationId xmlns:p14="http://schemas.microsoft.com/office/powerpoint/2010/main" val="1469044682"/>
       </p:ext>
     </p:extLst>
   </p:cSld>
@@ -15520,32 +16235,62 @@
         </p:nvSpPr>
         <p:spPr/>
         <p:txBody>
-          <a:bodyPr/>
-          <a:lstStyle/>
-          <a:p>
-            <a:r>
-              <a:rPr lang="en-US" dirty="0"/>
-              <a:t>In-Class Example – Ridge Regression</a:t>
+          <a:bodyPr>
+            <a:normAutofit/>
+          </a:bodyPr>
+          <a:lstStyle/>
+          <a:p>
+            <a:r>
+              <a:rPr lang="en-US" dirty="0"/>
+              <a:t>Regressors</a:t>
             </a:r>
           </a:p>
           <a:p>
             <a:pPr lvl="1"/>
-            <a:endParaRPr lang="en-US" dirty="0"/>
+            <a:r>
+              <a:rPr lang="en-US" dirty="0"/>
+              <a:t>The models we train adjust the values of </a:t>
+            </a:r>
+            <a:r>
+              <a:rPr lang="en-US" dirty="0" err="1"/>
+              <a:t>w</a:t>
+            </a:r>
+            <a:r>
+              <a:rPr lang="en-US" baseline="-25000" dirty="0" err="1"/>
+              <a:t>x</a:t>
+            </a:r>
+            <a:r>
+              <a:rPr lang="en-US" dirty="0"/>
+              <a:t> and b.</a:t>
+            </a:r>
+          </a:p>
+          <a:p>
+            <a:pPr lvl="1"/>
+            <a:r>
+              <a:rPr lang="en-US" dirty="0"/>
+              <a:t>For functions with regularization, an additional term is added for model to optimize when generating prediction function</a:t>
+            </a:r>
+          </a:p>
+          <a:p>
+            <a:pPr lvl="1"/>
+            <a:r>
+              <a:rPr lang="en-US" dirty="0"/>
+              <a:t>Examples:</a:t>
+            </a:r>
           </a:p>
           <a:p>
             <a:pPr lvl="2"/>
-            <a:endParaRPr lang="en-US" dirty="0"/>
-          </a:p>
-          <a:p>
-            <a:endParaRPr lang="en-US" dirty="0"/>
-          </a:p>
-          <a:p>
-            <a:pPr lvl="1"/>
-            <a:endParaRPr lang="en-US" dirty="0"/>
+            <a:r>
+              <a:rPr lang="en-US" dirty="0"/>
+              <a:t>Trying to predict median household income of an area.</a:t>
+            </a:r>
           </a:p>
           <a:p>
             <a:pPr lvl="2"/>
-            <a:endParaRPr lang="en-US" dirty="0"/>
+            <a:r>
+              <a:rPr lang="en-US" dirty="0"/>
+              <a:t>Trying to predict the value a stock will rise to.</a:t>
+            </a:r>
           </a:p>
           <a:p>
             <a:pPr lvl="2"/>
@@ -15559,7 +16304,7 @@
     </p:spTree>
     <p:extLst>
       <p:ext uri="{BB962C8B-B14F-4D97-AF65-F5344CB8AC3E}">
-        <p14:creationId xmlns:p14="http://schemas.microsoft.com/office/powerpoint/2010/main" val="1030170644"/>
+        <p14:creationId xmlns:p14="http://schemas.microsoft.com/office/powerpoint/2010/main" val="3393903202"/>
       </p:ext>
     </p:extLst>
   </p:cSld>
@@ -15649,30 +16394,22 @@
           <a:p>
             <a:r>
               <a:rPr lang="en-US" dirty="0"/>
-              <a:t>In-Class Exercise</a:t>
+              <a:t>K-Nearest Neighbors Regression</a:t>
             </a:r>
           </a:p>
           <a:p>
             <a:pPr lvl="1"/>
             <a:r>
               <a:rPr lang="en-US" dirty="0"/>
-              <a:t>Run the example with ridge regression, attempting to optimize the test prediction data set by adjusting alpha.</a:t>
-            </a:r>
-          </a:p>
-          <a:p>
-            <a:pPr lvl="2"/>
-            <a:endParaRPr lang="en-US" dirty="0"/>
-          </a:p>
-          <a:p>
-            <a:endParaRPr lang="en-US" dirty="0"/>
+              <a:t>Similar to the classifier, the regressor picks the value that is closest to the most similar neighbor.</a:t>
+            </a:r>
           </a:p>
           <a:p>
             <a:pPr lvl="1"/>
-            <a:endParaRPr lang="en-US" dirty="0"/>
-          </a:p>
-          <a:p>
-            <a:pPr lvl="2"/>
-            <a:endParaRPr lang="en-US" dirty="0"/>
+            <a:r>
+              <a:rPr lang="en-US" dirty="0"/>
+              <a:t>Multiple neighbors are averaged together.</a:t>
+            </a:r>
           </a:p>
           <a:p>
             <a:pPr lvl="2"/>
@@ -15686,7 +16423,7 @@
     </p:spTree>
     <p:extLst>
       <p:ext uri="{BB962C8B-B14F-4D97-AF65-F5344CB8AC3E}">
-        <p14:creationId xmlns:p14="http://schemas.microsoft.com/office/powerpoint/2010/main" val="2651109508"/>
+        <p14:creationId xmlns:p14="http://schemas.microsoft.com/office/powerpoint/2010/main" val="3048577779"/>
       </p:ext>
     </p:extLst>
   </p:cSld>
@@ -15776,44 +16513,29 @@
           <a:p>
             <a:r>
               <a:rPr lang="en-US" dirty="0"/>
-              <a:t>LASSO Regression</a:t>
+              <a:t>Linear Regression (Ordinary Least Squares)</a:t>
             </a:r>
           </a:p>
           <a:p>
             <a:pPr lvl="1"/>
             <a:r>
               <a:rPr lang="en-US" dirty="0"/>
-              <a:t>Similar to ridge regression, uses a modified OLS algorithm that attempts to make each weight close to zero.</a:t>
+              <a:t>Attempts to minimize the mean squared error between the prediction and the target values.</a:t>
             </a:r>
           </a:p>
           <a:p>
             <a:pPr lvl="1"/>
             <a:r>
               <a:rPr lang="en-US" dirty="0"/>
-              <a:t>In this trainer, a weight value can be zero, so that a feature will not affect the prediction.</a:t>
+              <a:t>The error of this trainer is calculated by adding the squared differences between the predicted value with the actual target value.</a:t>
             </a:r>
           </a:p>
           <a:p>
             <a:pPr lvl="1"/>
             <a:r>
               <a:rPr lang="en-US" dirty="0"/>
-              <a:t>This trainer uses L1 regularization.</a:t>
-            </a:r>
-          </a:p>
-          <a:p>
-            <a:pPr lvl="2"/>
-            <a:r>
-              <a:rPr lang="en-US" dirty="0"/>
-              <a:t>The sum of the weight coefficient for each feature is used as a penalty term in determining model accuracy.</a:t>
-            </a:r>
-          </a:p>
-          <a:p>
-            <a:pPr lvl="1"/>
-            <a:endParaRPr lang="en-US" dirty="0"/>
-          </a:p>
-          <a:p>
-            <a:pPr lvl="2"/>
-            <a:endParaRPr lang="en-US" dirty="0"/>
+              <a:t>No regularization parameters to adjust the accuracy of this trainer</a:t>
+            </a:r>
           </a:p>
           <a:p>
             <a:endParaRPr lang="en-US" dirty="0"/>
@@ -15823,7 +16545,7 @@
     </p:spTree>
     <p:extLst>
       <p:ext uri="{BB962C8B-B14F-4D97-AF65-F5344CB8AC3E}">
-        <p14:creationId xmlns:p14="http://schemas.microsoft.com/office/powerpoint/2010/main" val="2833183138"/>
+        <p14:creationId xmlns:p14="http://schemas.microsoft.com/office/powerpoint/2010/main" val="2836403428"/>
       </p:ext>
     </p:extLst>
   </p:cSld>
@@ -15913,18 +16635,26 @@
           <a:p>
             <a:r>
               <a:rPr lang="en-US" dirty="0"/>
-              <a:t>LASSO Regression</a:t>
+              <a:t>In-Class Example – Linear Regression</a:t>
             </a:r>
           </a:p>
           <a:p>
             <a:pPr lvl="1"/>
-            <a:r>
-              <a:rPr lang="en-US" dirty="0"/>
-              <a:t>For this Scikit-Learn trainer, the alpha term is also used for regularization.</a:t>
-            </a:r>
+            <a:endParaRPr lang="en-US" dirty="0"/>
+          </a:p>
+          <a:p>
+            <a:pPr lvl="2"/>
+            <a:endParaRPr lang="en-US" dirty="0"/>
+          </a:p>
+          <a:p>
+            <a:endParaRPr lang="en-US" dirty="0"/>
           </a:p>
           <a:p>
             <a:pPr lvl="1"/>
+            <a:endParaRPr lang="en-US" dirty="0"/>
+          </a:p>
+          <a:p>
+            <a:pPr lvl="2"/>
             <a:endParaRPr lang="en-US" dirty="0"/>
           </a:p>
           <a:p>
@@ -15939,7 +16669,7 @@
     </p:spTree>
     <p:extLst>
       <p:ext uri="{BB962C8B-B14F-4D97-AF65-F5344CB8AC3E}">
-        <p14:creationId xmlns:p14="http://schemas.microsoft.com/office/powerpoint/2010/main" val="2503353380"/>
+        <p14:creationId xmlns:p14="http://schemas.microsoft.com/office/powerpoint/2010/main" val="3636144303"/>
       </p:ext>
     </p:extLst>
   </p:cSld>
@@ -16024,32 +16754,22 @@
         </p:nvSpPr>
         <p:spPr/>
         <p:txBody>
-          <a:bodyPr/>
-          <a:lstStyle/>
-          <a:p>
-            <a:r>
-              <a:rPr lang="en-US" dirty="0"/>
-              <a:t>In-Class Example – LASSO Regression</a:t>
+          <a:bodyPr>
+            <a:normAutofit/>
+          </a:bodyPr>
+          <a:lstStyle/>
+          <a:p>
+            <a:r>
+              <a:rPr lang="en-US" dirty="0"/>
+              <a:t>Ridge Regression</a:t>
             </a:r>
           </a:p>
           <a:p>
             <a:pPr lvl="1"/>
-            <a:endParaRPr lang="en-US" dirty="0"/>
-          </a:p>
-          <a:p>
-            <a:pPr lvl="2"/>
-            <a:endParaRPr lang="en-US" dirty="0"/>
-          </a:p>
-          <a:p>
-            <a:endParaRPr lang="en-US" dirty="0"/>
-          </a:p>
-          <a:p>
-            <a:pPr lvl="1"/>
-            <a:endParaRPr lang="en-US" dirty="0"/>
-          </a:p>
-          <a:p>
-            <a:pPr lvl="2"/>
-            <a:endParaRPr lang="en-US" dirty="0"/>
+            <a:r>
+              <a:rPr lang="en-US" dirty="0"/>
+              <a:t>Uses OLS to fit the data, with the additional constraint of attempting to minimize the magnitude of the weight coefficients for each feature without eliminating the feature.</a:t>
+            </a:r>
           </a:p>
           <a:p>
             <a:pPr lvl="2"/>
@@ -16063,7 +16783,7 @@
     </p:spTree>
     <p:extLst>
       <p:ext uri="{BB962C8B-B14F-4D97-AF65-F5344CB8AC3E}">
-        <p14:creationId xmlns:p14="http://schemas.microsoft.com/office/powerpoint/2010/main" val="1318670462"/>
+        <p14:creationId xmlns:p14="http://schemas.microsoft.com/office/powerpoint/2010/main" val="474133971"/>
       </p:ext>
     </p:extLst>
   </p:cSld>
@@ -16148,50 +16868,36 @@
         </p:nvSpPr>
         <p:spPr/>
         <p:txBody>
-          <a:bodyPr/>
-          <a:lstStyle/>
-          <a:p>
-            <a:r>
-              <a:rPr lang="en-US" dirty="0"/>
-              <a:t>In-Class Exercise</a:t>
+          <a:bodyPr>
+            <a:normAutofit/>
+          </a:bodyPr>
+          <a:lstStyle/>
+          <a:p>
+            <a:r>
+              <a:rPr lang="en-US" dirty="0"/>
+              <a:t>Ridge Regression</a:t>
             </a:r>
           </a:p>
           <a:p>
             <a:pPr lvl="1"/>
             <a:r>
               <a:rPr lang="en-US" dirty="0"/>
-              <a:t>Generate models for the </a:t>
-            </a:r>
-            <a:r>
-              <a:rPr lang="en-US" dirty="0" err="1"/>
-              <a:t>boston</a:t>
-            </a:r>
-            <a:r>
-              <a:rPr lang="en-US" dirty="0"/>
-              <a:t> housing data using linear, ridge, and LASSO regressors.  For models that use regularization, attempt to optimize the predictions (can use previous example code).</a:t>
+              <a:t>Each weight should be as close to zero as possible.</a:t>
             </a:r>
           </a:p>
           <a:p>
             <a:pPr lvl="1"/>
             <a:r>
               <a:rPr lang="en-US" dirty="0"/>
-              <a:t>Which model is the most accurate with respect to test data predictions?  Are there benefits to the models that are less accurate?</a:t>
-            </a:r>
-          </a:p>
-          <a:p>
-            <a:pPr lvl="2"/>
-            <a:endParaRPr lang="en-US" dirty="0"/>
-          </a:p>
-          <a:p>
-            <a:endParaRPr lang="en-US" dirty="0"/>
+              <a:t>Each feature will have as little affect on the prediction as possible.</a:t>
+            </a:r>
           </a:p>
           <a:p>
             <a:pPr lvl="1"/>
-            <a:endParaRPr lang="en-US" dirty="0"/>
-          </a:p>
-          <a:p>
-            <a:pPr lvl="2"/>
-            <a:endParaRPr lang="en-US" dirty="0"/>
+            <a:r>
+              <a:rPr lang="en-US" dirty="0"/>
+              <a:t>Note that the feature weights will not be exactly zero using this trainer, so each feature still affects the prediction.</a:t>
+            </a:r>
           </a:p>
           <a:p>
             <a:pPr lvl="2"/>
@@ -16205,7 +16911,7 @@
     </p:spTree>
     <p:extLst>
       <p:ext uri="{BB962C8B-B14F-4D97-AF65-F5344CB8AC3E}">
-        <p14:creationId xmlns:p14="http://schemas.microsoft.com/office/powerpoint/2010/main" val="2777821716"/>
+        <p14:creationId xmlns:p14="http://schemas.microsoft.com/office/powerpoint/2010/main" val="3620252848"/>
       </p:ext>
     </p:extLst>
   </p:cSld>
@@ -16295,7 +17001,35 @@
           <a:p>
             <a:r>
               <a:rPr lang="en-US" dirty="0"/>
-              <a:t>Decision Tree</a:t>
+              <a:t>Ridge Regression</a:t>
+            </a:r>
+          </a:p>
+          <a:p>
+            <a:pPr lvl="1"/>
+            <a:r>
+              <a:rPr lang="en-US" dirty="0"/>
+              <a:t>Attempting to minimize the weight magnitudes is a form of regularization.</a:t>
+            </a:r>
+          </a:p>
+          <a:p>
+            <a:pPr lvl="2"/>
+            <a:r>
+              <a:rPr lang="en-US" dirty="0"/>
+              <a:t>Regularization is used to attempt to prevent overfitting.</a:t>
+            </a:r>
+          </a:p>
+          <a:p>
+            <a:pPr lvl="1"/>
+            <a:r>
+              <a:rPr lang="en-US" dirty="0"/>
+              <a:t>This trainer uses L2 regularization</a:t>
+            </a:r>
+          </a:p>
+          <a:p>
+            <a:pPr lvl="2"/>
+            <a:r>
+              <a:rPr lang="en-US" dirty="0"/>
+              <a:t>The sum of the square of the weight coefficient for each feature is used as a penalty term in determining model accuracy.</a:t>
             </a:r>
           </a:p>
           <a:p>
@@ -16310,7 +17044,7 @@
     </p:spTree>
     <p:extLst>
       <p:ext uri="{BB962C8B-B14F-4D97-AF65-F5344CB8AC3E}">
-        <p14:creationId xmlns:p14="http://schemas.microsoft.com/office/powerpoint/2010/main" val="1924952010"/>
+        <p14:creationId xmlns:p14="http://schemas.microsoft.com/office/powerpoint/2010/main" val="1031170893"/>
       </p:ext>
     </p:extLst>
   </p:cSld>
@@ -16400,8 +17134,47 @@
           <a:p>
             <a:r>
               <a:rPr lang="en-US" dirty="0"/>
-              <a:t>Forest</a:t>
-            </a:r>
+              <a:t>Ridge Regression</a:t>
+            </a:r>
+          </a:p>
+          <a:p>
+            <a:pPr lvl="1"/>
+            <a:r>
+              <a:rPr lang="en-US" dirty="0"/>
+              <a:t>For this Scikit-Learn trainer, the alpha term is used for regularization.</a:t>
+            </a:r>
+          </a:p>
+          <a:p>
+            <a:pPr lvl="1"/>
+            <a:r>
+              <a:rPr lang="en-US" dirty="0"/>
+              <a:t>Increasing alpha moves each feature’s weight more towards zero.</a:t>
+            </a:r>
+          </a:p>
+          <a:p>
+            <a:pPr lvl="2"/>
+            <a:r>
+              <a:rPr lang="en-US" dirty="0"/>
+              <a:t>This may help make the model more generalized, which will help overfitting.</a:t>
+            </a:r>
+          </a:p>
+          <a:p>
+            <a:pPr lvl="2"/>
+            <a:r>
+              <a:rPr lang="en-US" dirty="0"/>
+              <a:t>This will decrease training set performance.</a:t>
+            </a:r>
+          </a:p>
+          <a:p>
+            <a:endParaRPr lang="en-US" dirty="0"/>
+          </a:p>
+          <a:p>
+            <a:pPr lvl="1"/>
+            <a:endParaRPr lang="en-US" dirty="0"/>
+          </a:p>
+          <a:p>
+            <a:pPr lvl="2"/>
+            <a:endParaRPr lang="en-US" dirty="0"/>
           </a:p>
           <a:p>
             <a:pPr lvl="2"/>
@@ -16415,7 +17188,7 @@
     </p:spTree>
     <p:extLst>
       <p:ext uri="{BB962C8B-B14F-4D97-AF65-F5344CB8AC3E}">
-        <p14:creationId xmlns:p14="http://schemas.microsoft.com/office/powerpoint/2010/main" val="358457677"/>
+        <p14:creationId xmlns:p14="http://schemas.microsoft.com/office/powerpoint/2010/main" val="4041600192"/>
       </p:ext>
     </p:extLst>
   </p:cSld>
@@ -16505,8 +17278,37 @@
           <a:p>
             <a:r>
               <a:rPr lang="en-US" dirty="0"/>
-              <a:t>Gradient-Boosted Forest</a:t>
-            </a:r>
+              <a:t>Ridge Regression</a:t>
+            </a:r>
+          </a:p>
+          <a:p>
+            <a:pPr lvl="1"/>
+            <a:r>
+              <a:rPr lang="en-US" dirty="0"/>
+              <a:t>Increasing alpha more and more will not necessarily make the model more predictive.</a:t>
+            </a:r>
+          </a:p>
+          <a:p>
+            <a:pPr lvl="1"/>
+            <a:r>
+              <a:rPr lang="en-US" dirty="0"/>
+              <a:t>Alpha will need tuned for an optimal model.</a:t>
+            </a:r>
+          </a:p>
+          <a:p>
+            <a:pPr lvl="2"/>
+            <a:endParaRPr lang="en-US" dirty="0"/>
+          </a:p>
+          <a:p>
+            <a:endParaRPr lang="en-US" dirty="0"/>
+          </a:p>
+          <a:p>
+            <a:pPr lvl="1"/>
+            <a:endParaRPr lang="en-US" dirty="0"/>
+          </a:p>
+          <a:p>
+            <a:pPr lvl="2"/>
+            <a:endParaRPr lang="en-US" dirty="0"/>
           </a:p>
           <a:p>
             <a:pPr lvl="2"/>
@@ -16520,7 +17322,7 @@
     </p:spTree>
     <p:extLst>
       <p:ext uri="{BB962C8B-B14F-4D97-AF65-F5344CB8AC3E}">
-        <p14:creationId xmlns:p14="http://schemas.microsoft.com/office/powerpoint/2010/main" val="1436682753"/>
+        <p14:creationId xmlns:p14="http://schemas.microsoft.com/office/powerpoint/2010/main" val="52183678"/>
       </p:ext>
     </p:extLst>
   </p:cSld>
@@ -16588,7 +17390,7 @@
           <a:p>
             <a:r>
               <a:rPr lang="en-US" dirty="0"/>
-              <a:t>Dataset Preparation</a:t>
+              <a:t>Linear Models - Regressors</a:t>
             </a:r>
           </a:p>
         </p:txBody>
@@ -16610,29 +17412,41 @@
           <a:p>
             <a:r>
               <a:rPr lang="en-US" dirty="0"/>
-              <a:t>Overview</a:t>
+              <a:t>In-Class Example – Ridge Regression</a:t>
             </a:r>
           </a:p>
           <a:p>
             <a:pPr lvl="1"/>
-            <a:r>
-              <a:rPr lang="en-US" dirty="0"/>
-              <a:t>Train Test Split</a:t>
-            </a:r>
+            <a:endParaRPr lang="en-US" dirty="0"/>
+          </a:p>
+          <a:p>
+            <a:pPr lvl="2"/>
+            <a:endParaRPr lang="en-US" dirty="0"/>
+          </a:p>
+          <a:p>
+            <a:endParaRPr lang="en-US" dirty="0"/>
           </a:p>
           <a:p>
             <a:pPr lvl="1"/>
-            <a:r>
-              <a:rPr lang="en-US" dirty="0"/>
-              <a:t>Cross Validation</a:t>
-            </a:r>
+            <a:endParaRPr lang="en-US" dirty="0"/>
+          </a:p>
+          <a:p>
+            <a:pPr lvl="2"/>
+            <a:endParaRPr lang="en-US" dirty="0"/>
+          </a:p>
+          <a:p>
+            <a:pPr lvl="2"/>
+            <a:endParaRPr lang="en-US" dirty="0"/>
+          </a:p>
+          <a:p>
+            <a:endParaRPr lang="en-US" dirty="0"/>
           </a:p>
         </p:txBody>
       </p:sp>
     </p:spTree>
     <p:extLst>
       <p:ext uri="{BB962C8B-B14F-4D97-AF65-F5344CB8AC3E}">
-        <p14:creationId xmlns:p14="http://schemas.microsoft.com/office/powerpoint/2010/main" val="4053921630"/>
+        <p14:creationId xmlns:p14="http://schemas.microsoft.com/office/powerpoint/2010/main" val="1030170644"/>
       </p:ext>
     </p:extLst>
   </p:cSld>
@@ -16843,7 +17657,7 @@
           <a:p>
             <a:r>
               <a:rPr lang="en-US" dirty="0"/>
-              <a:t>Evaluating Accuracy</a:t>
+              <a:t>Linear Models - Regressors</a:t>
             </a:r>
           </a:p>
         </p:txBody>
@@ -16865,83 +17679,44 @@
           <a:p>
             <a:r>
               <a:rPr lang="en-US" dirty="0"/>
-              <a:t>Overview</a:t>
+              <a:t>In-Class Exercise</a:t>
             </a:r>
           </a:p>
           <a:p>
             <a:pPr lvl="1"/>
             <a:r>
               <a:rPr lang="en-US" dirty="0"/>
-              <a:t>Accuracy</a:t>
+              <a:t>Run the example with ridge regression, attempting to optimize the test prediction data set by adjusting alpha.</a:t>
             </a:r>
           </a:p>
           <a:p>
             <a:pPr lvl="2"/>
-            <a:r>
-              <a:rPr lang="en-US" dirty="0"/>
-              <a:t>score()</a:t>
-            </a:r>
+            <a:endParaRPr lang="en-US" dirty="0"/>
+          </a:p>
+          <a:p>
+            <a:endParaRPr lang="en-US" dirty="0"/>
           </a:p>
           <a:p>
             <a:pPr lvl="1"/>
-            <a:r>
-              <a:rPr lang="en-US" dirty="0"/>
-              <a:t>Precision Recall Curves</a:t>
-            </a:r>
+            <a:endParaRPr lang="en-US" dirty="0"/>
           </a:p>
           <a:p>
             <a:pPr lvl="2"/>
-            <a:r>
-              <a:rPr lang="en-US" dirty="0" err="1"/>
-              <a:t>precision_recall_curve</a:t>
-            </a:r>
-            <a:r>
-              <a:rPr lang="en-US" dirty="0"/>
-              <a:t>()</a:t>
-            </a:r>
-          </a:p>
-          <a:p>
-            <a:pPr lvl="1"/>
-            <a:r>
-              <a:rPr lang="en-US" dirty="0"/>
-              <a:t>Receiver Operating Characteristics (ROC) Curve</a:t>
-            </a:r>
+            <a:endParaRPr lang="en-US" dirty="0"/>
           </a:p>
           <a:p>
             <a:pPr lvl="2"/>
-            <a:r>
-              <a:rPr lang="en-US" dirty="0" err="1"/>
-              <a:t>roc_curve</a:t>
-            </a:r>
-            <a:r>
-              <a:rPr lang="en-US" dirty="0"/>
-              <a:t>()</a:t>
-            </a:r>
-          </a:p>
-          <a:p>
-            <a:pPr lvl="1"/>
-            <a:r>
-              <a:rPr lang="en-US" dirty="0"/>
-              <a:t>Area Under the Curve (AUC)</a:t>
-            </a:r>
-          </a:p>
-          <a:p>
-            <a:pPr lvl="2"/>
-            <a:r>
-              <a:rPr lang="en-US" dirty="0" err="1"/>
-              <a:t>roc_auc_score</a:t>
-            </a:r>
-            <a:r>
-              <a:rPr lang="en-US" dirty="0"/>
-              <a:t>()</a:t>
-            </a:r>
+            <a:endParaRPr lang="en-US" dirty="0"/>
+          </a:p>
+          <a:p>
+            <a:endParaRPr lang="en-US" dirty="0"/>
           </a:p>
         </p:txBody>
       </p:sp>
     </p:spTree>
     <p:extLst>
       <p:ext uri="{BB962C8B-B14F-4D97-AF65-F5344CB8AC3E}">
-        <p14:creationId xmlns:p14="http://schemas.microsoft.com/office/powerpoint/2010/main" val="3169363239"/>
+        <p14:creationId xmlns:p14="http://schemas.microsoft.com/office/powerpoint/2010/main" val="2651109508"/>
       </p:ext>
     </p:extLst>
   </p:cSld>
@@ -17008,12 +17783,8 @@
           <a:lstStyle/>
           <a:p>
             <a:r>
-              <a:rPr lang="en-US" dirty="0" err="1"/>
-              <a:t>Scikit</a:t>
-            </a:r>
-            <a:r>
-              <a:rPr lang="en-US" dirty="0"/>
-              <a:t>-Learn Machine Learning</a:t>
+              <a:rPr lang="en-US" dirty="0"/>
+              <a:t>Linear Models - Regressors</a:t>
             </a:r>
           </a:p>
         </p:txBody>
@@ -17035,43 +17806,40 @@
           <a:p>
             <a:r>
               <a:rPr lang="en-US" dirty="0"/>
-              <a:t>Overview</a:t>
+              <a:t>LASSO Regression</a:t>
             </a:r>
           </a:p>
           <a:p>
             <a:pPr lvl="1"/>
             <a:r>
               <a:rPr lang="en-US" dirty="0"/>
-              <a:t>Definition</a:t>
+              <a:t>Similar to ridge regression, uses a modified OLS algorithm that attempts to make each weight close to zero.</a:t>
             </a:r>
           </a:p>
           <a:p>
             <a:pPr lvl="1"/>
             <a:r>
               <a:rPr lang="en-US" dirty="0"/>
-              <a:t>General Types</a:t>
+              <a:t>In this trainer, a weight value can be zero, so that a feature will not affect the prediction.</a:t>
             </a:r>
           </a:p>
           <a:p>
             <a:pPr lvl="1"/>
             <a:r>
               <a:rPr lang="en-US" dirty="0"/>
-              <a:t>Basic Linear Models</a:t>
+              <a:t>This trainer uses L1 regularization.</a:t>
+            </a:r>
+          </a:p>
+          <a:p>
+            <a:pPr lvl="2"/>
+            <a:r>
+              <a:rPr lang="en-US" dirty="0"/>
+              <a:t>The sum of the weight coefficient for each feature is used as a penalty term in determining model accuracy.</a:t>
             </a:r>
           </a:p>
           <a:p>
             <a:pPr lvl="1"/>
-            <a:r>
-              <a:rPr lang="en-US" dirty="0"/>
-              <a:t>Algorithm Types</a:t>
-            </a:r>
-          </a:p>
-          <a:p>
-            <a:pPr lvl="1"/>
-            <a:r>
-              <a:rPr lang="en-US" dirty="0"/>
-              <a:t>Tuning</a:t>
-            </a:r>
+            <a:endParaRPr lang="en-US" dirty="0"/>
           </a:p>
           <a:p>
             <a:pPr lvl="2"/>
@@ -17085,7 +17853,7 @@
     </p:spTree>
     <p:extLst>
       <p:ext uri="{BB962C8B-B14F-4D97-AF65-F5344CB8AC3E}">
-        <p14:creationId xmlns:p14="http://schemas.microsoft.com/office/powerpoint/2010/main" val="754999196"/>
+        <p14:creationId xmlns:p14="http://schemas.microsoft.com/office/powerpoint/2010/main" val="2833183138"/>
       </p:ext>
     </p:extLst>
   </p:cSld>
@@ -17153,7 +17921,7 @@
           <a:p>
             <a:r>
               <a:rPr lang="en-US" dirty="0"/>
-              <a:t>Tuning</a:t>
+              <a:t>Linear Models - Regressors</a:t>
             </a:r>
           </a:p>
         </p:txBody>
@@ -17175,20 +17943,19 @@
           <a:p>
             <a:r>
               <a:rPr lang="en-US" dirty="0"/>
-              <a:t>Determining what features matter</a:t>
-            </a:r>
-          </a:p>
-          <a:p>
-            <a:r>
-              <a:rPr lang="en-US" dirty="0"/>
-              <a:t>If both prediction test scores and training scores are low, then the model is suffering from underfitting.</a:t>
-            </a:r>
-          </a:p>
-          <a:p>
-            <a:r>
-              <a:rPr lang="en-US" dirty="0"/>
-              <a:t>If the model has extremely high training scores, but not nearly as high prediction test scores, the model is suffering from overfitting.</a:t>
-            </a:r>
+              <a:t>LASSO Regression</a:t>
+            </a:r>
+          </a:p>
+          <a:p>
+            <a:pPr lvl="1"/>
+            <a:r>
+              <a:rPr lang="en-US" dirty="0"/>
+              <a:t>For this Scikit-Learn trainer, the alpha term is also used for regularization.</a:t>
+            </a:r>
+          </a:p>
+          <a:p>
+            <a:pPr lvl="1"/>
+            <a:endParaRPr lang="en-US" dirty="0"/>
           </a:p>
           <a:p>
             <a:pPr lvl="2"/>
@@ -17202,7 +17969,7 @@
     </p:spTree>
     <p:extLst>
       <p:ext uri="{BB962C8B-B14F-4D97-AF65-F5344CB8AC3E}">
-        <p14:creationId xmlns:p14="http://schemas.microsoft.com/office/powerpoint/2010/main" val="3393037686"/>
+        <p14:creationId xmlns:p14="http://schemas.microsoft.com/office/powerpoint/2010/main" val="2503353380"/>
       </p:ext>
     </p:extLst>
   </p:cSld>
@@ -17270,7 +18037,7 @@
           <a:p>
             <a:r>
               <a:rPr lang="en-US" dirty="0"/>
-              <a:t>Tuning</a:t>
+              <a:t>Linear Models - Regressors</a:t>
             </a:r>
           </a:p>
         </p:txBody>
@@ -17292,29 +18059,27 @@
           <a:p>
             <a:r>
               <a:rPr lang="en-US" dirty="0"/>
-              <a:t>Parameters to Play with</a:t>
+              <a:t>In-Class Example – LASSO Regression</a:t>
             </a:r>
           </a:p>
           <a:p>
             <a:pPr lvl="1"/>
-            <a:r>
-              <a:rPr lang="en-US" dirty="0"/>
-              <a:t>K-Nearest Neighbors</a:t>
-            </a:r>
+            <a:endParaRPr lang="en-US" dirty="0"/>
           </a:p>
           <a:p>
             <a:pPr lvl="2"/>
-            <a:r>
-              <a:rPr lang="en-US" dirty="0"/>
-              <a:t>Number of neighbors to test point</a:t>
-            </a:r>
+            <a:endParaRPr lang="en-US" dirty="0"/>
+          </a:p>
+          <a:p>
+            <a:endParaRPr lang="en-US" dirty="0"/>
+          </a:p>
+          <a:p>
+            <a:pPr lvl="1"/>
+            <a:endParaRPr lang="en-US" dirty="0"/>
           </a:p>
           <a:p>
             <a:pPr lvl="2"/>
-            <a:r>
-              <a:rPr lang="en-US" dirty="0"/>
-              <a:t>Algorithm to evaluate distance test point is from data points</a:t>
-            </a:r>
+            <a:endParaRPr lang="en-US" dirty="0"/>
           </a:p>
           <a:p>
             <a:pPr lvl="2"/>
@@ -17328,7 +18093,7 @@
     </p:spTree>
     <p:extLst>
       <p:ext uri="{BB962C8B-B14F-4D97-AF65-F5344CB8AC3E}">
-        <p14:creationId xmlns:p14="http://schemas.microsoft.com/office/powerpoint/2010/main" val="274238177"/>
+        <p14:creationId xmlns:p14="http://schemas.microsoft.com/office/powerpoint/2010/main" val="1318670462"/>
       </p:ext>
     </p:extLst>
   </p:cSld>
@@ -17396,7 +18161,7 @@
           <a:p>
             <a:r>
               <a:rPr lang="en-US" dirty="0"/>
-              <a:t>Tuning</a:t>
+              <a:t>Linear Models - Regressors</a:t>
             </a:r>
           </a:p>
         </p:txBody>
@@ -17418,8 +18183,45 @@
           <a:p>
             <a:r>
               <a:rPr lang="en-US" dirty="0"/>
-              <a:t>Grid Search</a:t>
-            </a:r>
+              <a:t>In-Class Exercise</a:t>
+            </a:r>
+          </a:p>
+          <a:p>
+            <a:pPr lvl="1"/>
+            <a:r>
+              <a:rPr lang="en-US" dirty="0"/>
+              <a:t>Generate models for the </a:t>
+            </a:r>
+            <a:r>
+              <a:rPr lang="en-US" dirty="0" err="1"/>
+              <a:t>boston</a:t>
+            </a:r>
+            <a:r>
+              <a:rPr lang="en-US" dirty="0"/>
+              <a:t> housing data using linear, ridge, and LASSO regressors.  For models that use regularization, attempt to optimize the predictions (can use previous example code).</a:t>
+            </a:r>
+          </a:p>
+          <a:p>
+            <a:pPr lvl="1"/>
+            <a:r>
+              <a:rPr lang="en-US" dirty="0"/>
+              <a:t>Which model is the most accurate with respect to test data predictions?  Are there benefits to the models that are less accurate?</a:t>
+            </a:r>
+          </a:p>
+          <a:p>
+            <a:pPr lvl="2"/>
+            <a:endParaRPr lang="en-US" dirty="0"/>
+          </a:p>
+          <a:p>
+            <a:endParaRPr lang="en-US" dirty="0"/>
+          </a:p>
+          <a:p>
+            <a:pPr lvl="1"/>
+            <a:endParaRPr lang="en-US" dirty="0"/>
+          </a:p>
+          <a:p>
+            <a:pPr lvl="2"/>
+            <a:endParaRPr lang="en-US" dirty="0"/>
           </a:p>
           <a:p>
             <a:pPr lvl="2"/>
@@ -17433,7 +18235,7 @@
     </p:spTree>
     <p:extLst>
       <p:ext uri="{BB962C8B-B14F-4D97-AF65-F5344CB8AC3E}">
-        <p14:creationId xmlns:p14="http://schemas.microsoft.com/office/powerpoint/2010/main" val="2622179278"/>
+        <p14:creationId xmlns:p14="http://schemas.microsoft.com/office/powerpoint/2010/main" val="2777821716"/>
       </p:ext>
     </p:extLst>
   </p:cSld>
@@ -17500,12 +18302,8 @@
           <a:lstStyle/>
           <a:p>
             <a:r>
-              <a:rPr lang="en-US" dirty="0" err="1"/>
-              <a:t>Scikit</a:t>
-            </a:r>
-            <a:r>
-              <a:rPr lang="en-US" dirty="0"/>
-              <a:t>-Learn Machine Learning</a:t>
+              <a:rPr lang="en-US" dirty="0"/>
+              <a:t>Linear Models - Regressors</a:t>
             </a:r>
           </a:p>
         </p:txBody>
@@ -17527,42 +18325,7 @@
           <a:p>
             <a:r>
               <a:rPr lang="en-US" dirty="0"/>
-              <a:t>Overview</a:t>
-            </a:r>
-          </a:p>
-          <a:p>
-            <a:pPr lvl="1"/>
-            <a:r>
-              <a:rPr lang="en-US" dirty="0"/>
-              <a:t>Definition</a:t>
-            </a:r>
-          </a:p>
-          <a:p>
-            <a:pPr lvl="1"/>
-            <a:r>
-              <a:rPr lang="en-US" dirty="0"/>
-              <a:t>General Types</a:t>
-            </a:r>
-          </a:p>
-          <a:p>
-            <a:pPr lvl="1"/>
-            <a:r>
-              <a:rPr lang="en-US" dirty="0"/>
-              <a:t>Basic Linear Models</a:t>
-            </a:r>
-          </a:p>
-          <a:p>
-            <a:pPr lvl="1"/>
-            <a:r>
-              <a:rPr lang="en-US" dirty="0"/>
-              <a:t>Algorithm Types</a:t>
-            </a:r>
-          </a:p>
-          <a:p>
-            <a:pPr lvl="1"/>
-            <a:r>
-              <a:rPr lang="en-US" dirty="0"/>
-              <a:t>Tuning</a:t>
+              <a:t>Decision Tree</a:t>
             </a:r>
           </a:p>
           <a:p>
@@ -17577,7 +18340,7 @@
     </p:spTree>
     <p:extLst>
       <p:ext uri="{BB962C8B-B14F-4D97-AF65-F5344CB8AC3E}">
-        <p14:creationId xmlns:p14="http://schemas.microsoft.com/office/powerpoint/2010/main" val="2946119377"/>
+        <p14:creationId xmlns:p14="http://schemas.microsoft.com/office/powerpoint/2010/main" val="1924952010"/>
       </p:ext>
     </p:extLst>
   </p:cSld>
@@ -17588,208 +18351,6 @@
 </file>
 
 <file path=ppt/slides/slide76.xml><?xml version="1.0" encoding="utf-8"?>
-<p:sld xmlns:a="http://schemas.openxmlformats.org/drawingml/2006/main" xmlns:r="http://schemas.openxmlformats.org/officeDocument/2006/relationships" xmlns:p="http://schemas.openxmlformats.org/presentationml/2006/main">
-  <p:cSld>
-    <p:bg>
-      <p:bgPr>
-        <a:blipFill dpi="0" rotWithShape="1">
-          <a:blip r:embed="rId2">
-            <a:lum/>
-          </a:blip>
-          <a:srcRect/>
-          <a:stretch>
-            <a:fillRect l="-10000" r="-10000"/>
-          </a:stretch>
-        </a:blipFill>
-        <a:effectLst/>
-      </p:bgPr>
-    </p:bg>
-    <p:spTree>
-      <p:nvGrpSpPr>
-        <p:cNvPr id="1" name=""/>
-        <p:cNvGrpSpPr/>
-        <p:nvPr/>
-      </p:nvGrpSpPr>
-      <p:grpSpPr>
-        <a:xfrm>
-          <a:off x="0" y="0"/>
-          <a:ext cx="0" cy="0"/>
-          <a:chOff x="0" y="0"/>
-          <a:chExt cx="0" cy="0"/>
-        </a:xfrm>
-      </p:grpSpPr>
-      <p:sp>
-        <p:nvSpPr>
-          <p:cNvPr id="2" name="Title 1"/>
-          <p:cNvSpPr>
-            <a:spLocks noGrp="1"/>
-          </p:cNvSpPr>
-          <p:nvPr>
-            <p:ph type="title"/>
-          </p:nvPr>
-        </p:nvSpPr>
-        <p:spPr/>
-        <p:txBody>
-          <a:bodyPr/>
-          <a:lstStyle/>
-          <a:p>
-            <a:r>
-              <a:rPr lang="en-US" dirty="0"/>
-              <a:t>Bibliography</a:t>
-            </a:r>
-          </a:p>
-        </p:txBody>
-      </p:sp>
-      <p:sp>
-        <p:nvSpPr>
-          <p:cNvPr id="3" name="Content Placeholder 2"/>
-          <p:cNvSpPr>
-            <a:spLocks noGrp="1"/>
-          </p:cNvSpPr>
-          <p:nvPr>
-            <p:ph idx="1"/>
-          </p:nvPr>
-        </p:nvSpPr>
-        <p:spPr/>
-        <p:txBody>
-          <a:bodyPr>
-            <a:normAutofit/>
-          </a:bodyPr>
-          <a:lstStyle/>
-          <a:p>
-            <a:pPr marL="514350" indent="-514350">
-              <a:buFont typeface="+mj-lt"/>
-              <a:buAutoNum type="arabicParenR"/>
-            </a:pPr>
-            <a:r>
-              <a:rPr lang="en-US" dirty="0"/>
-              <a:t>https://github.com/amueller/introduction_to_ml_with_python/blob/master/02-supervised-learning.ipynb</a:t>
-            </a:r>
-          </a:p>
-        </p:txBody>
-      </p:sp>
-    </p:spTree>
-    <p:extLst>
-      <p:ext uri="{BB962C8B-B14F-4D97-AF65-F5344CB8AC3E}">
-        <p14:creationId xmlns:p14="http://schemas.microsoft.com/office/powerpoint/2010/main" val="3645036191"/>
-      </p:ext>
-    </p:extLst>
-  </p:cSld>
-  <p:clrMapOvr>
-    <a:masterClrMapping/>
-  </p:clrMapOvr>
-</p:sld>
-</file>
-
-<file path=ppt/slides/slide77.xml><?xml version="1.0" encoding="utf-8"?>
-<p:sld xmlns:a="http://schemas.openxmlformats.org/drawingml/2006/main" xmlns:r="http://schemas.openxmlformats.org/officeDocument/2006/relationships" xmlns:p="http://schemas.openxmlformats.org/presentationml/2006/main">
-  <p:cSld>
-    <p:bg>
-      <p:bgPr>
-        <a:blipFill dpi="0" rotWithShape="1">
-          <a:blip r:embed="rId2">
-            <a:lum/>
-          </a:blip>
-          <a:srcRect/>
-          <a:stretch>
-            <a:fillRect l="-10000" r="-10000"/>
-          </a:stretch>
-        </a:blipFill>
-        <a:effectLst/>
-      </p:bgPr>
-    </p:bg>
-    <p:spTree>
-      <p:nvGrpSpPr>
-        <p:cNvPr id="1" name=""/>
-        <p:cNvGrpSpPr/>
-        <p:nvPr/>
-      </p:nvGrpSpPr>
-      <p:grpSpPr>
-        <a:xfrm>
-          <a:off x="0" y="0"/>
-          <a:ext cx="0" cy="0"/>
-          <a:chOff x="0" y="0"/>
-          <a:chExt cx="0" cy="0"/>
-        </a:xfrm>
-      </p:grpSpPr>
-      <p:sp>
-        <p:nvSpPr>
-          <p:cNvPr id="2" name="Title 1"/>
-          <p:cNvSpPr>
-            <a:spLocks noGrp="1"/>
-          </p:cNvSpPr>
-          <p:nvPr>
-            <p:ph type="title"/>
-          </p:nvPr>
-        </p:nvSpPr>
-        <p:spPr/>
-        <p:txBody>
-          <a:bodyPr/>
-          <a:lstStyle/>
-          <a:p>
-            <a:r>
-              <a:rPr lang="en-US" dirty="0"/>
-              <a:t>LICENSE</a:t>
-            </a:r>
-          </a:p>
-        </p:txBody>
-      </p:sp>
-      <p:sp>
-        <p:nvSpPr>
-          <p:cNvPr id="3" name="Content Placeholder 2"/>
-          <p:cNvSpPr>
-            <a:spLocks noGrp="1"/>
-          </p:cNvSpPr>
-          <p:nvPr>
-            <p:ph idx="1"/>
-          </p:nvPr>
-        </p:nvSpPr>
-        <p:spPr/>
-        <p:txBody>
-          <a:bodyPr>
-            <a:normAutofit fontScale="62500" lnSpcReduction="20000"/>
-          </a:bodyPr>
-          <a:lstStyle/>
-          <a:p>
-            <a:r>
-              <a:rPr lang="en-US" dirty="0"/>
-              <a:t>Copyright 2021 Douglas Bowman</a:t>
-            </a:r>
-          </a:p>
-          <a:p>
-            <a:r>
-              <a:rPr lang="en-US" dirty="0"/>
-              <a:t>Permission is hereby granted, free of charge, to any person obtaining a copy of this software and associated documentation files (the "Software"), to deal in the Software without restriction, including without limitation the rights to use, copy, modify, merge, publish, distribute, sublicense, and/or sell copies of the Software, and to permit persons to whom the Software is furnished to do so, subject to the following conditions:</a:t>
-            </a:r>
-          </a:p>
-          <a:p>
-            <a:r>
-              <a:rPr lang="en-US" dirty="0"/>
-              <a:t>The above copyright notice and this permission notice shall be included in all copies or substantial portions of the Software.</a:t>
-            </a:r>
-          </a:p>
-          <a:p>
-            <a:r>
-              <a:rPr lang="en-US" dirty="0"/>
-              <a:t>THE SOFTWARE IS PROVIDED "AS IS", WITHOUT WARRANTY OF ANY KIND, EXPRESS OR IMPLIED, INCLUDING BUT NOT LIMITED TO THE WARRANTIES OF MERCHANTABILITY, FITNESS FOR A PARTICULAR PURPOSE AND NONINFRINGEMENT. IN NO EVENT SHALL THE AUTHORS OR COPYRIGHT HOLDERS BE LIABLE FOR ANY CLAIM, DAMAGES OR OTHER LIABILITY, WHETHER IN AN ACTION OF CONTRACT, TORT OR OTHERWISE, ARISING FROM, OUT OF OR IN CONNECTION WITH THE SOFTWARE OR THE USE OR OTHER DEALINGS IN THE SOFTWARE.</a:t>
-            </a:r>
-          </a:p>
-        </p:txBody>
-      </p:sp>
-    </p:spTree>
-    <p:extLst>
-      <p:ext uri="{BB962C8B-B14F-4D97-AF65-F5344CB8AC3E}">
-        <p14:creationId xmlns:p14="http://schemas.microsoft.com/office/powerpoint/2010/main" val="3405347719"/>
-      </p:ext>
-    </p:extLst>
-  </p:cSld>
-  <p:clrMapOvr>
-    <a:masterClrMapping/>
-  </p:clrMapOvr>
-</p:sld>
-</file>
-
-<file path=ppt/slides/slide8.xml><?xml version="1.0" encoding="utf-8"?>
 <p:sld xmlns:a="http://schemas.openxmlformats.org/drawingml/2006/main" xmlns:r="http://schemas.openxmlformats.org/officeDocument/2006/relationships" xmlns:p="http://schemas.openxmlformats.org/presentationml/2006/main">
   <p:cSld>
     <p:bg>
@@ -17847,7 +18408,7 @@
           <a:p>
             <a:r>
               <a:rPr lang="en-US" dirty="0"/>
-              <a:t>Concepts and Definitions</a:t>
+              <a:t>Linear Models - Regressors</a:t>
             </a:r>
           </a:p>
         </p:txBody>
@@ -17869,25 +18430,8 @@
           <a:p>
             <a:r>
               <a:rPr lang="en-US" dirty="0"/>
-              <a:t>Model</a:t>
-            </a:r>
-          </a:p>
-          <a:p>
-            <a:pPr lvl="1"/>
-            <a:r>
-              <a:rPr lang="en-US" dirty="0"/>
-              <a:t>The construct that is/will be trained and filled with data.</a:t>
-            </a:r>
-          </a:p>
-          <a:p>
-            <a:pPr lvl="1"/>
-            <a:r>
-              <a:rPr lang="en-US" dirty="0"/>
-              <a:t>This is what will tell us what the “answer” is.</a:t>
-            </a:r>
-          </a:p>
-          <a:p>
-            <a:endParaRPr lang="en-US" dirty="0"/>
+              <a:t>Forest</a:t>
+            </a:r>
           </a:p>
           <a:p>
             <a:pPr lvl="2"/>
@@ -17901,12 +18445,1637 @@
     </p:spTree>
     <p:extLst>
       <p:ext uri="{BB962C8B-B14F-4D97-AF65-F5344CB8AC3E}">
-        <p14:creationId xmlns:p14="http://schemas.microsoft.com/office/powerpoint/2010/main" val="4212275978"/>
+        <p14:creationId xmlns:p14="http://schemas.microsoft.com/office/powerpoint/2010/main" val="358457677"/>
       </p:ext>
     </p:extLst>
   </p:cSld>
   <p:clrMapOvr>
     <a:overrideClrMapping bg1="lt1" tx1="dk1" bg2="lt2" tx2="dk2" accent1="accent1" accent2="accent2" accent3="accent3" accent4="accent4" accent5="accent5" accent6="accent6" hlink="hlink" folHlink="folHlink"/>
+  </p:clrMapOvr>
+</p:sld>
+</file>
+
+<file path=ppt/slides/slide77.xml><?xml version="1.0" encoding="utf-8"?>
+<p:sld xmlns:a="http://schemas.openxmlformats.org/drawingml/2006/main" xmlns:r="http://schemas.openxmlformats.org/officeDocument/2006/relationships" xmlns:p="http://schemas.openxmlformats.org/presentationml/2006/main">
+  <p:cSld>
+    <p:bg>
+      <p:bgPr>
+        <a:blipFill dpi="0" rotWithShape="1">
+          <a:blip r:embed="rId3">
+            <a:extLst>
+              <a:ext uri="{BEBA8EAE-BF5A-486C-A8C5-ECC9F3942E4B}">
+                <a14:imgProps xmlns:a14="http://schemas.microsoft.com/office/drawing/2010/main">
+                  <a14:imgLayer r:embed="rId4">
+                    <a14:imgEffect>
+                      <a14:brightnessContrast bright="-50000"/>
+                    </a14:imgEffect>
+                  </a14:imgLayer>
+                </a14:imgProps>
+              </a:ext>
+            </a:extLst>
+          </a:blip>
+          <a:srcRect/>
+          <a:stretch>
+            <a:fillRect l="-10000" r="-10000"/>
+          </a:stretch>
+        </a:blipFill>
+        <a:effectLst/>
+      </p:bgPr>
+    </p:bg>
+    <p:spTree>
+      <p:nvGrpSpPr>
+        <p:cNvPr id="1" name=""/>
+        <p:cNvGrpSpPr/>
+        <p:nvPr/>
+      </p:nvGrpSpPr>
+      <p:grpSpPr>
+        <a:xfrm>
+          <a:off x="0" y="0"/>
+          <a:ext cx="0" cy="0"/>
+          <a:chOff x="0" y="0"/>
+          <a:chExt cx="0" cy="0"/>
+        </a:xfrm>
+      </p:grpSpPr>
+      <p:sp>
+        <p:nvSpPr>
+          <p:cNvPr id="2" name="Title 1"/>
+          <p:cNvSpPr>
+            <a:spLocks noGrp="1"/>
+          </p:cNvSpPr>
+          <p:nvPr>
+            <p:ph type="title"/>
+          </p:nvPr>
+        </p:nvSpPr>
+        <p:spPr/>
+        <p:txBody>
+          <a:bodyPr/>
+          <a:lstStyle/>
+          <a:p>
+            <a:r>
+              <a:rPr lang="en-US" dirty="0"/>
+              <a:t>Linear Models - Regressors</a:t>
+            </a:r>
+          </a:p>
+        </p:txBody>
+      </p:sp>
+      <p:sp>
+        <p:nvSpPr>
+          <p:cNvPr id="3" name="Content Placeholder 2"/>
+          <p:cNvSpPr>
+            <a:spLocks noGrp="1"/>
+          </p:cNvSpPr>
+          <p:nvPr>
+            <p:ph idx="1"/>
+          </p:nvPr>
+        </p:nvSpPr>
+        <p:spPr/>
+        <p:txBody>
+          <a:bodyPr/>
+          <a:lstStyle/>
+          <a:p>
+            <a:r>
+              <a:rPr lang="en-US" dirty="0"/>
+              <a:t>Gradient-Boosted Forest</a:t>
+            </a:r>
+          </a:p>
+          <a:p>
+            <a:pPr lvl="2"/>
+            <a:endParaRPr lang="en-US" dirty="0"/>
+          </a:p>
+          <a:p>
+            <a:endParaRPr lang="en-US" dirty="0"/>
+          </a:p>
+        </p:txBody>
+      </p:sp>
+    </p:spTree>
+    <p:extLst>
+      <p:ext uri="{BB962C8B-B14F-4D97-AF65-F5344CB8AC3E}">
+        <p14:creationId xmlns:p14="http://schemas.microsoft.com/office/powerpoint/2010/main" val="1436682753"/>
+      </p:ext>
+    </p:extLst>
+  </p:cSld>
+  <p:clrMapOvr>
+    <a:overrideClrMapping bg1="lt1" tx1="dk1" bg2="lt2" tx2="dk2" accent1="accent1" accent2="accent2" accent3="accent3" accent4="accent4" accent5="accent5" accent6="accent6" hlink="hlink" folHlink="folHlink"/>
+  </p:clrMapOvr>
+</p:sld>
+</file>
+
+<file path=ppt/slides/slide78.xml><?xml version="1.0" encoding="utf-8"?>
+<p:sld xmlns:a="http://schemas.openxmlformats.org/drawingml/2006/main" xmlns:r="http://schemas.openxmlformats.org/officeDocument/2006/relationships" xmlns:p="http://schemas.openxmlformats.org/presentationml/2006/main">
+  <p:cSld>
+    <p:bg>
+      <p:bgPr>
+        <a:blipFill dpi="0" rotWithShape="1">
+          <a:blip r:embed="rId3">
+            <a:extLst>
+              <a:ext uri="{BEBA8EAE-BF5A-486C-A8C5-ECC9F3942E4B}">
+                <a14:imgProps xmlns:a14="http://schemas.microsoft.com/office/drawing/2010/main">
+                  <a14:imgLayer r:embed="rId4">
+                    <a14:imgEffect>
+                      <a14:brightnessContrast bright="-50000"/>
+                    </a14:imgEffect>
+                  </a14:imgLayer>
+                </a14:imgProps>
+              </a:ext>
+            </a:extLst>
+          </a:blip>
+          <a:srcRect/>
+          <a:stretch>
+            <a:fillRect l="-10000" r="-10000"/>
+          </a:stretch>
+        </a:blipFill>
+        <a:effectLst/>
+      </p:bgPr>
+    </p:bg>
+    <p:spTree>
+      <p:nvGrpSpPr>
+        <p:cNvPr id="1" name=""/>
+        <p:cNvGrpSpPr/>
+        <p:nvPr/>
+      </p:nvGrpSpPr>
+      <p:grpSpPr>
+        <a:xfrm>
+          <a:off x="0" y="0"/>
+          <a:ext cx="0" cy="0"/>
+          <a:chOff x="0" y="0"/>
+          <a:chExt cx="0" cy="0"/>
+        </a:xfrm>
+      </p:grpSpPr>
+      <p:sp>
+        <p:nvSpPr>
+          <p:cNvPr id="2" name="Title 1"/>
+          <p:cNvSpPr>
+            <a:spLocks noGrp="1"/>
+          </p:cNvSpPr>
+          <p:nvPr>
+            <p:ph type="title"/>
+          </p:nvPr>
+        </p:nvSpPr>
+        <p:spPr/>
+        <p:txBody>
+          <a:bodyPr/>
+          <a:lstStyle/>
+          <a:p>
+            <a:r>
+              <a:rPr lang="en-US" dirty="0"/>
+              <a:t>Dataset Preparation</a:t>
+            </a:r>
+          </a:p>
+        </p:txBody>
+      </p:sp>
+      <p:sp>
+        <p:nvSpPr>
+          <p:cNvPr id="3" name="Content Placeholder 2"/>
+          <p:cNvSpPr>
+            <a:spLocks noGrp="1"/>
+          </p:cNvSpPr>
+          <p:nvPr>
+            <p:ph idx="1"/>
+          </p:nvPr>
+        </p:nvSpPr>
+        <p:spPr/>
+        <p:txBody>
+          <a:bodyPr/>
+          <a:lstStyle/>
+          <a:p>
+            <a:r>
+              <a:rPr lang="en-US" dirty="0"/>
+              <a:t>Overview</a:t>
+            </a:r>
+          </a:p>
+          <a:p>
+            <a:pPr lvl="1"/>
+            <a:r>
+              <a:rPr lang="en-US" dirty="0"/>
+              <a:t>Train Test Split</a:t>
+            </a:r>
+          </a:p>
+          <a:p>
+            <a:pPr lvl="1"/>
+            <a:r>
+              <a:rPr lang="en-US" dirty="0"/>
+              <a:t>Cross Validation</a:t>
+            </a:r>
+          </a:p>
+        </p:txBody>
+      </p:sp>
+    </p:spTree>
+    <p:extLst>
+      <p:ext uri="{BB962C8B-B14F-4D97-AF65-F5344CB8AC3E}">
+        <p14:creationId xmlns:p14="http://schemas.microsoft.com/office/powerpoint/2010/main" val="4053921630"/>
+      </p:ext>
+    </p:extLst>
+  </p:cSld>
+  <p:clrMapOvr>
+    <a:overrideClrMapping bg1="lt1" tx1="dk1" bg2="lt2" tx2="dk2" accent1="accent1" accent2="accent2" accent3="accent3" accent4="accent4" accent5="accent5" accent6="accent6" hlink="hlink" folHlink="folHlink"/>
+  </p:clrMapOvr>
+</p:sld>
+</file>
+
+<file path=ppt/slides/slide79.xml><?xml version="1.0" encoding="utf-8"?>
+<p:sld xmlns:a="http://schemas.openxmlformats.org/drawingml/2006/main" xmlns:r="http://schemas.openxmlformats.org/officeDocument/2006/relationships" xmlns:p="http://schemas.openxmlformats.org/presentationml/2006/main">
+  <p:cSld>
+    <p:bg>
+      <p:bgPr>
+        <a:blipFill dpi="0" rotWithShape="1">
+          <a:blip r:embed="rId3">
+            <a:extLst>
+              <a:ext uri="{BEBA8EAE-BF5A-486C-A8C5-ECC9F3942E4B}">
+                <a14:imgProps xmlns:a14="http://schemas.microsoft.com/office/drawing/2010/main">
+                  <a14:imgLayer r:embed="rId4">
+                    <a14:imgEffect>
+                      <a14:brightnessContrast bright="-50000"/>
+                    </a14:imgEffect>
+                  </a14:imgLayer>
+                </a14:imgProps>
+              </a:ext>
+            </a:extLst>
+          </a:blip>
+          <a:srcRect/>
+          <a:stretch>
+            <a:fillRect l="-10000" r="-10000"/>
+          </a:stretch>
+        </a:blipFill>
+        <a:effectLst/>
+      </p:bgPr>
+    </p:bg>
+    <p:spTree>
+      <p:nvGrpSpPr>
+        <p:cNvPr id="1" name=""/>
+        <p:cNvGrpSpPr/>
+        <p:nvPr/>
+      </p:nvGrpSpPr>
+      <p:grpSpPr>
+        <a:xfrm>
+          <a:off x="0" y="0"/>
+          <a:ext cx="0" cy="0"/>
+          <a:chOff x="0" y="0"/>
+          <a:chExt cx="0" cy="0"/>
+        </a:xfrm>
+      </p:grpSpPr>
+      <p:sp>
+        <p:nvSpPr>
+          <p:cNvPr id="2" name="Title 1"/>
+          <p:cNvSpPr>
+            <a:spLocks noGrp="1"/>
+          </p:cNvSpPr>
+          <p:nvPr>
+            <p:ph type="title"/>
+          </p:nvPr>
+        </p:nvSpPr>
+        <p:spPr/>
+        <p:txBody>
+          <a:bodyPr/>
+          <a:lstStyle/>
+          <a:p>
+            <a:r>
+              <a:rPr lang="en-US" dirty="0"/>
+              <a:t>Evaluating Accuracy</a:t>
+            </a:r>
+          </a:p>
+        </p:txBody>
+      </p:sp>
+      <p:sp>
+        <p:nvSpPr>
+          <p:cNvPr id="3" name="Content Placeholder 2"/>
+          <p:cNvSpPr>
+            <a:spLocks noGrp="1"/>
+          </p:cNvSpPr>
+          <p:nvPr>
+            <p:ph idx="1"/>
+          </p:nvPr>
+        </p:nvSpPr>
+        <p:spPr/>
+        <p:txBody>
+          <a:bodyPr>
+            <a:normAutofit fontScale="92500" lnSpcReduction="20000"/>
+          </a:bodyPr>
+          <a:lstStyle/>
+          <a:p>
+            <a:r>
+              <a:rPr lang="en-US" dirty="0"/>
+              <a:t>Overview</a:t>
+            </a:r>
+          </a:p>
+          <a:p>
+            <a:pPr lvl="1"/>
+            <a:r>
+              <a:rPr lang="en-US" dirty="0"/>
+              <a:t>Accuracy</a:t>
+            </a:r>
+          </a:p>
+          <a:p>
+            <a:pPr lvl="2"/>
+            <a:r>
+              <a:rPr lang="en-US" dirty="0"/>
+              <a:t>score()</a:t>
+            </a:r>
+          </a:p>
+          <a:p>
+            <a:pPr lvl="1"/>
+            <a:r>
+              <a:rPr lang="en-US" dirty="0"/>
+              <a:t>Mean Squared Error</a:t>
+            </a:r>
+          </a:p>
+          <a:p>
+            <a:pPr lvl="2"/>
+            <a:r>
+              <a:rPr lang="en-US" dirty="0" err="1"/>
+              <a:t>mse</a:t>
+            </a:r>
+            <a:endParaRPr lang="en-US" dirty="0"/>
+          </a:p>
+          <a:p>
+            <a:pPr lvl="1"/>
+            <a:r>
+              <a:rPr lang="en-US" dirty="0"/>
+              <a:t>Precision Recall Curves</a:t>
+            </a:r>
+          </a:p>
+          <a:p>
+            <a:pPr lvl="2"/>
+            <a:r>
+              <a:rPr lang="en-US" dirty="0" err="1"/>
+              <a:t>precision_recall_curve</a:t>
+            </a:r>
+            <a:r>
+              <a:rPr lang="en-US" dirty="0"/>
+              <a:t>()</a:t>
+            </a:r>
+          </a:p>
+          <a:p>
+            <a:pPr lvl="1"/>
+            <a:r>
+              <a:rPr lang="en-US" dirty="0"/>
+              <a:t>Receiver Operating Characteristics (ROC) Curve</a:t>
+            </a:r>
+          </a:p>
+          <a:p>
+            <a:pPr lvl="2"/>
+            <a:r>
+              <a:rPr lang="en-US" dirty="0" err="1"/>
+              <a:t>roc_curve</a:t>
+            </a:r>
+            <a:r>
+              <a:rPr lang="en-US" dirty="0"/>
+              <a:t>()</a:t>
+            </a:r>
+          </a:p>
+          <a:p>
+            <a:pPr lvl="1"/>
+            <a:r>
+              <a:rPr lang="en-US" dirty="0"/>
+              <a:t>Area Under the Curve (AUC)</a:t>
+            </a:r>
+          </a:p>
+          <a:p>
+            <a:pPr lvl="2"/>
+            <a:r>
+              <a:rPr lang="en-US" dirty="0" err="1"/>
+              <a:t>roc_auc_score</a:t>
+            </a:r>
+            <a:r>
+              <a:rPr lang="en-US" dirty="0"/>
+              <a:t>()</a:t>
+            </a:r>
+          </a:p>
+        </p:txBody>
+      </p:sp>
+    </p:spTree>
+    <p:extLst>
+      <p:ext uri="{BB962C8B-B14F-4D97-AF65-F5344CB8AC3E}">
+        <p14:creationId xmlns:p14="http://schemas.microsoft.com/office/powerpoint/2010/main" val="3169363239"/>
+      </p:ext>
+    </p:extLst>
+  </p:cSld>
+  <p:clrMapOvr>
+    <a:overrideClrMapping bg1="lt1" tx1="dk1" bg2="lt2" tx2="dk2" accent1="accent1" accent2="accent2" accent3="accent3" accent4="accent4" accent5="accent5" accent6="accent6" hlink="hlink" folHlink="folHlink"/>
+  </p:clrMapOvr>
+</p:sld>
+</file>
+
+<file path=ppt/slides/slide8.xml><?xml version="1.0" encoding="utf-8"?>
+<p:sld xmlns:a="http://schemas.openxmlformats.org/drawingml/2006/main" xmlns:r="http://schemas.openxmlformats.org/officeDocument/2006/relationships" xmlns:p="http://schemas.openxmlformats.org/presentationml/2006/main">
+  <p:cSld>
+    <p:bg>
+      <p:bgPr>
+        <a:blipFill dpi="0" rotWithShape="1">
+          <a:blip r:embed="rId4">
+            <a:extLst>
+              <a:ext uri="{BEBA8EAE-BF5A-486C-A8C5-ECC9F3942E4B}">
+                <a14:imgProps xmlns:a14="http://schemas.microsoft.com/office/drawing/2010/main">
+                  <a14:imgLayer r:embed="rId5">
+                    <a14:imgEffect>
+                      <a14:brightnessContrast bright="-50000"/>
+                    </a14:imgEffect>
+                  </a14:imgLayer>
+                </a14:imgProps>
+              </a:ext>
+            </a:extLst>
+          </a:blip>
+          <a:srcRect/>
+          <a:stretch>
+            <a:fillRect l="-10000" r="-10000"/>
+          </a:stretch>
+        </a:blipFill>
+        <a:effectLst/>
+      </p:bgPr>
+    </p:bg>
+    <p:spTree>
+      <p:nvGrpSpPr>
+        <p:cNvPr id="1" name=""/>
+        <p:cNvGrpSpPr/>
+        <p:nvPr/>
+      </p:nvGrpSpPr>
+      <p:grpSpPr>
+        <a:xfrm>
+          <a:off x="0" y="0"/>
+          <a:ext cx="0" cy="0"/>
+          <a:chOff x="0" y="0"/>
+          <a:chExt cx="0" cy="0"/>
+        </a:xfrm>
+      </p:grpSpPr>
+      <p:sp>
+        <p:nvSpPr>
+          <p:cNvPr id="2" name="Title 1"/>
+          <p:cNvSpPr>
+            <a:spLocks noGrp="1"/>
+          </p:cNvSpPr>
+          <p:nvPr>
+            <p:ph type="title"/>
+          </p:nvPr>
+        </p:nvSpPr>
+        <p:spPr/>
+        <p:txBody>
+          <a:bodyPr/>
+          <a:lstStyle/>
+          <a:p>
+            <a:r>
+              <a:rPr lang="en-US" dirty="0"/>
+              <a:t>Concepts and Definitions</a:t>
+            </a:r>
+          </a:p>
+        </p:txBody>
+      </p:sp>
+      <p:sp>
+        <p:nvSpPr>
+          <p:cNvPr id="3" name="Content Placeholder 2"/>
+          <p:cNvSpPr>
+            <a:spLocks noGrp="1"/>
+          </p:cNvSpPr>
+          <p:nvPr>
+            <p:ph idx="1"/>
+          </p:nvPr>
+        </p:nvSpPr>
+        <p:spPr/>
+        <p:txBody>
+          <a:bodyPr>
+            <a:normAutofit fontScale="92500"/>
+          </a:bodyPr>
+          <a:lstStyle/>
+          <a:p>
+            <a:r>
+              <a:rPr lang="en-US" dirty="0"/>
+              <a:t>Regressor</a:t>
+            </a:r>
+          </a:p>
+          <a:p>
+            <a:pPr lvl="1"/>
+            <a:r>
+              <a:rPr lang="en-US" dirty="0"/>
+              <a:t>In general, regressors predict by creating a function.</a:t>
+            </a:r>
+          </a:p>
+          <a:p>
+            <a:pPr lvl="1"/>
+            <a:r>
+              <a:rPr lang="en-US" dirty="0"/>
+              <a:t>For linear regressors, the function is similar to the following:</a:t>
+            </a:r>
+          </a:p>
+          <a:p>
+            <a:pPr lvl="2"/>
+            <a:r>
+              <a:rPr lang="en-US" dirty="0" err="1"/>
+              <a:t>Y</a:t>
+            </a:r>
+            <a:r>
+              <a:rPr lang="en-US" baseline="-25000" dirty="0" err="1"/>
+              <a:t>predict</a:t>
+            </a:r>
+            <a:r>
+              <a:rPr lang="en-US" dirty="0"/>
+              <a:t> = w</a:t>
+            </a:r>
+            <a:r>
+              <a:rPr lang="en-US" baseline="-25000" dirty="0"/>
+              <a:t>1</a:t>
+            </a:r>
+            <a:r>
+              <a:rPr lang="en-US" dirty="0"/>
+              <a:t>*f</a:t>
+            </a:r>
+            <a:r>
+              <a:rPr lang="en-US" baseline="-25000" dirty="0"/>
+              <a:t>1</a:t>
+            </a:r>
+            <a:r>
+              <a:rPr lang="en-US" dirty="0"/>
+              <a:t> + w</a:t>
+            </a:r>
+            <a:r>
+              <a:rPr lang="en-US" baseline="-25000" dirty="0"/>
+              <a:t>2</a:t>
+            </a:r>
+            <a:r>
+              <a:rPr lang="en-US" dirty="0"/>
+              <a:t>*f</a:t>
+            </a:r>
+            <a:r>
+              <a:rPr lang="en-US" baseline="-25000" dirty="0"/>
+              <a:t>2</a:t>
+            </a:r>
+            <a:r>
+              <a:rPr lang="en-US" dirty="0"/>
+              <a:t> + w</a:t>
+            </a:r>
+            <a:r>
+              <a:rPr lang="en-US" baseline="-25000" dirty="0"/>
+              <a:t>3</a:t>
+            </a:r>
+            <a:r>
+              <a:rPr lang="en-US" dirty="0"/>
+              <a:t>*f</a:t>
+            </a:r>
+            <a:r>
+              <a:rPr lang="en-US" baseline="-25000" dirty="0"/>
+              <a:t>3</a:t>
+            </a:r>
+            <a:r>
+              <a:rPr lang="en-US" dirty="0"/>
+              <a:t> + … + </a:t>
+            </a:r>
+            <a:r>
+              <a:rPr lang="en-US" dirty="0" err="1"/>
+              <a:t>w</a:t>
+            </a:r>
+            <a:r>
+              <a:rPr lang="en-US" baseline="-25000" dirty="0" err="1"/>
+              <a:t>n</a:t>
+            </a:r>
+            <a:r>
+              <a:rPr lang="en-US" dirty="0"/>
+              <a:t>*</a:t>
+            </a:r>
+            <a:r>
+              <a:rPr lang="en-US" dirty="0" err="1"/>
+              <a:t>f</a:t>
+            </a:r>
+            <a:r>
+              <a:rPr lang="en-US" baseline="-25000" dirty="0" err="1"/>
+              <a:t>n</a:t>
+            </a:r>
+            <a:r>
+              <a:rPr lang="en-US" dirty="0"/>
+              <a:t> + b + r</a:t>
+            </a:r>
+          </a:p>
+          <a:p>
+            <a:pPr lvl="3"/>
+            <a:r>
+              <a:rPr lang="en-US" dirty="0" err="1"/>
+              <a:t>Y</a:t>
+            </a:r>
+            <a:r>
+              <a:rPr lang="en-US" baseline="-25000" dirty="0" err="1"/>
+              <a:t>predict</a:t>
+            </a:r>
+            <a:r>
+              <a:rPr lang="en-US" dirty="0"/>
+              <a:t> = predicted value for a given sample</a:t>
+            </a:r>
+          </a:p>
+          <a:p>
+            <a:pPr lvl="3"/>
+            <a:r>
+              <a:rPr lang="en-US" dirty="0"/>
+              <a:t>w = weights</a:t>
+            </a:r>
+          </a:p>
+          <a:p>
+            <a:pPr lvl="3"/>
+            <a:r>
+              <a:rPr lang="en-US" dirty="0"/>
+              <a:t>f = feature value</a:t>
+            </a:r>
+          </a:p>
+          <a:p>
+            <a:pPr lvl="3"/>
+            <a:r>
+              <a:rPr lang="en-US" dirty="0"/>
+              <a:t>n = number of features</a:t>
+            </a:r>
+          </a:p>
+          <a:p>
+            <a:pPr lvl="3"/>
+            <a:r>
+              <a:rPr lang="en-US" dirty="0"/>
+              <a:t>b = intercept of linear line</a:t>
+            </a:r>
+          </a:p>
+          <a:p>
+            <a:pPr lvl="3"/>
+            <a:r>
+              <a:rPr lang="en-US" dirty="0"/>
+              <a:t>r = regularization parameter</a:t>
+            </a:r>
+          </a:p>
+          <a:p>
+            <a:pPr lvl="1"/>
+            <a:endParaRPr lang="en-US" dirty="0"/>
+          </a:p>
+          <a:p>
+            <a:pPr lvl="2"/>
+            <a:endParaRPr lang="en-US" dirty="0"/>
+          </a:p>
+          <a:p>
+            <a:endParaRPr lang="en-US" dirty="0"/>
+          </a:p>
+        </p:txBody>
+      </p:sp>
+    </p:spTree>
+    <p:extLst>
+      <p:ext uri="{BB962C8B-B14F-4D97-AF65-F5344CB8AC3E}">
+        <p14:creationId xmlns:p14="http://schemas.microsoft.com/office/powerpoint/2010/main" val="4224757609"/>
+      </p:ext>
+    </p:extLst>
+  </p:cSld>
+  <p:clrMapOvr>
+    <a:overrideClrMapping bg1="lt1" tx1="dk1" bg2="lt2" tx2="dk2" accent1="accent1" accent2="accent2" accent3="accent3" accent4="accent4" accent5="accent5" accent6="accent6" hlink="hlink" folHlink="folHlink"/>
+  </p:clrMapOvr>
+</p:sld>
+</file>
+
+<file path=ppt/slides/slide80.xml><?xml version="1.0" encoding="utf-8"?>
+<p:sld xmlns:a="http://schemas.openxmlformats.org/drawingml/2006/main" xmlns:r="http://schemas.openxmlformats.org/officeDocument/2006/relationships" xmlns:p="http://schemas.openxmlformats.org/presentationml/2006/main">
+  <p:cSld>
+    <p:bg>
+      <p:bgPr>
+        <a:blipFill dpi="0" rotWithShape="1">
+          <a:blip r:embed="rId3">
+            <a:extLst>
+              <a:ext uri="{BEBA8EAE-BF5A-486C-A8C5-ECC9F3942E4B}">
+                <a14:imgProps xmlns:a14="http://schemas.microsoft.com/office/drawing/2010/main">
+                  <a14:imgLayer r:embed="rId4">
+                    <a14:imgEffect>
+                      <a14:brightnessContrast bright="-50000"/>
+                    </a14:imgEffect>
+                  </a14:imgLayer>
+                </a14:imgProps>
+              </a:ext>
+            </a:extLst>
+          </a:blip>
+          <a:srcRect/>
+          <a:stretch>
+            <a:fillRect l="-10000" r="-10000"/>
+          </a:stretch>
+        </a:blipFill>
+        <a:effectLst/>
+      </p:bgPr>
+    </p:bg>
+    <p:spTree>
+      <p:nvGrpSpPr>
+        <p:cNvPr id="1" name=""/>
+        <p:cNvGrpSpPr/>
+        <p:nvPr/>
+      </p:nvGrpSpPr>
+      <p:grpSpPr>
+        <a:xfrm>
+          <a:off x="0" y="0"/>
+          <a:ext cx="0" cy="0"/>
+          <a:chOff x="0" y="0"/>
+          <a:chExt cx="0" cy="0"/>
+        </a:xfrm>
+      </p:grpSpPr>
+      <p:sp>
+        <p:nvSpPr>
+          <p:cNvPr id="2" name="Title 1"/>
+          <p:cNvSpPr>
+            <a:spLocks noGrp="1"/>
+          </p:cNvSpPr>
+          <p:nvPr>
+            <p:ph type="title"/>
+          </p:nvPr>
+        </p:nvSpPr>
+        <p:spPr/>
+        <p:txBody>
+          <a:bodyPr/>
+          <a:lstStyle/>
+          <a:p>
+            <a:r>
+              <a:rPr lang="en-US" dirty="0" err="1"/>
+              <a:t>Scikit</a:t>
+            </a:r>
+            <a:r>
+              <a:rPr lang="en-US" dirty="0"/>
+              <a:t>-Learn Machine Learning</a:t>
+            </a:r>
+          </a:p>
+        </p:txBody>
+      </p:sp>
+      <p:sp>
+        <p:nvSpPr>
+          <p:cNvPr id="3" name="Content Placeholder 2"/>
+          <p:cNvSpPr>
+            <a:spLocks noGrp="1"/>
+          </p:cNvSpPr>
+          <p:nvPr>
+            <p:ph idx="1"/>
+          </p:nvPr>
+        </p:nvSpPr>
+        <p:spPr/>
+        <p:txBody>
+          <a:bodyPr/>
+          <a:lstStyle/>
+          <a:p>
+            <a:r>
+              <a:rPr lang="en-US" dirty="0"/>
+              <a:t>Overview</a:t>
+            </a:r>
+          </a:p>
+          <a:p>
+            <a:pPr lvl="1"/>
+            <a:r>
+              <a:rPr lang="en-US" dirty="0"/>
+              <a:t>Definition</a:t>
+            </a:r>
+          </a:p>
+          <a:p>
+            <a:pPr lvl="1"/>
+            <a:r>
+              <a:rPr lang="en-US" dirty="0"/>
+              <a:t>General Types</a:t>
+            </a:r>
+          </a:p>
+          <a:p>
+            <a:pPr lvl="1"/>
+            <a:r>
+              <a:rPr lang="en-US" dirty="0"/>
+              <a:t>Basic Linear Models</a:t>
+            </a:r>
+          </a:p>
+          <a:p>
+            <a:pPr lvl="1"/>
+            <a:r>
+              <a:rPr lang="en-US" dirty="0"/>
+              <a:t>Algorithm Types</a:t>
+            </a:r>
+          </a:p>
+          <a:p>
+            <a:pPr lvl="1"/>
+            <a:r>
+              <a:rPr lang="en-US" dirty="0"/>
+              <a:t>Tuning</a:t>
+            </a:r>
+          </a:p>
+          <a:p>
+            <a:pPr lvl="2"/>
+            <a:endParaRPr lang="en-US" dirty="0"/>
+          </a:p>
+          <a:p>
+            <a:endParaRPr lang="en-US" dirty="0"/>
+          </a:p>
+        </p:txBody>
+      </p:sp>
+    </p:spTree>
+    <p:extLst>
+      <p:ext uri="{BB962C8B-B14F-4D97-AF65-F5344CB8AC3E}">
+        <p14:creationId xmlns:p14="http://schemas.microsoft.com/office/powerpoint/2010/main" val="754999196"/>
+      </p:ext>
+    </p:extLst>
+  </p:cSld>
+  <p:clrMapOvr>
+    <a:overrideClrMapping bg1="lt1" tx1="dk1" bg2="lt2" tx2="dk2" accent1="accent1" accent2="accent2" accent3="accent3" accent4="accent4" accent5="accent5" accent6="accent6" hlink="hlink" folHlink="folHlink"/>
+  </p:clrMapOvr>
+</p:sld>
+</file>
+
+<file path=ppt/slides/slide81.xml><?xml version="1.0" encoding="utf-8"?>
+<p:sld xmlns:a="http://schemas.openxmlformats.org/drawingml/2006/main" xmlns:r="http://schemas.openxmlformats.org/officeDocument/2006/relationships" xmlns:p="http://schemas.openxmlformats.org/presentationml/2006/main">
+  <p:cSld>
+    <p:bg>
+      <p:bgPr>
+        <a:blipFill dpi="0" rotWithShape="1">
+          <a:blip r:embed="rId3">
+            <a:extLst>
+              <a:ext uri="{BEBA8EAE-BF5A-486C-A8C5-ECC9F3942E4B}">
+                <a14:imgProps xmlns:a14="http://schemas.microsoft.com/office/drawing/2010/main">
+                  <a14:imgLayer r:embed="rId4">
+                    <a14:imgEffect>
+                      <a14:brightnessContrast bright="-50000"/>
+                    </a14:imgEffect>
+                  </a14:imgLayer>
+                </a14:imgProps>
+              </a:ext>
+            </a:extLst>
+          </a:blip>
+          <a:srcRect/>
+          <a:stretch>
+            <a:fillRect l="-10000" r="-10000"/>
+          </a:stretch>
+        </a:blipFill>
+        <a:effectLst/>
+      </p:bgPr>
+    </p:bg>
+    <p:spTree>
+      <p:nvGrpSpPr>
+        <p:cNvPr id="1" name=""/>
+        <p:cNvGrpSpPr/>
+        <p:nvPr/>
+      </p:nvGrpSpPr>
+      <p:grpSpPr>
+        <a:xfrm>
+          <a:off x="0" y="0"/>
+          <a:ext cx="0" cy="0"/>
+          <a:chOff x="0" y="0"/>
+          <a:chExt cx="0" cy="0"/>
+        </a:xfrm>
+      </p:grpSpPr>
+      <p:sp>
+        <p:nvSpPr>
+          <p:cNvPr id="2" name="Title 1"/>
+          <p:cNvSpPr>
+            <a:spLocks noGrp="1"/>
+          </p:cNvSpPr>
+          <p:nvPr>
+            <p:ph type="title"/>
+          </p:nvPr>
+        </p:nvSpPr>
+        <p:spPr/>
+        <p:txBody>
+          <a:bodyPr/>
+          <a:lstStyle/>
+          <a:p>
+            <a:r>
+              <a:rPr lang="en-US" dirty="0"/>
+              <a:t>Tuning</a:t>
+            </a:r>
+          </a:p>
+        </p:txBody>
+      </p:sp>
+      <p:sp>
+        <p:nvSpPr>
+          <p:cNvPr id="3" name="Content Placeholder 2"/>
+          <p:cNvSpPr>
+            <a:spLocks noGrp="1"/>
+          </p:cNvSpPr>
+          <p:nvPr>
+            <p:ph idx="1"/>
+          </p:nvPr>
+        </p:nvSpPr>
+        <p:spPr/>
+        <p:txBody>
+          <a:bodyPr/>
+          <a:lstStyle/>
+          <a:p>
+            <a:r>
+              <a:rPr lang="en-US" dirty="0"/>
+              <a:t>Determining what features matter</a:t>
+            </a:r>
+          </a:p>
+          <a:p>
+            <a:r>
+              <a:rPr lang="en-US" dirty="0"/>
+              <a:t>If both prediction test scores and training scores are low, then the model is suffering from underfitting.</a:t>
+            </a:r>
+          </a:p>
+          <a:p>
+            <a:r>
+              <a:rPr lang="en-US" dirty="0"/>
+              <a:t>If the model has extremely high training scores, but not nearly as high prediction test scores, the model is suffering from overfitting.</a:t>
+            </a:r>
+          </a:p>
+          <a:p>
+            <a:pPr lvl="2"/>
+            <a:endParaRPr lang="en-US" dirty="0"/>
+          </a:p>
+          <a:p>
+            <a:endParaRPr lang="en-US" dirty="0"/>
+          </a:p>
+        </p:txBody>
+      </p:sp>
+    </p:spTree>
+    <p:extLst>
+      <p:ext uri="{BB962C8B-B14F-4D97-AF65-F5344CB8AC3E}">
+        <p14:creationId xmlns:p14="http://schemas.microsoft.com/office/powerpoint/2010/main" val="3393037686"/>
+      </p:ext>
+    </p:extLst>
+  </p:cSld>
+  <p:clrMapOvr>
+    <a:overrideClrMapping bg1="lt1" tx1="dk1" bg2="lt2" tx2="dk2" accent1="accent1" accent2="accent2" accent3="accent3" accent4="accent4" accent5="accent5" accent6="accent6" hlink="hlink" folHlink="folHlink"/>
+  </p:clrMapOvr>
+</p:sld>
+</file>
+
+<file path=ppt/slides/slide82.xml><?xml version="1.0" encoding="utf-8"?>
+<p:sld xmlns:a="http://schemas.openxmlformats.org/drawingml/2006/main" xmlns:r="http://schemas.openxmlformats.org/officeDocument/2006/relationships" xmlns:p="http://schemas.openxmlformats.org/presentationml/2006/main">
+  <p:cSld>
+    <p:bg>
+      <p:bgPr>
+        <a:blipFill dpi="0" rotWithShape="1">
+          <a:blip r:embed="rId3">
+            <a:extLst>
+              <a:ext uri="{BEBA8EAE-BF5A-486C-A8C5-ECC9F3942E4B}">
+                <a14:imgProps xmlns:a14="http://schemas.microsoft.com/office/drawing/2010/main">
+                  <a14:imgLayer r:embed="rId4">
+                    <a14:imgEffect>
+                      <a14:brightnessContrast bright="-50000"/>
+                    </a14:imgEffect>
+                  </a14:imgLayer>
+                </a14:imgProps>
+              </a:ext>
+            </a:extLst>
+          </a:blip>
+          <a:srcRect/>
+          <a:stretch>
+            <a:fillRect l="-10000" r="-10000"/>
+          </a:stretch>
+        </a:blipFill>
+        <a:effectLst/>
+      </p:bgPr>
+    </p:bg>
+    <p:spTree>
+      <p:nvGrpSpPr>
+        <p:cNvPr id="1" name=""/>
+        <p:cNvGrpSpPr/>
+        <p:nvPr/>
+      </p:nvGrpSpPr>
+      <p:grpSpPr>
+        <a:xfrm>
+          <a:off x="0" y="0"/>
+          <a:ext cx="0" cy="0"/>
+          <a:chOff x="0" y="0"/>
+          <a:chExt cx="0" cy="0"/>
+        </a:xfrm>
+      </p:grpSpPr>
+      <p:sp>
+        <p:nvSpPr>
+          <p:cNvPr id="2" name="Title 1"/>
+          <p:cNvSpPr>
+            <a:spLocks noGrp="1"/>
+          </p:cNvSpPr>
+          <p:nvPr>
+            <p:ph type="title"/>
+          </p:nvPr>
+        </p:nvSpPr>
+        <p:spPr/>
+        <p:txBody>
+          <a:bodyPr/>
+          <a:lstStyle/>
+          <a:p>
+            <a:r>
+              <a:rPr lang="en-US" dirty="0"/>
+              <a:t>Tuning</a:t>
+            </a:r>
+          </a:p>
+        </p:txBody>
+      </p:sp>
+      <p:sp>
+        <p:nvSpPr>
+          <p:cNvPr id="3" name="Content Placeholder 2"/>
+          <p:cNvSpPr>
+            <a:spLocks noGrp="1"/>
+          </p:cNvSpPr>
+          <p:nvPr>
+            <p:ph idx="1"/>
+          </p:nvPr>
+        </p:nvSpPr>
+        <p:spPr/>
+        <p:txBody>
+          <a:bodyPr/>
+          <a:lstStyle/>
+          <a:p>
+            <a:r>
+              <a:rPr lang="en-US" dirty="0"/>
+              <a:t>Parameters to Play with</a:t>
+            </a:r>
+          </a:p>
+          <a:p>
+            <a:pPr lvl="1"/>
+            <a:r>
+              <a:rPr lang="en-US" dirty="0"/>
+              <a:t>K-Nearest Neighbors</a:t>
+            </a:r>
+          </a:p>
+          <a:p>
+            <a:pPr lvl="2"/>
+            <a:r>
+              <a:rPr lang="en-US" dirty="0"/>
+              <a:t>Number of neighbors to test point</a:t>
+            </a:r>
+          </a:p>
+          <a:p>
+            <a:pPr lvl="2"/>
+            <a:r>
+              <a:rPr lang="en-US" dirty="0"/>
+              <a:t>Algorithm to evaluate distance test point is from data points</a:t>
+            </a:r>
+          </a:p>
+          <a:p>
+            <a:pPr lvl="2"/>
+            <a:endParaRPr lang="en-US" dirty="0"/>
+          </a:p>
+          <a:p>
+            <a:endParaRPr lang="en-US" dirty="0"/>
+          </a:p>
+        </p:txBody>
+      </p:sp>
+    </p:spTree>
+    <p:extLst>
+      <p:ext uri="{BB962C8B-B14F-4D97-AF65-F5344CB8AC3E}">
+        <p14:creationId xmlns:p14="http://schemas.microsoft.com/office/powerpoint/2010/main" val="274238177"/>
+      </p:ext>
+    </p:extLst>
+  </p:cSld>
+  <p:clrMapOvr>
+    <a:overrideClrMapping bg1="lt1" tx1="dk1" bg2="lt2" tx2="dk2" accent1="accent1" accent2="accent2" accent3="accent3" accent4="accent4" accent5="accent5" accent6="accent6" hlink="hlink" folHlink="folHlink"/>
+  </p:clrMapOvr>
+</p:sld>
+</file>
+
+<file path=ppt/slides/slide83.xml><?xml version="1.0" encoding="utf-8"?>
+<p:sld xmlns:a="http://schemas.openxmlformats.org/drawingml/2006/main" xmlns:r="http://schemas.openxmlformats.org/officeDocument/2006/relationships" xmlns:p="http://schemas.openxmlformats.org/presentationml/2006/main">
+  <p:cSld>
+    <p:bg>
+      <p:bgPr>
+        <a:blipFill dpi="0" rotWithShape="1">
+          <a:blip r:embed="rId3">
+            <a:extLst>
+              <a:ext uri="{BEBA8EAE-BF5A-486C-A8C5-ECC9F3942E4B}">
+                <a14:imgProps xmlns:a14="http://schemas.microsoft.com/office/drawing/2010/main">
+                  <a14:imgLayer r:embed="rId4">
+                    <a14:imgEffect>
+                      <a14:brightnessContrast bright="-50000"/>
+                    </a14:imgEffect>
+                  </a14:imgLayer>
+                </a14:imgProps>
+              </a:ext>
+            </a:extLst>
+          </a:blip>
+          <a:srcRect/>
+          <a:stretch>
+            <a:fillRect l="-10000" r="-10000"/>
+          </a:stretch>
+        </a:blipFill>
+        <a:effectLst/>
+      </p:bgPr>
+    </p:bg>
+    <p:spTree>
+      <p:nvGrpSpPr>
+        <p:cNvPr id="1" name=""/>
+        <p:cNvGrpSpPr/>
+        <p:nvPr/>
+      </p:nvGrpSpPr>
+      <p:grpSpPr>
+        <a:xfrm>
+          <a:off x="0" y="0"/>
+          <a:ext cx="0" cy="0"/>
+          <a:chOff x="0" y="0"/>
+          <a:chExt cx="0" cy="0"/>
+        </a:xfrm>
+      </p:grpSpPr>
+      <p:sp>
+        <p:nvSpPr>
+          <p:cNvPr id="2" name="Title 1"/>
+          <p:cNvSpPr>
+            <a:spLocks noGrp="1"/>
+          </p:cNvSpPr>
+          <p:nvPr>
+            <p:ph type="title"/>
+          </p:nvPr>
+        </p:nvSpPr>
+        <p:spPr/>
+        <p:txBody>
+          <a:bodyPr/>
+          <a:lstStyle/>
+          <a:p>
+            <a:r>
+              <a:rPr lang="en-US" dirty="0"/>
+              <a:t>Tuning</a:t>
+            </a:r>
+          </a:p>
+        </p:txBody>
+      </p:sp>
+      <p:sp>
+        <p:nvSpPr>
+          <p:cNvPr id="3" name="Content Placeholder 2"/>
+          <p:cNvSpPr>
+            <a:spLocks noGrp="1"/>
+          </p:cNvSpPr>
+          <p:nvPr>
+            <p:ph idx="1"/>
+          </p:nvPr>
+        </p:nvSpPr>
+        <p:spPr/>
+        <p:txBody>
+          <a:bodyPr/>
+          <a:lstStyle/>
+          <a:p>
+            <a:r>
+              <a:rPr lang="en-US" dirty="0"/>
+              <a:t>Grid Search</a:t>
+            </a:r>
+          </a:p>
+          <a:p>
+            <a:pPr lvl="2"/>
+            <a:endParaRPr lang="en-US" dirty="0"/>
+          </a:p>
+          <a:p>
+            <a:endParaRPr lang="en-US" dirty="0"/>
+          </a:p>
+        </p:txBody>
+      </p:sp>
+    </p:spTree>
+    <p:extLst>
+      <p:ext uri="{BB962C8B-B14F-4D97-AF65-F5344CB8AC3E}">
+        <p14:creationId xmlns:p14="http://schemas.microsoft.com/office/powerpoint/2010/main" val="2622179278"/>
+      </p:ext>
+    </p:extLst>
+  </p:cSld>
+  <p:clrMapOvr>
+    <a:overrideClrMapping bg1="lt1" tx1="dk1" bg2="lt2" tx2="dk2" accent1="accent1" accent2="accent2" accent3="accent3" accent4="accent4" accent5="accent5" accent6="accent6" hlink="hlink" folHlink="folHlink"/>
+  </p:clrMapOvr>
+</p:sld>
+</file>
+
+<file path=ppt/slides/slide84.xml><?xml version="1.0" encoding="utf-8"?>
+<p:sld xmlns:a="http://schemas.openxmlformats.org/drawingml/2006/main" xmlns:r="http://schemas.openxmlformats.org/officeDocument/2006/relationships" xmlns:p="http://schemas.openxmlformats.org/presentationml/2006/main">
+  <p:cSld>
+    <p:bg>
+      <p:bgPr>
+        <a:blipFill dpi="0" rotWithShape="1">
+          <a:blip r:embed="rId3">
+            <a:extLst>
+              <a:ext uri="{BEBA8EAE-BF5A-486C-A8C5-ECC9F3942E4B}">
+                <a14:imgProps xmlns:a14="http://schemas.microsoft.com/office/drawing/2010/main">
+                  <a14:imgLayer r:embed="rId4">
+                    <a14:imgEffect>
+                      <a14:brightnessContrast bright="-50000"/>
+                    </a14:imgEffect>
+                  </a14:imgLayer>
+                </a14:imgProps>
+              </a:ext>
+            </a:extLst>
+          </a:blip>
+          <a:srcRect/>
+          <a:stretch>
+            <a:fillRect l="-10000" r="-10000"/>
+          </a:stretch>
+        </a:blipFill>
+        <a:effectLst/>
+      </p:bgPr>
+    </p:bg>
+    <p:spTree>
+      <p:nvGrpSpPr>
+        <p:cNvPr id="1" name=""/>
+        <p:cNvGrpSpPr/>
+        <p:nvPr/>
+      </p:nvGrpSpPr>
+      <p:grpSpPr>
+        <a:xfrm>
+          <a:off x="0" y="0"/>
+          <a:ext cx="0" cy="0"/>
+          <a:chOff x="0" y="0"/>
+          <a:chExt cx="0" cy="0"/>
+        </a:xfrm>
+      </p:grpSpPr>
+      <p:sp>
+        <p:nvSpPr>
+          <p:cNvPr id="2" name="Title 1"/>
+          <p:cNvSpPr>
+            <a:spLocks noGrp="1"/>
+          </p:cNvSpPr>
+          <p:nvPr>
+            <p:ph type="title"/>
+          </p:nvPr>
+        </p:nvSpPr>
+        <p:spPr/>
+        <p:txBody>
+          <a:bodyPr/>
+          <a:lstStyle/>
+          <a:p>
+            <a:r>
+              <a:rPr lang="en-US" dirty="0" err="1"/>
+              <a:t>Scikit</a:t>
+            </a:r>
+            <a:r>
+              <a:rPr lang="en-US" dirty="0"/>
+              <a:t>-Learn Machine Learning</a:t>
+            </a:r>
+          </a:p>
+        </p:txBody>
+      </p:sp>
+      <p:sp>
+        <p:nvSpPr>
+          <p:cNvPr id="3" name="Content Placeholder 2"/>
+          <p:cNvSpPr>
+            <a:spLocks noGrp="1"/>
+          </p:cNvSpPr>
+          <p:nvPr>
+            <p:ph idx="1"/>
+          </p:nvPr>
+        </p:nvSpPr>
+        <p:spPr/>
+        <p:txBody>
+          <a:bodyPr/>
+          <a:lstStyle/>
+          <a:p>
+            <a:r>
+              <a:rPr lang="en-US" dirty="0"/>
+              <a:t>Overview</a:t>
+            </a:r>
+          </a:p>
+          <a:p>
+            <a:pPr lvl="1"/>
+            <a:r>
+              <a:rPr lang="en-US" dirty="0"/>
+              <a:t>Definition</a:t>
+            </a:r>
+          </a:p>
+          <a:p>
+            <a:pPr lvl="1"/>
+            <a:r>
+              <a:rPr lang="en-US" dirty="0"/>
+              <a:t>General Types</a:t>
+            </a:r>
+          </a:p>
+          <a:p>
+            <a:pPr lvl="1"/>
+            <a:r>
+              <a:rPr lang="en-US" dirty="0"/>
+              <a:t>Basic Linear Models</a:t>
+            </a:r>
+          </a:p>
+          <a:p>
+            <a:pPr lvl="1"/>
+            <a:r>
+              <a:rPr lang="en-US" dirty="0"/>
+              <a:t>Algorithm Types</a:t>
+            </a:r>
+          </a:p>
+          <a:p>
+            <a:pPr lvl="1"/>
+            <a:r>
+              <a:rPr lang="en-US" dirty="0"/>
+              <a:t>Tuning</a:t>
+            </a:r>
+          </a:p>
+          <a:p>
+            <a:pPr lvl="2"/>
+            <a:endParaRPr lang="en-US" dirty="0"/>
+          </a:p>
+          <a:p>
+            <a:endParaRPr lang="en-US" dirty="0"/>
+          </a:p>
+        </p:txBody>
+      </p:sp>
+    </p:spTree>
+    <p:extLst>
+      <p:ext uri="{BB962C8B-B14F-4D97-AF65-F5344CB8AC3E}">
+        <p14:creationId xmlns:p14="http://schemas.microsoft.com/office/powerpoint/2010/main" val="2946119377"/>
+      </p:ext>
+    </p:extLst>
+  </p:cSld>
+  <p:clrMapOvr>
+    <a:overrideClrMapping bg1="lt1" tx1="dk1" bg2="lt2" tx2="dk2" accent1="accent1" accent2="accent2" accent3="accent3" accent4="accent4" accent5="accent5" accent6="accent6" hlink="hlink" folHlink="folHlink"/>
+  </p:clrMapOvr>
+</p:sld>
+</file>
+
+<file path=ppt/slides/slide85.xml><?xml version="1.0" encoding="utf-8"?>
+<p:sld xmlns:a="http://schemas.openxmlformats.org/drawingml/2006/main" xmlns:r="http://schemas.openxmlformats.org/officeDocument/2006/relationships" xmlns:p="http://schemas.openxmlformats.org/presentationml/2006/main">
+  <p:cSld>
+    <p:bg>
+      <p:bgPr>
+        <a:blipFill dpi="0" rotWithShape="1">
+          <a:blip r:embed="rId2">
+            <a:lum/>
+          </a:blip>
+          <a:srcRect/>
+          <a:stretch>
+            <a:fillRect l="-10000" r="-10000"/>
+          </a:stretch>
+        </a:blipFill>
+        <a:effectLst/>
+      </p:bgPr>
+    </p:bg>
+    <p:spTree>
+      <p:nvGrpSpPr>
+        <p:cNvPr id="1" name=""/>
+        <p:cNvGrpSpPr/>
+        <p:nvPr/>
+      </p:nvGrpSpPr>
+      <p:grpSpPr>
+        <a:xfrm>
+          <a:off x="0" y="0"/>
+          <a:ext cx="0" cy="0"/>
+          <a:chOff x="0" y="0"/>
+          <a:chExt cx="0" cy="0"/>
+        </a:xfrm>
+      </p:grpSpPr>
+      <p:sp>
+        <p:nvSpPr>
+          <p:cNvPr id="2" name="Title 1"/>
+          <p:cNvSpPr>
+            <a:spLocks noGrp="1"/>
+          </p:cNvSpPr>
+          <p:nvPr>
+            <p:ph type="title"/>
+          </p:nvPr>
+        </p:nvSpPr>
+        <p:spPr/>
+        <p:txBody>
+          <a:bodyPr/>
+          <a:lstStyle/>
+          <a:p>
+            <a:r>
+              <a:rPr lang="en-US" dirty="0"/>
+              <a:t>Bibliography</a:t>
+            </a:r>
+          </a:p>
+        </p:txBody>
+      </p:sp>
+      <p:sp>
+        <p:nvSpPr>
+          <p:cNvPr id="3" name="Content Placeholder 2"/>
+          <p:cNvSpPr>
+            <a:spLocks noGrp="1"/>
+          </p:cNvSpPr>
+          <p:nvPr>
+            <p:ph idx="1"/>
+          </p:nvPr>
+        </p:nvSpPr>
+        <p:spPr/>
+        <p:txBody>
+          <a:bodyPr>
+            <a:normAutofit/>
+          </a:bodyPr>
+          <a:lstStyle/>
+          <a:p>
+            <a:pPr marL="514350" indent="-514350">
+              <a:buFont typeface="+mj-lt"/>
+              <a:buAutoNum type="arabicParenR"/>
+            </a:pPr>
+            <a:r>
+              <a:rPr lang="en-US" dirty="0">
+                <a:hlinkClick r:id="rId3"/>
+              </a:rPr>
+              <a:t>https://github.com/amueller/introduction_to_ml_with_python/blob/master/02-supervised-learning.ipynb</a:t>
+            </a:r>
+            <a:endParaRPr lang="en-US" dirty="0"/>
+          </a:p>
+          <a:p>
+            <a:pPr marL="514350" indent="-514350">
+              <a:buFont typeface="+mj-lt"/>
+              <a:buAutoNum type="arabicParenR"/>
+            </a:pPr>
+            <a:r>
+              <a:rPr lang="en-US" dirty="0"/>
+              <a:t>Müller, A. C., &amp; Guido, S. (2016). </a:t>
+            </a:r>
+            <a:r>
+              <a:rPr lang="en-US" i="1" dirty="0"/>
+              <a:t>Introduction to Machine Learning with Python: A Guide for Data Scientists</a:t>
+            </a:r>
+            <a:r>
+              <a:rPr lang="en-US" dirty="0"/>
+              <a:t> (1st ed.). O’Reilly Media.</a:t>
+            </a:r>
+          </a:p>
+          <a:p>
+            <a:pPr marL="514350" indent="-514350">
+              <a:buFont typeface="+mj-lt"/>
+              <a:buAutoNum type="arabicParenR"/>
+            </a:pPr>
+            <a:r>
+              <a:rPr lang="en-US" dirty="0"/>
+              <a:t>http://rasbt.github.io/mlxtend/user_guide/general_concepts/gradient-optimization/</a:t>
+            </a:r>
+          </a:p>
+        </p:txBody>
+      </p:sp>
+    </p:spTree>
+    <p:extLst>
+      <p:ext uri="{BB962C8B-B14F-4D97-AF65-F5344CB8AC3E}">
+        <p14:creationId xmlns:p14="http://schemas.microsoft.com/office/powerpoint/2010/main" val="3645036191"/>
+      </p:ext>
+    </p:extLst>
+  </p:cSld>
+  <p:clrMapOvr>
+    <a:masterClrMapping/>
+  </p:clrMapOvr>
+</p:sld>
+</file>
+
+<file path=ppt/slides/slide86.xml><?xml version="1.0" encoding="utf-8"?>
+<p:sld xmlns:a="http://schemas.openxmlformats.org/drawingml/2006/main" xmlns:r="http://schemas.openxmlformats.org/officeDocument/2006/relationships" xmlns:p="http://schemas.openxmlformats.org/presentationml/2006/main">
+  <p:cSld>
+    <p:bg>
+      <p:bgPr>
+        <a:blipFill dpi="0" rotWithShape="1">
+          <a:blip r:embed="rId2">
+            <a:lum/>
+          </a:blip>
+          <a:srcRect/>
+          <a:stretch>
+            <a:fillRect l="-10000" r="-10000"/>
+          </a:stretch>
+        </a:blipFill>
+        <a:effectLst/>
+      </p:bgPr>
+    </p:bg>
+    <p:spTree>
+      <p:nvGrpSpPr>
+        <p:cNvPr id="1" name=""/>
+        <p:cNvGrpSpPr/>
+        <p:nvPr/>
+      </p:nvGrpSpPr>
+      <p:grpSpPr>
+        <a:xfrm>
+          <a:off x="0" y="0"/>
+          <a:ext cx="0" cy="0"/>
+          <a:chOff x="0" y="0"/>
+          <a:chExt cx="0" cy="0"/>
+        </a:xfrm>
+      </p:grpSpPr>
+      <p:sp>
+        <p:nvSpPr>
+          <p:cNvPr id="2" name="Title 1"/>
+          <p:cNvSpPr>
+            <a:spLocks noGrp="1"/>
+          </p:cNvSpPr>
+          <p:nvPr>
+            <p:ph type="title"/>
+          </p:nvPr>
+        </p:nvSpPr>
+        <p:spPr/>
+        <p:txBody>
+          <a:bodyPr/>
+          <a:lstStyle/>
+          <a:p>
+            <a:r>
+              <a:rPr lang="en-US" dirty="0"/>
+              <a:t>Additional Resources</a:t>
+            </a:r>
+          </a:p>
+        </p:txBody>
+      </p:sp>
+      <p:sp>
+        <p:nvSpPr>
+          <p:cNvPr id="3" name="Content Placeholder 2"/>
+          <p:cNvSpPr>
+            <a:spLocks noGrp="1"/>
+          </p:cNvSpPr>
+          <p:nvPr>
+            <p:ph idx="1"/>
+          </p:nvPr>
+        </p:nvSpPr>
+        <p:spPr/>
+        <p:txBody>
+          <a:bodyPr>
+            <a:normAutofit/>
+          </a:bodyPr>
+          <a:lstStyle/>
+          <a:p>
+            <a:pPr marL="514350" indent="-514350">
+              <a:buFont typeface="+mj-lt"/>
+              <a:buAutoNum type="arabicParenR"/>
+            </a:pPr>
+            <a:r>
+              <a:rPr lang="en-US" dirty="0"/>
+              <a:t>https://towardsdatascience.com/over-fitting-and-regularization-64d16100f45c</a:t>
+            </a:r>
+          </a:p>
+        </p:txBody>
+      </p:sp>
+    </p:spTree>
+    <p:extLst>
+      <p:ext uri="{BB962C8B-B14F-4D97-AF65-F5344CB8AC3E}">
+        <p14:creationId xmlns:p14="http://schemas.microsoft.com/office/powerpoint/2010/main" val="1722311812"/>
+      </p:ext>
+    </p:extLst>
+  </p:cSld>
+  <p:clrMapOvr>
+    <a:masterClrMapping/>
+  </p:clrMapOvr>
+</p:sld>
+</file>
+
+<file path=ppt/slides/slide87.xml><?xml version="1.0" encoding="utf-8"?>
+<p:sld xmlns:a="http://schemas.openxmlformats.org/drawingml/2006/main" xmlns:r="http://schemas.openxmlformats.org/officeDocument/2006/relationships" xmlns:p="http://schemas.openxmlformats.org/presentationml/2006/main">
+  <p:cSld>
+    <p:bg>
+      <p:bgPr>
+        <a:blipFill dpi="0" rotWithShape="1">
+          <a:blip r:embed="rId2">
+            <a:lum/>
+          </a:blip>
+          <a:srcRect/>
+          <a:stretch>
+            <a:fillRect l="-10000" r="-10000"/>
+          </a:stretch>
+        </a:blipFill>
+        <a:effectLst/>
+      </p:bgPr>
+    </p:bg>
+    <p:spTree>
+      <p:nvGrpSpPr>
+        <p:cNvPr id="1" name=""/>
+        <p:cNvGrpSpPr/>
+        <p:nvPr/>
+      </p:nvGrpSpPr>
+      <p:grpSpPr>
+        <a:xfrm>
+          <a:off x="0" y="0"/>
+          <a:ext cx="0" cy="0"/>
+          <a:chOff x="0" y="0"/>
+          <a:chExt cx="0" cy="0"/>
+        </a:xfrm>
+      </p:grpSpPr>
+      <p:sp>
+        <p:nvSpPr>
+          <p:cNvPr id="2" name="Title 1"/>
+          <p:cNvSpPr>
+            <a:spLocks noGrp="1"/>
+          </p:cNvSpPr>
+          <p:nvPr>
+            <p:ph type="title"/>
+          </p:nvPr>
+        </p:nvSpPr>
+        <p:spPr/>
+        <p:txBody>
+          <a:bodyPr/>
+          <a:lstStyle/>
+          <a:p>
+            <a:r>
+              <a:rPr lang="en-US" dirty="0"/>
+              <a:t>LICENSE</a:t>
+            </a:r>
+          </a:p>
+        </p:txBody>
+      </p:sp>
+      <p:sp>
+        <p:nvSpPr>
+          <p:cNvPr id="3" name="Content Placeholder 2"/>
+          <p:cNvSpPr>
+            <a:spLocks noGrp="1"/>
+          </p:cNvSpPr>
+          <p:nvPr>
+            <p:ph idx="1"/>
+          </p:nvPr>
+        </p:nvSpPr>
+        <p:spPr/>
+        <p:txBody>
+          <a:bodyPr>
+            <a:normAutofit fontScale="62500" lnSpcReduction="20000"/>
+          </a:bodyPr>
+          <a:lstStyle/>
+          <a:p>
+            <a:r>
+              <a:rPr lang="en-US" dirty="0"/>
+              <a:t>Copyright 2021 Douglas Bowman</a:t>
+            </a:r>
+          </a:p>
+          <a:p>
+            <a:r>
+              <a:rPr lang="en-US" dirty="0"/>
+              <a:t>Permission is hereby granted, free of charge, to any person obtaining a copy of this software and associated documentation files (the "Software"), to deal in the Software without restriction, including without limitation the rights to use, copy, modify, merge, publish, distribute, sublicense, and/or sell copies of the Software, and to permit persons to whom the Software is furnished to do so, subject to the following conditions:</a:t>
+            </a:r>
+          </a:p>
+          <a:p>
+            <a:r>
+              <a:rPr lang="en-US" dirty="0"/>
+              <a:t>The above copyright notice and this permission notice shall be included in all copies or substantial portions of the Software.</a:t>
+            </a:r>
+          </a:p>
+          <a:p>
+            <a:r>
+              <a:rPr lang="en-US" dirty="0"/>
+              <a:t>THE SOFTWARE IS PROVIDED "AS IS", WITHOUT WARRANTY OF ANY KIND, EXPRESS OR IMPLIED, INCLUDING BUT NOT LIMITED TO THE WARRANTIES OF MERCHANTABILITY, FITNESS FOR A PARTICULAR PURPOSE AND NONINFRINGEMENT. IN NO EVENT SHALL THE AUTHORS OR COPYRIGHT HOLDERS BE LIABLE FOR ANY CLAIM, DAMAGES OR OTHER LIABILITY, WHETHER IN AN ACTION OF CONTRACT, TORT OR OTHERWISE, ARISING FROM, OUT OF OR IN CONNECTION WITH THE SOFTWARE OR THE USE OR OTHER DEALINGS IN THE SOFTWARE.</a:t>
+            </a:r>
+          </a:p>
+        </p:txBody>
+      </p:sp>
+    </p:spTree>
+    <p:extLst>
+      <p:ext uri="{BB962C8B-B14F-4D97-AF65-F5344CB8AC3E}">
+        <p14:creationId xmlns:p14="http://schemas.microsoft.com/office/powerpoint/2010/main" val="3405347719"/>
+      </p:ext>
+    </p:extLst>
+  </p:cSld>
+  <p:clrMapOvr>
+    <a:masterClrMapping/>
   </p:clrMapOvr>
 </p:sld>
 </file>
@@ -17991,28 +20160,21 @@
           <a:p>
             <a:r>
               <a:rPr lang="en-US" dirty="0"/>
-              <a:t>Trainer vs Model</a:t>
+              <a:t>Model</a:t>
             </a:r>
           </a:p>
           <a:p>
             <a:pPr lvl="1"/>
             <a:r>
               <a:rPr lang="en-US" dirty="0"/>
-              <a:t>The trainer is the template used to create a model.  </a:t>
+              <a:t>The construct that is/will be trained and filled with data.</a:t>
             </a:r>
           </a:p>
           <a:p>
             <a:pPr lvl="1"/>
             <a:r>
               <a:rPr lang="en-US" dirty="0"/>
-              <a:t>The model is what actually contains the data, where the trainer tells the model what to do with the data.</a:t>
-            </a:r>
-          </a:p>
-          <a:p>
-            <a:pPr lvl="1"/>
-            <a:r>
-              <a:rPr lang="en-US" dirty="0"/>
-              <a:t>The trainer is like a class, where the model is like an object.</a:t>
+              <a:t>This is what will tell us what the “answer” is.</a:t>
             </a:r>
           </a:p>
           <a:p>
@@ -18030,7 +20192,7 @@
     </p:spTree>
     <p:extLst>
       <p:ext uri="{BB962C8B-B14F-4D97-AF65-F5344CB8AC3E}">
-        <p14:creationId xmlns:p14="http://schemas.microsoft.com/office/powerpoint/2010/main" val="3444231323"/>
+        <p14:creationId xmlns:p14="http://schemas.microsoft.com/office/powerpoint/2010/main" val="4212275978"/>
       </p:ext>
     </p:extLst>
   </p:cSld>
@@ -21958,7 +24120,394 @@
 </a:themeOverride>
 </file>
 
+<file path=ppt/theme/themeOverride74.xml><?xml version="1.0" encoding="utf-8"?>
+<a:themeOverride xmlns:a="http://schemas.openxmlformats.org/drawingml/2006/main">
+  <a:clrScheme name="Custom 2">
+    <a:dk1>
+      <a:srgbClr val="EFEFEF"/>
+    </a:dk1>
+    <a:lt1>
+      <a:srgbClr val="EFEFEF"/>
+    </a:lt1>
+    <a:dk2>
+      <a:srgbClr val="053E7D"/>
+    </a:dk2>
+    <a:lt2>
+      <a:srgbClr val="FFFFFF"/>
+    </a:lt2>
+    <a:accent1>
+      <a:srgbClr val="EFEFEF"/>
+    </a:accent1>
+    <a:accent2>
+      <a:srgbClr val="EFEFEF"/>
+    </a:accent2>
+    <a:accent3>
+      <a:srgbClr val="EFEFEF"/>
+    </a:accent3>
+    <a:accent4>
+      <a:srgbClr val="808080"/>
+    </a:accent4>
+    <a:accent5>
+      <a:srgbClr val="5F5F5F"/>
+    </a:accent5>
+    <a:accent6>
+      <a:srgbClr val="4D4D4D"/>
+    </a:accent6>
+    <a:hlink>
+      <a:srgbClr val="B5D7FC"/>
+    </a:hlink>
+    <a:folHlink>
+      <a:srgbClr val="919191"/>
+    </a:folHlink>
+  </a:clrScheme>
+</a:themeOverride>
+</file>
+
+<file path=ppt/theme/themeOverride75.xml><?xml version="1.0" encoding="utf-8"?>
+<a:themeOverride xmlns:a="http://schemas.openxmlformats.org/drawingml/2006/main">
+  <a:clrScheme name="Custom 2">
+    <a:dk1>
+      <a:srgbClr val="EFEFEF"/>
+    </a:dk1>
+    <a:lt1>
+      <a:srgbClr val="EFEFEF"/>
+    </a:lt1>
+    <a:dk2>
+      <a:srgbClr val="053E7D"/>
+    </a:dk2>
+    <a:lt2>
+      <a:srgbClr val="FFFFFF"/>
+    </a:lt2>
+    <a:accent1>
+      <a:srgbClr val="EFEFEF"/>
+    </a:accent1>
+    <a:accent2>
+      <a:srgbClr val="EFEFEF"/>
+    </a:accent2>
+    <a:accent3>
+      <a:srgbClr val="EFEFEF"/>
+    </a:accent3>
+    <a:accent4>
+      <a:srgbClr val="808080"/>
+    </a:accent4>
+    <a:accent5>
+      <a:srgbClr val="5F5F5F"/>
+    </a:accent5>
+    <a:accent6>
+      <a:srgbClr val="4D4D4D"/>
+    </a:accent6>
+    <a:hlink>
+      <a:srgbClr val="B5D7FC"/>
+    </a:hlink>
+    <a:folHlink>
+      <a:srgbClr val="919191"/>
+    </a:folHlink>
+  </a:clrScheme>
+</a:themeOverride>
+</file>
+
+<file path=ppt/theme/themeOverride76.xml><?xml version="1.0" encoding="utf-8"?>
+<a:themeOverride xmlns:a="http://schemas.openxmlformats.org/drawingml/2006/main">
+  <a:clrScheme name="Custom 2">
+    <a:dk1>
+      <a:srgbClr val="EFEFEF"/>
+    </a:dk1>
+    <a:lt1>
+      <a:srgbClr val="EFEFEF"/>
+    </a:lt1>
+    <a:dk2>
+      <a:srgbClr val="053E7D"/>
+    </a:dk2>
+    <a:lt2>
+      <a:srgbClr val="FFFFFF"/>
+    </a:lt2>
+    <a:accent1>
+      <a:srgbClr val="EFEFEF"/>
+    </a:accent1>
+    <a:accent2>
+      <a:srgbClr val="EFEFEF"/>
+    </a:accent2>
+    <a:accent3>
+      <a:srgbClr val="EFEFEF"/>
+    </a:accent3>
+    <a:accent4>
+      <a:srgbClr val="808080"/>
+    </a:accent4>
+    <a:accent5>
+      <a:srgbClr val="5F5F5F"/>
+    </a:accent5>
+    <a:accent6>
+      <a:srgbClr val="4D4D4D"/>
+    </a:accent6>
+    <a:hlink>
+      <a:srgbClr val="B5D7FC"/>
+    </a:hlink>
+    <a:folHlink>
+      <a:srgbClr val="919191"/>
+    </a:folHlink>
+  </a:clrScheme>
+</a:themeOverride>
+</file>
+
+<file path=ppt/theme/themeOverride77.xml><?xml version="1.0" encoding="utf-8"?>
+<a:themeOverride xmlns:a="http://schemas.openxmlformats.org/drawingml/2006/main">
+  <a:clrScheme name="Custom 2">
+    <a:dk1>
+      <a:srgbClr val="EFEFEF"/>
+    </a:dk1>
+    <a:lt1>
+      <a:srgbClr val="EFEFEF"/>
+    </a:lt1>
+    <a:dk2>
+      <a:srgbClr val="053E7D"/>
+    </a:dk2>
+    <a:lt2>
+      <a:srgbClr val="FFFFFF"/>
+    </a:lt2>
+    <a:accent1>
+      <a:srgbClr val="EFEFEF"/>
+    </a:accent1>
+    <a:accent2>
+      <a:srgbClr val="EFEFEF"/>
+    </a:accent2>
+    <a:accent3>
+      <a:srgbClr val="EFEFEF"/>
+    </a:accent3>
+    <a:accent4>
+      <a:srgbClr val="808080"/>
+    </a:accent4>
+    <a:accent5>
+      <a:srgbClr val="5F5F5F"/>
+    </a:accent5>
+    <a:accent6>
+      <a:srgbClr val="4D4D4D"/>
+    </a:accent6>
+    <a:hlink>
+      <a:srgbClr val="B5D7FC"/>
+    </a:hlink>
+    <a:folHlink>
+      <a:srgbClr val="919191"/>
+    </a:folHlink>
+  </a:clrScheme>
+</a:themeOverride>
+</file>
+
+<file path=ppt/theme/themeOverride78.xml><?xml version="1.0" encoding="utf-8"?>
+<a:themeOverride xmlns:a="http://schemas.openxmlformats.org/drawingml/2006/main">
+  <a:clrScheme name="Custom 2">
+    <a:dk1>
+      <a:srgbClr val="EFEFEF"/>
+    </a:dk1>
+    <a:lt1>
+      <a:srgbClr val="EFEFEF"/>
+    </a:lt1>
+    <a:dk2>
+      <a:srgbClr val="053E7D"/>
+    </a:dk2>
+    <a:lt2>
+      <a:srgbClr val="FFFFFF"/>
+    </a:lt2>
+    <a:accent1>
+      <a:srgbClr val="EFEFEF"/>
+    </a:accent1>
+    <a:accent2>
+      <a:srgbClr val="EFEFEF"/>
+    </a:accent2>
+    <a:accent3>
+      <a:srgbClr val="EFEFEF"/>
+    </a:accent3>
+    <a:accent4>
+      <a:srgbClr val="808080"/>
+    </a:accent4>
+    <a:accent5>
+      <a:srgbClr val="5F5F5F"/>
+    </a:accent5>
+    <a:accent6>
+      <a:srgbClr val="4D4D4D"/>
+    </a:accent6>
+    <a:hlink>
+      <a:srgbClr val="B5D7FC"/>
+    </a:hlink>
+    <a:folHlink>
+      <a:srgbClr val="919191"/>
+    </a:folHlink>
+  </a:clrScheme>
+</a:themeOverride>
+</file>
+
+<file path=ppt/theme/themeOverride79.xml><?xml version="1.0" encoding="utf-8"?>
+<a:themeOverride xmlns:a="http://schemas.openxmlformats.org/drawingml/2006/main">
+  <a:clrScheme name="Custom 2">
+    <a:dk1>
+      <a:srgbClr val="EFEFEF"/>
+    </a:dk1>
+    <a:lt1>
+      <a:srgbClr val="EFEFEF"/>
+    </a:lt1>
+    <a:dk2>
+      <a:srgbClr val="053E7D"/>
+    </a:dk2>
+    <a:lt2>
+      <a:srgbClr val="FFFFFF"/>
+    </a:lt2>
+    <a:accent1>
+      <a:srgbClr val="EFEFEF"/>
+    </a:accent1>
+    <a:accent2>
+      <a:srgbClr val="EFEFEF"/>
+    </a:accent2>
+    <a:accent3>
+      <a:srgbClr val="EFEFEF"/>
+    </a:accent3>
+    <a:accent4>
+      <a:srgbClr val="808080"/>
+    </a:accent4>
+    <a:accent5>
+      <a:srgbClr val="5F5F5F"/>
+    </a:accent5>
+    <a:accent6>
+      <a:srgbClr val="4D4D4D"/>
+    </a:accent6>
+    <a:hlink>
+      <a:srgbClr val="B5D7FC"/>
+    </a:hlink>
+    <a:folHlink>
+      <a:srgbClr val="919191"/>
+    </a:folHlink>
+  </a:clrScheme>
+</a:themeOverride>
+</file>
+
 <file path=ppt/theme/themeOverride8.xml><?xml version="1.0" encoding="utf-8"?>
+<a:themeOverride xmlns:a="http://schemas.openxmlformats.org/drawingml/2006/main">
+  <a:clrScheme name="Custom 2">
+    <a:dk1>
+      <a:srgbClr val="EFEFEF"/>
+    </a:dk1>
+    <a:lt1>
+      <a:srgbClr val="EFEFEF"/>
+    </a:lt1>
+    <a:dk2>
+      <a:srgbClr val="053E7D"/>
+    </a:dk2>
+    <a:lt2>
+      <a:srgbClr val="FFFFFF"/>
+    </a:lt2>
+    <a:accent1>
+      <a:srgbClr val="EFEFEF"/>
+    </a:accent1>
+    <a:accent2>
+      <a:srgbClr val="EFEFEF"/>
+    </a:accent2>
+    <a:accent3>
+      <a:srgbClr val="EFEFEF"/>
+    </a:accent3>
+    <a:accent4>
+      <a:srgbClr val="808080"/>
+    </a:accent4>
+    <a:accent5>
+      <a:srgbClr val="5F5F5F"/>
+    </a:accent5>
+    <a:accent6>
+      <a:srgbClr val="4D4D4D"/>
+    </a:accent6>
+    <a:hlink>
+      <a:srgbClr val="B5D7FC"/>
+    </a:hlink>
+    <a:folHlink>
+      <a:srgbClr val="919191"/>
+    </a:folHlink>
+  </a:clrScheme>
+</a:themeOverride>
+</file>
+
+<file path=ppt/theme/themeOverride80.xml><?xml version="1.0" encoding="utf-8"?>
+<a:themeOverride xmlns:a="http://schemas.openxmlformats.org/drawingml/2006/main">
+  <a:clrScheme name="Custom 2">
+    <a:dk1>
+      <a:srgbClr val="EFEFEF"/>
+    </a:dk1>
+    <a:lt1>
+      <a:srgbClr val="EFEFEF"/>
+    </a:lt1>
+    <a:dk2>
+      <a:srgbClr val="053E7D"/>
+    </a:dk2>
+    <a:lt2>
+      <a:srgbClr val="FFFFFF"/>
+    </a:lt2>
+    <a:accent1>
+      <a:srgbClr val="EFEFEF"/>
+    </a:accent1>
+    <a:accent2>
+      <a:srgbClr val="EFEFEF"/>
+    </a:accent2>
+    <a:accent3>
+      <a:srgbClr val="EFEFEF"/>
+    </a:accent3>
+    <a:accent4>
+      <a:srgbClr val="808080"/>
+    </a:accent4>
+    <a:accent5>
+      <a:srgbClr val="5F5F5F"/>
+    </a:accent5>
+    <a:accent6>
+      <a:srgbClr val="4D4D4D"/>
+    </a:accent6>
+    <a:hlink>
+      <a:srgbClr val="B5D7FC"/>
+    </a:hlink>
+    <a:folHlink>
+      <a:srgbClr val="919191"/>
+    </a:folHlink>
+  </a:clrScheme>
+</a:themeOverride>
+</file>
+
+<file path=ppt/theme/themeOverride81.xml><?xml version="1.0" encoding="utf-8"?>
+<a:themeOverride xmlns:a="http://schemas.openxmlformats.org/drawingml/2006/main">
+  <a:clrScheme name="Custom 2">
+    <a:dk1>
+      <a:srgbClr val="EFEFEF"/>
+    </a:dk1>
+    <a:lt1>
+      <a:srgbClr val="EFEFEF"/>
+    </a:lt1>
+    <a:dk2>
+      <a:srgbClr val="053E7D"/>
+    </a:dk2>
+    <a:lt2>
+      <a:srgbClr val="FFFFFF"/>
+    </a:lt2>
+    <a:accent1>
+      <a:srgbClr val="EFEFEF"/>
+    </a:accent1>
+    <a:accent2>
+      <a:srgbClr val="EFEFEF"/>
+    </a:accent2>
+    <a:accent3>
+      <a:srgbClr val="EFEFEF"/>
+    </a:accent3>
+    <a:accent4>
+      <a:srgbClr val="808080"/>
+    </a:accent4>
+    <a:accent5>
+      <a:srgbClr val="5F5F5F"/>
+    </a:accent5>
+    <a:accent6>
+      <a:srgbClr val="4D4D4D"/>
+    </a:accent6>
+    <a:hlink>
+      <a:srgbClr val="B5D7FC"/>
+    </a:hlink>
+    <a:folHlink>
+      <a:srgbClr val="919191"/>
+    </a:folHlink>
+  </a:clrScheme>
+</a:themeOverride>
+</file>
+
+<file path=ppt/theme/themeOverride82.xml><?xml version="1.0" encoding="utf-8"?>
 <a:themeOverride xmlns:a="http://schemas.openxmlformats.org/drawingml/2006/main">
   <a:clrScheme name="Custom 2">
     <a:dk1>

--- a/Session 7 - Python/Instructional Material/Session 7 - Python Brief Intro to Machine Learning with Scikit Learn.pptx
+++ b/Session 7 - Python/Instructional Material/Session 7 - Python Brief Intro to Machine Learning with Scikit Learn.pptx
@@ -6,7 +6,7 @@
     <p:sldMasterId id="2147483660" r:id="rId2"/>
   </p:sldMasterIdLst>
   <p:notesMasterIdLst>
-    <p:notesMasterId r:id="rId90"/>
+    <p:notesMasterId r:id="rId92"/>
   </p:notesMasterIdLst>
   <p:sldIdLst>
     <p:sldId id="256" r:id="rId3"/>
@@ -67,35 +67,37 @@
     <p:sldId id="437" r:id="rId58"/>
     <p:sldId id="451" r:id="rId59"/>
     <p:sldId id="452" r:id="rId60"/>
-    <p:sldId id="391" r:id="rId61"/>
-    <p:sldId id="428" r:id="rId62"/>
-    <p:sldId id="438" r:id="rId63"/>
-    <p:sldId id="427" r:id="rId64"/>
-    <p:sldId id="441" r:id="rId65"/>
-    <p:sldId id="396" r:id="rId66"/>
-    <p:sldId id="432" r:id="rId67"/>
-    <p:sldId id="431" r:id="rId68"/>
-    <p:sldId id="430" r:id="rId69"/>
-    <p:sldId id="434" r:id="rId70"/>
-    <p:sldId id="439" r:id="rId71"/>
-    <p:sldId id="440" r:id="rId72"/>
-    <p:sldId id="414" r:id="rId73"/>
-    <p:sldId id="433" r:id="rId74"/>
-    <p:sldId id="442" r:id="rId75"/>
-    <p:sldId id="443" r:id="rId76"/>
-    <p:sldId id="397" r:id="rId77"/>
-    <p:sldId id="398" r:id="rId78"/>
-    <p:sldId id="399" r:id="rId79"/>
-    <p:sldId id="376" r:id="rId80"/>
-    <p:sldId id="445" r:id="rId81"/>
-    <p:sldId id="405" r:id="rId82"/>
-    <p:sldId id="385" r:id="rId83"/>
-    <p:sldId id="386" r:id="rId84"/>
-    <p:sldId id="400" r:id="rId85"/>
-    <p:sldId id="384" r:id="rId86"/>
-    <p:sldId id="375" r:id="rId87"/>
-    <p:sldId id="460" r:id="rId88"/>
-    <p:sldId id="411" r:id="rId89"/>
+    <p:sldId id="468" r:id="rId61"/>
+    <p:sldId id="469" r:id="rId62"/>
+    <p:sldId id="391" r:id="rId63"/>
+    <p:sldId id="428" r:id="rId64"/>
+    <p:sldId id="438" r:id="rId65"/>
+    <p:sldId id="427" r:id="rId66"/>
+    <p:sldId id="441" r:id="rId67"/>
+    <p:sldId id="396" r:id="rId68"/>
+    <p:sldId id="432" r:id="rId69"/>
+    <p:sldId id="431" r:id="rId70"/>
+    <p:sldId id="430" r:id="rId71"/>
+    <p:sldId id="434" r:id="rId72"/>
+    <p:sldId id="439" r:id="rId73"/>
+    <p:sldId id="440" r:id="rId74"/>
+    <p:sldId id="414" r:id="rId75"/>
+    <p:sldId id="433" r:id="rId76"/>
+    <p:sldId id="442" r:id="rId77"/>
+    <p:sldId id="443" r:id="rId78"/>
+    <p:sldId id="397" r:id="rId79"/>
+    <p:sldId id="398" r:id="rId80"/>
+    <p:sldId id="399" r:id="rId81"/>
+    <p:sldId id="376" r:id="rId82"/>
+    <p:sldId id="445" r:id="rId83"/>
+    <p:sldId id="405" r:id="rId84"/>
+    <p:sldId id="385" r:id="rId85"/>
+    <p:sldId id="386" r:id="rId86"/>
+    <p:sldId id="400" r:id="rId87"/>
+    <p:sldId id="384" r:id="rId88"/>
+    <p:sldId id="375" r:id="rId89"/>
+    <p:sldId id="460" r:id="rId90"/>
+    <p:sldId id="411" r:id="rId91"/>
   </p:sldIdLst>
   <p:sldSz cx="9144000" cy="6858000" type="screen4x3"/>
   <p:notesSz cx="6858000" cy="9144000"/>
@@ -1066,6 +1068,177 @@
     <p:extLst>
       <p:ext uri="{BB962C8B-B14F-4D97-AF65-F5344CB8AC3E}">
         <p14:creationId xmlns:p14="http://schemas.microsoft.com/office/powerpoint/2010/main" val="3723214472"/>
+      </p:ext>
+    </p:extLst>
+  </p:cSld>
+  <p:clrMapOvr>
+    <a:masterClrMapping/>
+  </p:clrMapOvr>
+</p:notes>
+</file>
+
+<file path=ppt/notesSlides/notesSlide15.xml><?xml version="1.0" encoding="utf-8"?>
+<p:notes xmlns:a="http://schemas.openxmlformats.org/drawingml/2006/main" xmlns:r="http://schemas.openxmlformats.org/officeDocument/2006/relationships" xmlns:p="http://schemas.openxmlformats.org/presentationml/2006/main">
+  <p:cSld>
+    <p:spTree>
+      <p:nvGrpSpPr>
+        <p:cNvPr id="1" name=""/>
+        <p:cNvGrpSpPr/>
+        <p:nvPr/>
+      </p:nvGrpSpPr>
+      <p:grpSpPr>
+        <a:xfrm>
+          <a:off x="0" y="0"/>
+          <a:ext cx="0" cy="0"/>
+          <a:chOff x="0" y="0"/>
+          <a:chExt cx="0" cy="0"/>
+        </a:xfrm>
+      </p:grpSpPr>
+      <p:sp>
+        <p:nvSpPr>
+          <p:cNvPr id="2" name="Slide Image Placeholder 1"/>
+          <p:cNvSpPr>
+            <a:spLocks noGrp="1" noRot="1" noChangeAspect="1"/>
+          </p:cNvSpPr>
+          <p:nvPr>
+            <p:ph type="sldImg"/>
+          </p:nvPr>
+        </p:nvSpPr>
+        <p:spPr/>
+      </p:sp>
+      <p:sp>
+        <p:nvSpPr>
+          <p:cNvPr id="3" name="Notes Placeholder 2"/>
+          <p:cNvSpPr>
+            <a:spLocks noGrp="1"/>
+          </p:cNvSpPr>
+          <p:nvPr>
+            <p:ph type="body" idx="1"/>
+          </p:nvPr>
+        </p:nvSpPr>
+        <p:spPr/>
+        <p:txBody>
+          <a:bodyPr/>
+          <a:lstStyle/>
+          <a:p>
+            <a:endParaRPr lang="en-US" dirty="0"/>
+          </a:p>
+        </p:txBody>
+      </p:sp>
+      <p:sp>
+        <p:nvSpPr>
+          <p:cNvPr id="4" name="Slide Number Placeholder 3"/>
+          <p:cNvSpPr>
+            <a:spLocks noGrp="1"/>
+          </p:cNvSpPr>
+          <p:nvPr>
+            <p:ph type="sldNum" sz="quarter" idx="5"/>
+          </p:nvPr>
+        </p:nvSpPr>
+        <p:spPr/>
+        <p:txBody>
+          <a:bodyPr/>
+          <a:lstStyle/>
+          <a:p>
+            <a:fld id="{3E7B21C4-CE7A-4258-91FF-8CBB981279E1}" type="slidenum">
+              <a:rPr lang="en-US" smtClean="0"/>
+              <a:t>59</a:t>
+            </a:fld>
+            <a:endParaRPr lang="en-US"/>
+          </a:p>
+        </p:txBody>
+      </p:sp>
+    </p:spTree>
+    <p:extLst>
+      <p:ext uri="{BB962C8B-B14F-4D97-AF65-F5344CB8AC3E}">
+        <p14:creationId xmlns:p14="http://schemas.microsoft.com/office/powerpoint/2010/main" val="2794178512"/>
+      </p:ext>
+    </p:extLst>
+  </p:cSld>
+  <p:clrMapOvr>
+    <a:masterClrMapping/>
+  </p:clrMapOvr>
+</p:notes>
+</file>
+
+<file path=ppt/notesSlides/notesSlide16.xml><?xml version="1.0" encoding="utf-8"?>
+<p:notes xmlns:a="http://schemas.openxmlformats.org/drawingml/2006/main" xmlns:r="http://schemas.openxmlformats.org/officeDocument/2006/relationships" xmlns:p="http://schemas.openxmlformats.org/presentationml/2006/main">
+  <p:cSld>
+    <p:spTree>
+      <p:nvGrpSpPr>
+        <p:cNvPr id="1" name=""/>
+        <p:cNvGrpSpPr/>
+        <p:nvPr/>
+      </p:nvGrpSpPr>
+      <p:grpSpPr>
+        <a:xfrm>
+          <a:off x="0" y="0"/>
+          <a:ext cx="0" cy="0"/>
+          <a:chOff x="0" y="0"/>
+          <a:chExt cx="0" cy="0"/>
+        </a:xfrm>
+      </p:grpSpPr>
+      <p:sp>
+        <p:nvSpPr>
+          <p:cNvPr id="2" name="Slide Image Placeholder 1"/>
+          <p:cNvSpPr>
+            <a:spLocks noGrp="1" noRot="1" noChangeAspect="1"/>
+          </p:cNvSpPr>
+          <p:nvPr>
+            <p:ph type="sldImg"/>
+          </p:nvPr>
+        </p:nvSpPr>
+        <p:spPr/>
+      </p:sp>
+      <p:sp>
+        <p:nvSpPr>
+          <p:cNvPr id="3" name="Notes Placeholder 2"/>
+          <p:cNvSpPr>
+            <a:spLocks noGrp="1"/>
+          </p:cNvSpPr>
+          <p:nvPr>
+            <p:ph type="body" idx="1"/>
+          </p:nvPr>
+        </p:nvSpPr>
+        <p:spPr/>
+        <p:txBody>
+          <a:bodyPr/>
+          <a:lstStyle/>
+          <a:p>
+            <a:r>
+              <a:rPr lang="en-US" dirty="0"/>
+              <a:t>It is almost like the previous slide is showing a projection of this graph along just the feauture1-feature0 plane.</a:t>
+            </a:r>
+          </a:p>
+        </p:txBody>
+      </p:sp>
+      <p:sp>
+        <p:nvSpPr>
+          <p:cNvPr id="4" name="Slide Number Placeholder 3"/>
+          <p:cNvSpPr>
+            <a:spLocks noGrp="1"/>
+          </p:cNvSpPr>
+          <p:nvPr>
+            <p:ph type="sldNum" sz="quarter" idx="5"/>
+          </p:nvPr>
+        </p:nvSpPr>
+        <p:spPr/>
+        <p:txBody>
+          <a:bodyPr/>
+          <a:lstStyle/>
+          <a:p>
+            <a:fld id="{3E7B21C4-CE7A-4258-91FF-8CBB981279E1}" type="slidenum">
+              <a:rPr lang="en-US" smtClean="0"/>
+              <a:t>60</a:t>
+            </a:fld>
+            <a:endParaRPr lang="en-US"/>
+          </a:p>
+        </p:txBody>
+      </p:sp>
+    </p:spTree>
+    <p:extLst>
+      <p:ext uri="{BB962C8B-B14F-4D97-AF65-F5344CB8AC3E}">
+        <p14:creationId xmlns:p14="http://schemas.microsoft.com/office/powerpoint/2010/main" val="3859055155"/>
       </p:ext>
     </p:extLst>
   </p:cSld>
@@ -12747,7 +12920,7 @@
           <a:graphicData uri="http://schemas.openxmlformats.org/presentationml/2006/ole">
             <mc:AlternateContent xmlns:mc="http://schemas.openxmlformats.org/markup-compatibility/2006">
               <mc:Choice xmlns:v="urn:schemas-microsoft-com:vml" Requires="v">
-                <p:oleObj spid="_x0000_s2211" name="Bitmap Image" r:id="rId7" imgW="3743280" imgH="3024360" progId="Paint.Picture">
+                <p:oleObj spid="_x0000_s2214" name="Bitmap Image" r:id="rId7" imgW="3743280" imgH="3024360" progId="Paint.Picture">
                   <p:embed/>
                 </p:oleObj>
               </mc:Choice>
@@ -15521,6 +15694,13 @@
           </a:p>
           <a:p>
             <a:pPr lvl="2"/>
+            <a:r>
+              <a:rPr lang="en-US" dirty="0"/>
+              <a:t>Use feature engineering to generate more features</a:t>
+            </a:r>
+          </a:p>
+          <a:p>
+            <a:pPr lvl="2"/>
             <a:endParaRPr lang="en-US" dirty="0"/>
           </a:p>
           <a:p>
@@ -15761,11 +15941,11 @@
     <p:bg>
       <p:bgPr>
         <a:blipFill dpi="0" rotWithShape="1">
-          <a:blip r:embed="rId3">
+          <a:blip r:embed="rId4">
             <a:extLst>
               <a:ext uri="{BEBA8EAE-BF5A-486C-A8C5-ECC9F3942E4B}">
                 <a14:imgProps xmlns:a14="http://schemas.microsoft.com/office/drawing/2010/main">
-                  <a14:imgLayer r:embed="rId4">
+                  <a14:imgLayer r:embed="rId5">
                     <a14:imgEffect>
                       <a14:brightnessContrast bright="-50000"/>
                     </a14:imgEffect>
@@ -15813,7 +15993,7 @@
           <a:p>
             <a:r>
               <a:rPr lang="en-US" dirty="0"/>
-              <a:t>Linear Models - Regressors</a:t>
+              <a:t>Linear Models - Classifiers</a:t>
             </a:r>
           </a:p>
         </p:txBody>
@@ -15830,184 +16010,70 @@
         </p:nvSpPr>
         <p:spPr/>
         <p:txBody>
-          <a:bodyPr>
-            <a:normAutofit/>
-          </a:bodyPr>
-          <a:lstStyle/>
-          <a:p>
-            <a:r>
-              <a:rPr lang="en-US" dirty="0"/>
-              <a:t>Regressors</a:t>
+          <a:bodyPr/>
+          <a:lstStyle/>
+          <a:p>
+            <a:r>
+              <a:rPr lang="en-US" dirty="0"/>
+              <a:t>Kernelized SVM</a:t>
             </a:r>
           </a:p>
           <a:p>
             <a:pPr lvl="1"/>
             <a:r>
               <a:rPr lang="en-US" dirty="0"/>
-              <a:t>Tries to predict as close to a value as possible.</a:t>
-            </a:r>
-          </a:p>
-          <a:p>
-            <a:pPr lvl="1"/>
-            <a:r>
-              <a:rPr lang="en-US" dirty="0"/>
-              <a:t>Creates a linear equation to predict outcomes:</a:t>
-            </a:r>
+              <a:t>Transforms this (see reference 1):</a:t>
+            </a:r>
+          </a:p>
+          <a:p>
+            <a:pPr marL="914400" lvl="2" indent="0">
+              <a:buNone/>
+            </a:pPr>
+            <a:endParaRPr lang="en-US" dirty="0"/>
           </a:p>
           <a:p>
             <a:pPr lvl="2"/>
-            <a:r>
-              <a:rPr lang="en-US" dirty="0" err="1"/>
-              <a:t>Y</a:t>
-            </a:r>
-            <a:r>
-              <a:rPr lang="en-US" baseline="-25000" dirty="0" err="1"/>
-              <a:t>predict</a:t>
-            </a:r>
-            <a:r>
-              <a:rPr lang="en-US" dirty="0"/>
-              <a:t> = w</a:t>
-            </a:r>
-            <a:r>
-              <a:rPr lang="en-US" baseline="-25000" dirty="0"/>
-              <a:t>1</a:t>
-            </a:r>
-            <a:r>
-              <a:rPr lang="en-US" dirty="0"/>
-              <a:t>*f</a:t>
-            </a:r>
-            <a:r>
-              <a:rPr lang="en-US" baseline="-25000" dirty="0"/>
-              <a:t>1</a:t>
-            </a:r>
-            <a:r>
-              <a:rPr lang="en-US" dirty="0"/>
-              <a:t> + w</a:t>
-            </a:r>
-            <a:r>
-              <a:rPr lang="en-US" baseline="-25000" dirty="0"/>
-              <a:t>2</a:t>
-            </a:r>
-            <a:r>
-              <a:rPr lang="en-US" dirty="0"/>
-              <a:t>*f</a:t>
-            </a:r>
-            <a:r>
-              <a:rPr lang="en-US" baseline="-25000" dirty="0"/>
-              <a:t>2</a:t>
-            </a:r>
-            <a:r>
-              <a:rPr lang="en-US" dirty="0"/>
-              <a:t> + w</a:t>
-            </a:r>
-            <a:r>
-              <a:rPr lang="en-US" baseline="-25000" dirty="0"/>
-              <a:t>3</a:t>
-            </a:r>
-            <a:r>
-              <a:rPr lang="en-US" dirty="0"/>
-              <a:t>*f</a:t>
-            </a:r>
-            <a:r>
-              <a:rPr lang="en-US" baseline="-25000" dirty="0"/>
-              <a:t>3</a:t>
-            </a:r>
-            <a:r>
-              <a:rPr lang="en-US" dirty="0"/>
-              <a:t> + … + </a:t>
-            </a:r>
-            <a:r>
-              <a:rPr lang="en-US" dirty="0" err="1"/>
-              <a:t>w</a:t>
-            </a:r>
-            <a:r>
-              <a:rPr lang="en-US" baseline="-25000" dirty="0" err="1"/>
-              <a:t>n</a:t>
-            </a:r>
-            <a:r>
-              <a:rPr lang="en-US" dirty="0"/>
-              <a:t>*</a:t>
-            </a:r>
-            <a:r>
-              <a:rPr lang="en-US" dirty="0" err="1"/>
-              <a:t>f</a:t>
-            </a:r>
-            <a:r>
-              <a:rPr lang="en-US" baseline="-25000" dirty="0" err="1"/>
-              <a:t>n</a:t>
-            </a:r>
-            <a:r>
-              <a:rPr lang="en-US" dirty="0"/>
-              <a:t> + b</a:t>
-            </a:r>
-          </a:p>
-          <a:p>
-            <a:pPr lvl="3"/>
-            <a:r>
-              <a:rPr lang="en-US" dirty="0" err="1"/>
-              <a:t>Y</a:t>
-            </a:r>
-            <a:r>
-              <a:rPr lang="en-US" baseline="-25000" dirty="0" err="1"/>
-              <a:t>predict</a:t>
-            </a:r>
-            <a:r>
-              <a:rPr lang="en-US" dirty="0"/>
-              <a:t> = predicted value for given sample</a:t>
-            </a:r>
-          </a:p>
-          <a:p>
-            <a:pPr lvl="3"/>
-            <a:r>
-              <a:rPr lang="en-US" dirty="0"/>
-              <a:t>w = weights</a:t>
-            </a:r>
-          </a:p>
-          <a:p>
-            <a:pPr lvl="3"/>
-            <a:r>
-              <a:rPr lang="en-US" dirty="0"/>
-              <a:t>f = feature value</a:t>
-            </a:r>
-          </a:p>
-          <a:p>
-            <a:pPr lvl="3"/>
-            <a:r>
-              <a:rPr lang="en-US" dirty="0"/>
-              <a:t>b = intercept of linear line</a:t>
-            </a:r>
-          </a:p>
-          <a:p>
-            <a:pPr lvl="3"/>
-            <a:r>
-              <a:rPr lang="en-US" dirty="0"/>
-              <a:t>n = number of features</a:t>
-            </a:r>
-          </a:p>
-          <a:p>
-            <a:pPr lvl="2"/>
-            <a:r>
-              <a:rPr lang="en-US" dirty="0" err="1"/>
-              <a:t>A.k.a</a:t>
-            </a:r>
-            <a:r>
-              <a:rPr lang="en-US" dirty="0"/>
-              <a:t> the prediction function.</a:t>
-            </a:r>
-          </a:p>
-          <a:p>
-            <a:pPr lvl="2"/>
-            <a:endParaRPr lang="en-US" dirty="0"/>
-          </a:p>
-          <a:p>
-            <a:endParaRPr lang="en-US" dirty="0"/>
-          </a:p>
-        </p:txBody>
-      </p:sp>
+            <a:endParaRPr lang="en-US" dirty="0"/>
+          </a:p>
+          <a:p>
+            <a:endParaRPr lang="en-US" dirty="0"/>
+          </a:p>
+        </p:txBody>
+      </p:sp>
+      <p:pic>
+        <p:nvPicPr>
+          <p:cNvPr id="5" name="Picture 4">
+            <a:extLst>
+              <a:ext uri="{FF2B5EF4-FFF2-40B4-BE49-F238E27FC236}">
+                <a16:creationId xmlns:a16="http://schemas.microsoft.com/office/drawing/2014/main" id="{0E65974A-2A2C-42A1-B46E-5C9A8A76F242}"/>
+              </a:ext>
+            </a:extLst>
+          </p:cNvPr>
+          <p:cNvPicPr>
+            <a:picLocks noChangeAspect="1"/>
+          </p:cNvPicPr>
+          <p:nvPr/>
+        </p:nvPicPr>
+        <p:blipFill>
+          <a:blip r:embed="rId6"/>
+          <a:stretch>
+            <a:fillRect/>
+          </a:stretch>
+        </p:blipFill>
+        <p:spPr>
+          <a:xfrm>
+            <a:off x="1720453" y="2819400"/>
+            <a:ext cx="5703093" cy="3849196"/>
+          </a:xfrm>
+          <a:prstGeom prst="rect">
+            <a:avLst/>
+          </a:prstGeom>
+        </p:spPr>
+      </p:pic>
     </p:spTree>
     <p:extLst>
       <p:ext uri="{BB962C8B-B14F-4D97-AF65-F5344CB8AC3E}">
-        <p14:creationId xmlns:p14="http://schemas.microsoft.com/office/powerpoint/2010/main" val="1469044682"/>
+        <p14:creationId xmlns:p14="http://schemas.microsoft.com/office/powerpoint/2010/main" val="3348980918"/>
       </p:ext>
     </p:extLst>
   </p:cSld>
@@ -16166,11 +16232,11 @@
     <p:bg>
       <p:bgPr>
         <a:blipFill dpi="0" rotWithShape="1">
-          <a:blip r:embed="rId3">
+          <a:blip r:embed="rId4">
             <a:extLst>
               <a:ext uri="{BEBA8EAE-BF5A-486C-A8C5-ECC9F3942E4B}">
                 <a14:imgProps xmlns:a14="http://schemas.microsoft.com/office/drawing/2010/main">
-                  <a14:imgLayer r:embed="rId4">
+                  <a14:imgLayer r:embed="rId5">
                     <a14:imgEffect>
                       <a14:brightnessContrast bright="-50000"/>
                     </a14:imgEffect>
@@ -16218,7 +16284,7 @@
           <a:p>
             <a:r>
               <a:rPr lang="en-US" dirty="0"/>
-              <a:t>Linear Models - Regressors</a:t>
+              <a:t>Linear Models - Classifiers</a:t>
             </a:r>
           </a:p>
         </p:txBody>
@@ -16235,76 +16301,70 @@
         </p:nvSpPr>
         <p:spPr/>
         <p:txBody>
-          <a:bodyPr>
-            <a:normAutofit/>
-          </a:bodyPr>
-          <a:lstStyle/>
-          <a:p>
-            <a:r>
-              <a:rPr lang="en-US" dirty="0"/>
-              <a:t>Regressors</a:t>
+          <a:bodyPr/>
+          <a:lstStyle/>
+          <a:p>
+            <a:r>
+              <a:rPr lang="en-US" dirty="0"/>
+              <a:t>Kernelized SVM</a:t>
             </a:r>
           </a:p>
           <a:p>
             <a:pPr lvl="1"/>
             <a:r>
               <a:rPr lang="en-US" dirty="0"/>
-              <a:t>The models we train adjust the values of </a:t>
-            </a:r>
-            <a:r>
-              <a:rPr lang="en-US" dirty="0" err="1"/>
-              <a:t>w</a:t>
-            </a:r>
-            <a:r>
-              <a:rPr lang="en-US" baseline="-25000" dirty="0" err="1"/>
-              <a:t>x</a:t>
-            </a:r>
-            <a:r>
-              <a:rPr lang="en-US" dirty="0"/>
-              <a:t> and b.</a:t>
-            </a:r>
-          </a:p>
-          <a:p>
-            <a:pPr lvl="1"/>
-            <a:r>
-              <a:rPr lang="en-US" dirty="0"/>
-              <a:t>For functions with regularization, an additional term is added for model to optimize when generating prediction function</a:t>
-            </a:r>
-          </a:p>
-          <a:p>
-            <a:pPr lvl="1"/>
-            <a:r>
-              <a:rPr lang="en-US" dirty="0"/>
-              <a:t>Examples:</a:t>
-            </a:r>
+              <a:t>To this (see reference 1):</a:t>
+            </a:r>
+          </a:p>
+          <a:p>
+            <a:pPr marL="914400" lvl="2" indent="0">
+              <a:buNone/>
+            </a:pPr>
+            <a:endParaRPr lang="en-US" dirty="0"/>
           </a:p>
           <a:p>
             <a:pPr lvl="2"/>
-            <a:r>
-              <a:rPr lang="en-US" dirty="0"/>
-              <a:t>Trying to predict median household income of an area.</a:t>
-            </a:r>
-          </a:p>
-          <a:p>
-            <a:pPr lvl="2"/>
-            <a:r>
-              <a:rPr lang="en-US" dirty="0"/>
-              <a:t>Trying to predict the value a stock will rise to.</a:t>
-            </a:r>
-          </a:p>
-          <a:p>
-            <a:pPr lvl="2"/>
-            <a:endParaRPr lang="en-US" dirty="0"/>
-          </a:p>
-          <a:p>
-            <a:endParaRPr lang="en-US" dirty="0"/>
-          </a:p>
-        </p:txBody>
-      </p:sp>
+            <a:endParaRPr lang="en-US" dirty="0"/>
+          </a:p>
+          <a:p>
+            <a:endParaRPr lang="en-US" dirty="0"/>
+          </a:p>
+        </p:txBody>
+      </p:sp>
+      <p:pic>
+        <p:nvPicPr>
+          <p:cNvPr id="6" name="Picture 5">
+            <a:extLst>
+              <a:ext uri="{FF2B5EF4-FFF2-40B4-BE49-F238E27FC236}">
+                <a16:creationId xmlns:a16="http://schemas.microsoft.com/office/drawing/2014/main" id="{7842DFF7-2744-40EA-AF91-EFA6332CCB60}"/>
+              </a:ext>
+            </a:extLst>
+          </p:cNvPr>
+          <p:cNvPicPr>
+            <a:picLocks noChangeAspect="1"/>
+          </p:cNvPicPr>
+          <p:nvPr/>
+        </p:nvPicPr>
+        <p:blipFill>
+          <a:blip r:embed="rId6"/>
+          <a:stretch>
+            <a:fillRect/>
+          </a:stretch>
+        </p:blipFill>
+        <p:spPr>
+          <a:xfrm>
+            <a:off x="1792650" y="2819400"/>
+            <a:ext cx="5558699" cy="3763962"/>
+          </a:xfrm>
+          <a:prstGeom prst="rect">
+            <a:avLst/>
+          </a:prstGeom>
+        </p:spPr>
+      </p:pic>
     </p:spTree>
     <p:extLst>
       <p:ext uri="{BB962C8B-B14F-4D97-AF65-F5344CB8AC3E}">
-        <p14:creationId xmlns:p14="http://schemas.microsoft.com/office/powerpoint/2010/main" val="3393903202"/>
+        <p14:creationId xmlns:p14="http://schemas.microsoft.com/office/powerpoint/2010/main" val="3212847762"/>
       </p:ext>
     </p:extLst>
   </p:cSld>
@@ -16389,26 +16449,169 @@
         </p:nvSpPr>
         <p:spPr/>
         <p:txBody>
-          <a:bodyPr/>
-          <a:lstStyle/>
-          <a:p>
-            <a:r>
-              <a:rPr lang="en-US" dirty="0"/>
-              <a:t>K-Nearest Neighbors Regression</a:t>
+          <a:bodyPr>
+            <a:normAutofit/>
+          </a:bodyPr>
+          <a:lstStyle/>
+          <a:p>
+            <a:r>
+              <a:rPr lang="en-US" dirty="0"/>
+              <a:t>Regressors</a:t>
             </a:r>
           </a:p>
           <a:p>
             <a:pPr lvl="1"/>
             <a:r>
               <a:rPr lang="en-US" dirty="0"/>
-              <a:t>Similar to the classifier, the regressor picks the value that is closest to the most similar neighbor.</a:t>
+              <a:t>Tries to predict as close to a value as possible.</a:t>
             </a:r>
           </a:p>
           <a:p>
             <a:pPr lvl="1"/>
             <a:r>
               <a:rPr lang="en-US" dirty="0"/>
-              <a:t>Multiple neighbors are averaged together.</a:t>
+              <a:t>Creates a linear equation to predict outcomes:</a:t>
+            </a:r>
+          </a:p>
+          <a:p>
+            <a:pPr lvl="2"/>
+            <a:r>
+              <a:rPr lang="en-US" dirty="0" err="1"/>
+              <a:t>Y</a:t>
+            </a:r>
+            <a:r>
+              <a:rPr lang="en-US" baseline="-25000" dirty="0" err="1"/>
+              <a:t>predict</a:t>
+            </a:r>
+            <a:r>
+              <a:rPr lang="en-US" dirty="0"/>
+              <a:t> = w</a:t>
+            </a:r>
+            <a:r>
+              <a:rPr lang="en-US" baseline="-25000" dirty="0"/>
+              <a:t>1</a:t>
+            </a:r>
+            <a:r>
+              <a:rPr lang="en-US" dirty="0"/>
+              <a:t>*f</a:t>
+            </a:r>
+            <a:r>
+              <a:rPr lang="en-US" baseline="-25000" dirty="0"/>
+              <a:t>1</a:t>
+            </a:r>
+            <a:r>
+              <a:rPr lang="en-US" dirty="0"/>
+              <a:t> + w</a:t>
+            </a:r>
+            <a:r>
+              <a:rPr lang="en-US" baseline="-25000" dirty="0"/>
+              <a:t>2</a:t>
+            </a:r>
+            <a:r>
+              <a:rPr lang="en-US" dirty="0"/>
+              <a:t>*f</a:t>
+            </a:r>
+            <a:r>
+              <a:rPr lang="en-US" baseline="-25000" dirty="0"/>
+              <a:t>2</a:t>
+            </a:r>
+            <a:r>
+              <a:rPr lang="en-US" dirty="0"/>
+              <a:t> + w</a:t>
+            </a:r>
+            <a:r>
+              <a:rPr lang="en-US" baseline="-25000" dirty="0"/>
+              <a:t>3</a:t>
+            </a:r>
+            <a:r>
+              <a:rPr lang="en-US" dirty="0"/>
+              <a:t>*f</a:t>
+            </a:r>
+            <a:r>
+              <a:rPr lang="en-US" baseline="-25000" dirty="0"/>
+              <a:t>3</a:t>
+            </a:r>
+            <a:r>
+              <a:rPr lang="en-US" dirty="0"/>
+              <a:t> + … + </a:t>
+            </a:r>
+            <a:r>
+              <a:rPr lang="en-US" dirty="0" err="1"/>
+              <a:t>w</a:t>
+            </a:r>
+            <a:r>
+              <a:rPr lang="en-US" baseline="-25000" dirty="0" err="1"/>
+              <a:t>n</a:t>
+            </a:r>
+            <a:r>
+              <a:rPr lang="en-US" dirty="0"/>
+              <a:t>*</a:t>
+            </a:r>
+            <a:r>
+              <a:rPr lang="en-US" dirty="0" err="1"/>
+              <a:t>f</a:t>
+            </a:r>
+            <a:r>
+              <a:rPr lang="en-US" baseline="-25000" dirty="0" err="1"/>
+              <a:t>n</a:t>
+            </a:r>
+            <a:r>
+              <a:rPr lang="en-US" dirty="0"/>
+              <a:t> + b</a:t>
+            </a:r>
+          </a:p>
+          <a:p>
+            <a:pPr lvl="3"/>
+            <a:r>
+              <a:rPr lang="en-US" dirty="0" err="1"/>
+              <a:t>Y</a:t>
+            </a:r>
+            <a:r>
+              <a:rPr lang="en-US" baseline="-25000" dirty="0" err="1"/>
+              <a:t>predict</a:t>
+            </a:r>
+            <a:r>
+              <a:rPr lang="en-US" dirty="0"/>
+              <a:t> = predicted value for given sample</a:t>
+            </a:r>
+          </a:p>
+          <a:p>
+            <a:pPr lvl="3"/>
+            <a:r>
+              <a:rPr lang="en-US" dirty="0"/>
+              <a:t>w = weights</a:t>
+            </a:r>
+          </a:p>
+          <a:p>
+            <a:pPr lvl="3"/>
+            <a:r>
+              <a:rPr lang="en-US" dirty="0"/>
+              <a:t>f = feature value</a:t>
+            </a:r>
+          </a:p>
+          <a:p>
+            <a:pPr lvl="3"/>
+            <a:r>
+              <a:rPr lang="en-US" dirty="0"/>
+              <a:t>b = intercept of linear line</a:t>
+            </a:r>
+          </a:p>
+          <a:p>
+            <a:pPr lvl="3"/>
+            <a:r>
+              <a:rPr lang="en-US" dirty="0"/>
+              <a:t>n = number of features</a:t>
+            </a:r>
+          </a:p>
+          <a:p>
+            <a:pPr lvl="2"/>
+            <a:r>
+              <a:rPr lang="en-US" dirty="0" err="1"/>
+              <a:t>A.k.a</a:t>
+            </a:r>
+            <a:r>
+              <a:rPr lang="en-US" dirty="0"/>
+              <a:t> the prediction function.</a:t>
             </a:r>
           </a:p>
           <a:p>
@@ -16423,7 +16626,7 @@
     </p:spTree>
     <p:extLst>
       <p:ext uri="{BB962C8B-B14F-4D97-AF65-F5344CB8AC3E}">
-        <p14:creationId xmlns:p14="http://schemas.microsoft.com/office/powerpoint/2010/main" val="3048577779"/>
+        <p14:creationId xmlns:p14="http://schemas.microsoft.com/office/powerpoint/2010/main" val="1469044682"/>
       </p:ext>
     </p:extLst>
   </p:cSld>
@@ -16508,34 +16711,66 @@
         </p:nvSpPr>
         <p:spPr/>
         <p:txBody>
-          <a:bodyPr/>
-          <a:lstStyle/>
-          <a:p>
-            <a:r>
-              <a:rPr lang="en-US" dirty="0"/>
-              <a:t>Linear Regression (Ordinary Least Squares)</a:t>
+          <a:bodyPr>
+            <a:normAutofit/>
+          </a:bodyPr>
+          <a:lstStyle/>
+          <a:p>
+            <a:r>
+              <a:rPr lang="en-US" dirty="0"/>
+              <a:t>Regressors</a:t>
             </a:r>
           </a:p>
           <a:p>
             <a:pPr lvl="1"/>
             <a:r>
               <a:rPr lang="en-US" dirty="0"/>
-              <a:t>Attempts to minimize the mean squared error between the prediction and the target values.</a:t>
+              <a:t>The models we train adjust the values of </a:t>
+            </a:r>
+            <a:r>
+              <a:rPr lang="en-US" dirty="0" err="1"/>
+              <a:t>w</a:t>
+            </a:r>
+            <a:r>
+              <a:rPr lang="en-US" baseline="-25000" dirty="0" err="1"/>
+              <a:t>x</a:t>
+            </a:r>
+            <a:r>
+              <a:rPr lang="en-US" dirty="0"/>
+              <a:t> and b.</a:t>
             </a:r>
           </a:p>
           <a:p>
             <a:pPr lvl="1"/>
             <a:r>
               <a:rPr lang="en-US" dirty="0"/>
-              <a:t>The error of this trainer is calculated by adding the squared differences between the predicted value with the actual target value.</a:t>
+              <a:t>For functions with regularization, an additional term is added for model to optimize when generating prediction function</a:t>
             </a:r>
           </a:p>
           <a:p>
             <a:pPr lvl="1"/>
             <a:r>
               <a:rPr lang="en-US" dirty="0"/>
-              <a:t>No regularization parameters to adjust the accuracy of this trainer</a:t>
-            </a:r>
+              <a:t>Examples:</a:t>
+            </a:r>
+          </a:p>
+          <a:p>
+            <a:pPr lvl="2"/>
+            <a:r>
+              <a:rPr lang="en-US" dirty="0"/>
+              <a:t>Trying to predict median household income of an area.</a:t>
+            </a:r>
+          </a:p>
+          <a:p>
+            <a:pPr lvl="2"/>
+            <a:r>
+              <a:rPr lang="en-US" dirty="0"/>
+              <a:t>Trying to predict the value a stock will rise to.</a:t>
+            </a:r>
+          </a:p>
+          <a:p>
+            <a:pPr lvl="2"/>
+            <a:endParaRPr lang="en-US" dirty="0"/>
           </a:p>
           <a:p>
             <a:endParaRPr lang="en-US" dirty="0"/>
@@ -16545,7 +16780,7 @@
     </p:spTree>
     <p:extLst>
       <p:ext uri="{BB962C8B-B14F-4D97-AF65-F5344CB8AC3E}">
-        <p14:creationId xmlns:p14="http://schemas.microsoft.com/office/powerpoint/2010/main" val="2836403428"/>
+        <p14:creationId xmlns:p14="http://schemas.microsoft.com/office/powerpoint/2010/main" val="3393903202"/>
       </p:ext>
     </p:extLst>
   </p:cSld>
@@ -16635,27 +16870,22 @@
           <a:p>
             <a:r>
               <a:rPr lang="en-US" dirty="0"/>
-              <a:t>In-Class Example – Linear Regression</a:t>
+              <a:t>K-Nearest Neighbors Regression</a:t>
             </a:r>
           </a:p>
           <a:p>
             <a:pPr lvl="1"/>
-            <a:endParaRPr lang="en-US" dirty="0"/>
-          </a:p>
-          <a:p>
-            <a:pPr lvl="2"/>
-            <a:endParaRPr lang="en-US" dirty="0"/>
-          </a:p>
-          <a:p>
-            <a:endParaRPr lang="en-US" dirty="0"/>
+            <a:r>
+              <a:rPr lang="en-US" dirty="0"/>
+              <a:t>Similar to the classifier, the regressor picks the value that is closest to the most similar neighbor.</a:t>
+            </a:r>
           </a:p>
           <a:p>
             <a:pPr lvl="1"/>
-            <a:endParaRPr lang="en-US" dirty="0"/>
-          </a:p>
-          <a:p>
-            <a:pPr lvl="2"/>
-            <a:endParaRPr lang="en-US" dirty="0"/>
+            <a:r>
+              <a:rPr lang="en-US" dirty="0"/>
+              <a:t>Multiple neighbors are averaged together.</a:t>
+            </a:r>
           </a:p>
           <a:p>
             <a:pPr lvl="2"/>
@@ -16669,7 +16899,7 @@
     </p:spTree>
     <p:extLst>
       <p:ext uri="{BB962C8B-B14F-4D97-AF65-F5344CB8AC3E}">
-        <p14:creationId xmlns:p14="http://schemas.microsoft.com/office/powerpoint/2010/main" val="3636144303"/>
+        <p14:creationId xmlns:p14="http://schemas.microsoft.com/office/powerpoint/2010/main" val="3048577779"/>
       </p:ext>
     </p:extLst>
   </p:cSld>
@@ -16754,26 +16984,34 @@
         </p:nvSpPr>
         <p:spPr/>
         <p:txBody>
-          <a:bodyPr>
-            <a:normAutofit/>
-          </a:bodyPr>
-          <a:lstStyle/>
-          <a:p>
-            <a:r>
-              <a:rPr lang="en-US" dirty="0"/>
-              <a:t>Ridge Regression</a:t>
+          <a:bodyPr/>
+          <a:lstStyle/>
+          <a:p>
+            <a:r>
+              <a:rPr lang="en-US" dirty="0"/>
+              <a:t>Linear Regression (Ordinary Least Squares)</a:t>
             </a:r>
           </a:p>
           <a:p>
             <a:pPr lvl="1"/>
             <a:r>
               <a:rPr lang="en-US" dirty="0"/>
-              <a:t>Uses OLS to fit the data, with the additional constraint of attempting to minimize the magnitude of the weight coefficients for each feature without eliminating the feature.</a:t>
-            </a:r>
-          </a:p>
-          <a:p>
-            <a:pPr lvl="2"/>
-            <a:endParaRPr lang="en-US" dirty="0"/>
+              <a:t>Attempts to minimize the mean squared error between the prediction and the target values.</a:t>
+            </a:r>
+          </a:p>
+          <a:p>
+            <a:pPr lvl="1"/>
+            <a:r>
+              <a:rPr lang="en-US" dirty="0"/>
+              <a:t>The error of this trainer is calculated by adding the squared differences between the predicted value with the actual target value.</a:t>
+            </a:r>
+          </a:p>
+          <a:p>
+            <a:pPr lvl="1"/>
+            <a:r>
+              <a:rPr lang="en-US" dirty="0"/>
+              <a:t>No regularization parameters to adjust the accuracy of this trainer</a:t>
+            </a:r>
           </a:p>
           <a:p>
             <a:endParaRPr lang="en-US" dirty="0"/>
@@ -16783,7 +17021,7 @@
     </p:spTree>
     <p:extLst>
       <p:ext uri="{BB962C8B-B14F-4D97-AF65-F5344CB8AC3E}">
-        <p14:creationId xmlns:p14="http://schemas.microsoft.com/office/powerpoint/2010/main" val="474133971"/>
+        <p14:creationId xmlns:p14="http://schemas.microsoft.com/office/powerpoint/2010/main" val="2836403428"/>
       </p:ext>
     </p:extLst>
   </p:cSld>
@@ -16868,36 +17106,32 @@
         </p:nvSpPr>
         <p:spPr/>
         <p:txBody>
-          <a:bodyPr>
-            <a:normAutofit/>
-          </a:bodyPr>
-          <a:lstStyle/>
-          <a:p>
-            <a:r>
-              <a:rPr lang="en-US" dirty="0"/>
-              <a:t>Ridge Regression</a:t>
+          <a:bodyPr/>
+          <a:lstStyle/>
+          <a:p>
+            <a:r>
+              <a:rPr lang="en-US" dirty="0"/>
+              <a:t>In-Class Example – Linear Regression</a:t>
             </a:r>
           </a:p>
           <a:p>
             <a:pPr lvl="1"/>
-            <a:r>
-              <a:rPr lang="en-US" dirty="0"/>
-              <a:t>Each weight should be as close to zero as possible.</a:t>
-            </a:r>
+            <a:endParaRPr lang="en-US" dirty="0"/>
+          </a:p>
+          <a:p>
+            <a:pPr lvl="2"/>
+            <a:endParaRPr lang="en-US" dirty="0"/>
+          </a:p>
+          <a:p>
+            <a:endParaRPr lang="en-US" dirty="0"/>
           </a:p>
           <a:p>
             <a:pPr lvl="1"/>
-            <a:r>
-              <a:rPr lang="en-US" dirty="0"/>
-              <a:t>Each feature will have as little affect on the prediction as possible.</a:t>
-            </a:r>
-          </a:p>
-          <a:p>
-            <a:pPr lvl="1"/>
-            <a:r>
-              <a:rPr lang="en-US" dirty="0"/>
-              <a:t>Note that the feature weights will not be exactly zero using this trainer, so each feature still affects the prediction.</a:t>
-            </a:r>
+            <a:endParaRPr lang="en-US" dirty="0"/>
+          </a:p>
+          <a:p>
+            <a:pPr lvl="2"/>
+            <a:endParaRPr lang="en-US" dirty="0"/>
           </a:p>
           <a:p>
             <a:pPr lvl="2"/>
@@ -16911,7 +17145,7 @@
     </p:spTree>
     <p:extLst>
       <p:ext uri="{BB962C8B-B14F-4D97-AF65-F5344CB8AC3E}">
-        <p14:creationId xmlns:p14="http://schemas.microsoft.com/office/powerpoint/2010/main" val="3620252848"/>
+        <p14:creationId xmlns:p14="http://schemas.microsoft.com/office/powerpoint/2010/main" val="3636144303"/>
       </p:ext>
     </p:extLst>
   </p:cSld>
@@ -16996,7 +17230,9 @@
         </p:nvSpPr>
         <p:spPr/>
         <p:txBody>
-          <a:bodyPr/>
+          <a:bodyPr>
+            <a:normAutofit/>
+          </a:bodyPr>
           <a:lstStyle/>
           <a:p>
             <a:r>
@@ -17008,28 +17244,7 @@
             <a:pPr lvl="1"/>
             <a:r>
               <a:rPr lang="en-US" dirty="0"/>
-              <a:t>Attempting to minimize the weight magnitudes is a form of regularization.</a:t>
-            </a:r>
-          </a:p>
-          <a:p>
-            <a:pPr lvl="2"/>
-            <a:r>
-              <a:rPr lang="en-US" dirty="0"/>
-              <a:t>Regularization is used to attempt to prevent overfitting.</a:t>
-            </a:r>
-          </a:p>
-          <a:p>
-            <a:pPr lvl="1"/>
-            <a:r>
-              <a:rPr lang="en-US" dirty="0"/>
-              <a:t>This trainer uses L2 regularization</a:t>
-            </a:r>
-          </a:p>
-          <a:p>
-            <a:pPr lvl="2"/>
-            <a:r>
-              <a:rPr lang="en-US" dirty="0"/>
-              <a:t>The sum of the square of the weight coefficient for each feature is used as a penalty term in determining model accuracy.</a:t>
+              <a:t>Uses OLS to fit the data, with the additional constraint of attempting to minimize the magnitude of the weight coefficients for each feature without eliminating the feature.</a:t>
             </a:r>
           </a:p>
           <a:p>
@@ -17044,7 +17259,7 @@
     </p:spTree>
     <p:extLst>
       <p:ext uri="{BB962C8B-B14F-4D97-AF65-F5344CB8AC3E}">
-        <p14:creationId xmlns:p14="http://schemas.microsoft.com/office/powerpoint/2010/main" val="1031170893"/>
+        <p14:creationId xmlns:p14="http://schemas.microsoft.com/office/powerpoint/2010/main" val="474133971"/>
       </p:ext>
     </p:extLst>
   </p:cSld>
@@ -17129,7 +17344,9 @@
         </p:nvSpPr>
         <p:spPr/>
         <p:txBody>
-          <a:bodyPr/>
+          <a:bodyPr>
+            <a:normAutofit/>
+          </a:bodyPr>
           <a:lstStyle/>
           <a:p>
             <a:r>
@@ -17141,40 +17358,22 @@
             <a:pPr lvl="1"/>
             <a:r>
               <a:rPr lang="en-US" dirty="0"/>
-              <a:t>For this Scikit-Learn trainer, the alpha term is used for regularization.</a:t>
+              <a:t>Each weight should be as close to zero as possible.</a:t>
             </a:r>
           </a:p>
           <a:p>
             <a:pPr lvl="1"/>
             <a:r>
               <a:rPr lang="en-US" dirty="0"/>
-              <a:t>Increasing alpha moves each feature’s weight more towards zero.</a:t>
-            </a:r>
-          </a:p>
-          <a:p>
-            <a:pPr lvl="2"/>
-            <a:r>
-              <a:rPr lang="en-US" dirty="0"/>
-              <a:t>This may help make the model more generalized, which will help overfitting.</a:t>
-            </a:r>
-          </a:p>
-          <a:p>
-            <a:pPr lvl="2"/>
-            <a:r>
-              <a:rPr lang="en-US" dirty="0"/>
-              <a:t>This will decrease training set performance.</a:t>
-            </a:r>
-          </a:p>
-          <a:p>
-            <a:endParaRPr lang="en-US" dirty="0"/>
+              <a:t>Each feature will have as little affect on the prediction as possible.</a:t>
+            </a:r>
           </a:p>
           <a:p>
             <a:pPr lvl="1"/>
-            <a:endParaRPr lang="en-US" dirty="0"/>
-          </a:p>
-          <a:p>
-            <a:pPr lvl="2"/>
-            <a:endParaRPr lang="en-US" dirty="0"/>
+            <a:r>
+              <a:rPr lang="en-US" dirty="0"/>
+              <a:t>Note that the feature weights will not be exactly zero using this trainer, so each feature still affects the prediction.</a:t>
+            </a:r>
           </a:p>
           <a:p>
             <a:pPr lvl="2"/>
@@ -17188,7 +17387,7 @@
     </p:spTree>
     <p:extLst>
       <p:ext uri="{BB962C8B-B14F-4D97-AF65-F5344CB8AC3E}">
-        <p14:creationId xmlns:p14="http://schemas.microsoft.com/office/powerpoint/2010/main" val="4041600192"/>
+        <p14:creationId xmlns:p14="http://schemas.microsoft.com/office/powerpoint/2010/main" val="3620252848"/>
       </p:ext>
     </p:extLst>
   </p:cSld>
@@ -17285,30 +17484,29 @@
             <a:pPr lvl="1"/>
             <a:r>
               <a:rPr lang="en-US" dirty="0"/>
-              <a:t>Increasing alpha more and more will not necessarily make the model more predictive.</a:t>
+              <a:t>Attempting to minimize the weight magnitudes is a form of regularization.</a:t>
+            </a:r>
+          </a:p>
+          <a:p>
+            <a:pPr lvl="2"/>
+            <a:r>
+              <a:rPr lang="en-US" dirty="0"/>
+              <a:t>Regularization is used to attempt to prevent overfitting.</a:t>
             </a:r>
           </a:p>
           <a:p>
             <a:pPr lvl="1"/>
             <a:r>
               <a:rPr lang="en-US" dirty="0"/>
-              <a:t>Alpha will need tuned for an optimal model.</a:t>
+              <a:t>This trainer uses L2 regularization</a:t>
             </a:r>
           </a:p>
           <a:p>
             <a:pPr lvl="2"/>
-            <a:endParaRPr lang="en-US" dirty="0"/>
-          </a:p>
-          <a:p>
-            <a:endParaRPr lang="en-US" dirty="0"/>
-          </a:p>
-          <a:p>
-            <a:pPr lvl="1"/>
-            <a:endParaRPr lang="en-US" dirty="0"/>
-          </a:p>
-          <a:p>
-            <a:pPr lvl="2"/>
-            <a:endParaRPr lang="en-US" dirty="0"/>
+            <a:r>
+              <a:rPr lang="en-US" dirty="0"/>
+              <a:t>The sum of the square of the weight coefficient for each feature is used as a penalty term in determining model accuracy.</a:t>
+            </a:r>
           </a:p>
           <a:p>
             <a:pPr lvl="2"/>
@@ -17322,7 +17520,7 @@
     </p:spTree>
     <p:extLst>
       <p:ext uri="{BB962C8B-B14F-4D97-AF65-F5344CB8AC3E}">
-        <p14:creationId xmlns:p14="http://schemas.microsoft.com/office/powerpoint/2010/main" val="52183678"/>
+        <p14:creationId xmlns:p14="http://schemas.microsoft.com/office/powerpoint/2010/main" val="1031170893"/>
       </p:ext>
     </p:extLst>
   </p:cSld>
@@ -17412,16 +17610,36 @@
           <a:p>
             <a:r>
               <a:rPr lang="en-US" dirty="0"/>
-              <a:t>In-Class Example – Ridge Regression</a:t>
+              <a:t>Ridge Regression</a:t>
             </a:r>
           </a:p>
           <a:p>
             <a:pPr lvl="1"/>
-            <a:endParaRPr lang="en-US" dirty="0"/>
+            <a:r>
+              <a:rPr lang="en-US" dirty="0"/>
+              <a:t>For this Scikit-Learn trainer, the alpha term is used for regularization.</a:t>
+            </a:r>
+          </a:p>
+          <a:p>
+            <a:pPr lvl="1"/>
+            <a:r>
+              <a:rPr lang="en-US" dirty="0"/>
+              <a:t>Increasing alpha moves each feature’s weight more towards zero.</a:t>
+            </a:r>
           </a:p>
           <a:p>
             <a:pPr lvl="2"/>
-            <a:endParaRPr lang="en-US" dirty="0"/>
+            <a:r>
+              <a:rPr lang="en-US" dirty="0"/>
+              <a:t>This may help make the model more generalized, which will help overfitting.</a:t>
+            </a:r>
+          </a:p>
+          <a:p>
+            <a:pPr lvl="2"/>
+            <a:r>
+              <a:rPr lang="en-US" dirty="0"/>
+              <a:t>This will decrease training set performance.</a:t>
+            </a:r>
           </a:p>
           <a:p>
             <a:endParaRPr lang="en-US" dirty="0"/>
@@ -17446,7 +17664,7 @@
     </p:spTree>
     <p:extLst>
       <p:ext uri="{BB962C8B-B14F-4D97-AF65-F5344CB8AC3E}">
-        <p14:creationId xmlns:p14="http://schemas.microsoft.com/office/powerpoint/2010/main" val="1030170644"/>
+        <p14:creationId xmlns:p14="http://schemas.microsoft.com/office/powerpoint/2010/main" val="4041600192"/>
       </p:ext>
     </p:extLst>
   </p:cSld>
@@ -17679,14 +17897,21 @@
           <a:p>
             <a:r>
               <a:rPr lang="en-US" dirty="0"/>
-              <a:t>In-Class Exercise</a:t>
+              <a:t>Ridge Regression</a:t>
             </a:r>
           </a:p>
           <a:p>
             <a:pPr lvl="1"/>
             <a:r>
               <a:rPr lang="en-US" dirty="0"/>
-              <a:t>Run the example with ridge regression, attempting to optimize the test prediction data set by adjusting alpha.</a:t>
+              <a:t>Increasing alpha more and more will not necessarily make the model more predictive.</a:t>
+            </a:r>
+          </a:p>
+          <a:p>
+            <a:pPr lvl="1"/>
+            <a:r>
+              <a:rPr lang="en-US" dirty="0"/>
+              <a:t>Alpha will need tuned for an optimal model.</a:t>
             </a:r>
           </a:p>
           <a:p>
@@ -17716,7 +17941,7 @@
     </p:spTree>
     <p:extLst>
       <p:ext uri="{BB962C8B-B14F-4D97-AF65-F5344CB8AC3E}">
-        <p14:creationId xmlns:p14="http://schemas.microsoft.com/office/powerpoint/2010/main" val="2651109508"/>
+        <p14:creationId xmlns:p14="http://schemas.microsoft.com/office/powerpoint/2010/main" val="52183678"/>
       </p:ext>
     </p:extLst>
   </p:cSld>
@@ -17806,39 +18031,26 @@
           <a:p>
             <a:r>
               <a:rPr lang="en-US" dirty="0"/>
-              <a:t>LASSO Regression</a:t>
+              <a:t>In-Class Example – Ridge Regression</a:t>
             </a:r>
           </a:p>
           <a:p>
             <a:pPr lvl="1"/>
-            <a:r>
-              <a:rPr lang="en-US" dirty="0"/>
-              <a:t>Similar to ridge regression, uses a modified OLS algorithm that attempts to make each weight close to zero.</a:t>
-            </a:r>
+            <a:endParaRPr lang="en-US" dirty="0"/>
+          </a:p>
+          <a:p>
+            <a:pPr lvl="2"/>
+            <a:endParaRPr lang="en-US" dirty="0"/>
+          </a:p>
+          <a:p>
+            <a:endParaRPr lang="en-US" dirty="0"/>
           </a:p>
           <a:p>
             <a:pPr lvl="1"/>
-            <a:r>
-              <a:rPr lang="en-US" dirty="0"/>
-              <a:t>In this trainer, a weight value can be zero, so that a feature will not affect the prediction.</a:t>
-            </a:r>
-          </a:p>
-          <a:p>
-            <a:pPr lvl="1"/>
-            <a:r>
-              <a:rPr lang="en-US" dirty="0"/>
-              <a:t>This trainer uses L1 regularization.</a:t>
-            </a:r>
+            <a:endParaRPr lang="en-US" dirty="0"/>
           </a:p>
           <a:p>
             <a:pPr lvl="2"/>
-            <a:r>
-              <a:rPr lang="en-US" dirty="0"/>
-              <a:t>The sum of the weight coefficient for each feature is used as a penalty term in determining model accuracy.</a:t>
-            </a:r>
-          </a:p>
-          <a:p>
-            <a:pPr lvl="1"/>
             <a:endParaRPr lang="en-US" dirty="0"/>
           </a:p>
           <a:p>
@@ -17853,7 +18065,7 @@
     </p:spTree>
     <p:extLst>
       <p:ext uri="{BB962C8B-B14F-4D97-AF65-F5344CB8AC3E}">
-        <p14:creationId xmlns:p14="http://schemas.microsoft.com/office/powerpoint/2010/main" val="2833183138"/>
+        <p14:creationId xmlns:p14="http://schemas.microsoft.com/office/powerpoint/2010/main" val="1030170644"/>
       </p:ext>
     </p:extLst>
   </p:cSld>
@@ -17943,18 +18155,29 @@
           <a:p>
             <a:r>
               <a:rPr lang="en-US" dirty="0"/>
-              <a:t>LASSO Regression</a:t>
+              <a:t>In-Class Exercise</a:t>
             </a:r>
           </a:p>
           <a:p>
             <a:pPr lvl="1"/>
             <a:r>
               <a:rPr lang="en-US" dirty="0"/>
-              <a:t>For this Scikit-Learn trainer, the alpha term is also used for regularization.</a:t>
-            </a:r>
+              <a:t>Run the example with ridge regression, attempting to optimize the test prediction data set by adjusting alpha.</a:t>
+            </a:r>
+          </a:p>
+          <a:p>
+            <a:pPr lvl="2"/>
+            <a:endParaRPr lang="en-US" dirty="0"/>
+          </a:p>
+          <a:p>
+            <a:endParaRPr lang="en-US" dirty="0"/>
           </a:p>
           <a:p>
             <a:pPr lvl="1"/>
+            <a:endParaRPr lang="en-US" dirty="0"/>
+          </a:p>
+          <a:p>
+            <a:pPr lvl="2"/>
             <a:endParaRPr lang="en-US" dirty="0"/>
           </a:p>
           <a:p>
@@ -17969,7 +18192,7 @@
     </p:spTree>
     <p:extLst>
       <p:ext uri="{BB962C8B-B14F-4D97-AF65-F5344CB8AC3E}">
-        <p14:creationId xmlns:p14="http://schemas.microsoft.com/office/powerpoint/2010/main" val="2503353380"/>
+        <p14:creationId xmlns:p14="http://schemas.microsoft.com/office/powerpoint/2010/main" val="2651109508"/>
       </p:ext>
     </p:extLst>
   </p:cSld>
@@ -18059,26 +18282,39 @@
           <a:p>
             <a:r>
               <a:rPr lang="en-US" dirty="0"/>
-              <a:t>In-Class Example – LASSO Regression</a:t>
+              <a:t>LASSO Regression</a:t>
             </a:r>
           </a:p>
           <a:p>
             <a:pPr lvl="1"/>
-            <a:endParaRPr lang="en-US" dirty="0"/>
+            <a:r>
+              <a:rPr lang="en-US" dirty="0"/>
+              <a:t>Similar to ridge regression, uses a modified OLS algorithm that attempts to make each weight close to zero.</a:t>
+            </a:r>
+          </a:p>
+          <a:p>
+            <a:pPr lvl="1"/>
+            <a:r>
+              <a:rPr lang="en-US" dirty="0"/>
+              <a:t>In this trainer, a weight value can be zero, so that a feature will not affect the prediction.</a:t>
+            </a:r>
+          </a:p>
+          <a:p>
+            <a:pPr lvl="1"/>
+            <a:r>
+              <a:rPr lang="en-US" dirty="0"/>
+              <a:t>This trainer uses L1 regularization.</a:t>
+            </a:r>
           </a:p>
           <a:p>
             <a:pPr lvl="2"/>
-            <a:endParaRPr lang="en-US" dirty="0"/>
-          </a:p>
-          <a:p>
-            <a:endParaRPr lang="en-US" dirty="0"/>
+            <a:r>
+              <a:rPr lang="en-US" dirty="0"/>
+              <a:t>The sum of the weight coefficient for each feature is used as a penalty term in determining model accuracy.</a:t>
+            </a:r>
           </a:p>
           <a:p>
             <a:pPr lvl="1"/>
-            <a:endParaRPr lang="en-US" dirty="0"/>
-          </a:p>
-          <a:p>
-            <a:pPr lvl="2"/>
             <a:endParaRPr lang="en-US" dirty="0"/>
           </a:p>
           <a:p>
@@ -18093,7 +18329,7 @@
     </p:spTree>
     <p:extLst>
       <p:ext uri="{BB962C8B-B14F-4D97-AF65-F5344CB8AC3E}">
-        <p14:creationId xmlns:p14="http://schemas.microsoft.com/office/powerpoint/2010/main" val="1318670462"/>
+        <p14:creationId xmlns:p14="http://schemas.microsoft.com/office/powerpoint/2010/main" val="2833183138"/>
       </p:ext>
     </p:extLst>
   </p:cSld>
@@ -18183,44 +18419,18 @@
           <a:p>
             <a:r>
               <a:rPr lang="en-US" dirty="0"/>
-              <a:t>In-Class Exercise</a:t>
+              <a:t>LASSO Regression</a:t>
             </a:r>
           </a:p>
           <a:p>
             <a:pPr lvl="1"/>
             <a:r>
               <a:rPr lang="en-US" dirty="0"/>
-              <a:t>Generate models for the </a:t>
-            </a:r>
-            <a:r>
-              <a:rPr lang="en-US" dirty="0" err="1"/>
-              <a:t>boston</a:t>
-            </a:r>
-            <a:r>
-              <a:rPr lang="en-US" dirty="0"/>
-              <a:t> housing data using linear, ridge, and LASSO regressors.  For models that use regularization, attempt to optimize the predictions (can use previous example code).</a:t>
+              <a:t>For this Scikit-Learn trainer, the alpha term is also used for regularization.</a:t>
             </a:r>
           </a:p>
           <a:p>
             <a:pPr lvl="1"/>
-            <a:r>
-              <a:rPr lang="en-US" dirty="0"/>
-              <a:t>Which model is the most accurate with respect to test data predictions?  Are there benefits to the models that are less accurate?</a:t>
-            </a:r>
-          </a:p>
-          <a:p>
-            <a:pPr lvl="2"/>
-            <a:endParaRPr lang="en-US" dirty="0"/>
-          </a:p>
-          <a:p>
-            <a:endParaRPr lang="en-US" dirty="0"/>
-          </a:p>
-          <a:p>
-            <a:pPr lvl="1"/>
-            <a:endParaRPr lang="en-US" dirty="0"/>
-          </a:p>
-          <a:p>
-            <a:pPr lvl="2"/>
             <a:endParaRPr lang="en-US" dirty="0"/>
           </a:p>
           <a:p>
@@ -18235,7 +18445,7 @@
     </p:spTree>
     <p:extLst>
       <p:ext uri="{BB962C8B-B14F-4D97-AF65-F5344CB8AC3E}">
-        <p14:creationId xmlns:p14="http://schemas.microsoft.com/office/powerpoint/2010/main" val="2777821716"/>
+        <p14:creationId xmlns:p14="http://schemas.microsoft.com/office/powerpoint/2010/main" val="2503353380"/>
       </p:ext>
     </p:extLst>
   </p:cSld>
@@ -18325,8 +18535,27 @@
           <a:p>
             <a:r>
               <a:rPr lang="en-US" dirty="0"/>
-              <a:t>Decision Tree</a:t>
-            </a:r>
+              <a:t>In-Class Example – LASSO Regression</a:t>
+            </a:r>
+          </a:p>
+          <a:p>
+            <a:pPr lvl="1"/>
+            <a:endParaRPr lang="en-US" dirty="0"/>
+          </a:p>
+          <a:p>
+            <a:pPr lvl="2"/>
+            <a:endParaRPr lang="en-US" dirty="0"/>
+          </a:p>
+          <a:p>
+            <a:endParaRPr lang="en-US" dirty="0"/>
+          </a:p>
+          <a:p>
+            <a:pPr lvl="1"/>
+            <a:endParaRPr lang="en-US" dirty="0"/>
+          </a:p>
+          <a:p>
+            <a:pPr lvl="2"/>
+            <a:endParaRPr lang="en-US" dirty="0"/>
           </a:p>
           <a:p>
             <a:pPr lvl="2"/>
@@ -18340,7 +18569,7 @@
     </p:spTree>
     <p:extLst>
       <p:ext uri="{BB962C8B-B14F-4D97-AF65-F5344CB8AC3E}">
-        <p14:creationId xmlns:p14="http://schemas.microsoft.com/office/powerpoint/2010/main" val="1924952010"/>
+        <p14:creationId xmlns:p14="http://schemas.microsoft.com/office/powerpoint/2010/main" val="1318670462"/>
       </p:ext>
     </p:extLst>
   </p:cSld>
@@ -18430,8 +18659,45 @@
           <a:p>
             <a:r>
               <a:rPr lang="en-US" dirty="0"/>
-              <a:t>Forest</a:t>
-            </a:r>
+              <a:t>In-Class Exercise</a:t>
+            </a:r>
+          </a:p>
+          <a:p>
+            <a:pPr lvl="1"/>
+            <a:r>
+              <a:rPr lang="en-US" dirty="0"/>
+              <a:t>Generate models for the </a:t>
+            </a:r>
+            <a:r>
+              <a:rPr lang="en-US" dirty="0" err="1"/>
+              <a:t>boston</a:t>
+            </a:r>
+            <a:r>
+              <a:rPr lang="en-US" dirty="0"/>
+              <a:t> housing data using linear, ridge, and LASSO regressors.  For models that use regularization, attempt to optimize the predictions (can use previous example code).</a:t>
+            </a:r>
+          </a:p>
+          <a:p>
+            <a:pPr lvl="1"/>
+            <a:r>
+              <a:rPr lang="en-US" dirty="0"/>
+              <a:t>Which model is the most accurate with respect to test data predictions?  Are there benefits to the models that are less accurate?</a:t>
+            </a:r>
+          </a:p>
+          <a:p>
+            <a:pPr lvl="2"/>
+            <a:endParaRPr lang="en-US" dirty="0"/>
+          </a:p>
+          <a:p>
+            <a:endParaRPr lang="en-US" dirty="0"/>
+          </a:p>
+          <a:p>
+            <a:pPr lvl="1"/>
+            <a:endParaRPr lang="en-US" dirty="0"/>
+          </a:p>
+          <a:p>
+            <a:pPr lvl="2"/>
+            <a:endParaRPr lang="en-US" dirty="0"/>
           </a:p>
           <a:p>
             <a:pPr lvl="2"/>
@@ -18445,7 +18711,7 @@
     </p:spTree>
     <p:extLst>
       <p:ext uri="{BB962C8B-B14F-4D97-AF65-F5344CB8AC3E}">
-        <p14:creationId xmlns:p14="http://schemas.microsoft.com/office/powerpoint/2010/main" val="358457677"/>
+        <p14:creationId xmlns:p14="http://schemas.microsoft.com/office/powerpoint/2010/main" val="2777821716"/>
       </p:ext>
     </p:extLst>
   </p:cSld>
@@ -18535,7 +18801,7 @@
           <a:p>
             <a:r>
               <a:rPr lang="en-US" dirty="0"/>
-              <a:t>Gradient-Boosted Forest</a:t>
+              <a:t>Decision Tree</a:t>
             </a:r>
           </a:p>
           <a:p>
@@ -18550,7 +18816,7 @@
     </p:spTree>
     <p:extLst>
       <p:ext uri="{BB962C8B-B14F-4D97-AF65-F5344CB8AC3E}">
-        <p14:creationId xmlns:p14="http://schemas.microsoft.com/office/powerpoint/2010/main" val="1436682753"/>
+        <p14:creationId xmlns:p14="http://schemas.microsoft.com/office/powerpoint/2010/main" val="1924952010"/>
       </p:ext>
     </p:extLst>
   </p:cSld>
@@ -18618,7 +18884,7 @@
           <a:p>
             <a:r>
               <a:rPr lang="en-US" dirty="0"/>
-              <a:t>Dataset Preparation</a:t>
+              <a:t>Linear Models - Regressors</a:t>
             </a:r>
           </a:p>
         </p:txBody>
@@ -18640,29 +18906,22 @@
           <a:p>
             <a:r>
               <a:rPr lang="en-US" dirty="0"/>
-              <a:t>Overview</a:t>
-            </a:r>
-          </a:p>
-          <a:p>
-            <a:pPr lvl="1"/>
-            <a:r>
-              <a:rPr lang="en-US" dirty="0"/>
-              <a:t>Train Test Split</a:t>
-            </a:r>
-          </a:p>
-          <a:p>
-            <a:pPr lvl="1"/>
-            <a:r>
-              <a:rPr lang="en-US" dirty="0"/>
-              <a:t>Cross Validation</a:t>
-            </a:r>
+              <a:t>Forest</a:t>
+            </a:r>
+          </a:p>
+          <a:p>
+            <a:pPr lvl="2"/>
+            <a:endParaRPr lang="en-US" dirty="0"/>
+          </a:p>
+          <a:p>
+            <a:endParaRPr lang="en-US" dirty="0"/>
           </a:p>
         </p:txBody>
       </p:sp>
     </p:spTree>
     <p:extLst>
       <p:ext uri="{BB962C8B-B14F-4D97-AF65-F5344CB8AC3E}">
-        <p14:creationId xmlns:p14="http://schemas.microsoft.com/office/powerpoint/2010/main" val="4053921630"/>
+        <p14:creationId xmlns:p14="http://schemas.microsoft.com/office/powerpoint/2010/main" val="358457677"/>
       </p:ext>
     </p:extLst>
   </p:cSld>
@@ -18730,7 +18989,7 @@
           <a:p>
             <a:r>
               <a:rPr lang="en-US" dirty="0"/>
-              <a:t>Evaluating Accuracy</a:t>
+              <a:t>Linear Models - Regressors</a:t>
             </a:r>
           </a:p>
         </p:txBody>
@@ -18747,105 +19006,27 @@
         </p:nvSpPr>
         <p:spPr/>
         <p:txBody>
-          <a:bodyPr>
-            <a:normAutofit fontScale="92500" lnSpcReduction="20000"/>
-          </a:bodyPr>
-          <a:lstStyle/>
-          <a:p>
-            <a:r>
-              <a:rPr lang="en-US" dirty="0"/>
-              <a:t>Overview</a:t>
-            </a:r>
-          </a:p>
-          <a:p>
-            <a:pPr lvl="1"/>
-            <a:r>
-              <a:rPr lang="en-US" dirty="0"/>
-              <a:t>Accuracy</a:t>
+          <a:bodyPr/>
+          <a:lstStyle/>
+          <a:p>
+            <a:r>
+              <a:rPr lang="en-US" dirty="0"/>
+              <a:t>Gradient-Boosted Forest</a:t>
             </a:r>
           </a:p>
           <a:p>
             <a:pPr lvl="2"/>
-            <a:r>
-              <a:rPr lang="en-US" dirty="0"/>
-              <a:t>score()</a:t>
-            </a:r>
-          </a:p>
-          <a:p>
-            <a:pPr lvl="1"/>
-            <a:r>
-              <a:rPr lang="en-US" dirty="0"/>
-              <a:t>Mean Squared Error</a:t>
-            </a:r>
-          </a:p>
-          <a:p>
-            <a:pPr lvl="2"/>
-            <a:r>
-              <a:rPr lang="en-US" dirty="0" err="1"/>
-              <a:t>mse</a:t>
-            </a:r>
-            <a:endParaRPr lang="en-US" dirty="0"/>
-          </a:p>
-          <a:p>
-            <a:pPr lvl="1"/>
-            <a:r>
-              <a:rPr lang="en-US" dirty="0"/>
-              <a:t>Precision Recall Curves</a:t>
-            </a:r>
-          </a:p>
-          <a:p>
-            <a:pPr lvl="2"/>
-            <a:r>
-              <a:rPr lang="en-US" dirty="0" err="1"/>
-              <a:t>precision_recall_curve</a:t>
-            </a:r>
-            <a:r>
-              <a:rPr lang="en-US" dirty="0"/>
-              <a:t>()</a:t>
-            </a:r>
-          </a:p>
-          <a:p>
-            <a:pPr lvl="1"/>
-            <a:r>
-              <a:rPr lang="en-US" dirty="0"/>
-              <a:t>Receiver Operating Characteristics (ROC) Curve</a:t>
-            </a:r>
-          </a:p>
-          <a:p>
-            <a:pPr lvl="2"/>
-            <a:r>
-              <a:rPr lang="en-US" dirty="0" err="1"/>
-              <a:t>roc_curve</a:t>
-            </a:r>
-            <a:r>
-              <a:rPr lang="en-US" dirty="0"/>
-              <a:t>()</a:t>
-            </a:r>
-          </a:p>
-          <a:p>
-            <a:pPr lvl="1"/>
-            <a:r>
-              <a:rPr lang="en-US" dirty="0"/>
-              <a:t>Area Under the Curve (AUC)</a:t>
-            </a:r>
-          </a:p>
-          <a:p>
-            <a:pPr lvl="2"/>
-            <a:r>
-              <a:rPr lang="en-US" dirty="0" err="1"/>
-              <a:t>roc_auc_score</a:t>
-            </a:r>
-            <a:r>
-              <a:rPr lang="en-US" dirty="0"/>
-              <a:t>()</a:t>
-            </a:r>
+            <a:endParaRPr lang="en-US" dirty="0"/>
+          </a:p>
+          <a:p>
+            <a:endParaRPr lang="en-US" dirty="0"/>
           </a:p>
         </p:txBody>
       </p:sp>
     </p:spTree>
     <p:extLst>
       <p:ext uri="{BB962C8B-B14F-4D97-AF65-F5344CB8AC3E}">
-        <p14:creationId xmlns:p14="http://schemas.microsoft.com/office/powerpoint/2010/main" val="3169363239"/>
+        <p14:creationId xmlns:p14="http://schemas.microsoft.com/office/powerpoint/2010/main" val="1436682753"/>
       </p:ext>
     </p:extLst>
   </p:cSld>
@@ -19174,12 +19355,8 @@
           <a:lstStyle/>
           <a:p>
             <a:r>
-              <a:rPr lang="en-US" dirty="0" err="1"/>
-              <a:t>Scikit</a:t>
-            </a:r>
-            <a:r>
-              <a:rPr lang="en-US" dirty="0"/>
-              <a:t>-Learn Machine Learning</a:t>
+              <a:rPr lang="en-US" dirty="0"/>
+              <a:t>Dataset Preparation</a:t>
             </a:r>
           </a:p>
         </p:txBody>
@@ -19208,50 +19385,22 @@
             <a:pPr lvl="1"/>
             <a:r>
               <a:rPr lang="en-US" dirty="0"/>
-              <a:t>Definition</a:t>
+              <a:t>Train Test Split</a:t>
             </a:r>
           </a:p>
           <a:p>
             <a:pPr lvl="1"/>
             <a:r>
               <a:rPr lang="en-US" dirty="0"/>
-              <a:t>General Types</a:t>
-            </a:r>
-          </a:p>
-          <a:p>
-            <a:pPr lvl="1"/>
-            <a:r>
-              <a:rPr lang="en-US" dirty="0"/>
-              <a:t>Basic Linear Models</a:t>
-            </a:r>
-          </a:p>
-          <a:p>
-            <a:pPr lvl="1"/>
-            <a:r>
-              <a:rPr lang="en-US" dirty="0"/>
-              <a:t>Algorithm Types</a:t>
-            </a:r>
-          </a:p>
-          <a:p>
-            <a:pPr lvl="1"/>
-            <a:r>
-              <a:rPr lang="en-US" dirty="0"/>
-              <a:t>Tuning</a:t>
-            </a:r>
-          </a:p>
-          <a:p>
-            <a:pPr lvl="2"/>
-            <a:endParaRPr lang="en-US" dirty="0"/>
-          </a:p>
-          <a:p>
-            <a:endParaRPr lang="en-US" dirty="0"/>
+              <a:t>Cross Validation</a:t>
+            </a:r>
           </a:p>
         </p:txBody>
       </p:sp>
     </p:spTree>
     <p:extLst>
       <p:ext uri="{BB962C8B-B14F-4D97-AF65-F5344CB8AC3E}">
-        <p14:creationId xmlns:p14="http://schemas.microsoft.com/office/powerpoint/2010/main" val="754999196"/>
+        <p14:creationId xmlns:p14="http://schemas.microsoft.com/office/powerpoint/2010/main" val="4053921630"/>
       </p:ext>
     </p:extLst>
   </p:cSld>
@@ -19319,7 +19468,7 @@
           <a:p>
             <a:r>
               <a:rPr lang="en-US" dirty="0"/>
-              <a:t>Tuning</a:t>
+              <a:t>Evaluating Accuracy</a:t>
             </a:r>
           </a:p>
         </p:txBody>
@@ -19336,39 +19485,105 @@
         </p:nvSpPr>
         <p:spPr/>
         <p:txBody>
-          <a:bodyPr/>
-          <a:lstStyle/>
-          <a:p>
-            <a:r>
-              <a:rPr lang="en-US" dirty="0"/>
-              <a:t>Determining what features matter</a:t>
-            </a:r>
-          </a:p>
-          <a:p>
-            <a:r>
-              <a:rPr lang="en-US" dirty="0"/>
-              <a:t>If both prediction test scores and training scores are low, then the model is suffering from underfitting.</a:t>
-            </a:r>
-          </a:p>
-          <a:p>
-            <a:r>
-              <a:rPr lang="en-US" dirty="0"/>
-              <a:t>If the model has extremely high training scores, but not nearly as high prediction test scores, the model is suffering from overfitting.</a:t>
+          <a:bodyPr>
+            <a:normAutofit fontScale="92500" lnSpcReduction="20000"/>
+          </a:bodyPr>
+          <a:lstStyle/>
+          <a:p>
+            <a:r>
+              <a:rPr lang="en-US" dirty="0"/>
+              <a:t>Overview</a:t>
+            </a:r>
+          </a:p>
+          <a:p>
+            <a:pPr lvl="1"/>
+            <a:r>
+              <a:rPr lang="en-US" dirty="0"/>
+              <a:t>Accuracy</a:t>
             </a:r>
           </a:p>
           <a:p>
             <a:pPr lvl="2"/>
-            <a:endParaRPr lang="en-US" dirty="0"/>
-          </a:p>
-          <a:p>
-            <a:endParaRPr lang="en-US" dirty="0"/>
+            <a:r>
+              <a:rPr lang="en-US" dirty="0"/>
+              <a:t>score()</a:t>
+            </a:r>
+          </a:p>
+          <a:p>
+            <a:pPr lvl="1"/>
+            <a:r>
+              <a:rPr lang="en-US" dirty="0"/>
+              <a:t>Mean Squared Error</a:t>
+            </a:r>
+          </a:p>
+          <a:p>
+            <a:pPr lvl="2"/>
+            <a:r>
+              <a:rPr lang="en-US" dirty="0" err="1"/>
+              <a:t>mse</a:t>
+            </a:r>
+            <a:endParaRPr lang="en-US" dirty="0"/>
+          </a:p>
+          <a:p>
+            <a:pPr lvl="1"/>
+            <a:r>
+              <a:rPr lang="en-US" dirty="0"/>
+              <a:t>Precision Recall Curves</a:t>
+            </a:r>
+          </a:p>
+          <a:p>
+            <a:pPr lvl="2"/>
+            <a:r>
+              <a:rPr lang="en-US" dirty="0" err="1"/>
+              <a:t>precision_recall_curve</a:t>
+            </a:r>
+            <a:r>
+              <a:rPr lang="en-US" dirty="0"/>
+              <a:t>()</a:t>
+            </a:r>
+          </a:p>
+          <a:p>
+            <a:pPr lvl="1"/>
+            <a:r>
+              <a:rPr lang="en-US" dirty="0"/>
+              <a:t>Receiver Operating Characteristics (ROC) Curve</a:t>
+            </a:r>
+          </a:p>
+          <a:p>
+            <a:pPr lvl="2"/>
+            <a:r>
+              <a:rPr lang="en-US" dirty="0" err="1"/>
+              <a:t>roc_curve</a:t>
+            </a:r>
+            <a:r>
+              <a:rPr lang="en-US" dirty="0"/>
+              <a:t>()</a:t>
+            </a:r>
+          </a:p>
+          <a:p>
+            <a:pPr lvl="1"/>
+            <a:r>
+              <a:rPr lang="en-US" dirty="0"/>
+              <a:t>Area Under the Curve (AUC)</a:t>
+            </a:r>
+          </a:p>
+          <a:p>
+            <a:pPr lvl="2"/>
+            <a:r>
+              <a:rPr lang="en-US" dirty="0" err="1"/>
+              <a:t>roc_auc_score</a:t>
+            </a:r>
+            <a:r>
+              <a:rPr lang="en-US" dirty="0"/>
+              <a:t>()</a:t>
+            </a:r>
           </a:p>
         </p:txBody>
       </p:sp>
     </p:spTree>
     <p:extLst>
       <p:ext uri="{BB962C8B-B14F-4D97-AF65-F5344CB8AC3E}">
-        <p14:creationId xmlns:p14="http://schemas.microsoft.com/office/powerpoint/2010/main" val="3393037686"/>
+        <p14:creationId xmlns:p14="http://schemas.microsoft.com/office/powerpoint/2010/main" val="3169363239"/>
       </p:ext>
     </p:extLst>
   </p:cSld>
@@ -19435,51 +19650,69 @@
           <a:lstStyle/>
           <a:p>
             <a:r>
+              <a:rPr lang="en-US" dirty="0" err="1"/>
+              <a:t>Scikit</a:t>
+            </a:r>
+            <a:r>
+              <a:rPr lang="en-US" dirty="0"/>
+              <a:t>-Learn Machine Learning</a:t>
+            </a:r>
+          </a:p>
+        </p:txBody>
+      </p:sp>
+      <p:sp>
+        <p:nvSpPr>
+          <p:cNvPr id="3" name="Content Placeholder 2"/>
+          <p:cNvSpPr>
+            <a:spLocks noGrp="1"/>
+          </p:cNvSpPr>
+          <p:nvPr>
+            <p:ph idx="1"/>
+          </p:nvPr>
+        </p:nvSpPr>
+        <p:spPr/>
+        <p:txBody>
+          <a:bodyPr/>
+          <a:lstStyle/>
+          <a:p>
+            <a:r>
+              <a:rPr lang="en-US" dirty="0"/>
+              <a:t>Overview</a:t>
+            </a:r>
+          </a:p>
+          <a:p>
+            <a:pPr lvl="1"/>
+            <a:r>
+              <a:rPr lang="en-US" dirty="0"/>
+              <a:t>Definition</a:t>
+            </a:r>
+          </a:p>
+          <a:p>
+            <a:pPr lvl="1"/>
+            <a:r>
+              <a:rPr lang="en-US" dirty="0"/>
+              <a:t>General Types</a:t>
+            </a:r>
+          </a:p>
+          <a:p>
+            <a:pPr lvl="1"/>
+            <a:r>
+              <a:rPr lang="en-US" dirty="0"/>
+              <a:t>Basic Linear Models</a:t>
+            </a:r>
+          </a:p>
+          <a:p>
+            <a:pPr lvl="1"/>
+            <a:r>
+              <a:rPr lang="en-US" dirty="0"/>
+              <a:t>Algorithm Types</a:t>
+            </a:r>
+          </a:p>
+          <a:p>
+            <a:pPr lvl="1"/>
+            <a:r>
               <a:rPr lang="en-US" dirty="0"/>
               <a:t>Tuning</a:t>
-            </a:r>
-          </a:p>
-        </p:txBody>
-      </p:sp>
-      <p:sp>
-        <p:nvSpPr>
-          <p:cNvPr id="3" name="Content Placeholder 2"/>
-          <p:cNvSpPr>
-            <a:spLocks noGrp="1"/>
-          </p:cNvSpPr>
-          <p:nvPr>
-            <p:ph idx="1"/>
-          </p:nvPr>
-        </p:nvSpPr>
-        <p:spPr/>
-        <p:txBody>
-          <a:bodyPr/>
-          <a:lstStyle/>
-          <a:p>
-            <a:r>
-              <a:rPr lang="en-US" dirty="0"/>
-              <a:t>Parameters to Play with</a:t>
-            </a:r>
-          </a:p>
-          <a:p>
-            <a:pPr lvl="1"/>
-            <a:r>
-              <a:rPr lang="en-US" dirty="0"/>
-              <a:t>K-Nearest Neighbors</a:t>
-            </a:r>
-          </a:p>
-          <a:p>
-            <a:pPr lvl="2"/>
-            <a:r>
-              <a:rPr lang="en-US" dirty="0"/>
-              <a:t>Number of neighbors to test point</a:t>
-            </a:r>
-          </a:p>
-          <a:p>
-            <a:pPr lvl="2"/>
-            <a:r>
-              <a:rPr lang="en-US" dirty="0"/>
-              <a:t>Algorithm to evaluate distance test point is from data points</a:t>
             </a:r>
           </a:p>
           <a:p>
@@ -19494,7 +19727,7 @@
     </p:spTree>
     <p:extLst>
       <p:ext uri="{BB962C8B-B14F-4D97-AF65-F5344CB8AC3E}">
-        <p14:creationId xmlns:p14="http://schemas.microsoft.com/office/powerpoint/2010/main" val="274238177"/>
+        <p14:creationId xmlns:p14="http://schemas.microsoft.com/office/powerpoint/2010/main" val="754999196"/>
       </p:ext>
     </p:extLst>
   </p:cSld>
@@ -19584,7 +19817,19 @@
           <a:p>
             <a:r>
               <a:rPr lang="en-US" dirty="0"/>
-              <a:t>Grid Search</a:t>
+              <a:t>Determining what features matter</a:t>
+            </a:r>
+          </a:p>
+          <a:p>
+            <a:r>
+              <a:rPr lang="en-US" dirty="0"/>
+              <a:t>If both prediction test scores and training scores are low, then the model is suffering from underfitting.</a:t>
+            </a:r>
+          </a:p>
+          <a:p>
+            <a:r>
+              <a:rPr lang="en-US" dirty="0"/>
+              <a:t>If the model has extremely high training scores, but not nearly as high prediction test scores, the model is suffering from overfitting.</a:t>
             </a:r>
           </a:p>
           <a:p>
@@ -19599,7 +19844,7 @@
     </p:spTree>
     <p:extLst>
       <p:ext uri="{BB962C8B-B14F-4D97-AF65-F5344CB8AC3E}">
-        <p14:creationId xmlns:p14="http://schemas.microsoft.com/office/powerpoint/2010/main" val="2622179278"/>
+        <p14:creationId xmlns:p14="http://schemas.microsoft.com/office/powerpoint/2010/main" val="3393037686"/>
       </p:ext>
     </p:extLst>
   </p:cSld>
@@ -19666,6 +19911,237 @@
           <a:lstStyle/>
           <a:p>
             <a:r>
+              <a:rPr lang="en-US" dirty="0"/>
+              <a:t>Tuning</a:t>
+            </a:r>
+          </a:p>
+        </p:txBody>
+      </p:sp>
+      <p:sp>
+        <p:nvSpPr>
+          <p:cNvPr id="3" name="Content Placeholder 2"/>
+          <p:cNvSpPr>
+            <a:spLocks noGrp="1"/>
+          </p:cNvSpPr>
+          <p:nvPr>
+            <p:ph idx="1"/>
+          </p:nvPr>
+        </p:nvSpPr>
+        <p:spPr/>
+        <p:txBody>
+          <a:bodyPr/>
+          <a:lstStyle/>
+          <a:p>
+            <a:r>
+              <a:rPr lang="en-US" dirty="0"/>
+              <a:t>Parameters to Play with</a:t>
+            </a:r>
+          </a:p>
+          <a:p>
+            <a:pPr lvl="1"/>
+            <a:r>
+              <a:rPr lang="en-US" dirty="0"/>
+              <a:t>K-Nearest Neighbors</a:t>
+            </a:r>
+          </a:p>
+          <a:p>
+            <a:pPr lvl="2"/>
+            <a:r>
+              <a:rPr lang="en-US" dirty="0"/>
+              <a:t>Number of neighbors to test point</a:t>
+            </a:r>
+          </a:p>
+          <a:p>
+            <a:pPr lvl="2"/>
+            <a:r>
+              <a:rPr lang="en-US" dirty="0"/>
+              <a:t>Algorithm to evaluate distance test point is from data points</a:t>
+            </a:r>
+          </a:p>
+          <a:p>
+            <a:pPr lvl="2"/>
+            <a:endParaRPr lang="en-US" dirty="0"/>
+          </a:p>
+          <a:p>
+            <a:endParaRPr lang="en-US" dirty="0"/>
+          </a:p>
+        </p:txBody>
+      </p:sp>
+    </p:spTree>
+    <p:extLst>
+      <p:ext uri="{BB962C8B-B14F-4D97-AF65-F5344CB8AC3E}">
+        <p14:creationId xmlns:p14="http://schemas.microsoft.com/office/powerpoint/2010/main" val="274238177"/>
+      </p:ext>
+    </p:extLst>
+  </p:cSld>
+  <p:clrMapOvr>
+    <a:overrideClrMapping bg1="lt1" tx1="dk1" bg2="lt2" tx2="dk2" accent1="accent1" accent2="accent2" accent3="accent3" accent4="accent4" accent5="accent5" accent6="accent6" hlink="hlink" folHlink="folHlink"/>
+  </p:clrMapOvr>
+</p:sld>
+</file>
+
+<file path=ppt/slides/slide85.xml><?xml version="1.0" encoding="utf-8"?>
+<p:sld xmlns:a="http://schemas.openxmlformats.org/drawingml/2006/main" xmlns:r="http://schemas.openxmlformats.org/officeDocument/2006/relationships" xmlns:p="http://schemas.openxmlformats.org/presentationml/2006/main">
+  <p:cSld>
+    <p:bg>
+      <p:bgPr>
+        <a:blipFill dpi="0" rotWithShape="1">
+          <a:blip r:embed="rId3">
+            <a:extLst>
+              <a:ext uri="{BEBA8EAE-BF5A-486C-A8C5-ECC9F3942E4B}">
+                <a14:imgProps xmlns:a14="http://schemas.microsoft.com/office/drawing/2010/main">
+                  <a14:imgLayer r:embed="rId4">
+                    <a14:imgEffect>
+                      <a14:brightnessContrast bright="-50000"/>
+                    </a14:imgEffect>
+                  </a14:imgLayer>
+                </a14:imgProps>
+              </a:ext>
+            </a:extLst>
+          </a:blip>
+          <a:srcRect/>
+          <a:stretch>
+            <a:fillRect l="-10000" r="-10000"/>
+          </a:stretch>
+        </a:blipFill>
+        <a:effectLst/>
+      </p:bgPr>
+    </p:bg>
+    <p:spTree>
+      <p:nvGrpSpPr>
+        <p:cNvPr id="1" name=""/>
+        <p:cNvGrpSpPr/>
+        <p:nvPr/>
+      </p:nvGrpSpPr>
+      <p:grpSpPr>
+        <a:xfrm>
+          <a:off x="0" y="0"/>
+          <a:ext cx="0" cy="0"/>
+          <a:chOff x="0" y="0"/>
+          <a:chExt cx="0" cy="0"/>
+        </a:xfrm>
+      </p:grpSpPr>
+      <p:sp>
+        <p:nvSpPr>
+          <p:cNvPr id="2" name="Title 1"/>
+          <p:cNvSpPr>
+            <a:spLocks noGrp="1"/>
+          </p:cNvSpPr>
+          <p:nvPr>
+            <p:ph type="title"/>
+          </p:nvPr>
+        </p:nvSpPr>
+        <p:spPr/>
+        <p:txBody>
+          <a:bodyPr/>
+          <a:lstStyle/>
+          <a:p>
+            <a:r>
+              <a:rPr lang="en-US" dirty="0"/>
+              <a:t>Tuning</a:t>
+            </a:r>
+          </a:p>
+        </p:txBody>
+      </p:sp>
+      <p:sp>
+        <p:nvSpPr>
+          <p:cNvPr id="3" name="Content Placeholder 2"/>
+          <p:cNvSpPr>
+            <a:spLocks noGrp="1"/>
+          </p:cNvSpPr>
+          <p:nvPr>
+            <p:ph idx="1"/>
+          </p:nvPr>
+        </p:nvSpPr>
+        <p:spPr/>
+        <p:txBody>
+          <a:bodyPr/>
+          <a:lstStyle/>
+          <a:p>
+            <a:r>
+              <a:rPr lang="en-US" dirty="0"/>
+              <a:t>Grid Search</a:t>
+            </a:r>
+          </a:p>
+          <a:p>
+            <a:pPr lvl="2"/>
+            <a:endParaRPr lang="en-US" dirty="0"/>
+          </a:p>
+          <a:p>
+            <a:endParaRPr lang="en-US" dirty="0"/>
+          </a:p>
+        </p:txBody>
+      </p:sp>
+    </p:spTree>
+    <p:extLst>
+      <p:ext uri="{BB962C8B-B14F-4D97-AF65-F5344CB8AC3E}">
+        <p14:creationId xmlns:p14="http://schemas.microsoft.com/office/powerpoint/2010/main" val="2622179278"/>
+      </p:ext>
+    </p:extLst>
+  </p:cSld>
+  <p:clrMapOvr>
+    <a:overrideClrMapping bg1="lt1" tx1="dk1" bg2="lt2" tx2="dk2" accent1="accent1" accent2="accent2" accent3="accent3" accent4="accent4" accent5="accent5" accent6="accent6" hlink="hlink" folHlink="folHlink"/>
+  </p:clrMapOvr>
+</p:sld>
+</file>
+
+<file path=ppt/slides/slide86.xml><?xml version="1.0" encoding="utf-8"?>
+<p:sld xmlns:a="http://schemas.openxmlformats.org/drawingml/2006/main" xmlns:r="http://schemas.openxmlformats.org/officeDocument/2006/relationships" xmlns:p="http://schemas.openxmlformats.org/presentationml/2006/main">
+  <p:cSld>
+    <p:bg>
+      <p:bgPr>
+        <a:blipFill dpi="0" rotWithShape="1">
+          <a:blip r:embed="rId3">
+            <a:extLst>
+              <a:ext uri="{BEBA8EAE-BF5A-486C-A8C5-ECC9F3942E4B}">
+                <a14:imgProps xmlns:a14="http://schemas.microsoft.com/office/drawing/2010/main">
+                  <a14:imgLayer r:embed="rId4">
+                    <a14:imgEffect>
+                      <a14:brightnessContrast bright="-50000"/>
+                    </a14:imgEffect>
+                  </a14:imgLayer>
+                </a14:imgProps>
+              </a:ext>
+            </a:extLst>
+          </a:blip>
+          <a:srcRect/>
+          <a:stretch>
+            <a:fillRect l="-10000" r="-10000"/>
+          </a:stretch>
+        </a:blipFill>
+        <a:effectLst/>
+      </p:bgPr>
+    </p:bg>
+    <p:spTree>
+      <p:nvGrpSpPr>
+        <p:cNvPr id="1" name=""/>
+        <p:cNvGrpSpPr/>
+        <p:nvPr/>
+      </p:nvGrpSpPr>
+      <p:grpSpPr>
+        <a:xfrm>
+          <a:off x="0" y="0"/>
+          <a:ext cx="0" cy="0"/>
+          <a:chOff x="0" y="0"/>
+          <a:chExt cx="0" cy="0"/>
+        </a:xfrm>
+      </p:grpSpPr>
+      <p:sp>
+        <p:nvSpPr>
+          <p:cNvPr id="2" name="Title 1"/>
+          <p:cNvSpPr>
+            <a:spLocks noGrp="1"/>
+          </p:cNvSpPr>
+          <p:nvPr>
+            <p:ph type="title"/>
+          </p:nvPr>
+        </p:nvSpPr>
+        <p:spPr/>
+        <p:txBody>
+          <a:bodyPr/>
+          <a:lstStyle/>
+          <a:p>
+            <a:r>
               <a:rPr lang="en-US" dirty="0" err="1"/>
               <a:t>Scikit</a:t>
             </a:r>
@@ -19753,7 +20229,7 @@
 </p:sld>
 </file>
 
-<file path=ppt/slides/slide85.xml><?xml version="1.0" encoding="utf-8"?>
+<file path=ppt/slides/slide87.xml><?xml version="1.0" encoding="utf-8"?>
 <p:sld xmlns:a="http://schemas.openxmlformats.org/drawingml/2006/main" xmlns:r="http://schemas.openxmlformats.org/officeDocument/2006/relationships" xmlns:p="http://schemas.openxmlformats.org/presentationml/2006/main">
   <p:cSld>
     <p:bg>
@@ -19878,7 +20354,7 @@
 </p:sld>
 </file>
 
-<file path=ppt/slides/slide86.xml><?xml version="1.0" encoding="utf-8"?>
+<file path=ppt/slides/slide88.xml><?xml version="1.0" encoding="utf-8"?>
 <p:sld xmlns:a="http://schemas.openxmlformats.org/drawingml/2006/main" xmlns:r="http://schemas.openxmlformats.org/officeDocument/2006/relationships" xmlns:p="http://schemas.openxmlformats.org/presentationml/2006/main">
   <p:cSld>
     <p:bg>
@@ -19972,7 +20448,7 @@
 </p:sld>
 </file>
 
-<file path=ppt/slides/slide87.xml><?xml version="1.0" encoding="utf-8"?>
+<file path=ppt/slides/slide89.xml><?xml version="1.0" encoding="utf-8"?>
 <p:sld xmlns:a="http://schemas.openxmlformats.org/drawingml/2006/main" xmlns:r="http://schemas.openxmlformats.org/officeDocument/2006/relationships" xmlns:p="http://schemas.openxmlformats.org/presentationml/2006/main">
   <p:cSld>
     <p:bg>
@@ -24550,6 +25026,92 @@
 </a:themeOverride>
 </file>
 
+<file path=ppt/theme/themeOverride83.xml><?xml version="1.0" encoding="utf-8"?>
+<a:themeOverride xmlns:a="http://schemas.openxmlformats.org/drawingml/2006/main">
+  <a:clrScheme name="Custom 2">
+    <a:dk1>
+      <a:srgbClr val="EFEFEF"/>
+    </a:dk1>
+    <a:lt1>
+      <a:srgbClr val="EFEFEF"/>
+    </a:lt1>
+    <a:dk2>
+      <a:srgbClr val="053E7D"/>
+    </a:dk2>
+    <a:lt2>
+      <a:srgbClr val="FFFFFF"/>
+    </a:lt2>
+    <a:accent1>
+      <a:srgbClr val="EFEFEF"/>
+    </a:accent1>
+    <a:accent2>
+      <a:srgbClr val="EFEFEF"/>
+    </a:accent2>
+    <a:accent3>
+      <a:srgbClr val="EFEFEF"/>
+    </a:accent3>
+    <a:accent4>
+      <a:srgbClr val="808080"/>
+    </a:accent4>
+    <a:accent5>
+      <a:srgbClr val="5F5F5F"/>
+    </a:accent5>
+    <a:accent6>
+      <a:srgbClr val="4D4D4D"/>
+    </a:accent6>
+    <a:hlink>
+      <a:srgbClr val="B5D7FC"/>
+    </a:hlink>
+    <a:folHlink>
+      <a:srgbClr val="919191"/>
+    </a:folHlink>
+  </a:clrScheme>
+</a:themeOverride>
+</file>
+
+<file path=ppt/theme/themeOverride84.xml><?xml version="1.0" encoding="utf-8"?>
+<a:themeOverride xmlns:a="http://schemas.openxmlformats.org/drawingml/2006/main">
+  <a:clrScheme name="Custom 2">
+    <a:dk1>
+      <a:srgbClr val="EFEFEF"/>
+    </a:dk1>
+    <a:lt1>
+      <a:srgbClr val="EFEFEF"/>
+    </a:lt1>
+    <a:dk2>
+      <a:srgbClr val="053E7D"/>
+    </a:dk2>
+    <a:lt2>
+      <a:srgbClr val="FFFFFF"/>
+    </a:lt2>
+    <a:accent1>
+      <a:srgbClr val="EFEFEF"/>
+    </a:accent1>
+    <a:accent2>
+      <a:srgbClr val="EFEFEF"/>
+    </a:accent2>
+    <a:accent3>
+      <a:srgbClr val="EFEFEF"/>
+    </a:accent3>
+    <a:accent4>
+      <a:srgbClr val="808080"/>
+    </a:accent4>
+    <a:accent5>
+      <a:srgbClr val="5F5F5F"/>
+    </a:accent5>
+    <a:accent6>
+      <a:srgbClr val="4D4D4D"/>
+    </a:accent6>
+    <a:hlink>
+      <a:srgbClr val="B5D7FC"/>
+    </a:hlink>
+    <a:folHlink>
+      <a:srgbClr val="919191"/>
+    </a:folHlink>
+  </a:clrScheme>
+</a:themeOverride>
+</file>
+
 <file path=ppt/theme/themeOverride9.xml><?xml version="1.0" encoding="utf-8"?>
 <a:themeOverride xmlns:a="http://schemas.openxmlformats.org/drawingml/2006/main">
   <a:clrScheme name="Custom 2">

--- a/Session 7 - Python/Instructional Material/Session 7 - Python Brief Intro to Machine Learning with Scikit Learn.pptx
+++ b/Session 7 - Python/Instructional Material/Session 7 - Python Brief Intro to Machine Learning with Scikit Learn.pptx
@@ -45,11 +45,11 @@
     <p:sldId id="377" r:id="rId36"/>
     <p:sldId id="435" r:id="rId37"/>
     <p:sldId id="454" r:id="rId38"/>
-    <p:sldId id="457" r:id="rId39"/>
-    <p:sldId id="390" r:id="rId40"/>
-    <p:sldId id="426" r:id="rId41"/>
-    <p:sldId id="412" r:id="rId42"/>
-    <p:sldId id="444" r:id="rId43"/>
+    <p:sldId id="390" r:id="rId39"/>
+    <p:sldId id="426" r:id="rId40"/>
+    <p:sldId id="412" r:id="rId41"/>
+    <p:sldId id="444" r:id="rId42"/>
+    <p:sldId id="457" r:id="rId43"/>
     <p:sldId id="415" r:id="rId44"/>
     <p:sldId id="413" r:id="rId45"/>
     <p:sldId id="416" r:id="rId46"/>
@@ -297,7 +297,7 @@
           <a:p>
             <a:fld id="{CD3A85A8-362A-422C-AAFE-FA6D3B9BF6BA}" type="datetimeFigureOut">
               <a:rPr lang="en-US" smtClean="0"/>
-              <a:t>12/21/2021</a:t>
+              <a:t>12/22/2021</a:t>
             </a:fld>
             <a:endParaRPr lang="en-US"/>
           </a:p>
@@ -1322,7 +1322,7 @@
     </p:spTree>
     <p:extLst>
       <p:ext uri="{BB962C8B-B14F-4D97-AF65-F5344CB8AC3E}">
-        <p14:creationId xmlns:p14="http://schemas.microsoft.com/office/powerpoint/2010/main" val="621322551"/>
+        <p14:creationId xmlns:p14="http://schemas.microsoft.com/office/powerpoint/2010/main" val="1638362377"/>
       </p:ext>
     </p:extLst>
   </p:cSld>
@@ -1406,7 +1406,7 @@
     </p:spTree>
     <p:extLst>
       <p:ext uri="{BB962C8B-B14F-4D97-AF65-F5344CB8AC3E}">
-        <p14:creationId xmlns:p14="http://schemas.microsoft.com/office/powerpoint/2010/main" val="1638362377"/>
+        <p14:creationId xmlns:p14="http://schemas.microsoft.com/office/powerpoint/2010/main" val="4156309806"/>
       </p:ext>
     </p:extLst>
   </p:cSld>
@@ -1490,7 +1490,7 @@
     </p:spTree>
     <p:extLst>
       <p:ext uri="{BB962C8B-B14F-4D97-AF65-F5344CB8AC3E}">
-        <p14:creationId xmlns:p14="http://schemas.microsoft.com/office/powerpoint/2010/main" val="4156309806"/>
+        <p14:creationId xmlns:p14="http://schemas.microsoft.com/office/powerpoint/2010/main" val="3496575575"/>
       </p:ext>
     </p:extLst>
   </p:cSld>
@@ -1565,7 +1565,7 @@
           <a:p>
             <a:fld id="{3E7B21C4-CE7A-4258-91FF-8CBB981279E1}" type="slidenum">
               <a:rPr lang="en-US" smtClean="0"/>
-              <a:t>40</a:t>
+              <a:t>41</a:t>
             </a:fld>
             <a:endParaRPr lang="en-US"/>
           </a:p>
@@ -1574,7 +1574,7 @@
     </p:spTree>
     <p:extLst>
       <p:ext uri="{BB962C8B-B14F-4D97-AF65-F5344CB8AC3E}">
-        <p14:creationId xmlns:p14="http://schemas.microsoft.com/office/powerpoint/2010/main" val="3496575575"/>
+        <p14:creationId xmlns:p14="http://schemas.microsoft.com/office/powerpoint/2010/main" val="621322551"/>
       </p:ext>
     </p:extLst>
   </p:cSld>
@@ -2099,7 +2099,7 @@
           <a:p>
             <a:fld id="{547641E8-73DF-4AD2-848E-3103064331B1}" type="datetimeFigureOut">
               <a:rPr lang="en-US" smtClean="0"/>
-              <a:t>12/21/2021</a:t>
+              <a:t>12/22/2021</a:t>
             </a:fld>
             <a:endParaRPr lang="en-US"/>
           </a:p>
@@ -2267,7 +2267,7 @@
           <a:p>
             <a:fld id="{547641E8-73DF-4AD2-848E-3103064331B1}" type="datetimeFigureOut">
               <a:rPr lang="en-US" smtClean="0"/>
-              <a:t>12/21/2021</a:t>
+              <a:t>12/22/2021</a:t>
             </a:fld>
             <a:endParaRPr lang="en-US"/>
           </a:p>
@@ -2445,7 +2445,7 @@
           <a:p>
             <a:fld id="{547641E8-73DF-4AD2-848E-3103064331B1}" type="datetimeFigureOut">
               <a:rPr lang="en-US" smtClean="0"/>
-              <a:t>12/21/2021</a:t>
+              <a:t>12/22/2021</a:t>
             </a:fld>
             <a:endParaRPr lang="en-US"/>
           </a:p>
@@ -2692,7 +2692,7 @@
                 </a:solidFill>
               </a:rPr>
               <a:pPr/>
-              <a:t>12/21/2021</a:t>
+              <a:t>12/22/2021</a:t>
             </a:fld>
             <a:endParaRPr lang="en-US">
               <a:solidFill>
@@ -2892,7 +2892,7 @@
                 </a:solidFill>
               </a:rPr>
               <a:pPr/>
-              <a:t>12/21/2021</a:t>
+              <a:t>12/22/2021</a:t>
             </a:fld>
             <a:endParaRPr lang="en-US">
               <a:solidFill>
@@ -3169,7 +3169,7 @@
                 </a:solidFill>
               </a:rPr>
               <a:pPr/>
-              <a:t>12/21/2021</a:t>
+              <a:t>12/22/2021</a:t>
             </a:fld>
             <a:endParaRPr lang="en-US">
               <a:solidFill>
@@ -3486,7 +3486,7 @@
                 </a:solidFill>
               </a:rPr>
               <a:pPr/>
-              <a:t>12/21/2021</a:t>
+              <a:t>12/22/2021</a:t>
             </a:fld>
             <a:endParaRPr lang="en-US">
               <a:solidFill>
@@ -3937,7 +3937,7 @@
                 </a:solidFill>
               </a:rPr>
               <a:pPr/>
-              <a:t>12/21/2021</a:t>
+              <a:t>12/22/2021</a:t>
             </a:fld>
             <a:endParaRPr lang="en-US">
               <a:solidFill>
@@ -4086,7 +4086,7 @@
                 </a:solidFill>
               </a:rPr>
               <a:pPr/>
-              <a:t>12/21/2021</a:t>
+              <a:t>12/22/2021</a:t>
             </a:fld>
             <a:endParaRPr lang="en-US">
               <a:solidFill>
@@ -4213,7 +4213,7 @@
                 </a:solidFill>
               </a:rPr>
               <a:pPr/>
-              <a:t>12/21/2021</a:t>
+              <a:t>12/22/2021</a:t>
             </a:fld>
             <a:endParaRPr lang="en-US">
               <a:solidFill>
@@ -4520,7 +4520,7 @@
                 </a:solidFill>
               </a:rPr>
               <a:pPr/>
-              <a:t>12/21/2021</a:t>
+              <a:t>12/22/2021</a:t>
             </a:fld>
             <a:endParaRPr lang="en-US">
               <a:solidFill>
@@ -4713,7 +4713,7 @@
           <a:p>
             <a:fld id="{547641E8-73DF-4AD2-848E-3103064331B1}" type="datetimeFigureOut">
               <a:rPr lang="en-US" smtClean="0"/>
-              <a:t>12/21/2021</a:t>
+              <a:t>12/22/2021</a:t>
             </a:fld>
             <a:endParaRPr lang="en-US"/>
           </a:p>
@@ -4972,7 +4972,7 @@
                 </a:solidFill>
               </a:rPr>
               <a:pPr/>
-              <a:t>12/21/2021</a:t>
+              <a:t>12/22/2021</a:t>
             </a:fld>
             <a:endParaRPr lang="en-US">
               <a:solidFill>
@@ -5172,7 +5172,7 @@
                 </a:solidFill>
               </a:rPr>
               <a:pPr/>
-              <a:t>12/21/2021</a:t>
+              <a:t>12/22/2021</a:t>
             </a:fld>
             <a:endParaRPr lang="en-US">
               <a:solidFill>
@@ -5382,7 +5382,7 @@
                 </a:solidFill>
               </a:rPr>
               <a:pPr/>
-              <a:t>12/21/2021</a:t>
+              <a:t>12/22/2021</a:t>
             </a:fld>
             <a:endParaRPr lang="en-US">
               <a:solidFill>
@@ -5652,7 +5652,7 @@
           <a:p>
             <a:fld id="{547641E8-73DF-4AD2-848E-3103064331B1}" type="datetimeFigureOut">
               <a:rPr lang="en-US" smtClean="0"/>
-              <a:t>12/21/2021</a:t>
+              <a:t>12/22/2021</a:t>
             </a:fld>
             <a:endParaRPr lang="en-US"/>
           </a:p>
@@ -5937,7 +5937,7 @@
           <a:p>
             <a:fld id="{547641E8-73DF-4AD2-848E-3103064331B1}" type="datetimeFigureOut">
               <a:rPr lang="en-US" smtClean="0"/>
-              <a:t>12/21/2021</a:t>
+              <a:t>12/22/2021</a:t>
             </a:fld>
             <a:endParaRPr lang="en-US"/>
           </a:p>
@@ -6356,7 +6356,7 @@
           <a:p>
             <a:fld id="{547641E8-73DF-4AD2-848E-3103064331B1}" type="datetimeFigureOut">
               <a:rPr lang="en-US" smtClean="0"/>
-              <a:t>12/21/2021</a:t>
+              <a:t>12/22/2021</a:t>
             </a:fld>
             <a:endParaRPr lang="en-US"/>
           </a:p>
@@ -6473,7 +6473,7 @@
           <a:p>
             <a:fld id="{547641E8-73DF-4AD2-848E-3103064331B1}" type="datetimeFigureOut">
               <a:rPr lang="en-US" smtClean="0"/>
-              <a:t>12/21/2021</a:t>
+              <a:t>12/22/2021</a:t>
             </a:fld>
             <a:endParaRPr lang="en-US"/>
           </a:p>
@@ -6568,7 +6568,7 @@
           <a:p>
             <a:fld id="{547641E8-73DF-4AD2-848E-3103064331B1}" type="datetimeFigureOut">
               <a:rPr lang="en-US" smtClean="0"/>
-              <a:t>12/21/2021</a:t>
+              <a:t>12/22/2021</a:t>
             </a:fld>
             <a:endParaRPr lang="en-US"/>
           </a:p>
@@ -6843,7 +6843,7 @@
           <a:p>
             <a:fld id="{547641E8-73DF-4AD2-848E-3103064331B1}" type="datetimeFigureOut">
               <a:rPr lang="en-US" smtClean="0"/>
-              <a:t>12/21/2021</a:t>
+              <a:t>12/22/2021</a:t>
             </a:fld>
             <a:endParaRPr lang="en-US"/>
           </a:p>
@@ -7095,7 +7095,7 @@
           <a:p>
             <a:fld id="{547641E8-73DF-4AD2-848E-3103064331B1}" type="datetimeFigureOut">
               <a:rPr lang="en-US" smtClean="0"/>
-              <a:t>12/21/2021</a:t>
+              <a:t>12/22/2021</a:t>
             </a:fld>
             <a:endParaRPr lang="en-US"/>
           </a:p>
@@ -7309,7 +7309,7 @@
           <a:p>
             <a:fld id="{547641E8-73DF-4AD2-848E-3103064331B1}" type="datetimeFigureOut">
               <a:rPr lang="en-US" smtClean="0"/>
-              <a:t>12/21/2021</a:t>
+              <a:t>12/22/2021</a:t>
             </a:fld>
             <a:endParaRPr lang="en-US"/>
           </a:p>
@@ -7824,7 +7824,7 @@
                 </a:solidFill>
               </a:rPr>
               <a:pPr/>
-              <a:t>12/21/2021</a:t>
+              <a:t>12/22/2021</a:t>
             </a:fld>
             <a:endParaRPr lang="en-US">
               <a:solidFill>
@@ -12331,9 +12331,25 @@
   <p:cSld>
     <p:bg>
       <p:bgPr>
-        <a:solidFill>
-          <a:srgbClr val="92D050"/>
-        </a:solidFill>
+        <a:blipFill dpi="0" rotWithShape="1">
+          <a:blip r:embed="rId4">
+            <a:extLst>
+              <a:ext uri="{BEBA8EAE-BF5A-486C-A8C5-ECC9F3942E4B}">
+                <a14:imgProps xmlns:a14="http://schemas.microsoft.com/office/drawing/2010/main">
+                  <a14:imgLayer r:embed="rId5">
+                    <a14:imgEffect>
+                      <a14:brightnessContrast bright="-50000"/>
+                    </a14:imgEffect>
+                  </a14:imgLayer>
+                </a14:imgProps>
+              </a:ext>
+            </a:extLst>
+          </a:blip>
+          <a:srcRect/>
+          <a:stretch>
+            <a:fillRect l="-10000" r="-10000"/>
+          </a:stretch>
+        </a:blipFill>
         <a:effectLst/>
       </p:bgPr>
     </p:bg>
@@ -12367,22 +12383,91 @@
           <a:lstStyle/>
           <a:p>
             <a:r>
-              <a:rPr lang="en-US" dirty="0">
-                <a:solidFill>
-                  <a:schemeClr val="bg1">
-                    <a:lumMod val="10000"/>
-                  </a:schemeClr>
-                </a:solidFill>
-              </a:rPr>
-              <a:t>STOPPED HERE</a:t>
-            </a:r>
+              <a:rPr lang="en-US" dirty="0"/>
+              <a:t>Linear Models - Classifiers</a:t>
+            </a:r>
+          </a:p>
+        </p:txBody>
+      </p:sp>
+      <p:sp>
+        <p:nvSpPr>
+          <p:cNvPr id="3" name="Content Placeholder 2"/>
+          <p:cNvSpPr>
+            <a:spLocks noGrp="1"/>
+          </p:cNvSpPr>
+          <p:nvPr>
+            <p:ph idx="1"/>
+          </p:nvPr>
+        </p:nvSpPr>
+        <p:spPr/>
+        <p:txBody>
+          <a:bodyPr/>
+          <a:lstStyle/>
+          <a:p>
+            <a:r>
+              <a:rPr lang="en-US" dirty="0"/>
+              <a:t>Classifiers</a:t>
+            </a:r>
+          </a:p>
+          <a:p>
+            <a:pPr lvl="1"/>
+            <a:r>
+              <a:rPr lang="en-US" dirty="0"/>
+              <a:t>Tries to predict a specific thing.</a:t>
+            </a:r>
+          </a:p>
+          <a:p>
+            <a:pPr lvl="1"/>
+            <a:r>
+              <a:rPr lang="en-US" dirty="0"/>
+              <a:t>Is either right or wrong for each prediction.</a:t>
+            </a:r>
+          </a:p>
+          <a:p>
+            <a:pPr lvl="1"/>
+            <a:r>
+              <a:rPr lang="en-US" dirty="0"/>
+              <a:t>Examples</a:t>
+            </a:r>
+          </a:p>
+          <a:p>
+            <a:pPr lvl="2"/>
+            <a:r>
+              <a:rPr lang="en-US" dirty="0"/>
+              <a:t>Predicting a type of fruit.</a:t>
+            </a:r>
+          </a:p>
+          <a:p>
+            <a:pPr lvl="2"/>
+            <a:r>
+              <a:rPr lang="en-US" dirty="0"/>
+              <a:t>Predicting a type of animal.</a:t>
+            </a:r>
+          </a:p>
+          <a:p>
+            <a:pPr lvl="2"/>
+            <a:r>
+              <a:rPr lang="en-US" dirty="0"/>
+              <a:t>Predicting a breed of dog.</a:t>
+            </a:r>
+          </a:p>
+          <a:p>
+            <a:pPr lvl="1"/>
+            <a:endParaRPr lang="en-US" dirty="0"/>
+          </a:p>
+          <a:p>
+            <a:pPr lvl="2"/>
+            <a:endParaRPr lang="en-US" dirty="0"/>
+          </a:p>
+          <a:p>
+            <a:endParaRPr lang="en-US" dirty="0"/>
           </a:p>
         </p:txBody>
       </p:sp>
     </p:spTree>
     <p:extLst>
       <p:ext uri="{BB962C8B-B14F-4D97-AF65-F5344CB8AC3E}">
-        <p14:creationId xmlns:p14="http://schemas.microsoft.com/office/powerpoint/2010/main" val="48087785"/>
+        <p14:creationId xmlns:p14="http://schemas.microsoft.com/office/powerpoint/2010/main" val="76902119"/>
       </p:ext>
     </p:extLst>
   </p:cSld>
@@ -12472,157 +12557,6 @@
           <a:p>
             <a:r>
               <a:rPr lang="en-US" dirty="0"/>
-              <a:t>Classifiers</a:t>
-            </a:r>
-          </a:p>
-          <a:p>
-            <a:pPr lvl="1"/>
-            <a:r>
-              <a:rPr lang="en-US" dirty="0"/>
-              <a:t>Tries to predict a specific thing.</a:t>
-            </a:r>
-          </a:p>
-          <a:p>
-            <a:pPr lvl="1"/>
-            <a:r>
-              <a:rPr lang="en-US" dirty="0"/>
-              <a:t>Is either right or wrong for each prediction.</a:t>
-            </a:r>
-          </a:p>
-          <a:p>
-            <a:pPr lvl="1"/>
-            <a:r>
-              <a:rPr lang="en-US" dirty="0"/>
-              <a:t>Examples</a:t>
-            </a:r>
-          </a:p>
-          <a:p>
-            <a:pPr lvl="2"/>
-            <a:r>
-              <a:rPr lang="en-US" dirty="0"/>
-              <a:t>Predicting a type of fruit.</a:t>
-            </a:r>
-          </a:p>
-          <a:p>
-            <a:pPr lvl="2"/>
-            <a:r>
-              <a:rPr lang="en-US" dirty="0"/>
-              <a:t>Predicting a type of animal.</a:t>
-            </a:r>
-          </a:p>
-          <a:p>
-            <a:pPr lvl="2"/>
-            <a:r>
-              <a:rPr lang="en-US" dirty="0"/>
-              <a:t>Predicting a breed of dog.</a:t>
-            </a:r>
-          </a:p>
-          <a:p>
-            <a:pPr lvl="1"/>
-            <a:endParaRPr lang="en-US" dirty="0"/>
-          </a:p>
-          <a:p>
-            <a:pPr lvl="2"/>
-            <a:endParaRPr lang="en-US" dirty="0"/>
-          </a:p>
-          <a:p>
-            <a:endParaRPr lang="en-US" dirty="0"/>
-          </a:p>
-        </p:txBody>
-      </p:sp>
-    </p:spTree>
-    <p:extLst>
-      <p:ext uri="{BB962C8B-B14F-4D97-AF65-F5344CB8AC3E}">
-        <p14:creationId xmlns:p14="http://schemas.microsoft.com/office/powerpoint/2010/main" val="76902119"/>
-      </p:ext>
-    </p:extLst>
-  </p:cSld>
-  <p:clrMapOvr>
-    <a:overrideClrMapping bg1="lt1" tx1="dk1" bg2="lt2" tx2="dk2" accent1="accent1" accent2="accent2" accent3="accent3" accent4="accent4" accent5="accent5" accent6="accent6" hlink="hlink" folHlink="folHlink"/>
-  </p:clrMapOvr>
-</p:sld>
-</file>
-
-<file path=ppt/slides/slide39.xml><?xml version="1.0" encoding="utf-8"?>
-<p:sld xmlns:a="http://schemas.openxmlformats.org/drawingml/2006/main" xmlns:r="http://schemas.openxmlformats.org/officeDocument/2006/relationships" xmlns:p="http://schemas.openxmlformats.org/presentationml/2006/main">
-  <p:cSld>
-    <p:bg>
-      <p:bgPr>
-        <a:blipFill dpi="0" rotWithShape="1">
-          <a:blip r:embed="rId4">
-            <a:extLst>
-              <a:ext uri="{BEBA8EAE-BF5A-486C-A8C5-ECC9F3942E4B}">
-                <a14:imgProps xmlns:a14="http://schemas.microsoft.com/office/drawing/2010/main">
-                  <a14:imgLayer r:embed="rId5">
-                    <a14:imgEffect>
-                      <a14:brightnessContrast bright="-50000"/>
-                    </a14:imgEffect>
-                  </a14:imgLayer>
-                </a14:imgProps>
-              </a:ext>
-            </a:extLst>
-          </a:blip>
-          <a:srcRect/>
-          <a:stretch>
-            <a:fillRect l="-10000" r="-10000"/>
-          </a:stretch>
-        </a:blipFill>
-        <a:effectLst/>
-      </p:bgPr>
-    </p:bg>
-    <p:spTree>
-      <p:nvGrpSpPr>
-        <p:cNvPr id="1" name=""/>
-        <p:cNvGrpSpPr/>
-        <p:nvPr/>
-      </p:nvGrpSpPr>
-      <p:grpSpPr>
-        <a:xfrm>
-          <a:off x="0" y="0"/>
-          <a:ext cx="0" cy="0"/>
-          <a:chOff x="0" y="0"/>
-          <a:chExt cx="0" cy="0"/>
-        </a:xfrm>
-      </p:grpSpPr>
-      <p:sp>
-        <p:nvSpPr>
-          <p:cNvPr id="2" name="Title 1"/>
-          <p:cNvSpPr>
-            <a:spLocks noGrp="1"/>
-          </p:cNvSpPr>
-          <p:nvPr>
-            <p:ph type="title"/>
-          </p:nvPr>
-        </p:nvSpPr>
-        <p:spPr/>
-        <p:txBody>
-          <a:bodyPr/>
-          <a:lstStyle/>
-          <a:p>
-            <a:r>
-              <a:rPr lang="en-US" dirty="0"/>
-              <a:t>Linear Models - Classifiers</a:t>
-            </a:r>
-          </a:p>
-        </p:txBody>
-      </p:sp>
-      <p:sp>
-        <p:nvSpPr>
-          <p:cNvPr id="3" name="Content Placeholder 2"/>
-          <p:cNvSpPr>
-            <a:spLocks noGrp="1"/>
-          </p:cNvSpPr>
-          <p:nvPr>
-            <p:ph idx="1"/>
-          </p:nvPr>
-        </p:nvSpPr>
-        <p:spPr/>
-        <p:txBody>
-          <a:bodyPr/>
-          <a:lstStyle/>
-          <a:p>
-            <a:r>
-              <a:rPr lang="en-US" dirty="0"/>
               <a:t>K-Nearest Neighbors</a:t>
             </a:r>
           </a:p>
@@ -12662,138 +12596,7 @@
 </p:sld>
 </file>
 
-<file path=ppt/slides/slide4.xml><?xml version="1.0" encoding="utf-8"?>
-<p:sld xmlns:a="http://schemas.openxmlformats.org/drawingml/2006/main" xmlns:r="http://schemas.openxmlformats.org/officeDocument/2006/relationships" xmlns:p="http://schemas.openxmlformats.org/presentationml/2006/main">
-  <p:cSld>
-    <p:bg>
-      <p:bgPr>
-        <a:blipFill dpi="0" rotWithShape="1">
-          <a:blip r:embed="rId3">
-            <a:extLst>
-              <a:ext uri="{BEBA8EAE-BF5A-486C-A8C5-ECC9F3942E4B}">
-                <a14:imgProps xmlns:a14="http://schemas.microsoft.com/office/drawing/2010/main">
-                  <a14:imgLayer r:embed="rId4">
-                    <a14:imgEffect>
-                      <a14:brightnessContrast bright="-50000"/>
-                    </a14:imgEffect>
-                  </a14:imgLayer>
-                </a14:imgProps>
-              </a:ext>
-            </a:extLst>
-          </a:blip>
-          <a:srcRect/>
-          <a:stretch>
-            <a:fillRect l="-10000" r="-10000"/>
-          </a:stretch>
-        </a:blipFill>
-        <a:effectLst/>
-      </p:bgPr>
-    </p:bg>
-    <p:spTree>
-      <p:nvGrpSpPr>
-        <p:cNvPr id="1" name=""/>
-        <p:cNvGrpSpPr/>
-        <p:nvPr/>
-      </p:nvGrpSpPr>
-      <p:grpSpPr>
-        <a:xfrm>
-          <a:off x="0" y="0"/>
-          <a:ext cx="0" cy="0"/>
-          <a:chOff x="0" y="0"/>
-          <a:chExt cx="0" cy="0"/>
-        </a:xfrm>
-      </p:grpSpPr>
-      <p:sp>
-        <p:nvSpPr>
-          <p:cNvPr id="2" name="Title 1"/>
-          <p:cNvSpPr>
-            <a:spLocks noGrp="1"/>
-          </p:cNvSpPr>
-          <p:nvPr>
-            <p:ph type="title"/>
-          </p:nvPr>
-        </p:nvSpPr>
-        <p:spPr/>
-        <p:txBody>
-          <a:bodyPr>
-            <a:normAutofit/>
-          </a:bodyPr>
-          <a:lstStyle/>
-          <a:p>
-            <a:r>
-              <a:rPr lang="en-US" dirty="0"/>
-              <a:t>Concepts and Definitions</a:t>
-            </a:r>
-          </a:p>
-        </p:txBody>
-      </p:sp>
-      <p:sp>
-        <p:nvSpPr>
-          <p:cNvPr id="3" name="Content Placeholder 2"/>
-          <p:cNvSpPr>
-            <a:spLocks noGrp="1"/>
-          </p:cNvSpPr>
-          <p:nvPr>
-            <p:ph idx="1"/>
-          </p:nvPr>
-        </p:nvSpPr>
-        <p:spPr/>
-        <p:txBody>
-          <a:bodyPr/>
-          <a:lstStyle/>
-          <a:p>
-            <a:r>
-              <a:rPr lang="en-US" dirty="0"/>
-              <a:t>Machine Learning</a:t>
-            </a:r>
-          </a:p>
-          <a:p>
-            <a:pPr lvl="1"/>
-            <a:r>
-              <a:rPr lang="en-US" dirty="0"/>
-              <a:t>The use of a model that learns from data to increase the predictive ability of an algorithm.</a:t>
-            </a:r>
-          </a:p>
-          <a:p>
-            <a:pPr lvl="1"/>
-            <a:r>
-              <a:rPr lang="en-US" dirty="0"/>
-              <a:t>Data by itself is not machine learning, since no learning can occur without assimilation of the data towards prediction.</a:t>
-            </a:r>
-          </a:p>
-          <a:p>
-            <a:pPr lvl="1"/>
-            <a:r>
-              <a:rPr lang="en-US" dirty="0"/>
-              <a:t>Data that cannot increase predictive capabilities of an algorithm is not machine learning—no learning occurs in this situation.</a:t>
-            </a:r>
-          </a:p>
-          <a:p>
-            <a:endParaRPr lang="en-US" dirty="0"/>
-          </a:p>
-          <a:p>
-            <a:pPr lvl="2"/>
-            <a:endParaRPr lang="en-US" dirty="0"/>
-          </a:p>
-          <a:p>
-            <a:endParaRPr lang="en-US" dirty="0"/>
-          </a:p>
-        </p:txBody>
-      </p:sp>
-    </p:spTree>
-    <p:extLst>
-      <p:ext uri="{BB962C8B-B14F-4D97-AF65-F5344CB8AC3E}">
-        <p14:creationId xmlns:p14="http://schemas.microsoft.com/office/powerpoint/2010/main" val="3227970962"/>
-      </p:ext>
-    </p:extLst>
-  </p:cSld>
-  <p:clrMapOvr>
-    <a:overrideClrMapping bg1="lt1" tx1="dk1" bg2="lt2" tx2="dk2" accent1="accent1" accent2="accent2" accent3="accent3" accent4="accent4" accent5="accent5" accent6="accent6" hlink="hlink" folHlink="folHlink"/>
-  </p:clrMapOvr>
-</p:sld>
-</file>
-
-<file path=ppt/slides/slide40.xml><?xml version="1.0" encoding="utf-8"?>
+<file path=ppt/slides/slide39.xml><?xml version="1.0" encoding="utf-8"?>
 <p:sld xmlns:a="http://schemas.openxmlformats.org/drawingml/2006/main" xmlns:r="http://schemas.openxmlformats.org/officeDocument/2006/relationships" xmlns:p="http://schemas.openxmlformats.org/presentationml/2006/main">
   <p:cSld>
     <p:bg>
@@ -12920,7 +12723,7 @@
           <a:graphicData uri="http://schemas.openxmlformats.org/presentationml/2006/ole">
             <mc:AlternateContent xmlns:mc="http://schemas.openxmlformats.org/markup-compatibility/2006">
               <mc:Choice xmlns:v="urn:schemas-microsoft-com:vml" Requires="v">
-                <p:oleObj spid="_x0000_s2214" name="Bitmap Image" r:id="rId7" imgW="3743280" imgH="3024360" progId="Paint.Picture">
+                <p:oleObj spid="_x0000_s2217" name="Bitmap Image" r:id="rId7" imgW="3743280" imgH="3024360" progId="Paint.Picture">
                   <p:embed/>
                 </p:oleObj>
               </mc:Choice>
@@ -13004,7 +12807,7 @@
 </p:sld>
 </file>
 
-<file path=ppt/slides/slide41.xml><?xml version="1.0" encoding="utf-8"?>
+<file path=ppt/slides/slide4.xml><?xml version="1.0" encoding="utf-8"?>
 <p:sld xmlns:a="http://schemas.openxmlformats.org/drawingml/2006/main" xmlns:r="http://schemas.openxmlformats.org/officeDocument/2006/relationships" xmlns:p="http://schemas.openxmlformats.org/presentationml/2006/main">
   <p:cSld>
     <p:bg>
@@ -13057,6 +12860,137 @@
         </p:nvSpPr>
         <p:spPr/>
         <p:txBody>
+          <a:bodyPr>
+            <a:normAutofit/>
+          </a:bodyPr>
+          <a:lstStyle/>
+          <a:p>
+            <a:r>
+              <a:rPr lang="en-US" dirty="0"/>
+              <a:t>Concepts and Definitions</a:t>
+            </a:r>
+          </a:p>
+        </p:txBody>
+      </p:sp>
+      <p:sp>
+        <p:nvSpPr>
+          <p:cNvPr id="3" name="Content Placeholder 2"/>
+          <p:cNvSpPr>
+            <a:spLocks noGrp="1"/>
+          </p:cNvSpPr>
+          <p:nvPr>
+            <p:ph idx="1"/>
+          </p:nvPr>
+        </p:nvSpPr>
+        <p:spPr/>
+        <p:txBody>
+          <a:bodyPr/>
+          <a:lstStyle/>
+          <a:p>
+            <a:r>
+              <a:rPr lang="en-US" dirty="0"/>
+              <a:t>Machine Learning</a:t>
+            </a:r>
+          </a:p>
+          <a:p>
+            <a:pPr lvl="1"/>
+            <a:r>
+              <a:rPr lang="en-US" dirty="0"/>
+              <a:t>The use of a model that learns from data to increase the predictive ability of an algorithm.</a:t>
+            </a:r>
+          </a:p>
+          <a:p>
+            <a:pPr lvl="1"/>
+            <a:r>
+              <a:rPr lang="en-US" dirty="0"/>
+              <a:t>Data by itself is not machine learning, since no learning can occur without assimilation of the data towards prediction.</a:t>
+            </a:r>
+          </a:p>
+          <a:p>
+            <a:pPr lvl="1"/>
+            <a:r>
+              <a:rPr lang="en-US" dirty="0"/>
+              <a:t>Data that cannot increase predictive capabilities of an algorithm is not machine learning—no learning occurs in this situation.</a:t>
+            </a:r>
+          </a:p>
+          <a:p>
+            <a:endParaRPr lang="en-US" dirty="0"/>
+          </a:p>
+          <a:p>
+            <a:pPr lvl="2"/>
+            <a:endParaRPr lang="en-US" dirty="0"/>
+          </a:p>
+          <a:p>
+            <a:endParaRPr lang="en-US" dirty="0"/>
+          </a:p>
+        </p:txBody>
+      </p:sp>
+    </p:spTree>
+    <p:extLst>
+      <p:ext uri="{BB962C8B-B14F-4D97-AF65-F5344CB8AC3E}">
+        <p14:creationId xmlns:p14="http://schemas.microsoft.com/office/powerpoint/2010/main" val="3227970962"/>
+      </p:ext>
+    </p:extLst>
+  </p:cSld>
+  <p:clrMapOvr>
+    <a:overrideClrMapping bg1="lt1" tx1="dk1" bg2="lt2" tx2="dk2" accent1="accent1" accent2="accent2" accent3="accent3" accent4="accent4" accent5="accent5" accent6="accent6" hlink="hlink" folHlink="folHlink"/>
+  </p:clrMapOvr>
+</p:sld>
+</file>
+
+<file path=ppt/slides/slide40.xml><?xml version="1.0" encoding="utf-8"?>
+<p:sld xmlns:a="http://schemas.openxmlformats.org/drawingml/2006/main" xmlns:r="http://schemas.openxmlformats.org/officeDocument/2006/relationships" xmlns:p="http://schemas.openxmlformats.org/presentationml/2006/main">
+  <p:cSld>
+    <p:bg>
+      <p:bgPr>
+        <a:blipFill dpi="0" rotWithShape="1">
+          <a:blip r:embed="rId3">
+            <a:extLst>
+              <a:ext uri="{BEBA8EAE-BF5A-486C-A8C5-ECC9F3942E4B}">
+                <a14:imgProps xmlns:a14="http://schemas.microsoft.com/office/drawing/2010/main">
+                  <a14:imgLayer r:embed="rId4">
+                    <a14:imgEffect>
+                      <a14:brightnessContrast bright="-50000"/>
+                    </a14:imgEffect>
+                  </a14:imgLayer>
+                </a14:imgProps>
+              </a:ext>
+            </a:extLst>
+          </a:blip>
+          <a:srcRect/>
+          <a:stretch>
+            <a:fillRect l="-10000" r="-10000"/>
+          </a:stretch>
+        </a:blipFill>
+        <a:effectLst/>
+      </p:bgPr>
+    </p:bg>
+    <p:spTree>
+      <p:nvGrpSpPr>
+        <p:cNvPr id="1" name=""/>
+        <p:cNvGrpSpPr/>
+        <p:nvPr/>
+      </p:nvGrpSpPr>
+      <p:grpSpPr>
+        <a:xfrm>
+          <a:off x="0" y="0"/>
+          <a:ext cx="0" cy="0"/>
+          <a:chOff x="0" y="0"/>
+          <a:chExt cx="0" cy="0"/>
+        </a:xfrm>
+      </p:grpSpPr>
+      <p:sp>
+        <p:nvSpPr>
+          <p:cNvPr id="2" name="Title 1"/>
+          <p:cNvSpPr>
+            <a:spLocks noGrp="1"/>
+          </p:cNvSpPr>
+          <p:nvPr>
+            <p:ph type="title"/>
+          </p:nvPr>
+        </p:nvSpPr>
+        <p:spPr/>
+        <p:txBody>
           <a:bodyPr/>
           <a:lstStyle/>
           <a:p>
@@ -13091,7 +13025,14 @@
             <a:pPr lvl="1"/>
             <a:r>
               <a:rPr lang="en-US" dirty="0"/>
-              <a:t>Run the classifier example with k-nearest neighbors and optimize based on number of neighbors</a:t>
+              <a:t>Run the classifier example with k-nearest neighbors and optimize based on number of neighbors.</a:t>
+            </a:r>
+          </a:p>
+          <a:p>
+            <a:pPr lvl="2"/>
+            <a:r>
+              <a:rPr lang="en-US" dirty="0"/>
+              <a:t>Use the .score() return value as your accuracy metric.</a:t>
             </a:r>
           </a:p>
           <a:p>
@@ -13122,6 +13063,72 @@
     <p:extLst>
       <p:ext uri="{BB962C8B-B14F-4D97-AF65-F5344CB8AC3E}">
         <p14:creationId xmlns:p14="http://schemas.microsoft.com/office/powerpoint/2010/main" val="3634293830"/>
+      </p:ext>
+    </p:extLst>
+  </p:cSld>
+  <p:clrMapOvr>
+    <a:overrideClrMapping bg1="lt1" tx1="dk1" bg2="lt2" tx2="dk2" accent1="accent1" accent2="accent2" accent3="accent3" accent4="accent4" accent5="accent5" accent6="accent6" hlink="hlink" folHlink="folHlink"/>
+  </p:clrMapOvr>
+</p:sld>
+</file>
+
+<file path=ppt/slides/slide41.xml><?xml version="1.0" encoding="utf-8"?>
+<p:sld xmlns:a="http://schemas.openxmlformats.org/drawingml/2006/main" xmlns:r="http://schemas.openxmlformats.org/officeDocument/2006/relationships" xmlns:p="http://schemas.openxmlformats.org/presentationml/2006/main">
+  <p:cSld>
+    <p:bg>
+      <p:bgPr>
+        <a:solidFill>
+          <a:srgbClr val="92D050"/>
+        </a:solidFill>
+        <a:effectLst/>
+      </p:bgPr>
+    </p:bg>
+    <p:spTree>
+      <p:nvGrpSpPr>
+        <p:cNvPr id="1" name=""/>
+        <p:cNvGrpSpPr/>
+        <p:nvPr/>
+      </p:nvGrpSpPr>
+      <p:grpSpPr>
+        <a:xfrm>
+          <a:off x="0" y="0"/>
+          <a:ext cx="0" cy="0"/>
+          <a:chOff x="0" y="0"/>
+          <a:chExt cx="0" cy="0"/>
+        </a:xfrm>
+      </p:grpSpPr>
+      <p:sp>
+        <p:nvSpPr>
+          <p:cNvPr id="2" name="Title 1"/>
+          <p:cNvSpPr>
+            <a:spLocks noGrp="1"/>
+          </p:cNvSpPr>
+          <p:nvPr>
+            <p:ph type="title"/>
+          </p:nvPr>
+        </p:nvSpPr>
+        <p:spPr/>
+        <p:txBody>
+          <a:bodyPr/>
+          <a:lstStyle/>
+          <a:p>
+            <a:r>
+              <a:rPr lang="en-US" dirty="0">
+                <a:solidFill>
+                  <a:schemeClr val="bg1">
+                    <a:lumMod val="10000"/>
+                  </a:schemeClr>
+                </a:solidFill>
+              </a:rPr>
+              <a:t>STOPPED HERE</a:t>
+            </a:r>
+          </a:p>
+        </p:txBody>
+      </p:sp>
+    </p:spTree>
+    <p:extLst>
+      <p:ext uri="{BB962C8B-B14F-4D97-AF65-F5344CB8AC3E}">
+        <p14:creationId xmlns:p14="http://schemas.microsoft.com/office/powerpoint/2010/main" val="48087785"/>
       </p:ext>
     </p:extLst>
   </p:cSld>
@@ -15096,8 +15103,8 @@
           </a:p>
         </p:txBody>
       </p:sp>
-      <mc:AlternateContent xmlns:mc="http://schemas.openxmlformats.org/markup-compatibility/2006">
-        <mc:Choice xmlns:a14="http://schemas.microsoft.com/office/drawing/2010/main" Requires="a14">
+      <mc:AlternateContent xmlns:mc="http://schemas.openxmlformats.org/markup-compatibility/2006" xmlns:a14="http://schemas.microsoft.com/office/drawing/2010/main">
+        <mc:Choice Requires="a14">
           <p:sp>
             <p:nvSpPr>
               <p:cNvPr id="3" name="Content Placeholder 2"/>
@@ -15202,7 +15209,7 @@
             </p:txBody>
           </p:sp>
         </mc:Choice>
-        <mc:Fallback>
+        <mc:Fallback xmlns="">
           <p:sp>
             <p:nvSpPr>
               <p:cNvPr id="3" name="Content Placeholder 2"/>
@@ -15312,8 +15319,8 @@
           </a:p>
         </p:txBody>
       </p:sp>
-      <mc:AlternateContent xmlns:mc="http://schemas.openxmlformats.org/markup-compatibility/2006">
-        <mc:Choice xmlns:a14="http://schemas.microsoft.com/office/drawing/2010/main" Requires="a14">
+      <mc:AlternateContent xmlns:mc="http://schemas.openxmlformats.org/markup-compatibility/2006" xmlns:a14="http://schemas.microsoft.com/office/drawing/2010/main">
+        <mc:Choice Requires="a14">
           <p:sp>
             <p:nvSpPr>
               <p:cNvPr id="3" name="Content Placeholder 2"/>
@@ -15426,7 +15433,7 @@
             </p:txBody>
           </p:sp>
         </mc:Choice>
-        <mc:Fallback>
+        <mc:Fallback xmlns="">
           <p:sp>
             <p:nvSpPr>
               <p:cNvPr id="3" name="Content Placeholder 2"/>

--- a/Session 7 - Python/Instructional Material/Session 7 - Python Brief Intro to Machine Learning with Scikit Learn.pptx
+++ b/Session 7 - Python/Instructional Material/Session 7 - Python Brief Intro to Machine Learning with Scikit Learn.pptx
@@ -6,7 +6,7 @@
     <p:sldMasterId id="2147483660" r:id="rId2"/>
   </p:sldMasterIdLst>
   <p:notesMasterIdLst>
-    <p:notesMasterId r:id="rId119"/>
+    <p:notesMasterId r:id="rId128"/>
   </p:notesMasterIdLst>
   <p:sldIdLst>
     <p:sldId id="256" r:id="rId3"/>
@@ -55,76 +55,85 @@
     <p:sldId id="416" r:id="rId46"/>
     <p:sldId id="494" r:id="rId47"/>
     <p:sldId id="497" r:id="rId48"/>
-    <p:sldId id="496" r:id="rId49"/>
-    <p:sldId id="498" r:id="rId50"/>
-    <p:sldId id="450" r:id="rId51"/>
-    <p:sldId id="436" r:id="rId52"/>
-    <p:sldId id="459" r:id="rId53"/>
-    <p:sldId id="455" r:id="rId54"/>
-    <p:sldId id="456" r:id="rId55"/>
-    <p:sldId id="461" r:id="rId56"/>
-    <p:sldId id="465" r:id="rId57"/>
-    <p:sldId id="464" r:id="rId58"/>
-    <p:sldId id="466" r:id="rId59"/>
-    <p:sldId id="463" r:id="rId60"/>
-    <p:sldId id="467" r:id="rId61"/>
-    <p:sldId id="437" r:id="rId62"/>
-    <p:sldId id="451" r:id="rId63"/>
-    <p:sldId id="452" r:id="rId64"/>
-    <p:sldId id="468" r:id="rId65"/>
-    <p:sldId id="469" r:id="rId66"/>
-    <p:sldId id="391" r:id="rId67"/>
-    <p:sldId id="428" r:id="rId68"/>
-    <p:sldId id="438" r:id="rId69"/>
-    <p:sldId id="427" r:id="rId70"/>
-    <p:sldId id="441" r:id="rId71"/>
-    <p:sldId id="396" r:id="rId72"/>
-    <p:sldId id="432" r:id="rId73"/>
-    <p:sldId id="431" r:id="rId74"/>
-    <p:sldId id="430" r:id="rId75"/>
-    <p:sldId id="434" r:id="rId76"/>
-    <p:sldId id="439" r:id="rId77"/>
-    <p:sldId id="440" r:id="rId78"/>
-    <p:sldId id="414" r:id="rId79"/>
-    <p:sldId id="433" r:id="rId80"/>
-    <p:sldId id="442" r:id="rId81"/>
-    <p:sldId id="443" r:id="rId82"/>
-    <p:sldId id="397" r:id="rId83"/>
-    <p:sldId id="398" r:id="rId84"/>
-    <p:sldId id="399" r:id="rId85"/>
-    <p:sldId id="376" r:id="rId86"/>
-    <p:sldId id="445" r:id="rId87"/>
-    <p:sldId id="485" r:id="rId88"/>
-    <p:sldId id="475" r:id="rId89"/>
-    <p:sldId id="478" r:id="rId90"/>
-    <p:sldId id="486" r:id="rId91"/>
-    <p:sldId id="489" r:id="rId92"/>
-    <p:sldId id="492" r:id="rId93"/>
-    <p:sldId id="493" r:id="rId94"/>
-    <p:sldId id="490" r:id="rId95"/>
-    <p:sldId id="477" r:id="rId96"/>
-    <p:sldId id="484" r:id="rId97"/>
-    <p:sldId id="491" r:id="rId98"/>
-    <p:sldId id="482" r:id="rId99"/>
-    <p:sldId id="483" r:id="rId100"/>
-    <p:sldId id="480" r:id="rId101"/>
-    <p:sldId id="481" r:id="rId102"/>
-    <p:sldId id="488" r:id="rId103"/>
-    <p:sldId id="487" r:id="rId104"/>
-    <p:sldId id="476" r:id="rId105"/>
-    <p:sldId id="405" r:id="rId106"/>
-    <p:sldId id="385" r:id="rId107"/>
-    <p:sldId id="400" r:id="rId108"/>
-    <p:sldId id="472" r:id="rId109"/>
-    <p:sldId id="474" r:id="rId110"/>
-    <p:sldId id="473" r:id="rId111"/>
-    <p:sldId id="386" r:id="rId112"/>
-    <p:sldId id="470" r:id="rId113"/>
-    <p:sldId id="471" r:id="rId114"/>
-    <p:sldId id="384" r:id="rId115"/>
-    <p:sldId id="375" r:id="rId116"/>
-    <p:sldId id="460" r:id="rId117"/>
-    <p:sldId id="411" r:id="rId118"/>
+    <p:sldId id="499" r:id="rId49"/>
+    <p:sldId id="502" r:id="rId50"/>
+    <p:sldId id="496" r:id="rId51"/>
+    <p:sldId id="498" r:id="rId52"/>
+    <p:sldId id="501" r:id="rId53"/>
+    <p:sldId id="503" r:id="rId54"/>
+    <p:sldId id="504" r:id="rId55"/>
+    <p:sldId id="450" r:id="rId56"/>
+    <p:sldId id="436" r:id="rId57"/>
+    <p:sldId id="459" r:id="rId58"/>
+    <p:sldId id="455" r:id="rId59"/>
+    <p:sldId id="456" r:id="rId60"/>
+    <p:sldId id="461" r:id="rId61"/>
+    <p:sldId id="465" r:id="rId62"/>
+    <p:sldId id="464" r:id="rId63"/>
+    <p:sldId id="466" r:id="rId64"/>
+    <p:sldId id="463" r:id="rId65"/>
+    <p:sldId id="467" r:id="rId66"/>
+    <p:sldId id="437" r:id="rId67"/>
+    <p:sldId id="451" r:id="rId68"/>
+    <p:sldId id="452" r:id="rId69"/>
+    <p:sldId id="468" r:id="rId70"/>
+    <p:sldId id="469" r:id="rId71"/>
+    <p:sldId id="391" r:id="rId72"/>
+    <p:sldId id="428" r:id="rId73"/>
+    <p:sldId id="438" r:id="rId74"/>
+    <p:sldId id="427" r:id="rId75"/>
+    <p:sldId id="441" r:id="rId76"/>
+    <p:sldId id="396" r:id="rId77"/>
+    <p:sldId id="432" r:id="rId78"/>
+    <p:sldId id="431" r:id="rId79"/>
+    <p:sldId id="430" r:id="rId80"/>
+    <p:sldId id="434" r:id="rId81"/>
+    <p:sldId id="439" r:id="rId82"/>
+    <p:sldId id="440" r:id="rId83"/>
+    <p:sldId id="414" r:id="rId84"/>
+    <p:sldId id="433" r:id="rId85"/>
+    <p:sldId id="442" r:id="rId86"/>
+    <p:sldId id="443" r:id="rId87"/>
+    <p:sldId id="397" r:id="rId88"/>
+    <p:sldId id="505" r:id="rId89"/>
+    <p:sldId id="376" r:id="rId90"/>
+    <p:sldId id="445" r:id="rId91"/>
+    <p:sldId id="485" r:id="rId92"/>
+    <p:sldId id="475" r:id="rId93"/>
+    <p:sldId id="478" r:id="rId94"/>
+    <p:sldId id="486" r:id="rId95"/>
+    <p:sldId id="489" r:id="rId96"/>
+    <p:sldId id="492" r:id="rId97"/>
+    <p:sldId id="493" r:id="rId98"/>
+    <p:sldId id="490" r:id="rId99"/>
+    <p:sldId id="477" r:id="rId100"/>
+    <p:sldId id="484" r:id="rId101"/>
+    <p:sldId id="491" r:id="rId102"/>
+    <p:sldId id="482" r:id="rId103"/>
+    <p:sldId id="483" r:id="rId104"/>
+    <p:sldId id="480" r:id="rId105"/>
+    <p:sldId id="481" r:id="rId106"/>
+    <p:sldId id="488" r:id="rId107"/>
+    <p:sldId id="487" r:id="rId108"/>
+    <p:sldId id="476" r:id="rId109"/>
+    <p:sldId id="384" r:id="rId110"/>
+    <p:sldId id="506" r:id="rId111"/>
+    <p:sldId id="508" r:id="rId112"/>
+    <p:sldId id="509" r:id="rId113"/>
+    <p:sldId id="510" r:id="rId114"/>
+    <p:sldId id="472" r:id="rId115"/>
+    <p:sldId id="511" r:id="rId116"/>
+    <p:sldId id="512" r:id="rId117"/>
+    <p:sldId id="385" r:id="rId118"/>
+    <p:sldId id="400" r:id="rId119"/>
+    <p:sldId id="473" r:id="rId120"/>
+    <p:sldId id="386" r:id="rId121"/>
+    <p:sldId id="507" r:id="rId122"/>
+    <p:sldId id="470" r:id="rId123"/>
+    <p:sldId id="471" r:id="rId124"/>
+    <p:sldId id="375" r:id="rId125"/>
+    <p:sldId id="460" r:id="rId126"/>
+    <p:sldId id="411" r:id="rId127"/>
   </p:sldIdLst>
   <p:sldSz cx="9144000" cy="6858000" type="screen4x3"/>
   <p:notesSz cx="6858000" cy="9144000"/>
@@ -324,7 +333,7 @@
           <a:p>
             <a:fld id="{CD3A85A8-362A-422C-AAFE-FA6D3B9BF6BA}" type="datetimeFigureOut">
               <a:rPr lang="en-US" smtClean="0"/>
-              <a:t>12/25/2021</a:t>
+              <a:t>12/28/2021</a:t>
             </a:fld>
             <a:endParaRPr lang="en-US"/>
           </a:p>
@@ -842,7 +851,7 @@
     </p:spTree>
     <p:extLst>
       <p:ext uri="{BB962C8B-B14F-4D97-AF65-F5344CB8AC3E}">
-        <p14:creationId xmlns:p14="http://schemas.microsoft.com/office/powerpoint/2010/main" val="4161959866"/>
+        <p14:creationId xmlns:p14="http://schemas.microsoft.com/office/powerpoint/2010/main" val="1746331849"/>
       </p:ext>
     </p:extLst>
   </p:cSld>
@@ -926,7 +935,7 @@
     </p:spTree>
     <p:extLst>
       <p:ext uri="{BB962C8B-B14F-4D97-AF65-F5344CB8AC3E}">
-        <p14:creationId xmlns:p14="http://schemas.microsoft.com/office/powerpoint/2010/main" val="4130353411"/>
+        <p14:creationId xmlns:p14="http://schemas.microsoft.com/office/powerpoint/2010/main" val="3962474564"/>
       </p:ext>
     </p:extLst>
   </p:cSld>
@@ -1001,7 +1010,7 @@
           <a:p>
             <a:fld id="{3E7B21C4-CE7A-4258-91FF-8CBB981279E1}" type="slidenum">
               <a:rPr lang="en-US" smtClean="0"/>
-              <a:t>50</a:t>
+              <a:t>49</a:t>
             </a:fld>
             <a:endParaRPr lang="en-US"/>
           </a:p>
@@ -1010,7 +1019,7 @@
     </p:spTree>
     <p:extLst>
       <p:ext uri="{BB962C8B-B14F-4D97-AF65-F5344CB8AC3E}">
-        <p14:creationId xmlns:p14="http://schemas.microsoft.com/office/powerpoint/2010/main" val="2099521199"/>
+        <p14:creationId xmlns:p14="http://schemas.microsoft.com/office/powerpoint/2010/main" val="4161959866"/>
       </p:ext>
     </p:extLst>
   </p:cSld>
@@ -1085,7 +1094,7 @@
           <a:p>
             <a:fld id="{3E7B21C4-CE7A-4258-91FF-8CBB981279E1}" type="slidenum">
               <a:rPr lang="en-US" smtClean="0"/>
-              <a:t>51</a:t>
+              <a:t>50</a:t>
             </a:fld>
             <a:endParaRPr lang="en-US"/>
           </a:p>
@@ -1094,7 +1103,7 @@
     </p:spTree>
     <p:extLst>
       <p:ext uri="{BB962C8B-B14F-4D97-AF65-F5344CB8AC3E}">
-        <p14:creationId xmlns:p14="http://schemas.microsoft.com/office/powerpoint/2010/main" val="4221020209"/>
+        <p14:creationId xmlns:p14="http://schemas.microsoft.com/office/powerpoint/2010/main" val="4130353411"/>
       </p:ext>
     </p:extLst>
   </p:cSld>
@@ -1148,6 +1157,80 @@
           <a:bodyPr/>
           <a:lstStyle/>
           <a:p>
+            <a:pPr lvl="0"/>
+            <a:r>
+              <a:rPr lang="en-US" dirty="0" err="1"/>
+              <a:t>max_depth</a:t>
+            </a:r>
+            <a:r>
+              <a:rPr lang="en-US" dirty="0"/>
+              <a:t> – The maximum number of node levels to generate.</a:t>
+            </a:r>
+          </a:p>
+          <a:p>
+            <a:pPr lvl="0"/>
+            <a:r>
+              <a:rPr lang="en-US" dirty="0" err="1"/>
+              <a:t>max_leaf_nodes</a:t>
+            </a:r>
+            <a:r>
+              <a:rPr lang="en-US" dirty="0"/>
+              <a:t> – The maximum number of leaves that can occur in the tree.</a:t>
+            </a:r>
+          </a:p>
+          <a:p>
+            <a:pPr lvl="0"/>
+            <a:r>
+              <a:rPr lang="en-US" dirty="0" err="1"/>
+              <a:t>max_features</a:t>
+            </a:r>
+            <a:r>
+              <a:rPr lang="en-US" dirty="0"/>
+              <a:t> – Maximum number of features that are evaluated for splitting each node.</a:t>
+            </a:r>
+          </a:p>
+          <a:p>
+            <a:pPr lvl="0"/>
+            <a:r>
+              <a:rPr lang="en-US" dirty="0" err="1"/>
+              <a:t>min_samples_split</a:t>
+            </a:r>
+            <a:r>
+              <a:rPr lang="en-US" dirty="0"/>
+              <a:t> – Minimum number of samples a node must have before it can split into another depth.</a:t>
+            </a:r>
+          </a:p>
+          <a:p>
+            <a:pPr lvl="0"/>
+            <a:r>
+              <a:rPr lang="en-US" dirty="0" err="1"/>
+              <a:t>min_samples_leaf</a:t>
+            </a:r>
+            <a:r>
+              <a:rPr lang="en-US" dirty="0"/>
+              <a:t> – The minimum number of samples a leaf node must have to exist.</a:t>
+            </a:r>
+          </a:p>
+          <a:p>
+            <a:pPr lvl="0"/>
+            <a:r>
+              <a:rPr lang="en-US" dirty="0" err="1"/>
+              <a:t>min_weight_fraction_leaf</a:t>
+            </a:r>
+            <a:r>
+              <a:rPr lang="en-US" dirty="0"/>
+              <a:t> – Same as </a:t>
+            </a:r>
+            <a:r>
+              <a:rPr lang="en-US" dirty="0" err="1"/>
+              <a:t>min_samples_leaf</a:t>
+            </a:r>
+            <a:r>
+              <a:rPr lang="en-US" dirty="0"/>
+              <a:t>, but uses a weighted fraction instead of sample count.</a:t>
+            </a:r>
+          </a:p>
+          <a:p>
             <a:endParaRPr lang="en-US" dirty="0"/>
           </a:p>
         </p:txBody>
@@ -1169,7 +1252,7 @@
           <a:p>
             <a:fld id="{3E7B21C4-CE7A-4258-91FF-8CBB981279E1}" type="slidenum">
               <a:rPr lang="en-US" smtClean="0"/>
-              <a:t>52</a:t>
+              <a:t>51</a:t>
             </a:fld>
             <a:endParaRPr lang="en-US"/>
           </a:p>
@@ -1178,7 +1261,7 @@
     </p:spTree>
     <p:extLst>
       <p:ext uri="{BB962C8B-B14F-4D97-AF65-F5344CB8AC3E}">
-        <p14:creationId xmlns:p14="http://schemas.microsoft.com/office/powerpoint/2010/main" val="1366633571"/>
+        <p14:creationId xmlns:p14="http://schemas.microsoft.com/office/powerpoint/2010/main" val="1577768355"/>
       </p:ext>
     </p:extLst>
   </p:cSld>
@@ -1232,6 +1315,80 @@
           <a:bodyPr/>
           <a:lstStyle/>
           <a:p>
+            <a:pPr lvl="0"/>
+            <a:r>
+              <a:rPr lang="en-US" dirty="0" err="1"/>
+              <a:t>max_depth</a:t>
+            </a:r>
+            <a:r>
+              <a:rPr lang="en-US" dirty="0"/>
+              <a:t> – The maximum number of node levels to generate.</a:t>
+            </a:r>
+          </a:p>
+          <a:p>
+            <a:pPr lvl="0"/>
+            <a:r>
+              <a:rPr lang="en-US" dirty="0" err="1"/>
+              <a:t>max_leaf_nodes</a:t>
+            </a:r>
+            <a:r>
+              <a:rPr lang="en-US" dirty="0"/>
+              <a:t> – The maximum number of leaves that can occur in the tree.</a:t>
+            </a:r>
+          </a:p>
+          <a:p>
+            <a:pPr lvl="0"/>
+            <a:r>
+              <a:rPr lang="en-US" dirty="0" err="1"/>
+              <a:t>max_features</a:t>
+            </a:r>
+            <a:r>
+              <a:rPr lang="en-US" dirty="0"/>
+              <a:t> – Maximum number of features that are evaluated for splitting each node.</a:t>
+            </a:r>
+          </a:p>
+          <a:p>
+            <a:pPr lvl="0"/>
+            <a:r>
+              <a:rPr lang="en-US" dirty="0" err="1"/>
+              <a:t>min_samples_split</a:t>
+            </a:r>
+            <a:r>
+              <a:rPr lang="en-US" dirty="0"/>
+              <a:t> – Minimum number of samples a node must have before it can split into another depth.</a:t>
+            </a:r>
+          </a:p>
+          <a:p>
+            <a:pPr lvl="0"/>
+            <a:r>
+              <a:rPr lang="en-US" dirty="0" err="1"/>
+              <a:t>min_samples_leaf</a:t>
+            </a:r>
+            <a:r>
+              <a:rPr lang="en-US" dirty="0"/>
+              <a:t> – The minimum number of samples a leaf node must have to exist.</a:t>
+            </a:r>
+          </a:p>
+          <a:p>
+            <a:pPr lvl="0"/>
+            <a:r>
+              <a:rPr lang="en-US" dirty="0" err="1"/>
+              <a:t>min_weight_fraction_leaf</a:t>
+            </a:r>
+            <a:r>
+              <a:rPr lang="en-US" dirty="0"/>
+              <a:t> – Same as </a:t>
+            </a:r>
+            <a:r>
+              <a:rPr lang="en-US" dirty="0" err="1"/>
+              <a:t>min_samples_leaf</a:t>
+            </a:r>
+            <a:r>
+              <a:rPr lang="en-US" dirty="0"/>
+              <a:t>, but uses a weighted fraction instead of sample count.</a:t>
+            </a:r>
+          </a:p>
+          <a:p>
             <a:endParaRPr lang="en-US" dirty="0"/>
           </a:p>
         </p:txBody>
@@ -1253,7 +1410,7 @@
           <a:p>
             <a:fld id="{3E7B21C4-CE7A-4258-91FF-8CBB981279E1}" type="slidenum">
               <a:rPr lang="en-US" smtClean="0"/>
-              <a:t>60</a:t>
+              <a:t>52</a:t>
             </a:fld>
             <a:endParaRPr lang="en-US"/>
           </a:p>
@@ -1262,7 +1419,7 @@
     </p:spTree>
     <p:extLst>
       <p:ext uri="{BB962C8B-B14F-4D97-AF65-F5344CB8AC3E}">
-        <p14:creationId xmlns:p14="http://schemas.microsoft.com/office/powerpoint/2010/main" val="3623138648"/>
+        <p14:creationId xmlns:p14="http://schemas.microsoft.com/office/powerpoint/2010/main" val="1906274928"/>
       </p:ext>
     </p:extLst>
   </p:cSld>
@@ -1316,6 +1473,80 @@
           <a:bodyPr/>
           <a:lstStyle/>
           <a:p>
+            <a:pPr lvl="0"/>
+            <a:r>
+              <a:rPr lang="en-US" dirty="0" err="1"/>
+              <a:t>max_depth</a:t>
+            </a:r>
+            <a:r>
+              <a:rPr lang="en-US" dirty="0"/>
+              <a:t> – The maximum number of node levels to generate.</a:t>
+            </a:r>
+          </a:p>
+          <a:p>
+            <a:pPr lvl="0"/>
+            <a:r>
+              <a:rPr lang="en-US" dirty="0" err="1"/>
+              <a:t>max_leaf_nodes</a:t>
+            </a:r>
+            <a:r>
+              <a:rPr lang="en-US" dirty="0"/>
+              <a:t> – The maximum number of leaves that can occur in the tree.</a:t>
+            </a:r>
+          </a:p>
+          <a:p>
+            <a:pPr lvl="0"/>
+            <a:r>
+              <a:rPr lang="en-US" dirty="0" err="1"/>
+              <a:t>max_features</a:t>
+            </a:r>
+            <a:r>
+              <a:rPr lang="en-US" dirty="0"/>
+              <a:t> – Maximum number of features that are evaluated for splitting each node.</a:t>
+            </a:r>
+          </a:p>
+          <a:p>
+            <a:pPr lvl="0"/>
+            <a:r>
+              <a:rPr lang="en-US" dirty="0" err="1"/>
+              <a:t>min_samples_split</a:t>
+            </a:r>
+            <a:r>
+              <a:rPr lang="en-US" dirty="0"/>
+              <a:t> – Minimum number of samples a node must have before it can split into another depth.</a:t>
+            </a:r>
+          </a:p>
+          <a:p>
+            <a:pPr lvl="0"/>
+            <a:r>
+              <a:rPr lang="en-US" dirty="0" err="1"/>
+              <a:t>min_samples_leaf</a:t>
+            </a:r>
+            <a:r>
+              <a:rPr lang="en-US" dirty="0"/>
+              <a:t> – The minimum number of samples a leaf node must have to exist.</a:t>
+            </a:r>
+          </a:p>
+          <a:p>
+            <a:pPr lvl="0"/>
+            <a:r>
+              <a:rPr lang="en-US" dirty="0" err="1"/>
+              <a:t>min_weight_fraction_leaf</a:t>
+            </a:r>
+            <a:r>
+              <a:rPr lang="en-US" dirty="0"/>
+              <a:t> – Same as </a:t>
+            </a:r>
+            <a:r>
+              <a:rPr lang="en-US" dirty="0" err="1"/>
+              <a:t>min_samples_leaf</a:t>
+            </a:r>
+            <a:r>
+              <a:rPr lang="en-US" dirty="0"/>
+              <a:t>, but uses a weighted fraction instead of sample count.</a:t>
+            </a:r>
+          </a:p>
+          <a:p>
             <a:endParaRPr lang="en-US" dirty="0"/>
           </a:p>
         </p:txBody>
@@ -1337,7 +1568,7 @@
           <a:p>
             <a:fld id="{3E7B21C4-CE7A-4258-91FF-8CBB981279E1}" type="slidenum">
               <a:rPr lang="en-US" smtClean="0"/>
-              <a:t>61</a:t>
+              <a:t>53</a:t>
             </a:fld>
             <a:endParaRPr lang="en-US"/>
           </a:p>
@@ -1346,7 +1577,7 @@
     </p:spTree>
     <p:extLst>
       <p:ext uri="{BB962C8B-B14F-4D97-AF65-F5344CB8AC3E}">
-        <p14:creationId xmlns:p14="http://schemas.microsoft.com/office/powerpoint/2010/main" val="1478135676"/>
+        <p14:creationId xmlns:p14="http://schemas.microsoft.com/office/powerpoint/2010/main" val="2791131613"/>
       </p:ext>
     </p:extLst>
   </p:cSld>
@@ -1421,7 +1652,7 @@
           <a:p>
             <a:fld id="{3E7B21C4-CE7A-4258-91FF-8CBB981279E1}" type="slidenum">
               <a:rPr lang="en-US" smtClean="0"/>
-              <a:t>62</a:t>
+              <a:t>55</a:t>
             </a:fld>
             <a:endParaRPr lang="en-US"/>
           </a:p>
@@ -1430,7 +1661,7 @@
     </p:spTree>
     <p:extLst>
       <p:ext uri="{BB962C8B-B14F-4D97-AF65-F5344CB8AC3E}">
-        <p14:creationId xmlns:p14="http://schemas.microsoft.com/office/powerpoint/2010/main" val="3723214472"/>
+        <p14:creationId xmlns:p14="http://schemas.microsoft.com/office/powerpoint/2010/main" val="2099521199"/>
       </p:ext>
     </p:extLst>
   </p:cSld>
@@ -1505,7 +1736,7 @@
           <a:p>
             <a:fld id="{3E7B21C4-CE7A-4258-91FF-8CBB981279E1}" type="slidenum">
               <a:rPr lang="en-US" smtClean="0"/>
-              <a:t>63</a:t>
+              <a:t>56</a:t>
             </a:fld>
             <a:endParaRPr lang="en-US"/>
           </a:p>
@@ -1514,7 +1745,7 @@
     </p:spTree>
     <p:extLst>
       <p:ext uri="{BB962C8B-B14F-4D97-AF65-F5344CB8AC3E}">
-        <p14:creationId xmlns:p14="http://schemas.microsoft.com/office/powerpoint/2010/main" val="2794178512"/>
+        <p14:creationId xmlns:p14="http://schemas.microsoft.com/office/powerpoint/2010/main" val="4221020209"/>
       </p:ext>
     </p:extLst>
   </p:cSld>
@@ -1652,10 +1883,7 @@
           <a:bodyPr/>
           <a:lstStyle/>
           <a:p>
-            <a:r>
-              <a:rPr lang="en-US" dirty="0"/>
-              <a:t>It is almost like the previous slide is showing a projection of this graph along just the feauture1-feature0 plane.</a:t>
-            </a:r>
+            <a:endParaRPr lang="en-US" dirty="0"/>
           </a:p>
         </p:txBody>
       </p:sp>
@@ -1676,7 +1904,430 @@
           <a:p>
             <a:fld id="{3E7B21C4-CE7A-4258-91FF-8CBB981279E1}" type="slidenum">
               <a:rPr lang="en-US" smtClean="0"/>
-              <a:t>64</a:t>
+              <a:t>57</a:t>
+            </a:fld>
+            <a:endParaRPr lang="en-US"/>
+          </a:p>
+        </p:txBody>
+      </p:sp>
+    </p:spTree>
+    <p:extLst>
+      <p:ext uri="{BB962C8B-B14F-4D97-AF65-F5344CB8AC3E}">
+        <p14:creationId xmlns:p14="http://schemas.microsoft.com/office/powerpoint/2010/main" val="1366633571"/>
+      </p:ext>
+    </p:extLst>
+  </p:cSld>
+  <p:clrMapOvr>
+    <a:masterClrMapping/>
+  </p:clrMapOvr>
+</p:notes>
+</file>
+
+<file path=ppt/notesSlides/notesSlide21.xml><?xml version="1.0" encoding="utf-8"?>
+<p:notes xmlns:a="http://schemas.openxmlformats.org/drawingml/2006/main" xmlns:r="http://schemas.openxmlformats.org/officeDocument/2006/relationships" xmlns:p="http://schemas.openxmlformats.org/presentationml/2006/main">
+  <p:cSld>
+    <p:spTree>
+      <p:nvGrpSpPr>
+        <p:cNvPr id="1" name=""/>
+        <p:cNvGrpSpPr/>
+        <p:nvPr/>
+      </p:nvGrpSpPr>
+      <p:grpSpPr>
+        <a:xfrm>
+          <a:off x="0" y="0"/>
+          <a:ext cx="0" cy="0"/>
+          <a:chOff x="0" y="0"/>
+          <a:chExt cx="0" cy="0"/>
+        </a:xfrm>
+      </p:grpSpPr>
+      <p:sp>
+        <p:nvSpPr>
+          <p:cNvPr id="2" name="Slide Image Placeholder 1"/>
+          <p:cNvSpPr>
+            <a:spLocks noGrp="1" noRot="1" noChangeAspect="1"/>
+          </p:cNvSpPr>
+          <p:nvPr>
+            <p:ph type="sldImg"/>
+          </p:nvPr>
+        </p:nvSpPr>
+        <p:spPr/>
+      </p:sp>
+      <p:sp>
+        <p:nvSpPr>
+          <p:cNvPr id="3" name="Notes Placeholder 2"/>
+          <p:cNvSpPr>
+            <a:spLocks noGrp="1"/>
+          </p:cNvSpPr>
+          <p:nvPr>
+            <p:ph type="body" idx="1"/>
+          </p:nvPr>
+        </p:nvSpPr>
+        <p:spPr/>
+        <p:txBody>
+          <a:bodyPr/>
+          <a:lstStyle/>
+          <a:p>
+            <a:endParaRPr lang="en-US" dirty="0"/>
+          </a:p>
+        </p:txBody>
+      </p:sp>
+      <p:sp>
+        <p:nvSpPr>
+          <p:cNvPr id="4" name="Slide Number Placeholder 3"/>
+          <p:cNvSpPr>
+            <a:spLocks noGrp="1"/>
+          </p:cNvSpPr>
+          <p:nvPr>
+            <p:ph type="sldNum" sz="quarter" idx="5"/>
+          </p:nvPr>
+        </p:nvSpPr>
+        <p:spPr/>
+        <p:txBody>
+          <a:bodyPr/>
+          <a:lstStyle/>
+          <a:p>
+            <a:fld id="{3E7B21C4-CE7A-4258-91FF-8CBB981279E1}" type="slidenum">
+              <a:rPr lang="en-US" smtClean="0"/>
+              <a:t>65</a:t>
+            </a:fld>
+            <a:endParaRPr lang="en-US"/>
+          </a:p>
+        </p:txBody>
+      </p:sp>
+    </p:spTree>
+    <p:extLst>
+      <p:ext uri="{BB962C8B-B14F-4D97-AF65-F5344CB8AC3E}">
+        <p14:creationId xmlns:p14="http://schemas.microsoft.com/office/powerpoint/2010/main" val="3623138648"/>
+      </p:ext>
+    </p:extLst>
+  </p:cSld>
+  <p:clrMapOvr>
+    <a:masterClrMapping/>
+  </p:clrMapOvr>
+</p:notes>
+</file>
+
+<file path=ppt/notesSlides/notesSlide22.xml><?xml version="1.0" encoding="utf-8"?>
+<p:notes xmlns:a="http://schemas.openxmlformats.org/drawingml/2006/main" xmlns:r="http://schemas.openxmlformats.org/officeDocument/2006/relationships" xmlns:p="http://schemas.openxmlformats.org/presentationml/2006/main">
+  <p:cSld>
+    <p:spTree>
+      <p:nvGrpSpPr>
+        <p:cNvPr id="1" name=""/>
+        <p:cNvGrpSpPr/>
+        <p:nvPr/>
+      </p:nvGrpSpPr>
+      <p:grpSpPr>
+        <a:xfrm>
+          <a:off x="0" y="0"/>
+          <a:ext cx="0" cy="0"/>
+          <a:chOff x="0" y="0"/>
+          <a:chExt cx="0" cy="0"/>
+        </a:xfrm>
+      </p:grpSpPr>
+      <p:sp>
+        <p:nvSpPr>
+          <p:cNvPr id="2" name="Slide Image Placeholder 1"/>
+          <p:cNvSpPr>
+            <a:spLocks noGrp="1" noRot="1" noChangeAspect="1"/>
+          </p:cNvSpPr>
+          <p:nvPr>
+            <p:ph type="sldImg"/>
+          </p:nvPr>
+        </p:nvSpPr>
+        <p:spPr/>
+      </p:sp>
+      <p:sp>
+        <p:nvSpPr>
+          <p:cNvPr id="3" name="Notes Placeholder 2"/>
+          <p:cNvSpPr>
+            <a:spLocks noGrp="1"/>
+          </p:cNvSpPr>
+          <p:nvPr>
+            <p:ph type="body" idx="1"/>
+          </p:nvPr>
+        </p:nvSpPr>
+        <p:spPr/>
+        <p:txBody>
+          <a:bodyPr/>
+          <a:lstStyle/>
+          <a:p>
+            <a:endParaRPr lang="en-US" dirty="0"/>
+          </a:p>
+        </p:txBody>
+      </p:sp>
+      <p:sp>
+        <p:nvSpPr>
+          <p:cNvPr id="4" name="Slide Number Placeholder 3"/>
+          <p:cNvSpPr>
+            <a:spLocks noGrp="1"/>
+          </p:cNvSpPr>
+          <p:nvPr>
+            <p:ph type="sldNum" sz="quarter" idx="5"/>
+          </p:nvPr>
+        </p:nvSpPr>
+        <p:spPr/>
+        <p:txBody>
+          <a:bodyPr/>
+          <a:lstStyle/>
+          <a:p>
+            <a:fld id="{3E7B21C4-CE7A-4258-91FF-8CBB981279E1}" type="slidenum">
+              <a:rPr lang="en-US" smtClean="0"/>
+              <a:t>66</a:t>
+            </a:fld>
+            <a:endParaRPr lang="en-US"/>
+          </a:p>
+        </p:txBody>
+      </p:sp>
+    </p:spTree>
+    <p:extLst>
+      <p:ext uri="{BB962C8B-B14F-4D97-AF65-F5344CB8AC3E}">
+        <p14:creationId xmlns:p14="http://schemas.microsoft.com/office/powerpoint/2010/main" val="1478135676"/>
+      </p:ext>
+    </p:extLst>
+  </p:cSld>
+  <p:clrMapOvr>
+    <a:masterClrMapping/>
+  </p:clrMapOvr>
+</p:notes>
+</file>
+
+<file path=ppt/notesSlides/notesSlide23.xml><?xml version="1.0" encoding="utf-8"?>
+<p:notes xmlns:a="http://schemas.openxmlformats.org/drawingml/2006/main" xmlns:r="http://schemas.openxmlformats.org/officeDocument/2006/relationships" xmlns:p="http://schemas.openxmlformats.org/presentationml/2006/main">
+  <p:cSld>
+    <p:spTree>
+      <p:nvGrpSpPr>
+        <p:cNvPr id="1" name=""/>
+        <p:cNvGrpSpPr/>
+        <p:nvPr/>
+      </p:nvGrpSpPr>
+      <p:grpSpPr>
+        <a:xfrm>
+          <a:off x="0" y="0"/>
+          <a:ext cx="0" cy="0"/>
+          <a:chOff x="0" y="0"/>
+          <a:chExt cx="0" cy="0"/>
+        </a:xfrm>
+      </p:grpSpPr>
+      <p:sp>
+        <p:nvSpPr>
+          <p:cNvPr id="2" name="Slide Image Placeholder 1"/>
+          <p:cNvSpPr>
+            <a:spLocks noGrp="1" noRot="1" noChangeAspect="1"/>
+          </p:cNvSpPr>
+          <p:nvPr>
+            <p:ph type="sldImg"/>
+          </p:nvPr>
+        </p:nvSpPr>
+        <p:spPr/>
+      </p:sp>
+      <p:sp>
+        <p:nvSpPr>
+          <p:cNvPr id="3" name="Notes Placeholder 2"/>
+          <p:cNvSpPr>
+            <a:spLocks noGrp="1"/>
+          </p:cNvSpPr>
+          <p:nvPr>
+            <p:ph type="body" idx="1"/>
+          </p:nvPr>
+        </p:nvSpPr>
+        <p:spPr/>
+        <p:txBody>
+          <a:bodyPr/>
+          <a:lstStyle/>
+          <a:p>
+            <a:endParaRPr lang="en-US" dirty="0"/>
+          </a:p>
+        </p:txBody>
+      </p:sp>
+      <p:sp>
+        <p:nvSpPr>
+          <p:cNvPr id="4" name="Slide Number Placeholder 3"/>
+          <p:cNvSpPr>
+            <a:spLocks noGrp="1"/>
+          </p:cNvSpPr>
+          <p:nvPr>
+            <p:ph type="sldNum" sz="quarter" idx="5"/>
+          </p:nvPr>
+        </p:nvSpPr>
+        <p:spPr/>
+        <p:txBody>
+          <a:bodyPr/>
+          <a:lstStyle/>
+          <a:p>
+            <a:fld id="{3E7B21C4-CE7A-4258-91FF-8CBB981279E1}" type="slidenum">
+              <a:rPr lang="en-US" smtClean="0"/>
+              <a:t>67</a:t>
+            </a:fld>
+            <a:endParaRPr lang="en-US"/>
+          </a:p>
+        </p:txBody>
+      </p:sp>
+    </p:spTree>
+    <p:extLst>
+      <p:ext uri="{BB962C8B-B14F-4D97-AF65-F5344CB8AC3E}">
+        <p14:creationId xmlns:p14="http://schemas.microsoft.com/office/powerpoint/2010/main" val="3723214472"/>
+      </p:ext>
+    </p:extLst>
+  </p:cSld>
+  <p:clrMapOvr>
+    <a:masterClrMapping/>
+  </p:clrMapOvr>
+</p:notes>
+</file>
+
+<file path=ppt/notesSlides/notesSlide24.xml><?xml version="1.0" encoding="utf-8"?>
+<p:notes xmlns:a="http://schemas.openxmlformats.org/drawingml/2006/main" xmlns:r="http://schemas.openxmlformats.org/officeDocument/2006/relationships" xmlns:p="http://schemas.openxmlformats.org/presentationml/2006/main">
+  <p:cSld>
+    <p:spTree>
+      <p:nvGrpSpPr>
+        <p:cNvPr id="1" name=""/>
+        <p:cNvGrpSpPr/>
+        <p:nvPr/>
+      </p:nvGrpSpPr>
+      <p:grpSpPr>
+        <a:xfrm>
+          <a:off x="0" y="0"/>
+          <a:ext cx="0" cy="0"/>
+          <a:chOff x="0" y="0"/>
+          <a:chExt cx="0" cy="0"/>
+        </a:xfrm>
+      </p:grpSpPr>
+      <p:sp>
+        <p:nvSpPr>
+          <p:cNvPr id="2" name="Slide Image Placeholder 1"/>
+          <p:cNvSpPr>
+            <a:spLocks noGrp="1" noRot="1" noChangeAspect="1"/>
+          </p:cNvSpPr>
+          <p:nvPr>
+            <p:ph type="sldImg"/>
+          </p:nvPr>
+        </p:nvSpPr>
+        <p:spPr/>
+      </p:sp>
+      <p:sp>
+        <p:nvSpPr>
+          <p:cNvPr id="3" name="Notes Placeholder 2"/>
+          <p:cNvSpPr>
+            <a:spLocks noGrp="1"/>
+          </p:cNvSpPr>
+          <p:nvPr>
+            <p:ph type="body" idx="1"/>
+          </p:nvPr>
+        </p:nvSpPr>
+        <p:spPr/>
+        <p:txBody>
+          <a:bodyPr/>
+          <a:lstStyle/>
+          <a:p>
+            <a:endParaRPr lang="en-US" dirty="0"/>
+          </a:p>
+        </p:txBody>
+      </p:sp>
+      <p:sp>
+        <p:nvSpPr>
+          <p:cNvPr id="4" name="Slide Number Placeholder 3"/>
+          <p:cNvSpPr>
+            <a:spLocks noGrp="1"/>
+          </p:cNvSpPr>
+          <p:nvPr>
+            <p:ph type="sldNum" sz="quarter" idx="5"/>
+          </p:nvPr>
+        </p:nvSpPr>
+        <p:spPr/>
+        <p:txBody>
+          <a:bodyPr/>
+          <a:lstStyle/>
+          <a:p>
+            <a:fld id="{3E7B21C4-CE7A-4258-91FF-8CBB981279E1}" type="slidenum">
+              <a:rPr lang="en-US" smtClean="0"/>
+              <a:t>68</a:t>
+            </a:fld>
+            <a:endParaRPr lang="en-US"/>
+          </a:p>
+        </p:txBody>
+      </p:sp>
+    </p:spTree>
+    <p:extLst>
+      <p:ext uri="{BB962C8B-B14F-4D97-AF65-F5344CB8AC3E}">
+        <p14:creationId xmlns:p14="http://schemas.microsoft.com/office/powerpoint/2010/main" val="2794178512"/>
+      </p:ext>
+    </p:extLst>
+  </p:cSld>
+  <p:clrMapOvr>
+    <a:masterClrMapping/>
+  </p:clrMapOvr>
+</p:notes>
+</file>
+
+<file path=ppt/notesSlides/notesSlide25.xml><?xml version="1.0" encoding="utf-8"?>
+<p:notes xmlns:a="http://schemas.openxmlformats.org/drawingml/2006/main" xmlns:r="http://schemas.openxmlformats.org/officeDocument/2006/relationships" xmlns:p="http://schemas.openxmlformats.org/presentationml/2006/main">
+  <p:cSld>
+    <p:spTree>
+      <p:nvGrpSpPr>
+        <p:cNvPr id="1" name=""/>
+        <p:cNvGrpSpPr/>
+        <p:nvPr/>
+      </p:nvGrpSpPr>
+      <p:grpSpPr>
+        <a:xfrm>
+          <a:off x="0" y="0"/>
+          <a:ext cx="0" cy="0"/>
+          <a:chOff x="0" y="0"/>
+          <a:chExt cx="0" cy="0"/>
+        </a:xfrm>
+      </p:grpSpPr>
+      <p:sp>
+        <p:nvSpPr>
+          <p:cNvPr id="2" name="Slide Image Placeholder 1"/>
+          <p:cNvSpPr>
+            <a:spLocks noGrp="1" noRot="1" noChangeAspect="1"/>
+          </p:cNvSpPr>
+          <p:nvPr>
+            <p:ph type="sldImg"/>
+          </p:nvPr>
+        </p:nvSpPr>
+        <p:spPr/>
+      </p:sp>
+      <p:sp>
+        <p:nvSpPr>
+          <p:cNvPr id="3" name="Notes Placeholder 2"/>
+          <p:cNvSpPr>
+            <a:spLocks noGrp="1"/>
+          </p:cNvSpPr>
+          <p:nvPr>
+            <p:ph type="body" idx="1"/>
+          </p:nvPr>
+        </p:nvSpPr>
+        <p:spPr/>
+        <p:txBody>
+          <a:bodyPr/>
+          <a:lstStyle/>
+          <a:p>
+            <a:r>
+              <a:rPr lang="en-US" dirty="0"/>
+              <a:t>It is almost like the previous slide is showing a projection of this graph along just the feauture1-feature0 plane.</a:t>
+            </a:r>
+          </a:p>
+        </p:txBody>
+      </p:sp>
+      <p:sp>
+        <p:nvSpPr>
+          <p:cNvPr id="4" name="Slide Number Placeholder 3"/>
+          <p:cNvSpPr>
+            <a:spLocks noGrp="1"/>
+          </p:cNvSpPr>
+          <p:nvPr>
+            <p:ph type="sldNum" sz="quarter" idx="5"/>
+          </p:nvPr>
+        </p:nvSpPr>
+        <p:spPr/>
+        <p:txBody>
+          <a:bodyPr/>
+          <a:lstStyle/>
+          <a:p>
+            <a:fld id="{3E7B21C4-CE7A-4258-91FF-8CBB981279E1}" type="slidenum">
+              <a:rPr lang="en-US" smtClean="0"/>
+              <a:t>69</a:t>
             </a:fld>
             <a:endParaRPr lang="en-US"/>
           </a:p>
@@ -2462,7 +3113,7 @@
           <a:p>
             <a:fld id="{547641E8-73DF-4AD2-848E-3103064331B1}" type="datetimeFigureOut">
               <a:rPr lang="en-US" smtClean="0"/>
-              <a:t>12/25/2021</a:t>
+              <a:t>12/28/2021</a:t>
             </a:fld>
             <a:endParaRPr lang="en-US"/>
           </a:p>
@@ -2630,7 +3281,7 @@
           <a:p>
             <a:fld id="{547641E8-73DF-4AD2-848E-3103064331B1}" type="datetimeFigureOut">
               <a:rPr lang="en-US" smtClean="0"/>
-              <a:t>12/25/2021</a:t>
+              <a:t>12/28/2021</a:t>
             </a:fld>
             <a:endParaRPr lang="en-US"/>
           </a:p>
@@ -2808,7 +3459,7 @@
           <a:p>
             <a:fld id="{547641E8-73DF-4AD2-848E-3103064331B1}" type="datetimeFigureOut">
               <a:rPr lang="en-US" smtClean="0"/>
-              <a:t>12/25/2021</a:t>
+              <a:t>12/28/2021</a:t>
             </a:fld>
             <a:endParaRPr lang="en-US"/>
           </a:p>
@@ -3055,7 +3706,7 @@
                 </a:solidFill>
               </a:rPr>
               <a:pPr/>
-              <a:t>12/25/2021</a:t>
+              <a:t>12/28/2021</a:t>
             </a:fld>
             <a:endParaRPr lang="en-US">
               <a:solidFill>
@@ -3255,7 +3906,7 @@
                 </a:solidFill>
               </a:rPr>
               <a:pPr/>
-              <a:t>12/25/2021</a:t>
+              <a:t>12/28/2021</a:t>
             </a:fld>
             <a:endParaRPr lang="en-US">
               <a:solidFill>
@@ -3532,7 +4183,7 @@
                 </a:solidFill>
               </a:rPr>
               <a:pPr/>
-              <a:t>12/25/2021</a:t>
+              <a:t>12/28/2021</a:t>
             </a:fld>
             <a:endParaRPr lang="en-US">
               <a:solidFill>
@@ -3849,7 +4500,7 @@
                 </a:solidFill>
               </a:rPr>
               <a:pPr/>
-              <a:t>12/25/2021</a:t>
+              <a:t>12/28/2021</a:t>
             </a:fld>
             <a:endParaRPr lang="en-US">
               <a:solidFill>
@@ -4300,7 +4951,7 @@
                 </a:solidFill>
               </a:rPr>
               <a:pPr/>
-              <a:t>12/25/2021</a:t>
+              <a:t>12/28/2021</a:t>
             </a:fld>
             <a:endParaRPr lang="en-US">
               <a:solidFill>
@@ -4449,7 +5100,7 @@
                 </a:solidFill>
               </a:rPr>
               <a:pPr/>
-              <a:t>12/25/2021</a:t>
+              <a:t>12/28/2021</a:t>
             </a:fld>
             <a:endParaRPr lang="en-US">
               <a:solidFill>
@@ -4576,7 +5227,7 @@
                 </a:solidFill>
               </a:rPr>
               <a:pPr/>
-              <a:t>12/25/2021</a:t>
+              <a:t>12/28/2021</a:t>
             </a:fld>
             <a:endParaRPr lang="en-US">
               <a:solidFill>
@@ -4883,7 +5534,7 @@
                 </a:solidFill>
               </a:rPr>
               <a:pPr/>
-              <a:t>12/25/2021</a:t>
+              <a:t>12/28/2021</a:t>
             </a:fld>
             <a:endParaRPr lang="en-US">
               <a:solidFill>
@@ -5076,7 +5727,7 @@
           <a:p>
             <a:fld id="{547641E8-73DF-4AD2-848E-3103064331B1}" type="datetimeFigureOut">
               <a:rPr lang="en-US" smtClean="0"/>
-              <a:t>12/25/2021</a:t>
+              <a:t>12/28/2021</a:t>
             </a:fld>
             <a:endParaRPr lang="en-US"/>
           </a:p>
@@ -5335,7 +5986,7 @@
                 </a:solidFill>
               </a:rPr>
               <a:pPr/>
-              <a:t>12/25/2021</a:t>
+              <a:t>12/28/2021</a:t>
             </a:fld>
             <a:endParaRPr lang="en-US">
               <a:solidFill>
@@ -5535,7 +6186,7 @@
                 </a:solidFill>
               </a:rPr>
               <a:pPr/>
-              <a:t>12/25/2021</a:t>
+              <a:t>12/28/2021</a:t>
             </a:fld>
             <a:endParaRPr lang="en-US">
               <a:solidFill>
@@ -5745,7 +6396,7 @@
                 </a:solidFill>
               </a:rPr>
               <a:pPr/>
-              <a:t>12/25/2021</a:t>
+              <a:t>12/28/2021</a:t>
             </a:fld>
             <a:endParaRPr lang="en-US">
               <a:solidFill>
@@ -6015,7 +6666,7 @@
           <a:p>
             <a:fld id="{547641E8-73DF-4AD2-848E-3103064331B1}" type="datetimeFigureOut">
               <a:rPr lang="en-US" smtClean="0"/>
-              <a:t>12/25/2021</a:t>
+              <a:t>12/28/2021</a:t>
             </a:fld>
             <a:endParaRPr lang="en-US"/>
           </a:p>
@@ -6300,7 +6951,7 @@
           <a:p>
             <a:fld id="{547641E8-73DF-4AD2-848E-3103064331B1}" type="datetimeFigureOut">
               <a:rPr lang="en-US" smtClean="0"/>
-              <a:t>12/25/2021</a:t>
+              <a:t>12/28/2021</a:t>
             </a:fld>
             <a:endParaRPr lang="en-US"/>
           </a:p>
@@ -6719,7 +7370,7 @@
           <a:p>
             <a:fld id="{547641E8-73DF-4AD2-848E-3103064331B1}" type="datetimeFigureOut">
               <a:rPr lang="en-US" smtClean="0"/>
-              <a:t>12/25/2021</a:t>
+              <a:t>12/28/2021</a:t>
             </a:fld>
             <a:endParaRPr lang="en-US"/>
           </a:p>
@@ -6836,7 +7487,7 @@
           <a:p>
             <a:fld id="{547641E8-73DF-4AD2-848E-3103064331B1}" type="datetimeFigureOut">
               <a:rPr lang="en-US" smtClean="0"/>
-              <a:t>12/25/2021</a:t>
+              <a:t>12/28/2021</a:t>
             </a:fld>
             <a:endParaRPr lang="en-US"/>
           </a:p>
@@ -6931,7 +7582,7 @@
           <a:p>
             <a:fld id="{547641E8-73DF-4AD2-848E-3103064331B1}" type="datetimeFigureOut">
               <a:rPr lang="en-US" smtClean="0"/>
-              <a:t>12/25/2021</a:t>
+              <a:t>12/28/2021</a:t>
             </a:fld>
             <a:endParaRPr lang="en-US"/>
           </a:p>
@@ -7206,7 +7857,7 @@
           <a:p>
             <a:fld id="{547641E8-73DF-4AD2-848E-3103064331B1}" type="datetimeFigureOut">
               <a:rPr lang="en-US" smtClean="0"/>
-              <a:t>12/25/2021</a:t>
+              <a:t>12/28/2021</a:t>
             </a:fld>
             <a:endParaRPr lang="en-US"/>
           </a:p>
@@ -7458,7 +8109,7 @@
           <a:p>
             <a:fld id="{547641E8-73DF-4AD2-848E-3103064331B1}" type="datetimeFigureOut">
               <a:rPr lang="en-US" smtClean="0"/>
-              <a:t>12/25/2021</a:t>
+              <a:t>12/28/2021</a:t>
             </a:fld>
             <a:endParaRPr lang="en-US"/>
           </a:p>
@@ -7672,7 +8323,7 @@
           <a:p>
             <a:fld id="{547641E8-73DF-4AD2-848E-3103064331B1}" type="datetimeFigureOut">
               <a:rPr lang="en-US" smtClean="0"/>
-              <a:t>12/25/2021</a:t>
+              <a:t>12/28/2021</a:t>
             </a:fld>
             <a:endParaRPr lang="en-US"/>
           </a:p>
@@ -8187,7 +8838,7 @@
                 </a:solidFill>
               </a:rPr>
               <a:pPr/>
-              <a:t>12/25/2021</a:t>
+              <a:t>12/28/2021</a:t>
             </a:fld>
             <a:endParaRPr lang="en-US">
               <a:solidFill>
@@ -9083,7 +9734,14 @@
           <a:p>
             <a:r>
               <a:rPr lang="en-US" dirty="0"/>
-              <a:t>Area Under the Curve (AUC)</a:t>
+              <a:t>Accuracy</a:t>
+            </a:r>
+          </a:p>
+          <a:p>
+            <a:pPr lvl="1"/>
+            <a:r>
+              <a:rPr lang="en-US" dirty="0"/>
+              <a:t>(TP + TN)/(TP + TN + FP + FN)</a:t>
             </a:r>
           </a:p>
         </p:txBody>
@@ -9091,7 +9749,7 @@
     </p:spTree>
     <p:extLst>
       <p:ext uri="{BB962C8B-B14F-4D97-AF65-F5344CB8AC3E}">
-        <p14:creationId xmlns:p14="http://schemas.microsoft.com/office/powerpoint/2010/main" val="3353178854"/>
+        <p14:creationId xmlns:p14="http://schemas.microsoft.com/office/powerpoint/2010/main" val="2711114479"/>
       </p:ext>
     </p:extLst>
   </p:cSld>
@@ -9183,47 +9841,15 @@
           <a:p>
             <a:r>
               <a:rPr lang="en-US" dirty="0"/>
-              <a:t>Overview</a:t>
-            </a:r>
-          </a:p>
-          <a:p>
-            <a:pPr lvl="1"/>
-            <a:r>
-              <a:rPr lang="en-US" dirty="0"/>
-              <a:t>Precision = TP/(TP+FP)</a:t>
-            </a:r>
-          </a:p>
-          <a:p>
-            <a:pPr lvl="1"/>
-            <a:r>
-              <a:rPr lang="en-US" dirty="0"/>
-              <a:t>Recall (True Positive Rate, Sensitivity)</a:t>
-            </a:r>
-          </a:p>
-          <a:p>
-            <a:pPr lvl="1"/>
-            <a:r>
-              <a:rPr lang="en-US" dirty="0"/>
-              <a:t>False Positive Rate</a:t>
-            </a:r>
-          </a:p>
-          <a:p>
-            <a:pPr lvl="1"/>
-            <a:r>
-              <a:rPr lang="en-US" dirty="0"/>
-              <a:t>Specificity (True Negative Rate)</a:t>
-            </a:r>
-          </a:p>
-          <a:p>
-            <a:pPr lvl="2"/>
-            <a:endParaRPr lang="en-US" dirty="0"/>
+              <a:t>Mean Squared Error</a:t>
+            </a:r>
           </a:p>
         </p:txBody>
       </p:sp>
     </p:spTree>
     <p:extLst>
       <p:ext uri="{BB962C8B-B14F-4D97-AF65-F5344CB8AC3E}">
-        <p14:creationId xmlns:p14="http://schemas.microsoft.com/office/powerpoint/2010/main" val="3063537520"/>
+        <p14:creationId xmlns:p14="http://schemas.microsoft.com/office/powerpoint/2010/main" val="730113372"/>
       </p:ext>
     </p:extLst>
   </p:cSld>
@@ -9315,47 +9941,15 @@
           <a:p>
             <a:r>
               <a:rPr lang="en-US" dirty="0"/>
-              <a:t>Overview</a:t>
-            </a:r>
-          </a:p>
-          <a:p>
-            <a:pPr lvl="1"/>
-            <a:r>
-              <a:rPr lang="en-US" dirty="0"/>
-              <a:t>Precision = TP/(TP+FP)</a:t>
-            </a:r>
-          </a:p>
-          <a:p>
-            <a:pPr lvl="1"/>
-            <a:r>
-              <a:rPr lang="en-US" dirty="0"/>
-              <a:t>Recall (True Positive Rate, Sensitivity)</a:t>
-            </a:r>
-          </a:p>
-          <a:p>
-            <a:pPr lvl="1"/>
-            <a:r>
-              <a:rPr lang="en-US" dirty="0"/>
-              <a:t>False Positive Rate</a:t>
-            </a:r>
-          </a:p>
-          <a:p>
-            <a:pPr lvl="1"/>
-            <a:r>
-              <a:rPr lang="en-US" dirty="0"/>
-              <a:t>Specificity (True Negative Rate)</a:t>
-            </a:r>
-          </a:p>
-          <a:p>
-            <a:pPr lvl="2"/>
-            <a:endParaRPr lang="en-US" dirty="0"/>
+              <a:t>Precision Recall Curves</a:t>
+            </a:r>
           </a:p>
         </p:txBody>
       </p:sp>
     </p:spTree>
     <p:extLst>
       <p:ext uri="{BB962C8B-B14F-4D97-AF65-F5344CB8AC3E}">
-        <p14:creationId xmlns:p14="http://schemas.microsoft.com/office/powerpoint/2010/main" val="2297916495"/>
+        <p14:creationId xmlns:p14="http://schemas.microsoft.com/office/powerpoint/2010/main" val="2515405883"/>
       </p:ext>
     </p:extLst>
   </p:cSld>
@@ -9445,14 +10039,24 @@
           </a:bodyPr>
           <a:lstStyle/>
           <a:p>
-            <a:endParaRPr lang="en-US" dirty="0"/>
+            <a:r>
+              <a:rPr lang="en-US" dirty="0"/>
+              <a:t>Receiver Operating Characteristics (ROC) Curve</a:t>
+            </a:r>
+          </a:p>
+          <a:p>
+            <a:pPr lvl="1"/>
+            <a:r>
+              <a:rPr lang="en-US" dirty="0"/>
+              <a:t>Plots True Positive Rate vs False Positive Rate</a:t>
+            </a:r>
           </a:p>
         </p:txBody>
       </p:sp>
     </p:spTree>
     <p:extLst>
       <p:ext uri="{BB962C8B-B14F-4D97-AF65-F5344CB8AC3E}">
-        <p14:creationId xmlns:p14="http://schemas.microsoft.com/office/powerpoint/2010/main" val="773272650"/>
+        <p14:creationId xmlns:p14="http://schemas.microsoft.com/office/powerpoint/2010/main" val="4181129315"/>
       </p:ext>
     </p:extLst>
   </p:cSld>
@@ -9519,12 +10123,8 @@
           <a:lstStyle/>
           <a:p>
             <a:r>
-              <a:rPr lang="en-US" dirty="0" err="1"/>
-              <a:t>Scikit</a:t>
-            </a:r>
-            <a:r>
-              <a:rPr lang="en-US" dirty="0"/>
-              <a:t>-Learn Machine Learning</a:t>
+              <a:rPr lang="en-US" dirty="0"/>
+              <a:t>Evaluating Accuracy</a:t>
             </a:r>
           </a:p>
         </p:txBody>
@@ -9541,62 +10141,22 @@
         </p:nvSpPr>
         <p:spPr/>
         <p:txBody>
-          <a:bodyPr/>
-          <a:lstStyle/>
-          <a:p>
-            <a:r>
-              <a:rPr lang="en-US" dirty="0"/>
-              <a:t>Overview</a:t>
-            </a:r>
-          </a:p>
-          <a:p>
-            <a:pPr lvl="1"/>
-            <a:r>
-              <a:rPr lang="en-US" dirty="0"/>
-              <a:t>Definition</a:t>
-            </a:r>
-          </a:p>
-          <a:p>
-            <a:pPr lvl="1"/>
-            <a:r>
-              <a:rPr lang="en-US" dirty="0"/>
-              <a:t>General Types</a:t>
-            </a:r>
-          </a:p>
-          <a:p>
-            <a:pPr lvl="1"/>
-            <a:r>
-              <a:rPr lang="en-US" dirty="0"/>
-              <a:t>Basic Linear Models</a:t>
-            </a:r>
-          </a:p>
-          <a:p>
-            <a:pPr lvl="1"/>
-            <a:r>
-              <a:rPr lang="en-US" dirty="0"/>
-              <a:t>Algorithm Types</a:t>
-            </a:r>
-          </a:p>
-          <a:p>
-            <a:pPr lvl="1"/>
-            <a:r>
-              <a:rPr lang="en-US" dirty="0"/>
-              <a:t>Tuning</a:t>
-            </a:r>
-          </a:p>
-          <a:p>
-            <a:pPr lvl="2"/>
-            <a:endParaRPr lang="en-US" dirty="0"/>
-          </a:p>
-          <a:p>
-            <a:endParaRPr lang="en-US" dirty="0"/>
+          <a:bodyPr>
+            <a:normAutofit/>
+          </a:bodyPr>
+          <a:lstStyle/>
+          <a:p>
+            <a:r>
+              <a:rPr lang="en-US" dirty="0"/>
+              <a:t>Area Under the Curve (AUC)</a:t>
+            </a:r>
           </a:p>
         </p:txBody>
       </p:sp>
     </p:spTree>
     <p:extLst>
       <p:ext uri="{BB962C8B-B14F-4D97-AF65-F5344CB8AC3E}">
-        <p14:creationId xmlns:p14="http://schemas.microsoft.com/office/powerpoint/2010/main" val="754999196"/>
+        <p14:creationId xmlns:p14="http://schemas.microsoft.com/office/powerpoint/2010/main" val="3353178854"/>
       </p:ext>
     </p:extLst>
   </p:cSld>
@@ -9664,7 +10224,7 @@
           <a:p>
             <a:r>
               <a:rPr lang="en-US" dirty="0"/>
-              <a:t>Tuning</a:t>
+              <a:t>Evaluating Accuracy</a:t>
             </a:r>
           </a:p>
         </p:txBody>
@@ -9681,31 +10241,46 @@
         </p:nvSpPr>
         <p:spPr/>
         <p:txBody>
-          <a:bodyPr/>
-          <a:lstStyle/>
-          <a:p>
-            <a:r>
-              <a:rPr lang="en-US" dirty="0"/>
-              <a:t>Determining what features matter</a:t>
-            </a:r>
-          </a:p>
-          <a:p>
-            <a:r>
-              <a:rPr lang="en-US" dirty="0"/>
-              <a:t>If both prediction test scores and training scores are low, then the model is suffering from underfitting.</a:t>
-            </a:r>
-          </a:p>
-          <a:p>
-            <a:r>
-              <a:rPr lang="en-US" dirty="0"/>
-              <a:t>If the model has extremely high training scores, but not nearly as high prediction test scores, the model is suffering from overfitting.</a:t>
+          <a:bodyPr>
+            <a:normAutofit/>
+          </a:bodyPr>
+          <a:lstStyle/>
+          <a:p>
+            <a:r>
+              <a:rPr lang="en-US" dirty="0"/>
+              <a:t>Overview</a:t>
+            </a:r>
+          </a:p>
+          <a:p>
+            <a:pPr lvl="1"/>
+            <a:r>
+              <a:rPr lang="en-US" dirty="0"/>
+              <a:t>Precision = TP/(TP+FP)</a:t>
+            </a:r>
+          </a:p>
+          <a:p>
+            <a:pPr lvl="1"/>
+            <a:r>
+              <a:rPr lang="en-US" dirty="0"/>
+              <a:t>Recall (True Positive Rate, Sensitivity)</a:t>
+            </a:r>
+          </a:p>
+          <a:p>
+            <a:pPr lvl="1"/>
+            <a:r>
+              <a:rPr lang="en-US" dirty="0"/>
+              <a:t>False Positive Rate</a:t>
+            </a:r>
+          </a:p>
+          <a:p>
+            <a:pPr lvl="1"/>
+            <a:r>
+              <a:rPr lang="en-US" dirty="0"/>
+              <a:t>Specificity (True Negative Rate)</a:t>
             </a:r>
           </a:p>
           <a:p>
             <a:pPr lvl="2"/>
-            <a:endParaRPr lang="en-US" dirty="0"/>
-          </a:p>
-          <a:p>
             <a:endParaRPr lang="en-US" dirty="0"/>
           </a:p>
         </p:txBody>
@@ -9713,7 +10288,7 @@
     </p:spTree>
     <p:extLst>
       <p:ext uri="{BB962C8B-B14F-4D97-AF65-F5344CB8AC3E}">
-        <p14:creationId xmlns:p14="http://schemas.microsoft.com/office/powerpoint/2010/main" val="3393037686"/>
+        <p14:creationId xmlns:p14="http://schemas.microsoft.com/office/powerpoint/2010/main" val="3063537520"/>
       </p:ext>
     </p:extLst>
   </p:cSld>
@@ -9781,7 +10356,7 @@
           <a:p>
             <a:r>
               <a:rPr lang="en-US" dirty="0"/>
-              <a:t>Tuning</a:t>
+              <a:t>Evaluating Accuracy</a:t>
             </a:r>
           </a:p>
         </p:txBody>
@@ -9798,19 +10373,46 @@
         </p:nvSpPr>
         <p:spPr/>
         <p:txBody>
-          <a:bodyPr/>
-          <a:lstStyle/>
-          <a:p>
-            <a:r>
-              <a:rPr lang="en-US" dirty="0"/>
-              <a:t>Grid Search</a:t>
+          <a:bodyPr>
+            <a:normAutofit/>
+          </a:bodyPr>
+          <a:lstStyle/>
+          <a:p>
+            <a:r>
+              <a:rPr lang="en-US" dirty="0"/>
+              <a:t>Overview</a:t>
+            </a:r>
+          </a:p>
+          <a:p>
+            <a:pPr lvl="1"/>
+            <a:r>
+              <a:rPr lang="en-US" dirty="0"/>
+              <a:t>Precision = TP/(TP+FP)</a:t>
+            </a:r>
+          </a:p>
+          <a:p>
+            <a:pPr lvl="1"/>
+            <a:r>
+              <a:rPr lang="en-US" dirty="0"/>
+              <a:t>Recall (True Positive Rate, Sensitivity)</a:t>
+            </a:r>
+          </a:p>
+          <a:p>
+            <a:pPr lvl="1"/>
+            <a:r>
+              <a:rPr lang="en-US" dirty="0"/>
+              <a:t>False Positive Rate</a:t>
+            </a:r>
+          </a:p>
+          <a:p>
+            <a:pPr lvl="1"/>
+            <a:r>
+              <a:rPr lang="en-US" dirty="0"/>
+              <a:t>Specificity (True Negative Rate)</a:t>
             </a:r>
           </a:p>
           <a:p>
             <a:pPr lvl="2"/>
-            <a:endParaRPr lang="en-US" dirty="0"/>
-          </a:p>
-          <a:p>
             <a:endParaRPr lang="en-US" dirty="0"/>
           </a:p>
         </p:txBody>
@@ -9818,7 +10420,7 @@
     </p:spTree>
     <p:extLst>
       <p:ext uri="{BB962C8B-B14F-4D97-AF65-F5344CB8AC3E}">
-        <p14:creationId xmlns:p14="http://schemas.microsoft.com/office/powerpoint/2010/main" val="2622179278"/>
+        <p14:creationId xmlns:p14="http://schemas.microsoft.com/office/powerpoint/2010/main" val="2297916495"/>
       </p:ext>
     </p:extLst>
   </p:cSld>
@@ -9886,7 +10488,7 @@
           <a:p>
             <a:r>
               <a:rPr lang="en-US" dirty="0"/>
-              <a:t>Tuning</a:t>
+              <a:t>Evaluating Accuracy</a:t>
             </a:r>
           </a:p>
         </p:txBody>
@@ -9903,43 +10505,10 @@
         </p:nvSpPr>
         <p:spPr/>
         <p:txBody>
-          <a:bodyPr/>
-          <a:lstStyle/>
-          <a:p>
-            <a:r>
-              <a:rPr lang="en-US" dirty="0"/>
-              <a:t>Ensembles of Decision Trees</a:t>
-            </a:r>
-          </a:p>
-          <a:p>
-            <a:pPr lvl="1"/>
-            <a:r>
-              <a:rPr lang="en-US" dirty="0"/>
-              <a:t>Decision trees tend to overfit</a:t>
-            </a:r>
-          </a:p>
-          <a:p>
-            <a:pPr lvl="1"/>
-            <a:r>
-              <a:rPr lang="en-US" dirty="0"/>
-              <a:t>Use multiple, slightly different models to increase predictive capability.</a:t>
-            </a:r>
-          </a:p>
-          <a:p>
-            <a:pPr lvl="1"/>
-            <a:r>
-              <a:rPr lang="en-US" dirty="0"/>
-              <a:t>Can be used for either classifiers or regressors.</a:t>
-            </a:r>
-          </a:p>
-          <a:p>
-            <a:pPr lvl="1"/>
-            <a:endParaRPr lang="en-US" dirty="0"/>
-          </a:p>
-          <a:p>
-            <a:pPr lvl="2"/>
-            <a:endParaRPr lang="en-US" dirty="0"/>
-          </a:p>
+          <a:bodyPr>
+            <a:normAutofit/>
+          </a:bodyPr>
+          <a:lstStyle/>
           <a:p>
             <a:endParaRPr lang="en-US" dirty="0"/>
           </a:p>
@@ -9948,7 +10517,7 @@
     </p:spTree>
     <p:extLst>
       <p:ext uri="{BB962C8B-B14F-4D97-AF65-F5344CB8AC3E}">
-        <p14:creationId xmlns:p14="http://schemas.microsoft.com/office/powerpoint/2010/main" val="3184848222"/>
+        <p14:creationId xmlns:p14="http://schemas.microsoft.com/office/powerpoint/2010/main" val="773272650"/>
       </p:ext>
     </p:extLst>
   </p:cSld>
@@ -10016,7 +10585,7 @@
           <a:p>
             <a:r>
               <a:rPr lang="en-US" dirty="0"/>
-              <a:t>Tuning</a:t>
+              <a:t>Ensemble Methods</a:t>
             </a:r>
           </a:p>
         </p:txBody>
@@ -10038,33 +10607,43 @@
           <a:p>
             <a:r>
               <a:rPr lang="en-US" dirty="0"/>
-              <a:t>Ensembles of Decision Trees</a:t>
+              <a:t>Overview</a:t>
             </a:r>
           </a:p>
           <a:p>
             <a:pPr lvl="1"/>
             <a:r>
               <a:rPr lang="en-US" dirty="0"/>
-              <a:t>Types:</a:t>
-            </a:r>
-          </a:p>
-          <a:p>
-            <a:pPr lvl="2"/>
+              <a:t>Voting Classifiers</a:t>
+            </a:r>
+          </a:p>
+          <a:p>
+            <a:pPr lvl="1"/>
+            <a:r>
+              <a:rPr lang="en-US" dirty="0"/>
+              <a:t>Bagging and Pasting</a:t>
+            </a:r>
+          </a:p>
+          <a:p>
+            <a:pPr lvl="1"/>
             <a:r>
               <a:rPr lang="en-US" dirty="0"/>
               <a:t>Random Forests</a:t>
             </a:r>
           </a:p>
           <a:p>
-            <a:pPr lvl="2"/>
-            <a:r>
-              <a:rPr lang="en-US" dirty="0"/>
-              <a:t>Gradient-Boosted Forests</a:t>
-            </a:r>
-          </a:p>
-          <a:p>
             <a:pPr lvl="1"/>
-            <a:endParaRPr lang="en-US" dirty="0"/>
+            <a:r>
+              <a:rPr lang="en-US" dirty="0"/>
+              <a:t>Boosting</a:t>
+            </a:r>
+          </a:p>
+          <a:p>
+            <a:pPr lvl="1"/>
+            <a:r>
+              <a:rPr lang="en-US" dirty="0"/>
+              <a:t>Stacking</a:t>
+            </a:r>
           </a:p>
           <a:p>
             <a:pPr lvl="2"/>
@@ -10078,7 +10657,7 @@
     </p:spTree>
     <p:extLst>
       <p:ext uri="{BB962C8B-B14F-4D97-AF65-F5344CB8AC3E}">
-        <p14:creationId xmlns:p14="http://schemas.microsoft.com/office/powerpoint/2010/main" val="1452939417"/>
+        <p14:creationId xmlns:p14="http://schemas.microsoft.com/office/powerpoint/2010/main" val="2946119377"/>
       </p:ext>
     </p:extLst>
   </p:cSld>
@@ -10146,7 +10725,7 @@
           <a:p>
             <a:r>
               <a:rPr lang="en-US" dirty="0"/>
-              <a:t>Tuning</a:t>
+              <a:t>Ensemble Methods</a:t>
             </a:r>
           </a:p>
         </p:txBody>
@@ -10168,25 +10747,21 @@
           <a:p>
             <a:r>
               <a:rPr lang="en-US" dirty="0"/>
-              <a:t>Random Forests</a:t>
+              <a:t>Overview</a:t>
             </a:r>
           </a:p>
           <a:p>
             <a:pPr lvl="1"/>
             <a:r>
               <a:rPr lang="en-US" dirty="0"/>
-              <a:t>Average multiple models together.</a:t>
+              <a:t>It is important to choose very different algorithms for each trainer.  This will prevent any single type of error from growing too large, and will allow each error to be voted out from the other trainers.</a:t>
             </a:r>
           </a:p>
           <a:p>
             <a:pPr lvl="2"/>
-            <a:r>
-              <a:rPr lang="en-US" dirty="0"/>
-              <a:t>Each model should overfit the data in a different part of the data.</a:t>
-            </a:r>
-          </a:p>
-          <a:p>
-            <a:pPr lvl="2"/>
+            <a:endParaRPr lang="en-US" dirty="0"/>
+          </a:p>
+          <a:p>
             <a:endParaRPr lang="en-US" dirty="0"/>
           </a:p>
         </p:txBody>
@@ -10194,7 +10769,7 @@
     </p:spTree>
     <p:extLst>
       <p:ext uri="{BB962C8B-B14F-4D97-AF65-F5344CB8AC3E}">
-        <p14:creationId xmlns:p14="http://schemas.microsoft.com/office/powerpoint/2010/main" val="463666407"/>
+        <p14:creationId xmlns:p14="http://schemas.microsoft.com/office/powerpoint/2010/main" val="2482095172"/>
       </p:ext>
     </p:extLst>
   </p:cSld>
@@ -10377,7 +10952,7 @@
           <a:p>
             <a:r>
               <a:rPr lang="en-US" dirty="0"/>
-              <a:t>Tuning</a:t>
+              <a:t>Ensemble Methods</a:t>
             </a:r>
           </a:p>
         </p:txBody>
@@ -10399,54 +10974,30 @@
           <a:p>
             <a:r>
               <a:rPr lang="en-US" dirty="0"/>
-              <a:t>Parameters to Play with</a:t>
+              <a:t>Voting Classifiers</a:t>
             </a:r>
           </a:p>
           <a:p>
             <a:pPr lvl="1"/>
             <a:r>
               <a:rPr lang="en-US" dirty="0"/>
-              <a:t>K-Nearest Neighbors</a:t>
-            </a:r>
-          </a:p>
-          <a:p>
-            <a:pPr lvl="2"/>
-            <a:r>
-              <a:rPr lang="en-US" dirty="0"/>
-              <a:t>Number of neighbors to test point</a:t>
-            </a:r>
-          </a:p>
-          <a:p>
-            <a:pPr lvl="2"/>
-            <a:r>
-              <a:rPr lang="en-US" dirty="0"/>
-              <a:t>Algorithm to evaluate distance test point is from data points</a:t>
+              <a:t>Train multiple different classifiers.</a:t>
             </a:r>
           </a:p>
           <a:p>
             <a:pPr lvl="1"/>
             <a:r>
               <a:rPr lang="en-US" dirty="0"/>
-              <a:t>Decision Trees</a:t>
-            </a:r>
-          </a:p>
-          <a:p>
-            <a:pPr lvl="2"/>
-            <a:r>
-              <a:rPr lang="en-US" dirty="0"/>
-              <a:t>Number of leaves (depth)</a:t>
-            </a:r>
-          </a:p>
-          <a:p>
-            <a:pPr lvl="2"/>
-            <a:r>
-              <a:rPr lang="en-US" dirty="0"/>
-              <a:t>Ensembles of decision trees</a:t>
-            </a:r>
-          </a:p>
-          <a:p>
-            <a:pPr lvl="2"/>
-            <a:endParaRPr lang="en-US" dirty="0"/>
+              <a:t>Using the </a:t>
+            </a:r>
+            <a:r>
+              <a:rPr lang="en-US" dirty="0" err="1"/>
+              <a:t>VotingClassifier</a:t>
+            </a:r>
+            <a:r>
+              <a:rPr lang="en-US" dirty="0"/>
+              <a:t>, have each classifier vote on what the predicted label should be.</a:t>
+            </a:r>
           </a:p>
           <a:p>
             <a:endParaRPr lang="en-US" dirty="0"/>
@@ -10456,7 +11007,7 @@
     </p:spTree>
     <p:extLst>
       <p:ext uri="{BB962C8B-B14F-4D97-AF65-F5344CB8AC3E}">
-        <p14:creationId xmlns:p14="http://schemas.microsoft.com/office/powerpoint/2010/main" val="274238177"/>
+        <p14:creationId xmlns:p14="http://schemas.microsoft.com/office/powerpoint/2010/main" val="2152904124"/>
       </p:ext>
     </p:extLst>
   </p:cSld>
@@ -10524,7 +11075,7 @@
           <a:p>
             <a:r>
               <a:rPr lang="en-US" dirty="0"/>
-              <a:t>Tuning</a:t>
+              <a:t>Ensemble Methods</a:t>
             </a:r>
           </a:p>
         </p:txBody>
@@ -10546,47 +11097,52 @@
           <a:p>
             <a:r>
               <a:rPr lang="en-US" dirty="0"/>
-              <a:t>Parameters to Play with</a:t>
+              <a:t>Voting Classifiers</a:t>
             </a:r>
           </a:p>
           <a:p>
             <a:pPr lvl="1"/>
             <a:r>
               <a:rPr lang="en-US" dirty="0"/>
-              <a:t>alpha</a:t>
+              <a:t>Hard vs Soft Voting</a:t>
             </a:r>
           </a:p>
           <a:p>
             <a:pPr lvl="2"/>
             <a:r>
               <a:rPr lang="en-US" dirty="0"/>
-              <a:t>Higher values increase regularization/generalization</a:t>
+              <a:t>Hard is a simple vote</a:t>
             </a:r>
           </a:p>
           <a:p>
             <a:pPr lvl="2"/>
             <a:r>
               <a:rPr lang="en-US" dirty="0"/>
-              <a:t>Higher value pushes feature weights closer to zero</a:t>
-            </a:r>
-          </a:p>
-          <a:p>
-            <a:pPr lvl="2"/>
-            <a:r>
-              <a:rPr lang="en-US" dirty="0"/>
-              <a:t>Lasso Regression</a:t>
-            </a:r>
-          </a:p>
-          <a:p>
-            <a:pPr lvl="2"/>
-            <a:r>
-              <a:rPr lang="en-US" dirty="0"/>
-              <a:t>Ridge Regression</a:t>
-            </a:r>
-          </a:p>
-          <a:p>
-            <a:pPr lvl="2"/>
-            <a:endParaRPr lang="en-US" dirty="0"/>
+              <a:t>Soft voting calculates the class probabilities from each model, averages them over all individual models.  The highest probability is the estimated class.</a:t>
+            </a:r>
+          </a:p>
+          <a:p>
+            <a:pPr lvl="3"/>
+            <a:r>
+              <a:rPr lang="en-US" dirty="0"/>
+              <a:t>Requires trainers that have the </a:t>
+            </a:r>
+            <a:r>
+              <a:rPr lang="en-US" dirty="0" err="1">
+                <a:latin typeface="Consolas" panose="020B0609020204030204" pitchFamily="49" charset="0"/>
+              </a:rPr>
+              <a:t>predict_proba</a:t>
+            </a:r>
+            <a:r>
+              <a:rPr lang="en-US" dirty="0">
+                <a:latin typeface="Consolas" panose="020B0609020204030204" pitchFamily="49" charset="0"/>
+              </a:rPr>
+              <a:t>()</a:t>
+            </a:r>
+            <a:r>
+              <a:rPr lang="en-US" dirty="0"/>
+              <a:t> method.</a:t>
+            </a:r>
           </a:p>
           <a:p>
             <a:endParaRPr lang="en-US" dirty="0"/>
@@ -10596,7 +11152,7 @@
     </p:spTree>
     <p:extLst>
       <p:ext uri="{BB962C8B-B14F-4D97-AF65-F5344CB8AC3E}">
-        <p14:creationId xmlns:p14="http://schemas.microsoft.com/office/powerpoint/2010/main" val="4153822099"/>
+        <p14:creationId xmlns:p14="http://schemas.microsoft.com/office/powerpoint/2010/main" val="2274890375"/>
       </p:ext>
     </p:extLst>
   </p:cSld>
@@ -10664,7 +11220,7 @@
           <a:p>
             <a:r>
               <a:rPr lang="en-US" dirty="0"/>
-              <a:t>Tuning</a:t>
+              <a:t>Ensemble Methods</a:t>
             </a:r>
           </a:p>
         </p:txBody>
@@ -10686,47 +11242,8 @@
           <a:p>
             <a:r>
               <a:rPr lang="en-US" dirty="0"/>
-              <a:t>Parameters to Play with</a:t>
-            </a:r>
-          </a:p>
-          <a:p>
-            <a:pPr lvl="1"/>
-            <a:r>
-              <a:rPr lang="en-US" dirty="0"/>
-              <a:t>c</a:t>
-            </a:r>
-          </a:p>
-          <a:p>
-            <a:pPr lvl="2"/>
-            <a:r>
-              <a:rPr lang="en-US" dirty="0"/>
-              <a:t>Lower values increase generalization</a:t>
-            </a:r>
-          </a:p>
-          <a:p>
-            <a:pPr lvl="2"/>
-            <a:r>
-              <a:rPr lang="en-US" dirty="0"/>
-              <a:t>Higher value causes algorithm to attempt to fit each training data point as best as possible</a:t>
-            </a:r>
-          </a:p>
-          <a:p>
-            <a:pPr lvl="2"/>
-            <a:r>
-              <a:rPr lang="en-US" dirty="0"/>
-              <a:t>Logistic regression</a:t>
-            </a:r>
-          </a:p>
-          <a:p>
-            <a:pPr lvl="2"/>
-            <a:r>
-              <a:rPr lang="en-US" dirty="0"/>
-              <a:t>Linear support vector machine</a:t>
-            </a:r>
-          </a:p>
-          <a:p>
-            <a:pPr lvl="2"/>
-            <a:endParaRPr lang="en-US" dirty="0"/>
+              <a:t>Bagging and Pasting</a:t>
+            </a:r>
           </a:p>
           <a:p>
             <a:endParaRPr lang="en-US" dirty="0"/>
@@ -10736,7 +11253,7 @@
     </p:spTree>
     <p:extLst>
       <p:ext uri="{BB962C8B-B14F-4D97-AF65-F5344CB8AC3E}">
-        <p14:creationId xmlns:p14="http://schemas.microsoft.com/office/powerpoint/2010/main" val="2098658121"/>
+        <p14:creationId xmlns:p14="http://schemas.microsoft.com/office/powerpoint/2010/main" val="44548473"/>
       </p:ext>
     </p:extLst>
   </p:cSld>
@@ -10803,12 +11320,8 @@
           <a:lstStyle/>
           <a:p>
             <a:r>
-              <a:rPr lang="en-US" dirty="0" err="1"/>
-              <a:t>Scikit</a:t>
-            </a:r>
-            <a:r>
-              <a:rPr lang="en-US" dirty="0"/>
-              <a:t>-Learn Machine Learning</a:t>
+              <a:rPr lang="en-US" dirty="0"/>
+              <a:t>Tuning</a:t>
             </a:r>
           </a:p>
         </p:txBody>
@@ -10830,43 +11343,33 @@
           <a:p>
             <a:r>
               <a:rPr lang="en-US" dirty="0"/>
-              <a:t>Overview</a:t>
+              <a:t>Random Forests</a:t>
             </a:r>
           </a:p>
           <a:p>
             <a:pPr lvl="1"/>
             <a:r>
               <a:rPr lang="en-US" dirty="0"/>
-              <a:t>Definition</a:t>
+              <a:t>Decision trees tend to overfit</a:t>
             </a:r>
           </a:p>
           <a:p>
             <a:pPr lvl="1"/>
             <a:r>
               <a:rPr lang="en-US" dirty="0"/>
-              <a:t>General Types</a:t>
+              <a:t>Use multiple, slightly different models to increase predictive capability.</a:t>
             </a:r>
           </a:p>
           <a:p>
             <a:pPr lvl="1"/>
             <a:r>
               <a:rPr lang="en-US" dirty="0"/>
-              <a:t>Basic Linear Models</a:t>
+              <a:t>Can be used for either classifiers or regressors.</a:t>
             </a:r>
           </a:p>
           <a:p>
             <a:pPr lvl="1"/>
-            <a:r>
-              <a:rPr lang="en-US" dirty="0"/>
-              <a:t>Algorithm Types</a:t>
-            </a:r>
-          </a:p>
-          <a:p>
-            <a:pPr lvl="1"/>
-            <a:r>
-              <a:rPr lang="en-US" dirty="0"/>
-              <a:t>Tuning</a:t>
-            </a:r>
+            <a:endParaRPr lang="en-US" dirty="0"/>
           </a:p>
           <a:p>
             <a:pPr lvl="2"/>
@@ -10880,7 +11383,7 @@
     </p:spTree>
     <p:extLst>
       <p:ext uri="{BB962C8B-B14F-4D97-AF65-F5344CB8AC3E}">
-        <p14:creationId xmlns:p14="http://schemas.microsoft.com/office/powerpoint/2010/main" val="2946119377"/>
+        <p14:creationId xmlns:p14="http://schemas.microsoft.com/office/powerpoint/2010/main" val="3184848222"/>
       </p:ext>
     </p:extLst>
   </p:cSld>
@@ -10896,8 +11399,18 @@
     <p:bg>
       <p:bgPr>
         <a:blipFill dpi="0" rotWithShape="1">
-          <a:blip r:embed="rId2">
-            <a:lum/>
+          <a:blip r:embed="rId3">
+            <a:extLst>
+              <a:ext uri="{BEBA8EAE-BF5A-486C-A8C5-ECC9F3942E4B}">
+                <a14:imgProps xmlns:a14="http://schemas.microsoft.com/office/drawing/2010/main">
+                  <a14:imgLayer r:embed="rId4">
+                    <a14:imgEffect>
+                      <a14:brightnessContrast bright="-50000"/>
+                    </a14:imgEffect>
+                  </a14:imgLayer>
+                </a14:imgProps>
+              </a:ext>
+            </a:extLst>
           </a:blip>
           <a:srcRect/>
           <a:stretch>
@@ -10938,7 +11451,7 @@
           <a:p>
             <a:r>
               <a:rPr lang="en-US" dirty="0"/>
-              <a:t>Bibliography</a:t>
+              <a:t>Ensemble Methods</a:t>
             </a:r>
           </a:p>
         </p:txBody>
@@ -10955,62 +11468,28 @@
         </p:nvSpPr>
         <p:spPr/>
         <p:txBody>
-          <a:bodyPr>
-            <a:normAutofit/>
-          </a:bodyPr>
-          <a:lstStyle/>
-          <a:p>
-            <a:pPr marL="514350" indent="-514350">
-              <a:buFont typeface="+mj-lt"/>
-              <a:buAutoNum type="arabicParenR"/>
-            </a:pPr>
-            <a:r>
-              <a:rPr lang="en-US" dirty="0">
-                <a:hlinkClick r:id="rId3"/>
-              </a:rPr>
-              <a:t>https://github.com/amueller/introduction_to_ml_with_python/blob/master/02-supervised-learning.ipynb</a:t>
-            </a:r>
+          <a:bodyPr/>
+          <a:lstStyle/>
+          <a:p>
+            <a:r>
+              <a:rPr lang="en-US" dirty="0"/>
+              <a:t>Boosting</a:t>
+            </a:r>
+          </a:p>
+          <a:p>
             <a:endParaRPr lang="en-US" dirty="0"/>
-          </a:p>
-          <a:p>
-            <a:pPr marL="514350" indent="-514350">
-              <a:buFont typeface="+mj-lt"/>
-              <a:buAutoNum type="arabicParenR"/>
-            </a:pPr>
-            <a:r>
-              <a:rPr lang="en-US" dirty="0"/>
-              <a:t>Müller, A. C., &amp; Guido, S. (2016). </a:t>
-            </a:r>
-            <a:r>
-              <a:rPr lang="en-US" i="1" dirty="0"/>
-              <a:t>Introduction to Machine Learning with Python: A Guide for Data Scientists</a:t>
-            </a:r>
-            <a:r>
-              <a:rPr lang="en-US" dirty="0"/>
-              <a:t> (1st ed.). O’Reilly Media.</a:t>
-            </a:r>
-          </a:p>
-          <a:p>
-            <a:pPr marL="514350" indent="-514350">
-              <a:buFont typeface="+mj-lt"/>
-              <a:buAutoNum type="arabicParenR"/>
-            </a:pPr>
-            <a:r>
-              <a:rPr lang="en-US" dirty="0"/>
-              <a:t>http://rasbt.github.io/mlxtend/user_guide/general_concepts/gradient-optimization/</a:t>
-            </a:r>
           </a:p>
         </p:txBody>
       </p:sp>
     </p:spTree>
     <p:extLst>
       <p:ext uri="{BB962C8B-B14F-4D97-AF65-F5344CB8AC3E}">
-        <p14:creationId xmlns:p14="http://schemas.microsoft.com/office/powerpoint/2010/main" val="3645036191"/>
+        <p14:creationId xmlns:p14="http://schemas.microsoft.com/office/powerpoint/2010/main" val="3735009109"/>
       </p:ext>
     </p:extLst>
   </p:cSld>
   <p:clrMapOvr>
-    <a:masterClrMapping/>
+    <a:overrideClrMapping bg1="lt1" tx1="dk1" bg2="lt2" tx2="dk2" accent1="accent1" accent2="accent2" accent3="accent3" accent4="accent4" accent5="accent5" accent6="accent6" hlink="hlink" folHlink="folHlink"/>
   </p:clrMapOvr>
 </p:sld>
 </file>
@@ -11021,8 +11500,18 @@
     <p:bg>
       <p:bgPr>
         <a:blipFill dpi="0" rotWithShape="1">
-          <a:blip r:embed="rId2">
-            <a:lum/>
+          <a:blip r:embed="rId3">
+            <a:extLst>
+              <a:ext uri="{BEBA8EAE-BF5A-486C-A8C5-ECC9F3942E4B}">
+                <a14:imgProps xmlns:a14="http://schemas.microsoft.com/office/drawing/2010/main">
+                  <a14:imgLayer r:embed="rId4">
+                    <a14:imgEffect>
+                      <a14:brightnessContrast bright="-50000"/>
+                    </a14:imgEffect>
+                  </a14:imgLayer>
+                </a14:imgProps>
+              </a:ext>
+            </a:extLst>
           </a:blip>
           <a:srcRect/>
           <a:stretch>
@@ -11063,7 +11552,7 @@
           <a:p>
             <a:r>
               <a:rPr lang="en-US" dirty="0"/>
-              <a:t>Additional Resources</a:t>
+              <a:t>Ensemble Methods</a:t>
             </a:r>
           </a:p>
         </p:txBody>
@@ -11080,31 +11569,28 @@
         </p:nvSpPr>
         <p:spPr/>
         <p:txBody>
-          <a:bodyPr>
-            <a:normAutofit/>
-          </a:bodyPr>
-          <a:lstStyle/>
-          <a:p>
-            <a:pPr marL="514350" indent="-514350">
-              <a:buFont typeface="+mj-lt"/>
-              <a:buAutoNum type="arabicParenR"/>
-            </a:pPr>
-            <a:r>
-              <a:rPr lang="en-US" dirty="0"/>
-              <a:t>https://towardsdatascience.com/over-fitting-and-regularization-64d16100f45c</a:t>
-            </a:r>
+          <a:bodyPr/>
+          <a:lstStyle/>
+          <a:p>
+            <a:r>
+              <a:rPr lang="en-US" dirty="0"/>
+              <a:t>Stacking</a:t>
+            </a:r>
+          </a:p>
+          <a:p>
+            <a:endParaRPr lang="en-US" dirty="0"/>
           </a:p>
         </p:txBody>
       </p:sp>
     </p:spTree>
     <p:extLst>
       <p:ext uri="{BB962C8B-B14F-4D97-AF65-F5344CB8AC3E}">
-        <p14:creationId xmlns:p14="http://schemas.microsoft.com/office/powerpoint/2010/main" val="1722311812"/>
+        <p14:creationId xmlns:p14="http://schemas.microsoft.com/office/powerpoint/2010/main" val="1450173570"/>
       </p:ext>
     </p:extLst>
   </p:cSld>
   <p:clrMapOvr>
-    <a:masterClrMapping/>
+    <a:overrideClrMapping bg1="lt1" tx1="dk1" bg2="lt2" tx2="dk2" accent1="accent1" accent2="accent2" accent3="accent3" accent4="accent4" accent5="accent5" accent6="accent6" hlink="hlink" folHlink="folHlink"/>
   </p:clrMapOvr>
 </p:sld>
 </file>
@@ -11115,8 +11601,18 @@
     <p:bg>
       <p:bgPr>
         <a:blipFill dpi="0" rotWithShape="1">
-          <a:blip r:embed="rId2">
-            <a:lum/>
+          <a:blip r:embed="rId3">
+            <a:extLst>
+              <a:ext uri="{BEBA8EAE-BF5A-486C-A8C5-ECC9F3942E4B}">
+                <a14:imgProps xmlns:a14="http://schemas.microsoft.com/office/drawing/2010/main">
+                  <a14:imgLayer r:embed="rId4">
+                    <a14:imgEffect>
+                      <a14:brightnessContrast bright="-50000"/>
+                    </a14:imgEffect>
+                  </a14:imgLayer>
+                </a14:imgProps>
+              </a:ext>
+            </a:extLst>
           </a:blip>
           <a:srcRect/>
           <a:stretch>
@@ -11157,7 +11653,7 @@
           <a:p>
             <a:r>
               <a:rPr lang="en-US" dirty="0"/>
-              <a:t>LICENSE</a:t>
+              <a:t>Tuning</a:t>
             </a:r>
           </a:p>
         </p:txBody>
@@ -11174,45 +11670,393 @@
         </p:nvSpPr>
         <p:spPr/>
         <p:txBody>
-          <a:bodyPr>
-            <a:normAutofit fontScale="62500" lnSpcReduction="20000"/>
-          </a:bodyPr>
-          <a:lstStyle/>
-          <a:p>
-            <a:r>
-              <a:rPr lang="en-US" dirty="0"/>
-              <a:t>Copyright 2021 Douglas Bowman</a:t>
-            </a:r>
-          </a:p>
-          <a:p>
-            <a:r>
-              <a:rPr lang="en-US" dirty="0"/>
-              <a:t>Permission is hereby granted, free of charge, to any person obtaining a copy of this software and associated documentation files (the "Software"), to deal in the Software without restriction, including without limitation the rights to use, copy, modify, merge, publish, distribute, sublicense, and/or sell copies of the Software, and to permit persons to whom the Software is furnished to do so, subject to the following conditions:</a:t>
-            </a:r>
-          </a:p>
-          <a:p>
-            <a:r>
-              <a:rPr lang="en-US" dirty="0"/>
-              <a:t>The above copyright notice and this permission notice shall be included in all copies or substantial portions of the Software.</a:t>
-            </a:r>
-          </a:p>
-          <a:p>
-            <a:r>
-              <a:rPr lang="en-US" dirty="0"/>
-              <a:t>THE SOFTWARE IS PROVIDED "AS IS", WITHOUT WARRANTY OF ANY KIND, EXPRESS OR IMPLIED, INCLUDING BUT NOT LIMITED TO THE WARRANTIES OF MERCHANTABILITY, FITNESS FOR A PARTICULAR PURPOSE AND NONINFRINGEMENT. IN NO EVENT SHALL THE AUTHORS OR COPYRIGHT HOLDERS BE LIABLE FOR ANY CLAIM, DAMAGES OR OTHER LIABILITY, WHETHER IN AN ACTION OF CONTRACT, TORT OR OTHERWISE, ARISING FROM, OUT OF OR IN CONNECTION WITH THE SOFTWARE OR THE USE OR OTHER DEALINGS IN THE SOFTWARE.</a:t>
-            </a:r>
+          <a:bodyPr/>
+          <a:lstStyle/>
+          <a:p>
+            <a:r>
+              <a:rPr lang="en-US" dirty="0"/>
+              <a:t>Determining what features matter</a:t>
+            </a:r>
+          </a:p>
+          <a:p>
+            <a:r>
+              <a:rPr lang="en-US" dirty="0"/>
+              <a:t>If both prediction test scores and training scores are low, then the model is suffering from underfitting.</a:t>
+            </a:r>
+          </a:p>
+          <a:p>
+            <a:r>
+              <a:rPr lang="en-US" dirty="0"/>
+              <a:t>If the model has extremely high training scores, but not nearly as high prediction test scores, the model is suffering from overfitting.</a:t>
+            </a:r>
+          </a:p>
+          <a:p>
+            <a:pPr lvl="2"/>
+            <a:endParaRPr lang="en-US" dirty="0"/>
+          </a:p>
+          <a:p>
+            <a:endParaRPr lang="en-US" dirty="0"/>
           </a:p>
         </p:txBody>
       </p:sp>
     </p:spTree>
     <p:extLst>
       <p:ext uri="{BB962C8B-B14F-4D97-AF65-F5344CB8AC3E}">
-        <p14:creationId xmlns:p14="http://schemas.microsoft.com/office/powerpoint/2010/main" val="3405347719"/>
+        <p14:creationId xmlns:p14="http://schemas.microsoft.com/office/powerpoint/2010/main" val="3393037686"/>
       </p:ext>
     </p:extLst>
   </p:cSld>
   <p:clrMapOvr>
-    <a:masterClrMapping/>
+    <a:overrideClrMapping bg1="lt1" tx1="dk1" bg2="lt2" tx2="dk2" accent1="accent1" accent2="accent2" accent3="accent3" accent4="accent4" accent5="accent5" accent6="accent6" hlink="hlink" folHlink="folHlink"/>
+  </p:clrMapOvr>
+</p:sld>
+</file>
+
+<file path=ppt/slides/slide117.xml><?xml version="1.0" encoding="utf-8"?>
+<p:sld xmlns:a="http://schemas.openxmlformats.org/drawingml/2006/main" xmlns:r="http://schemas.openxmlformats.org/officeDocument/2006/relationships" xmlns:p="http://schemas.openxmlformats.org/presentationml/2006/main">
+  <p:cSld>
+    <p:bg>
+      <p:bgPr>
+        <a:blipFill dpi="0" rotWithShape="1">
+          <a:blip r:embed="rId3">
+            <a:extLst>
+              <a:ext uri="{BEBA8EAE-BF5A-486C-A8C5-ECC9F3942E4B}">
+                <a14:imgProps xmlns:a14="http://schemas.microsoft.com/office/drawing/2010/main">
+                  <a14:imgLayer r:embed="rId4">
+                    <a14:imgEffect>
+                      <a14:brightnessContrast bright="-50000"/>
+                    </a14:imgEffect>
+                  </a14:imgLayer>
+                </a14:imgProps>
+              </a:ext>
+            </a:extLst>
+          </a:blip>
+          <a:srcRect/>
+          <a:stretch>
+            <a:fillRect l="-10000" r="-10000"/>
+          </a:stretch>
+        </a:blipFill>
+        <a:effectLst/>
+      </p:bgPr>
+    </p:bg>
+    <p:spTree>
+      <p:nvGrpSpPr>
+        <p:cNvPr id="1" name=""/>
+        <p:cNvGrpSpPr/>
+        <p:nvPr/>
+      </p:nvGrpSpPr>
+      <p:grpSpPr>
+        <a:xfrm>
+          <a:off x="0" y="0"/>
+          <a:ext cx="0" cy="0"/>
+          <a:chOff x="0" y="0"/>
+          <a:chExt cx="0" cy="0"/>
+        </a:xfrm>
+      </p:grpSpPr>
+      <p:sp>
+        <p:nvSpPr>
+          <p:cNvPr id="2" name="Title 1"/>
+          <p:cNvSpPr>
+            <a:spLocks noGrp="1"/>
+          </p:cNvSpPr>
+          <p:nvPr>
+            <p:ph type="title"/>
+          </p:nvPr>
+        </p:nvSpPr>
+        <p:spPr/>
+        <p:txBody>
+          <a:bodyPr/>
+          <a:lstStyle/>
+          <a:p>
+            <a:r>
+              <a:rPr lang="en-US" dirty="0"/>
+              <a:t>Tuning</a:t>
+            </a:r>
+          </a:p>
+        </p:txBody>
+      </p:sp>
+      <p:sp>
+        <p:nvSpPr>
+          <p:cNvPr id="3" name="Content Placeholder 2"/>
+          <p:cNvSpPr>
+            <a:spLocks noGrp="1"/>
+          </p:cNvSpPr>
+          <p:nvPr>
+            <p:ph idx="1"/>
+          </p:nvPr>
+        </p:nvSpPr>
+        <p:spPr/>
+        <p:txBody>
+          <a:bodyPr/>
+          <a:lstStyle/>
+          <a:p>
+            <a:r>
+              <a:rPr lang="en-US" dirty="0"/>
+              <a:t>Grid Search</a:t>
+            </a:r>
+          </a:p>
+          <a:p>
+            <a:pPr lvl="2"/>
+            <a:endParaRPr lang="en-US" dirty="0"/>
+          </a:p>
+          <a:p>
+            <a:endParaRPr lang="en-US" dirty="0"/>
+          </a:p>
+        </p:txBody>
+      </p:sp>
+    </p:spTree>
+    <p:extLst>
+      <p:ext uri="{BB962C8B-B14F-4D97-AF65-F5344CB8AC3E}">
+        <p14:creationId xmlns:p14="http://schemas.microsoft.com/office/powerpoint/2010/main" val="2622179278"/>
+      </p:ext>
+    </p:extLst>
+  </p:cSld>
+  <p:clrMapOvr>
+    <a:overrideClrMapping bg1="lt1" tx1="dk1" bg2="lt2" tx2="dk2" accent1="accent1" accent2="accent2" accent3="accent3" accent4="accent4" accent5="accent5" accent6="accent6" hlink="hlink" folHlink="folHlink"/>
+  </p:clrMapOvr>
+</p:sld>
+</file>
+
+<file path=ppt/slides/slide118.xml><?xml version="1.0" encoding="utf-8"?>
+<p:sld xmlns:a="http://schemas.openxmlformats.org/drawingml/2006/main" xmlns:r="http://schemas.openxmlformats.org/officeDocument/2006/relationships" xmlns:p="http://schemas.openxmlformats.org/presentationml/2006/main">
+  <p:cSld>
+    <p:bg>
+      <p:bgPr>
+        <a:blipFill dpi="0" rotWithShape="1">
+          <a:blip r:embed="rId3">
+            <a:extLst>
+              <a:ext uri="{BEBA8EAE-BF5A-486C-A8C5-ECC9F3942E4B}">
+                <a14:imgProps xmlns:a14="http://schemas.microsoft.com/office/drawing/2010/main">
+                  <a14:imgLayer r:embed="rId4">
+                    <a14:imgEffect>
+                      <a14:brightnessContrast bright="-50000"/>
+                    </a14:imgEffect>
+                  </a14:imgLayer>
+                </a14:imgProps>
+              </a:ext>
+            </a:extLst>
+          </a:blip>
+          <a:srcRect/>
+          <a:stretch>
+            <a:fillRect l="-10000" r="-10000"/>
+          </a:stretch>
+        </a:blipFill>
+        <a:effectLst/>
+      </p:bgPr>
+    </p:bg>
+    <p:spTree>
+      <p:nvGrpSpPr>
+        <p:cNvPr id="1" name=""/>
+        <p:cNvGrpSpPr/>
+        <p:nvPr/>
+      </p:nvGrpSpPr>
+      <p:grpSpPr>
+        <a:xfrm>
+          <a:off x="0" y="0"/>
+          <a:ext cx="0" cy="0"/>
+          <a:chOff x="0" y="0"/>
+          <a:chExt cx="0" cy="0"/>
+        </a:xfrm>
+      </p:grpSpPr>
+      <p:sp>
+        <p:nvSpPr>
+          <p:cNvPr id="2" name="Title 1"/>
+          <p:cNvSpPr>
+            <a:spLocks noGrp="1"/>
+          </p:cNvSpPr>
+          <p:nvPr>
+            <p:ph type="title"/>
+          </p:nvPr>
+        </p:nvSpPr>
+        <p:spPr/>
+        <p:txBody>
+          <a:bodyPr/>
+          <a:lstStyle/>
+          <a:p>
+            <a:r>
+              <a:rPr lang="en-US" dirty="0"/>
+              <a:t>Tuning</a:t>
+            </a:r>
+          </a:p>
+        </p:txBody>
+      </p:sp>
+      <p:sp>
+        <p:nvSpPr>
+          <p:cNvPr id="3" name="Content Placeholder 2"/>
+          <p:cNvSpPr>
+            <a:spLocks noGrp="1"/>
+          </p:cNvSpPr>
+          <p:nvPr>
+            <p:ph idx="1"/>
+          </p:nvPr>
+        </p:nvSpPr>
+        <p:spPr/>
+        <p:txBody>
+          <a:bodyPr/>
+          <a:lstStyle/>
+          <a:p>
+            <a:r>
+              <a:rPr lang="en-US" dirty="0"/>
+              <a:t>Random Forests</a:t>
+            </a:r>
+          </a:p>
+          <a:p>
+            <a:pPr lvl="1"/>
+            <a:r>
+              <a:rPr lang="en-US" dirty="0"/>
+              <a:t>Average multiple models together.</a:t>
+            </a:r>
+          </a:p>
+          <a:p>
+            <a:pPr lvl="2"/>
+            <a:r>
+              <a:rPr lang="en-US" dirty="0"/>
+              <a:t>Each model should overfit the data in a different part of the data.</a:t>
+            </a:r>
+          </a:p>
+          <a:p>
+            <a:pPr lvl="2"/>
+            <a:endParaRPr lang="en-US" dirty="0"/>
+          </a:p>
+        </p:txBody>
+      </p:sp>
+    </p:spTree>
+    <p:extLst>
+      <p:ext uri="{BB962C8B-B14F-4D97-AF65-F5344CB8AC3E}">
+        <p14:creationId xmlns:p14="http://schemas.microsoft.com/office/powerpoint/2010/main" val="463666407"/>
+      </p:ext>
+    </p:extLst>
+  </p:cSld>
+  <p:clrMapOvr>
+    <a:overrideClrMapping bg1="lt1" tx1="dk1" bg2="lt2" tx2="dk2" accent1="accent1" accent2="accent2" accent3="accent3" accent4="accent4" accent5="accent5" accent6="accent6" hlink="hlink" folHlink="folHlink"/>
+  </p:clrMapOvr>
+</p:sld>
+</file>
+
+<file path=ppt/slides/slide119.xml><?xml version="1.0" encoding="utf-8"?>
+<p:sld xmlns:a="http://schemas.openxmlformats.org/drawingml/2006/main" xmlns:r="http://schemas.openxmlformats.org/officeDocument/2006/relationships" xmlns:p="http://schemas.openxmlformats.org/presentationml/2006/main">
+  <p:cSld>
+    <p:bg>
+      <p:bgPr>
+        <a:blipFill dpi="0" rotWithShape="1">
+          <a:blip r:embed="rId3">
+            <a:extLst>
+              <a:ext uri="{BEBA8EAE-BF5A-486C-A8C5-ECC9F3942E4B}">
+                <a14:imgProps xmlns:a14="http://schemas.microsoft.com/office/drawing/2010/main">
+                  <a14:imgLayer r:embed="rId4">
+                    <a14:imgEffect>
+                      <a14:brightnessContrast bright="-50000"/>
+                    </a14:imgEffect>
+                  </a14:imgLayer>
+                </a14:imgProps>
+              </a:ext>
+            </a:extLst>
+          </a:blip>
+          <a:srcRect/>
+          <a:stretch>
+            <a:fillRect l="-10000" r="-10000"/>
+          </a:stretch>
+        </a:blipFill>
+        <a:effectLst/>
+      </p:bgPr>
+    </p:bg>
+    <p:spTree>
+      <p:nvGrpSpPr>
+        <p:cNvPr id="1" name=""/>
+        <p:cNvGrpSpPr/>
+        <p:nvPr/>
+      </p:nvGrpSpPr>
+      <p:grpSpPr>
+        <a:xfrm>
+          <a:off x="0" y="0"/>
+          <a:ext cx="0" cy="0"/>
+          <a:chOff x="0" y="0"/>
+          <a:chExt cx="0" cy="0"/>
+        </a:xfrm>
+      </p:grpSpPr>
+      <p:sp>
+        <p:nvSpPr>
+          <p:cNvPr id="2" name="Title 1"/>
+          <p:cNvSpPr>
+            <a:spLocks noGrp="1"/>
+          </p:cNvSpPr>
+          <p:nvPr>
+            <p:ph type="title"/>
+          </p:nvPr>
+        </p:nvSpPr>
+        <p:spPr/>
+        <p:txBody>
+          <a:bodyPr/>
+          <a:lstStyle/>
+          <a:p>
+            <a:r>
+              <a:rPr lang="en-US" dirty="0"/>
+              <a:t>Tuning</a:t>
+            </a:r>
+          </a:p>
+        </p:txBody>
+      </p:sp>
+      <p:sp>
+        <p:nvSpPr>
+          <p:cNvPr id="3" name="Content Placeholder 2"/>
+          <p:cNvSpPr>
+            <a:spLocks noGrp="1"/>
+          </p:cNvSpPr>
+          <p:nvPr>
+            <p:ph idx="1"/>
+          </p:nvPr>
+        </p:nvSpPr>
+        <p:spPr/>
+        <p:txBody>
+          <a:bodyPr>
+            <a:normAutofit/>
+          </a:bodyPr>
+          <a:lstStyle/>
+          <a:p>
+            <a:r>
+              <a:rPr lang="en-US" dirty="0"/>
+              <a:t>Parameters to Play with</a:t>
+            </a:r>
+          </a:p>
+          <a:p>
+            <a:pPr lvl="1"/>
+            <a:r>
+              <a:rPr lang="en-US" dirty="0"/>
+              <a:t>K-Nearest Neighbors</a:t>
+            </a:r>
+          </a:p>
+          <a:p>
+            <a:pPr lvl="2"/>
+            <a:r>
+              <a:rPr lang="en-US" dirty="0"/>
+              <a:t>Number of neighbors to test point</a:t>
+            </a:r>
+          </a:p>
+          <a:p>
+            <a:pPr lvl="2"/>
+            <a:r>
+              <a:rPr lang="en-US" dirty="0"/>
+              <a:t>Algorithm to evaluate distance test point is from data points</a:t>
+            </a:r>
+          </a:p>
+          <a:p>
+            <a:pPr lvl="2"/>
+            <a:endParaRPr lang="en-US" dirty="0"/>
+          </a:p>
+          <a:p>
+            <a:endParaRPr lang="en-US" dirty="0"/>
+          </a:p>
+        </p:txBody>
+      </p:sp>
+    </p:spTree>
+    <p:extLst>
+      <p:ext uri="{BB962C8B-B14F-4D97-AF65-F5344CB8AC3E}">
+        <p14:creationId xmlns:p14="http://schemas.microsoft.com/office/powerpoint/2010/main" val="274238177"/>
+      </p:ext>
+    </p:extLst>
+  </p:cSld>
+  <p:clrMapOvr>
+    <a:overrideClrMapping bg1="lt1" tx1="dk1" bg2="lt2" tx2="dk2" accent1="accent1" accent2="accent2" accent3="accent3" accent4="accent4" accent5="accent5" accent6="accent6" hlink="hlink" folHlink="folHlink"/>
   </p:clrMapOvr>
 </p:sld>
 </file>
@@ -11367,6 +12211,771 @@
   </p:cSld>
   <p:clrMapOvr>
     <a:overrideClrMapping bg1="lt1" tx1="dk1" bg2="lt2" tx2="dk2" accent1="accent1" accent2="accent2" accent3="accent3" accent4="accent4" accent5="accent5" accent6="accent6" hlink="hlink" folHlink="folHlink"/>
+  </p:clrMapOvr>
+</p:sld>
+</file>
+
+<file path=ppt/slides/slide120.xml><?xml version="1.0" encoding="utf-8"?>
+<p:sld xmlns:a="http://schemas.openxmlformats.org/drawingml/2006/main" xmlns:r="http://schemas.openxmlformats.org/officeDocument/2006/relationships" xmlns:p="http://schemas.openxmlformats.org/presentationml/2006/main">
+  <p:cSld>
+    <p:bg>
+      <p:bgPr>
+        <a:blipFill dpi="0" rotWithShape="1">
+          <a:blip r:embed="rId3">
+            <a:extLst>
+              <a:ext uri="{BEBA8EAE-BF5A-486C-A8C5-ECC9F3942E4B}">
+                <a14:imgProps xmlns:a14="http://schemas.microsoft.com/office/drawing/2010/main">
+                  <a14:imgLayer r:embed="rId4">
+                    <a14:imgEffect>
+                      <a14:brightnessContrast bright="-50000"/>
+                    </a14:imgEffect>
+                  </a14:imgLayer>
+                </a14:imgProps>
+              </a:ext>
+            </a:extLst>
+          </a:blip>
+          <a:srcRect/>
+          <a:stretch>
+            <a:fillRect l="-10000" r="-10000"/>
+          </a:stretch>
+        </a:blipFill>
+        <a:effectLst/>
+      </p:bgPr>
+    </p:bg>
+    <p:spTree>
+      <p:nvGrpSpPr>
+        <p:cNvPr id="1" name=""/>
+        <p:cNvGrpSpPr/>
+        <p:nvPr/>
+      </p:nvGrpSpPr>
+      <p:grpSpPr>
+        <a:xfrm>
+          <a:off x="0" y="0"/>
+          <a:ext cx="0" cy="0"/>
+          <a:chOff x="0" y="0"/>
+          <a:chExt cx="0" cy="0"/>
+        </a:xfrm>
+      </p:grpSpPr>
+      <p:sp>
+        <p:nvSpPr>
+          <p:cNvPr id="2" name="Title 1"/>
+          <p:cNvSpPr>
+            <a:spLocks noGrp="1"/>
+          </p:cNvSpPr>
+          <p:nvPr>
+            <p:ph type="title"/>
+          </p:nvPr>
+        </p:nvSpPr>
+        <p:spPr/>
+        <p:txBody>
+          <a:bodyPr/>
+          <a:lstStyle/>
+          <a:p>
+            <a:r>
+              <a:rPr lang="en-US" dirty="0"/>
+              <a:t>Tuning</a:t>
+            </a:r>
+          </a:p>
+        </p:txBody>
+      </p:sp>
+      <p:sp>
+        <p:nvSpPr>
+          <p:cNvPr id="3" name="Content Placeholder 2"/>
+          <p:cNvSpPr>
+            <a:spLocks noGrp="1"/>
+          </p:cNvSpPr>
+          <p:nvPr>
+            <p:ph idx="1"/>
+          </p:nvPr>
+        </p:nvSpPr>
+        <p:spPr/>
+        <p:txBody>
+          <a:bodyPr>
+            <a:normAutofit/>
+          </a:bodyPr>
+          <a:lstStyle/>
+          <a:p>
+            <a:r>
+              <a:rPr lang="en-US" dirty="0"/>
+              <a:t>Parameters to Play with</a:t>
+            </a:r>
+          </a:p>
+          <a:p>
+            <a:pPr lvl="1"/>
+            <a:r>
+              <a:rPr lang="en-US" dirty="0"/>
+              <a:t>Decision Trees</a:t>
+            </a:r>
+          </a:p>
+          <a:p>
+            <a:pPr lvl="2"/>
+            <a:r>
+              <a:rPr lang="en-US" dirty="0" err="1"/>
+              <a:t>max_depth</a:t>
+            </a:r>
+            <a:endParaRPr lang="en-US" dirty="0"/>
+          </a:p>
+          <a:p>
+            <a:pPr lvl="2"/>
+            <a:r>
+              <a:rPr lang="en-US" dirty="0" err="1"/>
+              <a:t>max_leaf_nodes</a:t>
+            </a:r>
+            <a:endParaRPr lang="en-US" dirty="0"/>
+          </a:p>
+          <a:p>
+            <a:pPr lvl="2"/>
+            <a:r>
+              <a:rPr lang="en-US" dirty="0" err="1"/>
+              <a:t>max_features</a:t>
+            </a:r>
+            <a:endParaRPr lang="en-US" dirty="0"/>
+          </a:p>
+          <a:p>
+            <a:pPr lvl="2"/>
+            <a:r>
+              <a:rPr lang="en-US" dirty="0" err="1"/>
+              <a:t>min_samples_split</a:t>
+            </a:r>
+            <a:endParaRPr lang="en-US" dirty="0"/>
+          </a:p>
+          <a:p>
+            <a:pPr lvl="2"/>
+            <a:r>
+              <a:rPr lang="en-US" dirty="0" err="1"/>
+              <a:t>min_samples_leaf</a:t>
+            </a:r>
+            <a:endParaRPr lang="en-US" dirty="0"/>
+          </a:p>
+          <a:p>
+            <a:pPr lvl="2"/>
+            <a:r>
+              <a:rPr lang="en-US" dirty="0" err="1"/>
+              <a:t>min_weight_fraction_leaf</a:t>
+            </a:r>
+            <a:endParaRPr lang="en-US" dirty="0"/>
+          </a:p>
+          <a:p>
+            <a:endParaRPr lang="en-US" dirty="0"/>
+          </a:p>
+        </p:txBody>
+      </p:sp>
+    </p:spTree>
+    <p:extLst>
+      <p:ext uri="{BB962C8B-B14F-4D97-AF65-F5344CB8AC3E}">
+        <p14:creationId xmlns:p14="http://schemas.microsoft.com/office/powerpoint/2010/main" val="434302692"/>
+      </p:ext>
+    </p:extLst>
+  </p:cSld>
+  <p:clrMapOvr>
+    <a:overrideClrMapping bg1="lt1" tx1="dk1" bg2="lt2" tx2="dk2" accent1="accent1" accent2="accent2" accent3="accent3" accent4="accent4" accent5="accent5" accent6="accent6" hlink="hlink" folHlink="folHlink"/>
+  </p:clrMapOvr>
+</p:sld>
+</file>
+
+<file path=ppt/slides/slide121.xml><?xml version="1.0" encoding="utf-8"?>
+<p:sld xmlns:a="http://schemas.openxmlformats.org/drawingml/2006/main" xmlns:r="http://schemas.openxmlformats.org/officeDocument/2006/relationships" xmlns:p="http://schemas.openxmlformats.org/presentationml/2006/main">
+  <p:cSld>
+    <p:bg>
+      <p:bgPr>
+        <a:blipFill dpi="0" rotWithShape="1">
+          <a:blip r:embed="rId3">
+            <a:extLst>
+              <a:ext uri="{BEBA8EAE-BF5A-486C-A8C5-ECC9F3942E4B}">
+                <a14:imgProps xmlns:a14="http://schemas.microsoft.com/office/drawing/2010/main">
+                  <a14:imgLayer r:embed="rId4">
+                    <a14:imgEffect>
+                      <a14:brightnessContrast bright="-50000"/>
+                    </a14:imgEffect>
+                  </a14:imgLayer>
+                </a14:imgProps>
+              </a:ext>
+            </a:extLst>
+          </a:blip>
+          <a:srcRect/>
+          <a:stretch>
+            <a:fillRect l="-10000" r="-10000"/>
+          </a:stretch>
+        </a:blipFill>
+        <a:effectLst/>
+      </p:bgPr>
+    </p:bg>
+    <p:spTree>
+      <p:nvGrpSpPr>
+        <p:cNvPr id="1" name=""/>
+        <p:cNvGrpSpPr/>
+        <p:nvPr/>
+      </p:nvGrpSpPr>
+      <p:grpSpPr>
+        <a:xfrm>
+          <a:off x="0" y="0"/>
+          <a:ext cx="0" cy="0"/>
+          <a:chOff x="0" y="0"/>
+          <a:chExt cx="0" cy="0"/>
+        </a:xfrm>
+      </p:grpSpPr>
+      <p:sp>
+        <p:nvSpPr>
+          <p:cNvPr id="2" name="Title 1"/>
+          <p:cNvSpPr>
+            <a:spLocks noGrp="1"/>
+          </p:cNvSpPr>
+          <p:nvPr>
+            <p:ph type="title"/>
+          </p:nvPr>
+        </p:nvSpPr>
+        <p:spPr/>
+        <p:txBody>
+          <a:bodyPr/>
+          <a:lstStyle/>
+          <a:p>
+            <a:r>
+              <a:rPr lang="en-US" dirty="0"/>
+              <a:t>Tuning</a:t>
+            </a:r>
+          </a:p>
+        </p:txBody>
+      </p:sp>
+      <p:sp>
+        <p:nvSpPr>
+          <p:cNvPr id="3" name="Content Placeholder 2"/>
+          <p:cNvSpPr>
+            <a:spLocks noGrp="1"/>
+          </p:cNvSpPr>
+          <p:nvPr>
+            <p:ph idx="1"/>
+          </p:nvPr>
+        </p:nvSpPr>
+        <p:spPr/>
+        <p:txBody>
+          <a:bodyPr/>
+          <a:lstStyle/>
+          <a:p>
+            <a:r>
+              <a:rPr lang="en-US" dirty="0"/>
+              <a:t>Parameters to Play with</a:t>
+            </a:r>
+          </a:p>
+          <a:p>
+            <a:pPr lvl="1"/>
+            <a:r>
+              <a:rPr lang="en-US" dirty="0"/>
+              <a:t>alpha</a:t>
+            </a:r>
+          </a:p>
+          <a:p>
+            <a:pPr lvl="2"/>
+            <a:r>
+              <a:rPr lang="en-US" dirty="0"/>
+              <a:t>Higher values increase regularization/generalization</a:t>
+            </a:r>
+          </a:p>
+          <a:p>
+            <a:pPr lvl="2"/>
+            <a:r>
+              <a:rPr lang="en-US" dirty="0"/>
+              <a:t>Higher value pushes feature weights closer to zero</a:t>
+            </a:r>
+          </a:p>
+          <a:p>
+            <a:pPr lvl="2"/>
+            <a:r>
+              <a:rPr lang="en-US" dirty="0"/>
+              <a:t>Lasso Regression</a:t>
+            </a:r>
+          </a:p>
+          <a:p>
+            <a:pPr lvl="2"/>
+            <a:r>
+              <a:rPr lang="en-US" dirty="0"/>
+              <a:t>Ridge Regression</a:t>
+            </a:r>
+          </a:p>
+          <a:p>
+            <a:pPr lvl="2"/>
+            <a:endParaRPr lang="en-US" dirty="0"/>
+          </a:p>
+          <a:p>
+            <a:endParaRPr lang="en-US" dirty="0"/>
+          </a:p>
+        </p:txBody>
+      </p:sp>
+    </p:spTree>
+    <p:extLst>
+      <p:ext uri="{BB962C8B-B14F-4D97-AF65-F5344CB8AC3E}">
+        <p14:creationId xmlns:p14="http://schemas.microsoft.com/office/powerpoint/2010/main" val="4153822099"/>
+      </p:ext>
+    </p:extLst>
+  </p:cSld>
+  <p:clrMapOvr>
+    <a:overrideClrMapping bg1="lt1" tx1="dk1" bg2="lt2" tx2="dk2" accent1="accent1" accent2="accent2" accent3="accent3" accent4="accent4" accent5="accent5" accent6="accent6" hlink="hlink" folHlink="folHlink"/>
+  </p:clrMapOvr>
+</p:sld>
+</file>
+
+<file path=ppt/slides/slide122.xml><?xml version="1.0" encoding="utf-8"?>
+<p:sld xmlns:a="http://schemas.openxmlformats.org/drawingml/2006/main" xmlns:r="http://schemas.openxmlformats.org/officeDocument/2006/relationships" xmlns:p="http://schemas.openxmlformats.org/presentationml/2006/main">
+  <p:cSld>
+    <p:bg>
+      <p:bgPr>
+        <a:blipFill dpi="0" rotWithShape="1">
+          <a:blip r:embed="rId3">
+            <a:extLst>
+              <a:ext uri="{BEBA8EAE-BF5A-486C-A8C5-ECC9F3942E4B}">
+                <a14:imgProps xmlns:a14="http://schemas.microsoft.com/office/drawing/2010/main">
+                  <a14:imgLayer r:embed="rId4">
+                    <a14:imgEffect>
+                      <a14:brightnessContrast bright="-50000"/>
+                    </a14:imgEffect>
+                  </a14:imgLayer>
+                </a14:imgProps>
+              </a:ext>
+            </a:extLst>
+          </a:blip>
+          <a:srcRect/>
+          <a:stretch>
+            <a:fillRect l="-10000" r="-10000"/>
+          </a:stretch>
+        </a:blipFill>
+        <a:effectLst/>
+      </p:bgPr>
+    </p:bg>
+    <p:spTree>
+      <p:nvGrpSpPr>
+        <p:cNvPr id="1" name=""/>
+        <p:cNvGrpSpPr/>
+        <p:nvPr/>
+      </p:nvGrpSpPr>
+      <p:grpSpPr>
+        <a:xfrm>
+          <a:off x="0" y="0"/>
+          <a:ext cx="0" cy="0"/>
+          <a:chOff x="0" y="0"/>
+          <a:chExt cx="0" cy="0"/>
+        </a:xfrm>
+      </p:grpSpPr>
+      <p:sp>
+        <p:nvSpPr>
+          <p:cNvPr id="2" name="Title 1"/>
+          <p:cNvSpPr>
+            <a:spLocks noGrp="1"/>
+          </p:cNvSpPr>
+          <p:nvPr>
+            <p:ph type="title"/>
+          </p:nvPr>
+        </p:nvSpPr>
+        <p:spPr/>
+        <p:txBody>
+          <a:bodyPr/>
+          <a:lstStyle/>
+          <a:p>
+            <a:r>
+              <a:rPr lang="en-US" dirty="0"/>
+              <a:t>Tuning</a:t>
+            </a:r>
+          </a:p>
+        </p:txBody>
+      </p:sp>
+      <p:sp>
+        <p:nvSpPr>
+          <p:cNvPr id="3" name="Content Placeholder 2"/>
+          <p:cNvSpPr>
+            <a:spLocks noGrp="1"/>
+          </p:cNvSpPr>
+          <p:nvPr>
+            <p:ph idx="1"/>
+          </p:nvPr>
+        </p:nvSpPr>
+        <p:spPr/>
+        <p:txBody>
+          <a:bodyPr/>
+          <a:lstStyle/>
+          <a:p>
+            <a:r>
+              <a:rPr lang="en-US" dirty="0"/>
+              <a:t>Parameters to Play with</a:t>
+            </a:r>
+          </a:p>
+          <a:p>
+            <a:pPr lvl="1"/>
+            <a:r>
+              <a:rPr lang="en-US" dirty="0"/>
+              <a:t>c</a:t>
+            </a:r>
+          </a:p>
+          <a:p>
+            <a:pPr lvl="2"/>
+            <a:r>
+              <a:rPr lang="en-US" dirty="0"/>
+              <a:t>Lower values increase generalization</a:t>
+            </a:r>
+          </a:p>
+          <a:p>
+            <a:pPr lvl="2"/>
+            <a:r>
+              <a:rPr lang="en-US" dirty="0"/>
+              <a:t>Higher value causes algorithm to attempt to fit each training data point as best as possible</a:t>
+            </a:r>
+          </a:p>
+          <a:p>
+            <a:pPr lvl="2"/>
+            <a:r>
+              <a:rPr lang="en-US" dirty="0"/>
+              <a:t>Logistic regression</a:t>
+            </a:r>
+          </a:p>
+          <a:p>
+            <a:pPr lvl="2"/>
+            <a:r>
+              <a:rPr lang="en-US" dirty="0"/>
+              <a:t>Linear support vector machine</a:t>
+            </a:r>
+          </a:p>
+          <a:p>
+            <a:pPr lvl="2"/>
+            <a:endParaRPr lang="en-US" dirty="0"/>
+          </a:p>
+          <a:p>
+            <a:endParaRPr lang="en-US" dirty="0"/>
+          </a:p>
+        </p:txBody>
+      </p:sp>
+    </p:spTree>
+    <p:extLst>
+      <p:ext uri="{BB962C8B-B14F-4D97-AF65-F5344CB8AC3E}">
+        <p14:creationId xmlns:p14="http://schemas.microsoft.com/office/powerpoint/2010/main" val="2098658121"/>
+      </p:ext>
+    </p:extLst>
+  </p:cSld>
+  <p:clrMapOvr>
+    <a:overrideClrMapping bg1="lt1" tx1="dk1" bg2="lt2" tx2="dk2" accent1="accent1" accent2="accent2" accent3="accent3" accent4="accent4" accent5="accent5" accent6="accent6" hlink="hlink" folHlink="folHlink"/>
+  </p:clrMapOvr>
+</p:sld>
+</file>
+
+<file path=ppt/slides/slide123.xml><?xml version="1.0" encoding="utf-8"?>
+<p:sld xmlns:a="http://schemas.openxmlformats.org/drawingml/2006/main" xmlns:r="http://schemas.openxmlformats.org/officeDocument/2006/relationships" xmlns:p="http://schemas.openxmlformats.org/presentationml/2006/main">
+  <p:cSld>
+    <p:bg>
+      <p:bgPr>
+        <a:blipFill dpi="0" rotWithShape="1">
+          <a:blip r:embed="rId2">
+            <a:lum/>
+          </a:blip>
+          <a:srcRect/>
+          <a:stretch>
+            <a:fillRect l="-10000" r="-10000"/>
+          </a:stretch>
+        </a:blipFill>
+        <a:effectLst/>
+      </p:bgPr>
+    </p:bg>
+    <p:spTree>
+      <p:nvGrpSpPr>
+        <p:cNvPr id="1" name=""/>
+        <p:cNvGrpSpPr/>
+        <p:nvPr/>
+      </p:nvGrpSpPr>
+      <p:grpSpPr>
+        <a:xfrm>
+          <a:off x="0" y="0"/>
+          <a:ext cx="0" cy="0"/>
+          <a:chOff x="0" y="0"/>
+          <a:chExt cx="0" cy="0"/>
+        </a:xfrm>
+      </p:grpSpPr>
+      <p:sp>
+        <p:nvSpPr>
+          <p:cNvPr id="2" name="Title 1"/>
+          <p:cNvSpPr>
+            <a:spLocks noGrp="1"/>
+          </p:cNvSpPr>
+          <p:nvPr>
+            <p:ph type="title"/>
+          </p:nvPr>
+        </p:nvSpPr>
+        <p:spPr/>
+        <p:txBody>
+          <a:bodyPr/>
+          <a:lstStyle/>
+          <a:p>
+            <a:r>
+              <a:rPr lang="en-US" dirty="0"/>
+              <a:t>Bibliography</a:t>
+            </a:r>
+          </a:p>
+        </p:txBody>
+      </p:sp>
+      <p:sp>
+        <p:nvSpPr>
+          <p:cNvPr id="3" name="Content Placeholder 2"/>
+          <p:cNvSpPr>
+            <a:spLocks noGrp="1"/>
+          </p:cNvSpPr>
+          <p:nvPr>
+            <p:ph idx="1"/>
+          </p:nvPr>
+        </p:nvSpPr>
+        <p:spPr/>
+        <p:txBody>
+          <a:bodyPr>
+            <a:normAutofit/>
+          </a:bodyPr>
+          <a:lstStyle/>
+          <a:p>
+            <a:pPr marL="514350" indent="-514350">
+              <a:buFont typeface="+mj-lt"/>
+              <a:buAutoNum type="arabicParenR"/>
+            </a:pPr>
+            <a:r>
+              <a:rPr lang="en-US" dirty="0">
+                <a:hlinkClick r:id="rId3"/>
+              </a:rPr>
+              <a:t>https://github.com/amueller/introduction_to_ml_with_python/blob/master/02-supervised-learning.ipynb</a:t>
+            </a:r>
+            <a:endParaRPr lang="en-US" dirty="0"/>
+          </a:p>
+          <a:p>
+            <a:pPr marL="514350" indent="-514350">
+              <a:buFont typeface="+mj-lt"/>
+              <a:buAutoNum type="arabicParenR"/>
+            </a:pPr>
+            <a:r>
+              <a:rPr lang="en-US" dirty="0"/>
+              <a:t>Müller, A. C., &amp; Guido, S. (2016). </a:t>
+            </a:r>
+            <a:r>
+              <a:rPr lang="en-US" i="1" dirty="0"/>
+              <a:t>Introduction to Machine Learning with Python: A Guide for Data Scientists</a:t>
+            </a:r>
+            <a:r>
+              <a:rPr lang="en-US" dirty="0"/>
+              <a:t> (1st ed.). O’Reilly Media.</a:t>
+            </a:r>
+          </a:p>
+          <a:p>
+            <a:pPr marL="514350" indent="-514350">
+              <a:buFont typeface="+mj-lt"/>
+              <a:buAutoNum type="arabicParenR"/>
+            </a:pPr>
+            <a:r>
+              <a:rPr lang="en-US" dirty="0"/>
+              <a:t>http://rasbt.github.io/mlxtend/user_guide/general_concepts/gradient-optimization/</a:t>
+            </a:r>
+          </a:p>
+        </p:txBody>
+      </p:sp>
+    </p:spTree>
+    <p:extLst>
+      <p:ext uri="{BB962C8B-B14F-4D97-AF65-F5344CB8AC3E}">
+        <p14:creationId xmlns:p14="http://schemas.microsoft.com/office/powerpoint/2010/main" val="3645036191"/>
+      </p:ext>
+    </p:extLst>
+  </p:cSld>
+  <p:clrMapOvr>
+    <a:masterClrMapping/>
+  </p:clrMapOvr>
+</p:sld>
+</file>
+
+<file path=ppt/slides/slide124.xml><?xml version="1.0" encoding="utf-8"?>
+<p:sld xmlns:a="http://schemas.openxmlformats.org/drawingml/2006/main" xmlns:r="http://schemas.openxmlformats.org/officeDocument/2006/relationships" xmlns:p="http://schemas.openxmlformats.org/presentationml/2006/main">
+  <p:cSld>
+    <p:bg>
+      <p:bgPr>
+        <a:blipFill dpi="0" rotWithShape="1">
+          <a:blip r:embed="rId2">
+            <a:lum/>
+          </a:blip>
+          <a:srcRect/>
+          <a:stretch>
+            <a:fillRect l="-10000" r="-10000"/>
+          </a:stretch>
+        </a:blipFill>
+        <a:effectLst/>
+      </p:bgPr>
+    </p:bg>
+    <p:spTree>
+      <p:nvGrpSpPr>
+        <p:cNvPr id="1" name=""/>
+        <p:cNvGrpSpPr/>
+        <p:nvPr/>
+      </p:nvGrpSpPr>
+      <p:grpSpPr>
+        <a:xfrm>
+          <a:off x="0" y="0"/>
+          <a:ext cx="0" cy="0"/>
+          <a:chOff x="0" y="0"/>
+          <a:chExt cx="0" cy="0"/>
+        </a:xfrm>
+      </p:grpSpPr>
+      <p:sp>
+        <p:nvSpPr>
+          <p:cNvPr id="2" name="Title 1"/>
+          <p:cNvSpPr>
+            <a:spLocks noGrp="1"/>
+          </p:cNvSpPr>
+          <p:nvPr>
+            <p:ph type="title"/>
+          </p:nvPr>
+        </p:nvSpPr>
+        <p:spPr/>
+        <p:txBody>
+          <a:bodyPr/>
+          <a:lstStyle/>
+          <a:p>
+            <a:r>
+              <a:rPr lang="en-US" dirty="0"/>
+              <a:t>Additional Resources</a:t>
+            </a:r>
+          </a:p>
+        </p:txBody>
+      </p:sp>
+      <p:sp>
+        <p:nvSpPr>
+          <p:cNvPr id="3" name="Content Placeholder 2"/>
+          <p:cNvSpPr>
+            <a:spLocks noGrp="1"/>
+          </p:cNvSpPr>
+          <p:nvPr>
+            <p:ph idx="1"/>
+          </p:nvPr>
+        </p:nvSpPr>
+        <p:spPr/>
+        <p:txBody>
+          <a:bodyPr>
+            <a:normAutofit/>
+          </a:bodyPr>
+          <a:lstStyle/>
+          <a:p>
+            <a:pPr marL="514350" indent="-514350">
+              <a:buFont typeface="+mj-lt"/>
+              <a:buAutoNum type="arabicParenR"/>
+            </a:pPr>
+            <a:r>
+              <a:rPr lang="en-US" dirty="0"/>
+              <a:t>https://towardsdatascience.com/over-fitting-and-regularization-64d16100f45c</a:t>
+            </a:r>
+          </a:p>
+        </p:txBody>
+      </p:sp>
+    </p:spTree>
+    <p:extLst>
+      <p:ext uri="{BB962C8B-B14F-4D97-AF65-F5344CB8AC3E}">
+        <p14:creationId xmlns:p14="http://schemas.microsoft.com/office/powerpoint/2010/main" val="1722311812"/>
+      </p:ext>
+    </p:extLst>
+  </p:cSld>
+  <p:clrMapOvr>
+    <a:masterClrMapping/>
+  </p:clrMapOvr>
+</p:sld>
+</file>
+
+<file path=ppt/slides/slide125.xml><?xml version="1.0" encoding="utf-8"?>
+<p:sld xmlns:a="http://schemas.openxmlformats.org/drawingml/2006/main" xmlns:r="http://schemas.openxmlformats.org/officeDocument/2006/relationships" xmlns:p="http://schemas.openxmlformats.org/presentationml/2006/main">
+  <p:cSld>
+    <p:bg>
+      <p:bgPr>
+        <a:blipFill dpi="0" rotWithShape="1">
+          <a:blip r:embed="rId2">
+            <a:lum/>
+          </a:blip>
+          <a:srcRect/>
+          <a:stretch>
+            <a:fillRect l="-10000" r="-10000"/>
+          </a:stretch>
+        </a:blipFill>
+        <a:effectLst/>
+      </p:bgPr>
+    </p:bg>
+    <p:spTree>
+      <p:nvGrpSpPr>
+        <p:cNvPr id="1" name=""/>
+        <p:cNvGrpSpPr/>
+        <p:nvPr/>
+      </p:nvGrpSpPr>
+      <p:grpSpPr>
+        <a:xfrm>
+          <a:off x="0" y="0"/>
+          <a:ext cx="0" cy="0"/>
+          <a:chOff x="0" y="0"/>
+          <a:chExt cx="0" cy="0"/>
+        </a:xfrm>
+      </p:grpSpPr>
+      <p:sp>
+        <p:nvSpPr>
+          <p:cNvPr id="2" name="Title 1"/>
+          <p:cNvSpPr>
+            <a:spLocks noGrp="1"/>
+          </p:cNvSpPr>
+          <p:nvPr>
+            <p:ph type="title"/>
+          </p:nvPr>
+        </p:nvSpPr>
+        <p:spPr/>
+        <p:txBody>
+          <a:bodyPr/>
+          <a:lstStyle/>
+          <a:p>
+            <a:r>
+              <a:rPr lang="en-US" dirty="0"/>
+              <a:t>LICENSE</a:t>
+            </a:r>
+          </a:p>
+        </p:txBody>
+      </p:sp>
+      <p:sp>
+        <p:nvSpPr>
+          <p:cNvPr id="3" name="Content Placeholder 2"/>
+          <p:cNvSpPr>
+            <a:spLocks noGrp="1"/>
+          </p:cNvSpPr>
+          <p:nvPr>
+            <p:ph idx="1"/>
+          </p:nvPr>
+        </p:nvSpPr>
+        <p:spPr/>
+        <p:txBody>
+          <a:bodyPr>
+            <a:normAutofit fontScale="62500" lnSpcReduction="20000"/>
+          </a:bodyPr>
+          <a:lstStyle/>
+          <a:p>
+            <a:r>
+              <a:rPr lang="en-US" dirty="0"/>
+              <a:t>Copyright 2021 Douglas Bowman</a:t>
+            </a:r>
+          </a:p>
+          <a:p>
+            <a:r>
+              <a:rPr lang="en-US" dirty="0"/>
+              <a:t>Permission is hereby granted, free of charge, to any person obtaining a copy of this software and associated documentation files (the "Software"), to deal in the Software without restriction, including without limitation the rights to use, copy, modify, merge, publish, distribute, sublicense, and/or sell copies of the Software, and to permit persons to whom the Software is furnished to do so, subject to the following conditions:</a:t>
+            </a:r>
+          </a:p>
+          <a:p>
+            <a:r>
+              <a:rPr lang="en-US" dirty="0"/>
+              <a:t>The above copyright notice and this permission notice shall be included in all copies or substantial portions of the Software.</a:t>
+            </a:r>
+          </a:p>
+          <a:p>
+            <a:r>
+              <a:rPr lang="en-US" dirty="0"/>
+              <a:t>THE SOFTWARE IS PROVIDED "AS IS", WITHOUT WARRANTY OF ANY KIND, EXPRESS OR IMPLIED, INCLUDING BUT NOT LIMITED TO THE WARRANTIES OF MERCHANTABILITY, FITNESS FOR A PARTICULAR PURPOSE AND NONINFRINGEMENT. IN NO EVENT SHALL THE AUTHORS OR COPYRIGHT HOLDERS BE LIABLE FOR ANY CLAIM, DAMAGES OR OTHER LIABILITY, WHETHER IN AN ACTION OF CONTRACT, TORT OR OTHERWISE, ARISING FROM, OUT OF OR IN CONNECTION WITH THE SOFTWARE OR THE USE OR OTHER DEALINGS IN THE SOFTWARE.</a:t>
+            </a:r>
+          </a:p>
+        </p:txBody>
+      </p:sp>
+    </p:spTree>
+    <p:extLst>
+      <p:ext uri="{BB962C8B-B14F-4D97-AF65-F5344CB8AC3E}">
+        <p14:creationId xmlns:p14="http://schemas.microsoft.com/office/powerpoint/2010/main" val="3405347719"/>
+      </p:ext>
+    </p:extLst>
+  </p:cSld>
+  <p:clrMapOvr>
+    <a:masterClrMapping/>
   </p:clrMapOvr>
 </p:sld>
 </file>
@@ -12362,7 +13971,7 @@
         <p:spPr/>
         <p:txBody>
           <a:bodyPr>
-            <a:normAutofit lnSpcReduction="10000"/>
+            <a:normAutofit fontScale="92500" lnSpcReduction="10000"/>
           </a:bodyPr>
           <a:lstStyle/>
           <a:p>
@@ -12411,6 +14020,13 @@
             <a:r>
               <a:rPr lang="en-US" dirty="0"/>
               <a:t>Evaluating Accuracy</a:t>
+            </a:r>
+          </a:p>
+          <a:p>
+            <a:pPr lvl="1"/>
+            <a:r>
+              <a:rPr lang="en-US" dirty="0"/>
+              <a:t>Ensemble Methods</a:t>
             </a:r>
           </a:p>
           <a:p>
@@ -15187,7 +16803,7 @@
           <a:graphicData uri="http://schemas.openxmlformats.org/presentationml/2006/ole">
             <mc:AlternateContent xmlns:mc="http://schemas.openxmlformats.org/markup-compatibility/2006">
               <mc:Choice xmlns:v="urn:schemas-microsoft-com:vml" Requires="v">
-                <p:oleObj spid="_x0000_s2255" name="Bitmap Image" r:id="rId7" imgW="3743280" imgH="3024360" progId="Paint.Picture">
+                <p:oleObj spid="_x0000_s2278" name="Bitmap Image" r:id="rId7" imgW="3743280" imgH="3024360" progId="Paint.Picture">
                   <p:embed/>
                 </p:oleObj>
               </mc:Choice>
@@ -16238,7 +17854,7 @@
             <a:pPr lvl="2"/>
             <a:r>
               <a:rPr lang="en-US" dirty="0"/>
-              <a:t>Gini – A measure of the error in the predicted class.  0 means no error, 1 means 100% error.</a:t>
+              <a:t>Gini – A measure of the impurity of the node.  0 means all predictions are the same class, 1 means an infinite number of samples are classified in an infinite number of labels.</a:t>
             </a:r>
           </a:p>
           <a:p>
@@ -16352,63 +17968,305 @@
           </a:p>
         </p:txBody>
       </p:sp>
-      <p:sp>
-        <p:nvSpPr>
-          <p:cNvPr id="3" name="Content Placeholder 2"/>
-          <p:cNvSpPr>
-            <a:spLocks noGrp="1"/>
-          </p:cNvSpPr>
-          <p:nvPr>
-            <p:ph idx="1"/>
-          </p:nvPr>
-        </p:nvSpPr>
-        <p:spPr>
-          <a:xfrm>
-            <a:off x="457200" y="1600200"/>
-            <a:ext cx="4038600" cy="4525963"/>
-          </a:xfrm>
-        </p:spPr>
-        <p:txBody>
-          <a:bodyPr>
-            <a:normAutofit lnSpcReduction="10000"/>
-          </a:bodyPr>
-          <a:lstStyle/>
-          <a:p>
-            <a:r>
-              <a:rPr lang="en-US" dirty="0"/>
-              <a:t>Decision Tree</a:t>
-            </a:r>
-          </a:p>
-          <a:p>
-            <a:pPr lvl="1"/>
-            <a:r>
-              <a:rPr lang="en-US" dirty="0"/>
-              <a:t>Attributes</a:t>
-            </a:r>
-          </a:p>
-          <a:p>
-            <a:pPr lvl="2"/>
-            <a:r>
-              <a:rPr lang="en-US" dirty="0"/>
-              <a:t>Samples – The number of training sets used to predict the current node.</a:t>
-            </a:r>
-          </a:p>
-          <a:p>
-            <a:pPr lvl="2"/>
-            <a:r>
-              <a:rPr lang="en-US" dirty="0"/>
-              <a:t>Value – The predicted classes with the given samples.  This is in the order of the dataset label names.</a:t>
-            </a:r>
-          </a:p>
-          <a:p>
-            <a:pPr lvl="2"/>
-            <a:endParaRPr lang="en-US" dirty="0"/>
-          </a:p>
-          <a:p>
-            <a:endParaRPr lang="en-US" dirty="0"/>
-          </a:p>
-        </p:txBody>
-      </p:sp>
+      <mc:AlternateContent xmlns:mc="http://schemas.openxmlformats.org/markup-compatibility/2006">
+        <mc:Choice xmlns:a14="http://schemas.microsoft.com/office/drawing/2010/main" Requires="a14">
+          <p:sp>
+            <p:nvSpPr>
+              <p:cNvPr id="3" name="Content Placeholder 2"/>
+              <p:cNvSpPr>
+                <a:spLocks noGrp="1"/>
+              </p:cNvSpPr>
+              <p:nvPr>
+                <p:ph idx="1"/>
+              </p:nvPr>
+            </p:nvSpPr>
+            <p:spPr>
+              <a:xfrm>
+                <a:off x="457200" y="1600200"/>
+                <a:ext cx="4038600" cy="4525963"/>
+              </a:xfrm>
+            </p:spPr>
+            <p:txBody>
+              <a:bodyPr>
+                <a:normAutofit fontScale="92500" lnSpcReduction="20000"/>
+              </a:bodyPr>
+              <a:lstStyle/>
+              <a:p>
+                <a:r>
+                  <a:rPr lang="en-US" dirty="0"/>
+                  <a:t>Decision Tree</a:t>
+                </a:r>
+              </a:p>
+              <a:p>
+                <a:pPr lvl="1"/>
+                <a:r>
+                  <a:rPr lang="en-US" dirty="0"/>
+                  <a:t>Attributes</a:t>
+                </a:r>
+              </a:p>
+              <a:p>
+                <a:pPr lvl="2"/>
+                <a:r>
+                  <a:rPr lang="en-US" dirty="0"/>
+                  <a:t>Gini</a:t>
+                </a:r>
+              </a:p>
+              <a:p>
+                <a:pPr lvl="3"/>
+                <a14:m>
+                  <m:oMath xmlns:m="http://schemas.openxmlformats.org/officeDocument/2006/math">
+                    <m:sSub>
+                      <m:sSubPr>
+                        <m:ctrlPr>
+                          <a:rPr lang="en-US" i="1" dirty="0" smtClean="0">
+                            <a:latin typeface="Cambria Math" panose="02040503050406030204" pitchFamily="18" charset="0"/>
+                          </a:rPr>
+                        </m:ctrlPr>
+                      </m:sSubPr>
+                      <m:e>
+                        <m:r>
+                          <a:rPr lang="en-US" b="0" i="1" dirty="0" smtClean="0">
+                            <a:latin typeface="Cambria Math" panose="02040503050406030204" pitchFamily="18" charset="0"/>
+                          </a:rPr>
+                          <m:t>𝐺</m:t>
+                        </m:r>
+                      </m:e>
+                      <m:sub>
+                        <m:r>
+                          <a:rPr lang="en-US" b="0" i="1" dirty="0" smtClean="0">
+                            <a:latin typeface="Cambria Math" panose="02040503050406030204" pitchFamily="18" charset="0"/>
+                          </a:rPr>
+                          <m:t>𝑖</m:t>
+                        </m:r>
+                      </m:sub>
+                    </m:sSub>
+                  </m:oMath>
+                </a14:m>
+                <a:r>
+                  <a:rPr lang="en-US" dirty="0"/>
+                  <a:t> = 1 - </a:t>
+                </a:r>
+                <a14:m>
+                  <m:oMath xmlns:m="http://schemas.openxmlformats.org/officeDocument/2006/math">
+                    <m:nary>
+                      <m:naryPr>
+                        <m:chr m:val="∑"/>
+                        <m:ctrlPr>
+                          <a:rPr lang="en-US" i="1" smtClean="0">
+                            <a:latin typeface="Cambria Math" panose="02040503050406030204" pitchFamily="18" charset="0"/>
+                          </a:rPr>
+                        </m:ctrlPr>
+                      </m:naryPr>
+                      <m:sub>
+                        <m:r>
+                          <m:rPr>
+                            <m:brk m:alnAt="23"/>
+                          </m:rPr>
+                          <a:rPr lang="en-US" b="0" i="1" smtClean="0">
+                            <a:latin typeface="Cambria Math" panose="02040503050406030204" pitchFamily="18" charset="0"/>
+                          </a:rPr>
+                          <m:t>𝑘</m:t>
+                        </m:r>
+                        <m:r>
+                          <a:rPr lang="en-US" b="0" i="1" smtClean="0">
+                            <a:latin typeface="Cambria Math" panose="02040503050406030204" pitchFamily="18" charset="0"/>
+                          </a:rPr>
+                          <m:t>=1</m:t>
+                        </m:r>
+                      </m:sub>
+                      <m:sup>
+                        <m:r>
+                          <a:rPr lang="en-US" b="0" i="1" smtClean="0">
+                            <a:latin typeface="Cambria Math" panose="02040503050406030204" pitchFamily="18" charset="0"/>
+                          </a:rPr>
+                          <m:t>𝑛</m:t>
+                        </m:r>
+                      </m:sup>
+                      <m:e>
+                        <m:sSup>
+                          <m:sSupPr>
+                            <m:ctrlPr>
+                              <a:rPr lang="en-US" i="1" smtClean="0">
+                                <a:latin typeface="Cambria Math" panose="02040503050406030204" pitchFamily="18" charset="0"/>
+                              </a:rPr>
+                            </m:ctrlPr>
+                          </m:sSupPr>
+                          <m:e>
+                            <m:d>
+                              <m:dPr>
+                                <m:ctrlPr>
+                                  <a:rPr lang="en-US" i="1" smtClean="0">
+                                    <a:latin typeface="Cambria Math" panose="02040503050406030204" pitchFamily="18" charset="0"/>
+                                  </a:rPr>
+                                </m:ctrlPr>
+                              </m:dPr>
+                              <m:e>
+                                <m:sSub>
+                                  <m:sSubPr>
+                                    <m:ctrlPr>
+                                      <a:rPr lang="en-US" i="1" smtClean="0">
+                                        <a:latin typeface="Cambria Math" panose="02040503050406030204" pitchFamily="18" charset="0"/>
+                                      </a:rPr>
+                                    </m:ctrlPr>
+                                  </m:sSubPr>
+                                  <m:e>
+                                    <m:r>
+                                      <a:rPr lang="en-US" b="0" i="1" smtClean="0">
+                                        <a:latin typeface="Cambria Math" panose="02040503050406030204" pitchFamily="18" charset="0"/>
+                                      </a:rPr>
+                                      <m:t>𝑃</m:t>
+                                    </m:r>
+                                  </m:e>
+                                  <m:sub>
+                                    <m:r>
+                                      <a:rPr lang="en-US" b="0" i="1" smtClean="0">
+                                        <a:latin typeface="Cambria Math" panose="02040503050406030204" pitchFamily="18" charset="0"/>
+                                      </a:rPr>
+                                      <m:t>𝑖</m:t>
+                                    </m:r>
+                                    <m:r>
+                                      <a:rPr lang="en-US" b="0" i="1" smtClean="0">
+                                        <a:latin typeface="Cambria Math" panose="02040503050406030204" pitchFamily="18" charset="0"/>
+                                      </a:rPr>
+                                      <m:t>,</m:t>
+                                    </m:r>
+                                    <m:r>
+                                      <a:rPr lang="en-US" b="0" i="1" smtClean="0">
+                                        <a:latin typeface="Cambria Math" panose="02040503050406030204" pitchFamily="18" charset="0"/>
+                                      </a:rPr>
+                                      <m:t>𝑘</m:t>
+                                    </m:r>
+                                  </m:sub>
+                                </m:sSub>
+                              </m:e>
+                            </m:d>
+                          </m:e>
+                          <m:sup>
+                            <m:r>
+                              <a:rPr lang="en-US" b="0" i="1" smtClean="0">
+                                <a:latin typeface="Cambria Math" panose="02040503050406030204" pitchFamily="18" charset="0"/>
+                              </a:rPr>
+                              <m:t>2</m:t>
+                            </m:r>
+                          </m:sup>
+                        </m:sSup>
+                      </m:e>
+                    </m:nary>
+                  </m:oMath>
+                </a14:m>
+                <a:endParaRPr lang="en-US" dirty="0"/>
+              </a:p>
+              <a:p>
+                <a:pPr lvl="3"/>
+                <a14:m>
+                  <m:oMath xmlns:m="http://schemas.openxmlformats.org/officeDocument/2006/math">
+                    <m:sSub>
+                      <m:sSubPr>
+                        <m:ctrlPr>
+                          <a:rPr lang="en-US" i="1" smtClean="0">
+                            <a:latin typeface="Cambria Math" panose="02040503050406030204" pitchFamily="18" charset="0"/>
+                          </a:rPr>
+                        </m:ctrlPr>
+                      </m:sSubPr>
+                      <m:e>
+                        <m:r>
+                          <a:rPr lang="en-US" b="0" i="1" smtClean="0">
+                            <a:latin typeface="Cambria Math" panose="02040503050406030204" pitchFamily="18" charset="0"/>
+                          </a:rPr>
+                          <m:t>𝑃</m:t>
+                        </m:r>
+                      </m:e>
+                      <m:sub>
+                        <m:r>
+                          <a:rPr lang="en-US" b="0" i="1" smtClean="0">
+                            <a:latin typeface="Cambria Math" panose="02040503050406030204" pitchFamily="18" charset="0"/>
+                          </a:rPr>
+                          <m:t>𝑖</m:t>
+                        </m:r>
+                        <m:r>
+                          <a:rPr lang="en-US" b="0" i="1" smtClean="0">
+                            <a:latin typeface="Cambria Math" panose="02040503050406030204" pitchFamily="18" charset="0"/>
+                          </a:rPr>
+                          <m:t>,</m:t>
+                        </m:r>
+                        <m:r>
+                          <a:rPr lang="en-US" b="0" i="1" smtClean="0">
+                            <a:latin typeface="Cambria Math" panose="02040503050406030204" pitchFamily="18" charset="0"/>
+                          </a:rPr>
+                          <m:t>𝑘</m:t>
+                        </m:r>
+                      </m:sub>
+                    </m:sSub>
+                  </m:oMath>
+                </a14:m>
+                <a:r>
+                  <a:rPr lang="en-US" dirty="0"/>
+                  <a:t> is the ratio of the predicted class to all samples of the kth class for the </a:t>
+                </a:r>
+                <a:r>
+                  <a:rPr lang="en-US" dirty="0" err="1"/>
+                  <a:t>ith</a:t>
+                </a:r>
+                <a:r>
+                  <a:rPr lang="en-US" dirty="0"/>
+                  <a:t> node.</a:t>
+                </a:r>
+              </a:p>
+              <a:p>
+                <a:pPr lvl="3"/>
+                <a:r>
+                  <a:rPr lang="en-US" dirty="0"/>
+                  <a:t>Closer to zero means most of the predicted labels are one class.</a:t>
+                </a:r>
+              </a:p>
+              <a:p>
+                <a:pPr lvl="3"/>
+                <a:r>
+                  <a:rPr lang="en-US" dirty="0"/>
+                  <a:t>Closer to one means the predicted labels are across more classes.</a:t>
+                </a:r>
+              </a:p>
+            </p:txBody>
+          </p:sp>
+        </mc:Choice>
+        <mc:Fallback>
+          <p:sp>
+            <p:nvSpPr>
+              <p:cNvPr id="3" name="Content Placeholder 2"/>
+              <p:cNvSpPr>
+                <a:spLocks noGrp="1" noRot="1" noChangeAspect="1" noMove="1" noResize="1" noEditPoints="1" noAdjustHandles="1" noChangeArrowheads="1" noChangeShapeType="1" noTextEdit="1"/>
+              </p:cNvSpPr>
+              <p:nvPr>
+                <p:ph idx="1"/>
+              </p:nvPr>
+            </p:nvSpPr>
+            <p:spPr>
+              <a:xfrm>
+                <a:off x="457200" y="1600200"/>
+                <a:ext cx="4038600" cy="4525963"/>
+              </a:xfrm>
+              <a:blipFill>
+                <a:blip r:embed="rId6"/>
+                <a:stretch>
+                  <a:fillRect l="-3017" t="-3504"/>
+                </a:stretch>
+              </a:blipFill>
+            </p:spPr>
+            <p:txBody>
+              <a:bodyPr/>
+              <a:lstStyle/>
+              <a:p>
+                <a:r>
+                  <a:rPr lang="en-US">
+                    <a:noFill/>
+                  </a:rPr>
+                  <a:t> </a:t>
+                </a:r>
+              </a:p>
+            </p:txBody>
+          </p:sp>
+        </mc:Fallback>
+      </mc:AlternateContent>
       <p:pic>
         <p:nvPicPr>
           <p:cNvPr id="6" name="Picture 5">
@@ -16424,7 +18282,7 @@
           <p:nvPr/>
         </p:nvPicPr>
         <p:blipFill>
-          <a:blip r:embed="rId6"/>
+          <a:blip r:embed="rId7"/>
           <a:stretch>
             <a:fillRect/>
           </a:stretch>
@@ -16442,7 +18300,7 @@
     </p:spTree>
     <p:extLst>
       <p:ext uri="{BB962C8B-B14F-4D97-AF65-F5344CB8AC3E}">
-        <p14:creationId xmlns:p14="http://schemas.microsoft.com/office/powerpoint/2010/main" val="3549270515"/>
+        <p14:creationId xmlns:p14="http://schemas.microsoft.com/office/powerpoint/2010/main" val="250545200"/>
       </p:ext>
     </p:extLst>
   </p:cSld>
@@ -16553,15 +18411,23 @@
             <a:pPr lvl="2"/>
             <a:r>
               <a:rPr lang="en-US" dirty="0"/>
-              <a:t>Class – The predicted label of this  node.</a:t>
-            </a:r>
-          </a:p>
-          <a:p>
-            <a:pPr lvl="2"/>
-            <a:endParaRPr lang="en-US" dirty="0"/>
-          </a:p>
-          <a:p>
-            <a:endParaRPr lang="en-US" dirty="0"/>
+              <a:t>Gini</a:t>
+            </a:r>
+          </a:p>
+          <a:p>
+            <a:pPr lvl="3"/>
+            <a:r>
+              <a:rPr lang="en-US" dirty="0"/>
+              <a:t>The </a:t>
+            </a:r>
+            <a:r>
+              <a:rPr lang="en-US" dirty="0" err="1"/>
+              <a:t>gini</a:t>
+            </a:r>
+            <a:r>
+              <a:rPr lang="en-US" dirty="0"/>
+              <a:t> score is used in a cost function to determine which feature is used to create the decision boundary/condition for each node.</a:t>
+            </a:r>
           </a:p>
         </p:txBody>
       </p:sp>
@@ -16598,7 +18464,7 @@
     </p:spTree>
     <p:extLst>
       <p:ext uri="{BB962C8B-B14F-4D97-AF65-F5344CB8AC3E}">
-        <p14:creationId xmlns:p14="http://schemas.microsoft.com/office/powerpoint/2010/main" val="3199984842"/>
+        <p14:creationId xmlns:p14="http://schemas.microsoft.com/office/powerpoint/2010/main" val="1616107052"/>
       </p:ext>
     </p:extLst>
   </p:cSld>
@@ -16614,12 +18480,22 @@
     <p:bg>
       <p:bgPr>
         <a:blipFill dpi="0" rotWithShape="1">
-          <a:blip r:embed="rId3">
-            <a:lum/>
+          <a:blip r:embed="rId4">
+            <a:extLst>
+              <a:ext uri="{BEBA8EAE-BF5A-486C-A8C5-ECC9F3942E4B}">
+                <a14:imgProps xmlns:a14="http://schemas.microsoft.com/office/drawing/2010/main">
+                  <a14:imgLayer r:embed="rId5">
+                    <a14:imgEffect>
+                      <a14:brightnessContrast bright="-50000"/>
+                    </a14:imgEffect>
+                  </a14:imgLayer>
+                </a14:imgProps>
+              </a:ext>
+            </a:extLst>
           </a:blip>
           <a:srcRect/>
           <a:stretch>
-            <a:fillRect l="-17000" r="-17000"/>
+            <a:fillRect l="-10000" r="-10000"/>
           </a:stretch>
         </a:blipFill>
         <a:effectLst/>
@@ -16641,133 +18517,117 @@
       </p:grpSpPr>
       <p:sp>
         <p:nvSpPr>
-          <p:cNvPr id="4" name="Rectangle 3">
+          <p:cNvPr id="2" name="Title 1"/>
+          <p:cNvSpPr>
+            <a:spLocks noGrp="1"/>
+          </p:cNvSpPr>
+          <p:nvPr>
+            <p:ph type="title"/>
+          </p:nvPr>
+        </p:nvSpPr>
+        <p:spPr/>
+        <p:txBody>
+          <a:bodyPr/>
+          <a:lstStyle/>
+          <a:p>
+            <a:r>
+              <a:rPr lang="en-US" dirty="0"/>
+              <a:t>Linear Models - Classifiers</a:t>
+            </a:r>
+          </a:p>
+        </p:txBody>
+      </p:sp>
+      <p:sp>
+        <p:nvSpPr>
+          <p:cNvPr id="3" name="Content Placeholder 2"/>
+          <p:cNvSpPr>
+            <a:spLocks noGrp="1"/>
+          </p:cNvSpPr>
+          <p:nvPr>
+            <p:ph idx="1"/>
+          </p:nvPr>
+        </p:nvSpPr>
+        <p:spPr>
+          <a:xfrm>
+            <a:off x="457200" y="1600200"/>
+            <a:ext cx="4038600" cy="4525963"/>
+          </a:xfrm>
+        </p:spPr>
+        <p:txBody>
+          <a:bodyPr>
+            <a:normAutofit lnSpcReduction="10000"/>
+          </a:bodyPr>
+          <a:lstStyle/>
+          <a:p>
+            <a:r>
+              <a:rPr lang="en-US" dirty="0"/>
+              <a:t>Decision Tree</a:t>
+            </a:r>
+          </a:p>
+          <a:p>
+            <a:pPr lvl="1"/>
+            <a:r>
+              <a:rPr lang="en-US" dirty="0"/>
+              <a:t>Attributes</a:t>
+            </a:r>
+          </a:p>
+          <a:p>
+            <a:pPr lvl="2"/>
+            <a:r>
+              <a:rPr lang="en-US" dirty="0"/>
+              <a:t>Samples – The number of training sets used to predict the current node.</a:t>
+            </a:r>
+          </a:p>
+          <a:p>
+            <a:pPr lvl="2"/>
+            <a:r>
+              <a:rPr lang="en-US" dirty="0"/>
+              <a:t>Value – The predicted classes with the given samples.  This is in the order of the dataset label names.</a:t>
+            </a:r>
+          </a:p>
+          <a:p>
+            <a:pPr lvl="2"/>
+            <a:endParaRPr lang="en-US" dirty="0"/>
+          </a:p>
+          <a:p>
+            <a:endParaRPr lang="en-US" dirty="0"/>
+          </a:p>
+        </p:txBody>
+      </p:sp>
+      <p:pic>
+        <p:nvPicPr>
+          <p:cNvPr id="6" name="Picture 5">
             <a:extLst>
               <a:ext uri="{FF2B5EF4-FFF2-40B4-BE49-F238E27FC236}">
-                <a16:creationId xmlns:a16="http://schemas.microsoft.com/office/drawing/2014/main" id="{C0834983-4C71-4F77-A1C5-6967841E8465}"/>
+                <a16:creationId xmlns:a16="http://schemas.microsoft.com/office/drawing/2014/main" id="{F2C76B5D-4AD0-4A69-8D6C-39A958B8B51B}"/>
               </a:ext>
             </a:extLst>
           </p:cNvPr>
-          <p:cNvSpPr/>
+          <p:cNvPicPr>
+            <a:picLocks noChangeAspect="1"/>
+          </p:cNvPicPr>
           <p:nvPr/>
-        </p:nvSpPr>
+        </p:nvPicPr>
+        <p:blipFill>
+          <a:blip r:embed="rId6"/>
+          <a:stretch>
+            <a:fillRect/>
+          </a:stretch>
+        </p:blipFill>
         <p:spPr>
           <a:xfrm>
-            <a:off x="-76200" y="-76200"/>
-            <a:ext cx="9372600" cy="7010400"/>
+            <a:off x="4559300" y="2819400"/>
+            <a:ext cx="4362450" cy="2209800"/>
           </a:xfrm>
           <a:prstGeom prst="rect">
             <a:avLst/>
           </a:prstGeom>
-          <a:solidFill>
-            <a:schemeClr val="bg1">
-              <a:lumMod val="10000"/>
-              <a:alpha val="79000"/>
-            </a:schemeClr>
-          </a:solidFill>
         </p:spPr>
-        <p:style>
-          <a:lnRef idx="2">
-            <a:schemeClr val="accent1">
-              <a:shade val="50000"/>
-            </a:schemeClr>
-          </a:lnRef>
-          <a:fillRef idx="1">
-            <a:schemeClr val="accent1"/>
-          </a:fillRef>
-          <a:effectRef idx="0">
-            <a:schemeClr val="accent1"/>
-          </a:effectRef>
-          <a:fontRef idx="minor">
-            <a:schemeClr val="lt1"/>
-          </a:fontRef>
-        </p:style>
-        <p:txBody>
-          <a:bodyPr rtlCol="0" anchor="ctr"/>
-          <a:lstStyle/>
-          <a:p>
-            <a:pPr algn="ctr"/>
-            <a:endParaRPr lang="en-US"/>
-          </a:p>
-        </p:txBody>
-      </p:sp>
-      <p:sp>
-        <p:nvSpPr>
-          <p:cNvPr id="2" name="Title 1"/>
-          <p:cNvSpPr>
-            <a:spLocks noGrp="1"/>
-          </p:cNvSpPr>
-          <p:nvPr>
-            <p:ph type="title"/>
-          </p:nvPr>
-        </p:nvSpPr>
-        <p:spPr/>
-        <p:txBody>
-          <a:bodyPr/>
-          <a:lstStyle/>
-          <a:p>
-            <a:r>
-              <a:rPr lang="en-US" dirty="0"/>
-              <a:t>Linear Models - Classifiers</a:t>
-            </a:r>
-          </a:p>
-        </p:txBody>
-      </p:sp>
-      <p:sp>
-        <p:nvSpPr>
-          <p:cNvPr id="3" name="Content Placeholder 2"/>
-          <p:cNvSpPr>
-            <a:spLocks noGrp="1"/>
-          </p:cNvSpPr>
-          <p:nvPr>
-            <p:ph idx="1"/>
-          </p:nvPr>
-        </p:nvSpPr>
-        <p:spPr/>
-        <p:txBody>
-          <a:bodyPr/>
-          <a:lstStyle/>
-          <a:p>
-            <a:r>
-              <a:rPr lang="en-US" dirty="0"/>
-              <a:t>In-Class Exercise</a:t>
-            </a:r>
-          </a:p>
-          <a:p>
-            <a:pPr lvl="1"/>
-            <a:r>
-              <a:rPr lang="en-US" dirty="0"/>
-              <a:t>Run the decision tree classifier example.  Play with the depth to build accuracy, using at least 1-6 depths.  Does accuracy continue to increase with depth? Why or why not?</a:t>
-            </a:r>
-          </a:p>
-          <a:p>
-            <a:pPr lvl="2"/>
-            <a:endParaRPr lang="en-US" dirty="0"/>
-          </a:p>
-          <a:p>
-            <a:endParaRPr lang="en-US" dirty="0"/>
-          </a:p>
-          <a:p>
-            <a:pPr lvl="1"/>
-            <a:endParaRPr lang="en-US" dirty="0"/>
-          </a:p>
-          <a:p>
-            <a:pPr lvl="2"/>
-            <a:endParaRPr lang="en-US" dirty="0"/>
-          </a:p>
-          <a:p>
-            <a:pPr lvl="2"/>
-            <a:endParaRPr lang="en-US" dirty="0"/>
-          </a:p>
-          <a:p>
-            <a:endParaRPr lang="en-US" dirty="0"/>
-          </a:p>
-        </p:txBody>
-      </p:sp>
+      </p:pic>
     </p:spTree>
     <p:extLst>
       <p:ext uri="{BB962C8B-B14F-4D97-AF65-F5344CB8AC3E}">
-        <p14:creationId xmlns:p14="http://schemas.microsoft.com/office/powerpoint/2010/main" val="211907857"/>
+        <p14:creationId xmlns:p14="http://schemas.microsoft.com/office/powerpoint/2010/main" val="3549270515"/>
       </p:ext>
     </p:extLst>
   </p:cSld>
@@ -16986,46 +18846,80 @@
             <p:ph idx="1"/>
           </p:nvPr>
         </p:nvSpPr>
-        <p:spPr/>
-        <p:txBody>
-          <a:bodyPr/>
-          <a:lstStyle/>
-          <a:p>
-            <a:r>
-              <a:rPr lang="en-US" dirty="0"/>
-              <a:t>Logistic Regression</a:t>
+        <p:spPr>
+          <a:xfrm>
+            <a:off x="457200" y="1600200"/>
+            <a:ext cx="4038600" cy="4525963"/>
+          </a:xfrm>
+        </p:spPr>
+        <p:txBody>
+          <a:bodyPr>
+            <a:normAutofit/>
+          </a:bodyPr>
+          <a:lstStyle/>
+          <a:p>
+            <a:r>
+              <a:rPr lang="en-US" dirty="0"/>
+              <a:t>Decision Tree</a:t>
             </a:r>
           </a:p>
           <a:p>
             <a:pPr lvl="1"/>
             <a:r>
               <a:rPr lang="en-US" dirty="0"/>
-              <a:t>Works similar to other linear regressors, using a linear equation to generate decision boundaries/predict the label of the data point.</a:t>
-            </a:r>
-          </a:p>
-          <a:p>
-            <a:pPr lvl="1"/>
-            <a:r>
-              <a:rPr lang="en-US" dirty="0"/>
-              <a:t>Uses regularization parameter c</a:t>
-            </a:r>
-          </a:p>
-          <a:p>
-            <a:pPr lvl="1"/>
-            <a:r>
-              <a:rPr lang="en-US" dirty="0"/>
-              <a:t>Logistic regression defaults to using L2 regularization, but L1 can be chosen.</a:t>
-            </a:r>
-          </a:p>
-          <a:p>
+              <a:t>Attributes</a:t>
+            </a:r>
+          </a:p>
+          <a:p>
+            <a:pPr lvl="2"/>
+            <a:r>
+              <a:rPr lang="en-US" dirty="0"/>
+              <a:t>Class – The predicted label of this  node.</a:t>
+            </a:r>
+          </a:p>
+          <a:p>
+            <a:pPr lvl="2"/>
             <a:endParaRPr lang="en-US" dirty="0"/>
           </a:p>
-        </p:txBody>
-      </p:sp>
+          <a:p>
+            <a:endParaRPr lang="en-US" dirty="0"/>
+          </a:p>
+        </p:txBody>
+      </p:sp>
+      <p:pic>
+        <p:nvPicPr>
+          <p:cNvPr id="6" name="Picture 5">
+            <a:extLst>
+              <a:ext uri="{FF2B5EF4-FFF2-40B4-BE49-F238E27FC236}">
+                <a16:creationId xmlns:a16="http://schemas.microsoft.com/office/drawing/2014/main" id="{F2C76B5D-4AD0-4A69-8D6C-39A958B8B51B}"/>
+              </a:ext>
+            </a:extLst>
+          </p:cNvPr>
+          <p:cNvPicPr>
+            <a:picLocks noChangeAspect="1"/>
+          </p:cNvPicPr>
+          <p:nvPr/>
+        </p:nvPicPr>
+        <p:blipFill>
+          <a:blip r:embed="rId6"/>
+          <a:stretch>
+            <a:fillRect/>
+          </a:stretch>
+        </p:blipFill>
+        <p:spPr>
+          <a:xfrm>
+            <a:off x="4559300" y="2819400"/>
+            <a:ext cx="4362450" cy="2209800"/>
+          </a:xfrm>
+          <a:prstGeom prst="rect">
+            <a:avLst/>
+          </a:prstGeom>
+        </p:spPr>
+      </p:pic>
     </p:spTree>
     <p:extLst>
       <p:ext uri="{BB962C8B-B14F-4D97-AF65-F5344CB8AC3E}">
-        <p14:creationId xmlns:p14="http://schemas.microsoft.com/office/powerpoint/2010/main" val="578164379"/>
+        <p14:creationId xmlns:p14="http://schemas.microsoft.com/office/powerpoint/2010/main" val="3199984842"/>
       </p:ext>
     </p:extLst>
   </p:cSld>
@@ -17110,41 +19004,77 @@
         </p:nvSpPr>
         <p:spPr/>
         <p:txBody>
-          <a:bodyPr/>
-          <a:lstStyle/>
-          <a:p>
-            <a:r>
-              <a:rPr lang="en-US" dirty="0"/>
-              <a:t>Logistic Regression</a:t>
+          <a:bodyPr>
+            <a:normAutofit lnSpcReduction="10000"/>
+          </a:bodyPr>
+          <a:lstStyle/>
+          <a:p>
+            <a:r>
+              <a:rPr lang="en-US" dirty="0"/>
+              <a:t>Decision Tree</a:t>
             </a:r>
           </a:p>
           <a:p>
             <a:pPr lvl="1"/>
             <a:r>
               <a:rPr lang="en-US" dirty="0"/>
-              <a:t>High c value</a:t>
+              <a:t>Tends to overfit the data.</a:t>
+            </a:r>
+          </a:p>
+          <a:p>
+            <a:pPr lvl="1"/>
+            <a:r>
+              <a:rPr lang="en-US" dirty="0"/>
+              <a:t>Can control this (regularize) by modifying the following parameters:</a:t>
             </a:r>
           </a:p>
           <a:p>
             <a:pPr lvl="2"/>
             <a:r>
-              <a:rPr lang="en-US" dirty="0"/>
-              <a:t>Less regularization</a:t>
-            </a:r>
+              <a:rPr lang="en-US" dirty="0" err="1"/>
+              <a:t>max_depth</a:t>
+            </a:r>
+            <a:endParaRPr lang="en-US" dirty="0"/>
           </a:p>
           <a:p>
             <a:pPr lvl="2"/>
             <a:r>
-              <a:rPr lang="en-US" dirty="0"/>
-              <a:t>Model tries to fit training set more closely</a:t>
-            </a:r>
+              <a:rPr lang="en-US" dirty="0" err="1"/>
+              <a:t>max_leaf_nodes</a:t>
+            </a:r>
+            <a:endParaRPr lang="en-US" dirty="0"/>
           </a:p>
           <a:p>
             <a:pPr lvl="2"/>
             <a:r>
-              <a:rPr lang="en-US" dirty="0"/>
-              <a:t>Each feature is stressed in the weighting</a:t>
-            </a:r>
+              <a:rPr lang="en-US" dirty="0" err="1"/>
+              <a:t>max_features</a:t>
+            </a:r>
+            <a:endParaRPr lang="en-US" dirty="0"/>
+          </a:p>
+          <a:p>
+            <a:pPr lvl="2"/>
+            <a:r>
+              <a:rPr lang="en-US" dirty="0" err="1"/>
+              <a:t>min_samples_split</a:t>
+            </a:r>
+            <a:endParaRPr lang="en-US" dirty="0"/>
+          </a:p>
+          <a:p>
+            <a:pPr lvl="2"/>
+            <a:r>
+              <a:rPr lang="en-US" dirty="0" err="1"/>
+              <a:t>min_samples_leaf</a:t>
+            </a:r>
+            <a:endParaRPr lang="en-US" dirty="0"/>
+          </a:p>
+          <a:p>
+            <a:pPr lvl="2"/>
+            <a:r>
+              <a:rPr lang="en-US" dirty="0" err="1"/>
+              <a:t>min_weight_fraction_leaf</a:t>
+            </a:r>
+            <a:endParaRPr lang="en-US" dirty="0"/>
           </a:p>
           <a:p>
             <a:pPr lvl="2"/>
@@ -17158,7 +19088,7 @@
     </p:spTree>
     <p:extLst>
       <p:ext uri="{BB962C8B-B14F-4D97-AF65-F5344CB8AC3E}">
-        <p14:creationId xmlns:p14="http://schemas.microsoft.com/office/powerpoint/2010/main" val="3029351376"/>
+        <p14:creationId xmlns:p14="http://schemas.microsoft.com/office/powerpoint/2010/main" val="2699818807"/>
       </p:ext>
     </p:extLst>
   </p:cSld>
@@ -17243,6 +19173,686 @@
         </p:nvSpPr>
         <p:spPr/>
         <p:txBody>
+          <a:bodyPr>
+            <a:normAutofit/>
+          </a:bodyPr>
+          <a:lstStyle/>
+          <a:p>
+            <a:r>
+              <a:rPr lang="en-US" dirty="0"/>
+              <a:t>Decision Tree</a:t>
+            </a:r>
+          </a:p>
+          <a:p>
+            <a:pPr lvl="1"/>
+            <a:r>
+              <a:rPr lang="en-US" dirty="0"/>
+              <a:t>Sensitive to data</a:t>
+            </a:r>
+          </a:p>
+          <a:p>
+            <a:pPr lvl="2"/>
+            <a:r>
+              <a:rPr lang="en-US" dirty="0"/>
+              <a:t>Removing/adding one data point can drastically change the decision boundaries.</a:t>
+            </a:r>
+          </a:p>
+          <a:p>
+            <a:pPr lvl="2"/>
+            <a:endParaRPr lang="en-US" dirty="0"/>
+          </a:p>
+          <a:p>
+            <a:endParaRPr lang="en-US" dirty="0"/>
+          </a:p>
+        </p:txBody>
+      </p:sp>
+    </p:spTree>
+    <p:extLst>
+      <p:ext uri="{BB962C8B-B14F-4D97-AF65-F5344CB8AC3E}">
+        <p14:creationId xmlns:p14="http://schemas.microsoft.com/office/powerpoint/2010/main" val="4205509414"/>
+      </p:ext>
+    </p:extLst>
+  </p:cSld>
+  <p:clrMapOvr>
+    <a:overrideClrMapping bg1="lt1" tx1="dk1" bg2="lt2" tx2="dk2" accent1="accent1" accent2="accent2" accent3="accent3" accent4="accent4" accent5="accent5" accent6="accent6" hlink="hlink" folHlink="folHlink"/>
+  </p:clrMapOvr>
+</p:sld>
+</file>
+
+<file path=ppt/slides/slide53.xml><?xml version="1.0" encoding="utf-8"?>
+<p:sld xmlns:a="http://schemas.openxmlformats.org/drawingml/2006/main" xmlns:r="http://schemas.openxmlformats.org/officeDocument/2006/relationships" xmlns:p="http://schemas.openxmlformats.org/presentationml/2006/main">
+  <p:cSld>
+    <p:bg>
+      <p:bgPr>
+        <a:blipFill dpi="0" rotWithShape="1">
+          <a:blip r:embed="rId4">
+            <a:extLst>
+              <a:ext uri="{BEBA8EAE-BF5A-486C-A8C5-ECC9F3942E4B}">
+                <a14:imgProps xmlns:a14="http://schemas.microsoft.com/office/drawing/2010/main">
+                  <a14:imgLayer r:embed="rId5">
+                    <a14:imgEffect>
+                      <a14:brightnessContrast bright="-50000"/>
+                    </a14:imgEffect>
+                  </a14:imgLayer>
+                </a14:imgProps>
+              </a:ext>
+            </a:extLst>
+          </a:blip>
+          <a:srcRect/>
+          <a:stretch>
+            <a:fillRect l="-10000" r="-10000"/>
+          </a:stretch>
+        </a:blipFill>
+        <a:effectLst/>
+      </p:bgPr>
+    </p:bg>
+    <p:spTree>
+      <p:nvGrpSpPr>
+        <p:cNvPr id="1" name=""/>
+        <p:cNvGrpSpPr/>
+        <p:nvPr/>
+      </p:nvGrpSpPr>
+      <p:grpSpPr>
+        <a:xfrm>
+          <a:off x="0" y="0"/>
+          <a:ext cx="0" cy="0"/>
+          <a:chOff x="0" y="0"/>
+          <a:chExt cx="0" cy="0"/>
+        </a:xfrm>
+      </p:grpSpPr>
+      <p:sp>
+        <p:nvSpPr>
+          <p:cNvPr id="2" name="Title 1"/>
+          <p:cNvSpPr>
+            <a:spLocks noGrp="1"/>
+          </p:cNvSpPr>
+          <p:nvPr>
+            <p:ph type="title"/>
+          </p:nvPr>
+        </p:nvSpPr>
+        <p:spPr/>
+        <p:txBody>
+          <a:bodyPr/>
+          <a:lstStyle/>
+          <a:p>
+            <a:r>
+              <a:rPr lang="en-US" dirty="0"/>
+              <a:t>Linear Models - Classifiers</a:t>
+            </a:r>
+          </a:p>
+        </p:txBody>
+      </p:sp>
+      <p:sp>
+        <p:nvSpPr>
+          <p:cNvPr id="3" name="Content Placeholder 2"/>
+          <p:cNvSpPr>
+            <a:spLocks noGrp="1"/>
+          </p:cNvSpPr>
+          <p:nvPr>
+            <p:ph idx="1"/>
+          </p:nvPr>
+        </p:nvSpPr>
+        <p:spPr/>
+        <p:txBody>
+          <a:bodyPr>
+            <a:normAutofit/>
+          </a:bodyPr>
+          <a:lstStyle/>
+          <a:p>
+            <a:r>
+              <a:rPr lang="en-US" dirty="0"/>
+              <a:t>Decision Tree</a:t>
+            </a:r>
+          </a:p>
+          <a:p>
+            <a:pPr lvl="1"/>
+            <a:r>
+              <a:rPr lang="en-US" dirty="0"/>
+              <a:t>Sensitive to data orientation</a:t>
+            </a:r>
+          </a:p>
+          <a:p>
+            <a:pPr lvl="2"/>
+            <a:r>
+              <a:rPr lang="en-US" dirty="0"/>
+              <a:t>This applies more for regression.</a:t>
+            </a:r>
+          </a:p>
+          <a:p>
+            <a:pPr lvl="2"/>
+            <a:r>
+              <a:rPr lang="en-US" dirty="0"/>
+              <a:t>Boundaries for decision trees are orthogonal (i.e. they are vertical or lateral, but not angled).</a:t>
+            </a:r>
+          </a:p>
+          <a:p>
+            <a:pPr lvl="2"/>
+            <a:r>
+              <a:rPr lang="en-US" dirty="0"/>
+              <a:t>Rotating the data points on a graph can drastically change the decision boundaries.</a:t>
+            </a:r>
+          </a:p>
+          <a:p>
+            <a:pPr lvl="2"/>
+            <a:endParaRPr lang="en-US" dirty="0"/>
+          </a:p>
+          <a:p>
+            <a:endParaRPr lang="en-US" dirty="0"/>
+          </a:p>
+        </p:txBody>
+      </p:sp>
+    </p:spTree>
+    <p:extLst>
+      <p:ext uri="{BB962C8B-B14F-4D97-AF65-F5344CB8AC3E}">
+        <p14:creationId xmlns:p14="http://schemas.microsoft.com/office/powerpoint/2010/main" val="847856922"/>
+      </p:ext>
+    </p:extLst>
+  </p:cSld>
+  <p:clrMapOvr>
+    <a:overrideClrMapping bg1="lt1" tx1="dk1" bg2="lt2" tx2="dk2" accent1="accent1" accent2="accent2" accent3="accent3" accent4="accent4" accent5="accent5" accent6="accent6" hlink="hlink" folHlink="folHlink"/>
+  </p:clrMapOvr>
+</p:sld>
+</file>
+
+<file path=ppt/slides/slide54.xml><?xml version="1.0" encoding="utf-8"?>
+<p:sld xmlns:a="http://schemas.openxmlformats.org/drawingml/2006/main" xmlns:r="http://schemas.openxmlformats.org/officeDocument/2006/relationships" xmlns:p="http://schemas.openxmlformats.org/presentationml/2006/main">
+  <p:cSld>
+    <p:bg>
+      <p:bgPr>
+        <a:blipFill dpi="0" rotWithShape="1">
+          <a:blip r:embed="rId3">
+            <a:lum/>
+          </a:blip>
+          <a:srcRect/>
+          <a:stretch>
+            <a:fillRect l="-17000" r="-17000"/>
+          </a:stretch>
+        </a:blipFill>
+        <a:effectLst/>
+      </p:bgPr>
+    </p:bg>
+    <p:spTree>
+      <p:nvGrpSpPr>
+        <p:cNvPr id="1" name=""/>
+        <p:cNvGrpSpPr/>
+        <p:nvPr/>
+      </p:nvGrpSpPr>
+      <p:grpSpPr>
+        <a:xfrm>
+          <a:off x="0" y="0"/>
+          <a:ext cx="0" cy="0"/>
+          <a:chOff x="0" y="0"/>
+          <a:chExt cx="0" cy="0"/>
+        </a:xfrm>
+      </p:grpSpPr>
+      <p:sp>
+        <p:nvSpPr>
+          <p:cNvPr id="4" name="Rectangle 3">
+            <a:extLst>
+              <a:ext uri="{FF2B5EF4-FFF2-40B4-BE49-F238E27FC236}">
+                <a16:creationId xmlns:a16="http://schemas.microsoft.com/office/drawing/2014/main" id="{C0834983-4C71-4F77-A1C5-6967841E8465}"/>
+              </a:ext>
+            </a:extLst>
+          </p:cNvPr>
+          <p:cNvSpPr/>
+          <p:nvPr/>
+        </p:nvSpPr>
+        <p:spPr>
+          <a:xfrm>
+            <a:off x="-76200" y="-76200"/>
+            <a:ext cx="9372600" cy="7010400"/>
+          </a:xfrm>
+          <a:prstGeom prst="rect">
+            <a:avLst/>
+          </a:prstGeom>
+          <a:solidFill>
+            <a:schemeClr val="bg1">
+              <a:lumMod val="10000"/>
+              <a:alpha val="79000"/>
+            </a:schemeClr>
+          </a:solidFill>
+        </p:spPr>
+        <p:style>
+          <a:lnRef idx="2">
+            <a:schemeClr val="accent1">
+              <a:shade val="50000"/>
+            </a:schemeClr>
+          </a:lnRef>
+          <a:fillRef idx="1">
+            <a:schemeClr val="accent1"/>
+          </a:fillRef>
+          <a:effectRef idx="0">
+            <a:schemeClr val="accent1"/>
+          </a:effectRef>
+          <a:fontRef idx="minor">
+            <a:schemeClr val="lt1"/>
+          </a:fontRef>
+        </p:style>
+        <p:txBody>
+          <a:bodyPr rtlCol="0" anchor="ctr"/>
+          <a:lstStyle/>
+          <a:p>
+            <a:pPr algn="ctr"/>
+            <a:endParaRPr lang="en-US"/>
+          </a:p>
+        </p:txBody>
+      </p:sp>
+      <p:sp>
+        <p:nvSpPr>
+          <p:cNvPr id="2" name="Title 1"/>
+          <p:cNvSpPr>
+            <a:spLocks noGrp="1"/>
+          </p:cNvSpPr>
+          <p:nvPr>
+            <p:ph type="title"/>
+          </p:nvPr>
+        </p:nvSpPr>
+        <p:spPr/>
+        <p:txBody>
+          <a:bodyPr/>
+          <a:lstStyle/>
+          <a:p>
+            <a:r>
+              <a:rPr lang="en-US" dirty="0"/>
+              <a:t>Linear Models - Classifiers</a:t>
+            </a:r>
+          </a:p>
+        </p:txBody>
+      </p:sp>
+      <p:sp>
+        <p:nvSpPr>
+          <p:cNvPr id="3" name="Content Placeholder 2"/>
+          <p:cNvSpPr>
+            <a:spLocks noGrp="1"/>
+          </p:cNvSpPr>
+          <p:nvPr>
+            <p:ph idx="1"/>
+          </p:nvPr>
+        </p:nvSpPr>
+        <p:spPr/>
+        <p:txBody>
+          <a:bodyPr/>
+          <a:lstStyle/>
+          <a:p>
+            <a:r>
+              <a:rPr lang="en-US" dirty="0"/>
+              <a:t>In-Class Exercise</a:t>
+            </a:r>
+          </a:p>
+          <a:p>
+            <a:pPr lvl="1"/>
+            <a:r>
+              <a:rPr lang="en-US" dirty="0"/>
+              <a:t>Run the decision tree classifier example.  Play with the depth to build accuracy, using at least 1-6 depths.  Does accuracy continue to increase with depth? Why or why not?</a:t>
+            </a:r>
+          </a:p>
+          <a:p>
+            <a:pPr lvl="2"/>
+            <a:endParaRPr lang="en-US" dirty="0"/>
+          </a:p>
+          <a:p>
+            <a:endParaRPr lang="en-US" dirty="0"/>
+          </a:p>
+          <a:p>
+            <a:pPr lvl="1"/>
+            <a:endParaRPr lang="en-US" dirty="0"/>
+          </a:p>
+          <a:p>
+            <a:pPr lvl="2"/>
+            <a:endParaRPr lang="en-US" dirty="0"/>
+          </a:p>
+          <a:p>
+            <a:pPr lvl="2"/>
+            <a:endParaRPr lang="en-US" dirty="0"/>
+          </a:p>
+          <a:p>
+            <a:endParaRPr lang="en-US" dirty="0"/>
+          </a:p>
+        </p:txBody>
+      </p:sp>
+    </p:spTree>
+    <p:extLst>
+      <p:ext uri="{BB962C8B-B14F-4D97-AF65-F5344CB8AC3E}">
+        <p14:creationId xmlns:p14="http://schemas.microsoft.com/office/powerpoint/2010/main" val="211907857"/>
+      </p:ext>
+    </p:extLst>
+  </p:cSld>
+  <p:clrMapOvr>
+    <a:overrideClrMapping bg1="lt1" tx1="dk1" bg2="lt2" tx2="dk2" accent1="accent1" accent2="accent2" accent3="accent3" accent4="accent4" accent5="accent5" accent6="accent6" hlink="hlink" folHlink="folHlink"/>
+  </p:clrMapOvr>
+</p:sld>
+</file>
+
+<file path=ppt/slides/slide55.xml><?xml version="1.0" encoding="utf-8"?>
+<p:sld xmlns:a="http://schemas.openxmlformats.org/drawingml/2006/main" xmlns:r="http://schemas.openxmlformats.org/officeDocument/2006/relationships" xmlns:p="http://schemas.openxmlformats.org/presentationml/2006/main">
+  <p:cSld>
+    <p:bg>
+      <p:bgPr>
+        <a:blipFill dpi="0" rotWithShape="1">
+          <a:blip r:embed="rId4">
+            <a:extLst>
+              <a:ext uri="{BEBA8EAE-BF5A-486C-A8C5-ECC9F3942E4B}">
+                <a14:imgProps xmlns:a14="http://schemas.microsoft.com/office/drawing/2010/main">
+                  <a14:imgLayer r:embed="rId5">
+                    <a14:imgEffect>
+                      <a14:brightnessContrast bright="-50000"/>
+                    </a14:imgEffect>
+                  </a14:imgLayer>
+                </a14:imgProps>
+              </a:ext>
+            </a:extLst>
+          </a:blip>
+          <a:srcRect/>
+          <a:stretch>
+            <a:fillRect l="-10000" r="-10000"/>
+          </a:stretch>
+        </a:blipFill>
+        <a:effectLst/>
+      </p:bgPr>
+    </p:bg>
+    <p:spTree>
+      <p:nvGrpSpPr>
+        <p:cNvPr id="1" name=""/>
+        <p:cNvGrpSpPr/>
+        <p:nvPr/>
+      </p:nvGrpSpPr>
+      <p:grpSpPr>
+        <a:xfrm>
+          <a:off x="0" y="0"/>
+          <a:ext cx="0" cy="0"/>
+          <a:chOff x="0" y="0"/>
+          <a:chExt cx="0" cy="0"/>
+        </a:xfrm>
+      </p:grpSpPr>
+      <p:sp>
+        <p:nvSpPr>
+          <p:cNvPr id="2" name="Title 1"/>
+          <p:cNvSpPr>
+            <a:spLocks noGrp="1"/>
+          </p:cNvSpPr>
+          <p:nvPr>
+            <p:ph type="title"/>
+          </p:nvPr>
+        </p:nvSpPr>
+        <p:spPr/>
+        <p:txBody>
+          <a:bodyPr/>
+          <a:lstStyle/>
+          <a:p>
+            <a:r>
+              <a:rPr lang="en-US" dirty="0"/>
+              <a:t>Linear Models - Classifiers</a:t>
+            </a:r>
+          </a:p>
+        </p:txBody>
+      </p:sp>
+      <p:sp>
+        <p:nvSpPr>
+          <p:cNvPr id="3" name="Content Placeholder 2"/>
+          <p:cNvSpPr>
+            <a:spLocks noGrp="1"/>
+          </p:cNvSpPr>
+          <p:nvPr>
+            <p:ph idx="1"/>
+          </p:nvPr>
+        </p:nvSpPr>
+        <p:spPr/>
+        <p:txBody>
+          <a:bodyPr/>
+          <a:lstStyle/>
+          <a:p>
+            <a:r>
+              <a:rPr lang="en-US" dirty="0"/>
+              <a:t>Logistic Regression</a:t>
+            </a:r>
+          </a:p>
+          <a:p>
+            <a:pPr lvl="1"/>
+            <a:r>
+              <a:rPr lang="en-US" dirty="0"/>
+              <a:t>Works similar to other linear regressors, using a linear equation to generate decision boundaries/predict the label of the data point.</a:t>
+            </a:r>
+          </a:p>
+          <a:p>
+            <a:pPr lvl="1"/>
+            <a:r>
+              <a:rPr lang="en-US" dirty="0"/>
+              <a:t>Uses regularization parameter c</a:t>
+            </a:r>
+          </a:p>
+          <a:p>
+            <a:pPr lvl="1"/>
+            <a:r>
+              <a:rPr lang="en-US" dirty="0"/>
+              <a:t>Logistic regression defaults to using L2 regularization, but L1 can be chosen.</a:t>
+            </a:r>
+          </a:p>
+          <a:p>
+            <a:endParaRPr lang="en-US" dirty="0"/>
+          </a:p>
+        </p:txBody>
+      </p:sp>
+    </p:spTree>
+    <p:extLst>
+      <p:ext uri="{BB962C8B-B14F-4D97-AF65-F5344CB8AC3E}">
+        <p14:creationId xmlns:p14="http://schemas.microsoft.com/office/powerpoint/2010/main" val="578164379"/>
+      </p:ext>
+    </p:extLst>
+  </p:cSld>
+  <p:clrMapOvr>
+    <a:overrideClrMapping bg1="lt1" tx1="dk1" bg2="lt2" tx2="dk2" accent1="accent1" accent2="accent2" accent3="accent3" accent4="accent4" accent5="accent5" accent6="accent6" hlink="hlink" folHlink="folHlink"/>
+  </p:clrMapOvr>
+</p:sld>
+</file>
+
+<file path=ppt/slides/slide56.xml><?xml version="1.0" encoding="utf-8"?>
+<p:sld xmlns:a="http://schemas.openxmlformats.org/drawingml/2006/main" xmlns:r="http://schemas.openxmlformats.org/officeDocument/2006/relationships" xmlns:p="http://schemas.openxmlformats.org/presentationml/2006/main">
+  <p:cSld>
+    <p:bg>
+      <p:bgPr>
+        <a:blipFill dpi="0" rotWithShape="1">
+          <a:blip r:embed="rId4">
+            <a:extLst>
+              <a:ext uri="{BEBA8EAE-BF5A-486C-A8C5-ECC9F3942E4B}">
+                <a14:imgProps xmlns:a14="http://schemas.microsoft.com/office/drawing/2010/main">
+                  <a14:imgLayer r:embed="rId5">
+                    <a14:imgEffect>
+                      <a14:brightnessContrast bright="-50000"/>
+                    </a14:imgEffect>
+                  </a14:imgLayer>
+                </a14:imgProps>
+              </a:ext>
+            </a:extLst>
+          </a:blip>
+          <a:srcRect/>
+          <a:stretch>
+            <a:fillRect l="-10000" r="-10000"/>
+          </a:stretch>
+        </a:blipFill>
+        <a:effectLst/>
+      </p:bgPr>
+    </p:bg>
+    <p:spTree>
+      <p:nvGrpSpPr>
+        <p:cNvPr id="1" name=""/>
+        <p:cNvGrpSpPr/>
+        <p:nvPr/>
+      </p:nvGrpSpPr>
+      <p:grpSpPr>
+        <a:xfrm>
+          <a:off x="0" y="0"/>
+          <a:ext cx="0" cy="0"/>
+          <a:chOff x="0" y="0"/>
+          <a:chExt cx="0" cy="0"/>
+        </a:xfrm>
+      </p:grpSpPr>
+      <p:sp>
+        <p:nvSpPr>
+          <p:cNvPr id="2" name="Title 1"/>
+          <p:cNvSpPr>
+            <a:spLocks noGrp="1"/>
+          </p:cNvSpPr>
+          <p:nvPr>
+            <p:ph type="title"/>
+          </p:nvPr>
+        </p:nvSpPr>
+        <p:spPr/>
+        <p:txBody>
+          <a:bodyPr/>
+          <a:lstStyle/>
+          <a:p>
+            <a:r>
+              <a:rPr lang="en-US" dirty="0"/>
+              <a:t>Linear Models - Classifiers</a:t>
+            </a:r>
+          </a:p>
+        </p:txBody>
+      </p:sp>
+      <p:sp>
+        <p:nvSpPr>
+          <p:cNvPr id="3" name="Content Placeholder 2"/>
+          <p:cNvSpPr>
+            <a:spLocks noGrp="1"/>
+          </p:cNvSpPr>
+          <p:nvPr>
+            <p:ph idx="1"/>
+          </p:nvPr>
+        </p:nvSpPr>
+        <p:spPr/>
+        <p:txBody>
+          <a:bodyPr/>
+          <a:lstStyle/>
+          <a:p>
+            <a:r>
+              <a:rPr lang="en-US" dirty="0"/>
+              <a:t>Logistic Regression</a:t>
+            </a:r>
+          </a:p>
+          <a:p>
+            <a:pPr lvl="1"/>
+            <a:r>
+              <a:rPr lang="en-US" dirty="0"/>
+              <a:t>High c value</a:t>
+            </a:r>
+          </a:p>
+          <a:p>
+            <a:pPr lvl="2"/>
+            <a:r>
+              <a:rPr lang="en-US" dirty="0"/>
+              <a:t>Less regularization</a:t>
+            </a:r>
+          </a:p>
+          <a:p>
+            <a:pPr lvl="2"/>
+            <a:r>
+              <a:rPr lang="en-US" dirty="0"/>
+              <a:t>Model tries to fit training set more closely</a:t>
+            </a:r>
+          </a:p>
+          <a:p>
+            <a:pPr lvl="2"/>
+            <a:r>
+              <a:rPr lang="en-US" dirty="0"/>
+              <a:t>Each feature is stressed in the weighting</a:t>
+            </a:r>
+          </a:p>
+          <a:p>
+            <a:pPr lvl="2"/>
+            <a:endParaRPr lang="en-US" dirty="0"/>
+          </a:p>
+          <a:p>
+            <a:endParaRPr lang="en-US" dirty="0"/>
+          </a:p>
+        </p:txBody>
+      </p:sp>
+    </p:spTree>
+    <p:extLst>
+      <p:ext uri="{BB962C8B-B14F-4D97-AF65-F5344CB8AC3E}">
+        <p14:creationId xmlns:p14="http://schemas.microsoft.com/office/powerpoint/2010/main" val="3029351376"/>
+      </p:ext>
+    </p:extLst>
+  </p:cSld>
+  <p:clrMapOvr>
+    <a:overrideClrMapping bg1="lt1" tx1="dk1" bg2="lt2" tx2="dk2" accent1="accent1" accent2="accent2" accent3="accent3" accent4="accent4" accent5="accent5" accent6="accent6" hlink="hlink" folHlink="folHlink"/>
+  </p:clrMapOvr>
+</p:sld>
+</file>
+
+<file path=ppt/slides/slide57.xml><?xml version="1.0" encoding="utf-8"?>
+<p:sld xmlns:a="http://schemas.openxmlformats.org/drawingml/2006/main" xmlns:r="http://schemas.openxmlformats.org/officeDocument/2006/relationships" xmlns:p="http://schemas.openxmlformats.org/presentationml/2006/main">
+  <p:cSld>
+    <p:bg>
+      <p:bgPr>
+        <a:blipFill dpi="0" rotWithShape="1">
+          <a:blip r:embed="rId4">
+            <a:extLst>
+              <a:ext uri="{BEBA8EAE-BF5A-486C-A8C5-ECC9F3942E4B}">
+                <a14:imgProps xmlns:a14="http://schemas.microsoft.com/office/drawing/2010/main">
+                  <a14:imgLayer r:embed="rId5">
+                    <a14:imgEffect>
+                      <a14:brightnessContrast bright="-50000"/>
+                    </a14:imgEffect>
+                  </a14:imgLayer>
+                </a14:imgProps>
+              </a:ext>
+            </a:extLst>
+          </a:blip>
+          <a:srcRect/>
+          <a:stretch>
+            <a:fillRect l="-10000" r="-10000"/>
+          </a:stretch>
+        </a:blipFill>
+        <a:effectLst/>
+      </p:bgPr>
+    </p:bg>
+    <p:spTree>
+      <p:nvGrpSpPr>
+        <p:cNvPr id="1" name=""/>
+        <p:cNvGrpSpPr/>
+        <p:nvPr/>
+      </p:nvGrpSpPr>
+      <p:grpSpPr>
+        <a:xfrm>
+          <a:off x="0" y="0"/>
+          <a:ext cx="0" cy="0"/>
+          <a:chOff x="0" y="0"/>
+          <a:chExt cx="0" cy="0"/>
+        </a:xfrm>
+      </p:grpSpPr>
+      <p:sp>
+        <p:nvSpPr>
+          <p:cNvPr id="2" name="Title 1"/>
+          <p:cNvSpPr>
+            <a:spLocks noGrp="1"/>
+          </p:cNvSpPr>
+          <p:nvPr>
+            <p:ph type="title"/>
+          </p:nvPr>
+        </p:nvSpPr>
+        <p:spPr/>
+        <p:txBody>
+          <a:bodyPr/>
+          <a:lstStyle/>
+          <a:p>
+            <a:r>
+              <a:rPr lang="en-US" dirty="0"/>
+              <a:t>Linear Models - Classifiers</a:t>
+            </a:r>
+          </a:p>
+        </p:txBody>
+      </p:sp>
+      <p:sp>
+        <p:nvSpPr>
+          <p:cNvPr id="3" name="Content Placeholder 2"/>
+          <p:cNvSpPr>
+            <a:spLocks noGrp="1"/>
+          </p:cNvSpPr>
+          <p:nvPr>
+            <p:ph idx="1"/>
+          </p:nvPr>
+        </p:nvSpPr>
+        <p:spPr/>
+        <p:txBody>
           <a:bodyPr/>
           <a:lstStyle/>
           <a:p>
@@ -17308,7 +19918,7 @@
 </p:sld>
 </file>
 
-<file path=ppt/slides/slide53.xml><?xml version="1.0" encoding="utf-8"?>
+<file path=ppt/slides/slide58.xml><?xml version="1.0" encoding="utf-8"?>
 <p:sld xmlns:a="http://schemas.openxmlformats.org/drawingml/2006/main" xmlns:r="http://schemas.openxmlformats.org/officeDocument/2006/relationships" xmlns:p="http://schemas.openxmlformats.org/presentationml/2006/main">
   <p:cSld>
     <p:bg>
@@ -17435,7 +20045,7 @@
 </p:sld>
 </file>
 
-<file path=ppt/slides/slide54.xml><?xml version="1.0" encoding="utf-8"?>
+<file path=ppt/slides/slide59.xml><?xml version="1.0" encoding="utf-8"?>
 <p:sld xmlns:a="http://schemas.openxmlformats.org/drawingml/2006/main" xmlns:r="http://schemas.openxmlformats.org/officeDocument/2006/relationships" xmlns:p="http://schemas.openxmlformats.org/presentationml/2006/main">
   <p:cSld>
     <p:bg>
@@ -17699,7 +20309,7 @@
 </p:sld>
 </file>
 
-<file path=ppt/slides/slide55.xml><?xml version="1.0" encoding="utf-8"?>
+<file path=ppt/slides/slide6.xml><?xml version="1.0" encoding="utf-8"?>
 <p:sld xmlns:a="http://schemas.openxmlformats.org/drawingml/2006/main" xmlns:r="http://schemas.openxmlformats.org/officeDocument/2006/relationships" xmlns:p="http://schemas.openxmlformats.org/presentationml/2006/main">
   <p:cSld>
     <p:bg>
@@ -17757,7 +20367,7 @@
           <a:p>
             <a:r>
               <a:rPr lang="en-US" dirty="0"/>
-              <a:t>Linear Models - Classifiers</a:t>
+              <a:t>Concepts and Definitions</a:t>
             </a:r>
           </a:p>
         </p:txBody>
@@ -17774,67 +20384,50 @@
         </p:nvSpPr>
         <p:spPr/>
         <p:txBody>
-          <a:bodyPr>
-            <a:normAutofit lnSpcReduction="10000"/>
-          </a:bodyPr>
-          <a:lstStyle/>
-          <a:p>
-            <a:r>
-              <a:rPr lang="en-US" dirty="0"/>
-              <a:t>Regularization</a:t>
+          <a:bodyPr/>
+          <a:lstStyle/>
+          <a:p>
+            <a:r>
+              <a:rPr lang="en-US" dirty="0"/>
+              <a:t>Classifier</a:t>
             </a:r>
           </a:p>
           <a:p>
             <a:pPr lvl="1"/>
             <a:r>
               <a:rPr lang="en-US" dirty="0"/>
-              <a:t>This cost function is used to calculate the weight</a:t>
+              <a:t>The trainers used to build models to predict outcomes for classification problems.</a:t>
+            </a:r>
+          </a:p>
+          <a:p>
+            <a:pPr lvl="1"/>
+            <a:r>
+              <a:rPr lang="en-US" dirty="0"/>
+              <a:t>For problems where we are trying to categorize something.</a:t>
             </a:r>
           </a:p>
           <a:p>
             <a:pPr lvl="2"/>
             <a:r>
               <a:rPr lang="en-US" dirty="0"/>
-              <a:t>Our machine learning model will use specific parameters, along with adjusting the weights of each feature, to minimize the cost function.</a:t>
-            </a:r>
-          </a:p>
-          <a:p>
-            <a:pPr lvl="3"/>
-            <a:r>
-              <a:rPr lang="en-US" dirty="0"/>
-              <a:t>Learning rate</a:t>
-            </a:r>
-          </a:p>
-          <a:p>
-            <a:pPr lvl="3"/>
-            <a:r>
-              <a:rPr lang="en-US" dirty="0"/>
-              <a:t>Predicted outcomes/labels</a:t>
-            </a:r>
-          </a:p>
-          <a:p>
-            <a:pPr lvl="3"/>
-            <a:r>
-              <a:rPr lang="en-US" dirty="0"/>
-              <a:t>Actual outcomes/labels</a:t>
+              <a:t>i.e. trying to determine what kind of fruit something is.</a:t>
             </a:r>
           </a:p>
           <a:p>
             <a:pPr lvl="2"/>
             <a:r>
               <a:rPr lang="en-US" dirty="0"/>
-              <a:t>Once the cost function is minimized, the feature weights have been determined and our model is trained.</a:t>
-            </a:r>
-          </a:p>
-          <a:p>
-            <a:endParaRPr lang="en-US" dirty="0"/>
+              <a:t>Trying to determine what kind of animal is in a picture.</a:t>
+            </a:r>
           </a:p>
           <a:p>
             <a:pPr lvl="1"/>
-            <a:endParaRPr lang="en-US" dirty="0"/>
-          </a:p>
-          <a:p>
-            <a:pPr lvl="2"/>
+            <a:r>
+              <a:rPr lang="en-US" dirty="0"/>
+              <a:t>This is the scaffolding for our model.</a:t>
+            </a:r>
+          </a:p>
+          <a:p>
             <a:endParaRPr lang="en-US" dirty="0"/>
           </a:p>
           <a:p>
@@ -17849,7 +20442,7 @@
     </p:spTree>
     <p:extLst>
       <p:ext uri="{BB962C8B-B14F-4D97-AF65-F5344CB8AC3E}">
-        <p14:creationId xmlns:p14="http://schemas.microsoft.com/office/powerpoint/2010/main" val="312683374"/>
+        <p14:creationId xmlns:p14="http://schemas.microsoft.com/office/powerpoint/2010/main" val="3096496910"/>
       </p:ext>
     </p:extLst>
   </p:cSld>
@@ -17859,7 +20452,7 @@
 </p:sld>
 </file>
 
-<file path=ppt/slides/slide56.xml><?xml version="1.0" encoding="utf-8"?>
+<file path=ppt/slides/slide60.xml><?xml version="1.0" encoding="utf-8"?>
 <p:sld xmlns:a="http://schemas.openxmlformats.org/drawingml/2006/main" xmlns:r="http://schemas.openxmlformats.org/officeDocument/2006/relationships" xmlns:p="http://schemas.openxmlformats.org/presentationml/2006/main">
   <p:cSld>
     <p:bg>
@@ -17935,6 +20528,166 @@
         <p:spPr/>
         <p:txBody>
           <a:bodyPr>
+            <a:normAutofit lnSpcReduction="10000"/>
+          </a:bodyPr>
+          <a:lstStyle/>
+          <a:p>
+            <a:r>
+              <a:rPr lang="en-US" dirty="0"/>
+              <a:t>Regularization</a:t>
+            </a:r>
+          </a:p>
+          <a:p>
+            <a:pPr lvl="1"/>
+            <a:r>
+              <a:rPr lang="en-US" dirty="0"/>
+              <a:t>This cost function is used to calculate the weight</a:t>
+            </a:r>
+          </a:p>
+          <a:p>
+            <a:pPr lvl="2"/>
+            <a:r>
+              <a:rPr lang="en-US" dirty="0"/>
+              <a:t>Our machine learning model will use specific parameters, along with adjusting the weights of each feature, to minimize the cost function.</a:t>
+            </a:r>
+          </a:p>
+          <a:p>
+            <a:pPr lvl="3"/>
+            <a:r>
+              <a:rPr lang="en-US" dirty="0"/>
+              <a:t>Learning rate</a:t>
+            </a:r>
+          </a:p>
+          <a:p>
+            <a:pPr lvl="3"/>
+            <a:r>
+              <a:rPr lang="en-US" dirty="0"/>
+              <a:t>Predicted outcomes/labels</a:t>
+            </a:r>
+          </a:p>
+          <a:p>
+            <a:pPr lvl="3"/>
+            <a:r>
+              <a:rPr lang="en-US" dirty="0"/>
+              <a:t>Actual outcomes/labels</a:t>
+            </a:r>
+          </a:p>
+          <a:p>
+            <a:pPr lvl="2"/>
+            <a:r>
+              <a:rPr lang="en-US" dirty="0"/>
+              <a:t>Once the cost function is minimized, the feature weights have been determined and our model is trained.</a:t>
+            </a:r>
+          </a:p>
+          <a:p>
+            <a:endParaRPr lang="en-US" dirty="0"/>
+          </a:p>
+          <a:p>
+            <a:pPr lvl="1"/>
+            <a:endParaRPr lang="en-US" dirty="0"/>
+          </a:p>
+          <a:p>
+            <a:pPr lvl="2"/>
+            <a:endParaRPr lang="en-US" dirty="0"/>
+          </a:p>
+          <a:p>
+            <a:pPr lvl="2"/>
+            <a:endParaRPr lang="en-US" dirty="0"/>
+          </a:p>
+          <a:p>
+            <a:endParaRPr lang="en-US" dirty="0"/>
+          </a:p>
+        </p:txBody>
+      </p:sp>
+    </p:spTree>
+    <p:extLst>
+      <p:ext uri="{BB962C8B-B14F-4D97-AF65-F5344CB8AC3E}">
+        <p14:creationId xmlns:p14="http://schemas.microsoft.com/office/powerpoint/2010/main" val="312683374"/>
+      </p:ext>
+    </p:extLst>
+  </p:cSld>
+  <p:clrMapOvr>
+    <a:overrideClrMapping bg1="lt1" tx1="dk1" bg2="lt2" tx2="dk2" accent1="accent1" accent2="accent2" accent3="accent3" accent4="accent4" accent5="accent5" accent6="accent6" hlink="hlink" folHlink="folHlink"/>
+  </p:clrMapOvr>
+</p:sld>
+</file>
+
+<file path=ppt/slides/slide61.xml><?xml version="1.0" encoding="utf-8"?>
+<p:sld xmlns:a="http://schemas.openxmlformats.org/drawingml/2006/main" xmlns:r="http://schemas.openxmlformats.org/officeDocument/2006/relationships" xmlns:p="http://schemas.openxmlformats.org/presentationml/2006/main">
+  <p:cSld>
+    <p:bg>
+      <p:bgPr>
+        <a:blipFill dpi="0" rotWithShape="1">
+          <a:blip r:embed="rId3">
+            <a:extLst>
+              <a:ext uri="{BEBA8EAE-BF5A-486C-A8C5-ECC9F3942E4B}">
+                <a14:imgProps xmlns:a14="http://schemas.microsoft.com/office/drawing/2010/main">
+                  <a14:imgLayer r:embed="rId4">
+                    <a14:imgEffect>
+                      <a14:brightnessContrast bright="-50000"/>
+                    </a14:imgEffect>
+                  </a14:imgLayer>
+                </a14:imgProps>
+              </a:ext>
+            </a:extLst>
+          </a:blip>
+          <a:srcRect/>
+          <a:stretch>
+            <a:fillRect l="-10000" r="-10000"/>
+          </a:stretch>
+        </a:blipFill>
+        <a:effectLst/>
+      </p:bgPr>
+    </p:bg>
+    <p:spTree>
+      <p:nvGrpSpPr>
+        <p:cNvPr id="1" name=""/>
+        <p:cNvGrpSpPr/>
+        <p:nvPr/>
+      </p:nvGrpSpPr>
+      <p:grpSpPr>
+        <a:xfrm>
+          <a:off x="0" y="0"/>
+          <a:ext cx="0" cy="0"/>
+          <a:chOff x="0" y="0"/>
+          <a:chExt cx="0" cy="0"/>
+        </a:xfrm>
+      </p:grpSpPr>
+      <p:sp>
+        <p:nvSpPr>
+          <p:cNvPr id="2" name="Title 1"/>
+          <p:cNvSpPr>
+            <a:spLocks noGrp="1"/>
+          </p:cNvSpPr>
+          <p:nvPr>
+            <p:ph type="title"/>
+          </p:nvPr>
+        </p:nvSpPr>
+        <p:spPr/>
+        <p:txBody>
+          <a:bodyPr/>
+          <a:lstStyle/>
+          <a:p>
+            <a:r>
+              <a:rPr lang="en-US" dirty="0"/>
+              <a:t>Linear Models - Classifiers</a:t>
+            </a:r>
+          </a:p>
+        </p:txBody>
+      </p:sp>
+      <p:sp>
+        <p:nvSpPr>
+          <p:cNvPr id="3" name="Content Placeholder 2"/>
+          <p:cNvSpPr>
+            <a:spLocks noGrp="1"/>
+          </p:cNvSpPr>
+          <p:nvPr>
+            <p:ph idx="1"/>
+          </p:nvPr>
+        </p:nvSpPr>
+        <p:spPr/>
+        <p:txBody>
+          <a:bodyPr>
             <a:normAutofit/>
           </a:bodyPr>
           <a:lstStyle/>
@@ -18127,7 +20880,7 @@
 </p:sld>
 </file>
 
-<file path=ppt/slides/slide57.xml><?xml version="1.0" encoding="utf-8"?>
+<file path=ppt/slides/slide62.xml><?xml version="1.0" encoding="utf-8"?>
 <p:sld xmlns:a="http://schemas.openxmlformats.org/drawingml/2006/main" xmlns:r="http://schemas.openxmlformats.org/officeDocument/2006/relationships" xmlns:p="http://schemas.openxmlformats.org/presentationml/2006/main">
   <p:cSld>
     <p:bg>
@@ -18343,7 +21096,7 @@
 </p:sld>
 </file>
 
-<file path=ppt/slides/slide58.xml><?xml version="1.0" encoding="utf-8"?>
+<file path=ppt/slides/slide63.xml><?xml version="1.0" encoding="utf-8"?>
 <p:sld xmlns:a="http://schemas.openxmlformats.org/drawingml/2006/main" xmlns:r="http://schemas.openxmlformats.org/officeDocument/2006/relationships" xmlns:p="http://schemas.openxmlformats.org/presentationml/2006/main">
   <p:cSld>
     <p:bg>
@@ -18567,7 +21320,7 @@
 </p:sld>
 </file>
 
-<file path=ppt/slides/slide59.xml><?xml version="1.0" encoding="utf-8"?>
+<file path=ppt/slides/slide64.xml><?xml version="1.0" encoding="utf-8"?>
 <p:sld xmlns:a="http://schemas.openxmlformats.org/drawingml/2006/main" xmlns:r="http://schemas.openxmlformats.org/officeDocument/2006/relationships" xmlns:p="http://schemas.openxmlformats.org/presentationml/2006/main">
   <p:cSld>
     <p:bg>
@@ -18689,150 +21442,7 @@
 </p:sld>
 </file>
 
-<file path=ppt/slides/slide6.xml><?xml version="1.0" encoding="utf-8"?>
-<p:sld xmlns:a="http://schemas.openxmlformats.org/drawingml/2006/main" xmlns:r="http://schemas.openxmlformats.org/officeDocument/2006/relationships" xmlns:p="http://schemas.openxmlformats.org/presentationml/2006/main">
-  <p:cSld>
-    <p:bg>
-      <p:bgPr>
-        <a:blipFill dpi="0" rotWithShape="1">
-          <a:blip r:embed="rId3">
-            <a:extLst>
-              <a:ext uri="{BEBA8EAE-BF5A-486C-A8C5-ECC9F3942E4B}">
-                <a14:imgProps xmlns:a14="http://schemas.microsoft.com/office/drawing/2010/main">
-                  <a14:imgLayer r:embed="rId4">
-                    <a14:imgEffect>
-                      <a14:brightnessContrast bright="-50000"/>
-                    </a14:imgEffect>
-                  </a14:imgLayer>
-                </a14:imgProps>
-              </a:ext>
-            </a:extLst>
-          </a:blip>
-          <a:srcRect/>
-          <a:stretch>
-            <a:fillRect l="-10000" r="-10000"/>
-          </a:stretch>
-        </a:blipFill>
-        <a:effectLst/>
-      </p:bgPr>
-    </p:bg>
-    <p:spTree>
-      <p:nvGrpSpPr>
-        <p:cNvPr id="1" name=""/>
-        <p:cNvGrpSpPr/>
-        <p:nvPr/>
-      </p:nvGrpSpPr>
-      <p:grpSpPr>
-        <a:xfrm>
-          <a:off x="0" y="0"/>
-          <a:ext cx="0" cy="0"/>
-          <a:chOff x="0" y="0"/>
-          <a:chExt cx="0" cy="0"/>
-        </a:xfrm>
-      </p:grpSpPr>
-      <p:sp>
-        <p:nvSpPr>
-          <p:cNvPr id="2" name="Title 1"/>
-          <p:cNvSpPr>
-            <a:spLocks noGrp="1"/>
-          </p:cNvSpPr>
-          <p:nvPr>
-            <p:ph type="title"/>
-          </p:nvPr>
-        </p:nvSpPr>
-        <p:spPr/>
-        <p:txBody>
-          <a:bodyPr/>
-          <a:lstStyle/>
-          <a:p>
-            <a:r>
-              <a:rPr lang="en-US" dirty="0"/>
-              <a:t>Concepts and Definitions</a:t>
-            </a:r>
-          </a:p>
-        </p:txBody>
-      </p:sp>
-      <p:sp>
-        <p:nvSpPr>
-          <p:cNvPr id="3" name="Content Placeholder 2"/>
-          <p:cNvSpPr>
-            <a:spLocks noGrp="1"/>
-          </p:cNvSpPr>
-          <p:nvPr>
-            <p:ph idx="1"/>
-          </p:nvPr>
-        </p:nvSpPr>
-        <p:spPr/>
-        <p:txBody>
-          <a:bodyPr/>
-          <a:lstStyle/>
-          <a:p>
-            <a:r>
-              <a:rPr lang="en-US" dirty="0"/>
-              <a:t>Classifier</a:t>
-            </a:r>
-          </a:p>
-          <a:p>
-            <a:pPr lvl="1"/>
-            <a:r>
-              <a:rPr lang="en-US" dirty="0"/>
-              <a:t>The trainers used to build models to predict outcomes for classification problems.</a:t>
-            </a:r>
-          </a:p>
-          <a:p>
-            <a:pPr lvl="1"/>
-            <a:r>
-              <a:rPr lang="en-US" dirty="0"/>
-              <a:t>For problems where we are trying to categorize something.</a:t>
-            </a:r>
-          </a:p>
-          <a:p>
-            <a:pPr lvl="2"/>
-            <a:r>
-              <a:rPr lang="en-US" dirty="0"/>
-              <a:t>i.e. trying to determine what kind of fruit something is.</a:t>
-            </a:r>
-          </a:p>
-          <a:p>
-            <a:pPr lvl="2"/>
-            <a:r>
-              <a:rPr lang="en-US" dirty="0"/>
-              <a:t>Trying to determine what kind of animal is in a picture.</a:t>
-            </a:r>
-          </a:p>
-          <a:p>
-            <a:pPr lvl="1"/>
-            <a:r>
-              <a:rPr lang="en-US" dirty="0"/>
-              <a:t>This is the scaffolding for our model.</a:t>
-            </a:r>
-          </a:p>
-          <a:p>
-            <a:endParaRPr lang="en-US" dirty="0"/>
-          </a:p>
-          <a:p>
-            <a:pPr lvl="2"/>
-            <a:endParaRPr lang="en-US" dirty="0"/>
-          </a:p>
-          <a:p>
-            <a:endParaRPr lang="en-US" dirty="0"/>
-          </a:p>
-        </p:txBody>
-      </p:sp>
-    </p:spTree>
-    <p:extLst>
-      <p:ext uri="{BB962C8B-B14F-4D97-AF65-F5344CB8AC3E}">
-        <p14:creationId xmlns:p14="http://schemas.microsoft.com/office/powerpoint/2010/main" val="3096496910"/>
-      </p:ext>
-    </p:extLst>
-  </p:cSld>
-  <p:clrMapOvr>
-    <a:overrideClrMapping bg1="lt1" tx1="dk1" bg2="lt2" tx2="dk2" accent1="accent1" accent2="accent2" accent3="accent3" accent4="accent4" accent5="accent5" accent6="accent6" hlink="hlink" folHlink="folHlink"/>
-  </p:clrMapOvr>
-</p:sld>
-</file>
-
-<file path=ppt/slides/slide60.xml><?xml version="1.0" encoding="utf-8"?>
+<file path=ppt/slides/slide65.xml><?xml version="1.0" encoding="utf-8"?>
 <p:sld xmlns:a="http://schemas.openxmlformats.org/drawingml/2006/main" xmlns:r="http://schemas.openxmlformats.org/officeDocument/2006/relationships" xmlns:p="http://schemas.openxmlformats.org/presentationml/2006/main">
   <p:cSld>
     <p:bg>
@@ -18958,7 +21568,7 @@
 </p:sld>
 </file>
 
-<file path=ppt/slides/slide61.xml><?xml version="1.0" encoding="utf-8"?>
+<file path=ppt/slides/slide66.xml><?xml version="1.0" encoding="utf-8"?>
 <p:sld xmlns:a="http://schemas.openxmlformats.org/drawingml/2006/main" xmlns:r="http://schemas.openxmlformats.org/officeDocument/2006/relationships" xmlns:p="http://schemas.openxmlformats.org/presentationml/2006/main">
   <p:cSld>
     <p:bg>
@@ -19067,7 +21677,7 @@
 </p:sld>
 </file>
 
-<file path=ppt/slides/slide62.xml><?xml version="1.0" encoding="utf-8"?>
+<file path=ppt/slides/slide67.xml><?xml version="1.0" encoding="utf-8"?>
 <p:sld xmlns:a="http://schemas.openxmlformats.org/drawingml/2006/main" xmlns:r="http://schemas.openxmlformats.org/officeDocument/2006/relationships" xmlns:p="http://schemas.openxmlformats.org/presentationml/2006/main">
   <p:cSld>
     <p:bg>
@@ -19172,7 +21782,7 @@
 </p:sld>
 </file>
 
-<file path=ppt/slides/slide63.xml><?xml version="1.0" encoding="utf-8"?>
+<file path=ppt/slides/slide68.xml><?xml version="1.0" encoding="utf-8"?>
 <p:sld xmlns:a="http://schemas.openxmlformats.org/drawingml/2006/main" xmlns:r="http://schemas.openxmlformats.org/officeDocument/2006/relationships" xmlns:p="http://schemas.openxmlformats.org/presentationml/2006/main">
   <p:cSld>
     <p:bg>
@@ -19320,7 +21930,7 @@
 </p:sld>
 </file>
 
-<file path=ppt/slides/slide64.xml><?xml version="1.0" encoding="utf-8"?>
+<file path=ppt/slides/slide69.xml><?xml version="1.0" encoding="utf-8"?>
 <p:sld xmlns:a="http://schemas.openxmlformats.org/drawingml/2006/main" xmlns:r="http://schemas.openxmlformats.org/officeDocument/2006/relationships" xmlns:p="http://schemas.openxmlformats.org/presentationml/2006/main">
   <p:cSld>
     <p:bg>
@@ -19459,787 +22069,6 @@
     <p:extLst>
       <p:ext uri="{BB962C8B-B14F-4D97-AF65-F5344CB8AC3E}">
         <p14:creationId xmlns:p14="http://schemas.microsoft.com/office/powerpoint/2010/main" val="3212847762"/>
-      </p:ext>
-    </p:extLst>
-  </p:cSld>
-  <p:clrMapOvr>
-    <a:overrideClrMapping bg1="lt1" tx1="dk1" bg2="lt2" tx2="dk2" accent1="accent1" accent2="accent2" accent3="accent3" accent4="accent4" accent5="accent5" accent6="accent6" hlink="hlink" folHlink="folHlink"/>
-  </p:clrMapOvr>
-</p:sld>
-</file>
-
-<file path=ppt/slides/slide65.xml><?xml version="1.0" encoding="utf-8"?>
-<p:sld xmlns:a="http://schemas.openxmlformats.org/drawingml/2006/main" xmlns:r="http://schemas.openxmlformats.org/officeDocument/2006/relationships" xmlns:p="http://schemas.openxmlformats.org/presentationml/2006/main">
-  <p:cSld>
-    <p:bg>
-      <p:bgPr>
-        <a:blipFill dpi="0" rotWithShape="1">
-          <a:blip r:embed="rId3">
-            <a:extLst>
-              <a:ext uri="{BEBA8EAE-BF5A-486C-A8C5-ECC9F3942E4B}">
-                <a14:imgProps xmlns:a14="http://schemas.microsoft.com/office/drawing/2010/main">
-                  <a14:imgLayer r:embed="rId4">
-                    <a14:imgEffect>
-                      <a14:brightnessContrast bright="-50000"/>
-                    </a14:imgEffect>
-                  </a14:imgLayer>
-                </a14:imgProps>
-              </a:ext>
-            </a:extLst>
-          </a:blip>
-          <a:srcRect/>
-          <a:stretch>
-            <a:fillRect l="-10000" r="-10000"/>
-          </a:stretch>
-        </a:blipFill>
-        <a:effectLst/>
-      </p:bgPr>
-    </p:bg>
-    <p:spTree>
-      <p:nvGrpSpPr>
-        <p:cNvPr id="1" name=""/>
-        <p:cNvGrpSpPr/>
-        <p:nvPr/>
-      </p:nvGrpSpPr>
-      <p:grpSpPr>
-        <a:xfrm>
-          <a:off x="0" y="0"/>
-          <a:ext cx="0" cy="0"/>
-          <a:chOff x="0" y="0"/>
-          <a:chExt cx="0" cy="0"/>
-        </a:xfrm>
-      </p:grpSpPr>
-      <p:sp>
-        <p:nvSpPr>
-          <p:cNvPr id="2" name="Title 1"/>
-          <p:cNvSpPr>
-            <a:spLocks noGrp="1"/>
-          </p:cNvSpPr>
-          <p:nvPr>
-            <p:ph type="title"/>
-          </p:nvPr>
-        </p:nvSpPr>
-        <p:spPr/>
-        <p:txBody>
-          <a:bodyPr/>
-          <a:lstStyle/>
-          <a:p>
-            <a:r>
-              <a:rPr lang="en-US" dirty="0"/>
-              <a:t>Linear Models - Regressors</a:t>
-            </a:r>
-          </a:p>
-        </p:txBody>
-      </p:sp>
-      <p:sp>
-        <p:nvSpPr>
-          <p:cNvPr id="3" name="Content Placeholder 2"/>
-          <p:cNvSpPr>
-            <a:spLocks noGrp="1"/>
-          </p:cNvSpPr>
-          <p:nvPr>
-            <p:ph idx="1"/>
-          </p:nvPr>
-        </p:nvSpPr>
-        <p:spPr/>
-        <p:txBody>
-          <a:bodyPr>
-            <a:normAutofit/>
-          </a:bodyPr>
-          <a:lstStyle/>
-          <a:p>
-            <a:r>
-              <a:rPr lang="en-US" dirty="0"/>
-              <a:t>Regressors</a:t>
-            </a:r>
-          </a:p>
-          <a:p>
-            <a:pPr lvl="1"/>
-            <a:r>
-              <a:rPr lang="en-US" dirty="0"/>
-              <a:t>Tries to predict as close to a value as possible.</a:t>
-            </a:r>
-          </a:p>
-          <a:p>
-            <a:pPr lvl="1"/>
-            <a:r>
-              <a:rPr lang="en-US" dirty="0"/>
-              <a:t>Creates a linear equation to predict outcomes:</a:t>
-            </a:r>
-          </a:p>
-          <a:p>
-            <a:pPr lvl="2"/>
-            <a:r>
-              <a:rPr lang="en-US" dirty="0" err="1"/>
-              <a:t>Y</a:t>
-            </a:r>
-            <a:r>
-              <a:rPr lang="en-US" baseline="-25000" dirty="0" err="1"/>
-              <a:t>predict</a:t>
-            </a:r>
-            <a:r>
-              <a:rPr lang="en-US" dirty="0"/>
-              <a:t> = w</a:t>
-            </a:r>
-            <a:r>
-              <a:rPr lang="en-US" baseline="-25000" dirty="0"/>
-              <a:t>1</a:t>
-            </a:r>
-            <a:r>
-              <a:rPr lang="en-US" dirty="0"/>
-              <a:t>*f</a:t>
-            </a:r>
-            <a:r>
-              <a:rPr lang="en-US" baseline="-25000" dirty="0"/>
-              <a:t>1</a:t>
-            </a:r>
-            <a:r>
-              <a:rPr lang="en-US" dirty="0"/>
-              <a:t> + w</a:t>
-            </a:r>
-            <a:r>
-              <a:rPr lang="en-US" baseline="-25000" dirty="0"/>
-              <a:t>2</a:t>
-            </a:r>
-            <a:r>
-              <a:rPr lang="en-US" dirty="0"/>
-              <a:t>*f</a:t>
-            </a:r>
-            <a:r>
-              <a:rPr lang="en-US" baseline="-25000" dirty="0"/>
-              <a:t>2</a:t>
-            </a:r>
-            <a:r>
-              <a:rPr lang="en-US" dirty="0"/>
-              <a:t> + w</a:t>
-            </a:r>
-            <a:r>
-              <a:rPr lang="en-US" baseline="-25000" dirty="0"/>
-              <a:t>3</a:t>
-            </a:r>
-            <a:r>
-              <a:rPr lang="en-US" dirty="0"/>
-              <a:t>*f</a:t>
-            </a:r>
-            <a:r>
-              <a:rPr lang="en-US" baseline="-25000" dirty="0"/>
-              <a:t>3</a:t>
-            </a:r>
-            <a:r>
-              <a:rPr lang="en-US" dirty="0"/>
-              <a:t> + … + </a:t>
-            </a:r>
-            <a:r>
-              <a:rPr lang="en-US" dirty="0" err="1"/>
-              <a:t>w</a:t>
-            </a:r>
-            <a:r>
-              <a:rPr lang="en-US" baseline="-25000" dirty="0" err="1"/>
-              <a:t>n</a:t>
-            </a:r>
-            <a:r>
-              <a:rPr lang="en-US" dirty="0"/>
-              <a:t>*</a:t>
-            </a:r>
-            <a:r>
-              <a:rPr lang="en-US" dirty="0" err="1"/>
-              <a:t>f</a:t>
-            </a:r>
-            <a:r>
-              <a:rPr lang="en-US" baseline="-25000" dirty="0" err="1"/>
-              <a:t>n</a:t>
-            </a:r>
-            <a:r>
-              <a:rPr lang="en-US" dirty="0"/>
-              <a:t> + b</a:t>
-            </a:r>
-          </a:p>
-          <a:p>
-            <a:pPr lvl="3"/>
-            <a:r>
-              <a:rPr lang="en-US" dirty="0" err="1"/>
-              <a:t>Y</a:t>
-            </a:r>
-            <a:r>
-              <a:rPr lang="en-US" baseline="-25000" dirty="0" err="1"/>
-              <a:t>predict</a:t>
-            </a:r>
-            <a:r>
-              <a:rPr lang="en-US" dirty="0"/>
-              <a:t> = predicted value for given sample</a:t>
-            </a:r>
-          </a:p>
-          <a:p>
-            <a:pPr lvl="3"/>
-            <a:r>
-              <a:rPr lang="en-US" dirty="0"/>
-              <a:t>w = weights</a:t>
-            </a:r>
-          </a:p>
-          <a:p>
-            <a:pPr lvl="3"/>
-            <a:r>
-              <a:rPr lang="en-US" dirty="0"/>
-              <a:t>f = feature value</a:t>
-            </a:r>
-          </a:p>
-          <a:p>
-            <a:pPr lvl="3"/>
-            <a:r>
-              <a:rPr lang="en-US" dirty="0"/>
-              <a:t>b = intercept of linear line</a:t>
-            </a:r>
-          </a:p>
-          <a:p>
-            <a:pPr lvl="3"/>
-            <a:r>
-              <a:rPr lang="en-US" dirty="0"/>
-              <a:t>n = number of features</a:t>
-            </a:r>
-          </a:p>
-          <a:p>
-            <a:pPr lvl="2"/>
-            <a:r>
-              <a:rPr lang="en-US" dirty="0" err="1"/>
-              <a:t>A.k.a</a:t>
-            </a:r>
-            <a:r>
-              <a:rPr lang="en-US" dirty="0"/>
-              <a:t> the prediction function.</a:t>
-            </a:r>
-          </a:p>
-          <a:p>
-            <a:pPr lvl="2"/>
-            <a:endParaRPr lang="en-US" dirty="0"/>
-          </a:p>
-          <a:p>
-            <a:endParaRPr lang="en-US" dirty="0"/>
-          </a:p>
-        </p:txBody>
-      </p:sp>
-    </p:spTree>
-    <p:extLst>
-      <p:ext uri="{BB962C8B-B14F-4D97-AF65-F5344CB8AC3E}">
-        <p14:creationId xmlns:p14="http://schemas.microsoft.com/office/powerpoint/2010/main" val="1469044682"/>
-      </p:ext>
-    </p:extLst>
-  </p:cSld>
-  <p:clrMapOvr>
-    <a:overrideClrMapping bg1="lt1" tx1="dk1" bg2="lt2" tx2="dk2" accent1="accent1" accent2="accent2" accent3="accent3" accent4="accent4" accent5="accent5" accent6="accent6" hlink="hlink" folHlink="folHlink"/>
-  </p:clrMapOvr>
-</p:sld>
-</file>
-
-<file path=ppt/slides/slide66.xml><?xml version="1.0" encoding="utf-8"?>
-<p:sld xmlns:a="http://schemas.openxmlformats.org/drawingml/2006/main" xmlns:r="http://schemas.openxmlformats.org/officeDocument/2006/relationships" xmlns:p="http://schemas.openxmlformats.org/presentationml/2006/main">
-  <p:cSld>
-    <p:bg>
-      <p:bgPr>
-        <a:blipFill dpi="0" rotWithShape="1">
-          <a:blip r:embed="rId3">
-            <a:extLst>
-              <a:ext uri="{BEBA8EAE-BF5A-486C-A8C5-ECC9F3942E4B}">
-                <a14:imgProps xmlns:a14="http://schemas.microsoft.com/office/drawing/2010/main">
-                  <a14:imgLayer r:embed="rId4">
-                    <a14:imgEffect>
-                      <a14:brightnessContrast bright="-50000"/>
-                    </a14:imgEffect>
-                  </a14:imgLayer>
-                </a14:imgProps>
-              </a:ext>
-            </a:extLst>
-          </a:blip>
-          <a:srcRect/>
-          <a:stretch>
-            <a:fillRect l="-10000" r="-10000"/>
-          </a:stretch>
-        </a:blipFill>
-        <a:effectLst/>
-      </p:bgPr>
-    </p:bg>
-    <p:spTree>
-      <p:nvGrpSpPr>
-        <p:cNvPr id="1" name=""/>
-        <p:cNvGrpSpPr/>
-        <p:nvPr/>
-      </p:nvGrpSpPr>
-      <p:grpSpPr>
-        <a:xfrm>
-          <a:off x="0" y="0"/>
-          <a:ext cx="0" cy="0"/>
-          <a:chOff x="0" y="0"/>
-          <a:chExt cx="0" cy="0"/>
-        </a:xfrm>
-      </p:grpSpPr>
-      <p:sp>
-        <p:nvSpPr>
-          <p:cNvPr id="2" name="Title 1"/>
-          <p:cNvSpPr>
-            <a:spLocks noGrp="1"/>
-          </p:cNvSpPr>
-          <p:nvPr>
-            <p:ph type="title"/>
-          </p:nvPr>
-        </p:nvSpPr>
-        <p:spPr/>
-        <p:txBody>
-          <a:bodyPr/>
-          <a:lstStyle/>
-          <a:p>
-            <a:r>
-              <a:rPr lang="en-US" dirty="0"/>
-              <a:t>Linear Models - Regressors</a:t>
-            </a:r>
-          </a:p>
-        </p:txBody>
-      </p:sp>
-      <p:sp>
-        <p:nvSpPr>
-          <p:cNvPr id="3" name="Content Placeholder 2"/>
-          <p:cNvSpPr>
-            <a:spLocks noGrp="1"/>
-          </p:cNvSpPr>
-          <p:nvPr>
-            <p:ph idx="1"/>
-          </p:nvPr>
-        </p:nvSpPr>
-        <p:spPr/>
-        <p:txBody>
-          <a:bodyPr>
-            <a:normAutofit/>
-          </a:bodyPr>
-          <a:lstStyle/>
-          <a:p>
-            <a:r>
-              <a:rPr lang="en-US" dirty="0"/>
-              <a:t>Regressors</a:t>
-            </a:r>
-          </a:p>
-          <a:p>
-            <a:pPr lvl="1"/>
-            <a:r>
-              <a:rPr lang="en-US" dirty="0"/>
-              <a:t>The models we train adjust the values of </a:t>
-            </a:r>
-            <a:r>
-              <a:rPr lang="en-US" dirty="0" err="1"/>
-              <a:t>w</a:t>
-            </a:r>
-            <a:r>
-              <a:rPr lang="en-US" baseline="-25000" dirty="0" err="1"/>
-              <a:t>x</a:t>
-            </a:r>
-            <a:r>
-              <a:rPr lang="en-US" dirty="0"/>
-              <a:t> and b.</a:t>
-            </a:r>
-          </a:p>
-          <a:p>
-            <a:pPr lvl="1"/>
-            <a:r>
-              <a:rPr lang="en-US" dirty="0"/>
-              <a:t>For functions with regularization, an additional term is added for model to optimize when generating prediction function</a:t>
-            </a:r>
-          </a:p>
-          <a:p>
-            <a:pPr lvl="1"/>
-            <a:r>
-              <a:rPr lang="en-US" dirty="0"/>
-              <a:t>Examples:</a:t>
-            </a:r>
-          </a:p>
-          <a:p>
-            <a:pPr lvl="2"/>
-            <a:r>
-              <a:rPr lang="en-US" dirty="0"/>
-              <a:t>Trying to predict median household income of an area.</a:t>
-            </a:r>
-          </a:p>
-          <a:p>
-            <a:pPr lvl="2"/>
-            <a:r>
-              <a:rPr lang="en-US" dirty="0"/>
-              <a:t>Trying to predict the value a stock will rise to.</a:t>
-            </a:r>
-          </a:p>
-          <a:p>
-            <a:pPr lvl="2"/>
-            <a:endParaRPr lang="en-US" dirty="0"/>
-          </a:p>
-          <a:p>
-            <a:endParaRPr lang="en-US" dirty="0"/>
-          </a:p>
-        </p:txBody>
-      </p:sp>
-    </p:spTree>
-    <p:extLst>
-      <p:ext uri="{BB962C8B-B14F-4D97-AF65-F5344CB8AC3E}">
-        <p14:creationId xmlns:p14="http://schemas.microsoft.com/office/powerpoint/2010/main" val="3393903202"/>
-      </p:ext>
-    </p:extLst>
-  </p:cSld>
-  <p:clrMapOvr>
-    <a:overrideClrMapping bg1="lt1" tx1="dk1" bg2="lt2" tx2="dk2" accent1="accent1" accent2="accent2" accent3="accent3" accent4="accent4" accent5="accent5" accent6="accent6" hlink="hlink" folHlink="folHlink"/>
-  </p:clrMapOvr>
-</p:sld>
-</file>
-
-<file path=ppt/slides/slide67.xml><?xml version="1.0" encoding="utf-8"?>
-<p:sld xmlns:a="http://schemas.openxmlformats.org/drawingml/2006/main" xmlns:r="http://schemas.openxmlformats.org/officeDocument/2006/relationships" xmlns:p="http://schemas.openxmlformats.org/presentationml/2006/main">
-  <p:cSld>
-    <p:bg>
-      <p:bgPr>
-        <a:blipFill dpi="0" rotWithShape="1">
-          <a:blip r:embed="rId3">
-            <a:extLst>
-              <a:ext uri="{BEBA8EAE-BF5A-486C-A8C5-ECC9F3942E4B}">
-                <a14:imgProps xmlns:a14="http://schemas.microsoft.com/office/drawing/2010/main">
-                  <a14:imgLayer r:embed="rId4">
-                    <a14:imgEffect>
-                      <a14:brightnessContrast bright="-50000"/>
-                    </a14:imgEffect>
-                  </a14:imgLayer>
-                </a14:imgProps>
-              </a:ext>
-            </a:extLst>
-          </a:blip>
-          <a:srcRect/>
-          <a:stretch>
-            <a:fillRect l="-10000" r="-10000"/>
-          </a:stretch>
-        </a:blipFill>
-        <a:effectLst/>
-      </p:bgPr>
-    </p:bg>
-    <p:spTree>
-      <p:nvGrpSpPr>
-        <p:cNvPr id="1" name=""/>
-        <p:cNvGrpSpPr/>
-        <p:nvPr/>
-      </p:nvGrpSpPr>
-      <p:grpSpPr>
-        <a:xfrm>
-          <a:off x="0" y="0"/>
-          <a:ext cx="0" cy="0"/>
-          <a:chOff x="0" y="0"/>
-          <a:chExt cx="0" cy="0"/>
-        </a:xfrm>
-      </p:grpSpPr>
-      <p:sp>
-        <p:nvSpPr>
-          <p:cNvPr id="2" name="Title 1"/>
-          <p:cNvSpPr>
-            <a:spLocks noGrp="1"/>
-          </p:cNvSpPr>
-          <p:nvPr>
-            <p:ph type="title"/>
-          </p:nvPr>
-        </p:nvSpPr>
-        <p:spPr/>
-        <p:txBody>
-          <a:bodyPr/>
-          <a:lstStyle/>
-          <a:p>
-            <a:r>
-              <a:rPr lang="en-US" dirty="0"/>
-              <a:t>Linear Models - Regressors</a:t>
-            </a:r>
-          </a:p>
-        </p:txBody>
-      </p:sp>
-      <p:sp>
-        <p:nvSpPr>
-          <p:cNvPr id="3" name="Content Placeholder 2"/>
-          <p:cNvSpPr>
-            <a:spLocks noGrp="1"/>
-          </p:cNvSpPr>
-          <p:nvPr>
-            <p:ph idx="1"/>
-          </p:nvPr>
-        </p:nvSpPr>
-        <p:spPr/>
-        <p:txBody>
-          <a:bodyPr/>
-          <a:lstStyle/>
-          <a:p>
-            <a:r>
-              <a:rPr lang="en-US" dirty="0"/>
-              <a:t>K-Nearest Neighbors Regression</a:t>
-            </a:r>
-          </a:p>
-          <a:p>
-            <a:pPr lvl="1"/>
-            <a:r>
-              <a:rPr lang="en-US" dirty="0"/>
-              <a:t>Similar to the classifier, the regressor picks the value that is closest to the most similar neighbor.</a:t>
-            </a:r>
-          </a:p>
-          <a:p>
-            <a:pPr lvl="1"/>
-            <a:r>
-              <a:rPr lang="en-US" dirty="0"/>
-              <a:t>Multiple neighbors are averaged together.</a:t>
-            </a:r>
-          </a:p>
-          <a:p>
-            <a:pPr lvl="2"/>
-            <a:endParaRPr lang="en-US" dirty="0"/>
-          </a:p>
-          <a:p>
-            <a:endParaRPr lang="en-US" dirty="0"/>
-          </a:p>
-        </p:txBody>
-      </p:sp>
-    </p:spTree>
-    <p:extLst>
-      <p:ext uri="{BB962C8B-B14F-4D97-AF65-F5344CB8AC3E}">
-        <p14:creationId xmlns:p14="http://schemas.microsoft.com/office/powerpoint/2010/main" val="3048577779"/>
-      </p:ext>
-    </p:extLst>
-  </p:cSld>
-  <p:clrMapOvr>
-    <a:overrideClrMapping bg1="lt1" tx1="dk1" bg2="lt2" tx2="dk2" accent1="accent1" accent2="accent2" accent3="accent3" accent4="accent4" accent5="accent5" accent6="accent6" hlink="hlink" folHlink="folHlink"/>
-  </p:clrMapOvr>
-</p:sld>
-</file>
-
-<file path=ppt/slides/slide68.xml><?xml version="1.0" encoding="utf-8"?>
-<p:sld xmlns:a="http://schemas.openxmlformats.org/drawingml/2006/main" xmlns:r="http://schemas.openxmlformats.org/officeDocument/2006/relationships" xmlns:p="http://schemas.openxmlformats.org/presentationml/2006/main">
-  <p:cSld>
-    <p:bg>
-      <p:bgPr>
-        <a:blipFill dpi="0" rotWithShape="1">
-          <a:blip r:embed="rId3">
-            <a:extLst>
-              <a:ext uri="{BEBA8EAE-BF5A-486C-A8C5-ECC9F3942E4B}">
-                <a14:imgProps xmlns:a14="http://schemas.microsoft.com/office/drawing/2010/main">
-                  <a14:imgLayer r:embed="rId4">
-                    <a14:imgEffect>
-                      <a14:brightnessContrast bright="-50000"/>
-                    </a14:imgEffect>
-                  </a14:imgLayer>
-                </a14:imgProps>
-              </a:ext>
-            </a:extLst>
-          </a:blip>
-          <a:srcRect/>
-          <a:stretch>
-            <a:fillRect l="-10000" r="-10000"/>
-          </a:stretch>
-        </a:blipFill>
-        <a:effectLst/>
-      </p:bgPr>
-    </p:bg>
-    <p:spTree>
-      <p:nvGrpSpPr>
-        <p:cNvPr id="1" name=""/>
-        <p:cNvGrpSpPr/>
-        <p:nvPr/>
-      </p:nvGrpSpPr>
-      <p:grpSpPr>
-        <a:xfrm>
-          <a:off x="0" y="0"/>
-          <a:ext cx="0" cy="0"/>
-          <a:chOff x="0" y="0"/>
-          <a:chExt cx="0" cy="0"/>
-        </a:xfrm>
-      </p:grpSpPr>
-      <p:sp>
-        <p:nvSpPr>
-          <p:cNvPr id="2" name="Title 1"/>
-          <p:cNvSpPr>
-            <a:spLocks noGrp="1"/>
-          </p:cNvSpPr>
-          <p:nvPr>
-            <p:ph type="title"/>
-          </p:nvPr>
-        </p:nvSpPr>
-        <p:spPr/>
-        <p:txBody>
-          <a:bodyPr/>
-          <a:lstStyle/>
-          <a:p>
-            <a:r>
-              <a:rPr lang="en-US" dirty="0"/>
-              <a:t>Linear Models - Regressors</a:t>
-            </a:r>
-          </a:p>
-        </p:txBody>
-      </p:sp>
-      <p:sp>
-        <p:nvSpPr>
-          <p:cNvPr id="3" name="Content Placeholder 2"/>
-          <p:cNvSpPr>
-            <a:spLocks noGrp="1"/>
-          </p:cNvSpPr>
-          <p:nvPr>
-            <p:ph idx="1"/>
-          </p:nvPr>
-        </p:nvSpPr>
-        <p:spPr/>
-        <p:txBody>
-          <a:bodyPr/>
-          <a:lstStyle/>
-          <a:p>
-            <a:r>
-              <a:rPr lang="en-US" dirty="0"/>
-              <a:t>Linear Regression (Ordinary Least Squares)</a:t>
-            </a:r>
-          </a:p>
-          <a:p>
-            <a:pPr lvl="1"/>
-            <a:r>
-              <a:rPr lang="en-US" dirty="0"/>
-              <a:t>Attempts to minimize the mean squared error between the prediction and the target values.</a:t>
-            </a:r>
-          </a:p>
-          <a:p>
-            <a:pPr lvl="1"/>
-            <a:r>
-              <a:rPr lang="en-US" dirty="0"/>
-              <a:t>The error of this trainer is calculated by adding the squared differences between the predicted value with the actual target value.</a:t>
-            </a:r>
-          </a:p>
-          <a:p>
-            <a:pPr lvl="1"/>
-            <a:r>
-              <a:rPr lang="en-US" dirty="0"/>
-              <a:t>No regularization parameters to adjust the accuracy of this trainer</a:t>
-            </a:r>
-          </a:p>
-          <a:p>
-            <a:endParaRPr lang="en-US" dirty="0"/>
-          </a:p>
-        </p:txBody>
-      </p:sp>
-    </p:spTree>
-    <p:extLst>
-      <p:ext uri="{BB962C8B-B14F-4D97-AF65-F5344CB8AC3E}">
-        <p14:creationId xmlns:p14="http://schemas.microsoft.com/office/powerpoint/2010/main" val="2836403428"/>
-      </p:ext>
-    </p:extLst>
-  </p:cSld>
-  <p:clrMapOvr>
-    <a:overrideClrMapping bg1="lt1" tx1="dk1" bg2="lt2" tx2="dk2" accent1="accent1" accent2="accent2" accent3="accent3" accent4="accent4" accent5="accent5" accent6="accent6" hlink="hlink" folHlink="folHlink"/>
-  </p:clrMapOvr>
-</p:sld>
-</file>
-
-<file path=ppt/slides/slide69.xml><?xml version="1.0" encoding="utf-8"?>
-<p:sld xmlns:a="http://schemas.openxmlformats.org/drawingml/2006/main" xmlns:r="http://schemas.openxmlformats.org/officeDocument/2006/relationships" xmlns:p="http://schemas.openxmlformats.org/presentationml/2006/main">
-  <p:cSld>
-    <p:bg>
-      <p:bgPr>
-        <a:blipFill dpi="0" rotWithShape="1">
-          <a:blip r:embed="rId3">
-            <a:extLst>
-              <a:ext uri="{BEBA8EAE-BF5A-486C-A8C5-ECC9F3942E4B}">
-                <a14:imgProps xmlns:a14="http://schemas.microsoft.com/office/drawing/2010/main">
-                  <a14:imgLayer r:embed="rId4">
-                    <a14:imgEffect>
-                      <a14:brightnessContrast bright="-50000"/>
-                    </a14:imgEffect>
-                  </a14:imgLayer>
-                </a14:imgProps>
-              </a:ext>
-            </a:extLst>
-          </a:blip>
-          <a:srcRect/>
-          <a:stretch>
-            <a:fillRect l="-10000" r="-10000"/>
-          </a:stretch>
-        </a:blipFill>
-        <a:effectLst/>
-      </p:bgPr>
-    </p:bg>
-    <p:spTree>
-      <p:nvGrpSpPr>
-        <p:cNvPr id="1" name=""/>
-        <p:cNvGrpSpPr/>
-        <p:nvPr/>
-      </p:nvGrpSpPr>
-      <p:grpSpPr>
-        <a:xfrm>
-          <a:off x="0" y="0"/>
-          <a:ext cx="0" cy="0"/>
-          <a:chOff x="0" y="0"/>
-          <a:chExt cx="0" cy="0"/>
-        </a:xfrm>
-      </p:grpSpPr>
-      <p:sp>
-        <p:nvSpPr>
-          <p:cNvPr id="2" name="Title 1"/>
-          <p:cNvSpPr>
-            <a:spLocks noGrp="1"/>
-          </p:cNvSpPr>
-          <p:nvPr>
-            <p:ph type="title"/>
-          </p:nvPr>
-        </p:nvSpPr>
-        <p:spPr/>
-        <p:txBody>
-          <a:bodyPr/>
-          <a:lstStyle/>
-          <a:p>
-            <a:r>
-              <a:rPr lang="en-US" dirty="0"/>
-              <a:t>Linear Models - Regressors</a:t>
-            </a:r>
-          </a:p>
-        </p:txBody>
-      </p:sp>
-      <p:sp>
-        <p:nvSpPr>
-          <p:cNvPr id="3" name="Content Placeholder 2"/>
-          <p:cNvSpPr>
-            <a:spLocks noGrp="1"/>
-          </p:cNvSpPr>
-          <p:nvPr>
-            <p:ph idx="1"/>
-          </p:nvPr>
-        </p:nvSpPr>
-        <p:spPr/>
-        <p:txBody>
-          <a:bodyPr/>
-          <a:lstStyle/>
-          <a:p>
-            <a:r>
-              <a:rPr lang="en-US" dirty="0"/>
-              <a:t>In-Class Example – Linear Regression</a:t>
-            </a:r>
-          </a:p>
-          <a:p>
-            <a:pPr lvl="1"/>
-            <a:endParaRPr lang="en-US" dirty="0"/>
-          </a:p>
-          <a:p>
-            <a:pPr lvl="2"/>
-            <a:endParaRPr lang="en-US" dirty="0"/>
-          </a:p>
-          <a:p>
-            <a:endParaRPr lang="en-US" dirty="0"/>
-          </a:p>
-          <a:p>
-            <a:pPr lvl="1"/>
-            <a:endParaRPr lang="en-US" dirty="0"/>
-          </a:p>
-          <a:p>
-            <a:pPr lvl="2"/>
-            <a:endParaRPr lang="en-US" dirty="0"/>
-          </a:p>
-          <a:p>
-            <a:pPr lvl="2"/>
-            <a:endParaRPr lang="en-US" dirty="0"/>
-          </a:p>
-          <a:p>
-            <a:endParaRPr lang="en-US" dirty="0"/>
-          </a:p>
-        </p:txBody>
-      </p:sp>
-    </p:spTree>
-    <p:extLst>
-      <p:ext uri="{BB962C8B-B14F-4D97-AF65-F5344CB8AC3E}">
-        <p14:creationId xmlns:p14="http://schemas.microsoft.com/office/powerpoint/2010/main" val="3636144303"/>
       </p:ext>
     </p:extLst>
   </p:cSld>
@@ -20474,14 +22303,162 @@
           <a:p>
             <a:r>
               <a:rPr lang="en-US" dirty="0"/>
-              <a:t>Ridge Regression</a:t>
+              <a:t>Regressors</a:t>
             </a:r>
           </a:p>
           <a:p>
             <a:pPr lvl="1"/>
             <a:r>
               <a:rPr lang="en-US" dirty="0"/>
-              <a:t>Uses OLS to fit the data, with the additional constraint of attempting to minimize the magnitude of the weight coefficients for each feature without eliminating the feature.</a:t>
+              <a:t>Tries to predict as close to a value as possible.</a:t>
+            </a:r>
+          </a:p>
+          <a:p>
+            <a:pPr lvl="1"/>
+            <a:r>
+              <a:rPr lang="en-US" dirty="0"/>
+              <a:t>Creates a linear equation to predict outcomes:</a:t>
+            </a:r>
+          </a:p>
+          <a:p>
+            <a:pPr lvl="2"/>
+            <a:r>
+              <a:rPr lang="en-US" dirty="0" err="1"/>
+              <a:t>Y</a:t>
+            </a:r>
+            <a:r>
+              <a:rPr lang="en-US" baseline="-25000" dirty="0" err="1"/>
+              <a:t>predict</a:t>
+            </a:r>
+            <a:r>
+              <a:rPr lang="en-US" dirty="0"/>
+              <a:t> = w</a:t>
+            </a:r>
+            <a:r>
+              <a:rPr lang="en-US" baseline="-25000" dirty="0"/>
+              <a:t>1</a:t>
+            </a:r>
+            <a:r>
+              <a:rPr lang="en-US" dirty="0"/>
+              <a:t>*f</a:t>
+            </a:r>
+            <a:r>
+              <a:rPr lang="en-US" baseline="-25000" dirty="0"/>
+              <a:t>1</a:t>
+            </a:r>
+            <a:r>
+              <a:rPr lang="en-US" dirty="0"/>
+              <a:t> + w</a:t>
+            </a:r>
+            <a:r>
+              <a:rPr lang="en-US" baseline="-25000" dirty="0"/>
+              <a:t>2</a:t>
+            </a:r>
+            <a:r>
+              <a:rPr lang="en-US" dirty="0"/>
+              <a:t>*f</a:t>
+            </a:r>
+            <a:r>
+              <a:rPr lang="en-US" baseline="-25000" dirty="0"/>
+              <a:t>2</a:t>
+            </a:r>
+            <a:r>
+              <a:rPr lang="en-US" dirty="0"/>
+              <a:t> + w</a:t>
+            </a:r>
+            <a:r>
+              <a:rPr lang="en-US" baseline="-25000" dirty="0"/>
+              <a:t>3</a:t>
+            </a:r>
+            <a:r>
+              <a:rPr lang="en-US" dirty="0"/>
+              <a:t>*f</a:t>
+            </a:r>
+            <a:r>
+              <a:rPr lang="en-US" baseline="-25000" dirty="0"/>
+              <a:t>3</a:t>
+            </a:r>
+            <a:r>
+              <a:rPr lang="en-US" dirty="0"/>
+              <a:t> + … + </a:t>
+            </a:r>
+            <a:r>
+              <a:rPr lang="en-US" dirty="0" err="1"/>
+              <a:t>w</a:t>
+            </a:r>
+            <a:r>
+              <a:rPr lang="en-US" baseline="-25000" dirty="0" err="1"/>
+              <a:t>n</a:t>
+            </a:r>
+            <a:r>
+              <a:rPr lang="en-US" dirty="0"/>
+              <a:t>*</a:t>
+            </a:r>
+            <a:r>
+              <a:rPr lang="en-US" dirty="0" err="1"/>
+              <a:t>f</a:t>
+            </a:r>
+            <a:r>
+              <a:rPr lang="en-US" baseline="-25000" dirty="0" err="1"/>
+              <a:t>n</a:t>
+            </a:r>
+            <a:r>
+              <a:rPr lang="en-US" dirty="0"/>
+              <a:t> + b</a:t>
+            </a:r>
+          </a:p>
+          <a:p>
+            <a:pPr lvl="3"/>
+            <a:r>
+              <a:rPr lang="en-US" dirty="0" err="1"/>
+              <a:t>Y</a:t>
+            </a:r>
+            <a:r>
+              <a:rPr lang="en-US" baseline="-25000" dirty="0" err="1"/>
+              <a:t>predict</a:t>
+            </a:r>
+            <a:r>
+              <a:rPr lang="en-US" dirty="0"/>
+              <a:t> = predicted value for given sample</a:t>
+            </a:r>
+          </a:p>
+          <a:p>
+            <a:pPr lvl="3"/>
+            <a:r>
+              <a:rPr lang="en-US" dirty="0"/>
+              <a:t>w = weights</a:t>
+            </a:r>
+          </a:p>
+          <a:p>
+            <a:pPr lvl="3"/>
+            <a:r>
+              <a:rPr lang="en-US" dirty="0"/>
+              <a:t>f = feature value</a:t>
+            </a:r>
+          </a:p>
+          <a:p>
+            <a:pPr lvl="3"/>
+            <a:r>
+              <a:rPr lang="en-US" dirty="0"/>
+              <a:t>b = intercept of linear line</a:t>
+            </a:r>
+          </a:p>
+          <a:p>
+            <a:pPr lvl="3"/>
+            <a:r>
+              <a:rPr lang="en-US" dirty="0"/>
+              <a:t>n = number of features</a:t>
+            </a:r>
+          </a:p>
+          <a:p>
+            <a:pPr lvl="2"/>
+            <a:r>
+              <a:rPr lang="en-US" dirty="0" err="1"/>
+              <a:t>A.k.a</a:t>
+            </a:r>
+            <a:r>
+              <a:rPr lang="en-US" dirty="0"/>
+              <a:t> the prediction function.</a:t>
             </a:r>
           </a:p>
           <a:p>
@@ -20496,7 +22473,7 @@
     </p:spTree>
     <p:extLst>
       <p:ext uri="{BB962C8B-B14F-4D97-AF65-F5344CB8AC3E}">
-        <p14:creationId xmlns:p14="http://schemas.microsoft.com/office/powerpoint/2010/main" val="474133971"/>
+        <p14:creationId xmlns:p14="http://schemas.microsoft.com/office/powerpoint/2010/main" val="1469044682"/>
       </p:ext>
     </p:extLst>
   </p:cSld>
@@ -20588,28 +22565,54 @@
           <a:p>
             <a:r>
               <a:rPr lang="en-US" dirty="0"/>
-              <a:t>Ridge Regression</a:t>
+              <a:t>Regressors</a:t>
             </a:r>
           </a:p>
           <a:p>
             <a:pPr lvl="1"/>
             <a:r>
               <a:rPr lang="en-US" dirty="0"/>
-              <a:t>Each weight should be as close to zero as possible.</a:t>
+              <a:t>The models we train adjust the values of </a:t>
+            </a:r>
+            <a:r>
+              <a:rPr lang="en-US" dirty="0" err="1"/>
+              <a:t>w</a:t>
+            </a:r>
+            <a:r>
+              <a:rPr lang="en-US" baseline="-25000" dirty="0" err="1"/>
+              <a:t>x</a:t>
+            </a:r>
+            <a:r>
+              <a:rPr lang="en-US" dirty="0"/>
+              <a:t> and b.</a:t>
             </a:r>
           </a:p>
           <a:p>
             <a:pPr lvl="1"/>
             <a:r>
               <a:rPr lang="en-US" dirty="0"/>
-              <a:t>Each feature will have as little affect on the prediction as possible.</a:t>
+              <a:t>For functions with regularization, an additional term is added for model to optimize when generating prediction function</a:t>
             </a:r>
           </a:p>
           <a:p>
             <a:pPr lvl="1"/>
             <a:r>
               <a:rPr lang="en-US" dirty="0"/>
-              <a:t>Note that the feature weights will not be exactly zero using this trainer, so each feature still affects the prediction.</a:t>
+              <a:t>Examples:</a:t>
+            </a:r>
+          </a:p>
+          <a:p>
+            <a:pPr lvl="2"/>
+            <a:r>
+              <a:rPr lang="en-US" dirty="0"/>
+              <a:t>Trying to predict median household income of an area.</a:t>
+            </a:r>
+          </a:p>
+          <a:p>
+            <a:pPr lvl="2"/>
+            <a:r>
+              <a:rPr lang="en-US" dirty="0"/>
+              <a:t>Trying to predict the value a stock will rise to.</a:t>
             </a:r>
           </a:p>
           <a:p>
@@ -20624,7 +22627,7 @@
     </p:spTree>
     <p:extLst>
       <p:ext uri="{BB962C8B-B14F-4D97-AF65-F5344CB8AC3E}">
-        <p14:creationId xmlns:p14="http://schemas.microsoft.com/office/powerpoint/2010/main" val="3620252848"/>
+        <p14:creationId xmlns:p14="http://schemas.microsoft.com/office/powerpoint/2010/main" val="3393903202"/>
       </p:ext>
     </p:extLst>
   </p:cSld>
@@ -20714,35 +22717,21 @@
           <a:p>
             <a:r>
               <a:rPr lang="en-US" dirty="0"/>
-              <a:t>Ridge Regression</a:t>
+              <a:t>K-Nearest Neighbors Regression</a:t>
             </a:r>
           </a:p>
           <a:p>
             <a:pPr lvl="1"/>
             <a:r>
               <a:rPr lang="en-US" dirty="0"/>
-              <a:t>Attempting to minimize the weight magnitudes is a form of regularization.</a:t>
-            </a:r>
-          </a:p>
-          <a:p>
-            <a:pPr lvl="2"/>
-            <a:r>
-              <a:rPr lang="en-US" dirty="0"/>
-              <a:t>Regularization is used to attempt to prevent overfitting.</a:t>
+              <a:t>Similar to the classifier, the regressor picks the value that is closest to the most similar neighbor.</a:t>
             </a:r>
           </a:p>
           <a:p>
             <a:pPr lvl="1"/>
             <a:r>
               <a:rPr lang="en-US" dirty="0"/>
-              <a:t>This trainer uses L2 regularization</a:t>
-            </a:r>
-          </a:p>
-          <a:p>
-            <a:pPr lvl="2"/>
-            <a:r>
-              <a:rPr lang="en-US" dirty="0"/>
-              <a:t>The sum of the square of the weight coefficient for each feature is used as a penalty term in determining model accuracy.</a:t>
+              <a:t>Multiple neighbors are averaged together.</a:t>
             </a:r>
           </a:p>
           <a:p>
@@ -20757,7 +22746,7 @@
     </p:spTree>
     <p:extLst>
       <p:ext uri="{BB962C8B-B14F-4D97-AF65-F5344CB8AC3E}">
-        <p14:creationId xmlns:p14="http://schemas.microsoft.com/office/powerpoint/2010/main" val="1031170893"/>
+        <p14:creationId xmlns:p14="http://schemas.microsoft.com/office/powerpoint/2010/main" val="3048577779"/>
       </p:ext>
     </p:extLst>
   </p:cSld>
@@ -20847,51 +22836,29 @@
           <a:p>
             <a:r>
               <a:rPr lang="en-US" dirty="0"/>
-              <a:t>Ridge Regression</a:t>
+              <a:t>Linear Regression (Ordinary Least Squares)</a:t>
             </a:r>
           </a:p>
           <a:p>
             <a:pPr lvl="1"/>
             <a:r>
               <a:rPr lang="en-US" dirty="0"/>
-              <a:t>For this Scikit-Learn trainer, the alpha term is used for regularization.</a:t>
+              <a:t>Attempts to minimize the mean squared error between the prediction and the target values.</a:t>
             </a:r>
           </a:p>
           <a:p>
             <a:pPr lvl="1"/>
             <a:r>
               <a:rPr lang="en-US" dirty="0"/>
-              <a:t>Increasing alpha moves each feature’s weight more towards zero.</a:t>
-            </a:r>
-          </a:p>
-          <a:p>
-            <a:pPr lvl="2"/>
-            <a:r>
-              <a:rPr lang="en-US" dirty="0"/>
-              <a:t>This may help make the model more generalized, which will help overfitting.</a:t>
-            </a:r>
-          </a:p>
-          <a:p>
-            <a:pPr lvl="2"/>
-            <a:r>
-              <a:rPr lang="en-US" dirty="0"/>
-              <a:t>This will decrease training set performance.</a:t>
-            </a:r>
-          </a:p>
-          <a:p>
-            <a:endParaRPr lang="en-US" dirty="0"/>
+              <a:t>The error of this trainer is calculated by adding the squared differences between the predicted value with the actual target value.</a:t>
+            </a:r>
           </a:p>
           <a:p>
             <a:pPr lvl="1"/>
-            <a:endParaRPr lang="en-US" dirty="0"/>
-          </a:p>
-          <a:p>
-            <a:pPr lvl="2"/>
-            <a:endParaRPr lang="en-US" dirty="0"/>
-          </a:p>
-          <a:p>
-            <a:pPr lvl="2"/>
-            <a:endParaRPr lang="en-US" dirty="0"/>
+            <a:r>
+              <a:rPr lang="en-US" dirty="0"/>
+              <a:t>No regularization parameters to adjust the accuracy of this trainer</a:t>
+            </a:r>
           </a:p>
           <a:p>
             <a:endParaRPr lang="en-US" dirty="0"/>
@@ -20901,7 +22868,7 @@
     </p:spTree>
     <p:extLst>
       <p:ext uri="{BB962C8B-B14F-4D97-AF65-F5344CB8AC3E}">
-        <p14:creationId xmlns:p14="http://schemas.microsoft.com/office/powerpoint/2010/main" val="4041600192"/>
+        <p14:creationId xmlns:p14="http://schemas.microsoft.com/office/powerpoint/2010/main" val="2836403428"/>
       </p:ext>
     </p:extLst>
   </p:cSld>
@@ -20991,22 +22958,12 @@
           <a:p>
             <a:r>
               <a:rPr lang="en-US" dirty="0"/>
-              <a:t>Ridge Regression</a:t>
+              <a:t>In-Class Example – Linear Regression</a:t>
             </a:r>
           </a:p>
           <a:p>
             <a:pPr lvl="1"/>
-            <a:r>
-              <a:rPr lang="en-US" dirty="0"/>
-              <a:t>Increasing alpha more and more will not necessarily make the model more predictive.</a:t>
-            </a:r>
-          </a:p>
-          <a:p>
-            <a:pPr lvl="1"/>
-            <a:r>
-              <a:rPr lang="en-US" dirty="0"/>
-              <a:t>Alpha will need tuned for an optimal model.</a:t>
-            </a:r>
+            <a:endParaRPr lang="en-US" dirty="0"/>
           </a:p>
           <a:p>
             <a:pPr lvl="2"/>
@@ -21035,7 +22992,7 @@
     </p:spTree>
     <p:extLst>
       <p:ext uri="{BB962C8B-B14F-4D97-AF65-F5344CB8AC3E}">
-        <p14:creationId xmlns:p14="http://schemas.microsoft.com/office/powerpoint/2010/main" val="52183678"/>
+        <p14:creationId xmlns:p14="http://schemas.microsoft.com/office/powerpoint/2010/main" val="3636144303"/>
       </p:ext>
     </p:extLst>
   </p:cSld>
@@ -21120,32 +23077,22 @@
         </p:nvSpPr>
         <p:spPr/>
         <p:txBody>
-          <a:bodyPr/>
-          <a:lstStyle/>
-          <a:p>
-            <a:r>
-              <a:rPr lang="en-US" dirty="0"/>
-              <a:t>In-Class Example – Ridge Regression</a:t>
+          <a:bodyPr>
+            <a:normAutofit/>
+          </a:bodyPr>
+          <a:lstStyle/>
+          <a:p>
+            <a:r>
+              <a:rPr lang="en-US" dirty="0"/>
+              <a:t>Ridge Regression</a:t>
             </a:r>
           </a:p>
           <a:p>
             <a:pPr lvl="1"/>
-            <a:endParaRPr lang="en-US" dirty="0"/>
-          </a:p>
-          <a:p>
-            <a:pPr lvl="2"/>
-            <a:endParaRPr lang="en-US" dirty="0"/>
-          </a:p>
-          <a:p>
-            <a:endParaRPr lang="en-US" dirty="0"/>
-          </a:p>
-          <a:p>
-            <a:pPr lvl="1"/>
-            <a:endParaRPr lang="en-US" dirty="0"/>
-          </a:p>
-          <a:p>
-            <a:pPr lvl="2"/>
-            <a:endParaRPr lang="en-US" dirty="0"/>
+            <a:r>
+              <a:rPr lang="en-US" dirty="0"/>
+              <a:t>Uses OLS to fit the data, with the additional constraint of attempting to minimize the magnitude of the weight coefficients for each feature without eliminating the feature.</a:t>
+            </a:r>
           </a:p>
           <a:p>
             <a:pPr lvl="2"/>
@@ -21159,7 +23106,7 @@
     </p:spTree>
     <p:extLst>
       <p:ext uri="{BB962C8B-B14F-4D97-AF65-F5344CB8AC3E}">
-        <p14:creationId xmlns:p14="http://schemas.microsoft.com/office/powerpoint/2010/main" val="1030170644"/>
+        <p14:creationId xmlns:p14="http://schemas.microsoft.com/office/powerpoint/2010/main" val="474133971"/>
       </p:ext>
     </p:extLst>
   </p:cSld>
@@ -21244,35 +23191,36 @@
         </p:nvSpPr>
         <p:spPr/>
         <p:txBody>
-          <a:bodyPr/>
-          <a:lstStyle/>
-          <a:p>
-            <a:r>
-              <a:rPr lang="en-US" dirty="0"/>
-              <a:t>In-Class Exercise</a:t>
+          <a:bodyPr>
+            <a:normAutofit/>
+          </a:bodyPr>
+          <a:lstStyle/>
+          <a:p>
+            <a:r>
+              <a:rPr lang="en-US" dirty="0"/>
+              <a:t>Ridge Regression</a:t>
             </a:r>
           </a:p>
           <a:p>
             <a:pPr lvl="1"/>
             <a:r>
               <a:rPr lang="en-US" dirty="0"/>
-              <a:t>Run the example with ridge regression, attempting to optimize the test prediction data set by adjusting alpha.</a:t>
-            </a:r>
-          </a:p>
-          <a:p>
-            <a:pPr lvl="2"/>
-            <a:endParaRPr lang="en-US" dirty="0"/>
-          </a:p>
-          <a:p>
-            <a:endParaRPr lang="en-US" dirty="0"/>
+              <a:t>Each weight should be as close to zero as possible.</a:t>
+            </a:r>
           </a:p>
           <a:p>
             <a:pPr lvl="1"/>
-            <a:endParaRPr lang="en-US" dirty="0"/>
-          </a:p>
-          <a:p>
-            <a:pPr lvl="2"/>
-            <a:endParaRPr lang="en-US" dirty="0"/>
+            <a:r>
+              <a:rPr lang="en-US" dirty="0"/>
+              <a:t>Each feature will have as little affect on the prediction as possible.</a:t>
+            </a:r>
+          </a:p>
+          <a:p>
+            <a:pPr lvl="1"/>
+            <a:r>
+              <a:rPr lang="en-US" dirty="0"/>
+              <a:t>Note that the feature weights will not be exactly zero using this trainer, so each feature still affects the prediction.</a:t>
+            </a:r>
           </a:p>
           <a:p>
             <a:pPr lvl="2"/>
@@ -21286,7 +23234,7 @@
     </p:spTree>
     <p:extLst>
       <p:ext uri="{BB962C8B-B14F-4D97-AF65-F5344CB8AC3E}">
-        <p14:creationId xmlns:p14="http://schemas.microsoft.com/office/powerpoint/2010/main" val="2651109508"/>
+        <p14:creationId xmlns:p14="http://schemas.microsoft.com/office/powerpoint/2010/main" val="3620252848"/>
       </p:ext>
     </p:extLst>
   </p:cSld>
@@ -21376,40 +23324,36 @@
           <a:p>
             <a:r>
               <a:rPr lang="en-US" dirty="0"/>
-              <a:t>LASSO Regression</a:t>
+              <a:t>Ridge Regression</a:t>
             </a:r>
           </a:p>
           <a:p>
             <a:pPr lvl="1"/>
             <a:r>
               <a:rPr lang="en-US" dirty="0"/>
-              <a:t>Similar to ridge regression, uses a modified OLS algorithm that attempts to make each weight close to zero.</a:t>
+              <a:t>Attempting to minimize the weight magnitudes is a form of regularization.</a:t>
+            </a:r>
+          </a:p>
+          <a:p>
+            <a:pPr lvl="2"/>
+            <a:r>
+              <a:rPr lang="en-US" dirty="0"/>
+              <a:t>Regularization is used to attempt to prevent overfitting.</a:t>
             </a:r>
           </a:p>
           <a:p>
             <a:pPr lvl="1"/>
             <a:r>
               <a:rPr lang="en-US" dirty="0"/>
-              <a:t>In this trainer, a weight value can be zero, so that a feature will not affect the prediction.</a:t>
-            </a:r>
-          </a:p>
-          <a:p>
-            <a:pPr lvl="1"/>
-            <a:r>
-              <a:rPr lang="en-US" dirty="0"/>
-              <a:t>This trainer uses L1 regularization.</a:t>
+              <a:t>This trainer uses L2 regularization</a:t>
             </a:r>
           </a:p>
           <a:p>
             <a:pPr lvl="2"/>
             <a:r>
               <a:rPr lang="en-US" dirty="0"/>
-              <a:t>The sum of the weight coefficient for each feature is used as a penalty term in determining model accuracy.</a:t>
-            </a:r>
-          </a:p>
-          <a:p>
-            <a:pPr lvl="1"/>
-            <a:endParaRPr lang="en-US" dirty="0"/>
+              <a:t>The sum of the square of the weight coefficient for each feature is used as a penalty term in determining model accuracy.</a:t>
+            </a:r>
           </a:p>
           <a:p>
             <a:pPr lvl="2"/>
@@ -21423,7 +23367,7 @@
     </p:spTree>
     <p:extLst>
       <p:ext uri="{BB962C8B-B14F-4D97-AF65-F5344CB8AC3E}">
-        <p14:creationId xmlns:p14="http://schemas.microsoft.com/office/powerpoint/2010/main" val="2833183138"/>
+        <p14:creationId xmlns:p14="http://schemas.microsoft.com/office/powerpoint/2010/main" val="1031170893"/>
       </p:ext>
     </p:extLst>
   </p:cSld>
@@ -21513,18 +23457,46 @@
           <a:p>
             <a:r>
               <a:rPr lang="en-US" dirty="0"/>
-              <a:t>LASSO Regression</a:t>
+              <a:t>Ridge Regression</a:t>
             </a:r>
           </a:p>
           <a:p>
             <a:pPr lvl="1"/>
             <a:r>
               <a:rPr lang="en-US" dirty="0"/>
-              <a:t>For this Scikit-Learn trainer, the alpha term is also used for regularization.</a:t>
+              <a:t>For this Scikit-Learn trainer, the alpha term is used for regularization.</a:t>
             </a:r>
           </a:p>
           <a:p>
             <a:pPr lvl="1"/>
+            <a:r>
+              <a:rPr lang="en-US" dirty="0"/>
+              <a:t>Increasing alpha moves each feature’s weight more towards zero.</a:t>
+            </a:r>
+          </a:p>
+          <a:p>
+            <a:pPr lvl="2"/>
+            <a:r>
+              <a:rPr lang="en-US" dirty="0"/>
+              <a:t>This may help make the model more generalized, which will help overfitting.</a:t>
+            </a:r>
+          </a:p>
+          <a:p>
+            <a:pPr lvl="2"/>
+            <a:r>
+              <a:rPr lang="en-US" dirty="0"/>
+              <a:t>This will decrease training set performance.</a:t>
+            </a:r>
+          </a:p>
+          <a:p>
+            <a:endParaRPr lang="en-US" dirty="0"/>
+          </a:p>
+          <a:p>
+            <a:pPr lvl="1"/>
+            <a:endParaRPr lang="en-US" dirty="0"/>
+          </a:p>
+          <a:p>
+            <a:pPr lvl="2"/>
             <a:endParaRPr lang="en-US" dirty="0"/>
           </a:p>
           <a:p>
@@ -21539,7 +23511,7 @@
     </p:spTree>
     <p:extLst>
       <p:ext uri="{BB962C8B-B14F-4D97-AF65-F5344CB8AC3E}">
-        <p14:creationId xmlns:p14="http://schemas.microsoft.com/office/powerpoint/2010/main" val="2503353380"/>
+        <p14:creationId xmlns:p14="http://schemas.microsoft.com/office/powerpoint/2010/main" val="4041600192"/>
       </p:ext>
     </p:extLst>
   </p:cSld>
@@ -21629,12 +23601,22 @@
           <a:p>
             <a:r>
               <a:rPr lang="en-US" dirty="0"/>
-              <a:t>In-Class Example – LASSO Regression</a:t>
+              <a:t>Ridge Regression</a:t>
             </a:r>
           </a:p>
           <a:p>
             <a:pPr lvl="1"/>
-            <a:endParaRPr lang="en-US" dirty="0"/>
+            <a:r>
+              <a:rPr lang="en-US" dirty="0"/>
+              <a:t>Increasing alpha more and more will not necessarily make the model more predictive.</a:t>
+            </a:r>
+          </a:p>
+          <a:p>
+            <a:pPr lvl="1"/>
+            <a:r>
+              <a:rPr lang="en-US" dirty="0"/>
+              <a:t>Alpha will need tuned for an optimal model.</a:t>
+            </a:r>
           </a:p>
           <a:p>
             <a:pPr lvl="2"/>
@@ -21663,7 +23645,7 @@
     </p:spTree>
     <p:extLst>
       <p:ext uri="{BB962C8B-B14F-4D97-AF65-F5344CB8AC3E}">
-        <p14:creationId xmlns:p14="http://schemas.microsoft.com/office/powerpoint/2010/main" val="1318670462"/>
+        <p14:creationId xmlns:p14="http://schemas.microsoft.com/office/powerpoint/2010/main" val="52183678"/>
       </p:ext>
     </p:extLst>
   </p:cSld>
@@ -22015,30 +23997,12 @@
           <a:p>
             <a:r>
               <a:rPr lang="en-US" dirty="0"/>
-              <a:t>In-Class Exercise</a:t>
+              <a:t>In-Class Example – Ridge Regression</a:t>
             </a:r>
           </a:p>
           <a:p>
             <a:pPr lvl="1"/>
-            <a:r>
-              <a:rPr lang="en-US" dirty="0"/>
-              <a:t>Generate models for the </a:t>
-            </a:r>
-            <a:r>
-              <a:rPr lang="en-US" dirty="0" err="1"/>
-              <a:t>boston</a:t>
-            </a:r>
-            <a:r>
-              <a:rPr lang="en-US" dirty="0"/>
-              <a:t> housing data using linear, ridge, and LASSO regressors.  For models that use regularization, attempt to optimize the predictions (can use previous example code).</a:t>
-            </a:r>
-          </a:p>
-          <a:p>
-            <a:pPr lvl="1"/>
-            <a:r>
-              <a:rPr lang="en-US" dirty="0"/>
-              <a:t>Which model is the most accurate with respect to test data predictions?  Are there benefits to the models that are less accurate?</a:t>
-            </a:r>
+            <a:endParaRPr lang="en-US" dirty="0"/>
           </a:p>
           <a:p>
             <a:pPr lvl="2"/>
@@ -22067,7 +24031,7 @@
     </p:spTree>
     <p:extLst>
       <p:ext uri="{BB962C8B-B14F-4D97-AF65-F5344CB8AC3E}">
-        <p14:creationId xmlns:p14="http://schemas.microsoft.com/office/powerpoint/2010/main" val="2777821716"/>
+        <p14:creationId xmlns:p14="http://schemas.microsoft.com/office/powerpoint/2010/main" val="1030170644"/>
       </p:ext>
     </p:extLst>
   </p:cSld>
@@ -22157,8 +24121,30 @@
           <a:p>
             <a:r>
               <a:rPr lang="en-US" dirty="0"/>
-              <a:t>Decision Tree</a:t>
-            </a:r>
+              <a:t>In-Class Exercise</a:t>
+            </a:r>
+          </a:p>
+          <a:p>
+            <a:pPr lvl="1"/>
+            <a:r>
+              <a:rPr lang="en-US" dirty="0"/>
+              <a:t>Run the example with ridge regression, attempting to optimize the test prediction data set by adjusting alpha.</a:t>
+            </a:r>
+          </a:p>
+          <a:p>
+            <a:pPr lvl="2"/>
+            <a:endParaRPr lang="en-US" dirty="0"/>
+          </a:p>
+          <a:p>
+            <a:endParaRPr lang="en-US" dirty="0"/>
+          </a:p>
+          <a:p>
+            <a:pPr lvl="1"/>
+            <a:endParaRPr lang="en-US" dirty="0"/>
+          </a:p>
+          <a:p>
+            <a:pPr lvl="2"/>
+            <a:endParaRPr lang="en-US" dirty="0"/>
           </a:p>
           <a:p>
             <a:pPr lvl="2"/>
@@ -22172,7 +24158,7 @@
     </p:spTree>
     <p:extLst>
       <p:ext uri="{BB962C8B-B14F-4D97-AF65-F5344CB8AC3E}">
-        <p14:creationId xmlns:p14="http://schemas.microsoft.com/office/powerpoint/2010/main" val="1924952010"/>
+        <p14:creationId xmlns:p14="http://schemas.microsoft.com/office/powerpoint/2010/main" val="2651109508"/>
       </p:ext>
     </p:extLst>
   </p:cSld>
@@ -22262,8 +24248,40 @@
           <a:p>
             <a:r>
               <a:rPr lang="en-US" dirty="0"/>
-              <a:t>Forest</a:t>
-            </a:r>
+              <a:t>LASSO Regression</a:t>
+            </a:r>
+          </a:p>
+          <a:p>
+            <a:pPr lvl="1"/>
+            <a:r>
+              <a:rPr lang="en-US" dirty="0"/>
+              <a:t>Similar to ridge regression, uses a modified OLS algorithm that attempts to make each weight close to zero.</a:t>
+            </a:r>
+          </a:p>
+          <a:p>
+            <a:pPr lvl="1"/>
+            <a:r>
+              <a:rPr lang="en-US" dirty="0"/>
+              <a:t>In this trainer, a weight value can be zero, so that a feature will not affect the prediction.</a:t>
+            </a:r>
+          </a:p>
+          <a:p>
+            <a:pPr lvl="1"/>
+            <a:r>
+              <a:rPr lang="en-US" dirty="0"/>
+              <a:t>This trainer uses L1 regularization.</a:t>
+            </a:r>
+          </a:p>
+          <a:p>
+            <a:pPr lvl="2"/>
+            <a:r>
+              <a:rPr lang="en-US" dirty="0"/>
+              <a:t>The sum of the weight coefficient for each feature is used as a penalty term in determining model accuracy.</a:t>
+            </a:r>
+          </a:p>
+          <a:p>
+            <a:pPr lvl="1"/>
+            <a:endParaRPr lang="en-US" dirty="0"/>
           </a:p>
           <a:p>
             <a:pPr lvl="2"/>
@@ -22277,7 +24295,7 @@
     </p:spTree>
     <p:extLst>
       <p:ext uri="{BB962C8B-B14F-4D97-AF65-F5344CB8AC3E}">
-        <p14:creationId xmlns:p14="http://schemas.microsoft.com/office/powerpoint/2010/main" val="358457677"/>
+        <p14:creationId xmlns:p14="http://schemas.microsoft.com/office/powerpoint/2010/main" val="2833183138"/>
       </p:ext>
     </p:extLst>
   </p:cSld>
@@ -22367,8 +24385,19 @@
           <a:p>
             <a:r>
               <a:rPr lang="en-US" dirty="0"/>
-              <a:t>Gradient-Boosted Forest</a:t>
-            </a:r>
+              <a:t>LASSO Regression</a:t>
+            </a:r>
+          </a:p>
+          <a:p>
+            <a:pPr lvl="1"/>
+            <a:r>
+              <a:rPr lang="en-US" dirty="0"/>
+              <a:t>For this Scikit-Learn trainer, the alpha term is also used for regularization.</a:t>
+            </a:r>
+          </a:p>
+          <a:p>
+            <a:pPr lvl="1"/>
+            <a:endParaRPr lang="en-US" dirty="0"/>
           </a:p>
           <a:p>
             <a:pPr lvl="2"/>
@@ -22382,7 +24411,7 @@
     </p:spTree>
     <p:extLst>
       <p:ext uri="{BB962C8B-B14F-4D97-AF65-F5344CB8AC3E}">
-        <p14:creationId xmlns:p14="http://schemas.microsoft.com/office/powerpoint/2010/main" val="1436682753"/>
+        <p14:creationId xmlns:p14="http://schemas.microsoft.com/office/powerpoint/2010/main" val="2503353380"/>
       </p:ext>
     </p:extLst>
   </p:cSld>
@@ -22450,7 +24479,7 @@
           <a:p>
             <a:r>
               <a:rPr lang="en-US" dirty="0"/>
-              <a:t>Dataset Preparation</a:t>
+              <a:t>Linear Models - Regressors</a:t>
             </a:r>
           </a:p>
         </p:txBody>
@@ -22472,29 +24501,41 @@
           <a:p>
             <a:r>
               <a:rPr lang="en-US" dirty="0"/>
-              <a:t>Overview</a:t>
+              <a:t>In-Class Example – LASSO Regression</a:t>
             </a:r>
           </a:p>
           <a:p>
             <a:pPr lvl="1"/>
-            <a:r>
-              <a:rPr lang="en-US" dirty="0"/>
-              <a:t>Train Test Split</a:t>
-            </a:r>
+            <a:endParaRPr lang="en-US" dirty="0"/>
+          </a:p>
+          <a:p>
+            <a:pPr lvl="2"/>
+            <a:endParaRPr lang="en-US" dirty="0"/>
+          </a:p>
+          <a:p>
+            <a:endParaRPr lang="en-US" dirty="0"/>
           </a:p>
           <a:p>
             <a:pPr lvl="1"/>
-            <a:r>
-              <a:rPr lang="en-US" dirty="0"/>
-              <a:t>Cross Validation</a:t>
-            </a:r>
+            <a:endParaRPr lang="en-US" dirty="0"/>
+          </a:p>
+          <a:p>
+            <a:pPr lvl="2"/>
+            <a:endParaRPr lang="en-US" dirty="0"/>
+          </a:p>
+          <a:p>
+            <a:pPr lvl="2"/>
+            <a:endParaRPr lang="en-US" dirty="0"/>
+          </a:p>
+          <a:p>
+            <a:endParaRPr lang="en-US" dirty="0"/>
           </a:p>
         </p:txBody>
       </p:sp>
     </p:spTree>
     <p:extLst>
       <p:ext uri="{BB962C8B-B14F-4D97-AF65-F5344CB8AC3E}">
-        <p14:creationId xmlns:p14="http://schemas.microsoft.com/office/powerpoint/2010/main" val="4053921630"/>
+        <p14:creationId xmlns:p14="http://schemas.microsoft.com/office/powerpoint/2010/main" val="1318670462"/>
       </p:ext>
     </p:extLst>
   </p:cSld>
@@ -22562,7 +24603,7 @@
           <a:p>
             <a:r>
               <a:rPr lang="en-US" dirty="0"/>
-              <a:t>Evaluating Accuracy</a:t>
+              <a:t>Linear Models - Regressors</a:t>
             </a:r>
           </a:p>
         </p:txBody>
@@ -22579,67 +24620,56 @@
         </p:nvSpPr>
         <p:spPr/>
         <p:txBody>
-          <a:bodyPr>
-            <a:normAutofit/>
-          </a:bodyPr>
-          <a:lstStyle/>
-          <a:p>
-            <a:r>
-              <a:rPr lang="en-US" dirty="0"/>
-              <a:t>Overview</a:t>
+          <a:bodyPr/>
+          <a:lstStyle/>
+          <a:p>
+            <a:r>
+              <a:rPr lang="en-US" dirty="0"/>
+              <a:t>In-Class Exercise</a:t>
             </a:r>
           </a:p>
           <a:p>
             <a:pPr lvl="1"/>
             <a:r>
               <a:rPr lang="en-US" dirty="0"/>
-              <a:t>Why accuracy isn’t enough</a:t>
+              <a:t>Generate models for the </a:t>
+            </a:r>
+            <a:r>
+              <a:rPr lang="en-US" dirty="0" err="1"/>
+              <a:t>boston</a:t>
+            </a:r>
+            <a:r>
+              <a:rPr lang="en-US" dirty="0"/>
+              <a:t> housing data using linear, ridge, and LASSO regressors.  For models that use regularization, attempt to optimize the predictions (can use previous example code).</a:t>
             </a:r>
           </a:p>
           <a:p>
             <a:pPr lvl="1"/>
             <a:r>
               <a:rPr lang="en-US" dirty="0"/>
-              <a:t>Precision = TP/(TP+FP)</a:t>
-            </a:r>
+              <a:t>Which model is the most accurate with respect to test data predictions?  Are there benefits to the models that are less accurate?</a:t>
+            </a:r>
+          </a:p>
+          <a:p>
+            <a:pPr lvl="2"/>
+            <a:endParaRPr lang="en-US" dirty="0"/>
+          </a:p>
+          <a:p>
+            <a:endParaRPr lang="en-US" dirty="0"/>
           </a:p>
           <a:p>
             <a:pPr lvl="1"/>
-            <a:r>
-              <a:rPr lang="en-US" dirty="0"/>
-              <a:t>Recall (True Positive Rate, Sensitivity)</a:t>
-            </a:r>
-          </a:p>
-          <a:p>
-            <a:pPr lvl="1"/>
-            <a:r>
-              <a:rPr lang="en-US" dirty="0"/>
-              <a:t>False Positive Rate</a:t>
-            </a:r>
-          </a:p>
-          <a:p>
-            <a:pPr lvl="1"/>
-            <a:r>
-              <a:rPr lang="en-US" dirty="0"/>
-              <a:t>Specificity (True Negative Rate)</a:t>
-            </a:r>
-          </a:p>
-          <a:p>
-            <a:pPr lvl="1"/>
-            <a:r>
-              <a:rPr lang="en-US" dirty="0"/>
-              <a:t>Confusion Matrix</a:t>
-            </a:r>
-          </a:p>
-          <a:p>
-            <a:pPr lvl="1"/>
-            <a:r>
-              <a:rPr lang="en-US" dirty="0"/>
-              <a:t>Accuracy</a:t>
-            </a:r>
+            <a:endParaRPr lang="en-US" dirty="0"/>
           </a:p>
           <a:p>
             <a:pPr lvl="2"/>
+            <a:endParaRPr lang="en-US" dirty="0"/>
+          </a:p>
+          <a:p>
+            <a:pPr lvl="2"/>
+            <a:endParaRPr lang="en-US" dirty="0"/>
+          </a:p>
+          <a:p>
             <a:endParaRPr lang="en-US" dirty="0"/>
           </a:p>
         </p:txBody>
@@ -22647,7 +24677,7 @@
     </p:spTree>
     <p:extLst>
       <p:ext uri="{BB962C8B-B14F-4D97-AF65-F5344CB8AC3E}">
-        <p14:creationId xmlns:p14="http://schemas.microsoft.com/office/powerpoint/2010/main" val="3169363239"/>
+        <p14:creationId xmlns:p14="http://schemas.microsoft.com/office/powerpoint/2010/main" val="2777821716"/>
       </p:ext>
     </p:extLst>
   </p:cSld>
@@ -22715,7 +24745,7 @@
           <a:p>
             <a:r>
               <a:rPr lang="en-US" dirty="0"/>
-              <a:t>Evaluating Accuracy</a:t>
+              <a:t>Linear Models - Regressors</a:t>
             </a:r>
           </a:p>
         </p:txBody>
@@ -22732,89 +24762,33 @@
         </p:nvSpPr>
         <p:spPr/>
         <p:txBody>
-          <a:bodyPr>
-            <a:normAutofit/>
-          </a:bodyPr>
-          <a:lstStyle/>
-          <a:p>
-            <a:r>
-              <a:rPr lang="en-US" dirty="0"/>
-              <a:t>Overview</a:t>
+          <a:bodyPr/>
+          <a:lstStyle/>
+          <a:p>
+            <a:r>
+              <a:rPr lang="en-US" dirty="0"/>
+              <a:t>Decision Tree</a:t>
             </a:r>
           </a:p>
           <a:p>
             <a:pPr lvl="1"/>
             <a:r>
               <a:rPr lang="en-US" dirty="0"/>
-              <a:t>Mean Squared Error</a:t>
+              <a:t>Works similar to classifier, except mean squared error is used in cost function to determine boundaries.</a:t>
+            </a:r>
+          </a:p>
+          <a:p>
+            <a:pPr lvl="1"/>
+            <a:r>
+              <a:rPr lang="en-US" dirty="0"/>
+              <a:t>Each node has a predicted value that is the average of all values within its decision boundary.</a:t>
             </a:r>
           </a:p>
           <a:p>
             <a:pPr lvl="2"/>
-            <a:r>
-              <a:rPr lang="en-US" dirty="0" err="1"/>
-              <a:t>mse</a:t>
-            </a:r>
             <a:endParaRPr lang="en-US" dirty="0"/>
           </a:p>
           <a:p>
-            <a:pPr lvl="1"/>
-            <a:r>
-              <a:rPr lang="en-US" dirty="0"/>
-              <a:t>Precision Recall Curves</a:t>
-            </a:r>
-          </a:p>
-          <a:p>
-            <a:pPr lvl="2"/>
-            <a:r>
-              <a:rPr lang="en-US" dirty="0" err="1"/>
-              <a:t>precision_recall_curve</a:t>
-            </a:r>
-            <a:r>
-              <a:rPr lang="en-US" dirty="0"/>
-              <a:t>()</a:t>
-            </a:r>
-          </a:p>
-          <a:p>
-            <a:pPr lvl="1"/>
-            <a:r>
-              <a:rPr lang="en-US" dirty="0"/>
-              <a:t>Receiver Operating Characteristics (ROC) Curve</a:t>
-            </a:r>
-          </a:p>
-          <a:p>
-            <a:pPr lvl="2"/>
-            <a:r>
-              <a:rPr lang="en-US" dirty="0" err="1"/>
-              <a:t>roc_curve</a:t>
-            </a:r>
-            <a:r>
-              <a:rPr lang="en-US" dirty="0"/>
-              <a:t>()</a:t>
-            </a:r>
-          </a:p>
-          <a:p>
-            <a:pPr lvl="1"/>
-            <a:r>
-              <a:rPr lang="en-US" dirty="0"/>
-              <a:t>Area Under the Curve (AUC)</a:t>
-            </a:r>
-          </a:p>
-          <a:p>
-            <a:pPr lvl="2"/>
-            <a:r>
-              <a:rPr lang="en-US" dirty="0" err="1"/>
-              <a:t>roc_auc_score</a:t>
-            </a:r>
-            <a:r>
-              <a:rPr lang="en-US" dirty="0"/>
-              <a:t>()</a:t>
-            </a:r>
-          </a:p>
-          <a:p>
-            <a:pPr marL="914400" lvl="2" indent="0">
-              <a:buNone/>
-            </a:pPr>
             <a:endParaRPr lang="en-US" dirty="0"/>
           </a:p>
         </p:txBody>
@@ -22822,7 +24796,7 @@
     </p:spTree>
     <p:extLst>
       <p:ext uri="{BB962C8B-B14F-4D97-AF65-F5344CB8AC3E}">
-        <p14:creationId xmlns:p14="http://schemas.microsoft.com/office/powerpoint/2010/main" val="1637459971"/>
+        <p14:creationId xmlns:p14="http://schemas.microsoft.com/office/powerpoint/2010/main" val="1924952010"/>
       </p:ext>
     </p:extLst>
   </p:cSld>
@@ -22890,7 +24864,7 @@
           <a:p>
             <a:r>
               <a:rPr lang="en-US" dirty="0"/>
-              <a:t>Evaluating Accuracy</a:t>
+              <a:t>Linear Models - Regressors</a:t>
             </a:r>
           </a:p>
         </p:txBody>
@@ -22907,36 +24881,34 @@
         </p:nvSpPr>
         <p:spPr/>
         <p:txBody>
-          <a:bodyPr>
-            <a:normAutofit/>
-          </a:bodyPr>
-          <a:lstStyle/>
-          <a:p>
-            <a:r>
-              <a:rPr lang="en-US" dirty="0"/>
-              <a:t>Why accuracy alone isn’t enough</a:t>
+          <a:bodyPr/>
+          <a:lstStyle/>
+          <a:p>
+            <a:r>
+              <a:rPr lang="en-US" dirty="0"/>
+              <a:t>Decision Tree</a:t>
             </a:r>
           </a:p>
           <a:p>
             <a:pPr lvl="1"/>
             <a:r>
               <a:rPr lang="en-US" dirty="0"/>
-              <a:t>Skewed datasets</a:t>
+              <a:t>The same pros and cons exist as the classifier variant of the decision tree.</a:t>
             </a:r>
           </a:p>
           <a:p>
             <a:pPr lvl="2"/>
-            <a:r>
-              <a:rPr lang="en-US" dirty="0"/>
-              <a:t>If the dataset contains many more targets of one classification vs another, it is very easy to get high accuracy by just guessing the most likely class.</a:t>
-            </a:r>
+            <a:endParaRPr lang="en-US" dirty="0"/>
+          </a:p>
+          <a:p>
+            <a:endParaRPr lang="en-US" dirty="0"/>
           </a:p>
         </p:txBody>
       </p:sp>
     </p:spTree>
     <p:extLst>
       <p:ext uri="{BB962C8B-B14F-4D97-AF65-F5344CB8AC3E}">
-        <p14:creationId xmlns:p14="http://schemas.microsoft.com/office/powerpoint/2010/main" val="1739588826"/>
+        <p14:creationId xmlns:p14="http://schemas.microsoft.com/office/powerpoint/2010/main" val="4206803124"/>
       </p:ext>
     </p:extLst>
   </p:cSld>
@@ -23004,7 +24976,7 @@
           <a:p>
             <a:r>
               <a:rPr lang="en-US" dirty="0"/>
-              <a:t>Evaluating Accuracy</a:t>
+              <a:t>Dataset Preparation</a:t>
             </a:r>
           </a:p>
         </p:txBody>
@@ -23021,35 +24993,26 @@
         </p:nvSpPr>
         <p:spPr/>
         <p:txBody>
-          <a:bodyPr>
-            <a:normAutofit/>
-          </a:bodyPr>
-          <a:lstStyle/>
-          <a:p>
-            <a:r>
-              <a:rPr lang="en-US" dirty="0"/>
-              <a:t>Why accuracy alone isn’t enough</a:t>
+          <a:bodyPr/>
+          <a:lstStyle/>
+          <a:p>
+            <a:r>
+              <a:rPr lang="en-US" dirty="0"/>
+              <a:t>Overview</a:t>
             </a:r>
           </a:p>
           <a:p>
             <a:pPr lvl="1"/>
             <a:r>
               <a:rPr lang="en-US" dirty="0"/>
-              <a:t>High importance of not getting false positives or false negatives</a:t>
-            </a:r>
-          </a:p>
-          <a:p>
-            <a:pPr lvl="2"/>
-            <a:r>
-              <a:rPr lang="en-US" dirty="0"/>
-              <a:t>Predicting a false negative for something like cancer recognition is much less preferred than predicting a false positive.</a:t>
-            </a:r>
-          </a:p>
-          <a:p>
-            <a:pPr lvl="3"/>
-            <a:r>
-              <a:rPr lang="en-US" dirty="0"/>
-              <a:t>i.e. we would rather have the model incorrectly predict a benign tumor is malignant vs predict a malignant tumor benign.</a:t>
+              <a:t>Train Test Split</a:t>
+            </a:r>
+          </a:p>
+          <a:p>
+            <a:pPr lvl="1"/>
+            <a:r>
+              <a:rPr lang="en-US" dirty="0"/>
+              <a:t>Cross Validation</a:t>
             </a:r>
           </a:p>
         </p:txBody>
@@ -23057,7 +25020,7 @@
     </p:spTree>
     <p:extLst>
       <p:ext uri="{BB962C8B-B14F-4D97-AF65-F5344CB8AC3E}">
-        <p14:creationId xmlns:p14="http://schemas.microsoft.com/office/powerpoint/2010/main" val="4198823531"/>
+        <p14:creationId xmlns:p14="http://schemas.microsoft.com/office/powerpoint/2010/main" val="4053921630"/>
       </p:ext>
     </p:extLst>
   </p:cSld>
@@ -23149,28 +25112,56 @@
           <a:p>
             <a:r>
               <a:rPr lang="en-US" dirty="0"/>
-              <a:t>Precision</a:t>
+              <a:t>Overview</a:t>
             </a:r>
           </a:p>
           <a:p>
             <a:pPr lvl="1"/>
             <a:r>
               <a:rPr lang="en-US" dirty="0"/>
-              <a:t>TP/(TP+FP)</a:t>
+              <a:t>Why accuracy isn’t enough</a:t>
             </a:r>
           </a:p>
           <a:p>
             <a:pPr lvl="1"/>
             <a:r>
               <a:rPr lang="en-US" dirty="0"/>
-              <a:t>Can achieve 100% if a single prediction is made and it is correct. </a:t>
-            </a:r>
-          </a:p>
-          <a:p>
-            <a:pPr lvl="2"/>
-            <a:r>
-              <a:rPr lang="en-US" dirty="0"/>
-              <a:t>Must look at other metrics.</a:t>
+              <a:t>Precision = TP/(TP+FP)</a:t>
+            </a:r>
+          </a:p>
+          <a:p>
+            <a:pPr lvl="1"/>
+            <a:r>
+              <a:rPr lang="en-US" dirty="0"/>
+              <a:t>Recall (True Positive Rate, Sensitivity)</a:t>
+            </a:r>
+          </a:p>
+          <a:p>
+            <a:pPr lvl="1"/>
+            <a:r>
+              <a:rPr lang="en-US" dirty="0"/>
+              <a:t>False Positive Rate</a:t>
+            </a:r>
+          </a:p>
+          <a:p>
+            <a:pPr lvl="1"/>
+            <a:r>
+              <a:rPr lang="en-US" dirty="0"/>
+              <a:t>Specificity (True Negative Rate)</a:t>
+            </a:r>
+          </a:p>
+          <a:p>
+            <a:pPr lvl="1"/>
+            <a:r>
+              <a:rPr lang="en-US" dirty="0"/>
+              <a:t>Confusion Matrix</a:t>
+            </a:r>
+          </a:p>
+          <a:p>
+            <a:pPr lvl="1"/>
+            <a:r>
+              <a:rPr lang="en-US" dirty="0"/>
+              <a:t>Accuracy</a:t>
             </a:r>
           </a:p>
           <a:p>
@@ -23182,7 +25173,7 @@
     </p:spTree>
     <p:extLst>
       <p:ext uri="{BB962C8B-B14F-4D97-AF65-F5344CB8AC3E}">
-        <p14:creationId xmlns:p14="http://schemas.microsoft.com/office/powerpoint/2010/main" val="3349679697"/>
+        <p14:creationId xmlns:p14="http://schemas.microsoft.com/office/powerpoint/2010/main" val="3169363239"/>
       </p:ext>
     </p:extLst>
   </p:cSld>
@@ -23396,32 +25387,82 @@
           <a:p>
             <a:r>
               <a:rPr lang="en-US" dirty="0"/>
-              <a:t>Recall </a:t>
+              <a:t>Overview</a:t>
             </a:r>
           </a:p>
           <a:p>
             <a:pPr lvl="1"/>
             <a:r>
               <a:rPr lang="en-US" dirty="0"/>
-              <a:t>TP/(TP+FN)</a:t>
-            </a:r>
+              <a:t>Mean Squared Error</a:t>
+            </a:r>
+          </a:p>
+          <a:p>
+            <a:pPr lvl="2"/>
+            <a:r>
+              <a:rPr lang="en-US" dirty="0" err="1"/>
+              <a:t>mse</a:t>
+            </a:r>
+            <a:endParaRPr lang="en-US" dirty="0"/>
           </a:p>
           <a:p>
             <a:pPr lvl="1"/>
             <a:r>
               <a:rPr lang="en-US" dirty="0"/>
-              <a:t>A.k.a. True Positive Rate</a:t>
+              <a:t>Precision Recall Curves</a:t>
+            </a:r>
+          </a:p>
+          <a:p>
+            <a:pPr lvl="2"/>
+            <a:r>
+              <a:rPr lang="en-US" dirty="0" err="1"/>
+              <a:t>precision_recall_curve</a:t>
+            </a:r>
+            <a:r>
+              <a:rPr lang="en-US" dirty="0"/>
+              <a:t>()</a:t>
             </a:r>
           </a:p>
           <a:p>
             <a:pPr lvl="1"/>
             <a:r>
               <a:rPr lang="en-US" dirty="0"/>
-              <a:t>A.k.a. Sensitivity</a:t>
+              <a:t>Receiver Operating Characteristics (ROC) Curve</a:t>
             </a:r>
           </a:p>
           <a:p>
             <a:pPr lvl="2"/>
+            <a:r>
+              <a:rPr lang="en-US" dirty="0" err="1"/>
+              <a:t>roc_curve</a:t>
+            </a:r>
+            <a:r>
+              <a:rPr lang="en-US" dirty="0"/>
+              <a:t>()</a:t>
+            </a:r>
+          </a:p>
+          <a:p>
+            <a:pPr lvl="1"/>
+            <a:r>
+              <a:rPr lang="en-US" dirty="0"/>
+              <a:t>Area Under the Curve (AUC)</a:t>
+            </a:r>
+          </a:p>
+          <a:p>
+            <a:pPr lvl="2"/>
+            <a:r>
+              <a:rPr lang="en-US" dirty="0" err="1"/>
+              <a:t>roc_auc_score</a:t>
+            </a:r>
+            <a:r>
+              <a:rPr lang="en-US" dirty="0"/>
+              <a:t>()</a:t>
+            </a:r>
+          </a:p>
+          <a:p>
+            <a:pPr marL="914400" lvl="2" indent="0">
+              <a:buNone/>
+            </a:pPr>
             <a:endParaRPr lang="en-US" dirty="0"/>
           </a:p>
         </p:txBody>
@@ -23429,7 +25470,7 @@
     </p:spTree>
     <p:extLst>
       <p:ext uri="{BB962C8B-B14F-4D97-AF65-F5344CB8AC3E}">
-        <p14:creationId xmlns:p14="http://schemas.microsoft.com/office/powerpoint/2010/main" val="3198591611"/>
+        <p14:creationId xmlns:p14="http://schemas.microsoft.com/office/powerpoint/2010/main" val="1637459971"/>
       </p:ext>
     </p:extLst>
   </p:cSld>
@@ -23521,26 +25562,29 @@
           <a:p>
             <a:r>
               <a:rPr lang="en-US" dirty="0"/>
-              <a:t>False Positive Rate</a:t>
+              <a:t>Why accuracy alone isn’t enough</a:t>
             </a:r>
           </a:p>
           <a:p>
             <a:pPr lvl="1"/>
             <a:r>
               <a:rPr lang="en-US" dirty="0"/>
-              <a:t>FP/(TP+FN) = 1-TNR</a:t>
+              <a:t>Skewed datasets</a:t>
             </a:r>
           </a:p>
           <a:p>
             <a:pPr lvl="2"/>
-            <a:endParaRPr lang="en-US" dirty="0"/>
+            <a:r>
+              <a:rPr lang="en-US" dirty="0"/>
+              <a:t>If the dataset contains many more targets of one classification vs another, it is very easy to get high accuracy by just guessing the most likely class.</a:t>
+            </a:r>
           </a:p>
         </p:txBody>
       </p:sp>
     </p:spTree>
     <p:extLst>
       <p:ext uri="{BB962C8B-B14F-4D97-AF65-F5344CB8AC3E}">
-        <p14:creationId xmlns:p14="http://schemas.microsoft.com/office/powerpoint/2010/main" val="143541806"/>
+        <p14:creationId xmlns:p14="http://schemas.microsoft.com/office/powerpoint/2010/main" val="1739588826"/>
       </p:ext>
     </p:extLst>
   </p:cSld>
@@ -23632,26 +25676,36 @@
           <a:p>
             <a:r>
               <a:rPr lang="en-US" dirty="0"/>
-              <a:t>True Negative Rate</a:t>
+              <a:t>Why accuracy alone isn’t enough</a:t>
             </a:r>
           </a:p>
           <a:p>
             <a:pPr lvl="1"/>
             <a:r>
               <a:rPr lang="en-US" dirty="0"/>
-              <a:t>TN/(TN+FP) = 1-FNR</a:t>
+              <a:t>High importance of not getting false positives or false negatives</a:t>
             </a:r>
           </a:p>
           <a:p>
             <a:pPr lvl="2"/>
-            <a:endParaRPr lang="en-US" dirty="0"/>
+            <a:r>
+              <a:rPr lang="en-US" dirty="0"/>
+              <a:t>Predicting a false negative for something like cancer recognition is much less preferred than predicting a false positive.</a:t>
+            </a:r>
+          </a:p>
+          <a:p>
+            <a:pPr lvl="3"/>
+            <a:r>
+              <a:rPr lang="en-US" dirty="0"/>
+              <a:t>i.e. we would rather have the model incorrectly predict a benign tumor is malignant vs predict a malignant tumor benign.</a:t>
+            </a:r>
           </a:p>
         </p:txBody>
       </p:sp>
     </p:spTree>
     <p:extLst>
       <p:ext uri="{BB962C8B-B14F-4D97-AF65-F5344CB8AC3E}">
-        <p14:creationId xmlns:p14="http://schemas.microsoft.com/office/powerpoint/2010/main" val="3682867896"/>
+        <p14:creationId xmlns:p14="http://schemas.microsoft.com/office/powerpoint/2010/main" val="4198823531"/>
       </p:ext>
     </p:extLst>
   </p:cSld>
@@ -23743,7 +25797,28 @@
           <a:p>
             <a:r>
               <a:rPr lang="en-US" dirty="0"/>
-              <a:t>Increasing precision decreases recall, and vice versa.</a:t>
+              <a:t>Precision</a:t>
+            </a:r>
+          </a:p>
+          <a:p>
+            <a:pPr lvl="1"/>
+            <a:r>
+              <a:rPr lang="en-US" dirty="0"/>
+              <a:t>TP/(TP+FP)</a:t>
+            </a:r>
+          </a:p>
+          <a:p>
+            <a:pPr lvl="1"/>
+            <a:r>
+              <a:rPr lang="en-US" dirty="0"/>
+              <a:t>Can achieve 100% if a single prediction is made and it is correct. </a:t>
+            </a:r>
+          </a:p>
+          <a:p>
+            <a:pPr lvl="2"/>
+            <a:r>
+              <a:rPr lang="en-US" dirty="0"/>
+              <a:t>Must look at other metrics.</a:t>
             </a:r>
           </a:p>
           <a:p>
@@ -23755,7 +25830,7 @@
     </p:spTree>
     <p:extLst>
       <p:ext uri="{BB962C8B-B14F-4D97-AF65-F5344CB8AC3E}">
-        <p14:creationId xmlns:p14="http://schemas.microsoft.com/office/powerpoint/2010/main" val="3636146055"/>
+        <p14:creationId xmlns:p14="http://schemas.microsoft.com/office/powerpoint/2010/main" val="3349679697"/>
       </p:ext>
     </p:extLst>
   </p:cSld>
@@ -23847,50 +25922,40 @@
           <a:p>
             <a:r>
               <a:rPr lang="en-US" dirty="0"/>
-              <a:t>Confusion Matrix</a:t>
+              <a:t>Recall </a:t>
             </a:r>
           </a:p>
           <a:p>
             <a:pPr lvl="1"/>
             <a:r>
               <a:rPr lang="en-US" dirty="0"/>
-              <a:t>2-dimensional data table</a:t>
+              <a:t>TP/(TP+FN)</a:t>
             </a:r>
           </a:p>
           <a:p>
             <a:pPr lvl="1"/>
             <a:r>
               <a:rPr lang="en-US" dirty="0"/>
-              <a:t>Measure of how “confused” our model is.</a:t>
+              <a:t>A.k.a. True Positive Rate</a:t>
             </a:r>
           </a:p>
           <a:p>
             <a:pPr lvl="1"/>
             <a:r>
               <a:rPr lang="en-US" dirty="0"/>
-              <a:t>Each cell shows how many classifications were predicted, and what the actual target was.</a:t>
-            </a:r>
-          </a:p>
-          <a:p>
-            <a:pPr lvl="1"/>
-            <a:r>
-              <a:rPr lang="en-US" dirty="0"/>
-              <a:t>Rows are actual targets</a:t>
-            </a:r>
-          </a:p>
-          <a:p>
-            <a:pPr lvl="1"/>
-            <a:r>
-              <a:rPr lang="en-US" dirty="0"/>
-              <a:t>Columns are predicted targets</a:t>
-            </a:r>
+              <a:t>A.k.a. Sensitivity</a:t>
+            </a:r>
+          </a:p>
+          <a:p>
+            <a:pPr lvl="2"/>
+            <a:endParaRPr lang="en-US" dirty="0"/>
           </a:p>
         </p:txBody>
       </p:sp>
     </p:spTree>
     <p:extLst>
       <p:ext uri="{BB962C8B-B14F-4D97-AF65-F5344CB8AC3E}">
-        <p14:creationId xmlns:p14="http://schemas.microsoft.com/office/powerpoint/2010/main" val="796492218"/>
+        <p14:creationId xmlns:p14="http://schemas.microsoft.com/office/powerpoint/2010/main" val="3198591611"/>
       </p:ext>
     </p:extLst>
   </p:cSld>
@@ -23982,52 +26047,26 @@
           <a:p>
             <a:r>
               <a:rPr lang="en-US" dirty="0"/>
-              <a:t>Confusion Matrix</a:t>
+              <a:t>False Positive Rate</a:t>
             </a:r>
           </a:p>
           <a:p>
             <a:pPr lvl="1"/>
             <a:r>
               <a:rPr lang="en-US" dirty="0"/>
-              <a:t>Example</a:t>
-            </a:r>
-          </a:p>
-        </p:txBody>
-      </p:sp>
-      <p:pic>
-        <p:nvPicPr>
-          <p:cNvPr id="6" name="Picture 5">
-            <a:extLst>
-              <a:ext uri="{FF2B5EF4-FFF2-40B4-BE49-F238E27FC236}">
-                <a16:creationId xmlns:a16="http://schemas.microsoft.com/office/drawing/2014/main" id="{3B766A84-1E2A-483B-BF7E-7B1DC1636DB9}"/>
-              </a:ext>
-            </a:extLst>
-          </p:cNvPr>
-          <p:cNvPicPr>
-            <a:picLocks noChangeAspect="1"/>
-          </p:cNvPicPr>
-          <p:nvPr/>
-        </p:nvPicPr>
-        <p:blipFill>
-          <a:blip r:embed="rId5"/>
-          <a:stretch>
-            <a:fillRect/>
-          </a:stretch>
-        </p:blipFill>
-        <p:spPr>
-          <a:xfrm>
-            <a:off x="2806072" y="2754312"/>
-            <a:ext cx="3531856" cy="3790950"/>
-          </a:xfrm>
-          <a:prstGeom prst="rect">
-            <a:avLst/>
-          </a:prstGeom>
-        </p:spPr>
-      </p:pic>
+              <a:t>FP/(TP+FN) = 1-TNR</a:t>
+            </a:r>
+          </a:p>
+          <a:p>
+            <a:pPr lvl="2"/>
+            <a:endParaRPr lang="en-US" dirty="0"/>
+          </a:p>
+        </p:txBody>
+      </p:sp>
     </p:spTree>
     <p:extLst>
       <p:ext uri="{BB962C8B-B14F-4D97-AF65-F5344CB8AC3E}">
-        <p14:creationId xmlns:p14="http://schemas.microsoft.com/office/powerpoint/2010/main" val="3703476854"/>
+        <p14:creationId xmlns:p14="http://schemas.microsoft.com/office/powerpoint/2010/main" val="143541806"/>
       </p:ext>
     </p:extLst>
   </p:cSld>
@@ -24119,22 +26158,26 @@
           <a:p>
             <a:r>
               <a:rPr lang="en-US" dirty="0"/>
-              <a:t>Accuracy</a:t>
+              <a:t>True Negative Rate</a:t>
             </a:r>
           </a:p>
           <a:p>
             <a:pPr lvl="1"/>
             <a:r>
               <a:rPr lang="en-US" dirty="0"/>
-              <a:t>(TP + TN)/(TP + TN + FP + FN)</a:t>
-            </a:r>
+              <a:t>TN/(TN+FP) = 1-FNR</a:t>
+            </a:r>
+          </a:p>
+          <a:p>
+            <a:pPr lvl="2"/>
+            <a:endParaRPr lang="en-US" dirty="0"/>
           </a:p>
         </p:txBody>
       </p:sp>
     </p:spTree>
     <p:extLst>
       <p:ext uri="{BB962C8B-B14F-4D97-AF65-F5344CB8AC3E}">
-        <p14:creationId xmlns:p14="http://schemas.microsoft.com/office/powerpoint/2010/main" val="2711114479"/>
+        <p14:creationId xmlns:p14="http://schemas.microsoft.com/office/powerpoint/2010/main" val="3682867896"/>
       </p:ext>
     </p:extLst>
   </p:cSld>
@@ -24226,15 +26269,19 @@
           <a:p>
             <a:r>
               <a:rPr lang="en-US" dirty="0"/>
-              <a:t>Mean Squared Error</a:t>
-            </a:r>
+              <a:t>Increasing precision decreases recall, and vice versa.</a:t>
+            </a:r>
+          </a:p>
+          <a:p>
+            <a:pPr lvl="2"/>
+            <a:endParaRPr lang="en-US" dirty="0"/>
           </a:p>
         </p:txBody>
       </p:sp>
     </p:spTree>
     <p:extLst>
       <p:ext uri="{BB962C8B-B14F-4D97-AF65-F5344CB8AC3E}">
-        <p14:creationId xmlns:p14="http://schemas.microsoft.com/office/powerpoint/2010/main" val="730113372"/>
+        <p14:creationId xmlns:p14="http://schemas.microsoft.com/office/powerpoint/2010/main" val="3636146055"/>
       </p:ext>
     </p:extLst>
   </p:cSld>
@@ -24326,7 +26373,42 @@
           <a:p>
             <a:r>
               <a:rPr lang="en-US" dirty="0"/>
-              <a:t>Precision Recall Curves</a:t>
+              <a:t>Confusion Matrix</a:t>
+            </a:r>
+          </a:p>
+          <a:p>
+            <a:pPr lvl="1"/>
+            <a:r>
+              <a:rPr lang="en-US" dirty="0"/>
+              <a:t>2-dimensional data table</a:t>
+            </a:r>
+          </a:p>
+          <a:p>
+            <a:pPr lvl="1"/>
+            <a:r>
+              <a:rPr lang="en-US" dirty="0"/>
+              <a:t>Measure of how “confused” our model is.</a:t>
+            </a:r>
+          </a:p>
+          <a:p>
+            <a:pPr lvl="1"/>
+            <a:r>
+              <a:rPr lang="en-US" dirty="0"/>
+              <a:t>Each cell shows how many classifications were predicted, and what the actual target was.</a:t>
+            </a:r>
+          </a:p>
+          <a:p>
+            <a:pPr lvl="1"/>
+            <a:r>
+              <a:rPr lang="en-US" dirty="0"/>
+              <a:t>Rows are actual targets</a:t>
+            </a:r>
+          </a:p>
+          <a:p>
+            <a:pPr lvl="1"/>
+            <a:r>
+              <a:rPr lang="en-US" dirty="0"/>
+              <a:t>Columns are predicted targets</a:t>
             </a:r>
           </a:p>
         </p:txBody>
@@ -24334,7 +26416,7 @@
     </p:spTree>
     <p:extLst>
       <p:ext uri="{BB962C8B-B14F-4D97-AF65-F5344CB8AC3E}">
-        <p14:creationId xmlns:p14="http://schemas.microsoft.com/office/powerpoint/2010/main" val="2515405883"/>
+        <p14:creationId xmlns:p14="http://schemas.microsoft.com/office/powerpoint/2010/main" val="796492218"/>
       </p:ext>
     </p:extLst>
   </p:cSld>
@@ -24426,22 +26508,52 @@
           <a:p>
             <a:r>
               <a:rPr lang="en-US" dirty="0"/>
-              <a:t>Receiver Operating Characteristics (ROC) Curve</a:t>
+              <a:t>Confusion Matrix</a:t>
             </a:r>
           </a:p>
           <a:p>
             <a:pPr lvl="1"/>
             <a:r>
               <a:rPr lang="en-US" dirty="0"/>
-              <a:t>Plots True Positive Rate vs False Positive Rate</a:t>
-            </a:r>
-          </a:p>
-        </p:txBody>
-      </p:sp>
+              <a:t>Example</a:t>
+            </a:r>
+          </a:p>
+        </p:txBody>
+      </p:sp>
+      <p:pic>
+        <p:nvPicPr>
+          <p:cNvPr id="6" name="Picture 5">
+            <a:extLst>
+              <a:ext uri="{FF2B5EF4-FFF2-40B4-BE49-F238E27FC236}">
+                <a16:creationId xmlns:a16="http://schemas.microsoft.com/office/drawing/2014/main" id="{3B766A84-1E2A-483B-BF7E-7B1DC1636DB9}"/>
+              </a:ext>
+            </a:extLst>
+          </p:cNvPr>
+          <p:cNvPicPr>
+            <a:picLocks noChangeAspect="1"/>
+          </p:cNvPicPr>
+          <p:nvPr/>
+        </p:nvPicPr>
+        <p:blipFill>
+          <a:blip r:embed="rId5"/>
+          <a:stretch>
+            <a:fillRect/>
+          </a:stretch>
+        </p:blipFill>
+        <p:spPr>
+          <a:xfrm>
+            <a:off x="2806072" y="2754312"/>
+            <a:ext cx="3531856" cy="3790950"/>
+          </a:xfrm>
+          <a:prstGeom prst="rect">
+            <a:avLst/>
+          </a:prstGeom>
+        </p:spPr>
+      </p:pic>
     </p:spTree>
     <p:extLst>
       <p:ext uri="{BB962C8B-B14F-4D97-AF65-F5344CB8AC3E}">
-        <p14:creationId xmlns:p14="http://schemas.microsoft.com/office/powerpoint/2010/main" val="4181129315"/>
+        <p14:creationId xmlns:p14="http://schemas.microsoft.com/office/powerpoint/2010/main" val="3703476854"/>
       </p:ext>
     </p:extLst>
   </p:cSld>
@@ -25961,7 +28073,394 @@
 </a:themeOverride>
 </file>
 
+<file path=ppt/theme/themeOverride112.xml><?xml version="1.0" encoding="utf-8"?>
+<a:themeOverride xmlns:a="http://schemas.openxmlformats.org/drawingml/2006/main">
+  <a:clrScheme name="Custom 2">
+    <a:dk1>
+      <a:srgbClr val="EFEFEF"/>
+    </a:dk1>
+    <a:lt1>
+      <a:srgbClr val="EFEFEF"/>
+    </a:lt1>
+    <a:dk2>
+      <a:srgbClr val="053E7D"/>
+    </a:dk2>
+    <a:lt2>
+      <a:srgbClr val="FFFFFF"/>
+    </a:lt2>
+    <a:accent1>
+      <a:srgbClr val="EFEFEF"/>
+    </a:accent1>
+    <a:accent2>
+      <a:srgbClr val="EFEFEF"/>
+    </a:accent2>
+    <a:accent3>
+      <a:srgbClr val="EFEFEF"/>
+    </a:accent3>
+    <a:accent4>
+      <a:srgbClr val="808080"/>
+    </a:accent4>
+    <a:accent5>
+      <a:srgbClr val="5F5F5F"/>
+    </a:accent5>
+    <a:accent6>
+      <a:srgbClr val="4D4D4D"/>
+    </a:accent6>
+    <a:hlink>
+      <a:srgbClr val="B5D7FC"/>
+    </a:hlink>
+    <a:folHlink>
+      <a:srgbClr val="919191"/>
+    </a:folHlink>
+  </a:clrScheme>
+</a:themeOverride>
+</file>
+
+<file path=ppt/theme/themeOverride113.xml><?xml version="1.0" encoding="utf-8"?>
+<a:themeOverride xmlns:a="http://schemas.openxmlformats.org/drawingml/2006/main">
+  <a:clrScheme name="Custom 2">
+    <a:dk1>
+      <a:srgbClr val="EFEFEF"/>
+    </a:dk1>
+    <a:lt1>
+      <a:srgbClr val="EFEFEF"/>
+    </a:lt1>
+    <a:dk2>
+      <a:srgbClr val="053E7D"/>
+    </a:dk2>
+    <a:lt2>
+      <a:srgbClr val="FFFFFF"/>
+    </a:lt2>
+    <a:accent1>
+      <a:srgbClr val="EFEFEF"/>
+    </a:accent1>
+    <a:accent2>
+      <a:srgbClr val="EFEFEF"/>
+    </a:accent2>
+    <a:accent3>
+      <a:srgbClr val="EFEFEF"/>
+    </a:accent3>
+    <a:accent4>
+      <a:srgbClr val="808080"/>
+    </a:accent4>
+    <a:accent5>
+      <a:srgbClr val="5F5F5F"/>
+    </a:accent5>
+    <a:accent6>
+      <a:srgbClr val="4D4D4D"/>
+    </a:accent6>
+    <a:hlink>
+      <a:srgbClr val="B5D7FC"/>
+    </a:hlink>
+    <a:folHlink>
+      <a:srgbClr val="919191"/>
+    </a:folHlink>
+  </a:clrScheme>
+</a:themeOverride>
+</file>
+
+<file path=ppt/theme/themeOverride114.xml><?xml version="1.0" encoding="utf-8"?>
+<a:themeOverride xmlns:a="http://schemas.openxmlformats.org/drawingml/2006/main">
+  <a:clrScheme name="Custom 2">
+    <a:dk1>
+      <a:srgbClr val="EFEFEF"/>
+    </a:dk1>
+    <a:lt1>
+      <a:srgbClr val="EFEFEF"/>
+    </a:lt1>
+    <a:dk2>
+      <a:srgbClr val="053E7D"/>
+    </a:dk2>
+    <a:lt2>
+      <a:srgbClr val="FFFFFF"/>
+    </a:lt2>
+    <a:accent1>
+      <a:srgbClr val="EFEFEF"/>
+    </a:accent1>
+    <a:accent2>
+      <a:srgbClr val="EFEFEF"/>
+    </a:accent2>
+    <a:accent3>
+      <a:srgbClr val="EFEFEF"/>
+    </a:accent3>
+    <a:accent4>
+      <a:srgbClr val="808080"/>
+    </a:accent4>
+    <a:accent5>
+      <a:srgbClr val="5F5F5F"/>
+    </a:accent5>
+    <a:accent6>
+      <a:srgbClr val="4D4D4D"/>
+    </a:accent6>
+    <a:hlink>
+      <a:srgbClr val="B5D7FC"/>
+    </a:hlink>
+    <a:folHlink>
+      <a:srgbClr val="919191"/>
+    </a:folHlink>
+  </a:clrScheme>
+</a:themeOverride>
+</file>
+
+<file path=ppt/theme/themeOverride115.xml><?xml version="1.0" encoding="utf-8"?>
+<a:themeOverride xmlns:a="http://schemas.openxmlformats.org/drawingml/2006/main">
+  <a:clrScheme name="Custom 2">
+    <a:dk1>
+      <a:srgbClr val="EFEFEF"/>
+    </a:dk1>
+    <a:lt1>
+      <a:srgbClr val="EFEFEF"/>
+    </a:lt1>
+    <a:dk2>
+      <a:srgbClr val="053E7D"/>
+    </a:dk2>
+    <a:lt2>
+      <a:srgbClr val="FFFFFF"/>
+    </a:lt2>
+    <a:accent1>
+      <a:srgbClr val="EFEFEF"/>
+    </a:accent1>
+    <a:accent2>
+      <a:srgbClr val="EFEFEF"/>
+    </a:accent2>
+    <a:accent3>
+      <a:srgbClr val="EFEFEF"/>
+    </a:accent3>
+    <a:accent4>
+      <a:srgbClr val="808080"/>
+    </a:accent4>
+    <a:accent5>
+      <a:srgbClr val="5F5F5F"/>
+    </a:accent5>
+    <a:accent6>
+      <a:srgbClr val="4D4D4D"/>
+    </a:accent6>
+    <a:hlink>
+      <a:srgbClr val="B5D7FC"/>
+    </a:hlink>
+    <a:folHlink>
+      <a:srgbClr val="919191"/>
+    </a:folHlink>
+  </a:clrScheme>
+</a:themeOverride>
+</file>
+
+<file path=ppt/theme/themeOverride116.xml><?xml version="1.0" encoding="utf-8"?>
+<a:themeOverride xmlns:a="http://schemas.openxmlformats.org/drawingml/2006/main">
+  <a:clrScheme name="Custom 2">
+    <a:dk1>
+      <a:srgbClr val="EFEFEF"/>
+    </a:dk1>
+    <a:lt1>
+      <a:srgbClr val="EFEFEF"/>
+    </a:lt1>
+    <a:dk2>
+      <a:srgbClr val="053E7D"/>
+    </a:dk2>
+    <a:lt2>
+      <a:srgbClr val="FFFFFF"/>
+    </a:lt2>
+    <a:accent1>
+      <a:srgbClr val="EFEFEF"/>
+    </a:accent1>
+    <a:accent2>
+      <a:srgbClr val="EFEFEF"/>
+    </a:accent2>
+    <a:accent3>
+      <a:srgbClr val="EFEFEF"/>
+    </a:accent3>
+    <a:accent4>
+      <a:srgbClr val="808080"/>
+    </a:accent4>
+    <a:accent5>
+      <a:srgbClr val="5F5F5F"/>
+    </a:accent5>
+    <a:accent6>
+      <a:srgbClr val="4D4D4D"/>
+    </a:accent6>
+    <a:hlink>
+      <a:srgbClr val="B5D7FC"/>
+    </a:hlink>
+    <a:folHlink>
+      <a:srgbClr val="919191"/>
+    </a:folHlink>
+  </a:clrScheme>
+</a:themeOverride>
+</file>
+
+<file path=ppt/theme/themeOverride117.xml><?xml version="1.0" encoding="utf-8"?>
+<a:themeOverride xmlns:a="http://schemas.openxmlformats.org/drawingml/2006/main">
+  <a:clrScheme name="Custom 2">
+    <a:dk1>
+      <a:srgbClr val="EFEFEF"/>
+    </a:dk1>
+    <a:lt1>
+      <a:srgbClr val="EFEFEF"/>
+    </a:lt1>
+    <a:dk2>
+      <a:srgbClr val="053E7D"/>
+    </a:dk2>
+    <a:lt2>
+      <a:srgbClr val="FFFFFF"/>
+    </a:lt2>
+    <a:accent1>
+      <a:srgbClr val="EFEFEF"/>
+    </a:accent1>
+    <a:accent2>
+      <a:srgbClr val="EFEFEF"/>
+    </a:accent2>
+    <a:accent3>
+      <a:srgbClr val="EFEFEF"/>
+    </a:accent3>
+    <a:accent4>
+      <a:srgbClr val="808080"/>
+    </a:accent4>
+    <a:accent5>
+      <a:srgbClr val="5F5F5F"/>
+    </a:accent5>
+    <a:accent6>
+      <a:srgbClr val="4D4D4D"/>
+    </a:accent6>
+    <a:hlink>
+      <a:srgbClr val="B5D7FC"/>
+    </a:hlink>
+    <a:folHlink>
+      <a:srgbClr val="919191"/>
+    </a:folHlink>
+  </a:clrScheme>
+</a:themeOverride>
+</file>
+
+<file path=ppt/theme/themeOverride118.xml><?xml version="1.0" encoding="utf-8"?>
+<a:themeOverride xmlns:a="http://schemas.openxmlformats.org/drawingml/2006/main">
+  <a:clrScheme name="Custom 2">
+    <a:dk1>
+      <a:srgbClr val="EFEFEF"/>
+    </a:dk1>
+    <a:lt1>
+      <a:srgbClr val="EFEFEF"/>
+    </a:lt1>
+    <a:dk2>
+      <a:srgbClr val="053E7D"/>
+    </a:dk2>
+    <a:lt2>
+      <a:srgbClr val="FFFFFF"/>
+    </a:lt2>
+    <a:accent1>
+      <a:srgbClr val="EFEFEF"/>
+    </a:accent1>
+    <a:accent2>
+      <a:srgbClr val="EFEFEF"/>
+    </a:accent2>
+    <a:accent3>
+      <a:srgbClr val="EFEFEF"/>
+    </a:accent3>
+    <a:accent4>
+      <a:srgbClr val="808080"/>
+    </a:accent4>
+    <a:accent5>
+      <a:srgbClr val="5F5F5F"/>
+    </a:accent5>
+    <a:accent6>
+      <a:srgbClr val="4D4D4D"/>
+    </a:accent6>
+    <a:hlink>
+      <a:srgbClr val="B5D7FC"/>
+    </a:hlink>
+    <a:folHlink>
+      <a:srgbClr val="919191"/>
+    </a:folHlink>
+  </a:clrScheme>
+</a:themeOverride>
+</file>
+
+<file path=ppt/theme/themeOverride119.xml><?xml version="1.0" encoding="utf-8"?>
+<a:themeOverride xmlns:a="http://schemas.openxmlformats.org/drawingml/2006/main">
+  <a:clrScheme name="Custom 2">
+    <a:dk1>
+      <a:srgbClr val="EFEFEF"/>
+    </a:dk1>
+    <a:lt1>
+      <a:srgbClr val="EFEFEF"/>
+    </a:lt1>
+    <a:dk2>
+      <a:srgbClr val="053E7D"/>
+    </a:dk2>
+    <a:lt2>
+      <a:srgbClr val="FFFFFF"/>
+    </a:lt2>
+    <a:accent1>
+      <a:srgbClr val="EFEFEF"/>
+    </a:accent1>
+    <a:accent2>
+      <a:srgbClr val="EFEFEF"/>
+    </a:accent2>
+    <a:accent3>
+      <a:srgbClr val="EFEFEF"/>
+    </a:accent3>
+    <a:accent4>
+      <a:srgbClr val="808080"/>
+    </a:accent4>
+    <a:accent5>
+      <a:srgbClr val="5F5F5F"/>
+    </a:accent5>
+    <a:accent6>
+      <a:srgbClr val="4D4D4D"/>
+    </a:accent6>
+    <a:hlink>
+      <a:srgbClr val="B5D7FC"/>
+    </a:hlink>
+    <a:folHlink>
+      <a:srgbClr val="919191"/>
+    </a:folHlink>
+  </a:clrScheme>
+</a:themeOverride>
+</file>
+
 <file path=ppt/theme/themeOverride12.xml><?xml version="1.0" encoding="utf-8"?>
+<a:themeOverride xmlns:a="http://schemas.openxmlformats.org/drawingml/2006/main">
+  <a:clrScheme name="Custom 2">
+    <a:dk1>
+      <a:srgbClr val="EFEFEF"/>
+    </a:dk1>
+    <a:lt1>
+      <a:srgbClr val="EFEFEF"/>
+    </a:lt1>
+    <a:dk2>
+      <a:srgbClr val="053E7D"/>
+    </a:dk2>
+    <a:lt2>
+      <a:srgbClr val="FFFFFF"/>
+    </a:lt2>
+    <a:accent1>
+      <a:srgbClr val="EFEFEF"/>
+    </a:accent1>
+    <a:accent2>
+      <a:srgbClr val="EFEFEF"/>
+    </a:accent2>
+    <a:accent3>
+      <a:srgbClr val="EFEFEF"/>
+    </a:accent3>
+    <a:accent4>
+      <a:srgbClr val="808080"/>
+    </a:accent4>
+    <a:accent5>
+      <a:srgbClr val="5F5F5F"/>
+    </a:accent5>
+    <a:accent6>
+      <a:srgbClr val="4D4D4D"/>
+    </a:accent6>
+    <a:hlink>
+      <a:srgbClr val="B5D7FC"/>
+    </a:hlink>
+    <a:folHlink>
+      <a:srgbClr val="919191"/>
+    </a:folHlink>
+  </a:clrScheme>
+</a:themeOverride>
+</file>
+
+<file path=ppt/theme/themeOverride120.xml><?xml version="1.0" encoding="utf-8"?>
 <a:themeOverride xmlns:a="http://schemas.openxmlformats.org/drawingml/2006/main">
   <a:clrScheme name="Custom 2">
     <a:dk1>

--- a/Session 7 - Python/Instructional Material/Session 7 - Python Brief Intro to Machine Learning with Scikit Learn.pptx
+++ b/Session 7 - Python/Instructional Material/Session 7 - Python Brief Intro to Machine Learning with Scikit Learn.pptx
@@ -6,7 +6,7 @@
     <p:sldMasterId id="2147483660" r:id="rId2"/>
   </p:sldMasterIdLst>
   <p:notesMasterIdLst>
-    <p:notesMasterId r:id="rId128"/>
+    <p:notesMasterId r:id="rId133"/>
   </p:notesMasterIdLst>
   <p:sldIdLst>
     <p:sldId id="256" r:id="rId3"/>
@@ -97,43 +97,48 @@
     <p:sldId id="397" r:id="rId88"/>
     <p:sldId id="505" r:id="rId89"/>
     <p:sldId id="376" r:id="rId90"/>
-    <p:sldId id="445" r:id="rId91"/>
-    <p:sldId id="485" r:id="rId92"/>
-    <p:sldId id="475" r:id="rId93"/>
-    <p:sldId id="478" r:id="rId94"/>
-    <p:sldId id="486" r:id="rId95"/>
-    <p:sldId id="489" r:id="rId96"/>
-    <p:sldId id="492" r:id="rId97"/>
-    <p:sldId id="493" r:id="rId98"/>
-    <p:sldId id="490" r:id="rId99"/>
-    <p:sldId id="477" r:id="rId100"/>
-    <p:sldId id="484" r:id="rId101"/>
-    <p:sldId id="491" r:id="rId102"/>
-    <p:sldId id="482" r:id="rId103"/>
-    <p:sldId id="483" r:id="rId104"/>
-    <p:sldId id="480" r:id="rId105"/>
-    <p:sldId id="481" r:id="rId106"/>
-    <p:sldId id="488" r:id="rId107"/>
-    <p:sldId id="487" r:id="rId108"/>
-    <p:sldId id="476" r:id="rId109"/>
-    <p:sldId id="384" r:id="rId110"/>
-    <p:sldId id="506" r:id="rId111"/>
-    <p:sldId id="508" r:id="rId112"/>
-    <p:sldId id="509" r:id="rId113"/>
-    <p:sldId id="510" r:id="rId114"/>
-    <p:sldId id="472" r:id="rId115"/>
-    <p:sldId id="511" r:id="rId116"/>
-    <p:sldId id="512" r:id="rId117"/>
-    <p:sldId id="385" r:id="rId118"/>
-    <p:sldId id="400" r:id="rId119"/>
-    <p:sldId id="473" r:id="rId120"/>
-    <p:sldId id="386" r:id="rId121"/>
-    <p:sldId id="507" r:id="rId122"/>
-    <p:sldId id="470" r:id="rId123"/>
-    <p:sldId id="471" r:id="rId124"/>
-    <p:sldId id="375" r:id="rId125"/>
-    <p:sldId id="460" r:id="rId126"/>
-    <p:sldId id="411" r:id="rId127"/>
+    <p:sldId id="516" r:id="rId91"/>
+    <p:sldId id="518" r:id="rId92"/>
+    <p:sldId id="517" r:id="rId93"/>
+    <p:sldId id="445" r:id="rId94"/>
+    <p:sldId id="485" r:id="rId95"/>
+    <p:sldId id="475" r:id="rId96"/>
+    <p:sldId id="478" r:id="rId97"/>
+    <p:sldId id="486" r:id="rId98"/>
+    <p:sldId id="513" r:id="rId99"/>
+    <p:sldId id="489" r:id="rId100"/>
+    <p:sldId id="492" r:id="rId101"/>
+    <p:sldId id="493" r:id="rId102"/>
+    <p:sldId id="490" r:id="rId103"/>
+    <p:sldId id="477" r:id="rId104"/>
+    <p:sldId id="484" r:id="rId105"/>
+    <p:sldId id="491" r:id="rId106"/>
+    <p:sldId id="482" r:id="rId107"/>
+    <p:sldId id="483" r:id="rId108"/>
+    <p:sldId id="480" r:id="rId109"/>
+    <p:sldId id="481" r:id="rId110"/>
+    <p:sldId id="488" r:id="rId111"/>
+    <p:sldId id="487" r:id="rId112"/>
+    <p:sldId id="476" r:id="rId113"/>
+    <p:sldId id="384" r:id="rId114"/>
+    <p:sldId id="506" r:id="rId115"/>
+    <p:sldId id="508" r:id="rId116"/>
+    <p:sldId id="509" r:id="rId117"/>
+    <p:sldId id="510" r:id="rId118"/>
+    <p:sldId id="472" r:id="rId119"/>
+    <p:sldId id="511" r:id="rId120"/>
+    <p:sldId id="512" r:id="rId121"/>
+    <p:sldId id="385" r:id="rId122"/>
+    <p:sldId id="400" r:id="rId123"/>
+    <p:sldId id="473" r:id="rId124"/>
+    <p:sldId id="386" r:id="rId125"/>
+    <p:sldId id="507" r:id="rId126"/>
+    <p:sldId id="470" r:id="rId127"/>
+    <p:sldId id="471" r:id="rId128"/>
+    <p:sldId id="514" r:id="rId129"/>
+    <p:sldId id="375" r:id="rId130"/>
+    <p:sldId id="460" r:id="rId131"/>
+    <p:sldId id="411" r:id="rId132"/>
   </p:sldIdLst>
   <p:sldSz cx="9144000" cy="6858000" type="screen4x3"/>
   <p:notesSz cx="6858000" cy="9144000"/>
@@ -333,7 +338,7 @@
           <a:p>
             <a:fld id="{CD3A85A8-362A-422C-AAFE-FA6D3B9BF6BA}" type="datetimeFigureOut">
               <a:rPr lang="en-US" smtClean="0"/>
-              <a:t>12/28/2021</a:t>
+              <a:t>12/30/2021</a:t>
             </a:fld>
             <a:endParaRPr lang="en-US"/>
           </a:p>
@@ -3113,7 +3118,7 @@
           <a:p>
             <a:fld id="{547641E8-73DF-4AD2-848E-3103064331B1}" type="datetimeFigureOut">
               <a:rPr lang="en-US" smtClean="0"/>
-              <a:t>12/28/2021</a:t>
+              <a:t>12/30/2021</a:t>
             </a:fld>
             <a:endParaRPr lang="en-US"/>
           </a:p>
@@ -3281,7 +3286,7 @@
           <a:p>
             <a:fld id="{547641E8-73DF-4AD2-848E-3103064331B1}" type="datetimeFigureOut">
               <a:rPr lang="en-US" smtClean="0"/>
-              <a:t>12/28/2021</a:t>
+              <a:t>12/30/2021</a:t>
             </a:fld>
             <a:endParaRPr lang="en-US"/>
           </a:p>
@@ -3459,7 +3464,7 @@
           <a:p>
             <a:fld id="{547641E8-73DF-4AD2-848E-3103064331B1}" type="datetimeFigureOut">
               <a:rPr lang="en-US" smtClean="0"/>
-              <a:t>12/28/2021</a:t>
+              <a:t>12/30/2021</a:t>
             </a:fld>
             <a:endParaRPr lang="en-US"/>
           </a:p>
@@ -3706,7 +3711,7 @@
                 </a:solidFill>
               </a:rPr>
               <a:pPr/>
-              <a:t>12/28/2021</a:t>
+              <a:t>12/30/2021</a:t>
             </a:fld>
             <a:endParaRPr lang="en-US">
               <a:solidFill>
@@ -3906,7 +3911,7 @@
                 </a:solidFill>
               </a:rPr>
               <a:pPr/>
-              <a:t>12/28/2021</a:t>
+              <a:t>12/30/2021</a:t>
             </a:fld>
             <a:endParaRPr lang="en-US">
               <a:solidFill>
@@ -4183,7 +4188,7 @@
                 </a:solidFill>
               </a:rPr>
               <a:pPr/>
-              <a:t>12/28/2021</a:t>
+              <a:t>12/30/2021</a:t>
             </a:fld>
             <a:endParaRPr lang="en-US">
               <a:solidFill>
@@ -4500,7 +4505,7 @@
                 </a:solidFill>
               </a:rPr>
               <a:pPr/>
-              <a:t>12/28/2021</a:t>
+              <a:t>12/30/2021</a:t>
             </a:fld>
             <a:endParaRPr lang="en-US">
               <a:solidFill>
@@ -4951,7 +4956,7 @@
                 </a:solidFill>
               </a:rPr>
               <a:pPr/>
-              <a:t>12/28/2021</a:t>
+              <a:t>12/30/2021</a:t>
             </a:fld>
             <a:endParaRPr lang="en-US">
               <a:solidFill>
@@ -5100,7 +5105,7 @@
                 </a:solidFill>
               </a:rPr>
               <a:pPr/>
-              <a:t>12/28/2021</a:t>
+              <a:t>12/30/2021</a:t>
             </a:fld>
             <a:endParaRPr lang="en-US">
               <a:solidFill>
@@ -5227,7 +5232,7 @@
                 </a:solidFill>
               </a:rPr>
               <a:pPr/>
-              <a:t>12/28/2021</a:t>
+              <a:t>12/30/2021</a:t>
             </a:fld>
             <a:endParaRPr lang="en-US">
               <a:solidFill>
@@ -5534,7 +5539,7 @@
                 </a:solidFill>
               </a:rPr>
               <a:pPr/>
-              <a:t>12/28/2021</a:t>
+              <a:t>12/30/2021</a:t>
             </a:fld>
             <a:endParaRPr lang="en-US">
               <a:solidFill>
@@ -5727,7 +5732,7 @@
           <a:p>
             <a:fld id="{547641E8-73DF-4AD2-848E-3103064331B1}" type="datetimeFigureOut">
               <a:rPr lang="en-US" smtClean="0"/>
-              <a:t>12/28/2021</a:t>
+              <a:t>12/30/2021</a:t>
             </a:fld>
             <a:endParaRPr lang="en-US"/>
           </a:p>
@@ -5986,7 +5991,7 @@
                 </a:solidFill>
               </a:rPr>
               <a:pPr/>
-              <a:t>12/28/2021</a:t>
+              <a:t>12/30/2021</a:t>
             </a:fld>
             <a:endParaRPr lang="en-US">
               <a:solidFill>
@@ -6186,7 +6191,7 @@
                 </a:solidFill>
               </a:rPr>
               <a:pPr/>
-              <a:t>12/28/2021</a:t>
+              <a:t>12/30/2021</a:t>
             </a:fld>
             <a:endParaRPr lang="en-US">
               <a:solidFill>
@@ -6396,7 +6401,7 @@
                 </a:solidFill>
               </a:rPr>
               <a:pPr/>
-              <a:t>12/28/2021</a:t>
+              <a:t>12/30/2021</a:t>
             </a:fld>
             <a:endParaRPr lang="en-US">
               <a:solidFill>
@@ -6666,7 +6671,7 @@
           <a:p>
             <a:fld id="{547641E8-73DF-4AD2-848E-3103064331B1}" type="datetimeFigureOut">
               <a:rPr lang="en-US" smtClean="0"/>
-              <a:t>12/28/2021</a:t>
+              <a:t>12/30/2021</a:t>
             </a:fld>
             <a:endParaRPr lang="en-US"/>
           </a:p>
@@ -6951,7 +6956,7 @@
           <a:p>
             <a:fld id="{547641E8-73DF-4AD2-848E-3103064331B1}" type="datetimeFigureOut">
               <a:rPr lang="en-US" smtClean="0"/>
-              <a:t>12/28/2021</a:t>
+              <a:t>12/30/2021</a:t>
             </a:fld>
             <a:endParaRPr lang="en-US"/>
           </a:p>
@@ -7370,7 +7375,7 @@
           <a:p>
             <a:fld id="{547641E8-73DF-4AD2-848E-3103064331B1}" type="datetimeFigureOut">
               <a:rPr lang="en-US" smtClean="0"/>
-              <a:t>12/28/2021</a:t>
+              <a:t>12/30/2021</a:t>
             </a:fld>
             <a:endParaRPr lang="en-US"/>
           </a:p>
@@ -7487,7 +7492,7 @@
           <a:p>
             <a:fld id="{547641E8-73DF-4AD2-848E-3103064331B1}" type="datetimeFigureOut">
               <a:rPr lang="en-US" smtClean="0"/>
-              <a:t>12/28/2021</a:t>
+              <a:t>12/30/2021</a:t>
             </a:fld>
             <a:endParaRPr lang="en-US"/>
           </a:p>
@@ -7582,7 +7587,7 @@
           <a:p>
             <a:fld id="{547641E8-73DF-4AD2-848E-3103064331B1}" type="datetimeFigureOut">
               <a:rPr lang="en-US" smtClean="0"/>
-              <a:t>12/28/2021</a:t>
+              <a:t>12/30/2021</a:t>
             </a:fld>
             <a:endParaRPr lang="en-US"/>
           </a:p>
@@ -7857,7 +7862,7 @@
           <a:p>
             <a:fld id="{547641E8-73DF-4AD2-848E-3103064331B1}" type="datetimeFigureOut">
               <a:rPr lang="en-US" smtClean="0"/>
-              <a:t>12/28/2021</a:t>
+              <a:t>12/30/2021</a:t>
             </a:fld>
             <a:endParaRPr lang="en-US"/>
           </a:p>
@@ -8109,7 +8114,7 @@
           <a:p>
             <a:fld id="{547641E8-73DF-4AD2-848E-3103064331B1}" type="datetimeFigureOut">
               <a:rPr lang="en-US" smtClean="0"/>
-              <a:t>12/28/2021</a:t>
+              <a:t>12/30/2021</a:t>
             </a:fld>
             <a:endParaRPr lang="en-US"/>
           </a:p>
@@ -8323,7 +8328,7 @@
           <a:p>
             <a:fld id="{547641E8-73DF-4AD2-848E-3103064331B1}" type="datetimeFigureOut">
               <a:rPr lang="en-US" smtClean="0"/>
-              <a:t>12/28/2021</a:t>
+              <a:t>12/30/2021</a:t>
             </a:fld>
             <a:endParaRPr lang="en-US"/>
           </a:p>
@@ -8838,7 +8843,7 @@
                 </a:solidFill>
               </a:rPr>
               <a:pPr/>
-              <a:t>12/28/2021</a:t>
+              <a:t>12/30/2021</a:t>
             </a:fld>
             <a:endParaRPr lang="en-US">
               <a:solidFill>
@@ -9734,22 +9739,26 @@
           <a:p>
             <a:r>
               <a:rPr lang="en-US" dirty="0"/>
-              <a:t>Accuracy</a:t>
+              <a:t>True Negative Rate</a:t>
             </a:r>
           </a:p>
           <a:p>
             <a:pPr lvl="1"/>
             <a:r>
               <a:rPr lang="en-US" dirty="0"/>
-              <a:t>(TP + TN)/(TP + TN + FP + FN)</a:t>
-            </a:r>
+              <a:t>TN/(TN+FP) = 1-FNR</a:t>
+            </a:r>
+          </a:p>
+          <a:p>
+            <a:pPr lvl="2"/>
+            <a:endParaRPr lang="en-US" dirty="0"/>
           </a:p>
         </p:txBody>
       </p:sp>
     </p:spTree>
     <p:extLst>
       <p:ext uri="{BB962C8B-B14F-4D97-AF65-F5344CB8AC3E}">
-        <p14:creationId xmlns:p14="http://schemas.microsoft.com/office/powerpoint/2010/main" val="2711114479"/>
+        <p14:creationId xmlns:p14="http://schemas.microsoft.com/office/powerpoint/2010/main" val="3682867896"/>
       </p:ext>
     </p:extLst>
   </p:cSld>
@@ -9841,15 +9850,19 @@
           <a:p>
             <a:r>
               <a:rPr lang="en-US" dirty="0"/>
-              <a:t>Mean Squared Error</a:t>
-            </a:r>
+              <a:t>Increasing precision decreases recall, and vice versa.</a:t>
+            </a:r>
+          </a:p>
+          <a:p>
+            <a:pPr lvl="2"/>
+            <a:endParaRPr lang="en-US" dirty="0"/>
           </a:p>
         </p:txBody>
       </p:sp>
     </p:spTree>
     <p:extLst>
       <p:ext uri="{BB962C8B-B14F-4D97-AF65-F5344CB8AC3E}">
-        <p14:creationId xmlns:p14="http://schemas.microsoft.com/office/powerpoint/2010/main" val="730113372"/>
+        <p14:creationId xmlns:p14="http://schemas.microsoft.com/office/powerpoint/2010/main" val="3636146055"/>
       </p:ext>
     </p:extLst>
   </p:cSld>
@@ -9941,7 +9954,42 @@
           <a:p>
             <a:r>
               <a:rPr lang="en-US" dirty="0"/>
-              <a:t>Precision Recall Curves</a:t>
+              <a:t>Confusion Matrix</a:t>
+            </a:r>
+          </a:p>
+          <a:p>
+            <a:pPr lvl="1"/>
+            <a:r>
+              <a:rPr lang="en-US" dirty="0"/>
+              <a:t>2-dimensional data table</a:t>
+            </a:r>
+          </a:p>
+          <a:p>
+            <a:pPr lvl="1"/>
+            <a:r>
+              <a:rPr lang="en-US" dirty="0"/>
+              <a:t>Measure of how “confused” our model is.</a:t>
+            </a:r>
+          </a:p>
+          <a:p>
+            <a:pPr lvl="1"/>
+            <a:r>
+              <a:rPr lang="en-US" dirty="0"/>
+              <a:t>Each cell shows how many classifications were predicted, and what the actual target was.</a:t>
+            </a:r>
+          </a:p>
+          <a:p>
+            <a:pPr lvl="1"/>
+            <a:r>
+              <a:rPr lang="en-US" dirty="0"/>
+              <a:t>Rows are actual targets</a:t>
+            </a:r>
+          </a:p>
+          <a:p>
+            <a:pPr lvl="1"/>
+            <a:r>
+              <a:rPr lang="en-US" dirty="0"/>
+              <a:t>Columns are predicted targets</a:t>
             </a:r>
           </a:p>
         </p:txBody>
@@ -9949,7 +9997,7 @@
     </p:spTree>
     <p:extLst>
       <p:ext uri="{BB962C8B-B14F-4D97-AF65-F5344CB8AC3E}">
-        <p14:creationId xmlns:p14="http://schemas.microsoft.com/office/powerpoint/2010/main" val="2515405883"/>
+        <p14:creationId xmlns:p14="http://schemas.microsoft.com/office/powerpoint/2010/main" val="796492218"/>
       </p:ext>
     </p:extLst>
   </p:cSld>
@@ -10041,22 +10089,52 @@
           <a:p>
             <a:r>
               <a:rPr lang="en-US" dirty="0"/>
-              <a:t>Receiver Operating Characteristics (ROC) Curve</a:t>
+              <a:t>Confusion Matrix</a:t>
             </a:r>
           </a:p>
           <a:p>
             <a:pPr lvl="1"/>
             <a:r>
               <a:rPr lang="en-US" dirty="0"/>
-              <a:t>Plots True Positive Rate vs False Positive Rate</a:t>
-            </a:r>
-          </a:p>
-        </p:txBody>
-      </p:sp>
+              <a:t>Example</a:t>
+            </a:r>
+          </a:p>
+        </p:txBody>
+      </p:sp>
+      <p:pic>
+        <p:nvPicPr>
+          <p:cNvPr id="6" name="Picture 5">
+            <a:extLst>
+              <a:ext uri="{FF2B5EF4-FFF2-40B4-BE49-F238E27FC236}">
+                <a16:creationId xmlns:a16="http://schemas.microsoft.com/office/drawing/2014/main" id="{3B766A84-1E2A-483B-BF7E-7B1DC1636DB9}"/>
+              </a:ext>
+            </a:extLst>
+          </p:cNvPr>
+          <p:cNvPicPr>
+            <a:picLocks noChangeAspect="1"/>
+          </p:cNvPicPr>
+          <p:nvPr/>
+        </p:nvPicPr>
+        <p:blipFill>
+          <a:blip r:embed="rId5"/>
+          <a:stretch>
+            <a:fillRect/>
+          </a:stretch>
+        </p:blipFill>
+        <p:spPr>
+          <a:xfrm>
+            <a:off x="2806072" y="2754312"/>
+            <a:ext cx="3531856" cy="3790950"/>
+          </a:xfrm>
+          <a:prstGeom prst="rect">
+            <a:avLst/>
+          </a:prstGeom>
+        </p:spPr>
+      </p:pic>
     </p:spTree>
     <p:extLst>
       <p:ext uri="{BB962C8B-B14F-4D97-AF65-F5344CB8AC3E}">
-        <p14:creationId xmlns:p14="http://schemas.microsoft.com/office/powerpoint/2010/main" val="4181129315"/>
+        <p14:creationId xmlns:p14="http://schemas.microsoft.com/office/powerpoint/2010/main" val="3703476854"/>
       </p:ext>
     </p:extLst>
   </p:cSld>
@@ -10148,7 +10226,14 @@
           <a:p>
             <a:r>
               <a:rPr lang="en-US" dirty="0"/>
-              <a:t>Area Under the Curve (AUC)</a:t>
+              <a:t>Accuracy</a:t>
+            </a:r>
+          </a:p>
+          <a:p>
+            <a:pPr lvl="1"/>
+            <a:r>
+              <a:rPr lang="en-US" dirty="0"/>
+              <a:t>(TP + TN)/(TP + TN + FP + FN)</a:t>
             </a:r>
           </a:p>
         </p:txBody>
@@ -10156,7 +10241,7 @@
     </p:spTree>
     <p:extLst>
       <p:ext uri="{BB962C8B-B14F-4D97-AF65-F5344CB8AC3E}">
-        <p14:creationId xmlns:p14="http://schemas.microsoft.com/office/powerpoint/2010/main" val="3353178854"/>
+        <p14:creationId xmlns:p14="http://schemas.microsoft.com/office/powerpoint/2010/main" val="2711114479"/>
       </p:ext>
     </p:extLst>
   </p:cSld>
@@ -10248,47 +10333,15 @@
           <a:p>
             <a:r>
               <a:rPr lang="en-US" dirty="0"/>
-              <a:t>Overview</a:t>
-            </a:r>
-          </a:p>
-          <a:p>
-            <a:pPr lvl="1"/>
-            <a:r>
-              <a:rPr lang="en-US" dirty="0"/>
-              <a:t>Precision = TP/(TP+FP)</a:t>
-            </a:r>
-          </a:p>
-          <a:p>
-            <a:pPr lvl="1"/>
-            <a:r>
-              <a:rPr lang="en-US" dirty="0"/>
-              <a:t>Recall (True Positive Rate, Sensitivity)</a:t>
-            </a:r>
-          </a:p>
-          <a:p>
-            <a:pPr lvl="1"/>
-            <a:r>
-              <a:rPr lang="en-US" dirty="0"/>
-              <a:t>False Positive Rate</a:t>
-            </a:r>
-          </a:p>
-          <a:p>
-            <a:pPr lvl="1"/>
-            <a:r>
-              <a:rPr lang="en-US" dirty="0"/>
-              <a:t>Specificity (True Negative Rate)</a:t>
-            </a:r>
-          </a:p>
-          <a:p>
-            <a:pPr lvl="2"/>
-            <a:endParaRPr lang="en-US" dirty="0"/>
+              <a:t>Mean Squared Error</a:t>
+            </a:r>
           </a:p>
         </p:txBody>
       </p:sp>
     </p:spTree>
     <p:extLst>
       <p:ext uri="{BB962C8B-B14F-4D97-AF65-F5344CB8AC3E}">
-        <p14:creationId xmlns:p14="http://schemas.microsoft.com/office/powerpoint/2010/main" val="3063537520"/>
+        <p14:creationId xmlns:p14="http://schemas.microsoft.com/office/powerpoint/2010/main" val="730113372"/>
       </p:ext>
     </p:extLst>
   </p:cSld>
@@ -10380,47 +10433,15 @@
           <a:p>
             <a:r>
               <a:rPr lang="en-US" dirty="0"/>
-              <a:t>Overview</a:t>
-            </a:r>
-          </a:p>
-          <a:p>
-            <a:pPr lvl="1"/>
-            <a:r>
-              <a:rPr lang="en-US" dirty="0"/>
-              <a:t>Precision = TP/(TP+FP)</a:t>
-            </a:r>
-          </a:p>
-          <a:p>
-            <a:pPr lvl="1"/>
-            <a:r>
-              <a:rPr lang="en-US" dirty="0"/>
-              <a:t>Recall (True Positive Rate, Sensitivity)</a:t>
-            </a:r>
-          </a:p>
-          <a:p>
-            <a:pPr lvl="1"/>
-            <a:r>
-              <a:rPr lang="en-US" dirty="0"/>
-              <a:t>False Positive Rate</a:t>
-            </a:r>
-          </a:p>
-          <a:p>
-            <a:pPr lvl="1"/>
-            <a:r>
-              <a:rPr lang="en-US" dirty="0"/>
-              <a:t>Specificity (True Negative Rate)</a:t>
-            </a:r>
-          </a:p>
-          <a:p>
-            <a:pPr lvl="2"/>
-            <a:endParaRPr lang="en-US" dirty="0"/>
+              <a:t>Precision Recall Curves</a:t>
+            </a:r>
           </a:p>
         </p:txBody>
       </p:sp>
     </p:spTree>
     <p:extLst>
       <p:ext uri="{BB962C8B-B14F-4D97-AF65-F5344CB8AC3E}">
-        <p14:creationId xmlns:p14="http://schemas.microsoft.com/office/powerpoint/2010/main" val="2297916495"/>
+        <p14:creationId xmlns:p14="http://schemas.microsoft.com/office/powerpoint/2010/main" val="2515405883"/>
       </p:ext>
     </p:extLst>
   </p:cSld>
@@ -10510,14 +10531,24 @@
           </a:bodyPr>
           <a:lstStyle/>
           <a:p>
-            <a:endParaRPr lang="en-US" dirty="0"/>
+            <a:r>
+              <a:rPr lang="en-US" dirty="0"/>
+              <a:t>Receiver Operating Characteristics (ROC) Curve</a:t>
+            </a:r>
+          </a:p>
+          <a:p>
+            <a:pPr lvl="1"/>
+            <a:r>
+              <a:rPr lang="en-US" dirty="0"/>
+              <a:t>Plots True Positive Rate vs False Positive Rate</a:t>
+            </a:r>
           </a:p>
         </p:txBody>
       </p:sp>
     </p:spTree>
     <p:extLst>
       <p:ext uri="{BB962C8B-B14F-4D97-AF65-F5344CB8AC3E}">
-        <p14:creationId xmlns:p14="http://schemas.microsoft.com/office/powerpoint/2010/main" val="773272650"/>
+        <p14:creationId xmlns:p14="http://schemas.microsoft.com/office/powerpoint/2010/main" val="4181129315"/>
       </p:ext>
     </p:extLst>
   </p:cSld>
@@ -10585,7 +10616,7 @@
           <a:p>
             <a:r>
               <a:rPr lang="en-US" dirty="0"/>
-              <a:t>Ensemble Methods</a:t>
+              <a:t>Evaluating Accuracy</a:t>
             </a:r>
           </a:p>
         </p:txBody>
@@ -10602,62 +10633,22 @@
         </p:nvSpPr>
         <p:spPr/>
         <p:txBody>
-          <a:bodyPr/>
-          <a:lstStyle/>
-          <a:p>
-            <a:r>
-              <a:rPr lang="en-US" dirty="0"/>
-              <a:t>Overview</a:t>
-            </a:r>
-          </a:p>
-          <a:p>
-            <a:pPr lvl="1"/>
-            <a:r>
-              <a:rPr lang="en-US" dirty="0"/>
-              <a:t>Voting Classifiers</a:t>
-            </a:r>
-          </a:p>
-          <a:p>
-            <a:pPr lvl="1"/>
-            <a:r>
-              <a:rPr lang="en-US" dirty="0"/>
-              <a:t>Bagging and Pasting</a:t>
-            </a:r>
-          </a:p>
-          <a:p>
-            <a:pPr lvl="1"/>
-            <a:r>
-              <a:rPr lang="en-US" dirty="0"/>
-              <a:t>Random Forests</a:t>
-            </a:r>
-          </a:p>
-          <a:p>
-            <a:pPr lvl="1"/>
-            <a:r>
-              <a:rPr lang="en-US" dirty="0"/>
-              <a:t>Boosting</a:t>
-            </a:r>
-          </a:p>
-          <a:p>
-            <a:pPr lvl="1"/>
-            <a:r>
-              <a:rPr lang="en-US" dirty="0"/>
-              <a:t>Stacking</a:t>
-            </a:r>
-          </a:p>
-          <a:p>
-            <a:pPr lvl="2"/>
-            <a:endParaRPr lang="en-US" dirty="0"/>
-          </a:p>
-          <a:p>
-            <a:endParaRPr lang="en-US" dirty="0"/>
+          <a:bodyPr>
+            <a:normAutofit/>
+          </a:bodyPr>
+          <a:lstStyle/>
+          <a:p>
+            <a:r>
+              <a:rPr lang="en-US" dirty="0"/>
+              <a:t>Area Under the Curve (AUC)</a:t>
+            </a:r>
           </a:p>
         </p:txBody>
       </p:sp>
     </p:spTree>
     <p:extLst>
       <p:ext uri="{BB962C8B-B14F-4D97-AF65-F5344CB8AC3E}">
-        <p14:creationId xmlns:p14="http://schemas.microsoft.com/office/powerpoint/2010/main" val="2946119377"/>
+        <p14:creationId xmlns:p14="http://schemas.microsoft.com/office/powerpoint/2010/main" val="3353178854"/>
       </p:ext>
     </p:extLst>
   </p:cSld>
@@ -10725,7 +10716,7 @@
           <a:p>
             <a:r>
               <a:rPr lang="en-US" dirty="0"/>
-              <a:t>Ensemble Methods</a:t>
+              <a:t>Evaluating Accuracy</a:t>
             </a:r>
           </a:p>
         </p:txBody>
@@ -10742,7 +10733,9 @@
         </p:nvSpPr>
         <p:spPr/>
         <p:txBody>
-          <a:bodyPr/>
+          <a:bodyPr>
+            <a:normAutofit/>
+          </a:bodyPr>
           <a:lstStyle/>
           <a:p>
             <a:r>
@@ -10754,14 +10747,32 @@
             <a:pPr lvl="1"/>
             <a:r>
               <a:rPr lang="en-US" dirty="0"/>
-              <a:t>It is important to choose very different algorithms for each trainer.  This will prevent any single type of error from growing too large, and will allow each error to be voted out from the other trainers.</a:t>
+              <a:t>Precision = TP/(TP+FP)</a:t>
+            </a:r>
+          </a:p>
+          <a:p>
+            <a:pPr lvl="1"/>
+            <a:r>
+              <a:rPr lang="en-US" dirty="0"/>
+              <a:t>Recall (True Positive Rate, Sensitivity)</a:t>
+            </a:r>
+          </a:p>
+          <a:p>
+            <a:pPr lvl="1"/>
+            <a:r>
+              <a:rPr lang="en-US" dirty="0"/>
+              <a:t>False Positive Rate</a:t>
+            </a:r>
+          </a:p>
+          <a:p>
+            <a:pPr lvl="1"/>
+            <a:r>
+              <a:rPr lang="en-US" dirty="0"/>
+              <a:t>Specificity (True Negative Rate)</a:t>
             </a:r>
           </a:p>
           <a:p>
             <a:pPr lvl="2"/>
-            <a:endParaRPr lang="en-US" dirty="0"/>
-          </a:p>
-          <a:p>
             <a:endParaRPr lang="en-US" dirty="0"/>
           </a:p>
         </p:txBody>
@@ -10769,7 +10780,7 @@
     </p:spTree>
     <p:extLst>
       <p:ext uri="{BB962C8B-B14F-4D97-AF65-F5344CB8AC3E}">
-        <p14:creationId xmlns:p14="http://schemas.microsoft.com/office/powerpoint/2010/main" val="2482095172"/>
+        <p14:creationId xmlns:p14="http://schemas.microsoft.com/office/powerpoint/2010/main" val="3063537520"/>
       </p:ext>
     </p:extLst>
   </p:cSld>
@@ -10952,7 +10963,7 @@
           <a:p>
             <a:r>
               <a:rPr lang="en-US" dirty="0"/>
-              <a:t>Ensemble Methods</a:t>
+              <a:t>Evaluating Accuracy</a:t>
             </a:r>
           </a:p>
         </p:txBody>
@@ -10969,37 +10980,46 @@
         </p:nvSpPr>
         <p:spPr/>
         <p:txBody>
-          <a:bodyPr/>
-          <a:lstStyle/>
-          <a:p>
-            <a:r>
-              <a:rPr lang="en-US" dirty="0"/>
-              <a:t>Voting Classifiers</a:t>
+          <a:bodyPr>
+            <a:normAutofit/>
+          </a:bodyPr>
+          <a:lstStyle/>
+          <a:p>
+            <a:r>
+              <a:rPr lang="en-US" dirty="0"/>
+              <a:t>Overview</a:t>
             </a:r>
           </a:p>
           <a:p>
             <a:pPr lvl="1"/>
             <a:r>
               <a:rPr lang="en-US" dirty="0"/>
-              <a:t>Train multiple different classifiers.</a:t>
+              <a:t>Precision = TP/(TP+FP)</a:t>
             </a:r>
           </a:p>
           <a:p>
             <a:pPr lvl="1"/>
             <a:r>
               <a:rPr lang="en-US" dirty="0"/>
-              <a:t>Using the </a:t>
-            </a:r>
-            <a:r>
-              <a:rPr lang="en-US" dirty="0" err="1"/>
-              <a:t>VotingClassifier</a:t>
-            </a:r>
-            <a:r>
-              <a:rPr lang="en-US" dirty="0"/>
-              <a:t>, have each classifier vote on what the predicted label should be.</a:t>
-            </a:r>
-          </a:p>
-          <a:p>
+              <a:t>Recall (True Positive Rate, Sensitivity)</a:t>
+            </a:r>
+          </a:p>
+          <a:p>
+            <a:pPr lvl="1"/>
+            <a:r>
+              <a:rPr lang="en-US" dirty="0"/>
+              <a:t>False Positive Rate</a:t>
+            </a:r>
+          </a:p>
+          <a:p>
+            <a:pPr lvl="1"/>
+            <a:r>
+              <a:rPr lang="en-US" dirty="0"/>
+              <a:t>Specificity (True Negative Rate)</a:t>
+            </a:r>
+          </a:p>
+          <a:p>
+            <a:pPr lvl="2"/>
             <a:endParaRPr lang="en-US" dirty="0"/>
           </a:p>
         </p:txBody>
@@ -11007,7 +11027,7 @@
     </p:spTree>
     <p:extLst>
       <p:ext uri="{BB962C8B-B14F-4D97-AF65-F5344CB8AC3E}">
-        <p14:creationId xmlns:p14="http://schemas.microsoft.com/office/powerpoint/2010/main" val="2152904124"/>
+        <p14:creationId xmlns:p14="http://schemas.microsoft.com/office/powerpoint/2010/main" val="2297916495"/>
       </p:ext>
     </p:extLst>
   </p:cSld>
@@ -11075,7 +11095,7 @@
           <a:p>
             <a:r>
               <a:rPr lang="en-US" dirty="0"/>
-              <a:t>Ensemble Methods</a:t>
+              <a:t>Evaluating Accuracy</a:t>
             </a:r>
           </a:p>
         </p:txBody>
@@ -11092,58 +11112,10 @@
         </p:nvSpPr>
         <p:spPr/>
         <p:txBody>
-          <a:bodyPr/>
-          <a:lstStyle/>
-          <a:p>
-            <a:r>
-              <a:rPr lang="en-US" dirty="0"/>
-              <a:t>Voting Classifiers</a:t>
-            </a:r>
-          </a:p>
-          <a:p>
-            <a:pPr lvl="1"/>
-            <a:r>
-              <a:rPr lang="en-US" dirty="0"/>
-              <a:t>Hard vs Soft Voting</a:t>
-            </a:r>
-          </a:p>
-          <a:p>
-            <a:pPr lvl="2"/>
-            <a:r>
-              <a:rPr lang="en-US" dirty="0"/>
-              <a:t>Hard is a simple vote</a:t>
-            </a:r>
-          </a:p>
-          <a:p>
-            <a:pPr lvl="2"/>
-            <a:r>
-              <a:rPr lang="en-US" dirty="0"/>
-              <a:t>Soft voting calculates the class probabilities from each model, averages them over all individual models.  The highest probability is the estimated class.</a:t>
-            </a:r>
-          </a:p>
-          <a:p>
-            <a:pPr lvl="3"/>
-            <a:r>
-              <a:rPr lang="en-US" dirty="0"/>
-              <a:t>Requires trainers that have the </a:t>
-            </a:r>
-            <a:r>
-              <a:rPr lang="en-US" dirty="0" err="1">
-                <a:latin typeface="Consolas" panose="020B0609020204030204" pitchFamily="49" charset="0"/>
-              </a:rPr>
-              <a:t>predict_proba</a:t>
-            </a:r>
-            <a:r>
-              <a:rPr lang="en-US" dirty="0">
-                <a:latin typeface="Consolas" panose="020B0609020204030204" pitchFamily="49" charset="0"/>
-              </a:rPr>
-              <a:t>()</a:t>
-            </a:r>
-            <a:r>
-              <a:rPr lang="en-US" dirty="0"/>
-              <a:t> method.</a:t>
-            </a:r>
-          </a:p>
+          <a:bodyPr>
+            <a:normAutofit/>
+          </a:bodyPr>
+          <a:lstStyle/>
           <a:p>
             <a:endParaRPr lang="en-US" dirty="0"/>
           </a:p>
@@ -11152,7 +11124,7 @@
     </p:spTree>
     <p:extLst>
       <p:ext uri="{BB962C8B-B14F-4D97-AF65-F5344CB8AC3E}">
-        <p14:creationId xmlns:p14="http://schemas.microsoft.com/office/powerpoint/2010/main" val="2274890375"/>
+        <p14:creationId xmlns:p14="http://schemas.microsoft.com/office/powerpoint/2010/main" val="773272650"/>
       </p:ext>
     </p:extLst>
   </p:cSld>
@@ -11242,8 +11214,47 @@
           <a:p>
             <a:r>
               <a:rPr lang="en-US" dirty="0"/>
+              <a:t>Overview</a:t>
+            </a:r>
+          </a:p>
+          <a:p>
+            <a:pPr lvl="1"/>
+            <a:r>
+              <a:rPr lang="en-US" dirty="0"/>
+              <a:t>Voting Classifiers</a:t>
+            </a:r>
+          </a:p>
+          <a:p>
+            <a:pPr lvl="1"/>
+            <a:r>
+              <a:rPr lang="en-US" dirty="0"/>
               <a:t>Bagging and Pasting</a:t>
             </a:r>
+          </a:p>
+          <a:p>
+            <a:pPr lvl="1"/>
+            <a:r>
+              <a:rPr lang="en-US" dirty="0"/>
+              <a:t>Random Forests</a:t>
+            </a:r>
+          </a:p>
+          <a:p>
+            <a:pPr lvl="1"/>
+            <a:r>
+              <a:rPr lang="en-US" dirty="0"/>
+              <a:t>Boosting</a:t>
+            </a:r>
+          </a:p>
+          <a:p>
+            <a:pPr lvl="1"/>
+            <a:r>
+              <a:rPr lang="en-US" dirty="0"/>
+              <a:t>Stacking</a:t>
+            </a:r>
+          </a:p>
+          <a:p>
+            <a:pPr lvl="2"/>
+            <a:endParaRPr lang="en-US" dirty="0"/>
           </a:p>
           <a:p>
             <a:endParaRPr lang="en-US" dirty="0"/>
@@ -11253,7 +11264,7 @@
     </p:spTree>
     <p:extLst>
       <p:ext uri="{BB962C8B-B14F-4D97-AF65-F5344CB8AC3E}">
-        <p14:creationId xmlns:p14="http://schemas.microsoft.com/office/powerpoint/2010/main" val="44548473"/>
+        <p14:creationId xmlns:p14="http://schemas.microsoft.com/office/powerpoint/2010/main" val="2946119377"/>
       </p:ext>
     </p:extLst>
   </p:cSld>
@@ -11321,7 +11332,7 @@
           <a:p>
             <a:r>
               <a:rPr lang="en-US" dirty="0"/>
-              <a:t>Tuning</a:t>
+              <a:t>Ensemble Methods</a:t>
             </a:r>
           </a:p>
         </p:txBody>
@@ -11343,33 +11354,15 @@
           <a:p>
             <a:r>
               <a:rPr lang="en-US" dirty="0"/>
-              <a:t>Random Forests</a:t>
+              <a:t>Overview</a:t>
             </a:r>
           </a:p>
           <a:p>
             <a:pPr lvl="1"/>
             <a:r>
               <a:rPr lang="en-US" dirty="0"/>
-              <a:t>Decision trees tend to overfit</a:t>
-            </a:r>
-          </a:p>
-          <a:p>
-            <a:pPr lvl="1"/>
-            <a:r>
-              <a:rPr lang="en-US" dirty="0"/>
-              <a:t>Use multiple, slightly different models to increase predictive capability.</a:t>
-            </a:r>
-          </a:p>
-          <a:p>
-            <a:pPr lvl="1"/>
-            <a:r>
-              <a:rPr lang="en-US" dirty="0"/>
-              <a:t>Can be used for either classifiers or regressors.</a:t>
-            </a:r>
-          </a:p>
-          <a:p>
-            <a:pPr lvl="1"/>
-            <a:endParaRPr lang="en-US" dirty="0"/>
+              <a:t>It is important to choose very different algorithms for each trainer.  This will prevent any single type of error from growing too large, and will allow each error to be voted out from the other trainers.</a:t>
+            </a:r>
           </a:p>
           <a:p>
             <a:pPr lvl="2"/>
@@ -11383,7 +11376,7 @@
     </p:spTree>
     <p:extLst>
       <p:ext uri="{BB962C8B-B14F-4D97-AF65-F5344CB8AC3E}">
-        <p14:creationId xmlns:p14="http://schemas.microsoft.com/office/powerpoint/2010/main" val="3184848222"/>
+        <p14:creationId xmlns:p14="http://schemas.microsoft.com/office/powerpoint/2010/main" val="2482095172"/>
       </p:ext>
     </p:extLst>
   </p:cSld>
@@ -11473,7 +11466,29 @@
           <a:p>
             <a:r>
               <a:rPr lang="en-US" dirty="0"/>
-              <a:t>Boosting</a:t>
+              <a:t>Voting Classifiers</a:t>
+            </a:r>
+          </a:p>
+          <a:p>
+            <a:pPr lvl="1"/>
+            <a:r>
+              <a:rPr lang="en-US" dirty="0"/>
+              <a:t>Train multiple different classifiers.</a:t>
+            </a:r>
+          </a:p>
+          <a:p>
+            <a:pPr lvl="1"/>
+            <a:r>
+              <a:rPr lang="en-US" dirty="0"/>
+              <a:t>Using the </a:t>
+            </a:r>
+            <a:r>
+              <a:rPr lang="en-US" dirty="0" err="1"/>
+              <a:t>VotingClassifier</a:t>
+            </a:r>
+            <a:r>
+              <a:rPr lang="en-US" dirty="0"/>
+              <a:t>, have each classifier vote on what the predicted label should be.</a:t>
             </a:r>
           </a:p>
           <a:p>
@@ -11484,7 +11499,7 @@
     </p:spTree>
     <p:extLst>
       <p:ext uri="{BB962C8B-B14F-4D97-AF65-F5344CB8AC3E}">
-        <p14:creationId xmlns:p14="http://schemas.microsoft.com/office/powerpoint/2010/main" val="3735009109"/>
+        <p14:creationId xmlns:p14="http://schemas.microsoft.com/office/powerpoint/2010/main" val="2152904124"/>
       </p:ext>
     </p:extLst>
   </p:cSld>
@@ -11574,7 +11589,51 @@
           <a:p>
             <a:r>
               <a:rPr lang="en-US" dirty="0"/>
-              <a:t>Stacking</a:t>
+              <a:t>Voting Classifiers</a:t>
+            </a:r>
+          </a:p>
+          <a:p>
+            <a:pPr lvl="1"/>
+            <a:r>
+              <a:rPr lang="en-US" dirty="0"/>
+              <a:t>Hard vs Soft Voting</a:t>
+            </a:r>
+          </a:p>
+          <a:p>
+            <a:pPr lvl="2"/>
+            <a:r>
+              <a:rPr lang="en-US" dirty="0"/>
+              <a:t>Hard is a simple vote</a:t>
+            </a:r>
+          </a:p>
+          <a:p>
+            <a:pPr lvl="2"/>
+            <a:r>
+              <a:rPr lang="en-US" dirty="0"/>
+              <a:t>Soft voting calculates the class probabilities from each model, averages them over all individual models.  The highest probability is the estimated class.</a:t>
+            </a:r>
+          </a:p>
+          <a:p>
+            <a:pPr lvl="3"/>
+            <a:r>
+              <a:rPr lang="en-US" dirty="0"/>
+              <a:t>Requires trainers that have the </a:t>
+            </a:r>
+            <a:r>
+              <a:rPr lang="en-US" dirty="0" err="1">
+                <a:latin typeface="Consolas" panose="020B0609020204030204" pitchFamily="49" charset="0"/>
+              </a:rPr>
+              <a:t>predict_proba</a:t>
+            </a:r>
+            <a:r>
+              <a:rPr lang="en-US" dirty="0">
+                <a:latin typeface="Consolas" panose="020B0609020204030204" pitchFamily="49" charset="0"/>
+              </a:rPr>
+              <a:t>()</a:t>
+            </a:r>
+            <a:r>
+              <a:rPr lang="en-US" dirty="0"/>
+              <a:t> method.</a:t>
             </a:r>
           </a:p>
           <a:p>
@@ -11585,7 +11644,7 @@
     </p:spTree>
     <p:extLst>
       <p:ext uri="{BB962C8B-B14F-4D97-AF65-F5344CB8AC3E}">
-        <p14:creationId xmlns:p14="http://schemas.microsoft.com/office/powerpoint/2010/main" val="1450173570"/>
+        <p14:creationId xmlns:p14="http://schemas.microsoft.com/office/powerpoint/2010/main" val="2274890375"/>
       </p:ext>
     </p:extLst>
   </p:cSld>
@@ -11653,7 +11712,7 @@
           <a:p>
             <a:r>
               <a:rPr lang="en-US" dirty="0"/>
-              <a:t>Tuning</a:t>
+              <a:t>Ensemble Methods</a:t>
             </a:r>
           </a:p>
         </p:txBody>
@@ -11675,24 +11734,8 @@
           <a:p>
             <a:r>
               <a:rPr lang="en-US" dirty="0"/>
-              <a:t>Determining what features matter</a:t>
-            </a:r>
-          </a:p>
-          <a:p>
-            <a:r>
-              <a:rPr lang="en-US" dirty="0"/>
-              <a:t>If both prediction test scores and training scores are low, then the model is suffering from underfitting.</a:t>
-            </a:r>
-          </a:p>
-          <a:p>
-            <a:r>
-              <a:rPr lang="en-US" dirty="0"/>
-              <a:t>If the model has extremely high training scores, but not nearly as high prediction test scores, the model is suffering from overfitting.</a:t>
-            </a:r>
-          </a:p>
-          <a:p>
-            <a:pPr lvl="2"/>
-            <a:endParaRPr lang="en-US" dirty="0"/>
+              <a:t>Bagging and Pasting</a:t>
+            </a:r>
           </a:p>
           <a:p>
             <a:endParaRPr lang="en-US" dirty="0"/>
@@ -11702,7 +11745,7 @@
     </p:spTree>
     <p:extLst>
       <p:ext uri="{BB962C8B-B14F-4D97-AF65-F5344CB8AC3E}">
-        <p14:creationId xmlns:p14="http://schemas.microsoft.com/office/powerpoint/2010/main" val="3393037686"/>
+        <p14:creationId xmlns:p14="http://schemas.microsoft.com/office/powerpoint/2010/main" val="44548473"/>
       </p:ext>
     </p:extLst>
   </p:cSld>
@@ -11770,7 +11813,7 @@
           <a:p>
             <a:r>
               <a:rPr lang="en-US" dirty="0"/>
-              <a:t>Tuning</a:t>
+              <a:t>Ensemble Methods</a:t>
             </a:r>
           </a:p>
         </p:txBody>
@@ -11792,8 +11835,33 @@
           <a:p>
             <a:r>
               <a:rPr lang="en-US" dirty="0"/>
-              <a:t>Grid Search</a:t>
-            </a:r>
+              <a:t>Random Forests</a:t>
+            </a:r>
+          </a:p>
+          <a:p>
+            <a:pPr lvl="1"/>
+            <a:r>
+              <a:rPr lang="en-US" dirty="0"/>
+              <a:t>Decision trees tend to overfit</a:t>
+            </a:r>
+          </a:p>
+          <a:p>
+            <a:pPr lvl="1"/>
+            <a:r>
+              <a:rPr lang="en-US" dirty="0"/>
+              <a:t>Use multiple, slightly different models to increase predictive capability.</a:t>
+            </a:r>
+          </a:p>
+          <a:p>
+            <a:pPr lvl="1"/>
+            <a:r>
+              <a:rPr lang="en-US" dirty="0"/>
+              <a:t>Can be used for either classifiers or regressors.</a:t>
+            </a:r>
+          </a:p>
+          <a:p>
+            <a:pPr lvl="1"/>
+            <a:endParaRPr lang="en-US" dirty="0"/>
           </a:p>
           <a:p>
             <a:pPr lvl="2"/>
@@ -11807,7 +11875,7 @@
     </p:spTree>
     <p:extLst>
       <p:ext uri="{BB962C8B-B14F-4D97-AF65-F5344CB8AC3E}">
-        <p14:creationId xmlns:p14="http://schemas.microsoft.com/office/powerpoint/2010/main" val="2622179278"/>
+        <p14:creationId xmlns:p14="http://schemas.microsoft.com/office/powerpoint/2010/main" val="3184848222"/>
       </p:ext>
     </p:extLst>
   </p:cSld>
@@ -11875,7 +11943,7 @@
           <a:p>
             <a:r>
               <a:rPr lang="en-US" dirty="0"/>
-              <a:t>Tuning</a:t>
+              <a:t>Ensemble Methods</a:t>
             </a:r>
           </a:p>
         </p:txBody>
@@ -11897,25 +11965,10 @@
           <a:p>
             <a:r>
               <a:rPr lang="en-US" dirty="0"/>
-              <a:t>Random Forests</a:t>
-            </a:r>
-          </a:p>
-          <a:p>
-            <a:pPr lvl="1"/>
-            <a:r>
-              <a:rPr lang="en-US" dirty="0"/>
-              <a:t>Average multiple models together.</a:t>
-            </a:r>
-          </a:p>
-          <a:p>
-            <a:pPr lvl="2"/>
-            <a:r>
-              <a:rPr lang="en-US" dirty="0"/>
-              <a:t>Each model should overfit the data in a different part of the data.</a:t>
-            </a:r>
-          </a:p>
-          <a:p>
-            <a:pPr lvl="2"/>
+              <a:t>Boosting</a:t>
+            </a:r>
+          </a:p>
+          <a:p>
             <a:endParaRPr lang="en-US" dirty="0"/>
           </a:p>
         </p:txBody>
@@ -11923,7 +11976,7 @@
     </p:spTree>
     <p:extLst>
       <p:ext uri="{BB962C8B-B14F-4D97-AF65-F5344CB8AC3E}">
-        <p14:creationId xmlns:p14="http://schemas.microsoft.com/office/powerpoint/2010/main" val="463666407"/>
+        <p14:creationId xmlns:p14="http://schemas.microsoft.com/office/powerpoint/2010/main" val="3735009109"/>
       </p:ext>
     </p:extLst>
   </p:cSld>
@@ -11991,7 +12044,7 @@
           <a:p>
             <a:r>
               <a:rPr lang="en-US" dirty="0"/>
-              <a:t>Tuning</a:t>
+              <a:t>Ensemble Methods</a:t>
             </a:r>
           </a:p>
         </p:txBody>
@@ -12008,40 +12061,13 @@
         </p:nvSpPr>
         <p:spPr/>
         <p:txBody>
-          <a:bodyPr>
-            <a:normAutofit/>
-          </a:bodyPr>
-          <a:lstStyle/>
-          <a:p>
-            <a:r>
-              <a:rPr lang="en-US" dirty="0"/>
-              <a:t>Parameters to Play with</a:t>
-            </a:r>
-          </a:p>
-          <a:p>
-            <a:pPr lvl="1"/>
-            <a:r>
-              <a:rPr lang="en-US" dirty="0"/>
-              <a:t>K-Nearest Neighbors</a:t>
-            </a:r>
-          </a:p>
-          <a:p>
-            <a:pPr lvl="2"/>
-            <a:r>
-              <a:rPr lang="en-US" dirty="0"/>
-              <a:t>Number of neighbors to test point</a:t>
-            </a:r>
-          </a:p>
-          <a:p>
-            <a:pPr lvl="2"/>
-            <a:r>
-              <a:rPr lang="en-US" dirty="0"/>
-              <a:t>Algorithm to evaluate distance test point is from data points</a:t>
-            </a:r>
-          </a:p>
-          <a:p>
-            <a:pPr lvl="2"/>
-            <a:endParaRPr lang="en-US" dirty="0"/>
+          <a:bodyPr/>
+          <a:lstStyle/>
+          <a:p>
+            <a:r>
+              <a:rPr lang="en-US" dirty="0"/>
+              <a:t>Stacking</a:t>
+            </a:r>
           </a:p>
           <a:p>
             <a:endParaRPr lang="en-US" dirty="0"/>
@@ -12051,7 +12077,7 @@
     </p:spTree>
     <p:extLst>
       <p:ext uri="{BB962C8B-B14F-4D97-AF65-F5344CB8AC3E}">
-        <p14:creationId xmlns:p14="http://schemas.microsoft.com/office/powerpoint/2010/main" val="274238177"/>
+        <p14:creationId xmlns:p14="http://schemas.microsoft.com/office/powerpoint/2010/main" val="1450173570"/>
       </p:ext>
     </p:extLst>
   </p:cSld>
@@ -12290,69 +12316,28 @@
         </p:nvSpPr>
         <p:spPr/>
         <p:txBody>
-          <a:bodyPr>
-            <a:normAutofit/>
-          </a:bodyPr>
-          <a:lstStyle/>
-          <a:p>
-            <a:r>
-              <a:rPr lang="en-US" dirty="0"/>
-              <a:t>Parameters to Play with</a:t>
-            </a:r>
-          </a:p>
-          <a:p>
-            <a:pPr lvl="1"/>
-            <a:r>
-              <a:rPr lang="en-US" dirty="0"/>
-              <a:t>Decision Trees</a:t>
+          <a:bodyPr/>
+          <a:lstStyle/>
+          <a:p>
+            <a:r>
+              <a:rPr lang="en-US" dirty="0"/>
+              <a:t>Determining what features matter</a:t>
+            </a:r>
+          </a:p>
+          <a:p>
+            <a:r>
+              <a:rPr lang="en-US" dirty="0"/>
+              <a:t>If both prediction test scores and training scores are low, then the model is suffering from underfitting.</a:t>
+            </a:r>
+          </a:p>
+          <a:p>
+            <a:r>
+              <a:rPr lang="en-US" dirty="0"/>
+              <a:t>If the model has extremely high training scores, but not nearly as high prediction test scores, the model is suffering from overfitting.</a:t>
             </a:r>
           </a:p>
           <a:p>
             <a:pPr lvl="2"/>
-            <a:r>
-              <a:rPr lang="en-US" dirty="0" err="1"/>
-              <a:t>max_depth</a:t>
-            </a:r>
-            <a:endParaRPr lang="en-US" dirty="0"/>
-          </a:p>
-          <a:p>
-            <a:pPr lvl="2"/>
-            <a:r>
-              <a:rPr lang="en-US" dirty="0" err="1"/>
-              <a:t>max_leaf_nodes</a:t>
-            </a:r>
-            <a:endParaRPr lang="en-US" dirty="0"/>
-          </a:p>
-          <a:p>
-            <a:pPr lvl="2"/>
-            <a:r>
-              <a:rPr lang="en-US" dirty="0" err="1"/>
-              <a:t>max_features</a:t>
-            </a:r>
-            <a:endParaRPr lang="en-US" dirty="0"/>
-          </a:p>
-          <a:p>
-            <a:pPr lvl="2"/>
-            <a:r>
-              <a:rPr lang="en-US" dirty="0" err="1"/>
-              <a:t>min_samples_split</a:t>
-            </a:r>
-            <a:endParaRPr lang="en-US" dirty="0"/>
-          </a:p>
-          <a:p>
-            <a:pPr lvl="2"/>
-            <a:r>
-              <a:rPr lang="en-US" dirty="0" err="1"/>
-              <a:t>min_samples_leaf</a:t>
-            </a:r>
-            <a:endParaRPr lang="en-US" dirty="0"/>
-          </a:p>
-          <a:p>
-            <a:pPr lvl="2"/>
-            <a:r>
-              <a:rPr lang="en-US" dirty="0" err="1"/>
-              <a:t>min_weight_fraction_leaf</a:t>
-            </a:r>
             <a:endParaRPr lang="en-US" dirty="0"/>
           </a:p>
           <a:p>
@@ -12363,7 +12348,7 @@
     </p:spTree>
     <p:extLst>
       <p:ext uri="{BB962C8B-B14F-4D97-AF65-F5344CB8AC3E}">
-        <p14:creationId xmlns:p14="http://schemas.microsoft.com/office/powerpoint/2010/main" val="434302692"/>
+        <p14:creationId xmlns:p14="http://schemas.microsoft.com/office/powerpoint/2010/main" val="3393037686"/>
       </p:ext>
     </p:extLst>
   </p:cSld>
@@ -12453,42 +12438,7 @@
           <a:p>
             <a:r>
               <a:rPr lang="en-US" dirty="0"/>
-              <a:t>Parameters to Play with</a:t>
-            </a:r>
-          </a:p>
-          <a:p>
-            <a:pPr lvl="1"/>
-            <a:r>
-              <a:rPr lang="en-US" dirty="0"/>
-              <a:t>alpha</a:t>
-            </a:r>
-          </a:p>
-          <a:p>
-            <a:pPr lvl="2"/>
-            <a:r>
-              <a:rPr lang="en-US" dirty="0"/>
-              <a:t>Higher values increase regularization/generalization</a:t>
-            </a:r>
-          </a:p>
-          <a:p>
-            <a:pPr lvl="2"/>
-            <a:r>
-              <a:rPr lang="en-US" dirty="0"/>
-              <a:t>Higher value pushes feature weights closer to zero</a:t>
-            </a:r>
-          </a:p>
-          <a:p>
-            <a:pPr lvl="2"/>
-            <a:r>
-              <a:rPr lang="en-US" dirty="0"/>
-              <a:t>Lasso Regression</a:t>
-            </a:r>
-          </a:p>
-          <a:p>
-            <a:pPr lvl="2"/>
-            <a:r>
-              <a:rPr lang="en-US" dirty="0"/>
-              <a:t>Ridge Regression</a:t>
+              <a:t>Grid Search</a:t>
             </a:r>
           </a:p>
           <a:p>
@@ -12503,7 +12453,7 @@
     </p:spTree>
     <p:extLst>
       <p:ext uri="{BB962C8B-B14F-4D97-AF65-F5344CB8AC3E}">
-        <p14:creationId xmlns:p14="http://schemas.microsoft.com/office/powerpoint/2010/main" val="4153822099"/>
+        <p14:creationId xmlns:p14="http://schemas.microsoft.com/office/powerpoint/2010/main" val="2622179278"/>
       </p:ext>
     </p:extLst>
   </p:cSld>
@@ -12593,6 +12543,548 @@
           <a:p>
             <a:r>
               <a:rPr lang="en-US" dirty="0"/>
+              <a:t>Random Forests</a:t>
+            </a:r>
+          </a:p>
+          <a:p>
+            <a:pPr lvl="1"/>
+            <a:r>
+              <a:rPr lang="en-US" dirty="0"/>
+              <a:t>Average multiple models together.</a:t>
+            </a:r>
+          </a:p>
+          <a:p>
+            <a:pPr lvl="2"/>
+            <a:r>
+              <a:rPr lang="en-US" dirty="0"/>
+              <a:t>Each model should overfit the data in a different part of the data.</a:t>
+            </a:r>
+          </a:p>
+          <a:p>
+            <a:pPr lvl="2"/>
+            <a:endParaRPr lang="en-US" dirty="0"/>
+          </a:p>
+        </p:txBody>
+      </p:sp>
+    </p:spTree>
+    <p:extLst>
+      <p:ext uri="{BB962C8B-B14F-4D97-AF65-F5344CB8AC3E}">
+        <p14:creationId xmlns:p14="http://schemas.microsoft.com/office/powerpoint/2010/main" val="463666407"/>
+      </p:ext>
+    </p:extLst>
+  </p:cSld>
+  <p:clrMapOvr>
+    <a:overrideClrMapping bg1="lt1" tx1="dk1" bg2="lt2" tx2="dk2" accent1="accent1" accent2="accent2" accent3="accent3" accent4="accent4" accent5="accent5" accent6="accent6" hlink="hlink" folHlink="folHlink"/>
+  </p:clrMapOvr>
+</p:sld>
+</file>
+
+<file path=ppt/slides/slide123.xml><?xml version="1.0" encoding="utf-8"?>
+<p:sld xmlns:a="http://schemas.openxmlformats.org/drawingml/2006/main" xmlns:r="http://schemas.openxmlformats.org/officeDocument/2006/relationships" xmlns:p="http://schemas.openxmlformats.org/presentationml/2006/main">
+  <p:cSld>
+    <p:bg>
+      <p:bgPr>
+        <a:blipFill dpi="0" rotWithShape="1">
+          <a:blip r:embed="rId3">
+            <a:extLst>
+              <a:ext uri="{BEBA8EAE-BF5A-486C-A8C5-ECC9F3942E4B}">
+                <a14:imgProps xmlns:a14="http://schemas.microsoft.com/office/drawing/2010/main">
+                  <a14:imgLayer r:embed="rId4">
+                    <a14:imgEffect>
+                      <a14:brightnessContrast bright="-50000"/>
+                    </a14:imgEffect>
+                  </a14:imgLayer>
+                </a14:imgProps>
+              </a:ext>
+            </a:extLst>
+          </a:blip>
+          <a:srcRect/>
+          <a:stretch>
+            <a:fillRect l="-10000" r="-10000"/>
+          </a:stretch>
+        </a:blipFill>
+        <a:effectLst/>
+      </p:bgPr>
+    </p:bg>
+    <p:spTree>
+      <p:nvGrpSpPr>
+        <p:cNvPr id="1" name=""/>
+        <p:cNvGrpSpPr/>
+        <p:nvPr/>
+      </p:nvGrpSpPr>
+      <p:grpSpPr>
+        <a:xfrm>
+          <a:off x="0" y="0"/>
+          <a:ext cx="0" cy="0"/>
+          <a:chOff x="0" y="0"/>
+          <a:chExt cx="0" cy="0"/>
+        </a:xfrm>
+      </p:grpSpPr>
+      <p:sp>
+        <p:nvSpPr>
+          <p:cNvPr id="2" name="Title 1"/>
+          <p:cNvSpPr>
+            <a:spLocks noGrp="1"/>
+          </p:cNvSpPr>
+          <p:nvPr>
+            <p:ph type="title"/>
+          </p:nvPr>
+        </p:nvSpPr>
+        <p:spPr/>
+        <p:txBody>
+          <a:bodyPr/>
+          <a:lstStyle/>
+          <a:p>
+            <a:r>
+              <a:rPr lang="en-US" dirty="0"/>
+              <a:t>Tuning</a:t>
+            </a:r>
+          </a:p>
+        </p:txBody>
+      </p:sp>
+      <p:sp>
+        <p:nvSpPr>
+          <p:cNvPr id="3" name="Content Placeholder 2"/>
+          <p:cNvSpPr>
+            <a:spLocks noGrp="1"/>
+          </p:cNvSpPr>
+          <p:nvPr>
+            <p:ph idx="1"/>
+          </p:nvPr>
+        </p:nvSpPr>
+        <p:spPr/>
+        <p:txBody>
+          <a:bodyPr>
+            <a:normAutofit/>
+          </a:bodyPr>
+          <a:lstStyle/>
+          <a:p>
+            <a:r>
+              <a:rPr lang="en-US" dirty="0"/>
+              <a:t>Parameters to Play with</a:t>
+            </a:r>
+          </a:p>
+          <a:p>
+            <a:pPr lvl="1"/>
+            <a:r>
+              <a:rPr lang="en-US" dirty="0"/>
+              <a:t>K-Nearest Neighbors</a:t>
+            </a:r>
+          </a:p>
+          <a:p>
+            <a:pPr lvl="2"/>
+            <a:r>
+              <a:rPr lang="en-US" dirty="0"/>
+              <a:t>Number of neighbors to test point</a:t>
+            </a:r>
+          </a:p>
+          <a:p>
+            <a:pPr lvl="2"/>
+            <a:r>
+              <a:rPr lang="en-US" dirty="0"/>
+              <a:t>Algorithm to evaluate distance test point is from data points</a:t>
+            </a:r>
+          </a:p>
+          <a:p>
+            <a:pPr lvl="2"/>
+            <a:endParaRPr lang="en-US" dirty="0"/>
+          </a:p>
+          <a:p>
+            <a:endParaRPr lang="en-US" dirty="0"/>
+          </a:p>
+        </p:txBody>
+      </p:sp>
+    </p:spTree>
+    <p:extLst>
+      <p:ext uri="{BB962C8B-B14F-4D97-AF65-F5344CB8AC3E}">
+        <p14:creationId xmlns:p14="http://schemas.microsoft.com/office/powerpoint/2010/main" val="274238177"/>
+      </p:ext>
+    </p:extLst>
+  </p:cSld>
+  <p:clrMapOvr>
+    <a:overrideClrMapping bg1="lt1" tx1="dk1" bg2="lt2" tx2="dk2" accent1="accent1" accent2="accent2" accent3="accent3" accent4="accent4" accent5="accent5" accent6="accent6" hlink="hlink" folHlink="folHlink"/>
+  </p:clrMapOvr>
+</p:sld>
+</file>
+
+<file path=ppt/slides/slide124.xml><?xml version="1.0" encoding="utf-8"?>
+<p:sld xmlns:a="http://schemas.openxmlformats.org/drawingml/2006/main" xmlns:r="http://schemas.openxmlformats.org/officeDocument/2006/relationships" xmlns:p="http://schemas.openxmlformats.org/presentationml/2006/main">
+  <p:cSld>
+    <p:bg>
+      <p:bgPr>
+        <a:blipFill dpi="0" rotWithShape="1">
+          <a:blip r:embed="rId3">
+            <a:extLst>
+              <a:ext uri="{BEBA8EAE-BF5A-486C-A8C5-ECC9F3942E4B}">
+                <a14:imgProps xmlns:a14="http://schemas.microsoft.com/office/drawing/2010/main">
+                  <a14:imgLayer r:embed="rId4">
+                    <a14:imgEffect>
+                      <a14:brightnessContrast bright="-50000"/>
+                    </a14:imgEffect>
+                  </a14:imgLayer>
+                </a14:imgProps>
+              </a:ext>
+            </a:extLst>
+          </a:blip>
+          <a:srcRect/>
+          <a:stretch>
+            <a:fillRect l="-10000" r="-10000"/>
+          </a:stretch>
+        </a:blipFill>
+        <a:effectLst/>
+      </p:bgPr>
+    </p:bg>
+    <p:spTree>
+      <p:nvGrpSpPr>
+        <p:cNvPr id="1" name=""/>
+        <p:cNvGrpSpPr/>
+        <p:nvPr/>
+      </p:nvGrpSpPr>
+      <p:grpSpPr>
+        <a:xfrm>
+          <a:off x="0" y="0"/>
+          <a:ext cx="0" cy="0"/>
+          <a:chOff x="0" y="0"/>
+          <a:chExt cx="0" cy="0"/>
+        </a:xfrm>
+      </p:grpSpPr>
+      <p:sp>
+        <p:nvSpPr>
+          <p:cNvPr id="2" name="Title 1"/>
+          <p:cNvSpPr>
+            <a:spLocks noGrp="1"/>
+          </p:cNvSpPr>
+          <p:nvPr>
+            <p:ph type="title"/>
+          </p:nvPr>
+        </p:nvSpPr>
+        <p:spPr/>
+        <p:txBody>
+          <a:bodyPr/>
+          <a:lstStyle/>
+          <a:p>
+            <a:r>
+              <a:rPr lang="en-US" dirty="0"/>
+              <a:t>Tuning</a:t>
+            </a:r>
+          </a:p>
+        </p:txBody>
+      </p:sp>
+      <p:sp>
+        <p:nvSpPr>
+          <p:cNvPr id="3" name="Content Placeholder 2"/>
+          <p:cNvSpPr>
+            <a:spLocks noGrp="1"/>
+          </p:cNvSpPr>
+          <p:nvPr>
+            <p:ph idx="1"/>
+          </p:nvPr>
+        </p:nvSpPr>
+        <p:spPr/>
+        <p:txBody>
+          <a:bodyPr>
+            <a:normAutofit/>
+          </a:bodyPr>
+          <a:lstStyle/>
+          <a:p>
+            <a:r>
+              <a:rPr lang="en-US" dirty="0"/>
+              <a:t>Parameters to Play with</a:t>
+            </a:r>
+          </a:p>
+          <a:p>
+            <a:pPr lvl="1"/>
+            <a:r>
+              <a:rPr lang="en-US" dirty="0"/>
+              <a:t>Decision Trees</a:t>
+            </a:r>
+          </a:p>
+          <a:p>
+            <a:pPr lvl="2"/>
+            <a:r>
+              <a:rPr lang="en-US" dirty="0" err="1"/>
+              <a:t>max_depth</a:t>
+            </a:r>
+            <a:endParaRPr lang="en-US" dirty="0"/>
+          </a:p>
+          <a:p>
+            <a:pPr lvl="2"/>
+            <a:r>
+              <a:rPr lang="en-US" dirty="0" err="1"/>
+              <a:t>max_leaf_nodes</a:t>
+            </a:r>
+            <a:endParaRPr lang="en-US" dirty="0"/>
+          </a:p>
+          <a:p>
+            <a:pPr lvl="2"/>
+            <a:r>
+              <a:rPr lang="en-US" dirty="0" err="1"/>
+              <a:t>max_features</a:t>
+            </a:r>
+            <a:endParaRPr lang="en-US" dirty="0"/>
+          </a:p>
+          <a:p>
+            <a:pPr lvl="2"/>
+            <a:r>
+              <a:rPr lang="en-US" dirty="0" err="1"/>
+              <a:t>min_samples_split</a:t>
+            </a:r>
+            <a:endParaRPr lang="en-US" dirty="0"/>
+          </a:p>
+          <a:p>
+            <a:pPr lvl="2"/>
+            <a:r>
+              <a:rPr lang="en-US" dirty="0" err="1"/>
+              <a:t>min_samples_leaf</a:t>
+            </a:r>
+            <a:endParaRPr lang="en-US" dirty="0"/>
+          </a:p>
+          <a:p>
+            <a:pPr lvl="2"/>
+            <a:r>
+              <a:rPr lang="en-US" dirty="0" err="1"/>
+              <a:t>min_weight_fraction_leaf</a:t>
+            </a:r>
+            <a:endParaRPr lang="en-US" dirty="0"/>
+          </a:p>
+          <a:p>
+            <a:endParaRPr lang="en-US" dirty="0"/>
+          </a:p>
+        </p:txBody>
+      </p:sp>
+    </p:spTree>
+    <p:extLst>
+      <p:ext uri="{BB962C8B-B14F-4D97-AF65-F5344CB8AC3E}">
+        <p14:creationId xmlns:p14="http://schemas.microsoft.com/office/powerpoint/2010/main" val="434302692"/>
+      </p:ext>
+    </p:extLst>
+  </p:cSld>
+  <p:clrMapOvr>
+    <a:overrideClrMapping bg1="lt1" tx1="dk1" bg2="lt2" tx2="dk2" accent1="accent1" accent2="accent2" accent3="accent3" accent4="accent4" accent5="accent5" accent6="accent6" hlink="hlink" folHlink="folHlink"/>
+  </p:clrMapOvr>
+</p:sld>
+</file>
+
+<file path=ppt/slides/slide125.xml><?xml version="1.0" encoding="utf-8"?>
+<p:sld xmlns:a="http://schemas.openxmlformats.org/drawingml/2006/main" xmlns:r="http://schemas.openxmlformats.org/officeDocument/2006/relationships" xmlns:p="http://schemas.openxmlformats.org/presentationml/2006/main">
+  <p:cSld>
+    <p:bg>
+      <p:bgPr>
+        <a:blipFill dpi="0" rotWithShape="1">
+          <a:blip r:embed="rId3">
+            <a:extLst>
+              <a:ext uri="{BEBA8EAE-BF5A-486C-A8C5-ECC9F3942E4B}">
+                <a14:imgProps xmlns:a14="http://schemas.microsoft.com/office/drawing/2010/main">
+                  <a14:imgLayer r:embed="rId4">
+                    <a14:imgEffect>
+                      <a14:brightnessContrast bright="-50000"/>
+                    </a14:imgEffect>
+                  </a14:imgLayer>
+                </a14:imgProps>
+              </a:ext>
+            </a:extLst>
+          </a:blip>
+          <a:srcRect/>
+          <a:stretch>
+            <a:fillRect l="-10000" r="-10000"/>
+          </a:stretch>
+        </a:blipFill>
+        <a:effectLst/>
+      </p:bgPr>
+    </p:bg>
+    <p:spTree>
+      <p:nvGrpSpPr>
+        <p:cNvPr id="1" name=""/>
+        <p:cNvGrpSpPr/>
+        <p:nvPr/>
+      </p:nvGrpSpPr>
+      <p:grpSpPr>
+        <a:xfrm>
+          <a:off x="0" y="0"/>
+          <a:ext cx="0" cy="0"/>
+          <a:chOff x="0" y="0"/>
+          <a:chExt cx="0" cy="0"/>
+        </a:xfrm>
+      </p:grpSpPr>
+      <p:sp>
+        <p:nvSpPr>
+          <p:cNvPr id="2" name="Title 1"/>
+          <p:cNvSpPr>
+            <a:spLocks noGrp="1"/>
+          </p:cNvSpPr>
+          <p:nvPr>
+            <p:ph type="title"/>
+          </p:nvPr>
+        </p:nvSpPr>
+        <p:spPr/>
+        <p:txBody>
+          <a:bodyPr/>
+          <a:lstStyle/>
+          <a:p>
+            <a:r>
+              <a:rPr lang="en-US" dirty="0"/>
+              <a:t>Tuning</a:t>
+            </a:r>
+          </a:p>
+        </p:txBody>
+      </p:sp>
+      <p:sp>
+        <p:nvSpPr>
+          <p:cNvPr id="3" name="Content Placeholder 2"/>
+          <p:cNvSpPr>
+            <a:spLocks noGrp="1"/>
+          </p:cNvSpPr>
+          <p:nvPr>
+            <p:ph idx="1"/>
+          </p:nvPr>
+        </p:nvSpPr>
+        <p:spPr/>
+        <p:txBody>
+          <a:bodyPr/>
+          <a:lstStyle/>
+          <a:p>
+            <a:r>
+              <a:rPr lang="en-US" dirty="0"/>
+              <a:t>Parameters to Play with</a:t>
+            </a:r>
+          </a:p>
+          <a:p>
+            <a:pPr lvl="1"/>
+            <a:r>
+              <a:rPr lang="en-US" dirty="0"/>
+              <a:t>alpha</a:t>
+            </a:r>
+          </a:p>
+          <a:p>
+            <a:pPr lvl="2"/>
+            <a:r>
+              <a:rPr lang="en-US" dirty="0"/>
+              <a:t>Higher values increase regularization/generalization</a:t>
+            </a:r>
+          </a:p>
+          <a:p>
+            <a:pPr lvl="2"/>
+            <a:r>
+              <a:rPr lang="en-US" dirty="0"/>
+              <a:t>Higher value pushes feature weights closer to zero</a:t>
+            </a:r>
+          </a:p>
+          <a:p>
+            <a:pPr lvl="2"/>
+            <a:r>
+              <a:rPr lang="en-US" dirty="0"/>
+              <a:t>Lasso Regression</a:t>
+            </a:r>
+          </a:p>
+          <a:p>
+            <a:pPr lvl="2"/>
+            <a:r>
+              <a:rPr lang="en-US" dirty="0"/>
+              <a:t>Ridge Regression</a:t>
+            </a:r>
+          </a:p>
+          <a:p>
+            <a:pPr lvl="2"/>
+            <a:endParaRPr lang="en-US" dirty="0"/>
+          </a:p>
+          <a:p>
+            <a:endParaRPr lang="en-US" dirty="0"/>
+          </a:p>
+        </p:txBody>
+      </p:sp>
+    </p:spTree>
+    <p:extLst>
+      <p:ext uri="{BB962C8B-B14F-4D97-AF65-F5344CB8AC3E}">
+        <p14:creationId xmlns:p14="http://schemas.microsoft.com/office/powerpoint/2010/main" val="4153822099"/>
+      </p:ext>
+    </p:extLst>
+  </p:cSld>
+  <p:clrMapOvr>
+    <a:overrideClrMapping bg1="lt1" tx1="dk1" bg2="lt2" tx2="dk2" accent1="accent1" accent2="accent2" accent3="accent3" accent4="accent4" accent5="accent5" accent6="accent6" hlink="hlink" folHlink="folHlink"/>
+  </p:clrMapOvr>
+</p:sld>
+</file>
+
+<file path=ppt/slides/slide126.xml><?xml version="1.0" encoding="utf-8"?>
+<p:sld xmlns:a="http://schemas.openxmlformats.org/drawingml/2006/main" xmlns:r="http://schemas.openxmlformats.org/officeDocument/2006/relationships" xmlns:p="http://schemas.openxmlformats.org/presentationml/2006/main">
+  <p:cSld>
+    <p:bg>
+      <p:bgPr>
+        <a:blipFill dpi="0" rotWithShape="1">
+          <a:blip r:embed="rId3">
+            <a:extLst>
+              <a:ext uri="{BEBA8EAE-BF5A-486C-A8C5-ECC9F3942E4B}">
+                <a14:imgProps xmlns:a14="http://schemas.microsoft.com/office/drawing/2010/main">
+                  <a14:imgLayer r:embed="rId4">
+                    <a14:imgEffect>
+                      <a14:brightnessContrast bright="-50000"/>
+                    </a14:imgEffect>
+                  </a14:imgLayer>
+                </a14:imgProps>
+              </a:ext>
+            </a:extLst>
+          </a:blip>
+          <a:srcRect/>
+          <a:stretch>
+            <a:fillRect l="-10000" r="-10000"/>
+          </a:stretch>
+        </a:blipFill>
+        <a:effectLst/>
+      </p:bgPr>
+    </p:bg>
+    <p:spTree>
+      <p:nvGrpSpPr>
+        <p:cNvPr id="1" name=""/>
+        <p:cNvGrpSpPr/>
+        <p:nvPr/>
+      </p:nvGrpSpPr>
+      <p:grpSpPr>
+        <a:xfrm>
+          <a:off x="0" y="0"/>
+          <a:ext cx="0" cy="0"/>
+          <a:chOff x="0" y="0"/>
+          <a:chExt cx="0" cy="0"/>
+        </a:xfrm>
+      </p:grpSpPr>
+      <p:sp>
+        <p:nvSpPr>
+          <p:cNvPr id="2" name="Title 1"/>
+          <p:cNvSpPr>
+            <a:spLocks noGrp="1"/>
+          </p:cNvSpPr>
+          <p:nvPr>
+            <p:ph type="title"/>
+          </p:nvPr>
+        </p:nvSpPr>
+        <p:spPr/>
+        <p:txBody>
+          <a:bodyPr/>
+          <a:lstStyle/>
+          <a:p>
+            <a:r>
+              <a:rPr lang="en-US" dirty="0"/>
+              <a:t>Tuning</a:t>
+            </a:r>
+          </a:p>
+        </p:txBody>
+      </p:sp>
+      <p:sp>
+        <p:nvSpPr>
+          <p:cNvPr id="3" name="Content Placeholder 2"/>
+          <p:cNvSpPr>
+            <a:spLocks noGrp="1"/>
+          </p:cNvSpPr>
+          <p:nvPr>
+            <p:ph idx="1"/>
+          </p:nvPr>
+        </p:nvSpPr>
+        <p:spPr/>
+        <p:txBody>
+          <a:bodyPr/>
+          <a:lstStyle/>
+          <a:p>
+            <a:r>
+              <a:rPr lang="en-US" dirty="0"/>
               <a:t>Parameters to Play with</a:t>
             </a:r>
           </a:p>
@@ -12653,7 +13145,126 @@
 </p:sld>
 </file>
 
-<file path=ppt/slides/slide123.xml><?xml version="1.0" encoding="utf-8"?>
+<file path=ppt/slides/slide127.xml><?xml version="1.0" encoding="utf-8"?>
+<p:sld xmlns:a="http://schemas.openxmlformats.org/drawingml/2006/main" xmlns:r="http://schemas.openxmlformats.org/officeDocument/2006/relationships" xmlns:p="http://schemas.openxmlformats.org/presentationml/2006/main">
+  <p:cSld>
+    <p:bg>
+      <p:bgPr>
+        <a:blipFill dpi="0" rotWithShape="1">
+          <a:blip r:embed="rId3">
+            <a:extLst>
+              <a:ext uri="{BEBA8EAE-BF5A-486C-A8C5-ECC9F3942E4B}">
+                <a14:imgProps xmlns:a14="http://schemas.microsoft.com/office/drawing/2010/main">
+                  <a14:imgLayer r:embed="rId4">
+                    <a14:imgEffect>
+                      <a14:brightnessContrast bright="-50000"/>
+                    </a14:imgEffect>
+                  </a14:imgLayer>
+                </a14:imgProps>
+              </a:ext>
+            </a:extLst>
+          </a:blip>
+          <a:srcRect/>
+          <a:stretch>
+            <a:fillRect l="-10000" r="-10000"/>
+          </a:stretch>
+        </a:blipFill>
+        <a:effectLst/>
+      </p:bgPr>
+    </p:bg>
+    <p:spTree>
+      <p:nvGrpSpPr>
+        <p:cNvPr id="1" name=""/>
+        <p:cNvGrpSpPr/>
+        <p:nvPr/>
+      </p:nvGrpSpPr>
+      <p:grpSpPr>
+        <a:xfrm>
+          <a:off x="0" y="0"/>
+          <a:ext cx="0" cy="0"/>
+          <a:chOff x="0" y="0"/>
+          <a:chExt cx="0" cy="0"/>
+        </a:xfrm>
+      </p:grpSpPr>
+      <p:sp>
+        <p:nvSpPr>
+          <p:cNvPr id="2" name="Title 1"/>
+          <p:cNvSpPr>
+            <a:spLocks noGrp="1"/>
+          </p:cNvSpPr>
+          <p:nvPr>
+            <p:ph type="title"/>
+          </p:nvPr>
+        </p:nvSpPr>
+        <p:spPr/>
+        <p:txBody>
+          <a:bodyPr/>
+          <a:lstStyle/>
+          <a:p>
+            <a:r>
+              <a:rPr lang="en-US" dirty="0"/>
+              <a:t>Tuning</a:t>
+            </a:r>
+          </a:p>
+        </p:txBody>
+      </p:sp>
+      <p:sp>
+        <p:nvSpPr>
+          <p:cNvPr id="3" name="Content Placeholder 2"/>
+          <p:cNvSpPr>
+            <a:spLocks noGrp="1"/>
+          </p:cNvSpPr>
+          <p:nvPr>
+            <p:ph idx="1"/>
+          </p:nvPr>
+        </p:nvSpPr>
+        <p:spPr/>
+        <p:txBody>
+          <a:bodyPr/>
+          <a:lstStyle/>
+          <a:p>
+            <a:r>
+              <a:rPr lang="en-US" dirty="0"/>
+              <a:t>Parameters to Play with</a:t>
+            </a:r>
+          </a:p>
+          <a:p>
+            <a:pPr lvl="1"/>
+            <a:r>
+              <a:rPr lang="en-US" dirty="0"/>
+              <a:t>c and alpha are known as hyperparameters.</a:t>
+            </a:r>
+          </a:p>
+          <a:p>
+            <a:pPr lvl="2"/>
+            <a:r>
+              <a:rPr lang="en-US" dirty="0"/>
+              <a:t>Hyperparameters are parameters that are set before a model is trained, and stays constant throughout the learning process.</a:t>
+            </a:r>
+          </a:p>
+          <a:p>
+            <a:pPr lvl="2"/>
+            <a:endParaRPr lang="en-US" dirty="0"/>
+          </a:p>
+          <a:p>
+            <a:endParaRPr lang="en-US" dirty="0"/>
+          </a:p>
+        </p:txBody>
+      </p:sp>
+    </p:spTree>
+    <p:extLst>
+      <p:ext uri="{BB962C8B-B14F-4D97-AF65-F5344CB8AC3E}">
+        <p14:creationId xmlns:p14="http://schemas.microsoft.com/office/powerpoint/2010/main" val="1929485100"/>
+      </p:ext>
+    </p:extLst>
+  </p:cSld>
+  <p:clrMapOvr>
+    <a:overrideClrMapping bg1="lt1" tx1="dk1" bg2="lt2" tx2="dk2" accent1="accent1" accent2="accent2" accent3="accent3" accent4="accent4" accent5="accent5" accent6="accent6" hlink="hlink" folHlink="folHlink"/>
+  </p:clrMapOvr>
+</p:sld>
+</file>
+
+<file path=ppt/slides/slide128.xml><?xml version="1.0" encoding="utf-8"?>
 <p:sld xmlns:a="http://schemas.openxmlformats.org/drawingml/2006/main" xmlns:r="http://schemas.openxmlformats.org/officeDocument/2006/relationships" xmlns:p="http://schemas.openxmlformats.org/presentationml/2006/main">
   <p:cSld>
     <p:bg>
@@ -12778,7 +13389,7 @@
 </p:sld>
 </file>
 
-<file path=ppt/slides/slide124.xml><?xml version="1.0" encoding="utf-8"?>
+<file path=ppt/slides/slide129.xml><?xml version="1.0" encoding="utf-8"?>
 <p:sld xmlns:a="http://schemas.openxmlformats.org/drawingml/2006/main" xmlns:r="http://schemas.openxmlformats.org/officeDocument/2006/relationships" xmlns:p="http://schemas.openxmlformats.org/presentationml/2006/main">
   <p:cSld>
     <p:bg>
@@ -12863,114 +13474,6 @@
     <p:extLst>
       <p:ext uri="{BB962C8B-B14F-4D97-AF65-F5344CB8AC3E}">
         <p14:creationId xmlns:p14="http://schemas.microsoft.com/office/powerpoint/2010/main" val="1722311812"/>
-      </p:ext>
-    </p:extLst>
-  </p:cSld>
-  <p:clrMapOvr>
-    <a:masterClrMapping/>
-  </p:clrMapOvr>
-</p:sld>
-</file>
-
-<file path=ppt/slides/slide125.xml><?xml version="1.0" encoding="utf-8"?>
-<p:sld xmlns:a="http://schemas.openxmlformats.org/drawingml/2006/main" xmlns:r="http://schemas.openxmlformats.org/officeDocument/2006/relationships" xmlns:p="http://schemas.openxmlformats.org/presentationml/2006/main">
-  <p:cSld>
-    <p:bg>
-      <p:bgPr>
-        <a:blipFill dpi="0" rotWithShape="1">
-          <a:blip r:embed="rId2">
-            <a:lum/>
-          </a:blip>
-          <a:srcRect/>
-          <a:stretch>
-            <a:fillRect l="-10000" r="-10000"/>
-          </a:stretch>
-        </a:blipFill>
-        <a:effectLst/>
-      </p:bgPr>
-    </p:bg>
-    <p:spTree>
-      <p:nvGrpSpPr>
-        <p:cNvPr id="1" name=""/>
-        <p:cNvGrpSpPr/>
-        <p:nvPr/>
-      </p:nvGrpSpPr>
-      <p:grpSpPr>
-        <a:xfrm>
-          <a:off x="0" y="0"/>
-          <a:ext cx="0" cy="0"/>
-          <a:chOff x="0" y="0"/>
-          <a:chExt cx="0" cy="0"/>
-        </a:xfrm>
-      </p:grpSpPr>
-      <p:sp>
-        <p:nvSpPr>
-          <p:cNvPr id="2" name="Title 1"/>
-          <p:cNvSpPr>
-            <a:spLocks noGrp="1"/>
-          </p:cNvSpPr>
-          <p:nvPr>
-            <p:ph type="title"/>
-          </p:nvPr>
-        </p:nvSpPr>
-        <p:spPr/>
-        <p:txBody>
-          <a:bodyPr/>
-          <a:lstStyle/>
-          <a:p>
-            <a:r>
-              <a:rPr lang="en-US" dirty="0"/>
-              <a:t>LICENSE</a:t>
-            </a:r>
-          </a:p>
-        </p:txBody>
-      </p:sp>
-      <p:sp>
-        <p:nvSpPr>
-          <p:cNvPr id="3" name="Content Placeholder 2"/>
-          <p:cNvSpPr>
-            <a:spLocks noGrp="1"/>
-          </p:cNvSpPr>
-          <p:nvPr>
-            <p:ph idx="1"/>
-          </p:nvPr>
-        </p:nvSpPr>
-        <p:spPr/>
-        <p:txBody>
-          <a:bodyPr>
-            <a:normAutofit fontScale="62500" lnSpcReduction="20000"/>
-          </a:bodyPr>
-          <a:lstStyle/>
-          <a:p>
-            <a:r>
-              <a:rPr lang="en-US" dirty="0"/>
-              <a:t>Copyright 2021 Douglas Bowman</a:t>
-            </a:r>
-          </a:p>
-          <a:p>
-            <a:r>
-              <a:rPr lang="en-US" dirty="0"/>
-              <a:t>Permission is hereby granted, free of charge, to any person obtaining a copy of this software and associated documentation files (the "Software"), to deal in the Software without restriction, including without limitation the rights to use, copy, modify, merge, publish, distribute, sublicense, and/or sell copies of the Software, and to permit persons to whom the Software is furnished to do so, subject to the following conditions:</a:t>
-            </a:r>
-          </a:p>
-          <a:p>
-            <a:r>
-              <a:rPr lang="en-US" dirty="0"/>
-              <a:t>The above copyright notice and this permission notice shall be included in all copies or substantial portions of the Software.</a:t>
-            </a:r>
-          </a:p>
-          <a:p>
-            <a:r>
-              <a:rPr lang="en-US" dirty="0"/>
-              <a:t>THE SOFTWARE IS PROVIDED "AS IS", WITHOUT WARRANTY OF ANY KIND, EXPRESS OR IMPLIED, INCLUDING BUT NOT LIMITED TO THE WARRANTIES OF MERCHANTABILITY, FITNESS FOR A PARTICULAR PURPOSE AND NONINFRINGEMENT. IN NO EVENT SHALL THE AUTHORS OR COPYRIGHT HOLDERS BE LIABLE FOR ANY CLAIM, DAMAGES OR OTHER LIABILITY, WHETHER IN AN ACTION OF CONTRACT, TORT OR OTHERWISE, ARISING FROM, OUT OF OR IN CONNECTION WITH THE SOFTWARE OR THE USE OR OTHER DEALINGS IN THE SOFTWARE.</a:t>
-            </a:r>
-          </a:p>
-        </p:txBody>
-      </p:sp>
-    </p:spTree>
-    <p:extLst>
-      <p:ext uri="{BB962C8B-B14F-4D97-AF65-F5344CB8AC3E}">
-        <p14:creationId xmlns:p14="http://schemas.microsoft.com/office/powerpoint/2010/main" val="3405347719"/>
       </p:ext>
     </p:extLst>
   </p:cSld>
@@ -13116,6 +13619,114 @@
   </p:cSld>
   <p:clrMapOvr>
     <a:overrideClrMapping bg1="lt1" tx1="dk1" bg2="lt2" tx2="dk2" accent1="accent1" accent2="accent2" accent3="accent3" accent4="accent4" accent5="accent5" accent6="accent6" hlink="hlink" folHlink="folHlink"/>
+  </p:clrMapOvr>
+</p:sld>
+</file>
+
+<file path=ppt/slides/slide130.xml><?xml version="1.0" encoding="utf-8"?>
+<p:sld xmlns:a="http://schemas.openxmlformats.org/drawingml/2006/main" xmlns:r="http://schemas.openxmlformats.org/officeDocument/2006/relationships" xmlns:p="http://schemas.openxmlformats.org/presentationml/2006/main">
+  <p:cSld>
+    <p:bg>
+      <p:bgPr>
+        <a:blipFill dpi="0" rotWithShape="1">
+          <a:blip r:embed="rId2">
+            <a:lum/>
+          </a:blip>
+          <a:srcRect/>
+          <a:stretch>
+            <a:fillRect l="-10000" r="-10000"/>
+          </a:stretch>
+        </a:blipFill>
+        <a:effectLst/>
+      </p:bgPr>
+    </p:bg>
+    <p:spTree>
+      <p:nvGrpSpPr>
+        <p:cNvPr id="1" name=""/>
+        <p:cNvGrpSpPr/>
+        <p:nvPr/>
+      </p:nvGrpSpPr>
+      <p:grpSpPr>
+        <a:xfrm>
+          <a:off x="0" y="0"/>
+          <a:ext cx="0" cy="0"/>
+          <a:chOff x="0" y="0"/>
+          <a:chExt cx="0" cy="0"/>
+        </a:xfrm>
+      </p:grpSpPr>
+      <p:sp>
+        <p:nvSpPr>
+          <p:cNvPr id="2" name="Title 1"/>
+          <p:cNvSpPr>
+            <a:spLocks noGrp="1"/>
+          </p:cNvSpPr>
+          <p:nvPr>
+            <p:ph type="title"/>
+          </p:nvPr>
+        </p:nvSpPr>
+        <p:spPr/>
+        <p:txBody>
+          <a:bodyPr/>
+          <a:lstStyle/>
+          <a:p>
+            <a:r>
+              <a:rPr lang="en-US" dirty="0"/>
+              <a:t>LICENSE</a:t>
+            </a:r>
+          </a:p>
+        </p:txBody>
+      </p:sp>
+      <p:sp>
+        <p:nvSpPr>
+          <p:cNvPr id="3" name="Content Placeholder 2"/>
+          <p:cNvSpPr>
+            <a:spLocks noGrp="1"/>
+          </p:cNvSpPr>
+          <p:nvPr>
+            <p:ph idx="1"/>
+          </p:nvPr>
+        </p:nvSpPr>
+        <p:spPr/>
+        <p:txBody>
+          <a:bodyPr>
+            <a:normAutofit fontScale="62500" lnSpcReduction="20000"/>
+          </a:bodyPr>
+          <a:lstStyle/>
+          <a:p>
+            <a:r>
+              <a:rPr lang="en-US" dirty="0"/>
+              <a:t>Copyright 2021 Douglas Bowman</a:t>
+            </a:r>
+          </a:p>
+          <a:p>
+            <a:r>
+              <a:rPr lang="en-US" dirty="0"/>
+              <a:t>Permission is hereby granted, free of charge, to any person obtaining a copy of this software and associated documentation files (the "Software"), to deal in the Software without restriction, including without limitation the rights to use, copy, modify, merge, publish, distribute, sublicense, and/or sell copies of the Software, and to permit persons to whom the Software is furnished to do so, subject to the following conditions:</a:t>
+            </a:r>
+          </a:p>
+          <a:p>
+            <a:r>
+              <a:rPr lang="en-US" dirty="0"/>
+              <a:t>The above copyright notice and this permission notice shall be included in all copies or substantial portions of the Software.</a:t>
+            </a:r>
+          </a:p>
+          <a:p>
+            <a:r>
+              <a:rPr lang="en-US" dirty="0"/>
+              <a:t>THE SOFTWARE IS PROVIDED "AS IS", WITHOUT WARRANTY OF ANY KIND, EXPRESS OR IMPLIED, INCLUDING BUT NOT LIMITED TO THE WARRANTIES OF MERCHANTABILITY, FITNESS FOR A PARTICULAR PURPOSE AND NONINFRINGEMENT. IN NO EVENT SHALL THE AUTHORS OR COPYRIGHT HOLDERS BE LIABLE FOR ANY CLAIM, DAMAGES OR OTHER LIABILITY, WHETHER IN AN ACTION OF CONTRACT, TORT OR OTHERWISE, ARISING FROM, OUT OF OR IN CONNECTION WITH THE SOFTWARE OR THE USE OR OTHER DEALINGS IN THE SOFTWARE.</a:t>
+            </a:r>
+          </a:p>
+        </p:txBody>
+      </p:sp>
+    </p:spTree>
+    <p:extLst>
+      <p:ext uri="{BB962C8B-B14F-4D97-AF65-F5344CB8AC3E}">
+        <p14:creationId xmlns:p14="http://schemas.microsoft.com/office/powerpoint/2010/main" val="3405347719"/>
+      </p:ext>
+    </p:extLst>
+  </p:cSld>
+  <p:clrMapOvr>
+    <a:masterClrMapping/>
   </p:clrMapOvr>
 </p:sld>
 </file>
@@ -16803,7 +17414,7 @@
           <a:graphicData uri="http://schemas.openxmlformats.org/presentationml/2006/ole">
             <mc:AlternateContent xmlns:mc="http://schemas.openxmlformats.org/markup-compatibility/2006">
               <mc:Choice xmlns:v="urn:schemas-microsoft-com:vml" Requires="v">
-                <p:oleObj spid="_x0000_s2278" name="Bitmap Image" r:id="rId7" imgW="3743280" imgH="3024360" progId="Paint.Picture">
+                <p:oleObj spid="_x0000_s2293" name="Bitmap Image" r:id="rId7" imgW="3743280" imgH="3024360" progId="Paint.Picture">
                   <p:embed/>
                 </p:oleObj>
               </mc:Choice>
@@ -17968,8 +18579,8 @@
           </a:p>
         </p:txBody>
       </p:sp>
-      <mc:AlternateContent xmlns:mc="http://schemas.openxmlformats.org/markup-compatibility/2006">
-        <mc:Choice xmlns:a14="http://schemas.microsoft.com/office/drawing/2010/main" Requires="a14">
+      <mc:AlternateContent xmlns:mc="http://schemas.openxmlformats.org/markup-compatibility/2006" xmlns:a14="http://schemas.microsoft.com/office/drawing/2010/main">
+        <mc:Choice Requires="a14">
           <p:sp>
             <p:nvSpPr>
               <p:cNvPr id="3" name="Content Placeholder 2"/>
@@ -18229,7 +18840,7 @@
             </p:txBody>
           </p:sp>
         </mc:Choice>
-        <mc:Fallback>
+        <mc:Fallback xmlns="">
           <p:sp>
             <p:nvSpPr>
               <p:cNvPr id="3" name="Content Placeholder 2"/>
@@ -21540,6 +22151,14 @@
             </a:r>
           </a:p>
           <a:p>
+            <a:pPr lvl="1"/>
+            <a:r>
+              <a:rPr lang="en-US"/>
+              <a:t>Nonlinear SVM</a:t>
+            </a:r>
+            <a:endParaRPr lang="en-US" dirty="0"/>
+          </a:p>
+          <a:p>
             <a:pPr lvl="2"/>
             <a:r>
               <a:rPr lang="en-US" dirty="0"/>
@@ -21653,6 +22272,13 @@
           </a:p>
           <a:p>
             <a:pPr lvl="1"/>
+            <a:r>
+              <a:rPr lang="en-US" dirty="0"/>
+              <a:t>Attempts to create decision boundaries that maximize the space between the two closest samples.</a:t>
+            </a:r>
+          </a:p>
+          <a:p>
+            <a:pPr lvl="1"/>
             <a:endParaRPr lang="en-US" dirty="0"/>
           </a:p>
           <a:p>
@@ -21862,7 +22488,7 @@
           <a:p>
             <a:r>
               <a:rPr lang="en-US" dirty="0"/>
-              <a:t>Kernelized SVM</a:t>
+              <a:t>Nonlinear SVM</a:t>
             </a:r>
           </a:p>
           <a:p>
@@ -22010,7 +22636,7 @@
           <a:p>
             <a:r>
               <a:rPr lang="en-US" dirty="0"/>
-              <a:t>Kernelized SVM</a:t>
+              <a:t>Nonlinear SVM</a:t>
             </a:r>
           </a:p>
           <a:p>
@@ -25015,6 +25641,20 @@
               <a:t>Cross Validation</a:t>
             </a:r>
           </a:p>
+          <a:p>
+            <a:pPr lvl="1"/>
+            <a:r>
+              <a:rPr lang="en-US" dirty="0"/>
+              <a:t>Scaling Data</a:t>
+            </a:r>
+          </a:p>
+          <a:p>
+            <a:pPr lvl="1"/>
+            <a:r>
+              <a:rPr lang="en-US" dirty="0"/>
+              <a:t>Converting Categories to Numbers</a:t>
+            </a:r>
+          </a:p>
         </p:txBody>
       </p:sp>
     </p:spTree>
@@ -25088,7 +25728,7 @@
           <a:p>
             <a:r>
               <a:rPr lang="en-US" dirty="0"/>
-              <a:t>Evaluating Accuracy</a:t>
+              <a:t>Dataset Preparation</a:t>
             </a:r>
           </a:p>
         </p:txBody>
@@ -25106,66 +25746,97 @@
         <p:spPr/>
         <p:txBody>
           <a:bodyPr>
-            <a:normAutofit/>
+            <a:normAutofit fontScale="92500" lnSpcReduction="10000"/>
           </a:bodyPr>
           <a:lstStyle/>
           <a:p>
             <a:r>
               <a:rPr lang="en-US" dirty="0"/>
-              <a:t>Overview</a:t>
+              <a:t>Converting Categories to Numbers</a:t>
             </a:r>
           </a:p>
           <a:p>
             <a:pPr lvl="1"/>
             <a:r>
               <a:rPr lang="en-US" dirty="0"/>
-              <a:t>Why accuracy isn’t enough</a:t>
+              <a:t>Trainers understand numbers better than text.  If there are a set number of text categories, converting them to numbers will help.</a:t>
             </a:r>
           </a:p>
           <a:p>
             <a:pPr lvl="1"/>
             <a:r>
               <a:rPr lang="en-US" dirty="0"/>
-              <a:t>Precision = TP/(TP+FP)</a:t>
-            </a:r>
-          </a:p>
-          <a:p>
-            <a:pPr lvl="1"/>
-            <a:r>
-              <a:rPr lang="en-US" dirty="0"/>
-              <a:t>Recall (True Positive Rate, Sensitivity)</a:t>
-            </a:r>
-          </a:p>
-          <a:p>
-            <a:pPr lvl="1"/>
-            <a:r>
-              <a:rPr lang="en-US" dirty="0"/>
-              <a:t>False Positive Rate</a:t>
-            </a:r>
-          </a:p>
-          <a:p>
-            <a:pPr lvl="1"/>
-            <a:r>
-              <a:rPr lang="en-US" dirty="0"/>
-              <a:t>Specificity (True Negative Rate)</a:t>
-            </a:r>
-          </a:p>
-          <a:p>
-            <a:pPr lvl="1"/>
-            <a:r>
-              <a:rPr lang="en-US" dirty="0"/>
-              <a:t>Confusion Matrix</a:t>
-            </a:r>
-          </a:p>
-          <a:p>
-            <a:pPr lvl="1"/>
-            <a:r>
-              <a:rPr lang="en-US" dirty="0"/>
-              <a:t>Accuracy</a:t>
+              <a:t>If you have 5 categories, replacing them with numbers will make the model better.</a:t>
             </a:r>
           </a:p>
           <a:p>
             <a:pPr lvl="2"/>
+            <a:r>
+              <a:rPr lang="en-US" dirty="0"/>
+              <a:t>‘Lake’ </a:t>
+            </a:r>
+            <a:r>
+              <a:rPr lang="en-US" dirty="0">
+                <a:sym typeface="Wingdings" panose="05000000000000000000" pitchFamily="2" charset="2"/>
+              </a:rPr>
+              <a:t> 0</a:t>
+            </a:r>
+            <a:endParaRPr lang="en-US" dirty="0"/>
+          </a:p>
+          <a:p>
+            <a:pPr lvl="2"/>
+            <a:r>
+              <a:rPr lang="en-US" dirty="0"/>
+              <a:t>‘River’ </a:t>
+            </a:r>
+            <a:r>
+              <a:rPr lang="en-US" dirty="0">
+                <a:sym typeface="Wingdings" panose="05000000000000000000" pitchFamily="2" charset="2"/>
+              </a:rPr>
+              <a:t> 1</a:t>
+            </a:r>
+            <a:endParaRPr lang="en-US" dirty="0"/>
+          </a:p>
+          <a:p>
+            <a:pPr lvl="2"/>
+            <a:r>
+              <a:rPr lang="en-US" dirty="0"/>
+              <a:t>‘Stream’ </a:t>
+            </a:r>
+            <a:r>
+              <a:rPr lang="en-US" dirty="0">
+                <a:sym typeface="Wingdings" panose="05000000000000000000" pitchFamily="2" charset="2"/>
+              </a:rPr>
+              <a:t> 2</a:t>
+            </a:r>
+            <a:endParaRPr lang="en-US" dirty="0"/>
+          </a:p>
+          <a:p>
+            <a:pPr lvl="2"/>
+            <a:r>
+              <a:rPr lang="en-US" dirty="0"/>
+              <a:t>‘Ocean’ </a:t>
+            </a:r>
+            <a:r>
+              <a:rPr lang="en-US" dirty="0">
+                <a:sym typeface="Wingdings" panose="05000000000000000000" pitchFamily="2" charset="2"/>
+              </a:rPr>
+              <a:t> 3</a:t>
+            </a:r>
+            <a:endParaRPr lang="en-US" dirty="0"/>
+          </a:p>
+          <a:p>
+            <a:pPr lvl="2"/>
+            <a:r>
+              <a:rPr lang="en-US" dirty="0"/>
+              <a:t>‘Pond’ </a:t>
+            </a:r>
+            <a:r>
+              <a:rPr lang="en-US" dirty="0">
+                <a:sym typeface="Wingdings" panose="05000000000000000000" pitchFamily="2" charset="2"/>
+              </a:rPr>
+              <a:t> 4</a:t>
+            </a:r>
             <a:endParaRPr lang="en-US" dirty="0"/>
           </a:p>
         </p:txBody>
@@ -25173,7 +25844,7 @@
     </p:spTree>
     <p:extLst>
       <p:ext uri="{BB962C8B-B14F-4D97-AF65-F5344CB8AC3E}">
-        <p14:creationId xmlns:p14="http://schemas.microsoft.com/office/powerpoint/2010/main" val="3169363239"/>
+        <p14:creationId xmlns:p14="http://schemas.microsoft.com/office/powerpoint/2010/main" val="2880319982"/>
       </p:ext>
     </p:extLst>
   </p:cSld>
@@ -25363,7 +26034,7 @@
           <a:p>
             <a:r>
               <a:rPr lang="en-US" dirty="0"/>
-              <a:t>Evaluating Accuracy</a:t>
+              <a:t>Dataset Preparation</a:t>
             </a:r>
           </a:p>
         </p:txBody>
@@ -25380,89 +26051,23 @@
         </p:nvSpPr>
         <p:spPr/>
         <p:txBody>
-          <a:bodyPr>
-            <a:normAutofit/>
-          </a:bodyPr>
-          <a:lstStyle/>
-          <a:p>
-            <a:r>
-              <a:rPr lang="en-US" dirty="0"/>
-              <a:t>Overview</a:t>
+          <a:bodyPr/>
+          <a:lstStyle/>
+          <a:p>
+            <a:r>
+              <a:rPr lang="en-US" dirty="0"/>
+              <a:t>Converting Categories to Numbers</a:t>
             </a:r>
           </a:p>
           <a:p>
             <a:pPr lvl="1"/>
             <a:r>
               <a:rPr lang="en-US" dirty="0"/>
-              <a:t>Mean Squared Error</a:t>
-            </a:r>
-          </a:p>
-          <a:p>
-            <a:pPr lvl="2"/>
-            <a:r>
-              <a:rPr lang="en-US" dirty="0" err="1"/>
-              <a:t>mse</a:t>
-            </a:r>
-            <a:endParaRPr lang="en-US" dirty="0"/>
+              <a:t>Trainers usually assume that numbers closer together are closer related.  If this is not the case, then creating a new column with the category as the feature name will increase the models predictive ability.</a:t>
+            </a:r>
           </a:p>
           <a:p>
             <a:pPr lvl="1"/>
-            <a:r>
-              <a:rPr lang="en-US" dirty="0"/>
-              <a:t>Precision Recall Curves</a:t>
-            </a:r>
-          </a:p>
-          <a:p>
-            <a:pPr lvl="2"/>
-            <a:r>
-              <a:rPr lang="en-US" dirty="0" err="1"/>
-              <a:t>precision_recall_curve</a:t>
-            </a:r>
-            <a:r>
-              <a:rPr lang="en-US" dirty="0"/>
-              <a:t>()</a:t>
-            </a:r>
-          </a:p>
-          <a:p>
-            <a:pPr lvl="1"/>
-            <a:r>
-              <a:rPr lang="en-US" dirty="0"/>
-              <a:t>Receiver Operating Characteristics (ROC) Curve</a:t>
-            </a:r>
-          </a:p>
-          <a:p>
-            <a:pPr lvl="2"/>
-            <a:r>
-              <a:rPr lang="en-US" dirty="0" err="1"/>
-              <a:t>roc_curve</a:t>
-            </a:r>
-            <a:r>
-              <a:rPr lang="en-US" dirty="0"/>
-              <a:t>()</a:t>
-            </a:r>
-          </a:p>
-          <a:p>
-            <a:pPr lvl="1"/>
-            <a:r>
-              <a:rPr lang="en-US" dirty="0"/>
-              <a:t>Area Under the Curve (AUC)</a:t>
-            </a:r>
-          </a:p>
-          <a:p>
-            <a:pPr lvl="2"/>
-            <a:r>
-              <a:rPr lang="en-US" dirty="0" err="1"/>
-              <a:t>roc_auc_score</a:t>
-            </a:r>
-            <a:r>
-              <a:rPr lang="en-US" dirty="0"/>
-              <a:t>()</a:t>
-            </a:r>
-          </a:p>
-          <a:p>
-            <a:pPr marL="914400" lvl="2" indent="0">
-              <a:buNone/>
-            </a:pPr>
             <a:endParaRPr lang="en-US" dirty="0"/>
           </a:p>
         </p:txBody>
@@ -25470,7 +26075,7 @@
     </p:spTree>
     <p:extLst>
       <p:ext uri="{BB962C8B-B14F-4D97-AF65-F5344CB8AC3E}">
-        <p14:creationId xmlns:p14="http://schemas.microsoft.com/office/powerpoint/2010/main" val="1637459971"/>
+        <p14:creationId xmlns:p14="http://schemas.microsoft.com/office/powerpoint/2010/main" val="184835074"/>
       </p:ext>
     </p:extLst>
   </p:cSld>
@@ -25538,7 +26143,7 @@
           <a:p>
             <a:r>
               <a:rPr lang="en-US" dirty="0"/>
-              <a:t>Evaluating Accuracy</a:t>
+              <a:t>Dataset Preparation</a:t>
             </a:r>
           </a:p>
         </p:txBody>
@@ -25556,35 +26161,63 @@
         <p:spPr/>
         <p:txBody>
           <a:bodyPr>
-            <a:normAutofit/>
+            <a:normAutofit fontScale="92500" lnSpcReduction="10000"/>
           </a:bodyPr>
           <a:lstStyle/>
           <a:p>
             <a:r>
               <a:rPr lang="en-US" dirty="0"/>
-              <a:t>Why accuracy alone isn’t enough</a:t>
+              <a:t>Converting Categories to Numbers</a:t>
             </a:r>
           </a:p>
           <a:p>
             <a:pPr lvl="1"/>
             <a:r>
               <a:rPr lang="en-US" dirty="0"/>
-              <a:t>Skewed datasets</a:t>
-            </a:r>
-          </a:p>
-          <a:p>
-            <a:pPr lvl="2"/>
-            <a:r>
-              <a:rPr lang="en-US" dirty="0"/>
-              <a:t>If the dataset contains many more targets of one classification vs another, it is very easy to get high accuracy by just guessing the most likely class.</a:t>
-            </a:r>
+              <a:t>i.e. In the previous example, a lake and a pond are more closely related than a lake and a river, but the river is numerically closer to the lake.</a:t>
+            </a:r>
+          </a:p>
+          <a:p>
+            <a:pPr lvl="1"/>
+            <a:r>
+              <a:rPr lang="en-US" dirty="0"/>
+              <a:t>Would be better to create a new column for each category, and use either 0 or 1 to tell whether the feature applies to the sample or not.</a:t>
+            </a:r>
+          </a:p>
+          <a:p>
+            <a:pPr lvl="1"/>
+            <a:r>
+              <a:rPr lang="en-US" dirty="0"/>
+              <a:t>This is called one-hot encoding.</a:t>
+            </a:r>
+          </a:p>
+          <a:p>
+            <a:pPr lvl="1"/>
+            <a:r>
+              <a:rPr lang="en-US" dirty="0"/>
+              <a:t>Can use </a:t>
+            </a:r>
+            <a:r>
+              <a:rPr lang="en-US" dirty="0" err="1">
+                <a:latin typeface="Consolas" panose="020B0609020204030204" pitchFamily="49" charset="0"/>
+              </a:rPr>
+              <a:t>sklearn.preprocessing.LabelBinarizer</a:t>
+            </a:r>
+            <a:r>
+              <a:rPr lang="en-US" dirty="0"/>
+              <a:t> class to automatically do this.</a:t>
+            </a:r>
+          </a:p>
+          <a:p>
+            <a:pPr lvl="1"/>
+            <a:endParaRPr lang="en-US" dirty="0"/>
           </a:p>
         </p:txBody>
       </p:sp>
     </p:spTree>
     <p:extLst>
       <p:ext uri="{BB962C8B-B14F-4D97-AF65-F5344CB8AC3E}">
-        <p14:creationId xmlns:p14="http://schemas.microsoft.com/office/powerpoint/2010/main" val="1739588826"/>
+        <p14:creationId xmlns:p14="http://schemas.microsoft.com/office/powerpoint/2010/main" val="2846518599"/>
       </p:ext>
     </p:extLst>
   </p:cSld>
@@ -25676,36 +26309,68 @@
           <a:p>
             <a:r>
               <a:rPr lang="en-US" dirty="0"/>
-              <a:t>Why accuracy alone isn’t enough</a:t>
+              <a:t>Overview</a:t>
             </a:r>
           </a:p>
           <a:p>
             <a:pPr lvl="1"/>
             <a:r>
               <a:rPr lang="en-US" dirty="0"/>
-              <a:t>High importance of not getting false positives or false negatives</a:t>
+              <a:t>Why accuracy isn’t enough</a:t>
+            </a:r>
+          </a:p>
+          <a:p>
+            <a:pPr lvl="1"/>
+            <a:r>
+              <a:rPr lang="en-US" dirty="0"/>
+              <a:t>Precision = TP/(TP+FP)</a:t>
+            </a:r>
+          </a:p>
+          <a:p>
+            <a:pPr lvl="1"/>
+            <a:r>
+              <a:rPr lang="en-US" dirty="0"/>
+              <a:t>Recall (True Positive Rate, Sensitivity)</a:t>
+            </a:r>
+          </a:p>
+          <a:p>
+            <a:pPr lvl="1"/>
+            <a:r>
+              <a:rPr lang="en-US" dirty="0"/>
+              <a:t>False Positive Rate</a:t>
+            </a:r>
+          </a:p>
+          <a:p>
+            <a:pPr lvl="1"/>
+            <a:r>
+              <a:rPr lang="en-US" dirty="0"/>
+              <a:t>Specificity (True Negative Rate)</a:t>
+            </a:r>
+          </a:p>
+          <a:p>
+            <a:pPr lvl="1"/>
+            <a:r>
+              <a:rPr lang="en-US" dirty="0"/>
+              <a:t>Confusion Matrix</a:t>
+            </a:r>
+          </a:p>
+          <a:p>
+            <a:pPr lvl="1"/>
+            <a:r>
+              <a:rPr lang="en-US" dirty="0"/>
+              <a:t>Accuracy</a:t>
             </a:r>
           </a:p>
           <a:p>
             <a:pPr lvl="2"/>
-            <a:r>
-              <a:rPr lang="en-US" dirty="0"/>
-              <a:t>Predicting a false negative for something like cancer recognition is much less preferred than predicting a false positive.</a:t>
-            </a:r>
-          </a:p>
-          <a:p>
-            <a:pPr lvl="3"/>
-            <a:r>
-              <a:rPr lang="en-US" dirty="0"/>
-              <a:t>i.e. we would rather have the model incorrectly predict a benign tumor is malignant vs predict a malignant tumor benign.</a:t>
-            </a:r>
+            <a:endParaRPr lang="en-US" dirty="0"/>
           </a:p>
         </p:txBody>
       </p:sp>
     </p:spTree>
     <p:extLst>
       <p:ext uri="{BB962C8B-B14F-4D97-AF65-F5344CB8AC3E}">
-        <p14:creationId xmlns:p14="http://schemas.microsoft.com/office/powerpoint/2010/main" val="4198823531"/>
+        <p14:creationId xmlns:p14="http://schemas.microsoft.com/office/powerpoint/2010/main" val="3169363239"/>
       </p:ext>
     </p:extLst>
   </p:cSld>
@@ -25797,32 +26462,86 @@
           <a:p>
             <a:r>
               <a:rPr lang="en-US" dirty="0"/>
-              <a:t>Precision</a:t>
+              <a:t>Overview</a:t>
             </a:r>
           </a:p>
           <a:p>
             <a:pPr lvl="1"/>
             <a:r>
               <a:rPr lang="en-US" dirty="0"/>
-              <a:t>TP/(TP+FP)</a:t>
+              <a:t>Precision Recall Curves</a:t>
+            </a:r>
+          </a:p>
+          <a:p>
+            <a:pPr lvl="2"/>
+            <a:r>
+              <a:rPr lang="en-US" dirty="0" err="1"/>
+              <a:t>precision_recall_curve</a:t>
+            </a:r>
+            <a:r>
+              <a:rPr lang="en-US" dirty="0"/>
+              <a:t>()</a:t>
             </a:r>
           </a:p>
           <a:p>
             <a:pPr lvl="1"/>
             <a:r>
               <a:rPr lang="en-US" dirty="0"/>
-              <a:t>Can achieve 100% if a single prediction is made and it is correct. </a:t>
+              <a:t>Receiver Operating Characteristics (ROC) Curve</a:t>
             </a:r>
           </a:p>
           <a:p>
             <a:pPr lvl="2"/>
             <a:r>
-              <a:rPr lang="en-US" dirty="0"/>
-              <a:t>Must look at other metrics.</a:t>
+              <a:rPr lang="en-US" dirty="0" err="1"/>
+              <a:t>roc_curve</a:t>
+            </a:r>
+            <a:r>
+              <a:rPr lang="en-US" dirty="0"/>
+              <a:t>()</a:t>
+            </a:r>
+          </a:p>
+          <a:p>
+            <a:pPr lvl="1"/>
+            <a:r>
+              <a:rPr lang="en-US" dirty="0"/>
+              <a:t>Area Under the Curve (AUC)</a:t>
             </a:r>
           </a:p>
           <a:p>
             <a:pPr lvl="2"/>
+            <a:r>
+              <a:rPr lang="en-US" dirty="0" err="1"/>
+              <a:t>roc_auc_score</a:t>
+            </a:r>
+            <a:r>
+              <a:rPr lang="en-US" dirty="0"/>
+              <a:t>() </a:t>
+            </a:r>
+          </a:p>
+          <a:p>
+            <a:pPr lvl="1"/>
+            <a:r>
+              <a:rPr lang="en-US" dirty="0"/>
+              <a:t>Mean Squared Error</a:t>
+            </a:r>
+          </a:p>
+          <a:p>
+            <a:pPr lvl="2"/>
+            <a:r>
+              <a:rPr lang="en-US" dirty="0" err="1"/>
+              <a:t>mse</a:t>
+            </a:r>
+            <a:endParaRPr lang="en-US" dirty="0"/>
+          </a:p>
+          <a:p>
+            <a:pPr lvl="2"/>
+            <a:endParaRPr lang="en-US" dirty="0"/>
+          </a:p>
+          <a:p>
+            <a:pPr marL="914400" lvl="2" indent="0">
+              <a:buNone/>
+            </a:pPr>
             <a:endParaRPr lang="en-US" dirty="0"/>
           </a:p>
         </p:txBody>
@@ -25830,7 +26549,7 @@
     </p:spTree>
     <p:extLst>
       <p:ext uri="{BB962C8B-B14F-4D97-AF65-F5344CB8AC3E}">
-        <p14:creationId xmlns:p14="http://schemas.microsoft.com/office/powerpoint/2010/main" val="3349679697"/>
+        <p14:creationId xmlns:p14="http://schemas.microsoft.com/office/powerpoint/2010/main" val="1637459971"/>
       </p:ext>
     </p:extLst>
   </p:cSld>
@@ -25922,40 +26641,29 @@
           <a:p>
             <a:r>
               <a:rPr lang="en-US" dirty="0"/>
-              <a:t>Recall </a:t>
+              <a:t>Why accuracy alone isn’t enough</a:t>
             </a:r>
           </a:p>
           <a:p>
             <a:pPr lvl="1"/>
             <a:r>
               <a:rPr lang="en-US" dirty="0"/>
-              <a:t>TP/(TP+FN)</a:t>
-            </a:r>
-          </a:p>
-          <a:p>
-            <a:pPr lvl="1"/>
-            <a:r>
-              <a:rPr lang="en-US" dirty="0"/>
-              <a:t>A.k.a. True Positive Rate</a:t>
-            </a:r>
-          </a:p>
-          <a:p>
-            <a:pPr lvl="1"/>
-            <a:r>
-              <a:rPr lang="en-US" dirty="0"/>
-              <a:t>A.k.a. Sensitivity</a:t>
+              <a:t>Skewed datasets</a:t>
             </a:r>
           </a:p>
           <a:p>
             <a:pPr lvl="2"/>
-            <a:endParaRPr lang="en-US" dirty="0"/>
+            <a:r>
+              <a:rPr lang="en-US" dirty="0"/>
+              <a:t>If the dataset contains many more targets of one classification vs another, it is very easy to get high accuracy by just guessing the most likely class.</a:t>
+            </a:r>
           </a:p>
         </p:txBody>
       </p:sp>
     </p:spTree>
     <p:extLst>
       <p:ext uri="{BB962C8B-B14F-4D97-AF65-F5344CB8AC3E}">
-        <p14:creationId xmlns:p14="http://schemas.microsoft.com/office/powerpoint/2010/main" val="3198591611"/>
+        <p14:creationId xmlns:p14="http://schemas.microsoft.com/office/powerpoint/2010/main" val="1739588826"/>
       </p:ext>
     </p:extLst>
   </p:cSld>
@@ -26047,26 +26755,36 @@
           <a:p>
             <a:r>
               <a:rPr lang="en-US" dirty="0"/>
-              <a:t>False Positive Rate</a:t>
+              <a:t>Why accuracy alone isn’t enough</a:t>
             </a:r>
           </a:p>
           <a:p>
             <a:pPr lvl="1"/>
             <a:r>
               <a:rPr lang="en-US" dirty="0"/>
-              <a:t>FP/(TP+FN) = 1-TNR</a:t>
+              <a:t>High importance of not getting false positives or false negatives</a:t>
             </a:r>
           </a:p>
           <a:p>
             <a:pPr lvl="2"/>
-            <a:endParaRPr lang="en-US" dirty="0"/>
+            <a:r>
+              <a:rPr lang="en-US" dirty="0"/>
+              <a:t>Predicting a false negative for something like cancer recognition is much less preferred than predicting a false positive.</a:t>
+            </a:r>
+          </a:p>
+          <a:p>
+            <a:pPr lvl="3"/>
+            <a:r>
+              <a:rPr lang="en-US" dirty="0"/>
+              <a:t>i.e. we would rather have the model incorrectly predict a benign tumor is malignant vs predict a malignant tumor benign.</a:t>
+            </a:r>
           </a:p>
         </p:txBody>
       </p:sp>
     </p:spTree>
     <p:extLst>
       <p:ext uri="{BB962C8B-B14F-4D97-AF65-F5344CB8AC3E}">
-        <p14:creationId xmlns:p14="http://schemas.microsoft.com/office/powerpoint/2010/main" val="143541806"/>
+        <p14:creationId xmlns:p14="http://schemas.microsoft.com/office/powerpoint/2010/main" val="4198823531"/>
       </p:ext>
     </p:extLst>
   </p:cSld>
@@ -26158,14 +26876,7 @@
           <a:p>
             <a:r>
               <a:rPr lang="en-US" dirty="0"/>
-              <a:t>True Negative Rate</a:t>
-            </a:r>
-          </a:p>
-          <a:p>
-            <a:pPr lvl="1"/>
-            <a:r>
-              <a:rPr lang="en-US" dirty="0"/>
-              <a:t>TN/(TN+FP) = 1-FNR</a:t>
+              <a:t>Except for mean squared error, all of these methods apply to classification trainers and models.</a:t>
             </a:r>
           </a:p>
           <a:p>
@@ -26177,7 +26888,7 @@
     </p:spTree>
     <p:extLst>
       <p:ext uri="{BB962C8B-B14F-4D97-AF65-F5344CB8AC3E}">
-        <p14:creationId xmlns:p14="http://schemas.microsoft.com/office/powerpoint/2010/main" val="3682867896"/>
+        <p14:creationId xmlns:p14="http://schemas.microsoft.com/office/powerpoint/2010/main" val="3349679697"/>
       </p:ext>
     </p:extLst>
   </p:cSld>
@@ -26269,7 +26980,28 @@
           <a:p>
             <a:r>
               <a:rPr lang="en-US" dirty="0"/>
-              <a:t>Increasing precision decreases recall, and vice versa.</a:t>
+              <a:t>Precision</a:t>
+            </a:r>
+          </a:p>
+          <a:p>
+            <a:pPr lvl="1"/>
+            <a:r>
+              <a:rPr lang="en-US" dirty="0"/>
+              <a:t>TP/(TP+FP)</a:t>
+            </a:r>
+          </a:p>
+          <a:p>
+            <a:pPr lvl="1"/>
+            <a:r>
+              <a:rPr lang="en-US" dirty="0"/>
+              <a:t>Can achieve 100% if a single prediction is made and it is correct. </a:t>
+            </a:r>
+          </a:p>
+          <a:p>
+            <a:pPr lvl="2"/>
+            <a:r>
+              <a:rPr lang="en-US" dirty="0"/>
+              <a:t>Must look at other metrics.</a:t>
             </a:r>
           </a:p>
           <a:p>
@@ -26281,7 +27013,7 @@
     </p:spTree>
     <p:extLst>
       <p:ext uri="{BB962C8B-B14F-4D97-AF65-F5344CB8AC3E}">
-        <p14:creationId xmlns:p14="http://schemas.microsoft.com/office/powerpoint/2010/main" val="3636146055"/>
+        <p14:creationId xmlns:p14="http://schemas.microsoft.com/office/powerpoint/2010/main" val="4078467942"/>
       </p:ext>
     </p:extLst>
   </p:cSld>
@@ -26373,50 +27105,40 @@
           <a:p>
             <a:r>
               <a:rPr lang="en-US" dirty="0"/>
-              <a:t>Confusion Matrix</a:t>
+              <a:t>Recall </a:t>
             </a:r>
           </a:p>
           <a:p>
             <a:pPr lvl="1"/>
             <a:r>
               <a:rPr lang="en-US" dirty="0"/>
-              <a:t>2-dimensional data table</a:t>
+              <a:t>TP/(TP+FN)</a:t>
             </a:r>
           </a:p>
           <a:p>
             <a:pPr lvl="1"/>
             <a:r>
               <a:rPr lang="en-US" dirty="0"/>
-              <a:t>Measure of how “confused” our model is.</a:t>
+              <a:t>A.k.a. True Positive Rate</a:t>
             </a:r>
           </a:p>
           <a:p>
             <a:pPr lvl="1"/>
             <a:r>
               <a:rPr lang="en-US" dirty="0"/>
-              <a:t>Each cell shows how many classifications were predicted, and what the actual target was.</a:t>
-            </a:r>
-          </a:p>
-          <a:p>
-            <a:pPr lvl="1"/>
-            <a:r>
-              <a:rPr lang="en-US" dirty="0"/>
-              <a:t>Rows are actual targets</a:t>
-            </a:r>
-          </a:p>
-          <a:p>
-            <a:pPr lvl="1"/>
-            <a:r>
-              <a:rPr lang="en-US" dirty="0"/>
-              <a:t>Columns are predicted targets</a:t>
-            </a:r>
+              <a:t>A.k.a. Sensitivity</a:t>
+            </a:r>
+          </a:p>
+          <a:p>
+            <a:pPr lvl="2"/>
+            <a:endParaRPr lang="en-US" dirty="0"/>
           </a:p>
         </p:txBody>
       </p:sp>
     </p:spTree>
     <p:extLst>
       <p:ext uri="{BB962C8B-B14F-4D97-AF65-F5344CB8AC3E}">
-        <p14:creationId xmlns:p14="http://schemas.microsoft.com/office/powerpoint/2010/main" val="796492218"/>
+        <p14:creationId xmlns:p14="http://schemas.microsoft.com/office/powerpoint/2010/main" val="3198591611"/>
       </p:ext>
     </p:extLst>
   </p:cSld>
@@ -26508,52 +27230,26 @@
           <a:p>
             <a:r>
               <a:rPr lang="en-US" dirty="0"/>
-              <a:t>Confusion Matrix</a:t>
+              <a:t>False Positive Rate</a:t>
             </a:r>
           </a:p>
           <a:p>
             <a:pPr lvl="1"/>
             <a:r>
               <a:rPr lang="en-US" dirty="0"/>
-              <a:t>Example</a:t>
-            </a:r>
-          </a:p>
-        </p:txBody>
-      </p:sp>
-      <p:pic>
-        <p:nvPicPr>
-          <p:cNvPr id="6" name="Picture 5">
-            <a:extLst>
-              <a:ext uri="{FF2B5EF4-FFF2-40B4-BE49-F238E27FC236}">
-                <a16:creationId xmlns:a16="http://schemas.microsoft.com/office/drawing/2014/main" id="{3B766A84-1E2A-483B-BF7E-7B1DC1636DB9}"/>
-              </a:ext>
-            </a:extLst>
-          </p:cNvPr>
-          <p:cNvPicPr>
-            <a:picLocks noChangeAspect="1"/>
-          </p:cNvPicPr>
-          <p:nvPr/>
-        </p:nvPicPr>
-        <p:blipFill>
-          <a:blip r:embed="rId5"/>
-          <a:stretch>
-            <a:fillRect/>
-          </a:stretch>
-        </p:blipFill>
-        <p:spPr>
-          <a:xfrm>
-            <a:off x="2806072" y="2754312"/>
-            <a:ext cx="3531856" cy="3790950"/>
-          </a:xfrm>
-          <a:prstGeom prst="rect">
-            <a:avLst/>
-          </a:prstGeom>
-        </p:spPr>
-      </p:pic>
+              <a:t>FP/(TP+FN) = 1-TNR</a:t>
+            </a:r>
+          </a:p>
+          <a:p>
+            <a:pPr lvl="2"/>
+            <a:endParaRPr lang="en-US" dirty="0"/>
+          </a:p>
+        </p:txBody>
+      </p:sp>
     </p:spTree>
     <p:extLst>
       <p:ext uri="{BB962C8B-B14F-4D97-AF65-F5344CB8AC3E}">
-        <p14:creationId xmlns:p14="http://schemas.microsoft.com/office/powerpoint/2010/main" val="3703476854"/>
+        <p14:creationId xmlns:p14="http://schemas.microsoft.com/office/powerpoint/2010/main" val="143541806"/>
       </p:ext>
     </p:extLst>
   </p:cSld>
@@ -28503,6 +29199,221 @@
 </a:themeOverride>
 </file>
 
+<file path=ppt/theme/themeOverride121.xml><?xml version="1.0" encoding="utf-8"?>
+<a:themeOverride xmlns:a="http://schemas.openxmlformats.org/drawingml/2006/main">
+  <a:clrScheme name="Custom 2">
+    <a:dk1>
+      <a:srgbClr val="EFEFEF"/>
+    </a:dk1>
+    <a:lt1>
+      <a:srgbClr val="EFEFEF"/>
+    </a:lt1>
+    <a:dk2>
+      <a:srgbClr val="053E7D"/>
+    </a:dk2>
+    <a:lt2>
+      <a:srgbClr val="FFFFFF"/>
+    </a:lt2>
+    <a:accent1>
+      <a:srgbClr val="EFEFEF"/>
+    </a:accent1>
+    <a:accent2>
+      <a:srgbClr val="EFEFEF"/>
+    </a:accent2>
+    <a:accent3>
+      <a:srgbClr val="EFEFEF"/>
+    </a:accent3>
+    <a:accent4>
+      <a:srgbClr val="808080"/>
+    </a:accent4>
+    <a:accent5>
+      <a:srgbClr val="5F5F5F"/>
+    </a:accent5>
+    <a:accent6>
+      <a:srgbClr val="4D4D4D"/>
+    </a:accent6>
+    <a:hlink>
+      <a:srgbClr val="B5D7FC"/>
+    </a:hlink>
+    <a:folHlink>
+      <a:srgbClr val="919191"/>
+    </a:folHlink>
+  </a:clrScheme>
+</a:themeOverride>
+</file>
+
+<file path=ppt/theme/themeOverride122.xml><?xml version="1.0" encoding="utf-8"?>
+<a:themeOverride xmlns:a="http://schemas.openxmlformats.org/drawingml/2006/main">
+  <a:clrScheme name="Custom 2">
+    <a:dk1>
+      <a:srgbClr val="EFEFEF"/>
+    </a:dk1>
+    <a:lt1>
+      <a:srgbClr val="EFEFEF"/>
+    </a:lt1>
+    <a:dk2>
+      <a:srgbClr val="053E7D"/>
+    </a:dk2>
+    <a:lt2>
+      <a:srgbClr val="FFFFFF"/>
+    </a:lt2>
+    <a:accent1>
+      <a:srgbClr val="EFEFEF"/>
+    </a:accent1>
+    <a:accent2>
+      <a:srgbClr val="EFEFEF"/>
+    </a:accent2>
+    <a:accent3>
+      <a:srgbClr val="EFEFEF"/>
+    </a:accent3>
+    <a:accent4>
+      <a:srgbClr val="808080"/>
+    </a:accent4>
+    <a:accent5>
+      <a:srgbClr val="5F5F5F"/>
+    </a:accent5>
+    <a:accent6>
+      <a:srgbClr val="4D4D4D"/>
+    </a:accent6>
+    <a:hlink>
+      <a:srgbClr val="B5D7FC"/>
+    </a:hlink>
+    <a:folHlink>
+      <a:srgbClr val="919191"/>
+    </a:folHlink>
+  </a:clrScheme>
+</a:themeOverride>
+</file>
+
+<file path=ppt/theme/themeOverride123.xml><?xml version="1.0" encoding="utf-8"?>
+<a:themeOverride xmlns:a="http://schemas.openxmlformats.org/drawingml/2006/main">
+  <a:clrScheme name="Custom 2">
+    <a:dk1>
+      <a:srgbClr val="EFEFEF"/>
+    </a:dk1>
+    <a:lt1>
+      <a:srgbClr val="EFEFEF"/>
+    </a:lt1>
+    <a:dk2>
+      <a:srgbClr val="053E7D"/>
+    </a:dk2>
+    <a:lt2>
+      <a:srgbClr val="FFFFFF"/>
+    </a:lt2>
+    <a:accent1>
+      <a:srgbClr val="EFEFEF"/>
+    </a:accent1>
+    <a:accent2>
+      <a:srgbClr val="EFEFEF"/>
+    </a:accent2>
+    <a:accent3>
+      <a:srgbClr val="EFEFEF"/>
+    </a:accent3>
+    <a:accent4>
+      <a:srgbClr val="808080"/>
+    </a:accent4>
+    <a:accent5>
+      <a:srgbClr val="5F5F5F"/>
+    </a:accent5>
+    <a:accent6>
+      <a:srgbClr val="4D4D4D"/>
+    </a:accent6>
+    <a:hlink>
+      <a:srgbClr val="B5D7FC"/>
+    </a:hlink>
+    <a:folHlink>
+      <a:srgbClr val="919191"/>
+    </a:folHlink>
+  </a:clrScheme>
+</a:themeOverride>
+</file>
+
+<file path=ppt/theme/themeOverride124.xml><?xml version="1.0" encoding="utf-8"?>
+<a:themeOverride xmlns:a="http://schemas.openxmlformats.org/drawingml/2006/main">
+  <a:clrScheme name="Custom 2">
+    <a:dk1>
+      <a:srgbClr val="EFEFEF"/>
+    </a:dk1>
+    <a:lt1>
+      <a:srgbClr val="EFEFEF"/>
+    </a:lt1>
+    <a:dk2>
+      <a:srgbClr val="053E7D"/>
+    </a:dk2>
+    <a:lt2>
+      <a:srgbClr val="FFFFFF"/>
+    </a:lt2>
+    <a:accent1>
+      <a:srgbClr val="EFEFEF"/>
+    </a:accent1>
+    <a:accent2>
+      <a:srgbClr val="EFEFEF"/>
+    </a:accent2>
+    <a:accent3>
+      <a:srgbClr val="EFEFEF"/>
+    </a:accent3>
+    <a:accent4>
+      <a:srgbClr val="808080"/>
+    </a:accent4>
+    <a:accent5>
+      <a:srgbClr val="5F5F5F"/>
+    </a:accent5>
+    <a:accent6>
+      <a:srgbClr val="4D4D4D"/>
+    </a:accent6>
+    <a:hlink>
+      <a:srgbClr val="B5D7FC"/>
+    </a:hlink>
+    <a:folHlink>
+      <a:srgbClr val="919191"/>
+    </a:folHlink>
+  </a:clrScheme>
+</a:themeOverride>
+</file>
+
+<file path=ppt/theme/themeOverride125.xml><?xml version="1.0" encoding="utf-8"?>
+<a:themeOverride xmlns:a="http://schemas.openxmlformats.org/drawingml/2006/main">
+  <a:clrScheme name="Custom 2">
+    <a:dk1>
+      <a:srgbClr val="EFEFEF"/>
+    </a:dk1>
+    <a:lt1>
+      <a:srgbClr val="EFEFEF"/>
+    </a:lt1>
+    <a:dk2>
+      <a:srgbClr val="053E7D"/>
+    </a:dk2>
+    <a:lt2>
+      <a:srgbClr val="FFFFFF"/>
+    </a:lt2>
+    <a:accent1>
+      <a:srgbClr val="EFEFEF"/>
+    </a:accent1>
+    <a:accent2>
+      <a:srgbClr val="EFEFEF"/>
+    </a:accent2>
+    <a:accent3>
+      <a:srgbClr val="EFEFEF"/>
+    </a:accent3>
+    <a:accent4>
+      <a:srgbClr val="808080"/>
+    </a:accent4>
+    <a:accent5>
+      <a:srgbClr val="5F5F5F"/>
+    </a:accent5>
+    <a:accent6>
+      <a:srgbClr val="4D4D4D"/>
+    </a:accent6>
+    <a:hlink>
+      <a:srgbClr val="B5D7FC"/>
+    </a:hlink>
+    <a:folHlink>
+      <a:srgbClr val="919191"/>
+    </a:folHlink>
+  </a:clrScheme>
+</a:themeOverride>
+</file>
+
 <file path=ppt/theme/themeOverride13.xml><?xml version="1.0" encoding="utf-8"?>
 <a:themeOverride xmlns:a="http://schemas.openxmlformats.org/drawingml/2006/main">
   <a:clrScheme name="Custom 2">

--- a/Session 7 - Python/Instructional Material/Session 7 - Python Brief Intro to Machine Learning with Scikit Learn.pptx
+++ b/Session 7 - Python/Instructional Material/Session 7 - Python Brief Intro to Machine Learning with Scikit Learn.pptx
@@ -6,7 +6,7 @@
     <p:sldMasterId id="2147483660" r:id="rId2"/>
   </p:sldMasterIdLst>
   <p:notesMasterIdLst>
-    <p:notesMasterId r:id="rId133"/>
+    <p:notesMasterId r:id="rId134"/>
   </p:notesMasterIdLst>
   <p:sldIdLst>
     <p:sldId id="256" r:id="rId3"/>
@@ -70,75 +70,76 @@
     <p:sldId id="461" r:id="rId61"/>
     <p:sldId id="465" r:id="rId62"/>
     <p:sldId id="464" r:id="rId63"/>
-    <p:sldId id="466" r:id="rId64"/>
-    <p:sldId id="463" r:id="rId65"/>
-    <p:sldId id="467" r:id="rId66"/>
-    <p:sldId id="437" r:id="rId67"/>
-    <p:sldId id="451" r:id="rId68"/>
-    <p:sldId id="452" r:id="rId69"/>
-    <p:sldId id="468" r:id="rId70"/>
-    <p:sldId id="469" r:id="rId71"/>
-    <p:sldId id="391" r:id="rId72"/>
-    <p:sldId id="428" r:id="rId73"/>
-    <p:sldId id="438" r:id="rId74"/>
-    <p:sldId id="427" r:id="rId75"/>
-    <p:sldId id="441" r:id="rId76"/>
-    <p:sldId id="396" r:id="rId77"/>
-    <p:sldId id="432" r:id="rId78"/>
-    <p:sldId id="431" r:id="rId79"/>
-    <p:sldId id="430" r:id="rId80"/>
-    <p:sldId id="434" r:id="rId81"/>
-    <p:sldId id="439" r:id="rId82"/>
-    <p:sldId id="440" r:id="rId83"/>
-    <p:sldId id="414" r:id="rId84"/>
-    <p:sldId id="433" r:id="rId85"/>
-    <p:sldId id="442" r:id="rId86"/>
-    <p:sldId id="443" r:id="rId87"/>
-    <p:sldId id="397" r:id="rId88"/>
-    <p:sldId id="505" r:id="rId89"/>
-    <p:sldId id="376" r:id="rId90"/>
-    <p:sldId id="516" r:id="rId91"/>
-    <p:sldId id="518" r:id="rId92"/>
-    <p:sldId id="517" r:id="rId93"/>
-    <p:sldId id="445" r:id="rId94"/>
-    <p:sldId id="485" r:id="rId95"/>
-    <p:sldId id="475" r:id="rId96"/>
-    <p:sldId id="478" r:id="rId97"/>
-    <p:sldId id="486" r:id="rId98"/>
-    <p:sldId id="513" r:id="rId99"/>
-    <p:sldId id="489" r:id="rId100"/>
-    <p:sldId id="492" r:id="rId101"/>
-    <p:sldId id="493" r:id="rId102"/>
-    <p:sldId id="490" r:id="rId103"/>
-    <p:sldId id="477" r:id="rId104"/>
-    <p:sldId id="484" r:id="rId105"/>
-    <p:sldId id="491" r:id="rId106"/>
-    <p:sldId id="482" r:id="rId107"/>
-    <p:sldId id="483" r:id="rId108"/>
-    <p:sldId id="480" r:id="rId109"/>
-    <p:sldId id="481" r:id="rId110"/>
-    <p:sldId id="488" r:id="rId111"/>
-    <p:sldId id="487" r:id="rId112"/>
-    <p:sldId id="476" r:id="rId113"/>
-    <p:sldId id="384" r:id="rId114"/>
-    <p:sldId id="506" r:id="rId115"/>
-    <p:sldId id="508" r:id="rId116"/>
-    <p:sldId id="509" r:id="rId117"/>
-    <p:sldId id="510" r:id="rId118"/>
-    <p:sldId id="472" r:id="rId119"/>
-    <p:sldId id="511" r:id="rId120"/>
-    <p:sldId id="512" r:id="rId121"/>
-    <p:sldId id="385" r:id="rId122"/>
-    <p:sldId id="400" r:id="rId123"/>
-    <p:sldId id="473" r:id="rId124"/>
-    <p:sldId id="386" r:id="rId125"/>
-    <p:sldId id="507" r:id="rId126"/>
-    <p:sldId id="470" r:id="rId127"/>
-    <p:sldId id="471" r:id="rId128"/>
-    <p:sldId id="514" r:id="rId129"/>
-    <p:sldId id="375" r:id="rId130"/>
-    <p:sldId id="460" r:id="rId131"/>
-    <p:sldId id="411" r:id="rId132"/>
+    <p:sldId id="519" r:id="rId64"/>
+    <p:sldId id="466" r:id="rId65"/>
+    <p:sldId id="463" r:id="rId66"/>
+    <p:sldId id="467" r:id="rId67"/>
+    <p:sldId id="437" r:id="rId68"/>
+    <p:sldId id="451" r:id="rId69"/>
+    <p:sldId id="452" r:id="rId70"/>
+    <p:sldId id="468" r:id="rId71"/>
+    <p:sldId id="469" r:id="rId72"/>
+    <p:sldId id="391" r:id="rId73"/>
+    <p:sldId id="428" r:id="rId74"/>
+    <p:sldId id="438" r:id="rId75"/>
+    <p:sldId id="427" r:id="rId76"/>
+    <p:sldId id="441" r:id="rId77"/>
+    <p:sldId id="396" r:id="rId78"/>
+    <p:sldId id="432" r:id="rId79"/>
+    <p:sldId id="431" r:id="rId80"/>
+    <p:sldId id="430" r:id="rId81"/>
+    <p:sldId id="434" r:id="rId82"/>
+    <p:sldId id="439" r:id="rId83"/>
+    <p:sldId id="440" r:id="rId84"/>
+    <p:sldId id="414" r:id="rId85"/>
+    <p:sldId id="433" r:id="rId86"/>
+    <p:sldId id="442" r:id="rId87"/>
+    <p:sldId id="443" r:id="rId88"/>
+    <p:sldId id="397" r:id="rId89"/>
+    <p:sldId id="505" r:id="rId90"/>
+    <p:sldId id="376" r:id="rId91"/>
+    <p:sldId id="516" r:id="rId92"/>
+    <p:sldId id="518" r:id="rId93"/>
+    <p:sldId id="517" r:id="rId94"/>
+    <p:sldId id="445" r:id="rId95"/>
+    <p:sldId id="485" r:id="rId96"/>
+    <p:sldId id="475" r:id="rId97"/>
+    <p:sldId id="478" r:id="rId98"/>
+    <p:sldId id="486" r:id="rId99"/>
+    <p:sldId id="513" r:id="rId100"/>
+    <p:sldId id="489" r:id="rId101"/>
+    <p:sldId id="492" r:id="rId102"/>
+    <p:sldId id="493" r:id="rId103"/>
+    <p:sldId id="490" r:id="rId104"/>
+    <p:sldId id="477" r:id="rId105"/>
+    <p:sldId id="484" r:id="rId106"/>
+    <p:sldId id="491" r:id="rId107"/>
+    <p:sldId id="482" r:id="rId108"/>
+    <p:sldId id="483" r:id="rId109"/>
+    <p:sldId id="480" r:id="rId110"/>
+    <p:sldId id="481" r:id="rId111"/>
+    <p:sldId id="488" r:id="rId112"/>
+    <p:sldId id="487" r:id="rId113"/>
+    <p:sldId id="476" r:id="rId114"/>
+    <p:sldId id="384" r:id="rId115"/>
+    <p:sldId id="506" r:id="rId116"/>
+    <p:sldId id="508" r:id="rId117"/>
+    <p:sldId id="509" r:id="rId118"/>
+    <p:sldId id="510" r:id="rId119"/>
+    <p:sldId id="472" r:id="rId120"/>
+    <p:sldId id="511" r:id="rId121"/>
+    <p:sldId id="512" r:id="rId122"/>
+    <p:sldId id="385" r:id="rId123"/>
+    <p:sldId id="400" r:id="rId124"/>
+    <p:sldId id="473" r:id="rId125"/>
+    <p:sldId id="386" r:id="rId126"/>
+    <p:sldId id="507" r:id="rId127"/>
+    <p:sldId id="470" r:id="rId128"/>
+    <p:sldId id="471" r:id="rId129"/>
+    <p:sldId id="514" r:id="rId130"/>
+    <p:sldId id="375" r:id="rId131"/>
+    <p:sldId id="460" r:id="rId132"/>
+    <p:sldId id="411" r:id="rId133"/>
   </p:sldIdLst>
   <p:sldSz cx="9144000" cy="6858000" type="screen4x3"/>
   <p:notesSz cx="6858000" cy="9144000"/>
@@ -338,7 +339,7 @@
           <a:p>
             <a:fld id="{CD3A85A8-362A-422C-AAFE-FA6D3B9BF6BA}" type="datetimeFigureOut">
               <a:rPr lang="en-US" smtClean="0"/>
-              <a:t>12/30/2021</a:t>
+              <a:t>1/4/2022</a:t>
             </a:fld>
             <a:endParaRPr lang="en-US"/>
           </a:p>
@@ -1993,7 +1994,7 @@
           <a:p>
             <a:fld id="{3E7B21C4-CE7A-4258-91FF-8CBB981279E1}" type="slidenum">
               <a:rPr lang="en-US" smtClean="0"/>
-              <a:t>65</a:t>
+              <a:t>66</a:t>
             </a:fld>
             <a:endParaRPr lang="en-US"/>
           </a:p>
@@ -2077,7 +2078,7 @@
           <a:p>
             <a:fld id="{3E7B21C4-CE7A-4258-91FF-8CBB981279E1}" type="slidenum">
               <a:rPr lang="en-US" smtClean="0"/>
-              <a:t>66</a:t>
+              <a:t>67</a:t>
             </a:fld>
             <a:endParaRPr lang="en-US"/>
           </a:p>
@@ -2161,7 +2162,7 @@
           <a:p>
             <a:fld id="{3E7B21C4-CE7A-4258-91FF-8CBB981279E1}" type="slidenum">
               <a:rPr lang="en-US" smtClean="0"/>
-              <a:t>67</a:t>
+              <a:t>68</a:t>
             </a:fld>
             <a:endParaRPr lang="en-US"/>
           </a:p>
@@ -2245,7 +2246,7 @@
           <a:p>
             <a:fld id="{3E7B21C4-CE7A-4258-91FF-8CBB981279E1}" type="slidenum">
               <a:rPr lang="en-US" smtClean="0"/>
-              <a:t>68</a:t>
+              <a:t>69</a:t>
             </a:fld>
             <a:endParaRPr lang="en-US"/>
           </a:p>
@@ -2332,7 +2333,7 @@
           <a:p>
             <a:fld id="{3E7B21C4-CE7A-4258-91FF-8CBB981279E1}" type="slidenum">
               <a:rPr lang="en-US" smtClean="0"/>
-              <a:t>69</a:t>
+              <a:t>70</a:t>
             </a:fld>
             <a:endParaRPr lang="en-US"/>
           </a:p>
@@ -3118,7 +3119,7 @@
           <a:p>
             <a:fld id="{547641E8-73DF-4AD2-848E-3103064331B1}" type="datetimeFigureOut">
               <a:rPr lang="en-US" smtClean="0"/>
-              <a:t>12/30/2021</a:t>
+              <a:t>1/4/2022</a:t>
             </a:fld>
             <a:endParaRPr lang="en-US"/>
           </a:p>
@@ -3286,7 +3287,7 @@
           <a:p>
             <a:fld id="{547641E8-73DF-4AD2-848E-3103064331B1}" type="datetimeFigureOut">
               <a:rPr lang="en-US" smtClean="0"/>
-              <a:t>12/30/2021</a:t>
+              <a:t>1/4/2022</a:t>
             </a:fld>
             <a:endParaRPr lang="en-US"/>
           </a:p>
@@ -3464,7 +3465,7 @@
           <a:p>
             <a:fld id="{547641E8-73DF-4AD2-848E-3103064331B1}" type="datetimeFigureOut">
               <a:rPr lang="en-US" smtClean="0"/>
-              <a:t>12/30/2021</a:t>
+              <a:t>1/4/2022</a:t>
             </a:fld>
             <a:endParaRPr lang="en-US"/>
           </a:p>
@@ -3711,7 +3712,7 @@
                 </a:solidFill>
               </a:rPr>
               <a:pPr/>
-              <a:t>12/30/2021</a:t>
+              <a:t>1/4/2022</a:t>
             </a:fld>
             <a:endParaRPr lang="en-US">
               <a:solidFill>
@@ -3911,7 +3912,7 @@
                 </a:solidFill>
               </a:rPr>
               <a:pPr/>
-              <a:t>12/30/2021</a:t>
+              <a:t>1/4/2022</a:t>
             </a:fld>
             <a:endParaRPr lang="en-US">
               <a:solidFill>
@@ -4188,7 +4189,7 @@
                 </a:solidFill>
               </a:rPr>
               <a:pPr/>
-              <a:t>12/30/2021</a:t>
+              <a:t>1/4/2022</a:t>
             </a:fld>
             <a:endParaRPr lang="en-US">
               <a:solidFill>
@@ -4505,7 +4506,7 @@
                 </a:solidFill>
               </a:rPr>
               <a:pPr/>
-              <a:t>12/30/2021</a:t>
+              <a:t>1/4/2022</a:t>
             </a:fld>
             <a:endParaRPr lang="en-US">
               <a:solidFill>
@@ -4956,7 +4957,7 @@
                 </a:solidFill>
               </a:rPr>
               <a:pPr/>
-              <a:t>12/30/2021</a:t>
+              <a:t>1/4/2022</a:t>
             </a:fld>
             <a:endParaRPr lang="en-US">
               <a:solidFill>
@@ -5105,7 +5106,7 @@
                 </a:solidFill>
               </a:rPr>
               <a:pPr/>
-              <a:t>12/30/2021</a:t>
+              <a:t>1/4/2022</a:t>
             </a:fld>
             <a:endParaRPr lang="en-US">
               <a:solidFill>
@@ -5232,7 +5233,7 @@
                 </a:solidFill>
               </a:rPr>
               <a:pPr/>
-              <a:t>12/30/2021</a:t>
+              <a:t>1/4/2022</a:t>
             </a:fld>
             <a:endParaRPr lang="en-US">
               <a:solidFill>
@@ -5539,7 +5540,7 @@
                 </a:solidFill>
               </a:rPr>
               <a:pPr/>
-              <a:t>12/30/2021</a:t>
+              <a:t>1/4/2022</a:t>
             </a:fld>
             <a:endParaRPr lang="en-US">
               <a:solidFill>
@@ -5732,7 +5733,7 @@
           <a:p>
             <a:fld id="{547641E8-73DF-4AD2-848E-3103064331B1}" type="datetimeFigureOut">
               <a:rPr lang="en-US" smtClean="0"/>
-              <a:t>12/30/2021</a:t>
+              <a:t>1/4/2022</a:t>
             </a:fld>
             <a:endParaRPr lang="en-US"/>
           </a:p>
@@ -5991,7 +5992,7 @@
                 </a:solidFill>
               </a:rPr>
               <a:pPr/>
-              <a:t>12/30/2021</a:t>
+              <a:t>1/4/2022</a:t>
             </a:fld>
             <a:endParaRPr lang="en-US">
               <a:solidFill>
@@ -6191,7 +6192,7 @@
                 </a:solidFill>
               </a:rPr>
               <a:pPr/>
-              <a:t>12/30/2021</a:t>
+              <a:t>1/4/2022</a:t>
             </a:fld>
             <a:endParaRPr lang="en-US">
               <a:solidFill>
@@ -6401,7 +6402,7 @@
                 </a:solidFill>
               </a:rPr>
               <a:pPr/>
-              <a:t>12/30/2021</a:t>
+              <a:t>1/4/2022</a:t>
             </a:fld>
             <a:endParaRPr lang="en-US">
               <a:solidFill>
@@ -6671,7 +6672,7 @@
           <a:p>
             <a:fld id="{547641E8-73DF-4AD2-848E-3103064331B1}" type="datetimeFigureOut">
               <a:rPr lang="en-US" smtClean="0"/>
-              <a:t>12/30/2021</a:t>
+              <a:t>1/4/2022</a:t>
             </a:fld>
             <a:endParaRPr lang="en-US"/>
           </a:p>
@@ -6956,7 +6957,7 @@
           <a:p>
             <a:fld id="{547641E8-73DF-4AD2-848E-3103064331B1}" type="datetimeFigureOut">
               <a:rPr lang="en-US" smtClean="0"/>
-              <a:t>12/30/2021</a:t>
+              <a:t>1/4/2022</a:t>
             </a:fld>
             <a:endParaRPr lang="en-US"/>
           </a:p>
@@ -7375,7 +7376,7 @@
           <a:p>
             <a:fld id="{547641E8-73DF-4AD2-848E-3103064331B1}" type="datetimeFigureOut">
               <a:rPr lang="en-US" smtClean="0"/>
-              <a:t>12/30/2021</a:t>
+              <a:t>1/4/2022</a:t>
             </a:fld>
             <a:endParaRPr lang="en-US"/>
           </a:p>
@@ -7492,7 +7493,7 @@
           <a:p>
             <a:fld id="{547641E8-73DF-4AD2-848E-3103064331B1}" type="datetimeFigureOut">
               <a:rPr lang="en-US" smtClean="0"/>
-              <a:t>12/30/2021</a:t>
+              <a:t>1/4/2022</a:t>
             </a:fld>
             <a:endParaRPr lang="en-US"/>
           </a:p>
@@ -7587,7 +7588,7 @@
           <a:p>
             <a:fld id="{547641E8-73DF-4AD2-848E-3103064331B1}" type="datetimeFigureOut">
               <a:rPr lang="en-US" smtClean="0"/>
-              <a:t>12/30/2021</a:t>
+              <a:t>1/4/2022</a:t>
             </a:fld>
             <a:endParaRPr lang="en-US"/>
           </a:p>
@@ -7862,7 +7863,7 @@
           <a:p>
             <a:fld id="{547641E8-73DF-4AD2-848E-3103064331B1}" type="datetimeFigureOut">
               <a:rPr lang="en-US" smtClean="0"/>
-              <a:t>12/30/2021</a:t>
+              <a:t>1/4/2022</a:t>
             </a:fld>
             <a:endParaRPr lang="en-US"/>
           </a:p>
@@ -8114,7 +8115,7 @@
           <a:p>
             <a:fld id="{547641E8-73DF-4AD2-848E-3103064331B1}" type="datetimeFigureOut">
               <a:rPr lang="en-US" smtClean="0"/>
-              <a:t>12/30/2021</a:t>
+              <a:t>1/4/2022</a:t>
             </a:fld>
             <a:endParaRPr lang="en-US"/>
           </a:p>
@@ -8328,7 +8329,7 @@
           <a:p>
             <a:fld id="{547641E8-73DF-4AD2-848E-3103064331B1}" type="datetimeFigureOut">
               <a:rPr lang="en-US" smtClean="0"/>
-              <a:t>12/30/2021</a:t>
+              <a:t>1/4/2022</a:t>
             </a:fld>
             <a:endParaRPr lang="en-US"/>
           </a:p>
@@ -8843,7 +8844,7 @@
                 </a:solidFill>
               </a:rPr>
               <a:pPr/>
-              <a:t>12/30/2021</a:t>
+              <a:t>1/4/2022</a:t>
             </a:fld>
             <a:endParaRPr lang="en-US">
               <a:solidFill>
@@ -9739,14 +9740,14 @@
           <a:p>
             <a:r>
               <a:rPr lang="en-US" dirty="0"/>
-              <a:t>True Negative Rate</a:t>
+              <a:t>False Positive Rate</a:t>
             </a:r>
           </a:p>
           <a:p>
             <a:pPr lvl="1"/>
             <a:r>
               <a:rPr lang="en-US" dirty="0"/>
-              <a:t>TN/(TN+FP) = 1-FNR</a:t>
+              <a:t>FP/(TP+FN) = 1-TNR</a:t>
             </a:r>
           </a:p>
           <a:p>
@@ -9758,7 +9759,7 @@
     </p:spTree>
     <p:extLst>
       <p:ext uri="{BB962C8B-B14F-4D97-AF65-F5344CB8AC3E}">
-        <p14:creationId xmlns:p14="http://schemas.microsoft.com/office/powerpoint/2010/main" val="3682867896"/>
+        <p14:creationId xmlns:p14="http://schemas.microsoft.com/office/powerpoint/2010/main" val="143541806"/>
       </p:ext>
     </p:extLst>
   </p:cSld>
@@ -9850,7 +9851,14 @@
           <a:p>
             <a:r>
               <a:rPr lang="en-US" dirty="0"/>
-              <a:t>Increasing precision decreases recall, and vice versa.</a:t>
+              <a:t>True Negative Rate</a:t>
+            </a:r>
+          </a:p>
+          <a:p>
+            <a:pPr lvl="1"/>
+            <a:r>
+              <a:rPr lang="en-US" dirty="0"/>
+              <a:t>TN/(TN+FP) = 1-FNR</a:t>
             </a:r>
           </a:p>
           <a:p>
@@ -9862,7 +9870,7 @@
     </p:spTree>
     <p:extLst>
       <p:ext uri="{BB962C8B-B14F-4D97-AF65-F5344CB8AC3E}">
-        <p14:creationId xmlns:p14="http://schemas.microsoft.com/office/powerpoint/2010/main" val="3636146055"/>
+        <p14:creationId xmlns:p14="http://schemas.microsoft.com/office/powerpoint/2010/main" val="3682867896"/>
       </p:ext>
     </p:extLst>
   </p:cSld>
@@ -9954,50 +9962,19 @@
           <a:p>
             <a:r>
               <a:rPr lang="en-US" dirty="0"/>
-              <a:t>Confusion Matrix</a:t>
-            </a:r>
-          </a:p>
-          <a:p>
-            <a:pPr lvl="1"/>
-            <a:r>
-              <a:rPr lang="en-US" dirty="0"/>
-              <a:t>2-dimensional data table</a:t>
-            </a:r>
-          </a:p>
-          <a:p>
-            <a:pPr lvl="1"/>
-            <a:r>
-              <a:rPr lang="en-US" dirty="0"/>
-              <a:t>Measure of how “confused” our model is.</a:t>
-            </a:r>
-          </a:p>
-          <a:p>
-            <a:pPr lvl="1"/>
-            <a:r>
-              <a:rPr lang="en-US" dirty="0"/>
-              <a:t>Each cell shows how many classifications were predicted, and what the actual target was.</a:t>
-            </a:r>
-          </a:p>
-          <a:p>
-            <a:pPr lvl="1"/>
-            <a:r>
-              <a:rPr lang="en-US" dirty="0"/>
-              <a:t>Rows are actual targets</a:t>
-            </a:r>
-          </a:p>
-          <a:p>
-            <a:pPr lvl="1"/>
-            <a:r>
-              <a:rPr lang="en-US" dirty="0"/>
-              <a:t>Columns are predicted targets</a:t>
-            </a:r>
+              <a:t>Increasing precision decreases recall, and vice versa.</a:t>
+            </a:r>
+          </a:p>
+          <a:p>
+            <a:pPr lvl="2"/>
+            <a:endParaRPr lang="en-US" dirty="0"/>
           </a:p>
         </p:txBody>
       </p:sp>
     </p:spTree>
     <p:extLst>
       <p:ext uri="{BB962C8B-B14F-4D97-AF65-F5344CB8AC3E}">
-        <p14:creationId xmlns:p14="http://schemas.microsoft.com/office/powerpoint/2010/main" val="796492218"/>
+        <p14:creationId xmlns:p14="http://schemas.microsoft.com/office/powerpoint/2010/main" val="3636146055"/>
       </p:ext>
     </p:extLst>
   </p:cSld>
@@ -10096,45 +10073,43 @@
             <a:pPr lvl="1"/>
             <a:r>
               <a:rPr lang="en-US" dirty="0"/>
-              <a:t>Example</a:t>
-            </a:r>
-          </a:p>
-        </p:txBody>
-      </p:sp>
-      <p:pic>
-        <p:nvPicPr>
-          <p:cNvPr id="6" name="Picture 5">
-            <a:extLst>
-              <a:ext uri="{FF2B5EF4-FFF2-40B4-BE49-F238E27FC236}">
-                <a16:creationId xmlns:a16="http://schemas.microsoft.com/office/drawing/2014/main" id="{3B766A84-1E2A-483B-BF7E-7B1DC1636DB9}"/>
-              </a:ext>
-            </a:extLst>
-          </p:cNvPr>
-          <p:cNvPicPr>
-            <a:picLocks noChangeAspect="1"/>
-          </p:cNvPicPr>
-          <p:nvPr/>
-        </p:nvPicPr>
-        <p:blipFill>
-          <a:blip r:embed="rId5"/>
-          <a:stretch>
-            <a:fillRect/>
-          </a:stretch>
-        </p:blipFill>
-        <p:spPr>
-          <a:xfrm>
-            <a:off x="2806072" y="2754312"/>
-            <a:ext cx="3531856" cy="3790950"/>
-          </a:xfrm>
-          <a:prstGeom prst="rect">
-            <a:avLst/>
-          </a:prstGeom>
-        </p:spPr>
-      </p:pic>
+              <a:t>2-dimensional data table</a:t>
+            </a:r>
+          </a:p>
+          <a:p>
+            <a:pPr lvl="1"/>
+            <a:r>
+              <a:rPr lang="en-US" dirty="0"/>
+              <a:t>Measure of how “confused” our model is.</a:t>
+            </a:r>
+          </a:p>
+          <a:p>
+            <a:pPr lvl="1"/>
+            <a:r>
+              <a:rPr lang="en-US" dirty="0"/>
+              <a:t>Each cell shows how many classifications were predicted, and what the actual target was.</a:t>
+            </a:r>
+          </a:p>
+          <a:p>
+            <a:pPr lvl="1"/>
+            <a:r>
+              <a:rPr lang="en-US" dirty="0"/>
+              <a:t>Rows are actual targets</a:t>
+            </a:r>
+          </a:p>
+          <a:p>
+            <a:pPr lvl="1"/>
+            <a:r>
+              <a:rPr lang="en-US" dirty="0"/>
+              <a:t>Columns are predicted targets</a:t>
+            </a:r>
+          </a:p>
+        </p:txBody>
+      </p:sp>
     </p:spTree>
     <p:extLst>
       <p:ext uri="{BB962C8B-B14F-4D97-AF65-F5344CB8AC3E}">
-        <p14:creationId xmlns:p14="http://schemas.microsoft.com/office/powerpoint/2010/main" val="3703476854"/>
+        <p14:creationId xmlns:p14="http://schemas.microsoft.com/office/powerpoint/2010/main" val="796492218"/>
       </p:ext>
     </p:extLst>
   </p:cSld>
@@ -10226,22 +10201,52 @@
           <a:p>
             <a:r>
               <a:rPr lang="en-US" dirty="0"/>
-              <a:t>Accuracy</a:t>
+              <a:t>Confusion Matrix</a:t>
             </a:r>
           </a:p>
           <a:p>
             <a:pPr lvl="1"/>
             <a:r>
               <a:rPr lang="en-US" dirty="0"/>
-              <a:t>(TP + TN)/(TP + TN + FP + FN)</a:t>
-            </a:r>
-          </a:p>
-        </p:txBody>
-      </p:sp>
+              <a:t>Example</a:t>
+            </a:r>
+          </a:p>
+        </p:txBody>
+      </p:sp>
+      <p:pic>
+        <p:nvPicPr>
+          <p:cNvPr id="6" name="Picture 5">
+            <a:extLst>
+              <a:ext uri="{FF2B5EF4-FFF2-40B4-BE49-F238E27FC236}">
+                <a16:creationId xmlns:a16="http://schemas.microsoft.com/office/drawing/2014/main" id="{3B766A84-1E2A-483B-BF7E-7B1DC1636DB9}"/>
+              </a:ext>
+            </a:extLst>
+          </p:cNvPr>
+          <p:cNvPicPr>
+            <a:picLocks noChangeAspect="1"/>
+          </p:cNvPicPr>
+          <p:nvPr/>
+        </p:nvPicPr>
+        <p:blipFill>
+          <a:blip r:embed="rId5"/>
+          <a:stretch>
+            <a:fillRect/>
+          </a:stretch>
+        </p:blipFill>
+        <p:spPr>
+          <a:xfrm>
+            <a:off x="2806072" y="2754312"/>
+            <a:ext cx="3531856" cy="3790950"/>
+          </a:xfrm>
+          <a:prstGeom prst="rect">
+            <a:avLst/>
+          </a:prstGeom>
+        </p:spPr>
+      </p:pic>
     </p:spTree>
     <p:extLst>
       <p:ext uri="{BB962C8B-B14F-4D97-AF65-F5344CB8AC3E}">
-        <p14:creationId xmlns:p14="http://schemas.microsoft.com/office/powerpoint/2010/main" val="2711114479"/>
+        <p14:creationId xmlns:p14="http://schemas.microsoft.com/office/powerpoint/2010/main" val="3703476854"/>
       </p:ext>
     </p:extLst>
   </p:cSld>
@@ -10333,7 +10338,14 @@
           <a:p>
             <a:r>
               <a:rPr lang="en-US" dirty="0"/>
-              <a:t>Mean Squared Error</a:t>
+              <a:t>Accuracy</a:t>
+            </a:r>
+          </a:p>
+          <a:p>
+            <a:pPr lvl="1"/>
+            <a:r>
+              <a:rPr lang="en-US" dirty="0"/>
+              <a:t>(TP + TN)/(TP + TN + FP + FN)</a:t>
             </a:r>
           </a:p>
         </p:txBody>
@@ -10341,7 +10353,7 @@
     </p:spTree>
     <p:extLst>
       <p:ext uri="{BB962C8B-B14F-4D97-AF65-F5344CB8AC3E}">
-        <p14:creationId xmlns:p14="http://schemas.microsoft.com/office/powerpoint/2010/main" val="730113372"/>
+        <p14:creationId xmlns:p14="http://schemas.microsoft.com/office/powerpoint/2010/main" val="2711114479"/>
       </p:ext>
     </p:extLst>
   </p:cSld>
@@ -10433,7 +10445,7 @@
           <a:p>
             <a:r>
               <a:rPr lang="en-US" dirty="0"/>
-              <a:t>Precision Recall Curves</a:t>
+              <a:t>Mean Squared Error</a:t>
             </a:r>
           </a:p>
         </p:txBody>
@@ -10441,7 +10453,7 @@
     </p:spTree>
     <p:extLst>
       <p:ext uri="{BB962C8B-B14F-4D97-AF65-F5344CB8AC3E}">
-        <p14:creationId xmlns:p14="http://schemas.microsoft.com/office/powerpoint/2010/main" val="2515405883"/>
+        <p14:creationId xmlns:p14="http://schemas.microsoft.com/office/powerpoint/2010/main" val="730113372"/>
       </p:ext>
     </p:extLst>
   </p:cSld>
@@ -10533,14 +10545,7 @@
           <a:p>
             <a:r>
               <a:rPr lang="en-US" dirty="0"/>
-              <a:t>Receiver Operating Characteristics (ROC) Curve</a:t>
-            </a:r>
-          </a:p>
-          <a:p>
-            <a:pPr lvl="1"/>
-            <a:r>
-              <a:rPr lang="en-US" dirty="0"/>
-              <a:t>Plots True Positive Rate vs False Positive Rate</a:t>
+              <a:t>Precision Recall Curves</a:t>
             </a:r>
           </a:p>
         </p:txBody>
@@ -10548,7 +10553,7 @@
     </p:spTree>
     <p:extLst>
       <p:ext uri="{BB962C8B-B14F-4D97-AF65-F5344CB8AC3E}">
-        <p14:creationId xmlns:p14="http://schemas.microsoft.com/office/powerpoint/2010/main" val="4181129315"/>
+        <p14:creationId xmlns:p14="http://schemas.microsoft.com/office/powerpoint/2010/main" val="2515405883"/>
       </p:ext>
     </p:extLst>
   </p:cSld>
@@ -10640,7 +10645,14 @@
           <a:p>
             <a:r>
               <a:rPr lang="en-US" dirty="0"/>
-              <a:t>Area Under the Curve (AUC)</a:t>
+              <a:t>Receiver Operating Characteristics (ROC) Curve</a:t>
+            </a:r>
+          </a:p>
+          <a:p>
+            <a:pPr lvl="1"/>
+            <a:r>
+              <a:rPr lang="en-US" dirty="0"/>
+              <a:t>Plots True Positive Rate vs False Positive Rate</a:t>
             </a:r>
           </a:p>
         </p:txBody>
@@ -10648,7 +10660,7 @@
     </p:spTree>
     <p:extLst>
       <p:ext uri="{BB962C8B-B14F-4D97-AF65-F5344CB8AC3E}">
-        <p14:creationId xmlns:p14="http://schemas.microsoft.com/office/powerpoint/2010/main" val="3353178854"/>
+        <p14:creationId xmlns:p14="http://schemas.microsoft.com/office/powerpoint/2010/main" val="4181129315"/>
       </p:ext>
     </p:extLst>
   </p:cSld>
@@ -10740,47 +10752,15 @@
           <a:p>
             <a:r>
               <a:rPr lang="en-US" dirty="0"/>
-              <a:t>Overview</a:t>
-            </a:r>
-          </a:p>
-          <a:p>
-            <a:pPr lvl="1"/>
-            <a:r>
-              <a:rPr lang="en-US" dirty="0"/>
-              <a:t>Precision = TP/(TP+FP)</a:t>
-            </a:r>
-          </a:p>
-          <a:p>
-            <a:pPr lvl="1"/>
-            <a:r>
-              <a:rPr lang="en-US" dirty="0"/>
-              <a:t>Recall (True Positive Rate, Sensitivity)</a:t>
-            </a:r>
-          </a:p>
-          <a:p>
-            <a:pPr lvl="1"/>
-            <a:r>
-              <a:rPr lang="en-US" dirty="0"/>
-              <a:t>False Positive Rate</a:t>
-            </a:r>
-          </a:p>
-          <a:p>
-            <a:pPr lvl="1"/>
-            <a:r>
-              <a:rPr lang="en-US" dirty="0"/>
-              <a:t>Specificity (True Negative Rate)</a:t>
-            </a:r>
-          </a:p>
-          <a:p>
-            <a:pPr lvl="2"/>
-            <a:endParaRPr lang="en-US" dirty="0"/>
+              <a:t>Area Under the Curve (AUC)</a:t>
+            </a:r>
           </a:p>
         </p:txBody>
       </p:sp>
     </p:spTree>
     <p:extLst>
       <p:ext uri="{BB962C8B-B14F-4D97-AF65-F5344CB8AC3E}">
-        <p14:creationId xmlns:p14="http://schemas.microsoft.com/office/powerpoint/2010/main" val="3063537520"/>
+        <p14:creationId xmlns:p14="http://schemas.microsoft.com/office/powerpoint/2010/main" val="3353178854"/>
       </p:ext>
     </p:extLst>
   </p:cSld>
@@ -11027,7 +11007,7 @@
     </p:spTree>
     <p:extLst>
       <p:ext uri="{BB962C8B-B14F-4D97-AF65-F5344CB8AC3E}">
-        <p14:creationId xmlns:p14="http://schemas.microsoft.com/office/powerpoint/2010/main" val="2297916495"/>
+        <p14:creationId xmlns:p14="http://schemas.microsoft.com/office/powerpoint/2010/main" val="3063537520"/>
       </p:ext>
     </p:extLst>
   </p:cSld>
@@ -11117,6 +11097,41 @@
           </a:bodyPr>
           <a:lstStyle/>
           <a:p>
+            <a:r>
+              <a:rPr lang="en-US" dirty="0"/>
+              <a:t>Overview</a:t>
+            </a:r>
+          </a:p>
+          <a:p>
+            <a:pPr lvl="1"/>
+            <a:r>
+              <a:rPr lang="en-US" dirty="0"/>
+              <a:t>Precision = TP/(TP+FP)</a:t>
+            </a:r>
+          </a:p>
+          <a:p>
+            <a:pPr lvl="1"/>
+            <a:r>
+              <a:rPr lang="en-US" dirty="0"/>
+              <a:t>Recall (True Positive Rate, Sensitivity)</a:t>
+            </a:r>
+          </a:p>
+          <a:p>
+            <a:pPr lvl="1"/>
+            <a:r>
+              <a:rPr lang="en-US" dirty="0"/>
+              <a:t>False Positive Rate</a:t>
+            </a:r>
+          </a:p>
+          <a:p>
+            <a:pPr lvl="1"/>
+            <a:r>
+              <a:rPr lang="en-US" dirty="0"/>
+              <a:t>Specificity (True Negative Rate)</a:t>
+            </a:r>
+          </a:p>
+          <a:p>
+            <a:pPr lvl="2"/>
             <a:endParaRPr lang="en-US" dirty="0"/>
           </a:p>
         </p:txBody>
@@ -11124,7 +11139,7 @@
     </p:spTree>
     <p:extLst>
       <p:ext uri="{BB962C8B-B14F-4D97-AF65-F5344CB8AC3E}">
-        <p14:creationId xmlns:p14="http://schemas.microsoft.com/office/powerpoint/2010/main" val="773272650"/>
+        <p14:creationId xmlns:p14="http://schemas.microsoft.com/office/powerpoint/2010/main" val="2297916495"/>
       </p:ext>
     </p:extLst>
   </p:cSld>
@@ -11192,7 +11207,7 @@
           <a:p>
             <a:r>
               <a:rPr lang="en-US" dirty="0"/>
-              <a:t>Ensemble Methods</a:t>
+              <a:t>Evaluating Accuracy</a:t>
             </a:r>
           </a:p>
         </p:txBody>
@@ -11209,53 +11224,10 @@
         </p:nvSpPr>
         <p:spPr/>
         <p:txBody>
-          <a:bodyPr/>
-          <a:lstStyle/>
-          <a:p>
-            <a:r>
-              <a:rPr lang="en-US" dirty="0"/>
-              <a:t>Overview</a:t>
-            </a:r>
-          </a:p>
-          <a:p>
-            <a:pPr lvl="1"/>
-            <a:r>
-              <a:rPr lang="en-US" dirty="0"/>
-              <a:t>Voting Classifiers</a:t>
-            </a:r>
-          </a:p>
-          <a:p>
-            <a:pPr lvl="1"/>
-            <a:r>
-              <a:rPr lang="en-US" dirty="0"/>
-              <a:t>Bagging and Pasting</a:t>
-            </a:r>
-          </a:p>
-          <a:p>
-            <a:pPr lvl="1"/>
-            <a:r>
-              <a:rPr lang="en-US" dirty="0"/>
-              <a:t>Random Forests</a:t>
-            </a:r>
-          </a:p>
-          <a:p>
-            <a:pPr lvl="1"/>
-            <a:r>
-              <a:rPr lang="en-US" dirty="0"/>
-              <a:t>Boosting</a:t>
-            </a:r>
-          </a:p>
-          <a:p>
-            <a:pPr lvl="1"/>
-            <a:r>
-              <a:rPr lang="en-US" dirty="0"/>
-              <a:t>Stacking</a:t>
-            </a:r>
-          </a:p>
-          <a:p>
-            <a:pPr lvl="2"/>
-            <a:endParaRPr lang="en-US" dirty="0"/>
-          </a:p>
+          <a:bodyPr>
+            <a:normAutofit/>
+          </a:bodyPr>
+          <a:lstStyle/>
           <a:p>
             <a:endParaRPr lang="en-US" dirty="0"/>
           </a:p>
@@ -11264,7 +11236,7 @@
     </p:spTree>
     <p:extLst>
       <p:ext uri="{BB962C8B-B14F-4D97-AF65-F5344CB8AC3E}">
-        <p14:creationId xmlns:p14="http://schemas.microsoft.com/office/powerpoint/2010/main" val="2946119377"/>
+        <p14:creationId xmlns:p14="http://schemas.microsoft.com/office/powerpoint/2010/main" val="773272650"/>
       </p:ext>
     </p:extLst>
   </p:cSld>
@@ -11361,7 +11333,35 @@
             <a:pPr lvl="1"/>
             <a:r>
               <a:rPr lang="en-US" dirty="0"/>
-              <a:t>It is important to choose very different algorithms for each trainer.  This will prevent any single type of error from growing too large, and will allow each error to be voted out from the other trainers.</a:t>
+              <a:t>Voting Classifiers</a:t>
+            </a:r>
+          </a:p>
+          <a:p>
+            <a:pPr lvl="1"/>
+            <a:r>
+              <a:rPr lang="en-US" dirty="0"/>
+              <a:t>Bagging and Pasting</a:t>
+            </a:r>
+          </a:p>
+          <a:p>
+            <a:pPr lvl="1"/>
+            <a:r>
+              <a:rPr lang="en-US" dirty="0"/>
+              <a:t>Random Forests</a:t>
+            </a:r>
+          </a:p>
+          <a:p>
+            <a:pPr lvl="1"/>
+            <a:r>
+              <a:rPr lang="en-US" dirty="0"/>
+              <a:t>Boosting</a:t>
+            </a:r>
+          </a:p>
+          <a:p>
+            <a:pPr lvl="1"/>
+            <a:r>
+              <a:rPr lang="en-US" dirty="0"/>
+              <a:t>Stacking</a:t>
             </a:r>
           </a:p>
           <a:p>
@@ -11376,7 +11376,7 @@
     </p:spTree>
     <p:extLst>
       <p:ext uri="{BB962C8B-B14F-4D97-AF65-F5344CB8AC3E}">
-        <p14:creationId xmlns:p14="http://schemas.microsoft.com/office/powerpoint/2010/main" val="2482095172"/>
+        <p14:creationId xmlns:p14="http://schemas.microsoft.com/office/powerpoint/2010/main" val="2946119377"/>
       </p:ext>
     </p:extLst>
   </p:cSld>
@@ -11466,30 +11466,19 @@
           <a:p>
             <a:r>
               <a:rPr lang="en-US" dirty="0"/>
-              <a:t>Voting Classifiers</a:t>
+              <a:t>Overview</a:t>
             </a:r>
           </a:p>
           <a:p>
             <a:pPr lvl="1"/>
             <a:r>
               <a:rPr lang="en-US" dirty="0"/>
-              <a:t>Train multiple different classifiers.</a:t>
-            </a:r>
-          </a:p>
-          <a:p>
-            <a:pPr lvl="1"/>
-            <a:r>
-              <a:rPr lang="en-US" dirty="0"/>
-              <a:t>Using the </a:t>
-            </a:r>
-            <a:r>
-              <a:rPr lang="en-US" dirty="0" err="1"/>
-              <a:t>VotingClassifier</a:t>
-            </a:r>
-            <a:r>
-              <a:rPr lang="en-US" dirty="0"/>
-              <a:t>, have each classifier vote on what the predicted label should be.</a:t>
-            </a:r>
+              <a:t>It is important to choose very different algorithms for each trainer.  This will prevent any single type of error from growing too large, and will allow each error to be voted out from the other trainers.</a:t>
+            </a:r>
+          </a:p>
+          <a:p>
+            <a:pPr lvl="2"/>
+            <a:endParaRPr lang="en-US" dirty="0"/>
           </a:p>
           <a:p>
             <a:endParaRPr lang="en-US" dirty="0"/>
@@ -11499,7 +11488,7 @@
     </p:spTree>
     <p:extLst>
       <p:ext uri="{BB962C8B-B14F-4D97-AF65-F5344CB8AC3E}">
-        <p14:creationId xmlns:p14="http://schemas.microsoft.com/office/powerpoint/2010/main" val="2152904124"/>
+        <p14:creationId xmlns:p14="http://schemas.microsoft.com/office/powerpoint/2010/main" val="2482095172"/>
       </p:ext>
     </p:extLst>
   </p:cSld>
@@ -11596,44 +11585,22 @@
             <a:pPr lvl="1"/>
             <a:r>
               <a:rPr lang="en-US" dirty="0"/>
-              <a:t>Hard vs Soft Voting</a:t>
-            </a:r>
-          </a:p>
-          <a:p>
-            <a:pPr lvl="2"/>
-            <a:r>
-              <a:rPr lang="en-US" dirty="0"/>
-              <a:t>Hard is a simple vote</a:t>
-            </a:r>
-          </a:p>
-          <a:p>
-            <a:pPr lvl="2"/>
-            <a:r>
-              <a:rPr lang="en-US" dirty="0"/>
-              <a:t>Soft voting calculates the class probabilities from each model, averages them over all individual models.  The highest probability is the estimated class.</a:t>
-            </a:r>
-          </a:p>
-          <a:p>
-            <a:pPr lvl="3"/>
-            <a:r>
-              <a:rPr lang="en-US" dirty="0"/>
-              <a:t>Requires trainers that have the </a:t>
-            </a:r>
-            <a:r>
-              <a:rPr lang="en-US" dirty="0" err="1">
-                <a:latin typeface="Consolas" panose="020B0609020204030204" pitchFamily="49" charset="0"/>
-              </a:rPr>
-              <a:t>predict_proba</a:t>
-            </a:r>
-            <a:r>
-              <a:rPr lang="en-US" dirty="0">
-                <a:latin typeface="Consolas" panose="020B0609020204030204" pitchFamily="49" charset="0"/>
-              </a:rPr>
-              <a:t>()</a:t>
-            </a:r>
-            <a:r>
-              <a:rPr lang="en-US" dirty="0"/>
-              <a:t> method.</a:t>
+              <a:t>Train multiple different classifiers.</a:t>
+            </a:r>
+          </a:p>
+          <a:p>
+            <a:pPr lvl="1"/>
+            <a:r>
+              <a:rPr lang="en-US" dirty="0"/>
+              <a:t>Using the </a:t>
+            </a:r>
+            <a:r>
+              <a:rPr lang="en-US" dirty="0" err="1"/>
+              <a:t>VotingClassifier</a:t>
+            </a:r>
+            <a:r>
+              <a:rPr lang="en-US" dirty="0"/>
+              <a:t>, have each classifier vote on what the predicted label should be.</a:t>
             </a:r>
           </a:p>
           <a:p>
@@ -11644,7 +11611,7 @@
     </p:spTree>
     <p:extLst>
       <p:ext uri="{BB962C8B-B14F-4D97-AF65-F5344CB8AC3E}">
-        <p14:creationId xmlns:p14="http://schemas.microsoft.com/office/powerpoint/2010/main" val="2274890375"/>
+        <p14:creationId xmlns:p14="http://schemas.microsoft.com/office/powerpoint/2010/main" val="2152904124"/>
       </p:ext>
     </p:extLst>
   </p:cSld>
@@ -11734,7 +11701,51 @@
           <a:p>
             <a:r>
               <a:rPr lang="en-US" dirty="0"/>
-              <a:t>Bagging and Pasting</a:t>
+              <a:t>Voting Classifiers</a:t>
+            </a:r>
+          </a:p>
+          <a:p>
+            <a:pPr lvl="1"/>
+            <a:r>
+              <a:rPr lang="en-US" dirty="0"/>
+              <a:t>Hard vs Soft Voting</a:t>
+            </a:r>
+          </a:p>
+          <a:p>
+            <a:pPr lvl="2"/>
+            <a:r>
+              <a:rPr lang="en-US" dirty="0"/>
+              <a:t>Hard is a simple vote</a:t>
+            </a:r>
+          </a:p>
+          <a:p>
+            <a:pPr lvl="2"/>
+            <a:r>
+              <a:rPr lang="en-US" dirty="0"/>
+              <a:t>Soft voting calculates the class probabilities from each model, averages them over all individual models.  The highest probability is the estimated class.</a:t>
+            </a:r>
+          </a:p>
+          <a:p>
+            <a:pPr lvl="3"/>
+            <a:r>
+              <a:rPr lang="en-US" dirty="0"/>
+              <a:t>Requires trainers that have the </a:t>
+            </a:r>
+            <a:r>
+              <a:rPr lang="en-US" dirty="0" err="1">
+                <a:latin typeface="Consolas" panose="020B0609020204030204" pitchFamily="49" charset="0"/>
+              </a:rPr>
+              <a:t>predict_proba</a:t>
+            </a:r>
+            <a:r>
+              <a:rPr lang="en-US" dirty="0">
+                <a:latin typeface="Consolas" panose="020B0609020204030204" pitchFamily="49" charset="0"/>
+              </a:rPr>
+              <a:t>()</a:t>
+            </a:r>
+            <a:r>
+              <a:rPr lang="en-US" dirty="0"/>
+              <a:t> method.</a:t>
             </a:r>
           </a:p>
           <a:p>
@@ -11745,7 +11756,7 @@
     </p:spTree>
     <p:extLst>
       <p:ext uri="{BB962C8B-B14F-4D97-AF65-F5344CB8AC3E}">
-        <p14:creationId xmlns:p14="http://schemas.microsoft.com/office/powerpoint/2010/main" val="44548473"/>
+        <p14:creationId xmlns:p14="http://schemas.microsoft.com/office/powerpoint/2010/main" val="2274890375"/>
       </p:ext>
     </p:extLst>
   </p:cSld>
@@ -11835,37 +11846,8 @@
           <a:p>
             <a:r>
               <a:rPr lang="en-US" dirty="0"/>
-              <a:t>Random Forests</a:t>
-            </a:r>
-          </a:p>
-          <a:p>
-            <a:pPr lvl="1"/>
-            <a:r>
-              <a:rPr lang="en-US" dirty="0"/>
-              <a:t>Decision trees tend to overfit</a:t>
-            </a:r>
-          </a:p>
-          <a:p>
-            <a:pPr lvl="1"/>
-            <a:r>
-              <a:rPr lang="en-US" dirty="0"/>
-              <a:t>Use multiple, slightly different models to increase predictive capability.</a:t>
-            </a:r>
-          </a:p>
-          <a:p>
-            <a:pPr lvl="1"/>
-            <a:r>
-              <a:rPr lang="en-US" dirty="0"/>
-              <a:t>Can be used for either classifiers or regressors.</a:t>
-            </a:r>
-          </a:p>
-          <a:p>
-            <a:pPr lvl="1"/>
-            <a:endParaRPr lang="en-US" dirty="0"/>
-          </a:p>
-          <a:p>
-            <a:pPr lvl="2"/>
-            <a:endParaRPr lang="en-US" dirty="0"/>
+              <a:t>Bagging and Pasting</a:t>
+            </a:r>
           </a:p>
           <a:p>
             <a:endParaRPr lang="en-US" dirty="0"/>
@@ -11875,7 +11857,7 @@
     </p:spTree>
     <p:extLst>
       <p:ext uri="{BB962C8B-B14F-4D97-AF65-F5344CB8AC3E}">
-        <p14:creationId xmlns:p14="http://schemas.microsoft.com/office/powerpoint/2010/main" val="3184848222"/>
+        <p14:creationId xmlns:p14="http://schemas.microsoft.com/office/powerpoint/2010/main" val="44548473"/>
       </p:ext>
     </p:extLst>
   </p:cSld>
@@ -11965,8 +11947,37 @@
           <a:p>
             <a:r>
               <a:rPr lang="en-US" dirty="0"/>
-              <a:t>Boosting</a:t>
-            </a:r>
+              <a:t>Random Forests</a:t>
+            </a:r>
+          </a:p>
+          <a:p>
+            <a:pPr lvl="1"/>
+            <a:r>
+              <a:rPr lang="en-US" dirty="0"/>
+              <a:t>Decision trees tend to overfit</a:t>
+            </a:r>
+          </a:p>
+          <a:p>
+            <a:pPr lvl="1"/>
+            <a:r>
+              <a:rPr lang="en-US" dirty="0"/>
+              <a:t>Use multiple, slightly different models to increase predictive capability.</a:t>
+            </a:r>
+          </a:p>
+          <a:p>
+            <a:pPr lvl="1"/>
+            <a:r>
+              <a:rPr lang="en-US" dirty="0"/>
+              <a:t>Can be used for either classifiers or regressors.</a:t>
+            </a:r>
+          </a:p>
+          <a:p>
+            <a:pPr lvl="1"/>
+            <a:endParaRPr lang="en-US" dirty="0"/>
+          </a:p>
+          <a:p>
+            <a:pPr lvl="2"/>
+            <a:endParaRPr lang="en-US" dirty="0"/>
           </a:p>
           <a:p>
             <a:endParaRPr lang="en-US" dirty="0"/>
@@ -11976,7 +11987,7 @@
     </p:spTree>
     <p:extLst>
       <p:ext uri="{BB962C8B-B14F-4D97-AF65-F5344CB8AC3E}">
-        <p14:creationId xmlns:p14="http://schemas.microsoft.com/office/powerpoint/2010/main" val="3735009109"/>
+        <p14:creationId xmlns:p14="http://schemas.microsoft.com/office/powerpoint/2010/main" val="3184848222"/>
       </p:ext>
     </p:extLst>
   </p:cSld>
@@ -12066,7 +12077,7 @@
           <a:p>
             <a:r>
               <a:rPr lang="en-US" dirty="0"/>
-              <a:t>Stacking</a:t>
+              <a:t>Boosting</a:t>
             </a:r>
           </a:p>
           <a:p>
@@ -12077,7 +12088,7 @@
     </p:spTree>
     <p:extLst>
       <p:ext uri="{BB962C8B-B14F-4D97-AF65-F5344CB8AC3E}">
-        <p14:creationId xmlns:p14="http://schemas.microsoft.com/office/powerpoint/2010/main" val="1450173570"/>
+        <p14:creationId xmlns:p14="http://schemas.microsoft.com/office/powerpoint/2010/main" val="3735009109"/>
       </p:ext>
     </p:extLst>
   </p:cSld>
@@ -12299,7 +12310,7 @@
           <a:p>
             <a:r>
               <a:rPr lang="en-US" dirty="0"/>
-              <a:t>Tuning</a:t>
+              <a:t>Ensemble Methods</a:t>
             </a:r>
           </a:p>
         </p:txBody>
@@ -12321,24 +12332,8 @@
           <a:p>
             <a:r>
               <a:rPr lang="en-US" dirty="0"/>
-              <a:t>Determining what features matter</a:t>
-            </a:r>
-          </a:p>
-          <a:p>
-            <a:r>
-              <a:rPr lang="en-US" dirty="0"/>
-              <a:t>If both prediction test scores and training scores are low, then the model is suffering from underfitting.</a:t>
-            </a:r>
-          </a:p>
-          <a:p>
-            <a:r>
-              <a:rPr lang="en-US" dirty="0"/>
-              <a:t>If the model has extremely high training scores, but not nearly as high prediction test scores, the model is suffering from overfitting.</a:t>
-            </a:r>
-          </a:p>
-          <a:p>
-            <a:pPr lvl="2"/>
-            <a:endParaRPr lang="en-US" dirty="0"/>
+              <a:t>Stacking</a:t>
+            </a:r>
           </a:p>
           <a:p>
             <a:endParaRPr lang="en-US" dirty="0"/>
@@ -12348,7 +12343,7 @@
     </p:spTree>
     <p:extLst>
       <p:ext uri="{BB962C8B-B14F-4D97-AF65-F5344CB8AC3E}">
-        <p14:creationId xmlns:p14="http://schemas.microsoft.com/office/powerpoint/2010/main" val="3393037686"/>
+        <p14:creationId xmlns:p14="http://schemas.microsoft.com/office/powerpoint/2010/main" val="1450173570"/>
       </p:ext>
     </p:extLst>
   </p:cSld>
@@ -12438,7 +12433,19 @@
           <a:p>
             <a:r>
               <a:rPr lang="en-US" dirty="0"/>
-              <a:t>Grid Search</a:t>
+              <a:t>Determining what features matter</a:t>
+            </a:r>
+          </a:p>
+          <a:p>
+            <a:r>
+              <a:rPr lang="en-US" dirty="0"/>
+              <a:t>If both prediction test scores and training scores are low, then the model is suffering from underfitting.</a:t>
+            </a:r>
+          </a:p>
+          <a:p>
+            <a:r>
+              <a:rPr lang="en-US" dirty="0"/>
+              <a:t>If the model has extremely high training scores, but not nearly as high prediction test scores, the model is suffering from overfitting.</a:t>
             </a:r>
           </a:p>
           <a:p>
@@ -12453,7 +12460,7 @@
     </p:spTree>
     <p:extLst>
       <p:ext uri="{BB962C8B-B14F-4D97-AF65-F5344CB8AC3E}">
-        <p14:creationId xmlns:p14="http://schemas.microsoft.com/office/powerpoint/2010/main" val="2622179278"/>
+        <p14:creationId xmlns:p14="http://schemas.microsoft.com/office/powerpoint/2010/main" val="3393037686"/>
       </p:ext>
     </p:extLst>
   </p:cSld>
@@ -12543,25 +12550,14 @@
           <a:p>
             <a:r>
               <a:rPr lang="en-US" dirty="0"/>
-              <a:t>Random Forests</a:t>
-            </a:r>
-          </a:p>
-          <a:p>
-            <a:pPr lvl="1"/>
-            <a:r>
-              <a:rPr lang="en-US" dirty="0"/>
-              <a:t>Average multiple models together.</a:t>
+              <a:t>Grid Search</a:t>
             </a:r>
           </a:p>
           <a:p>
             <a:pPr lvl="2"/>
-            <a:r>
-              <a:rPr lang="en-US" dirty="0"/>
-              <a:t>Each model should overfit the data in a different part of the data.</a:t>
-            </a:r>
-          </a:p>
-          <a:p>
-            <a:pPr lvl="2"/>
+            <a:endParaRPr lang="en-US" dirty="0"/>
+          </a:p>
+          <a:p>
             <a:endParaRPr lang="en-US" dirty="0"/>
           </a:p>
         </p:txBody>
@@ -12569,7 +12565,7 @@
     </p:spTree>
     <p:extLst>
       <p:ext uri="{BB962C8B-B14F-4D97-AF65-F5344CB8AC3E}">
-        <p14:creationId xmlns:p14="http://schemas.microsoft.com/office/powerpoint/2010/main" val="463666407"/>
+        <p14:creationId xmlns:p14="http://schemas.microsoft.com/office/powerpoint/2010/main" val="2622179278"/>
       </p:ext>
     </p:extLst>
   </p:cSld>
@@ -12654,42 +12650,30 @@
         </p:nvSpPr>
         <p:spPr/>
         <p:txBody>
-          <a:bodyPr>
-            <a:normAutofit/>
-          </a:bodyPr>
-          <a:lstStyle/>
-          <a:p>
-            <a:r>
-              <a:rPr lang="en-US" dirty="0"/>
-              <a:t>Parameters to Play with</a:t>
+          <a:bodyPr/>
+          <a:lstStyle/>
+          <a:p>
+            <a:r>
+              <a:rPr lang="en-US" dirty="0"/>
+              <a:t>Random Forests</a:t>
             </a:r>
           </a:p>
           <a:p>
             <a:pPr lvl="1"/>
             <a:r>
               <a:rPr lang="en-US" dirty="0"/>
-              <a:t>K-Nearest Neighbors</a:t>
+              <a:t>Average multiple models together.</a:t>
             </a:r>
           </a:p>
           <a:p>
             <a:pPr lvl="2"/>
             <a:r>
               <a:rPr lang="en-US" dirty="0"/>
-              <a:t>Number of neighbors to test point</a:t>
+              <a:t>Each model should overfit the data in a different part of the data.</a:t>
             </a:r>
           </a:p>
           <a:p>
             <a:pPr lvl="2"/>
-            <a:r>
-              <a:rPr lang="en-US" dirty="0"/>
-              <a:t>Algorithm to evaluate distance test point is from data points</a:t>
-            </a:r>
-          </a:p>
-          <a:p>
-            <a:pPr lvl="2"/>
-            <a:endParaRPr lang="en-US" dirty="0"/>
-          </a:p>
-          <a:p>
             <a:endParaRPr lang="en-US" dirty="0"/>
           </a:p>
         </p:txBody>
@@ -12697,7 +12681,7 @@
     </p:spTree>
     <p:extLst>
       <p:ext uri="{BB962C8B-B14F-4D97-AF65-F5344CB8AC3E}">
-        <p14:creationId xmlns:p14="http://schemas.microsoft.com/office/powerpoint/2010/main" val="274238177"/>
+        <p14:creationId xmlns:p14="http://schemas.microsoft.com/office/powerpoint/2010/main" val="463666407"/>
       </p:ext>
     </p:extLst>
   </p:cSld>
@@ -12796,55 +12780,25 @@
             <a:pPr lvl="1"/>
             <a:r>
               <a:rPr lang="en-US" dirty="0"/>
-              <a:t>Decision Trees</a:t>
+              <a:t>K-Nearest Neighbors</a:t>
             </a:r>
           </a:p>
           <a:p>
             <a:pPr lvl="2"/>
             <a:r>
-              <a:rPr lang="en-US" dirty="0" err="1"/>
-              <a:t>max_depth</a:t>
-            </a:r>
-            <a:endParaRPr lang="en-US" dirty="0"/>
+              <a:rPr lang="en-US" dirty="0"/>
+              <a:t>Number of neighbors to test point</a:t>
+            </a:r>
           </a:p>
           <a:p>
             <a:pPr lvl="2"/>
             <a:r>
-              <a:rPr lang="en-US" dirty="0" err="1"/>
-              <a:t>max_leaf_nodes</a:t>
-            </a:r>
-            <a:endParaRPr lang="en-US" dirty="0"/>
+              <a:rPr lang="en-US" dirty="0"/>
+              <a:t>Algorithm to evaluate distance test point is from data points</a:t>
+            </a:r>
           </a:p>
           <a:p>
             <a:pPr lvl="2"/>
-            <a:r>
-              <a:rPr lang="en-US" dirty="0" err="1"/>
-              <a:t>max_features</a:t>
-            </a:r>
-            <a:endParaRPr lang="en-US" dirty="0"/>
-          </a:p>
-          <a:p>
-            <a:pPr lvl="2"/>
-            <a:r>
-              <a:rPr lang="en-US" dirty="0" err="1"/>
-              <a:t>min_samples_split</a:t>
-            </a:r>
-            <a:endParaRPr lang="en-US" dirty="0"/>
-          </a:p>
-          <a:p>
-            <a:pPr lvl="2"/>
-            <a:r>
-              <a:rPr lang="en-US" dirty="0" err="1"/>
-              <a:t>min_samples_leaf</a:t>
-            </a:r>
-            <a:endParaRPr lang="en-US" dirty="0"/>
-          </a:p>
-          <a:p>
-            <a:pPr lvl="2"/>
-            <a:r>
-              <a:rPr lang="en-US" dirty="0" err="1"/>
-              <a:t>min_weight_fraction_leaf</a:t>
-            </a:r>
             <a:endParaRPr lang="en-US" dirty="0"/>
           </a:p>
           <a:p>
@@ -12855,7 +12809,7 @@
     </p:spTree>
     <p:extLst>
       <p:ext uri="{BB962C8B-B14F-4D97-AF65-F5344CB8AC3E}">
-        <p14:creationId xmlns:p14="http://schemas.microsoft.com/office/powerpoint/2010/main" val="434302692"/>
+        <p14:creationId xmlns:p14="http://schemas.microsoft.com/office/powerpoint/2010/main" val="274238177"/>
       </p:ext>
     </p:extLst>
   </p:cSld>
@@ -12940,7 +12894,9 @@
         </p:nvSpPr>
         <p:spPr/>
         <p:txBody>
-          <a:bodyPr/>
+          <a:bodyPr>
+            <a:normAutofit/>
+          </a:bodyPr>
           <a:lstStyle/>
           <a:p>
             <a:r>
@@ -12952,39 +12908,55 @@
             <a:pPr lvl="1"/>
             <a:r>
               <a:rPr lang="en-US" dirty="0"/>
-              <a:t>alpha</a:t>
+              <a:t>Decision Trees</a:t>
             </a:r>
           </a:p>
           <a:p>
             <a:pPr lvl="2"/>
             <a:r>
-              <a:rPr lang="en-US" dirty="0"/>
-              <a:t>Higher values increase regularization/generalization</a:t>
-            </a:r>
+              <a:rPr lang="en-US" dirty="0" err="1"/>
+              <a:t>max_depth</a:t>
+            </a:r>
+            <a:endParaRPr lang="en-US" dirty="0"/>
           </a:p>
           <a:p>
             <a:pPr lvl="2"/>
             <a:r>
-              <a:rPr lang="en-US" dirty="0"/>
-              <a:t>Higher value pushes feature weights closer to zero</a:t>
-            </a:r>
+              <a:rPr lang="en-US" dirty="0" err="1"/>
+              <a:t>max_leaf_nodes</a:t>
+            </a:r>
+            <a:endParaRPr lang="en-US" dirty="0"/>
           </a:p>
           <a:p>
             <a:pPr lvl="2"/>
             <a:r>
-              <a:rPr lang="en-US" dirty="0"/>
-              <a:t>Lasso Regression</a:t>
-            </a:r>
+              <a:rPr lang="en-US" dirty="0" err="1"/>
+              <a:t>max_features</a:t>
+            </a:r>
+            <a:endParaRPr lang="en-US" dirty="0"/>
           </a:p>
           <a:p>
             <a:pPr lvl="2"/>
             <a:r>
-              <a:rPr lang="en-US" dirty="0"/>
-              <a:t>Ridge Regression</a:t>
-            </a:r>
+              <a:rPr lang="en-US" dirty="0" err="1"/>
+              <a:t>min_samples_split</a:t>
+            </a:r>
+            <a:endParaRPr lang="en-US" dirty="0"/>
           </a:p>
           <a:p>
             <a:pPr lvl="2"/>
+            <a:r>
+              <a:rPr lang="en-US" dirty="0" err="1"/>
+              <a:t>min_samples_leaf</a:t>
+            </a:r>
+            <a:endParaRPr lang="en-US" dirty="0"/>
+          </a:p>
+          <a:p>
+            <a:pPr lvl="2"/>
+            <a:r>
+              <a:rPr lang="en-US" dirty="0" err="1"/>
+              <a:t>min_weight_fraction_leaf</a:t>
+            </a:r>
             <a:endParaRPr lang="en-US" dirty="0"/>
           </a:p>
           <a:p>
@@ -12995,7 +12967,7 @@
     </p:spTree>
     <p:extLst>
       <p:ext uri="{BB962C8B-B14F-4D97-AF65-F5344CB8AC3E}">
-        <p14:creationId xmlns:p14="http://schemas.microsoft.com/office/powerpoint/2010/main" val="4153822099"/>
+        <p14:creationId xmlns:p14="http://schemas.microsoft.com/office/powerpoint/2010/main" val="434302692"/>
       </p:ext>
     </p:extLst>
   </p:cSld>
@@ -13092,35 +13064,35 @@
             <a:pPr lvl="1"/>
             <a:r>
               <a:rPr lang="en-US" dirty="0"/>
-              <a:t>c</a:t>
+              <a:t>alpha</a:t>
             </a:r>
           </a:p>
           <a:p>
             <a:pPr lvl="2"/>
             <a:r>
               <a:rPr lang="en-US" dirty="0"/>
-              <a:t>Lower values increase generalization</a:t>
+              <a:t>Higher values increase regularization/generalization</a:t>
             </a:r>
           </a:p>
           <a:p>
             <a:pPr lvl="2"/>
             <a:r>
               <a:rPr lang="en-US" dirty="0"/>
-              <a:t>Higher value causes algorithm to attempt to fit each training data point as best as possible</a:t>
+              <a:t>Higher value pushes feature weights closer to zero</a:t>
             </a:r>
           </a:p>
           <a:p>
             <a:pPr lvl="2"/>
             <a:r>
               <a:rPr lang="en-US" dirty="0"/>
-              <a:t>Logistic regression</a:t>
+              <a:t>Lasso Regression</a:t>
             </a:r>
           </a:p>
           <a:p>
             <a:pPr lvl="2"/>
             <a:r>
               <a:rPr lang="en-US" dirty="0"/>
-              <a:t>Linear support vector machine</a:t>
+              <a:t>Ridge Regression</a:t>
             </a:r>
           </a:p>
           <a:p>
@@ -13135,7 +13107,7 @@
     </p:spTree>
     <p:extLst>
       <p:ext uri="{BB962C8B-B14F-4D97-AF65-F5344CB8AC3E}">
-        <p14:creationId xmlns:p14="http://schemas.microsoft.com/office/powerpoint/2010/main" val="2098658121"/>
+        <p14:creationId xmlns:p14="http://schemas.microsoft.com/office/powerpoint/2010/main" val="4153822099"/>
       </p:ext>
     </p:extLst>
   </p:cSld>
@@ -13232,14 +13204,35 @@
             <a:pPr lvl="1"/>
             <a:r>
               <a:rPr lang="en-US" dirty="0"/>
-              <a:t>c and alpha are known as hyperparameters.</a:t>
+              <a:t>c</a:t>
             </a:r>
           </a:p>
           <a:p>
             <a:pPr lvl="2"/>
             <a:r>
               <a:rPr lang="en-US" dirty="0"/>
-              <a:t>Hyperparameters are parameters that are set before a model is trained, and stays constant throughout the learning process.</a:t>
+              <a:t>Lower values increase generalization</a:t>
+            </a:r>
+          </a:p>
+          <a:p>
+            <a:pPr lvl="2"/>
+            <a:r>
+              <a:rPr lang="en-US" dirty="0"/>
+              <a:t>Higher value causes algorithm to attempt to fit each training data point as best as possible</a:t>
+            </a:r>
+          </a:p>
+          <a:p>
+            <a:pPr lvl="2"/>
+            <a:r>
+              <a:rPr lang="en-US" dirty="0"/>
+              <a:t>Logistic regression</a:t>
+            </a:r>
+          </a:p>
+          <a:p>
+            <a:pPr lvl="2"/>
+            <a:r>
+              <a:rPr lang="en-US" dirty="0"/>
+              <a:t>Linear support vector machine</a:t>
             </a:r>
           </a:p>
           <a:p>
@@ -13254,7 +13247,7 @@
     </p:spTree>
     <p:extLst>
       <p:ext uri="{BB962C8B-B14F-4D97-AF65-F5344CB8AC3E}">
-        <p14:creationId xmlns:p14="http://schemas.microsoft.com/office/powerpoint/2010/main" val="1929485100"/>
+        <p14:creationId xmlns:p14="http://schemas.microsoft.com/office/powerpoint/2010/main" val="2098658121"/>
       </p:ext>
     </p:extLst>
   </p:cSld>
@@ -13270,8 +13263,18 @@
     <p:bg>
       <p:bgPr>
         <a:blipFill dpi="0" rotWithShape="1">
-          <a:blip r:embed="rId2">
-            <a:lum/>
+          <a:blip r:embed="rId3">
+            <a:extLst>
+              <a:ext uri="{BEBA8EAE-BF5A-486C-A8C5-ECC9F3942E4B}">
+                <a14:imgProps xmlns:a14="http://schemas.microsoft.com/office/drawing/2010/main">
+                  <a14:imgLayer r:embed="rId4">
+                    <a14:imgEffect>
+                      <a14:brightnessContrast bright="-50000"/>
+                    </a14:imgEffect>
+                  </a14:imgLayer>
+                </a14:imgProps>
+              </a:ext>
+            </a:extLst>
           </a:blip>
           <a:srcRect/>
           <a:stretch>
@@ -13312,7 +13315,7 @@
           <a:p>
             <a:r>
               <a:rPr lang="en-US" dirty="0"/>
-              <a:t>Bibliography</a:t>
+              <a:t>Tuning</a:t>
             </a:r>
           </a:p>
         </p:txBody>
@@ -13329,62 +13332,46 @@
         </p:nvSpPr>
         <p:spPr/>
         <p:txBody>
-          <a:bodyPr>
-            <a:normAutofit/>
-          </a:bodyPr>
-          <a:lstStyle/>
-          <a:p>
-            <a:pPr marL="514350" indent="-514350">
-              <a:buFont typeface="+mj-lt"/>
-              <a:buAutoNum type="arabicParenR"/>
-            </a:pPr>
-            <a:r>
-              <a:rPr lang="en-US" dirty="0">
-                <a:hlinkClick r:id="rId3"/>
-              </a:rPr>
-              <a:t>https://github.com/amueller/introduction_to_ml_with_python/blob/master/02-supervised-learning.ipynb</a:t>
-            </a:r>
+          <a:bodyPr/>
+          <a:lstStyle/>
+          <a:p>
+            <a:r>
+              <a:rPr lang="en-US" dirty="0"/>
+              <a:t>Parameters to Play with</a:t>
+            </a:r>
+          </a:p>
+          <a:p>
+            <a:pPr lvl="1"/>
+            <a:r>
+              <a:rPr lang="en-US" dirty="0"/>
+              <a:t>c and alpha are known as hyperparameters.</a:t>
+            </a:r>
+          </a:p>
+          <a:p>
+            <a:pPr lvl="2"/>
+            <a:r>
+              <a:rPr lang="en-US" dirty="0"/>
+              <a:t>Hyperparameters are parameters that are set before a model is trained, and stays constant throughout the learning process.</a:t>
+            </a:r>
+          </a:p>
+          <a:p>
+            <a:pPr lvl="2"/>
             <a:endParaRPr lang="en-US" dirty="0"/>
           </a:p>
           <a:p>
-            <a:pPr marL="514350" indent="-514350">
-              <a:buFont typeface="+mj-lt"/>
-              <a:buAutoNum type="arabicParenR"/>
-            </a:pPr>
-            <a:r>
-              <a:rPr lang="en-US" dirty="0"/>
-              <a:t>Müller, A. C., &amp; Guido, S. (2016). </a:t>
-            </a:r>
-            <a:r>
-              <a:rPr lang="en-US" i="1" dirty="0"/>
-              <a:t>Introduction to Machine Learning with Python: A Guide for Data Scientists</a:t>
-            </a:r>
-            <a:r>
-              <a:rPr lang="en-US" dirty="0"/>
-              <a:t> (1st ed.). O’Reilly Media.</a:t>
-            </a:r>
-          </a:p>
-          <a:p>
-            <a:pPr marL="514350" indent="-514350">
-              <a:buFont typeface="+mj-lt"/>
-              <a:buAutoNum type="arabicParenR"/>
-            </a:pPr>
-            <a:r>
-              <a:rPr lang="en-US" dirty="0"/>
-              <a:t>http://rasbt.github.io/mlxtend/user_guide/general_concepts/gradient-optimization/</a:t>
-            </a:r>
+            <a:endParaRPr lang="en-US" dirty="0"/>
           </a:p>
         </p:txBody>
       </p:sp>
     </p:spTree>
     <p:extLst>
       <p:ext uri="{BB962C8B-B14F-4D97-AF65-F5344CB8AC3E}">
-        <p14:creationId xmlns:p14="http://schemas.microsoft.com/office/powerpoint/2010/main" val="3645036191"/>
+        <p14:creationId xmlns:p14="http://schemas.microsoft.com/office/powerpoint/2010/main" val="1929485100"/>
       </p:ext>
     </p:extLst>
   </p:cSld>
   <p:clrMapOvr>
-    <a:masterClrMapping/>
+    <a:overrideClrMapping bg1="lt1" tx1="dk1" bg2="lt2" tx2="dk2" accent1="accent1" accent2="accent2" accent3="accent3" accent4="accent4" accent5="accent5" accent6="accent6" hlink="hlink" folHlink="folHlink"/>
   </p:clrMapOvr>
 </p:sld>
 </file>
@@ -13437,7 +13424,7 @@
           <a:p>
             <a:r>
               <a:rPr lang="en-US" dirty="0"/>
-              <a:t>Additional Resources</a:t>
+              <a:t>Bibliography</a:t>
             </a:r>
           </a:p>
         </p:txBody>
@@ -13464,8 +13451,39 @@
               <a:buAutoNum type="arabicParenR"/>
             </a:pPr>
             <a:r>
-              <a:rPr lang="en-US" dirty="0"/>
-              <a:t>https://towardsdatascience.com/over-fitting-and-regularization-64d16100f45c</a:t>
+              <a:rPr lang="en-US" dirty="0">
+                <a:hlinkClick r:id="rId3"/>
+              </a:rPr>
+              <a:t>https://github.com/amueller/introduction_to_ml_with_python/blob/master/02-supervised-learning.ipynb</a:t>
+            </a:r>
+            <a:endParaRPr lang="en-US" dirty="0"/>
+          </a:p>
+          <a:p>
+            <a:pPr marL="514350" indent="-514350">
+              <a:buFont typeface="+mj-lt"/>
+              <a:buAutoNum type="arabicParenR"/>
+            </a:pPr>
+            <a:r>
+              <a:rPr lang="en-US" dirty="0"/>
+              <a:t>Müller, A. C., &amp; Guido, S. (2016). </a:t>
+            </a:r>
+            <a:r>
+              <a:rPr lang="en-US" i="1" dirty="0"/>
+              <a:t>Introduction to Machine Learning with Python: A Guide for Data Scientists</a:t>
+            </a:r>
+            <a:r>
+              <a:rPr lang="en-US" dirty="0"/>
+              <a:t> (1st ed.). O’Reilly Media.</a:t>
+            </a:r>
+          </a:p>
+          <a:p>
+            <a:pPr marL="514350" indent="-514350">
+              <a:buFont typeface="+mj-lt"/>
+              <a:buAutoNum type="arabicParenR"/>
+            </a:pPr>
+            <a:r>
+              <a:rPr lang="en-US" dirty="0"/>
+              <a:t>http://rasbt.github.io/mlxtend/user_guide/general_concepts/gradient-optimization/</a:t>
             </a:r>
           </a:p>
         </p:txBody>
@@ -13473,7 +13491,7 @@
     </p:spTree>
     <p:extLst>
       <p:ext uri="{BB962C8B-B14F-4D97-AF65-F5344CB8AC3E}">
-        <p14:creationId xmlns:p14="http://schemas.microsoft.com/office/powerpoint/2010/main" val="1722311812"/>
+        <p14:creationId xmlns:p14="http://schemas.microsoft.com/office/powerpoint/2010/main" val="3645036191"/>
       </p:ext>
     </p:extLst>
   </p:cSld>
@@ -13624,6 +13642,100 @@
 </file>
 
 <file path=ppt/slides/slide130.xml><?xml version="1.0" encoding="utf-8"?>
+<p:sld xmlns:a="http://schemas.openxmlformats.org/drawingml/2006/main" xmlns:r="http://schemas.openxmlformats.org/officeDocument/2006/relationships" xmlns:p="http://schemas.openxmlformats.org/presentationml/2006/main">
+  <p:cSld>
+    <p:bg>
+      <p:bgPr>
+        <a:blipFill dpi="0" rotWithShape="1">
+          <a:blip r:embed="rId2">
+            <a:lum/>
+          </a:blip>
+          <a:srcRect/>
+          <a:stretch>
+            <a:fillRect l="-10000" r="-10000"/>
+          </a:stretch>
+        </a:blipFill>
+        <a:effectLst/>
+      </p:bgPr>
+    </p:bg>
+    <p:spTree>
+      <p:nvGrpSpPr>
+        <p:cNvPr id="1" name=""/>
+        <p:cNvGrpSpPr/>
+        <p:nvPr/>
+      </p:nvGrpSpPr>
+      <p:grpSpPr>
+        <a:xfrm>
+          <a:off x="0" y="0"/>
+          <a:ext cx="0" cy="0"/>
+          <a:chOff x="0" y="0"/>
+          <a:chExt cx="0" cy="0"/>
+        </a:xfrm>
+      </p:grpSpPr>
+      <p:sp>
+        <p:nvSpPr>
+          <p:cNvPr id="2" name="Title 1"/>
+          <p:cNvSpPr>
+            <a:spLocks noGrp="1"/>
+          </p:cNvSpPr>
+          <p:nvPr>
+            <p:ph type="title"/>
+          </p:nvPr>
+        </p:nvSpPr>
+        <p:spPr/>
+        <p:txBody>
+          <a:bodyPr/>
+          <a:lstStyle/>
+          <a:p>
+            <a:r>
+              <a:rPr lang="en-US" dirty="0"/>
+              <a:t>Additional Resources</a:t>
+            </a:r>
+          </a:p>
+        </p:txBody>
+      </p:sp>
+      <p:sp>
+        <p:nvSpPr>
+          <p:cNvPr id="3" name="Content Placeholder 2"/>
+          <p:cNvSpPr>
+            <a:spLocks noGrp="1"/>
+          </p:cNvSpPr>
+          <p:nvPr>
+            <p:ph idx="1"/>
+          </p:nvPr>
+        </p:nvSpPr>
+        <p:spPr/>
+        <p:txBody>
+          <a:bodyPr>
+            <a:normAutofit/>
+          </a:bodyPr>
+          <a:lstStyle/>
+          <a:p>
+            <a:pPr marL="514350" indent="-514350">
+              <a:buFont typeface="+mj-lt"/>
+              <a:buAutoNum type="arabicParenR"/>
+            </a:pPr>
+            <a:r>
+              <a:rPr lang="en-US" dirty="0"/>
+              <a:t>https://towardsdatascience.com/over-fitting-and-regularization-64d16100f45c</a:t>
+            </a:r>
+          </a:p>
+        </p:txBody>
+      </p:sp>
+    </p:spTree>
+    <p:extLst>
+      <p:ext uri="{BB962C8B-B14F-4D97-AF65-F5344CB8AC3E}">
+        <p14:creationId xmlns:p14="http://schemas.microsoft.com/office/powerpoint/2010/main" val="1722311812"/>
+      </p:ext>
+    </p:extLst>
+  </p:cSld>
+  <p:clrMapOvr>
+    <a:masterClrMapping/>
+  </p:clrMapOvr>
+</p:sld>
+</file>
+
+<file path=ppt/slides/slide131.xml><?xml version="1.0" encoding="utf-8"?>
 <p:sld xmlns:a="http://schemas.openxmlformats.org/drawingml/2006/main" xmlns:r="http://schemas.openxmlformats.org/officeDocument/2006/relationships" xmlns:p="http://schemas.openxmlformats.org/presentationml/2006/main">
   <p:cSld>
     <p:bg>
@@ -17414,7 +17526,7 @@
           <a:graphicData uri="http://schemas.openxmlformats.org/presentationml/2006/ole">
             <mc:AlternateContent xmlns:mc="http://schemas.openxmlformats.org/markup-compatibility/2006">
               <mc:Choice xmlns:v="urn:schemas-microsoft-com:vml" Requires="v">
-                <p:oleObj spid="_x0000_s2293" name="Bitmap Image" r:id="rId7" imgW="3743280" imgH="3024360" progId="Paint.Picture">
+                <p:oleObj spid="_x0000_s2296" name="Bitmap Image" r:id="rId7" imgW="3743280" imgH="3024360" progId="Paint.Picture">
                   <p:embed/>
                 </p:oleObj>
               </mc:Choice>
@@ -20536,21 +20648,11 @@
       <p:bgPr>
         <a:blipFill dpi="0" rotWithShape="1">
           <a:blip r:embed="rId3">
-            <a:extLst>
-              <a:ext uri="{BEBA8EAE-BF5A-486C-A8C5-ECC9F3942E4B}">
-                <a14:imgProps xmlns:a14="http://schemas.microsoft.com/office/drawing/2010/main">
-                  <a14:imgLayer r:embed="rId4">
-                    <a14:imgEffect>
-                      <a14:brightnessContrast bright="-50000"/>
-                    </a14:imgEffect>
-                  </a14:imgLayer>
-                </a14:imgProps>
-              </a:ext>
-            </a:extLst>
+            <a:lum/>
           </a:blip>
           <a:srcRect/>
           <a:stretch>
-            <a:fillRect l="-10000" r="-10000"/>
+            <a:fillRect l="-17000" r="-17000"/>
           </a:stretch>
         </a:blipFill>
         <a:effectLst/>
@@ -20570,6 +20672,58 @@
           <a:chExt cx="0" cy="0"/>
         </a:xfrm>
       </p:grpSpPr>
+      <p:sp>
+        <p:nvSpPr>
+          <p:cNvPr id="4" name="Rectangle 3">
+            <a:extLst>
+              <a:ext uri="{FF2B5EF4-FFF2-40B4-BE49-F238E27FC236}">
+                <a16:creationId xmlns:a16="http://schemas.microsoft.com/office/drawing/2014/main" id="{1F18861B-EF8D-4437-B5A7-BBDD28EE16EC}"/>
+              </a:ext>
+            </a:extLst>
+          </p:cNvPr>
+          <p:cNvSpPr/>
+          <p:nvPr/>
+        </p:nvSpPr>
+        <p:spPr>
+          <a:xfrm>
+            <a:off x="0" y="0"/>
+            <a:ext cx="9144000" cy="6858000"/>
+          </a:xfrm>
+          <a:prstGeom prst="rect">
+            <a:avLst/>
+          </a:prstGeom>
+          <a:solidFill>
+            <a:schemeClr val="bg1">
+              <a:lumMod val="10000"/>
+              <a:alpha val="68000"/>
+            </a:schemeClr>
+          </a:solidFill>
+        </p:spPr>
+        <p:style>
+          <a:lnRef idx="2">
+            <a:schemeClr val="accent1">
+              <a:shade val="50000"/>
+            </a:schemeClr>
+          </a:lnRef>
+          <a:fillRef idx="1">
+            <a:schemeClr val="accent1"/>
+          </a:fillRef>
+          <a:effectRef idx="0">
+            <a:schemeClr val="accent1"/>
+          </a:effectRef>
+          <a:fontRef idx="minor">
+            <a:schemeClr val="lt1"/>
+          </a:fontRef>
+        </p:style>
+        <p:txBody>
+          <a:bodyPr rtlCol="0" anchor="ctr"/>
+          <a:lstStyle/>
+          <a:p>
+            <a:pPr algn="ctr"/>
+            <a:endParaRPr lang="en-US"/>
+          </a:p>
+        </p:txBody>
+      </p:sp>
       <p:sp>
         <p:nvSpPr>
           <p:cNvPr id="2" name="Title 1"/>
@@ -21327,7 +21481,7 @@
             </a:r>
             <a:r>
               <a:rPr lang="en-US" dirty="0"/>
-              <a:t>*Y</a:t>
+              <a:t>-Y</a:t>
             </a:r>
             <a:r>
               <a:rPr lang="en-US" baseline="-25000" dirty="0"/>
@@ -21351,7 +21505,7 @@
             </a:r>
             <a:r>
               <a:rPr lang="en-US" dirty="0"/>
-              <a:t>*Y</a:t>
+              <a:t>-Y</a:t>
             </a:r>
             <a:r>
               <a:rPr lang="en-US" baseline="-25000" dirty="0"/>
@@ -21375,7 +21529,7 @@
             </a:r>
             <a:r>
               <a:rPr lang="en-US" dirty="0"/>
-              <a:t>*Y</a:t>
+              <a:t>-Y</a:t>
             </a:r>
             <a:r>
               <a:rPr lang="en-US" baseline="-25000" dirty="0"/>
@@ -21402,12 +21556,8 @@
               <a:t>n</a:t>
             </a:r>
             <a:r>
-              <a:rPr lang="en-US" dirty="0"/>
-              <a:t>*</a:t>
-            </a:r>
-            <a:r>
               <a:rPr lang="en-US" dirty="0" err="1"/>
-              <a:t>Y</a:t>
+              <a:t>-Y</a:t>
             </a:r>
             <a:r>
               <a:rPr lang="en-US" baseline="-25000" dirty="0" err="1"/>
@@ -21554,8 +21704,373 @@
           </a:p>
         </p:txBody>
       </p:sp>
-      <mc:AlternateContent xmlns:mc="http://schemas.openxmlformats.org/markup-compatibility/2006" xmlns:a14="http://schemas.microsoft.com/office/drawing/2010/main">
-        <mc:Choice Requires="a14">
+      <mc:AlternateContent xmlns:mc="http://schemas.openxmlformats.org/markup-compatibility/2006">
+        <mc:Choice xmlns:a14="http://schemas.microsoft.com/office/drawing/2010/main" Requires="a14">
+          <p:sp>
+            <p:nvSpPr>
+              <p:cNvPr id="3" name="Content Placeholder 2"/>
+              <p:cNvSpPr>
+                <a:spLocks noGrp="1"/>
+              </p:cNvSpPr>
+              <p:nvPr>
+                <p:ph idx="1"/>
+              </p:nvPr>
+            </p:nvSpPr>
+            <p:spPr/>
+            <p:txBody>
+              <a:bodyPr>
+                <a:normAutofit/>
+              </a:bodyPr>
+              <a:lstStyle/>
+              <a:p>
+                <a:r>
+                  <a:rPr lang="en-US" dirty="0"/>
+                  <a:t>Regularization</a:t>
+                </a:r>
+              </a:p>
+              <a:p>
+                <a:pPr lvl="1"/>
+                <a:r>
+                  <a:rPr lang="en-US" dirty="0"/>
+                  <a:t>Alternative notation</a:t>
+                </a:r>
+              </a:p>
+              <a:p>
+                <a:pPr lvl="2"/>
+                <a:r>
+                  <a:rPr lang="en-US" dirty="0"/>
+                  <a:t>J = </a:t>
+                </a:r>
+                <a14:m>
+                  <m:oMath xmlns:m="http://schemas.openxmlformats.org/officeDocument/2006/math">
+                    <m:f>
+                      <m:fPr>
+                        <m:ctrlPr>
+                          <a:rPr lang="en-US" i="1" smtClean="0">
+                            <a:latin typeface="Cambria Math" panose="02040503050406030204" pitchFamily="18" charset="0"/>
+                          </a:rPr>
+                        </m:ctrlPr>
+                      </m:fPr>
+                      <m:num>
+                        <m:r>
+                          <a:rPr lang="en-US" b="0" i="1" smtClean="0">
+                            <a:latin typeface="Cambria Math" panose="02040503050406030204" pitchFamily="18" charset="0"/>
+                          </a:rPr>
+                          <m:t>1</m:t>
+                        </m:r>
+                      </m:num>
+                      <m:den>
+                        <m:r>
+                          <a:rPr lang="en-US" b="0" i="1" smtClean="0">
+                            <a:latin typeface="Cambria Math" panose="02040503050406030204" pitchFamily="18" charset="0"/>
+                          </a:rPr>
+                          <m:t>𝑛</m:t>
+                        </m:r>
+                      </m:den>
+                    </m:f>
+                    <m:nary>
+                      <m:naryPr>
+                        <m:chr m:val="∑"/>
+                        <m:ctrlPr>
+                          <a:rPr lang="en-US" i="1" smtClean="0">
+                            <a:latin typeface="Cambria Math" panose="02040503050406030204" pitchFamily="18" charset="0"/>
+                          </a:rPr>
+                        </m:ctrlPr>
+                      </m:naryPr>
+                      <m:sub>
+                        <m:r>
+                          <m:rPr>
+                            <m:brk m:alnAt="23"/>
+                          </m:rPr>
+                          <a:rPr lang="en-US" b="0" i="1" smtClean="0">
+                            <a:latin typeface="Cambria Math" panose="02040503050406030204" pitchFamily="18" charset="0"/>
+                          </a:rPr>
+                          <m:t>𝑖</m:t>
+                        </m:r>
+                        <m:r>
+                          <a:rPr lang="en-US" b="0" i="1" smtClean="0">
+                            <a:latin typeface="Cambria Math" panose="02040503050406030204" pitchFamily="18" charset="0"/>
+                          </a:rPr>
+                          <m:t>=1</m:t>
+                        </m:r>
+                      </m:sub>
+                      <m:sup>
+                        <m:r>
+                          <a:rPr lang="en-US" b="0" i="1" smtClean="0">
+                            <a:latin typeface="Cambria Math" panose="02040503050406030204" pitchFamily="18" charset="0"/>
+                          </a:rPr>
+                          <m:t>𝑛</m:t>
+                        </m:r>
+                      </m:sup>
+                      <m:e>
+                        <m:sSup>
+                          <m:sSupPr>
+                            <m:ctrlPr>
+                              <a:rPr lang="en-US" i="1" smtClean="0">
+                                <a:latin typeface="Cambria Math" panose="02040503050406030204" pitchFamily="18" charset="0"/>
+                              </a:rPr>
+                            </m:ctrlPr>
+                          </m:sSupPr>
+                          <m:e>
+                            <m:d>
+                              <m:dPr>
+                                <m:ctrlPr>
+                                  <a:rPr lang="en-US" i="1" smtClean="0">
+                                    <a:latin typeface="Cambria Math" panose="02040503050406030204" pitchFamily="18" charset="0"/>
+                                  </a:rPr>
+                                </m:ctrlPr>
+                              </m:dPr>
+                              <m:e>
+                                <m:sSub>
+                                  <m:sSubPr>
+                                    <m:ctrlPr>
+                                      <a:rPr lang="en-US" i="1" smtClean="0">
+                                        <a:latin typeface="Cambria Math" panose="02040503050406030204" pitchFamily="18" charset="0"/>
+                                      </a:rPr>
+                                    </m:ctrlPr>
+                                  </m:sSubPr>
+                                  <m:e>
+                                    <m:r>
+                                      <m:rPr>
+                                        <m:nor/>
+                                      </m:rPr>
+                                      <a:rPr lang="en-US" dirty="0"/>
+                                      <m:t>Ŷ</m:t>
+                                    </m:r>
+                                  </m:e>
+                                  <m:sub>
+                                    <m:r>
+                                      <a:rPr lang="en-US" b="0" i="1" smtClean="0">
+                                        <a:latin typeface="Cambria Math" panose="02040503050406030204" pitchFamily="18" charset="0"/>
+                                      </a:rPr>
+                                      <m:t>𝑖</m:t>
+                                    </m:r>
+                                  </m:sub>
+                                </m:sSub>
+                                <m:r>
+                                  <a:rPr lang="en-US" b="0" i="1" smtClean="0">
+                                    <a:latin typeface="Cambria Math" panose="02040503050406030204" pitchFamily="18" charset="0"/>
+                                  </a:rPr>
+                                  <m:t>−</m:t>
+                                </m:r>
+                                <m:sSub>
+                                  <m:sSubPr>
+                                    <m:ctrlPr>
+                                      <a:rPr lang="en-US" b="0" i="1" smtClean="0">
+                                        <a:latin typeface="Cambria Math" panose="02040503050406030204" pitchFamily="18" charset="0"/>
+                                      </a:rPr>
+                                    </m:ctrlPr>
+                                  </m:sSubPr>
+                                  <m:e>
+                                    <m:r>
+                                      <a:rPr lang="en-US" b="0" i="1" smtClean="0">
+                                        <a:latin typeface="Cambria Math" panose="02040503050406030204" pitchFamily="18" charset="0"/>
+                                      </a:rPr>
+                                      <m:t>𝑌</m:t>
+                                    </m:r>
+                                  </m:e>
+                                  <m:sub>
+                                    <m:r>
+                                      <a:rPr lang="en-US" b="0" i="1" smtClean="0">
+                                        <a:latin typeface="Cambria Math" panose="02040503050406030204" pitchFamily="18" charset="0"/>
+                                      </a:rPr>
+                                      <m:t>𝑖</m:t>
+                                    </m:r>
+                                  </m:sub>
+                                </m:sSub>
+                              </m:e>
+                            </m:d>
+                          </m:e>
+                          <m:sup>
+                            <m:r>
+                              <a:rPr lang="en-US" b="0" i="1" smtClean="0">
+                                <a:latin typeface="Cambria Math" panose="02040503050406030204" pitchFamily="18" charset="0"/>
+                              </a:rPr>
+                              <m:t>2</m:t>
+                            </m:r>
+                          </m:sup>
+                        </m:sSup>
+                      </m:e>
+                    </m:nary>
+                  </m:oMath>
+                </a14:m>
+                <a:r>
+                  <a:rPr lang="en-US" dirty="0"/>
+                  <a:t> + r</a:t>
+                </a:r>
+              </a:p>
+              <a:p>
+                <a:pPr lvl="3"/>
+                <a:r>
+                  <a:rPr lang="en-US" dirty="0"/>
+                  <a:t>J = Cost Function</a:t>
+                </a:r>
+              </a:p>
+              <a:p>
+                <a:pPr lvl="3"/>
+                <a:r>
+                  <a:rPr lang="en-US" dirty="0"/>
+                  <a:t>Ŷ = predicted label</a:t>
+                </a:r>
+              </a:p>
+              <a:p>
+                <a:pPr lvl="3"/>
+                <a:r>
+                  <a:rPr lang="en-US" dirty="0"/>
+                  <a:t>Y = actual label</a:t>
+                </a:r>
+              </a:p>
+              <a:p>
+                <a:pPr lvl="3"/>
+                <a:r>
+                  <a:rPr lang="en-US" dirty="0"/>
+                  <a:t>n = number of samples</a:t>
+                </a:r>
+              </a:p>
+              <a:p>
+                <a:pPr lvl="3"/>
+                <a:r>
+                  <a:rPr lang="en-US" dirty="0"/>
+                  <a:t>r = regularization penalty to cost function</a:t>
+                </a:r>
+              </a:p>
+              <a:p>
+                <a:pPr lvl="2"/>
+                <a:endParaRPr lang="en-US" dirty="0"/>
+              </a:p>
+              <a:p>
+                <a:endParaRPr lang="en-US" dirty="0"/>
+              </a:p>
+              <a:p>
+                <a:pPr lvl="1"/>
+                <a:endParaRPr lang="en-US" dirty="0"/>
+              </a:p>
+              <a:p>
+                <a:pPr lvl="2"/>
+                <a:endParaRPr lang="en-US" dirty="0"/>
+              </a:p>
+              <a:p>
+                <a:pPr lvl="2"/>
+                <a:endParaRPr lang="en-US" dirty="0"/>
+              </a:p>
+              <a:p>
+                <a:endParaRPr lang="en-US" dirty="0"/>
+              </a:p>
+            </p:txBody>
+          </p:sp>
+        </mc:Choice>
+        <mc:Fallback>
+          <p:sp>
+            <p:nvSpPr>
+              <p:cNvPr id="3" name="Content Placeholder 2"/>
+              <p:cNvSpPr>
+                <a:spLocks noGrp="1" noRot="1" noChangeAspect="1" noMove="1" noResize="1" noEditPoints="1" noAdjustHandles="1" noChangeArrowheads="1" noChangeShapeType="1" noTextEdit="1"/>
+              </p:cNvSpPr>
+              <p:nvPr>
+                <p:ph idx="1"/>
+              </p:nvPr>
+            </p:nvSpPr>
+            <p:spPr>
+              <a:blipFill>
+                <a:blip r:embed="rId5"/>
+                <a:stretch>
+                  <a:fillRect l="-1704" t="-1752"/>
+                </a:stretch>
+              </a:blipFill>
+            </p:spPr>
+            <p:txBody>
+              <a:bodyPr/>
+              <a:lstStyle/>
+              <a:p>
+                <a:r>
+                  <a:rPr lang="en-US">
+                    <a:noFill/>
+                  </a:rPr>
+                  <a:t> </a:t>
+                </a:r>
+              </a:p>
+            </p:txBody>
+          </p:sp>
+        </mc:Fallback>
+      </mc:AlternateContent>
+    </p:spTree>
+    <p:extLst>
+      <p:ext uri="{BB962C8B-B14F-4D97-AF65-F5344CB8AC3E}">
+        <p14:creationId xmlns:p14="http://schemas.microsoft.com/office/powerpoint/2010/main" val="904966842"/>
+      </p:ext>
+    </p:extLst>
+  </p:cSld>
+  <p:clrMapOvr>
+    <a:overrideClrMapping bg1="lt1" tx1="dk1" bg2="lt2" tx2="dk2" accent1="accent1" accent2="accent2" accent3="accent3" accent4="accent4" accent5="accent5" accent6="accent6" hlink="hlink" folHlink="folHlink"/>
+  </p:clrMapOvr>
+</p:sld>
+</file>
+
+<file path=ppt/slides/slide63.xml><?xml version="1.0" encoding="utf-8"?>
+<p:sld xmlns:a="http://schemas.openxmlformats.org/drawingml/2006/main" xmlns:r="http://schemas.openxmlformats.org/officeDocument/2006/relationships" xmlns:p="http://schemas.openxmlformats.org/presentationml/2006/main">
+  <p:cSld>
+    <p:bg>
+      <p:bgPr>
+        <a:blipFill dpi="0" rotWithShape="1">
+          <a:blip r:embed="rId3">
+            <a:extLst>
+              <a:ext uri="{BEBA8EAE-BF5A-486C-A8C5-ECC9F3942E4B}">
+                <a14:imgProps xmlns:a14="http://schemas.microsoft.com/office/drawing/2010/main">
+                  <a14:imgLayer r:embed="rId4">
+                    <a14:imgEffect>
+                      <a14:brightnessContrast bright="-50000"/>
+                    </a14:imgEffect>
+                  </a14:imgLayer>
+                </a14:imgProps>
+              </a:ext>
+            </a:extLst>
+          </a:blip>
+          <a:srcRect/>
+          <a:stretch>
+            <a:fillRect l="-10000" r="-10000"/>
+          </a:stretch>
+        </a:blipFill>
+        <a:effectLst/>
+      </p:bgPr>
+    </p:bg>
+    <p:spTree>
+      <p:nvGrpSpPr>
+        <p:cNvPr id="1" name=""/>
+        <p:cNvGrpSpPr/>
+        <p:nvPr/>
+      </p:nvGrpSpPr>
+      <p:grpSpPr>
+        <a:xfrm>
+          <a:off x="0" y="0"/>
+          <a:ext cx="0" cy="0"/>
+          <a:chOff x="0" y="0"/>
+          <a:chExt cx="0" cy="0"/>
+        </a:xfrm>
+      </p:grpSpPr>
+      <p:sp>
+        <p:nvSpPr>
+          <p:cNvPr id="2" name="Title 1"/>
+          <p:cNvSpPr>
+            <a:spLocks noGrp="1"/>
+          </p:cNvSpPr>
+          <p:nvPr>
+            <p:ph type="title"/>
+          </p:nvPr>
+        </p:nvSpPr>
+        <p:spPr/>
+        <p:txBody>
+          <a:bodyPr/>
+          <a:lstStyle/>
+          <a:p>
+            <a:r>
+              <a:rPr lang="en-US" dirty="0"/>
+              <a:t>Linear Models - Classifiers</a:t>
+            </a:r>
+          </a:p>
+        </p:txBody>
+      </p:sp>
+      <mc:AlternateContent xmlns:mc="http://schemas.openxmlformats.org/markup-compatibility/2006">
+        <mc:Choice xmlns:a14="http://schemas.microsoft.com/office/drawing/2010/main" Requires="a14">
           <p:sp>
             <p:nvSpPr>
               <p:cNvPr id="3" name="Content Placeholder 2"/>
@@ -21613,12 +22128,25 @@
                       <m:sub/>
                       <m:sup/>
                       <m:e>
-                        <m:r>
-                          <a:rPr lang="en-US" b="0" i="1" dirty="0" smtClean="0">
-                            <a:latin typeface="Cambria Math" panose="02040503050406030204" pitchFamily="18" charset="0"/>
-                          </a:rPr>
-                          <m:t>𝑤</m:t>
-                        </m:r>
+                        <m:d>
+                          <m:dPr>
+                            <m:begChr m:val="|"/>
+                            <m:endChr m:val="|"/>
+                            <m:ctrlPr>
+                              <a:rPr lang="en-US" i="1" dirty="0" smtClean="0">
+                                <a:latin typeface="Cambria Math" panose="02040503050406030204" pitchFamily="18" charset="0"/>
+                              </a:rPr>
+                            </m:ctrlPr>
+                          </m:dPr>
+                          <m:e>
+                            <m:r>
+                              <a:rPr lang="en-US" b="0" i="1" dirty="0" smtClean="0">
+                                <a:latin typeface="Cambria Math" panose="02040503050406030204" pitchFamily="18" charset="0"/>
+                              </a:rPr>
+                              <m:t>𝑤</m:t>
+                            </m:r>
+                          </m:e>
+                        </m:d>
                       </m:e>
                     </m:nary>
                   </m:oMath>
@@ -21660,7 +22188,7 @@
             </p:txBody>
           </p:sp>
         </mc:Choice>
-        <mc:Fallback xmlns="">
+        <mc:Fallback>
           <p:sp>
             <p:nvSpPr>
               <p:cNvPr id="3" name="Content Placeholder 2"/>
@@ -21707,7 +22235,7 @@
 </p:sld>
 </file>
 
-<file path=ppt/slides/slide63.xml><?xml version="1.0" encoding="utf-8"?>
+<file path=ppt/slides/slide64.xml><?xml version="1.0" encoding="utf-8"?>
 <p:sld xmlns:a="http://schemas.openxmlformats.org/drawingml/2006/main" xmlns:r="http://schemas.openxmlformats.org/officeDocument/2006/relationships" xmlns:p="http://schemas.openxmlformats.org/presentationml/2006/main">
   <p:cSld>
     <p:bg>
@@ -21770,8 +22298,8 @@
           </a:p>
         </p:txBody>
       </p:sp>
-      <mc:AlternateContent xmlns:mc="http://schemas.openxmlformats.org/markup-compatibility/2006" xmlns:a14="http://schemas.microsoft.com/office/drawing/2010/main">
-        <mc:Choice Requires="a14">
+      <mc:AlternateContent xmlns:mc="http://schemas.openxmlformats.org/markup-compatibility/2006">
+        <mc:Choice xmlns:a14="http://schemas.microsoft.com/office/drawing/2010/main" Requires="a14">
           <p:sp>
             <p:nvSpPr>
               <p:cNvPr id="3" name="Content Placeholder 2"/>
@@ -21815,6 +22343,31 @@
                       </a:rPr>
                       <m:t>∗</m:t>
                     </m:r>
+                    <m:f>
+                      <m:fPr>
+                        <m:ctrlPr>
+                          <a:rPr lang="en-US" b="0" i="1" dirty="0" smtClean="0">
+                            <a:latin typeface="Cambria Math" panose="02040503050406030204" pitchFamily="18" charset="0"/>
+                          </a:rPr>
+                        </m:ctrlPr>
+                      </m:fPr>
+                      <m:num>
+                        <m:r>
+                          <a:rPr lang="en-US" b="0" i="1" dirty="0" smtClean="0">
+                            <a:latin typeface="Cambria Math" panose="02040503050406030204" pitchFamily="18" charset="0"/>
+                          </a:rPr>
+                          <m:t>1</m:t>
+                        </m:r>
+                      </m:num>
+                      <m:den>
+                        <m:r>
+                          <a:rPr lang="en-US" b="0" i="1" dirty="0" smtClean="0">
+                            <a:latin typeface="Cambria Math" panose="02040503050406030204" pitchFamily="18" charset="0"/>
+                          </a:rPr>
+                          <m:t>2</m:t>
+                        </m:r>
+                      </m:den>
+                    </m:f>
                     <m:nary>
                       <m:naryPr>
                         <m:chr m:val="∑"/>
@@ -21884,7 +22437,7 @@
             </p:txBody>
           </p:sp>
         </mc:Choice>
-        <mc:Fallback xmlns="">
+        <mc:Fallback>
           <p:sp>
             <p:nvSpPr>
               <p:cNvPr id="3" name="Content Placeholder 2"/>
@@ -21931,7 +22484,7 @@
 </p:sld>
 </file>
 
-<file path=ppt/slides/slide64.xml><?xml version="1.0" encoding="utf-8"?>
+<file path=ppt/slides/slide65.xml><?xml version="1.0" encoding="utf-8"?>
 <p:sld xmlns:a="http://schemas.openxmlformats.org/drawingml/2006/main" xmlns:r="http://schemas.openxmlformats.org/officeDocument/2006/relationships" xmlns:p="http://schemas.openxmlformats.org/presentationml/2006/main">
   <p:cSld>
     <p:bg>
@@ -22044,140 +22597,6 @@
     <p:extLst>
       <p:ext uri="{BB962C8B-B14F-4D97-AF65-F5344CB8AC3E}">
         <p14:creationId xmlns:p14="http://schemas.microsoft.com/office/powerpoint/2010/main" val="730438719"/>
-      </p:ext>
-    </p:extLst>
-  </p:cSld>
-  <p:clrMapOvr>
-    <a:overrideClrMapping bg1="lt1" tx1="dk1" bg2="lt2" tx2="dk2" accent1="accent1" accent2="accent2" accent3="accent3" accent4="accent4" accent5="accent5" accent6="accent6" hlink="hlink" folHlink="folHlink"/>
-  </p:clrMapOvr>
-</p:sld>
-</file>
-
-<file path=ppt/slides/slide65.xml><?xml version="1.0" encoding="utf-8"?>
-<p:sld xmlns:a="http://schemas.openxmlformats.org/drawingml/2006/main" xmlns:r="http://schemas.openxmlformats.org/officeDocument/2006/relationships" xmlns:p="http://schemas.openxmlformats.org/presentationml/2006/main">
-  <p:cSld>
-    <p:bg>
-      <p:bgPr>
-        <a:blipFill dpi="0" rotWithShape="1">
-          <a:blip r:embed="rId4">
-            <a:extLst>
-              <a:ext uri="{BEBA8EAE-BF5A-486C-A8C5-ECC9F3942E4B}">
-                <a14:imgProps xmlns:a14="http://schemas.microsoft.com/office/drawing/2010/main">
-                  <a14:imgLayer r:embed="rId5">
-                    <a14:imgEffect>
-                      <a14:brightnessContrast bright="-50000"/>
-                    </a14:imgEffect>
-                  </a14:imgLayer>
-                </a14:imgProps>
-              </a:ext>
-            </a:extLst>
-          </a:blip>
-          <a:srcRect/>
-          <a:stretch>
-            <a:fillRect l="-10000" r="-10000"/>
-          </a:stretch>
-        </a:blipFill>
-        <a:effectLst/>
-      </p:bgPr>
-    </p:bg>
-    <p:spTree>
-      <p:nvGrpSpPr>
-        <p:cNvPr id="1" name=""/>
-        <p:cNvGrpSpPr/>
-        <p:nvPr/>
-      </p:nvGrpSpPr>
-      <p:grpSpPr>
-        <a:xfrm>
-          <a:off x="0" y="0"/>
-          <a:ext cx="0" cy="0"/>
-          <a:chOff x="0" y="0"/>
-          <a:chExt cx="0" cy="0"/>
-        </a:xfrm>
-      </p:grpSpPr>
-      <p:sp>
-        <p:nvSpPr>
-          <p:cNvPr id="2" name="Title 1"/>
-          <p:cNvSpPr>
-            <a:spLocks noGrp="1"/>
-          </p:cNvSpPr>
-          <p:nvPr>
-            <p:ph type="title"/>
-          </p:nvPr>
-        </p:nvSpPr>
-        <p:spPr/>
-        <p:txBody>
-          <a:bodyPr/>
-          <a:lstStyle/>
-          <a:p>
-            <a:r>
-              <a:rPr lang="en-US" dirty="0"/>
-              <a:t>Linear Models - Classifiers</a:t>
-            </a:r>
-          </a:p>
-        </p:txBody>
-      </p:sp>
-      <p:sp>
-        <p:nvSpPr>
-          <p:cNvPr id="3" name="Content Placeholder 2"/>
-          <p:cNvSpPr>
-            <a:spLocks noGrp="1"/>
-          </p:cNvSpPr>
-          <p:nvPr>
-            <p:ph idx="1"/>
-          </p:nvPr>
-        </p:nvSpPr>
-        <p:spPr/>
-        <p:txBody>
-          <a:bodyPr/>
-          <a:lstStyle/>
-          <a:p>
-            <a:r>
-              <a:rPr lang="en-US" dirty="0"/>
-              <a:t>Support Vector Machine (SVM) Classifiers</a:t>
-            </a:r>
-          </a:p>
-          <a:p>
-            <a:pPr lvl="1"/>
-            <a:r>
-              <a:rPr lang="en-US" dirty="0"/>
-              <a:t>Linear</a:t>
-            </a:r>
-          </a:p>
-          <a:p>
-            <a:pPr lvl="1"/>
-            <a:r>
-              <a:rPr lang="en-US" dirty="0"/>
-              <a:t>Kernelized</a:t>
-            </a:r>
-          </a:p>
-          <a:p>
-            <a:pPr lvl="1"/>
-            <a:r>
-              <a:rPr lang="en-US"/>
-              <a:t>Nonlinear SVM</a:t>
-            </a:r>
-            <a:endParaRPr lang="en-US" dirty="0"/>
-          </a:p>
-          <a:p>
-            <a:pPr lvl="2"/>
-            <a:r>
-              <a:rPr lang="en-US" dirty="0"/>
-              <a:t>Use feature engineering to generate more features</a:t>
-            </a:r>
-          </a:p>
-          <a:p>
-            <a:pPr lvl="2"/>
-            <a:endParaRPr lang="en-US" dirty="0"/>
-          </a:p>
-          <a:p>
-            <a:endParaRPr lang="en-US" dirty="0"/>
-          </a:p>
-        </p:txBody>
-      </p:sp>
-    </p:spTree>
-    <p:extLst>
-      <p:ext uri="{BB962C8B-B14F-4D97-AF65-F5344CB8AC3E}">
-        <p14:creationId xmlns:p14="http://schemas.microsoft.com/office/powerpoint/2010/main" val="3528512833"/>
       </p:ext>
     </p:extLst>
   </p:cSld>
@@ -22267,19 +22686,37 @@
           <a:p>
             <a:r>
               <a:rPr lang="en-US" dirty="0"/>
-              <a:t>Linear SVM</a:t>
+              <a:t>Support Vector Machine (SVM) Classifiers</a:t>
             </a:r>
           </a:p>
           <a:p>
             <a:pPr lvl="1"/>
             <a:r>
               <a:rPr lang="en-US" dirty="0"/>
-              <a:t>Attempts to create decision boundaries that maximize the space between the two closest samples.</a:t>
+              <a:t>Linear</a:t>
             </a:r>
           </a:p>
           <a:p>
             <a:pPr lvl="1"/>
+            <a:r>
+              <a:rPr lang="en-US" dirty="0"/>
+              <a:t>Kernelized</a:t>
+            </a:r>
+          </a:p>
+          <a:p>
+            <a:pPr lvl="1"/>
+            <a:r>
+              <a:rPr lang="en-US"/>
+              <a:t>Nonlinear SVM</a:t>
+            </a:r>
             <a:endParaRPr lang="en-US" dirty="0"/>
+          </a:p>
+          <a:p>
+            <a:pPr lvl="2"/>
+            <a:r>
+              <a:rPr lang="en-US" dirty="0"/>
+              <a:t>Use feature engineering to generate more features</a:t>
+            </a:r>
           </a:p>
           <a:p>
             <a:pPr lvl="2"/>
@@ -22293,7 +22730,7 @@
     </p:spTree>
     <p:extLst>
       <p:ext uri="{BB962C8B-B14F-4D97-AF65-F5344CB8AC3E}">
-        <p14:creationId xmlns:p14="http://schemas.microsoft.com/office/powerpoint/2010/main" val="3971906196"/>
+        <p14:creationId xmlns:p14="http://schemas.microsoft.com/office/powerpoint/2010/main" val="3528512833"/>
       </p:ext>
     </p:extLst>
   </p:cSld>
@@ -22383,11 +22820,22 @@
           <a:p>
             <a:r>
               <a:rPr lang="en-US" dirty="0"/>
-         